--- a/Project Management/PI Planning/20PI4 Planning/Zowe Community Squad Focus for 20PI4.pptx
+++ b/Project Management/PI Planning/20PI4 Planning/Zowe Community Squad Focus for 20PI4.pptx
@@ -8,7 +8,7 @@
     <p:sldMasterId id="2147483687" r:id="rId4"/>
   </p:sldMasterIdLst>
   <p:notesMasterIdLst>
-    <p:notesMasterId r:id="rId13"/>
+    <p:notesMasterId r:id="rId16"/>
   </p:notesMasterIdLst>
   <p:sldIdLst>
     <p:sldId id="256" r:id="rId5"/>
@@ -17,8 +17,11 @@
     <p:sldId id="259" r:id="rId8"/>
     <p:sldId id="260" r:id="rId9"/>
     <p:sldId id="261" r:id="rId10"/>
-    <p:sldId id="264" r:id="rId11"/>
-    <p:sldId id="265" r:id="rId12"/>
+    <p:sldId id="267" r:id="rId11"/>
+    <p:sldId id="268" r:id="rId12"/>
+    <p:sldId id="269" r:id="rId13"/>
+    <p:sldId id="264" r:id="rId14"/>
+    <p:sldId id="265" r:id="rId15"/>
   </p:sldIdLst>
   <p:sldSz cx="9144000" cy="5143500" type="screen16x9"/>
   <p:notesSz cx="6858000" cy="9144000"/>
@@ -476,6 +479,100 @@
       </p:grpSpPr>
       <p:sp>
         <p:nvSpPr>
+          <p:cNvPr id="2" name="Slide Image Placeholder 1"/>
+          <p:cNvSpPr>
+            <a:spLocks noGrp="1" noRot="1" noChangeAspect="1"/>
+          </p:cNvSpPr>
+          <p:nvPr>
+            <p:ph type="sldImg"/>
+          </p:nvPr>
+        </p:nvSpPr>
+        <p:spPr>
+          <a:xfrm>
+            <a:off x="533400" y="763588"/>
+            <a:ext cx="6704013" cy="3771900"/>
+          </a:xfrm>
+        </p:spPr>
+      </p:sp>
+      <p:sp>
+        <p:nvSpPr>
+          <p:cNvPr id="3" name="Notes Placeholder 2"/>
+          <p:cNvSpPr>
+            <a:spLocks noGrp="1"/>
+          </p:cNvSpPr>
+          <p:nvPr>
+            <p:ph type="body" idx="1"/>
+          </p:nvPr>
+        </p:nvSpPr>
+        <p:spPr/>
+        <p:txBody>
+          <a:bodyPr/>
+          <a:lstStyle/>
+          <a:p>
+            <a:endParaRPr lang="en-US" dirty="0"/>
+          </a:p>
+        </p:txBody>
+      </p:sp>
+      <p:sp>
+        <p:nvSpPr>
+          <p:cNvPr id="4" name="Slide Number Placeholder 3"/>
+          <p:cNvSpPr>
+            <a:spLocks noGrp="1"/>
+          </p:cNvSpPr>
+          <p:nvPr>
+            <p:ph type="sldNum"/>
+          </p:nvPr>
+        </p:nvSpPr>
+        <p:spPr/>
+        <p:txBody>
+          <a:bodyPr/>
+          <a:lstStyle/>
+          <a:p>
+            <a:pPr algn="r"/>
+            <a:fld id="{BA3CDCDB-E9EF-4257-93B9-33682187AA79}" type="slidenum">
+              <a:rPr lang="en-US" sz="1400" b="0" strike="noStrike" spc="-1" smtClean="0">
+                <a:latin typeface="Times New Roman"/>
+              </a:rPr>
+              <a:t>5</a:t>
+            </a:fld>
+            <a:endParaRPr lang="en-US" sz="1400" b="0" strike="noStrike" spc="-1">
+              <a:latin typeface="Times New Roman"/>
+            </a:endParaRPr>
+          </a:p>
+        </p:txBody>
+      </p:sp>
+    </p:spTree>
+    <p:extLst>
+      <p:ext uri="{BB962C8B-B14F-4D97-AF65-F5344CB8AC3E}">
+        <p14:creationId xmlns:p14="http://schemas.microsoft.com/office/powerpoint/2010/main" val="3725876168"/>
+      </p:ext>
+    </p:extLst>
+  </p:cSld>
+  <p:clrMapOvr>
+    <a:masterClrMapping/>
+  </p:clrMapOvr>
+</p:notes>
+</file>
+
+<file path=ppt/notesSlides/notesSlide2.xml><?xml version="1.0" encoding="utf-8"?>
+<p:notes xmlns:a="http://schemas.openxmlformats.org/drawingml/2006/main" xmlns:r="http://schemas.openxmlformats.org/officeDocument/2006/relationships" xmlns:p="http://schemas.openxmlformats.org/presentationml/2006/main">
+  <p:cSld>
+    <p:spTree>
+      <p:nvGrpSpPr>
+        <p:cNvPr id="1" name=""/>
+        <p:cNvGrpSpPr/>
+        <p:nvPr/>
+      </p:nvGrpSpPr>
+      <p:grpSpPr>
+        <a:xfrm>
+          <a:off x="0" y="0"/>
+          <a:ext cx="0" cy="0"/>
+          <a:chOff x="0" y="0"/>
+          <a:chExt cx="0" cy="0"/>
+        </a:xfrm>
+      </p:grpSpPr>
+      <p:sp>
+        <p:nvSpPr>
           <p:cNvPr id="243" name="PlaceHolder 1"/>
           <p:cNvSpPr>
             <a:spLocks noGrp="1" noRot="1" noChangeAspect="1"/>
@@ -611,6 +708,504 @@
         </p:txBody>
       </p:sp>
     </p:spTree>
+  </p:cSld>
+  <p:clrMapOvr>
+    <a:masterClrMapping/>
+  </p:clrMapOvr>
+</p:notes>
+</file>
+
+<file path=ppt/notesSlides/notesSlide3.xml><?xml version="1.0" encoding="utf-8"?>
+<p:notes xmlns:a="http://schemas.openxmlformats.org/drawingml/2006/main" xmlns:r="http://schemas.openxmlformats.org/officeDocument/2006/relationships" xmlns:p="http://schemas.openxmlformats.org/presentationml/2006/main">
+  <p:cSld>
+    <p:spTree>
+      <p:nvGrpSpPr>
+        <p:cNvPr id="1" name=""/>
+        <p:cNvGrpSpPr/>
+        <p:nvPr/>
+      </p:nvGrpSpPr>
+      <p:grpSpPr>
+        <a:xfrm>
+          <a:off x="0" y="0"/>
+          <a:ext cx="0" cy="0"/>
+          <a:chOff x="0" y="0"/>
+          <a:chExt cx="0" cy="0"/>
+        </a:xfrm>
+      </p:grpSpPr>
+      <p:sp>
+        <p:nvSpPr>
+          <p:cNvPr id="243" name="PlaceHolder 1"/>
+          <p:cNvSpPr>
+            <a:spLocks noGrp="1" noRot="1" noChangeAspect="1"/>
+          </p:cNvSpPr>
+          <p:nvPr>
+            <p:ph type="sldImg"/>
+          </p:nvPr>
+        </p:nvSpPr>
+        <p:spPr>
+          <a:xfrm>
+            <a:off x="381000" y="685800"/>
+            <a:ext cx="6096000" cy="3429000"/>
+          </a:xfrm>
+          <a:prstGeom prst="rect">
+            <a:avLst/>
+          </a:prstGeom>
+        </p:spPr>
+      </p:sp>
+      <p:sp>
+        <p:nvSpPr>
+          <p:cNvPr id="244" name="PlaceHolder 2"/>
+          <p:cNvSpPr>
+            <a:spLocks noGrp="1"/>
+          </p:cNvSpPr>
+          <p:nvPr>
+            <p:ph type="body"/>
+          </p:nvPr>
+        </p:nvSpPr>
+        <p:spPr>
+          <a:xfrm>
+            <a:off x="685800" y="4343400"/>
+            <a:ext cx="5486040" cy="4114440"/>
+          </a:xfrm>
+          <a:prstGeom prst="rect">
+            <a:avLst/>
+          </a:prstGeom>
+        </p:spPr>
+        <p:txBody>
+          <a:bodyPr tIns="91440" bIns="91440">
+            <a:noAutofit/>
+          </a:bodyPr>
+          <a:lstStyle/>
+          <a:p>
+            <a:pPr marL="158760">
+              <a:lnSpc>
+                <a:spcPct val="100000"/>
+              </a:lnSpc>
+            </a:pPr>
+            <a:r>
+              <a:rPr lang="en-US" sz="1100" b="0" strike="noStrike" spc="-1">
+                <a:solidFill>
+                  <a:srgbClr val="000000"/>
+                </a:solidFill>
+                <a:latin typeface="Arial"/>
+                <a:ea typeface="Arial"/>
+              </a:rPr>
+              <a:t>Notes: </a:t>
+            </a:r>
+            <a:endParaRPr lang="en-US" sz="1100" b="0" strike="noStrike" spc="-1">
+              <a:latin typeface="Arial"/>
+            </a:endParaRPr>
+          </a:p>
+          <a:p>
+            <a:pPr marL="158760">
+              <a:lnSpc>
+                <a:spcPct val="100000"/>
+              </a:lnSpc>
+            </a:pPr>
+            <a:r>
+              <a:rPr lang="en-US" sz="1100" b="0" strike="noStrike" spc="-1">
+                <a:solidFill>
+                  <a:srgbClr val="000000"/>
+                </a:solidFill>
+                <a:latin typeface="Arial"/>
+                <a:ea typeface="Arial"/>
+              </a:rPr>
+              <a:t>x.509 is one of the  industry standard ways of authenticating to backend services</a:t>
+            </a:r>
+            <a:endParaRPr lang="en-US" sz="1100" b="0" strike="noStrike" spc="-1">
+              <a:latin typeface="Arial"/>
+            </a:endParaRPr>
+          </a:p>
+          <a:p>
+            <a:pPr marL="158760">
+              <a:lnSpc>
+                <a:spcPct val="100000"/>
+              </a:lnSpc>
+            </a:pPr>
+            <a:r>
+              <a:rPr lang="en-US" sz="1100" b="0" strike="noStrike" spc="-1">
+                <a:solidFill>
+                  <a:srgbClr val="000000"/>
+                </a:solidFill>
+                <a:latin typeface="Arial"/>
+                <a:ea typeface="Arial"/>
+              </a:rPr>
+              <a:t>Zowe Client apps will need to be updated to support client certs</a:t>
+            </a:r>
+            <a:endParaRPr lang="en-US" sz="1100" b="0" strike="noStrike" spc="-1">
+              <a:latin typeface="Arial"/>
+            </a:endParaRPr>
+          </a:p>
+          <a:p>
+            <a:pPr marL="158760">
+              <a:lnSpc>
+                <a:spcPct val="100000"/>
+              </a:lnSpc>
+            </a:pPr>
+            <a:r>
+              <a:rPr lang="en-US" sz="1100" b="0" strike="noStrike" spc="-1">
+                <a:solidFill>
+                  <a:srgbClr val="000000"/>
+                </a:solidFill>
+                <a:latin typeface="Arial"/>
+                <a:ea typeface="Arial"/>
+              </a:rPr>
+              <a:t>Customer apps may have their own way of supporting client certs</a:t>
+            </a:r>
+            <a:endParaRPr lang="en-US" sz="1100" b="0" strike="noStrike" spc="-1">
+              <a:latin typeface="Arial"/>
+            </a:endParaRPr>
+          </a:p>
+          <a:p>
+            <a:pPr marL="158760">
+              <a:lnSpc>
+                <a:spcPct val="100000"/>
+              </a:lnSpc>
+            </a:pPr>
+            <a:endParaRPr lang="en-US" sz="1100" b="0" strike="noStrike" spc="-1">
+              <a:latin typeface="Arial"/>
+            </a:endParaRPr>
+          </a:p>
+        </p:txBody>
+      </p:sp>
+    </p:spTree>
+    <p:extLst>
+      <p:ext uri="{BB962C8B-B14F-4D97-AF65-F5344CB8AC3E}">
+        <p14:creationId xmlns:p14="http://schemas.microsoft.com/office/powerpoint/2010/main" val="3714303811"/>
+      </p:ext>
+    </p:extLst>
+  </p:cSld>
+  <p:clrMapOvr>
+    <a:masterClrMapping/>
+  </p:clrMapOvr>
+</p:notes>
+</file>
+
+<file path=ppt/notesSlides/notesSlide4.xml><?xml version="1.0" encoding="utf-8"?>
+<p:notes xmlns:a="http://schemas.openxmlformats.org/drawingml/2006/main" xmlns:r="http://schemas.openxmlformats.org/officeDocument/2006/relationships" xmlns:p="http://schemas.openxmlformats.org/presentationml/2006/main">
+  <p:cSld>
+    <p:spTree>
+      <p:nvGrpSpPr>
+        <p:cNvPr id="1" name=""/>
+        <p:cNvGrpSpPr/>
+        <p:nvPr/>
+      </p:nvGrpSpPr>
+      <p:grpSpPr>
+        <a:xfrm>
+          <a:off x="0" y="0"/>
+          <a:ext cx="0" cy="0"/>
+          <a:chOff x="0" y="0"/>
+          <a:chExt cx="0" cy="0"/>
+        </a:xfrm>
+      </p:grpSpPr>
+      <p:sp>
+        <p:nvSpPr>
+          <p:cNvPr id="243" name="PlaceHolder 1"/>
+          <p:cNvSpPr>
+            <a:spLocks noGrp="1" noRot="1" noChangeAspect="1"/>
+          </p:cNvSpPr>
+          <p:nvPr>
+            <p:ph type="sldImg"/>
+          </p:nvPr>
+        </p:nvSpPr>
+        <p:spPr>
+          <a:xfrm>
+            <a:off x="381000" y="685800"/>
+            <a:ext cx="6096000" cy="3429000"/>
+          </a:xfrm>
+          <a:prstGeom prst="rect">
+            <a:avLst/>
+          </a:prstGeom>
+        </p:spPr>
+      </p:sp>
+      <p:sp>
+        <p:nvSpPr>
+          <p:cNvPr id="244" name="PlaceHolder 2"/>
+          <p:cNvSpPr>
+            <a:spLocks noGrp="1"/>
+          </p:cNvSpPr>
+          <p:nvPr>
+            <p:ph type="body"/>
+          </p:nvPr>
+        </p:nvSpPr>
+        <p:spPr>
+          <a:xfrm>
+            <a:off x="685800" y="4343400"/>
+            <a:ext cx="5486040" cy="4114440"/>
+          </a:xfrm>
+          <a:prstGeom prst="rect">
+            <a:avLst/>
+          </a:prstGeom>
+        </p:spPr>
+        <p:txBody>
+          <a:bodyPr tIns="91440" bIns="91440">
+            <a:noAutofit/>
+          </a:bodyPr>
+          <a:lstStyle/>
+          <a:p>
+            <a:pPr marL="158760">
+              <a:lnSpc>
+                <a:spcPct val="100000"/>
+              </a:lnSpc>
+            </a:pPr>
+            <a:r>
+              <a:rPr lang="en-US" sz="1100" b="0" strike="noStrike" spc="-1">
+                <a:solidFill>
+                  <a:srgbClr val="000000"/>
+                </a:solidFill>
+                <a:latin typeface="Arial"/>
+                <a:ea typeface="Arial"/>
+              </a:rPr>
+              <a:t>Notes: </a:t>
+            </a:r>
+            <a:endParaRPr lang="en-US" sz="1100" b="0" strike="noStrike" spc="-1">
+              <a:latin typeface="Arial"/>
+            </a:endParaRPr>
+          </a:p>
+          <a:p>
+            <a:pPr marL="158760">
+              <a:lnSpc>
+                <a:spcPct val="100000"/>
+              </a:lnSpc>
+            </a:pPr>
+            <a:r>
+              <a:rPr lang="en-US" sz="1100" b="0" strike="noStrike" spc="-1">
+                <a:solidFill>
+                  <a:srgbClr val="000000"/>
+                </a:solidFill>
+                <a:latin typeface="Arial"/>
+                <a:ea typeface="Arial"/>
+              </a:rPr>
+              <a:t>x.509 is one of the  industry standard ways of authenticating to backend services</a:t>
+            </a:r>
+            <a:endParaRPr lang="en-US" sz="1100" b="0" strike="noStrike" spc="-1">
+              <a:latin typeface="Arial"/>
+            </a:endParaRPr>
+          </a:p>
+          <a:p>
+            <a:pPr marL="158760">
+              <a:lnSpc>
+                <a:spcPct val="100000"/>
+              </a:lnSpc>
+            </a:pPr>
+            <a:r>
+              <a:rPr lang="en-US" sz="1100" b="0" strike="noStrike" spc="-1">
+                <a:solidFill>
+                  <a:srgbClr val="000000"/>
+                </a:solidFill>
+                <a:latin typeface="Arial"/>
+                <a:ea typeface="Arial"/>
+              </a:rPr>
+              <a:t>Zowe Client apps will need to be updated to support client certs</a:t>
+            </a:r>
+            <a:endParaRPr lang="en-US" sz="1100" b="0" strike="noStrike" spc="-1">
+              <a:latin typeface="Arial"/>
+            </a:endParaRPr>
+          </a:p>
+          <a:p>
+            <a:pPr marL="158760">
+              <a:lnSpc>
+                <a:spcPct val="100000"/>
+              </a:lnSpc>
+            </a:pPr>
+            <a:r>
+              <a:rPr lang="en-US" sz="1100" b="0" strike="noStrike" spc="-1">
+                <a:solidFill>
+                  <a:srgbClr val="000000"/>
+                </a:solidFill>
+                <a:latin typeface="Arial"/>
+                <a:ea typeface="Arial"/>
+              </a:rPr>
+              <a:t>Customer apps may have their own way of supporting client certs</a:t>
+            </a:r>
+            <a:endParaRPr lang="en-US" sz="1100" b="0" strike="noStrike" spc="-1">
+              <a:latin typeface="Arial"/>
+            </a:endParaRPr>
+          </a:p>
+          <a:p>
+            <a:pPr marL="158760">
+              <a:lnSpc>
+                <a:spcPct val="100000"/>
+              </a:lnSpc>
+            </a:pPr>
+            <a:endParaRPr lang="en-US" sz="1100" b="0" strike="noStrike" spc="-1">
+              <a:latin typeface="Arial"/>
+            </a:endParaRPr>
+          </a:p>
+        </p:txBody>
+      </p:sp>
+    </p:spTree>
+    <p:extLst>
+      <p:ext uri="{BB962C8B-B14F-4D97-AF65-F5344CB8AC3E}">
+        <p14:creationId xmlns:p14="http://schemas.microsoft.com/office/powerpoint/2010/main" val="2284638772"/>
+      </p:ext>
+    </p:extLst>
+  </p:cSld>
+  <p:clrMapOvr>
+    <a:masterClrMapping/>
+  </p:clrMapOvr>
+</p:notes>
+</file>
+
+<file path=ppt/notesSlides/notesSlide5.xml><?xml version="1.0" encoding="utf-8"?>
+<p:notes xmlns:a="http://schemas.openxmlformats.org/drawingml/2006/main" xmlns:r="http://schemas.openxmlformats.org/officeDocument/2006/relationships" xmlns:p="http://schemas.openxmlformats.org/presentationml/2006/main">
+  <p:cSld>
+    <p:spTree>
+      <p:nvGrpSpPr>
+        <p:cNvPr id="1" name=""/>
+        <p:cNvGrpSpPr/>
+        <p:nvPr/>
+      </p:nvGrpSpPr>
+      <p:grpSpPr>
+        <a:xfrm>
+          <a:off x="0" y="0"/>
+          <a:ext cx="0" cy="0"/>
+          <a:chOff x="0" y="0"/>
+          <a:chExt cx="0" cy="0"/>
+        </a:xfrm>
+      </p:grpSpPr>
+      <p:sp>
+        <p:nvSpPr>
+          <p:cNvPr id="243" name="PlaceHolder 1"/>
+          <p:cNvSpPr>
+            <a:spLocks noGrp="1" noRot="1" noChangeAspect="1"/>
+          </p:cNvSpPr>
+          <p:nvPr>
+            <p:ph type="sldImg"/>
+          </p:nvPr>
+        </p:nvSpPr>
+        <p:spPr>
+          <a:xfrm>
+            <a:off x="381000" y="685800"/>
+            <a:ext cx="6096000" cy="3429000"/>
+          </a:xfrm>
+          <a:prstGeom prst="rect">
+            <a:avLst/>
+          </a:prstGeom>
+        </p:spPr>
+      </p:sp>
+      <p:sp>
+        <p:nvSpPr>
+          <p:cNvPr id="244" name="PlaceHolder 2"/>
+          <p:cNvSpPr>
+            <a:spLocks noGrp="1"/>
+          </p:cNvSpPr>
+          <p:nvPr>
+            <p:ph type="body"/>
+          </p:nvPr>
+        </p:nvSpPr>
+        <p:spPr>
+          <a:xfrm>
+            <a:off x="685800" y="4343400"/>
+            <a:ext cx="5486040" cy="4114440"/>
+          </a:xfrm>
+          <a:prstGeom prst="rect">
+            <a:avLst/>
+          </a:prstGeom>
+        </p:spPr>
+        <p:txBody>
+          <a:bodyPr tIns="91440" bIns="91440">
+            <a:noAutofit/>
+          </a:bodyPr>
+          <a:lstStyle/>
+          <a:p>
+            <a:pPr marL="158760">
+              <a:lnSpc>
+                <a:spcPct val="100000"/>
+              </a:lnSpc>
+            </a:pPr>
+            <a:r>
+              <a:rPr lang="en-US" sz="1100" b="0" strike="noStrike" spc="-1">
+                <a:solidFill>
+                  <a:srgbClr val="000000"/>
+                </a:solidFill>
+                <a:latin typeface="Arial"/>
+                <a:ea typeface="Arial"/>
+              </a:rPr>
+              <a:t>Notes: </a:t>
+            </a:r>
+            <a:endParaRPr lang="en-US" sz="1100" b="0" strike="noStrike" spc="-1">
+              <a:latin typeface="Arial"/>
+            </a:endParaRPr>
+          </a:p>
+          <a:p>
+            <a:pPr marL="158760">
+              <a:lnSpc>
+                <a:spcPct val="100000"/>
+              </a:lnSpc>
+            </a:pPr>
+            <a:r>
+              <a:rPr lang="en-US" sz="1100" b="0" strike="noStrike" spc="-1">
+                <a:solidFill>
+                  <a:srgbClr val="000000"/>
+                </a:solidFill>
+                <a:latin typeface="Arial"/>
+                <a:ea typeface="Arial"/>
+              </a:rPr>
+              <a:t>x.509 is one of the  industry standard ways of authenticating to backend services</a:t>
+            </a:r>
+            <a:endParaRPr lang="en-US" sz="1100" b="0" strike="noStrike" spc="-1">
+              <a:latin typeface="Arial"/>
+            </a:endParaRPr>
+          </a:p>
+          <a:p>
+            <a:pPr marL="158760">
+              <a:lnSpc>
+                <a:spcPct val="100000"/>
+              </a:lnSpc>
+            </a:pPr>
+            <a:r>
+              <a:rPr lang="en-US" sz="1100" b="0" strike="noStrike" spc="-1">
+                <a:solidFill>
+                  <a:srgbClr val="000000"/>
+                </a:solidFill>
+                <a:latin typeface="Arial"/>
+                <a:ea typeface="Arial"/>
+              </a:rPr>
+              <a:t>Zowe Client apps will need to be updated to support client certs</a:t>
+            </a:r>
+            <a:endParaRPr lang="en-US" sz="1100" b="0" strike="noStrike" spc="-1">
+              <a:latin typeface="Arial"/>
+            </a:endParaRPr>
+          </a:p>
+          <a:p>
+            <a:pPr marL="158760">
+              <a:lnSpc>
+                <a:spcPct val="100000"/>
+              </a:lnSpc>
+            </a:pPr>
+            <a:r>
+              <a:rPr lang="en-US" sz="1100" b="0" strike="noStrike" spc="-1">
+                <a:solidFill>
+                  <a:srgbClr val="000000"/>
+                </a:solidFill>
+                <a:latin typeface="Arial"/>
+                <a:ea typeface="Arial"/>
+              </a:rPr>
+              <a:t>Customer apps may have their own way of supporting client certs</a:t>
+            </a:r>
+            <a:endParaRPr lang="en-US" sz="1100" b="0" strike="noStrike" spc="-1">
+              <a:latin typeface="Arial"/>
+            </a:endParaRPr>
+          </a:p>
+          <a:p>
+            <a:pPr marL="158760">
+              <a:lnSpc>
+                <a:spcPct val="100000"/>
+              </a:lnSpc>
+            </a:pPr>
+            <a:endParaRPr lang="en-US" sz="1100" b="0" strike="noStrike" spc="-1">
+              <a:latin typeface="Arial"/>
+            </a:endParaRPr>
+          </a:p>
+        </p:txBody>
+      </p:sp>
+    </p:spTree>
+    <p:extLst>
+      <p:ext uri="{BB962C8B-B14F-4D97-AF65-F5344CB8AC3E}">
+        <p14:creationId xmlns:p14="http://schemas.microsoft.com/office/powerpoint/2010/main" val="1361380048"/>
+      </p:ext>
+    </p:extLst>
   </p:cSld>
   <p:clrMapOvr>
     <a:masterClrMapping/>
@@ -9514,6 +10109,300 @@
 </p:sld>
 </file>
 
+<file path=ppt/slides/slide10.xml><?xml version="1.0" encoding="utf-8"?>
+<p:sld xmlns:a="http://schemas.openxmlformats.org/drawingml/2006/main" xmlns:r="http://schemas.openxmlformats.org/officeDocument/2006/relationships" xmlns:p="http://schemas.openxmlformats.org/presentationml/2006/main">
+  <p:cSld>
+    <p:spTree>
+      <p:nvGrpSpPr>
+        <p:cNvPr id="1" name=""/>
+        <p:cNvGrpSpPr/>
+        <p:nvPr/>
+      </p:nvGrpSpPr>
+      <p:grpSpPr>
+        <a:xfrm>
+          <a:off x="0" y="0"/>
+          <a:ext cx="0" cy="0"/>
+          <a:chOff x="0" y="0"/>
+          <a:chExt cx="0" cy="0"/>
+        </a:xfrm>
+      </p:grpSpPr>
+      <p:sp>
+        <p:nvSpPr>
+          <p:cNvPr id="188" name="TextShape 1"/>
+          <p:cNvSpPr txBox="1"/>
+          <p:nvPr/>
+        </p:nvSpPr>
+        <p:spPr>
+          <a:xfrm>
+            <a:off x="308520" y="3525840"/>
+            <a:ext cx="6446160" cy="392040"/>
+          </a:xfrm>
+          <a:prstGeom prst="rect">
+            <a:avLst/>
+          </a:prstGeom>
+          <a:noFill/>
+          <a:ln>
+            <a:noFill/>
+          </a:ln>
+        </p:spPr>
+        <p:txBody>
+          <a:bodyPr lIns="0" tIns="0" rIns="0" bIns="0" anchor="b">
+            <a:noAutofit/>
+          </a:bodyPr>
+          <a:lstStyle/>
+          <a:p>
+            <a:pPr marL="457200" indent="-228240">
+              <a:lnSpc>
+                <a:spcPct val="85000"/>
+              </a:lnSpc>
+              <a:spcBef>
+                <a:spcPts val="901"/>
+              </a:spcBef>
+            </a:pPr>
+            <a:r>
+              <a:rPr lang="en-US" sz="3000" b="1" strike="noStrike" spc="-1" dirty="0">
+                <a:solidFill>
+                  <a:srgbClr val="000000"/>
+                </a:solidFill>
+                <a:latin typeface="Arial"/>
+                <a:ea typeface="Arial"/>
+              </a:rPr>
+              <a:t>TBD Squad Focus</a:t>
+            </a:r>
+            <a:endParaRPr lang="en-US" sz="3000" b="0" strike="noStrike" spc="-1" dirty="0">
+              <a:solidFill>
+                <a:srgbClr val="000000"/>
+              </a:solidFill>
+              <a:latin typeface="Arial"/>
+            </a:endParaRPr>
+          </a:p>
+          <a:p>
+            <a:pPr marL="457200" indent="-228240">
+              <a:lnSpc>
+                <a:spcPct val="85000"/>
+              </a:lnSpc>
+              <a:spcBef>
+                <a:spcPts val="901"/>
+              </a:spcBef>
+            </a:pPr>
+            <a:r>
+              <a:rPr lang="en-US" sz="2000" b="1" strike="noStrike" spc="-1" dirty="0">
+                <a:solidFill>
+                  <a:srgbClr val="000000"/>
+                </a:solidFill>
+                <a:latin typeface="Arial"/>
+                <a:ea typeface="Arial"/>
+              </a:rPr>
+              <a:t>TBD (Squad Lead)</a:t>
+            </a:r>
+            <a:endParaRPr lang="en-US" sz="2000" b="0" strike="noStrike" spc="-1" dirty="0">
+              <a:solidFill>
+                <a:srgbClr val="000000"/>
+              </a:solidFill>
+              <a:latin typeface="Arial"/>
+            </a:endParaRPr>
+          </a:p>
+        </p:txBody>
+      </p:sp>
+    </p:spTree>
+  </p:cSld>
+  <p:clrMapOvr>
+    <a:masterClrMapping/>
+  </p:clrMapOvr>
+  <p:transition spd="med">
+    <p:fade/>
+  </p:transition>
+  <p:timing>
+    <p:tnLst>
+      <p:par>
+        <p:cTn id="1" dur="indefinite" restart="never" nodeType="tmRoot">
+          <p:childTnLst>
+            <p:seq>
+              <p:cTn id="2" dur="indefinite" nodeType="mainSeq"/>
+              <p:prevCondLst>
+                <p:cond evt="onPrev" delay="0">
+                  <p:tgtEl>
+                    <p:sldTgt/>
+                  </p:tgtEl>
+                </p:cond>
+              </p:prevCondLst>
+              <p:nextCondLst>
+                <p:cond evt="onNext" delay="0">
+                  <p:tgtEl>
+                    <p:sldTgt/>
+                  </p:tgtEl>
+                </p:cond>
+              </p:nextCondLst>
+            </p:seq>
+          </p:childTnLst>
+        </p:cTn>
+      </p:par>
+    </p:tnLst>
+  </p:timing>
+</p:sld>
+</file>
+
+<file path=ppt/slides/slide11.xml><?xml version="1.0" encoding="utf-8"?>
+<p:sld xmlns:a="http://schemas.openxmlformats.org/drawingml/2006/main" xmlns:r="http://schemas.openxmlformats.org/officeDocument/2006/relationships" xmlns:p="http://schemas.openxmlformats.org/presentationml/2006/main">
+  <p:cSld>
+    <p:spTree>
+      <p:nvGrpSpPr>
+        <p:cNvPr id="1" name=""/>
+        <p:cNvGrpSpPr/>
+        <p:nvPr/>
+      </p:nvGrpSpPr>
+      <p:grpSpPr>
+        <a:xfrm>
+          <a:off x="0" y="0"/>
+          <a:ext cx="0" cy="0"/>
+          <a:chOff x="0" y="0"/>
+          <a:chExt cx="0" cy="0"/>
+        </a:xfrm>
+      </p:grpSpPr>
+      <p:sp>
+        <p:nvSpPr>
+          <p:cNvPr id="189" name="TextShape 1"/>
+          <p:cNvSpPr txBox="1"/>
+          <p:nvPr/>
+        </p:nvSpPr>
+        <p:spPr>
+          <a:xfrm>
+            <a:off x="334080" y="159480"/>
+            <a:ext cx="7893720" cy="447120"/>
+          </a:xfrm>
+          <a:prstGeom prst="rect">
+            <a:avLst/>
+          </a:prstGeom>
+          <a:noFill/>
+          <a:ln>
+            <a:noFill/>
+          </a:ln>
+        </p:spPr>
+        <p:txBody>
+          <a:bodyPr tIns="91440" bIns="91440" anchor="ctr">
+            <a:noAutofit/>
+          </a:bodyPr>
+          <a:lstStyle/>
+          <a:p>
+            <a:pPr>
+              <a:lnSpc>
+                <a:spcPct val="100000"/>
+              </a:lnSpc>
+            </a:pPr>
+            <a:r>
+              <a:rPr lang="en-US" sz="2600" b="0" strike="noStrike" spc="-1" dirty="0">
+                <a:solidFill>
+                  <a:srgbClr val="262626"/>
+                </a:solidFill>
+                <a:latin typeface="Gill Sans"/>
+                <a:ea typeface="Gill Sans"/>
+              </a:rPr>
+              <a:t>Title</a:t>
+            </a:r>
+            <a:endParaRPr lang="en-US" sz="2600" b="0" strike="noStrike" spc="-1" dirty="0">
+              <a:solidFill>
+                <a:srgbClr val="000000"/>
+              </a:solidFill>
+              <a:latin typeface="Arial"/>
+            </a:endParaRPr>
+          </a:p>
+        </p:txBody>
+      </p:sp>
+      <p:sp>
+        <p:nvSpPr>
+          <p:cNvPr id="190" name="TextShape 2"/>
+          <p:cNvSpPr txBox="1"/>
+          <p:nvPr/>
+        </p:nvSpPr>
+        <p:spPr>
+          <a:xfrm>
+            <a:off x="336600" y="682920"/>
+            <a:ext cx="8349840" cy="4177800"/>
+          </a:xfrm>
+          <a:prstGeom prst="rect">
+            <a:avLst/>
+          </a:prstGeom>
+          <a:noFill/>
+          <a:ln>
+            <a:noFill/>
+          </a:ln>
+        </p:spPr>
+        <p:txBody>
+          <a:bodyPr tIns="91440" bIns="91440">
+            <a:noAutofit/>
+          </a:bodyPr>
+          <a:lstStyle/>
+          <a:p>
+            <a:pPr marL="457200" indent="-355320">
+              <a:lnSpc>
+                <a:spcPct val="100000"/>
+              </a:lnSpc>
+              <a:spcBef>
+                <a:spcPts val="400"/>
+              </a:spcBef>
+              <a:buClr>
+                <a:srgbClr val="000000"/>
+              </a:buClr>
+              <a:buFont typeface="Arial"/>
+              <a:buChar char="•"/>
+            </a:pPr>
+            <a:r>
+              <a:rPr lang="en-US" sz="1800" b="0" strike="noStrike" spc="-1" dirty="0">
+                <a:solidFill>
+                  <a:srgbClr val="000000"/>
+                </a:solidFill>
+                <a:latin typeface="Gill Sans"/>
+                <a:ea typeface="Gill Sans"/>
+              </a:rPr>
+              <a:t>TBD</a:t>
+            </a:r>
+            <a:endParaRPr lang="en-US" sz="1600" b="0" strike="noStrike" spc="-1" dirty="0">
+              <a:solidFill>
+                <a:srgbClr val="000000"/>
+              </a:solidFill>
+              <a:latin typeface="Arial"/>
+            </a:endParaRPr>
+          </a:p>
+        </p:txBody>
+      </p:sp>
+    </p:spTree>
+  </p:cSld>
+  <p:clrMapOvr>
+    <a:masterClrMapping/>
+  </p:clrMapOvr>
+  <p:transition spd="med">
+    <p:fade thruBlk="1"/>
+  </p:transition>
+  <p:timing>
+    <p:tnLst>
+      <p:par>
+        <p:cTn id="1" dur="indefinite" restart="never" nodeType="tmRoot">
+          <p:childTnLst>
+            <p:seq>
+              <p:cTn id="2" dur="indefinite" nodeType="mainSeq"/>
+              <p:prevCondLst>
+                <p:cond evt="onPrev" delay="0">
+                  <p:tgtEl>
+                    <p:sldTgt/>
+                  </p:tgtEl>
+                </p:cond>
+              </p:prevCondLst>
+              <p:nextCondLst>
+                <p:cond evt="onNext" delay="0">
+                  <p:tgtEl>
+                    <p:sldTgt/>
+                  </p:tgtEl>
+                </p:cond>
+              </p:nextCondLst>
+            </p:seq>
+          </p:childTnLst>
+        </p:cTn>
+      </p:par>
+    </p:tnLst>
+  </p:timing>
+</p:sld>
+</file>
+
 <file path=ppt/slides/slide2.xml><?xml version="1.0" encoding="utf-8"?>
 <p:sld xmlns:a="http://schemas.openxmlformats.org/drawingml/2006/main" xmlns:r="http://schemas.openxmlformats.org/officeDocument/2006/relationships" xmlns:p="http://schemas.openxmlformats.org/presentationml/2006/main">
   <p:cSld>
@@ -10039,7 +10928,7 @@
                 <a:latin typeface="Arial"/>
                 <a:ea typeface="Arial"/>
               </a:rPr>
-              <a:t>TBD Squad Focus</a:t>
+              <a:t>System Squad Focus</a:t>
             </a:r>
             <a:endParaRPr lang="en-US" sz="3000" b="0" strike="noStrike" spc="-1" dirty="0">
               <a:solidFill>
@@ -10229,20 +11118,278 @@
               <a:buChar char="•"/>
             </a:pPr>
             <a:r>
-              <a:rPr lang="en-US" sz="2000" b="0" strike="noStrike" spc="-1" dirty="0">
+              <a:rPr lang="en-US" sz="2000" strike="noStrike" spc="-1" dirty="0">
                 <a:solidFill>
                   <a:srgbClr val="000000"/>
                 </a:solidFill>
-                <a:latin typeface="Gill Sans"/>
+                <a:latin typeface="Gill Sans" panose="020B0502020104020203" pitchFamily="34" charset="-79"/>
                 <a:ea typeface="Gill Sans"/>
+                <a:cs typeface="Gill Sans" panose="020B0502020104020203" pitchFamily="34" charset="-79"/>
               </a:rPr>
-              <a:t>Dependencies</a:t>
+              <a:t>As High Availability Theme moving to implementation stage, will need many su</a:t>
             </a:r>
-            <a:endParaRPr lang="en-US" sz="2000" b="0" strike="noStrike" spc="-1" dirty="0">
-              <a:solidFill>
-                <a:srgbClr val="000000"/>
-              </a:solidFill>
-              <a:latin typeface="Arial"/>
+            <a:r>
+              <a:rPr lang="en-US" sz="2000" spc="-1" dirty="0">
+                <a:solidFill>
+                  <a:srgbClr val="000000"/>
+                </a:solidFill>
+                <a:latin typeface="Gill Sans" panose="020B0502020104020203" pitchFamily="34" charset="-79"/>
+                <a:ea typeface="Gill Sans"/>
+                <a:cs typeface="Gill Sans" panose="020B0502020104020203" pitchFamily="34" charset="-79"/>
+              </a:rPr>
+              <a:t>pports from other squads like PI3:</a:t>
+            </a:r>
+          </a:p>
+          <a:p>
+            <a:pPr marL="914400" lvl="1" indent="-355320">
+              <a:spcBef>
+                <a:spcPts val="400"/>
+              </a:spcBef>
+              <a:buClr>
+                <a:srgbClr val="000000"/>
+              </a:buClr>
+              <a:buFont typeface="Arial"/>
+              <a:buChar char="•"/>
+            </a:pPr>
+            <a:r>
+              <a:rPr lang="en-US" sz="2000" strike="noStrike" spc="-1" dirty="0">
+                <a:solidFill>
+                  <a:srgbClr val="000000"/>
+                </a:solidFill>
+                <a:latin typeface="Gill Sans" panose="020B0502020104020203" pitchFamily="34" charset="-79"/>
+                <a:cs typeface="Gill Sans" panose="020B0502020104020203" pitchFamily="34" charset="-79"/>
+              </a:rPr>
+              <a:t>API ML Squad </a:t>
+            </a:r>
+            <a:r>
+              <a:rPr lang="en-US" sz="2000" spc="-1" dirty="0">
+                <a:solidFill>
+                  <a:srgbClr val="000000"/>
+                </a:solidFill>
+                <a:latin typeface="Gill Sans" panose="020B0502020104020203" pitchFamily="34" charset="-79"/>
+                <a:cs typeface="Gill Sans" panose="020B0502020104020203" pitchFamily="34" charset="-79"/>
+              </a:rPr>
+              <a:t>–</a:t>
+            </a:r>
+            <a:r>
+              <a:rPr lang="en-US" sz="2000" strike="noStrike" spc="-1" dirty="0">
+                <a:solidFill>
+                  <a:srgbClr val="000000"/>
+                </a:solidFill>
+                <a:latin typeface="Gill Sans" panose="020B0502020104020203" pitchFamily="34" charset="-79"/>
+                <a:cs typeface="Gill Sans" panose="020B0502020104020203" pitchFamily="34" charset="-79"/>
+              </a:rPr>
+              <a:t> Caching API,  APIML packaging, certificates, </a:t>
+            </a:r>
+            <a:r>
+              <a:rPr lang="en-US" sz="2000" strike="noStrike" spc="-1" dirty="0" err="1">
+                <a:solidFill>
+                  <a:srgbClr val="000000"/>
+                </a:solidFill>
+                <a:latin typeface="Gill Sans" panose="020B0502020104020203" pitchFamily="34" charset="-79"/>
+                <a:cs typeface="Gill Sans" panose="020B0502020104020203" pitchFamily="34" charset="-79"/>
+              </a:rPr>
+              <a:t>etc</a:t>
+            </a:r>
+            <a:endParaRPr lang="en-US" sz="2000" strike="noStrike" spc="-1" dirty="0">
+              <a:solidFill>
+                <a:srgbClr val="000000"/>
+              </a:solidFill>
+              <a:latin typeface="Gill Sans" panose="020B0502020104020203" pitchFamily="34" charset="-79"/>
+              <a:cs typeface="Gill Sans" panose="020B0502020104020203" pitchFamily="34" charset="-79"/>
+            </a:endParaRPr>
+          </a:p>
+          <a:p>
+            <a:pPr marL="914400" lvl="1" indent="-355320">
+              <a:spcBef>
+                <a:spcPts val="400"/>
+              </a:spcBef>
+              <a:buClr>
+                <a:srgbClr val="000000"/>
+              </a:buClr>
+              <a:buFont typeface="Arial"/>
+              <a:buChar char="•"/>
+            </a:pPr>
+            <a:r>
+              <a:rPr lang="en-US" sz="2000" spc="-1" dirty="0">
+                <a:solidFill>
+                  <a:srgbClr val="000000"/>
+                </a:solidFill>
+                <a:latin typeface="Gill Sans" panose="020B0502020104020203" pitchFamily="34" charset="-79"/>
+                <a:cs typeface="Gill Sans" panose="020B0502020104020203" pitchFamily="34" charset="-79"/>
+              </a:rPr>
+              <a:t>Web UI Squad – Zowe Launcher, ZSS/ZIS improvements</a:t>
+            </a:r>
+          </a:p>
+          <a:p>
+            <a:pPr marL="914400" lvl="1" indent="-355320">
+              <a:spcBef>
+                <a:spcPts val="400"/>
+              </a:spcBef>
+              <a:buClr>
+                <a:srgbClr val="000000"/>
+              </a:buClr>
+              <a:buFont typeface="Arial"/>
+              <a:buChar char="•"/>
+            </a:pPr>
+            <a:r>
+              <a:rPr lang="en-US" sz="2000" strike="noStrike" spc="-1" dirty="0">
+                <a:solidFill>
+                  <a:srgbClr val="000000"/>
+                </a:solidFill>
+                <a:latin typeface="Gill Sans" panose="020B0502020104020203" pitchFamily="34" charset="-79"/>
+                <a:cs typeface="Gill Sans" panose="020B0502020104020203" pitchFamily="34" charset="-79"/>
+              </a:rPr>
+              <a:t>Docs Squad </a:t>
+            </a:r>
+            <a:r>
+              <a:rPr lang="en-US" sz="2000" spc="-1" dirty="0">
+                <a:solidFill>
+                  <a:srgbClr val="000000"/>
+                </a:solidFill>
+                <a:latin typeface="Gill Sans" panose="020B0502020104020203" pitchFamily="34" charset="-79"/>
+                <a:cs typeface="Gill Sans" panose="020B0502020104020203" pitchFamily="34" charset="-79"/>
+              </a:rPr>
+              <a:t>–</a:t>
+            </a:r>
+            <a:r>
+              <a:rPr lang="en-US" sz="2000" strike="noStrike" spc="-1" dirty="0">
+                <a:solidFill>
+                  <a:srgbClr val="000000"/>
+                </a:solidFill>
+                <a:latin typeface="Gill Sans" panose="020B0502020104020203" pitchFamily="34" charset="-79"/>
+                <a:cs typeface="Gill Sans" panose="020B0502020104020203" pitchFamily="34" charset="-79"/>
+              </a:rPr>
+              <a:t> improve documentation</a:t>
+            </a:r>
+          </a:p>
+          <a:p>
+            <a:pPr marL="457200" indent="-355320">
+              <a:spcBef>
+                <a:spcPts val="400"/>
+              </a:spcBef>
+              <a:buClr>
+                <a:srgbClr val="000000"/>
+              </a:buClr>
+              <a:buFont typeface="Arial"/>
+              <a:buChar char="•"/>
+            </a:pPr>
+            <a:endParaRPr lang="en-US" sz="2000" spc="-1" dirty="0">
+              <a:solidFill>
+                <a:srgbClr val="000000"/>
+              </a:solidFill>
+              <a:latin typeface="Gill Sans" panose="020B0502020104020203" pitchFamily="34" charset="-79"/>
+              <a:cs typeface="Gill Sans" panose="020B0502020104020203" pitchFamily="34" charset="-79"/>
+            </a:endParaRPr>
+          </a:p>
+          <a:p>
+            <a:pPr marL="457200" indent="-355320">
+              <a:spcBef>
+                <a:spcPts val="400"/>
+              </a:spcBef>
+              <a:buClr>
+                <a:srgbClr val="000000"/>
+              </a:buClr>
+              <a:buFont typeface="Arial"/>
+              <a:buChar char="•"/>
+            </a:pPr>
+            <a:r>
+              <a:rPr lang="en-US" sz="2000" strike="noStrike" spc="-1" dirty="0">
+                <a:solidFill>
+                  <a:srgbClr val="000000"/>
+                </a:solidFill>
+                <a:latin typeface="Gill Sans" panose="020B0502020104020203" pitchFamily="34" charset="-79"/>
+                <a:cs typeface="Gill Sans" panose="020B0502020104020203" pitchFamily="34" charset="-79"/>
+              </a:rPr>
+              <a:t>Risks </a:t>
+            </a:r>
+            <a:r>
+              <a:rPr lang="en-US" sz="2000" spc="-1" dirty="0">
+                <a:solidFill>
+                  <a:srgbClr val="000000"/>
+                </a:solidFill>
+                <a:latin typeface="Gill Sans" panose="020B0502020104020203" pitchFamily="34" charset="-79"/>
+                <a:cs typeface="Gill Sans" panose="020B0502020104020203" pitchFamily="34" charset="-79"/>
+              </a:rPr>
+              <a:t>on </a:t>
+            </a:r>
+            <a:r>
+              <a:rPr lang="en-US" sz="2000" strike="noStrike" spc="-1" dirty="0">
+                <a:solidFill>
+                  <a:srgbClr val="000000"/>
+                </a:solidFill>
+                <a:latin typeface="Gill Sans" panose="020B0502020104020203" pitchFamily="34" charset="-79"/>
+                <a:cs typeface="Gill Sans" panose="020B0502020104020203" pitchFamily="34" charset="-79"/>
+              </a:rPr>
+              <a:t>Infrastructure</a:t>
+            </a:r>
+          </a:p>
+          <a:p>
+            <a:pPr marL="914400" lvl="1" indent="-355320">
+              <a:spcBef>
+                <a:spcPts val="400"/>
+              </a:spcBef>
+              <a:buClr>
+                <a:srgbClr val="000000"/>
+              </a:buClr>
+              <a:buFont typeface="Arial"/>
+              <a:buChar char="•"/>
+            </a:pPr>
+            <a:r>
+              <a:rPr lang="en-US" sz="2000" strike="noStrike" spc="-1" dirty="0">
+                <a:solidFill>
+                  <a:srgbClr val="000000"/>
+                </a:solidFill>
+                <a:latin typeface="Gill Sans" panose="020B0502020104020203" pitchFamily="34" charset="-79"/>
+                <a:cs typeface="Gill Sans" panose="020B0502020104020203" pitchFamily="34" charset="-79"/>
+              </a:rPr>
+              <a:t>We don’t have open infrastructure to </a:t>
+            </a:r>
+            <a:r>
+              <a:rPr lang="en-US" sz="2000" spc="-1" dirty="0">
+                <a:solidFill>
+                  <a:srgbClr val="000000"/>
+                </a:solidFill>
+                <a:latin typeface="Gill Sans" panose="020B0502020104020203" pitchFamily="34" charset="-79"/>
+                <a:cs typeface="Gill Sans" panose="020B0502020104020203" pitchFamily="34" charset="-79"/>
+              </a:rPr>
+              <a:t>test deployment on Sysplex.</a:t>
+            </a:r>
+            <a:endParaRPr lang="en-US" sz="2000" strike="noStrike" spc="-1" dirty="0">
+              <a:solidFill>
+                <a:srgbClr val="000000"/>
+              </a:solidFill>
+              <a:latin typeface="Gill Sans" panose="020B0502020104020203" pitchFamily="34" charset="-79"/>
+              <a:cs typeface="Gill Sans" panose="020B0502020104020203" pitchFamily="34" charset="-79"/>
+            </a:endParaRPr>
+          </a:p>
+          <a:p>
+            <a:pPr marL="914400" lvl="1" indent="-355320">
+              <a:spcBef>
+                <a:spcPts val="400"/>
+              </a:spcBef>
+              <a:buClr>
+                <a:srgbClr val="000000"/>
+              </a:buClr>
+              <a:buFont typeface="Arial"/>
+              <a:buChar char="•"/>
+            </a:pPr>
+            <a:r>
+              <a:rPr lang="en-US" sz="2000" spc="-1" dirty="0">
+                <a:solidFill>
+                  <a:srgbClr val="000000"/>
+                </a:solidFill>
+                <a:latin typeface="Gill Sans" panose="020B0502020104020203" pitchFamily="34" charset="-79"/>
+                <a:cs typeface="Gill Sans" panose="020B0502020104020203" pitchFamily="34" charset="-79"/>
+              </a:rPr>
+              <a:t>Will rely on Broadcom’s experts and supports to verify deployment  on Sysplex with ACF2 and Top Secret.</a:t>
+            </a:r>
+            <a:endParaRPr lang="en-US" sz="2000" strike="noStrike" spc="-1" dirty="0">
+              <a:solidFill>
+                <a:srgbClr val="000000"/>
+              </a:solidFill>
+              <a:latin typeface="Gill Sans" panose="020B0502020104020203" pitchFamily="34" charset="-79"/>
+              <a:cs typeface="Gill Sans" panose="020B0502020104020203" pitchFamily="34" charset="-79"/>
             </a:endParaRPr>
           </a:p>
         </p:txBody>
@@ -10333,14 +11480,14 @@
               </a:lnSpc>
             </a:pPr>
             <a:r>
-              <a:rPr lang="en-US" sz="3000" b="0" strike="noStrike" spc="-1" dirty="0">
+              <a:rPr lang="en-US" sz="3000" spc="-1" dirty="0">
                 <a:solidFill>
                   <a:srgbClr val="262626"/>
                 </a:solidFill>
                 <a:latin typeface="Gill Sans"/>
                 <a:ea typeface="Gill Sans"/>
               </a:rPr>
-              <a:t>TBD Title</a:t>
+              <a:t>Performance - Enhance Test Coverage</a:t>
             </a:r>
             <a:endParaRPr lang="en-US" sz="3000" b="0" strike="noStrike" spc="-1" dirty="0">
               <a:solidFill>
@@ -10359,8 +11506,8 @@
         </p:nvSpPr>
         <p:spPr>
           <a:xfrm>
-            <a:off x="306360" y="774000"/>
-            <a:ext cx="8368920" cy="4147560"/>
+            <a:off x="405518" y="774000"/>
+            <a:ext cx="8269762" cy="4147560"/>
           </a:xfrm>
           <a:prstGeom prst="rect">
             <a:avLst/>
@@ -10385,21 +11532,260 @@
               </a:spcBef>
             </a:pPr>
             <a:r>
-              <a:rPr lang="en-US" sz="2000" b="0" u="sng" strike="noStrike" spc="-1" dirty="0">
-                <a:solidFill>
-                  <a:srgbClr val="0000FF"/>
-                </a:solidFill>
-                <a:uFillTx/>
+              <a:rPr lang="en-US" spc="-1" dirty="0">
+                <a:latin typeface="Gill Sans"/>
+                <a:ea typeface="Gill Sans"/>
+                <a:hlinkClick r:id="rId3"/>
+              </a:rPr>
+              <a:t>Epic: Zowe Performance Test - Stage 2 - Enhance Test Coverage (2020PI4)</a:t>
+            </a:r>
+            <a:endParaRPr lang="en-US" spc="-1" dirty="0">
+              <a:latin typeface="Gill Sans"/>
+              <a:ea typeface="Gill Sans"/>
+            </a:endParaRPr>
+          </a:p>
+          <a:p>
+            <a:pPr marL="101520">
+              <a:lnSpc>
+                <a:spcPct val="100000"/>
+              </a:lnSpc>
+              <a:spcBef>
+                <a:spcPts val="400"/>
+              </a:spcBef>
+            </a:pPr>
+            <a:endParaRPr lang="en-US" spc="-1" dirty="0">
+              <a:latin typeface="Gill Sans"/>
+              <a:ea typeface="Gill Sans"/>
+            </a:endParaRPr>
+          </a:p>
+          <a:p>
+            <a:pPr marL="444420" indent="-342900">
+              <a:lnSpc>
+                <a:spcPct val="100000"/>
+              </a:lnSpc>
+              <a:spcBef>
+                <a:spcPts val="400"/>
+              </a:spcBef>
+              <a:buFont typeface="Wingdings" pitchFamily="2" charset="2"/>
+              <a:buChar char="Ø"/>
+            </a:pPr>
+            <a:r>
+              <a:rPr lang="en-US" spc="-1" dirty="0">
                 <a:latin typeface="Gill Sans"/>
                 <a:ea typeface="Gill Sans"/>
               </a:rPr>
-              <a:t>TBD</a:t>
+              <a:t>Finalize primary and component-level test suites </a:t>
             </a:r>
-            <a:endParaRPr lang="en-US" sz="2000" b="0" strike="noStrike" spc="-1" dirty="0">
-              <a:solidFill>
-                <a:srgbClr val="000000"/>
-              </a:solidFill>
-              <a:latin typeface="Arial"/>
+            <a:r>
+              <a:rPr lang="en-US" sz="1000" i="1" spc="-1" dirty="0">
+                <a:solidFill>
+                  <a:schemeClr val="tx1">
+                    <a:lumMod val="50000"/>
+                    <a:lumOff val="50000"/>
+                  </a:schemeClr>
+                </a:solidFill>
+                <a:latin typeface="Gill Sans"/>
+                <a:ea typeface="Gill Sans"/>
+              </a:rPr>
+              <a:t>Continue item from PI3</a:t>
+            </a:r>
+            <a:endParaRPr lang="en-US" i="1" spc="-1" dirty="0">
+              <a:solidFill>
+                <a:schemeClr val="tx1">
+                  <a:lumMod val="50000"/>
+                  <a:lumOff val="50000"/>
+                </a:schemeClr>
+              </a:solidFill>
+              <a:latin typeface="Gill Sans"/>
+              <a:ea typeface="Gill Sans"/>
+            </a:endParaRPr>
+          </a:p>
+          <a:p>
+            <a:pPr marL="901620" lvl="1" indent="-342900">
+              <a:spcBef>
+                <a:spcPts val="400"/>
+              </a:spcBef>
+              <a:buFont typeface="Wingdings" pitchFamily="2" charset="2"/>
+              <a:buChar char="v"/>
+            </a:pPr>
+            <a:r>
+              <a:rPr lang="en-US" spc="-1" dirty="0">
+                <a:latin typeface="Gill Sans"/>
+                <a:ea typeface="Gill Sans"/>
+                <a:hlinkClick r:id="rId4"/>
+              </a:rPr>
+              <a:t>Create primary performance test suite</a:t>
+            </a:r>
+            <a:endParaRPr lang="en-US" spc="-1" dirty="0">
+              <a:latin typeface="Gill Sans"/>
+              <a:ea typeface="Gill Sans"/>
+            </a:endParaRPr>
+          </a:p>
+          <a:p>
+            <a:pPr marL="901620" lvl="1" indent="-342900">
+              <a:spcBef>
+                <a:spcPts val="400"/>
+              </a:spcBef>
+              <a:buFont typeface="Wingdings" pitchFamily="2" charset="2"/>
+              <a:buChar char="v"/>
+            </a:pPr>
+            <a:r>
+              <a:rPr lang="en-US" spc="-1" dirty="0">
+                <a:latin typeface="Gill Sans"/>
+                <a:ea typeface="Gill Sans"/>
+                <a:hlinkClick r:id="rId5"/>
+              </a:rPr>
+              <a:t>Create dedicated performance test suite for APIML</a:t>
+            </a:r>
+            <a:endParaRPr lang="en-US" spc="-1" dirty="0">
+              <a:latin typeface="Gill Sans"/>
+              <a:ea typeface="Gill Sans"/>
+            </a:endParaRPr>
+          </a:p>
+          <a:p>
+            <a:pPr marL="901620" lvl="1" indent="-342900">
+              <a:spcBef>
+                <a:spcPts val="400"/>
+              </a:spcBef>
+              <a:buFont typeface="Wingdings" pitchFamily="2" charset="2"/>
+              <a:buChar char="v"/>
+            </a:pPr>
+            <a:r>
+              <a:rPr lang="en-US" spc="-1" dirty="0">
+                <a:latin typeface="Gill Sans"/>
+                <a:ea typeface="Gill Sans"/>
+                <a:hlinkClick r:id="rId6"/>
+              </a:rPr>
+              <a:t>Create dedicated performance test suite for Explorer APIs</a:t>
+            </a:r>
+            <a:endParaRPr lang="en-US" spc="-1" dirty="0">
+              <a:latin typeface="Gill Sans"/>
+              <a:ea typeface="Gill Sans"/>
+            </a:endParaRPr>
+          </a:p>
+          <a:p>
+            <a:pPr marL="901620" lvl="1" indent="-342900">
+              <a:spcBef>
+                <a:spcPts val="400"/>
+              </a:spcBef>
+              <a:buFont typeface="Wingdings" pitchFamily="2" charset="2"/>
+              <a:buChar char="v"/>
+            </a:pPr>
+            <a:r>
+              <a:rPr lang="en-US" spc="-1" dirty="0">
+                <a:latin typeface="Gill Sans"/>
+                <a:ea typeface="Gill Sans"/>
+                <a:hlinkClick r:id="rId7"/>
+              </a:rPr>
+              <a:t>Create dedicated performance test suite for Desktop</a:t>
+            </a:r>
+            <a:endParaRPr lang="en-US" spc="-1" dirty="0">
+              <a:latin typeface="Gill Sans"/>
+              <a:ea typeface="Gill Sans"/>
+            </a:endParaRPr>
+          </a:p>
+          <a:p>
+            <a:pPr marL="444420" indent="-342900">
+              <a:lnSpc>
+                <a:spcPct val="100000"/>
+              </a:lnSpc>
+              <a:spcBef>
+                <a:spcPts val="400"/>
+              </a:spcBef>
+              <a:buFont typeface="Wingdings" pitchFamily="2" charset="2"/>
+              <a:buChar char="Ø"/>
+            </a:pPr>
+            <a:r>
+              <a:rPr lang="en-US" spc="-1" dirty="0">
+                <a:latin typeface="Gill Sans"/>
+                <a:ea typeface="Gill Sans"/>
+                <a:hlinkClick r:id="rId8"/>
+              </a:rPr>
+              <a:t>Create dummy server for APIML testing</a:t>
+            </a:r>
+            <a:endParaRPr lang="en-US" spc="-1" dirty="0">
+              <a:latin typeface="Gill Sans"/>
+              <a:ea typeface="Gill Sans"/>
+            </a:endParaRPr>
+          </a:p>
+          <a:p>
+            <a:pPr marL="444420" indent="-342900">
+              <a:lnSpc>
+                <a:spcPct val="100000"/>
+              </a:lnSpc>
+              <a:spcBef>
+                <a:spcPts val="400"/>
+              </a:spcBef>
+              <a:buFont typeface="Wingdings" pitchFamily="2" charset="2"/>
+              <a:buChar char="Ø"/>
+            </a:pPr>
+            <a:r>
+              <a:rPr lang="en-US" spc="-1" dirty="0">
+                <a:latin typeface="Gill Sans"/>
+                <a:ea typeface="Gill Sans"/>
+                <a:hlinkClick r:id="rId9"/>
+              </a:rPr>
+              <a:t>Run Metrics Server off-</a:t>
+            </a:r>
+            <a:r>
+              <a:rPr lang="en-US" spc="-1" dirty="0" err="1">
+                <a:latin typeface="Gill Sans"/>
+                <a:ea typeface="Gill Sans"/>
+                <a:hlinkClick r:id="rId9"/>
+              </a:rPr>
+              <a:t>zOS</a:t>
+            </a:r>
+            <a:endParaRPr lang="en-US" spc="-1" dirty="0">
+              <a:latin typeface="Gill Sans"/>
+              <a:ea typeface="Gill Sans"/>
+            </a:endParaRPr>
+          </a:p>
+          <a:p>
+            <a:pPr marL="444420" indent="-342900">
+              <a:lnSpc>
+                <a:spcPct val="100000"/>
+              </a:lnSpc>
+              <a:spcBef>
+                <a:spcPts val="400"/>
+              </a:spcBef>
+              <a:buFont typeface="Wingdings" pitchFamily="2" charset="2"/>
+              <a:buChar char="Ø"/>
+            </a:pPr>
+            <a:r>
+              <a:rPr lang="en-US" spc="-1" dirty="0">
+                <a:latin typeface="Gill Sans"/>
+                <a:ea typeface="Gill Sans"/>
+                <a:hlinkClick r:id="rId10"/>
+              </a:rPr>
+              <a:t>Add ability to test performance of different endpoints in parallel</a:t>
+            </a:r>
+            <a:endParaRPr lang="en-US" spc="-1" dirty="0">
+              <a:latin typeface="Gill Sans"/>
+              <a:ea typeface="Gill Sans"/>
+            </a:endParaRPr>
+          </a:p>
+          <a:p>
+            <a:pPr marL="444420" indent="-342900">
+              <a:lnSpc>
+                <a:spcPct val="100000"/>
+              </a:lnSpc>
+              <a:spcBef>
+                <a:spcPts val="400"/>
+              </a:spcBef>
+              <a:buFont typeface="Wingdings" pitchFamily="2" charset="2"/>
+              <a:buChar char="Ø"/>
+            </a:pPr>
+            <a:r>
+              <a:rPr lang="en-US" spc="-1" dirty="0">
+                <a:latin typeface="Gill Sans"/>
+                <a:ea typeface="Gill Sans"/>
+                <a:hlinkClick r:id="rId11"/>
+              </a:rPr>
+              <a:t>Validate test report with other methods</a:t>
+            </a:r>
+            <a:endParaRPr lang="en-US" spc="-1" dirty="0">
+              <a:latin typeface="Gill Sans"/>
+              <a:ea typeface="Gill Sans"/>
             </a:endParaRPr>
           </a:p>
         </p:txBody>
@@ -10461,14 +11847,14 @@
       </p:grpSpPr>
       <p:sp>
         <p:nvSpPr>
-          <p:cNvPr id="188" name="TextShape 1"/>
+          <p:cNvPr id="182" name="TextShape 1"/>
           <p:cNvSpPr txBox="1"/>
           <p:nvPr/>
         </p:nvSpPr>
         <p:spPr>
           <a:xfrm>
-            <a:off x="308520" y="3525840"/>
-            <a:ext cx="6446160" cy="392040"/>
+            <a:off x="334080" y="159480"/>
+            <a:ext cx="7893720" cy="447120"/>
           </a:xfrm>
           <a:prstGeom prst="rect">
             <a:avLst/>
@@ -10479,71 +11865,337 @@
           </a:ln>
         </p:spPr>
         <p:txBody>
-          <a:bodyPr lIns="0" tIns="0" rIns="0" bIns="0" anchor="b">
+          <a:bodyPr tIns="91440" bIns="91440" anchor="ctr">
             <a:noAutofit/>
           </a:bodyPr>
           <a:lstStyle/>
           <a:p>
-            <a:pPr marL="457200" indent="-228240">
+            <a:pPr>
               <a:lnSpc>
-                <a:spcPct val="85000"/>
+                <a:spcPct val="100000"/>
+              </a:lnSpc>
+            </a:pPr>
+            <a:r>
+              <a:rPr lang="en-US" sz="3000" spc="-1" dirty="0">
+                <a:solidFill>
+                  <a:srgbClr val="262626"/>
+                </a:solidFill>
+                <a:latin typeface="Gill Sans"/>
+                <a:ea typeface="Gill Sans"/>
+              </a:rPr>
+              <a:t>High Availability – New Components &amp; Sysplex</a:t>
+            </a:r>
+            <a:endParaRPr lang="en-US" sz="3000" b="0" strike="noStrike" spc="-1" dirty="0">
+              <a:solidFill>
+                <a:srgbClr val="000000"/>
+              </a:solidFill>
+              <a:latin typeface="Arial"/>
+            </a:endParaRPr>
+          </a:p>
+        </p:txBody>
+      </p:sp>
+      <p:sp>
+        <p:nvSpPr>
+          <p:cNvPr id="183" name="TextShape 2"/>
+          <p:cNvSpPr txBox="1"/>
+          <p:nvPr/>
+        </p:nvSpPr>
+        <p:spPr>
+          <a:xfrm>
+            <a:off x="405518" y="774000"/>
+            <a:ext cx="8269762" cy="4147560"/>
+          </a:xfrm>
+          <a:prstGeom prst="rect">
+            <a:avLst/>
+          </a:prstGeom>
+          <a:noFill/>
+          <a:ln>
+            <a:noFill/>
+          </a:ln>
+        </p:spPr>
+        <p:txBody>
+          <a:bodyPr tIns="91440" bIns="91440">
+            <a:noAutofit/>
+          </a:bodyPr>
+          <a:lstStyle/>
+          <a:p>
+            <a:pPr marL="101520">
+              <a:lnSpc>
+                <a:spcPct val="100000"/>
               </a:lnSpc>
               <a:spcBef>
-                <a:spcPts val="901"/>
+                <a:spcPts val="400"/>
               </a:spcBef>
             </a:pPr>
             <a:r>
-              <a:rPr lang="en-US" sz="3000" b="1" strike="noStrike" spc="-1" dirty="0">
-                <a:solidFill>
-                  <a:srgbClr val="000000"/>
-                </a:solidFill>
-                <a:latin typeface="Arial"/>
-                <a:ea typeface="Arial"/>
+              <a:rPr lang="en-US" spc="-1" dirty="0">
+                <a:latin typeface="Gill Sans"/>
+                <a:ea typeface="Gill Sans"/>
+                <a:hlinkClick r:id="rId3"/>
               </a:rPr>
-              <a:t>TBD Squad Focus</a:t>
+              <a:t>Epic – High Availability</a:t>
             </a:r>
-            <a:endParaRPr lang="en-US" sz="3000" b="0" strike="noStrike" spc="-1" dirty="0">
-              <a:solidFill>
-                <a:srgbClr val="000000"/>
-              </a:solidFill>
-              <a:latin typeface="Arial"/>
-            </a:endParaRPr>
-          </a:p>
-          <a:p>
-            <a:pPr marL="457200" indent="-228240">
+            <a:endParaRPr lang="en-US" spc="-1" dirty="0">
+              <a:latin typeface="Gill Sans"/>
+              <a:ea typeface="Gill Sans"/>
+            </a:endParaRPr>
+          </a:p>
+          <a:p>
+            <a:pPr marL="101520">
               <a:lnSpc>
-                <a:spcPct val="85000"/>
+                <a:spcPct val="100000"/>
               </a:lnSpc>
               <a:spcBef>
-                <a:spcPts val="901"/>
+                <a:spcPts val="400"/>
               </a:spcBef>
             </a:pPr>
+            <a:endParaRPr lang="en-US" spc="-1" dirty="0">
+              <a:latin typeface="Gill Sans"/>
+              <a:ea typeface="Gill Sans"/>
+            </a:endParaRPr>
+          </a:p>
+          <a:p>
+            <a:pPr marL="444420" indent="-342900">
+              <a:spcBef>
+                <a:spcPts val="400"/>
+              </a:spcBef>
+              <a:buFont typeface="Wingdings" pitchFamily="2" charset="2"/>
+              <a:buChar char="Ø"/>
+            </a:pPr>
             <a:r>
-              <a:rPr lang="en-US" sz="2000" b="1" strike="noStrike" spc="-1" dirty="0">
-                <a:solidFill>
-                  <a:srgbClr val="000000"/>
-                </a:solidFill>
-                <a:latin typeface="Arial"/>
-                <a:ea typeface="Arial"/>
+              <a:rPr lang="en-US" spc="-1" dirty="0">
+                <a:latin typeface="Gill Sans"/>
+                <a:ea typeface="Gill Sans"/>
+                <a:hlinkClick r:id="rId4"/>
               </a:rPr>
-              <a:t>TBD (Squad Lead)</a:t>
+              <a:t>Create Caching API with VSAM support</a:t>
             </a:r>
-            <a:endParaRPr lang="en-US" sz="2000" b="0" strike="noStrike" spc="-1" dirty="0">
-              <a:solidFill>
-                <a:srgbClr val="000000"/>
-              </a:solidFill>
-              <a:latin typeface="Arial"/>
+            <a:endParaRPr lang="en-US" spc="-1" dirty="0">
+              <a:latin typeface="Gill Sans"/>
+              <a:ea typeface="Gill Sans"/>
+            </a:endParaRPr>
+          </a:p>
+          <a:p>
+            <a:pPr marL="444420" indent="-342900">
+              <a:spcBef>
+                <a:spcPts val="400"/>
+              </a:spcBef>
+              <a:buFont typeface="Wingdings" pitchFamily="2" charset="2"/>
+              <a:buChar char="Ø"/>
+            </a:pPr>
+            <a:r>
+              <a:rPr lang="en-US" spc="-1" dirty="0">
+                <a:latin typeface="Gill Sans"/>
+                <a:ea typeface="Gill Sans"/>
+                <a:hlinkClick r:id="rId5"/>
+              </a:rPr>
+              <a:t>Implement and integrate Zowe Launcher</a:t>
+            </a:r>
+            <a:r>
+              <a:rPr lang="en-US" spc="-1" dirty="0">
+                <a:latin typeface="Gill Sans"/>
+                <a:ea typeface="Gill Sans"/>
+              </a:rPr>
+              <a:t> (Stage 1)</a:t>
+            </a:r>
+          </a:p>
+          <a:p>
+            <a:pPr marL="444420" indent="-342900">
+              <a:spcBef>
+                <a:spcPts val="400"/>
+              </a:spcBef>
+              <a:buFont typeface="Wingdings" pitchFamily="2" charset="2"/>
+              <a:buChar char="Ø"/>
+            </a:pPr>
+            <a:endParaRPr lang="en-US" spc="-1" dirty="0">
+              <a:latin typeface="Gill Sans"/>
+              <a:ea typeface="Gill Sans"/>
+            </a:endParaRPr>
+          </a:p>
+          <a:p>
+            <a:pPr marL="444420" indent="-342900">
+              <a:spcBef>
+                <a:spcPts val="400"/>
+              </a:spcBef>
+              <a:buFont typeface="Wingdings" pitchFamily="2" charset="2"/>
+              <a:buChar char="Ø"/>
+            </a:pPr>
+            <a:r>
+              <a:rPr lang="en-US" spc="-1" dirty="0">
+                <a:latin typeface="Gill Sans"/>
+                <a:ea typeface="Gill Sans"/>
+              </a:rPr>
+              <a:t>Starting Zowe in Sysplex</a:t>
+            </a:r>
+          </a:p>
+          <a:p>
+            <a:pPr marL="901620" lvl="1" indent="-342900">
+              <a:spcBef>
+                <a:spcPts val="400"/>
+              </a:spcBef>
+              <a:buFont typeface="Wingdings" pitchFamily="2" charset="2"/>
+              <a:buChar char="v"/>
+            </a:pPr>
+            <a:r>
+              <a:rPr lang="en-US" sz="1600" spc="-1" dirty="0">
+                <a:latin typeface="Gill Sans"/>
+                <a:ea typeface="Gill Sans"/>
+                <a:hlinkClick r:id="rId6"/>
+              </a:rPr>
+              <a:t>Verify and document z/OSMF on Sysplex configuration</a:t>
+            </a:r>
+            <a:r>
+              <a:rPr lang="en-US" sz="1600" spc="-1" dirty="0">
+                <a:latin typeface="Gill Sans"/>
+                <a:ea typeface="Gill Sans"/>
+              </a:rPr>
+              <a:t> (shared SAF user registry</a:t>
+            </a:r>
+          </a:p>
+          <a:p>
+            <a:pPr marL="901620" lvl="1" indent="-342900">
+              <a:spcBef>
+                <a:spcPts val="400"/>
+              </a:spcBef>
+              <a:buFont typeface="Wingdings" pitchFamily="2" charset="2"/>
+              <a:buChar char="v"/>
+            </a:pPr>
+            <a:r>
+              <a:rPr lang="en-US" sz="1600" spc="-1" dirty="0">
+                <a:latin typeface="Gill Sans"/>
+                <a:ea typeface="Gill Sans"/>
+              </a:rPr>
+              <a:t>Document how to configure </a:t>
+            </a:r>
+            <a:r>
+              <a:rPr lang="en-US" sz="1600" spc="-1" dirty="0">
+                <a:latin typeface="Gill Sans"/>
+                <a:ea typeface="Gill Sans"/>
+                <a:hlinkClick r:id="rId7"/>
+              </a:rPr>
+              <a:t>port sharing</a:t>
+            </a:r>
+            <a:r>
+              <a:rPr lang="en-US" sz="1600" spc="-1" dirty="0">
+                <a:latin typeface="Gill Sans"/>
+                <a:ea typeface="Gill Sans"/>
+              </a:rPr>
+              <a:t> and </a:t>
+            </a:r>
+            <a:r>
+              <a:rPr lang="en-US" sz="1600" spc="-1" dirty="0">
+                <a:latin typeface="Gill Sans"/>
+                <a:ea typeface="Gill Sans"/>
+                <a:hlinkClick r:id="rId8"/>
+              </a:rPr>
+              <a:t>D-DIVPA</a:t>
+            </a:r>
+            <a:r>
+              <a:rPr lang="en-US" sz="1600" spc="-1" dirty="0">
+                <a:latin typeface="Gill Sans"/>
+                <a:ea typeface="Gill Sans"/>
+              </a:rPr>
+              <a:t> for API Gateway</a:t>
+            </a:r>
+          </a:p>
+          <a:p>
+            <a:pPr marL="901620" lvl="1" indent="-342900">
+              <a:spcBef>
+                <a:spcPts val="400"/>
+              </a:spcBef>
+              <a:buFont typeface="Wingdings" pitchFamily="2" charset="2"/>
+              <a:buChar char="v"/>
+            </a:pPr>
+            <a:r>
+              <a:rPr lang="en-US" sz="1600" spc="-1" dirty="0">
+                <a:latin typeface="Gill Sans"/>
+                <a:ea typeface="Gill Sans"/>
+                <a:hlinkClick r:id="rId9"/>
+              </a:rPr>
+              <a:t>Verify and document requirement on shared USS file system, and shared VSAM data set</a:t>
+            </a:r>
+            <a:endParaRPr lang="en-US" sz="1600" spc="-1" dirty="0">
+              <a:latin typeface="Gill Sans"/>
+              <a:ea typeface="Gill Sans"/>
+            </a:endParaRPr>
+          </a:p>
+          <a:p>
+            <a:pPr marL="901620" lvl="1" indent="-342900">
+              <a:spcBef>
+                <a:spcPts val="400"/>
+              </a:spcBef>
+              <a:buFont typeface="Wingdings" pitchFamily="2" charset="2"/>
+              <a:buChar char="v"/>
+            </a:pPr>
+            <a:r>
+              <a:rPr lang="en-US" sz="1600" spc="-1" dirty="0">
+                <a:latin typeface="Gill Sans"/>
+                <a:ea typeface="Gill Sans"/>
+                <a:hlinkClick r:id="rId10"/>
+              </a:rPr>
+              <a:t>Test and implement ARM policy</a:t>
+            </a:r>
+            <a:endParaRPr lang="en-US" sz="1600" spc="-1" dirty="0">
+              <a:latin typeface="Gill Sans"/>
+              <a:ea typeface="Gill Sans"/>
+            </a:endParaRPr>
+          </a:p>
+          <a:p>
+            <a:pPr marL="901620" lvl="1" indent="-342900">
+              <a:spcBef>
+                <a:spcPts val="400"/>
+              </a:spcBef>
+              <a:buFont typeface="Wingdings" pitchFamily="2" charset="2"/>
+              <a:buChar char="v"/>
+            </a:pPr>
+            <a:r>
+              <a:rPr lang="en-US" sz="1600" spc="-1" dirty="0">
+                <a:latin typeface="Gill Sans"/>
+                <a:ea typeface="Gill Sans"/>
+                <a:hlinkClick r:id="rId11"/>
+              </a:rPr>
+              <a:t>Validate Apiml &amp; zOSMF HA with ACF2 and Top Secret Enabled Sysplex</a:t>
+            </a:r>
+            <a:endParaRPr lang="en-US" sz="1600" spc="-1" dirty="0">
+              <a:latin typeface="Gill Sans"/>
+              <a:ea typeface="Gill Sans"/>
+            </a:endParaRPr>
+          </a:p>
+          <a:p>
+            <a:pPr marL="901620" lvl="1" indent="-342900">
+              <a:spcBef>
+                <a:spcPts val="400"/>
+              </a:spcBef>
+              <a:buFont typeface="Wingdings" pitchFamily="2" charset="2"/>
+              <a:buChar char="v"/>
+            </a:pPr>
+            <a:r>
+              <a:rPr lang="en-US" sz="1600" spc="-1" dirty="0">
+                <a:latin typeface="Gill Sans"/>
+                <a:ea typeface="Gill Sans"/>
+                <a:hlinkClick r:id="rId12"/>
+              </a:rPr>
+              <a:t>Verify how CLI works with Sysplex</a:t>
+            </a:r>
+            <a:endParaRPr lang="en-US" sz="1600" spc="-1" dirty="0">
+              <a:latin typeface="Gill Sans"/>
+              <a:ea typeface="Gill Sans"/>
             </a:endParaRPr>
           </a:p>
         </p:txBody>
       </p:sp>
     </p:spTree>
+    <p:extLst>
+      <p:ext uri="{BB962C8B-B14F-4D97-AF65-F5344CB8AC3E}">
+        <p14:creationId xmlns:p14="http://schemas.microsoft.com/office/powerpoint/2010/main" val="54868531"/>
+      </p:ext>
+    </p:extLst>
   </p:cSld>
   <p:clrMapOvr>
     <a:masterClrMapping/>
   </p:clrMapOvr>
   <p:transition spd="med">
-    <p:fade/>
+    <p:fade thruBlk="1"/>
   </p:transition>
   <p:timing>
     <p:tnLst>
@@ -10594,7 +12246,7 @@
       </p:grpSpPr>
       <p:sp>
         <p:nvSpPr>
-          <p:cNvPr id="189" name="TextShape 1"/>
+          <p:cNvPr id="182" name="TextShape 1"/>
           <p:cNvSpPr txBox="1"/>
           <p:nvPr/>
         </p:nvSpPr>
@@ -10623,34 +12275,34 @@
               </a:lnSpc>
             </a:pPr>
             <a:r>
-              <a:rPr lang="en-US" sz="2600" b="0" strike="noStrike" spc="-1" dirty="0">
+              <a:rPr lang="en-US" sz="2400" spc="-1" dirty="0">
                 <a:solidFill>
                   <a:srgbClr val="262626"/>
                 </a:solidFill>
                 <a:latin typeface="Gill Sans"/>
                 <a:ea typeface="Gill Sans"/>
               </a:rPr>
-              <a:t>Title</a:t>
+              <a:t>High Availability – Existing Components &amp; Certificates</a:t>
             </a:r>
-            <a:endParaRPr lang="en-US" sz="2600" b="0" strike="noStrike" spc="-1" dirty="0">
-              <a:solidFill>
-                <a:srgbClr val="000000"/>
-              </a:solidFill>
-              <a:latin typeface="Arial"/>
-            </a:endParaRPr>
-          </a:p>
-        </p:txBody>
-      </p:sp>
-      <p:sp>
-        <p:nvSpPr>
-          <p:cNvPr id="190" name="TextShape 2"/>
+            <a:endParaRPr lang="en-US" sz="2400" b="0" strike="noStrike" spc="-1" dirty="0">
+              <a:solidFill>
+                <a:srgbClr val="000000"/>
+              </a:solidFill>
+              <a:latin typeface="Arial"/>
+            </a:endParaRPr>
+          </a:p>
+        </p:txBody>
+      </p:sp>
+      <p:sp>
+        <p:nvSpPr>
+          <p:cNvPr id="183" name="TextShape 2"/>
           <p:cNvSpPr txBox="1"/>
           <p:nvPr/>
         </p:nvSpPr>
         <p:spPr>
           <a:xfrm>
-            <a:off x="336600" y="682920"/>
-            <a:ext cx="8349840" cy="4177800"/>
+            <a:off x="405518" y="683812"/>
+            <a:ext cx="8269762" cy="4237748"/>
           </a:xfrm>
           <a:prstGeom prst="rect">
             <a:avLst/>
@@ -10666,39 +12318,459 @@
           </a:bodyPr>
           <a:lstStyle/>
           <a:p>
-            <a:pPr marL="457200" indent="-355320">
+            <a:pPr marL="387270" indent="-285750">
+              <a:spcBef>
+                <a:spcPts val="400"/>
+              </a:spcBef>
+              <a:buFont typeface="Wingdings" pitchFamily="2" charset="2"/>
+              <a:buChar char="Ø"/>
+            </a:pPr>
+            <a:r>
+              <a:rPr lang="en-US" spc="-1" dirty="0">
+                <a:latin typeface="Gill Sans"/>
+                <a:ea typeface="Gill Sans"/>
+              </a:rPr>
+              <a:t>Preparing Zowe and Components for HA</a:t>
+            </a:r>
+          </a:p>
+          <a:p>
+            <a:pPr marL="901620" lvl="1" indent="-342900">
+              <a:spcBef>
+                <a:spcPts val="400"/>
+              </a:spcBef>
+              <a:buFont typeface="Wingdings" pitchFamily="2" charset="2"/>
+              <a:buChar char="v"/>
+            </a:pPr>
+            <a:r>
+              <a:rPr lang="en-US" sz="1600" spc="-1" dirty="0">
+                <a:latin typeface="Gill Sans"/>
+                <a:ea typeface="Gill Sans"/>
+                <a:hlinkClick r:id="rId3"/>
+              </a:rPr>
+              <a:t>Break down apiml package into 3 individual components</a:t>
+            </a:r>
+            <a:endParaRPr lang="en-US" sz="1600" spc="-1" dirty="0">
+              <a:latin typeface="Gill Sans"/>
+              <a:ea typeface="Gill Sans"/>
+            </a:endParaRPr>
+          </a:p>
+          <a:p>
+            <a:pPr marL="901620" lvl="1" indent="-342900">
+              <a:spcBef>
+                <a:spcPts val="400"/>
+              </a:spcBef>
+              <a:buFont typeface="Wingdings" pitchFamily="2" charset="2"/>
+              <a:buChar char="v"/>
+            </a:pPr>
+            <a:r>
+              <a:rPr lang="en-US" sz="1600" spc="-1" dirty="0">
+                <a:latin typeface="Gill Sans"/>
+                <a:ea typeface="Gill Sans"/>
+                <a:hlinkClick r:id="rId4"/>
+              </a:rPr>
+              <a:t>Define manifest file for Zowe packages to simplify Zowe Launcher configurations</a:t>
+            </a:r>
+            <a:endParaRPr lang="en-US" sz="1600" spc="-1" dirty="0">
+              <a:latin typeface="Gill Sans"/>
+              <a:ea typeface="Gill Sans"/>
+            </a:endParaRPr>
+          </a:p>
+          <a:p>
+            <a:pPr marL="901620" lvl="1" indent="-342900">
+              <a:spcBef>
+                <a:spcPts val="400"/>
+              </a:spcBef>
+              <a:buFont typeface="Wingdings" pitchFamily="2" charset="2"/>
+              <a:buChar char="v"/>
+            </a:pPr>
+            <a:r>
+              <a:rPr lang="en-US" sz="1600" spc="-1" dirty="0">
+                <a:latin typeface="Gill Sans"/>
+                <a:ea typeface="Gill Sans"/>
+                <a:hlinkClick r:id="rId5"/>
+              </a:rPr>
+              <a:t>Add new configuration entries in instance.env to support multiple instances of components</a:t>
+            </a:r>
+            <a:endParaRPr lang="en-US" sz="1600" spc="-1" dirty="0">
+              <a:latin typeface="Gill Sans"/>
+              <a:ea typeface="Gill Sans"/>
+            </a:endParaRPr>
+          </a:p>
+          <a:p>
+            <a:pPr marL="901620" lvl="1" indent="-342900">
+              <a:spcBef>
+                <a:spcPts val="400"/>
+              </a:spcBef>
+              <a:buFont typeface="Wingdings" pitchFamily="2" charset="2"/>
+              <a:buChar char="v"/>
+            </a:pPr>
+            <a:r>
+              <a:rPr lang="en-US" sz="1600" spc="-1" dirty="0">
+                <a:latin typeface="Gill Sans"/>
+                <a:ea typeface="Gill Sans"/>
+                <a:hlinkClick r:id="rId6"/>
+              </a:rPr>
+              <a:t>Automatically configure ARM policy for Zowe Launcher</a:t>
+            </a:r>
+            <a:endParaRPr lang="en-US" sz="1600" spc="-1" dirty="0">
+              <a:latin typeface="Gill Sans"/>
+              <a:ea typeface="Gill Sans"/>
+            </a:endParaRPr>
+          </a:p>
+          <a:p>
+            <a:pPr marL="901620" lvl="1" indent="-342900">
+              <a:spcBef>
+                <a:spcPts val="400"/>
+              </a:spcBef>
+              <a:buFont typeface="Wingdings" pitchFamily="2" charset="2"/>
+              <a:buChar char="v"/>
+            </a:pPr>
+            <a:r>
+              <a:rPr lang="en-US" sz="1600" spc="-1" dirty="0">
+                <a:latin typeface="Gill Sans"/>
+                <a:ea typeface="Gill Sans"/>
+                <a:hlinkClick r:id="rId7"/>
+              </a:rPr>
+              <a:t>Improve lifecycle </a:t>
+            </a:r>
+            <a:r>
+              <a:rPr lang="en-US" sz="1600" spc="-1" dirty="0" err="1">
+                <a:latin typeface="Gill Sans"/>
+                <a:ea typeface="Gill Sans"/>
+                <a:hlinkClick r:id="rId7"/>
+              </a:rPr>
+              <a:t>start.sh</a:t>
+            </a:r>
+            <a:r>
+              <a:rPr lang="en-US" sz="1600" spc="-1" dirty="0">
+                <a:latin typeface="Gill Sans"/>
+                <a:ea typeface="Gill Sans"/>
+                <a:hlinkClick r:id="rId7"/>
+              </a:rPr>
+              <a:t> to properly trap termination signals and kill child processes</a:t>
+            </a:r>
+            <a:endParaRPr lang="en-US" sz="1600" spc="-1" dirty="0">
+              <a:latin typeface="Gill Sans"/>
+              <a:ea typeface="Gill Sans"/>
+            </a:endParaRPr>
+          </a:p>
+          <a:p>
+            <a:pPr marL="901620" lvl="1" indent="-342900">
+              <a:spcBef>
+                <a:spcPts val="400"/>
+              </a:spcBef>
+              <a:buFont typeface="Wingdings" pitchFamily="2" charset="2"/>
+              <a:buChar char="v"/>
+            </a:pPr>
+            <a:r>
+              <a:rPr lang="en-US" sz="1600" spc="-1" dirty="0">
+                <a:latin typeface="Gill Sans"/>
+                <a:ea typeface="Gill Sans"/>
+                <a:hlinkClick r:id="rId8"/>
+              </a:rPr>
+              <a:t>Change ZSS to be registered under API Discovery Service</a:t>
+            </a:r>
+            <a:endParaRPr lang="en-US" sz="1600" spc="-1" dirty="0">
+              <a:latin typeface="Gill Sans"/>
+              <a:ea typeface="Gill Sans"/>
+            </a:endParaRPr>
+          </a:p>
+          <a:p>
+            <a:pPr marL="444420" indent="-342900">
+              <a:spcBef>
+                <a:spcPts val="400"/>
+              </a:spcBef>
+              <a:buFont typeface="Wingdings" pitchFamily="2" charset="2"/>
+              <a:buChar char="Ø"/>
+            </a:pPr>
+            <a:endParaRPr lang="en-US" spc="-1" dirty="0">
+              <a:latin typeface="Gill Sans"/>
+              <a:ea typeface="Gill Sans"/>
+            </a:endParaRPr>
+          </a:p>
+          <a:p>
+            <a:pPr marL="444420" indent="-342900">
+              <a:spcBef>
+                <a:spcPts val="400"/>
+              </a:spcBef>
+              <a:buFont typeface="Wingdings" pitchFamily="2" charset="2"/>
+              <a:buChar char="Ø"/>
+            </a:pPr>
+            <a:r>
+              <a:rPr lang="en-US" spc="-1" dirty="0">
+                <a:latin typeface="Gill Sans"/>
+                <a:ea typeface="Gill Sans"/>
+              </a:rPr>
+              <a:t>Certificate Configuration Improvement</a:t>
+            </a:r>
+          </a:p>
+          <a:p>
+            <a:pPr marL="901620" lvl="1" indent="-342900">
+              <a:spcBef>
+                <a:spcPts val="400"/>
+              </a:spcBef>
+              <a:buFont typeface="Wingdings" pitchFamily="2" charset="2"/>
+              <a:buChar char="v"/>
+            </a:pPr>
+            <a:r>
+              <a:rPr lang="en-US" sz="1600" spc="-1" dirty="0">
+                <a:latin typeface="Gill Sans"/>
+                <a:ea typeface="Gill Sans"/>
+                <a:hlinkClick r:id="rId9"/>
+              </a:rPr>
+              <a:t>Add flexibility to define certificate for internal and external usage</a:t>
+            </a:r>
+            <a:endParaRPr lang="en-US" sz="1600" spc="-1" dirty="0">
+              <a:latin typeface="Gill Sans"/>
+              <a:ea typeface="Gill Sans"/>
+            </a:endParaRPr>
+          </a:p>
+          <a:p>
+            <a:pPr marL="901620" lvl="1" indent="-342900">
+              <a:spcBef>
+                <a:spcPts val="400"/>
+              </a:spcBef>
+              <a:buFont typeface="Wingdings" pitchFamily="2" charset="2"/>
+              <a:buChar char="v"/>
+            </a:pPr>
+            <a:r>
+              <a:rPr lang="en-US" sz="1600" spc="-1" dirty="0">
+                <a:latin typeface="Gill Sans"/>
+                <a:ea typeface="Gill Sans"/>
+                <a:hlinkClick r:id="rId10"/>
+              </a:rPr>
+              <a:t>Allow to define multiple domains / IPs as Subject Alternative Name (SAN) when storing certificate(s) in Keyring</a:t>
+            </a:r>
+            <a:endParaRPr lang="en-US" sz="1600" spc="-1" dirty="0">
+              <a:latin typeface="Gill Sans"/>
+              <a:ea typeface="Gill Sans"/>
+            </a:endParaRPr>
+          </a:p>
+        </p:txBody>
+      </p:sp>
+    </p:spTree>
+    <p:extLst>
+      <p:ext uri="{BB962C8B-B14F-4D97-AF65-F5344CB8AC3E}">
+        <p14:creationId xmlns:p14="http://schemas.microsoft.com/office/powerpoint/2010/main" val="259758416"/>
+      </p:ext>
+    </p:extLst>
+  </p:cSld>
+  <p:clrMapOvr>
+    <a:masterClrMapping/>
+  </p:clrMapOvr>
+  <p:transition spd="med">
+    <p:fade thruBlk="1"/>
+  </p:transition>
+  <p:timing>
+    <p:tnLst>
+      <p:par>
+        <p:cTn id="1" dur="indefinite" restart="never" nodeType="tmRoot">
+          <p:childTnLst>
+            <p:seq>
+              <p:cTn id="2" dur="indefinite" nodeType="mainSeq"/>
+              <p:prevCondLst>
+                <p:cond evt="onPrev" delay="0">
+                  <p:tgtEl>
+                    <p:sldTgt/>
+                  </p:tgtEl>
+                </p:cond>
+              </p:prevCondLst>
+              <p:nextCondLst>
+                <p:cond evt="onNext" delay="0">
+                  <p:tgtEl>
+                    <p:sldTgt/>
+                  </p:tgtEl>
+                </p:cond>
+              </p:nextCondLst>
+            </p:seq>
+          </p:childTnLst>
+        </p:cTn>
+      </p:par>
+    </p:tnLst>
+  </p:timing>
+</p:sld>
+</file>
+
+<file path=ppt/slides/slide9.xml><?xml version="1.0" encoding="utf-8"?>
+<p:sld xmlns:a="http://schemas.openxmlformats.org/drawingml/2006/main" xmlns:r="http://schemas.openxmlformats.org/officeDocument/2006/relationships" xmlns:p="http://schemas.openxmlformats.org/presentationml/2006/main">
+  <p:cSld>
+    <p:spTree>
+      <p:nvGrpSpPr>
+        <p:cNvPr id="1" name=""/>
+        <p:cNvGrpSpPr/>
+        <p:nvPr/>
+      </p:nvGrpSpPr>
+      <p:grpSpPr>
+        <a:xfrm>
+          <a:off x="0" y="0"/>
+          <a:ext cx="0" cy="0"/>
+          <a:chOff x="0" y="0"/>
+          <a:chExt cx="0" cy="0"/>
+        </a:xfrm>
+      </p:grpSpPr>
+      <p:sp>
+        <p:nvSpPr>
+          <p:cNvPr id="182" name="TextShape 1"/>
+          <p:cNvSpPr txBox="1"/>
+          <p:nvPr/>
+        </p:nvSpPr>
+        <p:spPr>
+          <a:xfrm>
+            <a:off x="334080" y="159480"/>
+            <a:ext cx="7893720" cy="447120"/>
+          </a:xfrm>
+          <a:prstGeom prst="rect">
+            <a:avLst/>
+          </a:prstGeom>
+          <a:noFill/>
+          <a:ln>
+            <a:noFill/>
+          </a:ln>
+        </p:spPr>
+        <p:txBody>
+          <a:bodyPr tIns="91440" bIns="91440" anchor="ctr">
+            <a:noAutofit/>
+          </a:bodyPr>
+          <a:lstStyle/>
+          <a:p>
+            <a:pPr>
               <a:lnSpc>
                 <a:spcPct val="100000"/>
               </a:lnSpc>
-              <a:spcBef>
-                <a:spcPts val="400"/>
-              </a:spcBef>
-              <a:buClr>
-                <a:srgbClr val="000000"/>
-              </a:buClr>
-              <a:buFont typeface="Arial"/>
-              <a:buChar char="•"/>
             </a:pPr>
             <a:r>
-              <a:rPr lang="en-US" sz="1800" b="0" strike="noStrike" spc="-1" dirty="0">
+              <a:rPr lang="en-US" sz="3000" spc="-1" dirty="0">
                 <a:solidFill>
-                  <a:srgbClr val="000000"/>
+                  <a:srgbClr val="262626"/>
                 </a:solidFill>
                 <a:latin typeface="Gill Sans"/>
                 <a:ea typeface="Gill Sans"/>
               </a:rPr>
-              <a:t>TBD</a:t>
+              <a:t>CI/CD – Extension Installation</a:t>
             </a:r>
-            <a:endParaRPr lang="en-US" sz="1600" b="0" strike="noStrike" spc="-1" dirty="0">
-              <a:solidFill>
-                <a:srgbClr val="000000"/>
-              </a:solidFill>
-              <a:latin typeface="Arial"/>
-            </a:endParaRPr>
+            <a:endParaRPr lang="en-US" sz="3000" b="0" strike="noStrike" spc="-1" dirty="0">
+              <a:solidFill>
+                <a:srgbClr val="000000"/>
+              </a:solidFill>
+              <a:latin typeface="Arial"/>
+            </a:endParaRPr>
+          </a:p>
+        </p:txBody>
+      </p:sp>
+      <p:sp>
+        <p:nvSpPr>
+          <p:cNvPr id="183" name="TextShape 2"/>
+          <p:cNvSpPr txBox="1"/>
+          <p:nvPr/>
+        </p:nvSpPr>
+        <p:spPr>
+          <a:xfrm>
+            <a:off x="405518" y="993913"/>
+            <a:ext cx="8269762" cy="3808676"/>
+          </a:xfrm>
+          <a:prstGeom prst="rect">
+            <a:avLst/>
+          </a:prstGeom>
+          <a:noFill/>
+          <a:ln>
+            <a:noFill/>
+          </a:ln>
+        </p:spPr>
+        <p:txBody>
+          <a:bodyPr tIns="91440" bIns="91440">
+            <a:noAutofit/>
+          </a:bodyPr>
+          <a:lstStyle/>
+          <a:p>
+            <a:pPr marL="387270" indent="-285750">
+              <a:spcBef>
+                <a:spcPts val="400"/>
+              </a:spcBef>
+              <a:buFont typeface="Wingdings" pitchFamily="2" charset="2"/>
+              <a:buChar char="Ø"/>
+            </a:pPr>
+            <a:r>
+              <a:rPr lang="en-US" spc="-1" dirty="0">
+                <a:latin typeface="Gill Sans"/>
+                <a:ea typeface="Gill Sans"/>
+                <a:hlinkClick r:id="rId3"/>
+              </a:rPr>
+              <a:t>Create extension installation script, playbook and test cases to validate installation</a:t>
+            </a:r>
+            <a:endParaRPr lang="en-US" spc="-1" dirty="0">
+              <a:latin typeface="Gill Sans"/>
+              <a:ea typeface="Gill Sans"/>
+            </a:endParaRPr>
+          </a:p>
+          <a:p>
+            <a:pPr marL="387270" indent="-285750">
+              <a:spcBef>
+                <a:spcPts val="400"/>
+              </a:spcBef>
+              <a:buFont typeface="Wingdings" pitchFamily="2" charset="2"/>
+              <a:buChar char="Ø"/>
+            </a:pPr>
+            <a:endParaRPr lang="en-US" spc="-1" dirty="0">
+              <a:latin typeface="Gill Sans"/>
+              <a:ea typeface="Gill Sans"/>
+            </a:endParaRPr>
+          </a:p>
+          <a:p>
+            <a:pPr marL="844470" lvl="1" indent="-285750">
+              <a:spcBef>
+                <a:spcPts val="400"/>
+              </a:spcBef>
+              <a:buFont typeface="Wingdings" pitchFamily="2" charset="2"/>
+              <a:buChar char="v"/>
+            </a:pPr>
+            <a:r>
+              <a:rPr lang="en-US" spc="-1" dirty="0">
+                <a:latin typeface="Gill Sans"/>
+                <a:ea typeface="Gill Sans"/>
+              </a:rPr>
+              <a:t>Create extension installation script</a:t>
+            </a:r>
+          </a:p>
+          <a:p>
+            <a:pPr marL="844470" lvl="1" indent="-285750">
+              <a:spcBef>
+                <a:spcPts val="400"/>
+              </a:spcBef>
+              <a:buFont typeface="Wingdings" pitchFamily="2" charset="2"/>
+              <a:buChar char="v"/>
+            </a:pPr>
+            <a:r>
+              <a:rPr lang="en-US" spc="-1" dirty="0">
+                <a:latin typeface="Gill Sans"/>
+                <a:ea typeface="Gill Sans"/>
+              </a:rPr>
+              <a:t>Create new Ansible playbook to install extension</a:t>
+            </a:r>
+          </a:p>
+          <a:p>
+            <a:pPr marL="844470" lvl="1" indent="-285750">
+              <a:spcBef>
+                <a:spcPts val="400"/>
+              </a:spcBef>
+              <a:buFont typeface="Wingdings" pitchFamily="2" charset="2"/>
+              <a:buChar char="v"/>
+            </a:pPr>
+            <a:r>
+              <a:rPr lang="en-US" spc="-1" dirty="0">
+                <a:latin typeface="Gill Sans"/>
+                <a:ea typeface="Gill Sans"/>
+              </a:rPr>
+              <a:t>Create new test cases which will validate extension installation</a:t>
+            </a:r>
           </a:p>
         </p:txBody>
       </p:sp>
     </p:spTree>
+    <p:extLst>
+      <p:ext uri="{BB962C8B-B14F-4D97-AF65-F5344CB8AC3E}">
+        <p14:creationId xmlns:p14="http://schemas.microsoft.com/office/powerpoint/2010/main" val="2730694854"/>
+      </p:ext>
+    </p:extLst>
   </p:cSld>
   <p:clrMapOvr>
     <a:masterClrMapping/>

--- a/Project Management/PI Planning/20PI4 Planning/Zowe Community Squad Focus for 20PI4.pptx
+++ b/Project Management/PI Planning/20PI4 Planning/Zowe Community Squad Focus for 20PI4.pptx
@@ -1,6 +1,6 @@
 
 <file path=ppt/presentation.xml><?xml version="1.0" encoding="utf-8"?>
-<p:presentation xmlns:a="http://schemas.openxmlformats.org/drawingml/2006/main" xmlns:r="http://schemas.openxmlformats.org/officeDocument/2006/relationships" xmlns:p="http://schemas.openxmlformats.org/presentationml/2006/main">
+<p:presentation xmlns:a="http://schemas.openxmlformats.org/drawingml/2006/main" xmlns:r="http://schemas.openxmlformats.org/officeDocument/2006/relationships" xmlns:p="http://schemas.openxmlformats.org/presentationml/2006/main" saveSubsetFonts="1">
   <p:sldMasterIdLst>
     <p:sldMasterId id="2147483648" r:id="rId1"/>
     <p:sldMasterId id="2147483661" r:id="rId2"/>
@@ -8,7 +8,7 @@
     <p:sldMasterId id="2147483687" r:id="rId4"/>
   </p:sldMasterIdLst>
   <p:notesMasterIdLst>
-    <p:notesMasterId r:id="rId16"/>
+    <p:notesMasterId r:id="rId20"/>
   </p:notesMasterIdLst>
   <p:sldIdLst>
     <p:sldId id="256" r:id="rId5"/>
@@ -20,8 +20,12 @@
     <p:sldId id="267" r:id="rId11"/>
     <p:sldId id="268" r:id="rId12"/>
     <p:sldId id="269" r:id="rId13"/>
-    <p:sldId id="264" r:id="rId14"/>
-    <p:sldId id="265" r:id="rId15"/>
+    <p:sldId id="270" r:id="rId14"/>
+    <p:sldId id="271" r:id="rId15"/>
+    <p:sldId id="272" r:id="rId16"/>
+    <p:sldId id="273" r:id="rId17"/>
+    <p:sldId id="264" r:id="rId18"/>
+    <p:sldId id="265" r:id="rId19"/>
   </p:sldIdLst>
   <p:sldSz cx="9144000" cy="5143500" type="screen16x9"/>
   <p:notesSz cx="6858000" cy="9144000"/>
@@ -1048,6 +1052,670 @@
 </file>
 
 <file path=ppt/notesSlides/notesSlide5.xml><?xml version="1.0" encoding="utf-8"?>
+<p:notes xmlns:a="http://schemas.openxmlformats.org/drawingml/2006/main" xmlns:r="http://schemas.openxmlformats.org/officeDocument/2006/relationships" xmlns:p="http://schemas.openxmlformats.org/presentationml/2006/main">
+  <p:cSld>
+    <p:spTree>
+      <p:nvGrpSpPr>
+        <p:cNvPr id="1" name=""/>
+        <p:cNvGrpSpPr/>
+        <p:nvPr/>
+      </p:nvGrpSpPr>
+      <p:grpSpPr>
+        <a:xfrm>
+          <a:off x="0" y="0"/>
+          <a:ext cx="0" cy="0"/>
+          <a:chOff x="0" y="0"/>
+          <a:chExt cx="0" cy="0"/>
+        </a:xfrm>
+      </p:grpSpPr>
+      <p:sp>
+        <p:nvSpPr>
+          <p:cNvPr id="243" name="PlaceHolder 1"/>
+          <p:cNvSpPr>
+            <a:spLocks noGrp="1" noRot="1" noChangeAspect="1"/>
+          </p:cNvSpPr>
+          <p:nvPr>
+            <p:ph type="sldImg"/>
+          </p:nvPr>
+        </p:nvSpPr>
+        <p:spPr>
+          <a:xfrm>
+            <a:off x="381000" y="685800"/>
+            <a:ext cx="6096000" cy="3429000"/>
+          </a:xfrm>
+          <a:prstGeom prst="rect">
+            <a:avLst/>
+          </a:prstGeom>
+        </p:spPr>
+      </p:sp>
+      <p:sp>
+        <p:nvSpPr>
+          <p:cNvPr id="244" name="PlaceHolder 2"/>
+          <p:cNvSpPr>
+            <a:spLocks noGrp="1"/>
+          </p:cNvSpPr>
+          <p:nvPr>
+            <p:ph type="body"/>
+          </p:nvPr>
+        </p:nvSpPr>
+        <p:spPr>
+          <a:xfrm>
+            <a:off x="685800" y="4343400"/>
+            <a:ext cx="5486040" cy="4114440"/>
+          </a:xfrm>
+          <a:prstGeom prst="rect">
+            <a:avLst/>
+          </a:prstGeom>
+        </p:spPr>
+        <p:txBody>
+          <a:bodyPr tIns="91440" bIns="91440">
+            <a:noAutofit/>
+          </a:bodyPr>
+          <a:lstStyle/>
+          <a:p>
+            <a:pPr marL="158760">
+              <a:lnSpc>
+                <a:spcPct val="100000"/>
+              </a:lnSpc>
+            </a:pPr>
+            <a:r>
+              <a:rPr lang="en-US" sz="1100" b="0" strike="noStrike" spc="-1">
+                <a:solidFill>
+                  <a:srgbClr val="000000"/>
+                </a:solidFill>
+                <a:latin typeface="Arial"/>
+                <a:ea typeface="Arial"/>
+              </a:rPr>
+              <a:t>Notes: </a:t>
+            </a:r>
+            <a:endParaRPr lang="en-US" sz="1100" b="0" strike="noStrike" spc="-1">
+              <a:latin typeface="Arial"/>
+            </a:endParaRPr>
+          </a:p>
+          <a:p>
+            <a:pPr marL="158760">
+              <a:lnSpc>
+                <a:spcPct val="100000"/>
+              </a:lnSpc>
+            </a:pPr>
+            <a:r>
+              <a:rPr lang="en-US" sz="1100" b="0" strike="noStrike" spc="-1">
+                <a:solidFill>
+                  <a:srgbClr val="000000"/>
+                </a:solidFill>
+                <a:latin typeface="Arial"/>
+                <a:ea typeface="Arial"/>
+              </a:rPr>
+              <a:t>x.509 is one of the  industry standard ways of authenticating to backend services</a:t>
+            </a:r>
+            <a:endParaRPr lang="en-US" sz="1100" b="0" strike="noStrike" spc="-1">
+              <a:latin typeface="Arial"/>
+            </a:endParaRPr>
+          </a:p>
+          <a:p>
+            <a:pPr marL="158760">
+              <a:lnSpc>
+                <a:spcPct val="100000"/>
+              </a:lnSpc>
+            </a:pPr>
+            <a:r>
+              <a:rPr lang="en-US" sz="1100" b="0" strike="noStrike" spc="-1">
+                <a:solidFill>
+                  <a:srgbClr val="000000"/>
+                </a:solidFill>
+                <a:latin typeface="Arial"/>
+                <a:ea typeface="Arial"/>
+              </a:rPr>
+              <a:t>Zowe Client apps will need to be updated to support client certs</a:t>
+            </a:r>
+            <a:endParaRPr lang="en-US" sz="1100" b="0" strike="noStrike" spc="-1">
+              <a:latin typeface="Arial"/>
+            </a:endParaRPr>
+          </a:p>
+          <a:p>
+            <a:pPr marL="158760">
+              <a:lnSpc>
+                <a:spcPct val="100000"/>
+              </a:lnSpc>
+            </a:pPr>
+            <a:r>
+              <a:rPr lang="en-US" sz="1100" b="0" strike="noStrike" spc="-1">
+                <a:solidFill>
+                  <a:srgbClr val="000000"/>
+                </a:solidFill>
+                <a:latin typeface="Arial"/>
+                <a:ea typeface="Arial"/>
+              </a:rPr>
+              <a:t>Customer apps may have their own way of supporting client certs</a:t>
+            </a:r>
+            <a:endParaRPr lang="en-US" sz="1100" b="0" strike="noStrike" spc="-1">
+              <a:latin typeface="Arial"/>
+            </a:endParaRPr>
+          </a:p>
+          <a:p>
+            <a:pPr marL="158760">
+              <a:lnSpc>
+                <a:spcPct val="100000"/>
+              </a:lnSpc>
+            </a:pPr>
+            <a:endParaRPr lang="en-US" sz="1100" b="0" strike="noStrike" spc="-1">
+              <a:latin typeface="Arial"/>
+            </a:endParaRPr>
+          </a:p>
+        </p:txBody>
+      </p:sp>
+    </p:spTree>
+    <p:extLst>
+      <p:ext uri="{BB962C8B-B14F-4D97-AF65-F5344CB8AC3E}">
+        <p14:creationId xmlns:p14="http://schemas.microsoft.com/office/powerpoint/2010/main" val="1361380048"/>
+      </p:ext>
+    </p:extLst>
+  </p:cSld>
+  <p:clrMapOvr>
+    <a:masterClrMapping/>
+  </p:clrMapOvr>
+</p:notes>
+</file>
+
+<file path=ppt/notesSlides/notesSlide6.xml><?xml version="1.0" encoding="utf-8"?>
+<p:notes xmlns:a="http://schemas.openxmlformats.org/drawingml/2006/main" xmlns:r="http://schemas.openxmlformats.org/officeDocument/2006/relationships" xmlns:p="http://schemas.openxmlformats.org/presentationml/2006/main">
+  <p:cSld>
+    <p:spTree>
+      <p:nvGrpSpPr>
+        <p:cNvPr id="1" name=""/>
+        <p:cNvGrpSpPr/>
+        <p:nvPr/>
+      </p:nvGrpSpPr>
+      <p:grpSpPr>
+        <a:xfrm>
+          <a:off x="0" y="0"/>
+          <a:ext cx="0" cy="0"/>
+          <a:chOff x="0" y="0"/>
+          <a:chExt cx="0" cy="0"/>
+        </a:xfrm>
+      </p:grpSpPr>
+      <p:sp>
+        <p:nvSpPr>
+          <p:cNvPr id="243" name="PlaceHolder 1"/>
+          <p:cNvSpPr>
+            <a:spLocks noGrp="1" noRot="1" noChangeAspect="1"/>
+          </p:cNvSpPr>
+          <p:nvPr>
+            <p:ph type="sldImg"/>
+          </p:nvPr>
+        </p:nvSpPr>
+        <p:spPr>
+          <a:xfrm>
+            <a:off x="381000" y="685800"/>
+            <a:ext cx="6096000" cy="3429000"/>
+          </a:xfrm>
+          <a:prstGeom prst="rect">
+            <a:avLst/>
+          </a:prstGeom>
+        </p:spPr>
+      </p:sp>
+      <p:sp>
+        <p:nvSpPr>
+          <p:cNvPr id="244" name="PlaceHolder 2"/>
+          <p:cNvSpPr>
+            <a:spLocks noGrp="1"/>
+          </p:cNvSpPr>
+          <p:nvPr>
+            <p:ph type="body"/>
+          </p:nvPr>
+        </p:nvSpPr>
+        <p:spPr>
+          <a:xfrm>
+            <a:off x="685800" y="4343400"/>
+            <a:ext cx="5486040" cy="4114440"/>
+          </a:xfrm>
+          <a:prstGeom prst="rect">
+            <a:avLst/>
+          </a:prstGeom>
+        </p:spPr>
+        <p:txBody>
+          <a:bodyPr tIns="91440" bIns="91440">
+            <a:noAutofit/>
+          </a:bodyPr>
+          <a:lstStyle/>
+          <a:p>
+            <a:pPr marL="158760">
+              <a:lnSpc>
+                <a:spcPct val="100000"/>
+              </a:lnSpc>
+            </a:pPr>
+            <a:r>
+              <a:rPr lang="en-US" sz="1100" b="0" strike="noStrike" spc="-1">
+                <a:solidFill>
+                  <a:srgbClr val="000000"/>
+                </a:solidFill>
+                <a:latin typeface="Arial"/>
+                <a:ea typeface="Arial"/>
+              </a:rPr>
+              <a:t>Notes: </a:t>
+            </a:r>
+            <a:endParaRPr lang="en-US" sz="1100" b="0" strike="noStrike" spc="-1">
+              <a:latin typeface="Arial"/>
+            </a:endParaRPr>
+          </a:p>
+          <a:p>
+            <a:pPr marL="158760">
+              <a:lnSpc>
+                <a:spcPct val="100000"/>
+              </a:lnSpc>
+            </a:pPr>
+            <a:r>
+              <a:rPr lang="en-US" sz="1100" b="0" strike="noStrike" spc="-1">
+                <a:solidFill>
+                  <a:srgbClr val="000000"/>
+                </a:solidFill>
+                <a:latin typeface="Arial"/>
+                <a:ea typeface="Arial"/>
+              </a:rPr>
+              <a:t>x.509 is one of the  industry standard ways of authenticating to backend services</a:t>
+            </a:r>
+            <a:endParaRPr lang="en-US" sz="1100" b="0" strike="noStrike" spc="-1">
+              <a:latin typeface="Arial"/>
+            </a:endParaRPr>
+          </a:p>
+          <a:p>
+            <a:pPr marL="158760">
+              <a:lnSpc>
+                <a:spcPct val="100000"/>
+              </a:lnSpc>
+            </a:pPr>
+            <a:r>
+              <a:rPr lang="en-US" sz="1100" b="0" strike="noStrike" spc="-1">
+                <a:solidFill>
+                  <a:srgbClr val="000000"/>
+                </a:solidFill>
+                <a:latin typeface="Arial"/>
+                <a:ea typeface="Arial"/>
+              </a:rPr>
+              <a:t>Zowe Client apps will need to be updated to support client certs</a:t>
+            </a:r>
+            <a:endParaRPr lang="en-US" sz="1100" b="0" strike="noStrike" spc="-1">
+              <a:latin typeface="Arial"/>
+            </a:endParaRPr>
+          </a:p>
+          <a:p>
+            <a:pPr marL="158760">
+              <a:lnSpc>
+                <a:spcPct val="100000"/>
+              </a:lnSpc>
+            </a:pPr>
+            <a:r>
+              <a:rPr lang="en-US" sz="1100" b="0" strike="noStrike" spc="-1">
+                <a:solidFill>
+                  <a:srgbClr val="000000"/>
+                </a:solidFill>
+                <a:latin typeface="Arial"/>
+                <a:ea typeface="Arial"/>
+              </a:rPr>
+              <a:t>Customer apps may have their own way of supporting client certs</a:t>
+            </a:r>
+            <a:endParaRPr lang="en-US" sz="1100" b="0" strike="noStrike" spc="-1">
+              <a:latin typeface="Arial"/>
+            </a:endParaRPr>
+          </a:p>
+          <a:p>
+            <a:pPr marL="158760">
+              <a:lnSpc>
+                <a:spcPct val="100000"/>
+              </a:lnSpc>
+            </a:pPr>
+            <a:endParaRPr lang="en-US" sz="1100" b="0" strike="noStrike" spc="-1">
+              <a:latin typeface="Arial"/>
+            </a:endParaRPr>
+          </a:p>
+        </p:txBody>
+      </p:sp>
+    </p:spTree>
+    <p:extLst>
+      <p:ext uri="{BB962C8B-B14F-4D97-AF65-F5344CB8AC3E}">
+        <p14:creationId xmlns:p14="http://schemas.microsoft.com/office/powerpoint/2010/main" val="1361380048"/>
+      </p:ext>
+    </p:extLst>
+  </p:cSld>
+  <p:clrMapOvr>
+    <a:masterClrMapping/>
+  </p:clrMapOvr>
+</p:notes>
+</file>
+
+<file path=ppt/notesSlides/notesSlide7.xml><?xml version="1.0" encoding="utf-8"?>
+<p:notes xmlns:a="http://schemas.openxmlformats.org/drawingml/2006/main" xmlns:r="http://schemas.openxmlformats.org/officeDocument/2006/relationships" xmlns:p="http://schemas.openxmlformats.org/presentationml/2006/main">
+  <p:cSld>
+    <p:spTree>
+      <p:nvGrpSpPr>
+        <p:cNvPr id="1" name=""/>
+        <p:cNvGrpSpPr/>
+        <p:nvPr/>
+      </p:nvGrpSpPr>
+      <p:grpSpPr>
+        <a:xfrm>
+          <a:off x="0" y="0"/>
+          <a:ext cx="0" cy="0"/>
+          <a:chOff x="0" y="0"/>
+          <a:chExt cx="0" cy="0"/>
+        </a:xfrm>
+      </p:grpSpPr>
+      <p:sp>
+        <p:nvSpPr>
+          <p:cNvPr id="243" name="PlaceHolder 1"/>
+          <p:cNvSpPr>
+            <a:spLocks noGrp="1" noRot="1" noChangeAspect="1"/>
+          </p:cNvSpPr>
+          <p:nvPr>
+            <p:ph type="sldImg"/>
+          </p:nvPr>
+        </p:nvSpPr>
+        <p:spPr>
+          <a:xfrm>
+            <a:off x="381000" y="685800"/>
+            <a:ext cx="6096000" cy="3429000"/>
+          </a:xfrm>
+          <a:prstGeom prst="rect">
+            <a:avLst/>
+          </a:prstGeom>
+        </p:spPr>
+      </p:sp>
+      <p:sp>
+        <p:nvSpPr>
+          <p:cNvPr id="244" name="PlaceHolder 2"/>
+          <p:cNvSpPr>
+            <a:spLocks noGrp="1"/>
+          </p:cNvSpPr>
+          <p:nvPr>
+            <p:ph type="body"/>
+          </p:nvPr>
+        </p:nvSpPr>
+        <p:spPr>
+          <a:xfrm>
+            <a:off x="685800" y="4343400"/>
+            <a:ext cx="5486040" cy="4114440"/>
+          </a:xfrm>
+          <a:prstGeom prst="rect">
+            <a:avLst/>
+          </a:prstGeom>
+        </p:spPr>
+        <p:txBody>
+          <a:bodyPr tIns="91440" bIns="91440">
+            <a:noAutofit/>
+          </a:bodyPr>
+          <a:lstStyle/>
+          <a:p>
+            <a:pPr marL="158760">
+              <a:lnSpc>
+                <a:spcPct val="100000"/>
+              </a:lnSpc>
+            </a:pPr>
+            <a:r>
+              <a:rPr lang="en-US" sz="1100" b="0" strike="noStrike" spc="-1">
+                <a:solidFill>
+                  <a:srgbClr val="000000"/>
+                </a:solidFill>
+                <a:latin typeface="Arial"/>
+                <a:ea typeface="Arial"/>
+              </a:rPr>
+              <a:t>Notes: </a:t>
+            </a:r>
+            <a:endParaRPr lang="en-US" sz="1100" b="0" strike="noStrike" spc="-1">
+              <a:latin typeface="Arial"/>
+            </a:endParaRPr>
+          </a:p>
+          <a:p>
+            <a:pPr marL="158760">
+              <a:lnSpc>
+                <a:spcPct val="100000"/>
+              </a:lnSpc>
+            </a:pPr>
+            <a:r>
+              <a:rPr lang="en-US" sz="1100" b="0" strike="noStrike" spc="-1">
+                <a:solidFill>
+                  <a:srgbClr val="000000"/>
+                </a:solidFill>
+                <a:latin typeface="Arial"/>
+                <a:ea typeface="Arial"/>
+              </a:rPr>
+              <a:t>x.509 is one of the  industry standard ways of authenticating to backend services</a:t>
+            </a:r>
+            <a:endParaRPr lang="en-US" sz="1100" b="0" strike="noStrike" spc="-1">
+              <a:latin typeface="Arial"/>
+            </a:endParaRPr>
+          </a:p>
+          <a:p>
+            <a:pPr marL="158760">
+              <a:lnSpc>
+                <a:spcPct val="100000"/>
+              </a:lnSpc>
+            </a:pPr>
+            <a:r>
+              <a:rPr lang="en-US" sz="1100" b="0" strike="noStrike" spc="-1">
+                <a:solidFill>
+                  <a:srgbClr val="000000"/>
+                </a:solidFill>
+                <a:latin typeface="Arial"/>
+                <a:ea typeface="Arial"/>
+              </a:rPr>
+              <a:t>Zowe Client apps will need to be updated to support client certs</a:t>
+            </a:r>
+            <a:endParaRPr lang="en-US" sz="1100" b="0" strike="noStrike" spc="-1">
+              <a:latin typeface="Arial"/>
+            </a:endParaRPr>
+          </a:p>
+          <a:p>
+            <a:pPr marL="158760">
+              <a:lnSpc>
+                <a:spcPct val="100000"/>
+              </a:lnSpc>
+            </a:pPr>
+            <a:r>
+              <a:rPr lang="en-US" sz="1100" b="0" strike="noStrike" spc="-1">
+                <a:solidFill>
+                  <a:srgbClr val="000000"/>
+                </a:solidFill>
+                <a:latin typeface="Arial"/>
+                <a:ea typeface="Arial"/>
+              </a:rPr>
+              <a:t>Customer apps may have their own way of supporting client certs</a:t>
+            </a:r>
+            <a:endParaRPr lang="en-US" sz="1100" b="0" strike="noStrike" spc="-1">
+              <a:latin typeface="Arial"/>
+            </a:endParaRPr>
+          </a:p>
+          <a:p>
+            <a:pPr marL="158760">
+              <a:lnSpc>
+                <a:spcPct val="100000"/>
+              </a:lnSpc>
+            </a:pPr>
+            <a:endParaRPr lang="en-US" sz="1100" b="0" strike="noStrike" spc="-1">
+              <a:latin typeface="Arial"/>
+            </a:endParaRPr>
+          </a:p>
+        </p:txBody>
+      </p:sp>
+    </p:spTree>
+    <p:extLst>
+      <p:ext uri="{BB962C8B-B14F-4D97-AF65-F5344CB8AC3E}">
+        <p14:creationId xmlns:p14="http://schemas.microsoft.com/office/powerpoint/2010/main" val="1361380048"/>
+      </p:ext>
+    </p:extLst>
+  </p:cSld>
+  <p:clrMapOvr>
+    <a:masterClrMapping/>
+  </p:clrMapOvr>
+</p:notes>
+</file>
+
+<file path=ppt/notesSlides/notesSlide8.xml><?xml version="1.0" encoding="utf-8"?>
+<p:notes xmlns:a="http://schemas.openxmlformats.org/drawingml/2006/main" xmlns:r="http://schemas.openxmlformats.org/officeDocument/2006/relationships" xmlns:p="http://schemas.openxmlformats.org/presentationml/2006/main">
+  <p:cSld>
+    <p:spTree>
+      <p:nvGrpSpPr>
+        <p:cNvPr id="1" name=""/>
+        <p:cNvGrpSpPr/>
+        <p:nvPr/>
+      </p:nvGrpSpPr>
+      <p:grpSpPr>
+        <a:xfrm>
+          <a:off x="0" y="0"/>
+          <a:ext cx="0" cy="0"/>
+          <a:chOff x="0" y="0"/>
+          <a:chExt cx="0" cy="0"/>
+        </a:xfrm>
+      </p:grpSpPr>
+      <p:sp>
+        <p:nvSpPr>
+          <p:cNvPr id="243" name="PlaceHolder 1"/>
+          <p:cNvSpPr>
+            <a:spLocks noGrp="1" noRot="1" noChangeAspect="1"/>
+          </p:cNvSpPr>
+          <p:nvPr>
+            <p:ph type="sldImg"/>
+          </p:nvPr>
+        </p:nvSpPr>
+        <p:spPr>
+          <a:xfrm>
+            <a:off x="381000" y="685800"/>
+            <a:ext cx="6096000" cy="3429000"/>
+          </a:xfrm>
+          <a:prstGeom prst="rect">
+            <a:avLst/>
+          </a:prstGeom>
+        </p:spPr>
+      </p:sp>
+      <p:sp>
+        <p:nvSpPr>
+          <p:cNvPr id="244" name="PlaceHolder 2"/>
+          <p:cNvSpPr>
+            <a:spLocks noGrp="1"/>
+          </p:cNvSpPr>
+          <p:nvPr>
+            <p:ph type="body"/>
+          </p:nvPr>
+        </p:nvSpPr>
+        <p:spPr>
+          <a:xfrm>
+            <a:off x="685800" y="4343400"/>
+            <a:ext cx="5486040" cy="4114440"/>
+          </a:xfrm>
+          <a:prstGeom prst="rect">
+            <a:avLst/>
+          </a:prstGeom>
+        </p:spPr>
+        <p:txBody>
+          <a:bodyPr tIns="91440" bIns="91440">
+            <a:noAutofit/>
+          </a:bodyPr>
+          <a:lstStyle/>
+          <a:p>
+            <a:pPr marL="158760">
+              <a:lnSpc>
+                <a:spcPct val="100000"/>
+              </a:lnSpc>
+            </a:pPr>
+            <a:r>
+              <a:rPr lang="en-US" sz="1100" b="0" strike="noStrike" spc="-1">
+                <a:solidFill>
+                  <a:srgbClr val="000000"/>
+                </a:solidFill>
+                <a:latin typeface="Arial"/>
+                <a:ea typeface="Arial"/>
+              </a:rPr>
+              <a:t>Notes: </a:t>
+            </a:r>
+            <a:endParaRPr lang="en-US" sz="1100" b="0" strike="noStrike" spc="-1">
+              <a:latin typeface="Arial"/>
+            </a:endParaRPr>
+          </a:p>
+          <a:p>
+            <a:pPr marL="158760">
+              <a:lnSpc>
+                <a:spcPct val="100000"/>
+              </a:lnSpc>
+            </a:pPr>
+            <a:r>
+              <a:rPr lang="en-US" sz="1100" b="0" strike="noStrike" spc="-1">
+                <a:solidFill>
+                  <a:srgbClr val="000000"/>
+                </a:solidFill>
+                <a:latin typeface="Arial"/>
+                <a:ea typeface="Arial"/>
+              </a:rPr>
+              <a:t>x.509 is one of the  industry standard ways of authenticating to backend services</a:t>
+            </a:r>
+            <a:endParaRPr lang="en-US" sz="1100" b="0" strike="noStrike" spc="-1">
+              <a:latin typeface="Arial"/>
+            </a:endParaRPr>
+          </a:p>
+          <a:p>
+            <a:pPr marL="158760">
+              <a:lnSpc>
+                <a:spcPct val="100000"/>
+              </a:lnSpc>
+            </a:pPr>
+            <a:r>
+              <a:rPr lang="en-US" sz="1100" b="0" strike="noStrike" spc="-1">
+                <a:solidFill>
+                  <a:srgbClr val="000000"/>
+                </a:solidFill>
+                <a:latin typeface="Arial"/>
+                <a:ea typeface="Arial"/>
+              </a:rPr>
+              <a:t>Zowe Client apps will need to be updated to support client certs</a:t>
+            </a:r>
+            <a:endParaRPr lang="en-US" sz="1100" b="0" strike="noStrike" spc="-1">
+              <a:latin typeface="Arial"/>
+            </a:endParaRPr>
+          </a:p>
+          <a:p>
+            <a:pPr marL="158760">
+              <a:lnSpc>
+                <a:spcPct val="100000"/>
+              </a:lnSpc>
+            </a:pPr>
+            <a:r>
+              <a:rPr lang="en-US" sz="1100" b="0" strike="noStrike" spc="-1">
+                <a:solidFill>
+                  <a:srgbClr val="000000"/>
+                </a:solidFill>
+                <a:latin typeface="Arial"/>
+                <a:ea typeface="Arial"/>
+              </a:rPr>
+              <a:t>Customer apps may have their own way of supporting client certs</a:t>
+            </a:r>
+            <a:endParaRPr lang="en-US" sz="1100" b="0" strike="noStrike" spc="-1">
+              <a:latin typeface="Arial"/>
+            </a:endParaRPr>
+          </a:p>
+          <a:p>
+            <a:pPr marL="158760">
+              <a:lnSpc>
+                <a:spcPct val="100000"/>
+              </a:lnSpc>
+            </a:pPr>
+            <a:endParaRPr lang="en-US" sz="1100" b="0" strike="noStrike" spc="-1">
+              <a:latin typeface="Arial"/>
+            </a:endParaRPr>
+          </a:p>
+        </p:txBody>
+      </p:sp>
+    </p:spTree>
+    <p:extLst>
+      <p:ext uri="{BB962C8B-B14F-4D97-AF65-F5344CB8AC3E}">
+        <p14:creationId xmlns:p14="http://schemas.microsoft.com/office/powerpoint/2010/main" val="1361380048"/>
+      </p:ext>
+    </p:extLst>
+  </p:cSld>
+  <p:clrMapOvr>
+    <a:masterClrMapping/>
+  </p:clrMapOvr>
+</p:notes>
+</file>
+
+<file path=ppt/notesSlides/notesSlide9.xml><?xml version="1.0" encoding="utf-8"?>
 <p:notes xmlns:a="http://schemas.openxmlformats.org/drawingml/2006/main" xmlns:r="http://schemas.openxmlformats.org/officeDocument/2006/relationships" xmlns:p="http://schemas.openxmlformats.org/presentationml/2006/main">
   <p:cSld>
     <p:spTree>
@@ -10128,6 +10796,1380 @@
       </p:grpSpPr>
       <p:sp>
         <p:nvSpPr>
+          <p:cNvPr id="182" name="TextShape 1"/>
+          <p:cNvSpPr txBox="1"/>
+          <p:nvPr/>
+        </p:nvSpPr>
+        <p:spPr>
+          <a:xfrm>
+            <a:off x="334080" y="159480"/>
+            <a:ext cx="7893720" cy="447120"/>
+          </a:xfrm>
+          <a:prstGeom prst="rect">
+            <a:avLst/>
+          </a:prstGeom>
+          <a:noFill/>
+          <a:ln>
+            <a:noFill/>
+          </a:ln>
+        </p:spPr>
+        <p:txBody>
+          <a:bodyPr tIns="91440" bIns="91440" anchor="ctr">
+            <a:noAutofit/>
+          </a:bodyPr>
+          <a:lstStyle/>
+          <a:p>
+            <a:pPr>
+              <a:lnSpc>
+                <a:spcPct val="100000"/>
+              </a:lnSpc>
+            </a:pPr>
+            <a:r>
+              <a:rPr lang="en-US" sz="3000" spc="-1" dirty="0">
+                <a:solidFill>
+                  <a:srgbClr val="262626"/>
+                </a:solidFill>
+                <a:latin typeface="Gill Sans"/>
+                <a:ea typeface="Gill Sans"/>
+              </a:rPr>
+              <a:t>CI/CD – </a:t>
+            </a:r>
+            <a:r>
+              <a:rPr lang="en-GB" sz="3200" dirty="0">
+                <a:solidFill>
+                  <a:srgbClr val="222222"/>
+                </a:solidFill>
+                <a:effectLst/>
+                <a:latin typeface="Lato"/>
+              </a:rPr>
+              <a:t>Automated testing catch-up</a:t>
+            </a:r>
+            <a:endParaRPr lang="en-US" sz="3000" b="0" strike="noStrike" spc="-1" dirty="0">
+              <a:solidFill>
+                <a:srgbClr val="000000"/>
+              </a:solidFill>
+              <a:latin typeface="Arial"/>
+            </a:endParaRPr>
+          </a:p>
+        </p:txBody>
+      </p:sp>
+      <p:sp>
+        <p:nvSpPr>
+          <p:cNvPr id="183" name="TextShape 2"/>
+          <p:cNvSpPr txBox="1"/>
+          <p:nvPr/>
+        </p:nvSpPr>
+        <p:spPr>
+          <a:xfrm>
+            <a:off x="405518" y="993913"/>
+            <a:ext cx="8269762" cy="3808676"/>
+          </a:xfrm>
+          <a:prstGeom prst="rect">
+            <a:avLst/>
+          </a:prstGeom>
+          <a:noFill/>
+          <a:ln>
+            <a:noFill/>
+          </a:ln>
+        </p:spPr>
+        <p:txBody>
+          <a:bodyPr tIns="91440" bIns="91440">
+            <a:noAutofit/>
+          </a:bodyPr>
+          <a:lstStyle/>
+          <a:p>
+            <a:pPr marL="387270" indent="-285750">
+              <a:spcBef>
+                <a:spcPts val="400"/>
+              </a:spcBef>
+              <a:buFont typeface="Wingdings" pitchFamily="2" charset="2"/>
+              <a:buChar char="Ø"/>
+            </a:pPr>
+            <a:r>
+              <a:rPr lang="en-GB" dirty="0">
+                <a:solidFill>
+                  <a:srgbClr val="222222"/>
+                </a:solidFill>
+                <a:effectLst/>
+                <a:latin typeface="Lato"/>
+              </a:rPr>
+              <a:t>Decide on and complete what testing we require for keyrings and </a:t>
+            </a:r>
+            <a:r>
+              <a:rPr lang="en-GB" dirty="0" err="1">
+                <a:solidFill>
+                  <a:srgbClr val="222222"/>
+                </a:solidFill>
+                <a:effectLst/>
+                <a:latin typeface="Lato"/>
+              </a:rPr>
+              <a:t>uss</a:t>
+            </a:r>
+            <a:r>
+              <a:rPr lang="en-GB" dirty="0">
+                <a:solidFill>
+                  <a:srgbClr val="222222"/>
+                </a:solidFill>
+                <a:effectLst/>
+                <a:latin typeface="Lato"/>
+              </a:rPr>
+              <a:t> certificates </a:t>
+            </a:r>
+          </a:p>
+          <a:p>
+            <a:pPr marL="844470" lvl="1" indent="-285750">
+              <a:spcBef>
+                <a:spcPts val="400"/>
+              </a:spcBef>
+              <a:buFont typeface="Arial" panose="020B0604020202020204" pitchFamily="34" charset="0"/>
+              <a:buChar char="•"/>
+            </a:pPr>
+            <a:r>
+              <a:rPr lang="en-GB" sz="1600" dirty="0">
+                <a:solidFill>
+                  <a:srgbClr val="222222"/>
+                </a:solidFill>
+                <a:effectLst/>
+                <a:latin typeface="Lato"/>
+              </a:rPr>
+              <a:t>(eg better TSS and ACF2 support for keyrings, more certificate scenarios like importing external certificates)</a:t>
+            </a:r>
+          </a:p>
+          <a:p>
+            <a:pPr marL="387270" indent="-285750">
+              <a:spcBef>
+                <a:spcPts val="400"/>
+              </a:spcBef>
+              <a:buFont typeface="Wingdings" pitchFamily="2" charset="2"/>
+              <a:buChar char="Ø"/>
+            </a:pPr>
+            <a:endParaRPr lang="en-GB" sz="1600" spc="-1" dirty="0">
+              <a:solidFill>
+                <a:srgbClr val="222222"/>
+              </a:solidFill>
+              <a:latin typeface="Lato"/>
+              <a:ea typeface="Gill Sans"/>
+            </a:endParaRPr>
+          </a:p>
+          <a:p>
+            <a:pPr marL="387270" indent="-285750">
+              <a:spcBef>
+                <a:spcPts val="400"/>
+              </a:spcBef>
+              <a:buFont typeface="Wingdings" pitchFamily="2" charset="2"/>
+              <a:buChar char="Ø"/>
+            </a:pPr>
+            <a:r>
+              <a:rPr lang="en-GB" dirty="0" err="1">
+                <a:solidFill>
+                  <a:srgbClr val="222222"/>
+                </a:solidFill>
+                <a:effectLst/>
+                <a:latin typeface="Lato"/>
+              </a:rPr>
+              <a:t>zlux</a:t>
+            </a:r>
+            <a:r>
+              <a:rPr lang="en-GB" dirty="0">
+                <a:solidFill>
+                  <a:srgbClr val="222222"/>
+                </a:solidFill>
+                <a:effectLst/>
+                <a:latin typeface="Lato"/>
+              </a:rPr>
+              <a:t> and </a:t>
+            </a:r>
+            <a:r>
+              <a:rPr lang="en-GB" dirty="0" err="1">
+                <a:solidFill>
+                  <a:srgbClr val="222222"/>
+                </a:solidFill>
+                <a:effectLst/>
+                <a:latin typeface="Lato"/>
+              </a:rPr>
+              <a:t>apiml</a:t>
+            </a:r>
+            <a:r>
+              <a:rPr lang="en-GB" dirty="0">
+                <a:solidFill>
+                  <a:srgbClr val="222222"/>
+                </a:solidFill>
+                <a:effectLst/>
+                <a:latin typeface="Lato"/>
+              </a:rPr>
+              <a:t> component testing into open source</a:t>
+            </a:r>
+          </a:p>
+          <a:p>
+            <a:pPr marL="387270" indent="-285750">
+              <a:spcBef>
+                <a:spcPts val="400"/>
+              </a:spcBef>
+              <a:buFont typeface="Wingdings" pitchFamily="2" charset="2"/>
+              <a:buChar char="Ø"/>
+            </a:pPr>
+            <a:endParaRPr lang="en-GB" spc="-1" dirty="0">
+              <a:solidFill>
+                <a:srgbClr val="222222"/>
+              </a:solidFill>
+              <a:latin typeface="Lato"/>
+              <a:ea typeface="Gill Sans"/>
+            </a:endParaRPr>
+          </a:p>
+          <a:p>
+            <a:pPr marL="387270" indent="-285750">
+              <a:spcBef>
+                <a:spcPts val="400"/>
+              </a:spcBef>
+              <a:buFont typeface="Wingdings" pitchFamily="2" charset="2"/>
+              <a:buChar char="Ø"/>
+            </a:pPr>
+            <a:r>
+              <a:rPr lang="en-GB" dirty="0">
+                <a:solidFill>
+                  <a:srgbClr val="222222"/>
+                </a:solidFill>
+                <a:effectLst/>
+                <a:latin typeface="Lato"/>
+              </a:rPr>
+              <a:t>Support ACF2 and TSS with the </a:t>
+            </a:r>
+            <a:r>
+              <a:rPr lang="en-GB" dirty="0" err="1">
+                <a:solidFill>
+                  <a:srgbClr val="222222"/>
+                </a:solidFill>
+                <a:effectLst/>
+                <a:latin typeface="Lato"/>
+              </a:rPr>
+              <a:t>Zowe</a:t>
+            </a:r>
+            <a:r>
+              <a:rPr lang="en-GB" dirty="0">
+                <a:solidFill>
+                  <a:srgbClr val="222222"/>
+                </a:solidFill>
+                <a:effectLst/>
+                <a:latin typeface="Lato"/>
+              </a:rPr>
+              <a:t> security set up</a:t>
+            </a:r>
+            <a:endParaRPr lang="en-US" spc="-1" dirty="0">
+              <a:latin typeface="Gill Sans"/>
+              <a:ea typeface="Gill Sans"/>
+            </a:endParaRPr>
+          </a:p>
+        </p:txBody>
+      </p:sp>
+    </p:spTree>
+    <p:extLst>
+      <p:ext uri="{BB962C8B-B14F-4D97-AF65-F5344CB8AC3E}">
+        <p14:creationId xmlns:p14="http://schemas.microsoft.com/office/powerpoint/2010/main" val="442466579"/>
+      </p:ext>
+    </p:extLst>
+  </p:cSld>
+  <p:clrMapOvr>
+    <a:masterClrMapping/>
+  </p:clrMapOvr>
+  <p:transition spd="med">
+    <p:fade thruBlk="1"/>
+  </p:transition>
+  <p:timing>
+    <p:tnLst>
+      <p:par>
+        <p:cTn id="1" dur="indefinite" restart="never" nodeType="tmRoot">
+          <p:childTnLst>
+            <p:seq>
+              <p:cTn id="2" dur="indefinite" nodeType="mainSeq"/>
+              <p:prevCondLst>
+                <p:cond evt="onPrev" delay="0">
+                  <p:tgtEl>
+                    <p:sldTgt/>
+                  </p:tgtEl>
+                </p:cond>
+              </p:prevCondLst>
+              <p:nextCondLst>
+                <p:cond evt="onNext" delay="0">
+                  <p:tgtEl>
+                    <p:sldTgt/>
+                  </p:tgtEl>
+                </p:cond>
+              </p:nextCondLst>
+            </p:seq>
+          </p:childTnLst>
+        </p:cTn>
+      </p:par>
+    </p:tnLst>
+  </p:timing>
+</p:sld>
+</file>
+
+<file path=ppt/slides/slide11.xml><?xml version="1.0" encoding="utf-8"?>
+<p:sld xmlns:a="http://schemas.openxmlformats.org/drawingml/2006/main" xmlns:r="http://schemas.openxmlformats.org/officeDocument/2006/relationships" xmlns:p="http://schemas.openxmlformats.org/presentationml/2006/main">
+  <p:cSld>
+    <p:spTree>
+      <p:nvGrpSpPr>
+        <p:cNvPr id="1" name=""/>
+        <p:cNvGrpSpPr/>
+        <p:nvPr/>
+      </p:nvGrpSpPr>
+      <p:grpSpPr>
+        <a:xfrm>
+          <a:off x="0" y="0"/>
+          <a:ext cx="0" cy="0"/>
+          <a:chOff x="0" y="0"/>
+          <a:chExt cx="0" cy="0"/>
+        </a:xfrm>
+      </p:grpSpPr>
+      <p:sp>
+        <p:nvSpPr>
+          <p:cNvPr id="182" name="TextShape 1"/>
+          <p:cNvSpPr txBox="1"/>
+          <p:nvPr/>
+        </p:nvSpPr>
+        <p:spPr>
+          <a:xfrm>
+            <a:off x="334080" y="159480"/>
+            <a:ext cx="7893720" cy="447120"/>
+          </a:xfrm>
+          <a:prstGeom prst="rect">
+            <a:avLst/>
+          </a:prstGeom>
+          <a:noFill/>
+          <a:ln>
+            <a:noFill/>
+          </a:ln>
+        </p:spPr>
+        <p:txBody>
+          <a:bodyPr tIns="91440" bIns="91440" anchor="ctr">
+            <a:noAutofit/>
+          </a:bodyPr>
+          <a:lstStyle/>
+          <a:p>
+            <a:pPr>
+              <a:lnSpc>
+                <a:spcPct val="100000"/>
+              </a:lnSpc>
+            </a:pPr>
+            <a:r>
+              <a:rPr lang="en-US" sz="3000" spc="-1" dirty="0">
+                <a:solidFill>
+                  <a:srgbClr val="262626"/>
+                </a:solidFill>
+                <a:latin typeface="Gill Sans"/>
+                <a:ea typeface="Gill Sans"/>
+              </a:rPr>
+              <a:t>CI/CD – </a:t>
+            </a:r>
+            <a:r>
+              <a:rPr lang="en-GB" sz="3200" dirty="0">
+                <a:solidFill>
+                  <a:srgbClr val="222222"/>
+                </a:solidFill>
+                <a:effectLst/>
+                <a:latin typeface="Lato"/>
+              </a:rPr>
+              <a:t>Monitoring of infrastructure</a:t>
+            </a:r>
+            <a:endParaRPr lang="en-US" sz="3000" b="0" strike="noStrike" spc="-1" dirty="0">
+              <a:solidFill>
+                <a:srgbClr val="000000"/>
+              </a:solidFill>
+              <a:latin typeface="Arial"/>
+            </a:endParaRPr>
+          </a:p>
+        </p:txBody>
+      </p:sp>
+      <p:sp>
+        <p:nvSpPr>
+          <p:cNvPr id="183" name="TextShape 2"/>
+          <p:cNvSpPr txBox="1"/>
+          <p:nvPr/>
+        </p:nvSpPr>
+        <p:spPr>
+          <a:xfrm>
+            <a:off x="405518" y="993913"/>
+            <a:ext cx="8269762" cy="3808676"/>
+          </a:xfrm>
+          <a:prstGeom prst="rect">
+            <a:avLst/>
+          </a:prstGeom>
+          <a:noFill/>
+          <a:ln>
+            <a:noFill/>
+          </a:ln>
+        </p:spPr>
+        <p:txBody>
+          <a:bodyPr tIns="91440" bIns="91440">
+            <a:noAutofit/>
+          </a:bodyPr>
+          <a:lstStyle/>
+          <a:p>
+            <a:pPr marL="387270" indent="-285750">
+              <a:spcBef>
+                <a:spcPts val="400"/>
+              </a:spcBef>
+              <a:buFont typeface="Wingdings" pitchFamily="2" charset="2"/>
+              <a:buChar char="Ø"/>
+            </a:pPr>
+            <a:r>
+              <a:rPr lang="en-GB" sz="1400" dirty="0">
+                <a:solidFill>
+                  <a:srgbClr val="222222"/>
+                </a:solidFill>
+                <a:effectLst/>
+                <a:latin typeface="Lato"/>
+              </a:rPr>
+              <a:t>Discussed on a call - already set up more monitoring in IBM Cloud, can't track performance.</a:t>
+            </a:r>
+          </a:p>
+          <a:p>
+            <a:pPr marL="387270" indent="-285750">
+              <a:spcBef>
+                <a:spcPts val="400"/>
+              </a:spcBef>
+              <a:buFont typeface="Wingdings" pitchFamily="2" charset="2"/>
+              <a:buChar char="Ø"/>
+            </a:pPr>
+            <a:endParaRPr lang="en-GB" sz="1400" dirty="0">
+              <a:solidFill>
+                <a:srgbClr val="222222"/>
+              </a:solidFill>
+              <a:latin typeface="Lato"/>
+            </a:endParaRPr>
+          </a:p>
+          <a:p>
+            <a:pPr marL="387270" indent="-285750">
+              <a:spcBef>
+                <a:spcPts val="400"/>
+              </a:spcBef>
+              <a:buFont typeface="Wingdings" pitchFamily="2" charset="2"/>
+              <a:buChar char="Ø"/>
+            </a:pPr>
+            <a:r>
+              <a:rPr lang="en-GB" sz="1400" dirty="0">
+                <a:solidFill>
+                  <a:srgbClr val="222222"/>
+                </a:solidFill>
+                <a:effectLst/>
+                <a:latin typeface="Lato"/>
+              </a:rPr>
+              <a:t>Want to be able to measure performance and catch potential issues in advance</a:t>
+            </a:r>
+          </a:p>
+          <a:p>
+            <a:pPr marL="387270" indent="-285750">
+              <a:spcBef>
+                <a:spcPts val="400"/>
+              </a:spcBef>
+              <a:buFont typeface="Wingdings" pitchFamily="2" charset="2"/>
+              <a:buChar char="Ø"/>
+            </a:pPr>
+            <a:endParaRPr lang="en-GB" sz="1400" spc="-1" dirty="0">
+              <a:solidFill>
+                <a:srgbClr val="222222"/>
+              </a:solidFill>
+              <a:latin typeface="Lato"/>
+              <a:ea typeface="Gill Sans"/>
+            </a:endParaRPr>
+          </a:p>
+          <a:p>
+            <a:pPr marL="387270" indent="-285750">
+              <a:spcBef>
+                <a:spcPts val="400"/>
+              </a:spcBef>
+              <a:buFont typeface="Wingdings" pitchFamily="2" charset="2"/>
+              <a:buChar char="Ø"/>
+            </a:pPr>
+            <a:r>
+              <a:rPr lang="en-GB" sz="1400" spc="-1" dirty="0">
+                <a:solidFill>
+                  <a:srgbClr val="222222"/>
+                </a:solidFill>
+                <a:latin typeface="Lato"/>
+                <a:ea typeface="Gill Sans"/>
+              </a:rPr>
+              <a:t>Using Zabbix tool to stand up server and agents on all infrastructure machines:</a:t>
+            </a:r>
+          </a:p>
+          <a:p>
+            <a:pPr marL="844470" lvl="1" indent="-285750">
+              <a:spcBef>
+                <a:spcPts val="400"/>
+              </a:spcBef>
+              <a:buFont typeface="Arial" panose="020B0604020202020204" pitchFamily="34" charset="0"/>
+              <a:buChar char="•"/>
+            </a:pPr>
+            <a:r>
+              <a:rPr lang="en-GB" sz="1200" spc="-1" dirty="0">
+                <a:solidFill>
+                  <a:srgbClr val="222222"/>
+                </a:solidFill>
+                <a:latin typeface="Lato"/>
+                <a:ea typeface="Gill Sans"/>
+              </a:rPr>
+              <a:t>Marist-1</a:t>
+            </a:r>
+          </a:p>
+          <a:p>
+            <a:pPr marL="844470" lvl="1" indent="-285750">
+              <a:spcBef>
+                <a:spcPts val="400"/>
+              </a:spcBef>
+              <a:buFont typeface="Arial" panose="020B0604020202020204" pitchFamily="34" charset="0"/>
+              <a:buChar char="•"/>
+            </a:pPr>
+            <a:r>
+              <a:rPr lang="en-GB" sz="1200" spc="-1" dirty="0">
+                <a:solidFill>
+                  <a:srgbClr val="222222"/>
+                </a:solidFill>
+                <a:latin typeface="Lato"/>
+                <a:ea typeface="Gill Sans"/>
+              </a:rPr>
+              <a:t>Marist-2</a:t>
+            </a:r>
+          </a:p>
+          <a:p>
+            <a:pPr marL="844470" lvl="1" indent="-285750">
+              <a:spcBef>
+                <a:spcPts val="400"/>
+              </a:spcBef>
+              <a:buFont typeface="Arial" panose="020B0604020202020204" pitchFamily="34" charset="0"/>
+              <a:buChar char="•"/>
+            </a:pPr>
+            <a:r>
+              <a:rPr lang="en-GB" sz="1200" spc="-1" dirty="0">
+                <a:solidFill>
+                  <a:srgbClr val="222222"/>
+                </a:solidFill>
+                <a:latin typeface="Lato"/>
+                <a:ea typeface="Gill Sans"/>
+              </a:rPr>
+              <a:t>Marist-3</a:t>
+            </a:r>
+          </a:p>
+          <a:p>
+            <a:pPr marL="844470" lvl="1" indent="-285750">
+              <a:spcBef>
+                <a:spcPts val="400"/>
+              </a:spcBef>
+              <a:buFont typeface="Arial" panose="020B0604020202020204" pitchFamily="34" charset="0"/>
+              <a:buChar char="•"/>
+            </a:pPr>
+            <a:r>
+              <a:rPr lang="en-GB" sz="1200" spc="-1" dirty="0">
+                <a:solidFill>
+                  <a:srgbClr val="222222"/>
+                </a:solidFill>
+                <a:latin typeface="Lato"/>
+                <a:ea typeface="Gill Sans"/>
+              </a:rPr>
+              <a:t>Wash</a:t>
+            </a:r>
+          </a:p>
+          <a:p>
+            <a:pPr marL="844470" lvl="1" indent="-285750">
+              <a:spcBef>
+                <a:spcPts val="400"/>
+              </a:spcBef>
+              <a:buFont typeface="Arial" panose="020B0604020202020204" pitchFamily="34" charset="0"/>
+              <a:buChar char="•"/>
+            </a:pPr>
+            <a:r>
+              <a:rPr lang="en-GB" sz="1200" spc="-1" dirty="0">
+                <a:solidFill>
+                  <a:srgbClr val="222222"/>
+                </a:solidFill>
+                <a:latin typeface="Lato"/>
+                <a:ea typeface="Gill Sans"/>
+              </a:rPr>
+              <a:t>River</a:t>
+            </a:r>
+          </a:p>
+          <a:p>
+            <a:pPr marL="844470" lvl="1" indent="-285750">
+              <a:spcBef>
+                <a:spcPts val="400"/>
+              </a:spcBef>
+              <a:buFont typeface="Arial" panose="020B0604020202020204" pitchFamily="34" charset="0"/>
+              <a:buChar char="•"/>
+            </a:pPr>
+            <a:r>
+              <a:rPr lang="en-GB" sz="1200" spc="-1" dirty="0">
+                <a:solidFill>
+                  <a:srgbClr val="222222"/>
+                </a:solidFill>
+                <a:latin typeface="Lato"/>
+                <a:ea typeface="Gill Sans"/>
+              </a:rPr>
+              <a:t>Jayne</a:t>
+            </a:r>
+          </a:p>
+          <a:p>
+            <a:pPr marL="844470" lvl="1" indent="-285750">
+              <a:spcBef>
+                <a:spcPts val="400"/>
+              </a:spcBef>
+              <a:buFont typeface="Arial" panose="020B0604020202020204" pitchFamily="34" charset="0"/>
+              <a:buChar char="•"/>
+            </a:pPr>
+            <a:endParaRPr lang="en-GB" sz="1400" spc="-1" dirty="0">
+              <a:solidFill>
+                <a:srgbClr val="222222"/>
+              </a:solidFill>
+              <a:latin typeface="Lato"/>
+              <a:ea typeface="Gill Sans"/>
+            </a:endParaRPr>
+          </a:p>
+          <a:p>
+            <a:pPr marL="387270" indent="-285750">
+              <a:spcBef>
+                <a:spcPts val="400"/>
+              </a:spcBef>
+              <a:buFont typeface="Wingdings" pitchFamily="2" charset="2"/>
+              <a:buChar char="Ø"/>
+            </a:pPr>
+            <a:r>
+              <a:rPr lang="en-GB" sz="1400" spc="-1" dirty="0">
+                <a:solidFill>
+                  <a:srgbClr val="222222"/>
+                </a:solidFill>
+                <a:latin typeface="Lato"/>
+                <a:ea typeface="Gill Sans"/>
+              </a:rPr>
+              <a:t>Currently appear to be missing packages on IBM Cloud systems that won’t allow server install</a:t>
+            </a:r>
+          </a:p>
+          <a:p>
+            <a:pPr marL="387270" indent="-285750">
+              <a:spcBef>
+                <a:spcPts val="400"/>
+              </a:spcBef>
+              <a:buFont typeface="Wingdings" pitchFamily="2" charset="2"/>
+              <a:buChar char="Ø"/>
+            </a:pPr>
+            <a:endParaRPr lang="en-GB" sz="1600" spc="-1" dirty="0">
+              <a:solidFill>
+                <a:srgbClr val="222222"/>
+              </a:solidFill>
+              <a:latin typeface="Lato"/>
+              <a:ea typeface="Gill Sans"/>
+            </a:endParaRPr>
+          </a:p>
+          <a:p>
+            <a:pPr marL="387270" indent="-285750">
+              <a:spcBef>
+                <a:spcPts val="400"/>
+              </a:spcBef>
+              <a:buFont typeface="Arial" panose="020B0604020202020204" pitchFamily="34" charset="0"/>
+              <a:buChar char="•"/>
+            </a:pPr>
+            <a:endParaRPr lang="en-GB" sz="1400" spc="-1" dirty="0">
+              <a:solidFill>
+                <a:srgbClr val="222222"/>
+              </a:solidFill>
+              <a:latin typeface="Lato"/>
+              <a:ea typeface="Gill Sans"/>
+            </a:endParaRPr>
+          </a:p>
+          <a:p>
+            <a:pPr marL="101520">
+              <a:spcBef>
+                <a:spcPts val="400"/>
+              </a:spcBef>
+            </a:pPr>
+            <a:endParaRPr lang="en-GB" sz="1400" spc="-1" dirty="0">
+              <a:solidFill>
+                <a:srgbClr val="222222"/>
+              </a:solidFill>
+              <a:latin typeface="Lato"/>
+              <a:ea typeface="Gill Sans"/>
+            </a:endParaRPr>
+          </a:p>
+          <a:p>
+            <a:pPr marL="844470" lvl="1" indent="-285750">
+              <a:spcBef>
+                <a:spcPts val="400"/>
+              </a:spcBef>
+              <a:buFont typeface="Arial" panose="020B0604020202020204" pitchFamily="34" charset="0"/>
+              <a:buChar char="•"/>
+            </a:pPr>
+            <a:endParaRPr lang="en-GB" sz="1400" spc="-1" dirty="0">
+              <a:solidFill>
+                <a:srgbClr val="222222"/>
+              </a:solidFill>
+              <a:latin typeface="Lato"/>
+              <a:ea typeface="Gill Sans"/>
+            </a:endParaRPr>
+          </a:p>
+          <a:p>
+            <a:pPr marL="387270" indent="-285750">
+              <a:spcBef>
+                <a:spcPts val="400"/>
+              </a:spcBef>
+              <a:buFont typeface="Wingdings" pitchFamily="2" charset="2"/>
+              <a:buChar char="Ø"/>
+            </a:pPr>
+            <a:endParaRPr lang="en-GB" spc="-1" dirty="0">
+              <a:solidFill>
+                <a:srgbClr val="222222"/>
+              </a:solidFill>
+              <a:latin typeface="Lato"/>
+              <a:ea typeface="Gill Sans"/>
+            </a:endParaRPr>
+          </a:p>
+          <a:p>
+            <a:pPr marL="387270" indent="-285750">
+              <a:spcBef>
+                <a:spcPts val="400"/>
+              </a:spcBef>
+              <a:buFont typeface="Wingdings" pitchFamily="2" charset="2"/>
+              <a:buChar char="Ø"/>
+            </a:pPr>
+            <a:endParaRPr lang="en-US" spc="-1" dirty="0">
+              <a:latin typeface="Gill Sans"/>
+              <a:ea typeface="Gill Sans"/>
+            </a:endParaRPr>
+          </a:p>
+        </p:txBody>
+      </p:sp>
+    </p:spTree>
+    <p:extLst>
+      <p:ext uri="{BB962C8B-B14F-4D97-AF65-F5344CB8AC3E}">
+        <p14:creationId xmlns:p14="http://schemas.microsoft.com/office/powerpoint/2010/main" val="275701246"/>
+      </p:ext>
+    </p:extLst>
+  </p:cSld>
+  <p:clrMapOvr>
+    <a:masterClrMapping/>
+  </p:clrMapOvr>
+  <p:transition spd="med">
+    <p:fade thruBlk="1"/>
+  </p:transition>
+  <p:timing>
+    <p:tnLst>
+      <p:par>
+        <p:cTn id="1" dur="indefinite" restart="never" nodeType="tmRoot">
+          <p:childTnLst>
+            <p:seq>
+              <p:cTn id="2" dur="indefinite" nodeType="mainSeq"/>
+              <p:prevCondLst>
+                <p:cond evt="onPrev" delay="0">
+                  <p:tgtEl>
+                    <p:sldTgt/>
+                  </p:tgtEl>
+                </p:cond>
+              </p:prevCondLst>
+              <p:nextCondLst>
+                <p:cond evt="onNext" delay="0">
+                  <p:tgtEl>
+                    <p:sldTgt/>
+                  </p:tgtEl>
+                </p:cond>
+              </p:nextCondLst>
+            </p:seq>
+          </p:childTnLst>
+        </p:cTn>
+      </p:par>
+    </p:tnLst>
+  </p:timing>
+</p:sld>
+</file>
+
+<file path=ppt/slides/slide12.xml><?xml version="1.0" encoding="utf-8"?>
+<p:sld xmlns:a="http://schemas.openxmlformats.org/drawingml/2006/main" xmlns:r="http://schemas.openxmlformats.org/officeDocument/2006/relationships" xmlns:p="http://schemas.openxmlformats.org/presentationml/2006/main">
+  <p:cSld>
+    <p:spTree>
+      <p:nvGrpSpPr>
+        <p:cNvPr id="1" name=""/>
+        <p:cNvGrpSpPr/>
+        <p:nvPr/>
+      </p:nvGrpSpPr>
+      <p:grpSpPr>
+        <a:xfrm>
+          <a:off x="0" y="0"/>
+          <a:ext cx="0" cy="0"/>
+          <a:chOff x="0" y="0"/>
+          <a:chExt cx="0" cy="0"/>
+        </a:xfrm>
+      </p:grpSpPr>
+      <p:sp>
+        <p:nvSpPr>
+          <p:cNvPr id="182" name="TextShape 1"/>
+          <p:cNvSpPr txBox="1"/>
+          <p:nvPr/>
+        </p:nvSpPr>
+        <p:spPr>
+          <a:xfrm>
+            <a:off x="334080" y="159480"/>
+            <a:ext cx="7893720" cy="447120"/>
+          </a:xfrm>
+          <a:prstGeom prst="rect">
+            <a:avLst/>
+          </a:prstGeom>
+          <a:noFill/>
+          <a:ln>
+            <a:noFill/>
+          </a:ln>
+        </p:spPr>
+        <p:txBody>
+          <a:bodyPr tIns="91440" bIns="91440" anchor="ctr">
+            <a:noAutofit/>
+          </a:bodyPr>
+          <a:lstStyle/>
+          <a:p>
+            <a:pPr>
+              <a:lnSpc>
+                <a:spcPct val="100000"/>
+              </a:lnSpc>
+            </a:pPr>
+            <a:r>
+              <a:rPr lang="en-US" sz="3000" spc="-1" dirty="0">
+                <a:solidFill>
+                  <a:srgbClr val="262626"/>
+                </a:solidFill>
+                <a:latin typeface="Gill Sans"/>
+                <a:ea typeface="Gill Sans"/>
+              </a:rPr>
+              <a:t>CI/CD – </a:t>
+            </a:r>
+            <a:r>
+              <a:rPr lang="en-GB" sz="3000" spc="-1" dirty="0">
+                <a:solidFill>
+                  <a:srgbClr val="262626"/>
+                </a:solidFill>
+                <a:latin typeface="Gill Sans"/>
+                <a:ea typeface="Gill Sans"/>
+              </a:rPr>
+              <a:t>Stand up more subsystems on Marist</a:t>
+            </a:r>
+            <a:endParaRPr lang="en-US" sz="3000" b="0" strike="noStrike" spc="-1" dirty="0">
+              <a:solidFill>
+                <a:srgbClr val="000000"/>
+              </a:solidFill>
+              <a:latin typeface="Arial"/>
+            </a:endParaRPr>
+          </a:p>
+        </p:txBody>
+      </p:sp>
+      <p:sp>
+        <p:nvSpPr>
+          <p:cNvPr id="183" name="TextShape 2"/>
+          <p:cNvSpPr txBox="1"/>
+          <p:nvPr/>
+        </p:nvSpPr>
+        <p:spPr>
+          <a:xfrm>
+            <a:off x="405518" y="993913"/>
+            <a:ext cx="8269762" cy="3808676"/>
+          </a:xfrm>
+          <a:prstGeom prst="rect">
+            <a:avLst/>
+          </a:prstGeom>
+          <a:noFill/>
+          <a:ln>
+            <a:noFill/>
+          </a:ln>
+        </p:spPr>
+        <p:txBody>
+          <a:bodyPr tIns="91440" bIns="91440">
+            <a:noAutofit/>
+          </a:bodyPr>
+          <a:lstStyle/>
+          <a:p>
+            <a:pPr marL="387270" indent="-285750">
+              <a:spcBef>
+                <a:spcPts val="400"/>
+              </a:spcBef>
+              <a:buFont typeface="Wingdings" pitchFamily="2" charset="2"/>
+              <a:buChar char="Ø"/>
+            </a:pPr>
+            <a:r>
+              <a:rPr lang="en-GB" sz="1600" dirty="0">
+                <a:solidFill>
+                  <a:srgbClr val="222222"/>
+                </a:solidFill>
+                <a:effectLst/>
+                <a:latin typeface="Lato"/>
+              </a:rPr>
+              <a:t>We would aim to add CICS, IMS, MQ and DB2 as well to allow </a:t>
+            </a:r>
+            <a:r>
+              <a:rPr lang="en-GB" sz="1600" dirty="0" err="1">
+                <a:solidFill>
+                  <a:srgbClr val="222222"/>
+                </a:solidFill>
+                <a:effectLst/>
+                <a:latin typeface="Lato"/>
+              </a:rPr>
+              <a:t>Zowe</a:t>
+            </a:r>
+            <a:r>
+              <a:rPr lang="en-GB" sz="1600" dirty="0">
+                <a:solidFill>
+                  <a:srgbClr val="222222"/>
+                </a:solidFill>
+                <a:effectLst/>
+                <a:latin typeface="Lato"/>
+              </a:rPr>
+              <a:t> CLI extension packages to be tested</a:t>
+            </a:r>
+          </a:p>
+          <a:p>
+            <a:pPr marL="387270" indent="-285750">
+              <a:spcBef>
+                <a:spcPts val="400"/>
+              </a:spcBef>
+              <a:buFont typeface="Wingdings" pitchFamily="2" charset="2"/>
+              <a:buChar char="Ø"/>
+            </a:pPr>
+            <a:endParaRPr lang="en-GB" sz="1600" spc="-1" dirty="0">
+              <a:solidFill>
+                <a:srgbClr val="222222"/>
+              </a:solidFill>
+              <a:latin typeface="Lato"/>
+              <a:ea typeface="Gill Sans"/>
+            </a:endParaRPr>
+          </a:p>
+          <a:p>
+            <a:pPr marL="387270" indent="-285750">
+              <a:spcBef>
+                <a:spcPts val="400"/>
+              </a:spcBef>
+              <a:buFont typeface="Wingdings" pitchFamily="2" charset="2"/>
+              <a:buChar char="Ø"/>
+            </a:pPr>
+            <a:r>
+              <a:rPr lang="en-GB" sz="1600" spc="-1" dirty="0">
+                <a:solidFill>
+                  <a:srgbClr val="222222"/>
+                </a:solidFill>
+                <a:latin typeface="Lato"/>
+                <a:ea typeface="Gill Sans"/>
+              </a:rPr>
+              <a:t>Would need co-ordination with other squads to find out exact requirements</a:t>
+            </a:r>
+            <a:endParaRPr lang="en-GB" sz="1400" spc="-1" dirty="0">
+              <a:solidFill>
+                <a:srgbClr val="222222"/>
+              </a:solidFill>
+              <a:latin typeface="Lato"/>
+              <a:ea typeface="Gill Sans"/>
+            </a:endParaRPr>
+          </a:p>
+          <a:p>
+            <a:pPr marL="387270" indent="-285750">
+              <a:spcBef>
+                <a:spcPts val="400"/>
+              </a:spcBef>
+              <a:buFont typeface="Wingdings" pitchFamily="2" charset="2"/>
+              <a:buChar char="Ø"/>
+            </a:pPr>
+            <a:endParaRPr lang="en-GB" spc="-1" dirty="0">
+              <a:solidFill>
+                <a:srgbClr val="222222"/>
+              </a:solidFill>
+              <a:latin typeface="Lato"/>
+              <a:ea typeface="Gill Sans"/>
+            </a:endParaRPr>
+          </a:p>
+          <a:p>
+            <a:pPr marL="387270" indent="-285750">
+              <a:spcBef>
+                <a:spcPts val="400"/>
+              </a:spcBef>
+              <a:buFont typeface="Wingdings" pitchFamily="2" charset="2"/>
+              <a:buChar char="Ø"/>
+            </a:pPr>
+            <a:endParaRPr lang="en-US" spc="-1" dirty="0">
+              <a:latin typeface="Gill Sans"/>
+              <a:ea typeface="Gill Sans"/>
+            </a:endParaRPr>
+          </a:p>
+        </p:txBody>
+      </p:sp>
+    </p:spTree>
+    <p:extLst>
+      <p:ext uri="{BB962C8B-B14F-4D97-AF65-F5344CB8AC3E}">
+        <p14:creationId xmlns:p14="http://schemas.microsoft.com/office/powerpoint/2010/main" val="100391921"/>
+      </p:ext>
+    </p:extLst>
+  </p:cSld>
+  <p:clrMapOvr>
+    <a:masterClrMapping/>
+  </p:clrMapOvr>
+  <p:transition spd="med">
+    <p:fade thruBlk="1"/>
+  </p:transition>
+  <p:timing>
+    <p:tnLst>
+      <p:par>
+        <p:cTn id="1" dur="indefinite" restart="never" nodeType="tmRoot">
+          <p:childTnLst>
+            <p:seq>
+              <p:cTn id="2" dur="indefinite" nodeType="mainSeq"/>
+              <p:prevCondLst>
+                <p:cond evt="onPrev" delay="0">
+                  <p:tgtEl>
+                    <p:sldTgt/>
+                  </p:tgtEl>
+                </p:cond>
+              </p:prevCondLst>
+              <p:nextCondLst>
+                <p:cond evt="onNext" delay="0">
+                  <p:tgtEl>
+                    <p:sldTgt/>
+                  </p:tgtEl>
+                </p:cond>
+              </p:nextCondLst>
+            </p:seq>
+          </p:childTnLst>
+        </p:cTn>
+      </p:par>
+    </p:tnLst>
+  </p:timing>
+</p:sld>
+</file>
+
+<file path=ppt/slides/slide13.xml><?xml version="1.0" encoding="utf-8"?>
+<p:sld xmlns:a="http://schemas.openxmlformats.org/drawingml/2006/main" xmlns:r="http://schemas.openxmlformats.org/officeDocument/2006/relationships" xmlns:p="http://schemas.openxmlformats.org/presentationml/2006/main">
+  <p:cSld>
+    <p:spTree>
+      <p:nvGrpSpPr>
+        <p:cNvPr id="1" name=""/>
+        <p:cNvGrpSpPr/>
+        <p:nvPr/>
+      </p:nvGrpSpPr>
+      <p:grpSpPr>
+        <a:xfrm>
+          <a:off x="0" y="0"/>
+          <a:ext cx="0" cy="0"/>
+          <a:chOff x="0" y="0"/>
+          <a:chExt cx="0" cy="0"/>
+        </a:xfrm>
+      </p:grpSpPr>
+      <p:sp>
+        <p:nvSpPr>
+          <p:cNvPr id="182" name="TextShape 1"/>
+          <p:cNvSpPr txBox="1"/>
+          <p:nvPr/>
+        </p:nvSpPr>
+        <p:spPr>
+          <a:xfrm>
+            <a:off x="334080" y="159480"/>
+            <a:ext cx="7893720" cy="447120"/>
+          </a:xfrm>
+          <a:prstGeom prst="rect">
+            <a:avLst/>
+          </a:prstGeom>
+          <a:noFill/>
+          <a:ln>
+            <a:noFill/>
+          </a:ln>
+        </p:spPr>
+        <p:txBody>
+          <a:bodyPr tIns="91440" bIns="91440" anchor="ctr">
+            <a:noAutofit/>
+          </a:bodyPr>
+          <a:lstStyle/>
+          <a:p>
+            <a:pPr>
+              <a:lnSpc>
+                <a:spcPct val="100000"/>
+              </a:lnSpc>
+            </a:pPr>
+            <a:r>
+              <a:rPr lang="en-US" sz="3000" spc="-1" dirty="0">
+                <a:solidFill>
+                  <a:srgbClr val="262626"/>
+                </a:solidFill>
+                <a:latin typeface="Gill Sans"/>
+                <a:ea typeface="Gill Sans"/>
+              </a:rPr>
+              <a:t>CI/CD – </a:t>
+            </a:r>
+            <a:r>
+              <a:rPr lang="en-GB" sz="3000" spc="-1" dirty="0">
+                <a:solidFill>
+                  <a:srgbClr val="262626"/>
+                </a:solidFill>
+                <a:latin typeface="Gill Sans"/>
+                <a:ea typeface="Gill Sans"/>
+              </a:rPr>
+              <a:t>Pipeline improvements</a:t>
+            </a:r>
+            <a:endParaRPr lang="en-US" sz="3000" b="0" strike="noStrike" spc="-1" dirty="0">
+              <a:solidFill>
+                <a:srgbClr val="000000"/>
+              </a:solidFill>
+              <a:latin typeface="Arial"/>
+            </a:endParaRPr>
+          </a:p>
+        </p:txBody>
+      </p:sp>
+      <p:sp>
+        <p:nvSpPr>
+          <p:cNvPr id="183" name="TextShape 2"/>
+          <p:cNvSpPr txBox="1"/>
+          <p:nvPr/>
+        </p:nvSpPr>
+        <p:spPr>
+          <a:xfrm>
+            <a:off x="405518" y="993913"/>
+            <a:ext cx="8269762" cy="3808676"/>
+          </a:xfrm>
+          <a:prstGeom prst="rect">
+            <a:avLst/>
+          </a:prstGeom>
+          <a:noFill/>
+          <a:ln>
+            <a:noFill/>
+          </a:ln>
+        </p:spPr>
+        <p:txBody>
+          <a:bodyPr tIns="91440" bIns="91440">
+            <a:noAutofit/>
+          </a:bodyPr>
+          <a:lstStyle/>
+          <a:p>
+            <a:pPr marL="387270" indent="-285750">
+              <a:spcBef>
+                <a:spcPts val="400"/>
+              </a:spcBef>
+              <a:buFont typeface="Wingdings" pitchFamily="2" charset="2"/>
+              <a:buChar char="Ø"/>
+            </a:pPr>
+            <a:r>
+              <a:rPr lang="en-GB" sz="1600" dirty="0">
+                <a:solidFill>
+                  <a:srgbClr val="222222"/>
+                </a:solidFill>
+                <a:effectLst/>
+                <a:latin typeface="Lato"/>
+                <a:hlinkClick r:id="rId3"/>
+              </a:rPr>
+              <a:t>Fix reporting of false positives in nightly builds and new RC pipeline build</a:t>
+            </a:r>
+            <a:endParaRPr lang="en-GB" sz="1600" dirty="0">
+              <a:solidFill>
+                <a:srgbClr val="222222"/>
+              </a:solidFill>
+              <a:effectLst/>
+              <a:latin typeface="Lato"/>
+            </a:endParaRPr>
+          </a:p>
+          <a:p>
+            <a:pPr marL="101520">
+              <a:spcBef>
+                <a:spcPts val="400"/>
+              </a:spcBef>
+            </a:pPr>
+            <a:endParaRPr lang="en-GB" sz="1600" dirty="0">
+              <a:solidFill>
+                <a:srgbClr val="222222"/>
+              </a:solidFill>
+              <a:latin typeface="Lato"/>
+            </a:endParaRPr>
+          </a:p>
+          <a:p>
+            <a:pPr marL="387270" indent="-285750">
+              <a:spcBef>
+                <a:spcPts val="400"/>
+              </a:spcBef>
+              <a:buFont typeface="Wingdings" pitchFamily="2" charset="2"/>
+              <a:buChar char="Ø"/>
+            </a:pPr>
+            <a:r>
+              <a:rPr lang="en-GB" sz="1600" dirty="0">
+                <a:solidFill>
+                  <a:srgbClr val="222222"/>
+                </a:solidFill>
+                <a:effectLst/>
+                <a:latin typeface="Lato"/>
+              </a:rPr>
+              <a:t>Possibly create a similar pipeline for GA but not as much</a:t>
+            </a:r>
+          </a:p>
+          <a:p>
+            <a:pPr marL="387270" indent="-285750">
+              <a:spcBef>
+                <a:spcPts val="400"/>
+              </a:spcBef>
+              <a:buFont typeface="Wingdings" pitchFamily="2" charset="2"/>
+              <a:buChar char="Ø"/>
+            </a:pPr>
+            <a:endParaRPr lang="en-GB" sz="1600" dirty="0">
+              <a:solidFill>
+                <a:srgbClr val="222222"/>
+              </a:solidFill>
+              <a:latin typeface="Lato"/>
+            </a:endParaRPr>
+          </a:p>
+          <a:p>
+            <a:pPr marL="387270" indent="-285750">
+              <a:spcBef>
+                <a:spcPts val="400"/>
+              </a:spcBef>
+              <a:buFont typeface="Wingdings" pitchFamily="2" charset="2"/>
+              <a:buChar char="Ø"/>
+            </a:pPr>
+            <a:r>
+              <a:rPr lang="en-GB" sz="1600" dirty="0">
+                <a:solidFill>
+                  <a:srgbClr val="222222"/>
+                </a:solidFill>
+                <a:effectLst/>
+                <a:latin typeface="Lato"/>
+              </a:rPr>
+              <a:t>Want to look into possibilities for automating update of </a:t>
+            </a:r>
+            <a:r>
+              <a:rPr lang="en-GB" sz="1600" dirty="0" err="1">
+                <a:solidFill>
+                  <a:srgbClr val="222222"/>
+                </a:solidFill>
+                <a:effectLst/>
+                <a:latin typeface="Lato"/>
+              </a:rPr>
+              <a:t>manifest.json</a:t>
+            </a:r>
+            <a:r>
+              <a:rPr lang="en-GB" sz="1600" dirty="0">
+                <a:solidFill>
+                  <a:srgbClr val="222222"/>
+                </a:solidFill>
+                <a:effectLst/>
+                <a:latin typeface="Lato"/>
+              </a:rPr>
+              <a:t> as a lot of these changes are the same every time </a:t>
+            </a:r>
+          </a:p>
+          <a:p>
+            <a:pPr marL="387270" indent="-285750">
+              <a:spcBef>
+                <a:spcPts val="400"/>
+              </a:spcBef>
+              <a:buFont typeface="Wingdings" pitchFamily="2" charset="2"/>
+              <a:buChar char="Ø"/>
+            </a:pPr>
+            <a:endParaRPr lang="en-GB" sz="1600" spc="-1" dirty="0">
+              <a:solidFill>
+                <a:srgbClr val="222222"/>
+              </a:solidFill>
+              <a:latin typeface="Lato"/>
+              <a:ea typeface="Gill Sans"/>
+            </a:endParaRPr>
+          </a:p>
+          <a:p>
+            <a:pPr marL="387270" indent="-285750">
+              <a:spcBef>
+                <a:spcPts val="400"/>
+              </a:spcBef>
+              <a:buFont typeface="Wingdings" pitchFamily="2" charset="2"/>
+              <a:buChar char="Ø"/>
+            </a:pPr>
+            <a:endParaRPr lang="en-GB" sz="1400" spc="-1" dirty="0">
+              <a:solidFill>
+                <a:srgbClr val="222222"/>
+              </a:solidFill>
+              <a:latin typeface="Lato"/>
+              <a:ea typeface="Gill Sans"/>
+            </a:endParaRPr>
+          </a:p>
+          <a:p>
+            <a:pPr marL="387270" indent="-285750">
+              <a:spcBef>
+                <a:spcPts val="400"/>
+              </a:spcBef>
+              <a:buFont typeface="Wingdings" pitchFamily="2" charset="2"/>
+              <a:buChar char="Ø"/>
+            </a:pPr>
+            <a:endParaRPr lang="en-GB" spc="-1" dirty="0">
+              <a:solidFill>
+                <a:srgbClr val="222222"/>
+              </a:solidFill>
+              <a:latin typeface="Lato"/>
+              <a:ea typeface="Gill Sans"/>
+            </a:endParaRPr>
+          </a:p>
+          <a:p>
+            <a:pPr marL="387270" indent="-285750">
+              <a:spcBef>
+                <a:spcPts val="400"/>
+              </a:spcBef>
+              <a:buFont typeface="Wingdings" pitchFamily="2" charset="2"/>
+              <a:buChar char="Ø"/>
+            </a:pPr>
+            <a:endParaRPr lang="en-US" spc="-1" dirty="0">
+              <a:latin typeface="Gill Sans"/>
+              <a:ea typeface="Gill Sans"/>
+            </a:endParaRPr>
+          </a:p>
+        </p:txBody>
+      </p:sp>
+    </p:spTree>
+    <p:extLst>
+      <p:ext uri="{BB962C8B-B14F-4D97-AF65-F5344CB8AC3E}">
+        <p14:creationId xmlns:p14="http://schemas.microsoft.com/office/powerpoint/2010/main" val="4176309130"/>
+      </p:ext>
+    </p:extLst>
+  </p:cSld>
+  <p:clrMapOvr>
+    <a:masterClrMapping/>
+  </p:clrMapOvr>
+  <p:transition spd="med">
+    <p:fade thruBlk="1"/>
+  </p:transition>
+  <p:timing>
+    <p:tnLst>
+      <p:par>
+        <p:cTn id="1" dur="indefinite" restart="never" nodeType="tmRoot">
+          <p:childTnLst>
+            <p:seq>
+              <p:cTn id="2" dur="indefinite" nodeType="mainSeq"/>
+              <p:prevCondLst>
+                <p:cond evt="onPrev" delay="0">
+                  <p:tgtEl>
+                    <p:sldTgt/>
+                  </p:tgtEl>
+                </p:cond>
+              </p:prevCondLst>
+              <p:nextCondLst>
+                <p:cond evt="onNext" delay="0">
+                  <p:tgtEl>
+                    <p:sldTgt/>
+                  </p:tgtEl>
+                </p:cond>
+              </p:nextCondLst>
+            </p:seq>
+          </p:childTnLst>
+        </p:cTn>
+      </p:par>
+    </p:tnLst>
+  </p:timing>
+</p:sld>
+</file>
+
+<file path=ppt/slides/slide14.xml><?xml version="1.0" encoding="utf-8"?>
+<p:sld xmlns:a="http://schemas.openxmlformats.org/drawingml/2006/main" xmlns:r="http://schemas.openxmlformats.org/officeDocument/2006/relationships" xmlns:p="http://schemas.openxmlformats.org/presentationml/2006/main">
+  <p:cSld>
+    <p:spTree>
+      <p:nvGrpSpPr>
+        <p:cNvPr id="1" name=""/>
+        <p:cNvGrpSpPr/>
+        <p:nvPr/>
+      </p:nvGrpSpPr>
+      <p:grpSpPr>
+        <a:xfrm>
+          <a:off x="0" y="0"/>
+          <a:ext cx="0" cy="0"/>
+          <a:chOff x="0" y="0"/>
+          <a:chExt cx="0" cy="0"/>
+        </a:xfrm>
+      </p:grpSpPr>
+      <p:sp>
+        <p:nvSpPr>
           <p:cNvPr id="188" name="TextShape 1"/>
           <p:cNvSpPr txBox="1"/>
           <p:nvPr/>
@@ -10242,7 +12284,7 @@
 </p:sld>
 </file>
 
-<file path=ppt/slides/slide11.xml><?xml version="1.0" encoding="utf-8"?>
+<file path=ppt/slides/slide15.xml><?xml version="1.0" encoding="utf-8"?>
 <p:sld xmlns:a="http://schemas.openxmlformats.org/drawingml/2006/main" xmlns:r="http://schemas.openxmlformats.org/officeDocument/2006/relationships" xmlns:p="http://schemas.openxmlformats.org/presentationml/2006/main">
   <p:cSld>
     <p:spTree>

--- a/Project Management/PI Planning/20PI4 Planning/Zowe Community Squad Focus for 20PI4.pptx
+++ b/Project Management/PI Planning/20PI4 Planning/Zowe Community Squad Focus for 20PI4.pptx
@@ -8,7 +8,7 @@
     <p:sldMasterId id="2147483687" r:id="rId4"/>
   </p:sldMasterIdLst>
   <p:notesMasterIdLst>
-    <p:notesMasterId r:id="rId20"/>
+    <p:notesMasterId r:id="rId23"/>
   </p:notesMasterIdLst>
   <p:sldIdLst>
     <p:sldId id="256" r:id="rId5"/>
@@ -26,6 +26,9 @@
     <p:sldId id="273" r:id="rId17"/>
     <p:sldId id="264" r:id="rId18"/>
     <p:sldId id="265" r:id="rId19"/>
+    <p:sldId id="276" r:id="rId20"/>
+    <p:sldId id="274" r:id="rId21"/>
+    <p:sldId id="275" r:id="rId22"/>
   </p:sldIdLst>
   <p:sldSz cx="9144000" cy="5143500" type="screen16x9"/>
   <p:notesSz cx="6858000" cy="9144000"/>
@@ -10697,6 +10700,10 @@
               </a:rPr>
               <a:t>Zowe Community 20PI4 </a:t>
             </a:r>
+            <a:r>
+              <a:rPr dirty="0"/>
+              <a:t/>
+            </a:r>
             <a:br>
               <a:rPr dirty="0"/>
             </a:br>
@@ -12176,8 +12183,8 @@
         </p:nvSpPr>
         <p:spPr>
           <a:xfrm>
-            <a:off x="308520" y="3525840"/>
-            <a:ext cx="6446160" cy="392040"/>
+            <a:off x="294232" y="2503885"/>
+            <a:ext cx="6446160" cy="2256959"/>
           </a:xfrm>
           <a:prstGeom prst="rect">
             <a:avLst/>
@@ -12202,20 +12209,33 @@
               </a:spcBef>
             </a:pPr>
             <a:r>
+              <a:rPr lang="en-US" sz="3000" b="1" strike="noStrike" spc="-1" dirty="0" smtClean="0">
+                <a:solidFill>
+                  <a:srgbClr val="000000"/>
+                </a:solidFill>
+                <a:latin typeface="Arial" panose="020B0604020202020204" pitchFamily="34" charset="0"/>
+                <a:ea typeface="Arial"/>
+                <a:cs typeface="Arial" panose="020B0604020202020204" pitchFamily="34" charset="0"/>
+              </a:rPr>
+              <a:t>Explorer </a:t>
+            </a:r>
+            <a:r>
               <a:rPr lang="en-US" sz="3000" b="1" strike="noStrike" spc="-1" dirty="0">
                 <a:solidFill>
                   <a:srgbClr val="000000"/>
                 </a:solidFill>
-                <a:latin typeface="Arial"/>
+                <a:latin typeface="Arial" panose="020B0604020202020204" pitchFamily="34" charset="0"/>
                 <a:ea typeface="Arial"/>
-              </a:rPr>
-              <a:t>TBD Squad Focus</a:t>
+                <a:cs typeface="Arial" panose="020B0604020202020204" pitchFamily="34" charset="0"/>
+              </a:rPr>
+              <a:t>Squad Focus</a:t>
             </a:r>
             <a:endParaRPr lang="en-US" sz="3000" b="0" strike="noStrike" spc="-1" dirty="0">
               <a:solidFill>
                 <a:srgbClr val="000000"/>
               </a:solidFill>
-              <a:latin typeface="Arial"/>
+              <a:latin typeface="Arial" panose="020B0604020202020204" pitchFamily="34" charset="0"/>
+              <a:cs typeface="Arial" panose="020B0604020202020204" pitchFamily="34" charset="0"/>
             </a:endParaRPr>
           </a:p>
           <a:p>
@@ -12228,20 +12248,114 @@
               </a:spcBef>
             </a:pPr>
             <a:r>
-              <a:rPr lang="en-US" sz="2000" b="1" strike="noStrike" spc="-1" dirty="0">
+              <a:rPr lang="en-US" b="1" spc="-1" dirty="0" smtClean="0">
                 <a:solidFill>
                   <a:srgbClr val="000000"/>
                 </a:solidFill>
-                <a:latin typeface="Arial"/>
+                <a:latin typeface="Arial" panose="020B0604020202020204" pitchFamily="34" charset="0"/>
                 <a:ea typeface="Arial"/>
-              </a:rPr>
-              <a:t>TBD (Squad Lead)</a:t>
-            </a:r>
-            <a:endParaRPr lang="en-US" sz="2000" b="0" strike="noStrike" spc="-1" dirty="0">
-              <a:solidFill>
-                <a:srgbClr val="000000"/>
-              </a:solidFill>
-              <a:latin typeface="Arial"/>
+                <a:cs typeface="Arial" panose="020B0604020202020204" pitchFamily="34" charset="0"/>
+              </a:rPr>
+              <a:t>Zachariah </a:t>
+            </a:r>
+            <a:r>
+              <a:rPr lang="en-US" b="1" spc="-1" dirty="0">
+                <a:solidFill>
+                  <a:srgbClr val="000000"/>
+                </a:solidFill>
+                <a:latin typeface="Arial" panose="020B0604020202020204" pitchFamily="34" charset="0"/>
+                <a:ea typeface="Arial"/>
+                <a:cs typeface="Arial" panose="020B0604020202020204" pitchFamily="34" charset="0"/>
+              </a:rPr>
+              <a:t>Mullen </a:t>
+            </a:r>
+            <a:r>
+              <a:rPr lang="en-US" b="1" strike="noStrike" spc="-1" dirty="0">
+                <a:solidFill>
+                  <a:srgbClr val="000000"/>
+                </a:solidFill>
+                <a:latin typeface="Arial" panose="020B0604020202020204" pitchFamily="34" charset="0"/>
+                <a:ea typeface="Arial"/>
+                <a:cs typeface="Arial" panose="020B0604020202020204" pitchFamily="34" charset="0"/>
+              </a:rPr>
+              <a:t>(</a:t>
+            </a:r>
+            <a:r>
+              <a:rPr lang="en-US" b="1" strike="noStrike" spc="-1" dirty="0" smtClean="0">
+                <a:solidFill>
+                  <a:srgbClr val="000000"/>
+                </a:solidFill>
+                <a:latin typeface="Arial" panose="020B0604020202020204" pitchFamily="34" charset="0"/>
+                <a:ea typeface="Arial"/>
+                <a:cs typeface="Arial" panose="020B0604020202020204" pitchFamily="34" charset="0"/>
+              </a:rPr>
+              <a:t>Scrum Master)</a:t>
+            </a:r>
+          </a:p>
+          <a:p>
+            <a:pPr marL="457200" indent="-228240">
+              <a:lnSpc>
+                <a:spcPct val="85000"/>
+              </a:lnSpc>
+              <a:spcBef>
+                <a:spcPts val="901"/>
+              </a:spcBef>
+            </a:pPr>
+            <a:r>
+              <a:rPr lang="en-US" b="1" strike="noStrike" spc="-1" dirty="0" smtClean="0">
+                <a:solidFill>
+                  <a:srgbClr val="000000"/>
+                </a:solidFill>
+                <a:latin typeface="Arial" panose="020B0604020202020204" pitchFamily="34" charset="0"/>
+                <a:ea typeface="Arial"/>
+                <a:cs typeface="Arial" panose="020B0604020202020204" pitchFamily="34" charset="0"/>
+              </a:rPr>
+              <a:t>Fernando Rijo Cedeno (Squad Lead)</a:t>
+            </a:r>
+          </a:p>
+          <a:p>
+            <a:pPr marL="457200" indent="-228240">
+              <a:lnSpc>
+                <a:spcPct val="85000"/>
+              </a:lnSpc>
+              <a:spcBef>
+                <a:spcPts val="901"/>
+              </a:spcBef>
+            </a:pPr>
+            <a:endParaRPr lang="en-US" b="1" spc="-1" dirty="0">
+              <a:solidFill>
+                <a:srgbClr val="000000"/>
+              </a:solidFill>
+              <a:latin typeface="Arial" panose="020B0604020202020204" pitchFamily="34" charset="0"/>
+              <a:cs typeface="Arial" panose="020B0604020202020204" pitchFamily="34" charset="0"/>
+            </a:endParaRPr>
+          </a:p>
+          <a:p>
+            <a:pPr marL="457200" indent="-228240">
+              <a:lnSpc>
+                <a:spcPct val="85000"/>
+              </a:lnSpc>
+              <a:spcBef>
+                <a:spcPts val="901"/>
+              </a:spcBef>
+            </a:pPr>
+            <a:r>
+              <a:rPr lang="en-US" strike="noStrike" spc="-1" dirty="0" smtClean="0">
+                <a:solidFill>
+                  <a:srgbClr val="000000"/>
+                </a:solidFill>
+                <a:latin typeface="Arial" panose="020B0604020202020204" pitchFamily="34" charset="0"/>
+                <a:cs typeface="Arial" panose="020B0604020202020204" pitchFamily="34" charset="0"/>
+                <a:hlinkClick r:id="rId2"/>
+              </a:rPr>
+              <a:t>Objectives</a:t>
+            </a:r>
+            <a:endParaRPr lang="en-US" strike="noStrike" spc="-1" dirty="0">
+              <a:solidFill>
+                <a:srgbClr val="000000"/>
+              </a:solidFill>
+              <a:latin typeface="Arial" panose="020B0604020202020204" pitchFamily="34" charset="0"/>
+              <a:cs typeface="Arial" panose="020B0604020202020204" pitchFamily="34" charset="0"/>
             </a:endParaRPr>
           </a:p>
         </p:txBody>
@@ -12332,20 +12446,22 @@
               </a:lnSpc>
             </a:pPr>
             <a:r>
-              <a:rPr lang="en-US" sz="2600" b="0" strike="noStrike" spc="-1" dirty="0">
+              <a:rPr lang="en-US" sz="2600" b="0" strike="noStrike" spc="-1" dirty="0" smtClean="0">
                 <a:solidFill>
                   <a:srgbClr val="262626"/>
                 </a:solidFill>
-                <a:latin typeface="Gill Sans"/>
+                <a:latin typeface="Arial" panose="020B0604020202020204" pitchFamily="34" charset="0"/>
                 <a:ea typeface="Gill Sans"/>
-              </a:rPr>
-              <a:t>Title</a:t>
+                <a:cs typeface="Arial" panose="020B0604020202020204" pitchFamily="34" charset="0"/>
+              </a:rPr>
+              <a:t>Explorer – Extenders Conformance Criteria</a:t>
             </a:r>
             <a:endParaRPr lang="en-US" sz="2600" b="0" strike="noStrike" spc="-1" dirty="0">
               <a:solidFill>
                 <a:srgbClr val="000000"/>
               </a:solidFill>
-              <a:latin typeface="Arial"/>
+              <a:latin typeface="Arial" panose="020B0604020202020204" pitchFamily="34" charset="0"/>
+              <a:cs typeface="Arial" panose="020B0604020202020204" pitchFamily="34" charset="0"/>
             </a:endParaRPr>
           </a:p>
         </p:txBody>
@@ -12358,7 +12474,7 @@
         </p:nvSpPr>
         <p:spPr>
           <a:xfrm>
-            <a:off x="336600" y="682920"/>
+            <a:off x="336600" y="686492"/>
             <a:ext cx="8349840" cy="4177800"/>
           </a:xfrm>
           <a:prstGeom prst="rect">
@@ -12389,13 +12505,1218 @@
               <a:buChar char="•"/>
             </a:pPr>
             <a:r>
-              <a:rPr lang="en-US" sz="1800" b="0" strike="noStrike" spc="-1" dirty="0">
+              <a:rPr lang="en-US" sz="1600" spc="-1" dirty="0">
                 <a:solidFill>
                   <a:srgbClr val="000000"/>
+                </a:solidFill>
+                <a:latin typeface="+mj-lt"/>
+              </a:rPr>
+              <a:t>Continue work on extensibility API and conformance </a:t>
+            </a:r>
+            <a:r>
+              <a:rPr lang="en-US" sz="1600" spc="-1" dirty="0" smtClean="0">
+                <a:solidFill>
+                  <a:srgbClr val="000000"/>
+                </a:solidFill>
+                <a:latin typeface="+mj-lt"/>
+              </a:rPr>
+              <a:t>rules </a:t>
+            </a:r>
+            <a:r>
+              <a:rPr lang="en-US" sz="1600" spc="-1" dirty="0" smtClean="0">
+                <a:solidFill>
+                  <a:srgbClr val="000000"/>
+                </a:solidFill>
+                <a:latin typeface="+mj-lt"/>
+                <a:hlinkClick r:id="rId2"/>
+              </a:rPr>
+              <a:t>#837</a:t>
+            </a:r>
+            <a:endParaRPr lang="en-US" sz="1600" spc="-1" dirty="0" smtClean="0">
+              <a:solidFill>
+                <a:srgbClr val="000000"/>
+              </a:solidFill>
+              <a:latin typeface="+mj-lt"/>
+            </a:endParaRPr>
+          </a:p>
+          <a:p>
+            <a:pPr marL="914400" lvl="1" indent="-355320">
+              <a:spcBef>
+                <a:spcPts val="400"/>
+              </a:spcBef>
+              <a:buClr>
+                <a:srgbClr val="000000"/>
+              </a:buClr>
+              <a:buFont typeface="Arial"/>
+              <a:buChar char="•"/>
+            </a:pPr>
+            <a:r>
+              <a:rPr lang="en-US" sz="1600" spc="-1" dirty="0">
+                <a:solidFill>
+                  <a:srgbClr val="000000"/>
+                </a:solidFill>
+                <a:latin typeface="+mj-lt"/>
+              </a:rPr>
+              <a:t>Refactor </a:t>
+            </a:r>
+            <a:r>
+              <a:rPr lang="en-US" sz="1600" spc="-1" dirty="0" err="1">
+                <a:solidFill>
+                  <a:srgbClr val="000000"/>
+                </a:solidFill>
+                <a:latin typeface="+mj-lt"/>
+              </a:rPr>
+              <a:t>api</a:t>
+            </a:r>
+            <a:r>
+              <a:rPr lang="en-US" sz="1600" spc="-1" dirty="0">
+                <a:solidFill>
+                  <a:srgbClr val="000000"/>
+                </a:solidFill>
+                <a:latin typeface="+mj-lt"/>
+              </a:rPr>
+              <a:t> code (profile loading, secure creds </a:t>
+            </a:r>
+            <a:r>
+              <a:rPr lang="en-US" sz="1600" spc="-1" dirty="0" err="1">
+                <a:solidFill>
+                  <a:srgbClr val="000000"/>
+                </a:solidFill>
+                <a:latin typeface="+mj-lt"/>
+              </a:rPr>
+              <a:t>init</a:t>
+            </a:r>
+            <a:r>
+              <a:rPr lang="en-US" sz="1600" spc="-1" dirty="0">
+                <a:solidFill>
+                  <a:srgbClr val="000000"/>
+                </a:solidFill>
+                <a:latin typeface="+mj-lt"/>
+              </a:rPr>
+              <a:t>, remove UI code) </a:t>
+            </a:r>
+            <a:endParaRPr lang="en-US" sz="1600" spc="-1" dirty="0" smtClean="0">
+              <a:solidFill>
+                <a:srgbClr val="000000"/>
+              </a:solidFill>
+              <a:latin typeface="+mj-lt"/>
+            </a:endParaRPr>
+          </a:p>
+          <a:p>
+            <a:pPr marL="914400" lvl="1" indent="-355320">
+              <a:spcBef>
+                <a:spcPts val="400"/>
+              </a:spcBef>
+              <a:buClr>
+                <a:srgbClr val="000000"/>
+              </a:buClr>
+              <a:buFont typeface="Arial"/>
+              <a:buChar char="•"/>
+            </a:pPr>
+            <a:r>
+              <a:rPr lang="en-US" sz="1600" spc="-1" dirty="0" smtClean="0">
+                <a:solidFill>
+                  <a:srgbClr val="000000"/>
+                </a:solidFill>
+                <a:latin typeface="+mj-lt"/>
+              </a:rPr>
+              <a:t>API </a:t>
+            </a:r>
+            <a:r>
+              <a:rPr lang="en-US" sz="1600" spc="-1" dirty="0">
+                <a:solidFill>
+                  <a:srgbClr val="000000"/>
+                </a:solidFill>
+                <a:latin typeface="+mj-lt"/>
+              </a:rPr>
+              <a:t>governance for </a:t>
+            </a:r>
+            <a:r>
+              <a:rPr lang="en-US" sz="1600" spc="-1" dirty="0" err="1">
+                <a:solidFill>
+                  <a:srgbClr val="000000"/>
+                </a:solidFill>
+                <a:latin typeface="+mj-lt"/>
+              </a:rPr>
+              <a:t>Zowe</a:t>
+            </a:r>
+            <a:r>
+              <a:rPr lang="en-US" sz="1600" spc="-1" dirty="0">
+                <a:solidFill>
+                  <a:srgbClr val="000000"/>
+                </a:solidFill>
+                <a:latin typeface="+mj-lt"/>
+              </a:rPr>
+              <a:t> committers (explore automation: e.g. search for the string “</a:t>
+            </a:r>
+            <a:r>
+              <a:rPr lang="en-US" sz="1600" spc="-1" dirty="0" err="1">
+                <a:solidFill>
+                  <a:srgbClr val="000000"/>
+                </a:solidFill>
+                <a:latin typeface="+mj-lt"/>
+              </a:rPr>
+              <a:t>zosmf</a:t>
+            </a:r>
+            <a:r>
+              <a:rPr lang="en-US" sz="1600" spc="-1" dirty="0">
+                <a:solidFill>
+                  <a:srgbClr val="000000"/>
+                </a:solidFill>
+                <a:latin typeface="+mj-lt"/>
+              </a:rPr>
+              <a:t>”, perhaps via </a:t>
+            </a:r>
+            <a:r>
+              <a:rPr lang="en-US" sz="1600" spc="-1" dirty="0" err="1">
+                <a:solidFill>
+                  <a:srgbClr val="000000"/>
+                </a:solidFill>
+                <a:latin typeface="+mj-lt"/>
+              </a:rPr>
+              <a:t>ESLint</a:t>
+            </a:r>
+            <a:r>
+              <a:rPr lang="en-US" sz="1600" spc="-1" dirty="0" smtClean="0">
+                <a:solidFill>
+                  <a:srgbClr val="000000"/>
+                </a:solidFill>
+                <a:latin typeface="+mj-lt"/>
+              </a:rPr>
+              <a:t>)</a:t>
+            </a:r>
+            <a:endParaRPr lang="en-US" sz="1600" spc="-1" dirty="0">
+              <a:solidFill>
+                <a:srgbClr val="000000"/>
+              </a:solidFill>
+              <a:latin typeface="+mj-lt"/>
+            </a:endParaRPr>
+          </a:p>
+          <a:p>
+            <a:pPr marL="457200" indent="-355320">
+              <a:spcBef>
+                <a:spcPts val="400"/>
+              </a:spcBef>
+              <a:buClr>
+                <a:srgbClr val="000000"/>
+              </a:buClr>
+              <a:buFont typeface="Arial"/>
+              <a:buChar char="•"/>
+            </a:pPr>
+            <a:r>
+              <a:rPr lang="en-US" sz="1600" spc="-1" dirty="0" smtClean="0">
+                <a:solidFill>
+                  <a:srgbClr val="000000"/>
+                </a:solidFill>
+                <a:latin typeface="+mj-lt"/>
+              </a:rPr>
+              <a:t>Code </a:t>
+            </a:r>
+            <a:r>
+              <a:rPr lang="en-US" sz="1600" spc="-1" dirty="0">
+                <a:solidFill>
+                  <a:srgbClr val="000000"/>
+                </a:solidFill>
+                <a:latin typeface="+mj-lt"/>
+              </a:rPr>
+              <a:t>formatting and </a:t>
+            </a:r>
+            <a:r>
+              <a:rPr lang="en-US" sz="1600" spc="-1" dirty="0" err="1" smtClean="0">
+                <a:solidFill>
+                  <a:srgbClr val="000000"/>
+                </a:solidFill>
+                <a:latin typeface="+mj-lt"/>
+              </a:rPr>
+              <a:t>linting</a:t>
+            </a:r>
+            <a:r>
+              <a:rPr lang="en-US" sz="1600" spc="-1" dirty="0" smtClean="0">
+                <a:solidFill>
+                  <a:srgbClr val="000000"/>
+                </a:solidFill>
+                <a:latin typeface="+mj-lt"/>
+              </a:rPr>
+              <a:t> </a:t>
+            </a:r>
+            <a:r>
+              <a:rPr lang="en-US" sz="1600" spc="-1" dirty="0" smtClean="0">
+                <a:solidFill>
+                  <a:srgbClr val="000000"/>
+                </a:solidFill>
+                <a:latin typeface="+mj-lt"/>
+                <a:hlinkClick r:id="rId3"/>
+              </a:rPr>
+              <a:t>#438</a:t>
+            </a:r>
+            <a:endParaRPr lang="en-US" sz="1600" spc="-1" dirty="0">
+              <a:solidFill>
+                <a:srgbClr val="000000"/>
+              </a:solidFill>
+              <a:latin typeface="+mj-lt"/>
+            </a:endParaRPr>
+          </a:p>
+          <a:p>
+            <a:pPr marL="457200" indent="-355320">
+              <a:spcBef>
+                <a:spcPts val="400"/>
+              </a:spcBef>
+              <a:buClr>
+                <a:srgbClr val="000000"/>
+              </a:buClr>
+              <a:buFont typeface="Arial"/>
+              <a:buChar char="•"/>
+            </a:pPr>
+            <a:r>
+              <a:rPr lang="en-US" sz="1600" spc="-1" dirty="0" smtClean="0">
+                <a:solidFill>
+                  <a:srgbClr val="000000"/>
+                </a:solidFill>
+                <a:latin typeface="+mj-lt"/>
+              </a:rPr>
+              <a:t>Ensure </a:t>
+            </a:r>
+            <a:r>
+              <a:rPr lang="en-US" sz="1600" spc="-1" dirty="0">
+                <a:solidFill>
+                  <a:srgbClr val="000000"/>
+                </a:solidFill>
+                <a:latin typeface="+mj-lt"/>
+              </a:rPr>
+              <a:t>consistency for </a:t>
+            </a:r>
+            <a:r>
+              <a:rPr lang="en-US" sz="1600" spc="-1" dirty="0" smtClean="0">
+                <a:solidFill>
+                  <a:srgbClr val="000000"/>
+                </a:solidFill>
+                <a:latin typeface="+mj-lt"/>
+              </a:rPr>
+              <a:t>extenders</a:t>
+            </a:r>
+          </a:p>
+          <a:p>
+            <a:pPr marL="914400" lvl="1" indent="-355320">
+              <a:spcBef>
+                <a:spcPts val="400"/>
+              </a:spcBef>
+              <a:buClr>
+                <a:srgbClr val="000000"/>
+              </a:buClr>
+              <a:buFont typeface="Arial"/>
+              <a:buChar char="•"/>
+            </a:pPr>
+            <a:r>
+              <a:rPr lang="en-US" sz="1600" spc="-1" dirty="0">
+                <a:solidFill>
+                  <a:srgbClr val="000000"/>
+                </a:solidFill>
+                <a:latin typeface="+mj-lt"/>
+              </a:rPr>
+              <a:t>MVS </a:t>
+            </a:r>
+            <a:r>
+              <a:rPr lang="en-US" sz="1600" spc="-1" dirty="0" smtClean="0">
+                <a:solidFill>
+                  <a:srgbClr val="000000"/>
+                </a:solidFill>
+                <a:latin typeface="+mj-lt"/>
+              </a:rPr>
+              <a:t>functionality for </a:t>
+            </a:r>
+            <a:r>
+              <a:rPr lang="en-US" sz="1600" spc="-1" dirty="0">
+                <a:solidFill>
+                  <a:srgbClr val="000000"/>
+                </a:solidFill>
+                <a:latin typeface="+mj-lt"/>
+              </a:rPr>
+              <a:t>FTP </a:t>
+            </a:r>
+            <a:r>
+              <a:rPr lang="en-US" sz="1600" spc="-1" dirty="0" smtClean="0">
+                <a:solidFill>
+                  <a:srgbClr val="000000"/>
+                </a:solidFill>
+                <a:latin typeface="+mj-lt"/>
+              </a:rPr>
+              <a:t>Package </a:t>
+            </a:r>
+            <a:r>
+              <a:rPr lang="en-US" sz="1600" spc="-1" dirty="0" smtClean="0">
+                <a:solidFill>
+                  <a:srgbClr val="000000"/>
+                </a:solidFill>
+                <a:latin typeface="+mj-lt"/>
+                <a:hlinkClick r:id="rId4"/>
+              </a:rPr>
+              <a:t>#1027</a:t>
+            </a:r>
+            <a:endParaRPr lang="en-US" sz="1600" spc="-1" dirty="0">
+              <a:solidFill>
+                <a:srgbClr val="000000"/>
+              </a:solidFill>
+              <a:latin typeface="+mj-lt"/>
+            </a:endParaRPr>
+          </a:p>
+          <a:p>
+            <a:pPr marL="914400" lvl="1" indent="-355320">
+              <a:spcBef>
+                <a:spcPts val="400"/>
+              </a:spcBef>
+              <a:buClr>
+                <a:srgbClr val="000000"/>
+              </a:buClr>
+              <a:buFont typeface="Arial"/>
+              <a:buChar char="•"/>
+            </a:pPr>
+            <a:r>
+              <a:rPr lang="en-US" sz="1600" spc="-1" dirty="0">
+                <a:solidFill>
+                  <a:srgbClr val="000000"/>
+                </a:solidFill>
+                <a:latin typeface="+mj-lt"/>
+              </a:rPr>
+              <a:t>Test automation for FTP </a:t>
+            </a:r>
+            <a:r>
+              <a:rPr lang="en-US" sz="1600" spc="-1" dirty="0" smtClean="0">
+                <a:solidFill>
+                  <a:srgbClr val="000000"/>
+                </a:solidFill>
+                <a:latin typeface="+mj-lt"/>
+              </a:rPr>
+              <a:t>package </a:t>
+            </a:r>
+            <a:r>
+              <a:rPr lang="en-US" sz="1600" spc="-1" dirty="0" smtClean="0">
+                <a:solidFill>
+                  <a:srgbClr val="000000"/>
+                </a:solidFill>
+                <a:latin typeface="+mj-lt"/>
+                <a:hlinkClick r:id="rId5"/>
+              </a:rPr>
+              <a:t>#1028</a:t>
+            </a:r>
+            <a:endParaRPr lang="en-US" sz="1600" b="0" strike="noStrike" spc="-1" dirty="0">
+              <a:solidFill>
+                <a:srgbClr val="000000"/>
+              </a:solidFill>
+              <a:latin typeface="+mj-lt"/>
+            </a:endParaRPr>
+          </a:p>
+        </p:txBody>
+      </p:sp>
+    </p:spTree>
+  </p:cSld>
+  <p:clrMapOvr>
+    <a:masterClrMapping/>
+  </p:clrMapOvr>
+  <p:transition spd="med">
+    <p:fade thruBlk="1"/>
+  </p:transition>
+  <p:timing>
+    <p:tnLst>
+      <p:par>
+        <p:cTn id="1" dur="indefinite" restart="never" nodeType="tmRoot">
+          <p:childTnLst>
+            <p:seq>
+              <p:cTn id="2" dur="indefinite" nodeType="mainSeq"/>
+              <p:prevCondLst>
+                <p:cond evt="onPrev" delay="0">
+                  <p:tgtEl>
+                    <p:sldTgt/>
+                  </p:tgtEl>
+                </p:cond>
+              </p:prevCondLst>
+              <p:nextCondLst>
+                <p:cond evt="onNext" delay="0">
+                  <p:tgtEl>
+                    <p:sldTgt/>
+                  </p:tgtEl>
+                </p:cond>
+              </p:nextCondLst>
+            </p:seq>
+          </p:childTnLst>
+        </p:cTn>
+      </p:par>
+    </p:tnLst>
+  </p:timing>
+</p:sld>
+</file>
+
+<file path=ppt/slides/slide16.xml><?xml version="1.0" encoding="utf-8"?>
+<p:sld xmlns:a="http://schemas.openxmlformats.org/drawingml/2006/main" xmlns:r="http://schemas.openxmlformats.org/officeDocument/2006/relationships" xmlns:p="http://schemas.openxmlformats.org/presentationml/2006/main">
+  <p:cSld>
+    <p:spTree>
+      <p:nvGrpSpPr>
+        <p:cNvPr id="1" name=""/>
+        <p:cNvGrpSpPr/>
+        <p:nvPr/>
+      </p:nvGrpSpPr>
+      <p:grpSpPr>
+        <a:xfrm>
+          <a:off x="0" y="0"/>
+          <a:ext cx="0" cy="0"/>
+          <a:chOff x="0" y="0"/>
+          <a:chExt cx="0" cy="0"/>
+        </a:xfrm>
+      </p:grpSpPr>
+      <p:sp>
+        <p:nvSpPr>
+          <p:cNvPr id="189" name="TextShape 1"/>
+          <p:cNvSpPr txBox="1"/>
+          <p:nvPr/>
+        </p:nvSpPr>
+        <p:spPr>
+          <a:xfrm>
+            <a:off x="334080" y="159480"/>
+            <a:ext cx="7893720" cy="447120"/>
+          </a:xfrm>
+          <a:prstGeom prst="rect">
+            <a:avLst/>
+          </a:prstGeom>
+          <a:noFill/>
+          <a:ln>
+            <a:noFill/>
+          </a:ln>
+        </p:spPr>
+        <p:txBody>
+          <a:bodyPr tIns="91440" bIns="91440" anchor="ctr">
+            <a:noAutofit/>
+          </a:bodyPr>
+          <a:lstStyle/>
+          <a:p>
+            <a:pPr>
+              <a:lnSpc>
+                <a:spcPct val="100000"/>
+              </a:lnSpc>
+            </a:pPr>
+            <a:r>
+              <a:rPr lang="en-US" sz="2600" b="0" strike="noStrike" spc="-1" dirty="0" smtClean="0">
+                <a:solidFill>
+                  <a:srgbClr val="262626"/>
+                </a:solidFill>
+                <a:latin typeface="Arial" panose="020B0604020202020204" pitchFamily="34" charset="0"/>
+                <a:ea typeface="Gill Sans"/>
+                <a:cs typeface="Arial" panose="020B0604020202020204" pitchFamily="34" charset="0"/>
+              </a:rPr>
+              <a:t>Explorer – Improve User Experience</a:t>
+            </a:r>
+            <a:endParaRPr lang="en-US" sz="2600" b="0" strike="noStrike" spc="-1" dirty="0">
+              <a:solidFill>
+                <a:srgbClr val="000000"/>
+              </a:solidFill>
+              <a:latin typeface="Arial" panose="020B0604020202020204" pitchFamily="34" charset="0"/>
+              <a:cs typeface="Arial" panose="020B0604020202020204" pitchFamily="34" charset="0"/>
+            </a:endParaRPr>
+          </a:p>
+        </p:txBody>
+      </p:sp>
+      <p:sp>
+        <p:nvSpPr>
+          <p:cNvPr id="190" name="TextShape 2"/>
+          <p:cNvSpPr txBox="1"/>
+          <p:nvPr/>
+        </p:nvSpPr>
+        <p:spPr>
+          <a:xfrm>
+            <a:off x="336600" y="657916"/>
+            <a:ext cx="8349840" cy="4177800"/>
+          </a:xfrm>
+          <a:prstGeom prst="rect">
+            <a:avLst/>
+          </a:prstGeom>
+          <a:noFill/>
+          <a:ln>
+            <a:noFill/>
+          </a:ln>
+        </p:spPr>
+        <p:txBody>
+          <a:bodyPr tIns="91440" bIns="91440">
+            <a:noAutofit/>
+          </a:bodyPr>
+          <a:lstStyle/>
+          <a:p>
+            <a:pPr marL="457200" indent="-355320">
+              <a:lnSpc>
+                <a:spcPct val="100000"/>
+              </a:lnSpc>
+              <a:spcBef>
+                <a:spcPts val="400"/>
+              </a:spcBef>
+              <a:buClr>
+                <a:srgbClr val="000000"/>
+              </a:buClr>
+              <a:buFont typeface="Arial"/>
+              <a:buChar char="•"/>
+            </a:pPr>
+            <a:r>
+              <a:rPr lang="en-US" sz="1600" spc="-1" dirty="0" smtClean="0">
+                <a:solidFill>
+                  <a:srgbClr val="000000"/>
+                </a:solidFill>
+                <a:latin typeface="+mj-lt"/>
+              </a:rPr>
+              <a:t>Profile </a:t>
+            </a:r>
+            <a:r>
+              <a:rPr lang="en-US" sz="1600" spc="-1" dirty="0">
+                <a:solidFill>
+                  <a:srgbClr val="000000"/>
+                </a:solidFill>
+                <a:latin typeface="+mj-lt"/>
+              </a:rPr>
+              <a:t>manager </a:t>
+            </a:r>
+            <a:r>
+              <a:rPr lang="en-US" sz="1600" spc="-1" dirty="0" smtClean="0">
+                <a:solidFill>
+                  <a:srgbClr val="000000"/>
+                </a:solidFill>
+                <a:latin typeface="+mj-lt"/>
+              </a:rPr>
+              <a:t>development </a:t>
+            </a:r>
+            <a:r>
+              <a:rPr lang="en-US" sz="1600" spc="-1" dirty="0" smtClean="0">
+                <a:solidFill>
+                  <a:srgbClr val="000000"/>
+                </a:solidFill>
+                <a:latin typeface="+mj-lt"/>
+                <a:hlinkClick r:id="rId2"/>
+              </a:rPr>
+              <a:t>#423</a:t>
+            </a:r>
+            <a:endParaRPr lang="en-US" sz="1600" spc="-1" dirty="0" smtClean="0">
+              <a:solidFill>
+                <a:srgbClr val="000000"/>
+              </a:solidFill>
+              <a:latin typeface="+mj-lt"/>
+            </a:endParaRPr>
+          </a:p>
+          <a:p>
+            <a:pPr marL="457200" indent="-355320">
+              <a:lnSpc>
+                <a:spcPct val="100000"/>
+              </a:lnSpc>
+              <a:spcBef>
+                <a:spcPts val="400"/>
+              </a:spcBef>
+              <a:buClr>
+                <a:srgbClr val="000000"/>
+              </a:buClr>
+              <a:buFont typeface="Arial"/>
+              <a:buChar char="•"/>
+            </a:pPr>
+            <a:r>
+              <a:rPr lang="en-US" sz="1600" spc="-1" dirty="0" smtClean="0">
+                <a:solidFill>
+                  <a:srgbClr val="000000"/>
+                </a:solidFill>
+                <a:latin typeface="+mj-lt"/>
+              </a:rPr>
+              <a:t>Profile type annotation </a:t>
+            </a:r>
+            <a:r>
+              <a:rPr lang="en-US" sz="1600" spc="-1" dirty="0" smtClean="0">
+                <a:solidFill>
+                  <a:srgbClr val="000000"/>
+                </a:solidFill>
+                <a:latin typeface="+mj-lt"/>
+                <a:hlinkClick r:id="rId3"/>
+              </a:rPr>
+              <a:t>#1025</a:t>
+            </a:r>
+            <a:endParaRPr lang="en-US" sz="1600" spc="-1" dirty="0" smtClean="0">
+              <a:solidFill>
+                <a:srgbClr val="000000"/>
+              </a:solidFill>
+              <a:latin typeface="+mj-lt"/>
+            </a:endParaRPr>
+          </a:p>
+          <a:p>
+            <a:pPr marL="457200" indent="-355320">
+              <a:lnSpc>
+                <a:spcPct val="100000"/>
+              </a:lnSpc>
+              <a:spcBef>
+                <a:spcPts val="400"/>
+              </a:spcBef>
+              <a:buClr>
+                <a:srgbClr val="000000"/>
+              </a:buClr>
+              <a:buFont typeface="Arial"/>
+              <a:buChar char="•"/>
+            </a:pPr>
+            <a:r>
+              <a:rPr lang="en-US" sz="1600" spc="-1" dirty="0">
+                <a:solidFill>
+                  <a:srgbClr val="000000"/>
+                </a:solidFill>
+                <a:latin typeface="+mj-lt"/>
+              </a:rPr>
+              <a:t>Filter partitioned data sets by </a:t>
+            </a:r>
+            <a:r>
+              <a:rPr lang="en-US" sz="1600" spc="-1" dirty="0" smtClean="0">
+                <a:solidFill>
+                  <a:srgbClr val="000000"/>
+                </a:solidFill>
+                <a:latin typeface="+mj-lt"/>
+              </a:rPr>
+              <a:t>pattern </a:t>
+            </a:r>
+            <a:r>
+              <a:rPr lang="en-US" sz="1600" spc="-1" dirty="0" smtClean="0">
+                <a:solidFill>
+                  <a:srgbClr val="000000"/>
+                </a:solidFill>
+                <a:latin typeface="+mj-lt"/>
+                <a:hlinkClick r:id="rId4"/>
+              </a:rPr>
+              <a:t>#868</a:t>
+            </a:r>
+            <a:endParaRPr lang="en-US" sz="1600" spc="-1" dirty="0" smtClean="0">
+              <a:solidFill>
+                <a:srgbClr val="000000"/>
+              </a:solidFill>
+              <a:latin typeface="+mj-lt"/>
+            </a:endParaRPr>
+          </a:p>
+          <a:p>
+            <a:pPr marL="457200" indent="-355320">
+              <a:lnSpc>
+                <a:spcPct val="100000"/>
+              </a:lnSpc>
+              <a:spcBef>
+                <a:spcPts val="400"/>
+              </a:spcBef>
+              <a:buClr>
+                <a:srgbClr val="000000"/>
+              </a:buClr>
+              <a:buFont typeface="Arial"/>
+              <a:buChar char="•"/>
+            </a:pPr>
+            <a:r>
+              <a:rPr lang="en-US" sz="1600" spc="-1" dirty="0">
+                <a:solidFill>
+                  <a:srgbClr val="000000"/>
+                </a:solidFill>
+              </a:rPr>
+              <a:t>Refactor </a:t>
+            </a:r>
+            <a:r>
+              <a:rPr lang="en-US" sz="1600" spc="-1" dirty="0" smtClean="0">
+                <a:solidFill>
+                  <a:srgbClr val="000000"/>
+                </a:solidFill>
+              </a:rPr>
+              <a:t>profile APIs (</a:t>
+            </a:r>
+            <a:r>
+              <a:rPr lang="en-US" sz="1600" spc="-1" dirty="0" err="1" smtClean="0">
+                <a:solidFill>
+                  <a:srgbClr val="000000"/>
+                </a:solidFill>
+              </a:rPr>
+              <a:t>Profiles.ts</a:t>
+            </a:r>
+            <a:r>
+              <a:rPr lang="en-US" sz="1600" spc="-1" dirty="0" smtClean="0">
+                <a:solidFill>
+                  <a:srgbClr val="000000"/>
+                </a:solidFill>
+              </a:rPr>
+              <a:t>) </a:t>
+            </a:r>
+            <a:r>
+              <a:rPr lang="en-US" sz="1600" spc="-1" dirty="0">
+                <a:solidFill>
+                  <a:srgbClr val="000000"/>
+                </a:solidFill>
+              </a:rPr>
+              <a:t>to address significant </a:t>
+            </a:r>
+            <a:r>
+              <a:rPr lang="en-US" sz="1600" spc="-1" dirty="0" smtClean="0">
+                <a:solidFill>
+                  <a:srgbClr val="000000"/>
+                </a:solidFill>
+              </a:rPr>
+              <a:t>issues </a:t>
+            </a:r>
+            <a:r>
+              <a:rPr lang="en-US" sz="1600" spc="-1" dirty="0" smtClean="0">
+                <a:solidFill>
+                  <a:srgbClr val="000000"/>
+                </a:solidFill>
+                <a:hlinkClick r:id="rId5"/>
+              </a:rPr>
+              <a:t>#1000</a:t>
+            </a:r>
+            <a:endParaRPr lang="en-US" sz="1600" spc="-1" dirty="0">
+              <a:solidFill>
+                <a:srgbClr val="000000"/>
+              </a:solidFill>
+            </a:endParaRPr>
+          </a:p>
+          <a:p>
+            <a:pPr marL="914400" lvl="1" indent="-355320">
+              <a:spcBef>
+                <a:spcPts val="400"/>
+              </a:spcBef>
+              <a:buClr>
+                <a:srgbClr val="000000"/>
+              </a:buClr>
+              <a:buFont typeface="Arial"/>
+              <a:buChar char="•"/>
+            </a:pPr>
+            <a:r>
+              <a:rPr lang="en-US" sz="1600" spc="-1" dirty="0">
+                <a:solidFill>
+                  <a:srgbClr val="000000"/>
+                </a:solidFill>
+              </a:rPr>
+              <a:t>Empty fields in profiles (user and password) </a:t>
+            </a:r>
+            <a:r>
+              <a:rPr lang="en-US" sz="1600" spc="-1" dirty="0" smtClean="0">
+                <a:solidFill>
+                  <a:srgbClr val="000000"/>
+                </a:solidFill>
+              </a:rPr>
+              <a:t>bug</a:t>
+            </a:r>
+          </a:p>
+          <a:p>
+            <a:pPr marL="914400" lvl="1" indent="-355320">
+              <a:spcBef>
+                <a:spcPts val="400"/>
+              </a:spcBef>
+              <a:buClr>
+                <a:srgbClr val="000000"/>
+              </a:buClr>
+              <a:buFont typeface="Arial"/>
+              <a:buChar char="•"/>
+            </a:pPr>
+            <a:r>
+              <a:rPr lang="en-US" sz="1600" spc="-1" dirty="0" smtClean="0">
+                <a:solidFill>
+                  <a:srgbClr val="000000"/>
+                </a:solidFill>
+              </a:rPr>
+              <a:t>First </a:t>
+            </a:r>
+            <a:r>
+              <a:rPr lang="en-US" sz="1600" spc="-1" dirty="0">
+                <a:solidFill>
+                  <a:srgbClr val="000000"/>
+                </a:solidFill>
+              </a:rPr>
+              <a:t>profile not created as </a:t>
+            </a:r>
+            <a:r>
+              <a:rPr lang="en-US" sz="1600" spc="-1" dirty="0" smtClean="0">
+                <a:solidFill>
+                  <a:srgbClr val="000000"/>
+                </a:solidFill>
+              </a:rPr>
+              <a:t>default (Impacts CLI users)</a:t>
+            </a:r>
+          </a:p>
+          <a:p>
+            <a:pPr marL="457200" indent="-355320">
+              <a:spcBef>
+                <a:spcPts val="400"/>
+              </a:spcBef>
+              <a:buClr>
+                <a:srgbClr val="000000"/>
+              </a:buClr>
+              <a:buFont typeface="Arial"/>
+              <a:buChar char="•"/>
+            </a:pPr>
+            <a:r>
+              <a:rPr lang="en-US" sz="1600" spc="-1" dirty="0" smtClean="0">
+                <a:solidFill>
+                  <a:srgbClr val="000000"/>
+                </a:solidFill>
+              </a:rPr>
+              <a:t>Filter partitioned datasets by pattern </a:t>
+            </a:r>
+            <a:r>
+              <a:rPr lang="en-US" sz="1600" spc="-1" dirty="0" smtClean="0">
+                <a:solidFill>
+                  <a:srgbClr val="000000"/>
+                </a:solidFill>
+                <a:hlinkClick r:id="rId4"/>
+              </a:rPr>
+              <a:t>#868</a:t>
+            </a:r>
+            <a:endParaRPr lang="en-US" sz="1600" spc="-1" dirty="0" smtClean="0">
+              <a:solidFill>
+                <a:srgbClr val="000000"/>
+              </a:solidFill>
+            </a:endParaRPr>
+          </a:p>
+          <a:p>
+            <a:pPr marL="457200" indent="-355320">
+              <a:spcBef>
+                <a:spcPts val="400"/>
+              </a:spcBef>
+              <a:buClr>
+                <a:srgbClr val="000000"/>
+              </a:buClr>
+              <a:buFont typeface="Arial"/>
+              <a:buChar char="•"/>
+            </a:pPr>
+            <a:r>
+              <a:rPr lang="en-US" sz="1600" spc="-1" dirty="0">
+                <a:solidFill>
+                  <a:srgbClr val="000000"/>
+                </a:solidFill>
+              </a:rPr>
+              <a:t>Allow for multiple selection and deletion of jobs, members etc</a:t>
+            </a:r>
+            <a:r>
+              <a:rPr lang="en-US" sz="1600" spc="-1" dirty="0" smtClean="0">
+                <a:solidFill>
+                  <a:srgbClr val="000000"/>
+                </a:solidFill>
+              </a:rPr>
+              <a:t>. </a:t>
+            </a:r>
+            <a:r>
+              <a:rPr lang="en-US" sz="1600" spc="-1" dirty="0" smtClean="0">
+                <a:solidFill>
+                  <a:srgbClr val="000000"/>
+                </a:solidFill>
+                <a:hlinkClick r:id="rId6"/>
+              </a:rPr>
+              <a:t>#224</a:t>
+            </a:r>
+            <a:endParaRPr lang="en-US" sz="1600" spc="-1" dirty="0">
+              <a:solidFill>
+                <a:srgbClr val="000000"/>
+              </a:solidFill>
+            </a:endParaRPr>
+          </a:p>
+          <a:p>
+            <a:pPr marL="457200" indent="-355320">
+              <a:lnSpc>
+                <a:spcPct val="100000"/>
+              </a:lnSpc>
+              <a:spcBef>
+                <a:spcPts val="400"/>
+              </a:spcBef>
+              <a:buClr>
+                <a:srgbClr val="000000"/>
+              </a:buClr>
+              <a:buFont typeface="Arial"/>
+              <a:buChar char="•"/>
+            </a:pPr>
+            <a:endParaRPr lang="en-US" sz="1600" spc="-1" dirty="0" smtClean="0">
+              <a:solidFill>
+                <a:srgbClr val="000000"/>
+              </a:solidFill>
+              <a:latin typeface="+mj-lt"/>
+            </a:endParaRPr>
+          </a:p>
+        </p:txBody>
+      </p:sp>
+    </p:spTree>
+    <p:extLst>
+      <p:ext uri="{BB962C8B-B14F-4D97-AF65-F5344CB8AC3E}">
+        <p14:creationId xmlns:p14="http://schemas.microsoft.com/office/powerpoint/2010/main" val="755318"/>
+      </p:ext>
+    </p:extLst>
+  </p:cSld>
+  <p:clrMapOvr>
+    <a:masterClrMapping/>
+  </p:clrMapOvr>
+  <p:transition spd="med">
+    <p:fade thruBlk="1"/>
+  </p:transition>
+  <p:timing>
+    <p:tnLst>
+      <p:par>
+        <p:cTn id="1" dur="indefinite" restart="never" nodeType="tmRoot">
+          <p:childTnLst>
+            <p:seq>
+              <p:cTn id="2" dur="indefinite" nodeType="mainSeq"/>
+              <p:prevCondLst>
+                <p:cond evt="onPrev" delay="0">
+                  <p:tgtEl>
+                    <p:sldTgt/>
+                  </p:tgtEl>
+                </p:cond>
+              </p:prevCondLst>
+              <p:nextCondLst>
+                <p:cond evt="onNext" delay="0">
+                  <p:tgtEl>
+                    <p:sldTgt/>
+                  </p:tgtEl>
+                </p:cond>
+              </p:nextCondLst>
+            </p:seq>
+          </p:childTnLst>
+        </p:cTn>
+      </p:par>
+    </p:tnLst>
+  </p:timing>
+</p:sld>
+</file>
+
+<file path=ppt/slides/slide17.xml><?xml version="1.0" encoding="utf-8"?>
+<p:sld xmlns:a="http://schemas.openxmlformats.org/drawingml/2006/main" xmlns:r="http://schemas.openxmlformats.org/officeDocument/2006/relationships" xmlns:p="http://schemas.openxmlformats.org/presentationml/2006/main">
+  <p:cSld>
+    <p:spTree>
+      <p:nvGrpSpPr>
+        <p:cNvPr id="1" name=""/>
+        <p:cNvGrpSpPr/>
+        <p:nvPr/>
+      </p:nvGrpSpPr>
+      <p:grpSpPr>
+        <a:xfrm>
+          <a:off x="0" y="0"/>
+          <a:ext cx="0" cy="0"/>
+          <a:chOff x="0" y="0"/>
+          <a:chExt cx="0" cy="0"/>
+        </a:xfrm>
+      </p:grpSpPr>
+      <p:sp>
+        <p:nvSpPr>
+          <p:cNvPr id="188" name="TextShape 1"/>
+          <p:cNvSpPr txBox="1"/>
+          <p:nvPr/>
+        </p:nvSpPr>
+        <p:spPr>
+          <a:xfrm>
+            <a:off x="308520" y="3525840"/>
+            <a:ext cx="6446160" cy="392040"/>
+          </a:xfrm>
+          <a:prstGeom prst="rect">
+            <a:avLst/>
+          </a:prstGeom>
+          <a:noFill/>
+          <a:ln>
+            <a:noFill/>
+          </a:ln>
+        </p:spPr>
+        <p:txBody>
+          <a:bodyPr lIns="0" tIns="0" rIns="0" bIns="0" anchor="b">
+            <a:noAutofit/>
+          </a:bodyPr>
+          <a:lstStyle/>
+          <a:p>
+            <a:pPr marL="457200" indent="-228240">
+              <a:lnSpc>
+                <a:spcPct val="85000"/>
+              </a:lnSpc>
+              <a:spcBef>
+                <a:spcPts val="901"/>
+              </a:spcBef>
+            </a:pPr>
+            <a:r>
+              <a:rPr lang="en-US" sz="3000" b="1" strike="noStrike" spc="-1" dirty="0">
+                <a:solidFill>
+                  <a:srgbClr val="000000"/>
+                </a:solidFill>
+                <a:latin typeface="Arial"/>
+                <a:ea typeface="Arial"/>
+              </a:rPr>
+              <a:t>TBD Squad Focus</a:t>
+            </a:r>
+            <a:endParaRPr lang="en-US" sz="3000" b="0" strike="noStrike" spc="-1" dirty="0">
+              <a:solidFill>
+                <a:srgbClr val="000000"/>
+              </a:solidFill>
+              <a:latin typeface="Arial"/>
+            </a:endParaRPr>
+          </a:p>
+          <a:p>
+            <a:pPr marL="457200" indent="-228240">
+              <a:lnSpc>
+                <a:spcPct val="85000"/>
+              </a:lnSpc>
+              <a:spcBef>
+                <a:spcPts val="901"/>
+              </a:spcBef>
+            </a:pPr>
+            <a:r>
+              <a:rPr lang="en-US" sz="2000" b="1" strike="noStrike" spc="-1" dirty="0">
+                <a:solidFill>
+                  <a:srgbClr val="000000"/>
+                </a:solidFill>
+                <a:latin typeface="Arial"/>
+                <a:ea typeface="Arial"/>
+              </a:rPr>
+              <a:t>TBD (Squad Lead)</a:t>
+            </a:r>
+            <a:endParaRPr lang="en-US" sz="2000" b="0" strike="noStrike" spc="-1" dirty="0">
+              <a:solidFill>
+                <a:srgbClr val="000000"/>
+              </a:solidFill>
+              <a:latin typeface="Arial"/>
+            </a:endParaRPr>
+          </a:p>
+        </p:txBody>
+      </p:sp>
+    </p:spTree>
+    <p:extLst>
+      <p:ext uri="{BB962C8B-B14F-4D97-AF65-F5344CB8AC3E}">
+        <p14:creationId xmlns:p14="http://schemas.microsoft.com/office/powerpoint/2010/main" val="1327010325"/>
+      </p:ext>
+    </p:extLst>
+  </p:cSld>
+  <p:clrMapOvr>
+    <a:masterClrMapping/>
+  </p:clrMapOvr>
+  <p:transition spd="med">
+    <p:fade/>
+  </p:transition>
+  <p:timing>
+    <p:tnLst>
+      <p:par>
+        <p:cTn id="1" dur="indefinite" restart="never" nodeType="tmRoot">
+          <p:childTnLst>
+            <p:seq>
+              <p:cTn id="2" dur="indefinite" nodeType="mainSeq"/>
+              <p:prevCondLst>
+                <p:cond evt="onPrev" delay="0">
+                  <p:tgtEl>
+                    <p:sldTgt/>
+                  </p:tgtEl>
+                </p:cond>
+              </p:prevCondLst>
+              <p:nextCondLst>
+                <p:cond evt="onNext" delay="0">
+                  <p:tgtEl>
+                    <p:sldTgt/>
+                  </p:tgtEl>
+                </p:cond>
+              </p:nextCondLst>
+            </p:seq>
+          </p:childTnLst>
+        </p:cTn>
+      </p:par>
+    </p:tnLst>
+  </p:timing>
+</p:sld>
+</file>
+
+<file path=ppt/slides/slide18.xml><?xml version="1.0" encoding="utf-8"?>
+<p:sld xmlns:a="http://schemas.openxmlformats.org/drawingml/2006/main" xmlns:r="http://schemas.openxmlformats.org/officeDocument/2006/relationships" xmlns:p="http://schemas.openxmlformats.org/presentationml/2006/main">
+  <p:cSld>
+    <p:spTree>
+      <p:nvGrpSpPr>
+        <p:cNvPr id="1" name=""/>
+        <p:cNvGrpSpPr/>
+        <p:nvPr/>
+      </p:nvGrpSpPr>
+      <p:grpSpPr>
+        <a:xfrm>
+          <a:off x="0" y="0"/>
+          <a:ext cx="0" cy="0"/>
+          <a:chOff x="0" y="0"/>
+          <a:chExt cx="0" cy="0"/>
+        </a:xfrm>
+      </p:grpSpPr>
+      <p:sp>
+        <p:nvSpPr>
+          <p:cNvPr id="189" name="TextShape 1"/>
+          <p:cNvSpPr txBox="1"/>
+          <p:nvPr/>
+        </p:nvSpPr>
+        <p:spPr>
+          <a:xfrm>
+            <a:off x="334080" y="159480"/>
+            <a:ext cx="7893720" cy="447120"/>
+          </a:xfrm>
+          <a:prstGeom prst="rect">
+            <a:avLst/>
+          </a:prstGeom>
+          <a:noFill/>
+          <a:ln>
+            <a:noFill/>
+          </a:ln>
+        </p:spPr>
+        <p:txBody>
+          <a:bodyPr tIns="91440" bIns="91440" anchor="ctr">
+            <a:noAutofit/>
+          </a:bodyPr>
+          <a:lstStyle/>
+          <a:p>
+            <a:pPr>
+              <a:lnSpc>
+                <a:spcPct val="100000"/>
+              </a:lnSpc>
+            </a:pPr>
+            <a:r>
+              <a:rPr lang="en-US" sz="2600" b="0" strike="noStrike" spc="-1" dirty="0">
+                <a:solidFill>
+                  <a:srgbClr val="262626"/>
                 </a:solidFill>
                 <a:latin typeface="Gill Sans"/>
                 <a:ea typeface="Gill Sans"/>
               </a:rPr>
+              <a:t>Title</a:t>
+            </a:r>
+            <a:endParaRPr lang="en-US" sz="2600" b="0" strike="noStrike" spc="-1" dirty="0">
+              <a:solidFill>
+                <a:srgbClr val="000000"/>
+              </a:solidFill>
+              <a:latin typeface="Arial"/>
+            </a:endParaRPr>
+          </a:p>
+        </p:txBody>
+      </p:sp>
+      <p:sp>
+        <p:nvSpPr>
+          <p:cNvPr id="190" name="TextShape 2"/>
+          <p:cNvSpPr txBox="1"/>
+          <p:nvPr/>
+        </p:nvSpPr>
+        <p:spPr>
+          <a:xfrm>
+            <a:off x="336600" y="682920"/>
+            <a:ext cx="8349840" cy="4177800"/>
+          </a:xfrm>
+          <a:prstGeom prst="rect">
+            <a:avLst/>
+          </a:prstGeom>
+          <a:noFill/>
+          <a:ln>
+            <a:noFill/>
+          </a:ln>
+        </p:spPr>
+        <p:txBody>
+          <a:bodyPr tIns="91440" bIns="91440">
+            <a:noAutofit/>
+          </a:bodyPr>
+          <a:lstStyle/>
+          <a:p>
+            <a:pPr marL="457200" indent="-355320">
+              <a:lnSpc>
+                <a:spcPct val="100000"/>
+              </a:lnSpc>
+              <a:spcBef>
+                <a:spcPts val="400"/>
+              </a:spcBef>
+              <a:buClr>
+                <a:srgbClr val="000000"/>
+              </a:buClr>
+              <a:buFont typeface="Arial"/>
+              <a:buChar char="•"/>
+            </a:pPr>
+            <a:r>
+              <a:rPr lang="en-US" sz="1800" b="0" strike="noStrike" spc="-1" dirty="0">
+                <a:solidFill>
+                  <a:srgbClr val="000000"/>
+                </a:solidFill>
+                <a:latin typeface="Gill Sans"/>
+                <a:ea typeface="Gill Sans"/>
+              </a:rPr>
               <a:t>TBD</a:t>
             </a:r>
             <a:endParaRPr lang="en-US" sz="1600" b="0" strike="noStrike" spc="-1" dirty="0">
@@ -12408,6 +13729,11 @@
         </p:txBody>
       </p:sp>
     </p:spTree>
+    <p:extLst>
+      <p:ext uri="{BB962C8B-B14F-4D97-AF65-F5344CB8AC3E}">
+        <p14:creationId xmlns:p14="http://schemas.microsoft.com/office/powerpoint/2010/main" val="569284393"/>
+      </p:ext>
+    </p:extLst>
   </p:cSld>
   <p:clrMapOvr>
     <a:masterClrMapping/>

--- a/Project Management/PI Planning/20PI4 Planning/Zowe Community Squad Focus for 20PI4.pptx
+++ b/Project Management/PI Planning/20PI4 Planning/Zowe Community Squad Focus for 20PI4.pptx
@@ -8,7 +8,7 @@
     <p:sldMasterId id="2147483687" r:id="rId4"/>
   </p:sldMasterIdLst>
   <p:notesMasterIdLst>
-    <p:notesMasterId r:id="rId20"/>
+    <p:notesMasterId r:id="rId29"/>
   </p:notesMasterIdLst>
   <p:sldIdLst>
     <p:sldId id="256" r:id="rId5"/>
@@ -24,8 +24,17 @@
     <p:sldId id="271" r:id="rId15"/>
     <p:sldId id="272" r:id="rId16"/>
     <p:sldId id="273" r:id="rId17"/>
-    <p:sldId id="264" r:id="rId18"/>
-    <p:sldId id="265" r:id="rId19"/>
+    <p:sldId id="274" r:id="rId18"/>
+    <p:sldId id="276" r:id="rId19"/>
+    <p:sldId id="278" r:id="rId20"/>
+    <p:sldId id="275" r:id="rId21"/>
+    <p:sldId id="279" r:id="rId22"/>
+    <p:sldId id="280" r:id="rId23"/>
+    <p:sldId id="281" r:id="rId24"/>
+    <p:sldId id="282" r:id="rId25"/>
+    <p:sldId id="283" r:id="rId26"/>
+    <p:sldId id="264" r:id="rId27"/>
+    <p:sldId id="265" r:id="rId28"/>
   </p:sldIdLst>
   <p:sldSz cx="9144000" cy="5143500" type="screen16x9"/>
   <p:notesSz cx="6858000" cy="9144000"/>
@@ -549,6 +558,897 @@
     <p:extLst>
       <p:ext uri="{BB962C8B-B14F-4D97-AF65-F5344CB8AC3E}">
         <p14:creationId xmlns:p14="http://schemas.microsoft.com/office/powerpoint/2010/main" val="3725876168"/>
+      </p:ext>
+    </p:extLst>
+  </p:cSld>
+  <p:clrMapOvr>
+    <a:masterClrMapping/>
+  </p:clrMapOvr>
+</p:notes>
+</file>
+
+<file path=ppt/notesSlides/notesSlide10.xml><?xml version="1.0" encoding="utf-8"?>
+<p:notes xmlns:a="http://schemas.openxmlformats.org/drawingml/2006/main" xmlns:r="http://schemas.openxmlformats.org/officeDocument/2006/relationships" xmlns:p="http://schemas.openxmlformats.org/presentationml/2006/main">
+  <p:cSld>
+    <p:spTree>
+      <p:nvGrpSpPr>
+        <p:cNvPr id="1" name=""/>
+        <p:cNvGrpSpPr/>
+        <p:nvPr/>
+      </p:nvGrpSpPr>
+      <p:grpSpPr>
+        <a:xfrm>
+          <a:off x="0" y="0"/>
+          <a:ext cx="0" cy="0"/>
+          <a:chOff x="0" y="0"/>
+          <a:chExt cx="0" cy="0"/>
+        </a:xfrm>
+      </p:grpSpPr>
+      <p:sp>
+        <p:nvSpPr>
+          <p:cNvPr id="243" name="PlaceHolder 1"/>
+          <p:cNvSpPr>
+            <a:spLocks noGrp="1" noRot="1" noChangeAspect="1"/>
+          </p:cNvSpPr>
+          <p:nvPr>
+            <p:ph type="sldImg"/>
+          </p:nvPr>
+        </p:nvSpPr>
+        <p:spPr>
+          <a:xfrm>
+            <a:off x="381000" y="685800"/>
+            <a:ext cx="6096000" cy="3429000"/>
+          </a:xfrm>
+          <a:prstGeom prst="rect">
+            <a:avLst/>
+          </a:prstGeom>
+        </p:spPr>
+      </p:sp>
+      <p:sp>
+        <p:nvSpPr>
+          <p:cNvPr id="244" name="PlaceHolder 2"/>
+          <p:cNvSpPr>
+            <a:spLocks noGrp="1"/>
+          </p:cNvSpPr>
+          <p:nvPr>
+            <p:ph type="body"/>
+          </p:nvPr>
+        </p:nvSpPr>
+        <p:spPr>
+          <a:xfrm>
+            <a:off x="685800" y="4343400"/>
+            <a:ext cx="5486040" cy="4114440"/>
+          </a:xfrm>
+          <a:prstGeom prst="rect">
+            <a:avLst/>
+          </a:prstGeom>
+        </p:spPr>
+        <p:txBody>
+          <a:bodyPr tIns="91440" bIns="91440">
+            <a:noAutofit/>
+          </a:bodyPr>
+          <a:lstStyle/>
+          <a:p>
+            <a:pPr marL="158760">
+              <a:lnSpc>
+                <a:spcPct val="100000"/>
+              </a:lnSpc>
+            </a:pPr>
+            <a:endParaRPr lang="en-US" sz="1100" b="0" strike="noStrike" spc="-1" dirty="0">
+              <a:latin typeface="Arial"/>
+            </a:endParaRPr>
+          </a:p>
+        </p:txBody>
+      </p:sp>
+    </p:spTree>
+    <p:extLst>
+      <p:ext uri="{BB962C8B-B14F-4D97-AF65-F5344CB8AC3E}">
+        <p14:creationId xmlns:p14="http://schemas.microsoft.com/office/powerpoint/2010/main" val="1510042104"/>
+      </p:ext>
+    </p:extLst>
+  </p:cSld>
+  <p:clrMapOvr>
+    <a:masterClrMapping/>
+  </p:clrMapOvr>
+</p:notes>
+</file>
+
+<file path=ppt/notesSlides/notesSlide11.xml><?xml version="1.0" encoding="utf-8"?>
+<p:notes xmlns:a="http://schemas.openxmlformats.org/drawingml/2006/main" xmlns:r="http://schemas.openxmlformats.org/officeDocument/2006/relationships" xmlns:p="http://schemas.openxmlformats.org/presentationml/2006/main">
+  <p:cSld>
+    <p:spTree>
+      <p:nvGrpSpPr>
+        <p:cNvPr id="1" name=""/>
+        <p:cNvGrpSpPr/>
+        <p:nvPr/>
+      </p:nvGrpSpPr>
+      <p:grpSpPr>
+        <a:xfrm>
+          <a:off x="0" y="0"/>
+          <a:ext cx="0" cy="0"/>
+          <a:chOff x="0" y="0"/>
+          <a:chExt cx="0" cy="0"/>
+        </a:xfrm>
+      </p:grpSpPr>
+      <p:sp>
+        <p:nvSpPr>
+          <p:cNvPr id="243" name="PlaceHolder 1"/>
+          <p:cNvSpPr>
+            <a:spLocks noGrp="1" noRot="1" noChangeAspect="1"/>
+          </p:cNvSpPr>
+          <p:nvPr>
+            <p:ph type="sldImg"/>
+          </p:nvPr>
+        </p:nvSpPr>
+        <p:spPr>
+          <a:xfrm>
+            <a:off x="381000" y="685800"/>
+            <a:ext cx="6096000" cy="3429000"/>
+          </a:xfrm>
+          <a:prstGeom prst="rect">
+            <a:avLst/>
+          </a:prstGeom>
+        </p:spPr>
+      </p:sp>
+      <p:sp>
+        <p:nvSpPr>
+          <p:cNvPr id="244" name="PlaceHolder 2"/>
+          <p:cNvSpPr>
+            <a:spLocks noGrp="1"/>
+          </p:cNvSpPr>
+          <p:nvPr>
+            <p:ph type="body"/>
+          </p:nvPr>
+        </p:nvSpPr>
+        <p:spPr>
+          <a:xfrm>
+            <a:off x="685800" y="4343400"/>
+            <a:ext cx="5486040" cy="4114440"/>
+          </a:xfrm>
+          <a:prstGeom prst="rect">
+            <a:avLst/>
+          </a:prstGeom>
+        </p:spPr>
+        <p:txBody>
+          <a:bodyPr tIns="91440" bIns="91440">
+            <a:noAutofit/>
+          </a:bodyPr>
+          <a:lstStyle/>
+          <a:p>
+            <a:pPr marL="387270" indent="-285750">
+              <a:spcBef>
+                <a:spcPts val="400"/>
+              </a:spcBef>
+              <a:buFont typeface="Wingdings" pitchFamily="2" charset="2"/>
+              <a:buChar char="Ø"/>
+            </a:pPr>
+            <a:r>
+              <a:rPr lang="en-US" sz="1100" b="0" strike="noStrike" spc="-1" dirty="0" smtClean="0">
+                <a:latin typeface="Arial"/>
+              </a:rPr>
+              <a:t>Notes:</a:t>
+            </a:r>
+            <a:br>
+              <a:rPr lang="en-US" sz="1100" b="0" strike="noStrike" spc="-1" dirty="0" smtClean="0">
+                <a:latin typeface="Arial"/>
+              </a:rPr>
+            </a:br>
+            <a:r>
+              <a:rPr lang="en-US" dirty="0" smtClean="0"/>
+              <a:t>Address growing number of community enhancement requests</a:t>
+            </a:r>
+          </a:p>
+          <a:p>
+            <a:pPr marL="844470" lvl="1" indent="-285750">
+              <a:spcBef>
+                <a:spcPts val="400"/>
+              </a:spcBef>
+              <a:buFont typeface="Wingdings" pitchFamily="2" charset="2"/>
+              <a:buChar char="Ø"/>
+            </a:pPr>
+            <a:r>
+              <a:rPr lang="en-US" u="sng" dirty="0" err="1" smtClean="0">
+                <a:hlinkClick r:id="rId3"/>
+              </a:rPr>
+              <a:t>zowe</a:t>
+            </a:r>
+            <a:r>
+              <a:rPr lang="en-US" u="sng" dirty="0" smtClean="0">
+                <a:hlinkClick r:id="rId3"/>
+              </a:rPr>
+              <a:t> zos-files copy data-set : no replace option #808</a:t>
+            </a:r>
+            <a:endParaRPr lang="en-US" u="sng" dirty="0" smtClean="0"/>
+          </a:p>
+          <a:p>
+            <a:pPr marL="844470" lvl="1" indent="-285750">
+              <a:spcBef>
+                <a:spcPts val="400"/>
+              </a:spcBef>
+              <a:buFont typeface="Wingdings" pitchFamily="2" charset="2"/>
+              <a:buChar char="Ø"/>
+            </a:pPr>
+            <a:r>
+              <a:rPr lang="en-US" u="sng" dirty="0" smtClean="0">
+                <a:hlinkClick r:id="rId4"/>
+              </a:rPr>
+              <a:t>Question : how to "nullify" an option in a profile #797</a:t>
+            </a:r>
+            <a:r>
+              <a:rPr lang="en-US" dirty="0" smtClean="0"/>
+              <a:t> </a:t>
+            </a:r>
+          </a:p>
+          <a:p>
+            <a:pPr marL="844470" lvl="1" indent="-285750">
+              <a:spcBef>
+                <a:spcPts val="400"/>
+              </a:spcBef>
+              <a:buFont typeface="Wingdings" pitchFamily="2" charset="2"/>
+              <a:buChar char="Ø"/>
+            </a:pPr>
+            <a:r>
+              <a:rPr lang="en-US" u="sng" dirty="0" smtClean="0">
+                <a:hlinkClick r:id="rId5"/>
+              </a:rPr>
+              <a:t>copy data-set option should have replace option and list of members #789</a:t>
+            </a:r>
+            <a:endParaRPr lang="en-US" dirty="0" smtClean="0"/>
+          </a:p>
+          <a:p>
+            <a:pPr marL="844470" lvl="1" indent="-285750">
+              <a:spcBef>
+                <a:spcPts val="400"/>
+              </a:spcBef>
+              <a:buFont typeface="Wingdings" pitchFamily="2" charset="2"/>
+              <a:buChar char="Ø"/>
+            </a:pPr>
+            <a:r>
+              <a:rPr lang="en-US" u="sng" dirty="0" smtClean="0">
+                <a:hlinkClick r:id="rId6"/>
+              </a:rPr>
+              <a:t>Create PDS member option to </a:t>
+            </a:r>
+            <a:r>
+              <a:rPr lang="en-US" u="sng" dirty="0" err="1" smtClean="0">
+                <a:hlinkClick r:id="rId6"/>
+              </a:rPr>
+              <a:t>zowe</a:t>
+            </a:r>
+            <a:r>
+              <a:rPr lang="en-US" u="sng" dirty="0" smtClean="0">
+                <a:hlinkClick r:id="rId6"/>
+              </a:rPr>
+              <a:t> zos-files create data-set- function #773</a:t>
+            </a:r>
+            <a:endParaRPr lang="en-US" dirty="0" smtClean="0"/>
+          </a:p>
+          <a:p>
+            <a:pPr marL="844470" lvl="1" indent="-285750">
+              <a:spcBef>
+                <a:spcPts val="400"/>
+              </a:spcBef>
+              <a:buFont typeface="Wingdings" pitchFamily="2" charset="2"/>
+              <a:buChar char="Ø"/>
+            </a:pPr>
+            <a:r>
+              <a:rPr lang="en-US" u="sng" dirty="0" smtClean="0">
+                <a:hlinkClick r:id="rId7"/>
+              </a:rPr>
+              <a:t>LIKE parameter for </a:t>
+            </a:r>
+            <a:r>
+              <a:rPr lang="en-US" u="sng" dirty="0" err="1" smtClean="0">
+                <a:hlinkClick r:id="rId7"/>
+              </a:rPr>
+              <a:t>zowe</a:t>
+            </a:r>
+            <a:r>
+              <a:rPr lang="en-US" u="sng" dirty="0" smtClean="0">
+                <a:hlinkClick r:id="rId7"/>
+              </a:rPr>
+              <a:t> zos-files create data-set-* #771</a:t>
+            </a:r>
+            <a:endParaRPr lang="en-US" dirty="0" smtClean="0"/>
+          </a:p>
+          <a:p>
+            <a:pPr marL="844470" lvl="1" indent="-285750">
+              <a:spcBef>
+                <a:spcPts val="400"/>
+              </a:spcBef>
+              <a:buFont typeface="Wingdings" pitchFamily="2" charset="2"/>
+              <a:buChar char="Ø"/>
+            </a:pPr>
+            <a:r>
+              <a:rPr lang="en-US" u="sng" dirty="0" smtClean="0">
+                <a:hlinkClick r:id="rId8"/>
+              </a:rPr>
+              <a:t>Enable use of a pattern to restrict what member names are returned from listing of PDS members #810</a:t>
+            </a:r>
+            <a:endParaRPr lang="en-US" dirty="0" smtClean="0"/>
+          </a:p>
+          <a:p>
+            <a:pPr marL="844470" lvl="1" indent="-285750">
+              <a:spcBef>
+                <a:spcPts val="400"/>
+              </a:spcBef>
+              <a:buFont typeface="Wingdings" pitchFamily="2" charset="2"/>
+              <a:buChar char="Ø"/>
+            </a:pPr>
+            <a:r>
+              <a:rPr lang="en-US" u="sng" dirty="0" smtClean="0">
+                <a:hlinkClick r:id="rId9"/>
+              </a:rPr>
+              <a:t>Support the IBM z/OSMF header that allows record (support for VB binary) #539</a:t>
+            </a:r>
+            <a:endParaRPr lang="en-US" dirty="0" smtClean="0"/>
+          </a:p>
+          <a:p>
+            <a:pPr marL="101520">
+              <a:spcBef>
+                <a:spcPts val="400"/>
+              </a:spcBef>
+            </a:pPr>
+            <a:endParaRPr lang="en-US" sz="1100" b="0" strike="noStrike" spc="-1" dirty="0" smtClean="0">
+              <a:latin typeface="Arial"/>
+            </a:endParaRPr>
+          </a:p>
+          <a:p>
+            <a:pPr marL="387270" indent="-285750">
+              <a:spcBef>
+                <a:spcPts val="400"/>
+              </a:spcBef>
+              <a:buFont typeface="Wingdings" pitchFamily="2" charset="2"/>
+              <a:buChar char="Ø"/>
+            </a:pPr>
+            <a:r>
+              <a:rPr lang="en-US" sz="1100" dirty="0" smtClean="0"/>
+              <a:t>Ensure successful installation of the </a:t>
+            </a:r>
+            <a:r>
+              <a:rPr lang="en-US" sz="1100" dirty="0" err="1" smtClean="0"/>
+              <a:t>Zowe</a:t>
+            </a:r>
+            <a:r>
+              <a:rPr lang="en-US" sz="1100" dirty="0" smtClean="0"/>
+              <a:t> CLI in environments with proxies. Provide guidance on installing from public NPM via proxy but also suggest installing from the local package hosted on zowe.org as an alternative. </a:t>
+            </a:r>
+            <a:br>
+              <a:rPr lang="en-US" sz="1100" dirty="0" smtClean="0"/>
+            </a:br>
+            <a:r>
+              <a:rPr lang="en-US" sz="1100" dirty="0" smtClean="0"/>
+              <a:t>Also, address issue with using CLI to access mainframe environment over http proxy: </a:t>
+            </a:r>
+            <a:r>
+              <a:rPr lang="en-US" sz="1100" dirty="0" smtClean="0">
+                <a:hlinkClick r:id="rId10"/>
+              </a:rPr>
+              <a:t>https://github.com/zowe/zowe-cli/issues/498</a:t>
+            </a:r>
+            <a:r>
+              <a:rPr lang="en-US" sz="1100" dirty="0" smtClean="0"/>
+              <a:t/>
+            </a:r>
+            <a:br>
+              <a:rPr lang="en-US" sz="1100" dirty="0" smtClean="0"/>
+            </a:br>
+            <a:endParaRPr lang="en-US" sz="1100" dirty="0" smtClean="0"/>
+          </a:p>
+          <a:p>
+            <a:pPr marL="387270" indent="-285750">
+              <a:spcBef>
+                <a:spcPts val="400"/>
+              </a:spcBef>
+              <a:buFont typeface="Wingdings" pitchFamily="2" charset="2"/>
+              <a:buChar char="Ø"/>
+            </a:pPr>
+            <a:r>
+              <a:rPr lang="en-US" sz="1100" dirty="0" smtClean="0"/>
+              <a:t>Allow for recently run commands to be easily recalled. Recalling commands today tends to be difficult especially when switching terminals and mistyping commands is common.</a:t>
+            </a:r>
+            <a:br>
+              <a:rPr lang="en-US" sz="1100" dirty="0" smtClean="0"/>
+            </a:br>
+            <a:endParaRPr lang="en-US" sz="1100" dirty="0" smtClean="0"/>
+          </a:p>
+          <a:p>
+            <a:pPr marL="387270" indent="-285750">
+              <a:spcBef>
+                <a:spcPts val="400"/>
+              </a:spcBef>
+              <a:buFont typeface="Wingdings" pitchFamily="2" charset="2"/>
+              <a:buChar char="Ø"/>
+            </a:pPr>
+            <a:r>
+              <a:rPr lang="en-US" sz="1100" dirty="0" smtClean="0"/>
+              <a:t>Ensure </a:t>
+            </a:r>
+            <a:r>
+              <a:rPr lang="en-US" sz="1100" dirty="0" err="1" smtClean="0"/>
+              <a:t>Zowe</a:t>
+            </a:r>
+            <a:r>
+              <a:rPr lang="en-US" sz="1100" dirty="0" smtClean="0"/>
+              <a:t> CLI functions properly in a </a:t>
+            </a:r>
+            <a:r>
+              <a:rPr lang="en-US" sz="1100" dirty="0" err="1" smtClean="0"/>
+              <a:t>CodeReady</a:t>
+            </a:r>
+            <a:r>
+              <a:rPr lang="en-US" sz="1100" dirty="0" smtClean="0"/>
+              <a:t> Workspace. Open question: would IBM be able to provide a </a:t>
+            </a:r>
+            <a:r>
+              <a:rPr lang="en-US" sz="1100" dirty="0" err="1" smtClean="0"/>
+              <a:t>CodeReady</a:t>
+            </a:r>
+            <a:r>
+              <a:rPr lang="en-US" sz="1100" dirty="0" smtClean="0"/>
+              <a:t> Workspace to the community that the squad could leverage to validate </a:t>
+            </a:r>
+            <a:r>
+              <a:rPr lang="en-US" sz="1100" dirty="0" err="1" smtClean="0"/>
+              <a:t>Zowe</a:t>
+            </a:r>
+            <a:r>
+              <a:rPr lang="en-US" sz="1100" dirty="0" smtClean="0"/>
+              <a:t> CLI (possible </a:t>
+            </a:r>
+            <a:r>
+              <a:rPr lang="en-US" sz="1100" dirty="0" err="1" smtClean="0"/>
+              <a:t>Zowe</a:t>
+            </a:r>
+            <a:r>
+              <a:rPr lang="en-US" sz="1100" dirty="0" smtClean="0"/>
+              <a:t> Explorer in the future?)</a:t>
+            </a:r>
+          </a:p>
+          <a:p>
+            <a:pPr marL="101520">
+              <a:spcBef>
+                <a:spcPts val="400"/>
+              </a:spcBef>
+            </a:pPr>
+            <a:endParaRPr lang="en-US" sz="1100" dirty="0"/>
+          </a:p>
+        </p:txBody>
+      </p:sp>
+    </p:spTree>
+    <p:extLst>
+      <p:ext uri="{BB962C8B-B14F-4D97-AF65-F5344CB8AC3E}">
+        <p14:creationId xmlns:p14="http://schemas.microsoft.com/office/powerpoint/2010/main" val="335182321"/>
+      </p:ext>
+    </p:extLst>
+  </p:cSld>
+  <p:clrMapOvr>
+    <a:masterClrMapping/>
+  </p:clrMapOvr>
+</p:notes>
+</file>
+
+<file path=ppt/notesSlides/notesSlide12.xml><?xml version="1.0" encoding="utf-8"?>
+<p:notes xmlns:a="http://schemas.openxmlformats.org/drawingml/2006/main" xmlns:r="http://schemas.openxmlformats.org/officeDocument/2006/relationships" xmlns:p="http://schemas.openxmlformats.org/presentationml/2006/main">
+  <p:cSld>
+    <p:spTree>
+      <p:nvGrpSpPr>
+        <p:cNvPr id="1" name=""/>
+        <p:cNvGrpSpPr/>
+        <p:nvPr/>
+      </p:nvGrpSpPr>
+      <p:grpSpPr>
+        <a:xfrm>
+          <a:off x="0" y="0"/>
+          <a:ext cx="0" cy="0"/>
+          <a:chOff x="0" y="0"/>
+          <a:chExt cx="0" cy="0"/>
+        </a:xfrm>
+      </p:grpSpPr>
+      <p:sp>
+        <p:nvSpPr>
+          <p:cNvPr id="243" name="PlaceHolder 1"/>
+          <p:cNvSpPr>
+            <a:spLocks noGrp="1" noRot="1" noChangeAspect="1"/>
+          </p:cNvSpPr>
+          <p:nvPr>
+            <p:ph type="sldImg"/>
+          </p:nvPr>
+        </p:nvSpPr>
+        <p:spPr>
+          <a:xfrm>
+            <a:off x="381000" y="685800"/>
+            <a:ext cx="6096000" cy="3429000"/>
+          </a:xfrm>
+          <a:prstGeom prst="rect">
+            <a:avLst/>
+          </a:prstGeom>
+        </p:spPr>
+      </p:sp>
+      <p:sp>
+        <p:nvSpPr>
+          <p:cNvPr id="244" name="PlaceHolder 2"/>
+          <p:cNvSpPr>
+            <a:spLocks noGrp="1"/>
+          </p:cNvSpPr>
+          <p:nvPr>
+            <p:ph type="body"/>
+          </p:nvPr>
+        </p:nvSpPr>
+        <p:spPr>
+          <a:xfrm>
+            <a:off x="685800" y="4343400"/>
+            <a:ext cx="5486040" cy="4114440"/>
+          </a:xfrm>
+          <a:prstGeom prst="rect">
+            <a:avLst/>
+          </a:prstGeom>
+        </p:spPr>
+        <p:txBody>
+          <a:bodyPr tIns="91440" bIns="91440">
+            <a:noAutofit/>
+          </a:bodyPr>
+          <a:lstStyle/>
+          <a:p>
+            <a:pPr marL="101520">
+              <a:spcBef>
+                <a:spcPts val="400"/>
+              </a:spcBef>
+            </a:pPr>
+            <a:endParaRPr lang="en-US" sz="1100" dirty="0"/>
+          </a:p>
+        </p:txBody>
+      </p:sp>
+    </p:spTree>
+    <p:extLst>
+      <p:ext uri="{BB962C8B-B14F-4D97-AF65-F5344CB8AC3E}">
+        <p14:creationId xmlns:p14="http://schemas.microsoft.com/office/powerpoint/2010/main" val="4161502945"/>
+      </p:ext>
+    </p:extLst>
+  </p:cSld>
+  <p:clrMapOvr>
+    <a:masterClrMapping/>
+  </p:clrMapOvr>
+</p:notes>
+</file>
+
+<file path=ppt/notesSlides/notesSlide13.xml><?xml version="1.0" encoding="utf-8"?>
+<p:notes xmlns:a="http://schemas.openxmlformats.org/drawingml/2006/main" xmlns:r="http://schemas.openxmlformats.org/officeDocument/2006/relationships" xmlns:p="http://schemas.openxmlformats.org/presentationml/2006/main">
+  <p:cSld>
+    <p:spTree>
+      <p:nvGrpSpPr>
+        <p:cNvPr id="1" name=""/>
+        <p:cNvGrpSpPr/>
+        <p:nvPr/>
+      </p:nvGrpSpPr>
+      <p:grpSpPr>
+        <a:xfrm>
+          <a:off x="0" y="0"/>
+          <a:ext cx="0" cy="0"/>
+          <a:chOff x="0" y="0"/>
+          <a:chExt cx="0" cy="0"/>
+        </a:xfrm>
+      </p:grpSpPr>
+      <p:sp>
+        <p:nvSpPr>
+          <p:cNvPr id="243" name="PlaceHolder 1"/>
+          <p:cNvSpPr>
+            <a:spLocks noGrp="1" noRot="1" noChangeAspect="1"/>
+          </p:cNvSpPr>
+          <p:nvPr>
+            <p:ph type="sldImg"/>
+          </p:nvPr>
+        </p:nvSpPr>
+        <p:spPr>
+          <a:xfrm>
+            <a:off x="381000" y="685800"/>
+            <a:ext cx="6096000" cy="3429000"/>
+          </a:xfrm>
+          <a:prstGeom prst="rect">
+            <a:avLst/>
+          </a:prstGeom>
+        </p:spPr>
+      </p:sp>
+      <p:sp>
+        <p:nvSpPr>
+          <p:cNvPr id="244" name="PlaceHolder 2"/>
+          <p:cNvSpPr>
+            <a:spLocks noGrp="1"/>
+          </p:cNvSpPr>
+          <p:nvPr>
+            <p:ph type="body"/>
+          </p:nvPr>
+        </p:nvSpPr>
+        <p:spPr>
+          <a:xfrm>
+            <a:off x="685800" y="4343400"/>
+            <a:ext cx="5486040" cy="4114440"/>
+          </a:xfrm>
+          <a:prstGeom prst="rect">
+            <a:avLst/>
+          </a:prstGeom>
+        </p:spPr>
+        <p:txBody>
+          <a:bodyPr tIns="91440" bIns="91440">
+            <a:noAutofit/>
+          </a:bodyPr>
+          <a:lstStyle/>
+          <a:p>
+            <a:pPr marL="101520">
+              <a:spcBef>
+                <a:spcPts val="400"/>
+              </a:spcBef>
+            </a:pPr>
+            <a:endParaRPr lang="en-US" sz="1100" dirty="0"/>
+          </a:p>
+        </p:txBody>
+      </p:sp>
+    </p:spTree>
+    <p:extLst>
+      <p:ext uri="{BB962C8B-B14F-4D97-AF65-F5344CB8AC3E}">
+        <p14:creationId xmlns:p14="http://schemas.microsoft.com/office/powerpoint/2010/main" val="408879043"/>
+      </p:ext>
+    </p:extLst>
+  </p:cSld>
+  <p:clrMapOvr>
+    <a:masterClrMapping/>
+  </p:clrMapOvr>
+</p:notes>
+</file>
+
+<file path=ppt/notesSlides/notesSlide14.xml><?xml version="1.0" encoding="utf-8"?>
+<p:notes xmlns:a="http://schemas.openxmlformats.org/drawingml/2006/main" xmlns:r="http://schemas.openxmlformats.org/officeDocument/2006/relationships" xmlns:p="http://schemas.openxmlformats.org/presentationml/2006/main">
+  <p:cSld>
+    <p:spTree>
+      <p:nvGrpSpPr>
+        <p:cNvPr id="1" name=""/>
+        <p:cNvGrpSpPr/>
+        <p:nvPr/>
+      </p:nvGrpSpPr>
+      <p:grpSpPr>
+        <a:xfrm>
+          <a:off x="0" y="0"/>
+          <a:ext cx="0" cy="0"/>
+          <a:chOff x="0" y="0"/>
+          <a:chExt cx="0" cy="0"/>
+        </a:xfrm>
+      </p:grpSpPr>
+      <p:sp>
+        <p:nvSpPr>
+          <p:cNvPr id="243" name="PlaceHolder 1"/>
+          <p:cNvSpPr>
+            <a:spLocks noGrp="1" noRot="1" noChangeAspect="1"/>
+          </p:cNvSpPr>
+          <p:nvPr>
+            <p:ph type="sldImg"/>
+          </p:nvPr>
+        </p:nvSpPr>
+        <p:spPr>
+          <a:xfrm>
+            <a:off x="381000" y="685800"/>
+            <a:ext cx="6096000" cy="3429000"/>
+          </a:xfrm>
+          <a:prstGeom prst="rect">
+            <a:avLst/>
+          </a:prstGeom>
+        </p:spPr>
+      </p:sp>
+      <p:sp>
+        <p:nvSpPr>
+          <p:cNvPr id="244" name="PlaceHolder 2"/>
+          <p:cNvSpPr>
+            <a:spLocks noGrp="1"/>
+          </p:cNvSpPr>
+          <p:nvPr>
+            <p:ph type="body"/>
+          </p:nvPr>
+        </p:nvSpPr>
+        <p:spPr>
+          <a:xfrm>
+            <a:off x="685800" y="4343400"/>
+            <a:ext cx="5486040" cy="4114440"/>
+          </a:xfrm>
+          <a:prstGeom prst="rect">
+            <a:avLst/>
+          </a:prstGeom>
+        </p:spPr>
+        <p:txBody>
+          <a:bodyPr tIns="91440" bIns="91440">
+            <a:noAutofit/>
+          </a:bodyPr>
+          <a:lstStyle/>
+          <a:p>
+            <a:pPr marL="101520">
+              <a:spcBef>
+                <a:spcPts val="400"/>
+              </a:spcBef>
+            </a:pPr>
+            <a:endParaRPr lang="en-US" sz="1100" dirty="0"/>
+          </a:p>
+        </p:txBody>
+      </p:sp>
+    </p:spTree>
+    <p:extLst>
+      <p:ext uri="{BB962C8B-B14F-4D97-AF65-F5344CB8AC3E}">
+        <p14:creationId xmlns:p14="http://schemas.microsoft.com/office/powerpoint/2010/main" val="2903952489"/>
+      </p:ext>
+    </p:extLst>
+  </p:cSld>
+  <p:clrMapOvr>
+    <a:masterClrMapping/>
+  </p:clrMapOvr>
+</p:notes>
+</file>
+
+<file path=ppt/notesSlides/notesSlide15.xml><?xml version="1.0" encoding="utf-8"?>
+<p:notes xmlns:a="http://schemas.openxmlformats.org/drawingml/2006/main" xmlns:r="http://schemas.openxmlformats.org/officeDocument/2006/relationships" xmlns:p="http://schemas.openxmlformats.org/presentationml/2006/main">
+  <p:cSld>
+    <p:spTree>
+      <p:nvGrpSpPr>
+        <p:cNvPr id="1" name=""/>
+        <p:cNvGrpSpPr/>
+        <p:nvPr/>
+      </p:nvGrpSpPr>
+      <p:grpSpPr>
+        <a:xfrm>
+          <a:off x="0" y="0"/>
+          <a:ext cx="0" cy="0"/>
+          <a:chOff x="0" y="0"/>
+          <a:chExt cx="0" cy="0"/>
+        </a:xfrm>
+      </p:grpSpPr>
+      <p:sp>
+        <p:nvSpPr>
+          <p:cNvPr id="243" name="PlaceHolder 1"/>
+          <p:cNvSpPr>
+            <a:spLocks noGrp="1" noRot="1" noChangeAspect="1"/>
+          </p:cNvSpPr>
+          <p:nvPr>
+            <p:ph type="sldImg"/>
+          </p:nvPr>
+        </p:nvSpPr>
+        <p:spPr>
+          <a:xfrm>
+            <a:off x="381000" y="685800"/>
+            <a:ext cx="6096000" cy="3429000"/>
+          </a:xfrm>
+          <a:prstGeom prst="rect">
+            <a:avLst/>
+          </a:prstGeom>
+        </p:spPr>
+      </p:sp>
+      <p:sp>
+        <p:nvSpPr>
+          <p:cNvPr id="244" name="PlaceHolder 2"/>
+          <p:cNvSpPr>
+            <a:spLocks noGrp="1"/>
+          </p:cNvSpPr>
+          <p:nvPr>
+            <p:ph type="body"/>
+          </p:nvPr>
+        </p:nvSpPr>
+        <p:spPr>
+          <a:xfrm>
+            <a:off x="685800" y="4343400"/>
+            <a:ext cx="5486040" cy="4114440"/>
+          </a:xfrm>
+          <a:prstGeom prst="rect">
+            <a:avLst/>
+          </a:prstGeom>
+        </p:spPr>
+        <p:txBody>
+          <a:bodyPr tIns="91440" bIns="91440">
+            <a:noAutofit/>
+          </a:bodyPr>
+          <a:lstStyle/>
+          <a:p>
+            <a:pPr marL="101520">
+              <a:spcBef>
+                <a:spcPts val="400"/>
+              </a:spcBef>
+            </a:pPr>
+            <a:endParaRPr lang="en-US" sz="1100" dirty="0"/>
+          </a:p>
+        </p:txBody>
+      </p:sp>
+    </p:spTree>
+    <p:extLst>
+      <p:ext uri="{BB962C8B-B14F-4D97-AF65-F5344CB8AC3E}">
+        <p14:creationId xmlns:p14="http://schemas.microsoft.com/office/powerpoint/2010/main" val="1291355002"/>
+      </p:ext>
+    </p:extLst>
+  </p:cSld>
+  <p:clrMapOvr>
+    <a:masterClrMapping/>
+  </p:clrMapOvr>
+</p:notes>
+</file>
+
+<file path=ppt/notesSlides/notesSlide16.xml><?xml version="1.0" encoding="utf-8"?>
+<p:notes xmlns:a="http://schemas.openxmlformats.org/drawingml/2006/main" xmlns:r="http://schemas.openxmlformats.org/officeDocument/2006/relationships" xmlns:p="http://schemas.openxmlformats.org/presentationml/2006/main">
+  <p:cSld>
+    <p:spTree>
+      <p:nvGrpSpPr>
+        <p:cNvPr id="1" name=""/>
+        <p:cNvGrpSpPr/>
+        <p:nvPr/>
+      </p:nvGrpSpPr>
+      <p:grpSpPr>
+        <a:xfrm>
+          <a:off x="0" y="0"/>
+          <a:ext cx="0" cy="0"/>
+          <a:chOff x="0" y="0"/>
+          <a:chExt cx="0" cy="0"/>
+        </a:xfrm>
+      </p:grpSpPr>
+      <p:sp>
+        <p:nvSpPr>
+          <p:cNvPr id="2" name="Slide Image Placeholder 1"/>
+          <p:cNvSpPr>
+            <a:spLocks noGrp="1" noRot="1" noChangeAspect="1"/>
+          </p:cNvSpPr>
+          <p:nvPr>
+            <p:ph type="sldImg"/>
+          </p:nvPr>
+        </p:nvSpPr>
+        <p:spPr>
+          <a:xfrm>
+            <a:off x="533400" y="763588"/>
+            <a:ext cx="6704013" cy="3771900"/>
+          </a:xfrm>
+        </p:spPr>
+      </p:sp>
+      <p:sp>
+        <p:nvSpPr>
+          <p:cNvPr id="3" name="Notes Placeholder 2"/>
+          <p:cNvSpPr>
+            <a:spLocks noGrp="1"/>
+          </p:cNvSpPr>
+          <p:nvPr>
+            <p:ph type="body" idx="1"/>
+          </p:nvPr>
+        </p:nvSpPr>
+        <p:spPr/>
+        <p:txBody>
+          <a:bodyPr/>
+          <a:lstStyle/>
+          <a:p>
+            <a:endParaRPr lang="en-US" dirty="0"/>
+          </a:p>
+        </p:txBody>
+      </p:sp>
+      <p:sp>
+        <p:nvSpPr>
+          <p:cNvPr id="4" name="Slide Number Placeholder 3"/>
+          <p:cNvSpPr>
+            <a:spLocks noGrp="1"/>
+          </p:cNvSpPr>
+          <p:nvPr>
+            <p:ph type="sldNum"/>
+          </p:nvPr>
+        </p:nvSpPr>
+        <p:spPr/>
+        <p:txBody>
+          <a:bodyPr/>
+          <a:lstStyle/>
+          <a:p>
+            <a:pPr algn="r"/>
+            <a:fld id="{BA3CDCDB-E9EF-4257-93B9-33682187AA79}" type="slidenum">
+              <a:rPr lang="en-US" sz="1400" b="0" strike="noStrike" spc="-1" smtClean="0">
+                <a:latin typeface="Times New Roman"/>
+              </a:rPr>
+              <a:t>22</a:t>
+            </a:fld>
+            <a:endParaRPr lang="en-US" sz="1400" b="0" strike="noStrike" spc="-1">
+              <a:latin typeface="Times New Roman"/>
+            </a:endParaRPr>
+          </a:p>
+        </p:txBody>
+      </p:sp>
+    </p:spTree>
+    <p:extLst>
+      <p:ext uri="{BB962C8B-B14F-4D97-AF65-F5344CB8AC3E}">
+        <p14:creationId xmlns:p14="http://schemas.microsoft.com/office/powerpoint/2010/main" val="3521497249"/>
       </p:ext>
     </p:extLst>
   </p:cSld>
@@ -10692,10 +11592,13 @@
                 <a:solidFill>
                   <a:srgbClr val="3664AD"/>
                 </a:solidFill>
-                <a:latin typeface="Gill Sans"/>
                 <a:ea typeface="Gill Sans"/>
               </a:rPr>
               <a:t>Zowe Community 20PI4 </a:t>
+            </a:r>
+            <a:r>
+              <a:rPr dirty="0"/>
+              <a:t/>
             </a:r>
             <a:br>
               <a:rPr dirty="0"/>
@@ -10705,7 +11608,6 @@
                 <a:solidFill>
                   <a:srgbClr val="3664AD"/>
                 </a:solidFill>
-                <a:latin typeface="Gill Sans"/>
                 <a:ea typeface="Gill Sans"/>
               </a:rPr>
               <a:t>Squad Focus</a:t>
@@ -10714,7 +11616,6 @@
               <a:solidFill>
                 <a:srgbClr val="000000"/>
               </a:solidFill>
-              <a:latin typeface="Arial"/>
             </a:endParaRPr>
           </a:p>
         </p:txBody>
@@ -10829,7 +11730,7 @@
                 <a:solidFill>
                   <a:srgbClr val="262626"/>
                 </a:solidFill>
-                <a:latin typeface="Gill Sans"/>
+                <a:latin typeface="+mj-lt"/>
                 <a:ea typeface="Gill Sans"/>
               </a:rPr>
               <a:t>CI/CD – </a:t>
@@ -10840,7 +11741,7 @@
                   <a:srgbClr val="222222"/>
                 </a:solidFill>
                 <a:effectLst/>
-                <a:latin typeface="Lato"/>
+                <a:latin typeface="+mj-lt"/>
               </a:rPr>
               <a:t>Automated testing catch-up</a:t>
             </a:r>
@@ -10848,7 +11749,7 @@
               <a:solidFill>
                 <a:srgbClr val="000000"/>
               </a:solidFill>
-              <a:latin typeface="Arial"/>
+              <a:latin typeface="+mj-lt"/>
             </a:endParaRPr>
           </a:p>
         </p:txBody>
@@ -10891,7 +11792,7 @@
                   <a:srgbClr val="222222"/>
                 </a:solidFill>
                 <a:effectLst/>
-                <a:latin typeface="Lato"/>
+                <a:latin typeface="+mj-lt"/>
               </a:rPr>
               <a:t>Decide on and complete what testing we require for keyrings and </a:t>
             </a:r>
@@ -10901,7 +11802,7 @@
                   <a:srgbClr val="222222"/>
                 </a:solidFill>
                 <a:effectLst/>
-                <a:latin typeface="Lato"/>
+                <a:latin typeface="+mj-lt"/>
               </a:rPr>
               <a:t>uss</a:t>
             </a:r>
@@ -10911,7 +11812,7 @@
                   <a:srgbClr val="222222"/>
                 </a:solidFill>
                 <a:effectLst/>
-                <a:latin typeface="Lato"/>
+                <a:latin typeface="+mj-lt"/>
               </a:rPr>
               <a:t> certificates </a:t>
             </a:r>
@@ -10930,7 +11831,7 @@
                   <a:srgbClr val="222222"/>
                 </a:solidFill>
                 <a:effectLst/>
-                <a:latin typeface="Lato"/>
+                <a:latin typeface="+mj-lt"/>
               </a:rPr>
               <a:t>(eg better TSS and ACF2 support for keyrings, more certificate scenarios like importing external certificates)</a:t>
             </a:r>
@@ -10947,7 +11848,7 @@
               <a:solidFill>
                 <a:srgbClr val="222222"/>
               </a:solidFill>
-              <a:latin typeface="Lato"/>
+              <a:latin typeface="+mj-lt"/>
               <a:ea typeface="Gill Sans"/>
             </a:endParaRPr>
           </a:p>
@@ -10965,7 +11866,7 @@
                   <a:srgbClr val="222222"/>
                 </a:solidFill>
                 <a:effectLst/>
-                <a:latin typeface="Lato"/>
+                <a:latin typeface="+mj-lt"/>
               </a:rPr>
               <a:t>zlux</a:t>
             </a:r>
@@ -10975,7 +11876,7 @@
                   <a:srgbClr val="222222"/>
                 </a:solidFill>
                 <a:effectLst/>
-                <a:latin typeface="Lato"/>
+                <a:latin typeface="+mj-lt"/>
               </a:rPr>
               <a:t> and </a:t>
             </a:r>
@@ -10985,7 +11886,7 @@
                   <a:srgbClr val="222222"/>
                 </a:solidFill>
                 <a:effectLst/>
-                <a:latin typeface="Lato"/>
+                <a:latin typeface="+mj-lt"/>
               </a:rPr>
               <a:t>apiml</a:t>
             </a:r>
@@ -10995,7 +11896,7 @@
                   <a:srgbClr val="222222"/>
                 </a:solidFill>
                 <a:effectLst/>
-                <a:latin typeface="Lato"/>
+                <a:latin typeface="+mj-lt"/>
               </a:rPr>
               <a:t> component testing into open source</a:t>
             </a:r>
@@ -11012,7 +11913,7 @@
               <a:solidFill>
                 <a:srgbClr val="222222"/>
               </a:solidFill>
-              <a:latin typeface="Lato"/>
+              <a:latin typeface="+mj-lt"/>
               <a:ea typeface="Gill Sans"/>
             </a:endParaRPr>
           </a:p>
@@ -11030,7 +11931,7 @@
                   <a:srgbClr val="222222"/>
                 </a:solidFill>
                 <a:effectLst/>
-                <a:latin typeface="Lato"/>
+                <a:latin typeface="+mj-lt"/>
               </a:rPr>
               <a:t>Support ACF2 and TSS with the </a:t>
             </a:r>
@@ -11040,7 +11941,7 @@
                   <a:srgbClr val="222222"/>
                 </a:solidFill>
                 <a:effectLst/>
-                <a:latin typeface="Lato"/>
+                <a:latin typeface="+mj-lt"/>
               </a:rPr>
               <a:t>Zowe</a:t>
             </a:r>
@@ -11050,12 +11951,12 @@
                   <a:srgbClr val="222222"/>
                 </a:solidFill>
                 <a:effectLst/>
-                <a:latin typeface="Lato"/>
+                <a:latin typeface="+mj-lt"/>
               </a:rPr>
               <a:t> security set up</a:t>
             </a:r>
             <a:endParaRPr lang="en-US" spc="-1" dirty="0">
-              <a:latin typeface="Gill Sans"/>
+              <a:latin typeface="+mj-lt"/>
               <a:ea typeface="Gill Sans"/>
             </a:endParaRPr>
           </a:p>
@@ -11156,7 +12057,7 @@
                 <a:solidFill>
                   <a:srgbClr val="262626"/>
                 </a:solidFill>
-                <a:latin typeface="Gill Sans"/>
+                <a:latin typeface="+mj-lt"/>
                 <a:ea typeface="Gill Sans"/>
               </a:rPr>
               <a:t>CI/CD – </a:t>
@@ -11167,7 +12068,7 @@
                   <a:srgbClr val="222222"/>
                 </a:solidFill>
                 <a:effectLst/>
-                <a:latin typeface="Lato"/>
+                <a:latin typeface="+mj-lt"/>
               </a:rPr>
               <a:t>Monitoring of infrastructure</a:t>
             </a:r>
@@ -11175,7 +12076,7 @@
               <a:solidFill>
                 <a:srgbClr val="000000"/>
               </a:solidFill>
-              <a:latin typeface="Arial"/>
+              <a:latin typeface="+mj-lt"/>
             </a:endParaRPr>
           </a:p>
         </p:txBody>
@@ -11218,7 +12119,7 @@
                   <a:srgbClr val="222222"/>
                 </a:solidFill>
                 <a:effectLst/>
-                <a:latin typeface="Lato"/>
+                <a:latin typeface="+mj-lt"/>
               </a:rPr>
               <a:t>Discussed on a call - already set up more monitoring in IBM Cloud, can't track performance.</a:t>
             </a:r>
@@ -11235,7 +12136,7 @@
               <a:solidFill>
                 <a:srgbClr val="222222"/>
               </a:solidFill>
-              <a:latin typeface="Lato"/>
+              <a:latin typeface="+mj-lt"/>
             </a:endParaRPr>
           </a:p>
           <a:p>
@@ -11252,7 +12153,7 @@
                   <a:srgbClr val="222222"/>
                 </a:solidFill>
                 <a:effectLst/>
-                <a:latin typeface="Lato"/>
+                <a:latin typeface="+mj-lt"/>
               </a:rPr>
               <a:t>Want to be able to measure performance and catch potential issues in advance</a:t>
             </a:r>
@@ -11269,7 +12170,7 @@
               <a:solidFill>
                 <a:srgbClr val="222222"/>
               </a:solidFill>
-              <a:latin typeface="Lato"/>
+              <a:latin typeface="+mj-lt"/>
               <a:ea typeface="Gill Sans"/>
             </a:endParaRPr>
           </a:p>
@@ -11286,7 +12187,7 @@
                 <a:solidFill>
                   <a:srgbClr val="222222"/>
                 </a:solidFill>
-                <a:latin typeface="Lato"/>
+                <a:latin typeface="+mj-lt"/>
                 <a:ea typeface="Gill Sans"/>
               </a:rPr>
               <a:t>Using Zabbix tool to stand up server and agents on all infrastructure machines:</a:t>
@@ -11305,7 +12206,7 @@
                 <a:solidFill>
                   <a:srgbClr val="222222"/>
                 </a:solidFill>
-                <a:latin typeface="Lato"/>
+                <a:latin typeface="+mj-lt"/>
                 <a:ea typeface="Gill Sans"/>
               </a:rPr>
               <a:t>Marist-1</a:t>
@@ -11324,7 +12225,7 @@
                 <a:solidFill>
                   <a:srgbClr val="222222"/>
                 </a:solidFill>
-                <a:latin typeface="Lato"/>
+                <a:latin typeface="+mj-lt"/>
                 <a:ea typeface="Gill Sans"/>
               </a:rPr>
               <a:t>Marist-2</a:t>
@@ -11343,7 +12244,7 @@
                 <a:solidFill>
                   <a:srgbClr val="222222"/>
                 </a:solidFill>
-                <a:latin typeface="Lato"/>
+                <a:latin typeface="+mj-lt"/>
                 <a:ea typeface="Gill Sans"/>
               </a:rPr>
               <a:t>Marist-3</a:t>
@@ -11362,7 +12263,7 @@
                 <a:solidFill>
                   <a:srgbClr val="222222"/>
                 </a:solidFill>
-                <a:latin typeface="Lato"/>
+                <a:latin typeface="+mj-lt"/>
                 <a:ea typeface="Gill Sans"/>
               </a:rPr>
               <a:t>Wash</a:t>
@@ -11381,7 +12282,7 @@
                 <a:solidFill>
                   <a:srgbClr val="222222"/>
                 </a:solidFill>
-                <a:latin typeface="Lato"/>
+                <a:latin typeface="+mj-lt"/>
                 <a:ea typeface="Gill Sans"/>
               </a:rPr>
               <a:t>River</a:t>
@@ -11400,7 +12301,7 @@
                 <a:solidFill>
                   <a:srgbClr val="222222"/>
                 </a:solidFill>
-                <a:latin typeface="Lato"/>
+                <a:latin typeface="+mj-lt"/>
                 <a:ea typeface="Gill Sans"/>
               </a:rPr>
               <a:t>Jayne</a:t>
@@ -11418,7 +12319,7 @@
               <a:solidFill>
                 <a:srgbClr val="222222"/>
               </a:solidFill>
-              <a:latin typeface="Lato"/>
+              <a:latin typeface="+mj-lt"/>
               <a:ea typeface="Gill Sans"/>
             </a:endParaRPr>
           </a:p>
@@ -11435,7 +12336,7 @@
                 <a:solidFill>
                   <a:srgbClr val="222222"/>
                 </a:solidFill>
-                <a:latin typeface="Lato"/>
+                <a:latin typeface="+mj-lt"/>
                 <a:ea typeface="Gill Sans"/>
               </a:rPr>
               <a:t>Currently appear to be missing packages on IBM Cloud systems that won’t allow server install</a:t>
@@ -11453,7 +12354,7 @@
               <a:solidFill>
                 <a:srgbClr val="222222"/>
               </a:solidFill>
-              <a:latin typeface="Lato"/>
+              <a:latin typeface="+mj-lt"/>
               <a:ea typeface="Gill Sans"/>
             </a:endParaRPr>
           </a:p>
@@ -11469,7 +12370,7 @@
               <a:solidFill>
                 <a:srgbClr val="222222"/>
               </a:solidFill>
-              <a:latin typeface="Lato"/>
+              <a:latin typeface="+mj-lt"/>
               <a:ea typeface="Gill Sans"/>
             </a:endParaRPr>
           </a:p>
@@ -11483,7 +12384,7 @@
               <a:solidFill>
                 <a:srgbClr val="222222"/>
               </a:solidFill>
-              <a:latin typeface="Lato"/>
+              <a:latin typeface="+mj-lt"/>
               <a:ea typeface="Gill Sans"/>
             </a:endParaRPr>
           </a:p>
@@ -11499,7 +12400,7 @@
               <a:solidFill>
                 <a:srgbClr val="222222"/>
               </a:solidFill>
-              <a:latin typeface="Lato"/>
+              <a:latin typeface="+mj-lt"/>
               <a:ea typeface="Gill Sans"/>
             </a:endParaRPr>
           </a:p>
@@ -11515,7 +12416,7 @@
               <a:solidFill>
                 <a:srgbClr val="222222"/>
               </a:solidFill>
-              <a:latin typeface="Lato"/>
+              <a:latin typeface="+mj-lt"/>
               <a:ea typeface="Gill Sans"/>
             </a:endParaRPr>
           </a:p>
@@ -11528,7 +12429,7 @@
               <a:buChar char="Ø"/>
             </a:pPr>
             <a:endParaRPr lang="en-US" spc="-1" dirty="0">
-              <a:latin typeface="Gill Sans"/>
+              <a:latin typeface="+mj-lt"/>
               <a:ea typeface="Gill Sans"/>
             </a:endParaRPr>
           </a:p>
@@ -11629,7 +12530,7 @@
                 <a:solidFill>
                   <a:srgbClr val="262626"/>
                 </a:solidFill>
-                <a:latin typeface="Gill Sans"/>
+                <a:latin typeface="+mj-lt"/>
                 <a:ea typeface="Gill Sans"/>
               </a:rPr>
               <a:t>CI/CD – </a:t>
@@ -11639,7 +12540,7 @@
                 <a:solidFill>
                   <a:srgbClr val="262626"/>
                 </a:solidFill>
-                <a:latin typeface="Gill Sans"/>
+                <a:latin typeface="+mj-lt"/>
                 <a:ea typeface="Gill Sans"/>
               </a:rPr>
               <a:t>Stand up more subsystems on Marist</a:t>
@@ -11648,7 +12549,7 @@
               <a:solidFill>
                 <a:srgbClr val="000000"/>
               </a:solidFill>
-              <a:latin typeface="Arial"/>
+              <a:latin typeface="+mj-lt"/>
             </a:endParaRPr>
           </a:p>
         </p:txBody>
@@ -11691,7 +12592,7 @@
                   <a:srgbClr val="222222"/>
                 </a:solidFill>
                 <a:effectLst/>
-                <a:latin typeface="Lato"/>
+                <a:latin typeface="+mj-lt"/>
               </a:rPr>
               <a:t>We would aim to add CICS, IMS, MQ and DB2 as well to allow </a:t>
             </a:r>
@@ -11701,7 +12602,7 @@
                   <a:srgbClr val="222222"/>
                 </a:solidFill>
                 <a:effectLst/>
-                <a:latin typeface="Lato"/>
+                <a:latin typeface="+mj-lt"/>
               </a:rPr>
               <a:t>Zowe</a:t>
             </a:r>
@@ -11711,7 +12612,7 @@
                   <a:srgbClr val="222222"/>
                 </a:solidFill>
                 <a:effectLst/>
-                <a:latin typeface="Lato"/>
+                <a:latin typeface="+mj-lt"/>
               </a:rPr>
               <a:t> CLI extension packages to be tested</a:t>
             </a:r>
@@ -11728,7 +12629,7 @@
               <a:solidFill>
                 <a:srgbClr val="222222"/>
               </a:solidFill>
-              <a:latin typeface="Lato"/>
+              <a:latin typeface="+mj-lt"/>
               <a:ea typeface="Gill Sans"/>
             </a:endParaRPr>
           </a:p>
@@ -11745,7 +12646,7 @@
                 <a:solidFill>
                   <a:srgbClr val="222222"/>
                 </a:solidFill>
-                <a:latin typeface="Lato"/>
+                <a:latin typeface="+mj-lt"/>
                 <a:ea typeface="Gill Sans"/>
               </a:rPr>
               <a:t>Would need co-ordination with other squads to find out exact requirements</a:t>
@@ -11754,7 +12655,7 @@
               <a:solidFill>
                 <a:srgbClr val="222222"/>
               </a:solidFill>
-              <a:latin typeface="Lato"/>
+              <a:latin typeface="+mj-lt"/>
               <a:ea typeface="Gill Sans"/>
             </a:endParaRPr>
           </a:p>
@@ -11770,7 +12671,7 @@
               <a:solidFill>
                 <a:srgbClr val="222222"/>
               </a:solidFill>
-              <a:latin typeface="Lato"/>
+              <a:latin typeface="+mj-lt"/>
               <a:ea typeface="Gill Sans"/>
             </a:endParaRPr>
           </a:p>
@@ -11783,7 +12684,7 @@
               <a:buChar char="Ø"/>
             </a:pPr>
             <a:endParaRPr lang="en-US" spc="-1" dirty="0">
-              <a:latin typeface="Gill Sans"/>
+              <a:latin typeface="+mj-lt"/>
               <a:ea typeface="Gill Sans"/>
             </a:endParaRPr>
           </a:p>
@@ -11884,7 +12785,7 @@
                 <a:solidFill>
                   <a:srgbClr val="262626"/>
                 </a:solidFill>
-                <a:latin typeface="Gill Sans"/>
+                <a:latin typeface="+mj-lt"/>
                 <a:ea typeface="Gill Sans"/>
               </a:rPr>
               <a:t>CI/CD – </a:t>
@@ -11894,7 +12795,7 @@
                 <a:solidFill>
                   <a:srgbClr val="262626"/>
                 </a:solidFill>
-                <a:latin typeface="Gill Sans"/>
+                <a:latin typeface="+mj-lt"/>
                 <a:ea typeface="Gill Sans"/>
               </a:rPr>
               <a:t>Pipeline improvements</a:t>
@@ -11903,7 +12804,7 @@
               <a:solidFill>
                 <a:srgbClr val="000000"/>
               </a:solidFill>
-              <a:latin typeface="Arial"/>
+              <a:latin typeface="+mj-lt"/>
             </a:endParaRPr>
           </a:p>
         </p:txBody>
@@ -11946,7 +12847,7 @@
                   <a:srgbClr val="222222"/>
                 </a:solidFill>
                 <a:effectLst/>
-                <a:latin typeface="Lato"/>
+                <a:latin typeface="+mj-lt"/>
                 <a:hlinkClick r:id="rId3"/>
               </a:rPr>
               <a:t>Fix reporting of false positives in nightly builds and new RC pipeline build</a:t>
@@ -11956,7 +12857,7 @@
                 <a:srgbClr val="222222"/>
               </a:solidFill>
               <a:effectLst/>
-              <a:latin typeface="Lato"/>
+              <a:latin typeface="+mj-lt"/>
             </a:endParaRPr>
           </a:p>
           <a:p>
@@ -11969,7 +12870,7 @@
               <a:solidFill>
                 <a:srgbClr val="222222"/>
               </a:solidFill>
-              <a:latin typeface="Lato"/>
+              <a:latin typeface="+mj-lt"/>
             </a:endParaRPr>
           </a:p>
           <a:p>
@@ -11986,7 +12887,7 @@
                   <a:srgbClr val="222222"/>
                 </a:solidFill>
                 <a:effectLst/>
-                <a:latin typeface="Lato"/>
+                <a:latin typeface="+mj-lt"/>
               </a:rPr>
               <a:t>Possibly create a similar pipeline for GA but not as much</a:t>
             </a:r>
@@ -12003,7 +12904,7 @@
               <a:solidFill>
                 <a:srgbClr val="222222"/>
               </a:solidFill>
-              <a:latin typeface="Lato"/>
+              <a:latin typeface="+mj-lt"/>
             </a:endParaRPr>
           </a:p>
           <a:p>
@@ -12020,7 +12921,7 @@
                   <a:srgbClr val="222222"/>
                 </a:solidFill>
                 <a:effectLst/>
-                <a:latin typeface="Lato"/>
+                <a:latin typeface="+mj-lt"/>
               </a:rPr>
               <a:t>Want to look into possibilities for automating update of </a:t>
             </a:r>
@@ -12030,7 +12931,7 @@
                   <a:srgbClr val="222222"/>
                 </a:solidFill>
                 <a:effectLst/>
-                <a:latin typeface="Lato"/>
+                <a:latin typeface="+mj-lt"/>
               </a:rPr>
               <a:t>manifest.json</a:t>
             </a:r>
@@ -12040,7 +12941,7 @@
                   <a:srgbClr val="222222"/>
                 </a:solidFill>
                 <a:effectLst/>
-                <a:latin typeface="Lato"/>
+                <a:latin typeface="+mj-lt"/>
               </a:rPr>
               <a:t> as a lot of these changes are the same every time </a:t>
             </a:r>
@@ -12057,7 +12958,7 @@
               <a:solidFill>
                 <a:srgbClr val="222222"/>
               </a:solidFill>
-              <a:latin typeface="Lato"/>
+              <a:latin typeface="+mj-lt"/>
               <a:ea typeface="Gill Sans"/>
             </a:endParaRPr>
           </a:p>
@@ -12073,7 +12974,7 @@
               <a:solidFill>
                 <a:srgbClr val="222222"/>
               </a:solidFill>
-              <a:latin typeface="Lato"/>
+              <a:latin typeface="+mj-lt"/>
               <a:ea typeface="Gill Sans"/>
             </a:endParaRPr>
           </a:p>
@@ -12089,7 +12990,7 @@
               <a:solidFill>
                 <a:srgbClr val="222222"/>
               </a:solidFill>
-              <a:latin typeface="Lato"/>
+              <a:latin typeface="+mj-lt"/>
               <a:ea typeface="Gill Sans"/>
             </a:endParaRPr>
           </a:p>
@@ -12102,7 +13003,7 @@
               <a:buChar char="Ø"/>
             </a:pPr>
             <a:endParaRPr lang="en-US" spc="-1" dirty="0">
-              <a:latin typeface="Gill Sans"/>
+              <a:latin typeface="+mj-lt"/>
               <a:ea typeface="Gill Sans"/>
             </a:endParaRPr>
           </a:p>
@@ -12170,7 +13071,7 @@
       </p:grpSpPr>
       <p:sp>
         <p:nvSpPr>
-          <p:cNvPr id="188" name="TextShape 1"/>
+          <p:cNvPr id="179" name="TextShape 1"/>
           <p:cNvSpPr txBox="1"/>
           <p:nvPr/>
         </p:nvSpPr>
@@ -12202,6 +13103,26 @@
               </a:spcBef>
             </a:pPr>
             <a:r>
+              <a:rPr lang="en-US" sz="3000" b="1" strike="noStrike" spc="-1" dirty="0" err="1" smtClean="0">
+                <a:solidFill>
+                  <a:srgbClr val="000000"/>
+                </a:solidFill>
+                <a:latin typeface="Arial"/>
+                <a:ea typeface="Arial"/>
+              </a:rPr>
+              <a:t>Zowe</a:t>
+            </a:r>
+            <a:r>
+              <a:rPr lang="en-US" sz="3000" b="1" strike="noStrike" spc="-1" dirty="0" smtClean="0">
+                <a:solidFill>
+                  <a:srgbClr val="000000"/>
+                </a:solidFill>
+                <a:latin typeface="Arial"/>
+                <a:ea typeface="Arial"/>
+              </a:rPr>
+              <a:t> CLI </a:t>
+            </a:r>
+            <a:r>
               <a:rPr lang="en-US" sz="3000" b="1" strike="noStrike" spc="-1" dirty="0">
                 <a:solidFill>
                   <a:srgbClr val="000000"/>
@@ -12209,7 +13130,7 @@
                 <a:latin typeface="Arial"/>
                 <a:ea typeface="Arial"/>
               </a:rPr>
-              <a:t>TBD Squad Focus</a:t>
+              <a:t>Squad Focus</a:t>
             </a:r>
             <a:endParaRPr lang="en-US" sz="3000" b="0" strike="noStrike" spc="-1" dirty="0">
               <a:solidFill>
@@ -12228,14 +13149,14 @@
               </a:spcBef>
             </a:pPr>
             <a:r>
-              <a:rPr lang="en-US" sz="2000" b="1" strike="noStrike" spc="-1" dirty="0">
+              <a:rPr lang="en-US" sz="2000" b="1" spc="-1" dirty="0" smtClean="0">
                 <a:solidFill>
                   <a:srgbClr val="000000"/>
                 </a:solidFill>
                 <a:latin typeface="Arial"/>
                 <a:ea typeface="Arial"/>
               </a:rPr>
-              <a:t>TBD (Squad Lead)</a:t>
+              <a:t>Michael Bauer</a:t>
             </a:r>
             <a:endParaRPr lang="en-US" sz="2000" b="0" strike="noStrike" spc="-1" dirty="0">
               <a:solidFill>
@@ -12247,6 +13168,11 @@
         </p:txBody>
       </p:sp>
     </p:spTree>
+    <p:extLst>
+      <p:ext uri="{BB962C8B-B14F-4D97-AF65-F5344CB8AC3E}">
+        <p14:creationId xmlns:p14="http://schemas.microsoft.com/office/powerpoint/2010/main" val="3144363835"/>
+      </p:ext>
+    </p:extLst>
   </p:cSld>
   <p:clrMapOvr>
     <a:masterClrMapping/>
@@ -12303,7 +13229,7 @@
       </p:grpSpPr>
       <p:sp>
         <p:nvSpPr>
-          <p:cNvPr id="189" name="TextShape 1"/>
+          <p:cNvPr id="182" name="TextShape 1"/>
           <p:cNvSpPr txBox="1"/>
           <p:nvPr/>
         </p:nvSpPr>
@@ -12332,34 +13258,41 @@
               </a:lnSpc>
             </a:pPr>
             <a:r>
-              <a:rPr lang="en-US" sz="2600" b="0" strike="noStrike" spc="-1" dirty="0">
+              <a:rPr lang="en-US" sz="3000" spc="-1" dirty="0" err="1" smtClean="0">
                 <a:solidFill>
                   <a:srgbClr val="262626"/>
                 </a:solidFill>
-                <a:latin typeface="Gill Sans"/>
                 <a:ea typeface="Gill Sans"/>
               </a:rPr>
-              <a:t>Title</a:t>
-            </a:r>
-            <a:endParaRPr lang="en-US" sz="2600" b="0" strike="noStrike" spc="-1" dirty="0">
-              <a:solidFill>
-                <a:srgbClr val="000000"/>
-              </a:solidFill>
-              <a:latin typeface="Arial"/>
-            </a:endParaRPr>
-          </a:p>
-        </p:txBody>
-      </p:sp>
-      <p:sp>
-        <p:nvSpPr>
-          <p:cNvPr id="190" name="TextShape 2"/>
+              <a:t>Zowe</a:t>
+            </a:r>
+            <a:r>
+              <a:rPr lang="en-US" sz="3000" spc="-1" dirty="0" smtClean="0">
+                <a:solidFill>
+                  <a:srgbClr val="262626"/>
+                </a:solidFill>
+                <a:ea typeface="Gill Sans"/>
+              </a:rPr>
+              <a:t> CLI Squad</a:t>
+            </a:r>
+            <a:endParaRPr lang="en-US" sz="3000" b="0" strike="noStrike" spc="-1" dirty="0">
+              <a:solidFill>
+                <a:srgbClr val="000000"/>
+              </a:solidFill>
+            </a:endParaRPr>
+          </a:p>
+        </p:txBody>
+      </p:sp>
+      <p:sp>
+        <p:nvSpPr>
+          <p:cNvPr id="183" name="TextShape 2"/>
           <p:cNvSpPr txBox="1"/>
           <p:nvPr/>
         </p:nvSpPr>
         <p:spPr>
           <a:xfrm>
-            <a:off x="336600" y="682920"/>
-            <a:ext cx="8349840" cy="4177800"/>
+            <a:off x="405518" y="993913"/>
+            <a:ext cx="8269762" cy="3808676"/>
           </a:xfrm>
           <a:prstGeom prst="rect">
             <a:avLst/>
@@ -12375,39 +13308,1071 @@
           </a:bodyPr>
           <a:lstStyle/>
           <a:p>
-            <a:pPr marL="457200" indent="-355320">
+            <a:pPr marL="387270" indent="-285750">
+              <a:spcBef>
+                <a:spcPts val="400"/>
+              </a:spcBef>
+              <a:buFont typeface="Wingdings" pitchFamily="2" charset="2"/>
+              <a:buChar char="Ø"/>
+            </a:pPr>
+            <a:r>
+              <a:rPr lang="en-US" dirty="0" smtClean="0"/>
+              <a:t>Validate </a:t>
+            </a:r>
+            <a:r>
+              <a:rPr lang="en-US" dirty="0" err="1"/>
+              <a:t>Zowe</a:t>
+            </a:r>
+            <a:r>
+              <a:rPr lang="en-US" dirty="0"/>
+              <a:t> CLI on Node v14. Node v14 becomes LTS on </a:t>
+            </a:r>
+            <a:r>
+              <a:rPr lang="en-US" dirty="0" smtClean="0"/>
+              <a:t>10/27.</a:t>
+            </a:r>
+            <a:br>
+              <a:rPr lang="en-US" dirty="0" smtClean="0"/>
+            </a:br>
+            <a:endParaRPr lang="en-US" dirty="0" smtClean="0"/>
+          </a:p>
+          <a:p>
+            <a:pPr marL="387270" indent="-285750">
+              <a:spcBef>
+                <a:spcPts val="400"/>
+              </a:spcBef>
+              <a:buFont typeface="Wingdings" pitchFamily="2" charset="2"/>
+              <a:buChar char="Ø"/>
+            </a:pPr>
+            <a:r>
+              <a:rPr lang="en-US" dirty="0" smtClean="0"/>
+              <a:t>Project </a:t>
+            </a:r>
+            <a:r>
+              <a:rPr lang="en-US" dirty="0"/>
+              <a:t>based CLI profiles. Implement design determined in </a:t>
+            </a:r>
+            <a:r>
+              <a:rPr lang="en-US" dirty="0">
+                <a:hlinkClick r:id="rId3"/>
+              </a:rPr>
+              <a:t>https://github.com/zowe/zowe-cli/issues/749</a:t>
+            </a:r>
+            <a:r>
+              <a:rPr lang="en-US" dirty="0"/>
+              <a:t> to allow for a single profile that stores information commonly needed for core + plug-ins. The goal is to allow for users to more easily store profiles in source control, share profiles with others, and update profile </a:t>
+            </a:r>
+            <a:r>
+              <a:rPr lang="en-US" dirty="0" smtClean="0"/>
+              <a:t>settings.</a:t>
+            </a:r>
+            <a:br>
+              <a:rPr lang="en-US" dirty="0" smtClean="0"/>
+            </a:br>
+            <a:endParaRPr lang="en-US" dirty="0" smtClean="0"/>
+          </a:p>
+          <a:p>
+            <a:pPr marL="387270" indent="-285750">
+              <a:spcBef>
+                <a:spcPts val="400"/>
+              </a:spcBef>
+              <a:buFont typeface="Wingdings" pitchFamily="2" charset="2"/>
+              <a:buChar char="Ø"/>
+            </a:pPr>
+            <a:r>
+              <a:rPr lang="en-US" dirty="0" smtClean="0"/>
+              <a:t>Validate </a:t>
+            </a:r>
+            <a:r>
+              <a:rPr lang="en-US" dirty="0"/>
+              <a:t>daemon mode </a:t>
+            </a:r>
+            <a:r>
+              <a:rPr lang="en-US" dirty="0" err="1"/>
+              <a:t>PoC</a:t>
+            </a:r>
+            <a:r>
+              <a:rPr lang="en-US" dirty="0"/>
+              <a:t> (</a:t>
+            </a:r>
+            <a:r>
+              <a:rPr lang="en-US" dirty="0">
+                <a:hlinkClick r:id="rId4"/>
+              </a:rPr>
+              <a:t>https://github.com/zowe/zowe-cli/pull/825</a:t>
+            </a:r>
+            <a:r>
+              <a:rPr lang="en-US" dirty="0"/>
+              <a:t>). The goal is to improve </a:t>
+            </a:r>
+            <a:r>
+              <a:rPr lang="en-US" dirty="0" err="1"/>
+              <a:t>Zowe</a:t>
+            </a:r>
+            <a:r>
+              <a:rPr lang="en-US" dirty="0"/>
+              <a:t> CLI performance for all commands. Local command operations like help should take less than one second to run.</a:t>
+            </a:r>
+          </a:p>
+        </p:txBody>
+      </p:sp>
+    </p:spTree>
+    <p:extLst>
+      <p:ext uri="{BB962C8B-B14F-4D97-AF65-F5344CB8AC3E}">
+        <p14:creationId xmlns:p14="http://schemas.microsoft.com/office/powerpoint/2010/main" val="1761493807"/>
+      </p:ext>
+    </p:extLst>
+  </p:cSld>
+  <p:clrMapOvr>
+    <a:masterClrMapping/>
+  </p:clrMapOvr>
+  <p:transition spd="med">
+    <p:fade thruBlk="1"/>
+  </p:transition>
+  <p:timing>
+    <p:tnLst>
+      <p:par>
+        <p:cTn id="1" dur="indefinite" restart="never" nodeType="tmRoot">
+          <p:childTnLst>
+            <p:seq>
+              <p:cTn id="2" dur="indefinite" nodeType="mainSeq"/>
+              <p:prevCondLst>
+                <p:cond evt="onPrev" delay="0">
+                  <p:tgtEl>
+                    <p:sldTgt/>
+                  </p:tgtEl>
+                </p:cond>
+              </p:prevCondLst>
+              <p:nextCondLst>
+                <p:cond evt="onNext" delay="0">
+                  <p:tgtEl>
+                    <p:sldTgt/>
+                  </p:tgtEl>
+                </p:cond>
+              </p:nextCondLst>
+            </p:seq>
+          </p:childTnLst>
+        </p:cTn>
+      </p:par>
+    </p:tnLst>
+  </p:timing>
+</p:sld>
+</file>
+
+<file path=ppt/slides/slide16.xml><?xml version="1.0" encoding="utf-8"?>
+<p:sld xmlns:a="http://schemas.openxmlformats.org/drawingml/2006/main" xmlns:r="http://schemas.openxmlformats.org/officeDocument/2006/relationships" xmlns:p="http://schemas.openxmlformats.org/presentationml/2006/main">
+  <p:cSld>
+    <p:spTree>
+      <p:nvGrpSpPr>
+        <p:cNvPr id="1" name=""/>
+        <p:cNvGrpSpPr/>
+        <p:nvPr/>
+      </p:nvGrpSpPr>
+      <p:grpSpPr>
+        <a:xfrm>
+          <a:off x="0" y="0"/>
+          <a:ext cx="0" cy="0"/>
+          <a:chOff x="0" y="0"/>
+          <a:chExt cx="0" cy="0"/>
+        </a:xfrm>
+      </p:grpSpPr>
+      <p:sp>
+        <p:nvSpPr>
+          <p:cNvPr id="182" name="TextShape 1"/>
+          <p:cNvSpPr txBox="1"/>
+          <p:nvPr/>
+        </p:nvSpPr>
+        <p:spPr>
+          <a:xfrm>
+            <a:off x="334080" y="159480"/>
+            <a:ext cx="7893720" cy="447120"/>
+          </a:xfrm>
+          <a:prstGeom prst="rect">
+            <a:avLst/>
+          </a:prstGeom>
+          <a:noFill/>
+          <a:ln>
+            <a:noFill/>
+          </a:ln>
+        </p:spPr>
+        <p:txBody>
+          <a:bodyPr tIns="91440" bIns="91440" anchor="ctr">
+            <a:noAutofit/>
+          </a:bodyPr>
+          <a:lstStyle/>
+          <a:p>
+            <a:pPr>
               <a:lnSpc>
                 <a:spcPct val="100000"/>
               </a:lnSpc>
+            </a:pPr>
+            <a:r>
+              <a:rPr lang="en-US" sz="3000" spc="-1" dirty="0" err="1" smtClean="0">
+                <a:solidFill>
+                  <a:srgbClr val="262626"/>
+                </a:solidFill>
+                <a:latin typeface="+mj-lt"/>
+                <a:ea typeface="Gill Sans"/>
+              </a:rPr>
+              <a:t>Zowe</a:t>
+            </a:r>
+            <a:r>
+              <a:rPr lang="en-US" sz="3000" spc="-1" dirty="0" smtClean="0">
+                <a:solidFill>
+                  <a:srgbClr val="262626"/>
+                </a:solidFill>
+                <a:latin typeface="+mj-lt"/>
+                <a:ea typeface="Gill Sans"/>
+              </a:rPr>
+              <a:t> CLI Squad</a:t>
+            </a:r>
+            <a:endParaRPr lang="en-US" sz="3000" b="0" strike="noStrike" spc="-1" dirty="0">
+              <a:solidFill>
+                <a:srgbClr val="000000"/>
+              </a:solidFill>
+              <a:latin typeface="+mj-lt"/>
+            </a:endParaRPr>
+          </a:p>
+        </p:txBody>
+      </p:sp>
+      <p:sp>
+        <p:nvSpPr>
+          <p:cNvPr id="183" name="TextShape 2"/>
+          <p:cNvSpPr txBox="1"/>
+          <p:nvPr/>
+        </p:nvSpPr>
+        <p:spPr>
+          <a:xfrm>
+            <a:off x="405518" y="993913"/>
+            <a:ext cx="8269762" cy="3808676"/>
+          </a:xfrm>
+          <a:prstGeom prst="rect">
+            <a:avLst/>
+          </a:prstGeom>
+          <a:noFill/>
+          <a:ln>
+            <a:noFill/>
+          </a:ln>
+        </p:spPr>
+        <p:txBody>
+          <a:bodyPr tIns="91440" bIns="91440">
+            <a:noAutofit/>
+          </a:bodyPr>
+          <a:lstStyle/>
+          <a:p>
+            <a:pPr marL="387270" indent="-285750">
               <a:spcBef>
                 <a:spcPts val="400"/>
               </a:spcBef>
-              <a:buClr>
-                <a:srgbClr val="000000"/>
-              </a:buClr>
-              <a:buFont typeface="Arial"/>
-              <a:buChar char="•"/>
-            </a:pPr>
-            <a:r>
-              <a:rPr lang="en-US" sz="1800" b="0" strike="noStrike" spc="-1" dirty="0">
+              <a:buFont typeface="Wingdings" pitchFamily="2" charset="2"/>
+              <a:buChar char="Ø"/>
+            </a:pPr>
+            <a:r>
+              <a:rPr lang="en-US" dirty="0"/>
+              <a:t>Address growing number of community enhancement </a:t>
+            </a:r>
+            <a:r>
+              <a:rPr lang="en-US" dirty="0" smtClean="0"/>
+              <a:t>requests</a:t>
+            </a:r>
+          </a:p>
+          <a:p>
+            <a:pPr marL="387270" indent="-285750">
+              <a:spcBef>
+                <a:spcPts val="400"/>
+              </a:spcBef>
+              <a:buFont typeface="Wingdings" pitchFamily="2" charset="2"/>
+              <a:buChar char="Ø"/>
+            </a:pPr>
+            <a:endParaRPr lang="en-US" dirty="0" smtClean="0"/>
+          </a:p>
+          <a:p>
+            <a:pPr marL="387270" indent="-285750">
+              <a:spcBef>
+                <a:spcPts val="400"/>
+              </a:spcBef>
+              <a:buFont typeface="Wingdings" pitchFamily="2" charset="2"/>
+              <a:buChar char="Ø"/>
+            </a:pPr>
+            <a:r>
+              <a:rPr lang="en-US" dirty="0" smtClean="0"/>
+              <a:t>Ensure </a:t>
+            </a:r>
+            <a:r>
+              <a:rPr lang="en-US" dirty="0"/>
+              <a:t>successful </a:t>
+            </a:r>
+            <a:r>
+              <a:rPr lang="en-US" dirty="0" smtClean="0"/>
+              <a:t>installation and use </a:t>
+            </a:r>
+            <a:r>
+              <a:rPr lang="en-US" dirty="0"/>
+              <a:t>of the </a:t>
+            </a:r>
+            <a:r>
+              <a:rPr lang="en-US" dirty="0" err="1"/>
+              <a:t>Zowe</a:t>
+            </a:r>
+            <a:r>
+              <a:rPr lang="en-US" dirty="0"/>
+              <a:t> CLI in environments with proxies. </a:t>
+            </a:r>
+            <a:r>
+              <a:rPr lang="en-US" dirty="0" smtClean="0"/>
+              <a:t/>
+            </a:r>
+            <a:br>
+              <a:rPr lang="en-US" dirty="0" smtClean="0"/>
+            </a:br>
+            <a:endParaRPr lang="en-US" dirty="0" smtClean="0"/>
+          </a:p>
+          <a:p>
+            <a:pPr marL="387270" indent="-285750">
+              <a:spcBef>
+                <a:spcPts val="400"/>
+              </a:spcBef>
+              <a:buFont typeface="Wingdings" pitchFamily="2" charset="2"/>
+              <a:buChar char="Ø"/>
+            </a:pPr>
+            <a:r>
+              <a:rPr lang="en-US" dirty="0" smtClean="0"/>
+              <a:t>Allow </a:t>
+            </a:r>
+            <a:r>
+              <a:rPr lang="en-US" dirty="0"/>
+              <a:t>for recently run commands to be easily recalled</a:t>
+            </a:r>
+            <a:r>
+              <a:rPr lang="en-US" dirty="0" smtClean="0"/>
+              <a:t>.</a:t>
+            </a:r>
+            <a:br>
+              <a:rPr lang="en-US" dirty="0" smtClean="0"/>
+            </a:br>
+            <a:endParaRPr lang="en-US" dirty="0"/>
+          </a:p>
+          <a:p>
+            <a:pPr marL="387270" indent="-285750">
+              <a:spcBef>
+                <a:spcPts val="400"/>
+              </a:spcBef>
+              <a:buFont typeface="Wingdings" pitchFamily="2" charset="2"/>
+              <a:buChar char="Ø"/>
+            </a:pPr>
+            <a:r>
+              <a:rPr lang="en-US" dirty="0"/>
+              <a:t>Ensure </a:t>
+            </a:r>
+            <a:r>
+              <a:rPr lang="en-US" dirty="0" err="1"/>
+              <a:t>Zowe</a:t>
+            </a:r>
+            <a:r>
+              <a:rPr lang="en-US" dirty="0"/>
+              <a:t> CLI functions properly in a </a:t>
+            </a:r>
+            <a:r>
+              <a:rPr lang="en-US" dirty="0" err="1"/>
+              <a:t>CodeReady</a:t>
+            </a:r>
+            <a:r>
+              <a:rPr lang="en-US" dirty="0"/>
+              <a:t> Workspace. </a:t>
+            </a:r>
+          </a:p>
+        </p:txBody>
+      </p:sp>
+    </p:spTree>
+    <p:extLst>
+      <p:ext uri="{BB962C8B-B14F-4D97-AF65-F5344CB8AC3E}">
+        <p14:creationId xmlns:p14="http://schemas.microsoft.com/office/powerpoint/2010/main" val="587560883"/>
+      </p:ext>
+    </p:extLst>
+  </p:cSld>
+  <p:clrMapOvr>
+    <a:masterClrMapping/>
+  </p:clrMapOvr>
+  <p:transition spd="med">
+    <p:fade thruBlk="1"/>
+  </p:transition>
+  <p:timing>
+    <p:tnLst>
+      <p:par>
+        <p:cTn id="1" dur="indefinite" restart="never" nodeType="tmRoot">
+          <p:childTnLst>
+            <p:seq>
+              <p:cTn id="2" dur="indefinite" nodeType="mainSeq"/>
+              <p:prevCondLst>
+                <p:cond evt="onPrev" delay="0">
+                  <p:tgtEl>
+                    <p:sldTgt/>
+                  </p:tgtEl>
+                </p:cond>
+              </p:prevCondLst>
+              <p:nextCondLst>
+                <p:cond evt="onNext" delay="0">
+                  <p:tgtEl>
+                    <p:sldTgt/>
+                  </p:tgtEl>
+                </p:cond>
+              </p:nextCondLst>
+            </p:seq>
+          </p:childTnLst>
+        </p:cTn>
+      </p:par>
+    </p:tnLst>
+  </p:timing>
+</p:sld>
+</file>
+
+<file path=ppt/slides/slide17.xml><?xml version="1.0" encoding="utf-8"?>
+<p:sld xmlns:a="http://schemas.openxmlformats.org/drawingml/2006/main" xmlns:r="http://schemas.openxmlformats.org/officeDocument/2006/relationships" xmlns:p="http://schemas.openxmlformats.org/presentationml/2006/main">
+  <p:cSld>
+    <p:spTree>
+      <p:nvGrpSpPr>
+        <p:cNvPr id="1" name=""/>
+        <p:cNvGrpSpPr/>
+        <p:nvPr/>
+      </p:nvGrpSpPr>
+      <p:grpSpPr>
+        <a:xfrm>
+          <a:off x="0" y="0"/>
+          <a:ext cx="0" cy="0"/>
+          <a:chOff x="0" y="0"/>
+          <a:chExt cx="0" cy="0"/>
+        </a:xfrm>
+      </p:grpSpPr>
+      <p:sp>
+        <p:nvSpPr>
+          <p:cNvPr id="179" name="TextShape 1"/>
+          <p:cNvSpPr txBox="1"/>
+          <p:nvPr/>
+        </p:nvSpPr>
+        <p:spPr>
+          <a:xfrm>
+            <a:off x="308520" y="3525840"/>
+            <a:ext cx="6446160" cy="392040"/>
+          </a:xfrm>
+          <a:prstGeom prst="rect">
+            <a:avLst/>
+          </a:prstGeom>
+          <a:noFill/>
+          <a:ln>
+            <a:noFill/>
+          </a:ln>
+        </p:spPr>
+        <p:txBody>
+          <a:bodyPr lIns="0" tIns="0" rIns="0" bIns="0" anchor="b">
+            <a:noAutofit/>
+          </a:bodyPr>
+          <a:lstStyle/>
+          <a:p>
+            <a:pPr marL="457200" indent="-228240">
+              <a:lnSpc>
+                <a:spcPct val="85000"/>
+              </a:lnSpc>
+              <a:spcBef>
+                <a:spcPts val="901"/>
+              </a:spcBef>
+            </a:pPr>
+            <a:r>
+              <a:rPr lang="en-US" sz="3000" b="1" strike="noStrike" spc="-1" dirty="0" err="1" smtClean="0">
                 <a:solidFill>
                   <a:srgbClr val="000000"/>
                 </a:solidFill>
-                <a:latin typeface="Gill Sans"/>
+                <a:latin typeface="Arial"/>
+                <a:ea typeface="Arial"/>
+              </a:rPr>
+              <a:t>Zowe</a:t>
+            </a:r>
+            <a:r>
+              <a:rPr lang="en-US" sz="3000" b="1" strike="noStrike" spc="-1" dirty="0" smtClean="0">
+                <a:solidFill>
+                  <a:srgbClr val="000000"/>
+                </a:solidFill>
+                <a:latin typeface="Arial"/>
+                <a:ea typeface="Arial"/>
+              </a:rPr>
+              <a:t> Onboarding </a:t>
+            </a:r>
+            <a:r>
+              <a:rPr lang="en-US" sz="3000" b="1" strike="noStrike" spc="-1" dirty="0">
+                <a:solidFill>
+                  <a:srgbClr val="000000"/>
+                </a:solidFill>
+                <a:latin typeface="Arial"/>
+                <a:ea typeface="Arial"/>
+              </a:rPr>
+              <a:t>Squad Focus</a:t>
+            </a:r>
+            <a:endParaRPr lang="en-US" sz="3000" b="0" strike="noStrike" spc="-1" dirty="0">
+              <a:solidFill>
+                <a:srgbClr val="000000"/>
+              </a:solidFill>
+              <a:latin typeface="Arial"/>
+            </a:endParaRPr>
+          </a:p>
+          <a:p>
+            <a:pPr marL="457200" indent="-228240">
+              <a:lnSpc>
+                <a:spcPct val="85000"/>
+              </a:lnSpc>
+              <a:spcBef>
+                <a:spcPts val="901"/>
+              </a:spcBef>
+            </a:pPr>
+            <a:r>
+              <a:rPr lang="en-US" sz="2000" b="1" spc="-1" dirty="0" smtClean="0">
+                <a:solidFill>
+                  <a:srgbClr val="000000"/>
+                </a:solidFill>
+                <a:latin typeface="Arial"/>
+                <a:ea typeface="Arial"/>
+              </a:rPr>
+              <a:t>Rose </a:t>
+            </a:r>
+            <a:r>
+              <a:rPr lang="en-US" sz="2000" b="1" spc="-1" dirty="0" err="1" smtClean="0">
+                <a:solidFill>
+                  <a:srgbClr val="000000"/>
+                </a:solidFill>
+                <a:latin typeface="Arial"/>
+                <a:ea typeface="Arial"/>
+              </a:rPr>
+              <a:t>Sakach</a:t>
+            </a:r>
+            <a:endParaRPr lang="en-US" sz="2000" b="0" strike="noStrike" spc="-1" dirty="0">
+              <a:solidFill>
+                <a:srgbClr val="000000"/>
+              </a:solidFill>
+              <a:latin typeface="Arial"/>
+            </a:endParaRPr>
+          </a:p>
+        </p:txBody>
+      </p:sp>
+    </p:spTree>
+    <p:extLst>
+      <p:ext uri="{BB962C8B-B14F-4D97-AF65-F5344CB8AC3E}">
+        <p14:creationId xmlns:p14="http://schemas.microsoft.com/office/powerpoint/2010/main" val="1803504193"/>
+      </p:ext>
+    </p:extLst>
+  </p:cSld>
+  <p:clrMapOvr>
+    <a:masterClrMapping/>
+  </p:clrMapOvr>
+  <p:transition spd="med">
+    <p:fade/>
+  </p:transition>
+  <p:timing>
+    <p:tnLst>
+      <p:par>
+        <p:cTn id="1" dur="indefinite" restart="never" nodeType="tmRoot">
+          <p:childTnLst>
+            <p:seq>
+              <p:cTn id="2" dur="indefinite" nodeType="mainSeq"/>
+              <p:prevCondLst>
+                <p:cond evt="onPrev" delay="0">
+                  <p:tgtEl>
+                    <p:sldTgt/>
+                  </p:tgtEl>
+                </p:cond>
+              </p:prevCondLst>
+              <p:nextCondLst>
+                <p:cond evt="onNext" delay="0">
+                  <p:tgtEl>
+                    <p:sldTgt/>
+                  </p:tgtEl>
+                </p:cond>
+              </p:nextCondLst>
+            </p:seq>
+          </p:childTnLst>
+        </p:cTn>
+      </p:par>
+    </p:tnLst>
+  </p:timing>
+</p:sld>
+</file>
+
+<file path=ppt/slides/slide18.xml><?xml version="1.0" encoding="utf-8"?>
+<p:sld xmlns:a="http://schemas.openxmlformats.org/drawingml/2006/main" xmlns:r="http://schemas.openxmlformats.org/officeDocument/2006/relationships" xmlns:p="http://schemas.openxmlformats.org/presentationml/2006/main">
+  <p:cSld>
+    <p:spTree>
+      <p:nvGrpSpPr>
+        <p:cNvPr id="1" name=""/>
+        <p:cNvGrpSpPr/>
+        <p:nvPr/>
+      </p:nvGrpSpPr>
+      <p:grpSpPr>
+        <a:xfrm>
+          <a:off x="0" y="0"/>
+          <a:ext cx="0" cy="0"/>
+          <a:chOff x="0" y="0"/>
+          <a:chExt cx="0" cy="0"/>
+        </a:xfrm>
+      </p:grpSpPr>
+      <p:sp>
+        <p:nvSpPr>
+          <p:cNvPr id="182" name="TextShape 1"/>
+          <p:cNvSpPr txBox="1"/>
+          <p:nvPr/>
+        </p:nvSpPr>
+        <p:spPr>
+          <a:xfrm>
+            <a:off x="334080" y="159480"/>
+            <a:ext cx="7893720" cy="447120"/>
+          </a:xfrm>
+          <a:prstGeom prst="rect">
+            <a:avLst/>
+          </a:prstGeom>
+          <a:noFill/>
+          <a:ln>
+            <a:noFill/>
+          </a:ln>
+        </p:spPr>
+        <p:txBody>
+          <a:bodyPr tIns="91440" bIns="91440" anchor="ctr">
+            <a:noAutofit/>
+          </a:bodyPr>
+          <a:lstStyle/>
+          <a:p>
+            <a:pPr>
+              <a:lnSpc>
+                <a:spcPct val="100000"/>
+              </a:lnSpc>
+            </a:pPr>
+            <a:r>
+              <a:rPr lang="en-US" sz="3000" spc="-1" dirty="0" err="1" smtClean="0">
+                <a:solidFill>
+                  <a:srgbClr val="262626"/>
+                </a:solidFill>
+                <a:latin typeface="+mj-lt"/>
                 <a:ea typeface="Gill Sans"/>
               </a:rPr>
-              <a:t>TBD</a:t>
-            </a:r>
-            <a:endParaRPr lang="en-US" sz="1600" b="0" strike="noStrike" spc="-1" dirty="0">
-              <a:solidFill>
-                <a:srgbClr val="000000"/>
-              </a:solidFill>
-              <a:latin typeface="Arial"/>
-            </a:endParaRPr>
+              <a:t>Zowe</a:t>
+            </a:r>
+            <a:r>
+              <a:rPr lang="en-US" sz="3000" spc="-1" dirty="0" smtClean="0">
+                <a:solidFill>
+                  <a:srgbClr val="262626"/>
+                </a:solidFill>
+                <a:latin typeface="+mj-lt"/>
+                <a:ea typeface="Gill Sans"/>
+              </a:rPr>
+              <a:t> Onboarding Squad</a:t>
+            </a:r>
+            <a:endParaRPr lang="en-US" sz="3000" b="0" strike="noStrike" spc="-1" dirty="0">
+              <a:solidFill>
+                <a:srgbClr val="000000"/>
+              </a:solidFill>
+              <a:latin typeface="+mj-lt"/>
+            </a:endParaRPr>
+          </a:p>
+        </p:txBody>
+      </p:sp>
+      <p:sp>
+        <p:nvSpPr>
+          <p:cNvPr id="183" name="TextShape 2"/>
+          <p:cNvSpPr txBox="1"/>
+          <p:nvPr/>
+        </p:nvSpPr>
+        <p:spPr>
+          <a:xfrm>
+            <a:off x="405518" y="993913"/>
+            <a:ext cx="8269762" cy="3808676"/>
+          </a:xfrm>
+          <a:prstGeom prst="rect">
+            <a:avLst/>
+          </a:prstGeom>
+          <a:noFill/>
+          <a:ln>
+            <a:noFill/>
+          </a:ln>
+        </p:spPr>
+        <p:txBody>
+          <a:bodyPr tIns="91440" bIns="91440">
+            <a:noAutofit/>
+          </a:bodyPr>
+          <a:lstStyle/>
+          <a:p>
+            <a:pPr marL="387270" indent="-285750">
+              <a:spcBef>
+                <a:spcPts val="400"/>
+              </a:spcBef>
+              <a:buFont typeface="Wingdings" pitchFamily="2" charset="2"/>
+              <a:buChar char="Ø"/>
+            </a:pPr>
+            <a:r>
+              <a:rPr lang="en-US" b="1" dirty="0"/>
+              <a:t>Conformance Process </a:t>
+            </a:r>
+            <a:r>
+              <a:rPr lang="en-US" b="1" dirty="0" smtClean="0"/>
+              <a:t>Maturity</a:t>
+            </a:r>
+          </a:p>
+          <a:p>
+            <a:pPr marL="844470" lvl="1" indent="-285750">
+              <a:spcBef>
+                <a:spcPts val="400"/>
+              </a:spcBef>
+              <a:buFont typeface="Wingdings" pitchFamily="2" charset="2"/>
+              <a:buChar char="Ø"/>
+            </a:pPr>
+            <a:r>
+              <a:rPr lang="en-US" dirty="0" smtClean="0"/>
+              <a:t>Develop </a:t>
+            </a:r>
+            <a:r>
+              <a:rPr lang="en-US" dirty="0"/>
+              <a:t>a process for updating the Conformance Criteria for all components during ACTIVE LTS, Resolve the incremental Badge debate, and research </a:t>
+            </a:r>
+            <a:r>
+              <a:rPr lang="en-US" dirty="0" smtClean="0"/>
+              <a:t>App-Store</a:t>
+            </a:r>
+          </a:p>
+          <a:p>
+            <a:pPr marL="1301670" lvl="2" indent="-285750">
+              <a:spcBef>
+                <a:spcPts val="400"/>
+              </a:spcBef>
+              <a:buFont typeface="Wingdings" pitchFamily="2" charset="2"/>
+              <a:buChar char="Ø"/>
+            </a:pPr>
+            <a:r>
+              <a:rPr lang="en-US" dirty="0" smtClean="0"/>
+              <a:t>Implement </a:t>
+            </a:r>
+            <a:r>
+              <a:rPr lang="en-US" dirty="0"/>
+              <a:t>ACTIVE LTS Conformance Criteria Update process (target </a:t>
+            </a:r>
+            <a:r>
+              <a:rPr lang="en-US" dirty="0" smtClean="0"/>
+              <a:t>11/1)</a:t>
+            </a:r>
+          </a:p>
+          <a:p>
+            <a:pPr marL="1301670" lvl="2" indent="-285750">
+              <a:spcBef>
+                <a:spcPts val="400"/>
+              </a:spcBef>
+              <a:buFont typeface="Wingdings" pitchFamily="2" charset="2"/>
+              <a:buChar char="Ø"/>
+            </a:pPr>
+            <a:r>
+              <a:rPr lang="en-US" dirty="0" smtClean="0"/>
+              <a:t>Draft </a:t>
+            </a:r>
+            <a:r>
+              <a:rPr lang="en-US" dirty="0"/>
+              <a:t>Incremental Badging T&amp;Cs (target </a:t>
+            </a:r>
+            <a:r>
+              <a:rPr lang="en-US" dirty="0" smtClean="0"/>
+              <a:t>11/30)</a:t>
+            </a:r>
+          </a:p>
+          <a:p>
+            <a:pPr marL="1301670" lvl="2" indent="-285750">
+              <a:spcBef>
+                <a:spcPts val="400"/>
+              </a:spcBef>
+              <a:buFont typeface="Wingdings" pitchFamily="2" charset="2"/>
+              <a:buChar char="Ø"/>
+            </a:pPr>
+            <a:r>
+              <a:rPr lang="en-US" dirty="0" smtClean="0"/>
+              <a:t>Draft </a:t>
+            </a:r>
+            <a:r>
+              <a:rPr lang="en-US" dirty="0"/>
+              <a:t>recommendations for App-Store look-and-feel Web Page (stretch)</a:t>
+            </a:r>
           </a:p>
         </p:txBody>
       </p:sp>
     </p:spTree>
+    <p:extLst>
+      <p:ext uri="{BB962C8B-B14F-4D97-AF65-F5344CB8AC3E}">
+        <p14:creationId xmlns:p14="http://schemas.microsoft.com/office/powerpoint/2010/main" val="170913203"/>
+      </p:ext>
+    </p:extLst>
+  </p:cSld>
+  <p:clrMapOvr>
+    <a:masterClrMapping/>
+  </p:clrMapOvr>
+  <p:transition spd="med">
+    <p:fade thruBlk="1"/>
+  </p:transition>
+  <p:timing>
+    <p:tnLst>
+      <p:par>
+        <p:cTn id="1" dur="indefinite" restart="never" nodeType="tmRoot">
+          <p:childTnLst>
+            <p:seq>
+              <p:cTn id="2" dur="indefinite" nodeType="mainSeq"/>
+              <p:prevCondLst>
+                <p:cond evt="onPrev" delay="0">
+                  <p:tgtEl>
+                    <p:sldTgt/>
+                  </p:tgtEl>
+                </p:cond>
+              </p:prevCondLst>
+              <p:nextCondLst>
+                <p:cond evt="onNext" delay="0">
+                  <p:tgtEl>
+                    <p:sldTgt/>
+                  </p:tgtEl>
+                </p:cond>
+              </p:nextCondLst>
+            </p:seq>
+          </p:childTnLst>
+        </p:cTn>
+      </p:par>
+    </p:tnLst>
+  </p:timing>
+</p:sld>
+</file>
+
+<file path=ppt/slides/slide19.xml><?xml version="1.0" encoding="utf-8"?>
+<p:sld xmlns:a="http://schemas.openxmlformats.org/drawingml/2006/main" xmlns:r="http://schemas.openxmlformats.org/officeDocument/2006/relationships" xmlns:p="http://schemas.openxmlformats.org/presentationml/2006/main">
+  <p:cSld>
+    <p:spTree>
+      <p:nvGrpSpPr>
+        <p:cNvPr id="1" name=""/>
+        <p:cNvGrpSpPr/>
+        <p:nvPr/>
+      </p:nvGrpSpPr>
+      <p:grpSpPr>
+        <a:xfrm>
+          <a:off x="0" y="0"/>
+          <a:ext cx="0" cy="0"/>
+          <a:chOff x="0" y="0"/>
+          <a:chExt cx="0" cy="0"/>
+        </a:xfrm>
+      </p:grpSpPr>
+      <p:sp>
+        <p:nvSpPr>
+          <p:cNvPr id="182" name="TextShape 1"/>
+          <p:cNvSpPr txBox="1"/>
+          <p:nvPr/>
+        </p:nvSpPr>
+        <p:spPr>
+          <a:xfrm>
+            <a:off x="334080" y="159480"/>
+            <a:ext cx="7893720" cy="447120"/>
+          </a:xfrm>
+          <a:prstGeom prst="rect">
+            <a:avLst/>
+          </a:prstGeom>
+          <a:noFill/>
+          <a:ln>
+            <a:noFill/>
+          </a:ln>
+        </p:spPr>
+        <p:txBody>
+          <a:bodyPr tIns="91440" bIns="91440" anchor="ctr">
+            <a:noAutofit/>
+          </a:bodyPr>
+          <a:lstStyle/>
+          <a:p>
+            <a:pPr>
+              <a:lnSpc>
+                <a:spcPct val="100000"/>
+              </a:lnSpc>
+            </a:pPr>
+            <a:r>
+              <a:rPr lang="en-US" sz="3000" spc="-1" dirty="0" err="1" smtClean="0">
+                <a:solidFill>
+                  <a:srgbClr val="262626"/>
+                </a:solidFill>
+                <a:latin typeface="+mj-lt"/>
+                <a:ea typeface="Gill Sans"/>
+              </a:rPr>
+              <a:t>Zowe</a:t>
+            </a:r>
+            <a:r>
+              <a:rPr lang="en-US" sz="3000" spc="-1" dirty="0" smtClean="0">
+                <a:solidFill>
+                  <a:srgbClr val="262626"/>
+                </a:solidFill>
+                <a:latin typeface="+mj-lt"/>
+                <a:ea typeface="Gill Sans"/>
+              </a:rPr>
+              <a:t> Onboarding Squad</a:t>
+            </a:r>
+            <a:endParaRPr lang="en-US" sz="3000" b="0" strike="noStrike" spc="-1" dirty="0">
+              <a:solidFill>
+                <a:srgbClr val="000000"/>
+              </a:solidFill>
+              <a:latin typeface="+mj-lt"/>
+            </a:endParaRPr>
+          </a:p>
+        </p:txBody>
+      </p:sp>
+      <p:sp>
+        <p:nvSpPr>
+          <p:cNvPr id="183" name="TextShape 2"/>
+          <p:cNvSpPr txBox="1"/>
+          <p:nvPr/>
+        </p:nvSpPr>
+        <p:spPr>
+          <a:xfrm>
+            <a:off x="405518" y="993913"/>
+            <a:ext cx="8269762" cy="3808676"/>
+          </a:xfrm>
+          <a:prstGeom prst="rect">
+            <a:avLst/>
+          </a:prstGeom>
+          <a:noFill/>
+          <a:ln>
+            <a:noFill/>
+          </a:ln>
+        </p:spPr>
+        <p:txBody>
+          <a:bodyPr tIns="91440" bIns="91440">
+            <a:noAutofit/>
+          </a:bodyPr>
+          <a:lstStyle/>
+          <a:p>
+            <a:pPr marL="387270" indent="-285750">
+              <a:spcBef>
+                <a:spcPts val="400"/>
+              </a:spcBef>
+              <a:buFont typeface="Wingdings" pitchFamily="2" charset="2"/>
+              <a:buChar char="Ø"/>
+            </a:pPr>
+            <a:r>
+              <a:rPr lang="en-US" b="1" dirty="0" smtClean="0"/>
+              <a:t>Improve </a:t>
+            </a:r>
+            <a:r>
+              <a:rPr lang="en-US" b="1" dirty="0"/>
+              <a:t>Initial Onboarding </a:t>
+            </a:r>
+            <a:r>
+              <a:rPr lang="en-US" b="1" dirty="0" smtClean="0"/>
+              <a:t>Experience</a:t>
+            </a:r>
+          </a:p>
+          <a:p>
+            <a:pPr marL="844470" lvl="1" indent="-285750">
+              <a:spcBef>
+                <a:spcPts val="400"/>
+              </a:spcBef>
+              <a:buFont typeface="Wingdings" pitchFamily="2" charset="2"/>
+              <a:buChar char="Ø"/>
+            </a:pPr>
+            <a:r>
+              <a:rPr lang="en-US" dirty="0"/>
+              <a:t>Better direct </a:t>
+            </a:r>
+            <a:r>
+              <a:rPr lang="en-US" dirty="0" err="1"/>
+              <a:t>Onboarders</a:t>
+            </a:r>
+            <a:r>
+              <a:rPr lang="en-US" dirty="0"/>
+              <a:t> to appropriate areas within the </a:t>
+            </a:r>
+            <a:r>
+              <a:rPr lang="en-US" dirty="0" err="1"/>
+              <a:t>Zowe</a:t>
+            </a:r>
+            <a:r>
+              <a:rPr lang="en-US" dirty="0"/>
+              <a:t> Community to ensure their first experience with </a:t>
+            </a:r>
+            <a:r>
+              <a:rPr lang="en-US" dirty="0" err="1"/>
+              <a:t>Zowe</a:t>
+            </a:r>
+            <a:r>
+              <a:rPr lang="en-US" dirty="0"/>
+              <a:t> is beneficial to them and effective in making them a part of the </a:t>
+            </a:r>
+            <a:r>
+              <a:rPr lang="en-US" dirty="0" smtClean="0"/>
+              <a:t>Community</a:t>
+            </a:r>
+          </a:p>
+          <a:p>
+            <a:pPr marL="1301670" lvl="2" indent="-285750">
+              <a:spcBef>
+                <a:spcPts val="400"/>
+              </a:spcBef>
+              <a:buFont typeface="Wingdings" pitchFamily="2" charset="2"/>
+              <a:buChar char="Ø"/>
+            </a:pPr>
+            <a:r>
+              <a:rPr lang="en-US" dirty="0" smtClean="0"/>
+              <a:t>Complete </a:t>
+            </a:r>
+            <a:r>
+              <a:rPr lang="en-US" dirty="0"/>
+              <a:t>Persona research / interviews (target </a:t>
+            </a:r>
+            <a:r>
+              <a:rPr lang="en-US" dirty="0" smtClean="0"/>
+              <a:t>11/1)</a:t>
+            </a:r>
+          </a:p>
+          <a:p>
+            <a:pPr marL="1301670" lvl="2" indent="-285750">
+              <a:spcBef>
+                <a:spcPts val="400"/>
+              </a:spcBef>
+              <a:buFont typeface="Wingdings" pitchFamily="2" charset="2"/>
+              <a:buChar char="Ø"/>
+            </a:pPr>
+            <a:r>
+              <a:rPr lang="en-US" dirty="0" smtClean="0"/>
+              <a:t>Present </a:t>
+            </a:r>
+            <a:r>
+              <a:rPr lang="en-US" dirty="0"/>
+              <a:t>recommendations for UX and UI Website navigation improvements (target </a:t>
+            </a:r>
+            <a:r>
+              <a:rPr lang="en-US" dirty="0" smtClean="0"/>
+              <a:t>11/30)</a:t>
+            </a:r>
+          </a:p>
+          <a:p>
+            <a:pPr marL="1301670" lvl="2" indent="-285750">
+              <a:spcBef>
+                <a:spcPts val="400"/>
+              </a:spcBef>
+              <a:buFont typeface="Wingdings" pitchFamily="2" charset="2"/>
+              <a:buChar char="Ø"/>
+            </a:pPr>
+            <a:r>
+              <a:rPr lang="en-US" dirty="0" smtClean="0"/>
+              <a:t>Begin </a:t>
+            </a:r>
+            <a:r>
+              <a:rPr lang="en-US" dirty="0"/>
+              <a:t>Website modifications [stretch] -- Revise Webpages to better direct </a:t>
+            </a:r>
+            <a:r>
+              <a:rPr lang="en-US" dirty="0" err="1"/>
+              <a:t>Onboarders</a:t>
+            </a:r>
+            <a:r>
+              <a:rPr lang="en-US" dirty="0"/>
+              <a:t> to appropriate areas based on their "persona" (stretch)</a:t>
+            </a:r>
+          </a:p>
+        </p:txBody>
+      </p:sp>
+    </p:spTree>
+    <p:extLst>
+      <p:ext uri="{BB962C8B-B14F-4D97-AF65-F5344CB8AC3E}">
+        <p14:creationId xmlns:p14="http://schemas.microsoft.com/office/powerpoint/2010/main" val="2522186796"/>
+      </p:ext>
+    </p:extLst>
   </p:cSld>
   <p:clrMapOvr>
     <a:masterClrMapping/>
@@ -12562,16 +14527,36 @@
               <a:buChar char="•"/>
             </a:pPr>
             <a:r>
-              <a:rPr lang="en-US" sz="1600" b="0" strike="noStrike" spc="-1">
+              <a:rPr lang="en-US" sz="1600" b="0" strike="noStrike" spc="-1" dirty="0">
                 <a:solidFill>
                   <a:srgbClr val="000000"/>
                 </a:solidFill>
                 <a:latin typeface="Arial"/>
                 <a:ea typeface="Arial"/>
               </a:rPr>
-              <a:t>Before this presentation ZLC will present Zowe achievements from last PI and context/vision at a hill-level for the upcoming PI</a:t>
-            </a:r>
-            <a:endParaRPr lang="en-US" sz="1600" b="0" strike="noStrike" spc="-1">
+              <a:t>Before this presentation ZLC will present </a:t>
+            </a:r>
+            <a:r>
+              <a:rPr lang="en-US" sz="1600" b="0" strike="noStrike" spc="-1" dirty="0" err="1">
+                <a:solidFill>
+                  <a:srgbClr val="000000"/>
+                </a:solidFill>
+                <a:latin typeface="Arial"/>
+                <a:ea typeface="Arial"/>
+              </a:rPr>
+              <a:t>Zowe</a:t>
+            </a:r>
+            <a:r>
+              <a:rPr lang="en-US" sz="1600" b="0" strike="noStrike" spc="-1" dirty="0">
+                <a:solidFill>
+                  <a:srgbClr val="000000"/>
+                </a:solidFill>
+                <a:latin typeface="Arial"/>
+                <a:ea typeface="Arial"/>
+              </a:rPr>
+              <a:t> achievements from last PI and context/vision at a hill-level for the upcoming PI</a:t>
+            </a:r>
+            <a:endParaRPr lang="en-US" sz="1600" b="0" strike="noStrike" spc="-1" dirty="0">
               <a:latin typeface="Arial"/>
             </a:endParaRPr>
           </a:p>
@@ -12587,7 +14572,7 @@
               <a:buChar char="•"/>
             </a:pPr>
             <a:r>
-              <a:rPr lang="en-US" sz="1600" b="0" strike="noStrike" spc="-1">
+              <a:rPr lang="en-US" sz="1600" b="0" strike="noStrike" spc="-1" dirty="0">
                 <a:solidFill>
                   <a:srgbClr val="000000"/>
                 </a:solidFill>
@@ -12596,7 +14581,7 @@
               </a:rPr>
               <a:t>Following this presentation, the squads will disperse into breakouts to plan their PI in more detail</a:t>
             </a:r>
-            <a:endParaRPr lang="en-US" sz="1600" b="0" strike="noStrike" spc="-1">
+            <a:endParaRPr lang="en-US" sz="1600" b="0" strike="noStrike" spc="-1" dirty="0">
               <a:latin typeface="Arial"/>
             </a:endParaRPr>
           </a:p>
@@ -12609,6 +14594,1060 @@
   </p:clrMapOvr>
   <p:transition spd="med">
     <p:fade/>
+  </p:transition>
+  <p:timing>
+    <p:tnLst>
+      <p:par>
+        <p:cTn id="1" dur="indefinite" restart="never" nodeType="tmRoot">
+          <p:childTnLst>
+            <p:seq>
+              <p:cTn id="2" dur="indefinite" nodeType="mainSeq"/>
+              <p:prevCondLst>
+                <p:cond evt="onPrev" delay="0">
+                  <p:tgtEl>
+                    <p:sldTgt/>
+                  </p:tgtEl>
+                </p:cond>
+              </p:prevCondLst>
+              <p:nextCondLst>
+                <p:cond evt="onNext" delay="0">
+                  <p:tgtEl>
+                    <p:sldTgt/>
+                  </p:tgtEl>
+                </p:cond>
+              </p:nextCondLst>
+            </p:seq>
+          </p:childTnLst>
+        </p:cTn>
+      </p:par>
+    </p:tnLst>
+  </p:timing>
+</p:sld>
+</file>
+
+<file path=ppt/slides/slide20.xml><?xml version="1.0" encoding="utf-8"?>
+<p:sld xmlns:a="http://schemas.openxmlformats.org/drawingml/2006/main" xmlns:r="http://schemas.openxmlformats.org/officeDocument/2006/relationships" xmlns:p="http://schemas.openxmlformats.org/presentationml/2006/main">
+  <p:cSld>
+    <p:spTree>
+      <p:nvGrpSpPr>
+        <p:cNvPr id="1" name=""/>
+        <p:cNvGrpSpPr/>
+        <p:nvPr/>
+      </p:nvGrpSpPr>
+      <p:grpSpPr>
+        <a:xfrm>
+          <a:off x="0" y="0"/>
+          <a:ext cx="0" cy="0"/>
+          <a:chOff x="0" y="0"/>
+          <a:chExt cx="0" cy="0"/>
+        </a:xfrm>
+      </p:grpSpPr>
+      <p:sp>
+        <p:nvSpPr>
+          <p:cNvPr id="182" name="TextShape 1"/>
+          <p:cNvSpPr txBox="1"/>
+          <p:nvPr/>
+        </p:nvSpPr>
+        <p:spPr>
+          <a:xfrm>
+            <a:off x="334080" y="159480"/>
+            <a:ext cx="7893720" cy="447120"/>
+          </a:xfrm>
+          <a:prstGeom prst="rect">
+            <a:avLst/>
+          </a:prstGeom>
+          <a:noFill/>
+          <a:ln>
+            <a:noFill/>
+          </a:ln>
+        </p:spPr>
+        <p:txBody>
+          <a:bodyPr tIns="91440" bIns="91440" anchor="ctr">
+            <a:noAutofit/>
+          </a:bodyPr>
+          <a:lstStyle/>
+          <a:p>
+            <a:pPr>
+              <a:lnSpc>
+                <a:spcPct val="100000"/>
+              </a:lnSpc>
+            </a:pPr>
+            <a:r>
+              <a:rPr lang="en-US" sz="3000" spc="-1" dirty="0" err="1" smtClean="0">
+                <a:solidFill>
+                  <a:srgbClr val="262626"/>
+                </a:solidFill>
+                <a:latin typeface="+mj-lt"/>
+                <a:ea typeface="Gill Sans"/>
+              </a:rPr>
+              <a:t>Zowe</a:t>
+            </a:r>
+            <a:r>
+              <a:rPr lang="en-US" sz="3000" spc="-1" dirty="0" smtClean="0">
+                <a:solidFill>
+                  <a:srgbClr val="262626"/>
+                </a:solidFill>
+                <a:latin typeface="+mj-lt"/>
+                <a:ea typeface="Gill Sans"/>
+              </a:rPr>
+              <a:t> Onboarding Squad</a:t>
+            </a:r>
+            <a:endParaRPr lang="en-US" sz="3000" b="0" strike="noStrike" spc="-1" dirty="0">
+              <a:solidFill>
+                <a:srgbClr val="000000"/>
+              </a:solidFill>
+              <a:latin typeface="+mj-lt"/>
+            </a:endParaRPr>
+          </a:p>
+        </p:txBody>
+      </p:sp>
+      <p:sp>
+        <p:nvSpPr>
+          <p:cNvPr id="183" name="TextShape 2"/>
+          <p:cNvSpPr txBox="1"/>
+          <p:nvPr/>
+        </p:nvSpPr>
+        <p:spPr>
+          <a:xfrm>
+            <a:off x="405518" y="993913"/>
+            <a:ext cx="8269762" cy="3808676"/>
+          </a:xfrm>
+          <a:prstGeom prst="rect">
+            <a:avLst/>
+          </a:prstGeom>
+          <a:noFill/>
+          <a:ln>
+            <a:noFill/>
+          </a:ln>
+        </p:spPr>
+        <p:txBody>
+          <a:bodyPr tIns="91440" bIns="91440">
+            <a:noAutofit/>
+          </a:bodyPr>
+          <a:lstStyle/>
+          <a:p>
+            <a:pPr marL="387270" indent="-285750">
+              <a:spcBef>
+                <a:spcPts val="400"/>
+              </a:spcBef>
+              <a:buFont typeface="Wingdings" pitchFamily="2" charset="2"/>
+              <a:buChar char="Ø"/>
+            </a:pPr>
+            <a:r>
+              <a:rPr lang="en-US" b="1" dirty="0" smtClean="0"/>
+              <a:t>Extend </a:t>
+            </a:r>
+            <a:r>
+              <a:rPr lang="en-US" b="1" dirty="0"/>
+              <a:t>OUTREACH </a:t>
+            </a:r>
+            <a:r>
+              <a:rPr lang="en-US" b="1" dirty="0" smtClean="0"/>
+              <a:t>Efforts</a:t>
+            </a:r>
+          </a:p>
+          <a:p>
+            <a:pPr marL="844470" lvl="1" indent="-285750">
+              <a:spcBef>
+                <a:spcPts val="400"/>
+              </a:spcBef>
+              <a:buFont typeface="Wingdings" pitchFamily="2" charset="2"/>
+              <a:buChar char="Ø"/>
+            </a:pPr>
+            <a:r>
+              <a:rPr lang="en-US" dirty="0" smtClean="0"/>
+              <a:t>Increase </a:t>
+            </a:r>
+            <a:r>
+              <a:rPr lang="en-US" dirty="0"/>
+              <a:t>focus on OUTREACH efforts to Onboard more ISVs and Community members in </a:t>
+            </a:r>
+            <a:r>
+              <a:rPr lang="en-US" dirty="0" smtClean="0"/>
+              <a:t>general</a:t>
+            </a:r>
+          </a:p>
+          <a:p>
+            <a:pPr marL="1301670" lvl="2" indent="-285750">
+              <a:spcBef>
+                <a:spcPts val="400"/>
+              </a:spcBef>
+              <a:buFont typeface="Wingdings" pitchFamily="2" charset="2"/>
+              <a:buChar char="Ø"/>
+            </a:pPr>
+            <a:r>
+              <a:rPr lang="en-US" dirty="0" smtClean="0"/>
+              <a:t>Draft </a:t>
+            </a:r>
+            <a:r>
+              <a:rPr lang="en-US" dirty="0"/>
+              <a:t>a new Webpage to house Onboarding-centric collateral (</a:t>
+            </a:r>
+            <a:r>
+              <a:rPr lang="en-US" dirty="0" err="1"/>
+              <a:t>Zowe</a:t>
+            </a:r>
+            <a:r>
+              <a:rPr lang="en-US" dirty="0"/>
+              <a:t> intro videos etc.) (target </a:t>
+            </a:r>
+            <a:r>
+              <a:rPr lang="en-US" dirty="0" smtClean="0"/>
+              <a:t>12/31)</a:t>
+            </a:r>
+          </a:p>
+          <a:p>
+            <a:pPr marL="1301670" lvl="2" indent="-285750">
+              <a:spcBef>
+                <a:spcPts val="400"/>
+              </a:spcBef>
+              <a:buFont typeface="Wingdings" pitchFamily="2" charset="2"/>
+              <a:buChar char="Ø"/>
+            </a:pPr>
+            <a:r>
+              <a:rPr lang="en-US" dirty="0" smtClean="0"/>
+              <a:t>Research </a:t>
+            </a:r>
+            <a:r>
+              <a:rPr lang="en-US" dirty="0"/>
+              <a:t>how we can deliver a "request for Demo" capability at the new Zowe.org webpage (#2) where </a:t>
+            </a:r>
+            <a:r>
+              <a:rPr lang="en-US" dirty="0" err="1"/>
+              <a:t>Onboarders</a:t>
+            </a:r>
+            <a:r>
+              <a:rPr lang="en-US" dirty="0"/>
+              <a:t> can request a "live" demo (target </a:t>
+            </a:r>
+            <a:r>
+              <a:rPr lang="en-US" dirty="0" smtClean="0"/>
+              <a:t>11/30)</a:t>
+            </a:r>
+          </a:p>
+          <a:p>
+            <a:pPr marL="1301670" lvl="2" indent="-285750">
+              <a:spcBef>
+                <a:spcPts val="400"/>
+              </a:spcBef>
+              <a:buFont typeface="Wingdings" pitchFamily="2" charset="2"/>
+              <a:buChar char="Ø"/>
+            </a:pPr>
+            <a:r>
+              <a:rPr lang="en-US" dirty="0" smtClean="0"/>
+              <a:t>Deliver </a:t>
+            </a:r>
+            <a:r>
+              <a:rPr lang="en-US" dirty="0"/>
+              <a:t>1 Onboarding-focused blog at Medium.com (target </a:t>
+            </a:r>
+            <a:r>
+              <a:rPr lang="en-US" dirty="0" smtClean="0"/>
+              <a:t>12/31)</a:t>
+            </a:r>
+          </a:p>
+          <a:p>
+            <a:pPr marL="1301670" lvl="2" indent="-285750">
+              <a:spcBef>
+                <a:spcPts val="400"/>
+              </a:spcBef>
+              <a:buFont typeface="Wingdings" pitchFamily="2" charset="2"/>
+              <a:buChar char="Ø"/>
+            </a:pPr>
+            <a:r>
+              <a:rPr lang="en-US" dirty="0" smtClean="0"/>
+              <a:t>Communicate </a:t>
+            </a:r>
+            <a:r>
+              <a:rPr lang="en-US" dirty="0"/>
+              <a:t>with and present at (2)  WW </a:t>
+            </a:r>
+            <a:r>
+              <a:rPr lang="en-US" dirty="0" err="1"/>
+              <a:t>zMeetup</a:t>
+            </a:r>
+            <a:r>
+              <a:rPr lang="en-US" dirty="0"/>
+              <a:t> (Communities) (target 12/31)</a:t>
+            </a:r>
+          </a:p>
+        </p:txBody>
+      </p:sp>
+    </p:spTree>
+    <p:extLst>
+      <p:ext uri="{BB962C8B-B14F-4D97-AF65-F5344CB8AC3E}">
+        <p14:creationId xmlns:p14="http://schemas.microsoft.com/office/powerpoint/2010/main" val="940490073"/>
+      </p:ext>
+    </p:extLst>
+  </p:cSld>
+  <p:clrMapOvr>
+    <a:masterClrMapping/>
+  </p:clrMapOvr>
+  <p:transition spd="med">
+    <p:fade thruBlk="1"/>
+  </p:transition>
+  <p:timing>
+    <p:tnLst>
+      <p:par>
+        <p:cTn id="1" dur="indefinite" restart="never" nodeType="tmRoot">
+          <p:childTnLst>
+            <p:seq>
+              <p:cTn id="2" dur="indefinite" nodeType="mainSeq"/>
+              <p:prevCondLst>
+                <p:cond evt="onPrev" delay="0">
+                  <p:tgtEl>
+                    <p:sldTgt/>
+                  </p:tgtEl>
+                </p:cond>
+              </p:prevCondLst>
+              <p:nextCondLst>
+                <p:cond evt="onNext" delay="0">
+                  <p:tgtEl>
+                    <p:sldTgt/>
+                  </p:tgtEl>
+                </p:cond>
+              </p:nextCondLst>
+            </p:seq>
+          </p:childTnLst>
+        </p:cTn>
+      </p:par>
+    </p:tnLst>
+  </p:timing>
+</p:sld>
+</file>
+
+<file path=ppt/slides/slide21.xml><?xml version="1.0" encoding="utf-8"?>
+<p:sld xmlns:a="http://schemas.openxmlformats.org/drawingml/2006/main" xmlns:r="http://schemas.openxmlformats.org/officeDocument/2006/relationships" xmlns:p="http://schemas.openxmlformats.org/presentationml/2006/main">
+  <p:cSld>
+    <p:spTree>
+      <p:nvGrpSpPr>
+        <p:cNvPr id="1" name=""/>
+        <p:cNvGrpSpPr/>
+        <p:nvPr/>
+      </p:nvGrpSpPr>
+      <p:grpSpPr>
+        <a:xfrm>
+          <a:off x="0" y="0"/>
+          <a:ext cx="0" cy="0"/>
+          <a:chOff x="0" y="0"/>
+          <a:chExt cx="0" cy="0"/>
+        </a:xfrm>
+      </p:grpSpPr>
+      <p:sp>
+        <p:nvSpPr>
+          <p:cNvPr id="182" name="TextShape 1"/>
+          <p:cNvSpPr txBox="1"/>
+          <p:nvPr/>
+        </p:nvSpPr>
+        <p:spPr>
+          <a:xfrm>
+            <a:off x="334080" y="159480"/>
+            <a:ext cx="7893720" cy="447120"/>
+          </a:xfrm>
+          <a:prstGeom prst="rect">
+            <a:avLst/>
+          </a:prstGeom>
+          <a:noFill/>
+          <a:ln>
+            <a:noFill/>
+          </a:ln>
+        </p:spPr>
+        <p:txBody>
+          <a:bodyPr tIns="91440" bIns="91440" anchor="ctr">
+            <a:noAutofit/>
+          </a:bodyPr>
+          <a:lstStyle/>
+          <a:p>
+            <a:pPr>
+              <a:lnSpc>
+                <a:spcPct val="100000"/>
+              </a:lnSpc>
+            </a:pPr>
+            <a:r>
+              <a:rPr lang="en-US" sz="3000" spc="-1" dirty="0" err="1" smtClean="0">
+                <a:solidFill>
+                  <a:srgbClr val="262626"/>
+                </a:solidFill>
+                <a:latin typeface="+mj-lt"/>
+                <a:ea typeface="Gill Sans"/>
+              </a:rPr>
+              <a:t>Zowe</a:t>
+            </a:r>
+            <a:r>
+              <a:rPr lang="en-US" sz="3000" spc="-1" dirty="0" smtClean="0">
+                <a:solidFill>
+                  <a:srgbClr val="262626"/>
+                </a:solidFill>
+                <a:latin typeface="+mj-lt"/>
+                <a:ea typeface="Gill Sans"/>
+              </a:rPr>
+              <a:t> Onboarding Squad</a:t>
+            </a:r>
+            <a:endParaRPr lang="en-US" sz="3000" b="0" strike="noStrike" spc="-1" dirty="0">
+              <a:solidFill>
+                <a:srgbClr val="000000"/>
+              </a:solidFill>
+              <a:latin typeface="+mj-lt"/>
+            </a:endParaRPr>
+          </a:p>
+        </p:txBody>
+      </p:sp>
+      <p:sp>
+        <p:nvSpPr>
+          <p:cNvPr id="183" name="TextShape 2"/>
+          <p:cNvSpPr txBox="1"/>
+          <p:nvPr/>
+        </p:nvSpPr>
+        <p:spPr>
+          <a:xfrm>
+            <a:off x="405518" y="993913"/>
+            <a:ext cx="8269762" cy="3808676"/>
+          </a:xfrm>
+          <a:prstGeom prst="rect">
+            <a:avLst/>
+          </a:prstGeom>
+          <a:noFill/>
+          <a:ln>
+            <a:noFill/>
+          </a:ln>
+        </p:spPr>
+        <p:txBody>
+          <a:bodyPr tIns="91440" bIns="91440">
+            <a:noAutofit/>
+          </a:bodyPr>
+          <a:lstStyle/>
+          <a:p>
+            <a:pPr marL="387270" indent="-285750">
+              <a:spcBef>
+                <a:spcPts val="400"/>
+              </a:spcBef>
+              <a:buFont typeface="Wingdings" pitchFamily="2" charset="2"/>
+              <a:buChar char="Ø"/>
+            </a:pPr>
+            <a:r>
+              <a:rPr lang="en-US" b="1" dirty="0" smtClean="0"/>
+              <a:t>Manage </a:t>
+            </a:r>
+            <a:r>
+              <a:rPr lang="en-US" b="1" dirty="0"/>
+              <a:t>Production of and Leverage Statistics to Help All Squads to Identify </a:t>
+            </a:r>
+            <a:r>
+              <a:rPr lang="en-US" b="1" dirty="0" err="1"/>
+              <a:t>Zowe</a:t>
+            </a:r>
+            <a:r>
+              <a:rPr lang="en-US" b="1" dirty="0"/>
+              <a:t> Interest, Experimentation, and </a:t>
+            </a:r>
+            <a:r>
+              <a:rPr lang="en-US" b="1" dirty="0" smtClean="0"/>
+              <a:t>Challenges</a:t>
+            </a:r>
+          </a:p>
+          <a:p>
+            <a:pPr marL="844470" lvl="1" indent="-285750">
+              <a:spcBef>
+                <a:spcPts val="400"/>
+              </a:spcBef>
+              <a:buFont typeface="Wingdings" pitchFamily="2" charset="2"/>
+              <a:buChar char="Ø"/>
+            </a:pPr>
+            <a:r>
+              <a:rPr lang="en-US" dirty="0" smtClean="0"/>
+              <a:t>Continue </a:t>
+            </a:r>
+            <a:r>
+              <a:rPr lang="en-US" dirty="0"/>
+              <a:t>maturing statistics process and </a:t>
+            </a:r>
+            <a:r>
+              <a:rPr lang="en-US" dirty="0" smtClean="0"/>
+              <a:t>reporting</a:t>
+            </a:r>
+          </a:p>
+          <a:p>
+            <a:pPr marL="1301670" lvl="2" indent="-285750">
+              <a:spcBef>
+                <a:spcPts val="400"/>
+              </a:spcBef>
+              <a:buFont typeface="Wingdings" pitchFamily="2" charset="2"/>
+              <a:buChar char="Ø"/>
+            </a:pPr>
+            <a:r>
+              <a:rPr lang="en-US" dirty="0" smtClean="0"/>
+              <a:t>Automate </a:t>
+            </a:r>
+            <a:r>
+              <a:rPr lang="en-US" dirty="0"/>
+              <a:t>the monthly statistics report (target </a:t>
+            </a:r>
+            <a:r>
+              <a:rPr lang="en-US" dirty="0" smtClean="0"/>
+              <a:t>12/31)</a:t>
+            </a:r>
+          </a:p>
+          <a:p>
+            <a:pPr marL="1301670" lvl="2" indent="-285750">
+              <a:spcBef>
+                <a:spcPts val="400"/>
+              </a:spcBef>
+              <a:buFont typeface="Wingdings" pitchFamily="2" charset="2"/>
+              <a:buChar char="Ø"/>
+            </a:pPr>
+            <a:r>
+              <a:rPr lang="en-US" dirty="0" smtClean="0"/>
+              <a:t>Brainstorm </a:t>
+            </a:r>
+            <a:r>
+              <a:rPr lang="en-US" dirty="0"/>
+              <a:t>&amp; draft </a:t>
+            </a:r>
+            <a:r>
+              <a:rPr lang="en-US" dirty="0" err="1"/>
+              <a:t>Zowe</a:t>
+            </a:r>
+            <a:r>
+              <a:rPr lang="en-US" dirty="0"/>
+              <a:t> KPIs to help identify trends and  influential activities (target 12/31)</a:t>
+            </a:r>
+          </a:p>
+        </p:txBody>
+      </p:sp>
+    </p:spTree>
+    <p:extLst>
+      <p:ext uri="{BB962C8B-B14F-4D97-AF65-F5344CB8AC3E}">
+        <p14:creationId xmlns:p14="http://schemas.microsoft.com/office/powerpoint/2010/main" val="478070579"/>
+      </p:ext>
+    </p:extLst>
+  </p:cSld>
+  <p:clrMapOvr>
+    <a:masterClrMapping/>
+  </p:clrMapOvr>
+  <p:transition spd="med">
+    <p:fade thruBlk="1"/>
+  </p:transition>
+  <p:timing>
+    <p:tnLst>
+      <p:par>
+        <p:cTn id="1" dur="indefinite" restart="never" nodeType="tmRoot">
+          <p:childTnLst>
+            <p:seq>
+              <p:cTn id="2" dur="indefinite" nodeType="mainSeq"/>
+              <p:prevCondLst>
+                <p:cond evt="onPrev" delay="0">
+                  <p:tgtEl>
+                    <p:sldTgt/>
+                  </p:tgtEl>
+                </p:cond>
+              </p:prevCondLst>
+              <p:nextCondLst>
+                <p:cond evt="onNext" delay="0">
+                  <p:tgtEl>
+                    <p:sldTgt/>
+                  </p:tgtEl>
+                </p:cond>
+              </p:nextCondLst>
+            </p:seq>
+          </p:childTnLst>
+        </p:cTn>
+      </p:par>
+    </p:tnLst>
+  </p:timing>
+</p:sld>
+</file>
+
+<file path=ppt/slides/slide22.xml><?xml version="1.0" encoding="utf-8"?>
+<p:sld xmlns:a="http://schemas.openxmlformats.org/drawingml/2006/main" xmlns:r="http://schemas.openxmlformats.org/officeDocument/2006/relationships" xmlns:p="http://schemas.openxmlformats.org/presentationml/2006/main">
+  <p:cSld>
+    <p:spTree>
+      <p:nvGrpSpPr>
+        <p:cNvPr id="1" name=""/>
+        <p:cNvGrpSpPr/>
+        <p:nvPr/>
+      </p:nvGrpSpPr>
+      <p:grpSpPr>
+        <a:xfrm>
+          <a:off x="0" y="0"/>
+          <a:ext cx="0" cy="0"/>
+          <a:chOff x="0" y="0"/>
+          <a:chExt cx="0" cy="0"/>
+        </a:xfrm>
+      </p:grpSpPr>
+      <p:sp>
+        <p:nvSpPr>
+          <p:cNvPr id="180" name="TextShape 1"/>
+          <p:cNvSpPr txBox="1"/>
+          <p:nvPr/>
+        </p:nvSpPr>
+        <p:spPr>
+          <a:xfrm>
+            <a:off x="334080" y="159480"/>
+            <a:ext cx="7893720" cy="447120"/>
+          </a:xfrm>
+          <a:prstGeom prst="rect">
+            <a:avLst/>
+          </a:prstGeom>
+          <a:noFill/>
+          <a:ln>
+            <a:noFill/>
+          </a:ln>
+        </p:spPr>
+        <p:txBody>
+          <a:bodyPr tIns="91440" bIns="91440" anchor="ctr">
+            <a:noAutofit/>
+          </a:bodyPr>
+          <a:lstStyle/>
+          <a:p>
+            <a:pPr>
+              <a:lnSpc>
+                <a:spcPct val="100000"/>
+              </a:lnSpc>
+            </a:pPr>
+            <a:r>
+              <a:rPr lang="en-US" sz="3000" b="0" strike="noStrike" spc="-1" dirty="0">
+                <a:solidFill>
+                  <a:srgbClr val="262626"/>
+                </a:solidFill>
+                <a:latin typeface="+mj-lt"/>
+                <a:ea typeface="Gill Sans"/>
+              </a:rPr>
+              <a:t>Dependencies</a:t>
+            </a:r>
+            <a:endParaRPr lang="en-US" sz="3000" b="0" strike="noStrike" spc="-1" dirty="0">
+              <a:solidFill>
+                <a:srgbClr val="000000"/>
+              </a:solidFill>
+              <a:latin typeface="+mj-lt"/>
+            </a:endParaRPr>
+          </a:p>
+        </p:txBody>
+      </p:sp>
+      <p:sp>
+        <p:nvSpPr>
+          <p:cNvPr id="181" name="TextShape 2"/>
+          <p:cNvSpPr txBox="1"/>
+          <p:nvPr/>
+        </p:nvSpPr>
+        <p:spPr>
+          <a:xfrm>
+            <a:off x="306360" y="774000"/>
+            <a:ext cx="8368920" cy="4147560"/>
+          </a:xfrm>
+          <a:prstGeom prst="rect">
+            <a:avLst/>
+          </a:prstGeom>
+          <a:noFill/>
+          <a:ln>
+            <a:noFill/>
+          </a:ln>
+        </p:spPr>
+        <p:txBody>
+          <a:bodyPr tIns="91440" bIns="91440">
+            <a:noAutofit/>
+          </a:bodyPr>
+          <a:lstStyle/>
+          <a:p>
+            <a:pPr marL="457200" indent="-355320">
+              <a:lnSpc>
+                <a:spcPct val="100000"/>
+              </a:lnSpc>
+              <a:spcBef>
+                <a:spcPts val="400"/>
+              </a:spcBef>
+              <a:buClr>
+                <a:srgbClr val="000000"/>
+              </a:buClr>
+              <a:buFont typeface="Arial"/>
+              <a:buChar char="•"/>
+            </a:pPr>
+            <a:r>
+              <a:rPr lang="en-US" dirty="0" smtClean="0"/>
+              <a:t>DOC </a:t>
+            </a:r>
+            <a:r>
+              <a:rPr lang="en-US" dirty="0"/>
+              <a:t>Squad: will probably need to collaborate on Web Page </a:t>
+            </a:r>
+            <a:r>
+              <a:rPr lang="en-US" dirty="0" smtClean="0"/>
+              <a:t>modifications</a:t>
+            </a:r>
+            <a:br>
+              <a:rPr lang="en-US" dirty="0" smtClean="0"/>
+            </a:br>
+            <a:endParaRPr lang="en-US" dirty="0" smtClean="0"/>
+          </a:p>
+          <a:p>
+            <a:pPr marL="457200" indent="-355320">
+              <a:lnSpc>
+                <a:spcPct val="100000"/>
+              </a:lnSpc>
+              <a:spcBef>
+                <a:spcPts val="400"/>
+              </a:spcBef>
+              <a:buClr>
+                <a:srgbClr val="000000"/>
+              </a:buClr>
+              <a:buFont typeface="Arial"/>
+              <a:buChar char="•"/>
+            </a:pPr>
+            <a:r>
+              <a:rPr lang="en-US" dirty="0" smtClean="0"/>
+              <a:t>UX </a:t>
+            </a:r>
+            <a:r>
+              <a:rPr lang="en-US" dirty="0"/>
+              <a:t>Designers: welcome their input on web page </a:t>
+            </a:r>
+            <a:r>
+              <a:rPr lang="en-US" dirty="0" smtClean="0"/>
+              <a:t>design</a:t>
+            </a:r>
+            <a:br>
+              <a:rPr lang="en-US" dirty="0" smtClean="0"/>
+            </a:br>
+            <a:endParaRPr lang="en-US" dirty="0" smtClean="0"/>
+          </a:p>
+          <a:p>
+            <a:pPr marL="457200" indent="-355320">
+              <a:lnSpc>
+                <a:spcPct val="100000"/>
+              </a:lnSpc>
+              <a:spcBef>
+                <a:spcPts val="400"/>
+              </a:spcBef>
+              <a:buClr>
+                <a:srgbClr val="000000"/>
+              </a:buClr>
+              <a:buFont typeface="Arial"/>
+              <a:buChar char="•"/>
+            </a:pPr>
+            <a:r>
+              <a:rPr lang="en-US" dirty="0" smtClean="0"/>
+              <a:t>CLI</a:t>
+            </a:r>
+            <a:r>
+              <a:rPr lang="en-US" dirty="0"/>
+              <a:t>, API, Web UI, </a:t>
+            </a:r>
+            <a:r>
+              <a:rPr lang="en-US" dirty="0" err="1"/>
+              <a:t>etc</a:t>
+            </a:r>
+            <a:r>
+              <a:rPr lang="en-US" dirty="0"/>
+              <a:t>: Squad leads for their input on the "request for demo" deliverable</a:t>
+            </a:r>
+          </a:p>
+        </p:txBody>
+      </p:sp>
+    </p:spTree>
+    <p:extLst>
+      <p:ext uri="{BB962C8B-B14F-4D97-AF65-F5344CB8AC3E}">
+        <p14:creationId xmlns:p14="http://schemas.microsoft.com/office/powerpoint/2010/main" val="3546241616"/>
+      </p:ext>
+    </p:extLst>
+  </p:cSld>
+  <p:clrMapOvr>
+    <a:masterClrMapping/>
+  </p:clrMapOvr>
+  <p:transition spd="med">
+    <p:fade thruBlk="1"/>
+  </p:transition>
+  <p:timing>
+    <p:tnLst>
+      <p:par>
+        <p:cTn id="1" dur="indefinite" restart="never" nodeType="tmRoot">
+          <p:childTnLst>
+            <p:seq>
+              <p:cTn id="2" dur="indefinite" nodeType="mainSeq"/>
+              <p:prevCondLst>
+                <p:cond evt="onPrev" delay="0">
+                  <p:tgtEl>
+                    <p:sldTgt/>
+                  </p:tgtEl>
+                </p:cond>
+              </p:prevCondLst>
+              <p:nextCondLst>
+                <p:cond evt="onNext" delay="0">
+                  <p:tgtEl>
+                    <p:sldTgt/>
+                  </p:tgtEl>
+                </p:cond>
+              </p:nextCondLst>
+            </p:seq>
+          </p:childTnLst>
+        </p:cTn>
+      </p:par>
+    </p:tnLst>
+  </p:timing>
+</p:sld>
+</file>
+
+<file path=ppt/slides/slide23.xml><?xml version="1.0" encoding="utf-8"?>
+<p:sld xmlns:a="http://schemas.openxmlformats.org/drawingml/2006/main" xmlns:r="http://schemas.openxmlformats.org/officeDocument/2006/relationships" xmlns:p="http://schemas.openxmlformats.org/presentationml/2006/main">
+  <p:cSld>
+    <p:spTree>
+      <p:nvGrpSpPr>
+        <p:cNvPr id="1" name=""/>
+        <p:cNvGrpSpPr/>
+        <p:nvPr/>
+      </p:nvGrpSpPr>
+      <p:grpSpPr>
+        <a:xfrm>
+          <a:off x="0" y="0"/>
+          <a:ext cx="0" cy="0"/>
+          <a:chOff x="0" y="0"/>
+          <a:chExt cx="0" cy="0"/>
+        </a:xfrm>
+      </p:grpSpPr>
+      <p:sp>
+        <p:nvSpPr>
+          <p:cNvPr id="188" name="TextShape 1"/>
+          <p:cNvSpPr txBox="1"/>
+          <p:nvPr/>
+        </p:nvSpPr>
+        <p:spPr>
+          <a:xfrm>
+            <a:off x="308520" y="3525840"/>
+            <a:ext cx="6446160" cy="392040"/>
+          </a:xfrm>
+          <a:prstGeom prst="rect">
+            <a:avLst/>
+          </a:prstGeom>
+          <a:noFill/>
+          <a:ln>
+            <a:noFill/>
+          </a:ln>
+        </p:spPr>
+        <p:txBody>
+          <a:bodyPr lIns="0" tIns="0" rIns="0" bIns="0" anchor="b">
+            <a:noAutofit/>
+          </a:bodyPr>
+          <a:lstStyle/>
+          <a:p>
+            <a:pPr marL="457200" indent="-228240">
+              <a:lnSpc>
+                <a:spcPct val="85000"/>
+              </a:lnSpc>
+              <a:spcBef>
+                <a:spcPts val="901"/>
+              </a:spcBef>
+            </a:pPr>
+            <a:r>
+              <a:rPr lang="en-US" sz="3000" b="1" strike="noStrike" spc="-1" dirty="0">
+                <a:solidFill>
+                  <a:srgbClr val="000000"/>
+                </a:solidFill>
+                <a:latin typeface="Arial"/>
+                <a:ea typeface="Arial"/>
+              </a:rPr>
+              <a:t>TBD Squad Focus</a:t>
+            </a:r>
+            <a:endParaRPr lang="en-US" sz="3000" b="0" strike="noStrike" spc="-1" dirty="0">
+              <a:solidFill>
+                <a:srgbClr val="000000"/>
+              </a:solidFill>
+              <a:latin typeface="Arial"/>
+            </a:endParaRPr>
+          </a:p>
+          <a:p>
+            <a:pPr marL="457200" indent="-228240">
+              <a:lnSpc>
+                <a:spcPct val="85000"/>
+              </a:lnSpc>
+              <a:spcBef>
+                <a:spcPts val="901"/>
+              </a:spcBef>
+            </a:pPr>
+            <a:r>
+              <a:rPr lang="en-US" sz="2000" b="1" strike="noStrike" spc="-1" dirty="0">
+                <a:solidFill>
+                  <a:srgbClr val="000000"/>
+                </a:solidFill>
+                <a:latin typeface="Arial"/>
+                <a:ea typeface="Arial"/>
+              </a:rPr>
+              <a:t>TBD (Squad Lead)</a:t>
+            </a:r>
+            <a:endParaRPr lang="en-US" sz="2000" b="0" strike="noStrike" spc="-1" dirty="0">
+              <a:solidFill>
+                <a:srgbClr val="000000"/>
+              </a:solidFill>
+              <a:latin typeface="Arial"/>
+            </a:endParaRPr>
+          </a:p>
+        </p:txBody>
+      </p:sp>
+    </p:spTree>
+  </p:cSld>
+  <p:clrMapOvr>
+    <a:masterClrMapping/>
+  </p:clrMapOvr>
+  <p:transition spd="med">
+    <p:fade/>
+  </p:transition>
+  <p:timing>
+    <p:tnLst>
+      <p:par>
+        <p:cTn id="1" dur="indefinite" restart="never" nodeType="tmRoot">
+          <p:childTnLst>
+            <p:seq>
+              <p:cTn id="2" dur="indefinite" nodeType="mainSeq"/>
+              <p:prevCondLst>
+                <p:cond evt="onPrev" delay="0">
+                  <p:tgtEl>
+                    <p:sldTgt/>
+                  </p:tgtEl>
+                </p:cond>
+              </p:prevCondLst>
+              <p:nextCondLst>
+                <p:cond evt="onNext" delay="0">
+                  <p:tgtEl>
+                    <p:sldTgt/>
+                  </p:tgtEl>
+                </p:cond>
+              </p:nextCondLst>
+            </p:seq>
+          </p:childTnLst>
+        </p:cTn>
+      </p:par>
+    </p:tnLst>
+  </p:timing>
+</p:sld>
+</file>
+
+<file path=ppt/slides/slide24.xml><?xml version="1.0" encoding="utf-8"?>
+<p:sld xmlns:a="http://schemas.openxmlformats.org/drawingml/2006/main" xmlns:r="http://schemas.openxmlformats.org/officeDocument/2006/relationships" xmlns:p="http://schemas.openxmlformats.org/presentationml/2006/main">
+  <p:cSld>
+    <p:spTree>
+      <p:nvGrpSpPr>
+        <p:cNvPr id="1" name=""/>
+        <p:cNvGrpSpPr/>
+        <p:nvPr/>
+      </p:nvGrpSpPr>
+      <p:grpSpPr>
+        <a:xfrm>
+          <a:off x="0" y="0"/>
+          <a:ext cx="0" cy="0"/>
+          <a:chOff x="0" y="0"/>
+          <a:chExt cx="0" cy="0"/>
+        </a:xfrm>
+      </p:grpSpPr>
+      <p:sp>
+        <p:nvSpPr>
+          <p:cNvPr id="189" name="TextShape 1"/>
+          <p:cNvSpPr txBox="1"/>
+          <p:nvPr/>
+        </p:nvSpPr>
+        <p:spPr>
+          <a:xfrm>
+            <a:off x="334080" y="159480"/>
+            <a:ext cx="7893720" cy="447120"/>
+          </a:xfrm>
+          <a:prstGeom prst="rect">
+            <a:avLst/>
+          </a:prstGeom>
+          <a:noFill/>
+          <a:ln>
+            <a:noFill/>
+          </a:ln>
+        </p:spPr>
+        <p:txBody>
+          <a:bodyPr tIns="91440" bIns="91440" anchor="ctr">
+            <a:noAutofit/>
+          </a:bodyPr>
+          <a:lstStyle/>
+          <a:p>
+            <a:pPr>
+              <a:lnSpc>
+                <a:spcPct val="100000"/>
+              </a:lnSpc>
+            </a:pPr>
+            <a:r>
+              <a:rPr lang="en-US" sz="2600" b="0" strike="noStrike" spc="-1" dirty="0">
+                <a:solidFill>
+                  <a:srgbClr val="262626"/>
+                </a:solidFill>
+                <a:latin typeface="Gill Sans"/>
+                <a:ea typeface="Gill Sans"/>
+              </a:rPr>
+              <a:t>Title</a:t>
+            </a:r>
+            <a:endParaRPr lang="en-US" sz="2600" b="0" strike="noStrike" spc="-1" dirty="0">
+              <a:solidFill>
+                <a:srgbClr val="000000"/>
+              </a:solidFill>
+              <a:latin typeface="Arial"/>
+            </a:endParaRPr>
+          </a:p>
+        </p:txBody>
+      </p:sp>
+      <p:sp>
+        <p:nvSpPr>
+          <p:cNvPr id="190" name="TextShape 2"/>
+          <p:cNvSpPr txBox="1"/>
+          <p:nvPr/>
+        </p:nvSpPr>
+        <p:spPr>
+          <a:xfrm>
+            <a:off x="336600" y="682920"/>
+            <a:ext cx="8349840" cy="4177800"/>
+          </a:xfrm>
+          <a:prstGeom prst="rect">
+            <a:avLst/>
+          </a:prstGeom>
+          <a:noFill/>
+          <a:ln>
+            <a:noFill/>
+          </a:ln>
+        </p:spPr>
+        <p:txBody>
+          <a:bodyPr tIns="91440" bIns="91440">
+            <a:noAutofit/>
+          </a:bodyPr>
+          <a:lstStyle/>
+          <a:p>
+            <a:pPr marL="457200" indent="-355320">
+              <a:lnSpc>
+                <a:spcPct val="100000"/>
+              </a:lnSpc>
+              <a:spcBef>
+                <a:spcPts val="400"/>
+              </a:spcBef>
+              <a:buClr>
+                <a:srgbClr val="000000"/>
+              </a:buClr>
+              <a:buFont typeface="Arial"/>
+              <a:buChar char="•"/>
+            </a:pPr>
+            <a:r>
+              <a:rPr lang="en-US" sz="1800" b="0" strike="noStrike" spc="-1" dirty="0">
+                <a:solidFill>
+                  <a:srgbClr val="000000"/>
+                </a:solidFill>
+                <a:latin typeface="Gill Sans"/>
+                <a:ea typeface="Gill Sans"/>
+              </a:rPr>
+              <a:t>TBD</a:t>
+            </a:r>
+            <a:endParaRPr lang="en-US" sz="1600" b="0" strike="noStrike" spc="-1" dirty="0">
+              <a:solidFill>
+                <a:srgbClr val="000000"/>
+              </a:solidFill>
+              <a:latin typeface="Arial"/>
+            </a:endParaRPr>
+          </a:p>
+        </p:txBody>
+      </p:sp>
+    </p:spTree>
+  </p:cSld>
+  <p:clrMapOvr>
+    <a:masterClrMapping/>
+  </p:clrMapOvr>
+  <p:transition spd="med">
+    <p:fade thruBlk="1"/>
   </p:transition>
   <p:timing>
     <p:tnLst>
@@ -12688,20 +15727,20 @@
               </a:lnSpc>
             </a:pPr>
             <a:r>
-              <a:rPr lang="en-US" sz="3000" b="0" strike="noStrike" spc="-1">
+              <a:rPr lang="en-US" sz="3000" b="0" strike="noStrike" spc="-1" dirty="0">
                 <a:solidFill>
                   <a:srgbClr val="262626"/>
                 </a:solidFill>
-                <a:latin typeface="Gill Sans"/>
+                <a:latin typeface="+mj-lt"/>
                 <a:ea typeface="Gill Sans"/>
               </a:rPr>
               <a:t>Agenda</a:t>
             </a:r>
-            <a:endParaRPr lang="en-US" sz="3000" b="0" strike="noStrike" spc="-1">
-              <a:solidFill>
-                <a:srgbClr val="000000"/>
-              </a:solidFill>
-              <a:latin typeface="Arial"/>
+            <a:endParaRPr lang="en-US" sz="3000" b="0" strike="noStrike" spc="-1" dirty="0">
+              <a:solidFill>
+                <a:srgbClr val="000000"/>
+              </a:solidFill>
+              <a:latin typeface="+mj-lt"/>
             </a:endParaRPr>
           </a:p>
         </p:txBody>
@@ -12745,20 +15784,20 @@
               <a:buChar char="•"/>
             </a:pPr>
             <a:r>
-              <a:rPr lang="en-US" sz="2000" b="0" strike="noStrike" spc="-1" dirty="0">
+              <a:rPr lang="en-US" sz="2000" b="0" strike="noStrike" spc="-1" dirty="0" smtClean="0">
                 <a:solidFill>
                   <a:srgbClr val="000000"/>
                 </a:solidFill>
-                <a:latin typeface="Gill Sans"/>
+                <a:latin typeface="+mj-lt"/>
                 <a:ea typeface="Gill Sans"/>
               </a:rPr>
-              <a:t>Squad 1 Focus</a:t>
+              <a:t>System Squad Focus</a:t>
             </a:r>
             <a:endParaRPr lang="en-US" sz="2000" b="0" strike="noStrike" spc="-1" dirty="0">
               <a:solidFill>
                 <a:srgbClr val="000000"/>
               </a:solidFill>
-              <a:latin typeface="Arial"/>
+              <a:latin typeface="+mj-lt"/>
             </a:endParaRPr>
           </a:p>
           <a:p>
@@ -12776,20 +15815,61 @@
               <a:buChar char="•"/>
             </a:pPr>
             <a:r>
-              <a:rPr lang="en-US" sz="2000" b="0" strike="noStrike" spc="-1" dirty="0">
+              <a:rPr lang="en-US" sz="2000" spc="-1" dirty="0" err="1" smtClean="0">
                 <a:solidFill>
                   <a:srgbClr val="000000"/>
                 </a:solidFill>
-                <a:latin typeface="Gill Sans"/>
-                <a:ea typeface="Gill Sans"/>
-              </a:rPr>
-              <a:t>Squad 2 Focus</a:t>
+                <a:latin typeface="+mj-lt"/>
+              </a:rPr>
+              <a:t>Zowe</a:t>
+            </a:r>
+            <a:r>
+              <a:rPr lang="en-US" sz="2000" spc="-1" dirty="0" smtClean="0">
+                <a:solidFill>
+                  <a:srgbClr val="000000"/>
+                </a:solidFill>
+                <a:latin typeface="+mj-lt"/>
+              </a:rPr>
+              <a:t> CLI Squad Focus</a:t>
+            </a:r>
+          </a:p>
+          <a:p>
+            <a:pPr marL="457200" indent="-355320">
+              <a:lnSpc>
+                <a:spcPct val="100000"/>
+              </a:lnSpc>
+              <a:spcBef>
+                <a:spcPts val="400"/>
+              </a:spcBef>
+              <a:buClr>
+                <a:srgbClr val="000000"/>
+              </a:buClr>
+              <a:buFont typeface="Arial"/>
+              <a:buChar char="•"/>
+            </a:pPr>
+            <a:r>
+              <a:rPr lang="en-US" sz="2000" b="0" strike="noStrike" spc="-1" dirty="0" err="1" smtClean="0">
+                <a:solidFill>
+                  <a:srgbClr val="000000"/>
+                </a:solidFill>
+                <a:latin typeface="+mj-lt"/>
+              </a:rPr>
+              <a:t>Zowe</a:t>
+            </a:r>
+            <a:r>
+              <a:rPr lang="en-US" sz="2000" b="0" strike="noStrike" spc="-1" dirty="0" smtClean="0">
+                <a:solidFill>
+                  <a:srgbClr val="000000"/>
+                </a:solidFill>
+                <a:latin typeface="+mj-lt"/>
+              </a:rPr>
+              <a:t> Onboarding Squad Focus</a:t>
             </a:r>
             <a:endParaRPr lang="en-US" sz="2000" b="0" strike="noStrike" spc="-1" dirty="0">
               <a:solidFill>
                 <a:srgbClr val="000000"/>
               </a:solidFill>
-              <a:latin typeface="Arial"/>
+              <a:latin typeface="+mj-lt"/>
             </a:endParaRPr>
           </a:p>
           <a:p>
@@ -13103,20 +16183,20 @@
               </a:lnSpc>
             </a:pPr>
             <a:r>
-              <a:rPr lang="en-US" sz="3000" b="0" strike="noStrike" spc="-1">
+              <a:rPr lang="en-US" sz="3000" b="0" strike="noStrike" spc="-1" dirty="0">
                 <a:solidFill>
                   <a:srgbClr val="262626"/>
                 </a:solidFill>
-                <a:latin typeface="Gill Sans"/>
+                <a:latin typeface="+mj-lt"/>
                 <a:ea typeface="Gill Sans"/>
               </a:rPr>
               <a:t>Dependencies</a:t>
             </a:r>
-            <a:endParaRPr lang="en-US" sz="3000" b="0" strike="noStrike" spc="-1">
-              <a:solidFill>
-                <a:srgbClr val="000000"/>
-              </a:solidFill>
-              <a:latin typeface="Arial"/>
+            <a:endParaRPr lang="en-US" sz="3000" b="0" strike="noStrike" spc="-1" dirty="0">
+              <a:solidFill>
+                <a:srgbClr val="000000"/>
+              </a:solidFill>
+              <a:latin typeface="+mj-lt"/>
             </a:endParaRPr>
           </a:p>
         </p:txBody>
@@ -13164,7 +16244,7 @@
                 <a:solidFill>
                   <a:srgbClr val="000000"/>
                 </a:solidFill>
-                <a:latin typeface="Gill Sans" panose="020B0502020104020203" pitchFamily="34" charset="-79"/>
+                <a:latin typeface="+mj-lt"/>
                 <a:ea typeface="Gill Sans"/>
                 <a:cs typeface="Gill Sans" panose="020B0502020104020203" pitchFamily="34" charset="-79"/>
               </a:rPr>
@@ -13175,7 +16255,7 @@
                 <a:solidFill>
                   <a:srgbClr val="000000"/>
                 </a:solidFill>
-                <a:latin typeface="Gill Sans" panose="020B0502020104020203" pitchFamily="34" charset="-79"/>
+                <a:latin typeface="+mj-lt"/>
                 <a:ea typeface="Gill Sans"/>
                 <a:cs typeface="Gill Sans" panose="020B0502020104020203" pitchFamily="34" charset="-79"/>
               </a:rPr>
@@ -13198,7 +16278,7 @@
                 <a:solidFill>
                   <a:srgbClr val="000000"/>
                 </a:solidFill>
-                <a:latin typeface="Gill Sans" panose="020B0502020104020203" pitchFamily="34" charset="-79"/>
+                <a:latin typeface="+mj-lt"/>
                 <a:cs typeface="Gill Sans" panose="020B0502020104020203" pitchFamily="34" charset="-79"/>
               </a:rPr>
               <a:t>API ML Squad </a:t>
@@ -13208,7 +16288,7 @@
                 <a:solidFill>
                   <a:srgbClr val="000000"/>
                 </a:solidFill>
-                <a:latin typeface="Gill Sans" panose="020B0502020104020203" pitchFamily="34" charset="-79"/>
+                <a:latin typeface="+mj-lt"/>
                 <a:cs typeface="Gill Sans" panose="020B0502020104020203" pitchFamily="34" charset="-79"/>
               </a:rPr>
               <a:t>–</a:t>
@@ -13218,7 +16298,7 @@
                 <a:solidFill>
                   <a:srgbClr val="000000"/>
                 </a:solidFill>
-                <a:latin typeface="Gill Sans" panose="020B0502020104020203" pitchFamily="34" charset="-79"/>
+                <a:latin typeface="+mj-lt"/>
                 <a:cs typeface="Gill Sans" panose="020B0502020104020203" pitchFamily="34" charset="-79"/>
               </a:rPr>
               <a:t> Caching API,  APIML packaging, certificates, </a:t>
@@ -13228,7 +16308,7 @@
                 <a:solidFill>
                   <a:srgbClr val="000000"/>
                 </a:solidFill>
-                <a:latin typeface="Gill Sans" panose="020B0502020104020203" pitchFamily="34" charset="-79"/>
+                <a:latin typeface="+mj-lt"/>
                 <a:cs typeface="Gill Sans" panose="020B0502020104020203" pitchFamily="34" charset="-79"/>
               </a:rPr>
               <a:t>etc</a:t>
@@ -13237,7 +16317,7 @@
               <a:solidFill>
                 <a:srgbClr val="000000"/>
               </a:solidFill>
-              <a:latin typeface="Gill Sans" panose="020B0502020104020203" pitchFamily="34" charset="-79"/>
+              <a:latin typeface="+mj-lt"/>
               <a:cs typeface="Gill Sans" panose="020B0502020104020203" pitchFamily="34" charset="-79"/>
             </a:endParaRPr>
           </a:p>
@@ -13257,7 +16337,7 @@
                 <a:solidFill>
                   <a:srgbClr val="000000"/>
                 </a:solidFill>
-                <a:latin typeface="Gill Sans" panose="020B0502020104020203" pitchFamily="34" charset="-79"/>
+                <a:latin typeface="+mj-lt"/>
                 <a:cs typeface="Gill Sans" panose="020B0502020104020203" pitchFamily="34" charset="-79"/>
               </a:rPr>
               <a:t>Web UI Squad – Zowe Launcher, ZSS/ZIS improvements</a:t>
@@ -13279,7 +16359,7 @@
                 <a:solidFill>
                   <a:srgbClr val="000000"/>
                 </a:solidFill>
-                <a:latin typeface="Gill Sans" panose="020B0502020104020203" pitchFamily="34" charset="-79"/>
+                <a:latin typeface="+mj-lt"/>
                 <a:cs typeface="Gill Sans" panose="020B0502020104020203" pitchFamily="34" charset="-79"/>
               </a:rPr>
               <a:t>Docs Squad </a:t>
@@ -13289,7 +16369,7 @@
                 <a:solidFill>
                   <a:srgbClr val="000000"/>
                 </a:solidFill>
-                <a:latin typeface="Gill Sans" panose="020B0502020104020203" pitchFamily="34" charset="-79"/>
+                <a:latin typeface="+mj-lt"/>
                 <a:cs typeface="Gill Sans" panose="020B0502020104020203" pitchFamily="34" charset="-79"/>
               </a:rPr>
               <a:t>–</a:t>
@@ -13299,7 +16379,7 @@
                 <a:solidFill>
                   <a:srgbClr val="000000"/>
                 </a:solidFill>
-                <a:latin typeface="Gill Sans" panose="020B0502020104020203" pitchFamily="34" charset="-79"/>
+                <a:latin typeface="+mj-lt"/>
                 <a:cs typeface="Gill Sans" panose="020B0502020104020203" pitchFamily="34" charset="-79"/>
               </a:rPr>
               <a:t> improve documentation</a:t>
@@ -13320,7 +16400,7 @@
               <a:solidFill>
                 <a:srgbClr val="000000"/>
               </a:solidFill>
-              <a:latin typeface="Gill Sans" panose="020B0502020104020203" pitchFamily="34" charset="-79"/>
+              <a:latin typeface="+mj-lt"/>
               <a:cs typeface="Gill Sans" panose="020B0502020104020203" pitchFamily="34" charset="-79"/>
             </a:endParaRPr>
           </a:p>
@@ -13340,7 +16420,7 @@
                 <a:solidFill>
                   <a:srgbClr val="000000"/>
                 </a:solidFill>
-                <a:latin typeface="Gill Sans" panose="020B0502020104020203" pitchFamily="34" charset="-79"/>
+                <a:latin typeface="+mj-lt"/>
                 <a:cs typeface="Gill Sans" panose="020B0502020104020203" pitchFamily="34" charset="-79"/>
               </a:rPr>
               <a:t>Risks </a:t>
@@ -13350,7 +16430,7 @@
                 <a:solidFill>
                   <a:srgbClr val="000000"/>
                 </a:solidFill>
-                <a:latin typeface="Gill Sans" panose="020B0502020104020203" pitchFamily="34" charset="-79"/>
+                <a:latin typeface="+mj-lt"/>
                 <a:cs typeface="Gill Sans" panose="020B0502020104020203" pitchFamily="34" charset="-79"/>
               </a:rPr>
               <a:t>on </a:t>
@@ -13360,7 +16440,7 @@
                 <a:solidFill>
                   <a:srgbClr val="000000"/>
                 </a:solidFill>
-                <a:latin typeface="Gill Sans" panose="020B0502020104020203" pitchFamily="34" charset="-79"/>
+                <a:latin typeface="+mj-lt"/>
                 <a:cs typeface="Gill Sans" panose="020B0502020104020203" pitchFamily="34" charset="-79"/>
               </a:rPr>
               <a:t>Infrastructure</a:t>
@@ -13382,7 +16462,7 @@
                 <a:solidFill>
                   <a:srgbClr val="000000"/>
                 </a:solidFill>
-                <a:latin typeface="Gill Sans" panose="020B0502020104020203" pitchFamily="34" charset="-79"/>
+                <a:latin typeface="+mj-lt"/>
                 <a:cs typeface="Gill Sans" panose="020B0502020104020203" pitchFamily="34" charset="-79"/>
               </a:rPr>
               <a:t>We don’t have open infrastructure to </a:t>
@@ -13392,7 +16472,7 @@
                 <a:solidFill>
                   <a:srgbClr val="000000"/>
                 </a:solidFill>
-                <a:latin typeface="Gill Sans" panose="020B0502020104020203" pitchFamily="34" charset="-79"/>
+                <a:latin typeface="+mj-lt"/>
                 <a:cs typeface="Gill Sans" panose="020B0502020104020203" pitchFamily="34" charset="-79"/>
               </a:rPr>
               <a:t>test deployment on Sysplex.</a:t>
@@ -13401,7 +16481,7 @@
               <a:solidFill>
                 <a:srgbClr val="000000"/>
               </a:solidFill>
-              <a:latin typeface="Gill Sans" panose="020B0502020104020203" pitchFamily="34" charset="-79"/>
+              <a:latin typeface="+mj-lt"/>
               <a:cs typeface="Gill Sans" panose="020B0502020104020203" pitchFamily="34" charset="-79"/>
             </a:endParaRPr>
           </a:p>
@@ -13421,7 +16501,7 @@
                 <a:solidFill>
                   <a:srgbClr val="000000"/>
                 </a:solidFill>
-                <a:latin typeface="Gill Sans" panose="020B0502020104020203" pitchFamily="34" charset="-79"/>
+                <a:latin typeface="+mj-lt"/>
                 <a:cs typeface="Gill Sans" panose="020B0502020104020203" pitchFamily="34" charset="-79"/>
               </a:rPr>
               <a:t>Will rely on Broadcom’s experts and supports to verify deployment  on Sysplex with ACF2 and Top Secret.</a:t>
@@ -13430,7 +16510,7 @@
               <a:solidFill>
                 <a:srgbClr val="000000"/>
               </a:solidFill>
-              <a:latin typeface="Gill Sans" panose="020B0502020104020203" pitchFamily="34" charset="-79"/>
+              <a:latin typeface="+mj-lt"/>
               <a:cs typeface="Gill Sans" panose="020B0502020104020203" pitchFamily="34" charset="-79"/>
             </a:endParaRPr>
           </a:p>
@@ -13526,7 +16606,7 @@
                 <a:solidFill>
                   <a:srgbClr val="262626"/>
                 </a:solidFill>
-                <a:latin typeface="Gill Sans"/>
+                <a:latin typeface="+mj-lt"/>
                 <a:ea typeface="Gill Sans"/>
               </a:rPr>
               <a:t>Performance - Enhance Test Coverage</a:t>
@@ -13535,7 +16615,7 @@
               <a:solidFill>
                 <a:srgbClr val="000000"/>
               </a:solidFill>
-              <a:latin typeface="Arial"/>
+              <a:latin typeface="+mj-lt"/>
             </a:endParaRPr>
           </a:p>
         </p:txBody>
@@ -13575,14 +16655,14 @@
             </a:pPr>
             <a:r>
               <a:rPr lang="en-US" spc="-1" dirty="0">
-                <a:latin typeface="Gill Sans"/>
+                <a:latin typeface="+mj-lt"/>
                 <a:ea typeface="Gill Sans"/>
                 <a:hlinkClick r:id="rId3"/>
               </a:rPr>
               <a:t>Epic: Zowe Performance Test - Stage 2 - Enhance Test Coverage (2020PI4)</a:t>
             </a:r>
             <a:endParaRPr lang="en-US" spc="-1" dirty="0">
-              <a:latin typeface="Gill Sans"/>
+              <a:latin typeface="+mj-lt"/>
               <a:ea typeface="Gill Sans"/>
             </a:endParaRPr>
           </a:p>
@@ -13596,7 +16676,7 @@
               </a:spcBef>
             </a:pPr>
             <a:endParaRPr lang="en-US" spc="-1" dirty="0">
-              <a:latin typeface="Gill Sans"/>
+              <a:latin typeface="+mj-lt"/>
               <a:ea typeface="Gill Sans"/>
             </a:endParaRPr>
           </a:p>
@@ -13613,7 +16693,7 @@
             </a:pPr>
             <a:r>
               <a:rPr lang="en-US" spc="-1" dirty="0">
-                <a:latin typeface="Gill Sans"/>
+                <a:latin typeface="+mj-lt"/>
                 <a:ea typeface="Gill Sans"/>
               </a:rPr>
               <a:t>Finalize primary and component-level test suites </a:t>
@@ -13626,7 +16706,7 @@
                     <a:lumOff val="50000"/>
                   </a:schemeClr>
                 </a:solidFill>
-                <a:latin typeface="Gill Sans"/>
+                <a:latin typeface="+mj-lt"/>
                 <a:ea typeface="Gill Sans"/>
               </a:rPr>
               <a:t>Continue item from PI3</a:t>
@@ -13638,7 +16718,7 @@
                   <a:lumOff val="50000"/>
                 </a:schemeClr>
               </a:solidFill>
-              <a:latin typeface="Gill Sans"/>
+              <a:latin typeface="+mj-lt"/>
               <a:ea typeface="Gill Sans"/>
             </a:endParaRPr>
           </a:p>
@@ -13652,14 +16732,14 @@
             </a:pPr>
             <a:r>
               <a:rPr lang="en-US" spc="-1" dirty="0">
-                <a:latin typeface="Gill Sans"/>
+                <a:latin typeface="+mj-lt"/>
                 <a:ea typeface="Gill Sans"/>
                 <a:hlinkClick r:id="rId4"/>
               </a:rPr>
               <a:t>Create primary performance test suite</a:t>
             </a:r>
             <a:endParaRPr lang="en-US" spc="-1" dirty="0">
-              <a:latin typeface="Gill Sans"/>
+              <a:latin typeface="+mj-lt"/>
               <a:ea typeface="Gill Sans"/>
             </a:endParaRPr>
           </a:p>
@@ -13673,14 +16753,14 @@
             </a:pPr>
             <a:r>
               <a:rPr lang="en-US" spc="-1" dirty="0">
-                <a:latin typeface="Gill Sans"/>
+                <a:latin typeface="+mj-lt"/>
                 <a:ea typeface="Gill Sans"/>
                 <a:hlinkClick r:id="rId5"/>
               </a:rPr>
               <a:t>Create dedicated performance test suite for APIML</a:t>
             </a:r>
             <a:endParaRPr lang="en-US" spc="-1" dirty="0">
-              <a:latin typeface="Gill Sans"/>
+              <a:latin typeface="+mj-lt"/>
               <a:ea typeface="Gill Sans"/>
             </a:endParaRPr>
           </a:p>
@@ -13694,14 +16774,14 @@
             </a:pPr>
             <a:r>
               <a:rPr lang="en-US" spc="-1" dirty="0">
-                <a:latin typeface="Gill Sans"/>
+                <a:latin typeface="+mj-lt"/>
                 <a:ea typeface="Gill Sans"/>
                 <a:hlinkClick r:id="rId6"/>
               </a:rPr>
               <a:t>Create dedicated performance test suite for Explorer APIs</a:t>
             </a:r>
             <a:endParaRPr lang="en-US" spc="-1" dirty="0">
-              <a:latin typeface="Gill Sans"/>
+              <a:latin typeface="+mj-lt"/>
               <a:ea typeface="Gill Sans"/>
             </a:endParaRPr>
           </a:p>
@@ -13715,14 +16795,14 @@
             </a:pPr>
             <a:r>
               <a:rPr lang="en-US" spc="-1" dirty="0">
-                <a:latin typeface="Gill Sans"/>
+                <a:latin typeface="+mj-lt"/>
                 <a:ea typeface="Gill Sans"/>
                 <a:hlinkClick r:id="rId7"/>
               </a:rPr>
               <a:t>Create dedicated performance test suite for Desktop</a:t>
             </a:r>
             <a:endParaRPr lang="en-US" spc="-1" dirty="0">
-              <a:latin typeface="Gill Sans"/>
+              <a:latin typeface="+mj-lt"/>
               <a:ea typeface="Gill Sans"/>
             </a:endParaRPr>
           </a:p>
@@ -13739,14 +16819,14 @@
             </a:pPr>
             <a:r>
               <a:rPr lang="en-US" spc="-1" dirty="0">
-                <a:latin typeface="Gill Sans"/>
+                <a:latin typeface="+mj-lt"/>
                 <a:ea typeface="Gill Sans"/>
                 <a:hlinkClick r:id="rId8"/>
               </a:rPr>
               <a:t>Create dummy server for APIML testing</a:t>
             </a:r>
             <a:endParaRPr lang="en-US" spc="-1" dirty="0">
-              <a:latin typeface="Gill Sans"/>
+              <a:latin typeface="+mj-lt"/>
               <a:ea typeface="Gill Sans"/>
             </a:endParaRPr>
           </a:p>
@@ -13763,7 +16843,7 @@
             </a:pPr>
             <a:r>
               <a:rPr lang="en-US" spc="-1" dirty="0">
-                <a:latin typeface="Gill Sans"/>
+                <a:latin typeface="+mj-lt"/>
                 <a:ea typeface="Gill Sans"/>
                 <a:hlinkClick r:id="rId9"/>
               </a:rPr>
@@ -13771,14 +16851,14 @@
             </a:r>
             <a:r>
               <a:rPr lang="en-US" spc="-1" dirty="0" err="1">
-                <a:latin typeface="Gill Sans"/>
+                <a:latin typeface="+mj-lt"/>
                 <a:ea typeface="Gill Sans"/>
                 <a:hlinkClick r:id="rId9"/>
               </a:rPr>
               <a:t>zOS</a:t>
             </a:r>
             <a:endParaRPr lang="en-US" spc="-1" dirty="0">
-              <a:latin typeface="Gill Sans"/>
+              <a:latin typeface="+mj-lt"/>
               <a:ea typeface="Gill Sans"/>
             </a:endParaRPr>
           </a:p>
@@ -13795,14 +16875,14 @@
             </a:pPr>
             <a:r>
               <a:rPr lang="en-US" spc="-1" dirty="0">
-                <a:latin typeface="Gill Sans"/>
+                <a:latin typeface="+mj-lt"/>
                 <a:ea typeface="Gill Sans"/>
                 <a:hlinkClick r:id="rId10"/>
               </a:rPr>
               <a:t>Add ability to test performance of different endpoints in parallel</a:t>
             </a:r>
             <a:endParaRPr lang="en-US" spc="-1" dirty="0">
-              <a:latin typeface="Gill Sans"/>
+              <a:latin typeface="+mj-lt"/>
               <a:ea typeface="Gill Sans"/>
             </a:endParaRPr>
           </a:p>
@@ -13819,14 +16899,14 @@
             </a:pPr>
             <a:r>
               <a:rPr lang="en-US" spc="-1" dirty="0">
-                <a:latin typeface="Gill Sans"/>
+                <a:latin typeface="+mj-lt"/>
                 <a:ea typeface="Gill Sans"/>
                 <a:hlinkClick r:id="rId11"/>
               </a:rPr>
               <a:t>Validate test report with other methods</a:t>
             </a:r>
             <a:endParaRPr lang="en-US" spc="-1" dirty="0">
-              <a:latin typeface="Gill Sans"/>
+              <a:latin typeface="+mj-lt"/>
               <a:ea typeface="Gill Sans"/>
             </a:endParaRPr>
           </a:p>
@@ -13922,7 +17002,7 @@
                 <a:solidFill>
                   <a:srgbClr val="262626"/>
                 </a:solidFill>
-                <a:latin typeface="Gill Sans"/>
+                <a:latin typeface="+mj-lt"/>
                 <a:ea typeface="Gill Sans"/>
               </a:rPr>
               <a:t>High Availability – New Components &amp; Sysplex</a:t>
@@ -13931,7 +17011,7 @@
               <a:solidFill>
                 <a:srgbClr val="000000"/>
               </a:solidFill>
-              <a:latin typeface="Arial"/>
+              <a:latin typeface="+mj-lt"/>
             </a:endParaRPr>
           </a:p>
         </p:txBody>
@@ -13971,14 +17051,14 @@
             </a:pPr>
             <a:r>
               <a:rPr lang="en-US" spc="-1" dirty="0">
-                <a:latin typeface="Gill Sans"/>
+                <a:latin typeface="+mj-lt"/>
                 <a:ea typeface="Gill Sans"/>
                 <a:hlinkClick r:id="rId3"/>
               </a:rPr>
               <a:t>Epic – High Availability</a:t>
             </a:r>
             <a:endParaRPr lang="en-US" spc="-1" dirty="0">
-              <a:latin typeface="Gill Sans"/>
+              <a:latin typeface="+mj-lt"/>
               <a:ea typeface="Gill Sans"/>
             </a:endParaRPr>
           </a:p>
@@ -13992,7 +17072,7 @@
               </a:spcBef>
             </a:pPr>
             <a:endParaRPr lang="en-US" spc="-1" dirty="0">
-              <a:latin typeface="Gill Sans"/>
+              <a:latin typeface="+mj-lt"/>
               <a:ea typeface="Gill Sans"/>
             </a:endParaRPr>
           </a:p>
@@ -14006,14 +17086,14 @@
             </a:pPr>
             <a:r>
               <a:rPr lang="en-US" spc="-1" dirty="0">
-                <a:latin typeface="Gill Sans"/>
+                <a:latin typeface="+mj-lt"/>
                 <a:ea typeface="Gill Sans"/>
                 <a:hlinkClick r:id="rId4"/>
               </a:rPr>
               <a:t>Create Caching API with VSAM support</a:t>
             </a:r>
             <a:endParaRPr lang="en-US" spc="-1" dirty="0">
-              <a:latin typeface="Gill Sans"/>
+              <a:latin typeface="+mj-lt"/>
               <a:ea typeface="Gill Sans"/>
             </a:endParaRPr>
           </a:p>
@@ -14027,7 +17107,7 @@
             </a:pPr>
             <a:r>
               <a:rPr lang="en-US" spc="-1" dirty="0">
-                <a:latin typeface="Gill Sans"/>
+                <a:latin typeface="+mj-lt"/>
                 <a:ea typeface="Gill Sans"/>
                 <a:hlinkClick r:id="rId5"/>
               </a:rPr>
@@ -14035,7 +17115,7 @@
             </a:r>
             <a:r>
               <a:rPr lang="en-US" spc="-1" dirty="0">
-                <a:latin typeface="Gill Sans"/>
+                <a:latin typeface="+mj-lt"/>
                 <a:ea typeface="Gill Sans"/>
               </a:rPr>
               <a:t> (Stage 1)</a:t>
@@ -14050,7 +17130,7 @@
               <a:buChar char="Ø"/>
             </a:pPr>
             <a:endParaRPr lang="en-US" spc="-1" dirty="0">
-              <a:latin typeface="Gill Sans"/>
+              <a:latin typeface="+mj-lt"/>
               <a:ea typeface="Gill Sans"/>
             </a:endParaRPr>
           </a:p>
@@ -14064,7 +17144,7 @@
             </a:pPr>
             <a:r>
               <a:rPr lang="en-US" spc="-1" dirty="0">
-                <a:latin typeface="Gill Sans"/>
+                <a:latin typeface="+mj-lt"/>
                 <a:ea typeface="Gill Sans"/>
               </a:rPr>
               <a:t>Starting Zowe in Sysplex</a:t>
@@ -14080,7 +17160,7 @@
             </a:pPr>
             <a:r>
               <a:rPr lang="en-US" sz="1600" spc="-1" dirty="0">
-                <a:latin typeface="Gill Sans"/>
+                <a:latin typeface="+mj-lt"/>
                 <a:ea typeface="Gill Sans"/>
                 <a:hlinkClick r:id="rId6"/>
               </a:rPr>
@@ -14088,7 +17168,7 @@
             </a:r>
             <a:r>
               <a:rPr lang="en-US" sz="1600" spc="-1" dirty="0">
-                <a:latin typeface="Gill Sans"/>
+                <a:latin typeface="+mj-lt"/>
                 <a:ea typeface="Gill Sans"/>
               </a:rPr>
               <a:t> (shared SAF user registry</a:t>
@@ -14104,14 +17184,14 @@
             </a:pPr>
             <a:r>
               <a:rPr lang="en-US" sz="1600" spc="-1" dirty="0">
-                <a:latin typeface="Gill Sans"/>
+                <a:latin typeface="+mj-lt"/>
                 <a:ea typeface="Gill Sans"/>
               </a:rPr>
               <a:t>Document how to configure </a:t>
             </a:r>
             <a:r>
               <a:rPr lang="en-US" sz="1600" spc="-1" dirty="0">
-                <a:latin typeface="Gill Sans"/>
+                <a:latin typeface="+mj-lt"/>
                 <a:ea typeface="Gill Sans"/>
                 <a:hlinkClick r:id="rId7"/>
               </a:rPr>
@@ -14119,14 +17199,14 @@
             </a:r>
             <a:r>
               <a:rPr lang="en-US" sz="1600" spc="-1" dirty="0">
-                <a:latin typeface="Gill Sans"/>
+                <a:latin typeface="+mj-lt"/>
                 <a:ea typeface="Gill Sans"/>
               </a:rPr>
               <a:t> and </a:t>
             </a:r>
             <a:r>
               <a:rPr lang="en-US" sz="1600" spc="-1" dirty="0">
-                <a:latin typeface="Gill Sans"/>
+                <a:latin typeface="+mj-lt"/>
                 <a:ea typeface="Gill Sans"/>
                 <a:hlinkClick r:id="rId8"/>
               </a:rPr>
@@ -14134,7 +17214,7 @@
             </a:r>
             <a:r>
               <a:rPr lang="en-US" sz="1600" spc="-1" dirty="0">
-                <a:latin typeface="Gill Sans"/>
+                <a:latin typeface="+mj-lt"/>
                 <a:ea typeface="Gill Sans"/>
               </a:rPr>
               <a:t> for API Gateway</a:t>
@@ -14150,14 +17230,14 @@
             </a:pPr>
             <a:r>
               <a:rPr lang="en-US" sz="1600" spc="-1" dirty="0">
-                <a:latin typeface="Gill Sans"/>
+                <a:latin typeface="+mj-lt"/>
                 <a:ea typeface="Gill Sans"/>
                 <a:hlinkClick r:id="rId9"/>
               </a:rPr>
               <a:t>Verify and document requirement on shared USS file system, and shared VSAM data set</a:t>
             </a:r>
             <a:endParaRPr lang="en-US" sz="1600" spc="-1" dirty="0">
-              <a:latin typeface="Gill Sans"/>
+              <a:latin typeface="+mj-lt"/>
               <a:ea typeface="Gill Sans"/>
             </a:endParaRPr>
           </a:p>
@@ -14171,14 +17251,14 @@
             </a:pPr>
             <a:r>
               <a:rPr lang="en-US" sz="1600" spc="-1" dirty="0">
-                <a:latin typeface="Gill Sans"/>
+                <a:latin typeface="+mj-lt"/>
                 <a:ea typeface="Gill Sans"/>
                 <a:hlinkClick r:id="rId10"/>
               </a:rPr>
               <a:t>Test and implement ARM policy</a:t>
             </a:r>
             <a:endParaRPr lang="en-US" sz="1600" spc="-1" dirty="0">
-              <a:latin typeface="Gill Sans"/>
+              <a:latin typeface="+mj-lt"/>
               <a:ea typeface="Gill Sans"/>
             </a:endParaRPr>
           </a:p>
@@ -14192,14 +17272,14 @@
             </a:pPr>
             <a:r>
               <a:rPr lang="en-US" sz="1600" spc="-1" dirty="0">
-                <a:latin typeface="Gill Sans"/>
+                <a:latin typeface="+mj-lt"/>
                 <a:ea typeface="Gill Sans"/>
                 <a:hlinkClick r:id="rId11"/>
               </a:rPr>
               <a:t>Validate Apiml &amp; zOSMF HA with ACF2 and Top Secret Enabled Sysplex</a:t>
             </a:r>
             <a:endParaRPr lang="en-US" sz="1600" spc="-1" dirty="0">
-              <a:latin typeface="Gill Sans"/>
+              <a:latin typeface="+mj-lt"/>
               <a:ea typeface="Gill Sans"/>
             </a:endParaRPr>
           </a:p>
@@ -14213,14 +17293,14 @@
             </a:pPr>
             <a:r>
               <a:rPr lang="en-US" sz="1600" spc="-1" dirty="0">
-                <a:latin typeface="Gill Sans"/>
+                <a:latin typeface="+mj-lt"/>
                 <a:ea typeface="Gill Sans"/>
                 <a:hlinkClick r:id="rId12"/>
               </a:rPr>
               <a:t>Verify how CLI works with Sysplex</a:t>
             </a:r>
             <a:endParaRPr lang="en-US" sz="1600" spc="-1" dirty="0">
-              <a:latin typeface="Gill Sans"/>
+              <a:latin typeface="+mj-lt"/>
               <a:ea typeface="Gill Sans"/>
             </a:endParaRPr>
           </a:p>
@@ -14321,7 +17401,7 @@
                 <a:solidFill>
                   <a:srgbClr val="262626"/>
                 </a:solidFill>
-                <a:latin typeface="Gill Sans"/>
+                <a:latin typeface="+mj-lt"/>
                 <a:ea typeface="Gill Sans"/>
               </a:rPr>
               <a:t>High Availability – Existing Components &amp; Certificates</a:t>
@@ -14330,7 +17410,7 @@
               <a:solidFill>
                 <a:srgbClr val="000000"/>
               </a:solidFill>
-              <a:latin typeface="Arial"/>
+              <a:latin typeface="+mj-lt"/>
             </a:endParaRPr>
           </a:p>
         </p:txBody>
@@ -14369,7 +17449,7 @@
             </a:pPr>
             <a:r>
               <a:rPr lang="en-US" spc="-1" dirty="0">
-                <a:latin typeface="Gill Sans"/>
+                <a:latin typeface="+mj-lt"/>
                 <a:ea typeface="Gill Sans"/>
               </a:rPr>
               <a:t>Preparing Zowe and Components for HA</a:t>
@@ -14385,14 +17465,14 @@
             </a:pPr>
             <a:r>
               <a:rPr lang="en-US" sz="1600" spc="-1" dirty="0">
-                <a:latin typeface="Gill Sans"/>
+                <a:latin typeface="+mj-lt"/>
                 <a:ea typeface="Gill Sans"/>
                 <a:hlinkClick r:id="rId3"/>
               </a:rPr>
               <a:t>Break down apiml package into 3 individual components</a:t>
             </a:r>
             <a:endParaRPr lang="en-US" sz="1600" spc="-1" dirty="0">
-              <a:latin typeface="Gill Sans"/>
+              <a:latin typeface="+mj-lt"/>
               <a:ea typeface="Gill Sans"/>
             </a:endParaRPr>
           </a:p>
@@ -14406,14 +17486,14 @@
             </a:pPr>
             <a:r>
               <a:rPr lang="en-US" sz="1600" spc="-1" dirty="0">
-                <a:latin typeface="Gill Sans"/>
+                <a:latin typeface="+mj-lt"/>
                 <a:ea typeface="Gill Sans"/>
                 <a:hlinkClick r:id="rId4"/>
               </a:rPr>
               <a:t>Define manifest file for Zowe packages to simplify Zowe Launcher configurations</a:t>
             </a:r>
             <a:endParaRPr lang="en-US" sz="1600" spc="-1" dirty="0">
-              <a:latin typeface="Gill Sans"/>
+              <a:latin typeface="+mj-lt"/>
               <a:ea typeface="Gill Sans"/>
             </a:endParaRPr>
           </a:p>
@@ -14427,14 +17507,14 @@
             </a:pPr>
             <a:r>
               <a:rPr lang="en-US" sz="1600" spc="-1" dirty="0">
-                <a:latin typeface="Gill Sans"/>
+                <a:latin typeface="+mj-lt"/>
                 <a:ea typeface="Gill Sans"/>
                 <a:hlinkClick r:id="rId5"/>
               </a:rPr>
               <a:t>Add new configuration entries in instance.env to support multiple instances of components</a:t>
             </a:r>
             <a:endParaRPr lang="en-US" sz="1600" spc="-1" dirty="0">
-              <a:latin typeface="Gill Sans"/>
+              <a:latin typeface="+mj-lt"/>
               <a:ea typeface="Gill Sans"/>
             </a:endParaRPr>
           </a:p>
@@ -14448,14 +17528,14 @@
             </a:pPr>
             <a:r>
               <a:rPr lang="en-US" sz="1600" spc="-1" dirty="0">
-                <a:latin typeface="Gill Sans"/>
+                <a:latin typeface="+mj-lt"/>
                 <a:ea typeface="Gill Sans"/>
                 <a:hlinkClick r:id="rId6"/>
               </a:rPr>
               <a:t>Automatically configure ARM policy for Zowe Launcher</a:t>
             </a:r>
             <a:endParaRPr lang="en-US" sz="1600" spc="-1" dirty="0">
-              <a:latin typeface="Gill Sans"/>
+              <a:latin typeface="+mj-lt"/>
               <a:ea typeface="Gill Sans"/>
             </a:endParaRPr>
           </a:p>
@@ -14469,7 +17549,7 @@
             </a:pPr>
             <a:r>
               <a:rPr lang="en-US" sz="1600" spc="-1" dirty="0">
-                <a:latin typeface="Gill Sans"/>
+                <a:latin typeface="+mj-lt"/>
                 <a:ea typeface="Gill Sans"/>
                 <a:hlinkClick r:id="rId7"/>
               </a:rPr>
@@ -14477,7 +17557,7 @@
             </a:r>
             <a:r>
               <a:rPr lang="en-US" sz="1600" spc="-1" dirty="0" err="1">
-                <a:latin typeface="Gill Sans"/>
+                <a:latin typeface="+mj-lt"/>
                 <a:ea typeface="Gill Sans"/>
                 <a:hlinkClick r:id="rId7"/>
               </a:rPr>
@@ -14485,14 +17565,14 @@
             </a:r>
             <a:r>
               <a:rPr lang="en-US" sz="1600" spc="-1" dirty="0">
-                <a:latin typeface="Gill Sans"/>
+                <a:latin typeface="+mj-lt"/>
                 <a:ea typeface="Gill Sans"/>
                 <a:hlinkClick r:id="rId7"/>
               </a:rPr>
               <a:t> to properly trap termination signals and kill child processes</a:t>
             </a:r>
             <a:endParaRPr lang="en-US" sz="1600" spc="-1" dirty="0">
-              <a:latin typeface="Gill Sans"/>
+              <a:latin typeface="+mj-lt"/>
               <a:ea typeface="Gill Sans"/>
             </a:endParaRPr>
           </a:p>
@@ -14506,14 +17586,14 @@
             </a:pPr>
             <a:r>
               <a:rPr lang="en-US" sz="1600" spc="-1" dirty="0">
-                <a:latin typeface="Gill Sans"/>
+                <a:latin typeface="+mj-lt"/>
                 <a:ea typeface="Gill Sans"/>
                 <a:hlinkClick r:id="rId8"/>
               </a:rPr>
               <a:t>Change ZSS to be registered under API Discovery Service</a:t>
             </a:r>
             <a:endParaRPr lang="en-US" sz="1600" spc="-1" dirty="0">
-              <a:latin typeface="Gill Sans"/>
+              <a:latin typeface="+mj-lt"/>
               <a:ea typeface="Gill Sans"/>
             </a:endParaRPr>
           </a:p>
@@ -14526,7 +17606,7 @@
               <a:buChar char="Ø"/>
             </a:pPr>
             <a:endParaRPr lang="en-US" spc="-1" dirty="0">
-              <a:latin typeface="Gill Sans"/>
+              <a:latin typeface="+mj-lt"/>
               <a:ea typeface="Gill Sans"/>
             </a:endParaRPr>
           </a:p>
@@ -14540,7 +17620,7 @@
             </a:pPr>
             <a:r>
               <a:rPr lang="en-US" spc="-1" dirty="0">
-                <a:latin typeface="Gill Sans"/>
+                <a:latin typeface="+mj-lt"/>
                 <a:ea typeface="Gill Sans"/>
               </a:rPr>
               <a:t>Certificate Configuration Improvement</a:t>
@@ -14556,14 +17636,14 @@
             </a:pPr>
             <a:r>
               <a:rPr lang="en-US" sz="1600" spc="-1" dirty="0">
-                <a:latin typeface="Gill Sans"/>
+                <a:latin typeface="+mj-lt"/>
                 <a:ea typeface="Gill Sans"/>
                 <a:hlinkClick r:id="rId9"/>
               </a:rPr>
               <a:t>Add flexibility to define certificate for internal and external usage</a:t>
             </a:r>
             <a:endParaRPr lang="en-US" sz="1600" spc="-1" dirty="0">
-              <a:latin typeface="Gill Sans"/>
+              <a:latin typeface="+mj-lt"/>
               <a:ea typeface="Gill Sans"/>
             </a:endParaRPr>
           </a:p>
@@ -14577,14 +17657,14 @@
             </a:pPr>
             <a:r>
               <a:rPr lang="en-US" sz="1600" spc="-1" dirty="0">
-                <a:latin typeface="Gill Sans"/>
+                <a:latin typeface="+mj-lt"/>
                 <a:ea typeface="Gill Sans"/>
                 <a:hlinkClick r:id="rId10"/>
               </a:rPr>
               <a:t>Allow to define multiple domains / IPs as Subject Alternative Name (SAN) when storing certificate(s) in Keyring</a:t>
             </a:r>
             <a:endParaRPr lang="en-US" sz="1600" spc="-1" dirty="0">
-              <a:latin typeface="Gill Sans"/>
+              <a:latin typeface="+mj-lt"/>
               <a:ea typeface="Gill Sans"/>
             </a:endParaRPr>
           </a:p>
@@ -14685,7 +17765,7 @@
                 <a:solidFill>
                   <a:srgbClr val="262626"/>
                 </a:solidFill>
-                <a:latin typeface="Gill Sans"/>
+                <a:latin typeface="+mj-lt"/>
                 <a:ea typeface="Gill Sans"/>
               </a:rPr>
               <a:t>CI/CD – Extension Installation</a:t>
@@ -14694,7 +17774,7 @@
               <a:solidFill>
                 <a:srgbClr val="000000"/>
               </a:solidFill>
-              <a:latin typeface="Arial"/>
+              <a:latin typeface="+mj-lt"/>
             </a:endParaRPr>
           </a:p>
         </p:txBody>
@@ -14733,14 +17813,14 @@
             </a:pPr>
             <a:r>
               <a:rPr lang="en-US" spc="-1" dirty="0">
-                <a:latin typeface="Gill Sans"/>
+                <a:latin typeface="+mj-lt"/>
                 <a:ea typeface="Gill Sans"/>
                 <a:hlinkClick r:id="rId3"/>
               </a:rPr>
               <a:t>Create extension installation script, playbook and test cases to validate installation</a:t>
             </a:r>
             <a:endParaRPr lang="en-US" spc="-1" dirty="0">
-              <a:latin typeface="Gill Sans"/>
+              <a:latin typeface="+mj-lt"/>
               <a:ea typeface="Gill Sans"/>
             </a:endParaRPr>
           </a:p>
@@ -14753,7 +17833,7 @@
               <a:buChar char="Ø"/>
             </a:pPr>
             <a:endParaRPr lang="en-US" spc="-1" dirty="0">
-              <a:latin typeface="Gill Sans"/>
+              <a:latin typeface="+mj-lt"/>
               <a:ea typeface="Gill Sans"/>
             </a:endParaRPr>
           </a:p>
@@ -14767,7 +17847,7 @@
             </a:pPr>
             <a:r>
               <a:rPr lang="en-US" spc="-1" dirty="0">
-                <a:latin typeface="Gill Sans"/>
+                <a:latin typeface="+mj-lt"/>
                 <a:ea typeface="Gill Sans"/>
               </a:rPr>
               <a:t>Create extension installation script</a:t>
@@ -14783,7 +17863,7 @@
             </a:pPr>
             <a:r>
               <a:rPr lang="en-US" spc="-1" dirty="0">
-                <a:latin typeface="Gill Sans"/>
+                <a:latin typeface="+mj-lt"/>
                 <a:ea typeface="Gill Sans"/>
               </a:rPr>
               <a:t>Create new Ansible playbook to install extension</a:t>
@@ -14799,7 +17879,7 @@
             </a:pPr>
             <a:r>
               <a:rPr lang="en-US" spc="-1" dirty="0">
-                <a:latin typeface="Gill Sans"/>
+                <a:latin typeface="+mj-lt"/>
                 <a:ea typeface="Gill Sans"/>
               </a:rPr>
               <a:t>Create new test cases which will validate extension installation</a:t>

--- a/Project Management/PI Planning/20PI4 Planning/Zowe Community Squad Focus for 20PI4.pptx
+++ b/Project Management/PI Planning/20PI4 Planning/Zowe Community Squad Focus for 20PI4.pptx
@@ -8,7 +8,7 @@
     <p:sldMasterId id="2147483687" r:id="rId4"/>
   </p:sldMasterIdLst>
   <p:notesMasterIdLst>
-    <p:notesMasterId r:id="rId23"/>
+    <p:notesMasterId r:id="rId32"/>
   </p:notesMasterIdLst>
   <p:sldIdLst>
     <p:sldId id="256" r:id="rId5"/>
@@ -24,11 +24,20 @@
     <p:sldId id="271" r:id="rId15"/>
     <p:sldId id="272" r:id="rId16"/>
     <p:sldId id="273" r:id="rId17"/>
-    <p:sldId id="264" r:id="rId18"/>
-    <p:sldId id="265" r:id="rId19"/>
-    <p:sldId id="276" r:id="rId20"/>
-    <p:sldId id="274" r:id="rId21"/>
-    <p:sldId id="275" r:id="rId22"/>
+    <p:sldId id="289" r:id="rId18"/>
+    <p:sldId id="276" r:id="rId19"/>
+    <p:sldId id="278" r:id="rId20"/>
+    <p:sldId id="290" r:id="rId21"/>
+    <p:sldId id="279" r:id="rId22"/>
+    <p:sldId id="280" r:id="rId23"/>
+    <p:sldId id="281" r:id="rId24"/>
+    <p:sldId id="282" r:id="rId25"/>
+    <p:sldId id="283" r:id="rId26"/>
+    <p:sldId id="264" r:id="rId27"/>
+    <p:sldId id="287" r:id="rId28"/>
+    <p:sldId id="288" r:id="rId29"/>
+    <p:sldId id="284" r:id="rId30"/>
+    <p:sldId id="285" r:id="rId31"/>
   </p:sldIdLst>
   <p:sldSz cx="9144000" cy="5143500" type="screen16x9"/>
   <p:notesSz cx="6858000" cy="9144000"/>
@@ -552,6 +561,897 @@
     <p:extLst>
       <p:ext uri="{BB962C8B-B14F-4D97-AF65-F5344CB8AC3E}">
         <p14:creationId xmlns:p14="http://schemas.microsoft.com/office/powerpoint/2010/main" val="3725876168"/>
+      </p:ext>
+    </p:extLst>
+  </p:cSld>
+  <p:clrMapOvr>
+    <a:masterClrMapping/>
+  </p:clrMapOvr>
+</p:notes>
+</file>
+
+<file path=ppt/notesSlides/notesSlide10.xml><?xml version="1.0" encoding="utf-8"?>
+<p:notes xmlns:a="http://schemas.openxmlformats.org/drawingml/2006/main" xmlns:r="http://schemas.openxmlformats.org/officeDocument/2006/relationships" xmlns:p="http://schemas.openxmlformats.org/presentationml/2006/main">
+  <p:cSld>
+    <p:spTree>
+      <p:nvGrpSpPr>
+        <p:cNvPr id="1" name=""/>
+        <p:cNvGrpSpPr/>
+        <p:nvPr/>
+      </p:nvGrpSpPr>
+      <p:grpSpPr>
+        <a:xfrm>
+          <a:off x="0" y="0"/>
+          <a:ext cx="0" cy="0"/>
+          <a:chOff x="0" y="0"/>
+          <a:chExt cx="0" cy="0"/>
+        </a:xfrm>
+      </p:grpSpPr>
+      <p:sp>
+        <p:nvSpPr>
+          <p:cNvPr id="243" name="PlaceHolder 1"/>
+          <p:cNvSpPr>
+            <a:spLocks noGrp="1" noRot="1" noChangeAspect="1"/>
+          </p:cNvSpPr>
+          <p:nvPr>
+            <p:ph type="sldImg"/>
+          </p:nvPr>
+        </p:nvSpPr>
+        <p:spPr>
+          <a:xfrm>
+            <a:off x="381000" y="685800"/>
+            <a:ext cx="6096000" cy="3429000"/>
+          </a:xfrm>
+          <a:prstGeom prst="rect">
+            <a:avLst/>
+          </a:prstGeom>
+        </p:spPr>
+      </p:sp>
+      <p:sp>
+        <p:nvSpPr>
+          <p:cNvPr id="244" name="PlaceHolder 2"/>
+          <p:cNvSpPr>
+            <a:spLocks noGrp="1"/>
+          </p:cNvSpPr>
+          <p:nvPr>
+            <p:ph type="body"/>
+          </p:nvPr>
+        </p:nvSpPr>
+        <p:spPr>
+          <a:xfrm>
+            <a:off x="685800" y="4343400"/>
+            <a:ext cx="5486040" cy="4114440"/>
+          </a:xfrm>
+          <a:prstGeom prst="rect">
+            <a:avLst/>
+          </a:prstGeom>
+        </p:spPr>
+        <p:txBody>
+          <a:bodyPr tIns="91440" bIns="91440">
+            <a:noAutofit/>
+          </a:bodyPr>
+          <a:lstStyle/>
+          <a:p>
+            <a:pPr marL="158760">
+              <a:lnSpc>
+                <a:spcPct val="100000"/>
+              </a:lnSpc>
+            </a:pPr>
+            <a:endParaRPr lang="en-US" sz="1100" b="0" strike="noStrike" spc="-1" dirty="0">
+              <a:latin typeface="Arial"/>
+            </a:endParaRPr>
+          </a:p>
+        </p:txBody>
+      </p:sp>
+    </p:spTree>
+    <p:extLst>
+      <p:ext uri="{BB962C8B-B14F-4D97-AF65-F5344CB8AC3E}">
+        <p14:creationId xmlns:p14="http://schemas.microsoft.com/office/powerpoint/2010/main" val="1510042104"/>
+      </p:ext>
+    </p:extLst>
+  </p:cSld>
+  <p:clrMapOvr>
+    <a:masterClrMapping/>
+  </p:clrMapOvr>
+</p:notes>
+</file>
+
+<file path=ppt/notesSlides/notesSlide11.xml><?xml version="1.0" encoding="utf-8"?>
+<p:notes xmlns:a="http://schemas.openxmlformats.org/drawingml/2006/main" xmlns:r="http://schemas.openxmlformats.org/officeDocument/2006/relationships" xmlns:p="http://schemas.openxmlformats.org/presentationml/2006/main">
+  <p:cSld>
+    <p:spTree>
+      <p:nvGrpSpPr>
+        <p:cNvPr id="1" name=""/>
+        <p:cNvGrpSpPr/>
+        <p:nvPr/>
+      </p:nvGrpSpPr>
+      <p:grpSpPr>
+        <a:xfrm>
+          <a:off x="0" y="0"/>
+          <a:ext cx="0" cy="0"/>
+          <a:chOff x="0" y="0"/>
+          <a:chExt cx="0" cy="0"/>
+        </a:xfrm>
+      </p:grpSpPr>
+      <p:sp>
+        <p:nvSpPr>
+          <p:cNvPr id="243" name="PlaceHolder 1"/>
+          <p:cNvSpPr>
+            <a:spLocks noGrp="1" noRot="1" noChangeAspect="1"/>
+          </p:cNvSpPr>
+          <p:nvPr>
+            <p:ph type="sldImg"/>
+          </p:nvPr>
+        </p:nvSpPr>
+        <p:spPr>
+          <a:xfrm>
+            <a:off x="381000" y="685800"/>
+            <a:ext cx="6096000" cy="3429000"/>
+          </a:xfrm>
+          <a:prstGeom prst="rect">
+            <a:avLst/>
+          </a:prstGeom>
+        </p:spPr>
+      </p:sp>
+      <p:sp>
+        <p:nvSpPr>
+          <p:cNvPr id="244" name="PlaceHolder 2"/>
+          <p:cNvSpPr>
+            <a:spLocks noGrp="1"/>
+          </p:cNvSpPr>
+          <p:nvPr>
+            <p:ph type="body"/>
+          </p:nvPr>
+        </p:nvSpPr>
+        <p:spPr>
+          <a:xfrm>
+            <a:off x="685800" y="4343400"/>
+            <a:ext cx="5486040" cy="4114440"/>
+          </a:xfrm>
+          <a:prstGeom prst="rect">
+            <a:avLst/>
+          </a:prstGeom>
+        </p:spPr>
+        <p:txBody>
+          <a:bodyPr tIns="91440" bIns="91440">
+            <a:noAutofit/>
+          </a:bodyPr>
+          <a:lstStyle/>
+          <a:p>
+            <a:pPr marL="387270" indent="-285750">
+              <a:spcBef>
+                <a:spcPts val="400"/>
+              </a:spcBef>
+              <a:buFont typeface="Wingdings" pitchFamily="2" charset="2"/>
+              <a:buChar char="Ø"/>
+            </a:pPr>
+            <a:r>
+              <a:rPr lang="en-US" sz="1100" b="0" strike="noStrike" spc="-1" dirty="0" smtClean="0">
+                <a:latin typeface="Arial"/>
+              </a:rPr>
+              <a:t>Notes:</a:t>
+            </a:r>
+            <a:br>
+              <a:rPr lang="en-US" sz="1100" b="0" strike="noStrike" spc="-1" dirty="0" smtClean="0">
+                <a:latin typeface="Arial"/>
+              </a:rPr>
+            </a:br>
+            <a:r>
+              <a:rPr lang="en-US" dirty="0" smtClean="0"/>
+              <a:t>Address growing number of community enhancement requests</a:t>
+            </a:r>
+          </a:p>
+          <a:p>
+            <a:pPr marL="844470" lvl="1" indent="-285750">
+              <a:spcBef>
+                <a:spcPts val="400"/>
+              </a:spcBef>
+              <a:buFont typeface="Wingdings" pitchFamily="2" charset="2"/>
+              <a:buChar char="Ø"/>
+            </a:pPr>
+            <a:r>
+              <a:rPr lang="en-US" u="sng" dirty="0" err="1" smtClean="0">
+                <a:hlinkClick r:id="rId3"/>
+              </a:rPr>
+              <a:t>zowe</a:t>
+            </a:r>
+            <a:r>
+              <a:rPr lang="en-US" u="sng" dirty="0" smtClean="0">
+                <a:hlinkClick r:id="rId3"/>
+              </a:rPr>
+              <a:t> zos-files copy data-set : no replace option #808</a:t>
+            </a:r>
+            <a:endParaRPr lang="en-US" u="sng" dirty="0" smtClean="0"/>
+          </a:p>
+          <a:p>
+            <a:pPr marL="844470" lvl="1" indent="-285750">
+              <a:spcBef>
+                <a:spcPts val="400"/>
+              </a:spcBef>
+              <a:buFont typeface="Wingdings" pitchFamily="2" charset="2"/>
+              <a:buChar char="Ø"/>
+            </a:pPr>
+            <a:r>
+              <a:rPr lang="en-US" u="sng" dirty="0" smtClean="0">
+                <a:hlinkClick r:id="rId4"/>
+              </a:rPr>
+              <a:t>Question : how to "nullify" an option in a profile #797</a:t>
+            </a:r>
+            <a:r>
+              <a:rPr lang="en-US" dirty="0" smtClean="0"/>
+              <a:t> </a:t>
+            </a:r>
+          </a:p>
+          <a:p>
+            <a:pPr marL="844470" lvl="1" indent="-285750">
+              <a:spcBef>
+                <a:spcPts val="400"/>
+              </a:spcBef>
+              <a:buFont typeface="Wingdings" pitchFamily="2" charset="2"/>
+              <a:buChar char="Ø"/>
+            </a:pPr>
+            <a:r>
+              <a:rPr lang="en-US" u="sng" dirty="0" smtClean="0">
+                <a:hlinkClick r:id="rId5"/>
+              </a:rPr>
+              <a:t>copy data-set option should have replace option and list of members #789</a:t>
+            </a:r>
+            <a:endParaRPr lang="en-US" dirty="0" smtClean="0"/>
+          </a:p>
+          <a:p>
+            <a:pPr marL="844470" lvl="1" indent="-285750">
+              <a:spcBef>
+                <a:spcPts val="400"/>
+              </a:spcBef>
+              <a:buFont typeface="Wingdings" pitchFamily="2" charset="2"/>
+              <a:buChar char="Ø"/>
+            </a:pPr>
+            <a:r>
+              <a:rPr lang="en-US" u="sng" dirty="0" smtClean="0">
+                <a:hlinkClick r:id="rId6"/>
+              </a:rPr>
+              <a:t>Create PDS member option to </a:t>
+            </a:r>
+            <a:r>
+              <a:rPr lang="en-US" u="sng" dirty="0" err="1" smtClean="0">
+                <a:hlinkClick r:id="rId6"/>
+              </a:rPr>
+              <a:t>zowe</a:t>
+            </a:r>
+            <a:r>
+              <a:rPr lang="en-US" u="sng" dirty="0" smtClean="0">
+                <a:hlinkClick r:id="rId6"/>
+              </a:rPr>
+              <a:t> zos-files create data-set- function #773</a:t>
+            </a:r>
+            <a:endParaRPr lang="en-US" dirty="0" smtClean="0"/>
+          </a:p>
+          <a:p>
+            <a:pPr marL="844470" lvl="1" indent="-285750">
+              <a:spcBef>
+                <a:spcPts val="400"/>
+              </a:spcBef>
+              <a:buFont typeface="Wingdings" pitchFamily="2" charset="2"/>
+              <a:buChar char="Ø"/>
+            </a:pPr>
+            <a:r>
+              <a:rPr lang="en-US" u="sng" dirty="0" smtClean="0">
+                <a:hlinkClick r:id="rId7"/>
+              </a:rPr>
+              <a:t>LIKE parameter for </a:t>
+            </a:r>
+            <a:r>
+              <a:rPr lang="en-US" u="sng" dirty="0" err="1" smtClean="0">
+                <a:hlinkClick r:id="rId7"/>
+              </a:rPr>
+              <a:t>zowe</a:t>
+            </a:r>
+            <a:r>
+              <a:rPr lang="en-US" u="sng" dirty="0" smtClean="0">
+                <a:hlinkClick r:id="rId7"/>
+              </a:rPr>
+              <a:t> zos-files create data-set-* #771</a:t>
+            </a:r>
+            <a:endParaRPr lang="en-US" dirty="0" smtClean="0"/>
+          </a:p>
+          <a:p>
+            <a:pPr marL="844470" lvl="1" indent="-285750">
+              <a:spcBef>
+                <a:spcPts val="400"/>
+              </a:spcBef>
+              <a:buFont typeface="Wingdings" pitchFamily="2" charset="2"/>
+              <a:buChar char="Ø"/>
+            </a:pPr>
+            <a:r>
+              <a:rPr lang="en-US" u="sng" dirty="0" smtClean="0">
+                <a:hlinkClick r:id="rId8"/>
+              </a:rPr>
+              <a:t>Enable use of a pattern to restrict what member names are returned from listing of PDS members #810</a:t>
+            </a:r>
+            <a:endParaRPr lang="en-US" dirty="0" smtClean="0"/>
+          </a:p>
+          <a:p>
+            <a:pPr marL="844470" lvl="1" indent="-285750">
+              <a:spcBef>
+                <a:spcPts val="400"/>
+              </a:spcBef>
+              <a:buFont typeface="Wingdings" pitchFamily="2" charset="2"/>
+              <a:buChar char="Ø"/>
+            </a:pPr>
+            <a:r>
+              <a:rPr lang="en-US" u="sng" dirty="0" smtClean="0">
+                <a:hlinkClick r:id="rId9"/>
+              </a:rPr>
+              <a:t>Support the IBM z/OSMF header that allows record (support for VB binary) #539</a:t>
+            </a:r>
+            <a:endParaRPr lang="en-US" dirty="0" smtClean="0"/>
+          </a:p>
+          <a:p>
+            <a:pPr marL="101520">
+              <a:spcBef>
+                <a:spcPts val="400"/>
+              </a:spcBef>
+            </a:pPr>
+            <a:endParaRPr lang="en-US" sz="1100" b="0" strike="noStrike" spc="-1" dirty="0" smtClean="0">
+              <a:latin typeface="Arial"/>
+            </a:endParaRPr>
+          </a:p>
+          <a:p>
+            <a:pPr marL="387270" indent="-285750">
+              <a:spcBef>
+                <a:spcPts val="400"/>
+              </a:spcBef>
+              <a:buFont typeface="Wingdings" pitchFamily="2" charset="2"/>
+              <a:buChar char="Ø"/>
+            </a:pPr>
+            <a:r>
+              <a:rPr lang="en-US" sz="1100" dirty="0" smtClean="0"/>
+              <a:t>Ensure successful installation of the </a:t>
+            </a:r>
+            <a:r>
+              <a:rPr lang="en-US" sz="1100" dirty="0" err="1" smtClean="0"/>
+              <a:t>Zowe</a:t>
+            </a:r>
+            <a:r>
+              <a:rPr lang="en-US" sz="1100" dirty="0" smtClean="0"/>
+              <a:t> CLI in environments with proxies. Provide guidance on installing from public NPM via proxy but also suggest installing from the local package hosted on zowe.org as an alternative. </a:t>
+            </a:r>
+            <a:br>
+              <a:rPr lang="en-US" sz="1100" dirty="0" smtClean="0"/>
+            </a:br>
+            <a:r>
+              <a:rPr lang="en-US" sz="1100" dirty="0" smtClean="0"/>
+              <a:t>Also, address issue with using CLI to access mainframe environment over http proxy: </a:t>
+            </a:r>
+            <a:r>
+              <a:rPr lang="en-US" sz="1100" dirty="0" smtClean="0">
+                <a:hlinkClick r:id="rId10"/>
+              </a:rPr>
+              <a:t>https://github.com/zowe/zowe-cli/issues/498</a:t>
+            </a:r>
+            <a:r>
+              <a:rPr lang="en-US" sz="1100" dirty="0" smtClean="0"/>
+              <a:t/>
+            </a:r>
+            <a:br>
+              <a:rPr lang="en-US" sz="1100" dirty="0" smtClean="0"/>
+            </a:br>
+            <a:endParaRPr lang="en-US" sz="1100" dirty="0" smtClean="0"/>
+          </a:p>
+          <a:p>
+            <a:pPr marL="387270" indent="-285750">
+              <a:spcBef>
+                <a:spcPts val="400"/>
+              </a:spcBef>
+              <a:buFont typeface="Wingdings" pitchFamily="2" charset="2"/>
+              <a:buChar char="Ø"/>
+            </a:pPr>
+            <a:r>
+              <a:rPr lang="en-US" sz="1100" dirty="0" smtClean="0"/>
+              <a:t>Allow for recently run commands to be easily recalled. Recalling commands today tends to be difficult especially when switching terminals and mistyping commands is common.</a:t>
+            </a:r>
+            <a:br>
+              <a:rPr lang="en-US" sz="1100" dirty="0" smtClean="0"/>
+            </a:br>
+            <a:endParaRPr lang="en-US" sz="1100" dirty="0" smtClean="0"/>
+          </a:p>
+          <a:p>
+            <a:pPr marL="387270" indent="-285750">
+              <a:spcBef>
+                <a:spcPts val="400"/>
+              </a:spcBef>
+              <a:buFont typeface="Wingdings" pitchFamily="2" charset="2"/>
+              <a:buChar char="Ø"/>
+            </a:pPr>
+            <a:r>
+              <a:rPr lang="en-US" sz="1100" dirty="0" smtClean="0"/>
+              <a:t>Ensure </a:t>
+            </a:r>
+            <a:r>
+              <a:rPr lang="en-US" sz="1100" dirty="0" err="1" smtClean="0"/>
+              <a:t>Zowe</a:t>
+            </a:r>
+            <a:r>
+              <a:rPr lang="en-US" sz="1100" dirty="0" smtClean="0"/>
+              <a:t> CLI functions properly in a </a:t>
+            </a:r>
+            <a:r>
+              <a:rPr lang="en-US" sz="1100" dirty="0" err="1" smtClean="0"/>
+              <a:t>CodeReady</a:t>
+            </a:r>
+            <a:r>
+              <a:rPr lang="en-US" sz="1100" dirty="0" smtClean="0"/>
+              <a:t> Workspace. Open question: would IBM be able to provide a </a:t>
+            </a:r>
+            <a:r>
+              <a:rPr lang="en-US" sz="1100" dirty="0" err="1" smtClean="0"/>
+              <a:t>CodeReady</a:t>
+            </a:r>
+            <a:r>
+              <a:rPr lang="en-US" sz="1100" dirty="0" smtClean="0"/>
+              <a:t> Workspace to the community that the squad could leverage to validate </a:t>
+            </a:r>
+            <a:r>
+              <a:rPr lang="en-US" sz="1100" dirty="0" err="1" smtClean="0"/>
+              <a:t>Zowe</a:t>
+            </a:r>
+            <a:r>
+              <a:rPr lang="en-US" sz="1100" dirty="0" smtClean="0"/>
+              <a:t> CLI (possible </a:t>
+            </a:r>
+            <a:r>
+              <a:rPr lang="en-US" sz="1100" dirty="0" err="1" smtClean="0"/>
+              <a:t>Zowe</a:t>
+            </a:r>
+            <a:r>
+              <a:rPr lang="en-US" sz="1100" dirty="0" smtClean="0"/>
+              <a:t> Explorer in the future?)</a:t>
+            </a:r>
+          </a:p>
+          <a:p>
+            <a:pPr marL="101520">
+              <a:spcBef>
+                <a:spcPts val="400"/>
+              </a:spcBef>
+            </a:pPr>
+            <a:endParaRPr lang="en-US" sz="1100" dirty="0"/>
+          </a:p>
+        </p:txBody>
+      </p:sp>
+    </p:spTree>
+    <p:extLst>
+      <p:ext uri="{BB962C8B-B14F-4D97-AF65-F5344CB8AC3E}">
+        <p14:creationId xmlns:p14="http://schemas.microsoft.com/office/powerpoint/2010/main" val="335182321"/>
+      </p:ext>
+    </p:extLst>
+  </p:cSld>
+  <p:clrMapOvr>
+    <a:masterClrMapping/>
+  </p:clrMapOvr>
+</p:notes>
+</file>
+
+<file path=ppt/notesSlides/notesSlide12.xml><?xml version="1.0" encoding="utf-8"?>
+<p:notes xmlns:a="http://schemas.openxmlformats.org/drawingml/2006/main" xmlns:r="http://schemas.openxmlformats.org/officeDocument/2006/relationships" xmlns:p="http://schemas.openxmlformats.org/presentationml/2006/main">
+  <p:cSld>
+    <p:spTree>
+      <p:nvGrpSpPr>
+        <p:cNvPr id="1" name=""/>
+        <p:cNvGrpSpPr/>
+        <p:nvPr/>
+      </p:nvGrpSpPr>
+      <p:grpSpPr>
+        <a:xfrm>
+          <a:off x="0" y="0"/>
+          <a:ext cx="0" cy="0"/>
+          <a:chOff x="0" y="0"/>
+          <a:chExt cx="0" cy="0"/>
+        </a:xfrm>
+      </p:grpSpPr>
+      <p:sp>
+        <p:nvSpPr>
+          <p:cNvPr id="243" name="PlaceHolder 1"/>
+          <p:cNvSpPr>
+            <a:spLocks noGrp="1" noRot="1" noChangeAspect="1"/>
+          </p:cNvSpPr>
+          <p:nvPr>
+            <p:ph type="sldImg"/>
+          </p:nvPr>
+        </p:nvSpPr>
+        <p:spPr>
+          <a:xfrm>
+            <a:off x="381000" y="685800"/>
+            <a:ext cx="6096000" cy="3429000"/>
+          </a:xfrm>
+          <a:prstGeom prst="rect">
+            <a:avLst/>
+          </a:prstGeom>
+        </p:spPr>
+      </p:sp>
+      <p:sp>
+        <p:nvSpPr>
+          <p:cNvPr id="244" name="PlaceHolder 2"/>
+          <p:cNvSpPr>
+            <a:spLocks noGrp="1"/>
+          </p:cNvSpPr>
+          <p:nvPr>
+            <p:ph type="body"/>
+          </p:nvPr>
+        </p:nvSpPr>
+        <p:spPr>
+          <a:xfrm>
+            <a:off x="685800" y="4343400"/>
+            <a:ext cx="5486040" cy="4114440"/>
+          </a:xfrm>
+          <a:prstGeom prst="rect">
+            <a:avLst/>
+          </a:prstGeom>
+        </p:spPr>
+        <p:txBody>
+          <a:bodyPr tIns="91440" bIns="91440">
+            <a:noAutofit/>
+          </a:bodyPr>
+          <a:lstStyle/>
+          <a:p>
+            <a:pPr marL="101520">
+              <a:spcBef>
+                <a:spcPts val="400"/>
+              </a:spcBef>
+            </a:pPr>
+            <a:endParaRPr lang="en-US" sz="1100" dirty="0"/>
+          </a:p>
+        </p:txBody>
+      </p:sp>
+    </p:spTree>
+    <p:extLst>
+      <p:ext uri="{BB962C8B-B14F-4D97-AF65-F5344CB8AC3E}">
+        <p14:creationId xmlns:p14="http://schemas.microsoft.com/office/powerpoint/2010/main" val="4161502945"/>
+      </p:ext>
+    </p:extLst>
+  </p:cSld>
+  <p:clrMapOvr>
+    <a:masterClrMapping/>
+  </p:clrMapOvr>
+</p:notes>
+</file>
+
+<file path=ppt/notesSlides/notesSlide13.xml><?xml version="1.0" encoding="utf-8"?>
+<p:notes xmlns:a="http://schemas.openxmlformats.org/drawingml/2006/main" xmlns:r="http://schemas.openxmlformats.org/officeDocument/2006/relationships" xmlns:p="http://schemas.openxmlformats.org/presentationml/2006/main">
+  <p:cSld>
+    <p:spTree>
+      <p:nvGrpSpPr>
+        <p:cNvPr id="1" name=""/>
+        <p:cNvGrpSpPr/>
+        <p:nvPr/>
+      </p:nvGrpSpPr>
+      <p:grpSpPr>
+        <a:xfrm>
+          <a:off x="0" y="0"/>
+          <a:ext cx="0" cy="0"/>
+          <a:chOff x="0" y="0"/>
+          <a:chExt cx="0" cy="0"/>
+        </a:xfrm>
+      </p:grpSpPr>
+      <p:sp>
+        <p:nvSpPr>
+          <p:cNvPr id="243" name="PlaceHolder 1"/>
+          <p:cNvSpPr>
+            <a:spLocks noGrp="1" noRot="1" noChangeAspect="1"/>
+          </p:cNvSpPr>
+          <p:nvPr>
+            <p:ph type="sldImg"/>
+          </p:nvPr>
+        </p:nvSpPr>
+        <p:spPr>
+          <a:xfrm>
+            <a:off x="381000" y="685800"/>
+            <a:ext cx="6096000" cy="3429000"/>
+          </a:xfrm>
+          <a:prstGeom prst="rect">
+            <a:avLst/>
+          </a:prstGeom>
+        </p:spPr>
+      </p:sp>
+      <p:sp>
+        <p:nvSpPr>
+          <p:cNvPr id="244" name="PlaceHolder 2"/>
+          <p:cNvSpPr>
+            <a:spLocks noGrp="1"/>
+          </p:cNvSpPr>
+          <p:nvPr>
+            <p:ph type="body"/>
+          </p:nvPr>
+        </p:nvSpPr>
+        <p:spPr>
+          <a:xfrm>
+            <a:off x="685800" y="4343400"/>
+            <a:ext cx="5486040" cy="4114440"/>
+          </a:xfrm>
+          <a:prstGeom prst="rect">
+            <a:avLst/>
+          </a:prstGeom>
+        </p:spPr>
+        <p:txBody>
+          <a:bodyPr tIns="91440" bIns="91440">
+            <a:noAutofit/>
+          </a:bodyPr>
+          <a:lstStyle/>
+          <a:p>
+            <a:pPr marL="101520">
+              <a:spcBef>
+                <a:spcPts val="400"/>
+              </a:spcBef>
+            </a:pPr>
+            <a:endParaRPr lang="en-US" sz="1100" dirty="0"/>
+          </a:p>
+        </p:txBody>
+      </p:sp>
+    </p:spTree>
+    <p:extLst>
+      <p:ext uri="{BB962C8B-B14F-4D97-AF65-F5344CB8AC3E}">
+        <p14:creationId xmlns:p14="http://schemas.microsoft.com/office/powerpoint/2010/main" val="408879043"/>
+      </p:ext>
+    </p:extLst>
+  </p:cSld>
+  <p:clrMapOvr>
+    <a:masterClrMapping/>
+  </p:clrMapOvr>
+</p:notes>
+</file>
+
+<file path=ppt/notesSlides/notesSlide14.xml><?xml version="1.0" encoding="utf-8"?>
+<p:notes xmlns:a="http://schemas.openxmlformats.org/drawingml/2006/main" xmlns:r="http://schemas.openxmlformats.org/officeDocument/2006/relationships" xmlns:p="http://schemas.openxmlformats.org/presentationml/2006/main">
+  <p:cSld>
+    <p:spTree>
+      <p:nvGrpSpPr>
+        <p:cNvPr id="1" name=""/>
+        <p:cNvGrpSpPr/>
+        <p:nvPr/>
+      </p:nvGrpSpPr>
+      <p:grpSpPr>
+        <a:xfrm>
+          <a:off x="0" y="0"/>
+          <a:ext cx="0" cy="0"/>
+          <a:chOff x="0" y="0"/>
+          <a:chExt cx="0" cy="0"/>
+        </a:xfrm>
+      </p:grpSpPr>
+      <p:sp>
+        <p:nvSpPr>
+          <p:cNvPr id="243" name="PlaceHolder 1"/>
+          <p:cNvSpPr>
+            <a:spLocks noGrp="1" noRot="1" noChangeAspect="1"/>
+          </p:cNvSpPr>
+          <p:nvPr>
+            <p:ph type="sldImg"/>
+          </p:nvPr>
+        </p:nvSpPr>
+        <p:spPr>
+          <a:xfrm>
+            <a:off x="381000" y="685800"/>
+            <a:ext cx="6096000" cy="3429000"/>
+          </a:xfrm>
+          <a:prstGeom prst="rect">
+            <a:avLst/>
+          </a:prstGeom>
+        </p:spPr>
+      </p:sp>
+      <p:sp>
+        <p:nvSpPr>
+          <p:cNvPr id="244" name="PlaceHolder 2"/>
+          <p:cNvSpPr>
+            <a:spLocks noGrp="1"/>
+          </p:cNvSpPr>
+          <p:nvPr>
+            <p:ph type="body"/>
+          </p:nvPr>
+        </p:nvSpPr>
+        <p:spPr>
+          <a:xfrm>
+            <a:off x="685800" y="4343400"/>
+            <a:ext cx="5486040" cy="4114440"/>
+          </a:xfrm>
+          <a:prstGeom prst="rect">
+            <a:avLst/>
+          </a:prstGeom>
+        </p:spPr>
+        <p:txBody>
+          <a:bodyPr tIns="91440" bIns="91440">
+            <a:noAutofit/>
+          </a:bodyPr>
+          <a:lstStyle/>
+          <a:p>
+            <a:pPr marL="101520">
+              <a:spcBef>
+                <a:spcPts val="400"/>
+              </a:spcBef>
+            </a:pPr>
+            <a:endParaRPr lang="en-US" sz="1100" dirty="0"/>
+          </a:p>
+        </p:txBody>
+      </p:sp>
+    </p:spTree>
+    <p:extLst>
+      <p:ext uri="{BB962C8B-B14F-4D97-AF65-F5344CB8AC3E}">
+        <p14:creationId xmlns:p14="http://schemas.microsoft.com/office/powerpoint/2010/main" val="2903952489"/>
+      </p:ext>
+    </p:extLst>
+  </p:cSld>
+  <p:clrMapOvr>
+    <a:masterClrMapping/>
+  </p:clrMapOvr>
+</p:notes>
+</file>
+
+<file path=ppt/notesSlides/notesSlide15.xml><?xml version="1.0" encoding="utf-8"?>
+<p:notes xmlns:a="http://schemas.openxmlformats.org/drawingml/2006/main" xmlns:r="http://schemas.openxmlformats.org/officeDocument/2006/relationships" xmlns:p="http://schemas.openxmlformats.org/presentationml/2006/main">
+  <p:cSld>
+    <p:spTree>
+      <p:nvGrpSpPr>
+        <p:cNvPr id="1" name=""/>
+        <p:cNvGrpSpPr/>
+        <p:nvPr/>
+      </p:nvGrpSpPr>
+      <p:grpSpPr>
+        <a:xfrm>
+          <a:off x="0" y="0"/>
+          <a:ext cx="0" cy="0"/>
+          <a:chOff x="0" y="0"/>
+          <a:chExt cx="0" cy="0"/>
+        </a:xfrm>
+      </p:grpSpPr>
+      <p:sp>
+        <p:nvSpPr>
+          <p:cNvPr id="243" name="PlaceHolder 1"/>
+          <p:cNvSpPr>
+            <a:spLocks noGrp="1" noRot="1" noChangeAspect="1"/>
+          </p:cNvSpPr>
+          <p:nvPr>
+            <p:ph type="sldImg"/>
+          </p:nvPr>
+        </p:nvSpPr>
+        <p:spPr>
+          <a:xfrm>
+            <a:off x="381000" y="685800"/>
+            <a:ext cx="6096000" cy="3429000"/>
+          </a:xfrm>
+          <a:prstGeom prst="rect">
+            <a:avLst/>
+          </a:prstGeom>
+        </p:spPr>
+      </p:sp>
+      <p:sp>
+        <p:nvSpPr>
+          <p:cNvPr id="244" name="PlaceHolder 2"/>
+          <p:cNvSpPr>
+            <a:spLocks noGrp="1"/>
+          </p:cNvSpPr>
+          <p:nvPr>
+            <p:ph type="body"/>
+          </p:nvPr>
+        </p:nvSpPr>
+        <p:spPr>
+          <a:xfrm>
+            <a:off x="685800" y="4343400"/>
+            <a:ext cx="5486040" cy="4114440"/>
+          </a:xfrm>
+          <a:prstGeom prst="rect">
+            <a:avLst/>
+          </a:prstGeom>
+        </p:spPr>
+        <p:txBody>
+          <a:bodyPr tIns="91440" bIns="91440">
+            <a:noAutofit/>
+          </a:bodyPr>
+          <a:lstStyle/>
+          <a:p>
+            <a:pPr marL="101520">
+              <a:spcBef>
+                <a:spcPts val="400"/>
+              </a:spcBef>
+            </a:pPr>
+            <a:endParaRPr lang="en-US" sz="1100" dirty="0"/>
+          </a:p>
+        </p:txBody>
+      </p:sp>
+    </p:spTree>
+    <p:extLst>
+      <p:ext uri="{BB962C8B-B14F-4D97-AF65-F5344CB8AC3E}">
+        <p14:creationId xmlns:p14="http://schemas.microsoft.com/office/powerpoint/2010/main" val="1291355002"/>
+      </p:ext>
+    </p:extLst>
+  </p:cSld>
+  <p:clrMapOvr>
+    <a:masterClrMapping/>
+  </p:clrMapOvr>
+</p:notes>
+</file>
+
+<file path=ppt/notesSlides/notesSlide16.xml><?xml version="1.0" encoding="utf-8"?>
+<p:notes xmlns:a="http://schemas.openxmlformats.org/drawingml/2006/main" xmlns:r="http://schemas.openxmlformats.org/officeDocument/2006/relationships" xmlns:p="http://schemas.openxmlformats.org/presentationml/2006/main">
+  <p:cSld>
+    <p:spTree>
+      <p:nvGrpSpPr>
+        <p:cNvPr id="1" name=""/>
+        <p:cNvGrpSpPr/>
+        <p:nvPr/>
+      </p:nvGrpSpPr>
+      <p:grpSpPr>
+        <a:xfrm>
+          <a:off x="0" y="0"/>
+          <a:ext cx="0" cy="0"/>
+          <a:chOff x="0" y="0"/>
+          <a:chExt cx="0" cy="0"/>
+        </a:xfrm>
+      </p:grpSpPr>
+      <p:sp>
+        <p:nvSpPr>
+          <p:cNvPr id="2" name="Slide Image Placeholder 1"/>
+          <p:cNvSpPr>
+            <a:spLocks noGrp="1" noRot="1" noChangeAspect="1"/>
+          </p:cNvSpPr>
+          <p:nvPr>
+            <p:ph type="sldImg"/>
+          </p:nvPr>
+        </p:nvSpPr>
+        <p:spPr>
+          <a:xfrm>
+            <a:off x="533400" y="763588"/>
+            <a:ext cx="6704013" cy="3771900"/>
+          </a:xfrm>
+        </p:spPr>
+      </p:sp>
+      <p:sp>
+        <p:nvSpPr>
+          <p:cNvPr id="3" name="Notes Placeholder 2"/>
+          <p:cNvSpPr>
+            <a:spLocks noGrp="1"/>
+          </p:cNvSpPr>
+          <p:nvPr>
+            <p:ph type="body" idx="1"/>
+          </p:nvPr>
+        </p:nvSpPr>
+        <p:spPr/>
+        <p:txBody>
+          <a:bodyPr/>
+          <a:lstStyle/>
+          <a:p>
+            <a:endParaRPr lang="en-US" dirty="0"/>
+          </a:p>
+        </p:txBody>
+      </p:sp>
+      <p:sp>
+        <p:nvSpPr>
+          <p:cNvPr id="4" name="Slide Number Placeholder 3"/>
+          <p:cNvSpPr>
+            <a:spLocks noGrp="1"/>
+          </p:cNvSpPr>
+          <p:nvPr>
+            <p:ph type="sldNum"/>
+          </p:nvPr>
+        </p:nvSpPr>
+        <p:spPr/>
+        <p:txBody>
+          <a:bodyPr/>
+          <a:lstStyle/>
+          <a:p>
+            <a:pPr algn="r"/>
+            <a:fld id="{BA3CDCDB-E9EF-4257-93B9-33682187AA79}" type="slidenum">
+              <a:rPr lang="en-US" sz="1400" b="0" strike="noStrike" spc="-1" smtClean="0">
+                <a:latin typeface="Times New Roman"/>
+              </a:rPr>
+              <a:t>22</a:t>
+            </a:fld>
+            <a:endParaRPr lang="en-US" sz="1400" b="0" strike="noStrike" spc="-1">
+              <a:latin typeface="Times New Roman"/>
+            </a:endParaRPr>
+          </a:p>
+        </p:txBody>
+      </p:sp>
+    </p:spTree>
+    <p:extLst>
+      <p:ext uri="{BB962C8B-B14F-4D97-AF65-F5344CB8AC3E}">
+        <p14:creationId xmlns:p14="http://schemas.microsoft.com/office/powerpoint/2010/main" val="3521497249"/>
       </p:ext>
     </p:extLst>
   </p:cSld>
@@ -10695,7 +11595,6 @@
                 <a:solidFill>
                   <a:srgbClr val="3664AD"/>
                 </a:solidFill>
-                <a:latin typeface="Gill Sans"/>
                 <a:ea typeface="Gill Sans"/>
               </a:rPr>
               <a:t>Zowe Community 20PI4 </a:t>
@@ -10712,7 +11611,6 @@
                 <a:solidFill>
                   <a:srgbClr val="3664AD"/>
                 </a:solidFill>
-                <a:latin typeface="Gill Sans"/>
                 <a:ea typeface="Gill Sans"/>
               </a:rPr>
               <a:t>Squad Focus</a:t>
@@ -10721,7 +11619,6 @@
               <a:solidFill>
                 <a:srgbClr val="000000"/>
               </a:solidFill>
-              <a:latin typeface="Arial"/>
             </a:endParaRPr>
           </a:p>
         </p:txBody>
@@ -10836,7 +11733,7 @@
                 <a:solidFill>
                   <a:srgbClr val="262626"/>
                 </a:solidFill>
-                <a:latin typeface="Gill Sans"/>
+                <a:latin typeface="+mj-lt"/>
                 <a:ea typeface="Gill Sans"/>
               </a:rPr>
               <a:t>CI/CD – </a:t>
@@ -10847,7 +11744,7 @@
                   <a:srgbClr val="222222"/>
                 </a:solidFill>
                 <a:effectLst/>
-                <a:latin typeface="Lato"/>
+                <a:latin typeface="+mj-lt"/>
               </a:rPr>
               <a:t>Automated testing catch-up</a:t>
             </a:r>
@@ -10855,7 +11752,7 @@
               <a:solidFill>
                 <a:srgbClr val="000000"/>
               </a:solidFill>
-              <a:latin typeface="Arial"/>
+              <a:latin typeface="+mj-lt"/>
             </a:endParaRPr>
           </a:p>
         </p:txBody>
@@ -10893,32 +11790,32 @@
               <a:buChar char="Ø"/>
             </a:pPr>
             <a:r>
-              <a:rPr lang="en-GB" dirty="0">
+              <a:rPr lang="en-GB" sz="2000" dirty="0">
                 <a:solidFill>
                   <a:srgbClr val="222222"/>
                 </a:solidFill>
                 <a:effectLst/>
-                <a:latin typeface="Lato"/>
+                <a:latin typeface="+mj-lt"/>
               </a:rPr>
               <a:t>Decide on and complete what testing we require for keyrings and </a:t>
             </a:r>
             <a:r>
-              <a:rPr lang="en-GB" dirty="0" err="1">
+              <a:rPr lang="en-GB" sz="2000" dirty="0" err="1">
                 <a:solidFill>
                   <a:srgbClr val="222222"/>
                 </a:solidFill>
                 <a:effectLst/>
-                <a:latin typeface="Lato"/>
+                <a:latin typeface="+mj-lt"/>
               </a:rPr>
               <a:t>uss</a:t>
             </a:r>
             <a:r>
-              <a:rPr lang="en-GB" dirty="0">
+              <a:rPr lang="en-GB" sz="2000" dirty="0">
                 <a:solidFill>
                   <a:srgbClr val="222222"/>
                 </a:solidFill>
                 <a:effectLst/>
-                <a:latin typeface="Lato"/>
+                <a:latin typeface="+mj-lt"/>
               </a:rPr>
               <a:t> certificates </a:t>
             </a:r>
@@ -10932,12 +11829,12 @@
               <a:buChar char="•"/>
             </a:pPr>
             <a:r>
-              <a:rPr lang="en-GB" sz="1600" dirty="0">
+              <a:rPr lang="en-GB" dirty="0">
                 <a:solidFill>
                   <a:srgbClr val="222222"/>
                 </a:solidFill>
                 <a:effectLst/>
-                <a:latin typeface="Lato"/>
+                <a:latin typeface="+mj-lt"/>
               </a:rPr>
               <a:t>(eg better TSS and ACF2 support for keyrings, more certificate scenarios like importing external certificates)</a:t>
             </a:r>
@@ -10950,11 +11847,11 @@
               <a:buFont typeface="Wingdings" pitchFamily="2" charset="2"/>
               <a:buChar char="Ø"/>
             </a:pPr>
-            <a:endParaRPr lang="en-GB" sz="1600" spc="-1" dirty="0">
+            <a:endParaRPr lang="en-GB" spc="-1" dirty="0">
               <a:solidFill>
                 <a:srgbClr val="222222"/>
               </a:solidFill>
-              <a:latin typeface="Lato"/>
+              <a:latin typeface="+mj-lt"/>
               <a:ea typeface="Gill Sans"/>
             </a:endParaRPr>
           </a:p>
@@ -10967,42 +11864,42 @@
               <a:buChar char="Ø"/>
             </a:pPr>
             <a:r>
-              <a:rPr lang="en-GB" dirty="0" err="1">
+              <a:rPr lang="en-GB" sz="2000" dirty="0" err="1">
                 <a:solidFill>
                   <a:srgbClr val="222222"/>
                 </a:solidFill>
                 <a:effectLst/>
-                <a:latin typeface="Lato"/>
+                <a:latin typeface="+mj-lt"/>
               </a:rPr>
               <a:t>zlux</a:t>
             </a:r>
             <a:r>
-              <a:rPr lang="en-GB" dirty="0">
+              <a:rPr lang="en-GB" sz="2000" dirty="0">
                 <a:solidFill>
                   <a:srgbClr val="222222"/>
                 </a:solidFill>
                 <a:effectLst/>
-                <a:latin typeface="Lato"/>
+                <a:latin typeface="+mj-lt"/>
               </a:rPr>
               <a:t> and </a:t>
             </a:r>
             <a:r>
-              <a:rPr lang="en-GB" dirty="0" err="1">
+              <a:rPr lang="en-GB" sz="2000" dirty="0" err="1">
                 <a:solidFill>
                   <a:srgbClr val="222222"/>
                 </a:solidFill>
                 <a:effectLst/>
-                <a:latin typeface="Lato"/>
+                <a:latin typeface="+mj-lt"/>
               </a:rPr>
               <a:t>apiml</a:t>
             </a:r>
             <a:r>
-              <a:rPr lang="en-GB" dirty="0">
+              <a:rPr lang="en-GB" sz="2000" dirty="0">
                 <a:solidFill>
                   <a:srgbClr val="222222"/>
                 </a:solidFill>
                 <a:effectLst/>
-                <a:latin typeface="Lato"/>
+                <a:latin typeface="+mj-lt"/>
               </a:rPr>
               <a:t> component testing into open source</a:t>
             </a:r>
@@ -11015,11 +11912,11 @@
               <a:buFont typeface="Wingdings" pitchFamily="2" charset="2"/>
               <a:buChar char="Ø"/>
             </a:pPr>
-            <a:endParaRPr lang="en-GB" spc="-1" dirty="0">
+            <a:endParaRPr lang="en-GB" sz="2000" spc="-1" dirty="0">
               <a:solidFill>
                 <a:srgbClr val="222222"/>
               </a:solidFill>
-              <a:latin typeface="Lato"/>
+              <a:latin typeface="+mj-lt"/>
               <a:ea typeface="Gill Sans"/>
             </a:endParaRPr>
           </a:p>
@@ -11032,37 +11929,37 @@
               <a:buChar char="Ø"/>
             </a:pPr>
             <a:r>
-              <a:rPr lang="en-GB" dirty="0">
+              <a:rPr lang="en-GB" sz="2000" dirty="0">
                 <a:solidFill>
                   <a:srgbClr val="222222"/>
                 </a:solidFill>
                 <a:effectLst/>
-                <a:latin typeface="Lato"/>
+                <a:latin typeface="+mj-lt"/>
               </a:rPr>
               <a:t>Support ACF2 and TSS with the </a:t>
             </a:r>
             <a:r>
-              <a:rPr lang="en-GB" dirty="0" err="1">
+              <a:rPr lang="en-GB" sz="2000" dirty="0" err="1">
                 <a:solidFill>
                   <a:srgbClr val="222222"/>
                 </a:solidFill>
                 <a:effectLst/>
-                <a:latin typeface="Lato"/>
+                <a:latin typeface="+mj-lt"/>
               </a:rPr>
               <a:t>Zowe</a:t>
             </a:r>
             <a:r>
-              <a:rPr lang="en-GB" dirty="0">
+              <a:rPr lang="en-GB" sz="2000" dirty="0">
                 <a:solidFill>
                   <a:srgbClr val="222222"/>
                 </a:solidFill>
                 <a:effectLst/>
-                <a:latin typeface="Lato"/>
+                <a:latin typeface="+mj-lt"/>
               </a:rPr>
               <a:t> security set up</a:t>
             </a:r>
-            <a:endParaRPr lang="en-US" spc="-1" dirty="0">
-              <a:latin typeface="Gill Sans"/>
+            <a:endParaRPr lang="en-US" sz="2000" spc="-1" dirty="0">
+              <a:latin typeface="+mj-lt"/>
               <a:ea typeface="Gill Sans"/>
             </a:endParaRPr>
           </a:p>
@@ -11163,7 +12060,7 @@
                 <a:solidFill>
                   <a:srgbClr val="262626"/>
                 </a:solidFill>
-                <a:latin typeface="Gill Sans"/>
+                <a:latin typeface="+mj-lt"/>
                 <a:ea typeface="Gill Sans"/>
               </a:rPr>
               <a:t>CI/CD – </a:t>
@@ -11174,7 +12071,7 @@
                   <a:srgbClr val="222222"/>
                 </a:solidFill>
                 <a:effectLst/>
-                <a:latin typeface="Lato"/>
+                <a:latin typeface="+mj-lt"/>
               </a:rPr>
               <a:t>Monitoring of infrastructure</a:t>
             </a:r>
@@ -11182,7 +12079,7 @@
               <a:solidFill>
                 <a:srgbClr val="000000"/>
               </a:solidFill>
-              <a:latin typeface="Arial"/>
+              <a:latin typeface="+mj-lt"/>
             </a:endParaRPr>
           </a:p>
         </p:txBody>
@@ -11220,12 +12117,12 @@
               <a:buChar char="Ø"/>
             </a:pPr>
             <a:r>
-              <a:rPr lang="en-GB" sz="1400" dirty="0">
+              <a:rPr lang="en-GB" sz="1600" dirty="0">
                 <a:solidFill>
                   <a:srgbClr val="222222"/>
                 </a:solidFill>
                 <a:effectLst/>
-                <a:latin typeface="Lato"/>
+                <a:latin typeface="+mj-lt"/>
               </a:rPr>
               <a:t>Discussed on a call - already set up more monitoring in IBM Cloud, can't track performance.</a:t>
             </a:r>
@@ -11238,11 +12135,11 @@
               <a:buFont typeface="Wingdings" pitchFamily="2" charset="2"/>
               <a:buChar char="Ø"/>
             </a:pPr>
-            <a:endParaRPr lang="en-GB" sz="1400" dirty="0">
+            <a:endParaRPr lang="en-GB" sz="1000" dirty="0">
               <a:solidFill>
                 <a:srgbClr val="222222"/>
               </a:solidFill>
-              <a:latin typeface="Lato"/>
+              <a:latin typeface="+mj-lt"/>
             </a:endParaRPr>
           </a:p>
           <a:p>
@@ -11254,12 +12151,12 @@
               <a:buChar char="Ø"/>
             </a:pPr>
             <a:r>
-              <a:rPr lang="en-GB" sz="1400" dirty="0">
+              <a:rPr lang="en-GB" sz="1600" dirty="0">
                 <a:solidFill>
                   <a:srgbClr val="222222"/>
                 </a:solidFill>
                 <a:effectLst/>
-                <a:latin typeface="Lato"/>
+                <a:latin typeface="+mj-lt"/>
               </a:rPr>
               <a:t>Want to be able to measure performance and catch potential issues in advance</a:t>
             </a:r>
@@ -11272,11 +12169,11 @@
               <a:buFont typeface="Wingdings" pitchFamily="2" charset="2"/>
               <a:buChar char="Ø"/>
             </a:pPr>
-            <a:endParaRPr lang="en-GB" sz="1400" spc="-1" dirty="0">
+            <a:endParaRPr lang="en-GB" sz="1050" spc="-1" dirty="0">
               <a:solidFill>
                 <a:srgbClr val="222222"/>
               </a:solidFill>
-              <a:latin typeface="Lato"/>
+              <a:latin typeface="+mj-lt"/>
               <a:ea typeface="Gill Sans"/>
             </a:endParaRPr>
           </a:p>
@@ -11289,11 +12186,11 @@
               <a:buChar char="Ø"/>
             </a:pPr>
             <a:r>
-              <a:rPr lang="en-GB" sz="1400" spc="-1" dirty="0">
+              <a:rPr lang="en-GB" sz="1600" spc="-1" dirty="0">
                 <a:solidFill>
                   <a:srgbClr val="222222"/>
                 </a:solidFill>
-                <a:latin typeface="Lato"/>
+                <a:latin typeface="+mj-lt"/>
                 <a:ea typeface="Gill Sans"/>
               </a:rPr>
               <a:t>Using Zabbix tool to stand up server and agents on all infrastructure machines:</a:t>
@@ -11308,11 +12205,11 @@
               <a:buChar char="•"/>
             </a:pPr>
             <a:r>
-              <a:rPr lang="en-GB" sz="1200" spc="-1" dirty="0">
+              <a:rPr lang="en-GB" sz="1400" spc="-1" dirty="0">
                 <a:solidFill>
                   <a:srgbClr val="222222"/>
                 </a:solidFill>
-                <a:latin typeface="Lato"/>
+                <a:latin typeface="+mj-lt"/>
                 <a:ea typeface="Gill Sans"/>
               </a:rPr>
               <a:t>Marist-1</a:t>
@@ -11327,11 +12224,11 @@
               <a:buChar char="•"/>
             </a:pPr>
             <a:r>
-              <a:rPr lang="en-GB" sz="1200" spc="-1" dirty="0">
+              <a:rPr lang="en-GB" sz="1400" spc="-1" dirty="0">
                 <a:solidFill>
                   <a:srgbClr val="222222"/>
                 </a:solidFill>
-                <a:latin typeface="Lato"/>
+                <a:latin typeface="+mj-lt"/>
                 <a:ea typeface="Gill Sans"/>
               </a:rPr>
               <a:t>Marist-2</a:t>
@@ -11346,11 +12243,11 @@
               <a:buChar char="•"/>
             </a:pPr>
             <a:r>
-              <a:rPr lang="en-GB" sz="1200" spc="-1" dirty="0">
+              <a:rPr lang="en-GB" sz="1400" spc="-1" dirty="0">
                 <a:solidFill>
                   <a:srgbClr val="222222"/>
                 </a:solidFill>
-                <a:latin typeface="Lato"/>
+                <a:latin typeface="+mj-lt"/>
                 <a:ea typeface="Gill Sans"/>
               </a:rPr>
               <a:t>Marist-3</a:t>
@@ -11365,11 +12262,11 @@
               <a:buChar char="•"/>
             </a:pPr>
             <a:r>
-              <a:rPr lang="en-GB" sz="1200" spc="-1" dirty="0">
+              <a:rPr lang="en-GB" sz="1400" spc="-1" dirty="0">
                 <a:solidFill>
                   <a:srgbClr val="222222"/>
                 </a:solidFill>
-                <a:latin typeface="Lato"/>
+                <a:latin typeface="+mj-lt"/>
                 <a:ea typeface="Gill Sans"/>
               </a:rPr>
               <a:t>Wash</a:t>
@@ -11384,11 +12281,11 @@
               <a:buChar char="•"/>
             </a:pPr>
             <a:r>
-              <a:rPr lang="en-GB" sz="1200" spc="-1" dirty="0">
+              <a:rPr lang="en-GB" sz="1400" spc="-1" dirty="0">
                 <a:solidFill>
                   <a:srgbClr val="222222"/>
                 </a:solidFill>
-                <a:latin typeface="Lato"/>
+                <a:latin typeface="+mj-lt"/>
                 <a:ea typeface="Gill Sans"/>
               </a:rPr>
               <a:t>River</a:t>
@@ -11403,11 +12300,11 @@
               <a:buChar char="•"/>
             </a:pPr>
             <a:r>
-              <a:rPr lang="en-GB" sz="1200" spc="-1" dirty="0">
+              <a:rPr lang="en-GB" sz="1400" spc="-1" dirty="0">
                 <a:solidFill>
                   <a:srgbClr val="222222"/>
                 </a:solidFill>
-                <a:latin typeface="Lato"/>
+                <a:latin typeface="+mj-lt"/>
                 <a:ea typeface="Gill Sans"/>
               </a:rPr>
               <a:t>Jayne</a:t>
@@ -11421,11 +12318,11 @@
               <a:buFont typeface="Arial" panose="020B0604020202020204" pitchFamily="34" charset="0"/>
               <a:buChar char="•"/>
             </a:pPr>
-            <a:endParaRPr lang="en-GB" sz="1400" spc="-1" dirty="0">
+            <a:endParaRPr lang="en-GB" sz="1000" spc="-1" dirty="0">
               <a:solidFill>
                 <a:srgbClr val="222222"/>
               </a:solidFill>
-              <a:latin typeface="Lato"/>
+              <a:latin typeface="+mj-lt"/>
               <a:ea typeface="Gill Sans"/>
             </a:endParaRPr>
           </a:p>
@@ -11438,104 +12335,27 @@
               <a:buChar char="Ø"/>
             </a:pPr>
             <a:r>
-              <a:rPr lang="en-GB" sz="1400" spc="-1" dirty="0">
+              <a:rPr lang="en-GB" sz="1600" spc="-1" dirty="0">
                 <a:solidFill>
                   <a:srgbClr val="222222"/>
                 </a:solidFill>
-                <a:latin typeface="Lato"/>
+                <a:latin typeface="+mj-lt"/>
                 <a:ea typeface="Gill Sans"/>
               </a:rPr>
-              <a:t>Currently appear to be missing packages on IBM Cloud systems that won’t allow server install</a:t>
-            </a:r>
-          </a:p>
-          <a:p>
-            <a:pPr marL="387270" indent="-285750">
-              <a:spcBef>
-                <a:spcPts val="400"/>
-              </a:spcBef>
-              <a:buFont typeface="Wingdings" pitchFamily="2" charset="2"/>
-              <a:buChar char="Ø"/>
-            </a:pPr>
-            <a:endParaRPr lang="en-GB" sz="1600" spc="-1" dirty="0">
-              <a:solidFill>
-                <a:srgbClr val="222222"/>
-              </a:solidFill>
-              <a:latin typeface="Lato"/>
-              <a:ea typeface="Gill Sans"/>
-            </a:endParaRPr>
-          </a:p>
-          <a:p>
-            <a:pPr marL="387270" indent="-285750">
-              <a:spcBef>
-                <a:spcPts val="400"/>
-              </a:spcBef>
-              <a:buFont typeface="Arial" panose="020B0604020202020204" pitchFamily="34" charset="0"/>
-              <a:buChar char="•"/>
-            </a:pPr>
-            <a:endParaRPr lang="en-GB" sz="1400" spc="-1" dirty="0">
-              <a:solidFill>
-                <a:srgbClr val="222222"/>
-              </a:solidFill>
-              <a:latin typeface="Lato"/>
-              <a:ea typeface="Gill Sans"/>
-            </a:endParaRPr>
-          </a:p>
-          <a:p>
-            <a:pPr marL="101520">
-              <a:spcBef>
-                <a:spcPts val="400"/>
-              </a:spcBef>
-            </a:pPr>
-            <a:endParaRPr lang="en-GB" sz="1400" spc="-1" dirty="0">
-              <a:solidFill>
-                <a:srgbClr val="222222"/>
-              </a:solidFill>
-              <a:latin typeface="Lato"/>
-              <a:ea typeface="Gill Sans"/>
-            </a:endParaRPr>
-          </a:p>
-          <a:p>
-            <a:pPr marL="844470" lvl="1" indent="-285750">
-              <a:spcBef>
-                <a:spcPts val="400"/>
-              </a:spcBef>
-              <a:buFont typeface="Arial" panose="020B0604020202020204" pitchFamily="34" charset="0"/>
-              <a:buChar char="•"/>
-            </a:pPr>
-            <a:endParaRPr lang="en-GB" sz="1400" spc="-1" dirty="0">
-              <a:solidFill>
-                <a:srgbClr val="222222"/>
-              </a:solidFill>
-              <a:latin typeface="Lato"/>
-              <a:ea typeface="Gill Sans"/>
-            </a:endParaRPr>
-          </a:p>
-          <a:p>
-            <a:pPr marL="387270" indent="-285750">
-              <a:spcBef>
-                <a:spcPts val="400"/>
-              </a:spcBef>
-              <a:buFont typeface="Wingdings" pitchFamily="2" charset="2"/>
-              <a:buChar char="Ø"/>
-            </a:pPr>
-            <a:endParaRPr lang="en-GB" spc="-1" dirty="0">
-              <a:solidFill>
-                <a:srgbClr val="222222"/>
-              </a:solidFill>
-              <a:latin typeface="Lato"/>
-              <a:ea typeface="Gill Sans"/>
-            </a:endParaRPr>
-          </a:p>
-          <a:p>
-            <a:pPr marL="387270" indent="-285750">
-              <a:spcBef>
-                <a:spcPts val="400"/>
-              </a:spcBef>
-              <a:buFont typeface="Wingdings" pitchFamily="2" charset="2"/>
-              <a:buChar char="Ø"/>
-            </a:pPr>
-            <a:endParaRPr lang="en-US" spc="-1" dirty="0">
-              <a:latin typeface="Gill Sans"/>
+              <a:t>Currently appear to be missing packages on IBM Cloud systems that won’t allow server </a:t>
+            </a:r>
+            <a:r>
+              <a:rPr lang="en-GB" sz="1600" spc="-1" dirty="0" smtClean="0">
+                <a:solidFill>
+                  <a:srgbClr val="222222"/>
+                </a:solidFill>
+                <a:latin typeface="+mj-lt"/>
+                <a:ea typeface="Gill Sans"/>
+              </a:rPr>
+              <a:t>install</a:t>
+            </a:r>
+            <a:endParaRPr lang="en-US" sz="2000" spc="-1" dirty="0">
+              <a:latin typeface="+mj-lt"/>
               <a:ea typeface="Gill Sans"/>
             </a:endParaRPr>
           </a:p>
@@ -11632,30 +12452,30 @@
               </a:lnSpc>
             </a:pPr>
             <a:r>
-              <a:rPr lang="en-US" sz="3000" spc="-1" dirty="0">
+              <a:rPr lang="en-US" sz="2800" spc="-1" dirty="0">
                 <a:solidFill>
                   <a:srgbClr val="262626"/>
                 </a:solidFill>
-                <a:latin typeface="Gill Sans"/>
+                <a:latin typeface="+mj-lt"/>
                 <a:ea typeface="Gill Sans"/>
               </a:rPr>
               <a:t>CI/CD – </a:t>
             </a:r>
             <a:r>
-              <a:rPr lang="en-GB" sz="3000" spc="-1" dirty="0">
+              <a:rPr lang="en-GB" sz="2800" spc="-1" dirty="0">
                 <a:solidFill>
                   <a:srgbClr val="262626"/>
                 </a:solidFill>
-                <a:latin typeface="Gill Sans"/>
+                <a:latin typeface="+mj-lt"/>
                 <a:ea typeface="Gill Sans"/>
               </a:rPr>
               <a:t>Stand up more subsystems on Marist</a:t>
             </a:r>
-            <a:endParaRPr lang="en-US" sz="3000" b="0" strike="noStrike" spc="-1" dirty="0">
-              <a:solidFill>
-                <a:srgbClr val="000000"/>
-              </a:solidFill>
-              <a:latin typeface="Arial"/>
+            <a:endParaRPr lang="en-US" sz="2800" b="0" strike="noStrike" spc="-1" dirty="0">
+              <a:solidFill>
+                <a:srgbClr val="000000"/>
+              </a:solidFill>
+              <a:latin typeface="+mj-lt"/>
             </a:endParaRPr>
           </a:p>
         </p:txBody>
@@ -11693,32 +12513,32 @@
               <a:buChar char="Ø"/>
             </a:pPr>
             <a:r>
-              <a:rPr lang="en-GB" sz="1600" dirty="0">
+              <a:rPr lang="en-GB" sz="2000" dirty="0">
                 <a:solidFill>
                   <a:srgbClr val="222222"/>
                 </a:solidFill>
                 <a:effectLst/>
-                <a:latin typeface="Lato"/>
+                <a:latin typeface="+mj-lt"/>
               </a:rPr>
               <a:t>We would aim to add CICS, IMS, MQ and DB2 as well to allow </a:t>
             </a:r>
             <a:r>
-              <a:rPr lang="en-GB" sz="1600" dirty="0" err="1">
+              <a:rPr lang="en-GB" sz="2000" dirty="0" err="1">
                 <a:solidFill>
                   <a:srgbClr val="222222"/>
                 </a:solidFill>
                 <a:effectLst/>
-                <a:latin typeface="Lato"/>
+                <a:latin typeface="+mj-lt"/>
               </a:rPr>
               <a:t>Zowe</a:t>
             </a:r>
             <a:r>
-              <a:rPr lang="en-GB" sz="1600" dirty="0">
+              <a:rPr lang="en-GB" sz="2000" dirty="0">
                 <a:solidFill>
                   <a:srgbClr val="222222"/>
                 </a:solidFill>
                 <a:effectLst/>
-                <a:latin typeface="Lato"/>
+                <a:latin typeface="+mj-lt"/>
               </a:rPr>
               <a:t> CLI extension packages to be tested</a:t>
             </a:r>
@@ -11731,11 +12551,11 @@
               <a:buFont typeface="Wingdings" pitchFamily="2" charset="2"/>
               <a:buChar char="Ø"/>
             </a:pPr>
-            <a:endParaRPr lang="en-GB" sz="1600" spc="-1" dirty="0">
+            <a:endParaRPr lang="en-GB" sz="2000" spc="-1" dirty="0">
               <a:solidFill>
                 <a:srgbClr val="222222"/>
               </a:solidFill>
-              <a:latin typeface="Lato"/>
+              <a:latin typeface="+mj-lt"/>
               <a:ea typeface="Gill Sans"/>
             </a:endParaRPr>
           </a:p>
@@ -11748,49 +12568,30 @@
               <a:buChar char="Ø"/>
             </a:pPr>
             <a:r>
-              <a:rPr lang="en-GB" sz="1600" spc="-1" dirty="0">
+              <a:rPr lang="en-GB" sz="2000" spc="-1" dirty="0">
                 <a:solidFill>
                   <a:srgbClr val="222222"/>
                 </a:solidFill>
-                <a:latin typeface="Lato"/>
+                <a:latin typeface="+mj-lt"/>
                 <a:ea typeface="Gill Sans"/>
               </a:rPr>
-              <a:t>Would need co-ordination with other squads to find out exact requirements</a:t>
-            </a:r>
-            <a:endParaRPr lang="en-GB" sz="1400" spc="-1" dirty="0">
+              <a:t>Would need co-ordination with other squads to find out exact </a:t>
+            </a:r>
+            <a:r>
+              <a:rPr lang="en-GB" sz="2000" spc="-1" dirty="0" smtClean="0">
+                <a:solidFill>
+                  <a:srgbClr val="222222"/>
+                </a:solidFill>
+                <a:latin typeface="+mj-lt"/>
+                <a:ea typeface="Gill Sans"/>
+              </a:rPr>
+              <a:t>requirements</a:t>
+            </a:r>
+            <a:endParaRPr lang="en-GB" spc="-1" dirty="0">
               <a:solidFill>
                 <a:srgbClr val="222222"/>
               </a:solidFill>
-              <a:latin typeface="Lato"/>
-              <a:ea typeface="Gill Sans"/>
-            </a:endParaRPr>
-          </a:p>
-          <a:p>
-            <a:pPr marL="387270" indent="-285750">
-              <a:spcBef>
-                <a:spcPts val="400"/>
-              </a:spcBef>
-              <a:buFont typeface="Wingdings" pitchFamily="2" charset="2"/>
-              <a:buChar char="Ø"/>
-            </a:pPr>
-            <a:endParaRPr lang="en-GB" spc="-1" dirty="0">
-              <a:solidFill>
-                <a:srgbClr val="222222"/>
-              </a:solidFill>
-              <a:latin typeface="Lato"/>
-              <a:ea typeface="Gill Sans"/>
-            </a:endParaRPr>
-          </a:p>
-          <a:p>
-            <a:pPr marL="387270" indent="-285750">
-              <a:spcBef>
-                <a:spcPts val="400"/>
-              </a:spcBef>
-              <a:buFont typeface="Wingdings" pitchFamily="2" charset="2"/>
-              <a:buChar char="Ø"/>
-            </a:pPr>
-            <a:endParaRPr lang="en-US" spc="-1" dirty="0">
-              <a:latin typeface="Gill Sans"/>
+              <a:latin typeface="+mj-lt"/>
               <a:ea typeface="Gill Sans"/>
             </a:endParaRPr>
           </a:p>
@@ -11891,7 +12692,7 @@
                 <a:solidFill>
                   <a:srgbClr val="262626"/>
                 </a:solidFill>
-                <a:latin typeface="Gill Sans"/>
+                <a:latin typeface="+mj-lt"/>
                 <a:ea typeface="Gill Sans"/>
               </a:rPr>
               <a:t>CI/CD – </a:t>
@@ -11901,7 +12702,7 @@
                 <a:solidFill>
                   <a:srgbClr val="262626"/>
                 </a:solidFill>
-                <a:latin typeface="Gill Sans"/>
+                <a:latin typeface="+mj-lt"/>
                 <a:ea typeface="Gill Sans"/>
               </a:rPr>
               <a:t>Pipeline improvements</a:t>
@@ -11910,7 +12711,7 @@
               <a:solidFill>
                 <a:srgbClr val="000000"/>
               </a:solidFill>
-              <a:latin typeface="Arial"/>
+              <a:latin typeface="+mj-lt"/>
             </a:endParaRPr>
           </a:p>
         </p:txBody>
@@ -11948,22 +12749,22 @@
               <a:buChar char="Ø"/>
             </a:pPr>
             <a:r>
-              <a:rPr lang="en-GB" sz="1600" dirty="0">
+              <a:rPr lang="en-GB" sz="2000" dirty="0">
                 <a:solidFill>
                   <a:srgbClr val="222222"/>
                 </a:solidFill>
                 <a:effectLst/>
-                <a:latin typeface="Lato"/>
+                <a:latin typeface="+mj-lt"/>
                 <a:hlinkClick r:id="rId3"/>
               </a:rPr>
               <a:t>Fix reporting of false positives in nightly builds and new RC pipeline build</a:t>
             </a:r>
-            <a:endParaRPr lang="en-GB" sz="1600" dirty="0">
+            <a:endParaRPr lang="en-GB" sz="2000" dirty="0">
               <a:solidFill>
                 <a:srgbClr val="222222"/>
               </a:solidFill>
               <a:effectLst/>
-              <a:latin typeface="Lato"/>
+              <a:latin typeface="+mj-lt"/>
             </a:endParaRPr>
           </a:p>
           <a:p>
@@ -11972,11 +12773,11 @@
                 <a:spcPts val="400"/>
               </a:spcBef>
             </a:pPr>
-            <a:endParaRPr lang="en-GB" sz="1600" dirty="0">
+            <a:endParaRPr lang="en-GB" sz="2000" dirty="0">
               <a:solidFill>
                 <a:srgbClr val="222222"/>
               </a:solidFill>
-              <a:latin typeface="Lato"/>
+              <a:latin typeface="+mj-lt"/>
             </a:endParaRPr>
           </a:p>
           <a:p>
@@ -11988,12 +12789,12 @@
               <a:buChar char="Ø"/>
             </a:pPr>
             <a:r>
-              <a:rPr lang="en-GB" sz="1600" dirty="0">
+              <a:rPr lang="en-GB" sz="2000" dirty="0">
                 <a:solidFill>
                   <a:srgbClr val="222222"/>
                 </a:solidFill>
                 <a:effectLst/>
-                <a:latin typeface="Lato"/>
+                <a:latin typeface="+mj-lt"/>
               </a:rPr>
               <a:t>Possibly create a similar pipeline for GA but not as much</a:t>
             </a:r>
@@ -12006,11 +12807,11 @@
               <a:buFont typeface="Wingdings" pitchFamily="2" charset="2"/>
               <a:buChar char="Ø"/>
             </a:pPr>
-            <a:endParaRPr lang="en-GB" sz="1600" dirty="0">
+            <a:endParaRPr lang="en-GB" sz="2000" dirty="0">
               <a:solidFill>
                 <a:srgbClr val="222222"/>
               </a:solidFill>
-              <a:latin typeface="Lato"/>
+              <a:latin typeface="+mj-lt"/>
             </a:endParaRPr>
           </a:p>
           <a:p>
@@ -12022,96 +12823,35 @@
               <a:buChar char="Ø"/>
             </a:pPr>
             <a:r>
-              <a:rPr lang="en-GB" sz="1600" dirty="0">
+              <a:rPr lang="en-GB" sz="2000" dirty="0">
                 <a:solidFill>
                   <a:srgbClr val="222222"/>
                 </a:solidFill>
                 <a:effectLst/>
-                <a:latin typeface="Lato"/>
+                <a:latin typeface="+mj-lt"/>
               </a:rPr>
               <a:t>Want to look into possibilities for automating update of </a:t>
             </a:r>
             <a:r>
-              <a:rPr lang="en-GB" sz="1600" dirty="0" err="1">
+              <a:rPr lang="en-GB" sz="2000" dirty="0" err="1">
                 <a:solidFill>
                   <a:srgbClr val="222222"/>
                 </a:solidFill>
                 <a:effectLst/>
-                <a:latin typeface="Lato"/>
+                <a:latin typeface="+mj-lt"/>
               </a:rPr>
               <a:t>manifest.json</a:t>
             </a:r>
             <a:r>
-              <a:rPr lang="en-GB" sz="1600" dirty="0">
+              <a:rPr lang="en-GB" sz="2000" dirty="0">
                 <a:solidFill>
                   <a:srgbClr val="222222"/>
                 </a:solidFill>
                 <a:effectLst/>
-                <a:latin typeface="Lato"/>
+                <a:latin typeface="+mj-lt"/>
               </a:rPr>
               <a:t> as a lot of these changes are the same every time </a:t>
             </a:r>
-          </a:p>
-          <a:p>
-            <a:pPr marL="387270" indent="-285750">
-              <a:spcBef>
-                <a:spcPts val="400"/>
-              </a:spcBef>
-              <a:buFont typeface="Wingdings" pitchFamily="2" charset="2"/>
-              <a:buChar char="Ø"/>
-            </a:pPr>
-            <a:endParaRPr lang="en-GB" sz="1600" spc="-1" dirty="0">
-              <a:solidFill>
-                <a:srgbClr val="222222"/>
-              </a:solidFill>
-              <a:latin typeface="Lato"/>
-              <a:ea typeface="Gill Sans"/>
-            </a:endParaRPr>
-          </a:p>
-          <a:p>
-            <a:pPr marL="387270" indent="-285750">
-              <a:spcBef>
-                <a:spcPts val="400"/>
-              </a:spcBef>
-              <a:buFont typeface="Wingdings" pitchFamily="2" charset="2"/>
-              <a:buChar char="Ø"/>
-            </a:pPr>
-            <a:endParaRPr lang="en-GB" sz="1400" spc="-1" dirty="0">
-              <a:solidFill>
-                <a:srgbClr val="222222"/>
-              </a:solidFill>
-              <a:latin typeface="Lato"/>
-              <a:ea typeface="Gill Sans"/>
-            </a:endParaRPr>
-          </a:p>
-          <a:p>
-            <a:pPr marL="387270" indent="-285750">
-              <a:spcBef>
-                <a:spcPts val="400"/>
-              </a:spcBef>
-              <a:buFont typeface="Wingdings" pitchFamily="2" charset="2"/>
-              <a:buChar char="Ø"/>
-            </a:pPr>
-            <a:endParaRPr lang="en-GB" spc="-1" dirty="0">
-              <a:solidFill>
-                <a:srgbClr val="222222"/>
-              </a:solidFill>
-              <a:latin typeface="Lato"/>
-              <a:ea typeface="Gill Sans"/>
-            </a:endParaRPr>
-          </a:p>
-          <a:p>
-            <a:pPr marL="387270" indent="-285750">
-              <a:spcBef>
-                <a:spcPts val="400"/>
-              </a:spcBef>
-              <a:buFont typeface="Wingdings" pitchFamily="2" charset="2"/>
-              <a:buChar char="Ø"/>
-            </a:pPr>
-            <a:endParaRPr lang="en-US" spc="-1" dirty="0">
-              <a:latin typeface="Gill Sans"/>
-              <a:ea typeface="Gill Sans"/>
-            </a:endParaRPr>
           </a:p>
         </p:txBody>
       </p:sp>
@@ -12177,26 +12917,22 @@
       </p:grpSpPr>
       <p:sp>
         <p:nvSpPr>
-          <p:cNvPr id="188" name="TextShape 1"/>
-          <p:cNvSpPr txBox="1"/>
+          <p:cNvPr id="2" name="Rectangle 1"/>
+          <p:cNvSpPr/>
           <p:nvPr/>
         </p:nvSpPr>
         <p:spPr>
           <a:xfrm>
-            <a:off x="294232" y="2503885"/>
-            <a:ext cx="6446160" cy="2256959"/>
-          </a:xfrm>
-          <a:prstGeom prst="rect">
-            <a:avLst/>
-          </a:prstGeom>
-          <a:noFill/>
-          <a:ln>
-            <a:noFill/>
-          </a:ln>
-        </p:spPr>
-        <p:txBody>
-          <a:bodyPr lIns="0" tIns="0" rIns="0" bIns="0" anchor="b">
-            <a:noAutofit/>
+            <a:off x="352839" y="3180521"/>
+            <a:ext cx="7404652" cy="940257"/>
+          </a:xfrm>
+          <a:prstGeom prst="rect">
+            <a:avLst/>
+          </a:prstGeom>
+        </p:spPr>
+        <p:txBody>
+          <a:bodyPr wrap="square">
+            <a:spAutoFit/>
           </a:bodyPr>
           <a:lstStyle/>
           <a:p>
@@ -12209,33 +12945,27 @@
               </a:spcBef>
             </a:pPr>
             <a:r>
-              <a:rPr lang="en-US" sz="3000" b="1" strike="noStrike" spc="-1" dirty="0" smtClean="0">
+              <a:rPr lang="en-US" sz="3200" b="1" spc="-1" dirty="0" err="1">
                 <a:solidFill>
                   <a:srgbClr val="000000"/>
                 </a:solidFill>
-                <a:latin typeface="Arial" panose="020B0604020202020204" pitchFamily="34" charset="0"/>
                 <a:ea typeface="Arial"/>
-                <a:cs typeface="Arial" panose="020B0604020202020204" pitchFamily="34" charset="0"/>
-              </a:rPr>
-              <a:t>Explorer </a:t>
-            </a:r>
-            <a:r>
-              <a:rPr lang="en-US" sz="3000" b="1" strike="noStrike" spc="-1" dirty="0">
+              </a:rPr>
+              <a:t>Zowe</a:t>
+            </a:r>
+            <a:r>
+              <a:rPr lang="en-US" sz="3200" b="1" spc="-1" dirty="0">
                 <a:solidFill>
                   <a:srgbClr val="000000"/>
                 </a:solidFill>
-                <a:latin typeface="Arial" panose="020B0604020202020204" pitchFamily="34" charset="0"/>
                 <a:ea typeface="Arial"/>
-                <a:cs typeface="Arial" panose="020B0604020202020204" pitchFamily="34" charset="0"/>
-              </a:rPr>
-              <a:t>Squad Focus</a:t>
-            </a:r>
-            <a:endParaRPr lang="en-US" sz="3000" b="0" strike="noStrike" spc="-1" dirty="0">
-              <a:solidFill>
-                <a:srgbClr val="000000"/>
-              </a:solidFill>
-              <a:latin typeface="Arial" panose="020B0604020202020204" pitchFamily="34" charset="0"/>
-              <a:cs typeface="Arial" panose="020B0604020202020204" pitchFamily="34" charset="0"/>
+              </a:rPr>
+              <a:t> CLI Squad Focus</a:t>
+            </a:r>
+            <a:endParaRPr lang="en-US" sz="3200" spc="-1" dirty="0">
+              <a:solidFill>
+                <a:srgbClr val="000000"/>
+              </a:solidFill>
             </a:endParaRPr>
           </a:p>
           <a:p>
@@ -12248,119 +12978,28 @@
               </a:spcBef>
             </a:pPr>
             <a:r>
-              <a:rPr lang="en-US" b="1" spc="-1" dirty="0" smtClean="0">
+              <a:rPr lang="en-US" sz="2400" b="1" spc="-1" dirty="0">
                 <a:solidFill>
                   <a:srgbClr val="000000"/>
                 </a:solidFill>
-                <a:latin typeface="Arial" panose="020B0604020202020204" pitchFamily="34" charset="0"/>
                 <a:ea typeface="Arial"/>
-                <a:cs typeface="Arial" panose="020B0604020202020204" pitchFamily="34" charset="0"/>
-              </a:rPr>
-              <a:t>Zachariah </a:t>
-            </a:r>
-            <a:r>
-              <a:rPr lang="en-US" b="1" spc="-1" dirty="0">
-                <a:solidFill>
-                  <a:srgbClr val="000000"/>
-                </a:solidFill>
-                <a:latin typeface="Arial" panose="020B0604020202020204" pitchFamily="34" charset="0"/>
-                <a:ea typeface="Arial"/>
-                <a:cs typeface="Arial" panose="020B0604020202020204" pitchFamily="34" charset="0"/>
-              </a:rPr>
-              <a:t>Mullen </a:t>
-            </a:r>
-            <a:r>
-              <a:rPr lang="en-US" b="1" strike="noStrike" spc="-1" dirty="0">
-                <a:solidFill>
-                  <a:srgbClr val="000000"/>
-                </a:solidFill>
-                <a:latin typeface="Arial" panose="020B0604020202020204" pitchFamily="34" charset="0"/>
-                <a:ea typeface="Arial"/>
-                <a:cs typeface="Arial" panose="020B0604020202020204" pitchFamily="34" charset="0"/>
-              </a:rPr>
-              <a:t>(</a:t>
-            </a:r>
-            <a:r>
-              <a:rPr lang="en-US" b="1" strike="noStrike" spc="-1" dirty="0" smtClean="0">
-                <a:solidFill>
-                  <a:srgbClr val="000000"/>
-                </a:solidFill>
-                <a:latin typeface="Arial" panose="020B0604020202020204" pitchFamily="34" charset="0"/>
-                <a:ea typeface="Arial"/>
-                <a:cs typeface="Arial" panose="020B0604020202020204" pitchFamily="34" charset="0"/>
-              </a:rPr>
-              <a:t>Scrum Master)</a:t>
-            </a:r>
-          </a:p>
-          <a:p>
-            <a:pPr marL="457200" indent="-228240">
-              <a:lnSpc>
-                <a:spcPct val="85000"/>
-              </a:lnSpc>
-              <a:spcBef>
-                <a:spcPts val="901"/>
-              </a:spcBef>
-            </a:pPr>
-            <a:r>
-              <a:rPr lang="en-US" b="1" strike="noStrike" spc="-1" dirty="0" smtClean="0">
-                <a:solidFill>
-                  <a:srgbClr val="000000"/>
-                </a:solidFill>
-                <a:latin typeface="Arial" panose="020B0604020202020204" pitchFamily="34" charset="0"/>
-                <a:ea typeface="Arial"/>
-                <a:cs typeface="Arial" panose="020B0604020202020204" pitchFamily="34" charset="0"/>
-              </a:rPr>
-              <a:t>Fernando Rijo Cedeno (Squad Lead)</a:t>
-            </a:r>
-          </a:p>
-          <a:p>
-            <a:pPr marL="457200" indent="-228240">
-              <a:lnSpc>
-                <a:spcPct val="85000"/>
-              </a:lnSpc>
-              <a:spcBef>
-                <a:spcPts val="901"/>
-              </a:spcBef>
-            </a:pPr>
-            <a:endParaRPr lang="en-US" b="1" spc="-1" dirty="0">
-              <a:solidFill>
-                <a:srgbClr val="000000"/>
-              </a:solidFill>
-              <a:latin typeface="Arial" panose="020B0604020202020204" pitchFamily="34" charset="0"/>
-              <a:cs typeface="Arial" panose="020B0604020202020204" pitchFamily="34" charset="0"/>
-            </a:endParaRPr>
-          </a:p>
-          <a:p>
-            <a:pPr marL="457200" indent="-228240">
-              <a:lnSpc>
-                <a:spcPct val="85000"/>
-              </a:lnSpc>
-              <a:spcBef>
-                <a:spcPts val="901"/>
-              </a:spcBef>
-            </a:pPr>
-            <a:r>
-              <a:rPr lang="en-US" strike="noStrike" spc="-1" dirty="0" smtClean="0">
-                <a:solidFill>
-                  <a:srgbClr val="000000"/>
-                </a:solidFill>
-                <a:latin typeface="Arial" panose="020B0604020202020204" pitchFamily="34" charset="0"/>
-                <a:cs typeface="Arial" panose="020B0604020202020204" pitchFamily="34" charset="0"/>
-                <a:hlinkClick r:id="rId2"/>
-              </a:rPr>
-              <a:t>Objectives</a:t>
-            </a:r>
-            <a:endParaRPr lang="en-US" strike="noStrike" spc="-1" dirty="0">
-              <a:solidFill>
-                <a:srgbClr val="000000"/>
-              </a:solidFill>
-              <a:latin typeface="Arial" panose="020B0604020202020204" pitchFamily="34" charset="0"/>
-              <a:cs typeface="Arial" panose="020B0604020202020204" pitchFamily="34" charset="0"/>
+              </a:rPr>
+              <a:t>Michael Bauer</a:t>
+            </a:r>
+            <a:endParaRPr lang="en-US" sz="2400" spc="-1" dirty="0">
+              <a:solidFill>
+                <a:srgbClr val="000000"/>
+              </a:solidFill>
             </a:endParaRPr>
           </a:p>
         </p:txBody>
       </p:sp>
     </p:spTree>
+    <p:extLst>
+      <p:ext uri="{BB962C8B-B14F-4D97-AF65-F5344CB8AC3E}">
+        <p14:creationId xmlns:p14="http://schemas.microsoft.com/office/powerpoint/2010/main" val="3991053163"/>
+      </p:ext>
+    </p:extLst>
   </p:cSld>
   <p:clrMapOvr>
     <a:masterClrMapping/>
@@ -12417,7 +13056,7 @@
       </p:grpSpPr>
       <p:sp>
         <p:nvSpPr>
-          <p:cNvPr id="189" name="TextShape 1"/>
+          <p:cNvPr id="182" name="TextShape 1"/>
           <p:cNvSpPr txBox="1"/>
           <p:nvPr/>
         </p:nvSpPr>
@@ -12446,36 +13085,41 @@
               </a:lnSpc>
             </a:pPr>
             <a:r>
-              <a:rPr lang="en-US" sz="2600" b="0" strike="noStrike" spc="-1" dirty="0" smtClean="0">
+              <a:rPr lang="en-US" sz="3000" spc="-1" dirty="0" err="1" smtClean="0">
                 <a:solidFill>
                   <a:srgbClr val="262626"/>
                 </a:solidFill>
-                <a:latin typeface="Arial" panose="020B0604020202020204" pitchFamily="34" charset="0"/>
                 <a:ea typeface="Gill Sans"/>
-                <a:cs typeface="Arial" panose="020B0604020202020204" pitchFamily="34" charset="0"/>
-              </a:rPr>
-              <a:t>Explorer – Extenders Conformance Criteria</a:t>
-            </a:r>
-            <a:endParaRPr lang="en-US" sz="2600" b="0" strike="noStrike" spc="-1" dirty="0">
-              <a:solidFill>
-                <a:srgbClr val="000000"/>
-              </a:solidFill>
-              <a:latin typeface="Arial" panose="020B0604020202020204" pitchFamily="34" charset="0"/>
-              <a:cs typeface="Arial" panose="020B0604020202020204" pitchFamily="34" charset="0"/>
-            </a:endParaRPr>
-          </a:p>
-        </p:txBody>
-      </p:sp>
-      <p:sp>
-        <p:nvSpPr>
-          <p:cNvPr id="190" name="TextShape 2"/>
+              </a:rPr>
+              <a:t>Zowe</a:t>
+            </a:r>
+            <a:r>
+              <a:rPr lang="en-US" sz="3000" spc="-1" dirty="0" smtClean="0">
+                <a:solidFill>
+                  <a:srgbClr val="262626"/>
+                </a:solidFill>
+                <a:ea typeface="Gill Sans"/>
+              </a:rPr>
+              <a:t> CLI Squad</a:t>
+            </a:r>
+            <a:endParaRPr lang="en-US" sz="3000" b="0" strike="noStrike" spc="-1" dirty="0">
+              <a:solidFill>
+                <a:srgbClr val="000000"/>
+              </a:solidFill>
+            </a:endParaRPr>
+          </a:p>
+        </p:txBody>
+      </p:sp>
+      <p:sp>
+        <p:nvSpPr>
+          <p:cNvPr id="183" name="TextShape 2"/>
           <p:cNvSpPr txBox="1"/>
           <p:nvPr/>
         </p:nvSpPr>
         <p:spPr>
           <a:xfrm>
-            <a:off x="336600" y="686492"/>
-            <a:ext cx="8349840" cy="4177800"/>
+            <a:off x="405518" y="993913"/>
+            <a:ext cx="8420430" cy="3808676"/>
           </a:xfrm>
           <a:prstGeom prst="rect">
             <a:avLst/>
@@ -12491,423 +13135,120 @@
           </a:bodyPr>
           <a:lstStyle/>
           <a:p>
-            <a:pPr marL="457200" indent="-355320">
-              <a:lnSpc>
-                <a:spcPct val="100000"/>
-              </a:lnSpc>
+            <a:pPr marL="387270" indent="-285750">
               <a:spcBef>
                 <a:spcPts val="400"/>
               </a:spcBef>
-              <a:buClr>
-                <a:srgbClr val="000000"/>
-              </a:buClr>
-              <a:buFont typeface="Arial"/>
-              <a:buChar char="•"/>
-            </a:pPr>
-            <a:r>
-              <a:rPr lang="en-US" sz="1600" spc="-1" dirty="0">
-                <a:solidFill>
-                  <a:srgbClr val="000000"/>
-                </a:solidFill>
-                <a:latin typeface="+mj-lt"/>
-              </a:rPr>
-              <a:t>Continue work on extensibility API and conformance </a:t>
-            </a:r>
-            <a:r>
-              <a:rPr lang="en-US" sz="1600" spc="-1" dirty="0" smtClean="0">
-                <a:solidFill>
-                  <a:srgbClr val="000000"/>
-                </a:solidFill>
-                <a:latin typeface="+mj-lt"/>
-              </a:rPr>
-              <a:t>rules </a:t>
-            </a:r>
-            <a:r>
-              <a:rPr lang="en-US" sz="1600" spc="-1" dirty="0" smtClean="0">
-                <a:solidFill>
-                  <a:srgbClr val="000000"/>
-                </a:solidFill>
-                <a:latin typeface="+mj-lt"/>
-                <a:hlinkClick r:id="rId2"/>
-              </a:rPr>
-              <a:t>#837</a:t>
-            </a:r>
-            <a:endParaRPr lang="en-US" sz="1600" spc="-1" dirty="0" smtClean="0">
-              <a:solidFill>
-                <a:srgbClr val="000000"/>
-              </a:solidFill>
-              <a:latin typeface="+mj-lt"/>
-            </a:endParaRPr>
-          </a:p>
-          <a:p>
-            <a:pPr marL="914400" lvl="1" indent="-355320">
+              <a:buFont typeface="Wingdings" pitchFamily="2" charset="2"/>
+              <a:buChar char="Ø"/>
+            </a:pPr>
+            <a:r>
+              <a:rPr lang="en-US" sz="2000" dirty="0" smtClean="0"/>
+              <a:t>Validate </a:t>
+            </a:r>
+            <a:r>
+              <a:rPr lang="en-US" sz="2000" dirty="0" err="1"/>
+              <a:t>Zowe</a:t>
+            </a:r>
+            <a:r>
+              <a:rPr lang="en-US" sz="2000" dirty="0"/>
+              <a:t> CLI on Node v14. Node v14 becomes LTS on </a:t>
+            </a:r>
+            <a:r>
+              <a:rPr lang="en-US" sz="2000" dirty="0" smtClean="0"/>
+              <a:t>10/27.</a:t>
+            </a:r>
+            <a:br>
+              <a:rPr lang="en-US" sz="2000" dirty="0" smtClean="0"/>
+            </a:br>
+            <a:endParaRPr lang="en-US" sz="2000" dirty="0" smtClean="0"/>
+          </a:p>
+          <a:p>
+            <a:pPr marL="387270" indent="-285750">
               <a:spcBef>
                 <a:spcPts val="400"/>
               </a:spcBef>
-              <a:buClr>
-                <a:srgbClr val="000000"/>
-              </a:buClr>
-              <a:buFont typeface="Arial"/>
-              <a:buChar char="•"/>
-            </a:pPr>
-            <a:r>
-              <a:rPr lang="en-US" sz="1600" spc="-1" dirty="0">
-                <a:solidFill>
-                  <a:srgbClr val="000000"/>
-                </a:solidFill>
-                <a:latin typeface="+mj-lt"/>
-              </a:rPr>
-              <a:t>Refactor </a:t>
-            </a:r>
-            <a:r>
-              <a:rPr lang="en-US" sz="1600" spc="-1" dirty="0" err="1">
-                <a:solidFill>
-                  <a:srgbClr val="000000"/>
-                </a:solidFill>
-                <a:latin typeface="+mj-lt"/>
-              </a:rPr>
-              <a:t>api</a:t>
-            </a:r>
-            <a:r>
-              <a:rPr lang="en-US" sz="1600" spc="-1" dirty="0">
-                <a:solidFill>
-                  <a:srgbClr val="000000"/>
-                </a:solidFill>
-                <a:latin typeface="+mj-lt"/>
-              </a:rPr>
-              <a:t> code (profile loading, secure creds </a:t>
-            </a:r>
-            <a:r>
-              <a:rPr lang="en-US" sz="1600" spc="-1" dirty="0" err="1">
-                <a:solidFill>
-                  <a:srgbClr val="000000"/>
-                </a:solidFill>
-                <a:latin typeface="+mj-lt"/>
-              </a:rPr>
-              <a:t>init</a:t>
-            </a:r>
-            <a:r>
-              <a:rPr lang="en-US" sz="1600" spc="-1" dirty="0">
-                <a:solidFill>
-                  <a:srgbClr val="000000"/>
-                </a:solidFill>
-                <a:latin typeface="+mj-lt"/>
-              </a:rPr>
-              <a:t>, remove UI code) </a:t>
-            </a:r>
-            <a:endParaRPr lang="en-US" sz="1600" spc="-1" dirty="0" smtClean="0">
-              <a:solidFill>
-                <a:srgbClr val="000000"/>
-              </a:solidFill>
-              <a:latin typeface="+mj-lt"/>
-            </a:endParaRPr>
-          </a:p>
-          <a:p>
-            <a:pPr marL="914400" lvl="1" indent="-355320">
+              <a:buFont typeface="Wingdings" pitchFamily="2" charset="2"/>
+              <a:buChar char="Ø"/>
+            </a:pPr>
+            <a:r>
+              <a:rPr lang="en-US" sz="2000" dirty="0" smtClean="0"/>
+              <a:t>Project </a:t>
+            </a:r>
+            <a:r>
+              <a:rPr lang="en-US" sz="2000" dirty="0"/>
+              <a:t>based CLI profiles. Implement design determined in </a:t>
+            </a:r>
+            <a:r>
+              <a:rPr lang="en-US" sz="2000" dirty="0">
+                <a:hlinkClick r:id="rId3"/>
+              </a:rPr>
+              <a:t>https://github.com/zowe/zowe-cli/issues/749</a:t>
+            </a:r>
+            <a:r>
+              <a:rPr lang="en-US" sz="2000" dirty="0"/>
+              <a:t> to allow for a single profile that stores information commonly needed for core + plug-ins. The goal is to allow for users to more easily store profiles in source control, share profiles with others, and update profile </a:t>
+            </a:r>
+            <a:r>
+              <a:rPr lang="en-US" sz="2000" dirty="0" smtClean="0"/>
+              <a:t>settings.</a:t>
+            </a:r>
+            <a:br>
+              <a:rPr lang="en-US" sz="2000" dirty="0" smtClean="0"/>
+            </a:br>
+            <a:endParaRPr lang="en-US" sz="2000" dirty="0" smtClean="0"/>
+          </a:p>
+          <a:p>
+            <a:pPr marL="387270" indent="-285750">
               <a:spcBef>
                 <a:spcPts val="400"/>
               </a:spcBef>
-              <a:buClr>
-                <a:srgbClr val="000000"/>
-              </a:buClr>
-              <a:buFont typeface="Arial"/>
-              <a:buChar char="•"/>
-            </a:pPr>
-            <a:r>
-              <a:rPr lang="en-US" sz="1600" spc="-1" dirty="0" smtClean="0">
-                <a:solidFill>
-                  <a:srgbClr val="000000"/>
-                </a:solidFill>
-                <a:latin typeface="+mj-lt"/>
-              </a:rPr>
-              <a:t>API </a:t>
-            </a:r>
-            <a:r>
-              <a:rPr lang="en-US" sz="1600" spc="-1" dirty="0">
-                <a:solidFill>
-                  <a:srgbClr val="000000"/>
-                </a:solidFill>
-                <a:latin typeface="+mj-lt"/>
-              </a:rPr>
-              <a:t>governance for </a:t>
-            </a:r>
-            <a:r>
-              <a:rPr lang="en-US" sz="1600" spc="-1" dirty="0" err="1">
-                <a:solidFill>
-                  <a:srgbClr val="000000"/>
-                </a:solidFill>
-                <a:latin typeface="+mj-lt"/>
-              </a:rPr>
+              <a:buFont typeface="Wingdings" pitchFamily="2" charset="2"/>
+              <a:buChar char="Ø"/>
+            </a:pPr>
+            <a:r>
+              <a:rPr lang="en-US" sz="2000" dirty="0" smtClean="0"/>
+              <a:t>Validate </a:t>
+            </a:r>
+            <a:r>
+              <a:rPr lang="en-US" sz="2000" dirty="0"/>
+              <a:t>daemon mode </a:t>
+            </a:r>
+            <a:r>
+              <a:rPr lang="en-US" sz="2000" dirty="0" err="1"/>
+              <a:t>PoC</a:t>
+            </a:r>
+            <a:r>
+              <a:rPr lang="en-US" sz="2000" dirty="0"/>
+              <a:t> (</a:t>
+            </a:r>
+            <a:r>
+              <a:rPr lang="en-US" sz="2000" dirty="0">
+                <a:hlinkClick r:id="rId4"/>
+              </a:rPr>
+              <a:t>https://github.com/zowe/zowe-cli/pull/825</a:t>
+            </a:r>
+            <a:r>
+              <a:rPr lang="en-US" sz="2000" dirty="0"/>
+              <a:t>). The goal is to improve </a:t>
+            </a:r>
+            <a:r>
+              <a:rPr lang="en-US" sz="2000" dirty="0" err="1"/>
               <a:t>Zowe</a:t>
             </a:r>
             <a:r>
-              <a:rPr lang="en-US" sz="1600" spc="-1" dirty="0">
-                <a:solidFill>
-                  <a:srgbClr val="000000"/>
-                </a:solidFill>
-                <a:latin typeface="+mj-lt"/>
-              </a:rPr>
-              <a:t> committers (explore automation: e.g. search for the string “</a:t>
-            </a:r>
-            <a:r>
-              <a:rPr lang="en-US" sz="1600" spc="-1" dirty="0" err="1">
-                <a:solidFill>
-                  <a:srgbClr val="000000"/>
-                </a:solidFill>
-                <a:latin typeface="+mj-lt"/>
-              </a:rPr>
-              <a:t>zosmf</a:t>
-            </a:r>
-            <a:r>
-              <a:rPr lang="en-US" sz="1600" spc="-1" dirty="0">
-                <a:solidFill>
-                  <a:srgbClr val="000000"/>
-                </a:solidFill>
-                <a:latin typeface="+mj-lt"/>
-              </a:rPr>
-              <a:t>”, perhaps via </a:t>
-            </a:r>
-            <a:r>
-              <a:rPr lang="en-US" sz="1600" spc="-1" dirty="0" err="1">
-                <a:solidFill>
-                  <a:srgbClr val="000000"/>
-                </a:solidFill>
-                <a:latin typeface="+mj-lt"/>
-              </a:rPr>
-              <a:t>ESLint</a:t>
-            </a:r>
-            <a:r>
-              <a:rPr lang="en-US" sz="1600" spc="-1" dirty="0" smtClean="0">
-                <a:solidFill>
-                  <a:srgbClr val="000000"/>
-                </a:solidFill>
-                <a:latin typeface="+mj-lt"/>
-              </a:rPr>
-              <a:t>)</a:t>
-            </a:r>
-            <a:endParaRPr lang="en-US" sz="1600" spc="-1" dirty="0">
-              <a:solidFill>
-                <a:srgbClr val="000000"/>
-              </a:solidFill>
-              <a:latin typeface="+mj-lt"/>
-            </a:endParaRPr>
-          </a:p>
-          <a:p>
-            <a:pPr marL="457200" indent="-355320">
-              <a:spcBef>
-                <a:spcPts val="400"/>
-              </a:spcBef>
-              <a:buClr>
-                <a:srgbClr val="000000"/>
-              </a:buClr>
-              <a:buFont typeface="Arial"/>
-              <a:buChar char="•"/>
-            </a:pPr>
-            <a:r>
-              <a:rPr lang="en-US" sz="1600" spc="-1" dirty="0" smtClean="0">
-                <a:solidFill>
-                  <a:srgbClr val="000000"/>
-                </a:solidFill>
-                <a:latin typeface="+mj-lt"/>
-              </a:rPr>
-              <a:t>Code </a:t>
-            </a:r>
-            <a:r>
-              <a:rPr lang="en-US" sz="1600" spc="-1" dirty="0">
-                <a:solidFill>
-                  <a:srgbClr val="000000"/>
-                </a:solidFill>
-                <a:latin typeface="+mj-lt"/>
-              </a:rPr>
-              <a:t>formatting and </a:t>
-            </a:r>
-            <a:r>
-              <a:rPr lang="en-US" sz="1600" spc="-1" dirty="0" err="1" smtClean="0">
-                <a:solidFill>
-                  <a:srgbClr val="000000"/>
-                </a:solidFill>
-                <a:latin typeface="+mj-lt"/>
-              </a:rPr>
-              <a:t>linting</a:t>
-            </a:r>
-            <a:r>
-              <a:rPr lang="en-US" sz="1600" spc="-1" dirty="0" smtClean="0">
-                <a:solidFill>
-                  <a:srgbClr val="000000"/>
-                </a:solidFill>
-                <a:latin typeface="+mj-lt"/>
-              </a:rPr>
-              <a:t> </a:t>
-            </a:r>
-            <a:r>
-              <a:rPr lang="en-US" sz="1600" spc="-1" dirty="0" smtClean="0">
-                <a:solidFill>
-                  <a:srgbClr val="000000"/>
-                </a:solidFill>
-                <a:latin typeface="+mj-lt"/>
-                <a:hlinkClick r:id="rId3"/>
-              </a:rPr>
-              <a:t>#438</a:t>
-            </a:r>
-            <a:endParaRPr lang="en-US" sz="1600" spc="-1" dirty="0">
-              <a:solidFill>
-                <a:srgbClr val="000000"/>
-              </a:solidFill>
-              <a:latin typeface="+mj-lt"/>
-            </a:endParaRPr>
-          </a:p>
-          <a:p>
-            <a:pPr marL="457200" indent="-355320">
-              <a:spcBef>
-                <a:spcPts val="400"/>
-              </a:spcBef>
-              <a:buClr>
-                <a:srgbClr val="000000"/>
-              </a:buClr>
-              <a:buFont typeface="Arial"/>
-              <a:buChar char="•"/>
-            </a:pPr>
-            <a:r>
-              <a:rPr lang="en-US" sz="1600" spc="-1" dirty="0" smtClean="0">
-                <a:solidFill>
-                  <a:srgbClr val="000000"/>
-                </a:solidFill>
-                <a:latin typeface="+mj-lt"/>
-              </a:rPr>
-              <a:t>Ensure </a:t>
-            </a:r>
-            <a:r>
-              <a:rPr lang="en-US" sz="1600" spc="-1" dirty="0">
-                <a:solidFill>
-                  <a:srgbClr val="000000"/>
-                </a:solidFill>
-                <a:latin typeface="+mj-lt"/>
-              </a:rPr>
-              <a:t>consistency for </a:t>
-            </a:r>
-            <a:r>
-              <a:rPr lang="en-US" sz="1600" spc="-1" dirty="0" smtClean="0">
-                <a:solidFill>
-                  <a:srgbClr val="000000"/>
-                </a:solidFill>
-                <a:latin typeface="+mj-lt"/>
-              </a:rPr>
-              <a:t>extenders</a:t>
-            </a:r>
-          </a:p>
-          <a:p>
-            <a:pPr marL="914400" lvl="1" indent="-355320">
-              <a:spcBef>
-                <a:spcPts val="400"/>
-              </a:spcBef>
-              <a:buClr>
-                <a:srgbClr val="000000"/>
-              </a:buClr>
-              <a:buFont typeface="Arial"/>
-              <a:buChar char="•"/>
-            </a:pPr>
-            <a:r>
-              <a:rPr lang="en-US" sz="1600" spc="-1" dirty="0">
-                <a:solidFill>
-                  <a:srgbClr val="000000"/>
-                </a:solidFill>
-                <a:latin typeface="+mj-lt"/>
-              </a:rPr>
-              <a:t>MVS </a:t>
-            </a:r>
-            <a:r>
-              <a:rPr lang="en-US" sz="1600" spc="-1" dirty="0" smtClean="0">
-                <a:solidFill>
-                  <a:srgbClr val="000000"/>
-                </a:solidFill>
-                <a:latin typeface="+mj-lt"/>
-              </a:rPr>
-              <a:t>functionality for </a:t>
-            </a:r>
-            <a:r>
-              <a:rPr lang="en-US" sz="1600" spc="-1" dirty="0">
-                <a:solidFill>
-                  <a:srgbClr val="000000"/>
-                </a:solidFill>
-                <a:latin typeface="+mj-lt"/>
-              </a:rPr>
-              <a:t>FTP </a:t>
-            </a:r>
-            <a:r>
-              <a:rPr lang="en-US" sz="1600" spc="-1" dirty="0" smtClean="0">
-                <a:solidFill>
-                  <a:srgbClr val="000000"/>
-                </a:solidFill>
-                <a:latin typeface="+mj-lt"/>
-              </a:rPr>
-              <a:t>Package </a:t>
-            </a:r>
-            <a:r>
-              <a:rPr lang="en-US" sz="1600" spc="-1" dirty="0" smtClean="0">
-                <a:solidFill>
-                  <a:srgbClr val="000000"/>
-                </a:solidFill>
-                <a:latin typeface="+mj-lt"/>
-                <a:hlinkClick r:id="rId4"/>
-              </a:rPr>
-              <a:t>#1027</a:t>
-            </a:r>
-            <a:endParaRPr lang="en-US" sz="1600" spc="-1" dirty="0">
-              <a:solidFill>
-                <a:srgbClr val="000000"/>
-              </a:solidFill>
-              <a:latin typeface="+mj-lt"/>
-            </a:endParaRPr>
-          </a:p>
-          <a:p>
-            <a:pPr marL="914400" lvl="1" indent="-355320">
-              <a:spcBef>
-                <a:spcPts val="400"/>
-              </a:spcBef>
-              <a:buClr>
-                <a:srgbClr val="000000"/>
-              </a:buClr>
-              <a:buFont typeface="Arial"/>
-              <a:buChar char="•"/>
-            </a:pPr>
-            <a:r>
-              <a:rPr lang="en-US" sz="1600" spc="-1" dirty="0">
-                <a:solidFill>
-                  <a:srgbClr val="000000"/>
-                </a:solidFill>
-                <a:latin typeface="+mj-lt"/>
-              </a:rPr>
-              <a:t>Test automation for FTP </a:t>
-            </a:r>
-            <a:r>
-              <a:rPr lang="en-US" sz="1600" spc="-1" dirty="0" smtClean="0">
-                <a:solidFill>
-                  <a:srgbClr val="000000"/>
-                </a:solidFill>
-                <a:latin typeface="+mj-lt"/>
-              </a:rPr>
-              <a:t>package </a:t>
-            </a:r>
-            <a:r>
-              <a:rPr lang="en-US" sz="1600" spc="-1" dirty="0" smtClean="0">
-                <a:solidFill>
-                  <a:srgbClr val="000000"/>
-                </a:solidFill>
-                <a:latin typeface="+mj-lt"/>
-                <a:hlinkClick r:id="rId5"/>
-              </a:rPr>
-              <a:t>#1028</a:t>
-            </a:r>
-            <a:endParaRPr lang="en-US" sz="1600" b="0" strike="noStrike" spc="-1" dirty="0">
-              <a:solidFill>
-                <a:srgbClr val="000000"/>
-              </a:solidFill>
-              <a:latin typeface="+mj-lt"/>
-            </a:endParaRPr>
+              <a:rPr lang="en-US" sz="2000" dirty="0"/>
+              <a:t> CLI performance for all commands. Local command operations like help should take less than one second to run.</a:t>
+            </a:r>
           </a:p>
         </p:txBody>
       </p:sp>
     </p:spTree>
+    <p:extLst>
+      <p:ext uri="{BB962C8B-B14F-4D97-AF65-F5344CB8AC3E}">
+        <p14:creationId xmlns:p14="http://schemas.microsoft.com/office/powerpoint/2010/main" val="1761493807"/>
+      </p:ext>
+    </p:extLst>
   </p:cSld>
   <p:clrMapOvr>
     <a:masterClrMapping/>
@@ -12964,7 +13305,7 @@
       </p:grpSpPr>
       <p:sp>
         <p:nvSpPr>
-          <p:cNvPr id="189" name="TextShape 1"/>
+          <p:cNvPr id="182" name="TextShape 1"/>
           <p:cNvSpPr txBox="1"/>
           <p:nvPr/>
         </p:nvSpPr>
@@ -12993,36 +13334,44 @@
               </a:lnSpc>
             </a:pPr>
             <a:r>
-              <a:rPr lang="en-US" sz="2600" b="0" strike="noStrike" spc="-1" dirty="0" smtClean="0">
+              <a:rPr lang="en-US" sz="3000" spc="-1" dirty="0" err="1" smtClean="0">
                 <a:solidFill>
                   <a:srgbClr val="262626"/>
                 </a:solidFill>
-                <a:latin typeface="Arial" panose="020B0604020202020204" pitchFamily="34" charset="0"/>
+                <a:latin typeface="+mj-lt"/>
                 <a:ea typeface="Gill Sans"/>
-                <a:cs typeface="Arial" panose="020B0604020202020204" pitchFamily="34" charset="0"/>
-              </a:rPr>
-              <a:t>Explorer – Improve User Experience</a:t>
-            </a:r>
-            <a:endParaRPr lang="en-US" sz="2600" b="0" strike="noStrike" spc="-1" dirty="0">
-              <a:solidFill>
-                <a:srgbClr val="000000"/>
-              </a:solidFill>
-              <a:latin typeface="Arial" panose="020B0604020202020204" pitchFamily="34" charset="0"/>
-              <a:cs typeface="Arial" panose="020B0604020202020204" pitchFamily="34" charset="0"/>
-            </a:endParaRPr>
-          </a:p>
-        </p:txBody>
-      </p:sp>
-      <p:sp>
-        <p:nvSpPr>
-          <p:cNvPr id="190" name="TextShape 2"/>
+              </a:rPr>
+              <a:t>Zowe</a:t>
+            </a:r>
+            <a:r>
+              <a:rPr lang="en-US" sz="3000" spc="-1" dirty="0" smtClean="0">
+                <a:solidFill>
+                  <a:srgbClr val="262626"/>
+                </a:solidFill>
+                <a:latin typeface="+mj-lt"/>
+                <a:ea typeface="Gill Sans"/>
+              </a:rPr>
+              <a:t> CLI Squad</a:t>
+            </a:r>
+            <a:endParaRPr lang="en-US" sz="3000" b="0" strike="noStrike" spc="-1" dirty="0">
+              <a:solidFill>
+                <a:srgbClr val="000000"/>
+              </a:solidFill>
+              <a:latin typeface="+mj-lt"/>
+            </a:endParaRPr>
+          </a:p>
+        </p:txBody>
+      </p:sp>
+      <p:sp>
+        <p:nvSpPr>
+          <p:cNvPr id="183" name="TextShape 2"/>
           <p:cNvSpPr txBox="1"/>
           <p:nvPr/>
         </p:nvSpPr>
         <p:spPr>
           <a:xfrm>
-            <a:off x="336600" y="657916"/>
-            <a:ext cx="8349840" cy="4177800"/>
+            <a:off x="405518" y="993913"/>
+            <a:ext cx="8269762" cy="3808676"/>
           </a:xfrm>
           <a:prstGeom prst="rect">
             <a:avLst/>
@@ -13038,396 +13387,133 @@
           </a:bodyPr>
           <a:lstStyle/>
           <a:p>
-            <a:pPr marL="457200" indent="-355320">
-              <a:lnSpc>
-                <a:spcPct val="100000"/>
-              </a:lnSpc>
+            <a:pPr marL="387270" indent="-285750">
               <a:spcBef>
                 <a:spcPts val="400"/>
               </a:spcBef>
-              <a:buClr>
-                <a:srgbClr val="000000"/>
-              </a:buClr>
-              <a:buFont typeface="Arial"/>
-              <a:buChar char="•"/>
-            </a:pPr>
-            <a:r>
-              <a:rPr lang="en-US" sz="1600" spc="-1" dirty="0" smtClean="0">
-                <a:solidFill>
-                  <a:srgbClr val="000000"/>
-                </a:solidFill>
-                <a:latin typeface="+mj-lt"/>
-              </a:rPr>
-              <a:t>Profile </a:t>
-            </a:r>
-            <a:r>
-              <a:rPr lang="en-US" sz="1600" spc="-1" dirty="0">
-                <a:solidFill>
-                  <a:srgbClr val="000000"/>
-                </a:solidFill>
-                <a:latin typeface="+mj-lt"/>
-              </a:rPr>
-              <a:t>manager </a:t>
-            </a:r>
-            <a:r>
-              <a:rPr lang="en-US" sz="1600" spc="-1" dirty="0" smtClean="0">
-                <a:solidFill>
-                  <a:srgbClr val="000000"/>
-                </a:solidFill>
-                <a:latin typeface="+mj-lt"/>
-              </a:rPr>
-              <a:t>development </a:t>
-            </a:r>
-            <a:r>
-              <a:rPr lang="en-US" sz="1600" spc="-1" dirty="0" smtClean="0">
-                <a:solidFill>
-                  <a:srgbClr val="000000"/>
-                </a:solidFill>
-                <a:latin typeface="+mj-lt"/>
-                <a:hlinkClick r:id="rId2"/>
-              </a:rPr>
-              <a:t>#423</a:t>
-            </a:r>
-            <a:endParaRPr lang="en-US" sz="1600" spc="-1" dirty="0" smtClean="0">
-              <a:solidFill>
-                <a:srgbClr val="000000"/>
-              </a:solidFill>
-              <a:latin typeface="+mj-lt"/>
-            </a:endParaRPr>
-          </a:p>
-          <a:p>
-            <a:pPr marL="457200" indent="-355320">
-              <a:lnSpc>
-                <a:spcPct val="100000"/>
-              </a:lnSpc>
+              <a:buFont typeface="Wingdings" pitchFamily="2" charset="2"/>
+              <a:buChar char="Ø"/>
+            </a:pPr>
+            <a:r>
+              <a:rPr lang="en-US" sz="2000" dirty="0"/>
+              <a:t>Address growing number of community enhancement </a:t>
+            </a:r>
+            <a:r>
+              <a:rPr lang="en-US" sz="2000" dirty="0" smtClean="0"/>
+              <a:t>requests</a:t>
+            </a:r>
+          </a:p>
+          <a:p>
+            <a:pPr marL="387270" indent="-285750">
               <a:spcBef>
                 <a:spcPts val="400"/>
               </a:spcBef>
-              <a:buClr>
-                <a:srgbClr val="000000"/>
-              </a:buClr>
-              <a:buFont typeface="Arial"/>
-              <a:buChar char="•"/>
-            </a:pPr>
-            <a:r>
-              <a:rPr lang="en-US" sz="1600" spc="-1" dirty="0" smtClean="0">
-                <a:solidFill>
-                  <a:srgbClr val="000000"/>
-                </a:solidFill>
-                <a:latin typeface="+mj-lt"/>
-              </a:rPr>
-              <a:t>Profile type annotation </a:t>
-            </a:r>
-            <a:r>
-              <a:rPr lang="en-US" sz="1600" spc="-1" dirty="0" smtClean="0">
-                <a:solidFill>
-                  <a:srgbClr val="000000"/>
-                </a:solidFill>
-                <a:latin typeface="+mj-lt"/>
-                <a:hlinkClick r:id="rId3"/>
-              </a:rPr>
-              <a:t>#1025</a:t>
-            </a:r>
-            <a:endParaRPr lang="en-US" sz="1600" spc="-1" dirty="0" smtClean="0">
-              <a:solidFill>
-                <a:srgbClr val="000000"/>
-              </a:solidFill>
-              <a:latin typeface="+mj-lt"/>
-            </a:endParaRPr>
-          </a:p>
-          <a:p>
-            <a:pPr marL="457200" indent="-355320">
-              <a:lnSpc>
-                <a:spcPct val="100000"/>
-              </a:lnSpc>
+              <a:buFont typeface="Wingdings" pitchFamily="2" charset="2"/>
+              <a:buChar char="Ø"/>
+            </a:pPr>
+            <a:endParaRPr lang="en-US" sz="2000" dirty="0" smtClean="0"/>
+          </a:p>
+          <a:p>
+            <a:pPr marL="387270" indent="-285750">
               <a:spcBef>
                 <a:spcPts val="400"/>
               </a:spcBef>
-              <a:buClr>
-                <a:srgbClr val="000000"/>
-              </a:buClr>
-              <a:buFont typeface="Arial"/>
-              <a:buChar char="•"/>
-            </a:pPr>
-            <a:r>
-              <a:rPr lang="en-US" sz="1600" spc="-1" dirty="0">
-                <a:solidFill>
-                  <a:srgbClr val="000000"/>
-                </a:solidFill>
-                <a:latin typeface="+mj-lt"/>
-              </a:rPr>
-              <a:t>Filter partitioned data sets by </a:t>
-            </a:r>
-            <a:r>
-              <a:rPr lang="en-US" sz="1600" spc="-1" dirty="0" smtClean="0">
-                <a:solidFill>
-                  <a:srgbClr val="000000"/>
-                </a:solidFill>
-                <a:latin typeface="+mj-lt"/>
-              </a:rPr>
-              <a:t>pattern </a:t>
-            </a:r>
-            <a:r>
-              <a:rPr lang="en-US" sz="1600" spc="-1" dirty="0" smtClean="0">
-                <a:solidFill>
-                  <a:srgbClr val="000000"/>
-                </a:solidFill>
-                <a:latin typeface="+mj-lt"/>
-                <a:hlinkClick r:id="rId4"/>
-              </a:rPr>
-              <a:t>#868</a:t>
-            </a:r>
-            <a:endParaRPr lang="en-US" sz="1600" spc="-1" dirty="0" smtClean="0">
-              <a:solidFill>
-                <a:srgbClr val="000000"/>
-              </a:solidFill>
-              <a:latin typeface="+mj-lt"/>
-            </a:endParaRPr>
-          </a:p>
-          <a:p>
-            <a:pPr marL="457200" indent="-355320">
-              <a:lnSpc>
-                <a:spcPct val="100000"/>
-              </a:lnSpc>
+              <a:buFont typeface="Wingdings" pitchFamily="2" charset="2"/>
+              <a:buChar char="Ø"/>
+            </a:pPr>
+            <a:r>
+              <a:rPr lang="en-US" sz="2000" dirty="0" smtClean="0"/>
+              <a:t>Ensure </a:t>
+            </a:r>
+            <a:r>
+              <a:rPr lang="en-US" sz="2000" dirty="0"/>
+              <a:t>successful </a:t>
+            </a:r>
+            <a:r>
+              <a:rPr lang="en-US" sz="2000" dirty="0" smtClean="0"/>
+              <a:t>installation and use </a:t>
+            </a:r>
+            <a:r>
+              <a:rPr lang="en-US" sz="2000" dirty="0"/>
+              <a:t>of the </a:t>
+            </a:r>
+            <a:r>
+              <a:rPr lang="en-US" sz="2000" dirty="0" err="1"/>
+              <a:t>Zowe</a:t>
+            </a:r>
+            <a:r>
+              <a:rPr lang="en-US" sz="2000" dirty="0"/>
+              <a:t> CLI in environments with proxies. </a:t>
+            </a:r>
+            <a:r>
+              <a:rPr lang="en-US" sz="2000" dirty="0" smtClean="0"/>
+              <a:t/>
+            </a:r>
+            <a:br>
+              <a:rPr lang="en-US" sz="2000" dirty="0" smtClean="0"/>
+            </a:br>
+            <a:endParaRPr lang="en-US" sz="2000" dirty="0" smtClean="0"/>
+          </a:p>
+          <a:p>
+            <a:pPr marL="387270" indent="-285750">
               <a:spcBef>
                 <a:spcPts val="400"/>
               </a:spcBef>
-              <a:buClr>
-                <a:srgbClr val="000000"/>
-              </a:buClr>
-              <a:buFont typeface="Arial"/>
-              <a:buChar char="•"/>
-            </a:pPr>
-            <a:r>
-              <a:rPr lang="en-US" sz="1600" spc="-1" dirty="0">
-                <a:solidFill>
-                  <a:srgbClr val="000000"/>
-                </a:solidFill>
-              </a:rPr>
-              <a:t>Refactor </a:t>
-            </a:r>
-            <a:r>
-              <a:rPr lang="en-US" sz="1600" spc="-1" dirty="0" smtClean="0">
-                <a:solidFill>
-                  <a:srgbClr val="000000"/>
-                </a:solidFill>
-              </a:rPr>
-              <a:t>profile APIs (</a:t>
-            </a:r>
-            <a:r>
-              <a:rPr lang="en-US" sz="1600" spc="-1" dirty="0" err="1" smtClean="0">
-                <a:solidFill>
-                  <a:srgbClr val="000000"/>
-                </a:solidFill>
-              </a:rPr>
-              <a:t>Profiles.ts</a:t>
-            </a:r>
-            <a:r>
-              <a:rPr lang="en-US" sz="1600" spc="-1" dirty="0" smtClean="0">
-                <a:solidFill>
-                  <a:srgbClr val="000000"/>
-                </a:solidFill>
-              </a:rPr>
-              <a:t>) </a:t>
-            </a:r>
-            <a:r>
-              <a:rPr lang="en-US" sz="1600" spc="-1" dirty="0">
-                <a:solidFill>
-                  <a:srgbClr val="000000"/>
-                </a:solidFill>
-              </a:rPr>
-              <a:t>to address significant </a:t>
-            </a:r>
-            <a:r>
-              <a:rPr lang="en-US" sz="1600" spc="-1" dirty="0" smtClean="0">
-                <a:solidFill>
-                  <a:srgbClr val="000000"/>
-                </a:solidFill>
-              </a:rPr>
-              <a:t>issues </a:t>
-            </a:r>
-            <a:r>
-              <a:rPr lang="en-US" sz="1600" spc="-1" dirty="0" smtClean="0">
-                <a:solidFill>
-                  <a:srgbClr val="000000"/>
-                </a:solidFill>
-                <a:hlinkClick r:id="rId5"/>
-              </a:rPr>
-              <a:t>#1000</a:t>
-            </a:r>
-            <a:endParaRPr lang="en-US" sz="1600" spc="-1" dirty="0">
-              <a:solidFill>
-                <a:srgbClr val="000000"/>
-              </a:solidFill>
-            </a:endParaRPr>
-          </a:p>
-          <a:p>
-            <a:pPr marL="914400" lvl="1" indent="-355320">
+              <a:buFont typeface="Wingdings" pitchFamily="2" charset="2"/>
+              <a:buChar char="Ø"/>
+            </a:pPr>
+            <a:r>
+              <a:rPr lang="en-US" sz="2000" dirty="0" smtClean="0"/>
+              <a:t>Allow </a:t>
+            </a:r>
+            <a:r>
+              <a:rPr lang="en-US" sz="2000" dirty="0"/>
+              <a:t>for recently run commands to be easily recalled</a:t>
+            </a:r>
+            <a:r>
+              <a:rPr lang="en-US" sz="2000" dirty="0" smtClean="0"/>
+              <a:t>.</a:t>
+            </a:r>
+            <a:br>
+              <a:rPr lang="en-US" sz="2000" dirty="0" smtClean="0"/>
+            </a:br>
+            <a:endParaRPr lang="en-US" sz="2000" dirty="0"/>
+          </a:p>
+          <a:p>
+            <a:pPr marL="387270" indent="-285750">
               <a:spcBef>
                 <a:spcPts val="400"/>
               </a:spcBef>
-              <a:buClr>
-                <a:srgbClr val="000000"/>
-              </a:buClr>
-              <a:buFont typeface="Arial"/>
-              <a:buChar char="•"/>
-            </a:pPr>
-            <a:r>
-              <a:rPr lang="en-US" sz="1600" spc="-1" dirty="0">
-                <a:solidFill>
-                  <a:srgbClr val="000000"/>
-                </a:solidFill>
-              </a:rPr>
-              <a:t>Empty fields in profiles (user and password) </a:t>
-            </a:r>
-            <a:r>
-              <a:rPr lang="en-US" sz="1600" spc="-1" dirty="0" smtClean="0">
-                <a:solidFill>
-                  <a:srgbClr val="000000"/>
-                </a:solidFill>
-              </a:rPr>
-              <a:t>bug</a:t>
-            </a:r>
-          </a:p>
-          <a:p>
-            <a:pPr marL="914400" lvl="1" indent="-355320">
-              <a:spcBef>
-                <a:spcPts val="400"/>
-              </a:spcBef>
-              <a:buClr>
-                <a:srgbClr val="000000"/>
-              </a:buClr>
-              <a:buFont typeface="Arial"/>
-              <a:buChar char="•"/>
-            </a:pPr>
-            <a:r>
-              <a:rPr lang="en-US" sz="1600" spc="-1" dirty="0" smtClean="0">
-                <a:solidFill>
-                  <a:srgbClr val="000000"/>
-                </a:solidFill>
-              </a:rPr>
-              <a:t>First </a:t>
-            </a:r>
-            <a:r>
-              <a:rPr lang="en-US" sz="1600" spc="-1" dirty="0">
-                <a:solidFill>
-                  <a:srgbClr val="000000"/>
-                </a:solidFill>
-              </a:rPr>
-              <a:t>profile not created as </a:t>
-            </a:r>
-            <a:r>
-              <a:rPr lang="en-US" sz="1600" spc="-1" dirty="0" smtClean="0">
-                <a:solidFill>
-                  <a:srgbClr val="000000"/>
-                </a:solidFill>
-              </a:rPr>
-              <a:t>default (Impacts CLI users)</a:t>
-            </a:r>
-          </a:p>
-          <a:p>
-            <a:pPr marL="457200" indent="-355320">
-              <a:spcBef>
-                <a:spcPts val="400"/>
-              </a:spcBef>
-              <a:buClr>
-                <a:srgbClr val="000000"/>
-              </a:buClr>
-              <a:buFont typeface="Arial"/>
-              <a:buChar char="•"/>
-            </a:pPr>
-            <a:r>
-              <a:rPr lang="en-US" sz="1600" spc="-1" dirty="0" smtClean="0">
-                <a:solidFill>
-                  <a:srgbClr val="000000"/>
-                </a:solidFill>
-              </a:rPr>
-              <a:t>Filter partitioned datasets by pattern </a:t>
-            </a:r>
-            <a:r>
-              <a:rPr lang="en-US" sz="1600" spc="-1" dirty="0" smtClean="0">
-                <a:solidFill>
-                  <a:srgbClr val="000000"/>
-                </a:solidFill>
-                <a:hlinkClick r:id="rId4"/>
-              </a:rPr>
-              <a:t>#868</a:t>
-            </a:r>
-            <a:endParaRPr lang="en-US" sz="1600" spc="-1" dirty="0" smtClean="0">
-              <a:solidFill>
-                <a:srgbClr val="000000"/>
-              </a:solidFill>
-            </a:endParaRPr>
-          </a:p>
-          <a:p>
-            <a:pPr marL="457200" indent="-355320">
-              <a:spcBef>
-                <a:spcPts val="400"/>
-              </a:spcBef>
-              <a:buClr>
-                <a:srgbClr val="000000"/>
-              </a:buClr>
-              <a:buFont typeface="Arial"/>
-              <a:buChar char="•"/>
-            </a:pPr>
-            <a:r>
-              <a:rPr lang="en-US" sz="1600" spc="-1" dirty="0">
-                <a:solidFill>
-                  <a:srgbClr val="000000"/>
-                </a:solidFill>
-              </a:rPr>
-              <a:t>Allow for multiple selection and deletion of jobs, members etc</a:t>
-            </a:r>
-            <a:r>
-              <a:rPr lang="en-US" sz="1600" spc="-1" dirty="0" smtClean="0">
-                <a:solidFill>
-                  <a:srgbClr val="000000"/>
-                </a:solidFill>
-              </a:rPr>
-              <a:t>. </a:t>
-            </a:r>
-            <a:r>
-              <a:rPr lang="en-US" sz="1600" spc="-1" dirty="0" smtClean="0">
-                <a:solidFill>
-                  <a:srgbClr val="000000"/>
-                </a:solidFill>
-                <a:hlinkClick r:id="rId6"/>
-              </a:rPr>
-              <a:t>#224</a:t>
-            </a:r>
-            <a:endParaRPr lang="en-US" sz="1600" spc="-1" dirty="0">
-              <a:solidFill>
-                <a:srgbClr val="000000"/>
-              </a:solidFill>
-            </a:endParaRPr>
-          </a:p>
-          <a:p>
-            <a:pPr marL="457200" indent="-355320">
-              <a:lnSpc>
-                <a:spcPct val="100000"/>
-              </a:lnSpc>
-              <a:spcBef>
-                <a:spcPts val="400"/>
-              </a:spcBef>
-              <a:buClr>
-                <a:srgbClr val="000000"/>
-              </a:buClr>
-              <a:buFont typeface="Arial"/>
-              <a:buChar char="•"/>
-            </a:pPr>
-            <a:endParaRPr lang="en-US" sz="1600" spc="-1" dirty="0" smtClean="0">
-              <a:solidFill>
-                <a:srgbClr val="000000"/>
-              </a:solidFill>
-              <a:latin typeface="+mj-lt"/>
-            </a:endParaRPr>
+              <a:buFont typeface="Wingdings" pitchFamily="2" charset="2"/>
+              <a:buChar char="Ø"/>
+            </a:pPr>
+            <a:r>
+              <a:rPr lang="en-US" sz="2000" dirty="0"/>
+              <a:t>Ensure </a:t>
+            </a:r>
+            <a:r>
+              <a:rPr lang="en-US" sz="2000" dirty="0" err="1"/>
+              <a:t>Zowe</a:t>
+            </a:r>
+            <a:r>
+              <a:rPr lang="en-US" sz="2000" dirty="0"/>
+              <a:t> CLI functions properly in a </a:t>
+            </a:r>
+            <a:r>
+              <a:rPr lang="en-US" sz="2000" dirty="0" err="1"/>
+              <a:t>CodeReady</a:t>
+            </a:r>
+            <a:r>
+              <a:rPr lang="en-US" sz="2000" dirty="0"/>
+              <a:t> Workspace. </a:t>
+            </a:r>
           </a:p>
         </p:txBody>
       </p:sp>
     </p:spTree>
     <p:extLst>
       <p:ext uri="{BB962C8B-B14F-4D97-AF65-F5344CB8AC3E}">
-        <p14:creationId xmlns:p14="http://schemas.microsoft.com/office/powerpoint/2010/main" val="755318"/>
+        <p14:creationId xmlns:p14="http://schemas.microsoft.com/office/powerpoint/2010/main" val="587560883"/>
       </p:ext>
     </p:extLst>
   </p:cSld>
@@ -13486,26 +13572,22 @@
       </p:grpSpPr>
       <p:sp>
         <p:nvSpPr>
-          <p:cNvPr id="188" name="TextShape 1"/>
-          <p:cNvSpPr txBox="1"/>
+          <p:cNvPr id="2" name="Rectangle 1"/>
+          <p:cNvSpPr/>
           <p:nvPr/>
         </p:nvSpPr>
         <p:spPr>
           <a:xfrm>
-            <a:off x="308520" y="3525840"/>
-            <a:ext cx="6446160" cy="392040"/>
-          </a:xfrm>
-          <a:prstGeom prst="rect">
-            <a:avLst/>
-          </a:prstGeom>
-          <a:noFill/>
-          <a:ln>
-            <a:noFill/>
-          </a:ln>
-        </p:spPr>
-        <p:txBody>
-          <a:bodyPr lIns="0" tIns="0" rIns="0" bIns="0" anchor="b">
-            <a:noAutofit/>
+            <a:off x="352839" y="3180521"/>
+            <a:ext cx="7404652" cy="940257"/>
+          </a:xfrm>
+          <a:prstGeom prst="rect">
+            <a:avLst/>
+          </a:prstGeom>
+        </p:spPr>
+        <p:txBody>
+          <a:bodyPr wrap="square">
+            <a:spAutoFit/>
           </a:bodyPr>
           <a:lstStyle/>
           <a:p>
@@ -13518,20 +13600,27 @@
               </a:spcBef>
             </a:pPr>
             <a:r>
-              <a:rPr lang="en-US" sz="3000" b="1" strike="noStrike" spc="-1" dirty="0">
+              <a:rPr lang="en-US" sz="3200" b="1" spc="-1" dirty="0" err="1">
                 <a:solidFill>
                   <a:srgbClr val="000000"/>
                 </a:solidFill>
-                <a:latin typeface="Arial"/>
                 <a:ea typeface="Arial"/>
               </a:rPr>
-              <a:t>TBD Squad Focus</a:t>
-            </a:r>
-            <a:endParaRPr lang="en-US" sz="3000" b="0" strike="noStrike" spc="-1" dirty="0">
-              <a:solidFill>
-                <a:srgbClr val="000000"/>
-              </a:solidFill>
-              <a:latin typeface="Arial"/>
+              <a:t>Zowe</a:t>
+            </a:r>
+            <a:r>
+              <a:rPr lang="en-US" sz="3200" b="1" spc="-1" dirty="0">
+                <a:solidFill>
+                  <a:srgbClr val="000000"/>
+                </a:solidFill>
+                <a:ea typeface="Arial"/>
+              </a:rPr>
+              <a:t> Onboarding Squad Focus</a:t>
+            </a:r>
+            <a:endParaRPr lang="en-US" sz="3200" spc="-1" dirty="0">
+              <a:solidFill>
+                <a:srgbClr val="000000"/>
+              </a:solidFill>
             </a:endParaRPr>
           </a:p>
           <a:p>
@@ -13544,20 +13633,27 @@
               </a:spcBef>
             </a:pPr>
             <a:r>
-              <a:rPr lang="en-US" sz="2000" b="1" strike="noStrike" spc="-1" dirty="0">
+              <a:rPr lang="en-US" sz="2400" b="1" spc="-1" dirty="0">
                 <a:solidFill>
                   <a:srgbClr val="000000"/>
                 </a:solidFill>
-                <a:latin typeface="Arial"/>
                 <a:ea typeface="Arial"/>
               </a:rPr>
-              <a:t>TBD (Squad Lead)</a:t>
-            </a:r>
-            <a:endParaRPr lang="en-US" sz="2000" b="0" strike="noStrike" spc="-1" dirty="0">
-              <a:solidFill>
-                <a:srgbClr val="000000"/>
-              </a:solidFill>
-              <a:latin typeface="Arial"/>
+              <a:t>Rose </a:t>
+            </a:r>
+            <a:r>
+              <a:rPr lang="en-US" sz="2400" b="1" spc="-1" dirty="0" err="1">
+                <a:solidFill>
+                  <a:srgbClr val="000000"/>
+                </a:solidFill>
+                <a:ea typeface="Arial"/>
+              </a:rPr>
+              <a:t>Sakach</a:t>
+            </a:r>
+            <a:endParaRPr lang="en-US" sz="2000" spc="-1" dirty="0">
+              <a:solidFill>
+                <a:srgbClr val="000000"/>
+              </a:solidFill>
             </a:endParaRPr>
           </a:p>
         </p:txBody>
@@ -13565,7 +13661,7 @@
     </p:spTree>
     <p:extLst>
       <p:ext uri="{BB962C8B-B14F-4D97-AF65-F5344CB8AC3E}">
-        <p14:creationId xmlns:p14="http://schemas.microsoft.com/office/powerpoint/2010/main" val="1327010325"/>
+        <p14:creationId xmlns:p14="http://schemas.microsoft.com/office/powerpoint/2010/main" val="467206394"/>
       </p:ext>
     </p:extLst>
   </p:cSld>
@@ -13624,7 +13720,7 @@
       </p:grpSpPr>
       <p:sp>
         <p:nvSpPr>
-          <p:cNvPr id="189" name="TextShape 1"/>
+          <p:cNvPr id="182" name="TextShape 1"/>
           <p:cNvSpPr txBox="1"/>
           <p:nvPr/>
         </p:nvSpPr>
@@ -13653,34 +13749,44 @@
               </a:lnSpc>
             </a:pPr>
             <a:r>
-              <a:rPr lang="en-US" sz="2600" b="0" strike="noStrike" spc="-1" dirty="0">
+              <a:rPr lang="en-US" sz="3000" spc="-1" dirty="0" err="1" smtClean="0">
                 <a:solidFill>
                   <a:srgbClr val="262626"/>
                 </a:solidFill>
-                <a:latin typeface="Gill Sans"/>
+                <a:latin typeface="+mj-lt"/>
                 <a:ea typeface="Gill Sans"/>
               </a:rPr>
-              <a:t>Title</a:t>
-            </a:r>
-            <a:endParaRPr lang="en-US" sz="2600" b="0" strike="noStrike" spc="-1" dirty="0">
-              <a:solidFill>
-                <a:srgbClr val="000000"/>
-              </a:solidFill>
-              <a:latin typeface="Arial"/>
-            </a:endParaRPr>
-          </a:p>
-        </p:txBody>
-      </p:sp>
-      <p:sp>
-        <p:nvSpPr>
-          <p:cNvPr id="190" name="TextShape 2"/>
+              <a:t>Zowe</a:t>
+            </a:r>
+            <a:r>
+              <a:rPr lang="en-US" sz="3000" spc="-1" dirty="0" smtClean="0">
+                <a:solidFill>
+                  <a:srgbClr val="262626"/>
+                </a:solidFill>
+                <a:latin typeface="+mj-lt"/>
+                <a:ea typeface="Gill Sans"/>
+              </a:rPr>
+              <a:t> Onboarding Squad</a:t>
+            </a:r>
+            <a:endParaRPr lang="en-US" sz="3000" b="0" strike="noStrike" spc="-1" dirty="0">
+              <a:solidFill>
+                <a:srgbClr val="000000"/>
+              </a:solidFill>
+              <a:latin typeface="+mj-lt"/>
+            </a:endParaRPr>
+          </a:p>
+        </p:txBody>
+      </p:sp>
+      <p:sp>
+        <p:nvSpPr>
+          <p:cNvPr id="183" name="TextShape 2"/>
           <p:cNvSpPr txBox="1"/>
           <p:nvPr/>
         </p:nvSpPr>
         <p:spPr>
           <a:xfrm>
-            <a:off x="336600" y="682920"/>
-            <a:ext cx="8349840" cy="4177800"/>
+            <a:off x="405518" y="993913"/>
+            <a:ext cx="8269762" cy="3808676"/>
           </a:xfrm>
           <a:prstGeom prst="rect">
             <a:avLst/>
@@ -13696,42 +13802,382 @@
           </a:bodyPr>
           <a:lstStyle/>
           <a:p>
-            <a:pPr marL="457200" indent="-355320">
+            <a:pPr marL="387270" indent="-285750">
+              <a:spcBef>
+                <a:spcPts val="400"/>
+              </a:spcBef>
+              <a:buFont typeface="Wingdings" pitchFamily="2" charset="2"/>
+              <a:buChar char="Ø"/>
+            </a:pPr>
+            <a:r>
+              <a:rPr lang="en-US" sz="2000" b="1" dirty="0"/>
+              <a:t>Conformance Process </a:t>
+            </a:r>
+            <a:r>
+              <a:rPr lang="en-US" sz="2000" b="1" dirty="0" smtClean="0"/>
+              <a:t>Maturity</a:t>
+            </a:r>
+          </a:p>
+          <a:p>
+            <a:pPr marL="844470" lvl="1" indent="-285750">
+              <a:spcBef>
+                <a:spcPts val="400"/>
+              </a:spcBef>
+              <a:buFont typeface="Wingdings" pitchFamily="2" charset="2"/>
+              <a:buChar char="Ø"/>
+            </a:pPr>
+            <a:r>
+              <a:rPr lang="en-US" sz="2000" dirty="0" smtClean="0"/>
+              <a:t>Develop </a:t>
+            </a:r>
+            <a:r>
+              <a:rPr lang="en-US" sz="2000" dirty="0"/>
+              <a:t>a process for updating the Conformance Criteria for all components during ACTIVE LTS, Resolve the incremental Badge debate, and research </a:t>
+            </a:r>
+            <a:r>
+              <a:rPr lang="en-US" sz="2000" dirty="0" smtClean="0"/>
+              <a:t>App-Store</a:t>
+            </a:r>
+          </a:p>
+          <a:p>
+            <a:pPr marL="1301670" lvl="2" indent="-285750">
+              <a:spcBef>
+                <a:spcPts val="400"/>
+              </a:spcBef>
+              <a:buFont typeface="Wingdings" pitchFamily="2" charset="2"/>
+              <a:buChar char="Ø"/>
+            </a:pPr>
+            <a:r>
+              <a:rPr lang="en-US" sz="2000" dirty="0" smtClean="0"/>
+              <a:t>Implement </a:t>
+            </a:r>
+            <a:r>
+              <a:rPr lang="en-US" sz="2000" dirty="0"/>
+              <a:t>ACTIVE LTS Conformance Criteria Update process (target </a:t>
+            </a:r>
+            <a:r>
+              <a:rPr lang="en-US" sz="2000" dirty="0" smtClean="0"/>
+              <a:t>11/1)</a:t>
+            </a:r>
+          </a:p>
+          <a:p>
+            <a:pPr marL="1301670" lvl="2" indent="-285750">
+              <a:spcBef>
+                <a:spcPts val="400"/>
+              </a:spcBef>
+              <a:buFont typeface="Wingdings" pitchFamily="2" charset="2"/>
+              <a:buChar char="Ø"/>
+            </a:pPr>
+            <a:r>
+              <a:rPr lang="en-US" sz="2000" dirty="0" smtClean="0"/>
+              <a:t>Draft </a:t>
+            </a:r>
+            <a:r>
+              <a:rPr lang="en-US" sz="2000" dirty="0"/>
+              <a:t>Incremental Badging T&amp;Cs (target </a:t>
+            </a:r>
+            <a:r>
+              <a:rPr lang="en-US" sz="2000" dirty="0" smtClean="0"/>
+              <a:t>11/30)</a:t>
+            </a:r>
+          </a:p>
+          <a:p>
+            <a:pPr marL="1301670" lvl="2" indent="-285750">
+              <a:spcBef>
+                <a:spcPts val="400"/>
+              </a:spcBef>
+              <a:buFont typeface="Wingdings" pitchFamily="2" charset="2"/>
+              <a:buChar char="Ø"/>
+            </a:pPr>
+            <a:r>
+              <a:rPr lang="en-US" sz="2000" dirty="0" smtClean="0"/>
+              <a:t>Draft </a:t>
+            </a:r>
+            <a:r>
+              <a:rPr lang="en-US" sz="2000" dirty="0"/>
+              <a:t>recommendations for App-Store look-and-feel Web Page (stretch)</a:t>
+            </a:r>
+          </a:p>
+        </p:txBody>
+      </p:sp>
+    </p:spTree>
+    <p:extLst>
+      <p:ext uri="{BB962C8B-B14F-4D97-AF65-F5344CB8AC3E}">
+        <p14:creationId xmlns:p14="http://schemas.microsoft.com/office/powerpoint/2010/main" val="170913203"/>
+      </p:ext>
+    </p:extLst>
+  </p:cSld>
+  <p:clrMapOvr>
+    <a:masterClrMapping/>
+  </p:clrMapOvr>
+  <p:transition spd="med">
+    <p:fade thruBlk="1"/>
+  </p:transition>
+  <p:timing>
+    <p:tnLst>
+      <p:par>
+        <p:cTn id="1" dur="indefinite" restart="never" nodeType="tmRoot">
+          <p:childTnLst>
+            <p:seq>
+              <p:cTn id="2" dur="indefinite" nodeType="mainSeq"/>
+              <p:prevCondLst>
+                <p:cond evt="onPrev" delay="0">
+                  <p:tgtEl>
+                    <p:sldTgt/>
+                  </p:tgtEl>
+                </p:cond>
+              </p:prevCondLst>
+              <p:nextCondLst>
+                <p:cond evt="onNext" delay="0">
+                  <p:tgtEl>
+                    <p:sldTgt/>
+                  </p:tgtEl>
+                </p:cond>
+              </p:nextCondLst>
+            </p:seq>
+          </p:childTnLst>
+        </p:cTn>
+      </p:par>
+    </p:tnLst>
+  </p:timing>
+</p:sld>
+</file>
+
+<file path=ppt/slides/slide19.xml><?xml version="1.0" encoding="utf-8"?>
+<p:sld xmlns:a="http://schemas.openxmlformats.org/drawingml/2006/main" xmlns:r="http://schemas.openxmlformats.org/officeDocument/2006/relationships" xmlns:p="http://schemas.openxmlformats.org/presentationml/2006/main">
+  <p:cSld>
+    <p:spTree>
+      <p:nvGrpSpPr>
+        <p:cNvPr id="1" name=""/>
+        <p:cNvGrpSpPr/>
+        <p:nvPr/>
+      </p:nvGrpSpPr>
+      <p:grpSpPr>
+        <a:xfrm>
+          <a:off x="0" y="0"/>
+          <a:ext cx="0" cy="0"/>
+          <a:chOff x="0" y="0"/>
+          <a:chExt cx="0" cy="0"/>
+        </a:xfrm>
+      </p:grpSpPr>
+      <p:sp>
+        <p:nvSpPr>
+          <p:cNvPr id="182" name="TextShape 1"/>
+          <p:cNvSpPr txBox="1"/>
+          <p:nvPr/>
+        </p:nvSpPr>
+        <p:spPr>
+          <a:xfrm>
+            <a:off x="334080" y="159480"/>
+            <a:ext cx="7893720" cy="447120"/>
+          </a:xfrm>
+          <a:prstGeom prst="rect">
+            <a:avLst/>
+          </a:prstGeom>
+          <a:noFill/>
+          <a:ln>
+            <a:noFill/>
+          </a:ln>
+        </p:spPr>
+        <p:txBody>
+          <a:bodyPr tIns="91440" bIns="91440" anchor="ctr">
+            <a:noAutofit/>
+          </a:bodyPr>
+          <a:lstStyle/>
+          <a:p>
+            <a:pPr>
               <a:lnSpc>
                 <a:spcPct val="100000"/>
               </a:lnSpc>
+            </a:pPr>
+            <a:r>
+              <a:rPr lang="en-US" sz="3000" spc="-1" dirty="0" err="1" smtClean="0">
+                <a:solidFill>
+                  <a:srgbClr val="262626"/>
+                </a:solidFill>
+                <a:latin typeface="+mj-lt"/>
+                <a:ea typeface="Gill Sans"/>
+              </a:rPr>
+              <a:t>Zowe</a:t>
+            </a:r>
+            <a:r>
+              <a:rPr lang="en-US" sz="3000" spc="-1" dirty="0" smtClean="0">
+                <a:solidFill>
+                  <a:srgbClr val="262626"/>
+                </a:solidFill>
+                <a:latin typeface="+mj-lt"/>
+                <a:ea typeface="Gill Sans"/>
+              </a:rPr>
+              <a:t> Onboarding Squad</a:t>
+            </a:r>
+            <a:endParaRPr lang="en-US" sz="3000" b="0" strike="noStrike" spc="-1" dirty="0">
+              <a:solidFill>
+                <a:srgbClr val="000000"/>
+              </a:solidFill>
+              <a:latin typeface="+mj-lt"/>
+            </a:endParaRPr>
+          </a:p>
+        </p:txBody>
+      </p:sp>
+      <p:sp>
+        <p:nvSpPr>
+          <p:cNvPr id="183" name="TextShape 2"/>
+          <p:cNvSpPr txBox="1"/>
+          <p:nvPr/>
+        </p:nvSpPr>
+        <p:spPr>
+          <a:xfrm>
+            <a:off x="405518" y="993913"/>
+            <a:ext cx="8269762" cy="3808676"/>
+          </a:xfrm>
+          <a:prstGeom prst="rect">
+            <a:avLst/>
+          </a:prstGeom>
+          <a:noFill/>
+          <a:ln>
+            <a:noFill/>
+          </a:ln>
+        </p:spPr>
+        <p:txBody>
+          <a:bodyPr tIns="91440" bIns="91440">
+            <a:noAutofit/>
+          </a:bodyPr>
+          <a:lstStyle/>
+          <a:p>
+            <a:pPr marL="387270" indent="-285750">
               <a:spcBef>
                 <a:spcPts val="400"/>
               </a:spcBef>
-              <a:buClr>
-                <a:srgbClr val="000000"/>
-              </a:buClr>
-              <a:buFont typeface="Arial"/>
-              <a:buChar char="•"/>
-            </a:pPr>
-            <a:r>
-              <a:rPr lang="en-US" sz="1800" b="0" strike="noStrike" spc="-1" dirty="0">
-                <a:solidFill>
-                  <a:srgbClr val="000000"/>
-                </a:solidFill>
-                <a:latin typeface="Gill Sans"/>
-                <a:ea typeface="Gill Sans"/>
-              </a:rPr>
-              <a:t>TBD</a:t>
-            </a:r>
-            <a:endParaRPr lang="en-US" sz="1600" b="0" strike="noStrike" spc="-1" dirty="0">
-              <a:solidFill>
-                <a:srgbClr val="000000"/>
-              </a:solidFill>
-              <a:latin typeface="Arial"/>
-            </a:endParaRPr>
+              <a:buFont typeface="Wingdings" pitchFamily="2" charset="2"/>
+              <a:buChar char="Ø"/>
+            </a:pPr>
+            <a:r>
+              <a:rPr lang="en-US" sz="2000" b="1" dirty="0" smtClean="0"/>
+              <a:t>Improve </a:t>
+            </a:r>
+            <a:r>
+              <a:rPr lang="en-US" sz="2000" b="1" dirty="0"/>
+              <a:t>Initial Onboarding </a:t>
+            </a:r>
+            <a:r>
+              <a:rPr lang="en-US" sz="2000" b="1" dirty="0" smtClean="0"/>
+              <a:t>Experience</a:t>
+            </a:r>
+          </a:p>
+          <a:p>
+            <a:pPr marL="844470" lvl="1" indent="-285750">
+              <a:spcBef>
+                <a:spcPts val="400"/>
+              </a:spcBef>
+              <a:buFont typeface="Wingdings" pitchFamily="2" charset="2"/>
+              <a:buChar char="Ø"/>
+            </a:pPr>
+            <a:r>
+              <a:rPr lang="en-US" sz="2000" dirty="0"/>
+              <a:t>Better direct </a:t>
+            </a:r>
+            <a:r>
+              <a:rPr lang="en-US" sz="2000" dirty="0" err="1"/>
+              <a:t>Onboarders</a:t>
+            </a:r>
+            <a:r>
+              <a:rPr lang="en-US" sz="2000" dirty="0"/>
+              <a:t> to appropriate areas within the </a:t>
+            </a:r>
+            <a:r>
+              <a:rPr lang="en-US" sz="2000" dirty="0" err="1"/>
+              <a:t>Zowe</a:t>
+            </a:r>
+            <a:r>
+              <a:rPr lang="en-US" sz="2000" dirty="0"/>
+              <a:t> Community to ensure their first experience with </a:t>
+            </a:r>
+            <a:r>
+              <a:rPr lang="en-US" sz="2000" dirty="0" err="1"/>
+              <a:t>Zowe</a:t>
+            </a:r>
+            <a:r>
+              <a:rPr lang="en-US" sz="2000" dirty="0"/>
+              <a:t> is beneficial to them and effective in making them a part of the </a:t>
+            </a:r>
+            <a:r>
+              <a:rPr lang="en-US" sz="2000" dirty="0" smtClean="0"/>
+              <a:t>Community</a:t>
+            </a:r>
+          </a:p>
+          <a:p>
+            <a:pPr marL="1301670" lvl="2" indent="-285750">
+              <a:spcBef>
+                <a:spcPts val="400"/>
+              </a:spcBef>
+              <a:buFont typeface="Wingdings" pitchFamily="2" charset="2"/>
+              <a:buChar char="Ø"/>
+            </a:pPr>
+            <a:r>
+              <a:rPr lang="en-US" sz="2000" dirty="0" smtClean="0"/>
+              <a:t>Complete </a:t>
+            </a:r>
+            <a:r>
+              <a:rPr lang="en-US" sz="2000" dirty="0"/>
+              <a:t>Persona research / interviews (target </a:t>
+            </a:r>
+            <a:r>
+              <a:rPr lang="en-US" sz="2000" dirty="0" smtClean="0"/>
+              <a:t>11/1)</a:t>
+            </a:r>
+          </a:p>
+          <a:p>
+            <a:pPr marL="1301670" lvl="2" indent="-285750">
+              <a:spcBef>
+                <a:spcPts val="400"/>
+              </a:spcBef>
+              <a:buFont typeface="Wingdings" pitchFamily="2" charset="2"/>
+              <a:buChar char="Ø"/>
+            </a:pPr>
+            <a:r>
+              <a:rPr lang="en-US" sz="2000" dirty="0" smtClean="0"/>
+              <a:t>Present </a:t>
+            </a:r>
+            <a:r>
+              <a:rPr lang="en-US" sz="2000" dirty="0"/>
+              <a:t>recommendations for UX and UI Website navigation improvements (target </a:t>
+            </a:r>
+            <a:r>
+              <a:rPr lang="en-US" sz="2000" dirty="0" smtClean="0"/>
+              <a:t>11/30)</a:t>
+            </a:r>
+          </a:p>
+          <a:p>
+            <a:pPr marL="1301670" lvl="2" indent="-285750">
+              <a:spcBef>
+                <a:spcPts val="400"/>
+              </a:spcBef>
+              <a:buFont typeface="Wingdings" pitchFamily="2" charset="2"/>
+              <a:buChar char="Ø"/>
+            </a:pPr>
+            <a:r>
+              <a:rPr lang="en-US" sz="2000" dirty="0" smtClean="0"/>
+              <a:t>Begin </a:t>
+            </a:r>
+            <a:r>
+              <a:rPr lang="en-US" sz="2000" dirty="0"/>
+              <a:t>Website modifications [stretch] -- Revise Webpages to better direct </a:t>
+            </a:r>
+            <a:r>
+              <a:rPr lang="en-US" sz="2000" dirty="0" err="1"/>
+              <a:t>Onboarders</a:t>
+            </a:r>
+            <a:r>
+              <a:rPr lang="en-US" sz="2000" dirty="0"/>
+              <a:t> to appropriate areas based on their "persona" (stretch)</a:t>
+            </a:r>
           </a:p>
         </p:txBody>
       </p:sp>
     </p:spTree>
     <p:extLst>
       <p:ext uri="{BB962C8B-B14F-4D97-AF65-F5344CB8AC3E}">
-        <p14:creationId xmlns:p14="http://schemas.microsoft.com/office/powerpoint/2010/main" val="569284393"/>
+        <p14:creationId xmlns:p14="http://schemas.microsoft.com/office/powerpoint/2010/main" val="2522186796"/>
       </p:ext>
     </p:extLst>
   </p:cSld>
@@ -13888,16 +14334,36 @@
               <a:buChar char="•"/>
             </a:pPr>
             <a:r>
-              <a:rPr lang="en-US" sz="1600" b="0" strike="noStrike" spc="-1">
+              <a:rPr lang="en-US" sz="1600" b="0" strike="noStrike" spc="-1" dirty="0">
                 <a:solidFill>
                   <a:srgbClr val="000000"/>
                 </a:solidFill>
                 <a:latin typeface="Arial"/>
                 <a:ea typeface="Arial"/>
               </a:rPr>
-              <a:t>Before this presentation ZLC will present Zowe achievements from last PI and context/vision at a hill-level for the upcoming PI</a:t>
-            </a:r>
-            <a:endParaRPr lang="en-US" sz="1600" b="0" strike="noStrike" spc="-1">
+              <a:t>Before this presentation ZLC will present </a:t>
+            </a:r>
+            <a:r>
+              <a:rPr lang="en-US" sz="1600" b="0" strike="noStrike" spc="-1" dirty="0" err="1">
+                <a:solidFill>
+                  <a:srgbClr val="000000"/>
+                </a:solidFill>
+                <a:latin typeface="Arial"/>
+                <a:ea typeface="Arial"/>
+              </a:rPr>
+              <a:t>Zowe</a:t>
+            </a:r>
+            <a:r>
+              <a:rPr lang="en-US" sz="1600" b="0" strike="noStrike" spc="-1" dirty="0">
+                <a:solidFill>
+                  <a:srgbClr val="000000"/>
+                </a:solidFill>
+                <a:latin typeface="Arial"/>
+                <a:ea typeface="Arial"/>
+              </a:rPr>
+              <a:t> achievements from last PI and context/vision at a hill-level for the upcoming PI</a:t>
+            </a:r>
+            <a:endParaRPr lang="en-US" sz="1600" b="0" strike="noStrike" spc="-1" dirty="0">
               <a:latin typeface="Arial"/>
             </a:endParaRPr>
           </a:p>
@@ -13913,7 +14379,7 @@
               <a:buChar char="•"/>
             </a:pPr>
             <a:r>
-              <a:rPr lang="en-US" sz="1600" b="0" strike="noStrike" spc="-1">
+              <a:rPr lang="en-US" sz="1600" b="0" strike="noStrike" spc="-1" dirty="0">
                 <a:solidFill>
                   <a:srgbClr val="000000"/>
                 </a:solidFill>
@@ -13922,7 +14388,7 @@
               </a:rPr>
               <a:t>Following this presentation, the squads will disperse into breakouts to plan their PI in more detail</a:t>
             </a:r>
-            <a:endParaRPr lang="en-US" sz="1600" b="0" strike="noStrike" spc="-1">
+            <a:endParaRPr lang="en-US" sz="1600" b="0" strike="noStrike" spc="-1" dirty="0">
               <a:latin typeface="Arial"/>
             </a:endParaRPr>
           </a:p>
@@ -13935,6 +14401,2340 @@
   </p:clrMapOvr>
   <p:transition spd="med">
     <p:fade/>
+  </p:transition>
+  <p:timing>
+    <p:tnLst>
+      <p:par>
+        <p:cTn id="1" dur="indefinite" restart="never" nodeType="tmRoot">
+          <p:childTnLst>
+            <p:seq>
+              <p:cTn id="2" dur="indefinite" nodeType="mainSeq"/>
+              <p:prevCondLst>
+                <p:cond evt="onPrev" delay="0">
+                  <p:tgtEl>
+                    <p:sldTgt/>
+                  </p:tgtEl>
+                </p:cond>
+              </p:prevCondLst>
+              <p:nextCondLst>
+                <p:cond evt="onNext" delay="0">
+                  <p:tgtEl>
+                    <p:sldTgt/>
+                  </p:tgtEl>
+                </p:cond>
+              </p:nextCondLst>
+            </p:seq>
+          </p:childTnLst>
+        </p:cTn>
+      </p:par>
+    </p:tnLst>
+  </p:timing>
+</p:sld>
+</file>
+
+<file path=ppt/slides/slide20.xml><?xml version="1.0" encoding="utf-8"?>
+<p:sld xmlns:a="http://schemas.openxmlformats.org/drawingml/2006/main" xmlns:r="http://schemas.openxmlformats.org/officeDocument/2006/relationships" xmlns:p="http://schemas.openxmlformats.org/presentationml/2006/main">
+  <p:cSld>
+    <p:spTree>
+      <p:nvGrpSpPr>
+        <p:cNvPr id="1" name=""/>
+        <p:cNvGrpSpPr/>
+        <p:nvPr/>
+      </p:nvGrpSpPr>
+      <p:grpSpPr>
+        <a:xfrm>
+          <a:off x="0" y="0"/>
+          <a:ext cx="0" cy="0"/>
+          <a:chOff x="0" y="0"/>
+          <a:chExt cx="0" cy="0"/>
+        </a:xfrm>
+      </p:grpSpPr>
+      <p:sp>
+        <p:nvSpPr>
+          <p:cNvPr id="182" name="TextShape 1"/>
+          <p:cNvSpPr txBox="1"/>
+          <p:nvPr/>
+        </p:nvSpPr>
+        <p:spPr>
+          <a:xfrm>
+            <a:off x="334080" y="159480"/>
+            <a:ext cx="7893720" cy="447120"/>
+          </a:xfrm>
+          <a:prstGeom prst="rect">
+            <a:avLst/>
+          </a:prstGeom>
+          <a:noFill/>
+          <a:ln>
+            <a:noFill/>
+          </a:ln>
+        </p:spPr>
+        <p:txBody>
+          <a:bodyPr tIns="91440" bIns="91440" anchor="ctr">
+            <a:noAutofit/>
+          </a:bodyPr>
+          <a:lstStyle/>
+          <a:p>
+            <a:pPr>
+              <a:lnSpc>
+                <a:spcPct val="100000"/>
+              </a:lnSpc>
+            </a:pPr>
+            <a:r>
+              <a:rPr lang="en-US" sz="3000" spc="-1" dirty="0" err="1" smtClean="0">
+                <a:solidFill>
+                  <a:srgbClr val="262626"/>
+                </a:solidFill>
+                <a:latin typeface="+mj-lt"/>
+                <a:ea typeface="Gill Sans"/>
+              </a:rPr>
+              <a:t>Zowe</a:t>
+            </a:r>
+            <a:r>
+              <a:rPr lang="en-US" sz="3000" spc="-1" dirty="0" smtClean="0">
+                <a:solidFill>
+                  <a:srgbClr val="262626"/>
+                </a:solidFill>
+                <a:latin typeface="+mj-lt"/>
+                <a:ea typeface="Gill Sans"/>
+              </a:rPr>
+              <a:t> Onboarding Squad</a:t>
+            </a:r>
+            <a:endParaRPr lang="en-US" sz="3000" b="0" strike="noStrike" spc="-1" dirty="0">
+              <a:solidFill>
+                <a:srgbClr val="000000"/>
+              </a:solidFill>
+              <a:latin typeface="+mj-lt"/>
+            </a:endParaRPr>
+          </a:p>
+        </p:txBody>
+      </p:sp>
+      <p:sp>
+        <p:nvSpPr>
+          <p:cNvPr id="183" name="TextShape 2"/>
+          <p:cNvSpPr txBox="1"/>
+          <p:nvPr/>
+        </p:nvSpPr>
+        <p:spPr>
+          <a:xfrm>
+            <a:off x="405518" y="993913"/>
+            <a:ext cx="8269762" cy="3808676"/>
+          </a:xfrm>
+          <a:prstGeom prst="rect">
+            <a:avLst/>
+          </a:prstGeom>
+          <a:noFill/>
+          <a:ln>
+            <a:noFill/>
+          </a:ln>
+        </p:spPr>
+        <p:txBody>
+          <a:bodyPr tIns="91440" bIns="91440">
+            <a:noAutofit/>
+          </a:bodyPr>
+          <a:lstStyle/>
+          <a:p>
+            <a:pPr marL="387270" indent="-285750">
+              <a:spcBef>
+                <a:spcPts val="400"/>
+              </a:spcBef>
+              <a:buFont typeface="Wingdings" pitchFamily="2" charset="2"/>
+              <a:buChar char="Ø"/>
+            </a:pPr>
+            <a:r>
+              <a:rPr lang="en-US" dirty="0"/>
+              <a:t>Extend </a:t>
+            </a:r>
+            <a:r>
+              <a:rPr lang="en-US" dirty="0"/>
+              <a:t>OUTREACH </a:t>
+            </a:r>
+            <a:r>
+              <a:rPr lang="en-US" dirty="0"/>
+              <a:t>Efforts</a:t>
+            </a:r>
+          </a:p>
+          <a:p>
+            <a:pPr marL="844470" lvl="1" indent="-285750">
+              <a:spcBef>
+                <a:spcPts val="400"/>
+              </a:spcBef>
+              <a:buFont typeface="Wingdings" pitchFamily="2" charset="2"/>
+              <a:buChar char="Ø"/>
+            </a:pPr>
+            <a:r>
+              <a:rPr lang="en-US" dirty="0"/>
+              <a:t>Increase </a:t>
+            </a:r>
+            <a:r>
+              <a:rPr lang="en-US" dirty="0"/>
+              <a:t>focus on OUTREACH efforts to Onboard more ISVs and Community members in </a:t>
+            </a:r>
+            <a:r>
+              <a:rPr lang="en-US" dirty="0"/>
+              <a:t>general</a:t>
+            </a:r>
+          </a:p>
+          <a:p>
+            <a:pPr marL="1301670" lvl="2" indent="-285750">
+              <a:spcBef>
+                <a:spcPts val="400"/>
+              </a:spcBef>
+              <a:buFont typeface="Wingdings" pitchFamily="2" charset="2"/>
+              <a:buChar char="Ø"/>
+            </a:pPr>
+            <a:r>
+              <a:rPr lang="en-US" dirty="0"/>
+              <a:t>Draft </a:t>
+            </a:r>
+            <a:r>
+              <a:rPr lang="en-US" dirty="0"/>
+              <a:t>a new Webpage to house Onboarding-centric collateral (</a:t>
+            </a:r>
+            <a:r>
+              <a:rPr lang="en-US" dirty="0" err="1"/>
+              <a:t>Zowe</a:t>
+            </a:r>
+            <a:r>
+              <a:rPr lang="en-US" dirty="0"/>
+              <a:t> intro videos etc.) (target </a:t>
+            </a:r>
+            <a:r>
+              <a:rPr lang="en-US" dirty="0"/>
+              <a:t>12/31)</a:t>
+            </a:r>
+          </a:p>
+          <a:p>
+            <a:pPr marL="1301670" lvl="2" indent="-285750">
+              <a:spcBef>
+                <a:spcPts val="400"/>
+              </a:spcBef>
+              <a:buFont typeface="Wingdings" pitchFamily="2" charset="2"/>
+              <a:buChar char="Ø"/>
+            </a:pPr>
+            <a:r>
+              <a:rPr lang="en-US" dirty="0"/>
+              <a:t>Research </a:t>
+            </a:r>
+            <a:r>
+              <a:rPr lang="en-US" dirty="0"/>
+              <a:t>how we can deliver a "request for Demo" capability at the new Zowe.org webpage (#2) where </a:t>
+            </a:r>
+            <a:r>
+              <a:rPr lang="en-US" dirty="0" err="1"/>
+              <a:t>Onboarders</a:t>
+            </a:r>
+            <a:r>
+              <a:rPr lang="en-US" dirty="0"/>
+              <a:t> can request a "live" demo (target </a:t>
+            </a:r>
+            <a:r>
+              <a:rPr lang="en-US" dirty="0"/>
+              <a:t>11/30)</a:t>
+            </a:r>
+          </a:p>
+          <a:p>
+            <a:pPr marL="1301670" lvl="2" indent="-285750">
+              <a:spcBef>
+                <a:spcPts val="400"/>
+              </a:spcBef>
+              <a:buFont typeface="Wingdings" pitchFamily="2" charset="2"/>
+              <a:buChar char="Ø"/>
+            </a:pPr>
+            <a:r>
+              <a:rPr lang="en-US" dirty="0"/>
+              <a:t>Deliver </a:t>
+            </a:r>
+            <a:r>
+              <a:rPr lang="en-US" dirty="0"/>
+              <a:t>1 Onboarding-focused blog at Medium.com (target </a:t>
+            </a:r>
+            <a:r>
+              <a:rPr lang="en-US" dirty="0"/>
+              <a:t>12/31)</a:t>
+            </a:r>
+          </a:p>
+          <a:p>
+            <a:pPr marL="1301670" lvl="2" indent="-285750">
+              <a:spcBef>
+                <a:spcPts val="400"/>
+              </a:spcBef>
+              <a:buFont typeface="Wingdings" pitchFamily="2" charset="2"/>
+              <a:buChar char="Ø"/>
+            </a:pPr>
+            <a:r>
+              <a:rPr lang="en-US" dirty="0"/>
+              <a:t>Communicate </a:t>
+            </a:r>
+            <a:r>
+              <a:rPr lang="en-US" dirty="0"/>
+              <a:t>with and present at (2)  WW </a:t>
+            </a:r>
+            <a:r>
+              <a:rPr lang="en-US" dirty="0" err="1"/>
+              <a:t>zMeetup</a:t>
+            </a:r>
+            <a:r>
+              <a:rPr lang="en-US" dirty="0"/>
+              <a:t> (Communities) (target 12/31)</a:t>
+            </a:r>
+          </a:p>
+        </p:txBody>
+      </p:sp>
+    </p:spTree>
+    <p:extLst>
+      <p:ext uri="{BB962C8B-B14F-4D97-AF65-F5344CB8AC3E}">
+        <p14:creationId xmlns:p14="http://schemas.microsoft.com/office/powerpoint/2010/main" val="940490073"/>
+      </p:ext>
+    </p:extLst>
+  </p:cSld>
+  <p:clrMapOvr>
+    <a:masterClrMapping/>
+  </p:clrMapOvr>
+  <p:transition spd="med">
+    <p:fade thruBlk="1"/>
+  </p:transition>
+  <p:timing>
+    <p:tnLst>
+      <p:par>
+        <p:cTn id="1" dur="indefinite" restart="never" nodeType="tmRoot">
+          <p:childTnLst>
+            <p:seq>
+              <p:cTn id="2" dur="indefinite" nodeType="mainSeq"/>
+              <p:prevCondLst>
+                <p:cond evt="onPrev" delay="0">
+                  <p:tgtEl>
+                    <p:sldTgt/>
+                  </p:tgtEl>
+                </p:cond>
+              </p:prevCondLst>
+              <p:nextCondLst>
+                <p:cond evt="onNext" delay="0">
+                  <p:tgtEl>
+                    <p:sldTgt/>
+                  </p:tgtEl>
+                </p:cond>
+              </p:nextCondLst>
+            </p:seq>
+          </p:childTnLst>
+        </p:cTn>
+      </p:par>
+    </p:tnLst>
+  </p:timing>
+</p:sld>
+</file>
+
+<file path=ppt/slides/slide21.xml><?xml version="1.0" encoding="utf-8"?>
+<p:sld xmlns:a="http://schemas.openxmlformats.org/drawingml/2006/main" xmlns:r="http://schemas.openxmlformats.org/officeDocument/2006/relationships" xmlns:p="http://schemas.openxmlformats.org/presentationml/2006/main">
+  <p:cSld>
+    <p:spTree>
+      <p:nvGrpSpPr>
+        <p:cNvPr id="1" name=""/>
+        <p:cNvGrpSpPr/>
+        <p:nvPr/>
+      </p:nvGrpSpPr>
+      <p:grpSpPr>
+        <a:xfrm>
+          <a:off x="0" y="0"/>
+          <a:ext cx="0" cy="0"/>
+          <a:chOff x="0" y="0"/>
+          <a:chExt cx="0" cy="0"/>
+        </a:xfrm>
+      </p:grpSpPr>
+      <p:sp>
+        <p:nvSpPr>
+          <p:cNvPr id="182" name="TextShape 1"/>
+          <p:cNvSpPr txBox="1"/>
+          <p:nvPr/>
+        </p:nvSpPr>
+        <p:spPr>
+          <a:xfrm>
+            <a:off x="334080" y="159480"/>
+            <a:ext cx="7893720" cy="447120"/>
+          </a:xfrm>
+          <a:prstGeom prst="rect">
+            <a:avLst/>
+          </a:prstGeom>
+          <a:noFill/>
+          <a:ln>
+            <a:noFill/>
+          </a:ln>
+        </p:spPr>
+        <p:txBody>
+          <a:bodyPr tIns="91440" bIns="91440" anchor="ctr">
+            <a:noAutofit/>
+          </a:bodyPr>
+          <a:lstStyle/>
+          <a:p>
+            <a:pPr>
+              <a:lnSpc>
+                <a:spcPct val="100000"/>
+              </a:lnSpc>
+            </a:pPr>
+            <a:r>
+              <a:rPr lang="en-US" sz="3000" spc="-1" dirty="0" err="1" smtClean="0">
+                <a:solidFill>
+                  <a:srgbClr val="262626"/>
+                </a:solidFill>
+                <a:latin typeface="+mj-lt"/>
+                <a:ea typeface="Gill Sans"/>
+              </a:rPr>
+              <a:t>Zowe</a:t>
+            </a:r>
+            <a:r>
+              <a:rPr lang="en-US" sz="3000" spc="-1" dirty="0" smtClean="0">
+                <a:solidFill>
+                  <a:srgbClr val="262626"/>
+                </a:solidFill>
+                <a:latin typeface="+mj-lt"/>
+                <a:ea typeface="Gill Sans"/>
+              </a:rPr>
+              <a:t> Onboarding Squad</a:t>
+            </a:r>
+            <a:endParaRPr lang="en-US" sz="3000" b="0" strike="noStrike" spc="-1" dirty="0">
+              <a:solidFill>
+                <a:srgbClr val="000000"/>
+              </a:solidFill>
+              <a:latin typeface="+mj-lt"/>
+            </a:endParaRPr>
+          </a:p>
+        </p:txBody>
+      </p:sp>
+      <p:sp>
+        <p:nvSpPr>
+          <p:cNvPr id="183" name="TextShape 2"/>
+          <p:cNvSpPr txBox="1"/>
+          <p:nvPr/>
+        </p:nvSpPr>
+        <p:spPr>
+          <a:xfrm>
+            <a:off x="405518" y="993913"/>
+            <a:ext cx="8269762" cy="3808676"/>
+          </a:xfrm>
+          <a:prstGeom prst="rect">
+            <a:avLst/>
+          </a:prstGeom>
+          <a:noFill/>
+          <a:ln>
+            <a:noFill/>
+          </a:ln>
+        </p:spPr>
+        <p:txBody>
+          <a:bodyPr tIns="91440" bIns="91440">
+            <a:noAutofit/>
+          </a:bodyPr>
+          <a:lstStyle/>
+          <a:p>
+            <a:pPr marL="387270" indent="-285750">
+              <a:spcBef>
+                <a:spcPts val="400"/>
+              </a:spcBef>
+              <a:buFont typeface="Wingdings" pitchFamily="2" charset="2"/>
+              <a:buChar char="Ø"/>
+            </a:pPr>
+            <a:r>
+              <a:rPr lang="en-US" sz="2000" b="1" dirty="0" smtClean="0"/>
+              <a:t>Manage </a:t>
+            </a:r>
+            <a:r>
+              <a:rPr lang="en-US" sz="2000" b="1" dirty="0"/>
+              <a:t>Production of and Leverage Statistics to Help All Squads to Identify </a:t>
+            </a:r>
+            <a:r>
+              <a:rPr lang="en-US" sz="2000" b="1" dirty="0" err="1"/>
+              <a:t>Zowe</a:t>
+            </a:r>
+            <a:r>
+              <a:rPr lang="en-US" sz="2000" b="1" dirty="0"/>
+              <a:t> Interest, Experimentation, and </a:t>
+            </a:r>
+            <a:r>
+              <a:rPr lang="en-US" sz="2000" b="1" dirty="0" smtClean="0"/>
+              <a:t>Challenges</a:t>
+            </a:r>
+          </a:p>
+          <a:p>
+            <a:pPr marL="844470" lvl="1" indent="-285750">
+              <a:spcBef>
+                <a:spcPts val="400"/>
+              </a:spcBef>
+              <a:buFont typeface="Wingdings" pitchFamily="2" charset="2"/>
+              <a:buChar char="Ø"/>
+            </a:pPr>
+            <a:r>
+              <a:rPr lang="en-US" sz="2000" dirty="0" smtClean="0"/>
+              <a:t>Continue </a:t>
+            </a:r>
+            <a:r>
+              <a:rPr lang="en-US" sz="2000" dirty="0"/>
+              <a:t>maturing statistics process and </a:t>
+            </a:r>
+            <a:r>
+              <a:rPr lang="en-US" sz="2000" dirty="0" smtClean="0"/>
+              <a:t>reporting</a:t>
+            </a:r>
+          </a:p>
+          <a:p>
+            <a:pPr marL="1301670" lvl="2" indent="-285750">
+              <a:spcBef>
+                <a:spcPts val="400"/>
+              </a:spcBef>
+              <a:buFont typeface="Wingdings" pitchFamily="2" charset="2"/>
+              <a:buChar char="Ø"/>
+            </a:pPr>
+            <a:r>
+              <a:rPr lang="en-US" sz="2000" dirty="0" smtClean="0"/>
+              <a:t>Automate </a:t>
+            </a:r>
+            <a:r>
+              <a:rPr lang="en-US" sz="2000" dirty="0"/>
+              <a:t>the monthly statistics report (target </a:t>
+            </a:r>
+            <a:r>
+              <a:rPr lang="en-US" sz="2000" dirty="0" smtClean="0"/>
+              <a:t>12/31)</a:t>
+            </a:r>
+          </a:p>
+          <a:p>
+            <a:pPr marL="1301670" lvl="2" indent="-285750">
+              <a:spcBef>
+                <a:spcPts val="400"/>
+              </a:spcBef>
+              <a:buFont typeface="Wingdings" pitchFamily="2" charset="2"/>
+              <a:buChar char="Ø"/>
+            </a:pPr>
+            <a:r>
+              <a:rPr lang="en-US" sz="2000" dirty="0" smtClean="0"/>
+              <a:t>Brainstorm </a:t>
+            </a:r>
+            <a:r>
+              <a:rPr lang="en-US" sz="2000" dirty="0"/>
+              <a:t>&amp; draft </a:t>
+            </a:r>
+            <a:r>
+              <a:rPr lang="en-US" sz="2000" dirty="0" err="1"/>
+              <a:t>Zowe</a:t>
+            </a:r>
+            <a:r>
+              <a:rPr lang="en-US" sz="2000" dirty="0"/>
+              <a:t> KPIs to help identify trends and  influential activities (target 12/31)</a:t>
+            </a:r>
+          </a:p>
+        </p:txBody>
+      </p:sp>
+    </p:spTree>
+    <p:extLst>
+      <p:ext uri="{BB962C8B-B14F-4D97-AF65-F5344CB8AC3E}">
+        <p14:creationId xmlns:p14="http://schemas.microsoft.com/office/powerpoint/2010/main" val="478070579"/>
+      </p:ext>
+    </p:extLst>
+  </p:cSld>
+  <p:clrMapOvr>
+    <a:masterClrMapping/>
+  </p:clrMapOvr>
+  <p:transition spd="med">
+    <p:fade thruBlk="1"/>
+  </p:transition>
+  <p:timing>
+    <p:tnLst>
+      <p:par>
+        <p:cTn id="1" dur="indefinite" restart="never" nodeType="tmRoot">
+          <p:childTnLst>
+            <p:seq>
+              <p:cTn id="2" dur="indefinite" nodeType="mainSeq"/>
+              <p:prevCondLst>
+                <p:cond evt="onPrev" delay="0">
+                  <p:tgtEl>
+                    <p:sldTgt/>
+                  </p:tgtEl>
+                </p:cond>
+              </p:prevCondLst>
+              <p:nextCondLst>
+                <p:cond evt="onNext" delay="0">
+                  <p:tgtEl>
+                    <p:sldTgt/>
+                  </p:tgtEl>
+                </p:cond>
+              </p:nextCondLst>
+            </p:seq>
+          </p:childTnLst>
+        </p:cTn>
+      </p:par>
+    </p:tnLst>
+  </p:timing>
+</p:sld>
+</file>
+
+<file path=ppt/slides/slide22.xml><?xml version="1.0" encoding="utf-8"?>
+<p:sld xmlns:a="http://schemas.openxmlformats.org/drawingml/2006/main" xmlns:r="http://schemas.openxmlformats.org/officeDocument/2006/relationships" xmlns:p="http://schemas.openxmlformats.org/presentationml/2006/main">
+  <p:cSld>
+    <p:spTree>
+      <p:nvGrpSpPr>
+        <p:cNvPr id="1" name=""/>
+        <p:cNvGrpSpPr/>
+        <p:nvPr/>
+      </p:nvGrpSpPr>
+      <p:grpSpPr>
+        <a:xfrm>
+          <a:off x="0" y="0"/>
+          <a:ext cx="0" cy="0"/>
+          <a:chOff x="0" y="0"/>
+          <a:chExt cx="0" cy="0"/>
+        </a:xfrm>
+      </p:grpSpPr>
+      <p:sp>
+        <p:nvSpPr>
+          <p:cNvPr id="180" name="TextShape 1"/>
+          <p:cNvSpPr txBox="1"/>
+          <p:nvPr/>
+        </p:nvSpPr>
+        <p:spPr>
+          <a:xfrm>
+            <a:off x="334080" y="159480"/>
+            <a:ext cx="7893720" cy="447120"/>
+          </a:xfrm>
+          <a:prstGeom prst="rect">
+            <a:avLst/>
+          </a:prstGeom>
+          <a:noFill/>
+          <a:ln>
+            <a:noFill/>
+          </a:ln>
+        </p:spPr>
+        <p:txBody>
+          <a:bodyPr tIns="91440" bIns="91440" anchor="ctr">
+            <a:noAutofit/>
+          </a:bodyPr>
+          <a:lstStyle/>
+          <a:p>
+            <a:pPr>
+              <a:lnSpc>
+                <a:spcPct val="100000"/>
+              </a:lnSpc>
+            </a:pPr>
+            <a:r>
+              <a:rPr lang="en-US" sz="3000" b="0" strike="noStrike" spc="-1" dirty="0">
+                <a:solidFill>
+                  <a:srgbClr val="262626"/>
+                </a:solidFill>
+                <a:latin typeface="+mj-lt"/>
+                <a:ea typeface="Gill Sans"/>
+              </a:rPr>
+              <a:t>Dependencies</a:t>
+            </a:r>
+            <a:endParaRPr lang="en-US" sz="3000" b="0" strike="noStrike" spc="-1" dirty="0">
+              <a:solidFill>
+                <a:srgbClr val="000000"/>
+              </a:solidFill>
+              <a:latin typeface="+mj-lt"/>
+            </a:endParaRPr>
+          </a:p>
+        </p:txBody>
+      </p:sp>
+      <p:sp>
+        <p:nvSpPr>
+          <p:cNvPr id="181" name="TextShape 2"/>
+          <p:cNvSpPr txBox="1"/>
+          <p:nvPr/>
+        </p:nvSpPr>
+        <p:spPr>
+          <a:xfrm>
+            <a:off x="306360" y="774000"/>
+            <a:ext cx="8368920" cy="4147560"/>
+          </a:xfrm>
+          <a:prstGeom prst="rect">
+            <a:avLst/>
+          </a:prstGeom>
+          <a:noFill/>
+          <a:ln>
+            <a:noFill/>
+          </a:ln>
+        </p:spPr>
+        <p:txBody>
+          <a:bodyPr tIns="91440" bIns="91440">
+            <a:noAutofit/>
+          </a:bodyPr>
+          <a:lstStyle/>
+          <a:p>
+            <a:pPr marL="457200" indent="-355320">
+              <a:lnSpc>
+                <a:spcPct val="100000"/>
+              </a:lnSpc>
+              <a:spcBef>
+                <a:spcPts val="400"/>
+              </a:spcBef>
+              <a:buClr>
+                <a:srgbClr val="000000"/>
+              </a:buClr>
+              <a:buFont typeface="Arial"/>
+              <a:buChar char="•"/>
+            </a:pPr>
+            <a:r>
+              <a:rPr lang="en-US" sz="2000" dirty="0" smtClean="0"/>
+              <a:t>DOC </a:t>
+            </a:r>
+            <a:r>
+              <a:rPr lang="en-US" sz="2000" dirty="0"/>
+              <a:t>Squad: will probably need to collaborate on Web Page </a:t>
+            </a:r>
+            <a:r>
+              <a:rPr lang="en-US" sz="2000" dirty="0" smtClean="0"/>
+              <a:t>modifications</a:t>
+            </a:r>
+            <a:br>
+              <a:rPr lang="en-US" sz="2000" dirty="0" smtClean="0"/>
+            </a:br>
+            <a:endParaRPr lang="en-US" sz="2000" dirty="0" smtClean="0"/>
+          </a:p>
+          <a:p>
+            <a:pPr marL="457200" indent="-355320">
+              <a:lnSpc>
+                <a:spcPct val="100000"/>
+              </a:lnSpc>
+              <a:spcBef>
+                <a:spcPts val="400"/>
+              </a:spcBef>
+              <a:buClr>
+                <a:srgbClr val="000000"/>
+              </a:buClr>
+              <a:buFont typeface="Arial"/>
+              <a:buChar char="•"/>
+            </a:pPr>
+            <a:r>
+              <a:rPr lang="en-US" sz="2000" dirty="0" smtClean="0"/>
+              <a:t>UX </a:t>
+            </a:r>
+            <a:r>
+              <a:rPr lang="en-US" sz="2000" dirty="0"/>
+              <a:t>Designers: welcome their input on web page </a:t>
+            </a:r>
+            <a:r>
+              <a:rPr lang="en-US" sz="2000" dirty="0" smtClean="0"/>
+              <a:t>design</a:t>
+            </a:r>
+            <a:br>
+              <a:rPr lang="en-US" sz="2000" dirty="0" smtClean="0"/>
+            </a:br>
+            <a:endParaRPr lang="en-US" sz="2000" dirty="0" smtClean="0"/>
+          </a:p>
+          <a:p>
+            <a:pPr marL="457200" indent="-355320">
+              <a:lnSpc>
+                <a:spcPct val="100000"/>
+              </a:lnSpc>
+              <a:spcBef>
+                <a:spcPts val="400"/>
+              </a:spcBef>
+              <a:buClr>
+                <a:srgbClr val="000000"/>
+              </a:buClr>
+              <a:buFont typeface="Arial"/>
+              <a:buChar char="•"/>
+            </a:pPr>
+            <a:r>
+              <a:rPr lang="en-US" sz="2000" dirty="0" smtClean="0"/>
+              <a:t>CLI</a:t>
+            </a:r>
+            <a:r>
+              <a:rPr lang="en-US" sz="2000" dirty="0"/>
+              <a:t>, API, Web UI, </a:t>
+            </a:r>
+            <a:r>
+              <a:rPr lang="en-US" sz="2000" dirty="0" err="1"/>
+              <a:t>etc</a:t>
+            </a:r>
+            <a:r>
+              <a:rPr lang="en-US" sz="2000" dirty="0"/>
+              <a:t>: Squad leads for their input on the "request for demo" deliverable</a:t>
+            </a:r>
+          </a:p>
+        </p:txBody>
+      </p:sp>
+    </p:spTree>
+    <p:extLst>
+      <p:ext uri="{BB962C8B-B14F-4D97-AF65-F5344CB8AC3E}">
+        <p14:creationId xmlns:p14="http://schemas.microsoft.com/office/powerpoint/2010/main" val="3546241616"/>
+      </p:ext>
+    </p:extLst>
+  </p:cSld>
+  <p:clrMapOvr>
+    <a:masterClrMapping/>
+  </p:clrMapOvr>
+  <p:transition spd="med">
+    <p:fade thruBlk="1"/>
+  </p:transition>
+  <p:timing>
+    <p:tnLst>
+      <p:par>
+        <p:cTn id="1" dur="indefinite" restart="never" nodeType="tmRoot">
+          <p:childTnLst>
+            <p:seq>
+              <p:cTn id="2" dur="indefinite" nodeType="mainSeq"/>
+              <p:prevCondLst>
+                <p:cond evt="onPrev" delay="0">
+                  <p:tgtEl>
+                    <p:sldTgt/>
+                  </p:tgtEl>
+                </p:cond>
+              </p:prevCondLst>
+              <p:nextCondLst>
+                <p:cond evt="onNext" delay="0">
+                  <p:tgtEl>
+                    <p:sldTgt/>
+                  </p:tgtEl>
+                </p:cond>
+              </p:nextCondLst>
+            </p:seq>
+          </p:childTnLst>
+        </p:cTn>
+      </p:par>
+    </p:tnLst>
+  </p:timing>
+</p:sld>
+</file>
+
+<file path=ppt/slides/slide23.xml><?xml version="1.0" encoding="utf-8"?>
+<p:sld xmlns:a="http://schemas.openxmlformats.org/drawingml/2006/main" xmlns:r="http://schemas.openxmlformats.org/officeDocument/2006/relationships" xmlns:p="http://schemas.openxmlformats.org/presentationml/2006/main">
+  <p:cSld>
+    <p:spTree>
+      <p:nvGrpSpPr>
+        <p:cNvPr id="1" name=""/>
+        <p:cNvGrpSpPr/>
+        <p:nvPr/>
+      </p:nvGrpSpPr>
+      <p:grpSpPr>
+        <a:xfrm>
+          <a:off x="0" y="0"/>
+          <a:ext cx="0" cy="0"/>
+          <a:chOff x="0" y="0"/>
+          <a:chExt cx="0" cy="0"/>
+        </a:xfrm>
+      </p:grpSpPr>
+      <p:sp>
+        <p:nvSpPr>
+          <p:cNvPr id="188" name="TextShape 1"/>
+          <p:cNvSpPr txBox="1"/>
+          <p:nvPr/>
+        </p:nvSpPr>
+        <p:spPr>
+          <a:xfrm>
+            <a:off x="298581" y="2589143"/>
+            <a:ext cx="6446160" cy="2138776"/>
+          </a:xfrm>
+          <a:prstGeom prst="rect">
+            <a:avLst/>
+          </a:prstGeom>
+          <a:noFill/>
+          <a:ln>
+            <a:noFill/>
+          </a:ln>
+        </p:spPr>
+        <p:txBody>
+          <a:bodyPr lIns="0" tIns="0" rIns="0" bIns="0" anchor="b">
+            <a:noAutofit/>
+          </a:bodyPr>
+          <a:lstStyle/>
+          <a:p>
+            <a:pPr marL="457200" lvl="0" indent="-228240">
+              <a:lnSpc>
+                <a:spcPct val="85000"/>
+              </a:lnSpc>
+              <a:spcBef>
+                <a:spcPts val="901"/>
+              </a:spcBef>
+            </a:pPr>
+            <a:r>
+              <a:rPr lang="en-US" sz="3000" b="1" spc="-1" dirty="0">
+                <a:solidFill>
+                  <a:srgbClr val="000000"/>
+                </a:solidFill>
+                <a:latin typeface="Arial" panose="020B0604020202020204" pitchFamily="34" charset="0"/>
+                <a:ea typeface="Arial"/>
+                <a:cs typeface="Arial" panose="020B0604020202020204" pitchFamily="34" charset="0"/>
+              </a:rPr>
+              <a:t>Explorer Squad Focus</a:t>
+            </a:r>
+            <a:endParaRPr lang="en-US" sz="3000" spc="-1" dirty="0">
+              <a:solidFill>
+                <a:srgbClr val="000000"/>
+              </a:solidFill>
+              <a:latin typeface="Arial" panose="020B0604020202020204" pitchFamily="34" charset="0"/>
+              <a:cs typeface="Arial" panose="020B0604020202020204" pitchFamily="34" charset="0"/>
+            </a:endParaRPr>
+          </a:p>
+          <a:p>
+            <a:pPr marL="457200" lvl="0" indent="-228240">
+              <a:lnSpc>
+                <a:spcPct val="85000"/>
+              </a:lnSpc>
+              <a:spcBef>
+                <a:spcPts val="901"/>
+              </a:spcBef>
+            </a:pPr>
+            <a:r>
+              <a:rPr lang="en-US" b="1" spc="-1" dirty="0">
+                <a:solidFill>
+                  <a:srgbClr val="000000"/>
+                </a:solidFill>
+                <a:latin typeface="Arial" panose="020B0604020202020204" pitchFamily="34" charset="0"/>
+                <a:ea typeface="Arial"/>
+                <a:cs typeface="Arial" panose="020B0604020202020204" pitchFamily="34" charset="0"/>
+              </a:rPr>
+              <a:t>Zachariah Mullen (Scrum Master)</a:t>
+            </a:r>
+          </a:p>
+          <a:p>
+            <a:pPr marL="457200" lvl="0" indent="-228240">
+              <a:lnSpc>
+                <a:spcPct val="85000"/>
+              </a:lnSpc>
+              <a:spcBef>
+                <a:spcPts val="901"/>
+              </a:spcBef>
+            </a:pPr>
+            <a:r>
+              <a:rPr lang="en-US" b="1" spc="-1" dirty="0">
+                <a:solidFill>
+                  <a:srgbClr val="000000"/>
+                </a:solidFill>
+                <a:latin typeface="Arial" panose="020B0604020202020204" pitchFamily="34" charset="0"/>
+                <a:ea typeface="Arial"/>
+                <a:cs typeface="Arial" panose="020B0604020202020204" pitchFamily="34" charset="0"/>
+              </a:rPr>
+              <a:t>Fernando Rijo Cedeno (Squad Lead)</a:t>
+            </a:r>
+          </a:p>
+          <a:p>
+            <a:pPr marL="457200" lvl="0" indent="-228240">
+              <a:lnSpc>
+                <a:spcPct val="85000"/>
+              </a:lnSpc>
+              <a:spcBef>
+                <a:spcPts val="901"/>
+              </a:spcBef>
+            </a:pPr>
+            <a:endParaRPr lang="en-US" b="1" spc="-1" dirty="0">
+              <a:solidFill>
+                <a:srgbClr val="000000"/>
+              </a:solidFill>
+              <a:latin typeface="Arial" panose="020B0604020202020204" pitchFamily="34" charset="0"/>
+              <a:cs typeface="Arial" panose="020B0604020202020204" pitchFamily="34" charset="0"/>
+            </a:endParaRPr>
+          </a:p>
+          <a:p>
+            <a:pPr marL="457200" lvl="0" indent="-228240">
+              <a:lnSpc>
+                <a:spcPct val="85000"/>
+              </a:lnSpc>
+              <a:spcBef>
+                <a:spcPts val="901"/>
+              </a:spcBef>
+            </a:pPr>
+            <a:r>
+              <a:rPr lang="en-US" spc="-1" dirty="0">
+                <a:solidFill>
+                  <a:srgbClr val="000000"/>
+                </a:solidFill>
+                <a:latin typeface="Arial" panose="020B0604020202020204" pitchFamily="34" charset="0"/>
+                <a:cs typeface="Arial" panose="020B0604020202020204" pitchFamily="34" charset="0"/>
+                <a:hlinkClick r:id="rId2"/>
+              </a:rPr>
+              <a:t>Objectives</a:t>
+            </a:r>
+            <a:endParaRPr lang="en-US" spc="-1" dirty="0">
+              <a:solidFill>
+                <a:srgbClr val="000000"/>
+              </a:solidFill>
+              <a:latin typeface="Arial" panose="020B0604020202020204" pitchFamily="34" charset="0"/>
+              <a:cs typeface="Arial" panose="020B0604020202020204" pitchFamily="34" charset="0"/>
+            </a:endParaRPr>
+          </a:p>
+        </p:txBody>
+      </p:sp>
+    </p:spTree>
+  </p:cSld>
+  <p:clrMapOvr>
+    <a:masterClrMapping/>
+  </p:clrMapOvr>
+  <p:transition spd="med">
+    <p:fade/>
+  </p:transition>
+  <p:timing>
+    <p:tnLst>
+      <p:par>
+        <p:cTn id="1" dur="indefinite" restart="never" nodeType="tmRoot">
+          <p:childTnLst>
+            <p:seq>
+              <p:cTn id="2" dur="indefinite" nodeType="mainSeq"/>
+              <p:prevCondLst>
+                <p:cond evt="onPrev" delay="0">
+                  <p:tgtEl>
+                    <p:sldTgt/>
+                  </p:tgtEl>
+                </p:cond>
+              </p:prevCondLst>
+              <p:nextCondLst>
+                <p:cond evt="onNext" delay="0">
+                  <p:tgtEl>
+                    <p:sldTgt/>
+                  </p:tgtEl>
+                </p:cond>
+              </p:nextCondLst>
+            </p:seq>
+          </p:childTnLst>
+        </p:cTn>
+      </p:par>
+    </p:tnLst>
+  </p:timing>
+</p:sld>
+</file>
+
+<file path=ppt/slides/slide24.xml><?xml version="1.0" encoding="utf-8"?>
+<p:sld xmlns:a="http://schemas.openxmlformats.org/drawingml/2006/main" xmlns:r="http://schemas.openxmlformats.org/officeDocument/2006/relationships" xmlns:p="http://schemas.openxmlformats.org/presentationml/2006/main">
+  <p:cSld>
+    <p:spTree>
+      <p:nvGrpSpPr>
+        <p:cNvPr id="1" name=""/>
+        <p:cNvGrpSpPr/>
+        <p:nvPr/>
+      </p:nvGrpSpPr>
+      <p:grpSpPr>
+        <a:xfrm>
+          <a:off x="0" y="0"/>
+          <a:ext cx="0" cy="0"/>
+          <a:chOff x="0" y="0"/>
+          <a:chExt cx="0" cy="0"/>
+        </a:xfrm>
+      </p:grpSpPr>
+      <p:sp>
+        <p:nvSpPr>
+          <p:cNvPr id="189" name="TextShape 1"/>
+          <p:cNvSpPr txBox="1"/>
+          <p:nvPr/>
+        </p:nvSpPr>
+        <p:spPr>
+          <a:xfrm>
+            <a:off x="334080" y="159480"/>
+            <a:ext cx="7893720" cy="447120"/>
+          </a:xfrm>
+          <a:prstGeom prst="rect">
+            <a:avLst/>
+          </a:prstGeom>
+          <a:noFill/>
+          <a:ln>
+            <a:noFill/>
+          </a:ln>
+        </p:spPr>
+        <p:txBody>
+          <a:bodyPr tIns="91440" bIns="91440" anchor="ctr">
+            <a:noAutofit/>
+          </a:bodyPr>
+          <a:lstStyle/>
+          <a:p>
+            <a:pPr>
+              <a:lnSpc>
+                <a:spcPct val="100000"/>
+              </a:lnSpc>
+            </a:pPr>
+            <a:r>
+              <a:rPr lang="en-US" sz="2800" b="0" strike="noStrike" spc="-1" dirty="0" smtClean="0">
+                <a:solidFill>
+                  <a:srgbClr val="262626"/>
+                </a:solidFill>
+                <a:latin typeface="Arial" panose="020B0604020202020204" pitchFamily="34" charset="0"/>
+                <a:ea typeface="Gill Sans"/>
+                <a:cs typeface="Arial" panose="020B0604020202020204" pitchFamily="34" charset="0"/>
+              </a:rPr>
+              <a:t>Explorer – Extenders Conformance Criteria</a:t>
+            </a:r>
+            <a:endParaRPr lang="en-US" sz="2800" b="0" strike="noStrike" spc="-1" dirty="0">
+              <a:solidFill>
+                <a:srgbClr val="000000"/>
+              </a:solidFill>
+              <a:latin typeface="Arial" panose="020B0604020202020204" pitchFamily="34" charset="0"/>
+              <a:cs typeface="Arial" panose="020B0604020202020204" pitchFamily="34" charset="0"/>
+            </a:endParaRPr>
+          </a:p>
+        </p:txBody>
+      </p:sp>
+      <p:sp>
+        <p:nvSpPr>
+          <p:cNvPr id="190" name="TextShape 2"/>
+          <p:cNvSpPr txBox="1"/>
+          <p:nvPr/>
+        </p:nvSpPr>
+        <p:spPr>
+          <a:xfrm>
+            <a:off x="336600" y="686492"/>
+            <a:ext cx="8349840" cy="4177800"/>
+          </a:xfrm>
+          <a:prstGeom prst="rect">
+            <a:avLst/>
+          </a:prstGeom>
+          <a:noFill/>
+          <a:ln>
+            <a:noFill/>
+          </a:ln>
+        </p:spPr>
+        <p:txBody>
+          <a:bodyPr tIns="91440" bIns="91440">
+            <a:noAutofit/>
+          </a:bodyPr>
+          <a:lstStyle/>
+          <a:p>
+            <a:pPr marL="457200" indent="-355320">
+              <a:lnSpc>
+                <a:spcPct val="100000"/>
+              </a:lnSpc>
+              <a:spcBef>
+                <a:spcPts val="400"/>
+              </a:spcBef>
+              <a:buClr>
+                <a:srgbClr val="000000"/>
+              </a:buClr>
+              <a:buFont typeface="Arial"/>
+              <a:buChar char="•"/>
+            </a:pPr>
+            <a:r>
+              <a:rPr lang="en-US" sz="2000" spc="-1" dirty="0">
+                <a:solidFill>
+                  <a:srgbClr val="000000"/>
+                </a:solidFill>
+                <a:latin typeface="+mj-lt"/>
+              </a:rPr>
+              <a:t>Continue work on extensibility API and conformance </a:t>
+            </a:r>
+            <a:r>
+              <a:rPr lang="en-US" sz="2000" spc="-1" dirty="0" smtClean="0">
+                <a:solidFill>
+                  <a:srgbClr val="000000"/>
+                </a:solidFill>
+                <a:latin typeface="+mj-lt"/>
+              </a:rPr>
+              <a:t>rules </a:t>
+            </a:r>
+            <a:r>
+              <a:rPr lang="en-US" sz="2000" spc="-1" dirty="0" smtClean="0">
+                <a:solidFill>
+                  <a:srgbClr val="000000"/>
+                </a:solidFill>
+                <a:latin typeface="+mj-lt"/>
+                <a:hlinkClick r:id="rId2"/>
+              </a:rPr>
+              <a:t>#837</a:t>
+            </a:r>
+            <a:endParaRPr lang="en-US" sz="2000" spc="-1" dirty="0" smtClean="0">
+              <a:solidFill>
+                <a:srgbClr val="000000"/>
+              </a:solidFill>
+              <a:latin typeface="+mj-lt"/>
+            </a:endParaRPr>
+          </a:p>
+          <a:p>
+            <a:pPr marL="914400" lvl="1" indent="-355320">
+              <a:spcBef>
+                <a:spcPts val="400"/>
+              </a:spcBef>
+              <a:buClr>
+                <a:srgbClr val="000000"/>
+              </a:buClr>
+              <a:buFont typeface="Arial"/>
+              <a:buChar char="•"/>
+            </a:pPr>
+            <a:r>
+              <a:rPr lang="en-US" sz="2000" spc="-1" dirty="0">
+                <a:solidFill>
+                  <a:srgbClr val="000000"/>
+                </a:solidFill>
+                <a:latin typeface="+mj-lt"/>
+              </a:rPr>
+              <a:t>Refactor </a:t>
+            </a:r>
+            <a:r>
+              <a:rPr lang="en-US" sz="2000" spc="-1" dirty="0" err="1">
+                <a:solidFill>
+                  <a:srgbClr val="000000"/>
+                </a:solidFill>
+                <a:latin typeface="+mj-lt"/>
+              </a:rPr>
+              <a:t>api</a:t>
+            </a:r>
+            <a:r>
+              <a:rPr lang="en-US" sz="2000" spc="-1" dirty="0">
+                <a:solidFill>
+                  <a:srgbClr val="000000"/>
+                </a:solidFill>
+                <a:latin typeface="+mj-lt"/>
+              </a:rPr>
+              <a:t> code (profile loading, secure creds </a:t>
+            </a:r>
+            <a:r>
+              <a:rPr lang="en-US" sz="2000" spc="-1" dirty="0" err="1">
+                <a:solidFill>
+                  <a:srgbClr val="000000"/>
+                </a:solidFill>
+                <a:latin typeface="+mj-lt"/>
+              </a:rPr>
+              <a:t>init</a:t>
+            </a:r>
+            <a:r>
+              <a:rPr lang="en-US" sz="2000" spc="-1" dirty="0">
+                <a:solidFill>
+                  <a:srgbClr val="000000"/>
+                </a:solidFill>
+                <a:latin typeface="+mj-lt"/>
+              </a:rPr>
+              <a:t>, remove UI code) </a:t>
+            </a:r>
+            <a:endParaRPr lang="en-US" sz="2000" spc="-1" dirty="0" smtClean="0">
+              <a:solidFill>
+                <a:srgbClr val="000000"/>
+              </a:solidFill>
+              <a:latin typeface="+mj-lt"/>
+            </a:endParaRPr>
+          </a:p>
+          <a:p>
+            <a:pPr marL="914400" lvl="1" indent="-355320">
+              <a:spcBef>
+                <a:spcPts val="400"/>
+              </a:spcBef>
+              <a:buClr>
+                <a:srgbClr val="000000"/>
+              </a:buClr>
+              <a:buFont typeface="Arial"/>
+              <a:buChar char="•"/>
+            </a:pPr>
+            <a:r>
+              <a:rPr lang="en-US" sz="2000" spc="-1" dirty="0" smtClean="0">
+                <a:solidFill>
+                  <a:srgbClr val="000000"/>
+                </a:solidFill>
+                <a:latin typeface="+mj-lt"/>
+              </a:rPr>
+              <a:t>API </a:t>
+            </a:r>
+            <a:r>
+              <a:rPr lang="en-US" sz="2000" spc="-1" dirty="0">
+                <a:solidFill>
+                  <a:srgbClr val="000000"/>
+                </a:solidFill>
+                <a:latin typeface="+mj-lt"/>
+              </a:rPr>
+              <a:t>governance for </a:t>
+            </a:r>
+            <a:r>
+              <a:rPr lang="en-US" sz="2000" spc="-1" dirty="0" err="1">
+                <a:solidFill>
+                  <a:srgbClr val="000000"/>
+                </a:solidFill>
+                <a:latin typeface="+mj-lt"/>
+              </a:rPr>
+              <a:t>Zowe</a:t>
+            </a:r>
+            <a:r>
+              <a:rPr lang="en-US" sz="2000" spc="-1" dirty="0">
+                <a:solidFill>
+                  <a:srgbClr val="000000"/>
+                </a:solidFill>
+                <a:latin typeface="+mj-lt"/>
+              </a:rPr>
+              <a:t> committers (explore automation: e.g. search for the string “</a:t>
+            </a:r>
+            <a:r>
+              <a:rPr lang="en-US" sz="2000" spc="-1" dirty="0" err="1">
+                <a:solidFill>
+                  <a:srgbClr val="000000"/>
+                </a:solidFill>
+                <a:latin typeface="+mj-lt"/>
+              </a:rPr>
+              <a:t>zosmf</a:t>
+            </a:r>
+            <a:r>
+              <a:rPr lang="en-US" sz="2000" spc="-1" dirty="0">
+                <a:solidFill>
+                  <a:srgbClr val="000000"/>
+                </a:solidFill>
+                <a:latin typeface="+mj-lt"/>
+              </a:rPr>
+              <a:t>”, perhaps via </a:t>
+            </a:r>
+            <a:r>
+              <a:rPr lang="en-US" sz="2000" spc="-1" dirty="0" err="1">
+                <a:solidFill>
+                  <a:srgbClr val="000000"/>
+                </a:solidFill>
+                <a:latin typeface="+mj-lt"/>
+              </a:rPr>
+              <a:t>ESLint</a:t>
+            </a:r>
+            <a:r>
+              <a:rPr lang="en-US" sz="2000" spc="-1" dirty="0" smtClean="0">
+                <a:solidFill>
+                  <a:srgbClr val="000000"/>
+                </a:solidFill>
+                <a:latin typeface="+mj-lt"/>
+              </a:rPr>
+              <a:t>)</a:t>
+            </a:r>
+            <a:endParaRPr lang="en-US" sz="2000" spc="-1" dirty="0">
+              <a:solidFill>
+                <a:srgbClr val="000000"/>
+              </a:solidFill>
+              <a:latin typeface="+mj-lt"/>
+            </a:endParaRPr>
+          </a:p>
+          <a:p>
+            <a:pPr marL="457200" indent="-355320">
+              <a:spcBef>
+                <a:spcPts val="400"/>
+              </a:spcBef>
+              <a:buClr>
+                <a:srgbClr val="000000"/>
+              </a:buClr>
+              <a:buFont typeface="Arial"/>
+              <a:buChar char="•"/>
+            </a:pPr>
+            <a:r>
+              <a:rPr lang="en-US" sz="2000" spc="-1" dirty="0" smtClean="0">
+                <a:solidFill>
+                  <a:srgbClr val="000000"/>
+                </a:solidFill>
+                <a:latin typeface="+mj-lt"/>
+              </a:rPr>
+              <a:t>Code </a:t>
+            </a:r>
+            <a:r>
+              <a:rPr lang="en-US" sz="2000" spc="-1" dirty="0">
+                <a:solidFill>
+                  <a:srgbClr val="000000"/>
+                </a:solidFill>
+                <a:latin typeface="+mj-lt"/>
+              </a:rPr>
+              <a:t>formatting and </a:t>
+            </a:r>
+            <a:r>
+              <a:rPr lang="en-US" sz="2000" spc="-1" dirty="0" err="1" smtClean="0">
+                <a:solidFill>
+                  <a:srgbClr val="000000"/>
+                </a:solidFill>
+                <a:latin typeface="+mj-lt"/>
+              </a:rPr>
+              <a:t>linting</a:t>
+            </a:r>
+            <a:r>
+              <a:rPr lang="en-US" sz="2000" spc="-1" dirty="0" smtClean="0">
+                <a:solidFill>
+                  <a:srgbClr val="000000"/>
+                </a:solidFill>
+                <a:latin typeface="+mj-lt"/>
+              </a:rPr>
+              <a:t> </a:t>
+            </a:r>
+            <a:r>
+              <a:rPr lang="en-US" sz="2000" spc="-1" dirty="0" smtClean="0">
+                <a:solidFill>
+                  <a:srgbClr val="000000"/>
+                </a:solidFill>
+                <a:latin typeface="+mj-lt"/>
+                <a:hlinkClick r:id="rId3"/>
+              </a:rPr>
+              <a:t>#438</a:t>
+            </a:r>
+            <a:endParaRPr lang="en-US" sz="2000" spc="-1" dirty="0">
+              <a:solidFill>
+                <a:srgbClr val="000000"/>
+              </a:solidFill>
+              <a:latin typeface="+mj-lt"/>
+            </a:endParaRPr>
+          </a:p>
+          <a:p>
+            <a:pPr marL="457200" indent="-355320">
+              <a:spcBef>
+                <a:spcPts val="400"/>
+              </a:spcBef>
+              <a:buClr>
+                <a:srgbClr val="000000"/>
+              </a:buClr>
+              <a:buFont typeface="Arial"/>
+              <a:buChar char="•"/>
+            </a:pPr>
+            <a:r>
+              <a:rPr lang="en-US" sz="2000" spc="-1" dirty="0" smtClean="0">
+                <a:solidFill>
+                  <a:srgbClr val="000000"/>
+                </a:solidFill>
+                <a:latin typeface="+mj-lt"/>
+              </a:rPr>
+              <a:t>Ensure </a:t>
+            </a:r>
+            <a:r>
+              <a:rPr lang="en-US" sz="2000" spc="-1" dirty="0">
+                <a:solidFill>
+                  <a:srgbClr val="000000"/>
+                </a:solidFill>
+                <a:latin typeface="+mj-lt"/>
+              </a:rPr>
+              <a:t>consistency for </a:t>
+            </a:r>
+            <a:r>
+              <a:rPr lang="en-US" sz="2000" spc="-1" dirty="0" smtClean="0">
+                <a:solidFill>
+                  <a:srgbClr val="000000"/>
+                </a:solidFill>
+                <a:latin typeface="+mj-lt"/>
+              </a:rPr>
+              <a:t>extenders</a:t>
+            </a:r>
+          </a:p>
+          <a:p>
+            <a:pPr marL="914400" lvl="1" indent="-355320">
+              <a:spcBef>
+                <a:spcPts val="400"/>
+              </a:spcBef>
+              <a:buClr>
+                <a:srgbClr val="000000"/>
+              </a:buClr>
+              <a:buFont typeface="Arial"/>
+              <a:buChar char="•"/>
+            </a:pPr>
+            <a:r>
+              <a:rPr lang="en-US" sz="2000" spc="-1" dirty="0">
+                <a:solidFill>
+                  <a:srgbClr val="000000"/>
+                </a:solidFill>
+                <a:latin typeface="+mj-lt"/>
+              </a:rPr>
+              <a:t>MVS </a:t>
+            </a:r>
+            <a:r>
+              <a:rPr lang="en-US" sz="2000" spc="-1" dirty="0" smtClean="0">
+                <a:solidFill>
+                  <a:srgbClr val="000000"/>
+                </a:solidFill>
+                <a:latin typeface="+mj-lt"/>
+              </a:rPr>
+              <a:t>functionality for </a:t>
+            </a:r>
+            <a:r>
+              <a:rPr lang="en-US" sz="2000" spc="-1" dirty="0">
+                <a:solidFill>
+                  <a:srgbClr val="000000"/>
+                </a:solidFill>
+                <a:latin typeface="+mj-lt"/>
+              </a:rPr>
+              <a:t>FTP </a:t>
+            </a:r>
+            <a:r>
+              <a:rPr lang="en-US" sz="2000" spc="-1" dirty="0" smtClean="0">
+                <a:solidFill>
+                  <a:srgbClr val="000000"/>
+                </a:solidFill>
+                <a:latin typeface="+mj-lt"/>
+              </a:rPr>
+              <a:t>Package </a:t>
+            </a:r>
+            <a:r>
+              <a:rPr lang="en-US" sz="2000" spc="-1" dirty="0" smtClean="0">
+                <a:solidFill>
+                  <a:srgbClr val="000000"/>
+                </a:solidFill>
+                <a:latin typeface="+mj-lt"/>
+                <a:hlinkClick r:id="rId4"/>
+              </a:rPr>
+              <a:t>#1027</a:t>
+            </a:r>
+            <a:endParaRPr lang="en-US" sz="2000" spc="-1" dirty="0">
+              <a:solidFill>
+                <a:srgbClr val="000000"/>
+              </a:solidFill>
+              <a:latin typeface="+mj-lt"/>
+            </a:endParaRPr>
+          </a:p>
+          <a:p>
+            <a:pPr marL="914400" lvl="1" indent="-355320">
+              <a:spcBef>
+                <a:spcPts val="400"/>
+              </a:spcBef>
+              <a:buClr>
+                <a:srgbClr val="000000"/>
+              </a:buClr>
+              <a:buFont typeface="Arial"/>
+              <a:buChar char="•"/>
+            </a:pPr>
+            <a:r>
+              <a:rPr lang="en-US" sz="2000" spc="-1" dirty="0">
+                <a:solidFill>
+                  <a:srgbClr val="000000"/>
+                </a:solidFill>
+                <a:latin typeface="+mj-lt"/>
+              </a:rPr>
+              <a:t>Test automation for FTP </a:t>
+            </a:r>
+            <a:r>
+              <a:rPr lang="en-US" sz="2000" spc="-1" dirty="0" smtClean="0">
+                <a:solidFill>
+                  <a:srgbClr val="000000"/>
+                </a:solidFill>
+                <a:latin typeface="+mj-lt"/>
+              </a:rPr>
+              <a:t>package </a:t>
+            </a:r>
+            <a:r>
+              <a:rPr lang="en-US" sz="2000" spc="-1" dirty="0" smtClean="0">
+                <a:solidFill>
+                  <a:srgbClr val="000000"/>
+                </a:solidFill>
+                <a:latin typeface="+mj-lt"/>
+                <a:hlinkClick r:id="rId5"/>
+              </a:rPr>
+              <a:t>#1028</a:t>
+            </a:r>
+            <a:endParaRPr lang="en-US" sz="2000" b="0" strike="noStrike" spc="-1" dirty="0">
+              <a:solidFill>
+                <a:srgbClr val="000000"/>
+              </a:solidFill>
+              <a:latin typeface="+mj-lt"/>
+            </a:endParaRPr>
+          </a:p>
+        </p:txBody>
+      </p:sp>
+    </p:spTree>
+    <p:extLst>
+      <p:ext uri="{BB962C8B-B14F-4D97-AF65-F5344CB8AC3E}">
+        <p14:creationId xmlns:p14="http://schemas.microsoft.com/office/powerpoint/2010/main" val="3345553095"/>
+      </p:ext>
+    </p:extLst>
+  </p:cSld>
+  <p:clrMapOvr>
+    <a:masterClrMapping/>
+  </p:clrMapOvr>
+  <p:transition spd="med">
+    <p:fade thruBlk="1"/>
+  </p:transition>
+  <p:timing>
+    <p:tnLst>
+      <p:par>
+        <p:cTn id="1" dur="indefinite" restart="never" nodeType="tmRoot">
+          <p:childTnLst>
+            <p:seq>
+              <p:cTn id="2" dur="indefinite" nodeType="mainSeq"/>
+              <p:prevCondLst>
+                <p:cond evt="onPrev" delay="0">
+                  <p:tgtEl>
+                    <p:sldTgt/>
+                  </p:tgtEl>
+                </p:cond>
+              </p:prevCondLst>
+              <p:nextCondLst>
+                <p:cond evt="onNext" delay="0">
+                  <p:tgtEl>
+                    <p:sldTgt/>
+                  </p:tgtEl>
+                </p:cond>
+              </p:nextCondLst>
+            </p:seq>
+          </p:childTnLst>
+        </p:cTn>
+      </p:par>
+    </p:tnLst>
+  </p:timing>
+</p:sld>
+</file>
+
+<file path=ppt/slides/slide25.xml><?xml version="1.0" encoding="utf-8"?>
+<p:sld xmlns:a="http://schemas.openxmlformats.org/drawingml/2006/main" xmlns:r="http://schemas.openxmlformats.org/officeDocument/2006/relationships" xmlns:p="http://schemas.openxmlformats.org/presentationml/2006/main">
+  <p:cSld>
+    <p:spTree>
+      <p:nvGrpSpPr>
+        <p:cNvPr id="1" name=""/>
+        <p:cNvGrpSpPr/>
+        <p:nvPr/>
+      </p:nvGrpSpPr>
+      <p:grpSpPr>
+        <a:xfrm>
+          <a:off x="0" y="0"/>
+          <a:ext cx="0" cy="0"/>
+          <a:chOff x="0" y="0"/>
+          <a:chExt cx="0" cy="0"/>
+        </a:xfrm>
+      </p:grpSpPr>
+      <p:sp>
+        <p:nvSpPr>
+          <p:cNvPr id="189" name="TextShape 1"/>
+          <p:cNvSpPr txBox="1"/>
+          <p:nvPr/>
+        </p:nvSpPr>
+        <p:spPr>
+          <a:xfrm>
+            <a:off x="334080" y="159480"/>
+            <a:ext cx="7893720" cy="447120"/>
+          </a:xfrm>
+          <a:prstGeom prst="rect">
+            <a:avLst/>
+          </a:prstGeom>
+          <a:noFill/>
+          <a:ln>
+            <a:noFill/>
+          </a:ln>
+        </p:spPr>
+        <p:txBody>
+          <a:bodyPr tIns="91440" bIns="91440" anchor="ctr">
+            <a:noAutofit/>
+          </a:bodyPr>
+          <a:lstStyle/>
+          <a:p>
+            <a:pPr>
+              <a:lnSpc>
+                <a:spcPct val="100000"/>
+              </a:lnSpc>
+            </a:pPr>
+            <a:r>
+              <a:rPr lang="en-US" sz="2800" b="0" strike="noStrike" spc="-1" dirty="0" smtClean="0">
+                <a:solidFill>
+                  <a:srgbClr val="262626"/>
+                </a:solidFill>
+                <a:latin typeface="Arial" panose="020B0604020202020204" pitchFamily="34" charset="0"/>
+                <a:ea typeface="Gill Sans"/>
+                <a:cs typeface="Arial" panose="020B0604020202020204" pitchFamily="34" charset="0"/>
+              </a:rPr>
+              <a:t>Explorer – Improve User Experience</a:t>
+            </a:r>
+            <a:endParaRPr lang="en-US" sz="2800" b="0" strike="noStrike" spc="-1" dirty="0">
+              <a:solidFill>
+                <a:srgbClr val="000000"/>
+              </a:solidFill>
+              <a:latin typeface="Arial" panose="020B0604020202020204" pitchFamily="34" charset="0"/>
+              <a:cs typeface="Arial" panose="020B0604020202020204" pitchFamily="34" charset="0"/>
+            </a:endParaRPr>
+          </a:p>
+        </p:txBody>
+      </p:sp>
+      <p:sp>
+        <p:nvSpPr>
+          <p:cNvPr id="190" name="TextShape 2"/>
+          <p:cNvSpPr txBox="1"/>
+          <p:nvPr/>
+        </p:nvSpPr>
+        <p:spPr>
+          <a:xfrm>
+            <a:off x="336600" y="672825"/>
+            <a:ext cx="8349840" cy="4177800"/>
+          </a:xfrm>
+          <a:prstGeom prst="rect">
+            <a:avLst/>
+          </a:prstGeom>
+          <a:noFill/>
+          <a:ln>
+            <a:noFill/>
+          </a:ln>
+        </p:spPr>
+        <p:txBody>
+          <a:bodyPr tIns="91440" bIns="91440">
+            <a:noAutofit/>
+          </a:bodyPr>
+          <a:lstStyle/>
+          <a:p>
+            <a:pPr marL="457200" indent="-355320">
+              <a:lnSpc>
+                <a:spcPct val="100000"/>
+              </a:lnSpc>
+              <a:spcBef>
+                <a:spcPts val="400"/>
+              </a:spcBef>
+              <a:buClr>
+                <a:srgbClr val="000000"/>
+              </a:buClr>
+              <a:buFont typeface="Arial"/>
+              <a:buChar char="•"/>
+            </a:pPr>
+            <a:r>
+              <a:rPr lang="en-US" sz="2000" spc="-1" dirty="0" smtClean="0">
+                <a:solidFill>
+                  <a:srgbClr val="000000"/>
+                </a:solidFill>
+                <a:latin typeface="+mj-lt"/>
+              </a:rPr>
+              <a:t>Profile </a:t>
+            </a:r>
+            <a:r>
+              <a:rPr lang="en-US" sz="2000" spc="-1" dirty="0">
+                <a:solidFill>
+                  <a:srgbClr val="000000"/>
+                </a:solidFill>
+                <a:latin typeface="+mj-lt"/>
+              </a:rPr>
+              <a:t>manager </a:t>
+            </a:r>
+            <a:r>
+              <a:rPr lang="en-US" sz="2000" spc="-1" dirty="0" smtClean="0">
+                <a:solidFill>
+                  <a:srgbClr val="000000"/>
+                </a:solidFill>
+                <a:latin typeface="+mj-lt"/>
+              </a:rPr>
+              <a:t>development </a:t>
+            </a:r>
+            <a:r>
+              <a:rPr lang="en-US" sz="2000" spc="-1" dirty="0" smtClean="0">
+                <a:solidFill>
+                  <a:srgbClr val="000000"/>
+                </a:solidFill>
+                <a:latin typeface="+mj-lt"/>
+                <a:hlinkClick r:id="rId2"/>
+              </a:rPr>
+              <a:t>#423</a:t>
+            </a:r>
+            <a:endParaRPr lang="en-US" sz="2000" spc="-1" dirty="0" smtClean="0">
+              <a:solidFill>
+                <a:srgbClr val="000000"/>
+              </a:solidFill>
+              <a:latin typeface="+mj-lt"/>
+            </a:endParaRPr>
+          </a:p>
+          <a:p>
+            <a:pPr marL="457200" indent="-355320">
+              <a:lnSpc>
+                <a:spcPct val="100000"/>
+              </a:lnSpc>
+              <a:spcBef>
+                <a:spcPts val="400"/>
+              </a:spcBef>
+              <a:buClr>
+                <a:srgbClr val="000000"/>
+              </a:buClr>
+              <a:buFont typeface="Arial"/>
+              <a:buChar char="•"/>
+            </a:pPr>
+            <a:r>
+              <a:rPr lang="en-US" sz="2000" spc="-1" dirty="0" smtClean="0">
+                <a:solidFill>
+                  <a:srgbClr val="000000"/>
+                </a:solidFill>
+                <a:latin typeface="+mj-lt"/>
+              </a:rPr>
+              <a:t>Profile type annotation </a:t>
+            </a:r>
+            <a:r>
+              <a:rPr lang="en-US" sz="2000" spc="-1" dirty="0" smtClean="0">
+                <a:solidFill>
+                  <a:srgbClr val="000000"/>
+                </a:solidFill>
+                <a:latin typeface="+mj-lt"/>
+                <a:hlinkClick r:id="rId3"/>
+              </a:rPr>
+              <a:t>#1025</a:t>
+            </a:r>
+            <a:endParaRPr lang="en-US" sz="2000" spc="-1" dirty="0" smtClean="0">
+              <a:solidFill>
+                <a:srgbClr val="000000"/>
+              </a:solidFill>
+              <a:latin typeface="+mj-lt"/>
+            </a:endParaRPr>
+          </a:p>
+          <a:p>
+            <a:pPr marL="457200" indent="-355320">
+              <a:lnSpc>
+                <a:spcPct val="100000"/>
+              </a:lnSpc>
+              <a:spcBef>
+                <a:spcPts val="400"/>
+              </a:spcBef>
+              <a:buClr>
+                <a:srgbClr val="000000"/>
+              </a:buClr>
+              <a:buFont typeface="Arial"/>
+              <a:buChar char="•"/>
+            </a:pPr>
+            <a:r>
+              <a:rPr lang="en-US" sz="2000" spc="-1" dirty="0">
+                <a:solidFill>
+                  <a:srgbClr val="000000"/>
+                </a:solidFill>
+                <a:latin typeface="+mj-lt"/>
+              </a:rPr>
+              <a:t>Filter partitioned data sets by </a:t>
+            </a:r>
+            <a:r>
+              <a:rPr lang="en-US" sz="2000" spc="-1" dirty="0" smtClean="0">
+                <a:solidFill>
+                  <a:srgbClr val="000000"/>
+                </a:solidFill>
+                <a:latin typeface="+mj-lt"/>
+              </a:rPr>
+              <a:t>pattern </a:t>
+            </a:r>
+            <a:r>
+              <a:rPr lang="en-US" sz="2000" spc="-1" dirty="0" smtClean="0">
+                <a:solidFill>
+                  <a:srgbClr val="000000"/>
+                </a:solidFill>
+                <a:latin typeface="+mj-lt"/>
+                <a:hlinkClick r:id="rId4"/>
+              </a:rPr>
+              <a:t>#868</a:t>
+            </a:r>
+            <a:endParaRPr lang="en-US" sz="2000" spc="-1" dirty="0" smtClean="0">
+              <a:solidFill>
+                <a:srgbClr val="000000"/>
+              </a:solidFill>
+              <a:latin typeface="+mj-lt"/>
+            </a:endParaRPr>
+          </a:p>
+          <a:p>
+            <a:pPr marL="457200" indent="-355320">
+              <a:lnSpc>
+                <a:spcPct val="100000"/>
+              </a:lnSpc>
+              <a:spcBef>
+                <a:spcPts val="400"/>
+              </a:spcBef>
+              <a:buClr>
+                <a:srgbClr val="000000"/>
+              </a:buClr>
+              <a:buFont typeface="Arial"/>
+              <a:buChar char="•"/>
+            </a:pPr>
+            <a:r>
+              <a:rPr lang="en-US" sz="2000" spc="-1" dirty="0">
+                <a:solidFill>
+                  <a:srgbClr val="000000"/>
+                </a:solidFill>
+              </a:rPr>
+              <a:t>Refactor </a:t>
+            </a:r>
+            <a:r>
+              <a:rPr lang="en-US" sz="2000" spc="-1" dirty="0" smtClean="0">
+                <a:solidFill>
+                  <a:srgbClr val="000000"/>
+                </a:solidFill>
+              </a:rPr>
+              <a:t>profile APIs (</a:t>
+            </a:r>
+            <a:r>
+              <a:rPr lang="en-US" sz="2000" spc="-1" dirty="0" err="1" smtClean="0">
+                <a:solidFill>
+                  <a:srgbClr val="000000"/>
+                </a:solidFill>
+              </a:rPr>
+              <a:t>Profiles.ts</a:t>
+            </a:r>
+            <a:r>
+              <a:rPr lang="en-US" sz="2000" spc="-1" dirty="0" smtClean="0">
+                <a:solidFill>
+                  <a:srgbClr val="000000"/>
+                </a:solidFill>
+              </a:rPr>
+              <a:t>) </a:t>
+            </a:r>
+            <a:r>
+              <a:rPr lang="en-US" sz="2000" spc="-1" dirty="0">
+                <a:solidFill>
+                  <a:srgbClr val="000000"/>
+                </a:solidFill>
+              </a:rPr>
+              <a:t>to address significant </a:t>
+            </a:r>
+            <a:r>
+              <a:rPr lang="en-US" sz="2000" spc="-1" dirty="0" smtClean="0">
+                <a:solidFill>
+                  <a:srgbClr val="000000"/>
+                </a:solidFill>
+              </a:rPr>
+              <a:t>issues </a:t>
+            </a:r>
+            <a:r>
+              <a:rPr lang="en-US" sz="2000" spc="-1" dirty="0" smtClean="0">
+                <a:solidFill>
+                  <a:srgbClr val="000000"/>
+                </a:solidFill>
+                <a:hlinkClick r:id="rId5"/>
+              </a:rPr>
+              <a:t>#1000</a:t>
+            </a:r>
+            <a:endParaRPr lang="en-US" sz="2000" spc="-1" dirty="0">
+              <a:solidFill>
+                <a:srgbClr val="000000"/>
+              </a:solidFill>
+            </a:endParaRPr>
+          </a:p>
+          <a:p>
+            <a:pPr marL="914400" lvl="1" indent="-355320">
+              <a:spcBef>
+                <a:spcPts val="400"/>
+              </a:spcBef>
+              <a:buClr>
+                <a:srgbClr val="000000"/>
+              </a:buClr>
+              <a:buFont typeface="Arial"/>
+              <a:buChar char="•"/>
+            </a:pPr>
+            <a:r>
+              <a:rPr lang="en-US" sz="2000" spc="-1" dirty="0">
+                <a:solidFill>
+                  <a:srgbClr val="000000"/>
+                </a:solidFill>
+              </a:rPr>
+              <a:t>Empty fields in profiles (user and password) </a:t>
+            </a:r>
+            <a:r>
+              <a:rPr lang="en-US" sz="2000" spc="-1" dirty="0" smtClean="0">
+                <a:solidFill>
+                  <a:srgbClr val="000000"/>
+                </a:solidFill>
+              </a:rPr>
+              <a:t>bug</a:t>
+            </a:r>
+          </a:p>
+          <a:p>
+            <a:pPr marL="914400" lvl="1" indent="-355320">
+              <a:spcBef>
+                <a:spcPts val="400"/>
+              </a:spcBef>
+              <a:buClr>
+                <a:srgbClr val="000000"/>
+              </a:buClr>
+              <a:buFont typeface="Arial"/>
+              <a:buChar char="•"/>
+            </a:pPr>
+            <a:r>
+              <a:rPr lang="en-US" sz="2000" spc="-1" dirty="0" smtClean="0">
+                <a:solidFill>
+                  <a:srgbClr val="000000"/>
+                </a:solidFill>
+              </a:rPr>
+              <a:t>First </a:t>
+            </a:r>
+            <a:r>
+              <a:rPr lang="en-US" sz="2000" spc="-1" dirty="0">
+                <a:solidFill>
+                  <a:srgbClr val="000000"/>
+                </a:solidFill>
+              </a:rPr>
+              <a:t>profile not created as </a:t>
+            </a:r>
+            <a:r>
+              <a:rPr lang="en-US" sz="2000" spc="-1" dirty="0" smtClean="0">
+                <a:solidFill>
+                  <a:srgbClr val="000000"/>
+                </a:solidFill>
+              </a:rPr>
+              <a:t>default (Impacts CLI users)</a:t>
+            </a:r>
+          </a:p>
+          <a:p>
+            <a:pPr marL="457200" indent="-355320">
+              <a:spcBef>
+                <a:spcPts val="400"/>
+              </a:spcBef>
+              <a:buClr>
+                <a:srgbClr val="000000"/>
+              </a:buClr>
+              <a:buFont typeface="Arial"/>
+              <a:buChar char="•"/>
+            </a:pPr>
+            <a:r>
+              <a:rPr lang="en-US" sz="2000" spc="-1" dirty="0" smtClean="0">
+                <a:solidFill>
+                  <a:srgbClr val="000000"/>
+                </a:solidFill>
+              </a:rPr>
+              <a:t>Filter partitioned datasets by pattern </a:t>
+            </a:r>
+            <a:r>
+              <a:rPr lang="en-US" sz="2000" spc="-1" dirty="0" smtClean="0">
+                <a:solidFill>
+                  <a:srgbClr val="000000"/>
+                </a:solidFill>
+                <a:hlinkClick r:id="rId4"/>
+              </a:rPr>
+              <a:t>#868</a:t>
+            </a:r>
+            <a:endParaRPr lang="en-US" sz="2000" spc="-1" dirty="0" smtClean="0">
+              <a:solidFill>
+                <a:srgbClr val="000000"/>
+              </a:solidFill>
+            </a:endParaRPr>
+          </a:p>
+          <a:p>
+            <a:pPr marL="457200" indent="-355320">
+              <a:spcBef>
+                <a:spcPts val="400"/>
+              </a:spcBef>
+              <a:buClr>
+                <a:srgbClr val="000000"/>
+              </a:buClr>
+              <a:buFont typeface="Arial"/>
+              <a:buChar char="•"/>
+            </a:pPr>
+            <a:r>
+              <a:rPr lang="en-US" sz="2000" spc="-1" dirty="0">
+                <a:solidFill>
+                  <a:srgbClr val="000000"/>
+                </a:solidFill>
+              </a:rPr>
+              <a:t>Allow for multiple selection and deletion of jobs, members etc</a:t>
+            </a:r>
+            <a:r>
+              <a:rPr lang="en-US" sz="2000" spc="-1" dirty="0" smtClean="0">
+                <a:solidFill>
+                  <a:srgbClr val="000000"/>
+                </a:solidFill>
+              </a:rPr>
+              <a:t>. </a:t>
+            </a:r>
+            <a:r>
+              <a:rPr lang="en-US" sz="2000" spc="-1" dirty="0" smtClean="0">
+                <a:solidFill>
+                  <a:srgbClr val="000000"/>
+                </a:solidFill>
+                <a:hlinkClick r:id="rId6"/>
+              </a:rPr>
+              <a:t>#224</a:t>
+            </a:r>
+            <a:endParaRPr lang="en-US" sz="2000" spc="-1" dirty="0">
+              <a:solidFill>
+                <a:srgbClr val="000000"/>
+              </a:solidFill>
+            </a:endParaRPr>
+          </a:p>
+          <a:p>
+            <a:pPr marL="457200" indent="-355320">
+              <a:lnSpc>
+                <a:spcPct val="100000"/>
+              </a:lnSpc>
+              <a:spcBef>
+                <a:spcPts val="400"/>
+              </a:spcBef>
+              <a:buClr>
+                <a:srgbClr val="000000"/>
+              </a:buClr>
+              <a:buFont typeface="Arial"/>
+              <a:buChar char="•"/>
+            </a:pPr>
+            <a:endParaRPr lang="en-US" sz="2000" spc="-1" dirty="0" smtClean="0">
+              <a:solidFill>
+                <a:srgbClr val="000000"/>
+              </a:solidFill>
+              <a:latin typeface="+mj-lt"/>
+            </a:endParaRPr>
+          </a:p>
+        </p:txBody>
+      </p:sp>
+    </p:spTree>
+    <p:extLst>
+      <p:ext uri="{BB962C8B-B14F-4D97-AF65-F5344CB8AC3E}">
+        <p14:creationId xmlns:p14="http://schemas.microsoft.com/office/powerpoint/2010/main" val="3139094903"/>
+      </p:ext>
+    </p:extLst>
+  </p:cSld>
+  <p:clrMapOvr>
+    <a:masterClrMapping/>
+  </p:clrMapOvr>
+  <p:transition spd="med">
+    <p:fade thruBlk="1"/>
+  </p:transition>
+  <p:timing>
+    <p:tnLst>
+      <p:par>
+        <p:cTn id="1" dur="indefinite" restart="never" nodeType="tmRoot">
+          <p:childTnLst>
+            <p:seq>
+              <p:cTn id="2" dur="indefinite" nodeType="mainSeq"/>
+              <p:prevCondLst>
+                <p:cond evt="onPrev" delay="0">
+                  <p:tgtEl>
+                    <p:sldTgt/>
+                  </p:tgtEl>
+                </p:cond>
+              </p:prevCondLst>
+              <p:nextCondLst>
+                <p:cond evt="onNext" delay="0">
+                  <p:tgtEl>
+                    <p:sldTgt/>
+                  </p:tgtEl>
+                </p:cond>
+              </p:nextCondLst>
+            </p:seq>
+          </p:childTnLst>
+        </p:cTn>
+      </p:par>
+    </p:tnLst>
+  </p:timing>
+</p:sld>
+</file>
+
+<file path=ppt/slides/slide26.xml><?xml version="1.0" encoding="utf-8"?>
+<p:sld xmlns:a="http://schemas.openxmlformats.org/drawingml/2006/main" xmlns:r="http://schemas.openxmlformats.org/officeDocument/2006/relationships" xmlns:p="http://schemas.openxmlformats.org/presentationml/2006/main">
+  <p:cSld>
+    <p:spTree>
+      <p:nvGrpSpPr>
+        <p:cNvPr id="1" name=""/>
+        <p:cNvGrpSpPr/>
+        <p:nvPr/>
+      </p:nvGrpSpPr>
+      <p:grpSpPr>
+        <a:xfrm>
+          <a:off x="0" y="0"/>
+          <a:ext cx="0" cy="0"/>
+          <a:chOff x="0" y="0"/>
+          <a:chExt cx="0" cy="0"/>
+        </a:xfrm>
+      </p:grpSpPr>
+      <p:sp>
+        <p:nvSpPr>
+          <p:cNvPr id="188" name="TextShape 1"/>
+          <p:cNvSpPr txBox="1"/>
+          <p:nvPr/>
+        </p:nvSpPr>
+        <p:spPr>
+          <a:xfrm>
+            <a:off x="308520" y="3525840"/>
+            <a:ext cx="6446160" cy="392040"/>
+          </a:xfrm>
+          <a:prstGeom prst="rect">
+            <a:avLst/>
+          </a:prstGeom>
+          <a:noFill/>
+          <a:ln>
+            <a:noFill/>
+          </a:ln>
+        </p:spPr>
+        <p:txBody>
+          <a:bodyPr lIns="0" tIns="0" rIns="0" bIns="0" anchor="b">
+            <a:noAutofit/>
+          </a:bodyPr>
+          <a:lstStyle/>
+          <a:p>
+            <a:pPr marL="457200" indent="-228240">
+              <a:lnSpc>
+                <a:spcPct val="85000"/>
+              </a:lnSpc>
+              <a:spcBef>
+                <a:spcPts val="901"/>
+              </a:spcBef>
+            </a:pPr>
+            <a:r>
+              <a:rPr lang="en-US" sz="3000" b="1" strike="noStrike" spc="-1" dirty="0">
+                <a:solidFill>
+                  <a:srgbClr val="000000"/>
+                </a:solidFill>
+                <a:latin typeface="Arial"/>
+                <a:ea typeface="Arial"/>
+              </a:rPr>
+              <a:t>TBD Squad Focus</a:t>
+            </a:r>
+            <a:endParaRPr lang="en-US" sz="3000" b="0" strike="noStrike" spc="-1" dirty="0">
+              <a:solidFill>
+                <a:srgbClr val="000000"/>
+              </a:solidFill>
+              <a:latin typeface="Arial"/>
+            </a:endParaRPr>
+          </a:p>
+          <a:p>
+            <a:pPr marL="457200" indent="-228240">
+              <a:lnSpc>
+                <a:spcPct val="85000"/>
+              </a:lnSpc>
+              <a:spcBef>
+                <a:spcPts val="901"/>
+              </a:spcBef>
+            </a:pPr>
+            <a:r>
+              <a:rPr lang="en-US" sz="2000" b="1" strike="noStrike" spc="-1" dirty="0">
+                <a:solidFill>
+                  <a:srgbClr val="000000"/>
+                </a:solidFill>
+                <a:latin typeface="Arial"/>
+                <a:ea typeface="Arial"/>
+              </a:rPr>
+              <a:t>TBD (Squad Lead)</a:t>
+            </a:r>
+            <a:endParaRPr lang="en-US" sz="2000" b="0" strike="noStrike" spc="-1" dirty="0">
+              <a:solidFill>
+                <a:srgbClr val="000000"/>
+              </a:solidFill>
+              <a:latin typeface="Arial"/>
+            </a:endParaRPr>
+          </a:p>
+        </p:txBody>
+      </p:sp>
+    </p:spTree>
+    <p:extLst>
+      <p:ext uri="{BB962C8B-B14F-4D97-AF65-F5344CB8AC3E}">
+        <p14:creationId xmlns:p14="http://schemas.microsoft.com/office/powerpoint/2010/main" val="1515099386"/>
+      </p:ext>
+    </p:extLst>
+  </p:cSld>
+  <p:clrMapOvr>
+    <a:masterClrMapping/>
+  </p:clrMapOvr>
+  <p:transition spd="med">
+    <p:fade/>
+  </p:transition>
+  <p:timing>
+    <p:tnLst>
+      <p:par>
+        <p:cTn id="1" dur="indefinite" restart="never" nodeType="tmRoot">
+          <p:childTnLst>
+            <p:seq>
+              <p:cTn id="2" dur="indefinite" nodeType="mainSeq"/>
+              <p:prevCondLst>
+                <p:cond evt="onPrev" delay="0">
+                  <p:tgtEl>
+                    <p:sldTgt/>
+                  </p:tgtEl>
+                </p:cond>
+              </p:prevCondLst>
+              <p:nextCondLst>
+                <p:cond evt="onNext" delay="0">
+                  <p:tgtEl>
+                    <p:sldTgt/>
+                  </p:tgtEl>
+                </p:cond>
+              </p:nextCondLst>
+            </p:seq>
+          </p:childTnLst>
+        </p:cTn>
+      </p:par>
+    </p:tnLst>
+  </p:timing>
+</p:sld>
+</file>
+
+<file path=ppt/slides/slide27.xml><?xml version="1.0" encoding="utf-8"?>
+<p:sld xmlns:a="http://schemas.openxmlformats.org/drawingml/2006/main" xmlns:r="http://schemas.openxmlformats.org/officeDocument/2006/relationships" xmlns:p="http://schemas.openxmlformats.org/presentationml/2006/main">
+  <p:cSld>
+    <p:spTree>
+      <p:nvGrpSpPr>
+        <p:cNvPr id="1" name=""/>
+        <p:cNvGrpSpPr/>
+        <p:nvPr/>
+      </p:nvGrpSpPr>
+      <p:grpSpPr>
+        <a:xfrm>
+          <a:off x="0" y="0"/>
+          <a:ext cx="0" cy="0"/>
+          <a:chOff x="0" y="0"/>
+          <a:chExt cx="0" cy="0"/>
+        </a:xfrm>
+      </p:grpSpPr>
+      <p:sp>
+        <p:nvSpPr>
+          <p:cNvPr id="189" name="TextShape 1"/>
+          <p:cNvSpPr txBox="1"/>
+          <p:nvPr/>
+        </p:nvSpPr>
+        <p:spPr>
+          <a:xfrm>
+            <a:off x="334080" y="159480"/>
+            <a:ext cx="7893720" cy="447120"/>
+          </a:xfrm>
+          <a:prstGeom prst="rect">
+            <a:avLst/>
+          </a:prstGeom>
+          <a:noFill/>
+          <a:ln>
+            <a:noFill/>
+          </a:ln>
+        </p:spPr>
+        <p:txBody>
+          <a:bodyPr tIns="91440" bIns="91440" anchor="ctr">
+            <a:noAutofit/>
+          </a:bodyPr>
+          <a:lstStyle/>
+          <a:p>
+            <a:pPr>
+              <a:lnSpc>
+                <a:spcPct val="100000"/>
+              </a:lnSpc>
+            </a:pPr>
+            <a:r>
+              <a:rPr lang="en-US" sz="2600" b="0" strike="noStrike" spc="-1" dirty="0">
+                <a:solidFill>
+                  <a:srgbClr val="262626"/>
+                </a:solidFill>
+                <a:latin typeface="Gill Sans"/>
+                <a:ea typeface="Gill Sans"/>
+              </a:rPr>
+              <a:t>Title</a:t>
+            </a:r>
+            <a:endParaRPr lang="en-US" sz="2600" b="0" strike="noStrike" spc="-1" dirty="0">
+              <a:solidFill>
+                <a:srgbClr val="000000"/>
+              </a:solidFill>
+              <a:latin typeface="Arial"/>
+            </a:endParaRPr>
+          </a:p>
+        </p:txBody>
+      </p:sp>
+      <p:sp>
+        <p:nvSpPr>
+          <p:cNvPr id="190" name="TextShape 2"/>
+          <p:cNvSpPr txBox="1"/>
+          <p:nvPr/>
+        </p:nvSpPr>
+        <p:spPr>
+          <a:xfrm>
+            <a:off x="336600" y="682920"/>
+            <a:ext cx="8349840" cy="4177800"/>
+          </a:xfrm>
+          <a:prstGeom prst="rect">
+            <a:avLst/>
+          </a:prstGeom>
+          <a:noFill/>
+          <a:ln>
+            <a:noFill/>
+          </a:ln>
+        </p:spPr>
+        <p:txBody>
+          <a:bodyPr tIns="91440" bIns="91440">
+            <a:noAutofit/>
+          </a:bodyPr>
+          <a:lstStyle/>
+          <a:p>
+            <a:pPr marL="457200" indent="-355320">
+              <a:lnSpc>
+                <a:spcPct val="100000"/>
+              </a:lnSpc>
+              <a:spcBef>
+                <a:spcPts val="400"/>
+              </a:spcBef>
+              <a:buClr>
+                <a:srgbClr val="000000"/>
+              </a:buClr>
+              <a:buFont typeface="Arial"/>
+              <a:buChar char="•"/>
+            </a:pPr>
+            <a:r>
+              <a:rPr lang="en-US" sz="1800" b="0" strike="noStrike" spc="-1" dirty="0">
+                <a:solidFill>
+                  <a:srgbClr val="000000"/>
+                </a:solidFill>
+                <a:latin typeface="Gill Sans"/>
+                <a:ea typeface="Gill Sans"/>
+              </a:rPr>
+              <a:t>TBD</a:t>
+            </a:r>
+            <a:endParaRPr lang="en-US" sz="1600" b="0" strike="noStrike" spc="-1" dirty="0">
+              <a:solidFill>
+                <a:srgbClr val="000000"/>
+              </a:solidFill>
+              <a:latin typeface="Arial"/>
+            </a:endParaRPr>
+          </a:p>
+        </p:txBody>
+      </p:sp>
+    </p:spTree>
+    <p:extLst>
+      <p:ext uri="{BB962C8B-B14F-4D97-AF65-F5344CB8AC3E}">
+        <p14:creationId xmlns:p14="http://schemas.microsoft.com/office/powerpoint/2010/main" val="2500032759"/>
+      </p:ext>
+    </p:extLst>
+  </p:cSld>
+  <p:clrMapOvr>
+    <a:masterClrMapping/>
+  </p:clrMapOvr>
+  <p:transition spd="med">
+    <p:fade thruBlk="1"/>
   </p:transition>
   <p:timing>
     <p:tnLst>
@@ -14014,20 +16814,20 @@
               </a:lnSpc>
             </a:pPr>
             <a:r>
-              <a:rPr lang="en-US" sz="3000" b="0" strike="noStrike" spc="-1">
+              <a:rPr lang="en-US" sz="3000" b="0" strike="noStrike" spc="-1" dirty="0">
                 <a:solidFill>
                   <a:srgbClr val="262626"/>
                 </a:solidFill>
-                <a:latin typeface="Gill Sans"/>
+                <a:latin typeface="+mj-lt"/>
                 <a:ea typeface="Gill Sans"/>
               </a:rPr>
               <a:t>Agenda</a:t>
             </a:r>
-            <a:endParaRPr lang="en-US" sz="3000" b="0" strike="noStrike" spc="-1">
-              <a:solidFill>
-                <a:srgbClr val="000000"/>
-              </a:solidFill>
-              <a:latin typeface="Arial"/>
+            <a:endParaRPr lang="en-US" sz="3000" b="0" strike="noStrike" spc="-1" dirty="0">
+              <a:solidFill>
+                <a:srgbClr val="000000"/>
+              </a:solidFill>
+              <a:latin typeface="+mj-lt"/>
             </a:endParaRPr>
           </a:p>
         </p:txBody>
@@ -14071,20 +16871,20 @@
               <a:buChar char="•"/>
             </a:pPr>
             <a:r>
-              <a:rPr lang="en-US" sz="2000" b="0" strike="noStrike" spc="-1" dirty="0">
+              <a:rPr lang="en-US" sz="2000" b="0" strike="noStrike" spc="-1" dirty="0" smtClean="0">
                 <a:solidFill>
                   <a:srgbClr val="000000"/>
                 </a:solidFill>
-                <a:latin typeface="Gill Sans"/>
+                <a:latin typeface="+mj-lt"/>
                 <a:ea typeface="Gill Sans"/>
               </a:rPr>
-              <a:t>Squad 1 Focus</a:t>
+              <a:t>System Squad Focus</a:t>
             </a:r>
             <a:endParaRPr lang="en-US" sz="2000" b="0" strike="noStrike" spc="-1" dirty="0">
               <a:solidFill>
                 <a:srgbClr val="000000"/>
               </a:solidFill>
-              <a:latin typeface="Arial"/>
+              <a:latin typeface="+mj-lt"/>
             </a:endParaRPr>
           </a:p>
           <a:p>
@@ -14102,20 +16902,103 @@
               <a:buChar char="•"/>
             </a:pPr>
             <a:r>
-              <a:rPr lang="en-US" sz="2000" b="0" strike="noStrike" spc="-1" dirty="0">
+              <a:rPr lang="en-US" sz="2000" spc="-1" dirty="0" err="1" smtClean="0">
                 <a:solidFill>
                   <a:srgbClr val="000000"/>
                 </a:solidFill>
-                <a:latin typeface="Gill Sans"/>
-                <a:ea typeface="Gill Sans"/>
-              </a:rPr>
-              <a:t>Squad 2 Focus</a:t>
+                <a:latin typeface="+mj-lt"/>
+              </a:rPr>
+              <a:t>Zowe</a:t>
+            </a:r>
+            <a:r>
+              <a:rPr lang="en-US" sz="2000" spc="-1" dirty="0" smtClean="0">
+                <a:solidFill>
+                  <a:srgbClr val="000000"/>
+                </a:solidFill>
+                <a:latin typeface="+mj-lt"/>
+              </a:rPr>
+              <a:t> CLI Squad Focus</a:t>
+            </a:r>
+          </a:p>
+          <a:p>
+            <a:pPr marL="457200" indent="-355320">
+              <a:lnSpc>
+                <a:spcPct val="100000"/>
+              </a:lnSpc>
+              <a:spcBef>
+                <a:spcPts val="400"/>
+              </a:spcBef>
+              <a:buClr>
+                <a:srgbClr val="000000"/>
+              </a:buClr>
+              <a:buFont typeface="Arial"/>
+              <a:buChar char="•"/>
+            </a:pPr>
+            <a:r>
+              <a:rPr lang="en-US" sz="2000" b="0" strike="noStrike" spc="-1" dirty="0" err="1" smtClean="0">
+                <a:solidFill>
+                  <a:srgbClr val="000000"/>
+                </a:solidFill>
+                <a:latin typeface="+mj-lt"/>
+              </a:rPr>
+              <a:t>Zowe</a:t>
+            </a:r>
+            <a:r>
+              <a:rPr lang="en-US" sz="2000" b="0" strike="noStrike" spc="-1" dirty="0" smtClean="0">
+                <a:solidFill>
+                  <a:srgbClr val="000000"/>
+                </a:solidFill>
+                <a:latin typeface="+mj-lt"/>
+              </a:rPr>
+              <a:t> Onboarding Squad </a:t>
+            </a:r>
+            <a:r>
+              <a:rPr lang="en-US" sz="2000" b="0" strike="noStrike" spc="-1" dirty="0" smtClean="0">
+                <a:solidFill>
+                  <a:srgbClr val="000000"/>
+                </a:solidFill>
+                <a:latin typeface="+mj-lt"/>
+              </a:rPr>
+              <a:t>Focus</a:t>
+            </a:r>
+          </a:p>
+          <a:p>
+            <a:pPr marL="457200" indent="-355320">
+              <a:lnSpc>
+                <a:spcPct val="100000"/>
+              </a:lnSpc>
+              <a:spcBef>
+                <a:spcPts val="400"/>
+              </a:spcBef>
+              <a:buClr>
+                <a:srgbClr val="000000"/>
+              </a:buClr>
+              <a:buFont typeface="Arial"/>
+              <a:buChar char="•"/>
+            </a:pPr>
+            <a:r>
+              <a:rPr lang="en-US" sz="2000" spc="-1" dirty="0" err="1" smtClean="0">
+                <a:solidFill>
+                  <a:srgbClr val="000000"/>
+                </a:solidFill>
+                <a:latin typeface="+mj-lt"/>
+              </a:rPr>
+              <a:t>Zowe</a:t>
+            </a:r>
+            <a:r>
+              <a:rPr lang="en-US" sz="2000" spc="-1" dirty="0" smtClean="0">
+                <a:solidFill>
+                  <a:srgbClr val="000000"/>
+                </a:solidFill>
+                <a:latin typeface="+mj-lt"/>
+              </a:rPr>
+              <a:t> Explorer Squad Focus</a:t>
             </a:r>
             <a:endParaRPr lang="en-US" sz="2000" b="0" strike="noStrike" spc="-1" dirty="0">
               <a:solidFill>
                 <a:srgbClr val="000000"/>
               </a:solidFill>
-              <a:latin typeface="Arial"/>
+              <a:latin typeface="+mj-lt"/>
             </a:endParaRPr>
           </a:p>
           <a:p>
@@ -14429,20 +17312,20 @@
               </a:lnSpc>
             </a:pPr>
             <a:r>
-              <a:rPr lang="en-US" sz="3000" b="0" strike="noStrike" spc="-1">
+              <a:rPr lang="en-US" sz="3000" b="0" strike="noStrike" spc="-1" dirty="0">
                 <a:solidFill>
                   <a:srgbClr val="262626"/>
                 </a:solidFill>
-                <a:latin typeface="Gill Sans"/>
+                <a:latin typeface="+mj-lt"/>
                 <a:ea typeface="Gill Sans"/>
               </a:rPr>
               <a:t>Dependencies</a:t>
             </a:r>
-            <a:endParaRPr lang="en-US" sz="3000" b="0" strike="noStrike" spc="-1">
-              <a:solidFill>
-                <a:srgbClr val="000000"/>
-              </a:solidFill>
-              <a:latin typeface="Arial"/>
+            <a:endParaRPr lang="en-US" sz="3000" b="0" strike="noStrike" spc="-1" dirty="0">
+              <a:solidFill>
+                <a:srgbClr val="000000"/>
+              </a:solidFill>
+              <a:latin typeface="+mj-lt"/>
             </a:endParaRPr>
           </a:p>
         </p:txBody>
@@ -14490,7 +17373,7 @@
                 <a:solidFill>
                   <a:srgbClr val="000000"/>
                 </a:solidFill>
-                <a:latin typeface="Gill Sans" panose="020B0502020104020203" pitchFamily="34" charset="-79"/>
+                <a:latin typeface="+mj-lt"/>
                 <a:ea typeface="Gill Sans"/>
                 <a:cs typeface="Gill Sans" panose="020B0502020104020203" pitchFamily="34" charset="-79"/>
               </a:rPr>
@@ -14501,7 +17384,7 @@
                 <a:solidFill>
                   <a:srgbClr val="000000"/>
                 </a:solidFill>
-                <a:latin typeface="Gill Sans" panose="020B0502020104020203" pitchFamily="34" charset="-79"/>
+                <a:latin typeface="+mj-lt"/>
                 <a:ea typeface="Gill Sans"/>
                 <a:cs typeface="Gill Sans" panose="020B0502020104020203" pitchFamily="34" charset="-79"/>
               </a:rPr>
@@ -14524,7 +17407,7 @@
                 <a:solidFill>
                   <a:srgbClr val="000000"/>
                 </a:solidFill>
-                <a:latin typeface="Gill Sans" panose="020B0502020104020203" pitchFamily="34" charset="-79"/>
+                <a:latin typeface="+mj-lt"/>
                 <a:cs typeface="Gill Sans" panose="020B0502020104020203" pitchFamily="34" charset="-79"/>
               </a:rPr>
               <a:t>API ML Squad </a:t>
@@ -14534,7 +17417,7 @@
                 <a:solidFill>
                   <a:srgbClr val="000000"/>
                 </a:solidFill>
-                <a:latin typeface="Gill Sans" panose="020B0502020104020203" pitchFamily="34" charset="-79"/>
+                <a:latin typeface="+mj-lt"/>
                 <a:cs typeface="Gill Sans" panose="020B0502020104020203" pitchFamily="34" charset="-79"/>
               </a:rPr>
               <a:t>–</a:t>
@@ -14544,7 +17427,7 @@
                 <a:solidFill>
                   <a:srgbClr val="000000"/>
                 </a:solidFill>
-                <a:latin typeface="Gill Sans" panose="020B0502020104020203" pitchFamily="34" charset="-79"/>
+                <a:latin typeface="+mj-lt"/>
                 <a:cs typeface="Gill Sans" panose="020B0502020104020203" pitchFamily="34" charset="-79"/>
               </a:rPr>
               <a:t> Caching API,  APIML packaging, certificates, </a:t>
@@ -14554,7 +17437,7 @@
                 <a:solidFill>
                   <a:srgbClr val="000000"/>
                 </a:solidFill>
-                <a:latin typeface="Gill Sans" panose="020B0502020104020203" pitchFamily="34" charset="-79"/>
+                <a:latin typeface="+mj-lt"/>
                 <a:cs typeface="Gill Sans" panose="020B0502020104020203" pitchFamily="34" charset="-79"/>
               </a:rPr>
               <a:t>etc</a:t>
@@ -14563,7 +17446,7 @@
               <a:solidFill>
                 <a:srgbClr val="000000"/>
               </a:solidFill>
-              <a:latin typeface="Gill Sans" panose="020B0502020104020203" pitchFamily="34" charset="-79"/>
+              <a:latin typeface="+mj-lt"/>
               <a:cs typeface="Gill Sans" panose="020B0502020104020203" pitchFamily="34" charset="-79"/>
             </a:endParaRPr>
           </a:p>
@@ -14583,7 +17466,7 @@
                 <a:solidFill>
                   <a:srgbClr val="000000"/>
                 </a:solidFill>
-                <a:latin typeface="Gill Sans" panose="020B0502020104020203" pitchFamily="34" charset="-79"/>
+                <a:latin typeface="+mj-lt"/>
                 <a:cs typeface="Gill Sans" panose="020B0502020104020203" pitchFamily="34" charset="-79"/>
               </a:rPr>
               <a:t>Web UI Squad – Zowe Launcher, ZSS/ZIS improvements</a:t>
@@ -14605,7 +17488,7 @@
                 <a:solidFill>
                   <a:srgbClr val="000000"/>
                 </a:solidFill>
-                <a:latin typeface="Gill Sans" panose="020B0502020104020203" pitchFamily="34" charset="-79"/>
+                <a:latin typeface="+mj-lt"/>
                 <a:cs typeface="Gill Sans" panose="020B0502020104020203" pitchFamily="34" charset="-79"/>
               </a:rPr>
               <a:t>Docs Squad </a:t>
@@ -14615,7 +17498,7 @@
                 <a:solidFill>
                   <a:srgbClr val="000000"/>
                 </a:solidFill>
-                <a:latin typeface="Gill Sans" panose="020B0502020104020203" pitchFamily="34" charset="-79"/>
+                <a:latin typeface="+mj-lt"/>
                 <a:cs typeface="Gill Sans" panose="020B0502020104020203" pitchFamily="34" charset="-79"/>
               </a:rPr>
               <a:t>–</a:t>
@@ -14625,7 +17508,7 @@
                 <a:solidFill>
                   <a:srgbClr val="000000"/>
                 </a:solidFill>
-                <a:latin typeface="Gill Sans" panose="020B0502020104020203" pitchFamily="34" charset="-79"/>
+                <a:latin typeface="+mj-lt"/>
                 <a:cs typeface="Gill Sans" panose="020B0502020104020203" pitchFamily="34" charset="-79"/>
               </a:rPr>
               <a:t> improve documentation</a:t>
@@ -14646,7 +17529,7 @@
               <a:solidFill>
                 <a:srgbClr val="000000"/>
               </a:solidFill>
-              <a:latin typeface="Gill Sans" panose="020B0502020104020203" pitchFamily="34" charset="-79"/>
+              <a:latin typeface="+mj-lt"/>
               <a:cs typeface="Gill Sans" panose="020B0502020104020203" pitchFamily="34" charset="-79"/>
             </a:endParaRPr>
           </a:p>
@@ -14666,7 +17549,7 @@
                 <a:solidFill>
                   <a:srgbClr val="000000"/>
                 </a:solidFill>
-                <a:latin typeface="Gill Sans" panose="020B0502020104020203" pitchFamily="34" charset="-79"/>
+                <a:latin typeface="+mj-lt"/>
                 <a:cs typeface="Gill Sans" panose="020B0502020104020203" pitchFamily="34" charset="-79"/>
               </a:rPr>
               <a:t>Risks </a:t>
@@ -14676,7 +17559,7 @@
                 <a:solidFill>
                   <a:srgbClr val="000000"/>
                 </a:solidFill>
-                <a:latin typeface="Gill Sans" panose="020B0502020104020203" pitchFamily="34" charset="-79"/>
+                <a:latin typeface="+mj-lt"/>
                 <a:cs typeface="Gill Sans" panose="020B0502020104020203" pitchFamily="34" charset="-79"/>
               </a:rPr>
               <a:t>on </a:t>
@@ -14686,7 +17569,7 @@
                 <a:solidFill>
                   <a:srgbClr val="000000"/>
                 </a:solidFill>
-                <a:latin typeface="Gill Sans" panose="020B0502020104020203" pitchFamily="34" charset="-79"/>
+                <a:latin typeface="+mj-lt"/>
                 <a:cs typeface="Gill Sans" panose="020B0502020104020203" pitchFamily="34" charset="-79"/>
               </a:rPr>
               <a:t>Infrastructure</a:t>
@@ -14708,7 +17591,7 @@
                 <a:solidFill>
                   <a:srgbClr val="000000"/>
                 </a:solidFill>
-                <a:latin typeface="Gill Sans" panose="020B0502020104020203" pitchFamily="34" charset="-79"/>
+                <a:latin typeface="+mj-lt"/>
                 <a:cs typeface="Gill Sans" panose="020B0502020104020203" pitchFamily="34" charset="-79"/>
               </a:rPr>
               <a:t>We don’t have open infrastructure to </a:t>
@@ -14718,7 +17601,7 @@
                 <a:solidFill>
                   <a:srgbClr val="000000"/>
                 </a:solidFill>
-                <a:latin typeface="Gill Sans" panose="020B0502020104020203" pitchFamily="34" charset="-79"/>
+                <a:latin typeface="+mj-lt"/>
                 <a:cs typeface="Gill Sans" panose="020B0502020104020203" pitchFamily="34" charset="-79"/>
               </a:rPr>
               <a:t>test deployment on Sysplex.</a:t>
@@ -14727,7 +17610,7 @@
               <a:solidFill>
                 <a:srgbClr val="000000"/>
               </a:solidFill>
-              <a:latin typeface="Gill Sans" panose="020B0502020104020203" pitchFamily="34" charset="-79"/>
+              <a:latin typeface="+mj-lt"/>
               <a:cs typeface="Gill Sans" panose="020B0502020104020203" pitchFamily="34" charset="-79"/>
             </a:endParaRPr>
           </a:p>
@@ -14747,7 +17630,7 @@
                 <a:solidFill>
                   <a:srgbClr val="000000"/>
                 </a:solidFill>
-                <a:latin typeface="Gill Sans" panose="020B0502020104020203" pitchFamily="34" charset="-79"/>
+                <a:latin typeface="+mj-lt"/>
                 <a:cs typeface="Gill Sans" panose="020B0502020104020203" pitchFamily="34" charset="-79"/>
               </a:rPr>
               <a:t>Will rely on Broadcom’s experts and supports to verify deployment  on Sysplex with ACF2 and Top Secret.</a:t>
@@ -14756,7 +17639,7 @@
               <a:solidFill>
                 <a:srgbClr val="000000"/>
               </a:solidFill>
-              <a:latin typeface="Gill Sans" panose="020B0502020104020203" pitchFamily="34" charset="-79"/>
+              <a:latin typeface="+mj-lt"/>
               <a:cs typeface="Gill Sans" panose="020B0502020104020203" pitchFamily="34" charset="-79"/>
             </a:endParaRPr>
           </a:p>
@@ -14852,7 +17735,7 @@
                 <a:solidFill>
                   <a:srgbClr val="262626"/>
                 </a:solidFill>
-                <a:latin typeface="Gill Sans"/>
+                <a:latin typeface="+mj-lt"/>
                 <a:ea typeface="Gill Sans"/>
               </a:rPr>
               <a:t>Performance - Enhance Test Coverage</a:t>
@@ -14861,7 +17744,7 @@
               <a:solidFill>
                 <a:srgbClr val="000000"/>
               </a:solidFill>
-              <a:latin typeface="Arial"/>
+              <a:latin typeface="+mj-lt"/>
             </a:endParaRPr>
           </a:p>
         </p:txBody>
@@ -14875,7 +17758,7 @@
         <p:spPr>
           <a:xfrm>
             <a:off x="405518" y="774000"/>
-            <a:ext cx="8269762" cy="4147560"/>
+            <a:ext cx="8554608" cy="4147560"/>
           </a:xfrm>
           <a:prstGeom prst="rect">
             <a:avLst/>
@@ -14900,15 +17783,15 @@
               </a:spcBef>
             </a:pPr>
             <a:r>
-              <a:rPr lang="en-US" spc="-1" dirty="0">
-                <a:latin typeface="Gill Sans"/>
+              <a:rPr lang="en-US" sz="2000" spc="-1" dirty="0">
+                <a:latin typeface="+mj-lt"/>
                 <a:ea typeface="Gill Sans"/>
                 <a:hlinkClick r:id="rId3"/>
               </a:rPr>
               <a:t>Epic: Zowe Performance Test - Stage 2 - Enhance Test Coverage (2020PI4)</a:t>
             </a:r>
-            <a:endParaRPr lang="en-US" spc="-1" dirty="0">
-              <a:latin typeface="Gill Sans"/>
+            <a:endParaRPr lang="en-US" sz="2000" spc="-1" dirty="0">
+              <a:latin typeface="+mj-lt"/>
               <a:ea typeface="Gill Sans"/>
             </a:endParaRPr>
           </a:p>
@@ -14921,8 +17804,8 @@
                 <a:spcPts val="400"/>
               </a:spcBef>
             </a:pPr>
-            <a:endParaRPr lang="en-US" spc="-1" dirty="0">
-              <a:latin typeface="Gill Sans"/>
+            <a:endParaRPr lang="en-US" sz="1000" spc="-1" dirty="0">
+              <a:latin typeface="+mj-lt"/>
               <a:ea typeface="Gill Sans"/>
             </a:endParaRPr>
           </a:p>
@@ -14938,33 +17821,33 @@
               <a:buChar char="Ø"/>
             </a:pPr>
             <a:r>
-              <a:rPr lang="en-US" spc="-1" dirty="0">
-                <a:latin typeface="Gill Sans"/>
+              <a:rPr lang="en-US" sz="2000" spc="-1" dirty="0">
+                <a:latin typeface="+mj-lt"/>
                 <a:ea typeface="Gill Sans"/>
               </a:rPr>
               <a:t>Finalize primary and component-level test suites </a:t>
             </a:r>
             <a:r>
-              <a:rPr lang="en-US" sz="1000" i="1" spc="-1" dirty="0">
+              <a:rPr lang="en-US" sz="1050" i="1" spc="-1" dirty="0">
                 <a:solidFill>
                   <a:schemeClr val="tx1">
                     <a:lumMod val="50000"/>
                     <a:lumOff val="50000"/>
                   </a:schemeClr>
                 </a:solidFill>
-                <a:latin typeface="Gill Sans"/>
+                <a:latin typeface="+mj-lt"/>
                 <a:ea typeface="Gill Sans"/>
               </a:rPr>
               <a:t>Continue item from PI3</a:t>
             </a:r>
-            <a:endParaRPr lang="en-US" i="1" spc="-1" dirty="0">
+            <a:endParaRPr lang="en-US" sz="2000" i="1" spc="-1" dirty="0">
               <a:solidFill>
                 <a:schemeClr val="tx1">
                   <a:lumMod val="50000"/>
                   <a:lumOff val="50000"/>
                 </a:schemeClr>
               </a:solidFill>
-              <a:latin typeface="Gill Sans"/>
+              <a:latin typeface="+mj-lt"/>
               <a:ea typeface="Gill Sans"/>
             </a:endParaRPr>
           </a:p>
@@ -14977,15 +17860,15 @@
               <a:buChar char="v"/>
             </a:pPr>
             <a:r>
-              <a:rPr lang="en-US" spc="-1" dirty="0">
-                <a:latin typeface="Gill Sans"/>
+              <a:rPr lang="en-US" sz="2000" spc="-1" dirty="0">
+                <a:latin typeface="+mj-lt"/>
                 <a:ea typeface="Gill Sans"/>
                 <a:hlinkClick r:id="rId4"/>
               </a:rPr>
               <a:t>Create primary performance test suite</a:t>
             </a:r>
-            <a:endParaRPr lang="en-US" spc="-1" dirty="0">
-              <a:latin typeface="Gill Sans"/>
+            <a:endParaRPr lang="en-US" sz="2000" spc="-1" dirty="0">
+              <a:latin typeface="+mj-lt"/>
               <a:ea typeface="Gill Sans"/>
             </a:endParaRPr>
           </a:p>
@@ -14998,15 +17881,15 @@
               <a:buChar char="v"/>
             </a:pPr>
             <a:r>
-              <a:rPr lang="en-US" spc="-1" dirty="0">
-                <a:latin typeface="Gill Sans"/>
+              <a:rPr lang="en-US" sz="2000" spc="-1" dirty="0">
+                <a:latin typeface="+mj-lt"/>
                 <a:ea typeface="Gill Sans"/>
                 <a:hlinkClick r:id="rId5"/>
               </a:rPr>
               <a:t>Create dedicated performance test suite for APIML</a:t>
             </a:r>
-            <a:endParaRPr lang="en-US" spc="-1" dirty="0">
-              <a:latin typeface="Gill Sans"/>
+            <a:endParaRPr lang="en-US" sz="2000" spc="-1" dirty="0">
+              <a:latin typeface="+mj-lt"/>
               <a:ea typeface="Gill Sans"/>
             </a:endParaRPr>
           </a:p>
@@ -15019,15 +17902,15 @@
               <a:buChar char="v"/>
             </a:pPr>
             <a:r>
-              <a:rPr lang="en-US" spc="-1" dirty="0">
-                <a:latin typeface="Gill Sans"/>
+              <a:rPr lang="en-US" sz="2000" spc="-1" dirty="0">
+                <a:latin typeface="+mj-lt"/>
                 <a:ea typeface="Gill Sans"/>
                 <a:hlinkClick r:id="rId6"/>
               </a:rPr>
               <a:t>Create dedicated performance test suite for Explorer APIs</a:t>
             </a:r>
-            <a:endParaRPr lang="en-US" spc="-1" dirty="0">
-              <a:latin typeface="Gill Sans"/>
+            <a:endParaRPr lang="en-US" sz="2000" spc="-1" dirty="0">
+              <a:latin typeface="+mj-lt"/>
               <a:ea typeface="Gill Sans"/>
             </a:endParaRPr>
           </a:p>
@@ -15040,15 +17923,15 @@
               <a:buChar char="v"/>
             </a:pPr>
             <a:r>
-              <a:rPr lang="en-US" spc="-1" dirty="0">
-                <a:latin typeface="Gill Sans"/>
+              <a:rPr lang="en-US" sz="2000" spc="-1" dirty="0">
+                <a:latin typeface="+mj-lt"/>
                 <a:ea typeface="Gill Sans"/>
                 <a:hlinkClick r:id="rId7"/>
               </a:rPr>
               <a:t>Create dedicated performance test suite for Desktop</a:t>
             </a:r>
-            <a:endParaRPr lang="en-US" spc="-1" dirty="0">
-              <a:latin typeface="Gill Sans"/>
+            <a:endParaRPr lang="en-US" sz="2000" spc="-1" dirty="0">
+              <a:latin typeface="+mj-lt"/>
               <a:ea typeface="Gill Sans"/>
             </a:endParaRPr>
           </a:p>
@@ -15064,15 +17947,15 @@
               <a:buChar char="Ø"/>
             </a:pPr>
             <a:r>
-              <a:rPr lang="en-US" spc="-1" dirty="0">
-                <a:latin typeface="Gill Sans"/>
+              <a:rPr lang="en-US" sz="2000" spc="-1" dirty="0">
+                <a:latin typeface="+mj-lt"/>
                 <a:ea typeface="Gill Sans"/>
                 <a:hlinkClick r:id="rId8"/>
               </a:rPr>
               <a:t>Create dummy server for APIML testing</a:t>
             </a:r>
-            <a:endParaRPr lang="en-US" spc="-1" dirty="0">
-              <a:latin typeface="Gill Sans"/>
+            <a:endParaRPr lang="en-US" sz="2000" spc="-1" dirty="0">
+              <a:latin typeface="+mj-lt"/>
               <a:ea typeface="Gill Sans"/>
             </a:endParaRPr>
           </a:p>
@@ -15088,23 +17971,23 @@
               <a:buChar char="Ø"/>
             </a:pPr>
             <a:r>
-              <a:rPr lang="en-US" spc="-1" dirty="0">
-                <a:latin typeface="Gill Sans"/>
+              <a:rPr lang="en-US" sz="2000" spc="-1" dirty="0">
+                <a:latin typeface="+mj-lt"/>
                 <a:ea typeface="Gill Sans"/>
                 <a:hlinkClick r:id="rId9"/>
               </a:rPr>
               <a:t>Run Metrics Server off-</a:t>
             </a:r>
             <a:r>
-              <a:rPr lang="en-US" spc="-1" dirty="0" err="1">
-                <a:latin typeface="Gill Sans"/>
+              <a:rPr lang="en-US" sz="2000" spc="-1" dirty="0" err="1">
+                <a:latin typeface="+mj-lt"/>
                 <a:ea typeface="Gill Sans"/>
                 <a:hlinkClick r:id="rId9"/>
               </a:rPr>
               <a:t>zOS</a:t>
             </a:r>
-            <a:endParaRPr lang="en-US" spc="-1" dirty="0">
-              <a:latin typeface="Gill Sans"/>
+            <a:endParaRPr lang="en-US" sz="2000" spc="-1" dirty="0">
+              <a:latin typeface="+mj-lt"/>
               <a:ea typeface="Gill Sans"/>
             </a:endParaRPr>
           </a:p>
@@ -15120,15 +18003,15 @@
               <a:buChar char="Ø"/>
             </a:pPr>
             <a:r>
-              <a:rPr lang="en-US" spc="-1" dirty="0">
-                <a:latin typeface="Gill Sans"/>
+              <a:rPr lang="en-US" sz="2000" spc="-1" dirty="0">
+                <a:latin typeface="+mj-lt"/>
                 <a:ea typeface="Gill Sans"/>
                 <a:hlinkClick r:id="rId10"/>
               </a:rPr>
               <a:t>Add ability to test performance of different endpoints in parallel</a:t>
             </a:r>
-            <a:endParaRPr lang="en-US" spc="-1" dirty="0">
-              <a:latin typeface="Gill Sans"/>
+            <a:endParaRPr lang="en-US" sz="2000" spc="-1" dirty="0">
+              <a:latin typeface="+mj-lt"/>
               <a:ea typeface="Gill Sans"/>
             </a:endParaRPr>
           </a:p>
@@ -15144,15 +18027,15 @@
               <a:buChar char="Ø"/>
             </a:pPr>
             <a:r>
-              <a:rPr lang="en-US" spc="-1" dirty="0">
-                <a:latin typeface="Gill Sans"/>
+              <a:rPr lang="en-US" sz="2000" spc="-1" dirty="0">
+                <a:latin typeface="+mj-lt"/>
                 <a:ea typeface="Gill Sans"/>
                 <a:hlinkClick r:id="rId11"/>
               </a:rPr>
               <a:t>Validate test report with other methods</a:t>
             </a:r>
-            <a:endParaRPr lang="en-US" spc="-1" dirty="0">
-              <a:latin typeface="Gill Sans"/>
+            <a:endParaRPr lang="en-US" sz="2000" spc="-1" dirty="0">
+              <a:latin typeface="+mj-lt"/>
               <a:ea typeface="Gill Sans"/>
             </a:endParaRPr>
           </a:p>
@@ -15244,20 +18127,20 @@
               </a:lnSpc>
             </a:pPr>
             <a:r>
-              <a:rPr lang="en-US" sz="3000" spc="-1" dirty="0">
+              <a:rPr lang="en-US" sz="2800" spc="-1" dirty="0">
                 <a:solidFill>
                   <a:srgbClr val="262626"/>
                 </a:solidFill>
-                <a:latin typeface="Gill Sans"/>
+                <a:latin typeface="+mj-lt"/>
                 <a:ea typeface="Gill Sans"/>
               </a:rPr>
               <a:t>High Availability – New Components &amp; Sysplex</a:t>
             </a:r>
-            <a:endParaRPr lang="en-US" sz="3000" b="0" strike="noStrike" spc="-1" dirty="0">
-              <a:solidFill>
-                <a:srgbClr val="000000"/>
-              </a:solidFill>
-              <a:latin typeface="Arial"/>
+            <a:endParaRPr lang="en-US" sz="2800" b="0" strike="noStrike" spc="-1" dirty="0">
+              <a:solidFill>
+                <a:srgbClr val="000000"/>
+              </a:solidFill>
+              <a:latin typeface="+mj-lt"/>
             </a:endParaRPr>
           </a:p>
         </p:txBody>
@@ -15297,14 +18180,14 @@
             </a:pPr>
             <a:r>
               <a:rPr lang="en-US" spc="-1" dirty="0">
-                <a:latin typeface="Gill Sans"/>
+                <a:latin typeface="+mj-lt"/>
                 <a:ea typeface="Gill Sans"/>
                 <a:hlinkClick r:id="rId3"/>
               </a:rPr>
               <a:t>Epic – High Availability</a:t>
             </a:r>
             <a:endParaRPr lang="en-US" spc="-1" dirty="0">
-              <a:latin typeface="Gill Sans"/>
+              <a:latin typeface="+mj-lt"/>
               <a:ea typeface="Gill Sans"/>
             </a:endParaRPr>
           </a:p>
@@ -15318,7 +18201,7 @@
               </a:spcBef>
             </a:pPr>
             <a:endParaRPr lang="en-US" spc="-1" dirty="0">
-              <a:latin typeface="Gill Sans"/>
+              <a:latin typeface="+mj-lt"/>
               <a:ea typeface="Gill Sans"/>
             </a:endParaRPr>
           </a:p>
@@ -15332,14 +18215,14 @@
             </a:pPr>
             <a:r>
               <a:rPr lang="en-US" spc="-1" dirty="0">
-                <a:latin typeface="Gill Sans"/>
+                <a:latin typeface="+mj-lt"/>
                 <a:ea typeface="Gill Sans"/>
                 <a:hlinkClick r:id="rId4"/>
               </a:rPr>
               <a:t>Create Caching API with VSAM support</a:t>
             </a:r>
             <a:endParaRPr lang="en-US" spc="-1" dirty="0">
-              <a:latin typeface="Gill Sans"/>
+              <a:latin typeface="+mj-lt"/>
               <a:ea typeface="Gill Sans"/>
             </a:endParaRPr>
           </a:p>
@@ -15353,7 +18236,7 @@
             </a:pPr>
             <a:r>
               <a:rPr lang="en-US" spc="-1" dirty="0">
-                <a:latin typeface="Gill Sans"/>
+                <a:latin typeface="+mj-lt"/>
                 <a:ea typeface="Gill Sans"/>
                 <a:hlinkClick r:id="rId5"/>
               </a:rPr>
@@ -15361,7 +18244,7 @@
             </a:r>
             <a:r>
               <a:rPr lang="en-US" spc="-1" dirty="0">
-                <a:latin typeface="Gill Sans"/>
+                <a:latin typeface="+mj-lt"/>
                 <a:ea typeface="Gill Sans"/>
               </a:rPr>
               <a:t> (Stage 1)</a:t>
@@ -15376,7 +18259,7 @@
               <a:buChar char="Ø"/>
             </a:pPr>
             <a:endParaRPr lang="en-US" spc="-1" dirty="0">
-              <a:latin typeface="Gill Sans"/>
+              <a:latin typeface="+mj-lt"/>
               <a:ea typeface="Gill Sans"/>
             </a:endParaRPr>
           </a:p>
@@ -15390,7 +18273,7 @@
             </a:pPr>
             <a:r>
               <a:rPr lang="en-US" spc="-1" dirty="0">
-                <a:latin typeface="Gill Sans"/>
+                <a:latin typeface="+mj-lt"/>
                 <a:ea typeface="Gill Sans"/>
               </a:rPr>
               <a:t>Starting Zowe in Sysplex</a:t>
@@ -15406,7 +18289,7 @@
             </a:pPr>
             <a:r>
               <a:rPr lang="en-US" sz="1600" spc="-1" dirty="0">
-                <a:latin typeface="Gill Sans"/>
+                <a:latin typeface="+mj-lt"/>
                 <a:ea typeface="Gill Sans"/>
                 <a:hlinkClick r:id="rId6"/>
               </a:rPr>
@@ -15414,7 +18297,7 @@
             </a:r>
             <a:r>
               <a:rPr lang="en-US" sz="1600" spc="-1" dirty="0">
-                <a:latin typeface="Gill Sans"/>
+                <a:latin typeface="+mj-lt"/>
                 <a:ea typeface="Gill Sans"/>
               </a:rPr>
               <a:t> (shared SAF user registry</a:t>
@@ -15430,14 +18313,14 @@
             </a:pPr>
             <a:r>
               <a:rPr lang="en-US" sz="1600" spc="-1" dirty="0">
-                <a:latin typeface="Gill Sans"/>
+                <a:latin typeface="+mj-lt"/>
                 <a:ea typeface="Gill Sans"/>
               </a:rPr>
               <a:t>Document how to configure </a:t>
             </a:r>
             <a:r>
               <a:rPr lang="en-US" sz="1600" spc="-1" dirty="0">
-                <a:latin typeface="Gill Sans"/>
+                <a:latin typeface="+mj-lt"/>
                 <a:ea typeface="Gill Sans"/>
                 <a:hlinkClick r:id="rId7"/>
               </a:rPr>
@@ -15445,14 +18328,14 @@
             </a:r>
             <a:r>
               <a:rPr lang="en-US" sz="1600" spc="-1" dirty="0">
-                <a:latin typeface="Gill Sans"/>
+                <a:latin typeface="+mj-lt"/>
                 <a:ea typeface="Gill Sans"/>
               </a:rPr>
               <a:t> and </a:t>
             </a:r>
             <a:r>
               <a:rPr lang="en-US" sz="1600" spc="-1" dirty="0">
-                <a:latin typeface="Gill Sans"/>
+                <a:latin typeface="+mj-lt"/>
                 <a:ea typeface="Gill Sans"/>
                 <a:hlinkClick r:id="rId8"/>
               </a:rPr>
@@ -15460,7 +18343,7 @@
             </a:r>
             <a:r>
               <a:rPr lang="en-US" sz="1600" spc="-1" dirty="0">
-                <a:latin typeface="Gill Sans"/>
+                <a:latin typeface="+mj-lt"/>
                 <a:ea typeface="Gill Sans"/>
               </a:rPr>
               <a:t> for API Gateway</a:t>
@@ -15476,14 +18359,14 @@
             </a:pPr>
             <a:r>
               <a:rPr lang="en-US" sz="1600" spc="-1" dirty="0">
-                <a:latin typeface="Gill Sans"/>
+                <a:latin typeface="+mj-lt"/>
                 <a:ea typeface="Gill Sans"/>
                 <a:hlinkClick r:id="rId9"/>
               </a:rPr>
               <a:t>Verify and document requirement on shared USS file system, and shared VSAM data set</a:t>
             </a:r>
             <a:endParaRPr lang="en-US" sz="1600" spc="-1" dirty="0">
-              <a:latin typeface="Gill Sans"/>
+              <a:latin typeface="+mj-lt"/>
               <a:ea typeface="Gill Sans"/>
             </a:endParaRPr>
           </a:p>
@@ -15497,14 +18380,14 @@
             </a:pPr>
             <a:r>
               <a:rPr lang="en-US" sz="1600" spc="-1" dirty="0">
-                <a:latin typeface="Gill Sans"/>
+                <a:latin typeface="+mj-lt"/>
                 <a:ea typeface="Gill Sans"/>
                 <a:hlinkClick r:id="rId10"/>
               </a:rPr>
               <a:t>Test and implement ARM policy</a:t>
             </a:r>
             <a:endParaRPr lang="en-US" sz="1600" spc="-1" dirty="0">
-              <a:latin typeface="Gill Sans"/>
+              <a:latin typeface="+mj-lt"/>
               <a:ea typeface="Gill Sans"/>
             </a:endParaRPr>
           </a:p>
@@ -15518,14 +18401,14 @@
             </a:pPr>
             <a:r>
               <a:rPr lang="en-US" sz="1600" spc="-1" dirty="0">
-                <a:latin typeface="Gill Sans"/>
+                <a:latin typeface="+mj-lt"/>
                 <a:ea typeface="Gill Sans"/>
                 <a:hlinkClick r:id="rId11"/>
               </a:rPr>
               <a:t>Validate Apiml &amp; zOSMF HA with ACF2 and Top Secret Enabled Sysplex</a:t>
             </a:r>
             <a:endParaRPr lang="en-US" sz="1600" spc="-1" dirty="0">
-              <a:latin typeface="Gill Sans"/>
+              <a:latin typeface="+mj-lt"/>
               <a:ea typeface="Gill Sans"/>
             </a:endParaRPr>
           </a:p>
@@ -15539,14 +18422,14 @@
             </a:pPr>
             <a:r>
               <a:rPr lang="en-US" sz="1600" spc="-1" dirty="0">
-                <a:latin typeface="Gill Sans"/>
+                <a:latin typeface="+mj-lt"/>
                 <a:ea typeface="Gill Sans"/>
                 <a:hlinkClick r:id="rId12"/>
               </a:rPr>
               <a:t>Verify how CLI works with Sysplex</a:t>
             </a:r>
             <a:endParaRPr lang="en-US" sz="1600" spc="-1" dirty="0">
-              <a:latin typeface="Gill Sans"/>
+              <a:latin typeface="+mj-lt"/>
               <a:ea typeface="Gill Sans"/>
             </a:endParaRPr>
           </a:p>
@@ -15647,7 +18530,7 @@
                 <a:solidFill>
                   <a:srgbClr val="262626"/>
                 </a:solidFill>
-                <a:latin typeface="Gill Sans"/>
+                <a:latin typeface="+mj-lt"/>
                 <a:ea typeface="Gill Sans"/>
               </a:rPr>
               <a:t>High Availability – Existing Components &amp; Certificates</a:t>
@@ -15656,7 +18539,7 @@
               <a:solidFill>
                 <a:srgbClr val="000000"/>
               </a:solidFill>
-              <a:latin typeface="Arial"/>
+              <a:latin typeface="+mj-lt"/>
             </a:endParaRPr>
           </a:p>
         </p:txBody>
@@ -15695,7 +18578,7 @@
             </a:pPr>
             <a:r>
               <a:rPr lang="en-US" spc="-1" dirty="0">
-                <a:latin typeface="Gill Sans"/>
+                <a:latin typeface="+mj-lt"/>
                 <a:ea typeface="Gill Sans"/>
               </a:rPr>
               <a:t>Preparing Zowe and Components for HA</a:t>
@@ -15711,14 +18594,14 @@
             </a:pPr>
             <a:r>
               <a:rPr lang="en-US" sz="1600" spc="-1" dirty="0">
-                <a:latin typeface="Gill Sans"/>
+                <a:latin typeface="+mj-lt"/>
                 <a:ea typeface="Gill Sans"/>
                 <a:hlinkClick r:id="rId3"/>
               </a:rPr>
               <a:t>Break down apiml package into 3 individual components</a:t>
             </a:r>
             <a:endParaRPr lang="en-US" sz="1600" spc="-1" dirty="0">
-              <a:latin typeface="Gill Sans"/>
+              <a:latin typeface="+mj-lt"/>
               <a:ea typeface="Gill Sans"/>
             </a:endParaRPr>
           </a:p>
@@ -15732,14 +18615,14 @@
             </a:pPr>
             <a:r>
               <a:rPr lang="en-US" sz="1600" spc="-1" dirty="0">
-                <a:latin typeface="Gill Sans"/>
+                <a:latin typeface="+mj-lt"/>
                 <a:ea typeface="Gill Sans"/>
                 <a:hlinkClick r:id="rId4"/>
               </a:rPr>
               <a:t>Define manifest file for Zowe packages to simplify Zowe Launcher configurations</a:t>
             </a:r>
             <a:endParaRPr lang="en-US" sz="1600" spc="-1" dirty="0">
-              <a:latin typeface="Gill Sans"/>
+              <a:latin typeface="+mj-lt"/>
               <a:ea typeface="Gill Sans"/>
             </a:endParaRPr>
           </a:p>
@@ -15753,14 +18636,14 @@
             </a:pPr>
             <a:r>
               <a:rPr lang="en-US" sz="1600" spc="-1" dirty="0">
-                <a:latin typeface="Gill Sans"/>
+                <a:latin typeface="+mj-lt"/>
                 <a:ea typeface="Gill Sans"/>
                 <a:hlinkClick r:id="rId5"/>
               </a:rPr>
               <a:t>Add new configuration entries in instance.env to support multiple instances of components</a:t>
             </a:r>
             <a:endParaRPr lang="en-US" sz="1600" spc="-1" dirty="0">
-              <a:latin typeface="Gill Sans"/>
+              <a:latin typeface="+mj-lt"/>
               <a:ea typeface="Gill Sans"/>
             </a:endParaRPr>
           </a:p>
@@ -15774,14 +18657,14 @@
             </a:pPr>
             <a:r>
               <a:rPr lang="en-US" sz="1600" spc="-1" dirty="0">
-                <a:latin typeface="Gill Sans"/>
+                <a:latin typeface="+mj-lt"/>
                 <a:ea typeface="Gill Sans"/>
                 <a:hlinkClick r:id="rId6"/>
               </a:rPr>
               <a:t>Automatically configure ARM policy for Zowe Launcher</a:t>
             </a:r>
             <a:endParaRPr lang="en-US" sz="1600" spc="-1" dirty="0">
-              <a:latin typeface="Gill Sans"/>
+              <a:latin typeface="+mj-lt"/>
               <a:ea typeface="Gill Sans"/>
             </a:endParaRPr>
           </a:p>
@@ -15795,7 +18678,7 @@
             </a:pPr>
             <a:r>
               <a:rPr lang="en-US" sz="1600" spc="-1" dirty="0">
-                <a:latin typeface="Gill Sans"/>
+                <a:latin typeface="+mj-lt"/>
                 <a:ea typeface="Gill Sans"/>
                 <a:hlinkClick r:id="rId7"/>
               </a:rPr>
@@ -15803,7 +18686,7 @@
             </a:r>
             <a:r>
               <a:rPr lang="en-US" sz="1600" spc="-1" dirty="0" err="1">
-                <a:latin typeface="Gill Sans"/>
+                <a:latin typeface="+mj-lt"/>
                 <a:ea typeface="Gill Sans"/>
                 <a:hlinkClick r:id="rId7"/>
               </a:rPr>
@@ -15811,14 +18694,14 @@
             </a:r>
             <a:r>
               <a:rPr lang="en-US" sz="1600" spc="-1" dirty="0">
-                <a:latin typeface="Gill Sans"/>
+                <a:latin typeface="+mj-lt"/>
                 <a:ea typeface="Gill Sans"/>
                 <a:hlinkClick r:id="rId7"/>
               </a:rPr>
               <a:t> to properly trap termination signals and kill child processes</a:t>
             </a:r>
             <a:endParaRPr lang="en-US" sz="1600" spc="-1" dirty="0">
-              <a:latin typeface="Gill Sans"/>
+              <a:latin typeface="+mj-lt"/>
               <a:ea typeface="Gill Sans"/>
             </a:endParaRPr>
           </a:p>
@@ -15832,14 +18715,14 @@
             </a:pPr>
             <a:r>
               <a:rPr lang="en-US" sz="1600" spc="-1" dirty="0">
-                <a:latin typeface="Gill Sans"/>
+                <a:latin typeface="+mj-lt"/>
                 <a:ea typeface="Gill Sans"/>
                 <a:hlinkClick r:id="rId8"/>
               </a:rPr>
               <a:t>Change ZSS to be registered under API Discovery Service</a:t>
             </a:r>
             <a:endParaRPr lang="en-US" sz="1600" spc="-1" dirty="0">
-              <a:latin typeface="Gill Sans"/>
+              <a:latin typeface="+mj-lt"/>
               <a:ea typeface="Gill Sans"/>
             </a:endParaRPr>
           </a:p>
@@ -15852,7 +18735,7 @@
               <a:buChar char="Ø"/>
             </a:pPr>
             <a:endParaRPr lang="en-US" spc="-1" dirty="0">
-              <a:latin typeface="Gill Sans"/>
+              <a:latin typeface="+mj-lt"/>
               <a:ea typeface="Gill Sans"/>
             </a:endParaRPr>
           </a:p>
@@ -15866,7 +18749,7 @@
             </a:pPr>
             <a:r>
               <a:rPr lang="en-US" spc="-1" dirty="0">
-                <a:latin typeface="Gill Sans"/>
+                <a:latin typeface="+mj-lt"/>
                 <a:ea typeface="Gill Sans"/>
               </a:rPr>
               <a:t>Certificate Configuration Improvement</a:t>
@@ -15882,14 +18765,14 @@
             </a:pPr>
             <a:r>
               <a:rPr lang="en-US" sz="1600" spc="-1" dirty="0">
-                <a:latin typeface="Gill Sans"/>
+                <a:latin typeface="+mj-lt"/>
                 <a:ea typeface="Gill Sans"/>
                 <a:hlinkClick r:id="rId9"/>
               </a:rPr>
               <a:t>Add flexibility to define certificate for internal and external usage</a:t>
             </a:r>
             <a:endParaRPr lang="en-US" sz="1600" spc="-1" dirty="0">
-              <a:latin typeface="Gill Sans"/>
+              <a:latin typeface="+mj-lt"/>
               <a:ea typeface="Gill Sans"/>
             </a:endParaRPr>
           </a:p>
@@ -15903,14 +18786,14 @@
             </a:pPr>
             <a:r>
               <a:rPr lang="en-US" sz="1600" spc="-1" dirty="0">
-                <a:latin typeface="Gill Sans"/>
+                <a:latin typeface="+mj-lt"/>
                 <a:ea typeface="Gill Sans"/>
                 <a:hlinkClick r:id="rId10"/>
               </a:rPr>
               <a:t>Allow to define multiple domains / IPs as Subject Alternative Name (SAN) when storing certificate(s) in Keyring</a:t>
             </a:r>
             <a:endParaRPr lang="en-US" sz="1600" spc="-1" dirty="0">
-              <a:latin typeface="Gill Sans"/>
+              <a:latin typeface="+mj-lt"/>
               <a:ea typeface="Gill Sans"/>
             </a:endParaRPr>
           </a:p>
@@ -16011,7 +18894,7 @@
                 <a:solidFill>
                   <a:srgbClr val="262626"/>
                 </a:solidFill>
-                <a:latin typeface="Gill Sans"/>
+                <a:latin typeface="+mj-lt"/>
                 <a:ea typeface="Gill Sans"/>
               </a:rPr>
               <a:t>CI/CD – Extension Installation</a:t>
@@ -16020,7 +18903,7 @@
               <a:solidFill>
                 <a:srgbClr val="000000"/>
               </a:solidFill>
-              <a:latin typeface="Arial"/>
+              <a:latin typeface="+mj-lt"/>
             </a:endParaRPr>
           </a:p>
         </p:txBody>
@@ -16058,15 +18941,15 @@
               <a:buChar char="Ø"/>
             </a:pPr>
             <a:r>
-              <a:rPr lang="en-US" spc="-1" dirty="0">
-                <a:latin typeface="Gill Sans"/>
+              <a:rPr lang="en-US" sz="2000" spc="-1" dirty="0">
+                <a:latin typeface="+mj-lt"/>
                 <a:ea typeface="Gill Sans"/>
                 <a:hlinkClick r:id="rId3"/>
               </a:rPr>
               <a:t>Create extension installation script, playbook and test cases to validate installation</a:t>
             </a:r>
-            <a:endParaRPr lang="en-US" spc="-1" dirty="0">
-              <a:latin typeface="Gill Sans"/>
+            <a:endParaRPr lang="en-US" sz="2000" spc="-1" dirty="0">
+              <a:latin typeface="+mj-lt"/>
               <a:ea typeface="Gill Sans"/>
             </a:endParaRPr>
           </a:p>
@@ -16078,8 +18961,8 @@
               <a:buFont typeface="Wingdings" pitchFamily="2" charset="2"/>
               <a:buChar char="Ø"/>
             </a:pPr>
-            <a:endParaRPr lang="en-US" spc="-1" dirty="0">
-              <a:latin typeface="Gill Sans"/>
+            <a:endParaRPr lang="en-US" sz="2000" spc="-1" dirty="0">
+              <a:latin typeface="+mj-lt"/>
               <a:ea typeface="Gill Sans"/>
             </a:endParaRPr>
           </a:p>
@@ -16092,8 +18975,8 @@
               <a:buChar char="v"/>
             </a:pPr>
             <a:r>
-              <a:rPr lang="en-US" spc="-1" dirty="0">
-                <a:latin typeface="Gill Sans"/>
+              <a:rPr lang="en-US" sz="2000" spc="-1" dirty="0">
+                <a:latin typeface="+mj-lt"/>
                 <a:ea typeface="Gill Sans"/>
               </a:rPr>
               <a:t>Create extension installation script</a:t>
@@ -16108,8 +18991,8 @@
               <a:buChar char="v"/>
             </a:pPr>
             <a:r>
-              <a:rPr lang="en-US" spc="-1" dirty="0">
-                <a:latin typeface="Gill Sans"/>
+              <a:rPr lang="en-US" sz="2000" spc="-1" dirty="0">
+                <a:latin typeface="+mj-lt"/>
                 <a:ea typeface="Gill Sans"/>
               </a:rPr>
               <a:t>Create new Ansible playbook to install extension</a:t>
@@ -16124,8 +19007,8 @@
               <a:buChar char="v"/>
             </a:pPr>
             <a:r>
-              <a:rPr lang="en-US" spc="-1" dirty="0">
-                <a:latin typeface="Gill Sans"/>
+              <a:rPr lang="en-US" sz="2000" spc="-1" dirty="0">
+                <a:latin typeface="+mj-lt"/>
                 <a:ea typeface="Gill Sans"/>
               </a:rPr>
               <a:t>Create new test cases which will validate extension installation</a:t>

--- a/Project Management/PI Planning/20PI4 Planning/Zowe Community Squad Focus for 20PI4.pptx
+++ b/Project Management/PI Planning/20PI4 Planning/Zowe Community Squad Focus for 20PI4.pptx
@@ -14,28 +14,28 @@
     <p:sldId id="256" r:id="rId5"/>
     <p:sldId id="257" r:id="rId6"/>
     <p:sldId id="258" r:id="rId7"/>
-    <p:sldId id="259" r:id="rId8"/>
-    <p:sldId id="260" r:id="rId9"/>
-    <p:sldId id="261" r:id="rId10"/>
-    <p:sldId id="267" r:id="rId11"/>
-    <p:sldId id="268" r:id="rId12"/>
-    <p:sldId id="269" r:id="rId13"/>
-    <p:sldId id="270" r:id="rId14"/>
-    <p:sldId id="271" r:id="rId15"/>
-    <p:sldId id="272" r:id="rId16"/>
-    <p:sldId id="273" r:id="rId17"/>
-    <p:sldId id="289" r:id="rId18"/>
-    <p:sldId id="276" r:id="rId19"/>
-    <p:sldId id="278" r:id="rId20"/>
-    <p:sldId id="290" r:id="rId21"/>
-    <p:sldId id="279" r:id="rId22"/>
-    <p:sldId id="280" r:id="rId23"/>
-    <p:sldId id="281" r:id="rId24"/>
-    <p:sldId id="282" r:id="rId25"/>
-    <p:sldId id="283" r:id="rId26"/>
-    <p:sldId id="264" r:id="rId27"/>
-    <p:sldId id="287" r:id="rId28"/>
-    <p:sldId id="288" r:id="rId29"/>
+    <p:sldId id="264" r:id="rId8"/>
+    <p:sldId id="287" r:id="rId9"/>
+    <p:sldId id="288" r:id="rId10"/>
+    <p:sldId id="289" r:id="rId11"/>
+    <p:sldId id="276" r:id="rId12"/>
+    <p:sldId id="278" r:id="rId13"/>
+    <p:sldId id="259" r:id="rId14"/>
+    <p:sldId id="260" r:id="rId15"/>
+    <p:sldId id="261" r:id="rId16"/>
+    <p:sldId id="267" r:id="rId17"/>
+    <p:sldId id="268" r:id="rId18"/>
+    <p:sldId id="269" r:id="rId19"/>
+    <p:sldId id="270" r:id="rId20"/>
+    <p:sldId id="271" r:id="rId21"/>
+    <p:sldId id="272" r:id="rId22"/>
+    <p:sldId id="273" r:id="rId23"/>
+    <p:sldId id="290" r:id="rId24"/>
+    <p:sldId id="279" r:id="rId25"/>
+    <p:sldId id="280" r:id="rId26"/>
+    <p:sldId id="281" r:id="rId27"/>
+    <p:sldId id="282" r:id="rId28"/>
+    <p:sldId id="283" r:id="rId29"/>
     <p:sldId id="284" r:id="rId30"/>
     <p:sldId id="285" r:id="rId31"/>
   </p:sldIdLst>
@@ -495,7 +495,7 @@
       </p:grpSpPr>
       <p:sp>
         <p:nvSpPr>
-          <p:cNvPr id="2" name="Slide Image Placeholder 1"/>
+          <p:cNvPr id="243" name="PlaceHolder 1"/>
           <p:cNvSpPr>
             <a:spLocks noGrp="1" noRot="1" noChangeAspect="1"/>
           </p:cNvSpPr>
@@ -505,54 +505,46 @@
         </p:nvSpPr>
         <p:spPr>
           <a:xfrm>
-            <a:off x="533400" y="763588"/>
-            <a:ext cx="6704013" cy="3771900"/>
-          </a:xfrm>
-        </p:spPr>
-      </p:sp>
-      <p:sp>
-        <p:nvSpPr>
-          <p:cNvPr id="3" name="Notes Placeholder 2"/>
+            <a:off x="381000" y="685800"/>
+            <a:ext cx="6096000" cy="3429000"/>
+          </a:xfrm>
+          <a:prstGeom prst="rect">
+            <a:avLst/>
+          </a:prstGeom>
+        </p:spPr>
+      </p:sp>
+      <p:sp>
+        <p:nvSpPr>
+          <p:cNvPr id="244" name="PlaceHolder 2"/>
           <p:cNvSpPr>
             <a:spLocks noGrp="1"/>
           </p:cNvSpPr>
           <p:nvPr>
-            <p:ph type="body" idx="1"/>
+            <p:ph type="body"/>
           </p:nvPr>
         </p:nvSpPr>
-        <p:spPr/>
-        <p:txBody>
-          <a:bodyPr/>
-          <a:lstStyle/>
-          <a:p>
-            <a:endParaRPr lang="en-US" dirty="0"/>
-          </a:p>
-        </p:txBody>
-      </p:sp>
-      <p:sp>
-        <p:nvSpPr>
-          <p:cNvPr id="4" name="Slide Number Placeholder 3"/>
-          <p:cNvSpPr>
-            <a:spLocks noGrp="1"/>
-          </p:cNvSpPr>
-          <p:nvPr>
-            <p:ph type="sldNum"/>
-          </p:nvPr>
-        </p:nvSpPr>
-        <p:spPr/>
-        <p:txBody>
-          <a:bodyPr/>
-          <a:lstStyle/>
-          <a:p>
-            <a:pPr algn="r"/>
-            <a:fld id="{BA3CDCDB-E9EF-4257-93B9-33682187AA79}" type="slidenum">
-              <a:rPr lang="en-US" sz="1400" b="0" strike="noStrike" spc="-1" smtClean="0">
-                <a:latin typeface="Times New Roman"/>
-              </a:rPr>
-              <a:t>5</a:t>
-            </a:fld>
-            <a:endParaRPr lang="en-US" sz="1400" b="0" strike="noStrike" spc="-1">
-              <a:latin typeface="Times New Roman"/>
+        <p:spPr>
+          <a:xfrm>
+            <a:off x="685800" y="4343400"/>
+            <a:ext cx="5486040" cy="4114440"/>
+          </a:xfrm>
+          <a:prstGeom prst="rect">
+            <a:avLst/>
+          </a:prstGeom>
+        </p:spPr>
+        <p:txBody>
+          <a:bodyPr tIns="91440" bIns="91440">
+            <a:noAutofit/>
+          </a:bodyPr>
+          <a:lstStyle/>
+          <a:p>
+            <a:pPr marL="158760">
+              <a:lnSpc>
+                <a:spcPct val="100000"/>
+              </a:lnSpc>
+            </a:pPr>
+            <a:endParaRPr lang="en-US" sz="1100" b="0" strike="noStrike" spc="-1" dirty="0">
+              <a:latin typeface="Arial"/>
             </a:endParaRPr>
           </a:p>
         </p:txBody>
@@ -560,7 +552,7 @@
     </p:spTree>
     <p:extLst>
       <p:ext uri="{BB962C8B-B14F-4D97-AF65-F5344CB8AC3E}">
-        <p14:creationId xmlns:p14="http://schemas.microsoft.com/office/powerpoint/2010/main" val="3725876168"/>
+        <p14:creationId xmlns:p14="http://schemas.microsoft.com/office/powerpoint/2010/main" val="1510042104"/>
       </p:ext>
     </p:extLst>
   </p:cSld>
@@ -637,7 +629,87 @@
                 <a:spcPct val="100000"/>
               </a:lnSpc>
             </a:pPr>
-            <a:endParaRPr lang="en-US" sz="1100" b="0" strike="noStrike" spc="-1" dirty="0">
+            <a:r>
+              <a:rPr lang="en-US" sz="1100" b="0" strike="noStrike" spc="-1">
+                <a:solidFill>
+                  <a:srgbClr val="000000"/>
+                </a:solidFill>
+                <a:latin typeface="Arial"/>
+                <a:ea typeface="Arial"/>
+              </a:rPr>
+              <a:t>Notes: </a:t>
+            </a:r>
+            <a:endParaRPr lang="en-US" sz="1100" b="0" strike="noStrike" spc="-1">
+              <a:latin typeface="Arial"/>
+            </a:endParaRPr>
+          </a:p>
+          <a:p>
+            <a:pPr marL="158760">
+              <a:lnSpc>
+                <a:spcPct val="100000"/>
+              </a:lnSpc>
+            </a:pPr>
+            <a:r>
+              <a:rPr lang="en-US" sz="1100" b="0" strike="noStrike" spc="-1">
+                <a:solidFill>
+                  <a:srgbClr val="000000"/>
+                </a:solidFill>
+                <a:latin typeface="Arial"/>
+                <a:ea typeface="Arial"/>
+              </a:rPr>
+              <a:t>x.509 is one of the  industry standard ways of authenticating to backend services</a:t>
+            </a:r>
+            <a:endParaRPr lang="en-US" sz="1100" b="0" strike="noStrike" spc="-1">
+              <a:latin typeface="Arial"/>
+            </a:endParaRPr>
+          </a:p>
+          <a:p>
+            <a:pPr marL="158760">
+              <a:lnSpc>
+                <a:spcPct val="100000"/>
+              </a:lnSpc>
+            </a:pPr>
+            <a:r>
+              <a:rPr lang="en-US" sz="1100" b="0" strike="noStrike" spc="-1">
+                <a:solidFill>
+                  <a:srgbClr val="000000"/>
+                </a:solidFill>
+                <a:latin typeface="Arial"/>
+                <a:ea typeface="Arial"/>
+              </a:rPr>
+              <a:t>Zowe Client apps will need to be updated to support client certs</a:t>
+            </a:r>
+            <a:endParaRPr lang="en-US" sz="1100" b="0" strike="noStrike" spc="-1">
+              <a:latin typeface="Arial"/>
+            </a:endParaRPr>
+          </a:p>
+          <a:p>
+            <a:pPr marL="158760">
+              <a:lnSpc>
+                <a:spcPct val="100000"/>
+              </a:lnSpc>
+            </a:pPr>
+            <a:r>
+              <a:rPr lang="en-US" sz="1100" b="0" strike="noStrike" spc="-1">
+                <a:solidFill>
+                  <a:srgbClr val="000000"/>
+                </a:solidFill>
+                <a:latin typeface="Arial"/>
+                <a:ea typeface="Arial"/>
+              </a:rPr>
+              <a:t>Customer apps may have their own way of supporting client certs</a:t>
+            </a:r>
+            <a:endParaRPr lang="en-US" sz="1100" b="0" strike="noStrike" spc="-1">
+              <a:latin typeface="Arial"/>
+            </a:endParaRPr>
+          </a:p>
+          <a:p>
+            <a:pPr marL="158760">
+              <a:lnSpc>
+                <a:spcPct val="100000"/>
+              </a:lnSpc>
+            </a:pPr>
+            <a:endParaRPr lang="en-US" sz="1100" b="0" strike="noStrike" spc="-1">
               <a:latin typeface="Arial"/>
             </a:endParaRPr>
           </a:p>
@@ -646,7 +718,7 @@
     </p:spTree>
     <p:extLst>
       <p:ext uri="{BB962C8B-B14F-4D97-AF65-F5344CB8AC3E}">
-        <p14:creationId xmlns:p14="http://schemas.microsoft.com/office/powerpoint/2010/main" val="1510042104"/>
+        <p14:creationId xmlns:p14="http://schemas.microsoft.com/office/powerpoint/2010/main" val="1361380048"/>
       </p:ext>
     </p:extLst>
   </p:cSld>
@@ -718,310 +790,101 @@
           </a:bodyPr>
           <a:lstStyle/>
           <a:p>
-            <a:pPr marL="387270" indent="-285750">
-              <a:spcBef>
-                <a:spcPts val="400"/>
-              </a:spcBef>
-              <a:buFont typeface="Wingdings" pitchFamily="2" charset="2"/>
-              <a:buChar char="Ø"/>
-            </a:pPr>
-            <a:r>
-              <a:rPr lang="en-US" sz="1100" b="0" strike="noStrike" spc="-1" dirty="0" smtClean="0">
+            <a:pPr marL="158760">
+              <a:lnSpc>
+                <a:spcPct val="100000"/>
+              </a:lnSpc>
+            </a:pPr>
+            <a:r>
+              <a:rPr lang="en-US" sz="1100" b="0" strike="noStrike" spc="-1">
+                <a:solidFill>
+                  <a:srgbClr val="000000"/>
+                </a:solidFill>
                 <a:latin typeface="Arial"/>
-              </a:rPr>
-              <a:t>Notes:</a:t>
-            </a:r>
-            <a:br>
-              <a:rPr lang="en-US" sz="1100" b="0" strike="noStrike" spc="-1" dirty="0" smtClean="0">
+                <a:ea typeface="Arial"/>
+              </a:rPr>
+              <a:t>Notes: </a:t>
+            </a:r>
+            <a:endParaRPr lang="en-US" sz="1100" b="0" strike="noStrike" spc="-1">
+              <a:latin typeface="Arial"/>
+            </a:endParaRPr>
+          </a:p>
+          <a:p>
+            <a:pPr marL="158760">
+              <a:lnSpc>
+                <a:spcPct val="100000"/>
+              </a:lnSpc>
+            </a:pPr>
+            <a:r>
+              <a:rPr lang="en-US" sz="1100" b="0" strike="noStrike" spc="-1">
+                <a:solidFill>
+                  <a:srgbClr val="000000"/>
+                </a:solidFill>
                 <a:latin typeface="Arial"/>
-              </a:rPr>
-            </a:br>
-            <a:r>
-              <a:rPr lang="en-US" dirty="0" smtClean="0"/>
-              <a:t>Address growing number of community enhancement requests</a:t>
-            </a:r>
-          </a:p>
-          <a:p>
-            <a:pPr marL="844470" lvl="1" indent="-285750">
-              <a:spcBef>
-                <a:spcPts val="400"/>
-              </a:spcBef>
-              <a:buFont typeface="Wingdings" pitchFamily="2" charset="2"/>
-              <a:buChar char="Ø"/>
-            </a:pPr>
-            <a:r>
-              <a:rPr lang="en-US" u="sng" dirty="0" err="1" smtClean="0">
-                <a:hlinkClick r:id="rId3"/>
-              </a:rPr>
-              <a:t>zowe</a:t>
-            </a:r>
-            <a:r>
-              <a:rPr lang="en-US" u="sng" dirty="0" smtClean="0">
-                <a:hlinkClick r:id="rId3"/>
-              </a:rPr>
-              <a:t> zos-files copy data-set : no replace option #808</a:t>
-            </a:r>
-            <a:endParaRPr lang="en-US" u="sng" dirty="0" smtClean="0"/>
-          </a:p>
-          <a:p>
-            <a:pPr marL="844470" lvl="1" indent="-285750">
-              <a:spcBef>
-                <a:spcPts val="400"/>
-              </a:spcBef>
-              <a:buFont typeface="Wingdings" pitchFamily="2" charset="2"/>
-              <a:buChar char="Ø"/>
-            </a:pPr>
-            <a:r>
-              <a:rPr lang="en-US" u="sng" dirty="0" smtClean="0">
-                <a:hlinkClick r:id="rId4"/>
-              </a:rPr>
-              <a:t>Question : how to "nullify" an option in a profile #797</a:t>
-            </a:r>
-            <a:r>
-              <a:rPr lang="en-US" dirty="0" smtClean="0"/>
-              <a:t> </a:t>
-            </a:r>
-          </a:p>
-          <a:p>
-            <a:pPr marL="844470" lvl="1" indent="-285750">
-              <a:spcBef>
-                <a:spcPts val="400"/>
-              </a:spcBef>
-              <a:buFont typeface="Wingdings" pitchFamily="2" charset="2"/>
-              <a:buChar char="Ø"/>
-            </a:pPr>
-            <a:r>
-              <a:rPr lang="en-US" u="sng" dirty="0" smtClean="0">
-                <a:hlinkClick r:id="rId5"/>
-              </a:rPr>
-              <a:t>copy data-set option should have replace option and list of members #789</a:t>
-            </a:r>
-            <a:endParaRPr lang="en-US" dirty="0" smtClean="0"/>
-          </a:p>
-          <a:p>
-            <a:pPr marL="844470" lvl="1" indent="-285750">
-              <a:spcBef>
-                <a:spcPts val="400"/>
-              </a:spcBef>
-              <a:buFont typeface="Wingdings" pitchFamily="2" charset="2"/>
-              <a:buChar char="Ø"/>
-            </a:pPr>
-            <a:r>
-              <a:rPr lang="en-US" u="sng" dirty="0" smtClean="0">
-                <a:hlinkClick r:id="rId6"/>
-              </a:rPr>
-              <a:t>Create PDS member option to </a:t>
-            </a:r>
-            <a:r>
-              <a:rPr lang="en-US" u="sng" dirty="0" err="1" smtClean="0">
-                <a:hlinkClick r:id="rId6"/>
-              </a:rPr>
-              <a:t>zowe</a:t>
-            </a:r>
-            <a:r>
-              <a:rPr lang="en-US" u="sng" dirty="0" smtClean="0">
-                <a:hlinkClick r:id="rId6"/>
-              </a:rPr>
-              <a:t> zos-files create data-set- function #773</a:t>
-            </a:r>
-            <a:endParaRPr lang="en-US" dirty="0" smtClean="0"/>
-          </a:p>
-          <a:p>
-            <a:pPr marL="844470" lvl="1" indent="-285750">
-              <a:spcBef>
-                <a:spcPts val="400"/>
-              </a:spcBef>
-              <a:buFont typeface="Wingdings" pitchFamily="2" charset="2"/>
-              <a:buChar char="Ø"/>
-            </a:pPr>
-            <a:r>
-              <a:rPr lang="en-US" u="sng" dirty="0" smtClean="0">
-                <a:hlinkClick r:id="rId7"/>
-              </a:rPr>
-              <a:t>LIKE parameter for </a:t>
-            </a:r>
-            <a:r>
-              <a:rPr lang="en-US" u="sng" dirty="0" err="1" smtClean="0">
-                <a:hlinkClick r:id="rId7"/>
-              </a:rPr>
-              <a:t>zowe</a:t>
-            </a:r>
-            <a:r>
-              <a:rPr lang="en-US" u="sng" dirty="0" smtClean="0">
-                <a:hlinkClick r:id="rId7"/>
-              </a:rPr>
-              <a:t> zos-files create data-set-* #771</a:t>
-            </a:r>
-            <a:endParaRPr lang="en-US" dirty="0" smtClean="0"/>
-          </a:p>
-          <a:p>
-            <a:pPr marL="844470" lvl="1" indent="-285750">
-              <a:spcBef>
-                <a:spcPts val="400"/>
-              </a:spcBef>
-              <a:buFont typeface="Wingdings" pitchFamily="2" charset="2"/>
-              <a:buChar char="Ø"/>
-            </a:pPr>
-            <a:r>
-              <a:rPr lang="en-US" u="sng" dirty="0" smtClean="0">
-                <a:hlinkClick r:id="rId8"/>
-              </a:rPr>
-              <a:t>Enable use of a pattern to restrict what member names are returned from listing of PDS members #810</a:t>
-            </a:r>
-            <a:endParaRPr lang="en-US" dirty="0" smtClean="0"/>
-          </a:p>
-          <a:p>
-            <a:pPr marL="844470" lvl="1" indent="-285750">
-              <a:spcBef>
-                <a:spcPts val="400"/>
-              </a:spcBef>
-              <a:buFont typeface="Wingdings" pitchFamily="2" charset="2"/>
-              <a:buChar char="Ø"/>
-            </a:pPr>
-            <a:r>
-              <a:rPr lang="en-US" u="sng" dirty="0" smtClean="0">
-                <a:hlinkClick r:id="rId9"/>
-              </a:rPr>
-              <a:t>Support the IBM z/OSMF header that allows record (support for VB binary) #539</a:t>
-            </a:r>
-            <a:endParaRPr lang="en-US" dirty="0" smtClean="0"/>
-          </a:p>
-          <a:p>
-            <a:pPr marL="101520">
-              <a:spcBef>
-                <a:spcPts val="400"/>
-              </a:spcBef>
-            </a:pPr>
-            <a:endParaRPr lang="en-US" sz="1100" b="0" strike="noStrike" spc="-1" dirty="0" smtClean="0">
+                <a:ea typeface="Arial"/>
+              </a:rPr>
+              <a:t>x.509 is one of the  industry standard ways of authenticating to backend services</a:t>
+            </a:r>
+            <a:endParaRPr lang="en-US" sz="1100" b="0" strike="noStrike" spc="-1">
               <a:latin typeface="Arial"/>
             </a:endParaRPr>
           </a:p>
           <a:p>
-            <a:pPr marL="387270" indent="-285750">
-              <a:spcBef>
-                <a:spcPts val="400"/>
-              </a:spcBef>
-              <a:buFont typeface="Wingdings" pitchFamily="2" charset="2"/>
-              <a:buChar char="Ø"/>
-            </a:pPr>
-            <a:r>
-              <a:rPr lang="en-US" sz="1100" dirty="0" smtClean="0"/>
-              <a:t>Ensure successful installation of the </a:t>
-            </a:r>
-            <a:r>
-              <a:rPr lang="en-US" sz="1100" dirty="0" err="1" smtClean="0"/>
-              <a:t>Zowe</a:t>
-            </a:r>
-            <a:r>
-              <a:rPr lang="en-US" sz="1100" dirty="0" smtClean="0"/>
-              <a:t> CLI in environments with proxies. Provide guidance on installing from public NPM via proxy but also suggest installing from the local package hosted on zowe.org as an alternative. </a:t>
-            </a:r>
-            <a:br>
-              <a:rPr lang="en-US" sz="1100" dirty="0" smtClean="0"/>
-            </a:br>
-            <a:r>
-              <a:rPr lang="en-US" sz="1100" dirty="0" smtClean="0"/>
-              <a:t>Also, address issue with using CLI to access mainframe environment over http proxy: </a:t>
-            </a:r>
-            <a:r>
-              <a:rPr lang="en-US" sz="1100" dirty="0" smtClean="0">
-                <a:hlinkClick r:id="rId10"/>
-              </a:rPr>
-              <a:t>https://github.com/zowe/zowe-cli/issues/498</a:t>
-            </a:r>
-            <a:r>
-              <a:rPr lang="en-US" sz="1100" dirty="0" smtClean="0"/>
-              <a:t/>
-            </a:r>
-            <a:br>
-              <a:rPr lang="en-US" sz="1100" dirty="0" smtClean="0"/>
-            </a:br>
-            <a:endParaRPr lang="en-US" sz="1100" dirty="0" smtClean="0"/>
-          </a:p>
-          <a:p>
-            <a:pPr marL="387270" indent="-285750">
-              <a:spcBef>
-                <a:spcPts val="400"/>
-              </a:spcBef>
-              <a:buFont typeface="Wingdings" pitchFamily="2" charset="2"/>
-              <a:buChar char="Ø"/>
-            </a:pPr>
-            <a:r>
-              <a:rPr lang="en-US" sz="1100" dirty="0" smtClean="0"/>
-              <a:t>Allow for recently run commands to be easily recalled. Recalling commands today tends to be difficult especially when switching terminals and mistyping commands is common.</a:t>
-            </a:r>
-            <a:br>
-              <a:rPr lang="en-US" sz="1100" dirty="0" smtClean="0"/>
-            </a:br>
-            <a:endParaRPr lang="en-US" sz="1100" dirty="0" smtClean="0"/>
-          </a:p>
-          <a:p>
-            <a:pPr marL="387270" indent="-285750">
-              <a:spcBef>
-                <a:spcPts val="400"/>
-              </a:spcBef>
-              <a:buFont typeface="Wingdings" pitchFamily="2" charset="2"/>
-              <a:buChar char="Ø"/>
-            </a:pPr>
-            <a:r>
-              <a:rPr lang="en-US" sz="1100" dirty="0" smtClean="0"/>
-              <a:t>Ensure </a:t>
-            </a:r>
-            <a:r>
-              <a:rPr lang="en-US" sz="1100" dirty="0" err="1" smtClean="0"/>
-              <a:t>Zowe</a:t>
-            </a:r>
-            <a:r>
-              <a:rPr lang="en-US" sz="1100" dirty="0" smtClean="0"/>
-              <a:t> CLI functions properly in a </a:t>
-            </a:r>
-            <a:r>
-              <a:rPr lang="en-US" sz="1100" dirty="0" err="1" smtClean="0"/>
-              <a:t>CodeReady</a:t>
-            </a:r>
-            <a:r>
-              <a:rPr lang="en-US" sz="1100" dirty="0" smtClean="0"/>
-              <a:t> Workspace. Open question: would IBM be able to provide a </a:t>
-            </a:r>
-            <a:r>
-              <a:rPr lang="en-US" sz="1100" dirty="0" err="1" smtClean="0"/>
-              <a:t>CodeReady</a:t>
-            </a:r>
-            <a:r>
-              <a:rPr lang="en-US" sz="1100" dirty="0" smtClean="0"/>
-              <a:t> Workspace to the community that the squad could leverage to validate </a:t>
-            </a:r>
-            <a:r>
-              <a:rPr lang="en-US" sz="1100" dirty="0" err="1" smtClean="0"/>
-              <a:t>Zowe</a:t>
-            </a:r>
-            <a:r>
-              <a:rPr lang="en-US" sz="1100" dirty="0" smtClean="0"/>
-              <a:t> CLI (possible </a:t>
-            </a:r>
-            <a:r>
-              <a:rPr lang="en-US" sz="1100" dirty="0" err="1" smtClean="0"/>
-              <a:t>Zowe</a:t>
-            </a:r>
-            <a:r>
-              <a:rPr lang="en-US" sz="1100" dirty="0" smtClean="0"/>
-              <a:t> Explorer in the future?)</a:t>
-            </a:r>
-          </a:p>
-          <a:p>
-            <a:pPr marL="101520">
-              <a:spcBef>
-                <a:spcPts val="400"/>
-              </a:spcBef>
-            </a:pPr>
-            <a:endParaRPr lang="en-US" sz="1100" dirty="0"/>
+            <a:pPr marL="158760">
+              <a:lnSpc>
+                <a:spcPct val="100000"/>
+              </a:lnSpc>
+            </a:pPr>
+            <a:r>
+              <a:rPr lang="en-US" sz="1100" b="0" strike="noStrike" spc="-1">
+                <a:solidFill>
+                  <a:srgbClr val="000000"/>
+                </a:solidFill>
+                <a:latin typeface="Arial"/>
+                <a:ea typeface="Arial"/>
+              </a:rPr>
+              <a:t>Zowe Client apps will need to be updated to support client certs</a:t>
+            </a:r>
+            <a:endParaRPr lang="en-US" sz="1100" b="0" strike="noStrike" spc="-1">
+              <a:latin typeface="Arial"/>
+            </a:endParaRPr>
+          </a:p>
+          <a:p>
+            <a:pPr marL="158760">
+              <a:lnSpc>
+                <a:spcPct val="100000"/>
+              </a:lnSpc>
+            </a:pPr>
+            <a:r>
+              <a:rPr lang="en-US" sz="1100" b="0" strike="noStrike" spc="-1">
+                <a:solidFill>
+                  <a:srgbClr val="000000"/>
+                </a:solidFill>
+                <a:latin typeface="Arial"/>
+                <a:ea typeface="Arial"/>
+              </a:rPr>
+              <a:t>Customer apps may have their own way of supporting client certs</a:t>
+            </a:r>
+            <a:endParaRPr lang="en-US" sz="1100" b="0" strike="noStrike" spc="-1">
+              <a:latin typeface="Arial"/>
+            </a:endParaRPr>
+          </a:p>
+          <a:p>
+            <a:pPr marL="158760">
+              <a:lnSpc>
+                <a:spcPct val="100000"/>
+              </a:lnSpc>
+            </a:pPr>
+            <a:endParaRPr lang="en-US" sz="1100" b="0" strike="noStrike" spc="-1">
+              <a:latin typeface="Arial"/>
+            </a:endParaRPr>
           </a:p>
         </p:txBody>
       </p:sp>
     </p:spTree>
     <p:extLst>
       <p:ext uri="{BB962C8B-B14F-4D97-AF65-F5344CB8AC3E}">
-        <p14:creationId xmlns:p14="http://schemas.microsoft.com/office/powerpoint/2010/main" val="335182321"/>
+        <p14:creationId xmlns:p14="http://schemas.microsoft.com/office/powerpoint/2010/main" val="1361380048"/>
       </p:ext>
     </p:extLst>
   </p:cSld>
@@ -1440,7 +1303,7 @@
               <a:rPr lang="en-US" sz="1400" b="0" strike="noStrike" spc="-1" smtClean="0">
                 <a:latin typeface="Times New Roman"/>
               </a:rPr>
-              <a:t>22</a:t>
+              <a:t>25</a:t>
             </a:fld>
             <a:endParaRPr lang="en-US" sz="1400" b="0" strike="noStrike" spc="-1">
               <a:latin typeface="Times New Roman"/>
@@ -1523,98 +1386,312 @@
           </a:bodyPr>
           <a:lstStyle/>
           <a:p>
-            <a:pPr marL="158760">
-              <a:lnSpc>
-                <a:spcPct val="100000"/>
-              </a:lnSpc>
-            </a:pPr>
-            <a:r>
-              <a:rPr lang="en-US" sz="1100" b="0" strike="noStrike" spc="-1">
-                <a:solidFill>
-                  <a:srgbClr val="000000"/>
-                </a:solidFill>
+            <a:pPr marL="387270" indent="-285750">
+              <a:spcBef>
+                <a:spcPts val="400"/>
+              </a:spcBef>
+              <a:buFont typeface="Wingdings" pitchFamily="2" charset="2"/>
+              <a:buChar char="Ø"/>
+            </a:pPr>
+            <a:r>
+              <a:rPr lang="en-US" sz="1100" b="0" strike="noStrike" spc="-1" dirty="0" smtClean="0">
                 <a:latin typeface="Arial"/>
-                <a:ea typeface="Arial"/>
-              </a:rPr>
-              <a:t>Notes: </a:t>
-            </a:r>
-            <a:endParaRPr lang="en-US" sz="1100" b="0" strike="noStrike" spc="-1">
+              </a:rPr>
+              <a:t>Notes:</a:t>
+            </a:r>
+            <a:br>
+              <a:rPr lang="en-US" sz="1100" b="0" strike="noStrike" spc="-1" dirty="0" smtClean="0">
+                <a:latin typeface="Arial"/>
+              </a:rPr>
+            </a:br>
+            <a:r>
+              <a:rPr lang="en-US" dirty="0" smtClean="0"/>
+              <a:t>Address growing number of community enhancement requests</a:t>
+            </a:r>
+          </a:p>
+          <a:p>
+            <a:pPr marL="844470" lvl="1" indent="-285750">
+              <a:spcBef>
+                <a:spcPts val="400"/>
+              </a:spcBef>
+              <a:buFont typeface="Wingdings" pitchFamily="2" charset="2"/>
+              <a:buChar char="Ø"/>
+            </a:pPr>
+            <a:r>
+              <a:rPr lang="en-US" u="sng" dirty="0" err="1" smtClean="0">
+                <a:hlinkClick r:id="rId3"/>
+              </a:rPr>
+              <a:t>zowe</a:t>
+            </a:r>
+            <a:r>
+              <a:rPr lang="en-US" u="sng" dirty="0" smtClean="0">
+                <a:hlinkClick r:id="rId3"/>
+              </a:rPr>
+              <a:t> zos-files copy data-set : no replace option #808</a:t>
+            </a:r>
+            <a:endParaRPr lang="en-US" u="sng" dirty="0" smtClean="0"/>
+          </a:p>
+          <a:p>
+            <a:pPr marL="844470" lvl="1" indent="-285750">
+              <a:spcBef>
+                <a:spcPts val="400"/>
+              </a:spcBef>
+              <a:buFont typeface="Wingdings" pitchFamily="2" charset="2"/>
+              <a:buChar char="Ø"/>
+            </a:pPr>
+            <a:r>
+              <a:rPr lang="en-US" u="sng" dirty="0" smtClean="0">
+                <a:hlinkClick r:id="rId4"/>
+              </a:rPr>
+              <a:t>Question : how to "nullify" an option in a profile #797</a:t>
+            </a:r>
+            <a:r>
+              <a:rPr lang="en-US" dirty="0" smtClean="0"/>
+              <a:t> </a:t>
+            </a:r>
+          </a:p>
+          <a:p>
+            <a:pPr marL="844470" lvl="1" indent="-285750">
+              <a:spcBef>
+                <a:spcPts val="400"/>
+              </a:spcBef>
+              <a:buFont typeface="Wingdings" pitchFamily="2" charset="2"/>
+              <a:buChar char="Ø"/>
+            </a:pPr>
+            <a:r>
+              <a:rPr lang="en-US" u="sng" dirty="0" smtClean="0">
+                <a:hlinkClick r:id="rId5"/>
+              </a:rPr>
+              <a:t>copy data-set option should have replace option and list of members #789</a:t>
+            </a:r>
+            <a:endParaRPr lang="en-US" dirty="0" smtClean="0"/>
+          </a:p>
+          <a:p>
+            <a:pPr marL="844470" lvl="1" indent="-285750">
+              <a:spcBef>
+                <a:spcPts val="400"/>
+              </a:spcBef>
+              <a:buFont typeface="Wingdings" pitchFamily="2" charset="2"/>
+              <a:buChar char="Ø"/>
+            </a:pPr>
+            <a:r>
+              <a:rPr lang="en-US" u="sng" dirty="0" smtClean="0">
+                <a:hlinkClick r:id="rId6"/>
+              </a:rPr>
+              <a:t>Create PDS member option to </a:t>
+            </a:r>
+            <a:r>
+              <a:rPr lang="en-US" u="sng" dirty="0" err="1" smtClean="0">
+                <a:hlinkClick r:id="rId6"/>
+              </a:rPr>
+              <a:t>zowe</a:t>
+            </a:r>
+            <a:r>
+              <a:rPr lang="en-US" u="sng" dirty="0" smtClean="0">
+                <a:hlinkClick r:id="rId6"/>
+              </a:rPr>
+              <a:t> zos-files create data-set- function #773</a:t>
+            </a:r>
+            <a:endParaRPr lang="en-US" dirty="0" smtClean="0"/>
+          </a:p>
+          <a:p>
+            <a:pPr marL="844470" lvl="1" indent="-285750">
+              <a:spcBef>
+                <a:spcPts val="400"/>
+              </a:spcBef>
+              <a:buFont typeface="Wingdings" pitchFamily="2" charset="2"/>
+              <a:buChar char="Ø"/>
+            </a:pPr>
+            <a:r>
+              <a:rPr lang="en-US" u="sng" dirty="0" smtClean="0">
+                <a:hlinkClick r:id="rId7"/>
+              </a:rPr>
+              <a:t>LIKE parameter for </a:t>
+            </a:r>
+            <a:r>
+              <a:rPr lang="en-US" u="sng" dirty="0" err="1" smtClean="0">
+                <a:hlinkClick r:id="rId7"/>
+              </a:rPr>
+              <a:t>zowe</a:t>
+            </a:r>
+            <a:r>
+              <a:rPr lang="en-US" u="sng" dirty="0" smtClean="0">
+                <a:hlinkClick r:id="rId7"/>
+              </a:rPr>
+              <a:t> zos-files create data-set-* #771</a:t>
+            </a:r>
+            <a:endParaRPr lang="en-US" dirty="0" smtClean="0"/>
+          </a:p>
+          <a:p>
+            <a:pPr marL="844470" lvl="1" indent="-285750">
+              <a:spcBef>
+                <a:spcPts val="400"/>
+              </a:spcBef>
+              <a:buFont typeface="Wingdings" pitchFamily="2" charset="2"/>
+              <a:buChar char="Ø"/>
+            </a:pPr>
+            <a:r>
+              <a:rPr lang="en-US" u="sng" dirty="0" smtClean="0">
+                <a:hlinkClick r:id="rId8"/>
+              </a:rPr>
+              <a:t>Enable use of a pattern to restrict what member names are returned from listing of PDS members #810</a:t>
+            </a:r>
+            <a:endParaRPr lang="en-US" dirty="0" smtClean="0"/>
+          </a:p>
+          <a:p>
+            <a:pPr marL="844470" lvl="1" indent="-285750">
+              <a:spcBef>
+                <a:spcPts val="400"/>
+              </a:spcBef>
+              <a:buFont typeface="Wingdings" pitchFamily="2" charset="2"/>
+              <a:buChar char="Ø"/>
+            </a:pPr>
+            <a:r>
+              <a:rPr lang="en-US" u="sng" dirty="0" smtClean="0">
+                <a:hlinkClick r:id="rId9"/>
+              </a:rPr>
+              <a:t>Support the IBM z/OSMF header that allows record (support for VB binary) #539</a:t>
+            </a:r>
+            <a:endParaRPr lang="en-US" dirty="0" smtClean="0"/>
+          </a:p>
+          <a:p>
+            <a:pPr marL="101520">
+              <a:spcBef>
+                <a:spcPts val="400"/>
+              </a:spcBef>
+            </a:pPr>
+            <a:endParaRPr lang="en-US" sz="1100" b="0" strike="noStrike" spc="-1" dirty="0" smtClean="0">
               <a:latin typeface="Arial"/>
             </a:endParaRPr>
           </a:p>
           <a:p>
-            <a:pPr marL="158760">
-              <a:lnSpc>
-                <a:spcPct val="100000"/>
-              </a:lnSpc>
-            </a:pPr>
-            <a:r>
-              <a:rPr lang="en-US" sz="1100" b="0" strike="noStrike" spc="-1">
-                <a:solidFill>
-                  <a:srgbClr val="000000"/>
-                </a:solidFill>
-                <a:latin typeface="Arial"/>
-                <a:ea typeface="Arial"/>
-              </a:rPr>
-              <a:t>x.509 is one of the  industry standard ways of authenticating to backend services</a:t>
-            </a:r>
-            <a:endParaRPr lang="en-US" sz="1100" b="0" strike="noStrike" spc="-1">
-              <a:latin typeface="Arial"/>
-            </a:endParaRPr>
-          </a:p>
-          <a:p>
-            <a:pPr marL="158760">
-              <a:lnSpc>
-                <a:spcPct val="100000"/>
-              </a:lnSpc>
-            </a:pPr>
-            <a:r>
-              <a:rPr lang="en-US" sz="1100" b="0" strike="noStrike" spc="-1">
-                <a:solidFill>
-                  <a:srgbClr val="000000"/>
-                </a:solidFill>
-                <a:latin typeface="Arial"/>
-                <a:ea typeface="Arial"/>
-              </a:rPr>
-              <a:t>Zowe Client apps will need to be updated to support client certs</a:t>
-            </a:r>
-            <a:endParaRPr lang="en-US" sz="1100" b="0" strike="noStrike" spc="-1">
-              <a:latin typeface="Arial"/>
-            </a:endParaRPr>
-          </a:p>
-          <a:p>
-            <a:pPr marL="158760">
-              <a:lnSpc>
-                <a:spcPct val="100000"/>
-              </a:lnSpc>
-            </a:pPr>
-            <a:r>
-              <a:rPr lang="en-US" sz="1100" b="0" strike="noStrike" spc="-1">
-                <a:solidFill>
-                  <a:srgbClr val="000000"/>
-                </a:solidFill>
-                <a:latin typeface="Arial"/>
-                <a:ea typeface="Arial"/>
-              </a:rPr>
-              <a:t>Customer apps may have their own way of supporting client certs</a:t>
-            </a:r>
-            <a:endParaRPr lang="en-US" sz="1100" b="0" strike="noStrike" spc="-1">
-              <a:latin typeface="Arial"/>
-            </a:endParaRPr>
-          </a:p>
-          <a:p>
-            <a:pPr marL="158760">
-              <a:lnSpc>
-                <a:spcPct val="100000"/>
-              </a:lnSpc>
-            </a:pPr>
-            <a:endParaRPr lang="en-US" sz="1100" b="0" strike="noStrike" spc="-1">
-              <a:latin typeface="Arial"/>
-            </a:endParaRPr>
+            <a:pPr marL="387270" indent="-285750">
+              <a:spcBef>
+                <a:spcPts val="400"/>
+              </a:spcBef>
+              <a:buFont typeface="Wingdings" pitchFamily="2" charset="2"/>
+              <a:buChar char="Ø"/>
+            </a:pPr>
+            <a:r>
+              <a:rPr lang="en-US" sz="1100" dirty="0" smtClean="0"/>
+              <a:t>Ensure successful installation of the </a:t>
+            </a:r>
+            <a:r>
+              <a:rPr lang="en-US" sz="1100" dirty="0" err="1" smtClean="0"/>
+              <a:t>Zowe</a:t>
+            </a:r>
+            <a:r>
+              <a:rPr lang="en-US" sz="1100" dirty="0" smtClean="0"/>
+              <a:t> CLI in environments with proxies. Provide guidance on installing from public NPM via proxy but also suggest installing from the local package hosted on zowe.org as an alternative. </a:t>
+            </a:r>
+            <a:br>
+              <a:rPr lang="en-US" sz="1100" dirty="0" smtClean="0"/>
+            </a:br>
+            <a:r>
+              <a:rPr lang="en-US" sz="1100" dirty="0" smtClean="0"/>
+              <a:t>Also, address issue with using CLI to access mainframe environment over http proxy: </a:t>
+            </a:r>
+            <a:r>
+              <a:rPr lang="en-US" sz="1100" dirty="0" smtClean="0">
+                <a:hlinkClick r:id="rId10"/>
+              </a:rPr>
+              <a:t>https://github.com/zowe/zowe-cli/issues/498</a:t>
+            </a:r>
+            <a:r>
+              <a:rPr lang="en-US" sz="1100" dirty="0" smtClean="0"/>
+              <a:t/>
+            </a:r>
+            <a:br>
+              <a:rPr lang="en-US" sz="1100" dirty="0" smtClean="0"/>
+            </a:br>
+            <a:endParaRPr lang="en-US" sz="1100" dirty="0" smtClean="0"/>
+          </a:p>
+          <a:p>
+            <a:pPr marL="387270" indent="-285750">
+              <a:spcBef>
+                <a:spcPts val="400"/>
+              </a:spcBef>
+              <a:buFont typeface="Wingdings" pitchFamily="2" charset="2"/>
+              <a:buChar char="Ø"/>
+            </a:pPr>
+            <a:r>
+              <a:rPr lang="en-US" sz="1100" dirty="0" smtClean="0"/>
+              <a:t>Allow for recently run commands to be easily recalled. Recalling commands today tends to be difficult especially when switching terminals and mistyping commands is common.</a:t>
+            </a:r>
+            <a:br>
+              <a:rPr lang="en-US" sz="1100" dirty="0" smtClean="0"/>
+            </a:br>
+            <a:endParaRPr lang="en-US" sz="1100" dirty="0" smtClean="0"/>
+          </a:p>
+          <a:p>
+            <a:pPr marL="387270" indent="-285750">
+              <a:spcBef>
+                <a:spcPts val="400"/>
+              </a:spcBef>
+              <a:buFont typeface="Wingdings" pitchFamily="2" charset="2"/>
+              <a:buChar char="Ø"/>
+            </a:pPr>
+            <a:r>
+              <a:rPr lang="en-US" sz="1100" dirty="0" smtClean="0"/>
+              <a:t>Ensure </a:t>
+            </a:r>
+            <a:r>
+              <a:rPr lang="en-US" sz="1100" dirty="0" err="1" smtClean="0"/>
+              <a:t>Zowe</a:t>
+            </a:r>
+            <a:r>
+              <a:rPr lang="en-US" sz="1100" dirty="0" smtClean="0"/>
+              <a:t> CLI functions properly in a </a:t>
+            </a:r>
+            <a:r>
+              <a:rPr lang="en-US" sz="1100" dirty="0" err="1" smtClean="0"/>
+              <a:t>CodeReady</a:t>
+            </a:r>
+            <a:r>
+              <a:rPr lang="en-US" sz="1100" dirty="0" smtClean="0"/>
+              <a:t> Workspace. Open question: would IBM be able to provide a </a:t>
+            </a:r>
+            <a:r>
+              <a:rPr lang="en-US" sz="1100" dirty="0" err="1" smtClean="0"/>
+              <a:t>CodeReady</a:t>
+            </a:r>
+            <a:r>
+              <a:rPr lang="en-US" sz="1100" dirty="0" smtClean="0"/>
+              <a:t> Workspace to the community that the squad could leverage to validate </a:t>
+            </a:r>
+            <a:r>
+              <a:rPr lang="en-US" sz="1100" dirty="0" err="1" smtClean="0"/>
+              <a:t>Zowe</a:t>
+            </a:r>
+            <a:r>
+              <a:rPr lang="en-US" sz="1100" dirty="0" smtClean="0"/>
+              <a:t> CLI (possible </a:t>
+            </a:r>
+            <a:r>
+              <a:rPr lang="en-US" sz="1100" dirty="0" err="1" smtClean="0"/>
+              <a:t>Zowe</a:t>
+            </a:r>
+            <a:r>
+              <a:rPr lang="en-US" sz="1100" dirty="0" smtClean="0"/>
+              <a:t> Explorer in the future?)</a:t>
+            </a:r>
+          </a:p>
+          <a:p>
+            <a:pPr marL="101520">
+              <a:spcBef>
+                <a:spcPts val="400"/>
+              </a:spcBef>
+            </a:pPr>
+            <a:endParaRPr lang="en-US" sz="1100" dirty="0"/>
           </a:p>
         </p:txBody>
       </p:sp>
     </p:spTree>
+    <p:extLst>
+      <p:ext uri="{BB962C8B-B14F-4D97-AF65-F5344CB8AC3E}">
+        <p14:creationId xmlns:p14="http://schemas.microsoft.com/office/powerpoint/2010/main" val="335182321"/>
+      </p:ext>
+    </p:extLst>
   </p:cSld>
   <p:clrMapOvr>
     <a:masterClrMapping/>
@@ -1641,7 +1718,7 @@
       </p:grpSpPr>
       <p:sp>
         <p:nvSpPr>
-          <p:cNvPr id="243" name="PlaceHolder 1"/>
+          <p:cNvPr id="2" name="Slide Image Placeholder 1"/>
           <p:cNvSpPr>
             <a:spLocks noGrp="1" noRot="1" noChangeAspect="1"/>
           </p:cNvSpPr>
@@ -1651,126 +1728,54 @@
         </p:nvSpPr>
         <p:spPr>
           <a:xfrm>
-            <a:off x="381000" y="685800"/>
-            <a:ext cx="6096000" cy="3429000"/>
-          </a:xfrm>
-          <a:prstGeom prst="rect">
-            <a:avLst/>
-          </a:prstGeom>
-        </p:spPr>
-      </p:sp>
-      <p:sp>
-        <p:nvSpPr>
-          <p:cNvPr id="244" name="PlaceHolder 2"/>
+            <a:off x="533400" y="763588"/>
+            <a:ext cx="6704013" cy="3771900"/>
+          </a:xfrm>
+        </p:spPr>
+      </p:sp>
+      <p:sp>
+        <p:nvSpPr>
+          <p:cNvPr id="3" name="Notes Placeholder 2"/>
           <p:cNvSpPr>
             <a:spLocks noGrp="1"/>
           </p:cNvSpPr>
           <p:nvPr>
-            <p:ph type="body"/>
+            <p:ph type="body" idx="1"/>
           </p:nvPr>
         </p:nvSpPr>
-        <p:spPr>
-          <a:xfrm>
-            <a:off x="685800" y="4343400"/>
-            <a:ext cx="5486040" cy="4114440"/>
-          </a:xfrm>
-          <a:prstGeom prst="rect">
-            <a:avLst/>
-          </a:prstGeom>
-        </p:spPr>
-        <p:txBody>
-          <a:bodyPr tIns="91440" bIns="91440">
-            <a:noAutofit/>
-          </a:bodyPr>
-          <a:lstStyle/>
-          <a:p>
-            <a:pPr marL="158760">
-              <a:lnSpc>
-                <a:spcPct val="100000"/>
-              </a:lnSpc>
-            </a:pPr>
-            <a:r>
-              <a:rPr lang="en-US" sz="1100" b="0" strike="noStrike" spc="-1">
-                <a:solidFill>
-                  <a:srgbClr val="000000"/>
-                </a:solidFill>
-                <a:latin typeface="Arial"/>
-                <a:ea typeface="Arial"/>
-              </a:rPr>
-              <a:t>Notes: </a:t>
-            </a:r>
-            <a:endParaRPr lang="en-US" sz="1100" b="0" strike="noStrike" spc="-1">
-              <a:latin typeface="Arial"/>
-            </a:endParaRPr>
-          </a:p>
-          <a:p>
-            <a:pPr marL="158760">
-              <a:lnSpc>
-                <a:spcPct val="100000"/>
-              </a:lnSpc>
-            </a:pPr>
-            <a:r>
-              <a:rPr lang="en-US" sz="1100" b="0" strike="noStrike" spc="-1">
-                <a:solidFill>
-                  <a:srgbClr val="000000"/>
-                </a:solidFill>
-                <a:latin typeface="Arial"/>
-                <a:ea typeface="Arial"/>
-              </a:rPr>
-              <a:t>x.509 is one of the  industry standard ways of authenticating to backend services</a:t>
-            </a:r>
-            <a:endParaRPr lang="en-US" sz="1100" b="0" strike="noStrike" spc="-1">
-              <a:latin typeface="Arial"/>
-            </a:endParaRPr>
-          </a:p>
-          <a:p>
-            <a:pPr marL="158760">
-              <a:lnSpc>
-                <a:spcPct val="100000"/>
-              </a:lnSpc>
-            </a:pPr>
-            <a:r>
-              <a:rPr lang="en-US" sz="1100" b="0" strike="noStrike" spc="-1">
-                <a:solidFill>
-                  <a:srgbClr val="000000"/>
-                </a:solidFill>
-                <a:latin typeface="Arial"/>
-                <a:ea typeface="Arial"/>
-              </a:rPr>
-              <a:t>Zowe Client apps will need to be updated to support client certs</a:t>
-            </a:r>
-            <a:endParaRPr lang="en-US" sz="1100" b="0" strike="noStrike" spc="-1">
-              <a:latin typeface="Arial"/>
-            </a:endParaRPr>
-          </a:p>
-          <a:p>
-            <a:pPr marL="158760">
-              <a:lnSpc>
-                <a:spcPct val="100000"/>
-              </a:lnSpc>
-            </a:pPr>
-            <a:r>
-              <a:rPr lang="en-US" sz="1100" b="0" strike="noStrike" spc="-1">
-                <a:solidFill>
-                  <a:srgbClr val="000000"/>
-                </a:solidFill>
-                <a:latin typeface="Arial"/>
-                <a:ea typeface="Arial"/>
-              </a:rPr>
-              <a:t>Customer apps may have their own way of supporting client certs</a:t>
-            </a:r>
-            <a:endParaRPr lang="en-US" sz="1100" b="0" strike="noStrike" spc="-1">
-              <a:latin typeface="Arial"/>
-            </a:endParaRPr>
-          </a:p>
-          <a:p>
-            <a:pPr marL="158760">
-              <a:lnSpc>
-                <a:spcPct val="100000"/>
-              </a:lnSpc>
-            </a:pPr>
-            <a:endParaRPr lang="en-US" sz="1100" b="0" strike="noStrike" spc="-1">
-              <a:latin typeface="Arial"/>
+        <p:spPr/>
+        <p:txBody>
+          <a:bodyPr/>
+          <a:lstStyle/>
+          <a:p>
+            <a:endParaRPr lang="en-US" dirty="0"/>
+          </a:p>
+        </p:txBody>
+      </p:sp>
+      <p:sp>
+        <p:nvSpPr>
+          <p:cNvPr id="4" name="Slide Number Placeholder 3"/>
+          <p:cNvSpPr>
+            <a:spLocks noGrp="1"/>
+          </p:cNvSpPr>
+          <p:nvPr>
+            <p:ph type="sldNum"/>
+          </p:nvPr>
+        </p:nvSpPr>
+        <p:spPr/>
+        <p:txBody>
+          <a:bodyPr/>
+          <a:lstStyle/>
+          <a:p>
+            <a:pPr algn="r"/>
+            <a:fld id="{BA3CDCDB-E9EF-4257-93B9-33682187AA79}" type="slidenum">
+              <a:rPr lang="en-US" sz="1400" b="0" strike="noStrike" spc="-1" smtClean="0">
+                <a:latin typeface="Times New Roman"/>
+              </a:rPr>
+              <a:t>11</a:t>
+            </a:fld>
+            <a:endParaRPr lang="en-US" sz="1400" b="0" strike="noStrike" spc="-1">
+              <a:latin typeface="Times New Roman"/>
             </a:endParaRPr>
           </a:p>
         </p:txBody>
@@ -1778,7 +1783,7 @@
     </p:spTree>
     <p:extLst>
       <p:ext uri="{BB962C8B-B14F-4D97-AF65-F5344CB8AC3E}">
-        <p14:creationId xmlns:p14="http://schemas.microsoft.com/office/powerpoint/2010/main" val="3714303811"/>
+        <p14:creationId xmlns:p14="http://schemas.microsoft.com/office/powerpoint/2010/main" val="3725876168"/>
       </p:ext>
     </p:extLst>
   </p:cSld>
@@ -1942,11 +1947,6 @@
         </p:txBody>
       </p:sp>
     </p:spTree>
-    <p:extLst>
-      <p:ext uri="{BB962C8B-B14F-4D97-AF65-F5344CB8AC3E}">
-        <p14:creationId xmlns:p14="http://schemas.microsoft.com/office/powerpoint/2010/main" val="2284638772"/>
-      </p:ext>
-    </p:extLst>
   </p:cSld>
   <p:clrMapOvr>
     <a:masterClrMapping/>
@@ -2110,7 +2110,7 @@
     </p:spTree>
     <p:extLst>
       <p:ext uri="{BB962C8B-B14F-4D97-AF65-F5344CB8AC3E}">
-        <p14:creationId xmlns:p14="http://schemas.microsoft.com/office/powerpoint/2010/main" val="1361380048"/>
+        <p14:creationId xmlns:p14="http://schemas.microsoft.com/office/powerpoint/2010/main" val="3714303811"/>
       </p:ext>
     </p:extLst>
   </p:cSld>
@@ -2276,7 +2276,7 @@
     </p:spTree>
     <p:extLst>
       <p:ext uri="{BB962C8B-B14F-4D97-AF65-F5344CB8AC3E}">
-        <p14:creationId xmlns:p14="http://schemas.microsoft.com/office/powerpoint/2010/main" val="1361380048"/>
+        <p14:creationId xmlns:p14="http://schemas.microsoft.com/office/powerpoint/2010/main" val="2284638772"/>
       </p:ext>
     </p:extLst>
   </p:cSld>
@@ -11700,14 +11700,14 @@
       </p:grpSpPr>
       <p:sp>
         <p:nvSpPr>
-          <p:cNvPr id="182" name="TextShape 1"/>
+          <p:cNvPr id="179" name="TextShape 1"/>
           <p:cNvSpPr txBox="1"/>
           <p:nvPr/>
         </p:nvSpPr>
         <p:spPr>
           <a:xfrm>
-            <a:off x="334080" y="159480"/>
-            <a:ext cx="7893720" cy="447120"/>
+            <a:off x="308520" y="3525840"/>
+            <a:ext cx="6446160" cy="392040"/>
           </a:xfrm>
           <a:prstGeom prst="rect">
             <a:avLst/>
@@ -11718,265 +11718,81 @@
           </a:ln>
         </p:spPr>
         <p:txBody>
-          <a:bodyPr tIns="91440" bIns="91440" anchor="ctr">
+          <a:bodyPr lIns="0" tIns="0" rIns="0" bIns="0" anchor="b">
             <a:noAutofit/>
           </a:bodyPr>
           <a:lstStyle/>
           <a:p>
-            <a:pPr>
+            <a:pPr marL="457200" indent="-228240">
               <a:lnSpc>
-                <a:spcPct val="100000"/>
+                <a:spcPct val="85000"/>
               </a:lnSpc>
-            </a:pPr>
-            <a:r>
-              <a:rPr lang="en-US" sz="3000" spc="-1" dirty="0">
-                <a:solidFill>
-                  <a:srgbClr val="262626"/>
-                </a:solidFill>
-                <a:latin typeface="+mj-lt"/>
-                <a:ea typeface="Gill Sans"/>
-              </a:rPr>
-              <a:t>CI/CD – </a:t>
-            </a:r>
-            <a:r>
-              <a:rPr lang="en-GB" sz="3200" dirty="0">
-                <a:solidFill>
-                  <a:srgbClr val="222222"/>
-                </a:solidFill>
-                <a:effectLst/>
-                <a:latin typeface="+mj-lt"/>
-              </a:rPr>
-              <a:t>Automated testing catch-up</a:t>
+              <a:spcBef>
+                <a:spcPts val="901"/>
+              </a:spcBef>
+            </a:pPr>
+            <a:r>
+              <a:rPr lang="en-US" sz="3000" b="1" strike="noStrike" spc="-1" dirty="0">
+                <a:solidFill>
+                  <a:srgbClr val="000000"/>
+                </a:solidFill>
+                <a:latin typeface="Arial"/>
+                <a:ea typeface="Arial"/>
+              </a:rPr>
+              <a:t>System Squad Focus</a:t>
             </a:r>
             <a:endParaRPr lang="en-US" sz="3000" b="0" strike="noStrike" spc="-1" dirty="0">
               <a:solidFill>
                 <a:srgbClr val="000000"/>
               </a:solidFill>
-              <a:latin typeface="+mj-lt"/>
-            </a:endParaRPr>
-          </a:p>
-        </p:txBody>
-      </p:sp>
-      <p:sp>
-        <p:nvSpPr>
-          <p:cNvPr id="183" name="TextShape 2"/>
-          <p:cNvSpPr txBox="1"/>
-          <p:nvPr/>
-        </p:nvSpPr>
-        <p:spPr>
-          <a:xfrm>
-            <a:off x="405518" y="993913"/>
-            <a:ext cx="8269762" cy="3808676"/>
-          </a:xfrm>
-          <a:prstGeom prst="rect">
-            <a:avLst/>
-          </a:prstGeom>
-          <a:noFill/>
-          <a:ln>
-            <a:noFill/>
-          </a:ln>
-        </p:spPr>
-        <p:txBody>
-          <a:bodyPr tIns="91440" bIns="91440">
-            <a:noAutofit/>
-          </a:bodyPr>
-          <a:lstStyle/>
-          <a:p>
-            <a:pPr marL="387270" indent="-285750">
+              <a:latin typeface="Arial"/>
+            </a:endParaRPr>
+          </a:p>
+          <a:p>
+            <a:pPr marL="457200" indent="-228240">
+              <a:lnSpc>
+                <a:spcPct val="85000"/>
+              </a:lnSpc>
               <a:spcBef>
-                <a:spcPts val="400"/>
+                <a:spcPts val="901"/>
               </a:spcBef>
-              <a:buFont typeface="Wingdings" pitchFamily="2" charset="2"/>
-              <a:buChar char="Ø"/>
-            </a:pPr>
-            <a:r>
-              <a:rPr lang="en-GB" sz="2000" dirty="0">
-                <a:solidFill>
-                  <a:srgbClr val="222222"/>
-                </a:solidFill>
-                <a:effectLst/>
-                <a:latin typeface="+mj-lt"/>
-              </a:rPr>
-              <a:t>Decide on and complete what testing we require for keyrings and </a:t>
-            </a:r>
-            <a:r>
-              <a:rPr lang="en-GB" sz="2000" dirty="0" err="1">
-                <a:solidFill>
-                  <a:srgbClr val="222222"/>
-                </a:solidFill>
-                <a:effectLst/>
-                <a:latin typeface="+mj-lt"/>
-              </a:rPr>
-              <a:t>uss</a:t>
-            </a:r>
-            <a:r>
-              <a:rPr lang="en-GB" sz="2000" dirty="0">
-                <a:solidFill>
-                  <a:srgbClr val="222222"/>
-                </a:solidFill>
-                <a:effectLst/>
-                <a:latin typeface="+mj-lt"/>
-              </a:rPr>
-              <a:t> certificates </a:t>
-            </a:r>
-          </a:p>
-          <a:p>
-            <a:pPr marL="844470" lvl="1" indent="-285750">
-              <a:spcBef>
-                <a:spcPts val="400"/>
-              </a:spcBef>
-              <a:buFont typeface="Arial" panose="020B0604020202020204" pitchFamily="34" charset="0"/>
-              <a:buChar char="•"/>
-            </a:pPr>
-            <a:r>
-              <a:rPr lang="en-GB" dirty="0">
-                <a:solidFill>
-                  <a:srgbClr val="222222"/>
-                </a:solidFill>
-                <a:effectLst/>
-                <a:latin typeface="+mj-lt"/>
-              </a:rPr>
-              <a:t>(eg better TSS and ACF2 support for keyrings, more certificate scenarios like importing external certificates)</a:t>
-            </a:r>
-          </a:p>
-          <a:p>
-            <a:pPr marL="387270" indent="-285750">
-              <a:spcBef>
-                <a:spcPts val="400"/>
-              </a:spcBef>
-              <a:buFont typeface="Wingdings" pitchFamily="2" charset="2"/>
-              <a:buChar char="Ø"/>
-            </a:pPr>
-            <a:endParaRPr lang="en-GB" spc="-1" dirty="0">
-              <a:solidFill>
-                <a:srgbClr val="222222"/>
-              </a:solidFill>
-              <a:latin typeface="+mj-lt"/>
-              <a:ea typeface="Gill Sans"/>
-            </a:endParaRPr>
-          </a:p>
-          <a:p>
-            <a:pPr marL="387270" indent="-285750">
-              <a:spcBef>
-                <a:spcPts val="400"/>
-              </a:spcBef>
-              <a:buFont typeface="Wingdings" pitchFamily="2" charset="2"/>
-              <a:buChar char="Ø"/>
-            </a:pPr>
-            <a:r>
-              <a:rPr lang="en-GB" sz="2000" dirty="0" err="1">
-                <a:solidFill>
-                  <a:srgbClr val="222222"/>
-                </a:solidFill>
-                <a:effectLst/>
-                <a:latin typeface="+mj-lt"/>
-              </a:rPr>
-              <a:t>zlux</a:t>
-            </a:r>
-            <a:r>
-              <a:rPr lang="en-GB" sz="2000" dirty="0">
-                <a:solidFill>
-                  <a:srgbClr val="222222"/>
-                </a:solidFill>
-                <a:effectLst/>
-                <a:latin typeface="+mj-lt"/>
-              </a:rPr>
-              <a:t> and </a:t>
-            </a:r>
-            <a:r>
-              <a:rPr lang="en-GB" sz="2000" dirty="0" err="1">
-                <a:solidFill>
-                  <a:srgbClr val="222222"/>
-                </a:solidFill>
-                <a:effectLst/>
-                <a:latin typeface="+mj-lt"/>
-              </a:rPr>
-              <a:t>apiml</a:t>
-            </a:r>
-            <a:r>
-              <a:rPr lang="en-GB" sz="2000" dirty="0">
-                <a:solidFill>
-                  <a:srgbClr val="222222"/>
-                </a:solidFill>
-                <a:effectLst/>
-                <a:latin typeface="+mj-lt"/>
-              </a:rPr>
-              <a:t> component testing into open source</a:t>
-            </a:r>
-          </a:p>
-          <a:p>
-            <a:pPr marL="387270" indent="-285750">
-              <a:spcBef>
-                <a:spcPts val="400"/>
-              </a:spcBef>
-              <a:buFont typeface="Wingdings" pitchFamily="2" charset="2"/>
-              <a:buChar char="Ø"/>
-            </a:pPr>
-            <a:endParaRPr lang="en-GB" sz="2000" spc="-1" dirty="0">
-              <a:solidFill>
-                <a:srgbClr val="222222"/>
-              </a:solidFill>
-              <a:latin typeface="+mj-lt"/>
-              <a:ea typeface="Gill Sans"/>
-            </a:endParaRPr>
-          </a:p>
-          <a:p>
-            <a:pPr marL="387270" indent="-285750">
-              <a:spcBef>
-                <a:spcPts val="400"/>
-              </a:spcBef>
-              <a:buFont typeface="Wingdings" pitchFamily="2" charset="2"/>
-              <a:buChar char="Ø"/>
-            </a:pPr>
-            <a:r>
-              <a:rPr lang="en-GB" sz="2000" dirty="0">
-                <a:solidFill>
-                  <a:srgbClr val="222222"/>
-                </a:solidFill>
-                <a:effectLst/>
-                <a:latin typeface="+mj-lt"/>
-              </a:rPr>
-              <a:t>Support ACF2 and TSS with the </a:t>
-            </a:r>
-            <a:r>
-              <a:rPr lang="en-GB" sz="2000" dirty="0" err="1">
-                <a:solidFill>
-                  <a:srgbClr val="222222"/>
-                </a:solidFill>
-                <a:effectLst/>
-                <a:latin typeface="+mj-lt"/>
-              </a:rPr>
-              <a:t>Zowe</a:t>
-            </a:r>
-            <a:r>
-              <a:rPr lang="en-GB" sz="2000" dirty="0">
-                <a:solidFill>
-                  <a:srgbClr val="222222"/>
-                </a:solidFill>
-                <a:effectLst/>
-                <a:latin typeface="+mj-lt"/>
-              </a:rPr>
-              <a:t> security set up</a:t>
-            </a:r>
-            <a:endParaRPr lang="en-US" sz="2000" spc="-1" dirty="0">
-              <a:latin typeface="+mj-lt"/>
-              <a:ea typeface="Gill Sans"/>
+            </a:pPr>
+            <a:r>
+              <a:rPr lang="en-US" sz="2000" b="1" spc="-1" dirty="0">
+                <a:solidFill>
+                  <a:srgbClr val="000000"/>
+                </a:solidFill>
+                <a:latin typeface="Arial"/>
+                <a:ea typeface="Arial"/>
+              </a:rPr>
+              <a:t>TBD</a:t>
+            </a:r>
+            <a:r>
+              <a:rPr lang="en-US" sz="2000" b="1" strike="noStrike" spc="-1" dirty="0">
+                <a:solidFill>
+                  <a:srgbClr val="000000"/>
+                </a:solidFill>
+                <a:latin typeface="Arial"/>
+                <a:ea typeface="Arial"/>
+              </a:rPr>
+              <a:t> (Squad Lead)</a:t>
+            </a:r>
+            <a:endParaRPr lang="en-US" sz="2000" b="0" strike="noStrike" spc="-1" dirty="0">
+              <a:solidFill>
+                <a:srgbClr val="000000"/>
+              </a:solidFill>
+              <a:latin typeface="Arial"/>
             </a:endParaRPr>
           </a:p>
         </p:txBody>
       </p:sp>
     </p:spTree>
-    <p:extLst>
-      <p:ext uri="{BB962C8B-B14F-4D97-AF65-F5344CB8AC3E}">
-        <p14:creationId xmlns:p14="http://schemas.microsoft.com/office/powerpoint/2010/main" val="442466579"/>
-      </p:ext>
-    </p:extLst>
   </p:cSld>
   <p:clrMapOvr>
     <a:masterClrMapping/>
   </p:clrMapOvr>
   <p:transition spd="med">
-    <p:fade thruBlk="1"/>
+    <p:fade/>
   </p:transition>
   <p:timing>
     <p:tnLst>
@@ -12027,7 +11843,7 @@
       </p:grpSpPr>
       <p:sp>
         <p:nvSpPr>
-          <p:cNvPr id="182" name="TextShape 1"/>
+          <p:cNvPr id="180" name="TextShape 1"/>
           <p:cNvSpPr txBox="1"/>
           <p:nvPr/>
         </p:nvSpPr>
@@ -12056,24 +11872,14 @@
               </a:lnSpc>
             </a:pPr>
             <a:r>
-              <a:rPr lang="en-US" sz="3000" spc="-1" dirty="0">
+              <a:rPr lang="en-US" sz="3000" b="0" strike="noStrike" spc="-1" dirty="0">
                 <a:solidFill>
                   <a:srgbClr val="262626"/>
                 </a:solidFill>
                 <a:latin typeface="+mj-lt"/>
                 <a:ea typeface="Gill Sans"/>
               </a:rPr>
-              <a:t>CI/CD – </a:t>
-            </a:r>
-            <a:r>
-              <a:rPr lang="en-GB" sz="3200" dirty="0">
-                <a:solidFill>
-                  <a:srgbClr val="222222"/>
-                </a:solidFill>
-                <a:effectLst/>
-                <a:latin typeface="+mj-lt"/>
-              </a:rPr>
-              <a:t>Monitoring of infrastructure</a:t>
+              <a:t>Dependencies</a:t>
             </a:r>
             <a:endParaRPr lang="en-US" sz="3000" b="0" strike="noStrike" spc="-1" dirty="0">
               <a:solidFill>
@@ -12086,14 +11892,14 @@
       </p:sp>
       <p:sp>
         <p:nvSpPr>
-          <p:cNvPr id="183" name="TextShape 2"/>
+          <p:cNvPr id="181" name="TextShape 2"/>
           <p:cNvSpPr txBox="1"/>
           <p:nvPr/>
         </p:nvSpPr>
         <p:spPr>
           <a:xfrm>
-            <a:off x="405518" y="993913"/>
-            <a:ext cx="8269762" cy="3808676"/>
+            <a:off x="306360" y="774000"/>
+            <a:ext cx="8368920" cy="4147560"/>
           </a:xfrm>
           <a:prstGeom prst="rect">
             <a:avLst/>
@@ -12109,264 +11915,297 @@
           </a:bodyPr>
           <a:lstStyle/>
           <a:p>
-            <a:pPr marL="387270" indent="-285750">
+            <a:pPr marL="457200" indent="-355320">
+              <a:lnSpc>
+                <a:spcPct val="100000"/>
+              </a:lnSpc>
               <a:spcBef>
                 <a:spcPts val="400"/>
               </a:spcBef>
-              <a:buFont typeface="Wingdings" pitchFamily="2" charset="2"/>
-              <a:buChar char="Ø"/>
-            </a:pPr>
-            <a:r>
-              <a:rPr lang="en-GB" sz="1600" dirty="0">
-                <a:solidFill>
-                  <a:srgbClr val="222222"/>
-                </a:solidFill>
-                <a:effectLst/>
+              <a:buClr>
+                <a:srgbClr val="000000"/>
+              </a:buClr>
+              <a:buFont typeface="Arial"/>
+              <a:buChar char="•"/>
+            </a:pPr>
+            <a:r>
+              <a:rPr lang="en-US" sz="2000" strike="noStrike" spc="-1" dirty="0">
+                <a:solidFill>
+                  <a:srgbClr val="000000"/>
+                </a:solidFill>
                 <a:latin typeface="+mj-lt"/>
-              </a:rPr>
-              <a:t>Discussed on a call - already set up more monitoring in IBM Cloud, can't track performance.</a:t>
-            </a:r>
-          </a:p>
-          <a:p>
-            <a:pPr marL="387270" indent="-285750">
+                <a:ea typeface="Gill Sans"/>
+                <a:cs typeface="Gill Sans" panose="020B0502020104020203" pitchFamily="34" charset="-79"/>
+              </a:rPr>
+              <a:t>As High Availability Theme moving to implementation stage, will need many su</a:t>
+            </a:r>
+            <a:r>
+              <a:rPr lang="en-US" sz="2000" spc="-1" dirty="0">
+                <a:solidFill>
+                  <a:srgbClr val="000000"/>
+                </a:solidFill>
+                <a:latin typeface="+mj-lt"/>
+                <a:ea typeface="Gill Sans"/>
+                <a:cs typeface="Gill Sans" panose="020B0502020104020203" pitchFamily="34" charset="-79"/>
+              </a:rPr>
+              <a:t>pports from other squads like PI3:</a:t>
+            </a:r>
+          </a:p>
+          <a:p>
+            <a:pPr marL="914400" lvl="1" indent="-355320">
               <a:spcBef>
                 <a:spcPts val="400"/>
               </a:spcBef>
-              <a:buFont typeface="Wingdings" pitchFamily="2" charset="2"/>
-              <a:buChar char="Ø"/>
-            </a:pPr>
-            <a:endParaRPr lang="en-GB" sz="1000" dirty="0">
-              <a:solidFill>
-                <a:srgbClr val="222222"/>
+              <a:buClr>
+                <a:srgbClr val="000000"/>
+              </a:buClr>
+              <a:buFont typeface="Arial"/>
+              <a:buChar char="•"/>
+            </a:pPr>
+            <a:r>
+              <a:rPr lang="en-US" sz="2000" strike="noStrike" spc="-1" dirty="0">
+                <a:solidFill>
+                  <a:srgbClr val="000000"/>
+                </a:solidFill>
+                <a:latin typeface="+mj-lt"/>
+                <a:cs typeface="Gill Sans" panose="020B0502020104020203" pitchFamily="34" charset="-79"/>
+              </a:rPr>
+              <a:t>API ML Squad </a:t>
+            </a:r>
+            <a:r>
+              <a:rPr lang="en-US" sz="2000" spc="-1" dirty="0">
+                <a:solidFill>
+                  <a:srgbClr val="000000"/>
+                </a:solidFill>
+                <a:latin typeface="+mj-lt"/>
+                <a:cs typeface="Gill Sans" panose="020B0502020104020203" pitchFamily="34" charset="-79"/>
+              </a:rPr>
+              <a:t>–</a:t>
+            </a:r>
+            <a:r>
+              <a:rPr lang="en-US" sz="2000" strike="noStrike" spc="-1" dirty="0">
+                <a:solidFill>
+                  <a:srgbClr val="000000"/>
+                </a:solidFill>
+                <a:latin typeface="+mj-lt"/>
+                <a:cs typeface="Gill Sans" panose="020B0502020104020203" pitchFamily="34" charset="-79"/>
+              </a:rPr>
+              <a:t> Caching API,  APIML packaging, certificates, </a:t>
+            </a:r>
+            <a:r>
+              <a:rPr lang="en-US" sz="2000" strike="noStrike" spc="-1" dirty="0" err="1">
+                <a:solidFill>
+                  <a:srgbClr val="000000"/>
+                </a:solidFill>
+                <a:latin typeface="+mj-lt"/>
+                <a:cs typeface="Gill Sans" panose="020B0502020104020203" pitchFamily="34" charset="-79"/>
+              </a:rPr>
+              <a:t>etc</a:t>
+            </a:r>
+            <a:endParaRPr lang="en-US" sz="2000" strike="noStrike" spc="-1" dirty="0">
+              <a:solidFill>
+                <a:srgbClr val="000000"/>
               </a:solidFill>
               <a:latin typeface="+mj-lt"/>
-            </a:endParaRPr>
-          </a:p>
-          <a:p>
-            <a:pPr marL="387270" indent="-285750">
+              <a:cs typeface="Gill Sans" panose="020B0502020104020203" pitchFamily="34" charset="-79"/>
+            </a:endParaRPr>
+          </a:p>
+          <a:p>
+            <a:pPr marL="914400" lvl="1" indent="-355320">
               <a:spcBef>
                 <a:spcPts val="400"/>
               </a:spcBef>
-              <a:buFont typeface="Wingdings" pitchFamily="2" charset="2"/>
-              <a:buChar char="Ø"/>
-            </a:pPr>
-            <a:r>
-              <a:rPr lang="en-GB" sz="1600" dirty="0">
-                <a:solidFill>
-                  <a:srgbClr val="222222"/>
-                </a:solidFill>
-                <a:effectLst/>
+              <a:buClr>
+                <a:srgbClr val="000000"/>
+              </a:buClr>
+              <a:buFont typeface="Arial"/>
+              <a:buChar char="•"/>
+            </a:pPr>
+            <a:r>
+              <a:rPr lang="en-US" sz="2000" spc="-1" dirty="0">
+                <a:solidFill>
+                  <a:srgbClr val="000000"/>
+                </a:solidFill>
                 <a:latin typeface="+mj-lt"/>
-              </a:rPr>
-              <a:t>Want to be able to measure performance and catch potential issues in advance</a:t>
-            </a:r>
-          </a:p>
-          <a:p>
-            <a:pPr marL="387270" indent="-285750">
+                <a:cs typeface="Gill Sans" panose="020B0502020104020203" pitchFamily="34" charset="-79"/>
+              </a:rPr>
+              <a:t>Web UI Squad – Zowe Launcher, ZSS/ZIS improvements</a:t>
+            </a:r>
+          </a:p>
+          <a:p>
+            <a:pPr marL="914400" lvl="1" indent="-355320">
               <a:spcBef>
                 <a:spcPts val="400"/>
               </a:spcBef>
-              <a:buFont typeface="Wingdings" pitchFamily="2" charset="2"/>
-              <a:buChar char="Ø"/>
-            </a:pPr>
-            <a:endParaRPr lang="en-GB" sz="1050" spc="-1" dirty="0">
-              <a:solidFill>
-                <a:srgbClr val="222222"/>
-              </a:solidFill>
-              <a:latin typeface="+mj-lt"/>
-              <a:ea typeface="Gill Sans"/>
-            </a:endParaRPr>
-          </a:p>
-          <a:p>
-            <a:pPr marL="387270" indent="-285750">
+              <a:buClr>
+                <a:srgbClr val="000000"/>
+              </a:buClr>
+              <a:buFont typeface="Arial"/>
+              <a:buChar char="•"/>
+            </a:pPr>
+            <a:r>
+              <a:rPr lang="en-US" sz="2000" strike="noStrike" spc="-1" dirty="0">
+                <a:solidFill>
+                  <a:srgbClr val="000000"/>
+                </a:solidFill>
+                <a:latin typeface="+mj-lt"/>
+                <a:cs typeface="Gill Sans" panose="020B0502020104020203" pitchFamily="34" charset="-79"/>
+              </a:rPr>
+              <a:t>Docs Squad </a:t>
+            </a:r>
+            <a:r>
+              <a:rPr lang="en-US" sz="2000" spc="-1" dirty="0">
+                <a:solidFill>
+                  <a:srgbClr val="000000"/>
+                </a:solidFill>
+                <a:latin typeface="+mj-lt"/>
+                <a:cs typeface="Gill Sans" panose="020B0502020104020203" pitchFamily="34" charset="-79"/>
+              </a:rPr>
+              <a:t>–</a:t>
+            </a:r>
+            <a:r>
+              <a:rPr lang="en-US" sz="2000" strike="noStrike" spc="-1" dirty="0">
+                <a:solidFill>
+                  <a:srgbClr val="000000"/>
+                </a:solidFill>
+                <a:latin typeface="+mj-lt"/>
+                <a:cs typeface="Gill Sans" panose="020B0502020104020203" pitchFamily="34" charset="-79"/>
+              </a:rPr>
+              <a:t> improve documentation</a:t>
+            </a:r>
+          </a:p>
+          <a:p>
+            <a:pPr marL="457200" indent="-355320">
               <a:spcBef>
                 <a:spcPts val="400"/>
               </a:spcBef>
-              <a:buFont typeface="Wingdings" pitchFamily="2" charset="2"/>
-              <a:buChar char="Ø"/>
-            </a:pPr>
-            <a:r>
-              <a:rPr lang="en-GB" sz="1600" spc="-1" dirty="0">
-                <a:solidFill>
-                  <a:srgbClr val="222222"/>
-                </a:solidFill>
-                <a:latin typeface="+mj-lt"/>
-                <a:ea typeface="Gill Sans"/>
-              </a:rPr>
-              <a:t>Using Zabbix tool to stand up server and agents on all infrastructure machines:</a:t>
-            </a:r>
-          </a:p>
-          <a:p>
-            <a:pPr marL="844470" lvl="1" indent="-285750">
+              <a:buClr>
+                <a:srgbClr val="000000"/>
+              </a:buClr>
+              <a:buFont typeface="Arial"/>
+              <a:buChar char="•"/>
+            </a:pPr>
+            <a:endParaRPr lang="en-US" sz="2000" spc="-1" dirty="0">
+              <a:solidFill>
+                <a:srgbClr val="000000"/>
+              </a:solidFill>
+              <a:latin typeface="+mj-lt"/>
+              <a:cs typeface="Gill Sans" panose="020B0502020104020203" pitchFamily="34" charset="-79"/>
+            </a:endParaRPr>
+          </a:p>
+          <a:p>
+            <a:pPr marL="457200" indent="-355320">
               <a:spcBef>
                 <a:spcPts val="400"/>
               </a:spcBef>
-              <a:buFont typeface="Arial" panose="020B0604020202020204" pitchFamily="34" charset="0"/>
+              <a:buClr>
+                <a:srgbClr val="000000"/>
+              </a:buClr>
+              <a:buFont typeface="Arial"/>
               <a:buChar char="•"/>
             </a:pPr>
             <a:r>
-              <a:rPr lang="en-GB" sz="1400" spc="-1" dirty="0">
-                <a:solidFill>
-                  <a:srgbClr val="222222"/>
+              <a:rPr lang="en-US" sz="2000" strike="noStrike" spc="-1" dirty="0">
+                <a:solidFill>
+                  <a:srgbClr val="000000"/>
                 </a:solidFill>
                 <a:latin typeface="+mj-lt"/>
-                <a:ea typeface="Gill Sans"/>
-              </a:rPr>
-              <a:t>Marist-1</a:t>
-            </a:r>
-          </a:p>
-          <a:p>
-            <a:pPr marL="844470" lvl="1" indent="-285750">
+                <a:cs typeface="Gill Sans" panose="020B0502020104020203" pitchFamily="34" charset="-79"/>
+              </a:rPr>
+              <a:t>Risks </a:t>
+            </a:r>
+            <a:r>
+              <a:rPr lang="en-US" sz="2000" spc="-1" dirty="0">
+                <a:solidFill>
+                  <a:srgbClr val="000000"/>
+                </a:solidFill>
+                <a:latin typeface="+mj-lt"/>
+                <a:cs typeface="Gill Sans" panose="020B0502020104020203" pitchFamily="34" charset="-79"/>
+              </a:rPr>
+              <a:t>on </a:t>
+            </a:r>
+            <a:r>
+              <a:rPr lang="en-US" sz="2000" strike="noStrike" spc="-1" dirty="0">
+                <a:solidFill>
+                  <a:srgbClr val="000000"/>
+                </a:solidFill>
+                <a:latin typeface="+mj-lt"/>
+                <a:cs typeface="Gill Sans" panose="020B0502020104020203" pitchFamily="34" charset="-79"/>
+              </a:rPr>
+              <a:t>Infrastructure</a:t>
+            </a:r>
+          </a:p>
+          <a:p>
+            <a:pPr marL="914400" lvl="1" indent="-355320">
               <a:spcBef>
                 <a:spcPts val="400"/>
               </a:spcBef>
-              <a:buFont typeface="Arial" panose="020B0604020202020204" pitchFamily="34" charset="0"/>
+              <a:buClr>
+                <a:srgbClr val="000000"/>
+              </a:buClr>
+              <a:buFont typeface="Arial"/>
               <a:buChar char="•"/>
             </a:pPr>
             <a:r>
-              <a:rPr lang="en-GB" sz="1400" spc="-1" dirty="0">
-                <a:solidFill>
-                  <a:srgbClr val="222222"/>
+              <a:rPr lang="en-US" sz="2000" strike="noStrike" spc="-1" dirty="0">
+                <a:solidFill>
+                  <a:srgbClr val="000000"/>
                 </a:solidFill>
                 <a:latin typeface="+mj-lt"/>
-                <a:ea typeface="Gill Sans"/>
-              </a:rPr>
-              <a:t>Marist-2</a:t>
-            </a:r>
-          </a:p>
-          <a:p>
-            <a:pPr marL="844470" lvl="1" indent="-285750">
+                <a:cs typeface="Gill Sans" panose="020B0502020104020203" pitchFamily="34" charset="-79"/>
+              </a:rPr>
+              <a:t>We don’t have open infrastructure to </a:t>
+            </a:r>
+            <a:r>
+              <a:rPr lang="en-US" sz="2000" spc="-1" dirty="0">
+                <a:solidFill>
+                  <a:srgbClr val="000000"/>
+                </a:solidFill>
+                <a:latin typeface="+mj-lt"/>
+                <a:cs typeface="Gill Sans" panose="020B0502020104020203" pitchFamily="34" charset="-79"/>
+              </a:rPr>
+              <a:t>test deployment on Sysplex.</a:t>
+            </a:r>
+            <a:endParaRPr lang="en-US" sz="2000" strike="noStrike" spc="-1" dirty="0">
+              <a:solidFill>
+                <a:srgbClr val="000000"/>
+              </a:solidFill>
+              <a:latin typeface="+mj-lt"/>
+              <a:cs typeface="Gill Sans" panose="020B0502020104020203" pitchFamily="34" charset="-79"/>
+            </a:endParaRPr>
+          </a:p>
+          <a:p>
+            <a:pPr marL="914400" lvl="1" indent="-355320">
               <a:spcBef>
                 <a:spcPts val="400"/>
               </a:spcBef>
-              <a:buFont typeface="Arial" panose="020B0604020202020204" pitchFamily="34" charset="0"/>
+              <a:buClr>
+                <a:srgbClr val="000000"/>
+              </a:buClr>
+              <a:buFont typeface="Arial"/>
               <a:buChar char="•"/>
             </a:pPr>
             <a:r>
-              <a:rPr lang="en-GB" sz="1400" spc="-1" dirty="0">
-                <a:solidFill>
-                  <a:srgbClr val="222222"/>
+              <a:rPr lang="en-US" sz="2000" spc="-1" dirty="0">
+                <a:solidFill>
+                  <a:srgbClr val="000000"/>
                 </a:solidFill>
                 <a:latin typeface="+mj-lt"/>
-                <a:ea typeface="Gill Sans"/>
-              </a:rPr>
-              <a:t>Marist-3</a:t>
-            </a:r>
-          </a:p>
-          <a:p>
-            <a:pPr marL="844470" lvl="1" indent="-285750">
-              <a:spcBef>
-                <a:spcPts val="400"/>
-              </a:spcBef>
-              <a:buFont typeface="Arial" panose="020B0604020202020204" pitchFamily="34" charset="0"/>
-              <a:buChar char="•"/>
-            </a:pPr>
-            <a:r>
-              <a:rPr lang="en-GB" sz="1400" spc="-1" dirty="0">
-                <a:solidFill>
-                  <a:srgbClr val="222222"/>
-                </a:solidFill>
-                <a:latin typeface="+mj-lt"/>
-                <a:ea typeface="Gill Sans"/>
-              </a:rPr>
-              <a:t>Wash</a:t>
-            </a:r>
-          </a:p>
-          <a:p>
-            <a:pPr marL="844470" lvl="1" indent="-285750">
-              <a:spcBef>
-                <a:spcPts val="400"/>
-              </a:spcBef>
-              <a:buFont typeface="Arial" panose="020B0604020202020204" pitchFamily="34" charset="0"/>
-              <a:buChar char="•"/>
-            </a:pPr>
-            <a:r>
-              <a:rPr lang="en-GB" sz="1400" spc="-1" dirty="0">
-                <a:solidFill>
-                  <a:srgbClr val="222222"/>
-                </a:solidFill>
-                <a:latin typeface="+mj-lt"/>
-                <a:ea typeface="Gill Sans"/>
-              </a:rPr>
-              <a:t>River</a:t>
-            </a:r>
-          </a:p>
-          <a:p>
-            <a:pPr marL="844470" lvl="1" indent="-285750">
-              <a:spcBef>
-                <a:spcPts val="400"/>
-              </a:spcBef>
-              <a:buFont typeface="Arial" panose="020B0604020202020204" pitchFamily="34" charset="0"/>
-              <a:buChar char="•"/>
-            </a:pPr>
-            <a:r>
-              <a:rPr lang="en-GB" sz="1400" spc="-1" dirty="0">
-                <a:solidFill>
-                  <a:srgbClr val="222222"/>
-                </a:solidFill>
-                <a:latin typeface="+mj-lt"/>
-                <a:ea typeface="Gill Sans"/>
-              </a:rPr>
-              <a:t>Jayne</a:t>
-            </a:r>
-          </a:p>
-          <a:p>
-            <a:pPr marL="844470" lvl="1" indent="-285750">
-              <a:spcBef>
-                <a:spcPts val="400"/>
-              </a:spcBef>
-              <a:buFont typeface="Arial" panose="020B0604020202020204" pitchFamily="34" charset="0"/>
-              <a:buChar char="•"/>
-            </a:pPr>
-            <a:endParaRPr lang="en-GB" sz="1000" spc="-1" dirty="0">
-              <a:solidFill>
-                <a:srgbClr val="222222"/>
+                <a:cs typeface="Gill Sans" panose="020B0502020104020203" pitchFamily="34" charset="-79"/>
+              </a:rPr>
+              <a:t>Will rely on Broadcom’s experts and supports to verify deployment  on Sysplex with ACF2 and Top Secret.</a:t>
+            </a:r>
+            <a:endParaRPr lang="en-US" sz="2000" strike="noStrike" spc="-1" dirty="0">
+              <a:solidFill>
+                <a:srgbClr val="000000"/>
               </a:solidFill>
               <a:latin typeface="+mj-lt"/>
-              <a:ea typeface="Gill Sans"/>
-            </a:endParaRPr>
-          </a:p>
-          <a:p>
-            <a:pPr marL="387270" indent="-285750">
-              <a:spcBef>
-                <a:spcPts val="400"/>
-              </a:spcBef>
-              <a:buFont typeface="Wingdings" pitchFamily="2" charset="2"/>
-              <a:buChar char="Ø"/>
-            </a:pPr>
-            <a:r>
-              <a:rPr lang="en-GB" sz="1600" spc="-1" dirty="0">
-                <a:solidFill>
-                  <a:srgbClr val="222222"/>
-                </a:solidFill>
-                <a:latin typeface="+mj-lt"/>
-                <a:ea typeface="Gill Sans"/>
-              </a:rPr>
-              <a:t>Currently appear to be missing packages on IBM Cloud systems that won’t allow server </a:t>
-            </a:r>
-            <a:r>
-              <a:rPr lang="en-GB" sz="1600" spc="-1" dirty="0" smtClean="0">
-                <a:solidFill>
-                  <a:srgbClr val="222222"/>
-                </a:solidFill>
-                <a:latin typeface="+mj-lt"/>
-                <a:ea typeface="Gill Sans"/>
-              </a:rPr>
-              <a:t>install</a:t>
-            </a:r>
-            <a:endParaRPr lang="en-US" sz="2000" spc="-1" dirty="0">
-              <a:latin typeface="+mj-lt"/>
-              <a:ea typeface="Gill Sans"/>
+              <a:cs typeface="Gill Sans" panose="020B0502020104020203" pitchFamily="34" charset="-79"/>
             </a:endParaRPr>
           </a:p>
         </p:txBody>
       </p:sp>
     </p:spTree>
-    <p:extLst>
-      <p:ext uri="{BB962C8B-B14F-4D97-AF65-F5344CB8AC3E}">
-        <p14:creationId xmlns:p14="http://schemas.microsoft.com/office/powerpoint/2010/main" val="275701246"/>
-      </p:ext>
-    </p:extLst>
   </p:cSld>
   <p:clrMapOvr>
     <a:masterClrMapping/>
@@ -12452,26 +12291,16 @@
               </a:lnSpc>
             </a:pPr>
             <a:r>
-              <a:rPr lang="en-US" sz="2800" spc="-1" dirty="0">
+              <a:rPr lang="en-US" sz="3000" spc="-1" dirty="0">
                 <a:solidFill>
                   <a:srgbClr val="262626"/>
                 </a:solidFill>
                 <a:latin typeface="+mj-lt"/>
                 <a:ea typeface="Gill Sans"/>
               </a:rPr>
-              <a:t>CI/CD – </a:t>
-            </a:r>
-            <a:r>
-              <a:rPr lang="en-GB" sz="2800" spc="-1" dirty="0">
-                <a:solidFill>
-                  <a:srgbClr val="262626"/>
-                </a:solidFill>
-                <a:latin typeface="+mj-lt"/>
-                <a:ea typeface="Gill Sans"/>
-              </a:rPr>
-              <a:t>Stand up more subsystems on Marist</a:t>
-            </a:r>
-            <a:endParaRPr lang="en-US" sz="2800" b="0" strike="noStrike" spc="-1" dirty="0">
+              <a:t>Performance - Enhance Test Coverage</a:t>
+            </a:r>
+            <a:endParaRPr lang="en-US" sz="3000" b="0" strike="noStrike" spc="-1" dirty="0">
               <a:solidFill>
                 <a:srgbClr val="000000"/>
               </a:solidFill>
@@ -12488,8 +12317,8 @@
         </p:nvSpPr>
         <p:spPr>
           <a:xfrm>
-            <a:off x="405518" y="993913"/>
-            <a:ext cx="8269762" cy="3808676"/>
+            <a:off x="405518" y="774000"/>
+            <a:ext cx="8554608" cy="4147560"/>
           </a:xfrm>
           <a:prstGeom prst="rect">
             <a:avLst/>
@@ -12505,7 +12334,46 @@
           </a:bodyPr>
           <a:lstStyle/>
           <a:p>
-            <a:pPr marL="387270" indent="-285750">
+            <a:pPr marL="101520">
+              <a:lnSpc>
+                <a:spcPct val="100000"/>
+              </a:lnSpc>
+              <a:spcBef>
+                <a:spcPts val="400"/>
+              </a:spcBef>
+            </a:pPr>
+            <a:r>
+              <a:rPr lang="en-US" sz="2000" spc="-1" dirty="0">
+                <a:latin typeface="+mj-lt"/>
+                <a:ea typeface="Gill Sans"/>
+                <a:hlinkClick r:id="rId3"/>
+              </a:rPr>
+              <a:t>Epic: Zowe Performance Test - Stage 2 - Enhance Test Coverage (2020PI4)</a:t>
+            </a:r>
+            <a:endParaRPr lang="en-US" sz="2000" spc="-1" dirty="0">
+              <a:latin typeface="+mj-lt"/>
+              <a:ea typeface="Gill Sans"/>
+            </a:endParaRPr>
+          </a:p>
+          <a:p>
+            <a:pPr marL="101520">
+              <a:lnSpc>
+                <a:spcPct val="100000"/>
+              </a:lnSpc>
+              <a:spcBef>
+                <a:spcPts val="400"/>
+              </a:spcBef>
+            </a:pPr>
+            <a:endParaRPr lang="en-US" sz="1000" spc="-1" dirty="0">
+              <a:latin typeface="+mj-lt"/>
+              <a:ea typeface="Gill Sans"/>
+            </a:endParaRPr>
+          </a:p>
+          <a:p>
+            <a:pPr marL="444420" indent="-342900">
+              <a:lnSpc>
+                <a:spcPct val="100000"/>
+              </a:lnSpc>
               <a:spcBef>
                 <a:spcPts val="400"/>
               </a:spcBef>
@@ -12513,54 +12381,149 @@
               <a:buChar char="Ø"/>
             </a:pPr>
             <a:r>
-              <a:rPr lang="en-GB" sz="2000" dirty="0">
-                <a:solidFill>
-                  <a:srgbClr val="222222"/>
-                </a:solidFill>
-                <a:effectLst/>
+              <a:rPr lang="en-US" sz="2000" spc="-1" dirty="0">
                 <a:latin typeface="+mj-lt"/>
-              </a:rPr>
-              <a:t>We would aim to add CICS, IMS, MQ and DB2 as well to allow </a:t>
-            </a:r>
-            <a:r>
-              <a:rPr lang="en-GB" sz="2000" dirty="0" err="1">
-                <a:solidFill>
-                  <a:srgbClr val="222222"/>
-                </a:solidFill>
-                <a:effectLst/>
+                <a:ea typeface="Gill Sans"/>
+              </a:rPr>
+              <a:t>Finalize primary and component-level test suites </a:t>
+            </a:r>
+            <a:r>
+              <a:rPr lang="en-US" sz="1050" i="1" spc="-1" dirty="0">
+                <a:solidFill>
+                  <a:schemeClr val="tx1">
+                    <a:lumMod val="50000"/>
+                    <a:lumOff val="50000"/>
+                  </a:schemeClr>
+                </a:solidFill>
                 <a:latin typeface="+mj-lt"/>
-              </a:rPr>
-              <a:t>Zowe</a:t>
-            </a:r>
-            <a:r>
-              <a:rPr lang="en-GB" sz="2000" dirty="0">
-                <a:solidFill>
-                  <a:srgbClr val="222222"/>
-                </a:solidFill>
-                <a:effectLst/>
+                <a:ea typeface="Gill Sans"/>
+              </a:rPr>
+              <a:t>Continue item from PI3</a:t>
+            </a:r>
+            <a:endParaRPr lang="en-US" sz="2000" i="1" spc="-1" dirty="0">
+              <a:solidFill>
+                <a:schemeClr val="tx1">
+                  <a:lumMod val="50000"/>
+                  <a:lumOff val="50000"/>
+                </a:schemeClr>
+              </a:solidFill>
+              <a:latin typeface="+mj-lt"/>
+              <a:ea typeface="Gill Sans"/>
+            </a:endParaRPr>
+          </a:p>
+          <a:p>
+            <a:pPr marL="901620" lvl="1" indent="-342900">
+              <a:spcBef>
+                <a:spcPts val="400"/>
+              </a:spcBef>
+              <a:buFont typeface="Wingdings" pitchFamily="2" charset="2"/>
+              <a:buChar char="v"/>
+            </a:pPr>
+            <a:r>
+              <a:rPr lang="en-US" sz="2000" spc="-1" dirty="0">
                 <a:latin typeface="+mj-lt"/>
-              </a:rPr>
-              <a:t> CLI extension packages to be tested</a:t>
-            </a:r>
-          </a:p>
-          <a:p>
-            <a:pPr marL="387270" indent="-285750">
+                <a:ea typeface="Gill Sans"/>
+                <a:hlinkClick r:id="rId4"/>
+              </a:rPr>
+              <a:t>Create primary performance test suite</a:t>
+            </a:r>
+            <a:endParaRPr lang="en-US" sz="2000" spc="-1" dirty="0">
+              <a:latin typeface="+mj-lt"/>
+              <a:ea typeface="Gill Sans"/>
+            </a:endParaRPr>
+          </a:p>
+          <a:p>
+            <a:pPr marL="901620" lvl="1" indent="-342900">
+              <a:spcBef>
+                <a:spcPts val="400"/>
+              </a:spcBef>
+              <a:buFont typeface="Wingdings" pitchFamily="2" charset="2"/>
+              <a:buChar char="v"/>
+            </a:pPr>
+            <a:r>
+              <a:rPr lang="en-US" sz="2000" spc="-1" dirty="0">
+                <a:latin typeface="+mj-lt"/>
+                <a:ea typeface="Gill Sans"/>
+                <a:hlinkClick r:id="rId5"/>
+              </a:rPr>
+              <a:t>Create dedicated performance test suite for APIML</a:t>
+            </a:r>
+            <a:endParaRPr lang="en-US" sz="2000" spc="-1" dirty="0">
+              <a:latin typeface="+mj-lt"/>
+              <a:ea typeface="Gill Sans"/>
+            </a:endParaRPr>
+          </a:p>
+          <a:p>
+            <a:pPr marL="901620" lvl="1" indent="-342900">
+              <a:spcBef>
+                <a:spcPts val="400"/>
+              </a:spcBef>
+              <a:buFont typeface="Wingdings" pitchFamily="2" charset="2"/>
+              <a:buChar char="v"/>
+            </a:pPr>
+            <a:r>
+              <a:rPr lang="en-US" sz="2000" spc="-1" dirty="0">
+                <a:latin typeface="+mj-lt"/>
+                <a:ea typeface="Gill Sans"/>
+                <a:hlinkClick r:id="rId6"/>
+              </a:rPr>
+              <a:t>Create dedicated performance test suite for Explorer APIs</a:t>
+            </a:r>
+            <a:endParaRPr lang="en-US" sz="2000" spc="-1" dirty="0">
+              <a:latin typeface="+mj-lt"/>
+              <a:ea typeface="Gill Sans"/>
+            </a:endParaRPr>
+          </a:p>
+          <a:p>
+            <a:pPr marL="901620" lvl="1" indent="-342900">
+              <a:spcBef>
+                <a:spcPts val="400"/>
+              </a:spcBef>
+              <a:buFont typeface="Wingdings" pitchFamily="2" charset="2"/>
+              <a:buChar char="v"/>
+            </a:pPr>
+            <a:r>
+              <a:rPr lang="en-US" sz="2000" spc="-1" dirty="0">
+                <a:latin typeface="+mj-lt"/>
+                <a:ea typeface="Gill Sans"/>
+                <a:hlinkClick r:id="rId7"/>
+              </a:rPr>
+              <a:t>Create dedicated performance test suite for Desktop</a:t>
+            </a:r>
+            <a:endParaRPr lang="en-US" sz="2000" spc="-1" dirty="0">
+              <a:latin typeface="+mj-lt"/>
+              <a:ea typeface="Gill Sans"/>
+            </a:endParaRPr>
+          </a:p>
+          <a:p>
+            <a:pPr marL="444420" indent="-342900">
+              <a:lnSpc>
+                <a:spcPct val="100000"/>
+              </a:lnSpc>
               <a:spcBef>
                 <a:spcPts val="400"/>
               </a:spcBef>
               <a:buFont typeface="Wingdings" pitchFamily="2" charset="2"/>
               <a:buChar char="Ø"/>
             </a:pPr>
-            <a:endParaRPr lang="en-GB" sz="2000" spc="-1" dirty="0">
-              <a:solidFill>
-                <a:srgbClr val="222222"/>
-              </a:solidFill>
+            <a:r>
+              <a:rPr lang="en-US" sz="2000" spc="-1" dirty="0">
+                <a:latin typeface="+mj-lt"/>
+                <a:ea typeface="Gill Sans"/>
+                <a:hlinkClick r:id="rId8"/>
+              </a:rPr>
+              <a:t>Create dummy server for APIML testing</a:t>
+            </a:r>
+            <a:endParaRPr lang="en-US" sz="2000" spc="-1" dirty="0">
               <a:latin typeface="+mj-lt"/>
               <a:ea typeface="Gill Sans"/>
             </a:endParaRPr>
           </a:p>
           <a:p>
-            <a:pPr marL="387270" indent="-285750">
+            <a:pPr marL="444420" indent="-342900">
+              <a:lnSpc>
+                <a:spcPct val="100000"/>
+              </a:lnSpc>
               <a:spcBef>
                 <a:spcPts val="400"/>
               </a:spcBef>
@@ -12568,41 +12531,77 @@
               <a:buChar char="Ø"/>
             </a:pPr>
             <a:r>
-              <a:rPr lang="en-GB" sz="2000" spc="-1" dirty="0">
-                <a:solidFill>
-                  <a:srgbClr val="222222"/>
-                </a:solidFill>
+              <a:rPr lang="en-US" sz="2000" spc="-1" dirty="0">
                 <a:latin typeface="+mj-lt"/>
                 <a:ea typeface="Gill Sans"/>
-              </a:rPr>
-              <a:t>Would need co-ordination with other squads to find out exact </a:t>
-            </a:r>
-            <a:r>
-              <a:rPr lang="en-GB" sz="2000" spc="-1" dirty="0" smtClean="0">
-                <a:solidFill>
-                  <a:srgbClr val="222222"/>
-                </a:solidFill>
+                <a:hlinkClick r:id="rId9"/>
+              </a:rPr>
+              <a:t>Run Metrics Server off-</a:t>
+            </a:r>
+            <a:r>
+              <a:rPr lang="en-US" sz="2000" spc="-1" dirty="0" err="1">
                 <a:latin typeface="+mj-lt"/>
                 <a:ea typeface="Gill Sans"/>
-              </a:rPr>
-              <a:t>requirements</a:t>
-            </a:r>
-            <a:endParaRPr lang="en-GB" spc="-1" dirty="0">
-              <a:solidFill>
-                <a:srgbClr val="222222"/>
-              </a:solidFill>
+                <a:hlinkClick r:id="rId9"/>
+              </a:rPr>
+              <a:t>zOS</a:t>
+            </a:r>
+            <a:endParaRPr lang="en-US" sz="2000" spc="-1" dirty="0">
               <a:latin typeface="+mj-lt"/>
               <a:ea typeface="Gill Sans"/>
             </a:endParaRPr>
           </a:p>
+          <a:p>
+            <a:pPr marL="444420" indent="-342900">
+              <a:lnSpc>
+                <a:spcPct val="100000"/>
+              </a:lnSpc>
+              <a:spcBef>
+                <a:spcPts val="400"/>
+              </a:spcBef>
+              <a:buFont typeface="Wingdings" pitchFamily="2" charset="2"/>
+              <a:buChar char="Ø"/>
+            </a:pPr>
+            <a:r>
+              <a:rPr lang="en-US" sz="2000" spc="-1" dirty="0">
+                <a:latin typeface="+mj-lt"/>
+                <a:ea typeface="Gill Sans"/>
+                <a:hlinkClick r:id="rId10"/>
+              </a:rPr>
+              <a:t>Add ability to test performance of different endpoints in parallel</a:t>
+            </a:r>
+            <a:endParaRPr lang="en-US" sz="2000" spc="-1" dirty="0">
+              <a:latin typeface="+mj-lt"/>
+              <a:ea typeface="Gill Sans"/>
+            </a:endParaRPr>
+          </a:p>
+          <a:p>
+            <a:pPr marL="444420" indent="-342900">
+              <a:lnSpc>
+                <a:spcPct val="100000"/>
+              </a:lnSpc>
+              <a:spcBef>
+                <a:spcPts val="400"/>
+              </a:spcBef>
+              <a:buFont typeface="Wingdings" pitchFamily="2" charset="2"/>
+              <a:buChar char="Ø"/>
+            </a:pPr>
+            <a:r>
+              <a:rPr lang="en-US" sz="2000" spc="-1" dirty="0">
+                <a:latin typeface="+mj-lt"/>
+                <a:ea typeface="Gill Sans"/>
+                <a:hlinkClick r:id="rId11"/>
+              </a:rPr>
+              <a:t>Validate test report with other methods</a:t>
+            </a:r>
+            <a:endParaRPr lang="en-US" sz="2000" spc="-1" dirty="0">
+              <a:latin typeface="+mj-lt"/>
+              <a:ea typeface="Gill Sans"/>
+            </a:endParaRPr>
+          </a:p>
         </p:txBody>
       </p:sp>
     </p:spTree>
-    <p:extLst>
-      <p:ext uri="{BB962C8B-B14F-4D97-AF65-F5344CB8AC3E}">
-        <p14:creationId xmlns:p14="http://schemas.microsoft.com/office/powerpoint/2010/main" val="100391921"/>
-      </p:ext>
-    </p:extLst>
   </p:cSld>
   <p:clrMapOvr>
     <a:masterClrMapping/>
@@ -12688,26 +12687,16 @@
               </a:lnSpc>
             </a:pPr>
             <a:r>
-              <a:rPr lang="en-US" sz="3000" spc="-1" dirty="0">
+              <a:rPr lang="en-US" sz="2800" spc="-1" dirty="0">
                 <a:solidFill>
                   <a:srgbClr val="262626"/>
                 </a:solidFill>
                 <a:latin typeface="+mj-lt"/>
                 <a:ea typeface="Gill Sans"/>
               </a:rPr>
-              <a:t>CI/CD – </a:t>
-            </a:r>
-            <a:r>
-              <a:rPr lang="en-GB" sz="3000" spc="-1" dirty="0">
-                <a:solidFill>
-                  <a:srgbClr val="262626"/>
-                </a:solidFill>
-                <a:latin typeface="+mj-lt"/>
-                <a:ea typeface="Gill Sans"/>
-              </a:rPr>
-              <a:t>Pipeline improvements</a:t>
-            </a:r>
-            <a:endParaRPr lang="en-US" sz="3000" b="0" strike="noStrike" spc="-1" dirty="0">
+              <a:t>High Availability – New Components &amp; Sysplex</a:t>
+            </a:r>
+            <a:endParaRPr lang="en-US" sz="2800" b="0" strike="noStrike" spc="-1" dirty="0">
               <a:solidFill>
                 <a:srgbClr val="000000"/>
               </a:solidFill>
@@ -12724,8 +12713,8 @@
         </p:nvSpPr>
         <p:spPr>
           <a:xfrm>
-            <a:off x="405518" y="993913"/>
-            <a:ext cx="8269762" cy="3808676"/>
+            <a:off x="405518" y="774000"/>
+            <a:ext cx="8269762" cy="4147560"/>
           </a:xfrm>
           <a:prstGeom prst="rect">
             <a:avLst/>
@@ -12741,7 +12730,43 @@
           </a:bodyPr>
           <a:lstStyle/>
           <a:p>
-            <a:pPr marL="387270" indent="-285750">
+            <a:pPr marL="101520">
+              <a:lnSpc>
+                <a:spcPct val="100000"/>
+              </a:lnSpc>
+              <a:spcBef>
+                <a:spcPts val="400"/>
+              </a:spcBef>
+            </a:pPr>
+            <a:r>
+              <a:rPr lang="en-US" spc="-1" dirty="0">
+                <a:latin typeface="+mj-lt"/>
+                <a:ea typeface="Gill Sans"/>
+                <a:hlinkClick r:id="rId3"/>
+              </a:rPr>
+              <a:t>Epic – High Availability</a:t>
+            </a:r>
+            <a:endParaRPr lang="en-US" spc="-1" dirty="0">
+              <a:latin typeface="+mj-lt"/>
+              <a:ea typeface="Gill Sans"/>
+            </a:endParaRPr>
+          </a:p>
+          <a:p>
+            <a:pPr marL="101520">
+              <a:lnSpc>
+                <a:spcPct val="100000"/>
+              </a:lnSpc>
+              <a:spcBef>
+                <a:spcPts val="400"/>
+              </a:spcBef>
+            </a:pPr>
+            <a:endParaRPr lang="en-US" spc="-1" dirty="0">
+              <a:latin typeface="+mj-lt"/>
+              <a:ea typeface="Gill Sans"/>
+            </a:endParaRPr>
+          </a:p>
+          <a:p>
+            <a:pPr marL="444420" indent="-342900">
               <a:spcBef>
                 <a:spcPts val="400"/>
               </a:spcBef>
@@ -12749,39 +12774,20 @@
               <a:buChar char="Ø"/>
             </a:pPr>
             <a:r>
-              <a:rPr lang="en-GB" sz="2000" dirty="0">
-                <a:solidFill>
-                  <a:srgbClr val="222222"/>
-                </a:solidFill>
-                <a:effectLst/>
+              <a:rPr lang="en-US" spc="-1" dirty="0">
                 <a:latin typeface="+mj-lt"/>
-                <a:hlinkClick r:id="rId3"/>
-              </a:rPr>
-              <a:t>Fix reporting of false positives in nightly builds and new RC pipeline build</a:t>
-            </a:r>
-            <a:endParaRPr lang="en-GB" sz="2000" dirty="0">
-              <a:solidFill>
-                <a:srgbClr val="222222"/>
-              </a:solidFill>
-              <a:effectLst/>
+                <a:ea typeface="Gill Sans"/>
+                <a:hlinkClick r:id="rId4"/>
+              </a:rPr>
+              <a:t>Create Caching API with VSAM support</a:t>
+            </a:r>
+            <a:endParaRPr lang="en-US" spc="-1" dirty="0">
               <a:latin typeface="+mj-lt"/>
-            </a:endParaRPr>
-          </a:p>
-          <a:p>
-            <a:pPr marL="101520">
-              <a:spcBef>
-                <a:spcPts val="400"/>
-              </a:spcBef>
-            </a:pPr>
-            <a:endParaRPr lang="en-GB" sz="2000" dirty="0">
-              <a:solidFill>
-                <a:srgbClr val="222222"/>
-              </a:solidFill>
-              <a:latin typeface="+mj-lt"/>
-            </a:endParaRPr>
-          </a:p>
-          <a:p>
-            <a:pPr marL="387270" indent="-285750">
+              <a:ea typeface="Gill Sans"/>
+            </a:endParaRPr>
+          </a:p>
+          <a:p>
+            <a:pPr marL="444420" indent="-342900">
               <a:spcBef>
                 <a:spcPts val="400"/>
               </a:spcBef>
@@ -12789,33 +12795,36 @@
               <a:buChar char="Ø"/>
             </a:pPr>
             <a:r>
-              <a:rPr lang="en-GB" sz="2000" dirty="0">
-                <a:solidFill>
-                  <a:srgbClr val="222222"/>
-                </a:solidFill>
-                <a:effectLst/>
+              <a:rPr lang="en-US" spc="-1" dirty="0">
                 <a:latin typeface="+mj-lt"/>
-              </a:rPr>
-              <a:t>Possibly create a similar pipeline for GA but not as much</a:t>
-            </a:r>
-          </a:p>
-          <a:p>
-            <a:pPr marL="387270" indent="-285750">
+                <a:ea typeface="Gill Sans"/>
+                <a:hlinkClick r:id="rId5"/>
+              </a:rPr>
+              <a:t>Implement and integrate Zowe Launcher</a:t>
+            </a:r>
+            <a:r>
+              <a:rPr lang="en-US" spc="-1" dirty="0">
+                <a:latin typeface="+mj-lt"/>
+                <a:ea typeface="Gill Sans"/>
+              </a:rPr>
+              <a:t> (Stage 1)</a:t>
+            </a:r>
+          </a:p>
+          <a:p>
+            <a:pPr marL="444420" indent="-342900">
               <a:spcBef>
                 <a:spcPts val="400"/>
               </a:spcBef>
               <a:buFont typeface="Wingdings" pitchFamily="2" charset="2"/>
               <a:buChar char="Ø"/>
             </a:pPr>
-            <a:endParaRPr lang="en-GB" sz="2000" dirty="0">
-              <a:solidFill>
-                <a:srgbClr val="222222"/>
-              </a:solidFill>
+            <a:endParaRPr lang="en-US" spc="-1" dirty="0">
               <a:latin typeface="+mj-lt"/>
-            </a:endParaRPr>
-          </a:p>
-          <a:p>
-            <a:pPr marL="387270" indent="-285750">
+              <a:ea typeface="Gill Sans"/>
+            </a:endParaRPr>
+          </a:p>
+          <a:p>
+            <a:pPr marL="444420" indent="-342900">
               <a:spcBef>
                 <a:spcPts val="400"/>
               </a:spcBef>
@@ -12823,42 +12832,173 @@
               <a:buChar char="Ø"/>
             </a:pPr>
             <a:r>
-              <a:rPr lang="en-GB" sz="2000" dirty="0">
-                <a:solidFill>
-                  <a:srgbClr val="222222"/>
-                </a:solidFill>
-                <a:effectLst/>
+              <a:rPr lang="en-US" spc="-1" dirty="0">
                 <a:latin typeface="+mj-lt"/>
-              </a:rPr>
-              <a:t>Want to look into possibilities for automating update of </a:t>
-            </a:r>
-            <a:r>
-              <a:rPr lang="en-GB" sz="2000" dirty="0" err="1">
-                <a:solidFill>
-                  <a:srgbClr val="222222"/>
-                </a:solidFill>
-                <a:effectLst/>
+                <a:ea typeface="Gill Sans"/>
+              </a:rPr>
+              <a:t>Starting Zowe in Sysplex</a:t>
+            </a:r>
+          </a:p>
+          <a:p>
+            <a:pPr marL="901620" lvl="1" indent="-342900">
+              <a:spcBef>
+                <a:spcPts val="400"/>
+              </a:spcBef>
+              <a:buFont typeface="Wingdings" pitchFamily="2" charset="2"/>
+              <a:buChar char="v"/>
+            </a:pPr>
+            <a:r>
+              <a:rPr lang="en-US" sz="1600" spc="-1" dirty="0">
                 <a:latin typeface="+mj-lt"/>
-              </a:rPr>
-              <a:t>manifest.json</a:t>
-            </a:r>
-            <a:r>
-              <a:rPr lang="en-GB" sz="2000" dirty="0">
-                <a:solidFill>
-                  <a:srgbClr val="222222"/>
-                </a:solidFill>
-                <a:effectLst/>
+                <a:ea typeface="Gill Sans"/>
+                <a:hlinkClick r:id="rId6"/>
+              </a:rPr>
+              <a:t>Verify and document z/OSMF on Sysplex configuration</a:t>
+            </a:r>
+            <a:r>
+              <a:rPr lang="en-US" sz="1600" spc="-1" dirty="0">
                 <a:latin typeface="+mj-lt"/>
-              </a:rPr>
-              <a:t> as a lot of these changes are the same every time </a:t>
-            </a:r>
+                <a:ea typeface="Gill Sans"/>
+              </a:rPr>
+              <a:t> (shared SAF user registry</a:t>
+            </a:r>
+          </a:p>
+          <a:p>
+            <a:pPr marL="901620" lvl="1" indent="-342900">
+              <a:spcBef>
+                <a:spcPts val="400"/>
+              </a:spcBef>
+              <a:buFont typeface="Wingdings" pitchFamily="2" charset="2"/>
+              <a:buChar char="v"/>
+            </a:pPr>
+            <a:r>
+              <a:rPr lang="en-US" sz="1600" spc="-1" dirty="0">
+                <a:latin typeface="+mj-lt"/>
+                <a:ea typeface="Gill Sans"/>
+              </a:rPr>
+              <a:t>Document how to configure </a:t>
+            </a:r>
+            <a:r>
+              <a:rPr lang="en-US" sz="1600" spc="-1" dirty="0">
+                <a:latin typeface="+mj-lt"/>
+                <a:ea typeface="Gill Sans"/>
+                <a:hlinkClick r:id="rId7"/>
+              </a:rPr>
+              <a:t>port sharing</a:t>
+            </a:r>
+            <a:r>
+              <a:rPr lang="en-US" sz="1600" spc="-1" dirty="0">
+                <a:latin typeface="+mj-lt"/>
+                <a:ea typeface="Gill Sans"/>
+              </a:rPr>
+              <a:t> and </a:t>
+            </a:r>
+            <a:r>
+              <a:rPr lang="en-US" sz="1600" spc="-1" dirty="0">
+                <a:latin typeface="+mj-lt"/>
+                <a:ea typeface="Gill Sans"/>
+                <a:hlinkClick r:id="rId8"/>
+              </a:rPr>
+              <a:t>D-DIVPA</a:t>
+            </a:r>
+            <a:r>
+              <a:rPr lang="en-US" sz="1600" spc="-1" dirty="0">
+                <a:latin typeface="+mj-lt"/>
+                <a:ea typeface="Gill Sans"/>
+              </a:rPr>
+              <a:t> for API Gateway</a:t>
+            </a:r>
+          </a:p>
+          <a:p>
+            <a:pPr marL="901620" lvl="1" indent="-342900">
+              <a:spcBef>
+                <a:spcPts val="400"/>
+              </a:spcBef>
+              <a:buFont typeface="Wingdings" pitchFamily="2" charset="2"/>
+              <a:buChar char="v"/>
+            </a:pPr>
+            <a:r>
+              <a:rPr lang="en-US" sz="1600" spc="-1" dirty="0">
+                <a:latin typeface="+mj-lt"/>
+                <a:ea typeface="Gill Sans"/>
+                <a:hlinkClick r:id="rId9"/>
+              </a:rPr>
+              <a:t>Verify and document requirement on shared USS file system, and shared VSAM data set</a:t>
+            </a:r>
+            <a:endParaRPr lang="en-US" sz="1600" spc="-1" dirty="0">
+              <a:latin typeface="+mj-lt"/>
+              <a:ea typeface="Gill Sans"/>
+            </a:endParaRPr>
+          </a:p>
+          <a:p>
+            <a:pPr marL="901620" lvl="1" indent="-342900">
+              <a:spcBef>
+                <a:spcPts val="400"/>
+              </a:spcBef>
+              <a:buFont typeface="Wingdings" pitchFamily="2" charset="2"/>
+              <a:buChar char="v"/>
+            </a:pPr>
+            <a:r>
+              <a:rPr lang="en-US" sz="1600" spc="-1" dirty="0">
+                <a:latin typeface="+mj-lt"/>
+                <a:ea typeface="Gill Sans"/>
+                <a:hlinkClick r:id="rId10"/>
+              </a:rPr>
+              <a:t>Test and implement ARM policy</a:t>
+            </a:r>
+            <a:endParaRPr lang="en-US" sz="1600" spc="-1" dirty="0">
+              <a:latin typeface="+mj-lt"/>
+              <a:ea typeface="Gill Sans"/>
+            </a:endParaRPr>
+          </a:p>
+          <a:p>
+            <a:pPr marL="901620" lvl="1" indent="-342900">
+              <a:spcBef>
+                <a:spcPts val="400"/>
+              </a:spcBef>
+              <a:buFont typeface="Wingdings" pitchFamily="2" charset="2"/>
+              <a:buChar char="v"/>
+            </a:pPr>
+            <a:r>
+              <a:rPr lang="en-US" sz="1600" spc="-1" dirty="0">
+                <a:latin typeface="+mj-lt"/>
+                <a:ea typeface="Gill Sans"/>
+                <a:hlinkClick r:id="rId11"/>
+              </a:rPr>
+              <a:t>Validate Apiml &amp; zOSMF HA with ACF2 and Top Secret Enabled Sysplex</a:t>
+            </a:r>
+            <a:endParaRPr lang="en-US" sz="1600" spc="-1" dirty="0">
+              <a:latin typeface="+mj-lt"/>
+              <a:ea typeface="Gill Sans"/>
+            </a:endParaRPr>
+          </a:p>
+          <a:p>
+            <a:pPr marL="901620" lvl="1" indent="-342900">
+              <a:spcBef>
+                <a:spcPts val="400"/>
+              </a:spcBef>
+              <a:buFont typeface="Wingdings" pitchFamily="2" charset="2"/>
+              <a:buChar char="v"/>
+            </a:pPr>
+            <a:r>
+              <a:rPr lang="en-US" sz="1600" spc="-1" dirty="0">
+                <a:latin typeface="+mj-lt"/>
+                <a:ea typeface="Gill Sans"/>
+                <a:hlinkClick r:id="rId12"/>
+              </a:rPr>
+              <a:t>Verify how CLI works with Sysplex</a:t>
+            </a:r>
+            <a:endParaRPr lang="en-US" sz="1600" spc="-1" dirty="0">
+              <a:latin typeface="+mj-lt"/>
+              <a:ea typeface="Gill Sans"/>
+            </a:endParaRPr>
           </a:p>
         </p:txBody>
       </p:sp>
     </p:spTree>
     <p:extLst>
       <p:ext uri="{BB962C8B-B14F-4D97-AF65-F5344CB8AC3E}">
-        <p14:creationId xmlns:p14="http://schemas.microsoft.com/office/powerpoint/2010/main" val="4176309130"/>
+        <p14:creationId xmlns:p14="http://schemas.microsoft.com/office/powerpoint/2010/main" val="54868531"/>
       </p:ext>
     </p:extLst>
   </p:cSld>
@@ -12917,79 +13057,304 @@
       </p:grpSpPr>
       <p:sp>
         <p:nvSpPr>
-          <p:cNvPr id="2" name="Rectangle 1"/>
-          <p:cNvSpPr/>
+          <p:cNvPr id="182" name="TextShape 1"/>
+          <p:cNvSpPr txBox="1"/>
           <p:nvPr/>
         </p:nvSpPr>
         <p:spPr>
           <a:xfrm>
-            <a:off x="352839" y="3180521"/>
-            <a:ext cx="7404652" cy="940257"/>
-          </a:xfrm>
-          <a:prstGeom prst="rect">
-            <a:avLst/>
-          </a:prstGeom>
-        </p:spPr>
-        <p:txBody>
-          <a:bodyPr wrap="square">
-            <a:spAutoFit/>
-          </a:bodyPr>
-          <a:lstStyle/>
-          <a:p>
-            <a:pPr marL="457200" indent="-228240">
+            <a:off x="334080" y="159480"/>
+            <a:ext cx="7893720" cy="447120"/>
+          </a:xfrm>
+          <a:prstGeom prst="rect">
+            <a:avLst/>
+          </a:prstGeom>
+          <a:noFill/>
+          <a:ln>
+            <a:noFill/>
+          </a:ln>
+        </p:spPr>
+        <p:txBody>
+          <a:bodyPr tIns="91440" bIns="91440" anchor="ctr">
+            <a:noAutofit/>
+          </a:bodyPr>
+          <a:lstStyle/>
+          <a:p>
+            <a:pPr>
               <a:lnSpc>
-                <a:spcPct val="85000"/>
+                <a:spcPct val="100000"/>
               </a:lnSpc>
+            </a:pPr>
+            <a:r>
+              <a:rPr lang="en-US" sz="2400" spc="-1" dirty="0">
+                <a:solidFill>
+                  <a:srgbClr val="262626"/>
+                </a:solidFill>
+                <a:latin typeface="+mj-lt"/>
+                <a:ea typeface="Gill Sans"/>
+              </a:rPr>
+              <a:t>High Availability – Existing Components &amp; Certificates</a:t>
+            </a:r>
+            <a:endParaRPr lang="en-US" sz="2400" b="0" strike="noStrike" spc="-1" dirty="0">
+              <a:solidFill>
+                <a:srgbClr val="000000"/>
+              </a:solidFill>
+              <a:latin typeface="+mj-lt"/>
+            </a:endParaRPr>
+          </a:p>
+        </p:txBody>
+      </p:sp>
+      <p:sp>
+        <p:nvSpPr>
+          <p:cNvPr id="183" name="TextShape 2"/>
+          <p:cNvSpPr txBox="1"/>
+          <p:nvPr/>
+        </p:nvSpPr>
+        <p:spPr>
+          <a:xfrm>
+            <a:off x="405518" y="683812"/>
+            <a:ext cx="8269762" cy="4237748"/>
+          </a:xfrm>
+          <a:prstGeom prst="rect">
+            <a:avLst/>
+          </a:prstGeom>
+          <a:noFill/>
+          <a:ln>
+            <a:noFill/>
+          </a:ln>
+        </p:spPr>
+        <p:txBody>
+          <a:bodyPr tIns="91440" bIns="91440">
+            <a:noAutofit/>
+          </a:bodyPr>
+          <a:lstStyle/>
+          <a:p>
+            <a:pPr marL="387270" indent="-285750">
               <a:spcBef>
-                <a:spcPts val="901"/>
+                <a:spcPts val="400"/>
               </a:spcBef>
-            </a:pPr>
-            <a:r>
-              <a:rPr lang="en-US" sz="3200" b="1" spc="-1" dirty="0" err="1">
-                <a:solidFill>
-                  <a:srgbClr val="000000"/>
-                </a:solidFill>
-                <a:ea typeface="Arial"/>
-              </a:rPr>
-              <a:t>Zowe</a:t>
-            </a:r>
-            <a:r>
-              <a:rPr lang="en-US" sz="3200" b="1" spc="-1" dirty="0">
-                <a:solidFill>
-                  <a:srgbClr val="000000"/>
-                </a:solidFill>
-                <a:ea typeface="Arial"/>
-              </a:rPr>
-              <a:t> CLI Squad Focus</a:t>
-            </a:r>
-            <a:endParaRPr lang="en-US" sz="3200" spc="-1" dirty="0">
-              <a:solidFill>
-                <a:srgbClr val="000000"/>
-              </a:solidFill>
-            </a:endParaRPr>
-          </a:p>
-          <a:p>
-            <a:pPr marL="457200" indent="-228240">
-              <a:lnSpc>
-                <a:spcPct val="85000"/>
-              </a:lnSpc>
+              <a:buFont typeface="Wingdings" pitchFamily="2" charset="2"/>
+              <a:buChar char="Ø"/>
+            </a:pPr>
+            <a:r>
+              <a:rPr lang="en-US" spc="-1" dirty="0">
+                <a:latin typeface="+mj-lt"/>
+                <a:ea typeface="Gill Sans"/>
+              </a:rPr>
+              <a:t>Preparing Zowe and Components for HA</a:t>
+            </a:r>
+          </a:p>
+          <a:p>
+            <a:pPr marL="901620" lvl="1" indent="-342900">
               <a:spcBef>
-                <a:spcPts val="901"/>
+                <a:spcPts val="400"/>
               </a:spcBef>
-            </a:pPr>
-            <a:r>
-              <a:rPr lang="en-US" sz="2400" b="1" spc="-1" dirty="0">
-                <a:solidFill>
-                  <a:srgbClr val="000000"/>
-                </a:solidFill>
-                <a:ea typeface="Arial"/>
-              </a:rPr>
-              <a:t>Michael Bauer</a:t>
-            </a:r>
-            <a:endParaRPr lang="en-US" sz="2400" spc="-1" dirty="0">
-              <a:solidFill>
-                <a:srgbClr val="000000"/>
-              </a:solidFill>
+              <a:buFont typeface="Wingdings" pitchFamily="2" charset="2"/>
+              <a:buChar char="v"/>
+            </a:pPr>
+            <a:r>
+              <a:rPr lang="en-US" sz="1600" spc="-1" dirty="0">
+                <a:latin typeface="+mj-lt"/>
+                <a:ea typeface="Gill Sans"/>
+                <a:hlinkClick r:id="rId3"/>
+              </a:rPr>
+              <a:t>Break down apiml package into 3 individual components</a:t>
+            </a:r>
+            <a:endParaRPr lang="en-US" sz="1600" spc="-1" dirty="0">
+              <a:latin typeface="+mj-lt"/>
+              <a:ea typeface="Gill Sans"/>
+            </a:endParaRPr>
+          </a:p>
+          <a:p>
+            <a:pPr marL="901620" lvl="1" indent="-342900">
+              <a:spcBef>
+                <a:spcPts val="400"/>
+              </a:spcBef>
+              <a:buFont typeface="Wingdings" pitchFamily="2" charset="2"/>
+              <a:buChar char="v"/>
+            </a:pPr>
+            <a:r>
+              <a:rPr lang="en-US" sz="1600" spc="-1" dirty="0">
+                <a:latin typeface="+mj-lt"/>
+                <a:ea typeface="Gill Sans"/>
+                <a:hlinkClick r:id="rId4"/>
+              </a:rPr>
+              <a:t>Define manifest file for Zowe packages to simplify Zowe Launcher configurations</a:t>
+            </a:r>
+            <a:endParaRPr lang="en-US" sz="1600" spc="-1" dirty="0">
+              <a:latin typeface="+mj-lt"/>
+              <a:ea typeface="Gill Sans"/>
+            </a:endParaRPr>
+          </a:p>
+          <a:p>
+            <a:pPr marL="901620" lvl="1" indent="-342900">
+              <a:spcBef>
+                <a:spcPts val="400"/>
+              </a:spcBef>
+              <a:buFont typeface="Wingdings" pitchFamily="2" charset="2"/>
+              <a:buChar char="v"/>
+            </a:pPr>
+            <a:r>
+              <a:rPr lang="en-US" sz="1600" spc="-1" dirty="0">
+                <a:latin typeface="+mj-lt"/>
+                <a:ea typeface="Gill Sans"/>
+                <a:hlinkClick r:id="rId5"/>
+              </a:rPr>
+              <a:t>Add new configuration entries in instance.env to support multiple instances of components</a:t>
+            </a:r>
+            <a:endParaRPr lang="en-US" sz="1600" spc="-1" dirty="0">
+              <a:latin typeface="+mj-lt"/>
+              <a:ea typeface="Gill Sans"/>
+            </a:endParaRPr>
+          </a:p>
+          <a:p>
+            <a:pPr marL="901620" lvl="1" indent="-342900">
+              <a:spcBef>
+                <a:spcPts val="400"/>
+              </a:spcBef>
+              <a:buFont typeface="Wingdings" pitchFamily="2" charset="2"/>
+              <a:buChar char="v"/>
+            </a:pPr>
+            <a:r>
+              <a:rPr lang="en-US" sz="1600" spc="-1" dirty="0">
+                <a:latin typeface="+mj-lt"/>
+                <a:ea typeface="Gill Sans"/>
+                <a:hlinkClick r:id="rId6"/>
+              </a:rPr>
+              <a:t>Automatically configure ARM policy for Zowe Launcher</a:t>
+            </a:r>
+            <a:endParaRPr lang="en-US" sz="1600" spc="-1" dirty="0">
+              <a:latin typeface="+mj-lt"/>
+              <a:ea typeface="Gill Sans"/>
+            </a:endParaRPr>
+          </a:p>
+          <a:p>
+            <a:pPr marL="901620" lvl="1" indent="-342900">
+              <a:spcBef>
+                <a:spcPts val="400"/>
+              </a:spcBef>
+              <a:buFont typeface="Wingdings" pitchFamily="2" charset="2"/>
+              <a:buChar char="v"/>
+            </a:pPr>
+            <a:r>
+              <a:rPr lang="en-US" sz="1600" spc="-1" dirty="0">
+                <a:latin typeface="+mj-lt"/>
+                <a:ea typeface="Gill Sans"/>
+                <a:hlinkClick r:id="rId7"/>
+              </a:rPr>
+              <a:t>Improve lifecycle </a:t>
+            </a:r>
+            <a:r>
+              <a:rPr lang="en-US" sz="1600" spc="-1" dirty="0" err="1">
+                <a:latin typeface="+mj-lt"/>
+                <a:ea typeface="Gill Sans"/>
+                <a:hlinkClick r:id="rId7"/>
+              </a:rPr>
+              <a:t>start.sh</a:t>
+            </a:r>
+            <a:r>
+              <a:rPr lang="en-US" sz="1600" spc="-1" dirty="0">
+                <a:latin typeface="+mj-lt"/>
+                <a:ea typeface="Gill Sans"/>
+                <a:hlinkClick r:id="rId7"/>
+              </a:rPr>
+              <a:t> to properly trap termination signals and kill child processes</a:t>
+            </a:r>
+            <a:endParaRPr lang="en-US" sz="1600" spc="-1" dirty="0">
+              <a:latin typeface="+mj-lt"/>
+              <a:ea typeface="Gill Sans"/>
+            </a:endParaRPr>
+          </a:p>
+          <a:p>
+            <a:pPr marL="901620" lvl="1" indent="-342900">
+              <a:spcBef>
+                <a:spcPts val="400"/>
+              </a:spcBef>
+              <a:buFont typeface="Wingdings" pitchFamily="2" charset="2"/>
+              <a:buChar char="v"/>
+            </a:pPr>
+            <a:r>
+              <a:rPr lang="en-US" sz="1600" spc="-1" dirty="0">
+                <a:latin typeface="+mj-lt"/>
+                <a:ea typeface="Gill Sans"/>
+                <a:hlinkClick r:id="rId8"/>
+              </a:rPr>
+              <a:t>Change ZSS to be registered under API Discovery Service</a:t>
+            </a:r>
+            <a:endParaRPr lang="en-US" sz="1600" spc="-1" dirty="0">
+              <a:latin typeface="+mj-lt"/>
+              <a:ea typeface="Gill Sans"/>
+            </a:endParaRPr>
+          </a:p>
+          <a:p>
+            <a:pPr marL="444420" indent="-342900">
+              <a:spcBef>
+                <a:spcPts val="400"/>
+              </a:spcBef>
+              <a:buFont typeface="Wingdings" pitchFamily="2" charset="2"/>
+              <a:buChar char="Ø"/>
+            </a:pPr>
+            <a:endParaRPr lang="en-US" spc="-1" dirty="0">
+              <a:latin typeface="+mj-lt"/>
+              <a:ea typeface="Gill Sans"/>
+            </a:endParaRPr>
+          </a:p>
+          <a:p>
+            <a:pPr marL="444420" indent="-342900">
+              <a:spcBef>
+                <a:spcPts val="400"/>
+              </a:spcBef>
+              <a:buFont typeface="Wingdings" pitchFamily="2" charset="2"/>
+              <a:buChar char="Ø"/>
+            </a:pPr>
+            <a:r>
+              <a:rPr lang="en-US" spc="-1" dirty="0">
+                <a:latin typeface="+mj-lt"/>
+                <a:ea typeface="Gill Sans"/>
+              </a:rPr>
+              <a:t>Certificate Configuration Improvement</a:t>
+            </a:r>
+          </a:p>
+          <a:p>
+            <a:pPr marL="901620" lvl="1" indent="-342900">
+              <a:spcBef>
+                <a:spcPts val="400"/>
+              </a:spcBef>
+              <a:buFont typeface="Wingdings" pitchFamily="2" charset="2"/>
+              <a:buChar char="v"/>
+            </a:pPr>
+            <a:r>
+              <a:rPr lang="en-US" sz="1600" spc="-1" dirty="0">
+                <a:latin typeface="+mj-lt"/>
+                <a:ea typeface="Gill Sans"/>
+                <a:hlinkClick r:id="rId9"/>
+              </a:rPr>
+              <a:t>Add flexibility to define certificate for internal and external usage</a:t>
+            </a:r>
+            <a:endParaRPr lang="en-US" sz="1600" spc="-1" dirty="0">
+              <a:latin typeface="+mj-lt"/>
+              <a:ea typeface="Gill Sans"/>
+            </a:endParaRPr>
+          </a:p>
+          <a:p>
+            <a:pPr marL="901620" lvl="1" indent="-342900">
+              <a:spcBef>
+                <a:spcPts val="400"/>
+              </a:spcBef>
+              <a:buFont typeface="Wingdings" pitchFamily="2" charset="2"/>
+              <a:buChar char="v"/>
+            </a:pPr>
+            <a:r>
+              <a:rPr lang="en-US" sz="1600" spc="-1" dirty="0">
+                <a:latin typeface="+mj-lt"/>
+                <a:ea typeface="Gill Sans"/>
+                <a:hlinkClick r:id="rId10"/>
+              </a:rPr>
+              <a:t>Allow to define multiple domains / IPs as Subject Alternative Name (SAN) when storing certificate(s) in Keyring</a:t>
+            </a:r>
+            <a:endParaRPr lang="en-US" sz="1600" spc="-1" dirty="0">
+              <a:latin typeface="+mj-lt"/>
+              <a:ea typeface="Gill Sans"/>
             </a:endParaRPr>
           </a:p>
         </p:txBody>
@@ -12997,7 +13362,7 @@
     </p:spTree>
     <p:extLst>
       <p:ext uri="{BB962C8B-B14F-4D97-AF65-F5344CB8AC3E}">
-        <p14:creationId xmlns:p14="http://schemas.microsoft.com/office/powerpoint/2010/main" val="3991053163"/>
+        <p14:creationId xmlns:p14="http://schemas.microsoft.com/office/powerpoint/2010/main" val="259758416"/>
       </p:ext>
     </p:extLst>
   </p:cSld>
@@ -13005,7 +13370,7 @@
     <a:masterClrMapping/>
   </p:clrMapOvr>
   <p:transition spd="med">
-    <p:fade/>
+    <p:fade thruBlk="1"/>
   </p:transition>
   <p:timing>
     <p:tnLst>
@@ -13085,27 +13450,20 @@
               </a:lnSpc>
             </a:pPr>
             <a:r>
-              <a:rPr lang="en-US" sz="3000" spc="-1" dirty="0" err="1" smtClean="0">
+              <a:rPr lang="en-US" sz="3000" spc="-1" dirty="0">
                 <a:solidFill>
                   <a:srgbClr val="262626"/>
                 </a:solidFill>
+                <a:latin typeface="+mj-lt"/>
                 <a:ea typeface="Gill Sans"/>
               </a:rPr>
-              <a:t>Zowe</a:t>
-            </a:r>
-            <a:r>
-              <a:rPr lang="en-US" sz="3000" spc="-1" dirty="0" smtClean="0">
-                <a:solidFill>
-                  <a:srgbClr val="262626"/>
-                </a:solidFill>
-                <a:ea typeface="Gill Sans"/>
-              </a:rPr>
-              <a:t> CLI Squad</a:t>
+              <a:t>CI/CD – Extension Installation</a:t>
             </a:r>
             <a:endParaRPr lang="en-US" sz="3000" b="0" strike="noStrike" spc="-1" dirty="0">
               <a:solidFill>
                 <a:srgbClr val="000000"/>
               </a:solidFill>
+              <a:latin typeface="+mj-lt"/>
             </a:endParaRPr>
           </a:p>
         </p:txBody>
@@ -13119,7 +13477,7 @@
         <p:spPr>
           <a:xfrm>
             <a:off x="405518" y="993913"/>
-            <a:ext cx="8420430" cy="3808676"/>
+            <a:ext cx="8269762" cy="3808676"/>
           </a:xfrm>
           <a:prstGeom prst="rect">
             <a:avLst/>
@@ -13143,25 +13501,17 @@
               <a:buChar char="Ø"/>
             </a:pPr>
             <a:r>
-              <a:rPr lang="en-US" sz="2000" dirty="0" smtClean="0"/>
-              <a:t>Validate </a:t>
-            </a:r>
-            <a:r>
-              <a:rPr lang="en-US" sz="2000" dirty="0" err="1"/>
-              <a:t>Zowe</a:t>
-            </a:r>
-            <a:r>
-              <a:rPr lang="en-US" sz="2000" dirty="0"/>
-              <a:t> CLI on Node v14. Node v14 becomes LTS on </a:t>
-            </a:r>
-            <a:r>
-              <a:rPr lang="en-US" sz="2000" dirty="0" smtClean="0"/>
-              <a:t>10/27.</a:t>
-            </a:r>
-            <a:br>
-              <a:rPr lang="en-US" sz="2000" dirty="0" smtClean="0"/>
-            </a:br>
-            <a:endParaRPr lang="en-US" sz="2000" dirty="0" smtClean="0"/>
+              <a:rPr lang="en-US" sz="2000" spc="-1" dirty="0">
+                <a:latin typeface="+mj-lt"/>
+                <a:ea typeface="Gill Sans"/>
+                <a:hlinkClick r:id="rId3"/>
+              </a:rPr>
+              <a:t>Create extension installation script, playbook and test cases to validate installation</a:t>
+            </a:r>
+            <a:endParaRPr lang="en-US" sz="2000" spc="-1" dirty="0">
+              <a:latin typeface="+mj-lt"/>
+              <a:ea typeface="Gill Sans"/>
+            </a:endParaRPr>
           </a:p>
           <a:p>
             <a:pPr marL="387270" indent="-285750">
@@ -13171,74 +13521,57 @@
               <a:buFont typeface="Wingdings" pitchFamily="2" charset="2"/>
               <a:buChar char="Ø"/>
             </a:pPr>
-            <a:r>
-              <a:rPr lang="en-US" sz="2000" dirty="0" smtClean="0"/>
-              <a:t>Project </a:t>
-            </a:r>
-            <a:r>
-              <a:rPr lang="en-US" sz="2000" dirty="0"/>
-              <a:t>based CLI profiles. Implement design determined in </a:t>
-            </a:r>
-            <a:r>
-              <a:rPr lang="en-US" sz="2000" dirty="0">
-                <a:hlinkClick r:id="rId3"/>
-              </a:rPr>
-              <a:t>https://github.com/zowe/zowe-cli/issues/749</a:t>
-            </a:r>
-            <a:r>
-              <a:rPr lang="en-US" sz="2000" dirty="0"/>
-              <a:t> to allow for a single profile that stores information commonly needed for core + plug-ins. The goal is to allow for users to more easily store profiles in source control, share profiles with others, and update profile </a:t>
-            </a:r>
-            <a:r>
-              <a:rPr lang="en-US" sz="2000" dirty="0" smtClean="0"/>
-              <a:t>settings.</a:t>
-            </a:r>
-            <a:br>
-              <a:rPr lang="en-US" sz="2000" dirty="0" smtClean="0"/>
-            </a:br>
-            <a:endParaRPr lang="en-US" sz="2000" dirty="0" smtClean="0"/>
-          </a:p>
-          <a:p>
-            <a:pPr marL="387270" indent="-285750">
+            <a:endParaRPr lang="en-US" sz="2000" spc="-1" dirty="0">
+              <a:latin typeface="+mj-lt"/>
+              <a:ea typeface="Gill Sans"/>
+            </a:endParaRPr>
+          </a:p>
+          <a:p>
+            <a:pPr marL="844470" lvl="1" indent="-285750">
               <a:spcBef>
                 <a:spcPts val="400"/>
               </a:spcBef>
               <a:buFont typeface="Wingdings" pitchFamily="2" charset="2"/>
-              <a:buChar char="Ø"/>
-            </a:pPr>
-            <a:r>
-              <a:rPr lang="en-US" sz="2000" dirty="0" smtClean="0"/>
-              <a:t>Validate </a:t>
-            </a:r>
-            <a:r>
-              <a:rPr lang="en-US" sz="2000" dirty="0"/>
-              <a:t>daemon mode </a:t>
-            </a:r>
-            <a:r>
-              <a:rPr lang="en-US" sz="2000" dirty="0" err="1"/>
-              <a:t>PoC</a:t>
-            </a:r>
-            <a:r>
-              <a:rPr lang="en-US" sz="2000" dirty="0"/>
-              <a:t> (</a:t>
-            </a:r>
-            <a:r>
-              <a:rPr lang="en-US" sz="2000" dirty="0">
-                <a:hlinkClick r:id="rId4"/>
-              </a:rPr>
-              <a:t>https://github.com/zowe/zowe-cli/pull/825</a:t>
-            </a:r>
-            <a:r>
-              <a:rPr lang="en-US" sz="2000" dirty="0"/>
-              <a:t>). The goal is to improve </a:t>
-            </a:r>
-            <a:r>
-              <a:rPr lang="en-US" sz="2000" dirty="0" err="1"/>
-              <a:t>Zowe</a:t>
-            </a:r>
-            <a:r>
-              <a:rPr lang="en-US" sz="2000" dirty="0"/>
-              <a:t> CLI performance for all commands. Local command operations like help should take less than one second to run.</a:t>
+              <a:buChar char="v"/>
+            </a:pPr>
+            <a:r>
+              <a:rPr lang="en-US" sz="2000" spc="-1" dirty="0">
+                <a:latin typeface="+mj-lt"/>
+                <a:ea typeface="Gill Sans"/>
+              </a:rPr>
+              <a:t>Create extension installation script</a:t>
+            </a:r>
+          </a:p>
+          <a:p>
+            <a:pPr marL="844470" lvl="1" indent="-285750">
+              <a:spcBef>
+                <a:spcPts val="400"/>
+              </a:spcBef>
+              <a:buFont typeface="Wingdings" pitchFamily="2" charset="2"/>
+              <a:buChar char="v"/>
+            </a:pPr>
+            <a:r>
+              <a:rPr lang="en-US" sz="2000" spc="-1" dirty="0">
+                <a:latin typeface="+mj-lt"/>
+                <a:ea typeface="Gill Sans"/>
+              </a:rPr>
+              <a:t>Create new Ansible playbook to install extension</a:t>
+            </a:r>
+          </a:p>
+          <a:p>
+            <a:pPr marL="844470" lvl="1" indent="-285750">
+              <a:spcBef>
+                <a:spcPts val="400"/>
+              </a:spcBef>
+              <a:buFont typeface="Wingdings" pitchFamily="2" charset="2"/>
+              <a:buChar char="v"/>
+            </a:pPr>
+            <a:r>
+              <a:rPr lang="en-US" sz="2000" spc="-1" dirty="0">
+                <a:latin typeface="+mj-lt"/>
+                <a:ea typeface="Gill Sans"/>
+              </a:rPr>
+              <a:t>Create new test cases which will validate extension installation</a:t>
             </a:r>
           </a:p>
         </p:txBody>
@@ -13246,7 +13579,7 @@
     </p:spTree>
     <p:extLst>
       <p:ext uri="{BB962C8B-B14F-4D97-AF65-F5344CB8AC3E}">
-        <p14:creationId xmlns:p14="http://schemas.microsoft.com/office/powerpoint/2010/main" val="1761493807"/>
+        <p14:creationId xmlns:p14="http://schemas.microsoft.com/office/powerpoint/2010/main" val="2730694854"/>
       </p:ext>
     </p:extLst>
   </p:cSld>
@@ -13334,24 +13667,24 @@
               </a:lnSpc>
             </a:pPr>
             <a:r>
-              <a:rPr lang="en-US" sz="3000" spc="-1" dirty="0" err="1" smtClean="0">
+              <a:rPr lang="en-US" sz="3000" spc="-1" dirty="0">
                 <a:solidFill>
                   <a:srgbClr val="262626"/>
                 </a:solidFill>
                 <a:latin typeface="+mj-lt"/>
                 <a:ea typeface="Gill Sans"/>
               </a:rPr>
-              <a:t>Zowe</a:t>
-            </a:r>
-            <a:r>
-              <a:rPr lang="en-US" sz="3000" spc="-1" dirty="0" smtClean="0">
-                <a:solidFill>
-                  <a:srgbClr val="262626"/>
-                </a:solidFill>
+              <a:t>CI/CD – </a:t>
+            </a:r>
+            <a:r>
+              <a:rPr lang="en-GB" sz="3200" dirty="0">
+                <a:solidFill>
+                  <a:srgbClr val="222222"/>
+                </a:solidFill>
+                <a:effectLst/>
                 <a:latin typeface="+mj-lt"/>
-                <a:ea typeface="Gill Sans"/>
-              </a:rPr>
-              <a:t> CLI Squad</a:t>
+              </a:rPr>
+              <a:t>Automated testing catch-up</a:t>
             </a:r>
             <a:endParaRPr lang="en-US" sz="3000" b="0" strike="noStrike" spc="-1" dirty="0">
               <a:solidFill>
@@ -13395,12 +13728,53 @@
               <a:buChar char="Ø"/>
             </a:pPr>
             <a:r>
-              <a:rPr lang="en-US" sz="2000" dirty="0"/>
-              <a:t>Address growing number of community enhancement </a:t>
-            </a:r>
-            <a:r>
-              <a:rPr lang="en-US" sz="2000" dirty="0" smtClean="0"/>
-              <a:t>requests</a:t>
+              <a:rPr lang="en-GB" sz="2000" dirty="0">
+                <a:solidFill>
+                  <a:srgbClr val="222222"/>
+                </a:solidFill>
+                <a:effectLst/>
+                <a:latin typeface="+mj-lt"/>
+              </a:rPr>
+              <a:t>Decide on and complete what testing we require for keyrings and </a:t>
+            </a:r>
+            <a:r>
+              <a:rPr lang="en-GB" sz="2000" dirty="0" err="1">
+                <a:solidFill>
+                  <a:srgbClr val="222222"/>
+                </a:solidFill>
+                <a:effectLst/>
+                <a:latin typeface="+mj-lt"/>
+              </a:rPr>
+              <a:t>uss</a:t>
+            </a:r>
+            <a:r>
+              <a:rPr lang="en-GB" sz="2000" dirty="0">
+                <a:solidFill>
+                  <a:srgbClr val="222222"/>
+                </a:solidFill>
+                <a:effectLst/>
+                <a:latin typeface="+mj-lt"/>
+              </a:rPr>
+              <a:t> certificates </a:t>
+            </a:r>
+          </a:p>
+          <a:p>
+            <a:pPr marL="844470" lvl="1" indent="-285750">
+              <a:spcBef>
+                <a:spcPts val="400"/>
+              </a:spcBef>
+              <a:buFont typeface="Arial" panose="020B0604020202020204" pitchFamily="34" charset="0"/>
+              <a:buChar char="•"/>
+            </a:pPr>
+            <a:r>
+              <a:rPr lang="en-GB" dirty="0">
+                <a:solidFill>
+                  <a:srgbClr val="222222"/>
+                </a:solidFill>
+                <a:effectLst/>
+                <a:latin typeface="+mj-lt"/>
+              </a:rPr>
+              <a:t>(eg better TSS and ACF2 support for keyrings, more certificate scenarios like importing external certificates)</a:t>
             </a:r>
           </a:p>
           <a:p>
@@ -13411,7 +13785,13 @@
               <a:buFont typeface="Wingdings" pitchFamily="2" charset="2"/>
               <a:buChar char="Ø"/>
             </a:pPr>
-            <a:endParaRPr lang="en-US" sz="2000" dirty="0" smtClean="0"/>
+            <a:endParaRPr lang="en-GB" spc="-1" dirty="0">
+              <a:solidFill>
+                <a:srgbClr val="222222"/>
+              </a:solidFill>
+              <a:latin typeface="+mj-lt"/>
+              <a:ea typeface="Gill Sans"/>
+            </a:endParaRPr>
           </a:p>
           <a:p>
             <a:pPr marL="387270" indent="-285750">
@@ -13422,37 +13802,45 @@
               <a:buChar char="Ø"/>
             </a:pPr>
             <a:r>
-              <a:rPr lang="en-US" sz="2000" dirty="0" smtClean="0"/>
-              <a:t>Ensure </a:t>
-            </a:r>
-            <a:r>
-              <a:rPr lang="en-US" sz="2000" dirty="0"/>
-              <a:t>successful </a:t>
-            </a:r>
-            <a:r>
-              <a:rPr lang="en-US" sz="2000" dirty="0" smtClean="0"/>
-              <a:t>installation and use </a:t>
-            </a:r>
-            <a:r>
-              <a:rPr lang="en-US" sz="2000" dirty="0"/>
-              <a:t>of the </a:t>
-            </a:r>
-            <a:r>
-              <a:rPr lang="en-US" sz="2000" dirty="0" err="1"/>
-              <a:t>Zowe</a:t>
-            </a:r>
-            <a:r>
-              <a:rPr lang="en-US" sz="2000" dirty="0"/>
-              <a:t> CLI in environments with proxies. </a:t>
-            </a:r>
-            <a:r>
-              <a:rPr lang="en-US" sz="2000" dirty="0" smtClean="0"/>
-              <a:t/>
-            </a:r>
-            <a:br>
-              <a:rPr lang="en-US" sz="2000" dirty="0" smtClean="0"/>
-            </a:br>
-            <a:endParaRPr lang="en-US" sz="2000" dirty="0" smtClean="0"/>
+              <a:rPr lang="en-GB" sz="2000" dirty="0" err="1">
+                <a:solidFill>
+                  <a:srgbClr val="222222"/>
+                </a:solidFill>
+                <a:effectLst/>
+                <a:latin typeface="+mj-lt"/>
+              </a:rPr>
+              <a:t>zlux</a:t>
+            </a:r>
+            <a:r>
+              <a:rPr lang="en-GB" sz="2000" dirty="0">
+                <a:solidFill>
+                  <a:srgbClr val="222222"/>
+                </a:solidFill>
+                <a:effectLst/>
+                <a:latin typeface="+mj-lt"/>
+              </a:rPr>
+              <a:t> and </a:t>
+            </a:r>
+            <a:r>
+              <a:rPr lang="en-GB" sz="2000" dirty="0" err="1">
+                <a:solidFill>
+                  <a:srgbClr val="222222"/>
+                </a:solidFill>
+                <a:effectLst/>
+                <a:latin typeface="+mj-lt"/>
+              </a:rPr>
+              <a:t>apiml</a:t>
+            </a:r>
+            <a:r>
+              <a:rPr lang="en-GB" sz="2000" dirty="0">
+                <a:solidFill>
+                  <a:srgbClr val="222222"/>
+                </a:solidFill>
+                <a:effectLst/>
+                <a:latin typeface="+mj-lt"/>
+              </a:rPr>
+              <a:t> component testing into open source</a:t>
+            </a:r>
           </a:p>
           <a:p>
             <a:pPr marL="387270" indent="-285750">
@@ -13462,22 +13850,13 @@
               <a:buFont typeface="Wingdings" pitchFamily="2" charset="2"/>
               <a:buChar char="Ø"/>
             </a:pPr>
-            <a:r>
-              <a:rPr lang="en-US" sz="2000" dirty="0" smtClean="0"/>
-              <a:t>Allow </a:t>
-            </a:r>
-            <a:r>
-              <a:rPr lang="en-US" sz="2000" dirty="0"/>
-              <a:t>for recently run commands to be easily recalled</a:t>
-            </a:r>
-            <a:r>
-              <a:rPr lang="en-US" sz="2000" dirty="0" smtClean="0"/>
-              <a:t>.</a:t>
-            </a:r>
-            <a:br>
-              <a:rPr lang="en-US" sz="2000" dirty="0" smtClean="0"/>
-            </a:br>
-            <a:endParaRPr lang="en-US" sz="2000" dirty="0"/>
+            <a:endParaRPr lang="en-GB" sz="2000" spc="-1" dirty="0">
+              <a:solidFill>
+                <a:srgbClr val="222222"/>
+              </a:solidFill>
+              <a:latin typeface="+mj-lt"/>
+              <a:ea typeface="Gill Sans"/>
+            </a:endParaRPr>
           </a:p>
           <a:p>
             <a:pPr marL="387270" indent="-285750">
@@ -13488,32 +13867,46 @@
               <a:buChar char="Ø"/>
             </a:pPr>
             <a:r>
-              <a:rPr lang="en-US" sz="2000" dirty="0"/>
-              <a:t>Ensure </a:t>
-            </a:r>
-            <a:r>
-              <a:rPr lang="en-US" sz="2000" dirty="0" err="1"/>
+              <a:rPr lang="en-GB" sz="2000" dirty="0">
+                <a:solidFill>
+                  <a:srgbClr val="222222"/>
+                </a:solidFill>
+                <a:effectLst/>
+                <a:latin typeface="+mj-lt"/>
+              </a:rPr>
+              <a:t>Support ACF2 and TSS with the </a:t>
+            </a:r>
+            <a:r>
+              <a:rPr lang="en-GB" sz="2000" dirty="0" err="1">
+                <a:solidFill>
+                  <a:srgbClr val="222222"/>
+                </a:solidFill>
+                <a:effectLst/>
+                <a:latin typeface="+mj-lt"/>
+              </a:rPr>
               <a:t>Zowe</a:t>
             </a:r>
             <a:r>
-              <a:rPr lang="en-US" sz="2000" dirty="0"/>
-              <a:t> CLI functions properly in a </a:t>
-            </a:r>
-            <a:r>
-              <a:rPr lang="en-US" sz="2000" dirty="0" err="1"/>
-              <a:t>CodeReady</a:t>
-            </a:r>
-            <a:r>
-              <a:rPr lang="en-US" sz="2000" dirty="0"/>
-              <a:t> Workspace. </a:t>
-            </a:r>
+              <a:rPr lang="en-GB" sz="2000" dirty="0">
+                <a:solidFill>
+                  <a:srgbClr val="222222"/>
+                </a:solidFill>
+                <a:effectLst/>
+                <a:latin typeface="+mj-lt"/>
+              </a:rPr>
+              <a:t> security set up</a:t>
+            </a:r>
+            <a:endParaRPr lang="en-US" sz="2000" spc="-1" dirty="0">
+              <a:latin typeface="+mj-lt"/>
+              <a:ea typeface="Gill Sans"/>
+            </a:endParaRPr>
           </a:p>
         </p:txBody>
       </p:sp>
     </p:spTree>
     <p:extLst>
       <p:ext uri="{BB962C8B-B14F-4D97-AF65-F5344CB8AC3E}">
-        <p14:creationId xmlns:p14="http://schemas.microsoft.com/office/powerpoint/2010/main" val="587560883"/>
+        <p14:creationId xmlns:p14="http://schemas.microsoft.com/office/powerpoint/2010/main" val="442466579"/>
       </p:ext>
     </p:extLst>
   </p:cSld>
@@ -13572,88 +13965,336 @@
       </p:grpSpPr>
       <p:sp>
         <p:nvSpPr>
-          <p:cNvPr id="2" name="Rectangle 1"/>
-          <p:cNvSpPr/>
+          <p:cNvPr id="182" name="TextShape 1"/>
+          <p:cNvSpPr txBox="1"/>
           <p:nvPr/>
         </p:nvSpPr>
         <p:spPr>
           <a:xfrm>
-            <a:off x="352839" y="3180521"/>
-            <a:ext cx="7404652" cy="940257"/>
-          </a:xfrm>
-          <a:prstGeom prst="rect">
-            <a:avLst/>
-          </a:prstGeom>
-        </p:spPr>
-        <p:txBody>
-          <a:bodyPr wrap="square">
-            <a:spAutoFit/>
-          </a:bodyPr>
-          <a:lstStyle/>
-          <a:p>
-            <a:pPr marL="457200" indent="-228240">
+            <a:off x="334080" y="159480"/>
+            <a:ext cx="7893720" cy="447120"/>
+          </a:xfrm>
+          <a:prstGeom prst="rect">
+            <a:avLst/>
+          </a:prstGeom>
+          <a:noFill/>
+          <a:ln>
+            <a:noFill/>
+          </a:ln>
+        </p:spPr>
+        <p:txBody>
+          <a:bodyPr tIns="91440" bIns="91440" anchor="ctr">
+            <a:noAutofit/>
+          </a:bodyPr>
+          <a:lstStyle/>
+          <a:p>
+            <a:pPr>
               <a:lnSpc>
-                <a:spcPct val="85000"/>
+                <a:spcPct val="100000"/>
               </a:lnSpc>
+            </a:pPr>
+            <a:r>
+              <a:rPr lang="en-US" sz="3000" spc="-1" dirty="0">
+                <a:solidFill>
+                  <a:srgbClr val="262626"/>
+                </a:solidFill>
+                <a:latin typeface="+mj-lt"/>
+                <a:ea typeface="Gill Sans"/>
+              </a:rPr>
+              <a:t>CI/CD – </a:t>
+            </a:r>
+            <a:r>
+              <a:rPr lang="en-GB" sz="3200" dirty="0">
+                <a:solidFill>
+                  <a:srgbClr val="222222"/>
+                </a:solidFill>
+                <a:effectLst/>
+                <a:latin typeface="+mj-lt"/>
+              </a:rPr>
+              <a:t>Monitoring of infrastructure</a:t>
+            </a:r>
+            <a:endParaRPr lang="en-US" sz="3000" b="0" strike="noStrike" spc="-1" dirty="0">
+              <a:solidFill>
+                <a:srgbClr val="000000"/>
+              </a:solidFill>
+              <a:latin typeface="+mj-lt"/>
+            </a:endParaRPr>
+          </a:p>
+        </p:txBody>
+      </p:sp>
+      <p:sp>
+        <p:nvSpPr>
+          <p:cNvPr id="183" name="TextShape 2"/>
+          <p:cNvSpPr txBox="1"/>
+          <p:nvPr/>
+        </p:nvSpPr>
+        <p:spPr>
+          <a:xfrm>
+            <a:off x="405518" y="993913"/>
+            <a:ext cx="8269762" cy="3808676"/>
+          </a:xfrm>
+          <a:prstGeom prst="rect">
+            <a:avLst/>
+          </a:prstGeom>
+          <a:noFill/>
+          <a:ln>
+            <a:noFill/>
+          </a:ln>
+        </p:spPr>
+        <p:txBody>
+          <a:bodyPr tIns="91440" bIns="91440">
+            <a:noAutofit/>
+          </a:bodyPr>
+          <a:lstStyle/>
+          <a:p>
+            <a:pPr marL="387270" indent="-285750">
               <a:spcBef>
-                <a:spcPts val="901"/>
+                <a:spcPts val="400"/>
               </a:spcBef>
-            </a:pPr>
-            <a:r>
-              <a:rPr lang="en-US" sz="3200" b="1" spc="-1" dirty="0" err="1">
-                <a:solidFill>
-                  <a:srgbClr val="000000"/>
-                </a:solidFill>
-                <a:ea typeface="Arial"/>
-              </a:rPr>
-              <a:t>Zowe</a:t>
-            </a:r>
-            <a:r>
-              <a:rPr lang="en-US" sz="3200" b="1" spc="-1" dirty="0">
-                <a:solidFill>
-                  <a:srgbClr val="000000"/>
-                </a:solidFill>
-                <a:ea typeface="Arial"/>
-              </a:rPr>
-              <a:t> Onboarding Squad Focus</a:t>
-            </a:r>
-            <a:endParaRPr lang="en-US" sz="3200" spc="-1" dirty="0">
-              <a:solidFill>
-                <a:srgbClr val="000000"/>
-              </a:solidFill>
-            </a:endParaRPr>
-          </a:p>
-          <a:p>
-            <a:pPr marL="457200" indent="-228240">
-              <a:lnSpc>
-                <a:spcPct val="85000"/>
-              </a:lnSpc>
+              <a:buFont typeface="Wingdings" pitchFamily="2" charset="2"/>
+              <a:buChar char="Ø"/>
+            </a:pPr>
+            <a:r>
+              <a:rPr lang="en-GB" sz="1600" dirty="0">
+                <a:solidFill>
+                  <a:srgbClr val="222222"/>
+                </a:solidFill>
+                <a:effectLst/>
+                <a:latin typeface="+mj-lt"/>
+              </a:rPr>
+              <a:t>Discussed on a call - already set up more monitoring in IBM Cloud, can't track performance.</a:t>
+            </a:r>
+          </a:p>
+          <a:p>
+            <a:pPr marL="387270" indent="-285750">
               <a:spcBef>
-                <a:spcPts val="901"/>
+                <a:spcPts val="400"/>
               </a:spcBef>
-            </a:pPr>
-            <a:r>
-              <a:rPr lang="en-US" sz="2400" b="1" spc="-1" dirty="0">
-                <a:solidFill>
-                  <a:srgbClr val="000000"/>
-                </a:solidFill>
-                <a:ea typeface="Arial"/>
-              </a:rPr>
-              <a:t>Rose </a:t>
-            </a:r>
-            <a:r>
-              <a:rPr lang="en-US" sz="2400" b="1" spc="-1" dirty="0" err="1">
-                <a:solidFill>
-                  <a:srgbClr val="000000"/>
-                </a:solidFill>
-                <a:ea typeface="Arial"/>
-              </a:rPr>
-              <a:t>Sakach</a:t>
+              <a:buFont typeface="Wingdings" pitchFamily="2" charset="2"/>
+              <a:buChar char="Ø"/>
+            </a:pPr>
+            <a:endParaRPr lang="en-GB" sz="1000" dirty="0">
+              <a:solidFill>
+                <a:srgbClr val="222222"/>
+              </a:solidFill>
+              <a:latin typeface="+mj-lt"/>
+            </a:endParaRPr>
+          </a:p>
+          <a:p>
+            <a:pPr marL="387270" indent="-285750">
+              <a:spcBef>
+                <a:spcPts val="400"/>
+              </a:spcBef>
+              <a:buFont typeface="Wingdings" pitchFamily="2" charset="2"/>
+              <a:buChar char="Ø"/>
+            </a:pPr>
+            <a:r>
+              <a:rPr lang="en-GB" sz="1600" dirty="0">
+                <a:solidFill>
+                  <a:srgbClr val="222222"/>
+                </a:solidFill>
+                <a:effectLst/>
+                <a:latin typeface="+mj-lt"/>
+              </a:rPr>
+              <a:t>Want to be able to measure performance and catch potential issues in advance</a:t>
+            </a:r>
+          </a:p>
+          <a:p>
+            <a:pPr marL="387270" indent="-285750">
+              <a:spcBef>
+                <a:spcPts val="400"/>
+              </a:spcBef>
+              <a:buFont typeface="Wingdings" pitchFamily="2" charset="2"/>
+              <a:buChar char="Ø"/>
+            </a:pPr>
+            <a:endParaRPr lang="en-GB" sz="1050" spc="-1" dirty="0">
+              <a:solidFill>
+                <a:srgbClr val="222222"/>
+              </a:solidFill>
+              <a:latin typeface="+mj-lt"/>
+              <a:ea typeface="Gill Sans"/>
+            </a:endParaRPr>
+          </a:p>
+          <a:p>
+            <a:pPr marL="387270" indent="-285750">
+              <a:spcBef>
+                <a:spcPts val="400"/>
+              </a:spcBef>
+              <a:buFont typeface="Wingdings" pitchFamily="2" charset="2"/>
+              <a:buChar char="Ø"/>
+            </a:pPr>
+            <a:r>
+              <a:rPr lang="en-GB" sz="1600" spc="-1" dirty="0">
+                <a:solidFill>
+                  <a:srgbClr val="222222"/>
+                </a:solidFill>
+                <a:latin typeface="+mj-lt"/>
+                <a:ea typeface="Gill Sans"/>
+              </a:rPr>
+              <a:t>Using Zabbix tool to stand up server and agents on all infrastructure machines:</a:t>
+            </a:r>
+          </a:p>
+          <a:p>
+            <a:pPr marL="844470" lvl="1" indent="-285750">
+              <a:spcBef>
+                <a:spcPts val="400"/>
+              </a:spcBef>
+              <a:buFont typeface="Arial" panose="020B0604020202020204" pitchFamily="34" charset="0"/>
+              <a:buChar char="•"/>
+            </a:pPr>
+            <a:r>
+              <a:rPr lang="en-GB" sz="1400" spc="-1" dirty="0">
+                <a:solidFill>
+                  <a:srgbClr val="222222"/>
+                </a:solidFill>
+                <a:latin typeface="+mj-lt"/>
+                <a:ea typeface="Gill Sans"/>
+              </a:rPr>
+              <a:t>Marist-1</a:t>
+            </a:r>
+          </a:p>
+          <a:p>
+            <a:pPr marL="844470" lvl="1" indent="-285750">
+              <a:spcBef>
+                <a:spcPts val="400"/>
+              </a:spcBef>
+              <a:buFont typeface="Arial" panose="020B0604020202020204" pitchFamily="34" charset="0"/>
+              <a:buChar char="•"/>
+            </a:pPr>
+            <a:r>
+              <a:rPr lang="en-GB" sz="1400" spc="-1" dirty="0">
+                <a:solidFill>
+                  <a:srgbClr val="222222"/>
+                </a:solidFill>
+                <a:latin typeface="+mj-lt"/>
+                <a:ea typeface="Gill Sans"/>
+              </a:rPr>
+              <a:t>Marist-2</a:t>
+            </a:r>
+          </a:p>
+          <a:p>
+            <a:pPr marL="844470" lvl="1" indent="-285750">
+              <a:spcBef>
+                <a:spcPts val="400"/>
+              </a:spcBef>
+              <a:buFont typeface="Arial" panose="020B0604020202020204" pitchFamily="34" charset="0"/>
+              <a:buChar char="•"/>
+            </a:pPr>
+            <a:r>
+              <a:rPr lang="en-GB" sz="1400" spc="-1" dirty="0">
+                <a:solidFill>
+                  <a:srgbClr val="222222"/>
+                </a:solidFill>
+                <a:latin typeface="+mj-lt"/>
+                <a:ea typeface="Gill Sans"/>
+              </a:rPr>
+              <a:t>Marist-3</a:t>
+            </a:r>
+          </a:p>
+          <a:p>
+            <a:pPr marL="844470" lvl="1" indent="-285750">
+              <a:spcBef>
+                <a:spcPts val="400"/>
+              </a:spcBef>
+              <a:buFont typeface="Arial" panose="020B0604020202020204" pitchFamily="34" charset="0"/>
+              <a:buChar char="•"/>
+            </a:pPr>
+            <a:r>
+              <a:rPr lang="en-GB" sz="1400" spc="-1" dirty="0">
+                <a:solidFill>
+                  <a:srgbClr val="222222"/>
+                </a:solidFill>
+                <a:latin typeface="+mj-lt"/>
+                <a:ea typeface="Gill Sans"/>
+              </a:rPr>
+              <a:t>Wash</a:t>
+            </a:r>
+          </a:p>
+          <a:p>
+            <a:pPr marL="844470" lvl="1" indent="-285750">
+              <a:spcBef>
+                <a:spcPts val="400"/>
+              </a:spcBef>
+              <a:buFont typeface="Arial" panose="020B0604020202020204" pitchFamily="34" charset="0"/>
+              <a:buChar char="•"/>
+            </a:pPr>
+            <a:r>
+              <a:rPr lang="en-GB" sz="1400" spc="-1" dirty="0">
+                <a:solidFill>
+                  <a:srgbClr val="222222"/>
+                </a:solidFill>
+                <a:latin typeface="+mj-lt"/>
+                <a:ea typeface="Gill Sans"/>
+              </a:rPr>
+              <a:t>River</a:t>
+            </a:r>
+          </a:p>
+          <a:p>
+            <a:pPr marL="844470" lvl="1" indent="-285750">
+              <a:spcBef>
+                <a:spcPts val="400"/>
+              </a:spcBef>
+              <a:buFont typeface="Arial" panose="020B0604020202020204" pitchFamily="34" charset="0"/>
+              <a:buChar char="•"/>
+            </a:pPr>
+            <a:r>
+              <a:rPr lang="en-GB" sz="1400" spc="-1" dirty="0">
+                <a:solidFill>
+                  <a:srgbClr val="222222"/>
+                </a:solidFill>
+                <a:latin typeface="+mj-lt"/>
+                <a:ea typeface="Gill Sans"/>
+              </a:rPr>
+              <a:t>Jayne</a:t>
+            </a:r>
+          </a:p>
+          <a:p>
+            <a:pPr marL="844470" lvl="1" indent="-285750">
+              <a:spcBef>
+                <a:spcPts val="400"/>
+              </a:spcBef>
+              <a:buFont typeface="Arial" panose="020B0604020202020204" pitchFamily="34" charset="0"/>
+              <a:buChar char="•"/>
+            </a:pPr>
+            <a:endParaRPr lang="en-GB" sz="1000" spc="-1" dirty="0">
+              <a:solidFill>
+                <a:srgbClr val="222222"/>
+              </a:solidFill>
+              <a:latin typeface="+mj-lt"/>
+              <a:ea typeface="Gill Sans"/>
+            </a:endParaRPr>
+          </a:p>
+          <a:p>
+            <a:pPr marL="387270" indent="-285750">
+              <a:spcBef>
+                <a:spcPts val="400"/>
+              </a:spcBef>
+              <a:buFont typeface="Wingdings" pitchFamily="2" charset="2"/>
+              <a:buChar char="Ø"/>
+            </a:pPr>
+            <a:r>
+              <a:rPr lang="en-GB" sz="1600" spc="-1" dirty="0">
+                <a:solidFill>
+                  <a:srgbClr val="222222"/>
+                </a:solidFill>
+                <a:latin typeface="+mj-lt"/>
+                <a:ea typeface="Gill Sans"/>
+              </a:rPr>
+              <a:t>Currently appear to be missing packages on IBM Cloud systems that won’t allow server </a:t>
+            </a:r>
+            <a:r>
+              <a:rPr lang="en-GB" sz="1600" spc="-1" dirty="0" smtClean="0">
+                <a:solidFill>
+                  <a:srgbClr val="222222"/>
+                </a:solidFill>
+                <a:latin typeface="+mj-lt"/>
+                <a:ea typeface="Gill Sans"/>
+              </a:rPr>
+              <a:t>install</a:t>
             </a:r>
             <a:endParaRPr lang="en-US" sz="2000" spc="-1" dirty="0">
-              <a:solidFill>
-                <a:srgbClr val="000000"/>
-              </a:solidFill>
+              <a:latin typeface="+mj-lt"/>
+              <a:ea typeface="Gill Sans"/>
             </a:endParaRPr>
           </a:p>
         </p:txBody>
@@ -13661,7 +14302,7 @@
     </p:spTree>
     <p:extLst>
       <p:ext uri="{BB962C8B-B14F-4D97-AF65-F5344CB8AC3E}">
-        <p14:creationId xmlns:p14="http://schemas.microsoft.com/office/powerpoint/2010/main" val="467206394"/>
+        <p14:creationId xmlns:p14="http://schemas.microsoft.com/office/powerpoint/2010/main" val="275701246"/>
       </p:ext>
     </p:extLst>
   </p:cSld>
@@ -13669,7 +14310,7 @@
     <a:masterClrMapping/>
   </p:clrMapOvr>
   <p:transition spd="med">
-    <p:fade/>
+    <p:fade thruBlk="1"/>
   </p:transition>
   <p:timing>
     <p:tnLst>
@@ -13749,26 +14390,26 @@
               </a:lnSpc>
             </a:pPr>
             <a:r>
-              <a:rPr lang="en-US" sz="3000" spc="-1" dirty="0" err="1" smtClean="0">
+              <a:rPr lang="en-US" sz="2800" spc="-1" dirty="0">
                 <a:solidFill>
                   <a:srgbClr val="262626"/>
                 </a:solidFill>
                 <a:latin typeface="+mj-lt"/>
                 <a:ea typeface="Gill Sans"/>
               </a:rPr>
-              <a:t>Zowe</a:t>
-            </a:r>
-            <a:r>
-              <a:rPr lang="en-US" sz="3000" spc="-1" dirty="0" smtClean="0">
+              <a:t>CI/CD – </a:t>
+            </a:r>
+            <a:r>
+              <a:rPr lang="en-GB" sz="2800" spc="-1" dirty="0">
                 <a:solidFill>
                   <a:srgbClr val="262626"/>
                 </a:solidFill>
                 <a:latin typeface="+mj-lt"/>
                 <a:ea typeface="Gill Sans"/>
               </a:rPr>
-              <a:t> Onboarding Squad</a:t>
-            </a:r>
-            <a:endParaRPr lang="en-US" sz="3000" b="0" strike="noStrike" spc="-1" dirty="0">
+              <a:t>Stand up more subsystems on Marist</a:t>
+            </a:r>
+            <a:endParaRPr lang="en-US" sz="2800" b="0" strike="noStrike" spc="-1" dirty="0">
               <a:solidFill>
                 <a:srgbClr val="000000"/>
               </a:solidFill>
@@ -13810,37 +14451,54 @@
               <a:buChar char="Ø"/>
             </a:pPr>
             <a:r>
-              <a:rPr lang="en-US" sz="2000" b="1" dirty="0"/>
-              <a:t>Conformance Process </a:t>
-            </a:r>
-            <a:r>
-              <a:rPr lang="en-US" sz="2000" b="1" dirty="0" smtClean="0"/>
-              <a:t>Maturity</a:t>
-            </a:r>
-          </a:p>
-          <a:p>
-            <a:pPr marL="844470" lvl="1" indent="-285750">
+              <a:rPr lang="en-GB" sz="2000" dirty="0">
+                <a:solidFill>
+                  <a:srgbClr val="222222"/>
+                </a:solidFill>
+                <a:effectLst/>
+                <a:latin typeface="+mj-lt"/>
+              </a:rPr>
+              <a:t>We would aim to add CICS, IMS, MQ and DB2 as well to allow </a:t>
+            </a:r>
+            <a:r>
+              <a:rPr lang="en-GB" sz="2000" dirty="0" err="1">
+                <a:solidFill>
+                  <a:srgbClr val="222222"/>
+                </a:solidFill>
+                <a:effectLst/>
+                <a:latin typeface="+mj-lt"/>
+              </a:rPr>
+              <a:t>Zowe</a:t>
+            </a:r>
+            <a:r>
+              <a:rPr lang="en-GB" sz="2000" dirty="0">
+                <a:solidFill>
+                  <a:srgbClr val="222222"/>
+                </a:solidFill>
+                <a:effectLst/>
+                <a:latin typeface="+mj-lt"/>
+              </a:rPr>
+              <a:t> CLI extension packages to be tested</a:t>
+            </a:r>
+          </a:p>
+          <a:p>
+            <a:pPr marL="387270" indent="-285750">
               <a:spcBef>
                 <a:spcPts val="400"/>
               </a:spcBef>
               <a:buFont typeface="Wingdings" pitchFamily="2" charset="2"/>
               <a:buChar char="Ø"/>
             </a:pPr>
-            <a:r>
-              <a:rPr lang="en-US" sz="2000" dirty="0" smtClean="0"/>
-              <a:t>Develop </a:t>
-            </a:r>
-            <a:r>
-              <a:rPr lang="en-US" sz="2000" dirty="0"/>
-              <a:t>a process for updating the Conformance Criteria for all components during ACTIVE LTS, Resolve the incremental Badge debate, and research </a:t>
-            </a:r>
-            <a:r>
-              <a:rPr lang="en-US" sz="2000" dirty="0" smtClean="0"/>
-              <a:t>App-Store</a:t>
-            </a:r>
-          </a:p>
-          <a:p>
-            <a:pPr marL="1301670" lvl="2" indent="-285750">
+            <a:endParaRPr lang="en-GB" sz="2000" spc="-1" dirty="0">
+              <a:solidFill>
+                <a:srgbClr val="222222"/>
+              </a:solidFill>
+              <a:latin typeface="+mj-lt"/>
+              <a:ea typeface="Gill Sans"/>
+            </a:endParaRPr>
+          </a:p>
+          <a:p>
+            <a:pPr marL="387270" indent="-285750">
               <a:spcBef>
                 <a:spcPts val="400"/>
               </a:spcBef>
@@ -13848,62 +14506,39 @@
               <a:buChar char="Ø"/>
             </a:pPr>
             <a:r>
-              <a:rPr lang="en-US" sz="2000" dirty="0" smtClean="0"/>
-              <a:t>Implement </a:t>
-            </a:r>
-            <a:r>
-              <a:rPr lang="en-US" sz="2000" dirty="0"/>
-              <a:t>ACTIVE LTS Conformance Criteria Update process (target </a:t>
-            </a:r>
-            <a:r>
-              <a:rPr lang="en-US" sz="2000" dirty="0" smtClean="0"/>
-              <a:t>11/1)</a:t>
-            </a:r>
-          </a:p>
-          <a:p>
-            <a:pPr marL="1301670" lvl="2" indent="-285750">
-              <a:spcBef>
-                <a:spcPts val="400"/>
-              </a:spcBef>
-              <a:buFont typeface="Wingdings" pitchFamily="2" charset="2"/>
-              <a:buChar char="Ø"/>
-            </a:pPr>
-            <a:r>
-              <a:rPr lang="en-US" sz="2000" dirty="0" smtClean="0"/>
-              <a:t>Draft </a:t>
-            </a:r>
-            <a:r>
-              <a:rPr lang="en-US" sz="2000" dirty="0"/>
-              <a:t>Incremental Badging T&amp;Cs (target </a:t>
-            </a:r>
-            <a:r>
-              <a:rPr lang="en-US" sz="2000" dirty="0" smtClean="0"/>
-              <a:t>11/30)</a:t>
-            </a:r>
-          </a:p>
-          <a:p>
-            <a:pPr marL="1301670" lvl="2" indent="-285750">
-              <a:spcBef>
-                <a:spcPts val="400"/>
-              </a:spcBef>
-              <a:buFont typeface="Wingdings" pitchFamily="2" charset="2"/>
-              <a:buChar char="Ø"/>
-            </a:pPr>
-            <a:r>
-              <a:rPr lang="en-US" sz="2000" dirty="0" smtClean="0"/>
-              <a:t>Draft </a:t>
-            </a:r>
-            <a:r>
-              <a:rPr lang="en-US" sz="2000" dirty="0"/>
-              <a:t>recommendations for App-Store look-and-feel Web Page (stretch)</a:t>
-            </a:r>
+              <a:rPr lang="en-GB" sz="2000" spc="-1" dirty="0">
+                <a:solidFill>
+                  <a:srgbClr val="222222"/>
+                </a:solidFill>
+                <a:latin typeface="+mj-lt"/>
+                <a:ea typeface="Gill Sans"/>
+              </a:rPr>
+              <a:t>Would need co-ordination with other squads to find out exact </a:t>
+            </a:r>
+            <a:r>
+              <a:rPr lang="en-GB" sz="2000" spc="-1" dirty="0" smtClean="0">
+                <a:solidFill>
+                  <a:srgbClr val="222222"/>
+                </a:solidFill>
+                <a:latin typeface="+mj-lt"/>
+                <a:ea typeface="Gill Sans"/>
+              </a:rPr>
+              <a:t>requirements</a:t>
+            </a:r>
+            <a:endParaRPr lang="en-GB" spc="-1" dirty="0">
+              <a:solidFill>
+                <a:srgbClr val="222222"/>
+              </a:solidFill>
+              <a:latin typeface="+mj-lt"/>
+              <a:ea typeface="Gill Sans"/>
+            </a:endParaRPr>
           </a:p>
         </p:txBody>
       </p:sp>
     </p:spTree>
     <p:extLst>
       <p:ext uri="{BB962C8B-B14F-4D97-AF65-F5344CB8AC3E}">
-        <p14:creationId xmlns:p14="http://schemas.microsoft.com/office/powerpoint/2010/main" val="170913203"/>
+        <p14:creationId xmlns:p14="http://schemas.microsoft.com/office/powerpoint/2010/main" val="100391921"/>
       </p:ext>
     </p:extLst>
   </p:cSld>
@@ -13991,24 +14626,24 @@
               </a:lnSpc>
             </a:pPr>
             <a:r>
-              <a:rPr lang="en-US" sz="3000" spc="-1" dirty="0" err="1" smtClean="0">
+              <a:rPr lang="en-US" sz="3000" spc="-1" dirty="0">
                 <a:solidFill>
                   <a:srgbClr val="262626"/>
                 </a:solidFill>
                 <a:latin typeface="+mj-lt"/>
                 <a:ea typeface="Gill Sans"/>
               </a:rPr>
-              <a:t>Zowe</a:t>
-            </a:r>
-            <a:r>
-              <a:rPr lang="en-US" sz="3000" spc="-1" dirty="0" smtClean="0">
+              <a:t>CI/CD – </a:t>
+            </a:r>
+            <a:r>
+              <a:rPr lang="en-GB" sz="3000" spc="-1" dirty="0">
                 <a:solidFill>
                   <a:srgbClr val="262626"/>
                 </a:solidFill>
                 <a:latin typeface="+mj-lt"/>
                 <a:ea typeface="Gill Sans"/>
               </a:rPr>
-              <a:t> Onboarding Squad</a:t>
+              <a:t>Pipeline improvements</a:t>
             </a:r>
             <a:endParaRPr lang="en-US" sz="3000" b="0" strike="noStrike" spc="-1" dirty="0">
               <a:solidFill>
@@ -14052,20 +14687,39 @@
               <a:buChar char="Ø"/>
             </a:pPr>
             <a:r>
-              <a:rPr lang="en-US" sz="2000" b="1" dirty="0" smtClean="0"/>
-              <a:t>Improve </a:t>
-            </a:r>
-            <a:r>
-              <a:rPr lang="en-US" sz="2000" b="1" dirty="0"/>
-              <a:t>Initial Onboarding </a:t>
-            </a:r>
-            <a:r>
-              <a:rPr lang="en-US" sz="2000" b="1" dirty="0" smtClean="0"/>
-              <a:t>Experience</a:t>
-            </a:r>
-          </a:p>
-          <a:p>
-            <a:pPr marL="844470" lvl="1" indent="-285750">
+              <a:rPr lang="en-GB" sz="2000" dirty="0">
+                <a:solidFill>
+                  <a:srgbClr val="222222"/>
+                </a:solidFill>
+                <a:effectLst/>
+                <a:latin typeface="+mj-lt"/>
+                <a:hlinkClick r:id="rId3"/>
+              </a:rPr>
+              <a:t>Fix reporting of false positives in nightly builds and new RC pipeline build</a:t>
+            </a:r>
+            <a:endParaRPr lang="en-GB" sz="2000" dirty="0">
+              <a:solidFill>
+                <a:srgbClr val="222222"/>
+              </a:solidFill>
+              <a:effectLst/>
+              <a:latin typeface="+mj-lt"/>
+            </a:endParaRPr>
+          </a:p>
+          <a:p>
+            <a:pPr marL="101520">
+              <a:spcBef>
+                <a:spcPts val="400"/>
+              </a:spcBef>
+            </a:pPr>
+            <a:endParaRPr lang="en-GB" sz="2000" dirty="0">
+              <a:solidFill>
+                <a:srgbClr val="222222"/>
+              </a:solidFill>
+              <a:latin typeface="+mj-lt"/>
+            </a:endParaRPr>
+          </a:p>
+          <a:p>
+            <a:pPr marL="387270" indent="-285750">
               <a:spcBef>
                 <a:spcPts val="400"/>
               </a:spcBef>
@@ -14073,61 +14727,33 @@
               <a:buChar char="Ø"/>
             </a:pPr>
             <a:r>
-              <a:rPr lang="en-US" sz="2000" dirty="0"/>
-              <a:t>Better direct </a:t>
-            </a:r>
-            <a:r>
-              <a:rPr lang="en-US" sz="2000" dirty="0" err="1"/>
-              <a:t>Onboarders</a:t>
-            </a:r>
-            <a:r>
-              <a:rPr lang="en-US" sz="2000" dirty="0"/>
-              <a:t> to appropriate areas within the </a:t>
-            </a:r>
-            <a:r>
-              <a:rPr lang="en-US" sz="2000" dirty="0" err="1"/>
-              <a:t>Zowe</a:t>
-            </a:r>
-            <a:r>
-              <a:rPr lang="en-US" sz="2000" dirty="0"/>
-              <a:t> Community to ensure their first experience with </a:t>
-            </a:r>
-            <a:r>
-              <a:rPr lang="en-US" sz="2000" dirty="0" err="1"/>
-              <a:t>Zowe</a:t>
-            </a:r>
-            <a:r>
-              <a:rPr lang="en-US" sz="2000" dirty="0"/>
-              <a:t> is beneficial to them and effective in making them a part of the </a:t>
-            </a:r>
-            <a:r>
-              <a:rPr lang="en-US" sz="2000" dirty="0" smtClean="0"/>
-              <a:t>Community</a:t>
-            </a:r>
-          </a:p>
-          <a:p>
-            <a:pPr marL="1301670" lvl="2" indent="-285750">
+              <a:rPr lang="en-GB" sz="2000" dirty="0">
+                <a:solidFill>
+                  <a:srgbClr val="222222"/>
+                </a:solidFill>
+                <a:effectLst/>
+                <a:latin typeface="+mj-lt"/>
+              </a:rPr>
+              <a:t>Possibly create a similar pipeline for GA but not as much</a:t>
+            </a:r>
+          </a:p>
+          <a:p>
+            <a:pPr marL="387270" indent="-285750">
               <a:spcBef>
                 <a:spcPts val="400"/>
               </a:spcBef>
               <a:buFont typeface="Wingdings" pitchFamily="2" charset="2"/>
               <a:buChar char="Ø"/>
             </a:pPr>
-            <a:r>
-              <a:rPr lang="en-US" sz="2000" dirty="0" smtClean="0"/>
-              <a:t>Complete </a:t>
-            </a:r>
-            <a:r>
-              <a:rPr lang="en-US" sz="2000" dirty="0"/>
-              <a:t>Persona research / interviews (target </a:t>
-            </a:r>
-            <a:r>
-              <a:rPr lang="en-US" sz="2000" dirty="0" smtClean="0"/>
-              <a:t>11/1)</a:t>
-            </a:r>
-          </a:p>
-          <a:p>
-            <a:pPr marL="1301670" lvl="2" indent="-285750">
+            <a:endParaRPr lang="en-GB" sz="2000" dirty="0">
+              <a:solidFill>
+                <a:srgbClr val="222222"/>
+              </a:solidFill>
+              <a:latin typeface="+mj-lt"/>
+            </a:endParaRPr>
+          </a:p>
+          <a:p>
+            <a:pPr marL="387270" indent="-285750">
               <a:spcBef>
                 <a:spcPts val="400"/>
               </a:spcBef>
@@ -14135,41 +14761,34 @@
               <a:buChar char="Ø"/>
             </a:pPr>
             <a:r>
-              <a:rPr lang="en-US" sz="2000" dirty="0" smtClean="0"/>
-              <a:t>Present </a:t>
-            </a:r>
-            <a:r>
-              <a:rPr lang="en-US" sz="2000" dirty="0"/>
-              <a:t>recommendations for UX and UI Website navigation improvements (target </a:t>
-            </a:r>
-            <a:r>
-              <a:rPr lang="en-US" sz="2000" dirty="0" smtClean="0"/>
-              <a:t>11/30)</a:t>
-            </a:r>
-          </a:p>
-          <a:p>
-            <a:pPr marL="1301670" lvl="2" indent="-285750">
-              <a:spcBef>
-                <a:spcPts val="400"/>
-              </a:spcBef>
-              <a:buFont typeface="Wingdings" pitchFamily="2" charset="2"/>
-              <a:buChar char="Ø"/>
-            </a:pPr>
-            <a:r>
-              <a:rPr lang="en-US" sz="2000" dirty="0" smtClean="0"/>
-              <a:t>Begin </a:t>
-            </a:r>
-            <a:r>
-              <a:rPr lang="en-US" sz="2000" dirty="0"/>
-              <a:t>Website modifications [stretch] -- Revise Webpages to better direct </a:t>
-            </a:r>
-            <a:r>
-              <a:rPr lang="en-US" sz="2000" dirty="0" err="1"/>
-              <a:t>Onboarders</a:t>
-            </a:r>
-            <a:r>
-              <a:rPr lang="en-US" sz="2000" dirty="0"/>
-              <a:t> to appropriate areas based on their "persona" (stretch)</a:t>
+              <a:rPr lang="en-GB" sz="2000" dirty="0">
+                <a:solidFill>
+                  <a:srgbClr val="222222"/>
+                </a:solidFill>
+                <a:effectLst/>
+                <a:latin typeface="+mj-lt"/>
+              </a:rPr>
+              <a:t>Want to look into possibilities for automating update of </a:t>
+            </a:r>
+            <a:r>
+              <a:rPr lang="en-GB" sz="2000" dirty="0" err="1">
+                <a:solidFill>
+                  <a:srgbClr val="222222"/>
+                </a:solidFill>
+                <a:effectLst/>
+                <a:latin typeface="+mj-lt"/>
+              </a:rPr>
+              <a:t>manifest.json</a:t>
+            </a:r>
+            <a:r>
+              <a:rPr lang="en-GB" sz="2000" dirty="0">
+                <a:solidFill>
+                  <a:srgbClr val="222222"/>
+                </a:solidFill>
+                <a:effectLst/>
+                <a:latin typeface="+mj-lt"/>
+              </a:rPr>
+              <a:t> as a lot of these changes are the same every time </a:t>
             </a:r>
           </a:p>
         </p:txBody>
@@ -14177,7 +14796,7 @@
     </p:spTree>
     <p:extLst>
       <p:ext uri="{BB962C8B-B14F-4D97-AF65-F5344CB8AC3E}">
-        <p14:creationId xmlns:p14="http://schemas.microsoft.com/office/powerpoint/2010/main" val="2522186796"/>
+        <p14:creationId xmlns:p14="http://schemas.microsoft.com/office/powerpoint/2010/main" val="4176309130"/>
       </p:ext>
     </p:extLst>
   </p:cSld>
@@ -14451,239 +15070,96 @@
       </p:grpSpPr>
       <p:sp>
         <p:nvSpPr>
-          <p:cNvPr id="182" name="TextShape 1"/>
-          <p:cNvSpPr txBox="1"/>
+          <p:cNvPr id="2" name="Rectangle 1"/>
+          <p:cNvSpPr/>
           <p:nvPr/>
         </p:nvSpPr>
         <p:spPr>
           <a:xfrm>
-            <a:off x="334080" y="159480"/>
-            <a:ext cx="7893720" cy="447120"/>
-          </a:xfrm>
-          <a:prstGeom prst="rect">
-            <a:avLst/>
-          </a:prstGeom>
-          <a:noFill/>
-          <a:ln>
-            <a:noFill/>
-          </a:ln>
-        </p:spPr>
-        <p:txBody>
-          <a:bodyPr tIns="91440" bIns="91440" anchor="ctr">
-            <a:noAutofit/>
-          </a:bodyPr>
-          <a:lstStyle/>
-          <a:p>
-            <a:pPr>
+            <a:off x="352839" y="3180521"/>
+            <a:ext cx="7404652" cy="940257"/>
+          </a:xfrm>
+          <a:prstGeom prst="rect">
+            <a:avLst/>
+          </a:prstGeom>
+        </p:spPr>
+        <p:txBody>
+          <a:bodyPr wrap="square">
+            <a:spAutoFit/>
+          </a:bodyPr>
+          <a:lstStyle/>
+          <a:p>
+            <a:pPr marL="457200" indent="-228240">
               <a:lnSpc>
-                <a:spcPct val="100000"/>
+                <a:spcPct val="85000"/>
               </a:lnSpc>
-            </a:pPr>
-            <a:r>
-              <a:rPr lang="en-US" sz="3000" spc="-1" dirty="0" err="1" smtClean="0">
-                <a:solidFill>
-                  <a:srgbClr val="262626"/>
-                </a:solidFill>
-                <a:latin typeface="+mj-lt"/>
-                <a:ea typeface="Gill Sans"/>
+              <a:spcBef>
+                <a:spcPts val="901"/>
+              </a:spcBef>
+            </a:pPr>
+            <a:r>
+              <a:rPr lang="en-US" sz="3200" b="1" spc="-1" dirty="0" err="1">
+                <a:solidFill>
+                  <a:srgbClr val="000000"/>
+                </a:solidFill>
+                <a:ea typeface="Arial"/>
               </a:rPr>
               <a:t>Zowe</a:t>
             </a:r>
             <a:r>
-              <a:rPr lang="en-US" sz="3000" spc="-1" dirty="0" smtClean="0">
-                <a:solidFill>
-                  <a:srgbClr val="262626"/>
-                </a:solidFill>
-                <a:latin typeface="+mj-lt"/>
-                <a:ea typeface="Gill Sans"/>
-              </a:rPr>
-              <a:t> Onboarding Squad</a:t>
-            </a:r>
-            <a:endParaRPr lang="en-US" sz="3000" b="0" strike="noStrike" spc="-1" dirty="0">
-              <a:solidFill>
-                <a:srgbClr val="000000"/>
-              </a:solidFill>
-              <a:latin typeface="+mj-lt"/>
-            </a:endParaRPr>
-          </a:p>
-        </p:txBody>
-      </p:sp>
-      <p:sp>
-        <p:nvSpPr>
-          <p:cNvPr id="183" name="TextShape 2"/>
-          <p:cNvSpPr txBox="1"/>
-          <p:nvPr/>
-        </p:nvSpPr>
-        <p:spPr>
-          <a:xfrm>
-            <a:off x="405518" y="993913"/>
-            <a:ext cx="8269762" cy="3808676"/>
-          </a:xfrm>
-          <a:prstGeom prst="rect">
-            <a:avLst/>
-          </a:prstGeom>
-          <a:noFill/>
-          <a:ln>
-            <a:noFill/>
-          </a:ln>
-        </p:spPr>
-        <p:txBody>
-          <a:bodyPr tIns="91440" bIns="91440">
-            <a:noAutofit/>
-          </a:bodyPr>
-          <a:lstStyle/>
-          <a:p>
-            <a:pPr marL="387270" indent="-285750">
+              <a:rPr lang="en-US" sz="3200" b="1" spc="-1" dirty="0">
+                <a:solidFill>
+                  <a:srgbClr val="000000"/>
+                </a:solidFill>
+                <a:ea typeface="Arial"/>
+              </a:rPr>
+              <a:t> Onboarding Squad Focus</a:t>
+            </a:r>
+            <a:endParaRPr lang="en-US" sz="3200" spc="-1" dirty="0">
+              <a:solidFill>
+                <a:srgbClr val="000000"/>
+              </a:solidFill>
+            </a:endParaRPr>
+          </a:p>
+          <a:p>
+            <a:pPr marL="457200" indent="-228240">
+              <a:lnSpc>
+                <a:spcPct val="85000"/>
+              </a:lnSpc>
               <a:spcBef>
-                <a:spcPts val="400"/>
+                <a:spcPts val="901"/>
               </a:spcBef>
-              <a:buFont typeface="Wingdings" pitchFamily="2" charset="2"/>
-              <a:buChar char="Ø"/>
-            </a:pPr>
-            <a:r>
-              <a:rPr lang="en-US" dirty="0"/>
-              <a:t>Extend </a:t>
-            </a:r>
-            <a:r>
-              <a:rPr lang="en-US" dirty="0"/>
-              <a:t>OUTREACH </a:t>
-            </a:r>
-            <a:r>
-              <a:rPr lang="en-US" dirty="0"/>
-              <a:t>Efforts</a:t>
-            </a:r>
-          </a:p>
-          <a:p>
-            <a:pPr marL="844470" lvl="1" indent="-285750">
-              <a:spcBef>
-                <a:spcPts val="400"/>
-              </a:spcBef>
-              <a:buFont typeface="Wingdings" pitchFamily="2" charset="2"/>
-              <a:buChar char="Ø"/>
-            </a:pPr>
-            <a:r>
-              <a:rPr lang="en-US" dirty="0"/>
-              <a:t>Increase </a:t>
-            </a:r>
-            <a:r>
-              <a:rPr lang="en-US" dirty="0"/>
-              <a:t>focus on OUTREACH efforts to Onboard more ISVs and Community members in </a:t>
-            </a:r>
-            <a:r>
-              <a:rPr lang="en-US" dirty="0"/>
-              <a:t>general</a:t>
-            </a:r>
-          </a:p>
-          <a:p>
-            <a:pPr marL="1301670" lvl="2" indent="-285750">
-              <a:spcBef>
-                <a:spcPts val="400"/>
-              </a:spcBef>
-              <a:buFont typeface="Wingdings" pitchFamily="2" charset="2"/>
-              <a:buChar char="Ø"/>
-            </a:pPr>
-            <a:r>
-              <a:rPr lang="en-US" dirty="0"/>
-              <a:t>Draft </a:t>
-            </a:r>
-            <a:r>
-              <a:rPr lang="en-US" dirty="0"/>
-              <a:t>a new Webpage to house Onboarding-centric collateral (</a:t>
-            </a:r>
-            <a:r>
-              <a:rPr lang="en-US" dirty="0" err="1"/>
-              <a:t>Zowe</a:t>
-            </a:r>
-            <a:r>
-              <a:rPr lang="en-US" dirty="0"/>
-              <a:t> intro videos etc.) (target </a:t>
-            </a:r>
-            <a:r>
-              <a:rPr lang="en-US" dirty="0"/>
-              <a:t>12/31)</a:t>
-            </a:r>
-          </a:p>
-          <a:p>
-            <a:pPr marL="1301670" lvl="2" indent="-285750">
-              <a:spcBef>
-                <a:spcPts val="400"/>
-              </a:spcBef>
-              <a:buFont typeface="Wingdings" pitchFamily="2" charset="2"/>
-              <a:buChar char="Ø"/>
-            </a:pPr>
-            <a:r>
-              <a:rPr lang="en-US" dirty="0"/>
-              <a:t>Research </a:t>
-            </a:r>
-            <a:r>
-              <a:rPr lang="en-US" dirty="0"/>
-              <a:t>how we can deliver a "request for Demo" capability at the new Zowe.org webpage (#2) where </a:t>
-            </a:r>
-            <a:r>
-              <a:rPr lang="en-US" dirty="0" err="1"/>
-              <a:t>Onboarders</a:t>
-            </a:r>
-            <a:r>
-              <a:rPr lang="en-US" dirty="0"/>
-              <a:t> can request a "live" demo (target </a:t>
-            </a:r>
-            <a:r>
-              <a:rPr lang="en-US" dirty="0"/>
-              <a:t>11/30)</a:t>
-            </a:r>
-          </a:p>
-          <a:p>
-            <a:pPr marL="1301670" lvl="2" indent="-285750">
-              <a:spcBef>
-                <a:spcPts val="400"/>
-              </a:spcBef>
-              <a:buFont typeface="Wingdings" pitchFamily="2" charset="2"/>
-              <a:buChar char="Ø"/>
-            </a:pPr>
-            <a:r>
-              <a:rPr lang="en-US" dirty="0"/>
-              <a:t>Deliver </a:t>
-            </a:r>
-            <a:r>
-              <a:rPr lang="en-US" dirty="0"/>
-              <a:t>1 Onboarding-focused blog at Medium.com (target </a:t>
-            </a:r>
-            <a:r>
-              <a:rPr lang="en-US" dirty="0"/>
-              <a:t>12/31)</a:t>
-            </a:r>
-          </a:p>
-          <a:p>
-            <a:pPr marL="1301670" lvl="2" indent="-285750">
-              <a:spcBef>
-                <a:spcPts val="400"/>
-              </a:spcBef>
-              <a:buFont typeface="Wingdings" pitchFamily="2" charset="2"/>
-              <a:buChar char="Ø"/>
-            </a:pPr>
-            <a:r>
-              <a:rPr lang="en-US" dirty="0"/>
-              <a:t>Communicate </a:t>
-            </a:r>
-            <a:r>
-              <a:rPr lang="en-US" dirty="0"/>
-              <a:t>with and present at (2)  WW </a:t>
-            </a:r>
-            <a:r>
-              <a:rPr lang="en-US" dirty="0" err="1"/>
-              <a:t>zMeetup</a:t>
-            </a:r>
-            <a:r>
-              <a:rPr lang="en-US" dirty="0"/>
-              <a:t> (Communities) (target 12/31)</a:t>
-            </a:r>
+            </a:pPr>
+            <a:r>
+              <a:rPr lang="en-US" sz="2400" b="1" spc="-1" dirty="0">
+                <a:solidFill>
+                  <a:srgbClr val="000000"/>
+                </a:solidFill>
+                <a:ea typeface="Arial"/>
+              </a:rPr>
+              <a:t>Rose </a:t>
+            </a:r>
+            <a:r>
+              <a:rPr lang="en-US" sz="2400" b="1" spc="-1" dirty="0" err="1">
+                <a:solidFill>
+                  <a:srgbClr val="000000"/>
+                </a:solidFill>
+                <a:ea typeface="Arial"/>
+              </a:rPr>
+              <a:t>Sakach</a:t>
+            </a:r>
+            <a:endParaRPr lang="en-US" sz="2000" spc="-1" dirty="0">
+              <a:solidFill>
+                <a:srgbClr val="000000"/>
+              </a:solidFill>
+            </a:endParaRPr>
           </a:p>
         </p:txBody>
       </p:sp>
     </p:spTree>
     <p:extLst>
       <p:ext uri="{BB962C8B-B14F-4D97-AF65-F5344CB8AC3E}">
-        <p14:creationId xmlns:p14="http://schemas.microsoft.com/office/powerpoint/2010/main" val="940490073"/>
+        <p14:creationId xmlns:p14="http://schemas.microsoft.com/office/powerpoint/2010/main" val="467206394"/>
       </p:ext>
     </p:extLst>
   </p:cSld>
@@ -14691,7 +15167,7 @@
     <a:masterClrMapping/>
   </p:clrMapOvr>
   <p:transition spd="med">
-    <p:fade thruBlk="1"/>
+    <p:fade/>
   </p:transition>
   <p:timing>
     <p:tnLst>
@@ -14832,24 +15308,12 @@
               <a:buChar char="Ø"/>
             </a:pPr>
             <a:r>
+              <a:rPr lang="en-US" sz="2000" b="1" dirty="0"/>
+              <a:t>Conformance Process </a:t>
+            </a:r>
+            <a:r>
               <a:rPr lang="en-US" sz="2000" b="1" dirty="0" smtClean="0"/>
-              <a:t>Manage </a:t>
-            </a:r>
-            <a:r>
-              <a:rPr lang="en-US" sz="2000" b="1" dirty="0"/>
-              <a:t>Production of and Leverage Statistics to Help All Squads to Identify </a:t>
-            </a:r>
-            <a:r>
-              <a:rPr lang="en-US" sz="2000" b="1" dirty="0" err="1"/>
-              <a:t>Zowe</a:t>
-            </a:r>
-            <a:r>
-              <a:rPr lang="en-US" sz="2000" b="1" dirty="0"/>
-              <a:t> Interest, Experimentation, and </a:t>
-            </a:r>
-            <a:r>
-              <a:rPr lang="en-US" sz="2000" b="1" dirty="0" smtClean="0"/>
-              <a:t>Challenges</a:t>
+              <a:t>Maturity</a:t>
             </a:r>
           </a:p>
           <a:p>
@@ -14862,15 +15326,15 @@
             </a:pPr>
             <a:r>
               <a:rPr lang="en-US" sz="2000" dirty="0" smtClean="0"/>
-              <a:t>Continue </a:t>
+              <a:t>Develop </a:t>
             </a:r>
             <a:r>
               <a:rPr lang="en-US" sz="2000" dirty="0"/>
-              <a:t>maturing statistics process and </a:t>
+              <a:t>a process for updating the Conformance Criteria for all components during ACTIVE LTS, Resolve the incremental Badge debate, and research </a:t>
             </a:r>
             <a:r>
               <a:rPr lang="en-US" sz="2000" dirty="0" smtClean="0"/>
-              <a:t>reporting</a:t>
+              <a:t>App-Store</a:t>
             </a:r>
           </a:p>
           <a:p>
@@ -14883,15 +15347,15 @@
             </a:pPr>
             <a:r>
               <a:rPr lang="en-US" sz="2000" dirty="0" smtClean="0"/>
-              <a:t>Automate </a:t>
+              <a:t>Implement </a:t>
             </a:r>
             <a:r>
               <a:rPr lang="en-US" sz="2000" dirty="0"/>
-              <a:t>the monthly statistics report (target </a:t>
+              <a:t>ACTIVE LTS Conformance Criteria Update process (target </a:t>
             </a:r>
             <a:r>
               <a:rPr lang="en-US" sz="2000" dirty="0" smtClean="0"/>
-              <a:t>12/31)</a:t>
+              <a:t>11/1)</a:t>
             </a:r>
           </a:p>
           <a:p>
@@ -14904,19 +15368,32 @@
             </a:pPr>
             <a:r>
               <a:rPr lang="en-US" sz="2000" dirty="0" smtClean="0"/>
-              <a:t>Brainstorm </a:t>
+              <a:t>Draft </a:t>
             </a:r>
             <a:r>
               <a:rPr lang="en-US" sz="2000" dirty="0"/>
-              <a:t>&amp; draft </a:t>
-            </a:r>
-            <a:r>
-              <a:rPr lang="en-US" sz="2000" dirty="0" err="1"/>
-              <a:t>Zowe</a:t>
+              <a:t>Incremental Badging T&amp;Cs (target </a:t>
+            </a:r>
+            <a:r>
+              <a:rPr lang="en-US" sz="2000" dirty="0" smtClean="0"/>
+              <a:t>11/30)</a:t>
+            </a:r>
+          </a:p>
+          <a:p>
+            <a:pPr marL="1301670" lvl="2" indent="-285750">
+              <a:spcBef>
+                <a:spcPts val="400"/>
+              </a:spcBef>
+              <a:buFont typeface="Wingdings" pitchFamily="2" charset="2"/>
+              <a:buChar char="Ø"/>
+            </a:pPr>
+            <a:r>
+              <a:rPr lang="en-US" sz="2000" dirty="0" smtClean="0"/>
+              <a:t>Draft </a:t>
             </a:r>
             <a:r>
               <a:rPr lang="en-US" sz="2000" dirty="0"/>
-              <a:t> KPIs to help identify trends and  influential activities (target 12/31)</a:t>
+              <a:t>recommendations for App-Store look-and-feel Web Page (stretch)</a:t>
             </a:r>
           </a:p>
         </p:txBody>
@@ -14924,7 +15401,7 @@
     </p:spTree>
     <p:extLst>
       <p:ext uri="{BB962C8B-B14F-4D97-AF65-F5344CB8AC3E}">
-        <p14:creationId xmlns:p14="http://schemas.microsoft.com/office/powerpoint/2010/main" val="478070579"/>
+        <p14:creationId xmlns:p14="http://schemas.microsoft.com/office/powerpoint/2010/main" val="170913203"/>
       </p:ext>
     </p:extLst>
   </p:cSld>
@@ -14983,7 +15460,7 @@
       </p:grpSpPr>
       <p:sp>
         <p:nvSpPr>
-          <p:cNvPr id="180" name="TextShape 1"/>
+          <p:cNvPr id="182" name="TextShape 1"/>
           <p:cNvSpPr txBox="1"/>
           <p:nvPr/>
         </p:nvSpPr>
@@ -15012,14 +15489,24 @@
               </a:lnSpc>
             </a:pPr>
             <a:r>
-              <a:rPr lang="en-US" sz="3000" b="0" strike="noStrike" spc="-1" dirty="0">
+              <a:rPr lang="en-US" sz="3000" spc="-1" dirty="0" err="1" smtClean="0">
                 <a:solidFill>
                   <a:srgbClr val="262626"/>
                 </a:solidFill>
                 <a:latin typeface="+mj-lt"/>
                 <a:ea typeface="Gill Sans"/>
               </a:rPr>
-              <a:t>Dependencies</a:t>
+              <a:t>Zowe</a:t>
+            </a:r>
+            <a:r>
+              <a:rPr lang="en-US" sz="3000" spc="-1" dirty="0" smtClean="0">
+                <a:solidFill>
+                  <a:srgbClr val="262626"/>
+                </a:solidFill>
+                <a:latin typeface="+mj-lt"/>
+                <a:ea typeface="Gill Sans"/>
+              </a:rPr>
+              <a:t> Onboarding Squad</a:t>
             </a:r>
             <a:endParaRPr lang="en-US" sz="3000" b="0" strike="noStrike" spc="-1" dirty="0">
               <a:solidFill>
@@ -15032,14 +15519,14 @@
       </p:sp>
       <p:sp>
         <p:nvSpPr>
-          <p:cNvPr id="181" name="TextShape 2"/>
+          <p:cNvPr id="183" name="TextShape 2"/>
           <p:cNvSpPr txBox="1"/>
           <p:nvPr/>
         </p:nvSpPr>
         <p:spPr>
           <a:xfrm>
-            <a:off x="306360" y="774000"/>
-            <a:ext cx="8368920" cy="4147560"/>
+            <a:off x="405518" y="993913"/>
+            <a:ext cx="8269762" cy="3808676"/>
           </a:xfrm>
           <a:prstGeom prst="rect">
             <a:avLst/>
@@ -15055,96 +15542,132 @@
           </a:bodyPr>
           <a:lstStyle/>
           <a:p>
-            <a:pPr marL="457200" indent="-355320">
-              <a:lnSpc>
-                <a:spcPct val="100000"/>
-              </a:lnSpc>
+            <a:pPr marL="387270" indent="-285750">
               <a:spcBef>
                 <a:spcPts val="400"/>
               </a:spcBef>
-              <a:buClr>
-                <a:srgbClr val="000000"/>
-              </a:buClr>
-              <a:buFont typeface="Arial"/>
-              <a:buChar char="•"/>
-            </a:pPr>
-            <a:r>
-              <a:rPr lang="en-US" sz="2000" dirty="0" smtClean="0"/>
-              <a:t>DOC </a:t>
-            </a:r>
-            <a:r>
-              <a:rPr lang="en-US" sz="2000" dirty="0"/>
-              <a:t>Squad: will probably need to collaborate on Web Page </a:t>
-            </a:r>
-            <a:r>
-              <a:rPr lang="en-US" sz="2000" dirty="0" smtClean="0"/>
-              <a:t>modifications</a:t>
-            </a:r>
-            <a:br>
-              <a:rPr lang="en-US" sz="2000" dirty="0" smtClean="0"/>
-            </a:br>
-            <a:endParaRPr lang="en-US" sz="2000" dirty="0" smtClean="0"/>
-          </a:p>
-          <a:p>
-            <a:pPr marL="457200" indent="-355320">
-              <a:lnSpc>
-                <a:spcPct val="100000"/>
-              </a:lnSpc>
+              <a:buFont typeface="Wingdings" pitchFamily="2" charset="2"/>
+              <a:buChar char="Ø"/>
+            </a:pPr>
+            <a:r>
+              <a:rPr lang="en-US" sz="2000" b="1" dirty="0" smtClean="0"/>
+              <a:t>Improve </a:t>
+            </a:r>
+            <a:r>
+              <a:rPr lang="en-US" sz="2000" b="1" dirty="0"/>
+              <a:t>Initial Onboarding </a:t>
+            </a:r>
+            <a:r>
+              <a:rPr lang="en-US" sz="2000" b="1" dirty="0" smtClean="0"/>
+              <a:t>Experience</a:t>
+            </a:r>
+          </a:p>
+          <a:p>
+            <a:pPr marL="844470" lvl="1" indent="-285750">
               <a:spcBef>
                 <a:spcPts val="400"/>
               </a:spcBef>
-              <a:buClr>
-                <a:srgbClr val="000000"/>
-              </a:buClr>
-              <a:buFont typeface="Arial"/>
-              <a:buChar char="•"/>
-            </a:pPr>
+              <a:buFont typeface="Wingdings" pitchFamily="2" charset="2"/>
+              <a:buChar char="Ø"/>
+            </a:pPr>
+            <a:r>
+              <a:rPr lang="en-US" sz="2000" dirty="0"/>
+              <a:t>Better direct </a:t>
+            </a:r>
+            <a:r>
+              <a:rPr lang="en-US" sz="2000" dirty="0" err="1"/>
+              <a:t>Onboarders</a:t>
+            </a:r>
+            <a:r>
+              <a:rPr lang="en-US" sz="2000" dirty="0"/>
+              <a:t> to appropriate areas within the </a:t>
+            </a:r>
+            <a:r>
+              <a:rPr lang="en-US" sz="2000" dirty="0" err="1"/>
+              <a:t>Zowe</a:t>
+            </a:r>
+            <a:r>
+              <a:rPr lang="en-US" sz="2000" dirty="0"/>
+              <a:t> Community to ensure their first experience with </a:t>
+            </a:r>
+            <a:r>
+              <a:rPr lang="en-US" sz="2000" dirty="0" err="1"/>
+              <a:t>Zowe</a:t>
+            </a:r>
+            <a:r>
+              <a:rPr lang="en-US" sz="2000" dirty="0"/>
+              <a:t> is beneficial to them and effective in making them a part of the </a:t>
+            </a:r>
             <a:r>
               <a:rPr lang="en-US" sz="2000" dirty="0" smtClean="0"/>
-              <a:t>UX </a:t>
-            </a:r>
-            <a:r>
-              <a:rPr lang="en-US" sz="2000" dirty="0"/>
-              <a:t>Designers: welcome their input on web page </a:t>
-            </a:r>
-            <a:r>
-              <a:rPr lang="en-US" sz="2000" dirty="0" smtClean="0"/>
-              <a:t>design</a:t>
-            </a:r>
-            <a:br>
-              <a:rPr lang="en-US" sz="2000" dirty="0" smtClean="0"/>
-            </a:br>
-            <a:endParaRPr lang="en-US" sz="2000" dirty="0" smtClean="0"/>
-          </a:p>
-          <a:p>
-            <a:pPr marL="457200" indent="-355320">
-              <a:lnSpc>
-                <a:spcPct val="100000"/>
-              </a:lnSpc>
+              <a:t>Community</a:t>
+            </a:r>
+          </a:p>
+          <a:p>
+            <a:pPr marL="1301670" lvl="2" indent="-285750">
               <a:spcBef>
                 <a:spcPts val="400"/>
               </a:spcBef>
-              <a:buClr>
-                <a:srgbClr val="000000"/>
-              </a:buClr>
-              <a:buFont typeface="Arial"/>
-              <a:buChar char="•"/>
+              <a:buFont typeface="Wingdings" pitchFamily="2" charset="2"/>
+              <a:buChar char="Ø"/>
             </a:pPr>
             <a:r>
               <a:rPr lang="en-US" sz="2000" dirty="0" smtClean="0"/>
-              <a:t>CLI</a:t>
+              <a:t>Complete </a:t>
             </a:r>
             <a:r>
               <a:rPr lang="en-US" sz="2000" dirty="0"/>
-              <a:t>, API, Web UI, </a:t>
+              <a:t>Persona research / interviews (target </a:t>
+            </a:r>
+            <a:r>
+              <a:rPr lang="en-US" sz="2000" dirty="0" smtClean="0"/>
+              <a:t>11/1)</a:t>
+            </a:r>
+          </a:p>
+          <a:p>
+            <a:pPr marL="1301670" lvl="2" indent="-285750">
+              <a:spcBef>
+                <a:spcPts val="400"/>
+              </a:spcBef>
+              <a:buFont typeface="Wingdings" pitchFamily="2" charset="2"/>
+              <a:buChar char="Ø"/>
+            </a:pPr>
+            <a:r>
+              <a:rPr lang="en-US" sz="2000" dirty="0" smtClean="0"/>
+              <a:t>Present </a:t>
+            </a:r>
+            <a:r>
+              <a:rPr lang="en-US" sz="2000" dirty="0"/>
+              <a:t>recommendations for UX and UI Website navigation improvements (target </a:t>
+            </a:r>
+            <a:r>
+              <a:rPr lang="en-US" sz="2000" dirty="0" smtClean="0"/>
+              <a:t>11/30)</a:t>
+            </a:r>
+          </a:p>
+          <a:p>
+            <a:pPr marL="1301670" lvl="2" indent="-285750">
+              <a:spcBef>
+                <a:spcPts val="400"/>
+              </a:spcBef>
+              <a:buFont typeface="Wingdings" pitchFamily="2" charset="2"/>
+              <a:buChar char="Ø"/>
+            </a:pPr>
+            <a:r>
+              <a:rPr lang="en-US" sz="2000" dirty="0" smtClean="0"/>
+              <a:t>Begin </a:t>
+            </a:r>
+            <a:r>
+              <a:rPr lang="en-US" sz="2000" dirty="0"/>
+              <a:t>Website modifications [stretch] -- Revise Webpages to better direct </a:t>
             </a:r>
             <a:r>
               <a:rPr lang="en-US" sz="2000" dirty="0" err="1"/>
-              <a:t>etc</a:t>
+              <a:t>Onboarders</a:t>
             </a:r>
             <a:r>
               <a:rPr lang="en-US" sz="2000" dirty="0"/>
-              <a:t>: Squad leads for their input on the "request for demo" deliverable</a:t>
+              <a:t> to appropriate areas based on their "persona" (stretch)</a:t>
             </a:r>
           </a:p>
         </p:txBody>
@@ -15152,7 +15675,7 @@
     </p:spTree>
     <p:extLst>
       <p:ext uri="{BB962C8B-B14F-4D97-AF65-F5344CB8AC3E}">
-        <p14:creationId xmlns:p14="http://schemas.microsoft.com/office/powerpoint/2010/main" val="3546241616"/>
+        <p14:creationId xmlns:p14="http://schemas.microsoft.com/office/powerpoint/2010/main" val="2522186796"/>
       </p:ext>
     </p:extLst>
   </p:cSld>
@@ -15211,14 +15734,14 @@
       </p:grpSpPr>
       <p:sp>
         <p:nvSpPr>
-          <p:cNvPr id="188" name="TextShape 1"/>
+          <p:cNvPr id="182" name="TextShape 1"/>
           <p:cNvSpPr txBox="1"/>
           <p:nvPr/>
         </p:nvSpPr>
         <p:spPr>
           <a:xfrm>
-            <a:off x="298581" y="2589143"/>
-            <a:ext cx="6446160" cy="2138776"/>
+            <a:off x="334080" y="159480"/>
+            <a:ext cx="7893720" cy="447120"/>
           </a:xfrm>
           <a:prstGeom prst="rect">
             <a:avLst/>
@@ -15229,134 +15752,185 @@
           </a:ln>
         </p:spPr>
         <p:txBody>
-          <a:bodyPr lIns="0" tIns="0" rIns="0" bIns="0" anchor="b">
+          <a:bodyPr tIns="91440" bIns="91440" anchor="ctr">
             <a:noAutofit/>
           </a:bodyPr>
           <a:lstStyle/>
           <a:p>
-            <a:pPr marL="457200" lvl="0" indent="-228240">
+            <a:pPr>
               <a:lnSpc>
-                <a:spcPct val="85000"/>
+                <a:spcPct val="100000"/>
               </a:lnSpc>
+            </a:pPr>
+            <a:r>
+              <a:rPr lang="en-US" sz="3000" spc="-1" dirty="0" err="1" smtClean="0">
+                <a:solidFill>
+                  <a:srgbClr val="262626"/>
+                </a:solidFill>
+                <a:latin typeface="+mj-lt"/>
+                <a:ea typeface="Gill Sans"/>
+              </a:rPr>
+              <a:t>Zowe</a:t>
+            </a:r>
+            <a:r>
+              <a:rPr lang="en-US" sz="3000" spc="-1" dirty="0" smtClean="0">
+                <a:solidFill>
+                  <a:srgbClr val="262626"/>
+                </a:solidFill>
+                <a:latin typeface="+mj-lt"/>
+                <a:ea typeface="Gill Sans"/>
+              </a:rPr>
+              <a:t> Onboarding Squad</a:t>
+            </a:r>
+            <a:endParaRPr lang="en-US" sz="3000" b="0" strike="noStrike" spc="-1" dirty="0">
+              <a:solidFill>
+                <a:srgbClr val="000000"/>
+              </a:solidFill>
+              <a:latin typeface="+mj-lt"/>
+            </a:endParaRPr>
+          </a:p>
+        </p:txBody>
+      </p:sp>
+      <p:sp>
+        <p:nvSpPr>
+          <p:cNvPr id="183" name="TextShape 2"/>
+          <p:cNvSpPr txBox="1"/>
+          <p:nvPr/>
+        </p:nvSpPr>
+        <p:spPr>
+          <a:xfrm>
+            <a:off x="405518" y="993913"/>
+            <a:ext cx="8269762" cy="3808676"/>
+          </a:xfrm>
+          <a:prstGeom prst="rect">
+            <a:avLst/>
+          </a:prstGeom>
+          <a:noFill/>
+          <a:ln>
+            <a:noFill/>
+          </a:ln>
+        </p:spPr>
+        <p:txBody>
+          <a:bodyPr tIns="91440" bIns="91440">
+            <a:noAutofit/>
+          </a:bodyPr>
+          <a:lstStyle/>
+          <a:p>
+            <a:pPr marL="387270" indent="-285750">
               <a:spcBef>
-                <a:spcPts val="901"/>
+                <a:spcPts val="400"/>
               </a:spcBef>
-            </a:pPr>
-            <a:r>
-              <a:rPr lang="en-US" sz="3000" b="1" spc="-1" dirty="0">
-                <a:solidFill>
-                  <a:srgbClr val="000000"/>
-                </a:solidFill>
-                <a:latin typeface="Arial" panose="020B0604020202020204" pitchFamily="34" charset="0"/>
-                <a:ea typeface="Arial"/>
-                <a:cs typeface="Arial" panose="020B0604020202020204" pitchFamily="34" charset="0"/>
-              </a:rPr>
-              <a:t>Explorer Squad Focus</a:t>
-            </a:r>
-            <a:endParaRPr lang="en-US" sz="3000" spc="-1" dirty="0">
-              <a:solidFill>
-                <a:srgbClr val="000000"/>
-              </a:solidFill>
-              <a:latin typeface="Arial" panose="020B0604020202020204" pitchFamily="34" charset="0"/>
-              <a:cs typeface="Arial" panose="020B0604020202020204" pitchFamily="34" charset="0"/>
-            </a:endParaRPr>
-          </a:p>
-          <a:p>
-            <a:pPr marL="457200" lvl="0" indent="-228240">
-              <a:lnSpc>
-                <a:spcPct val="85000"/>
-              </a:lnSpc>
+              <a:buFont typeface="Wingdings" pitchFamily="2" charset="2"/>
+              <a:buChar char="Ø"/>
+            </a:pPr>
+            <a:r>
+              <a:rPr lang="en-US" dirty="0"/>
+              <a:t>Extend OUTREACH Efforts</a:t>
+            </a:r>
+          </a:p>
+          <a:p>
+            <a:pPr marL="844470" lvl="1" indent="-285750">
               <a:spcBef>
-                <a:spcPts val="901"/>
+                <a:spcPts val="400"/>
               </a:spcBef>
-            </a:pPr>
-            <a:r>
-              <a:rPr lang="en-US" b="1" spc="-1" dirty="0">
-                <a:solidFill>
-                  <a:srgbClr val="000000"/>
-                </a:solidFill>
-                <a:latin typeface="Arial" panose="020B0604020202020204" pitchFamily="34" charset="0"/>
-                <a:ea typeface="Arial"/>
-                <a:cs typeface="Arial" panose="020B0604020202020204" pitchFamily="34" charset="0"/>
-              </a:rPr>
-              <a:t>Zachariah Mullen (Scrum Master)</a:t>
-            </a:r>
-          </a:p>
-          <a:p>
-            <a:pPr marL="457200" lvl="0" indent="-228240">
-              <a:lnSpc>
-                <a:spcPct val="85000"/>
-              </a:lnSpc>
+              <a:buFont typeface="Wingdings" pitchFamily="2" charset="2"/>
+              <a:buChar char="Ø"/>
+            </a:pPr>
+            <a:r>
+              <a:rPr lang="en-US" dirty="0"/>
+              <a:t>Increase focus on OUTREACH efforts to Onboard more ISVs and Community members in general</a:t>
+            </a:r>
+          </a:p>
+          <a:p>
+            <a:pPr marL="1301670" lvl="2" indent="-285750">
               <a:spcBef>
-                <a:spcPts val="901"/>
+                <a:spcPts val="400"/>
               </a:spcBef>
-            </a:pPr>
-            <a:r>
-              <a:rPr lang="en-US" b="1" spc="-1" dirty="0">
-                <a:solidFill>
-                  <a:srgbClr val="000000"/>
-                </a:solidFill>
-                <a:latin typeface="Arial" panose="020B0604020202020204" pitchFamily="34" charset="0"/>
-                <a:ea typeface="Arial"/>
-                <a:cs typeface="Arial" panose="020B0604020202020204" pitchFamily="34" charset="0"/>
-              </a:rPr>
-              <a:t>Fernando Rijo Cedeno (Squad Lead)</a:t>
-            </a:r>
-          </a:p>
-          <a:p>
-            <a:pPr marL="457200" lvl="0" indent="-228240">
-              <a:lnSpc>
-                <a:spcPct val="85000"/>
-              </a:lnSpc>
+              <a:buFont typeface="Wingdings" pitchFamily="2" charset="2"/>
+              <a:buChar char="Ø"/>
+            </a:pPr>
+            <a:r>
+              <a:rPr lang="en-US" dirty="0"/>
+              <a:t>Draft a new Webpage to house Onboarding-centric collateral (</a:t>
+            </a:r>
+            <a:r>
+              <a:rPr lang="en-US" dirty="0" err="1"/>
+              <a:t>Zowe</a:t>
+            </a:r>
+            <a:r>
+              <a:rPr lang="en-US" dirty="0"/>
+              <a:t> intro videos etc.) (target 12/31)</a:t>
+            </a:r>
+          </a:p>
+          <a:p>
+            <a:pPr marL="1301670" lvl="2" indent="-285750">
               <a:spcBef>
-                <a:spcPts val="901"/>
+                <a:spcPts val="400"/>
               </a:spcBef>
-            </a:pPr>
-            <a:endParaRPr lang="en-US" b="1" spc="-1" dirty="0">
-              <a:solidFill>
-                <a:srgbClr val="000000"/>
-              </a:solidFill>
-              <a:latin typeface="Arial" panose="020B0604020202020204" pitchFamily="34" charset="0"/>
-              <a:cs typeface="Arial" panose="020B0604020202020204" pitchFamily="34" charset="0"/>
-            </a:endParaRPr>
-          </a:p>
-          <a:p>
-            <a:pPr marL="457200" lvl="0" indent="-228240">
-              <a:lnSpc>
-                <a:spcPct val="85000"/>
-              </a:lnSpc>
+              <a:buFont typeface="Wingdings" pitchFamily="2" charset="2"/>
+              <a:buChar char="Ø"/>
+            </a:pPr>
+            <a:r>
+              <a:rPr lang="en-US" dirty="0"/>
+              <a:t>Research how we can deliver a "request for Demo" capability at the new Zowe.org webpage (#2) where </a:t>
+            </a:r>
+            <a:r>
+              <a:rPr lang="en-US" dirty="0" err="1"/>
+              <a:t>Onboarders</a:t>
+            </a:r>
+            <a:r>
+              <a:rPr lang="en-US" dirty="0"/>
+              <a:t> can request a "live" demo (target 11/30)</a:t>
+            </a:r>
+          </a:p>
+          <a:p>
+            <a:pPr marL="1301670" lvl="2" indent="-285750">
               <a:spcBef>
-                <a:spcPts val="901"/>
+                <a:spcPts val="400"/>
               </a:spcBef>
-            </a:pPr>
-            <a:r>
-              <a:rPr lang="en-US" spc="-1" dirty="0">
-                <a:solidFill>
-                  <a:srgbClr val="000000"/>
-                </a:solidFill>
-                <a:latin typeface="Arial" panose="020B0604020202020204" pitchFamily="34" charset="0"/>
-                <a:cs typeface="Arial" panose="020B0604020202020204" pitchFamily="34" charset="0"/>
-                <a:hlinkClick r:id="rId2"/>
-              </a:rPr>
-              <a:t>Objectives</a:t>
-            </a:r>
-            <a:endParaRPr lang="en-US" spc="-1" dirty="0">
-              <a:solidFill>
-                <a:srgbClr val="000000"/>
-              </a:solidFill>
-              <a:latin typeface="Arial" panose="020B0604020202020204" pitchFamily="34" charset="0"/>
-              <a:cs typeface="Arial" panose="020B0604020202020204" pitchFamily="34" charset="0"/>
-            </a:endParaRPr>
+              <a:buFont typeface="Wingdings" pitchFamily="2" charset="2"/>
+              <a:buChar char="Ø"/>
+            </a:pPr>
+            <a:r>
+              <a:rPr lang="en-US" dirty="0"/>
+              <a:t>Deliver 1 Onboarding-focused blog at Medium.com (target 12/31)</a:t>
+            </a:r>
+          </a:p>
+          <a:p>
+            <a:pPr marL="1301670" lvl="2" indent="-285750">
+              <a:spcBef>
+                <a:spcPts val="400"/>
+              </a:spcBef>
+              <a:buFont typeface="Wingdings" pitchFamily="2" charset="2"/>
+              <a:buChar char="Ø"/>
+            </a:pPr>
+            <a:r>
+              <a:rPr lang="en-US" dirty="0"/>
+              <a:t>Communicate with and present at (2)  WW </a:t>
+            </a:r>
+            <a:r>
+              <a:rPr lang="en-US" dirty="0" err="1"/>
+              <a:t>zMeetup</a:t>
+            </a:r>
+            <a:r>
+              <a:rPr lang="en-US" dirty="0"/>
+              <a:t> (Communities) (target 12/31)</a:t>
+            </a:r>
           </a:p>
         </p:txBody>
       </p:sp>
     </p:spTree>
+    <p:extLst>
+      <p:ext uri="{BB962C8B-B14F-4D97-AF65-F5344CB8AC3E}">
+        <p14:creationId xmlns:p14="http://schemas.microsoft.com/office/powerpoint/2010/main" val="940490073"/>
+      </p:ext>
+    </p:extLst>
   </p:cSld>
   <p:clrMapOvr>
     <a:masterClrMapping/>
   </p:clrMapOvr>
   <p:transition spd="med">
-    <p:fade/>
+    <p:fade thruBlk="1"/>
   </p:transition>
   <p:timing>
     <p:tnLst>
@@ -15407,7 +15981,7 @@
       </p:grpSpPr>
       <p:sp>
         <p:nvSpPr>
-          <p:cNvPr id="189" name="TextShape 1"/>
+          <p:cNvPr id="182" name="TextShape 1"/>
           <p:cNvSpPr txBox="1"/>
           <p:nvPr/>
         </p:nvSpPr>
@@ -15436,36 +16010,44 @@
               </a:lnSpc>
             </a:pPr>
             <a:r>
-              <a:rPr lang="en-US" sz="2800" b="0" strike="noStrike" spc="-1" dirty="0" smtClean="0">
+              <a:rPr lang="en-US" sz="3000" spc="-1" dirty="0" err="1" smtClean="0">
                 <a:solidFill>
                   <a:srgbClr val="262626"/>
                 </a:solidFill>
-                <a:latin typeface="Arial" panose="020B0604020202020204" pitchFamily="34" charset="0"/>
+                <a:latin typeface="+mj-lt"/>
                 <a:ea typeface="Gill Sans"/>
-                <a:cs typeface="Arial" panose="020B0604020202020204" pitchFamily="34" charset="0"/>
-              </a:rPr>
-              <a:t>Explorer – Extenders Conformance Criteria</a:t>
-            </a:r>
-            <a:endParaRPr lang="en-US" sz="2800" b="0" strike="noStrike" spc="-1" dirty="0">
-              <a:solidFill>
-                <a:srgbClr val="000000"/>
-              </a:solidFill>
-              <a:latin typeface="Arial" panose="020B0604020202020204" pitchFamily="34" charset="0"/>
-              <a:cs typeface="Arial" panose="020B0604020202020204" pitchFamily="34" charset="0"/>
-            </a:endParaRPr>
-          </a:p>
-        </p:txBody>
-      </p:sp>
-      <p:sp>
-        <p:nvSpPr>
-          <p:cNvPr id="190" name="TextShape 2"/>
+              </a:rPr>
+              <a:t>Zowe</a:t>
+            </a:r>
+            <a:r>
+              <a:rPr lang="en-US" sz="3000" spc="-1" dirty="0" smtClean="0">
+                <a:solidFill>
+                  <a:srgbClr val="262626"/>
+                </a:solidFill>
+                <a:latin typeface="+mj-lt"/>
+                <a:ea typeface="Gill Sans"/>
+              </a:rPr>
+              <a:t> Onboarding Squad</a:t>
+            </a:r>
+            <a:endParaRPr lang="en-US" sz="3000" b="0" strike="noStrike" spc="-1" dirty="0">
+              <a:solidFill>
+                <a:srgbClr val="000000"/>
+              </a:solidFill>
+              <a:latin typeface="+mj-lt"/>
+            </a:endParaRPr>
+          </a:p>
+        </p:txBody>
+      </p:sp>
+      <p:sp>
+        <p:nvSpPr>
+          <p:cNvPr id="183" name="TextShape 2"/>
           <p:cNvSpPr txBox="1"/>
           <p:nvPr/>
         </p:nvSpPr>
         <p:spPr>
           <a:xfrm>
-            <a:off x="336600" y="686492"/>
-            <a:ext cx="8349840" cy="4177800"/>
+            <a:off x="405518" y="993913"/>
+            <a:ext cx="8269762" cy="3808676"/>
           </a:xfrm>
           <a:prstGeom prst="rect">
             <a:avLst/>
@@ -15481,426 +16063,107 @@
           </a:bodyPr>
           <a:lstStyle/>
           <a:p>
-            <a:pPr marL="457200" indent="-355320">
-              <a:lnSpc>
-                <a:spcPct val="100000"/>
-              </a:lnSpc>
+            <a:pPr marL="387270" indent="-285750">
               <a:spcBef>
                 <a:spcPts val="400"/>
               </a:spcBef>
-              <a:buClr>
-                <a:srgbClr val="000000"/>
-              </a:buClr>
-              <a:buFont typeface="Arial"/>
-              <a:buChar char="•"/>
-            </a:pPr>
-            <a:r>
-              <a:rPr lang="en-US" sz="2000" spc="-1" dirty="0">
-                <a:solidFill>
-                  <a:srgbClr val="000000"/>
-                </a:solidFill>
-                <a:latin typeface="+mj-lt"/>
-              </a:rPr>
-              <a:t>Continue work on extensibility API and conformance </a:t>
-            </a:r>
-            <a:r>
-              <a:rPr lang="en-US" sz="2000" spc="-1" dirty="0" smtClean="0">
-                <a:solidFill>
-                  <a:srgbClr val="000000"/>
-                </a:solidFill>
-                <a:latin typeface="+mj-lt"/>
-              </a:rPr>
-              <a:t>rules </a:t>
-            </a:r>
-            <a:r>
-              <a:rPr lang="en-US" sz="2000" spc="-1" dirty="0" smtClean="0">
-                <a:solidFill>
-                  <a:srgbClr val="000000"/>
-                </a:solidFill>
-                <a:latin typeface="+mj-lt"/>
-                <a:hlinkClick r:id="rId2"/>
-              </a:rPr>
-              <a:t>#837</a:t>
-            </a:r>
-            <a:endParaRPr lang="en-US" sz="2000" spc="-1" dirty="0" smtClean="0">
-              <a:solidFill>
-                <a:srgbClr val="000000"/>
-              </a:solidFill>
-              <a:latin typeface="+mj-lt"/>
-            </a:endParaRPr>
-          </a:p>
-          <a:p>
-            <a:pPr marL="914400" lvl="1" indent="-355320">
+              <a:buFont typeface="Wingdings" pitchFamily="2" charset="2"/>
+              <a:buChar char="Ø"/>
+            </a:pPr>
+            <a:r>
+              <a:rPr lang="en-US" sz="2000" b="1" dirty="0" smtClean="0"/>
+              <a:t>Manage </a:t>
+            </a:r>
+            <a:r>
+              <a:rPr lang="en-US" sz="2000" b="1" dirty="0"/>
+              <a:t>Production of and Leverage Statistics to Help All Squads to Identify </a:t>
+            </a:r>
+            <a:r>
+              <a:rPr lang="en-US" sz="2000" b="1" dirty="0" err="1"/>
+              <a:t>Zowe</a:t>
+            </a:r>
+            <a:r>
+              <a:rPr lang="en-US" sz="2000" b="1" dirty="0"/>
+              <a:t> Interest, Experimentation, and </a:t>
+            </a:r>
+            <a:r>
+              <a:rPr lang="en-US" sz="2000" b="1" dirty="0" smtClean="0"/>
+              <a:t>Challenges</a:t>
+            </a:r>
+          </a:p>
+          <a:p>
+            <a:pPr marL="844470" lvl="1" indent="-285750">
               <a:spcBef>
                 <a:spcPts val="400"/>
               </a:spcBef>
-              <a:buClr>
-                <a:srgbClr val="000000"/>
-              </a:buClr>
-              <a:buFont typeface="Arial"/>
-              <a:buChar char="•"/>
-            </a:pPr>
-            <a:r>
-              <a:rPr lang="en-US" sz="2000" spc="-1" dirty="0">
-                <a:solidFill>
-                  <a:srgbClr val="000000"/>
-                </a:solidFill>
-                <a:latin typeface="+mj-lt"/>
-              </a:rPr>
-              <a:t>Refactor </a:t>
-            </a:r>
-            <a:r>
-              <a:rPr lang="en-US" sz="2000" spc="-1" dirty="0" err="1">
-                <a:solidFill>
-                  <a:srgbClr val="000000"/>
-                </a:solidFill>
-                <a:latin typeface="+mj-lt"/>
-              </a:rPr>
-              <a:t>api</a:t>
-            </a:r>
-            <a:r>
-              <a:rPr lang="en-US" sz="2000" spc="-1" dirty="0">
-                <a:solidFill>
-                  <a:srgbClr val="000000"/>
-                </a:solidFill>
-                <a:latin typeface="+mj-lt"/>
-              </a:rPr>
-              <a:t> code (profile loading, secure creds </a:t>
-            </a:r>
-            <a:r>
-              <a:rPr lang="en-US" sz="2000" spc="-1" dirty="0" err="1">
-                <a:solidFill>
-                  <a:srgbClr val="000000"/>
-                </a:solidFill>
-                <a:latin typeface="+mj-lt"/>
-              </a:rPr>
-              <a:t>init</a:t>
-            </a:r>
-            <a:r>
-              <a:rPr lang="en-US" sz="2000" spc="-1" dirty="0">
-                <a:solidFill>
-                  <a:srgbClr val="000000"/>
-                </a:solidFill>
-                <a:latin typeface="+mj-lt"/>
-              </a:rPr>
-              <a:t>, remove UI code) </a:t>
-            </a:r>
-            <a:endParaRPr lang="en-US" sz="2000" spc="-1" dirty="0" smtClean="0">
-              <a:solidFill>
-                <a:srgbClr val="000000"/>
-              </a:solidFill>
-              <a:latin typeface="+mj-lt"/>
-            </a:endParaRPr>
-          </a:p>
-          <a:p>
-            <a:pPr marL="914400" lvl="1" indent="-355320">
+              <a:buFont typeface="Wingdings" pitchFamily="2" charset="2"/>
+              <a:buChar char="Ø"/>
+            </a:pPr>
+            <a:r>
+              <a:rPr lang="en-US" sz="2000" dirty="0" smtClean="0"/>
+              <a:t>Continue </a:t>
+            </a:r>
+            <a:r>
+              <a:rPr lang="en-US" sz="2000" dirty="0"/>
+              <a:t>maturing statistics process and </a:t>
+            </a:r>
+            <a:r>
+              <a:rPr lang="en-US" sz="2000" dirty="0" smtClean="0"/>
+              <a:t>reporting</a:t>
+            </a:r>
+          </a:p>
+          <a:p>
+            <a:pPr marL="1301670" lvl="2" indent="-285750">
               <a:spcBef>
                 <a:spcPts val="400"/>
               </a:spcBef>
-              <a:buClr>
-                <a:srgbClr val="000000"/>
-              </a:buClr>
-              <a:buFont typeface="Arial"/>
-              <a:buChar char="•"/>
-            </a:pPr>
-            <a:r>
-              <a:rPr lang="en-US" sz="2000" spc="-1" dirty="0" smtClean="0">
-                <a:solidFill>
-                  <a:srgbClr val="000000"/>
-                </a:solidFill>
-                <a:latin typeface="+mj-lt"/>
-              </a:rPr>
-              <a:t>API </a:t>
-            </a:r>
-            <a:r>
-              <a:rPr lang="en-US" sz="2000" spc="-1" dirty="0">
-                <a:solidFill>
-                  <a:srgbClr val="000000"/>
-                </a:solidFill>
-                <a:latin typeface="+mj-lt"/>
-              </a:rPr>
-              <a:t>governance for </a:t>
-            </a:r>
-            <a:r>
-              <a:rPr lang="en-US" sz="2000" spc="-1" dirty="0" err="1">
-                <a:solidFill>
-                  <a:srgbClr val="000000"/>
-                </a:solidFill>
-                <a:latin typeface="+mj-lt"/>
-              </a:rPr>
-              <a:t>Zowe</a:t>
-            </a:r>
-            <a:r>
-              <a:rPr lang="en-US" sz="2000" spc="-1" dirty="0">
-                <a:solidFill>
-                  <a:srgbClr val="000000"/>
-                </a:solidFill>
-                <a:latin typeface="+mj-lt"/>
-              </a:rPr>
-              <a:t> committers (explore automation: e.g. search for the string “</a:t>
-            </a:r>
-            <a:r>
-              <a:rPr lang="en-US" sz="2000" spc="-1" dirty="0" err="1">
-                <a:solidFill>
-                  <a:srgbClr val="000000"/>
-                </a:solidFill>
-                <a:latin typeface="+mj-lt"/>
-              </a:rPr>
-              <a:t>zosmf</a:t>
-            </a:r>
-            <a:r>
-              <a:rPr lang="en-US" sz="2000" spc="-1" dirty="0">
-                <a:solidFill>
-                  <a:srgbClr val="000000"/>
-                </a:solidFill>
-                <a:latin typeface="+mj-lt"/>
-              </a:rPr>
-              <a:t>”, perhaps via </a:t>
-            </a:r>
-            <a:r>
-              <a:rPr lang="en-US" sz="2000" spc="-1" dirty="0" err="1">
-                <a:solidFill>
-                  <a:srgbClr val="000000"/>
-                </a:solidFill>
-                <a:latin typeface="+mj-lt"/>
-              </a:rPr>
-              <a:t>ESLint</a:t>
-            </a:r>
-            <a:r>
-              <a:rPr lang="en-US" sz="2000" spc="-1" dirty="0" smtClean="0">
-                <a:solidFill>
-                  <a:srgbClr val="000000"/>
-                </a:solidFill>
-                <a:latin typeface="+mj-lt"/>
-              </a:rPr>
-              <a:t>)</a:t>
-            </a:r>
-            <a:endParaRPr lang="en-US" sz="2000" spc="-1" dirty="0">
-              <a:solidFill>
-                <a:srgbClr val="000000"/>
-              </a:solidFill>
-              <a:latin typeface="+mj-lt"/>
-            </a:endParaRPr>
-          </a:p>
-          <a:p>
-            <a:pPr marL="457200" indent="-355320">
+              <a:buFont typeface="Wingdings" pitchFamily="2" charset="2"/>
+              <a:buChar char="Ø"/>
+            </a:pPr>
+            <a:r>
+              <a:rPr lang="en-US" sz="2000" dirty="0" smtClean="0"/>
+              <a:t>Automate </a:t>
+            </a:r>
+            <a:r>
+              <a:rPr lang="en-US" sz="2000" dirty="0"/>
+              <a:t>the monthly statistics report (target </a:t>
+            </a:r>
+            <a:r>
+              <a:rPr lang="en-US" sz="2000" dirty="0" smtClean="0"/>
+              <a:t>12/31)</a:t>
+            </a:r>
+          </a:p>
+          <a:p>
+            <a:pPr marL="1301670" lvl="2" indent="-285750">
               <a:spcBef>
                 <a:spcPts val="400"/>
               </a:spcBef>
-              <a:buClr>
-                <a:srgbClr val="000000"/>
-              </a:buClr>
-              <a:buFont typeface="Arial"/>
-              <a:buChar char="•"/>
-            </a:pPr>
-            <a:r>
-              <a:rPr lang="en-US" sz="2000" spc="-1" dirty="0" smtClean="0">
-                <a:solidFill>
-                  <a:srgbClr val="000000"/>
-                </a:solidFill>
-                <a:latin typeface="+mj-lt"/>
-              </a:rPr>
-              <a:t>Code </a:t>
-            </a:r>
-            <a:r>
-              <a:rPr lang="en-US" sz="2000" spc="-1" dirty="0">
-                <a:solidFill>
-                  <a:srgbClr val="000000"/>
-                </a:solidFill>
-                <a:latin typeface="+mj-lt"/>
-              </a:rPr>
-              <a:t>formatting and </a:t>
-            </a:r>
-            <a:r>
-              <a:rPr lang="en-US" sz="2000" spc="-1" dirty="0" err="1" smtClean="0">
-                <a:solidFill>
-                  <a:srgbClr val="000000"/>
-                </a:solidFill>
-                <a:latin typeface="+mj-lt"/>
-              </a:rPr>
-              <a:t>linting</a:t>
-            </a:r>
-            <a:r>
-              <a:rPr lang="en-US" sz="2000" spc="-1" dirty="0" smtClean="0">
-                <a:solidFill>
-                  <a:srgbClr val="000000"/>
-                </a:solidFill>
-                <a:latin typeface="+mj-lt"/>
-              </a:rPr>
-              <a:t> </a:t>
-            </a:r>
-            <a:r>
-              <a:rPr lang="en-US" sz="2000" spc="-1" dirty="0" smtClean="0">
-                <a:solidFill>
-                  <a:srgbClr val="000000"/>
-                </a:solidFill>
-                <a:latin typeface="+mj-lt"/>
-                <a:hlinkClick r:id="rId3"/>
-              </a:rPr>
-              <a:t>#438</a:t>
-            </a:r>
-            <a:endParaRPr lang="en-US" sz="2000" spc="-1" dirty="0">
-              <a:solidFill>
-                <a:srgbClr val="000000"/>
-              </a:solidFill>
-              <a:latin typeface="+mj-lt"/>
-            </a:endParaRPr>
-          </a:p>
-          <a:p>
-            <a:pPr marL="457200" indent="-355320">
-              <a:spcBef>
-                <a:spcPts val="400"/>
-              </a:spcBef>
-              <a:buClr>
-                <a:srgbClr val="000000"/>
-              </a:buClr>
-              <a:buFont typeface="Arial"/>
-              <a:buChar char="•"/>
-            </a:pPr>
-            <a:r>
-              <a:rPr lang="en-US" sz="2000" spc="-1" dirty="0" smtClean="0">
-                <a:solidFill>
-                  <a:srgbClr val="000000"/>
-                </a:solidFill>
-                <a:latin typeface="+mj-lt"/>
-              </a:rPr>
-              <a:t>Ensure </a:t>
-            </a:r>
-            <a:r>
-              <a:rPr lang="en-US" sz="2000" spc="-1" dirty="0">
-                <a:solidFill>
-                  <a:srgbClr val="000000"/>
-                </a:solidFill>
-                <a:latin typeface="+mj-lt"/>
-              </a:rPr>
-              <a:t>consistency for </a:t>
-            </a:r>
-            <a:r>
-              <a:rPr lang="en-US" sz="2000" spc="-1" dirty="0" smtClean="0">
-                <a:solidFill>
-                  <a:srgbClr val="000000"/>
-                </a:solidFill>
-                <a:latin typeface="+mj-lt"/>
-              </a:rPr>
-              <a:t>extenders</a:t>
-            </a:r>
-          </a:p>
-          <a:p>
-            <a:pPr marL="914400" lvl="1" indent="-355320">
-              <a:spcBef>
-                <a:spcPts val="400"/>
-              </a:spcBef>
-              <a:buClr>
-                <a:srgbClr val="000000"/>
-              </a:buClr>
-              <a:buFont typeface="Arial"/>
-              <a:buChar char="•"/>
-            </a:pPr>
-            <a:r>
-              <a:rPr lang="en-US" sz="2000" spc="-1" dirty="0">
-                <a:solidFill>
-                  <a:srgbClr val="000000"/>
-                </a:solidFill>
-                <a:latin typeface="+mj-lt"/>
-              </a:rPr>
-              <a:t>MVS </a:t>
-            </a:r>
-            <a:r>
-              <a:rPr lang="en-US" sz="2000" spc="-1" dirty="0" smtClean="0">
-                <a:solidFill>
-                  <a:srgbClr val="000000"/>
-                </a:solidFill>
-                <a:latin typeface="+mj-lt"/>
-              </a:rPr>
-              <a:t>functionality for </a:t>
-            </a:r>
-            <a:r>
-              <a:rPr lang="en-US" sz="2000" spc="-1" dirty="0">
-                <a:solidFill>
-                  <a:srgbClr val="000000"/>
-                </a:solidFill>
-                <a:latin typeface="+mj-lt"/>
-              </a:rPr>
-              <a:t>FTP </a:t>
-            </a:r>
-            <a:r>
-              <a:rPr lang="en-US" sz="2000" spc="-1" dirty="0" smtClean="0">
-                <a:solidFill>
-                  <a:srgbClr val="000000"/>
-                </a:solidFill>
-                <a:latin typeface="+mj-lt"/>
-              </a:rPr>
-              <a:t>Package </a:t>
-            </a:r>
-            <a:r>
-              <a:rPr lang="en-US" sz="2000" spc="-1" dirty="0" smtClean="0">
-                <a:solidFill>
-                  <a:srgbClr val="000000"/>
-                </a:solidFill>
-                <a:latin typeface="+mj-lt"/>
-                <a:hlinkClick r:id="rId4"/>
-              </a:rPr>
-              <a:t>#1027</a:t>
-            </a:r>
-            <a:endParaRPr lang="en-US" sz="2000" spc="-1" dirty="0">
-              <a:solidFill>
-                <a:srgbClr val="000000"/>
-              </a:solidFill>
-              <a:latin typeface="+mj-lt"/>
-            </a:endParaRPr>
-          </a:p>
-          <a:p>
-            <a:pPr marL="914400" lvl="1" indent="-355320">
-              <a:spcBef>
-                <a:spcPts val="400"/>
-              </a:spcBef>
-              <a:buClr>
-                <a:srgbClr val="000000"/>
-              </a:buClr>
-              <a:buFont typeface="Arial"/>
-              <a:buChar char="•"/>
-            </a:pPr>
-            <a:r>
-              <a:rPr lang="en-US" sz="2000" spc="-1" dirty="0">
-                <a:solidFill>
-                  <a:srgbClr val="000000"/>
-                </a:solidFill>
-                <a:latin typeface="+mj-lt"/>
-              </a:rPr>
-              <a:t>Test automation for FTP </a:t>
-            </a:r>
-            <a:r>
-              <a:rPr lang="en-US" sz="2000" spc="-1" dirty="0" smtClean="0">
-                <a:solidFill>
-                  <a:srgbClr val="000000"/>
-                </a:solidFill>
-                <a:latin typeface="+mj-lt"/>
-              </a:rPr>
-              <a:t>package </a:t>
-            </a:r>
-            <a:r>
-              <a:rPr lang="en-US" sz="2000" spc="-1" dirty="0" smtClean="0">
-                <a:solidFill>
-                  <a:srgbClr val="000000"/>
-                </a:solidFill>
-                <a:latin typeface="+mj-lt"/>
-                <a:hlinkClick r:id="rId5"/>
-              </a:rPr>
-              <a:t>#1028</a:t>
-            </a:r>
-            <a:endParaRPr lang="en-US" sz="2000" b="0" strike="noStrike" spc="-1" dirty="0">
-              <a:solidFill>
-                <a:srgbClr val="000000"/>
-              </a:solidFill>
-              <a:latin typeface="+mj-lt"/>
-            </a:endParaRPr>
+              <a:buFont typeface="Wingdings" pitchFamily="2" charset="2"/>
+              <a:buChar char="Ø"/>
+            </a:pPr>
+            <a:r>
+              <a:rPr lang="en-US" sz="2000" dirty="0" smtClean="0"/>
+              <a:t>Brainstorm </a:t>
+            </a:r>
+            <a:r>
+              <a:rPr lang="en-US" sz="2000" dirty="0"/>
+              <a:t>&amp; draft </a:t>
+            </a:r>
+            <a:r>
+              <a:rPr lang="en-US" sz="2000" dirty="0" err="1"/>
+              <a:t>Zowe</a:t>
+            </a:r>
+            <a:r>
+              <a:rPr lang="en-US" sz="2000" dirty="0"/>
+              <a:t> KPIs to help identify trends and  influential activities (target 12/31)</a:t>
+            </a:r>
           </a:p>
         </p:txBody>
       </p:sp>
     </p:spTree>
     <p:extLst>
       <p:ext uri="{BB962C8B-B14F-4D97-AF65-F5344CB8AC3E}">
-        <p14:creationId xmlns:p14="http://schemas.microsoft.com/office/powerpoint/2010/main" val="3345553095"/>
+        <p14:creationId xmlns:p14="http://schemas.microsoft.com/office/powerpoint/2010/main" val="478070579"/>
       </p:ext>
     </p:extLst>
   </p:cSld>
@@ -15959,7 +16222,7 @@
       </p:grpSpPr>
       <p:sp>
         <p:nvSpPr>
-          <p:cNvPr id="189" name="TextShape 1"/>
+          <p:cNvPr id="180" name="TextShape 1"/>
           <p:cNvSpPr txBox="1"/>
           <p:nvPr/>
         </p:nvSpPr>
@@ -15988,36 +16251,34 @@
               </a:lnSpc>
             </a:pPr>
             <a:r>
-              <a:rPr lang="en-US" sz="2800" b="0" strike="noStrike" spc="-1" dirty="0" smtClean="0">
+              <a:rPr lang="en-US" sz="3000" b="0" strike="noStrike" spc="-1" dirty="0">
                 <a:solidFill>
                   <a:srgbClr val="262626"/>
                 </a:solidFill>
-                <a:latin typeface="Arial" panose="020B0604020202020204" pitchFamily="34" charset="0"/>
+                <a:latin typeface="+mj-lt"/>
                 <a:ea typeface="Gill Sans"/>
-                <a:cs typeface="Arial" panose="020B0604020202020204" pitchFamily="34" charset="0"/>
-              </a:rPr>
-              <a:t>Explorer – Improve User Experience</a:t>
-            </a:r>
-            <a:endParaRPr lang="en-US" sz="2800" b="0" strike="noStrike" spc="-1" dirty="0">
-              <a:solidFill>
-                <a:srgbClr val="000000"/>
-              </a:solidFill>
-              <a:latin typeface="Arial" panose="020B0604020202020204" pitchFamily="34" charset="0"/>
-              <a:cs typeface="Arial" panose="020B0604020202020204" pitchFamily="34" charset="0"/>
-            </a:endParaRPr>
-          </a:p>
-        </p:txBody>
-      </p:sp>
-      <p:sp>
-        <p:nvSpPr>
-          <p:cNvPr id="190" name="TextShape 2"/>
+              </a:rPr>
+              <a:t>Dependencies</a:t>
+            </a:r>
+            <a:endParaRPr lang="en-US" sz="3000" b="0" strike="noStrike" spc="-1" dirty="0">
+              <a:solidFill>
+                <a:srgbClr val="000000"/>
+              </a:solidFill>
+              <a:latin typeface="+mj-lt"/>
+            </a:endParaRPr>
+          </a:p>
+        </p:txBody>
+      </p:sp>
+      <p:sp>
+        <p:nvSpPr>
+          <p:cNvPr id="181" name="TextShape 2"/>
           <p:cNvSpPr txBox="1"/>
           <p:nvPr/>
         </p:nvSpPr>
         <p:spPr>
           <a:xfrm>
-            <a:off x="336600" y="672825"/>
-            <a:ext cx="8349840" cy="4177800"/>
+            <a:off x="306360" y="774000"/>
+            <a:ext cx="8368920" cy="4147560"/>
           </a:xfrm>
           <a:prstGeom prst="rect">
             <a:avLst/>
@@ -16047,48 +16308,21 @@
               <a:buChar char="•"/>
             </a:pPr>
             <a:r>
-              <a:rPr lang="en-US" sz="2000" spc="-1" dirty="0" smtClean="0">
-                <a:solidFill>
-                  <a:srgbClr val="000000"/>
-                </a:solidFill>
-                <a:latin typeface="+mj-lt"/>
-              </a:rPr>
-              <a:t>Profile </a:t>
-            </a:r>
-            <a:r>
-              <a:rPr lang="en-US" sz="2000" spc="-1" dirty="0">
-                <a:solidFill>
-                  <a:srgbClr val="000000"/>
-                </a:solidFill>
-                <a:latin typeface="+mj-lt"/>
-              </a:rPr>
-              <a:t>manager </a:t>
-            </a:r>
-            <a:r>
-              <a:rPr lang="en-US" sz="2000" spc="-1" dirty="0" smtClean="0">
-                <a:solidFill>
-                  <a:srgbClr val="000000"/>
-                </a:solidFill>
-                <a:latin typeface="+mj-lt"/>
-              </a:rPr>
-              <a:t>development </a:t>
-            </a:r>
-            <a:r>
-              <a:rPr lang="en-US" sz="2000" spc="-1" dirty="0" smtClean="0">
-                <a:solidFill>
-                  <a:srgbClr val="000000"/>
-                </a:solidFill>
-                <a:latin typeface="+mj-lt"/>
-                <a:hlinkClick r:id="rId2"/>
-              </a:rPr>
-              <a:t>#423</a:t>
-            </a:r>
-            <a:endParaRPr lang="en-US" sz="2000" spc="-1" dirty="0" smtClean="0">
-              <a:solidFill>
-                <a:srgbClr val="000000"/>
-              </a:solidFill>
-              <a:latin typeface="+mj-lt"/>
-            </a:endParaRPr>
+              <a:rPr lang="en-US" sz="2000" dirty="0" smtClean="0"/>
+              <a:t>DOC </a:t>
+            </a:r>
+            <a:r>
+              <a:rPr lang="en-US" sz="2000" dirty="0"/>
+              <a:t>Squad: will probably need to collaborate on Web Page </a:t>
+            </a:r>
+            <a:r>
+              <a:rPr lang="en-US" sz="2000" dirty="0" smtClean="0"/>
+              <a:t>modifications</a:t>
+            </a:r>
+            <a:br>
+              <a:rPr lang="en-US" sz="2000" dirty="0" smtClean="0"/>
+            </a:br>
+            <a:endParaRPr lang="en-US" sz="2000" dirty="0" smtClean="0"/>
           </a:p>
           <a:p>
             <a:pPr marL="457200" indent="-355320">
@@ -16105,30 +16339,21 @@
               <a:buChar char="•"/>
             </a:pPr>
             <a:r>
-              <a:rPr lang="en-US" sz="2000" spc="-1" dirty="0" smtClean="0">
-                <a:solidFill>
-                  <a:srgbClr val="000000"/>
-                </a:solidFill>
-                <a:latin typeface="+mj-lt"/>
-              </a:rPr>
-              <a:t>Profile type annotation </a:t>
-            </a:r>
-            <a:r>
-              <a:rPr lang="en-US" sz="2000" spc="-1" dirty="0" smtClean="0">
-                <a:solidFill>
-                  <a:srgbClr val="000000"/>
-                </a:solidFill>
-                <a:latin typeface="+mj-lt"/>
-                <a:hlinkClick r:id="rId3"/>
-              </a:rPr>
-              <a:t>#1025</a:t>
-            </a:r>
-            <a:endParaRPr lang="en-US" sz="2000" spc="-1" dirty="0" smtClean="0">
-              <a:solidFill>
-                <a:srgbClr val="000000"/>
-              </a:solidFill>
-              <a:latin typeface="+mj-lt"/>
-            </a:endParaRPr>
+              <a:rPr lang="en-US" sz="2000" dirty="0" smtClean="0"/>
+              <a:t>UX </a:t>
+            </a:r>
+            <a:r>
+              <a:rPr lang="en-US" sz="2000" dirty="0"/>
+              <a:t>Designers: welcome their input on web page </a:t>
+            </a:r>
+            <a:r>
+              <a:rPr lang="en-US" sz="2000" dirty="0" smtClean="0"/>
+              <a:t>design</a:t>
+            </a:r>
+            <a:br>
+              <a:rPr lang="en-US" sz="2000" dirty="0" smtClean="0"/>
+            </a:br>
+            <a:endParaRPr lang="en-US" sz="2000" dirty="0" smtClean="0"/>
           </a:p>
           <a:p>
             <a:pPr marL="457200" indent="-355320">
@@ -16145,284 +16370,28 @@
               <a:buChar char="•"/>
             </a:pPr>
             <a:r>
-              <a:rPr lang="en-US" sz="2000" spc="-1" dirty="0">
-                <a:solidFill>
-                  <a:srgbClr val="000000"/>
-                </a:solidFill>
-                <a:latin typeface="+mj-lt"/>
-              </a:rPr>
-              <a:t>Filter partitioned data sets by </a:t>
-            </a:r>
-            <a:r>
-              <a:rPr lang="en-US" sz="2000" spc="-1" dirty="0" smtClean="0">
-                <a:solidFill>
-                  <a:srgbClr val="000000"/>
-                </a:solidFill>
-                <a:latin typeface="+mj-lt"/>
-              </a:rPr>
-              <a:t>pattern </a:t>
-            </a:r>
-            <a:r>
-              <a:rPr lang="en-US" sz="2000" spc="-1" dirty="0" smtClean="0">
-                <a:solidFill>
-                  <a:srgbClr val="000000"/>
-                </a:solidFill>
-                <a:latin typeface="+mj-lt"/>
-                <a:hlinkClick r:id="rId4"/>
-              </a:rPr>
-              <a:t>#868</a:t>
-            </a:r>
-            <a:endParaRPr lang="en-US" sz="2000" spc="-1" dirty="0" smtClean="0">
-              <a:solidFill>
-                <a:srgbClr val="000000"/>
-              </a:solidFill>
-              <a:latin typeface="+mj-lt"/>
-            </a:endParaRPr>
-          </a:p>
-          <a:p>
-            <a:pPr marL="457200" indent="-355320">
-              <a:lnSpc>
-                <a:spcPct val="100000"/>
-              </a:lnSpc>
-              <a:spcBef>
-                <a:spcPts val="400"/>
-              </a:spcBef>
-              <a:buClr>
-                <a:srgbClr val="000000"/>
-              </a:buClr>
-              <a:buFont typeface="Arial"/>
-              <a:buChar char="•"/>
-            </a:pPr>
-            <a:r>
-              <a:rPr lang="en-US" sz="2000" spc="-1" dirty="0">
-                <a:solidFill>
-                  <a:srgbClr val="000000"/>
-                </a:solidFill>
-              </a:rPr>
-              <a:t>Refactor </a:t>
-            </a:r>
-            <a:r>
-              <a:rPr lang="en-US" sz="2000" spc="-1" dirty="0" smtClean="0">
-                <a:solidFill>
-                  <a:srgbClr val="000000"/>
-                </a:solidFill>
-              </a:rPr>
-              <a:t>profile APIs (</a:t>
-            </a:r>
-            <a:r>
-              <a:rPr lang="en-US" sz="2000" spc="-1" dirty="0" err="1" smtClean="0">
-                <a:solidFill>
-                  <a:srgbClr val="000000"/>
-                </a:solidFill>
-              </a:rPr>
-              <a:t>Profiles.ts</a:t>
-            </a:r>
-            <a:r>
-              <a:rPr lang="en-US" sz="2000" spc="-1" dirty="0" smtClean="0">
-                <a:solidFill>
-                  <a:srgbClr val="000000"/>
-                </a:solidFill>
-              </a:rPr>
-              <a:t>) </a:t>
-            </a:r>
-            <a:r>
-              <a:rPr lang="en-US" sz="2000" spc="-1" dirty="0">
-                <a:solidFill>
-                  <a:srgbClr val="000000"/>
-                </a:solidFill>
-              </a:rPr>
-              <a:t>to address significant </a:t>
-            </a:r>
-            <a:r>
-              <a:rPr lang="en-US" sz="2000" spc="-1" dirty="0" smtClean="0">
-                <a:solidFill>
-                  <a:srgbClr val="000000"/>
-                </a:solidFill>
-              </a:rPr>
-              <a:t>issues </a:t>
-            </a:r>
-            <a:r>
-              <a:rPr lang="en-US" sz="2000" spc="-1" dirty="0" smtClean="0">
-                <a:solidFill>
-                  <a:srgbClr val="000000"/>
-                </a:solidFill>
-                <a:hlinkClick r:id="rId5"/>
-              </a:rPr>
-              <a:t>#1000</a:t>
-            </a:r>
-            <a:endParaRPr lang="en-US" sz="2000" spc="-1" dirty="0">
-              <a:solidFill>
-                <a:srgbClr val="000000"/>
-              </a:solidFill>
-            </a:endParaRPr>
-          </a:p>
-          <a:p>
-            <a:pPr marL="914400" lvl="1" indent="-355320">
-              <a:spcBef>
-                <a:spcPts val="400"/>
-              </a:spcBef>
-              <a:buClr>
-                <a:srgbClr val="000000"/>
-              </a:buClr>
-              <a:buFont typeface="Arial"/>
-              <a:buChar char="•"/>
-            </a:pPr>
-            <a:r>
-              <a:rPr lang="en-US" sz="2000" spc="-1" dirty="0">
-                <a:solidFill>
-                  <a:srgbClr val="000000"/>
-                </a:solidFill>
-              </a:rPr>
-              <a:t>Empty fields in profiles (user and password) </a:t>
-            </a:r>
-            <a:r>
-              <a:rPr lang="en-US" sz="2000" spc="-1" dirty="0" smtClean="0">
-                <a:solidFill>
-                  <a:srgbClr val="000000"/>
-                </a:solidFill>
-              </a:rPr>
-              <a:t>bug</a:t>
-            </a:r>
-          </a:p>
-          <a:p>
-            <a:pPr marL="914400" lvl="1" indent="-355320">
-              <a:spcBef>
-                <a:spcPts val="400"/>
-              </a:spcBef>
-              <a:buClr>
-                <a:srgbClr val="000000"/>
-              </a:buClr>
-              <a:buFont typeface="Arial"/>
-              <a:buChar char="•"/>
-            </a:pPr>
-            <a:r>
-              <a:rPr lang="en-US" sz="2000" spc="-1" dirty="0" smtClean="0">
-                <a:solidFill>
-                  <a:srgbClr val="000000"/>
-                </a:solidFill>
-              </a:rPr>
-              <a:t>First </a:t>
-            </a:r>
-            <a:r>
-              <a:rPr lang="en-US" sz="2000" spc="-1" dirty="0">
-                <a:solidFill>
-                  <a:srgbClr val="000000"/>
-                </a:solidFill>
-              </a:rPr>
-              <a:t>profile not created as </a:t>
-            </a:r>
-            <a:r>
-              <a:rPr lang="en-US" sz="2000" spc="-1" dirty="0" smtClean="0">
-                <a:solidFill>
-                  <a:srgbClr val="000000"/>
-                </a:solidFill>
-              </a:rPr>
-              <a:t>default (Impacts CLI users)</a:t>
-            </a:r>
-          </a:p>
-          <a:p>
-            <a:pPr marL="457200" indent="-355320">
-              <a:spcBef>
-                <a:spcPts val="400"/>
-              </a:spcBef>
-              <a:buClr>
-                <a:srgbClr val="000000"/>
-              </a:buClr>
-              <a:buFont typeface="Arial"/>
-              <a:buChar char="•"/>
-            </a:pPr>
-            <a:r>
-              <a:rPr lang="en-US" sz="2000" spc="-1" dirty="0" smtClean="0">
-                <a:solidFill>
-                  <a:srgbClr val="000000"/>
-                </a:solidFill>
-              </a:rPr>
-              <a:t>Filter partitioned datasets by pattern </a:t>
-            </a:r>
-            <a:r>
-              <a:rPr lang="en-US" sz="2000" spc="-1" dirty="0" smtClean="0">
-                <a:solidFill>
-                  <a:srgbClr val="000000"/>
-                </a:solidFill>
-                <a:hlinkClick r:id="rId4"/>
-              </a:rPr>
-              <a:t>#868</a:t>
-            </a:r>
-            <a:endParaRPr lang="en-US" sz="2000" spc="-1" dirty="0" smtClean="0">
-              <a:solidFill>
-                <a:srgbClr val="000000"/>
-              </a:solidFill>
-            </a:endParaRPr>
-          </a:p>
-          <a:p>
-            <a:pPr marL="457200" indent="-355320">
-              <a:spcBef>
-                <a:spcPts val="400"/>
-              </a:spcBef>
-              <a:buClr>
-                <a:srgbClr val="000000"/>
-              </a:buClr>
-              <a:buFont typeface="Arial"/>
-              <a:buChar char="•"/>
-            </a:pPr>
-            <a:r>
-              <a:rPr lang="en-US" sz="2000" spc="-1" dirty="0">
-                <a:solidFill>
-                  <a:srgbClr val="000000"/>
-                </a:solidFill>
-              </a:rPr>
-              <a:t>Allow for multiple selection and deletion of jobs, members etc</a:t>
-            </a:r>
-            <a:r>
-              <a:rPr lang="en-US" sz="2000" spc="-1" dirty="0" smtClean="0">
-                <a:solidFill>
-                  <a:srgbClr val="000000"/>
-                </a:solidFill>
-              </a:rPr>
-              <a:t>. </a:t>
-            </a:r>
-            <a:r>
-              <a:rPr lang="en-US" sz="2000" spc="-1" dirty="0" smtClean="0">
-                <a:solidFill>
-                  <a:srgbClr val="000000"/>
-                </a:solidFill>
-                <a:hlinkClick r:id="rId6"/>
-              </a:rPr>
-              <a:t>#224</a:t>
-            </a:r>
-            <a:endParaRPr lang="en-US" sz="2000" spc="-1" dirty="0">
-              <a:solidFill>
-                <a:srgbClr val="000000"/>
-              </a:solidFill>
-            </a:endParaRPr>
-          </a:p>
-          <a:p>
-            <a:pPr marL="457200" indent="-355320">
-              <a:lnSpc>
-                <a:spcPct val="100000"/>
-              </a:lnSpc>
-              <a:spcBef>
-                <a:spcPts val="400"/>
-              </a:spcBef>
-              <a:buClr>
-                <a:srgbClr val="000000"/>
-              </a:buClr>
-              <a:buFont typeface="Arial"/>
-              <a:buChar char="•"/>
-            </a:pPr>
-            <a:endParaRPr lang="en-US" sz="2000" spc="-1" dirty="0" smtClean="0">
-              <a:solidFill>
-                <a:srgbClr val="000000"/>
-              </a:solidFill>
-              <a:latin typeface="+mj-lt"/>
-            </a:endParaRPr>
+              <a:rPr lang="en-US" sz="2000" dirty="0" smtClean="0"/>
+              <a:t>CLI</a:t>
+            </a:r>
+            <a:r>
+              <a:rPr lang="en-US" sz="2000" dirty="0"/>
+              <a:t>, API, Web UI, </a:t>
+            </a:r>
+            <a:r>
+              <a:rPr lang="en-US" sz="2000" dirty="0" err="1"/>
+              <a:t>etc</a:t>
+            </a:r>
+            <a:r>
+              <a:rPr lang="en-US" sz="2000" dirty="0"/>
+              <a:t>: Squad leads for their input on the "request for demo" deliverable</a:t>
+            </a:r>
           </a:p>
         </p:txBody>
       </p:sp>
     </p:spTree>
     <p:extLst>
       <p:ext uri="{BB962C8B-B14F-4D97-AF65-F5344CB8AC3E}">
-        <p14:creationId xmlns:p14="http://schemas.microsoft.com/office/powerpoint/2010/main" val="3139094903"/>
+        <p14:creationId xmlns:p14="http://schemas.microsoft.com/office/powerpoint/2010/main" val="3546241616"/>
       </p:ext>
     </p:extLst>
   </p:cSld>
@@ -16858,9 +16827,6 @@
           <a:lstStyle/>
           <a:p>
             <a:pPr marL="457200" indent="-355320">
-              <a:lnSpc>
-                <a:spcPct val="100000"/>
-              </a:lnSpc>
               <a:spcBef>
                 <a:spcPts val="400"/>
               </a:spcBef>
@@ -16871,20 +16837,35 @@
               <a:buChar char="•"/>
             </a:pPr>
             <a:r>
-              <a:rPr lang="en-US" sz="2000" b="0" strike="noStrike" spc="-1" dirty="0" smtClean="0">
+              <a:rPr lang="en-US" sz="2000" spc="-1" dirty="0" err="1">
                 <a:solidFill>
                   <a:srgbClr val="000000"/>
                 </a:solidFill>
-                <a:latin typeface="+mj-lt"/>
-                <a:ea typeface="Gill Sans"/>
-              </a:rPr>
-              <a:t>System Squad Focus</a:t>
-            </a:r>
-            <a:endParaRPr lang="en-US" sz="2000" b="0" strike="noStrike" spc="-1" dirty="0">
+              </a:rPr>
+              <a:t>Zowe</a:t>
+            </a:r>
+            <a:r>
+              <a:rPr lang="en-US" sz="2000" spc="-1" dirty="0">
+                <a:solidFill>
+                  <a:srgbClr val="000000"/>
+                </a:solidFill>
+              </a:rPr>
+              <a:t> Explorer Squad </a:t>
+            </a:r>
+            <a:r>
+              <a:rPr lang="en-US" sz="2000" spc="-1" dirty="0" smtClean="0">
+                <a:solidFill>
+                  <a:srgbClr val="000000"/>
+                </a:solidFill>
+              </a:rPr>
+              <a:t>Focus</a:t>
+            </a:r>
+            <a:endParaRPr lang="en-US" sz="2000" b="0" strike="noStrike" spc="-1" dirty="0" smtClean="0">
               <a:solidFill>
                 <a:srgbClr val="000000"/>
               </a:solidFill>
               <a:latin typeface="+mj-lt"/>
+              <a:ea typeface="Gill Sans"/>
             </a:endParaRPr>
           </a:p>
           <a:p>
@@ -16917,8 +16898,43 @@
                 </a:solidFill>
                 <a:latin typeface="+mj-lt"/>
               </a:rPr>
-              <a:t> CLI Squad Focus</a:t>
-            </a:r>
+              <a:t> </a:t>
+            </a:r>
+            <a:r>
+              <a:rPr lang="en-US" sz="2000" spc="-1" dirty="0" smtClean="0">
+                <a:solidFill>
+                  <a:srgbClr val="000000"/>
+                </a:solidFill>
+                <a:latin typeface="+mj-lt"/>
+              </a:rPr>
+              <a:t>CLI Squad Focus</a:t>
+            </a:r>
+          </a:p>
+          <a:p>
+            <a:pPr marL="457200" indent="-355320">
+              <a:spcBef>
+                <a:spcPts val="400"/>
+              </a:spcBef>
+              <a:buClr>
+                <a:srgbClr val="000000"/>
+              </a:buClr>
+              <a:buFont typeface="Arial"/>
+              <a:buChar char="•"/>
+            </a:pPr>
+            <a:r>
+              <a:rPr lang="en-US" sz="2000" spc="-1" dirty="0">
+                <a:solidFill>
+                  <a:srgbClr val="000000"/>
+                </a:solidFill>
+                <a:ea typeface="Gill Sans"/>
+              </a:rPr>
+              <a:t>System Squad Focus</a:t>
+            </a:r>
+            <a:endParaRPr lang="en-US" sz="2000" spc="-1" dirty="0">
+              <a:solidFill>
+                <a:srgbClr val="000000"/>
+              </a:solidFill>
+            </a:endParaRPr>
           </a:p>
           <a:p>
             <a:pPr marL="457200" indent="-355320">
@@ -16950,7 +16966,7 @@
                 </a:solidFill>
                 <a:latin typeface="+mj-lt"/>
               </a:rPr>
-              <a:t> Onboarding Squad </a:t>
+              <a:t> </a:t>
             </a:r>
             <a:r>
               <a:rPr lang="en-US" sz="2000" b="0" strike="noStrike" spc="-1" dirty="0" smtClean="0">
@@ -16959,47 +16975,8 @@
                 </a:solidFill>
                 <a:latin typeface="+mj-lt"/>
               </a:rPr>
-              <a:t>Focus</a:t>
-            </a:r>
-          </a:p>
-          <a:p>
-            <a:pPr marL="457200" indent="-355320">
-              <a:lnSpc>
-                <a:spcPct val="100000"/>
-              </a:lnSpc>
-              <a:spcBef>
-                <a:spcPts val="400"/>
-              </a:spcBef>
-              <a:buClr>
-                <a:srgbClr val="000000"/>
-              </a:buClr>
-              <a:buFont typeface="Arial"/>
-              <a:buChar char="•"/>
-            </a:pPr>
-            <a:r>
-              <a:rPr lang="en-US" sz="2000" spc="-1" dirty="0" err="1" smtClean="0">
-                <a:solidFill>
-                  <a:srgbClr val="000000"/>
-                </a:solidFill>
-                <a:latin typeface="+mj-lt"/>
-              </a:rPr>
-              <a:t>Zowe</a:t>
-            </a:r>
-            <a:r>
-              <a:rPr lang="en-US" sz="2000" spc="-1" dirty="0" smtClean="0">
-                <a:solidFill>
-                  <a:srgbClr val="000000"/>
-                </a:solidFill>
-                <a:latin typeface="+mj-lt"/>
-              </a:rPr>
-              <a:t> Explorer Squad Focus</a:t>
-            </a:r>
-            <a:endParaRPr lang="en-US" sz="2000" b="0" strike="noStrike" spc="-1" dirty="0">
-              <a:solidFill>
-                <a:srgbClr val="000000"/>
-              </a:solidFill>
-              <a:latin typeface="+mj-lt"/>
-            </a:endParaRPr>
+              <a:t>Onboarding Squad Focus</a:t>
+            </a:r>
           </a:p>
           <a:p>
             <a:pPr>
@@ -17140,14 +17117,14 @@
       </p:grpSpPr>
       <p:sp>
         <p:nvSpPr>
-          <p:cNvPr id="179" name="TextShape 1"/>
+          <p:cNvPr id="188" name="TextShape 1"/>
           <p:cNvSpPr txBox="1"/>
           <p:nvPr/>
         </p:nvSpPr>
         <p:spPr>
           <a:xfrm>
-            <a:off x="308520" y="3525840"/>
-            <a:ext cx="6446160" cy="392040"/>
+            <a:off x="298581" y="2589143"/>
+            <a:ext cx="6446160" cy="2138776"/>
           </a:xfrm>
           <a:prstGeom prst="rect">
             <a:avLst/>
@@ -17163,7 +17140,7 @@
           </a:bodyPr>
           <a:lstStyle/>
           <a:p>
-            <a:pPr marL="457200" indent="-228240">
+            <a:pPr marL="457200" lvl="0" indent="-228240">
               <a:lnSpc>
                 <a:spcPct val="85000"/>
               </a:lnSpc>
@@ -17172,24 +17149,48 @@
               </a:spcBef>
             </a:pPr>
             <a:r>
-              <a:rPr lang="en-US" sz="3000" b="1" strike="noStrike" spc="-1" dirty="0">
+              <a:rPr lang="en-US" sz="3000" b="1" spc="-1" dirty="0" err="1" smtClean="0">
                 <a:solidFill>
                   <a:srgbClr val="000000"/>
                 </a:solidFill>
-                <a:latin typeface="Arial"/>
+                <a:latin typeface="Arial" panose="020B0604020202020204" pitchFamily="34" charset="0"/>
                 <a:ea typeface="Arial"/>
-              </a:rPr>
-              <a:t>System Squad Focus</a:t>
-            </a:r>
-            <a:endParaRPr lang="en-US" sz="3000" b="0" strike="noStrike" spc="-1" dirty="0">
-              <a:solidFill>
-                <a:srgbClr val="000000"/>
-              </a:solidFill>
-              <a:latin typeface="Arial"/>
-            </a:endParaRPr>
-          </a:p>
-          <a:p>
-            <a:pPr marL="457200" indent="-228240">
+                <a:cs typeface="Arial" panose="020B0604020202020204" pitchFamily="34" charset="0"/>
+              </a:rPr>
+              <a:t>Zowe</a:t>
+            </a:r>
+            <a:r>
+              <a:rPr lang="en-US" sz="3000" b="1" spc="-1" dirty="0" smtClean="0">
+                <a:solidFill>
+                  <a:srgbClr val="000000"/>
+                </a:solidFill>
+                <a:latin typeface="Arial" panose="020B0604020202020204" pitchFamily="34" charset="0"/>
+                <a:ea typeface="Arial"/>
+                <a:cs typeface="Arial" panose="020B0604020202020204" pitchFamily="34" charset="0"/>
+              </a:rPr>
+              <a:t> Explorer </a:t>
+            </a:r>
+            <a:r>
+              <a:rPr lang="en-US" sz="3000" b="1" spc="-1" dirty="0">
+                <a:solidFill>
+                  <a:srgbClr val="000000"/>
+                </a:solidFill>
+                <a:latin typeface="Arial" panose="020B0604020202020204" pitchFamily="34" charset="0"/>
+                <a:ea typeface="Arial"/>
+                <a:cs typeface="Arial" panose="020B0604020202020204" pitchFamily="34" charset="0"/>
+              </a:rPr>
+              <a:t>Squad Focus</a:t>
+            </a:r>
+            <a:endParaRPr lang="en-US" sz="3000" spc="-1" dirty="0">
+              <a:solidFill>
+                <a:srgbClr val="000000"/>
+              </a:solidFill>
+              <a:latin typeface="Arial" panose="020B0604020202020204" pitchFamily="34" charset="0"/>
+              <a:cs typeface="Arial" panose="020B0604020202020204" pitchFamily="34" charset="0"/>
+            </a:endParaRPr>
+          </a:p>
+          <a:p>
+            <a:pPr marL="457200" lvl="0" indent="-228240">
               <a:lnSpc>
                 <a:spcPct val="85000"/>
               </a:lnSpc>
@@ -17198,30 +17199,81 @@
               </a:spcBef>
             </a:pPr>
             <a:r>
-              <a:rPr lang="en-US" sz="2000" b="1" spc="-1" dirty="0">
+              <a:rPr lang="en-US" b="1" spc="-1" dirty="0">
                 <a:solidFill>
                   <a:srgbClr val="000000"/>
                 </a:solidFill>
-                <a:latin typeface="Arial"/>
+                <a:latin typeface="Arial" panose="020B0604020202020204" pitchFamily="34" charset="0"/>
                 <a:ea typeface="Arial"/>
-              </a:rPr>
-              <a:t>TBD</a:t>
-            </a:r>
-            <a:r>
-              <a:rPr lang="en-US" sz="2000" b="1" strike="noStrike" spc="-1" dirty="0">
+                <a:cs typeface="Arial" panose="020B0604020202020204" pitchFamily="34" charset="0"/>
+              </a:rPr>
+              <a:t>Zachariah Mullen (Scrum Master)</a:t>
+            </a:r>
+          </a:p>
+          <a:p>
+            <a:pPr marL="457200" lvl="0" indent="-228240">
+              <a:lnSpc>
+                <a:spcPct val="85000"/>
+              </a:lnSpc>
+              <a:spcBef>
+                <a:spcPts val="901"/>
+              </a:spcBef>
+            </a:pPr>
+            <a:r>
+              <a:rPr lang="en-US" b="1" spc="-1" dirty="0">
                 <a:solidFill>
                   <a:srgbClr val="000000"/>
                 </a:solidFill>
-                <a:latin typeface="Arial"/>
+                <a:latin typeface="Arial" panose="020B0604020202020204" pitchFamily="34" charset="0"/>
                 <a:ea typeface="Arial"/>
-              </a:rPr>
-              <a:t> (Squad Lead)</a:t>
-            </a:r>
-            <a:endParaRPr lang="en-US" sz="2000" b="0" strike="noStrike" spc="-1" dirty="0">
-              <a:solidFill>
-                <a:srgbClr val="000000"/>
-              </a:solidFill>
-              <a:latin typeface="Arial"/>
+                <a:cs typeface="Arial" panose="020B0604020202020204" pitchFamily="34" charset="0"/>
+              </a:rPr>
+              <a:t>Fernando Rijo Cedeno (Squad Lead)</a:t>
+            </a:r>
+          </a:p>
+          <a:p>
+            <a:pPr marL="457200" lvl="0" indent="-228240">
+              <a:lnSpc>
+                <a:spcPct val="85000"/>
+              </a:lnSpc>
+              <a:spcBef>
+                <a:spcPts val="901"/>
+              </a:spcBef>
+            </a:pPr>
+            <a:endParaRPr lang="en-US" b="1" spc="-1" dirty="0">
+              <a:solidFill>
+                <a:srgbClr val="000000"/>
+              </a:solidFill>
+              <a:latin typeface="Arial" panose="020B0604020202020204" pitchFamily="34" charset="0"/>
+              <a:cs typeface="Arial" panose="020B0604020202020204" pitchFamily="34" charset="0"/>
+            </a:endParaRPr>
+          </a:p>
+          <a:p>
+            <a:pPr marL="457200" lvl="0" indent="-228240">
+              <a:lnSpc>
+                <a:spcPct val="85000"/>
+              </a:lnSpc>
+              <a:spcBef>
+                <a:spcPts val="901"/>
+              </a:spcBef>
+            </a:pPr>
+            <a:r>
+              <a:rPr lang="en-US" spc="-1" dirty="0">
+                <a:solidFill>
+                  <a:srgbClr val="000000"/>
+                </a:solidFill>
+                <a:latin typeface="Arial" panose="020B0604020202020204" pitchFamily="34" charset="0"/>
+                <a:cs typeface="Arial" panose="020B0604020202020204" pitchFamily="34" charset="0"/>
+                <a:hlinkClick r:id="rId2"/>
+              </a:rPr>
+              <a:t>Objectives</a:t>
+            </a:r>
+            <a:endParaRPr lang="en-US" spc="-1" dirty="0">
+              <a:solidFill>
+                <a:srgbClr val="000000"/>
+              </a:solidFill>
+              <a:latin typeface="Arial" panose="020B0604020202020204" pitchFamily="34" charset="0"/>
+              <a:cs typeface="Arial" panose="020B0604020202020204" pitchFamily="34" charset="0"/>
             </a:endParaRPr>
           </a:p>
         </p:txBody>
@@ -17283,7 +17335,7 @@
       </p:grpSpPr>
       <p:sp>
         <p:nvSpPr>
-          <p:cNvPr id="180" name="TextShape 1"/>
+          <p:cNvPr id="189" name="TextShape 1"/>
           <p:cNvSpPr txBox="1"/>
           <p:nvPr/>
         </p:nvSpPr>
@@ -17312,34 +17364,36 @@
               </a:lnSpc>
             </a:pPr>
             <a:r>
-              <a:rPr lang="en-US" sz="3000" b="0" strike="noStrike" spc="-1" dirty="0">
+              <a:rPr lang="en-US" sz="2800" b="0" strike="noStrike" spc="-1" dirty="0" smtClean="0">
                 <a:solidFill>
                   <a:srgbClr val="262626"/>
                 </a:solidFill>
-                <a:latin typeface="+mj-lt"/>
+                <a:latin typeface="Arial" panose="020B0604020202020204" pitchFamily="34" charset="0"/>
                 <a:ea typeface="Gill Sans"/>
-              </a:rPr>
-              <a:t>Dependencies</a:t>
-            </a:r>
-            <a:endParaRPr lang="en-US" sz="3000" b="0" strike="noStrike" spc="-1" dirty="0">
-              <a:solidFill>
-                <a:srgbClr val="000000"/>
-              </a:solidFill>
-              <a:latin typeface="+mj-lt"/>
-            </a:endParaRPr>
-          </a:p>
-        </p:txBody>
-      </p:sp>
-      <p:sp>
-        <p:nvSpPr>
-          <p:cNvPr id="181" name="TextShape 2"/>
+                <a:cs typeface="Arial" panose="020B0604020202020204" pitchFamily="34" charset="0"/>
+              </a:rPr>
+              <a:t>Explorer – Extenders Conformance Criteria</a:t>
+            </a:r>
+            <a:endParaRPr lang="en-US" sz="2800" b="0" strike="noStrike" spc="-1" dirty="0">
+              <a:solidFill>
+                <a:srgbClr val="000000"/>
+              </a:solidFill>
+              <a:latin typeface="Arial" panose="020B0604020202020204" pitchFamily="34" charset="0"/>
+              <a:cs typeface="Arial" panose="020B0604020202020204" pitchFamily="34" charset="0"/>
+            </a:endParaRPr>
+          </a:p>
+        </p:txBody>
+      </p:sp>
+      <p:sp>
+        <p:nvSpPr>
+          <p:cNvPr id="190" name="TextShape 2"/>
           <p:cNvSpPr txBox="1"/>
           <p:nvPr/>
         </p:nvSpPr>
         <p:spPr>
           <a:xfrm>
-            <a:off x="306360" y="774000"/>
-            <a:ext cx="8368920" cy="4147560"/>
+            <a:off x="336600" y="686492"/>
+            <a:ext cx="8349840" cy="4177800"/>
           </a:xfrm>
           <a:prstGeom prst="rect">
             <a:avLst/>
@@ -17369,27 +17423,39 @@
               <a:buChar char="•"/>
             </a:pPr>
             <a:r>
-              <a:rPr lang="en-US" sz="2000" strike="noStrike" spc="-1" dirty="0">
+              <a:rPr lang="en-US" sz="2000" spc="-1" dirty="0">
                 <a:solidFill>
                   <a:srgbClr val="000000"/>
                 </a:solidFill>
                 <a:latin typeface="+mj-lt"/>
-                <a:ea typeface="Gill Sans"/>
-                <a:cs typeface="Gill Sans" panose="020B0502020104020203" pitchFamily="34" charset="-79"/>
-              </a:rPr>
-              <a:t>As High Availability Theme moving to implementation stage, will need many su</a:t>
-            </a:r>
-            <a:r>
-              <a:rPr lang="en-US" sz="2000" spc="-1" dirty="0">
+              </a:rPr>
+              <a:t>Continue work on extensibility API and conformance </a:t>
+            </a:r>
+            <a:r>
+              <a:rPr lang="en-US" sz="2000" spc="-1" dirty="0" smtClean="0">
                 <a:solidFill>
                   <a:srgbClr val="000000"/>
                 </a:solidFill>
                 <a:latin typeface="+mj-lt"/>
-                <a:ea typeface="Gill Sans"/>
-                <a:cs typeface="Gill Sans" panose="020B0502020104020203" pitchFamily="34" charset="-79"/>
-              </a:rPr>
-              <a:t>pports from other squads like PI3:</a:t>
-            </a:r>
+              </a:rPr>
+              <a:t>rules </a:t>
+            </a:r>
+            <a:r>
+              <a:rPr lang="en-US" sz="2000" spc="-1" dirty="0" smtClean="0">
+                <a:solidFill>
+                  <a:srgbClr val="000000"/>
+                </a:solidFill>
+                <a:latin typeface="+mj-lt"/>
+                <a:hlinkClick r:id="rId2"/>
+              </a:rPr>
+              <a:t>#837</a:t>
+            </a:r>
+            <a:endParaRPr lang="en-US" sz="2000" spc="-1" dirty="0" smtClean="0">
+              <a:solidFill>
+                <a:srgbClr val="000000"/>
+              </a:solidFill>
+              <a:latin typeface="+mj-lt"/>
+            </a:endParaRPr>
           </a:p>
           <a:p>
             <a:pPr marL="914400" lvl="1" indent="-355320">
@@ -17403,14 +17469,22 @@
               <a:buChar char="•"/>
             </a:pPr>
             <a:r>
-              <a:rPr lang="en-US" sz="2000" strike="noStrike" spc="-1" dirty="0">
+              <a:rPr lang="en-US" sz="2000" spc="-1" dirty="0">
                 <a:solidFill>
                   <a:srgbClr val="000000"/>
                 </a:solidFill>
                 <a:latin typeface="+mj-lt"/>
-                <a:cs typeface="Gill Sans" panose="020B0502020104020203" pitchFamily="34" charset="-79"/>
-              </a:rPr>
-              <a:t>API ML Squad </a:t>
+              </a:rPr>
+              <a:t>Refactor </a:t>
+            </a:r>
+            <a:r>
+              <a:rPr lang="en-US" sz="2000" spc="-1" dirty="0" err="1">
+                <a:solidFill>
+                  <a:srgbClr val="000000"/>
+                </a:solidFill>
+                <a:latin typeface="+mj-lt"/>
+              </a:rPr>
+              <a:t>api</a:t>
             </a:r>
             <a:r>
               <a:rPr lang="en-US" sz="2000" spc="-1" dirty="0">
@@ -17418,36 +17492,32 @@
                   <a:srgbClr val="000000"/>
                 </a:solidFill>
                 <a:latin typeface="+mj-lt"/>
-                <a:cs typeface="Gill Sans" panose="020B0502020104020203" pitchFamily="34" charset="-79"/>
-              </a:rPr>
-              <a:t>–</a:t>
-            </a:r>
-            <a:r>
-              <a:rPr lang="en-US" sz="2000" strike="noStrike" spc="-1" dirty="0">
+              </a:rPr>
+              <a:t> code (profile loading, secure creds </a:t>
+            </a:r>
+            <a:r>
+              <a:rPr lang="en-US" sz="2000" spc="-1" dirty="0" err="1">
                 <a:solidFill>
                   <a:srgbClr val="000000"/>
                 </a:solidFill>
                 <a:latin typeface="+mj-lt"/>
-                <a:cs typeface="Gill Sans" panose="020B0502020104020203" pitchFamily="34" charset="-79"/>
-              </a:rPr>
-              <a:t> Caching API,  APIML packaging, certificates, </a:t>
-            </a:r>
-            <a:r>
-              <a:rPr lang="en-US" sz="2000" strike="noStrike" spc="-1" dirty="0" err="1">
+              </a:rPr>
+              <a:t>init</a:t>
+            </a:r>
+            <a:r>
+              <a:rPr lang="en-US" sz="2000" spc="-1" dirty="0">
                 <a:solidFill>
                   <a:srgbClr val="000000"/>
                 </a:solidFill>
                 <a:latin typeface="+mj-lt"/>
-                <a:cs typeface="Gill Sans" panose="020B0502020104020203" pitchFamily="34" charset="-79"/>
-              </a:rPr>
-              <a:t>etc</a:t>
-            </a:r>
-            <a:endParaRPr lang="en-US" sz="2000" strike="noStrike" spc="-1" dirty="0">
+              </a:rPr>
+              <a:t>, remove UI code) </a:t>
+            </a:r>
+            <a:endParaRPr lang="en-US" sz="2000" spc="-1" dirty="0" smtClean="0">
               <a:solidFill>
                 <a:srgbClr val="000000"/>
               </a:solidFill>
               <a:latin typeface="+mj-lt"/>
-              <a:cs typeface="Gill Sans" panose="020B0502020104020203" pitchFamily="34" charset="-79"/>
             </a:endParaRPr>
           </a:p>
           <a:p>
@@ -17462,14 +17532,185 @@
               <a:buChar char="•"/>
             </a:pPr>
             <a:r>
+              <a:rPr lang="en-US" sz="2000" spc="-1" dirty="0" smtClean="0">
+                <a:solidFill>
+                  <a:srgbClr val="000000"/>
+                </a:solidFill>
+                <a:latin typeface="+mj-lt"/>
+              </a:rPr>
+              <a:t>API </a:t>
+            </a:r>
+            <a:r>
               <a:rPr lang="en-US" sz="2000" spc="-1" dirty="0">
                 <a:solidFill>
                   <a:srgbClr val="000000"/>
                 </a:solidFill>
                 <a:latin typeface="+mj-lt"/>
-                <a:cs typeface="Gill Sans" panose="020B0502020104020203" pitchFamily="34" charset="-79"/>
-              </a:rPr>
-              <a:t>Web UI Squad – Zowe Launcher, ZSS/ZIS improvements</a:t>
+              </a:rPr>
+              <a:t>governance for </a:t>
+            </a:r>
+            <a:r>
+              <a:rPr lang="en-US" sz="2000" spc="-1" dirty="0" err="1">
+                <a:solidFill>
+                  <a:srgbClr val="000000"/>
+                </a:solidFill>
+                <a:latin typeface="+mj-lt"/>
+              </a:rPr>
+              <a:t>Zowe</a:t>
+            </a:r>
+            <a:r>
+              <a:rPr lang="en-US" sz="2000" spc="-1" dirty="0">
+                <a:solidFill>
+                  <a:srgbClr val="000000"/>
+                </a:solidFill>
+                <a:latin typeface="+mj-lt"/>
+              </a:rPr>
+              <a:t> committers (explore automation: e.g. search for the string “</a:t>
+            </a:r>
+            <a:r>
+              <a:rPr lang="en-US" sz="2000" spc="-1" dirty="0" err="1">
+                <a:solidFill>
+                  <a:srgbClr val="000000"/>
+                </a:solidFill>
+                <a:latin typeface="+mj-lt"/>
+              </a:rPr>
+              <a:t>zosmf</a:t>
+            </a:r>
+            <a:r>
+              <a:rPr lang="en-US" sz="2000" spc="-1" dirty="0">
+                <a:solidFill>
+                  <a:srgbClr val="000000"/>
+                </a:solidFill>
+                <a:latin typeface="+mj-lt"/>
+              </a:rPr>
+              <a:t>”, perhaps via </a:t>
+            </a:r>
+            <a:r>
+              <a:rPr lang="en-US" sz="2000" spc="-1" dirty="0" err="1">
+                <a:solidFill>
+                  <a:srgbClr val="000000"/>
+                </a:solidFill>
+                <a:latin typeface="+mj-lt"/>
+              </a:rPr>
+              <a:t>ESLint</a:t>
+            </a:r>
+            <a:r>
+              <a:rPr lang="en-US" sz="2000" spc="-1" dirty="0" smtClean="0">
+                <a:solidFill>
+                  <a:srgbClr val="000000"/>
+                </a:solidFill>
+                <a:latin typeface="+mj-lt"/>
+              </a:rPr>
+              <a:t>)</a:t>
+            </a:r>
+            <a:endParaRPr lang="en-US" sz="2000" spc="-1" dirty="0">
+              <a:solidFill>
+                <a:srgbClr val="000000"/>
+              </a:solidFill>
+              <a:latin typeface="+mj-lt"/>
+            </a:endParaRPr>
+          </a:p>
+          <a:p>
+            <a:pPr marL="457200" indent="-355320">
+              <a:spcBef>
+                <a:spcPts val="400"/>
+              </a:spcBef>
+              <a:buClr>
+                <a:srgbClr val="000000"/>
+              </a:buClr>
+              <a:buFont typeface="Arial"/>
+              <a:buChar char="•"/>
+            </a:pPr>
+            <a:r>
+              <a:rPr lang="en-US" sz="2000" spc="-1" dirty="0" smtClean="0">
+                <a:solidFill>
+                  <a:srgbClr val="000000"/>
+                </a:solidFill>
+                <a:latin typeface="+mj-lt"/>
+              </a:rPr>
+              <a:t>Code </a:t>
+            </a:r>
+            <a:r>
+              <a:rPr lang="en-US" sz="2000" spc="-1" dirty="0">
+                <a:solidFill>
+                  <a:srgbClr val="000000"/>
+                </a:solidFill>
+                <a:latin typeface="+mj-lt"/>
+              </a:rPr>
+              <a:t>formatting and </a:t>
+            </a:r>
+            <a:r>
+              <a:rPr lang="en-US" sz="2000" spc="-1" dirty="0" err="1" smtClean="0">
+                <a:solidFill>
+                  <a:srgbClr val="000000"/>
+                </a:solidFill>
+                <a:latin typeface="+mj-lt"/>
+              </a:rPr>
+              <a:t>linting</a:t>
+            </a:r>
+            <a:r>
+              <a:rPr lang="en-US" sz="2000" spc="-1" dirty="0" smtClean="0">
+                <a:solidFill>
+                  <a:srgbClr val="000000"/>
+                </a:solidFill>
+                <a:latin typeface="+mj-lt"/>
+              </a:rPr>
+              <a:t> </a:t>
+            </a:r>
+            <a:r>
+              <a:rPr lang="en-US" sz="2000" spc="-1" dirty="0" smtClean="0">
+                <a:solidFill>
+                  <a:srgbClr val="000000"/>
+                </a:solidFill>
+                <a:latin typeface="+mj-lt"/>
+                <a:hlinkClick r:id="rId3"/>
+              </a:rPr>
+              <a:t>#438</a:t>
+            </a:r>
+            <a:endParaRPr lang="en-US" sz="2000" spc="-1" dirty="0">
+              <a:solidFill>
+                <a:srgbClr val="000000"/>
+              </a:solidFill>
+              <a:latin typeface="+mj-lt"/>
+            </a:endParaRPr>
+          </a:p>
+          <a:p>
+            <a:pPr marL="457200" indent="-355320">
+              <a:spcBef>
+                <a:spcPts val="400"/>
+              </a:spcBef>
+              <a:buClr>
+                <a:srgbClr val="000000"/>
+              </a:buClr>
+              <a:buFont typeface="Arial"/>
+              <a:buChar char="•"/>
+            </a:pPr>
+            <a:r>
+              <a:rPr lang="en-US" sz="2000" spc="-1" dirty="0" smtClean="0">
+                <a:solidFill>
+                  <a:srgbClr val="000000"/>
+                </a:solidFill>
+                <a:latin typeface="+mj-lt"/>
+              </a:rPr>
+              <a:t>Ensure </a:t>
+            </a:r>
+            <a:r>
+              <a:rPr lang="en-US" sz="2000" spc="-1" dirty="0">
+                <a:solidFill>
+                  <a:srgbClr val="000000"/>
+                </a:solidFill>
+                <a:latin typeface="+mj-lt"/>
+              </a:rPr>
+              <a:t>consistency for </a:t>
+            </a:r>
+            <a:r>
+              <a:rPr lang="en-US" sz="2000" spc="-1" dirty="0" smtClean="0">
+                <a:solidFill>
+                  <a:srgbClr val="000000"/>
+                </a:solidFill>
+                <a:latin typeface="+mj-lt"/>
+              </a:rPr>
+              <a:t>extenders</a:t>
             </a:r>
           </a:p>
           <a:p>
@@ -17484,14 +17725,22 @@
               <a:buChar char="•"/>
             </a:pPr>
             <a:r>
-              <a:rPr lang="en-US" sz="2000" strike="noStrike" spc="-1" dirty="0">
+              <a:rPr lang="en-US" sz="2000" spc="-1" dirty="0">
                 <a:solidFill>
                   <a:srgbClr val="000000"/>
                 </a:solidFill>
                 <a:latin typeface="+mj-lt"/>
-                <a:cs typeface="Gill Sans" panose="020B0502020104020203" pitchFamily="34" charset="-79"/>
-              </a:rPr>
-              <a:t>Docs Squad </a:t>
+              </a:rPr>
+              <a:t>MVS </a:t>
+            </a:r>
+            <a:r>
+              <a:rPr lang="en-US" sz="2000" spc="-1" dirty="0" smtClean="0">
+                <a:solidFill>
+                  <a:srgbClr val="000000"/>
+                </a:solidFill>
+                <a:latin typeface="+mj-lt"/>
+              </a:rPr>
+              <a:t>functionality for </a:t>
             </a:r>
             <a:r>
               <a:rPr lang="en-US" sz="2000" spc="-1" dirty="0">
@@ -17499,81 +17748,34 @@
                   <a:srgbClr val="000000"/>
                 </a:solidFill>
                 <a:latin typeface="+mj-lt"/>
-                <a:cs typeface="Gill Sans" panose="020B0502020104020203" pitchFamily="34" charset="-79"/>
-              </a:rPr>
-              <a:t>–</a:t>
-            </a:r>
-            <a:r>
-              <a:rPr lang="en-US" sz="2000" strike="noStrike" spc="-1" dirty="0">
+              </a:rPr>
+              <a:t>FTP </a:t>
+            </a:r>
+            <a:r>
+              <a:rPr lang="en-US" sz="2000" spc="-1" dirty="0" smtClean="0">
                 <a:solidFill>
                   <a:srgbClr val="000000"/>
                 </a:solidFill>
                 <a:latin typeface="+mj-lt"/>
-                <a:cs typeface="Gill Sans" panose="020B0502020104020203" pitchFamily="34" charset="-79"/>
-              </a:rPr>
-              <a:t> improve documentation</a:t>
-            </a:r>
-          </a:p>
-          <a:p>
-            <a:pPr marL="457200" indent="-355320">
-              <a:spcBef>
-                <a:spcPts val="400"/>
-              </a:spcBef>
-              <a:buClr>
-                <a:srgbClr val="000000"/>
-              </a:buClr>
-              <a:buFont typeface="Arial"/>
-              <a:buChar char="•"/>
-            </a:pPr>
+              </a:rPr>
+              <a:t>Package </a:t>
+            </a:r>
+            <a:r>
+              <a:rPr lang="en-US" sz="2000" spc="-1" dirty="0" smtClean="0">
+                <a:solidFill>
+                  <a:srgbClr val="000000"/>
+                </a:solidFill>
+                <a:latin typeface="+mj-lt"/>
+                <a:hlinkClick r:id="rId4"/>
+              </a:rPr>
+              <a:t>#1027</a:t>
+            </a:r>
             <a:endParaRPr lang="en-US" sz="2000" spc="-1" dirty="0">
               <a:solidFill>
                 <a:srgbClr val="000000"/>
               </a:solidFill>
               <a:latin typeface="+mj-lt"/>
-              <a:cs typeface="Gill Sans" panose="020B0502020104020203" pitchFamily="34" charset="-79"/>
-            </a:endParaRPr>
-          </a:p>
-          <a:p>
-            <a:pPr marL="457200" indent="-355320">
-              <a:spcBef>
-                <a:spcPts val="400"/>
-              </a:spcBef>
-              <a:buClr>
-                <a:srgbClr val="000000"/>
-              </a:buClr>
-              <a:buFont typeface="Arial"/>
-              <a:buChar char="•"/>
-            </a:pPr>
-            <a:r>
-              <a:rPr lang="en-US" sz="2000" strike="noStrike" spc="-1" dirty="0">
-                <a:solidFill>
-                  <a:srgbClr val="000000"/>
-                </a:solidFill>
-                <a:latin typeface="+mj-lt"/>
-                <a:cs typeface="Gill Sans" panose="020B0502020104020203" pitchFamily="34" charset="-79"/>
-              </a:rPr>
-              <a:t>Risks </a:t>
-            </a:r>
-            <a:r>
-              <a:rPr lang="en-US" sz="2000" spc="-1" dirty="0">
-                <a:solidFill>
-                  <a:srgbClr val="000000"/>
-                </a:solidFill>
-                <a:latin typeface="+mj-lt"/>
-                <a:cs typeface="Gill Sans" panose="020B0502020104020203" pitchFamily="34" charset="-79"/>
-              </a:rPr>
-              <a:t>on </a:t>
-            </a:r>
-            <a:r>
-              <a:rPr lang="en-US" sz="2000" strike="noStrike" spc="-1" dirty="0">
-                <a:solidFill>
-                  <a:srgbClr val="000000"/>
-                </a:solidFill>
-                <a:latin typeface="+mj-lt"/>
-                <a:cs typeface="Gill Sans" panose="020B0502020104020203" pitchFamily="34" charset="-79"/>
-              </a:rPr>
-              <a:t>Infrastructure</a:t>
-            </a:r>
+            </a:endParaRPr>
           </a:p>
           <a:p>
             <a:pPr marL="914400" lvl="1" indent="-355320">
@@ -17587,65 +17789,48 @@
               <a:buChar char="•"/>
             </a:pPr>
             <a:r>
-              <a:rPr lang="en-US" sz="2000" strike="noStrike" spc="-1" dirty="0">
+              <a:rPr lang="en-US" sz="2000" spc="-1" dirty="0">
                 <a:solidFill>
                   <a:srgbClr val="000000"/>
                 </a:solidFill>
                 <a:latin typeface="+mj-lt"/>
-                <a:cs typeface="Gill Sans" panose="020B0502020104020203" pitchFamily="34" charset="-79"/>
-              </a:rPr>
-              <a:t>We don’t have open infrastructure to </a:t>
-            </a:r>
-            <a:r>
-              <a:rPr lang="en-US" sz="2000" spc="-1" dirty="0">
+              </a:rPr>
+              <a:t>Test automation for FTP </a:t>
+            </a:r>
+            <a:r>
+              <a:rPr lang="en-US" sz="2000" spc="-1" dirty="0" smtClean="0">
                 <a:solidFill>
                   <a:srgbClr val="000000"/>
                 </a:solidFill>
                 <a:latin typeface="+mj-lt"/>
-                <a:cs typeface="Gill Sans" panose="020B0502020104020203" pitchFamily="34" charset="-79"/>
-              </a:rPr>
-              <a:t>test deployment on Sysplex.</a:t>
-            </a:r>
-            <a:endParaRPr lang="en-US" sz="2000" strike="noStrike" spc="-1" dirty="0">
+              </a:rPr>
+              <a:t>package </a:t>
+            </a:r>
+            <a:r>
+              <a:rPr lang="en-US" sz="2000" spc="-1" dirty="0" smtClean="0">
+                <a:solidFill>
+                  <a:srgbClr val="000000"/>
+                </a:solidFill>
+                <a:latin typeface="+mj-lt"/>
+                <a:hlinkClick r:id="rId5"/>
+              </a:rPr>
+              <a:t>#1028</a:t>
+            </a:r>
+            <a:endParaRPr lang="en-US" sz="2000" b="0" strike="noStrike" spc="-1" dirty="0">
               <a:solidFill>
                 <a:srgbClr val="000000"/>
               </a:solidFill>
               <a:latin typeface="+mj-lt"/>
-              <a:cs typeface="Gill Sans" panose="020B0502020104020203" pitchFamily="34" charset="-79"/>
-            </a:endParaRPr>
-          </a:p>
-          <a:p>
-            <a:pPr marL="914400" lvl="1" indent="-355320">
-              <a:spcBef>
-                <a:spcPts val="400"/>
-              </a:spcBef>
-              <a:buClr>
-                <a:srgbClr val="000000"/>
-              </a:buClr>
-              <a:buFont typeface="Arial"/>
-              <a:buChar char="•"/>
-            </a:pPr>
-            <a:r>
-              <a:rPr lang="en-US" sz="2000" spc="-1" dirty="0">
-                <a:solidFill>
-                  <a:srgbClr val="000000"/>
-                </a:solidFill>
-                <a:latin typeface="+mj-lt"/>
-                <a:cs typeface="Gill Sans" panose="020B0502020104020203" pitchFamily="34" charset="-79"/>
-              </a:rPr>
-              <a:t>Will rely on Broadcom’s experts and supports to verify deployment  on Sysplex with ACF2 and Top Secret.</a:t>
-            </a:r>
-            <a:endParaRPr lang="en-US" sz="2000" strike="noStrike" spc="-1" dirty="0">
-              <a:solidFill>
-                <a:srgbClr val="000000"/>
-              </a:solidFill>
-              <a:latin typeface="+mj-lt"/>
-              <a:cs typeface="Gill Sans" panose="020B0502020104020203" pitchFamily="34" charset="-79"/>
             </a:endParaRPr>
           </a:p>
         </p:txBody>
       </p:sp>
     </p:spTree>
+    <p:extLst>
+      <p:ext uri="{BB962C8B-B14F-4D97-AF65-F5344CB8AC3E}">
+        <p14:creationId xmlns:p14="http://schemas.microsoft.com/office/powerpoint/2010/main" val="3345553095"/>
+      </p:ext>
+    </p:extLst>
   </p:cSld>
   <p:clrMapOvr>
     <a:masterClrMapping/>
@@ -17702,7 +17887,7 @@
       </p:grpSpPr>
       <p:sp>
         <p:nvSpPr>
-          <p:cNvPr id="182" name="TextShape 1"/>
+          <p:cNvPr id="189" name="TextShape 1"/>
           <p:cNvSpPr txBox="1"/>
           <p:nvPr/>
         </p:nvSpPr>
@@ -17731,34 +17916,36 @@
               </a:lnSpc>
             </a:pPr>
             <a:r>
-              <a:rPr lang="en-US" sz="3000" spc="-1" dirty="0">
+              <a:rPr lang="en-US" sz="2800" b="0" strike="noStrike" spc="-1" dirty="0" smtClean="0">
                 <a:solidFill>
                   <a:srgbClr val="262626"/>
                 </a:solidFill>
-                <a:latin typeface="+mj-lt"/>
+                <a:latin typeface="Arial" panose="020B0604020202020204" pitchFamily="34" charset="0"/>
                 <a:ea typeface="Gill Sans"/>
-              </a:rPr>
-              <a:t>Performance - Enhance Test Coverage</a:t>
-            </a:r>
-            <a:endParaRPr lang="en-US" sz="3000" b="0" strike="noStrike" spc="-1" dirty="0">
-              <a:solidFill>
-                <a:srgbClr val="000000"/>
-              </a:solidFill>
-              <a:latin typeface="+mj-lt"/>
-            </a:endParaRPr>
-          </a:p>
-        </p:txBody>
-      </p:sp>
-      <p:sp>
-        <p:nvSpPr>
-          <p:cNvPr id="183" name="TextShape 2"/>
+                <a:cs typeface="Arial" panose="020B0604020202020204" pitchFamily="34" charset="0"/>
+              </a:rPr>
+              <a:t>Explorer – Improve User Experience</a:t>
+            </a:r>
+            <a:endParaRPr lang="en-US" sz="2800" b="0" strike="noStrike" spc="-1" dirty="0">
+              <a:solidFill>
+                <a:srgbClr val="000000"/>
+              </a:solidFill>
+              <a:latin typeface="Arial" panose="020B0604020202020204" pitchFamily="34" charset="0"/>
+              <a:cs typeface="Arial" panose="020B0604020202020204" pitchFamily="34" charset="0"/>
+            </a:endParaRPr>
+          </a:p>
+        </p:txBody>
+      </p:sp>
+      <p:sp>
+        <p:nvSpPr>
+          <p:cNvPr id="190" name="TextShape 2"/>
           <p:cNvSpPr txBox="1"/>
           <p:nvPr/>
         </p:nvSpPr>
         <p:spPr>
           <a:xfrm>
-            <a:off x="405518" y="774000"/>
-            <a:ext cx="8554608" cy="4147560"/>
+            <a:off x="336600" y="672825"/>
+            <a:ext cx="8349840" cy="4177800"/>
           </a:xfrm>
           <a:prstGeom prst="rect">
             <a:avLst/>
@@ -17774,274 +17961,398 @@
           </a:bodyPr>
           <a:lstStyle/>
           <a:p>
-            <a:pPr marL="101520">
+            <a:pPr marL="457200" indent="-355320">
               <a:lnSpc>
                 <a:spcPct val="100000"/>
               </a:lnSpc>
               <a:spcBef>
                 <a:spcPts val="400"/>
               </a:spcBef>
-            </a:pPr>
+              <a:buClr>
+                <a:srgbClr val="000000"/>
+              </a:buClr>
+              <a:buFont typeface="Arial"/>
+              <a:buChar char="•"/>
+            </a:pPr>
+            <a:r>
+              <a:rPr lang="en-US" sz="2000" spc="-1" dirty="0" smtClean="0">
+                <a:solidFill>
+                  <a:srgbClr val="000000"/>
+                </a:solidFill>
+                <a:latin typeface="+mj-lt"/>
+              </a:rPr>
+              <a:t>Profile </a:t>
+            </a:r>
             <a:r>
               <a:rPr lang="en-US" sz="2000" spc="-1" dirty="0">
+                <a:solidFill>
+                  <a:srgbClr val="000000"/>
+                </a:solidFill>
                 <a:latin typeface="+mj-lt"/>
-                <a:ea typeface="Gill Sans"/>
-                <a:hlinkClick r:id="rId3"/>
-              </a:rPr>
-              <a:t>Epic: Zowe Performance Test - Stage 2 - Enhance Test Coverage (2020PI4)</a:t>
-            </a:r>
-            <a:endParaRPr lang="en-US" sz="2000" spc="-1" dirty="0">
+              </a:rPr>
+              <a:t>manager </a:t>
+            </a:r>
+            <a:r>
+              <a:rPr lang="en-US" sz="2000" spc="-1" dirty="0" smtClean="0">
+                <a:solidFill>
+                  <a:srgbClr val="000000"/>
+                </a:solidFill>
+                <a:latin typeface="+mj-lt"/>
+              </a:rPr>
+              <a:t>development </a:t>
+            </a:r>
+            <a:r>
+              <a:rPr lang="en-US" sz="2000" spc="-1" dirty="0" smtClean="0">
+                <a:solidFill>
+                  <a:srgbClr val="000000"/>
+                </a:solidFill>
+                <a:latin typeface="+mj-lt"/>
+                <a:hlinkClick r:id="rId2"/>
+              </a:rPr>
+              <a:t>#423</a:t>
+            </a:r>
+            <a:endParaRPr lang="en-US" sz="2000" spc="-1" dirty="0" smtClean="0">
+              <a:solidFill>
+                <a:srgbClr val="000000"/>
+              </a:solidFill>
               <a:latin typeface="+mj-lt"/>
-              <a:ea typeface="Gill Sans"/>
-            </a:endParaRPr>
-          </a:p>
-          <a:p>
-            <a:pPr marL="101520">
+            </a:endParaRPr>
+          </a:p>
+          <a:p>
+            <a:pPr marL="457200" indent="-355320">
               <a:lnSpc>
                 <a:spcPct val="100000"/>
               </a:lnSpc>
               <a:spcBef>
                 <a:spcPts val="400"/>
               </a:spcBef>
-            </a:pPr>
-            <a:endParaRPr lang="en-US" sz="1000" spc="-1" dirty="0">
+              <a:buClr>
+                <a:srgbClr val="000000"/>
+              </a:buClr>
+              <a:buFont typeface="Arial"/>
+              <a:buChar char="•"/>
+            </a:pPr>
+            <a:r>
+              <a:rPr lang="en-US" sz="2000" spc="-1" dirty="0" smtClean="0">
+                <a:solidFill>
+                  <a:srgbClr val="000000"/>
+                </a:solidFill>
+                <a:latin typeface="+mj-lt"/>
+              </a:rPr>
+              <a:t>Profile type annotation </a:t>
+            </a:r>
+            <a:r>
+              <a:rPr lang="en-US" sz="2000" spc="-1" dirty="0" smtClean="0">
+                <a:solidFill>
+                  <a:srgbClr val="000000"/>
+                </a:solidFill>
+                <a:latin typeface="+mj-lt"/>
+                <a:hlinkClick r:id="rId3"/>
+              </a:rPr>
+              <a:t>#1025</a:t>
+            </a:r>
+            <a:endParaRPr lang="en-US" sz="2000" spc="-1" dirty="0" smtClean="0">
+              <a:solidFill>
+                <a:srgbClr val="000000"/>
+              </a:solidFill>
               <a:latin typeface="+mj-lt"/>
-              <a:ea typeface="Gill Sans"/>
-            </a:endParaRPr>
-          </a:p>
-          <a:p>
-            <a:pPr marL="444420" indent="-342900">
+            </a:endParaRPr>
+          </a:p>
+          <a:p>
+            <a:pPr marL="457200" indent="-355320">
               <a:lnSpc>
                 <a:spcPct val="100000"/>
               </a:lnSpc>
               <a:spcBef>
                 <a:spcPts val="400"/>
               </a:spcBef>
-              <a:buFont typeface="Wingdings" pitchFamily="2" charset="2"/>
-              <a:buChar char="Ø"/>
+              <a:buClr>
+                <a:srgbClr val="000000"/>
+              </a:buClr>
+              <a:buFont typeface="Arial"/>
+              <a:buChar char="•"/>
             </a:pPr>
             <a:r>
               <a:rPr lang="en-US" sz="2000" spc="-1" dirty="0">
+                <a:solidFill>
+                  <a:srgbClr val="000000"/>
+                </a:solidFill>
                 <a:latin typeface="+mj-lt"/>
-                <a:ea typeface="Gill Sans"/>
-              </a:rPr>
-              <a:t>Finalize primary and component-level test suites </a:t>
-            </a:r>
-            <a:r>
-              <a:rPr lang="en-US" sz="1050" i="1" spc="-1" dirty="0">
-                <a:solidFill>
-                  <a:schemeClr val="tx1">
-                    <a:lumMod val="50000"/>
-                    <a:lumOff val="50000"/>
-                  </a:schemeClr>
+              </a:rPr>
+              <a:t>Filter partitioned data sets by </a:t>
+            </a:r>
+            <a:r>
+              <a:rPr lang="en-US" sz="2000" spc="-1" dirty="0" smtClean="0">
+                <a:solidFill>
+                  <a:srgbClr val="000000"/>
                 </a:solidFill>
                 <a:latin typeface="+mj-lt"/>
-                <a:ea typeface="Gill Sans"/>
-              </a:rPr>
-              <a:t>Continue item from PI3</a:t>
-            </a:r>
-            <a:endParaRPr lang="en-US" sz="2000" i="1" spc="-1" dirty="0">
-              <a:solidFill>
-                <a:schemeClr val="tx1">
-                  <a:lumMod val="50000"/>
-                  <a:lumOff val="50000"/>
-                </a:schemeClr>
+              </a:rPr>
+              <a:t>pattern </a:t>
+            </a:r>
+            <a:r>
+              <a:rPr lang="en-US" sz="2000" spc="-1" dirty="0" smtClean="0">
+                <a:solidFill>
+                  <a:srgbClr val="000000"/>
+                </a:solidFill>
+                <a:latin typeface="+mj-lt"/>
+                <a:hlinkClick r:id="rId4"/>
+              </a:rPr>
+              <a:t>#868</a:t>
+            </a:r>
+            <a:endParaRPr lang="en-US" sz="2000" spc="-1" dirty="0" smtClean="0">
+              <a:solidFill>
+                <a:srgbClr val="000000"/>
               </a:solidFill>
               <a:latin typeface="+mj-lt"/>
-              <a:ea typeface="Gill Sans"/>
-            </a:endParaRPr>
-          </a:p>
-          <a:p>
-            <a:pPr marL="901620" lvl="1" indent="-342900">
-              <a:spcBef>
-                <a:spcPts val="400"/>
-              </a:spcBef>
-              <a:buFont typeface="Wingdings" pitchFamily="2" charset="2"/>
-              <a:buChar char="v"/>
-            </a:pPr>
-            <a:r>
-              <a:rPr lang="en-US" sz="2000" spc="-1" dirty="0">
-                <a:latin typeface="+mj-lt"/>
-                <a:ea typeface="Gill Sans"/>
-                <a:hlinkClick r:id="rId4"/>
-              </a:rPr>
-              <a:t>Create primary performance test suite</a:t>
-            </a:r>
-            <a:endParaRPr lang="en-US" sz="2000" spc="-1" dirty="0">
-              <a:latin typeface="+mj-lt"/>
-              <a:ea typeface="Gill Sans"/>
-            </a:endParaRPr>
-          </a:p>
-          <a:p>
-            <a:pPr marL="901620" lvl="1" indent="-342900">
-              <a:spcBef>
-                <a:spcPts val="400"/>
-              </a:spcBef>
-              <a:buFont typeface="Wingdings" pitchFamily="2" charset="2"/>
-              <a:buChar char="v"/>
-            </a:pPr>
-            <a:r>
-              <a:rPr lang="en-US" sz="2000" spc="-1" dirty="0">
-                <a:latin typeface="+mj-lt"/>
-                <a:ea typeface="Gill Sans"/>
-                <a:hlinkClick r:id="rId5"/>
-              </a:rPr>
-              <a:t>Create dedicated performance test suite for APIML</a:t>
-            </a:r>
-            <a:endParaRPr lang="en-US" sz="2000" spc="-1" dirty="0">
-              <a:latin typeface="+mj-lt"/>
-              <a:ea typeface="Gill Sans"/>
-            </a:endParaRPr>
-          </a:p>
-          <a:p>
-            <a:pPr marL="901620" lvl="1" indent="-342900">
-              <a:spcBef>
-                <a:spcPts val="400"/>
-              </a:spcBef>
-              <a:buFont typeface="Wingdings" pitchFamily="2" charset="2"/>
-              <a:buChar char="v"/>
-            </a:pPr>
-            <a:r>
-              <a:rPr lang="en-US" sz="2000" spc="-1" dirty="0">
-                <a:latin typeface="+mj-lt"/>
-                <a:ea typeface="Gill Sans"/>
-                <a:hlinkClick r:id="rId6"/>
-              </a:rPr>
-              <a:t>Create dedicated performance test suite for Explorer APIs</a:t>
-            </a:r>
-            <a:endParaRPr lang="en-US" sz="2000" spc="-1" dirty="0">
-              <a:latin typeface="+mj-lt"/>
-              <a:ea typeface="Gill Sans"/>
-            </a:endParaRPr>
-          </a:p>
-          <a:p>
-            <a:pPr marL="901620" lvl="1" indent="-342900">
-              <a:spcBef>
-                <a:spcPts val="400"/>
-              </a:spcBef>
-              <a:buFont typeface="Wingdings" pitchFamily="2" charset="2"/>
-              <a:buChar char="v"/>
-            </a:pPr>
-            <a:r>
-              <a:rPr lang="en-US" sz="2000" spc="-1" dirty="0">
-                <a:latin typeface="+mj-lt"/>
-                <a:ea typeface="Gill Sans"/>
-                <a:hlinkClick r:id="rId7"/>
-              </a:rPr>
-              <a:t>Create dedicated performance test suite for Desktop</a:t>
-            </a:r>
-            <a:endParaRPr lang="en-US" sz="2000" spc="-1" dirty="0">
-              <a:latin typeface="+mj-lt"/>
-              <a:ea typeface="Gill Sans"/>
-            </a:endParaRPr>
-          </a:p>
-          <a:p>
-            <a:pPr marL="444420" indent="-342900">
+            </a:endParaRPr>
+          </a:p>
+          <a:p>
+            <a:pPr marL="457200" indent="-355320">
               <a:lnSpc>
                 <a:spcPct val="100000"/>
               </a:lnSpc>
               <a:spcBef>
                 <a:spcPts val="400"/>
               </a:spcBef>
-              <a:buFont typeface="Wingdings" pitchFamily="2" charset="2"/>
-              <a:buChar char="Ø"/>
+              <a:buClr>
+                <a:srgbClr val="000000"/>
+              </a:buClr>
+              <a:buFont typeface="Arial"/>
+              <a:buChar char="•"/>
             </a:pPr>
             <a:r>
               <a:rPr lang="en-US" sz="2000" spc="-1" dirty="0">
-                <a:latin typeface="+mj-lt"/>
-                <a:ea typeface="Gill Sans"/>
-                <a:hlinkClick r:id="rId8"/>
-              </a:rPr>
-              <a:t>Create dummy server for APIML testing</a:t>
+                <a:solidFill>
+                  <a:srgbClr val="000000"/>
+                </a:solidFill>
+              </a:rPr>
+              <a:t>Refactor </a:t>
+            </a:r>
+            <a:r>
+              <a:rPr lang="en-US" sz="2000" spc="-1" dirty="0" smtClean="0">
+                <a:solidFill>
+                  <a:srgbClr val="000000"/>
+                </a:solidFill>
+              </a:rPr>
+              <a:t>profile APIs (</a:t>
+            </a:r>
+            <a:r>
+              <a:rPr lang="en-US" sz="2000" spc="-1" dirty="0" err="1" smtClean="0">
+                <a:solidFill>
+                  <a:srgbClr val="000000"/>
+                </a:solidFill>
+              </a:rPr>
+              <a:t>Profiles.ts</a:t>
+            </a:r>
+            <a:r>
+              <a:rPr lang="en-US" sz="2000" spc="-1" dirty="0" smtClean="0">
+                <a:solidFill>
+                  <a:srgbClr val="000000"/>
+                </a:solidFill>
+              </a:rPr>
+              <a:t>) </a:t>
+            </a:r>
+            <a:r>
+              <a:rPr lang="en-US" sz="2000" spc="-1" dirty="0">
+                <a:solidFill>
+                  <a:srgbClr val="000000"/>
+                </a:solidFill>
+              </a:rPr>
+              <a:t>to address significant </a:t>
+            </a:r>
+            <a:r>
+              <a:rPr lang="en-US" sz="2000" spc="-1" dirty="0" smtClean="0">
+                <a:solidFill>
+                  <a:srgbClr val="000000"/>
+                </a:solidFill>
+              </a:rPr>
+              <a:t>issues </a:t>
+            </a:r>
+            <a:r>
+              <a:rPr lang="en-US" sz="2000" spc="-1" dirty="0" smtClean="0">
+                <a:solidFill>
+                  <a:srgbClr val="000000"/>
+                </a:solidFill>
+                <a:hlinkClick r:id="rId5"/>
+              </a:rPr>
+              <a:t>#1000</a:t>
             </a:r>
             <a:endParaRPr lang="en-US" sz="2000" spc="-1" dirty="0">
-              <a:latin typeface="+mj-lt"/>
-              <a:ea typeface="Gill Sans"/>
-            </a:endParaRPr>
-          </a:p>
-          <a:p>
-            <a:pPr marL="444420" indent="-342900">
+              <a:solidFill>
+                <a:srgbClr val="000000"/>
+              </a:solidFill>
+            </a:endParaRPr>
+          </a:p>
+          <a:p>
+            <a:pPr marL="914400" lvl="1" indent="-355320">
+              <a:spcBef>
+                <a:spcPts val="400"/>
+              </a:spcBef>
+              <a:buClr>
+                <a:srgbClr val="000000"/>
+              </a:buClr>
+              <a:buFont typeface="Arial"/>
+              <a:buChar char="•"/>
+            </a:pPr>
+            <a:r>
+              <a:rPr lang="en-US" sz="2000" spc="-1" dirty="0">
+                <a:solidFill>
+                  <a:srgbClr val="000000"/>
+                </a:solidFill>
+              </a:rPr>
+              <a:t>Empty fields in profiles (user and password) </a:t>
+            </a:r>
+            <a:r>
+              <a:rPr lang="en-US" sz="2000" spc="-1" dirty="0" smtClean="0">
+                <a:solidFill>
+                  <a:srgbClr val="000000"/>
+                </a:solidFill>
+              </a:rPr>
+              <a:t>bug</a:t>
+            </a:r>
+          </a:p>
+          <a:p>
+            <a:pPr marL="914400" lvl="1" indent="-355320">
+              <a:spcBef>
+                <a:spcPts val="400"/>
+              </a:spcBef>
+              <a:buClr>
+                <a:srgbClr val="000000"/>
+              </a:buClr>
+              <a:buFont typeface="Arial"/>
+              <a:buChar char="•"/>
+            </a:pPr>
+            <a:r>
+              <a:rPr lang="en-US" sz="2000" spc="-1" dirty="0" smtClean="0">
+                <a:solidFill>
+                  <a:srgbClr val="000000"/>
+                </a:solidFill>
+              </a:rPr>
+              <a:t>First </a:t>
+            </a:r>
+            <a:r>
+              <a:rPr lang="en-US" sz="2000" spc="-1" dirty="0">
+                <a:solidFill>
+                  <a:srgbClr val="000000"/>
+                </a:solidFill>
+              </a:rPr>
+              <a:t>profile not created as </a:t>
+            </a:r>
+            <a:r>
+              <a:rPr lang="en-US" sz="2000" spc="-1" dirty="0" smtClean="0">
+                <a:solidFill>
+                  <a:srgbClr val="000000"/>
+                </a:solidFill>
+              </a:rPr>
+              <a:t>default (Impacts CLI users)</a:t>
+            </a:r>
+          </a:p>
+          <a:p>
+            <a:pPr marL="457200" indent="-355320">
+              <a:spcBef>
+                <a:spcPts val="400"/>
+              </a:spcBef>
+              <a:buClr>
+                <a:srgbClr val="000000"/>
+              </a:buClr>
+              <a:buFont typeface="Arial"/>
+              <a:buChar char="•"/>
+            </a:pPr>
+            <a:r>
+              <a:rPr lang="en-US" sz="2000" spc="-1" dirty="0" smtClean="0">
+                <a:solidFill>
+                  <a:srgbClr val="000000"/>
+                </a:solidFill>
+              </a:rPr>
+              <a:t>Filter partitioned datasets by pattern </a:t>
+            </a:r>
+            <a:r>
+              <a:rPr lang="en-US" sz="2000" spc="-1" dirty="0" smtClean="0">
+                <a:solidFill>
+                  <a:srgbClr val="000000"/>
+                </a:solidFill>
+                <a:hlinkClick r:id="rId4"/>
+              </a:rPr>
+              <a:t>#868</a:t>
+            </a:r>
+            <a:endParaRPr lang="en-US" sz="2000" spc="-1" dirty="0" smtClean="0">
+              <a:solidFill>
+                <a:srgbClr val="000000"/>
+              </a:solidFill>
+            </a:endParaRPr>
+          </a:p>
+          <a:p>
+            <a:pPr marL="457200" indent="-355320">
+              <a:spcBef>
+                <a:spcPts val="400"/>
+              </a:spcBef>
+              <a:buClr>
+                <a:srgbClr val="000000"/>
+              </a:buClr>
+              <a:buFont typeface="Arial"/>
+              <a:buChar char="•"/>
+            </a:pPr>
+            <a:r>
+              <a:rPr lang="en-US" sz="2000" spc="-1" dirty="0">
+                <a:solidFill>
+                  <a:srgbClr val="000000"/>
+                </a:solidFill>
+              </a:rPr>
+              <a:t>Allow for multiple selection and deletion of jobs, members etc</a:t>
+            </a:r>
+            <a:r>
+              <a:rPr lang="en-US" sz="2000" spc="-1" dirty="0" smtClean="0">
+                <a:solidFill>
+                  <a:srgbClr val="000000"/>
+                </a:solidFill>
+              </a:rPr>
+              <a:t>. </a:t>
+            </a:r>
+            <a:r>
+              <a:rPr lang="en-US" sz="2000" spc="-1" dirty="0" smtClean="0">
+                <a:solidFill>
+                  <a:srgbClr val="000000"/>
+                </a:solidFill>
+                <a:hlinkClick r:id="rId6"/>
+              </a:rPr>
+              <a:t>#224</a:t>
+            </a:r>
+            <a:endParaRPr lang="en-US" sz="2000" spc="-1" dirty="0">
+              <a:solidFill>
+                <a:srgbClr val="000000"/>
+              </a:solidFill>
+            </a:endParaRPr>
+          </a:p>
+          <a:p>
+            <a:pPr marL="457200" indent="-355320">
               <a:lnSpc>
                 <a:spcPct val="100000"/>
               </a:lnSpc>
               <a:spcBef>
                 <a:spcPts val="400"/>
               </a:spcBef>
-              <a:buFont typeface="Wingdings" pitchFamily="2" charset="2"/>
-              <a:buChar char="Ø"/>
-            </a:pPr>
-            <a:r>
-              <a:rPr lang="en-US" sz="2000" spc="-1" dirty="0">
-                <a:latin typeface="+mj-lt"/>
-                <a:ea typeface="Gill Sans"/>
-                <a:hlinkClick r:id="rId9"/>
-              </a:rPr>
-              <a:t>Run Metrics Server off-</a:t>
-            </a:r>
-            <a:r>
-              <a:rPr lang="en-US" sz="2000" spc="-1" dirty="0" err="1">
-                <a:latin typeface="+mj-lt"/>
-                <a:ea typeface="Gill Sans"/>
-                <a:hlinkClick r:id="rId9"/>
-              </a:rPr>
-              <a:t>zOS</a:t>
-            </a:r>
-            <a:endParaRPr lang="en-US" sz="2000" spc="-1" dirty="0">
+              <a:buClr>
+                <a:srgbClr val="000000"/>
+              </a:buClr>
+              <a:buFont typeface="Arial"/>
+              <a:buChar char="•"/>
+            </a:pPr>
+            <a:endParaRPr lang="en-US" sz="2000" spc="-1" dirty="0" smtClean="0">
+              <a:solidFill>
+                <a:srgbClr val="000000"/>
+              </a:solidFill>
               <a:latin typeface="+mj-lt"/>
-              <a:ea typeface="Gill Sans"/>
-            </a:endParaRPr>
-          </a:p>
-          <a:p>
-            <a:pPr marL="444420" indent="-342900">
-              <a:lnSpc>
-                <a:spcPct val="100000"/>
-              </a:lnSpc>
-              <a:spcBef>
-                <a:spcPts val="400"/>
-              </a:spcBef>
-              <a:buFont typeface="Wingdings" pitchFamily="2" charset="2"/>
-              <a:buChar char="Ø"/>
-            </a:pPr>
-            <a:r>
-              <a:rPr lang="en-US" sz="2000" spc="-1" dirty="0">
-                <a:latin typeface="+mj-lt"/>
-                <a:ea typeface="Gill Sans"/>
-                <a:hlinkClick r:id="rId10"/>
-              </a:rPr>
-              <a:t>Add ability to test performance of different endpoints in parallel</a:t>
-            </a:r>
-            <a:endParaRPr lang="en-US" sz="2000" spc="-1" dirty="0">
-              <a:latin typeface="+mj-lt"/>
-              <a:ea typeface="Gill Sans"/>
-            </a:endParaRPr>
-          </a:p>
-          <a:p>
-            <a:pPr marL="444420" indent="-342900">
-              <a:lnSpc>
-                <a:spcPct val="100000"/>
-              </a:lnSpc>
-              <a:spcBef>
-                <a:spcPts val="400"/>
-              </a:spcBef>
-              <a:buFont typeface="Wingdings" pitchFamily="2" charset="2"/>
-              <a:buChar char="Ø"/>
-            </a:pPr>
-            <a:r>
-              <a:rPr lang="en-US" sz="2000" spc="-1" dirty="0">
-                <a:latin typeface="+mj-lt"/>
-                <a:ea typeface="Gill Sans"/>
-                <a:hlinkClick r:id="rId11"/>
-              </a:rPr>
-              <a:t>Validate test report with other methods</a:t>
-            </a:r>
-            <a:endParaRPr lang="en-US" sz="2000" spc="-1" dirty="0">
-              <a:latin typeface="+mj-lt"/>
-              <a:ea typeface="Gill Sans"/>
             </a:endParaRPr>
           </a:p>
         </p:txBody>
       </p:sp>
     </p:spTree>
+    <p:extLst>
+      <p:ext uri="{BB962C8B-B14F-4D97-AF65-F5344CB8AC3E}">
+        <p14:creationId xmlns:p14="http://schemas.microsoft.com/office/powerpoint/2010/main" val="3139094903"/>
+      </p:ext>
+    </p:extLst>
   </p:cSld>
   <p:clrMapOvr>
     <a:masterClrMapping/>
@@ -18098,339 +18409,79 @@
       </p:grpSpPr>
       <p:sp>
         <p:nvSpPr>
-          <p:cNvPr id="182" name="TextShape 1"/>
-          <p:cNvSpPr txBox="1"/>
+          <p:cNvPr id="2" name="Rectangle 1"/>
+          <p:cNvSpPr/>
           <p:nvPr/>
         </p:nvSpPr>
         <p:spPr>
           <a:xfrm>
-            <a:off x="334080" y="159480"/>
-            <a:ext cx="7893720" cy="447120"/>
-          </a:xfrm>
-          <a:prstGeom prst="rect">
-            <a:avLst/>
-          </a:prstGeom>
-          <a:noFill/>
-          <a:ln>
-            <a:noFill/>
-          </a:ln>
-        </p:spPr>
-        <p:txBody>
-          <a:bodyPr tIns="91440" bIns="91440" anchor="ctr">
-            <a:noAutofit/>
-          </a:bodyPr>
-          <a:lstStyle/>
-          <a:p>
-            <a:pPr>
+            <a:off x="352839" y="3180521"/>
+            <a:ext cx="7404652" cy="940257"/>
+          </a:xfrm>
+          <a:prstGeom prst="rect">
+            <a:avLst/>
+          </a:prstGeom>
+        </p:spPr>
+        <p:txBody>
+          <a:bodyPr wrap="square">
+            <a:spAutoFit/>
+          </a:bodyPr>
+          <a:lstStyle/>
+          <a:p>
+            <a:pPr marL="457200" indent="-228240">
               <a:lnSpc>
-                <a:spcPct val="100000"/>
-              </a:lnSpc>
-            </a:pPr>
-            <a:r>
-              <a:rPr lang="en-US" sz="2800" spc="-1" dirty="0">
-                <a:solidFill>
-                  <a:srgbClr val="262626"/>
-                </a:solidFill>
-                <a:latin typeface="+mj-lt"/>
-                <a:ea typeface="Gill Sans"/>
-              </a:rPr>
-              <a:t>High Availability – New Components &amp; Sysplex</a:t>
-            </a:r>
-            <a:endParaRPr lang="en-US" sz="2800" b="0" strike="noStrike" spc="-1" dirty="0">
-              <a:solidFill>
-                <a:srgbClr val="000000"/>
-              </a:solidFill>
-              <a:latin typeface="+mj-lt"/>
-            </a:endParaRPr>
-          </a:p>
-        </p:txBody>
-      </p:sp>
-      <p:sp>
-        <p:nvSpPr>
-          <p:cNvPr id="183" name="TextShape 2"/>
-          <p:cNvSpPr txBox="1"/>
-          <p:nvPr/>
-        </p:nvSpPr>
-        <p:spPr>
-          <a:xfrm>
-            <a:off x="405518" y="774000"/>
-            <a:ext cx="8269762" cy="4147560"/>
-          </a:xfrm>
-          <a:prstGeom prst="rect">
-            <a:avLst/>
-          </a:prstGeom>
-          <a:noFill/>
-          <a:ln>
-            <a:noFill/>
-          </a:ln>
-        </p:spPr>
-        <p:txBody>
-          <a:bodyPr tIns="91440" bIns="91440">
-            <a:noAutofit/>
-          </a:bodyPr>
-          <a:lstStyle/>
-          <a:p>
-            <a:pPr marL="101520">
-              <a:lnSpc>
-                <a:spcPct val="100000"/>
+                <a:spcPct val="85000"/>
               </a:lnSpc>
               <a:spcBef>
-                <a:spcPts val="400"/>
+                <a:spcPts val="901"/>
               </a:spcBef>
             </a:pPr>
             <a:r>
-              <a:rPr lang="en-US" spc="-1" dirty="0">
-                <a:latin typeface="+mj-lt"/>
-                <a:ea typeface="Gill Sans"/>
-                <a:hlinkClick r:id="rId3"/>
-              </a:rPr>
-              <a:t>Epic – High Availability</a:t>
-            </a:r>
-            <a:endParaRPr lang="en-US" spc="-1" dirty="0">
-              <a:latin typeface="+mj-lt"/>
-              <a:ea typeface="Gill Sans"/>
-            </a:endParaRPr>
-          </a:p>
-          <a:p>
-            <a:pPr marL="101520">
+              <a:rPr lang="en-US" sz="3200" b="1" spc="-1" dirty="0" err="1">
+                <a:solidFill>
+                  <a:srgbClr val="000000"/>
+                </a:solidFill>
+                <a:ea typeface="Arial"/>
+              </a:rPr>
+              <a:t>Zowe</a:t>
+            </a:r>
+            <a:r>
+              <a:rPr lang="en-US" sz="3200" b="1" spc="-1" dirty="0">
+                <a:solidFill>
+                  <a:srgbClr val="000000"/>
+                </a:solidFill>
+                <a:ea typeface="Arial"/>
+              </a:rPr>
+              <a:t> CLI Squad Focus</a:t>
+            </a:r>
+            <a:endParaRPr lang="en-US" sz="3200" spc="-1" dirty="0">
+              <a:solidFill>
+                <a:srgbClr val="000000"/>
+              </a:solidFill>
+            </a:endParaRPr>
+          </a:p>
+          <a:p>
+            <a:pPr marL="457200" indent="-228240">
               <a:lnSpc>
-                <a:spcPct val="100000"/>
+                <a:spcPct val="85000"/>
               </a:lnSpc>
               <a:spcBef>
-                <a:spcPts val="400"/>
+                <a:spcPts val="901"/>
               </a:spcBef>
             </a:pPr>
-            <a:endParaRPr lang="en-US" spc="-1" dirty="0">
-              <a:latin typeface="+mj-lt"/>
-              <a:ea typeface="Gill Sans"/>
-            </a:endParaRPr>
-          </a:p>
-          <a:p>
-            <a:pPr marL="444420" indent="-342900">
-              <a:spcBef>
-                <a:spcPts val="400"/>
-              </a:spcBef>
-              <a:buFont typeface="Wingdings" pitchFamily="2" charset="2"/>
-              <a:buChar char="Ø"/>
-            </a:pPr>
-            <a:r>
-              <a:rPr lang="en-US" spc="-1" dirty="0">
-                <a:latin typeface="+mj-lt"/>
-                <a:ea typeface="Gill Sans"/>
-                <a:hlinkClick r:id="rId4"/>
-              </a:rPr>
-              <a:t>Create Caching API with VSAM support</a:t>
-            </a:r>
-            <a:endParaRPr lang="en-US" spc="-1" dirty="0">
-              <a:latin typeface="+mj-lt"/>
-              <a:ea typeface="Gill Sans"/>
-            </a:endParaRPr>
-          </a:p>
-          <a:p>
-            <a:pPr marL="444420" indent="-342900">
-              <a:spcBef>
-                <a:spcPts val="400"/>
-              </a:spcBef>
-              <a:buFont typeface="Wingdings" pitchFamily="2" charset="2"/>
-              <a:buChar char="Ø"/>
-            </a:pPr>
-            <a:r>
-              <a:rPr lang="en-US" spc="-1" dirty="0">
-                <a:latin typeface="+mj-lt"/>
-                <a:ea typeface="Gill Sans"/>
-                <a:hlinkClick r:id="rId5"/>
-              </a:rPr>
-              <a:t>Implement and integrate Zowe Launcher</a:t>
-            </a:r>
-            <a:r>
-              <a:rPr lang="en-US" spc="-1" dirty="0">
-                <a:latin typeface="+mj-lt"/>
-                <a:ea typeface="Gill Sans"/>
-              </a:rPr>
-              <a:t> (Stage 1)</a:t>
-            </a:r>
-          </a:p>
-          <a:p>
-            <a:pPr marL="444420" indent="-342900">
-              <a:spcBef>
-                <a:spcPts val="400"/>
-              </a:spcBef>
-              <a:buFont typeface="Wingdings" pitchFamily="2" charset="2"/>
-              <a:buChar char="Ø"/>
-            </a:pPr>
-            <a:endParaRPr lang="en-US" spc="-1" dirty="0">
-              <a:latin typeface="+mj-lt"/>
-              <a:ea typeface="Gill Sans"/>
-            </a:endParaRPr>
-          </a:p>
-          <a:p>
-            <a:pPr marL="444420" indent="-342900">
-              <a:spcBef>
-                <a:spcPts val="400"/>
-              </a:spcBef>
-              <a:buFont typeface="Wingdings" pitchFamily="2" charset="2"/>
-              <a:buChar char="Ø"/>
-            </a:pPr>
-            <a:r>
-              <a:rPr lang="en-US" spc="-1" dirty="0">
-                <a:latin typeface="+mj-lt"/>
-                <a:ea typeface="Gill Sans"/>
-              </a:rPr>
-              <a:t>Starting Zowe in Sysplex</a:t>
-            </a:r>
-          </a:p>
-          <a:p>
-            <a:pPr marL="901620" lvl="1" indent="-342900">
-              <a:spcBef>
-                <a:spcPts val="400"/>
-              </a:spcBef>
-              <a:buFont typeface="Wingdings" pitchFamily="2" charset="2"/>
-              <a:buChar char="v"/>
-            </a:pPr>
-            <a:r>
-              <a:rPr lang="en-US" sz="1600" spc="-1" dirty="0">
-                <a:latin typeface="+mj-lt"/>
-                <a:ea typeface="Gill Sans"/>
-                <a:hlinkClick r:id="rId6"/>
-              </a:rPr>
-              <a:t>Verify and document z/OSMF on Sysplex configuration</a:t>
-            </a:r>
-            <a:r>
-              <a:rPr lang="en-US" sz="1600" spc="-1" dirty="0">
-                <a:latin typeface="+mj-lt"/>
-                <a:ea typeface="Gill Sans"/>
-              </a:rPr>
-              <a:t> (shared SAF user registry</a:t>
-            </a:r>
-          </a:p>
-          <a:p>
-            <a:pPr marL="901620" lvl="1" indent="-342900">
-              <a:spcBef>
-                <a:spcPts val="400"/>
-              </a:spcBef>
-              <a:buFont typeface="Wingdings" pitchFamily="2" charset="2"/>
-              <a:buChar char="v"/>
-            </a:pPr>
-            <a:r>
-              <a:rPr lang="en-US" sz="1600" spc="-1" dirty="0">
-                <a:latin typeface="+mj-lt"/>
-                <a:ea typeface="Gill Sans"/>
-              </a:rPr>
-              <a:t>Document how to configure </a:t>
-            </a:r>
-            <a:r>
-              <a:rPr lang="en-US" sz="1600" spc="-1" dirty="0">
-                <a:latin typeface="+mj-lt"/>
-                <a:ea typeface="Gill Sans"/>
-                <a:hlinkClick r:id="rId7"/>
-              </a:rPr>
-              <a:t>port sharing</a:t>
-            </a:r>
-            <a:r>
-              <a:rPr lang="en-US" sz="1600" spc="-1" dirty="0">
-                <a:latin typeface="+mj-lt"/>
-                <a:ea typeface="Gill Sans"/>
-              </a:rPr>
-              <a:t> and </a:t>
-            </a:r>
-            <a:r>
-              <a:rPr lang="en-US" sz="1600" spc="-1" dirty="0">
-                <a:latin typeface="+mj-lt"/>
-                <a:ea typeface="Gill Sans"/>
-                <a:hlinkClick r:id="rId8"/>
-              </a:rPr>
-              <a:t>D-DIVPA</a:t>
-            </a:r>
-            <a:r>
-              <a:rPr lang="en-US" sz="1600" spc="-1" dirty="0">
-                <a:latin typeface="+mj-lt"/>
-                <a:ea typeface="Gill Sans"/>
-              </a:rPr>
-              <a:t> for API Gateway</a:t>
-            </a:r>
-          </a:p>
-          <a:p>
-            <a:pPr marL="901620" lvl="1" indent="-342900">
-              <a:spcBef>
-                <a:spcPts val="400"/>
-              </a:spcBef>
-              <a:buFont typeface="Wingdings" pitchFamily="2" charset="2"/>
-              <a:buChar char="v"/>
-            </a:pPr>
-            <a:r>
-              <a:rPr lang="en-US" sz="1600" spc="-1" dirty="0">
-                <a:latin typeface="+mj-lt"/>
-                <a:ea typeface="Gill Sans"/>
-                <a:hlinkClick r:id="rId9"/>
-              </a:rPr>
-              <a:t>Verify and document requirement on shared USS file system, and shared VSAM data set</a:t>
-            </a:r>
-            <a:endParaRPr lang="en-US" sz="1600" spc="-1" dirty="0">
-              <a:latin typeface="+mj-lt"/>
-              <a:ea typeface="Gill Sans"/>
-            </a:endParaRPr>
-          </a:p>
-          <a:p>
-            <a:pPr marL="901620" lvl="1" indent="-342900">
-              <a:spcBef>
-                <a:spcPts val="400"/>
-              </a:spcBef>
-              <a:buFont typeface="Wingdings" pitchFamily="2" charset="2"/>
-              <a:buChar char="v"/>
-            </a:pPr>
-            <a:r>
-              <a:rPr lang="en-US" sz="1600" spc="-1" dirty="0">
-                <a:latin typeface="+mj-lt"/>
-                <a:ea typeface="Gill Sans"/>
-                <a:hlinkClick r:id="rId10"/>
-              </a:rPr>
-              <a:t>Test and implement ARM policy</a:t>
-            </a:r>
-            <a:endParaRPr lang="en-US" sz="1600" spc="-1" dirty="0">
-              <a:latin typeface="+mj-lt"/>
-              <a:ea typeface="Gill Sans"/>
-            </a:endParaRPr>
-          </a:p>
-          <a:p>
-            <a:pPr marL="901620" lvl="1" indent="-342900">
-              <a:spcBef>
-                <a:spcPts val="400"/>
-              </a:spcBef>
-              <a:buFont typeface="Wingdings" pitchFamily="2" charset="2"/>
-              <a:buChar char="v"/>
-            </a:pPr>
-            <a:r>
-              <a:rPr lang="en-US" sz="1600" spc="-1" dirty="0">
-                <a:latin typeface="+mj-lt"/>
-                <a:ea typeface="Gill Sans"/>
-                <a:hlinkClick r:id="rId11"/>
-              </a:rPr>
-              <a:t>Validate Apiml &amp; zOSMF HA with ACF2 and Top Secret Enabled Sysplex</a:t>
-            </a:r>
-            <a:endParaRPr lang="en-US" sz="1600" spc="-1" dirty="0">
-              <a:latin typeface="+mj-lt"/>
-              <a:ea typeface="Gill Sans"/>
-            </a:endParaRPr>
-          </a:p>
-          <a:p>
-            <a:pPr marL="901620" lvl="1" indent="-342900">
-              <a:spcBef>
-                <a:spcPts val="400"/>
-              </a:spcBef>
-              <a:buFont typeface="Wingdings" pitchFamily="2" charset="2"/>
-              <a:buChar char="v"/>
-            </a:pPr>
-            <a:r>
-              <a:rPr lang="en-US" sz="1600" spc="-1" dirty="0">
-                <a:latin typeface="+mj-lt"/>
-                <a:ea typeface="Gill Sans"/>
-                <a:hlinkClick r:id="rId12"/>
-              </a:rPr>
-              <a:t>Verify how CLI works with Sysplex</a:t>
-            </a:r>
-            <a:endParaRPr lang="en-US" sz="1600" spc="-1" dirty="0">
-              <a:latin typeface="+mj-lt"/>
-              <a:ea typeface="Gill Sans"/>
+            <a:r>
+              <a:rPr lang="en-US" sz="2400" b="1" spc="-1" dirty="0">
+                <a:solidFill>
+                  <a:srgbClr val="000000"/>
+                </a:solidFill>
+                <a:ea typeface="Arial"/>
+              </a:rPr>
+              <a:t>Michael Bauer</a:t>
+            </a:r>
+            <a:endParaRPr lang="en-US" sz="2400" spc="-1" dirty="0">
+              <a:solidFill>
+                <a:srgbClr val="000000"/>
+              </a:solidFill>
             </a:endParaRPr>
           </a:p>
         </p:txBody>
@@ -18438,7 +18489,7 @@
     </p:spTree>
     <p:extLst>
       <p:ext uri="{BB962C8B-B14F-4D97-AF65-F5344CB8AC3E}">
-        <p14:creationId xmlns:p14="http://schemas.microsoft.com/office/powerpoint/2010/main" val="54868531"/>
+        <p14:creationId xmlns:p14="http://schemas.microsoft.com/office/powerpoint/2010/main" val="3991053163"/>
       </p:ext>
     </p:extLst>
   </p:cSld>
@@ -18446,7 +18497,7 @@
     <a:masterClrMapping/>
   </p:clrMapOvr>
   <p:transition spd="med">
-    <p:fade thruBlk="1"/>
+    <p:fade/>
   </p:transition>
   <p:timing>
     <p:tnLst>
@@ -18526,20 +18577,27 @@
               </a:lnSpc>
             </a:pPr>
             <a:r>
-              <a:rPr lang="en-US" sz="2400" spc="-1" dirty="0">
+              <a:rPr lang="en-US" sz="3000" spc="-1" dirty="0" err="1" smtClean="0">
                 <a:solidFill>
                   <a:srgbClr val="262626"/>
                 </a:solidFill>
-                <a:latin typeface="+mj-lt"/>
                 <a:ea typeface="Gill Sans"/>
               </a:rPr>
-              <a:t>High Availability – Existing Components &amp; Certificates</a:t>
-            </a:r>
-            <a:endParaRPr lang="en-US" sz="2400" b="0" strike="noStrike" spc="-1" dirty="0">
-              <a:solidFill>
-                <a:srgbClr val="000000"/>
-              </a:solidFill>
-              <a:latin typeface="+mj-lt"/>
+              <a:t>Zowe</a:t>
+            </a:r>
+            <a:r>
+              <a:rPr lang="en-US" sz="3000" spc="-1" dirty="0" smtClean="0">
+                <a:solidFill>
+                  <a:srgbClr val="262626"/>
+                </a:solidFill>
+                <a:ea typeface="Gill Sans"/>
+              </a:rPr>
+              <a:t> CLI Squad</a:t>
+            </a:r>
+            <a:endParaRPr lang="en-US" sz="3000" b="0" strike="noStrike" spc="-1" dirty="0">
+              <a:solidFill>
+                <a:srgbClr val="000000"/>
+              </a:solidFill>
             </a:endParaRPr>
           </a:p>
         </p:txBody>
@@ -18552,8 +18610,8 @@
         </p:nvSpPr>
         <p:spPr>
           <a:xfrm>
-            <a:off x="405518" y="683812"/>
-            <a:ext cx="8269762" cy="4237748"/>
+            <a:off x="405518" y="993913"/>
+            <a:ext cx="8420430" cy="3808676"/>
           </a:xfrm>
           <a:prstGeom prst="rect">
             <a:avLst/>
@@ -18577,170 +18635,63 @@
               <a:buChar char="Ø"/>
             </a:pPr>
             <a:r>
-              <a:rPr lang="en-US" spc="-1" dirty="0">
-                <a:latin typeface="+mj-lt"/>
-                <a:ea typeface="Gill Sans"/>
-              </a:rPr>
-              <a:t>Preparing Zowe and Components for HA</a:t>
-            </a:r>
-          </a:p>
-          <a:p>
-            <a:pPr marL="901620" lvl="1" indent="-342900">
-              <a:spcBef>
-                <a:spcPts val="400"/>
-              </a:spcBef>
-              <a:buFont typeface="Wingdings" pitchFamily="2" charset="2"/>
-              <a:buChar char="v"/>
-            </a:pPr>
-            <a:r>
-              <a:rPr lang="en-US" sz="1600" spc="-1" dirty="0">
-                <a:latin typeface="+mj-lt"/>
-                <a:ea typeface="Gill Sans"/>
-                <a:hlinkClick r:id="rId3"/>
-              </a:rPr>
-              <a:t>Break down apiml package into 3 individual components</a:t>
-            </a:r>
-            <a:endParaRPr lang="en-US" sz="1600" spc="-1" dirty="0">
-              <a:latin typeface="+mj-lt"/>
-              <a:ea typeface="Gill Sans"/>
-            </a:endParaRPr>
-          </a:p>
-          <a:p>
-            <a:pPr marL="901620" lvl="1" indent="-342900">
-              <a:spcBef>
-                <a:spcPts val="400"/>
-              </a:spcBef>
-              <a:buFont typeface="Wingdings" pitchFamily="2" charset="2"/>
-              <a:buChar char="v"/>
-            </a:pPr>
-            <a:r>
-              <a:rPr lang="en-US" sz="1600" spc="-1" dirty="0">
-                <a:latin typeface="+mj-lt"/>
-                <a:ea typeface="Gill Sans"/>
-                <a:hlinkClick r:id="rId4"/>
-              </a:rPr>
-              <a:t>Define manifest file for Zowe packages to simplify Zowe Launcher configurations</a:t>
-            </a:r>
-            <a:endParaRPr lang="en-US" sz="1600" spc="-1" dirty="0">
-              <a:latin typeface="+mj-lt"/>
-              <a:ea typeface="Gill Sans"/>
-            </a:endParaRPr>
-          </a:p>
-          <a:p>
-            <a:pPr marL="901620" lvl="1" indent="-342900">
-              <a:spcBef>
-                <a:spcPts val="400"/>
-              </a:spcBef>
-              <a:buFont typeface="Wingdings" pitchFamily="2" charset="2"/>
-              <a:buChar char="v"/>
-            </a:pPr>
-            <a:r>
-              <a:rPr lang="en-US" sz="1600" spc="-1" dirty="0">
-                <a:latin typeface="+mj-lt"/>
-                <a:ea typeface="Gill Sans"/>
-                <a:hlinkClick r:id="rId5"/>
-              </a:rPr>
-              <a:t>Add new configuration entries in instance.env to support multiple instances of components</a:t>
-            </a:r>
-            <a:endParaRPr lang="en-US" sz="1600" spc="-1" dirty="0">
-              <a:latin typeface="+mj-lt"/>
-              <a:ea typeface="Gill Sans"/>
-            </a:endParaRPr>
-          </a:p>
-          <a:p>
-            <a:pPr marL="901620" lvl="1" indent="-342900">
-              <a:spcBef>
-                <a:spcPts val="400"/>
-              </a:spcBef>
-              <a:buFont typeface="Wingdings" pitchFamily="2" charset="2"/>
-              <a:buChar char="v"/>
-            </a:pPr>
-            <a:r>
-              <a:rPr lang="en-US" sz="1600" spc="-1" dirty="0">
-                <a:latin typeface="+mj-lt"/>
-                <a:ea typeface="Gill Sans"/>
-                <a:hlinkClick r:id="rId6"/>
-              </a:rPr>
-              <a:t>Automatically configure ARM policy for Zowe Launcher</a:t>
-            </a:r>
-            <a:endParaRPr lang="en-US" sz="1600" spc="-1" dirty="0">
-              <a:latin typeface="+mj-lt"/>
-              <a:ea typeface="Gill Sans"/>
-            </a:endParaRPr>
-          </a:p>
-          <a:p>
-            <a:pPr marL="901620" lvl="1" indent="-342900">
-              <a:spcBef>
-                <a:spcPts val="400"/>
-              </a:spcBef>
-              <a:buFont typeface="Wingdings" pitchFamily="2" charset="2"/>
-              <a:buChar char="v"/>
-            </a:pPr>
-            <a:r>
-              <a:rPr lang="en-US" sz="1600" spc="-1" dirty="0">
-                <a:latin typeface="+mj-lt"/>
-                <a:ea typeface="Gill Sans"/>
-                <a:hlinkClick r:id="rId7"/>
-              </a:rPr>
-              <a:t>Improve lifecycle </a:t>
-            </a:r>
-            <a:r>
-              <a:rPr lang="en-US" sz="1600" spc="-1" dirty="0" err="1">
-                <a:latin typeface="+mj-lt"/>
-                <a:ea typeface="Gill Sans"/>
-                <a:hlinkClick r:id="rId7"/>
-              </a:rPr>
-              <a:t>start.sh</a:t>
-            </a:r>
-            <a:r>
-              <a:rPr lang="en-US" sz="1600" spc="-1" dirty="0">
-                <a:latin typeface="+mj-lt"/>
-                <a:ea typeface="Gill Sans"/>
-                <a:hlinkClick r:id="rId7"/>
-              </a:rPr>
-              <a:t> to properly trap termination signals and kill child processes</a:t>
-            </a:r>
-            <a:endParaRPr lang="en-US" sz="1600" spc="-1" dirty="0">
-              <a:latin typeface="+mj-lt"/>
-              <a:ea typeface="Gill Sans"/>
-            </a:endParaRPr>
-          </a:p>
-          <a:p>
-            <a:pPr marL="901620" lvl="1" indent="-342900">
-              <a:spcBef>
-                <a:spcPts val="400"/>
-              </a:spcBef>
-              <a:buFont typeface="Wingdings" pitchFamily="2" charset="2"/>
-              <a:buChar char="v"/>
-            </a:pPr>
-            <a:r>
-              <a:rPr lang="en-US" sz="1600" spc="-1" dirty="0">
-                <a:latin typeface="+mj-lt"/>
-                <a:ea typeface="Gill Sans"/>
-                <a:hlinkClick r:id="rId8"/>
-              </a:rPr>
-              <a:t>Change ZSS to be registered under API Discovery Service</a:t>
-            </a:r>
-            <a:endParaRPr lang="en-US" sz="1600" spc="-1" dirty="0">
-              <a:latin typeface="+mj-lt"/>
-              <a:ea typeface="Gill Sans"/>
-            </a:endParaRPr>
-          </a:p>
-          <a:p>
-            <a:pPr marL="444420" indent="-342900">
+              <a:rPr lang="en-US" sz="2000" dirty="0" smtClean="0"/>
+              <a:t>Validate </a:t>
+            </a:r>
+            <a:r>
+              <a:rPr lang="en-US" sz="2000" dirty="0" err="1"/>
+              <a:t>Zowe</a:t>
+            </a:r>
+            <a:r>
+              <a:rPr lang="en-US" sz="2000" dirty="0"/>
+              <a:t> CLI on Node v14. Node v14 becomes LTS on </a:t>
+            </a:r>
+            <a:r>
+              <a:rPr lang="en-US" sz="2000" dirty="0" smtClean="0"/>
+              <a:t>10/27.</a:t>
+            </a:r>
+            <a:br>
+              <a:rPr lang="en-US" sz="2000" dirty="0" smtClean="0"/>
+            </a:br>
+            <a:endParaRPr lang="en-US" sz="2000" dirty="0" smtClean="0"/>
+          </a:p>
+          <a:p>
+            <a:pPr marL="387270" indent="-285750">
               <a:spcBef>
                 <a:spcPts val="400"/>
               </a:spcBef>
               <a:buFont typeface="Wingdings" pitchFamily="2" charset="2"/>
               <a:buChar char="Ø"/>
             </a:pPr>
-            <a:endParaRPr lang="en-US" spc="-1" dirty="0">
-              <a:latin typeface="+mj-lt"/>
-              <a:ea typeface="Gill Sans"/>
-            </a:endParaRPr>
-          </a:p>
-          <a:p>
-            <a:pPr marL="444420" indent="-342900">
+            <a:r>
+              <a:rPr lang="en-US" sz="2000" dirty="0" smtClean="0"/>
+              <a:t>Project </a:t>
+            </a:r>
+            <a:r>
+              <a:rPr lang="en-US" sz="2000" dirty="0"/>
+              <a:t>based CLI profiles. Implement design determined in </a:t>
+            </a:r>
+            <a:r>
+              <a:rPr lang="en-US" sz="2000" dirty="0">
+                <a:hlinkClick r:id="rId3"/>
+              </a:rPr>
+              <a:t>https://github.com/zowe/zowe-cli/issues/749</a:t>
+            </a:r>
+            <a:r>
+              <a:rPr lang="en-US" sz="2000" dirty="0"/>
+              <a:t> to allow for a single profile that stores information commonly needed for core + plug-ins. The goal is to allow for users to more easily store profiles in source control, share profiles with others, and update profile </a:t>
+            </a:r>
+            <a:r>
+              <a:rPr lang="en-US" sz="2000" dirty="0" smtClean="0"/>
+              <a:t>settings.</a:t>
+            </a:r>
+            <a:br>
+              <a:rPr lang="en-US" sz="2000" dirty="0" smtClean="0"/>
+            </a:br>
+            <a:endParaRPr lang="en-US" sz="2000" dirty="0" smtClean="0"/>
+          </a:p>
+          <a:p>
+            <a:pPr marL="387270" indent="-285750">
               <a:spcBef>
                 <a:spcPts val="400"/>
               </a:spcBef>
@@ -18748,61 +18699,46 @@
               <a:buChar char="Ø"/>
             </a:pPr>
             <a:r>
-              <a:rPr lang="en-US" spc="-1" dirty="0">
-                <a:latin typeface="+mj-lt"/>
-                <a:ea typeface="Gill Sans"/>
-              </a:rPr>
-              <a:t>Certificate Configuration Improvement</a:t>
-            </a:r>
-          </a:p>
-          <a:p>
-            <a:pPr marL="901620" lvl="1" indent="-342900">
-              <a:spcBef>
-                <a:spcPts val="400"/>
-              </a:spcBef>
-              <a:buFont typeface="Wingdings" pitchFamily="2" charset="2"/>
-              <a:buChar char="v"/>
-            </a:pPr>
-            <a:r>
-              <a:rPr lang="en-US" sz="1600" spc="-1" dirty="0">
-                <a:latin typeface="+mj-lt"/>
-                <a:ea typeface="Gill Sans"/>
-                <a:hlinkClick r:id="rId9"/>
-              </a:rPr>
-              <a:t>Add flexibility to define certificate for internal and external usage</a:t>
-            </a:r>
-            <a:endParaRPr lang="en-US" sz="1600" spc="-1" dirty="0">
-              <a:latin typeface="+mj-lt"/>
-              <a:ea typeface="Gill Sans"/>
-            </a:endParaRPr>
-          </a:p>
-          <a:p>
-            <a:pPr marL="901620" lvl="1" indent="-342900">
-              <a:spcBef>
-                <a:spcPts val="400"/>
-              </a:spcBef>
-              <a:buFont typeface="Wingdings" pitchFamily="2" charset="2"/>
-              <a:buChar char="v"/>
-            </a:pPr>
-            <a:r>
-              <a:rPr lang="en-US" sz="1600" spc="-1" dirty="0">
-                <a:latin typeface="+mj-lt"/>
-                <a:ea typeface="Gill Sans"/>
-                <a:hlinkClick r:id="rId10"/>
-              </a:rPr>
-              <a:t>Allow to define multiple domains / IPs as Subject Alternative Name (SAN) when storing certificate(s) in Keyring</a:t>
-            </a:r>
-            <a:endParaRPr lang="en-US" sz="1600" spc="-1" dirty="0">
-              <a:latin typeface="+mj-lt"/>
-              <a:ea typeface="Gill Sans"/>
-            </a:endParaRPr>
+              <a:rPr lang="en-US" sz="2000" dirty="0" smtClean="0"/>
+              <a:t>Validate </a:t>
+            </a:r>
+            <a:r>
+              <a:rPr lang="en-US" sz="2000" dirty="0"/>
+              <a:t>daemon mode </a:t>
+            </a:r>
+            <a:r>
+              <a:rPr lang="en-US" sz="2000" dirty="0" err="1"/>
+              <a:t>PoC</a:t>
+            </a:r>
+            <a:r>
+              <a:rPr lang="en-US" sz="2000" dirty="0"/>
+              <a:t> (</a:t>
+            </a:r>
+            <a:r>
+              <a:rPr lang="en-US" sz="2000" dirty="0">
+                <a:hlinkClick r:id="rId4"/>
+              </a:rPr>
+              <a:t>https://github.com/zowe/zowe-cli/pull/825</a:t>
+            </a:r>
+            <a:r>
+              <a:rPr lang="en-US" sz="2000" dirty="0"/>
+              <a:t>). The goal is to improve </a:t>
+            </a:r>
+            <a:r>
+              <a:rPr lang="en-US" sz="2000" dirty="0" err="1"/>
+              <a:t>Zowe</a:t>
+            </a:r>
+            <a:r>
+              <a:rPr lang="en-US" sz="2000" dirty="0"/>
+              <a:t> CLI performance for all commands. Local command operations like help should take less than one second to run.</a:t>
+            </a:r>
           </a:p>
         </p:txBody>
       </p:sp>
     </p:spTree>
     <p:extLst>
       <p:ext uri="{BB962C8B-B14F-4D97-AF65-F5344CB8AC3E}">
-        <p14:creationId xmlns:p14="http://schemas.microsoft.com/office/powerpoint/2010/main" val="259758416"/>
+        <p14:creationId xmlns:p14="http://schemas.microsoft.com/office/powerpoint/2010/main" val="1761493807"/>
       </p:ext>
     </p:extLst>
   </p:cSld>
@@ -18890,14 +18826,24 @@
               </a:lnSpc>
             </a:pPr>
             <a:r>
-              <a:rPr lang="en-US" sz="3000" spc="-1" dirty="0">
+              <a:rPr lang="en-US" sz="3000" spc="-1" dirty="0" err="1" smtClean="0">
                 <a:solidFill>
                   <a:srgbClr val="262626"/>
                 </a:solidFill>
                 <a:latin typeface="+mj-lt"/>
                 <a:ea typeface="Gill Sans"/>
               </a:rPr>
-              <a:t>CI/CD – Extension Installation</a:t>
+              <a:t>Zowe</a:t>
+            </a:r>
+            <a:r>
+              <a:rPr lang="en-US" sz="3000" spc="-1" dirty="0" smtClean="0">
+                <a:solidFill>
+                  <a:srgbClr val="262626"/>
+                </a:solidFill>
+                <a:latin typeface="+mj-lt"/>
+                <a:ea typeface="Gill Sans"/>
+              </a:rPr>
+              <a:t> CLI Squad</a:t>
             </a:r>
             <a:endParaRPr lang="en-US" sz="3000" b="0" strike="noStrike" spc="-1" dirty="0">
               <a:solidFill>
@@ -18941,17 +18887,13 @@
               <a:buChar char="Ø"/>
             </a:pPr>
             <a:r>
-              <a:rPr lang="en-US" sz="2000" spc="-1" dirty="0">
-                <a:latin typeface="+mj-lt"/>
-                <a:ea typeface="Gill Sans"/>
-                <a:hlinkClick r:id="rId3"/>
-              </a:rPr>
-              <a:t>Create extension installation script, playbook and test cases to validate installation</a:t>
-            </a:r>
-            <a:endParaRPr lang="en-US" sz="2000" spc="-1" dirty="0">
-              <a:latin typeface="+mj-lt"/>
-              <a:ea typeface="Gill Sans"/>
-            </a:endParaRPr>
+              <a:rPr lang="en-US" sz="2000" dirty="0"/>
+              <a:t>Address growing number of community enhancement </a:t>
+            </a:r>
+            <a:r>
+              <a:rPr lang="en-US" sz="2000" dirty="0" smtClean="0"/>
+              <a:t>requests</a:t>
+            </a:r>
           </a:p>
           <a:p>
             <a:pPr marL="387270" indent="-285750">
@@ -18961,57 +18903,101 @@
               <a:buFont typeface="Wingdings" pitchFamily="2" charset="2"/>
               <a:buChar char="Ø"/>
             </a:pPr>
-            <a:endParaRPr lang="en-US" sz="2000" spc="-1" dirty="0">
-              <a:latin typeface="+mj-lt"/>
-              <a:ea typeface="Gill Sans"/>
-            </a:endParaRPr>
-          </a:p>
-          <a:p>
-            <a:pPr marL="844470" lvl="1" indent="-285750">
+            <a:endParaRPr lang="en-US" sz="2000" dirty="0" smtClean="0"/>
+          </a:p>
+          <a:p>
+            <a:pPr marL="387270" indent="-285750">
               <a:spcBef>
                 <a:spcPts val="400"/>
               </a:spcBef>
               <a:buFont typeface="Wingdings" pitchFamily="2" charset="2"/>
-              <a:buChar char="v"/>
-            </a:pPr>
-            <a:r>
-              <a:rPr lang="en-US" sz="2000" spc="-1" dirty="0">
-                <a:latin typeface="+mj-lt"/>
-                <a:ea typeface="Gill Sans"/>
-              </a:rPr>
-              <a:t>Create extension installation script</a:t>
-            </a:r>
-          </a:p>
-          <a:p>
-            <a:pPr marL="844470" lvl="1" indent="-285750">
+              <a:buChar char="Ø"/>
+            </a:pPr>
+            <a:r>
+              <a:rPr lang="en-US" sz="2000" dirty="0" smtClean="0"/>
+              <a:t>Ensure </a:t>
+            </a:r>
+            <a:r>
+              <a:rPr lang="en-US" sz="2000" dirty="0"/>
+              <a:t>successful </a:t>
+            </a:r>
+            <a:r>
+              <a:rPr lang="en-US" sz="2000" dirty="0" smtClean="0"/>
+              <a:t>installation and use </a:t>
+            </a:r>
+            <a:r>
+              <a:rPr lang="en-US" sz="2000" dirty="0"/>
+              <a:t>of the </a:t>
+            </a:r>
+            <a:r>
+              <a:rPr lang="en-US" sz="2000" dirty="0" err="1"/>
+              <a:t>Zowe</a:t>
+            </a:r>
+            <a:r>
+              <a:rPr lang="en-US" sz="2000" dirty="0"/>
+              <a:t> CLI in environments with proxies. </a:t>
+            </a:r>
+            <a:r>
+              <a:rPr lang="en-US" sz="2000" dirty="0" smtClean="0"/>
+              <a:t/>
+            </a:r>
+            <a:br>
+              <a:rPr lang="en-US" sz="2000" dirty="0" smtClean="0"/>
+            </a:br>
+            <a:endParaRPr lang="en-US" sz="2000" dirty="0" smtClean="0"/>
+          </a:p>
+          <a:p>
+            <a:pPr marL="387270" indent="-285750">
               <a:spcBef>
                 <a:spcPts val="400"/>
               </a:spcBef>
               <a:buFont typeface="Wingdings" pitchFamily="2" charset="2"/>
-              <a:buChar char="v"/>
-            </a:pPr>
-            <a:r>
-              <a:rPr lang="en-US" sz="2000" spc="-1" dirty="0">
-                <a:latin typeface="+mj-lt"/>
-                <a:ea typeface="Gill Sans"/>
-              </a:rPr>
-              <a:t>Create new Ansible playbook to install extension</a:t>
-            </a:r>
-          </a:p>
-          <a:p>
-            <a:pPr marL="844470" lvl="1" indent="-285750">
+              <a:buChar char="Ø"/>
+            </a:pPr>
+            <a:r>
+              <a:rPr lang="en-US" sz="2000" dirty="0" smtClean="0"/>
+              <a:t>Allow </a:t>
+            </a:r>
+            <a:r>
+              <a:rPr lang="en-US" sz="2000" dirty="0"/>
+              <a:t>for recently run commands to be easily recalled</a:t>
+            </a:r>
+            <a:r>
+              <a:rPr lang="en-US" sz="2000" dirty="0" smtClean="0"/>
+              <a:t>.</a:t>
+            </a:r>
+            <a:br>
+              <a:rPr lang="en-US" sz="2000" dirty="0" smtClean="0"/>
+            </a:br>
+            <a:endParaRPr lang="en-US" sz="2000" dirty="0"/>
+          </a:p>
+          <a:p>
+            <a:pPr marL="387270" indent="-285750">
               <a:spcBef>
                 <a:spcPts val="400"/>
               </a:spcBef>
               <a:buFont typeface="Wingdings" pitchFamily="2" charset="2"/>
-              <a:buChar char="v"/>
-            </a:pPr>
-            <a:r>
-              <a:rPr lang="en-US" sz="2000" spc="-1" dirty="0">
-                <a:latin typeface="+mj-lt"/>
-                <a:ea typeface="Gill Sans"/>
-              </a:rPr>
-              <a:t>Create new test cases which will validate extension installation</a:t>
+              <a:buChar char="Ø"/>
+            </a:pPr>
+            <a:r>
+              <a:rPr lang="en-US" sz="2000" dirty="0"/>
+              <a:t>Ensure </a:t>
+            </a:r>
+            <a:r>
+              <a:rPr lang="en-US" sz="2000" dirty="0" err="1"/>
+              <a:t>Zowe</a:t>
+            </a:r>
+            <a:r>
+              <a:rPr lang="en-US" sz="2000" dirty="0"/>
+              <a:t> CLI functions properly in a </a:t>
+            </a:r>
+            <a:r>
+              <a:rPr lang="en-US" sz="2000" dirty="0" err="1"/>
+              <a:t>CodeReady</a:t>
+            </a:r>
+            <a:r>
+              <a:rPr lang="en-US" sz="2000" dirty="0"/>
+              <a:t> Workspace. </a:t>
             </a:r>
           </a:p>
         </p:txBody>
@@ -19019,7 +19005,7 @@
     </p:spTree>
     <p:extLst>
       <p:ext uri="{BB962C8B-B14F-4D97-AF65-F5344CB8AC3E}">
-        <p14:creationId xmlns:p14="http://schemas.microsoft.com/office/powerpoint/2010/main" val="2730694854"/>
+        <p14:creationId xmlns:p14="http://schemas.microsoft.com/office/powerpoint/2010/main" val="587560883"/>
       </p:ext>
     </p:extLst>
   </p:cSld>

--- a/Project Management/PI Planning/20PI4 Planning/Zowe Community Squad Focus for 20PI4.pptx
+++ b/Project Management/PI Planning/20PI4 Planning/Zowe Community Squad Focus for 20PI4.pptx
@@ -8,7 +8,7 @@
     <p:sldMasterId id="2147483687" r:id="rId4"/>
   </p:sldMasterIdLst>
   <p:notesMasterIdLst>
-    <p:notesMasterId r:id="rId32"/>
+    <p:notesMasterId r:id="rId30"/>
   </p:notesMasterIdLst>
   <p:sldIdLst>
     <p:sldId id="256" r:id="rId5"/>
@@ -22,22 +22,20 @@
     <p:sldId id="278" r:id="rId13"/>
     <p:sldId id="259" r:id="rId14"/>
     <p:sldId id="260" r:id="rId15"/>
-    <p:sldId id="261" r:id="rId16"/>
-    <p:sldId id="267" r:id="rId17"/>
-    <p:sldId id="268" r:id="rId18"/>
-    <p:sldId id="269" r:id="rId19"/>
-    <p:sldId id="270" r:id="rId20"/>
-    <p:sldId id="271" r:id="rId21"/>
-    <p:sldId id="272" r:id="rId22"/>
-    <p:sldId id="273" r:id="rId23"/>
-    <p:sldId id="290" r:id="rId24"/>
-    <p:sldId id="279" r:id="rId25"/>
-    <p:sldId id="280" r:id="rId26"/>
-    <p:sldId id="281" r:id="rId27"/>
-    <p:sldId id="282" r:id="rId28"/>
-    <p:sldId id="283" r:id="rId29"/>
-    <p:sldId id="284" r:id="rId30"/>
-    <p:sldId id="285" r:id="rId31"/>
+    <p:sldId id="291" r:id="rId16"/>
+    <p:sldId id="261" r:id="rId17"/>
+    <p:sldId id="267" r:id="rId18"/>
+    <p:sldId id="268" r:id="rId19"/>
+    <p:sldId id="273" r:id="rId20"/>
+    <p:sldId id="272" r:id="rId21"/>
+    <p:sldId id="290" r:id="rId22"/>
+    <p:sldId id="279" r:id="rId23"/>
+    <p:sldId id="280" r:id="rId24"/>
+    <p:sldId id="281" r:id="rId25"/>
+    <p:sldId id="282" r:id="rId26"/>
+    <p:sldId id="283" r:id="rId27"/>
+    <p:sldId id="284" r:id="rId28"/>
+    <p:sldId id="285" r:id="rId29"/>
   </p:sldIdLst>
   <p:sldSz cx="9144000" cy="5143500" type="screen16x9"/>
   <p:notesSz cx="6858000" cy="9144000"/>
@@ -624,101 +622,19 @@
           </a:bodyPr>
           <a:lstStyle/>
           <a:p>
-            <a:pPr marL="158760">
-              <a:lnSpc>
-                <a:spcPct val="100000"/>
-              </a:lnSpc>
-            </a:pPr>
-            <a:r>
-              <a:rPr lang="en-US" sz="1100" b="0" strike="noStrike" spc="-1">
-                <a:solidFill>
-                  <a:srgbClr val="000000"/>
-                </a:solidFill>
-                <a:latin typeface="Arial"/>
-                <a:ea typeface="Arial"/>
-              </a:rPr>
-              <a:t>Notes: </a:t>
-            </a:r>
-            <a:endParaRPr lang="en-US" sz="1100" b="0" strike="noStrike" spc="-1">
-              <a:latin typeface="Arial"/>
-            </a:endParaRPr>
-          </a:p>
-          <a:p>
-            <a:pPr marL="158760">
-              <a:lnSpc>
-                <a:spcPct val="100000"/>
-              </a:lnSpc>
-            </a:pPr>
-            <a:r>
-              <a:rPr lang="en-US" sz="1100" b="0" strike="noStrike" spc="-1">
-                <a:solidFill>
-                  <a:srgbClr val="000000"/>
-                </a:solidFill>
-                <a:latin typeface="Arial"/>
-                <a:ea typeface="Arial"/>
-              </a:rPr>
-              <a:t>x.509 is one of the  industry standard ways of authenticating to backend services</a:t>
-            </a:r>
-            <a:endParaRPr lang="en-US" sz="1100" b="0" strike="noStrike" spc="-1">
-              <a:latin typeface="Arial"/>
-            </a:endParaRPr>
-          </a:p>
-          <a:p>
-            <a:pPr marL="158760">
-              <a:lnSpc>
-                <a:spcPct val="100000"/>
-              </a:lnSpc>
-            </a:pPr>
-            <a:r>
-              <a:rPr lang="en-US" sz="1100" b="0" strike="noStrike" spc="-1">
-                <a:solidFill>
-                  <a:srgbClr val="000000"/>
-                </a:solidFill>
-                <a:latin typeface="Arial"/>
-                <a:ea typeface="Arial"/>
-              </a:rPr>
-              <a:t>Zowe Client apps will need to be updated to support client certs</a:t>
-            </a:r>
-            <a:endParaRPr lang="en-US" sz="1100" b="0" strike="noStrike" spc="-1">
-              <a:latin typeface="Arial"/>
-            </a:endParaRPr>
-          </a:p>
-          <a:p>
-            <a:pPr marL="158760">
-              <a:lnSpc>
-                <a:spcPct val="100000"/>
-              </a:lnSpc>
-            </a:pPr>
-            <a:r>
-              <a:rPr lang="en-US" sz="1100" b="0" strike="noStrike" spc="-1">
-                <a:solidFill>
-                  <a:srgbClr val="000000"/>
-                </a:solidFill>
-                <a:latin typeface="Arial"/>
-                <a:ea typeface="Arial"/>
-              </a:rPr>
-              <a:t>Customer apps may have their own way of supporting client certs</a:t>
-            </a:r>
-            <a:endParaRPr lang="en-US" sz="1100" b="0" strike="noStrike" spc="-1">
-              <a:latin typeface="Arial"/>
-            </a:endParaRPr>
-          </a:p>
-          <a:p>
-            <a:pPr marL="158760">
-              <a:lnSpc>
-                <a:spcPct val="100000"/>
-              </a:lnSpc>
-            </a:pPr>
-            <a:endParaRPr lang="en-US" sz="1100" b="0" strike="noStrike" spc="-1">
-              <a:latin typeface="Arial"/>
-            </a:endParaRPr>
+            <a:pPr marL="101520">
+              <a:spcBef>
+                <a:spcPts val="400"/>
+              </a:spcBef>
+            </a:pPr>
+            <a:endParaRPr lang="en-US" sz="1100" dirty="0"/>
           </a:p>
         </p:txBody>
       </p:sp>
     </p:spTree>
     <p:extLst>
       <p:ext uri="{BB962C8B-B14F-4D97-AF65-F5344CB8AC3E}">
-        <p14:creationId xmlns:p14="http://schemas.microsoft.com/office/powerpoint/2010/main" val="1361380048"/>
+        <p14:creationId xmlns:p14="http://schemas.microsoft.com/office/powerpoint/2010/main" val="4161502945"/>
       </p:ext>
     </p:extLst>
   </p:cSld>
@@ -790,101 +706,19 @@
           </a:bodyPr>
           <a:lstStyle/>
           <a:p>
-            <a:pPr marL="158760">
-              <a:lnSpc>
-                <a:spcPct val="100000"/>
-              </a:lnSpc>
-            </a:pPr>
-            <a:r>
-              <a:rPr lang="en-US" sz="1100" b="0" strike="noStrike" spc="-1">
-                <a:solidFill>
-                  <a:srgbClr val="000000"/>
-                </a:solidFill>
-                <a:latin typeface="Arial"/>
-                <a:ea typeface="Arial"/>
-              </a:rPr>
-              <a:t>Notes: </a:t>
-            </a:r>
-            <a:endParaRPr lang="en-US" sz="1100" b="0" strike="noStrike" spc="-1">
-              <a:latin typeface="Arial"/>
-            </a:endParaRPr>
-          </a:p>
-          <a:p>
-            <a:pPr marL="158760">
-              <a:lnSpc>
-                <a:spcPct val="100000"/>
-              </a:lnSpc>
-            </a:pPr>
-            <a:r>
-              <a:rPr lang="en-US" sz="1100" b="0" strike="noStrike" spc="-1">
-                <a:solidFill>
-                  <a:srgbClr val="000000"/>
-                </a:solidFill>
-                <a:latin typeface="Arial"/>
-                <a:ea typeface="Arial"/>
-              </a:rPr>
-              <a:t>x.509 is one of the  industry standard ways of authenticating to backend services</a:t>
-            </a:r>
-            <a:endParaRPr lang="en-US" sz="1100" b="0" strike="noStrike" spc="-1">
-              <a:latin typeface="Arial"/>
-            </a:endParaRPr>
-          </a:p>
-          <a:p>
-            <a:pPr marL="158760">
-              <a:lnSpc>
-                <a:spcPct val="100000"/>
-              </a:lnSpc>
-            </a:pPr>
-            <a:r>
-              <a:rPr lang="en-US" sz="1100" b="0" strike="noStrike" spc="-1">
-                <a:solidFill>
-                  <a:srgbClr val="000000"/>
-                </a:solidFill>
-                <a:latin typeface="Arial"/>
-                <a:ea typeface="Arial"/>
-              </a:rPr>
-              <a:t>Zowe Client apps will need to be updated to support client certs</a:t>
-            </a:r>
-            <a:endParaRPr lang="en-US" sz="1100" b="0" strike="noStrike" spc="-1">
-              <a:latin typeface="Arial"/>
-            </a:endParaRPr>
-          </a:p>
-          <a:p>
-            <a:pPr marL="158760">
-              <a:lnSpc>
-                <a:spcPct val="100000"/>
-              </a:lnSpc>
-            </a:pPr>
-            <a:r>
-              <a:rPr lang="en-US" sz="1100" b="0" strike="noStrike" spc="-1">
-                <a:solidFill>
-                  <a:srgbClr val="000000"/>
-                </a:solidFill>
-                <a:latin typeface="Arial"/>
-                <a:ea typeface="Arial"/>
-              </a:rPr>
-              <a:t>Customer apps may have their own way of supporting client certs</a:t>
-            </a:r>
-            <a:endParaRPr lang="en-US" sz="1100" b="0" strike="noStrike" spc="-1">
-              <a:latin typeface="Arial"/>
-            </a:endParaRPr>
-          </a:p>
-          <a:p>
-            <a:pPr marL="158760">
-              <a:lnSpc>
-                <a:spcPct val="100000"/>
-              </a:lnSpc>
-            </a:pPr>
-            <a:endParaRPr lang="en-US" sz="1100" b="0" strike="noStrike" spc="-1">
-              <a:latin typeface="Arial"/>
-            </a:endParaRPr>
+            <a:pPr marL="101520">
+              <a:spcBef>
+                <a:spcPts val="400"/>
+              </a:spcBef>
+            </a:pPr>
+            <a:endParaRPr lang="en-US" sz="1100" dirty="0"/>
           </a:p>
         </p:txBody>
       </p:sp>
     </p:spTree>
     <p:extLst>
       <p:ext uri="{BB962C8B-B14F-4D97-AF65-F5344CB8AC3E}">
-        <p14:creationId xmlns:p14="http://schemas.microsoft.com/office/powerpoint/2010/main" val="1361380048"/>
+        <p14:creationId xmlns:p14="http://schemas.microsoft.com/office/powerpoint/2010/main" val="408879043"/>
       </p:ext>
     </p:extLst>
   </p:cSld>
@@ -968,7 +802,7 @@
     </p:spTree>
     <p:extLst>
       <p:ext uri="{BB962C8B-B14F-4D97-AF65-F5344CB8AC3E}">
-        <p14:creationId xmlns:p14="http://schemas.microsoft.com/office/powerpoint/2010/main" val="4161502945"/>
+        <p14:creationId xmlns:p14="http://schemas.microsoft.com/office/powerpoint/2010/main" val="2903952489"/>
       </p:ext>
     </p:extLst>
   </p:cSld>
@@ -1052,7 +886,7 @@
     </p:spTree>
     <p:extLst>
       <p:ext uri="{BB962C8B-B14F-4D97-AF65-F5344CB8AC3E}">
-        <p14:creationId xmlns:p14="http://schemas.microsoft.com/office/powerpoint/2010/main" val="408879043"/>
+        <p14:creationId xmlns:p14="http://schemas.microsoft.com/office/powerpoint/2010/main" val="1291355002"/>
       </p:ext>
     </p:extLst>
   </p:cSld>
@@ -1081,174 +915,6 @@
       </p:grpSpPr>
       <p:sp>
         <p:nvSpPr>
-          <p:cNvPr id="243" name="PlaceHolder 1"/>
-          <p:cNvSpPr>
-            <a:spLocks noGrp="1" noRot="1" noChangeAspect="1"/>
-          </p:cNvSpPr>
-          <p:nvPr>
-            <p:ph type="sldImg"/>
-          </p:nvPr>
-        </p:nvSpPr>
-        <p:spPr>
-          <a:xfrm>
-            <a:off x="381000" y="685800"/>
-            <a:ext cx="6096000" cy="3429000"/>
-          </a:xfrm>
-          <a:prstGeom prst="rect">
-            <a:avLst/>
-          </a:prstGeom>
-        </p:spPr>
-      </p:sp>
-      <p:sp>
-        <p:nvSpPr>
-          <p:cNvPr id="244" name="PlaceHolder 2"/>
-          <p:cNvSpPr>
-            <a:spLocks noGrp="1"/>
-          </p:cNvSpPr>
-          <p:nvPr>
-            <p:ph type="body"/>
-          </p:nvPr>
-        </p:nvSpPr>
-        <p:spPr>
-          <a:xfrm>
-            <a:off x="685800" y="4343400"/>
-            <a:ext cx="5486040" cy="4114440"/>
-          </a:xfrm>
-          <a:prstGeom prst="rect">
-            <a:avLst/>
-          </a:prstGeom>
-        </p:spPr>
-        <p:txBody>
-          <a:bodyPr tIns="91440" bIns="91440">
-            <a:noAutofit/>
-          </a:bodyPr>
-          <a:lstStyle/>
-          <a:p>
-            <a:pPr marL="101520">
-              <a:spcBef>
-                <a:spcPts val="400"/>
-              </a:spcBef>
-            </a:pPr>
-            <a:endParaRPr lang="en-US" sz="1100" dirty="0"/>
-          </a:p>
-        </p:txBody>
-      </p:sp>
-    </p:spTree>
-    <p:extLst>
-      <p:ext uri="{BB962C8B-B14F-4D97-AF65-F5344CB8AC3E}">
-        <p14:creationId xmlns:p14="http://schemas.microsoft.com/office/powerpoint/2010/main" val="2903952489"/>
-      </p:ext>
-    </p:extLst>
-  </p:cSld>
-  <p:clrMapOvr>
-    <a:masterClrMapping/>
-  </p:clrMapOvr>
-</p:notes>
-</file>
-
-<file path=ppt/notesSlides/notesSlide15.xml><?xml version="1.0" encoding="utf-8"?>
-<p:notes xmlns:a="http://schemas.openxmlformats.org/drawingml/2006/main" xmlns:r="http://schemas.openxmlformats.org/officeDocument/2006/relationships" xmlns:p="http://schemas.openxmlformats.org/presentationml/2006/main">
-  <p:cSld>
-    <p:spTree>
-      <p:nvGrpSpPr>
-        <p:cNvPr id="1" name=""/>
-        <p:cNvGrpSpPr/>
-        <p:nvPr/>
-      </p:nvGrpSpPr>
-      <p:grpSpPr>
-        <a:xfrm>
-          <a:off x="0" y="0"/>
-          <a:ext cx="0" cy="0"/>
-          <a:chOff x="0" y="0"/>
-          <a:chExt cx="0" cy="0"/>
-        </a:xfrm>
-      </p:grpSpPr>
-      <p:sp>
-        <p:nvSpPr>
-          <p:cNvPr id="243" name="PlaceHolder 1"/>
-          <p:cNvSpPr>
-            <a:spLocks noGrp="1" noRot="1" noChangeAspect="1"/>
-          </p:cNvSpPr>
-          <p:nvPr>
-            <p:ph type="sldImg"/>
-          </p:nvPr>
-        </p:nvSpPr>
-        <p:spPr>
-          <a:xfrm>
-            <a:off x="381000" y="685800"/>
-            <a:ext cx="6096000" cy="3429000"/>
-          </a:xfrm>
-          <a:prstGeom prst="rect">
-            <a:avLst/>
-          </a:prstGeom>
-        </p:spPr>
-      </p:sp>
-      <p:sp>
-        <p:nvSpPr>
-          <p:cNvPr id="244" name="PlaceHolder 2"/>
-          <p:cNvSpPr>
-            <a:spLocks noGrp="1"/>
-          </p:cNvSpPr>
-          <p:nvPr>
-            <p:ph type="body"/>
-          </p:nvPr>
-        </p:nvSpPr>
-        <p:spPr>
-          <a:xfrm>
-            <a:off x="685800" y="4343400"/>
-            <a:ext cx="5486040" cy="4114440"/>
-          </a:xfrm>
-          <a:prstGeom prst="rect">
-            <a:avLst/>
-          </a:prstGeom>
-        </p:spPr>
-        <p:txBody>
-          <a:bodyPr tIns="91440" bIns="91440">
-            <a:noAutofit/>
-          </a:bodyPr>
-          <a:lstStyle/>
-          <a:p>
-            <a:pPr marL="101520">
-              <a:spcBef>
-                <a:spcPts val="400"/>
-              </a:spcBef>
-            </a:pPr>
-            <a:endParaRPr lang="en-US" sz="1100" dirty="0"/>
-          </a:p>
-        </p:txBody>
-      </p:sp>
-    </p:spTree>
-    <p:extLst>
-      <p:ext uri="{BB962C8B-B14F-4D97-AF65-F5344CB8AC3E}">
-        <p14:creationId xmlns:p14="http://schemas.microsoft.com/office/powerpoint/2010/main" val="1291355002"/>
-      </p:ext>
-    </p:extLst>
-  </p:cSld>
-  <p:clrMapOvr>
-    <a:masterClrMapping/>
-  </p:clrMapOvr>
-</p:notes>
-</file>
-
-<file path=ppt/notesSlides/notesSlide16.xml><?xml version="1.0" encoding="utf-8"?>
-<p:notes xmlns:a="http://schemas.openxmlformats.org/drawingml/2006/main" xmlns:r="http://schemas.openxmlformats.org/officeDocument/2006/relationships" xmlns:p="http://schemas.openxmlformats.org/presentationml/2006/main">
-  <p:cSld>
-    <p:spTree>
-      <p:nvGrpSpPr>
-        <p:cNvPr id="1" name=""/>
-        <p:cNvGrpSpPr/>
-        <p:nvPr/>
-      </p:nvGrpSpPr>
-      <p:grpSpPr>
-        <a:xfrm>
-          <a:off x="0" y="0"/>
-          <a:ext cx="0" cy="0"/>
-          <a:chOff x="0" y="0"/>
-          <a:chExt cx="0" cy="0"/>
-        </a:xfrm>
-      </p:grpSpPr>
-      <p:sp>
-        <p:nvSpPr>
           <p:cNvPr id="2" name="Slide Image Placeholder 1"/>
           <p:cNvSpPr>
             <a:spLocks noGrp="1" noRot="1" noChangeAspect="1"/>
@@ -1303,7 +969,7 @@
               <a:rPr lang="en-US" sz="1400" b="0" strike="noStrike" spc="-1" smtClean="0">
                 <a:latin typeface="Times New Roman"/>
               </a:rPr>
-              <a:t>25</a:t>
+              <a:t>23</a:t>
             </a:fld>
             <a:endParaRPr lang="en-US" sz="1400" b="0" strike="noStrike" spc="-1">
               <a:latin typeface="Times New Roman"/>
@@ -1394,18 +1060,18 @@
               <a:buChar char="Ø"/>
             </a:pPr>
             <a:r>
-              <a:rPr lang="en-US" sz="1100" b="0" strike="noStrike" spc="-1" dirty="0" smtClean="0">
+              <a:rPr lang="en-US" sz="1100" b="0" strike="noStrike" spc="-1" dirty="0">
                 <a:latin typeface="Arial"/>
               </a:rPr>
               <a:t>Notes:</a:t>
             </a:r>
             <a:br>
-              <a:rPr lang="en-US" sz="1100" b="0" strike="noStrike" spc="-1" dirty="0" smtClean="0">
+              <a:rPr lang="en-US" sz="1100" b="0" strike="noStrike" spc="-1" dirty="0">
                 <a:latin typeface="Arial"/>
               </a:rPr>
             </a:br>
             <a:r>
-              <a:rPr lang="en-US" dirty="0" smtClean="0"/>
+              <a:rPr lang="en-US" dirty="0"/>
               <a:t>Address growing number of community enhancement requests</a:t>
             </a:r>
           </a:p>
@@ -1418,18 +1084,18 @@
               <a:buChar char="Ø"/>
             </a:pPr>
             <a:r>
-              <a:rPr lang="en-US" u="sng" dirty="0" err="1" smtClean="0">
+              <a:rPr lang="en-US" u="sng" dirty="0" err="1">
                 <a:hlinkClick r:id="rId3"/>
               </a:rPr>
               <a:t>zowe</a:t>
             </a:r>
             <a:r>
-              <a:rPr lang="en-US" u="sng" dirty="0" smtClean="0">
+              <a:rPr lang="en-US" u="sng" dirty="0">
                 <a:hlinkClick r:id="rId3"/>
               </a:rPr>
               <a:t> zos-files copy data-set : no replace option #808</a:t>
             </a:r>
-            <a:endParaRPr lang="en-US" u="sng" dirty="0" smtClean="0"/>
+            <a:endParaRPr lang="en-US" u="sng" dirty="0"/>
           </a:p>
           <a:p>
             <a:pPr marL="844470" lvl="1" indent="-285750">
@@ -1440,13 +1106,13 @@
               <a:buChar char="Ø"/>
             </a:pPr>
             <a:r>
-              <a:rPr lang="en-US" u="sng" dirty="0" smtClean="0">
+              <a:rPr lang="en-US" u="sng" dirty="0">
                 <a:hlinkClick r:id="rId4"/>
               </a:rPr>
               <a:t>Question : how to "nullify" an option in a profile #797</a:t>
             </a:r>
             <a:r>
-              <a:rPr lang="en-US" dirty="0" smtClean="0"/>
+              <a:rPr lang="en-US" dirty="0"/>
               <a:t> </a:t>
             </a:r>
           </a:p>
@@ -1459,12 +1125,12 @@
               <a:buChar char="Ø"/>
             </a:pPr>
             <a:r>
-              <a:rPr lang="en-US" u="sng" dirty="0" smtClean="0">
+              <a:rPr lang="en-US" u="sng" dirty="0">
                 <a:hlinkClick r:id="rId5"/>
               </a:rPr>
               <a:t>copy data-set option should have replace option and list of members #789</a:t>
             </a:r>
-            <a:endParaRPr lang="en-US" dirty="0" smtClean="0"/>
+            <a:endParaRPr lang="en-US" dirty="0"/>
           </a:p>
           <a:p>
             <a:pPr marL="844470" lvl="1" indent="-285750">
@@ -1475,24 +1141,24 @@
               <a:buChar char="Ø"/>
             </a:pPr>
             <a:r>
-              <a:rPr lang="en-US" u="sng" dirty="0" smtClean="0">
+              <a:rPr lang="en-US" u="sng" dirty="0">
                 <a:hlinkClick r:id="rId6"/>
               </a:rPr>
               <a:t>Create PDS member option to </a:t>
             </a:r>
             <a:r>
-              <a:rPr lang="en-US" u="sng" dirty="0" err="1" smtClean="0">
+              <a:rPr lang="en-US" u="sng" dirty="0" err="1">
                 <a:hlinkClick r:id="rId6"/>
               </a:rPr>
               <a:t>zowe</a:t>
             </a:r>
             <a:r>
-              <a:rPr lang="en-US" u="sng" dirty="0" smtClean="0">
+              <a:rPr lang="en-US" u="sng" dirty="0">
                 <a:hlinkClick r:id="rId6"/>
               </a:rPr>
               <a:t> zos-files create data-set- function #773</a:t>
             </a:r>
-            <a:endParaRPr lang="en-US" dirty="0" smtClean="0"/>
+            <a:endParaRPr lang="en-US" dirty="0"/>
           </a:p>
           <a:p>
             <a:pPr marL="844470" lvl="1" indent="-285750">
@@ -1503,24 +1169,24 @@
               <a:buChar char="Ø"/>
             </a:pPr>
             <a:r>
-              <a:rPr lang="en-US" u="sng" dirty="0" smtClean="0">
+              <a:rPr lang="en-US" u="sng" dirty="0">
                 <a:hlinkClick r:id="rId7"/>
               </a:rPr>
               <a:t>LIKE parameter for </a:t>
             </a:r>
             <a:r>
-              <a:rPr lang="en-US" u="sng" dirty="0" err="1" smtClean="0">
+              <a:rPr lang="en-US" u="sng" dirty="0" err="1">
                 <a:hlinkClick r:id="rId7"/>
               </a:rPr>
               <a:t>zowe</a:t>
             </a:r>
             <a:r>
-              <a:rPr lang="en-US" u="sng" dirty="0" smtClean="0">
+              <a:rPr lang="en-US" u="sng" dirty="0">
                 <a:hlinkClick r:id="rId7"/>
               </a:rPr>
               <a:t> zos-files create data-set-* #771</a:t>
             </a:r>
-            <a:endParaRPr lang="en-US" dirty="0" smtClean="0"/>
+            <a:endParaRPr lang="en-US" dirty="0"/>
           </a:p>
           <a:p>
             <a:pPr marL="844470" lvl="1" indent="-285750">
@@ -1531,12 +1197,12 @@
               <a:buChar char="Ø"/>
             </a:pPr>
             <a:r>
-              <a:rPr lang="en-US" u="sng" dirty="0" smtClean="0">
+              <a:rPr lang="en-US" u="sng" dirty="0">
                 <a:hlinkClick r:id="rId8"/>
               </a:rPr>
               <a:t>Enable use of a pattern to restrict what member names are returned from listing of PDS members #810</a:t>
             </a:r>
-            <a:endParaRPr lang="en-US" dirty="0" smtClean="0"/>
+            <a:endParaRPr lang="en-US" dirty="0"/>
           </a:p>
           <a:p>
             <a:pPr marL="844470" lvl="1" indent="-285750">
@@ -1547,12 +1213,12 @@
               <a:buChar char="Ø"/>
             </a:pPr>
             <a:r>
-              <a:rPr lang="en-US" u="sng" dirty="0" smtClean="0">
+              <a:rPr lang="en-US" u="sng" dirty="0">
                 <a:hlinkClick r:id="rId9"/>
               </a:rPr>
               <a:t>Support the IBM z/OSMF header that allows record (support for VB binary) #539</a:t>
             </a:r>
-            <a:endParaRPr lang="en-US" dirty="0" smtClean="0"/>
+            <a:endParaRPr lang="en-US" dirty="0"/>
           </a:p>
           <a:p>
             <a:pPr marL="101520">
@@ -1560,7 +1226,7 @@
                 <a:spcPts val="400"/>
               </a:spcBef>
             </a:pPr>
-            <a:endParaRPr lang="en-US" sz="1100" b="0" strike="noStrike" spc="-1" dirty="0" smtClean="0">
+            <a:endParaRPr lang="en-US" sz="1100" b="0" strike="noStrike" spc="-1" dirty="0">
               <a:latin typeface="Arial"/>
             </a:endParaRPr>
           </a:p>
@@ -1573,38 +1239,34 @@
               <a:buChar char="Ø"/>
             </a:pPr>
             <a:r>
-              <a:rPr lang="en-US" sz="1100" dirty="0" smtClean="0"/>
+              <a:rPr lang="en-US" sz="1100" dirty="0"/>
               <a:t>Ensure successful installation of the </a:t>
             </a:r>
             <a:r>
-              <a:rPr lang="en-US" sz="1100" dirty="0" err="1" smtClean="0"/>
+              <a:rPr lang="en-US" sz="1100" dirty="0" err="1"/>
               <a:t>Zowe</a:t>
             </a:r>
             <a:r>
-              <a:rPr lang="en-US" sz="1100" dirty="0" smtClean="0"/>
+              <a:rPr lang="en-US" sz="1100" dirty="0"/>
               <a:t> CLI in environments with proxies. Provide guidance on installing from public NPM via proxy but also suggest installing from the local package hosted on zowe.org as an alternative. </a:t>
             </a:r>
             <a:br>
-              <a:rPr lang="en-US" sz="1100" dirty="0" smtClean="0"/>
+              <a:rPr lang="en-US" sz="1100" dirty="0"/>
             </a:br>
             <a:r>
-              <a:rPr lang="en-US" sz="1100" dirty="0" smtClean="0"/>
+              <a:rPr lang="en-US" sz="1100" dirty="0"/>
               <a:t>Also, address issue with using CLI to access mainframe environment over http proxy: </a:t>
             </a:r>
             <a:r>
-              <a:rPr lang="en-US" sz="1100" dirty="0" smtClean="0">
+              <a:rPr lang="en-US" sz="1100" dirty="0">
                 <a:hlinkClick r:id="rId10"/>
               </a:rPr>
               <a:t>https://github.com/zowe/zowe-cli/issues/498</a:t>
             </a:r>
-            <a:r>
-              <a:rPr lang="en-US" sz="1100" dirty="0" smtClean="0"/>
-              <a:t/>
-            </a:r>
             <a:br>
-              <a:rPr lang="en-US" sz="1100" dirty="0" smtClean="0"/>
+              <a:rPr lang="en-US" sz="1100" dirty="0"/>
             </a:br>
-            <a:endParaRPr lang="en-US" sz="1100" dirty="0" smtClean="0"/>
+            <a:endParaRPr lang="en-US" sz="1100" dirty="0"/>
           </a:p>
           <a:p>
             <a:pPr marL="387270" indent="-285750">
@@ -1615,13 +1277,13 @@
               <a:buChar char="Ø"/>
             </a:pPr>
             <a:r>
-              <a:rPr lang="en-US" sz="1100" dirty="0" smtClean="0"/>
+              <a:rPr lang="en-US" sz="1100" dirty="0"/>
               <a:t>Allow for recently run commands to be easily recalled. Recalling commands today tends to be difficult especially when switching terminals and mistyping commands is common.</a:t>
             </a:r>
             <a:br>
-              <a:rPr lang="en-US" sz="1100" dirty="0" smtClean="0"/>
+              <a:rPr lang="en-US" sz="1100" dirty="0"/>
             </a:br>
-            <a:endParaRPr lang="en-US" sz="1100" dirty="0" smtClean="0"/>
+            <a:endParaRPr lang="en-US" sz="1100" dirty="0"/>
           </a:p>
           <a:p>
             <a:pPr marL="387270" indent="-285750">
@@ -1632,47 +1294,47 @@
               <a:buChar char="Ø"/>
             </a:pPr>
             <a:r>
-              <a:rPr lang="en-US" sz="1100" dirty="0" smtClean="0"/>
+              <a:rPr lang="en-US" sz="1100" dirty="0"/>
               <a:t>Ensure </a:t>
             </a:r>
             <a:r>
-              <a:rPr lang="en-US" sz="1100" dirty="0" err="1" smtClean="0"/>
+              <a:rPr lang="en-US" sz="1100" dirty="0" err="1"/>
               <a:t>Zowe</a:t>
             </a:r>
             <a:r>
-              <a:rPr lang="en-US" sz="1100" dirty="0" smtClean="0"/>
+              <a:rPr lang="en-US" sz="1100" dirty="0"/>
               <a:t> CLI functions properly in a </a:t>
             </a:r>
             <a:r>
-              <a:rPr lang="en-US" sz="1100" dirty="0" err="1" smtClean="0"/>
+              <a:rPr lang="en-US" sz="1100" dirty="0" err="1"/>
               <a:t>CodeReady</a:t>
             </a:r>
             <a:r>
-              <a:rPr lang="en-US" sz="1100" dirty="0" smtClean="0"/>
+              <a:rPr lang="en-US" sz="1100" dirty="0"/>
               <a:t> Workspace. Open question: would IBM be able to provide a </a:t>
             </a:r>
             <a:r>
-              <a:rPr lang="en-US" sz="1100" dirty="0" err="1" smtClean="0"/>
+              <a:rPr lang="en-US" sz="1100" dirty="0" err="1"/>
               <a:t>CodeReady</a:t>
             </a:r>
             <a:r>
-              <a:rPr lang="en-US" sz="1100" dirty="0" smtClean="0"/>
+              <a:rPr lang="en-US" sz="1100" dirty="0"/>
               <a:t> Workspace to the community that the squad could leverage to validate </a:t>
             </a:r>
             <a:r>
-              <a:rPr lang="en-US" sz="1100" dirty="0" err="1" smtClean="0"/>
+              <a:rPr lang="en-US" sz="1100" dirty="0" err="1"/>
               <a:t>Zowe</a:t>
             </a:r>
             <a:r>
-              <a:rPr lang="en-US" sz="1100" dirty="0" smtClean="0"/>
+              <a:rPr lang="en-US" sz="1100" dirty="0"/>
               <a:t> CLI (possible </a:t>
             </a:r>
             <a:r>
-              <a:rPr lang="en-US" sz="1100" dirty="0" err="1" smtClean="0"/>
+              <a:rPr lang="en-US" sz="1100" dirty="0" err="1"/>
               <a:t>Zowe</a:t>
             </a:r>
             <a:r>
-              <a:rPr lang="en-US" sz="1100" dirty="0" smtClean="0"/>
+              <a:rPr lang="en-US" sz="1100" dirty="0"/>
               <a:t> Explorer in the future?)</a:t>
             </a:r>
           </a:p>
@@ -1812,7 +1474,7 @@
       </p:grpSpPr>
       <p:sp>
         <p:nvSpPr>
-          <p:cNvPr id="243" name="PlaceHolder 1"/>
+          <p:cNvPr id="2" name="Slide Image Placeholder 1"/>
           <p:cNvSpPr>
             <a:spLocks noGrp="1" noRot="1" noChangeAspect="1"/>
           </p:cNvSpPr>
@@ -1822,131 +1484,64 @@
         </p:nvSpPr>
         <p:spPr>
           <a:xfrm>
-            <a:off x="381000" y="685800"/>
-            <a:ext cx="6096000" cy="3429000"/>
-          </a:xfrm>
-          <a:prstGeom prst="rect">
-            <a:avLst/>
-          </a:prstGeom>
-        </p:spPr>
-      </p:sp>
-      <p:sp>
-        <p:nvSpPr>
-          <p:cNvPr id="244" name="PlaceHolder 2"/>
+            <a:off x="533400" y="763588"/>
+            <a:ext cx="6704013" cy="3771900"/>
+          </a:xfrm>
+        </p:spPr>
+      </p:sp>
+      <p:sp>
+        <p:nvSpPr>
+          <p:cNvPr id="3" name="Notes Placeholder 2"/>
           <p:cNvSpPr>
             <a:spLocks noGrp="1"/>
           </p:cNvSpPr>
           <p:nvPr>
-            <p:ph type="body"/>
+            <p:ph type="body" idx="1"/>
           </p:nvPr>
         </p:nvSpPr>
-        <p:spPr>
-          <a:xfrm>
-            <a:off x="685800" y="4343400"/>
-            <a:ext cx="5486040" cy="4114440"/>
-          </a:xfrm>
-          <a:prstGeom prst="rect">
-            <a:avLst/>
-          </a:prstGeom>
-        </p:spPr>
-        <p:txBody>
-          <a:bodyPr tIns="91440" bIns="91440">
-            <a:noAutofit/>
-          </a:bodyPr>
-          <a:lstStyle/>
-          <a:p>
-            <a:pPr marL="158760">
-              <a:lnSpc>
-                <a:spcPct val="100000"/>
-              </a:lnSpc>
-            </a:pPr>
-            <a:r>
-              <a:rPr lang="en-US" sz="1100" b="0" strike="noStrike" spc="-1">
-                <a:solidFill>
-                  <a:srgbClr val="000000"/>
-                </a:solidFill>
-                <a:latin typeface="Arial"/>
-                <a:ea typeface="Arial"/>
-              </a:rPr>
-              <a:t>Notes: </a:t>
-            </a:r>
-            <a:endParaRPr lang="en-US" sz="1100" b="0" strike="noStrike" spc="-1">
-              <a:latin typeface="Arial"/>
-            </a:endParaRPr>
-          </a:p>
-          <a:p>
-            <a:pPr marL="158760">
-              <a:lnSpc>
-                <a:spcPct val="100000"/>
-              </a:lnSpc>
-            </a:pPr>
-            <a:r>
-              <a:rPr lang="en-US" sz="1100" b="0" strike="noStrike" spc="-1">
-                <a:solidFill>
-                  <a:srgbClr val="000000"/>
-                </a:solidFill>
-                <a:latin typeface="Arial"/>
-                <a:ea typeface="Arial"/>
-              </a:rPr>
-              <a:t>x.509 is one of the  industry standard ways of authenticating to backend services</a:t>
-            </a:r>
-            <a:endParaRPr lang="en-US" sz="1100" b="0" strike="noStrike" spc="-1">
-              <a:latin typeface="Arial"/>
-            </a:endParaRPr>
-          </a:p>
-          <a:p>
-            <a:pPr marL="158760">
-              <a:lnSpc>
-                <a:spcPct val="100000"/>
-              </a:lnSpc>
-            </a:pPr>
-            <a:r>
-              <a:rPr lang="en-US" sz="1100" b="0" strike="noStrike" spc="-1">
-                <a:solidFill>
-                  <a:srgbClr val="000000"/>
-                </a:solidFill>
-                <a:latin typeface="Arial"/>
-                <a:ea typeface="Arial"/>
-              </a:rPr>
-              <a:t>Zowe Client apps will need to be updated to support client certs</a:t>
-            </a:r>
-            <a:endParaRPr lang="en-US" sz="1100" b="0" strike="noStrike" spc="-1">
-              <a:latin typeface="Arial"/>
-            </a:endParaRPr>
-          </a:p>
-          <a:p>
-            <a:pPr marL="158760">
-              <a:lnSpc>
-                <a:spcPct val="100000"/>
-              </a:lnSpc>
-            </a:pPr>
-            <a:r>
-              <a:rPr lang="en-US" sz="1100" b="0" strike="noStrike" spc="-1">
-                <a:solidFill>
-                  <a:srgbClr val="000000"/>
-                </a:solidFill>
-                <a:latin typeface="Arial"/>
-                <a:ea typeface="Arial"/>
-              </a:rPr>
-              <a:t>Customer apps may have their own way of supporting client certs</a:t>
-            </a:r>
-            <a:endParaRPr lang="en-US" sz="1100" b="0" strike="noStrike" spc="-1">
-              <a:latin typeface="Arial"/>
-            </a:endParaRPr>
-          </a:p>
-          <a:p>
-            <a:pPr marL="158760">
-              <a:lnSpc>
-                <a:spcPct val="100000"/>
-              </a:lnSpc>
-            </a:pPr>
-            <a:endParaRPr lang="en-US" sz="1100" b="0" strike="noStrike" spc="-1">
-              <a:latin typeface="Arial"/>
+        <p:spPr/>
+        <p:txBody>
+          <a:bodyPr/>
+          <a:lstStyle/>
+          <a:p>
+            <a:endParaRPr lang="en-US" dirty="0"/>
+          </a:p>
+        </p:txBody>
+      </p:sp>
+      <p:sp>
+        <p:nvSpPr>
+          <p:cNvPr id="4" name="Slide Number Placeholder 3"/>
+          <p:cNvSpPr>
+            <a:spLocks noGrp="1"/>
+          </p:cNvSpPr>
+          <p:nvPr>
+            <p:ph type="sldNum"/>
+          </p:nvPr>
+        </p:nvSpPr>
+        <p:spPr/>
+        <p:txBody>
+          <a:bodyPr/>
+          <a:lstStyle/>
+          <a:p>
+            <a:pPr algn="r"/>
+            <a:fld id="{BA3CDCDB-E9EF-4257-93B9-33682187AA79}" type="slidenum">
+              <a:rPr lang="en-US" sz="1400" b="0" strike="noStrike" spc="-1" smtClean="0">
+                <a:latin typeface="Times New Roman"/>
+              </a:rPr>
+              <a:t>12</a:t>
+            </a:fld>
+            <a:endParaRPr lang="en-US" sz="1400" b="0" strike="noStrike" spc="-1">
+              <a:latin typeface="Times New Roman"/>
             </a:endParaRPr>
           </a:p>
         </p:txBody>
       </p:sp>
     </p:spTree>
+    <p:extLst>
+      <p:ext uri="{BB962C8B-B14F-4D97-AF65-F5344CB8AC3E}">
+        <p14:creationId xmlns:p14="http://schemas.microsoft.com/office/powerpoint/2010/main" val="3920945911"/>
+      </p:ext>
+    </p:extLst>
   </p:cSld>
   <p:clrMapOvr>
     <a:masterClrMapping/>
@@ -2108,11 +1703,6 @@
         </p:txBody>
       </p:sp>
     </p:spTree>
-    <p:extLst>
-      <p:ext uri="{BB962C8B-B14F-4D97-AF65-F5344CB8AC3E}">
-        <p14:creationId xmlns:p14="http://schemas.microsoft.com/office/powerpoint/2010/main" val="3714303811"/>
-      </p:ext>
-    </p:extLst>
   </p:cSld>
   <p:clrMapOvr>
     <a:masterClrMapping/>
@@ -2276,7 +1866,7 @@
     </p:spTree>
     <p:extLst>
       <p:ext uri="{BB962C8B-B14F-4D97-AF65-F5344CB8AC3E}">
-        <p14:creationId xmlns:p14="http://schemas.microsoft.com/office/powerpoint/2010/main" val="2284638772"/>
+        <p14:creationId xmlns:p14="http://schemas.microsoft.com/office/powerpoint/2010/main" val="3714303811"/>
       </p:ext>
     </p:extLst>
   </p:cSld>
@@ -2442,7 +2032,7 @@
     </p:spTree>
     <p:extLst>
       <p:ext uri="{BB962C8B-B14F-4D97-AF65-F5344CB8AC3E}">
-        <p14:creationId xmlns:p14="http://schemas.microsoft.com/office/powerpoint/2010/main" val="1361380048"/>
+        <p14:creationId xmlns:p14="http://schemas.microsoft.com/office/powerpoint/2010/main" val="2284638772"/>
       </p:ext>
     </p:extLst>
   </p:cSld>
@@ -11599,10 +11189,6 @@
               </a:rPr>
               <a:t>Zowe Community 20PI4 </a:t>
             </a:r>
-            <a:r>
-              <a:rPr dirty="0"/>
-              <a:t/>
-            </a:r>
             <a:br>
               <a:rPr dirty="0"/>
             </a:br>
@@ -11765,17 +11351,37 @@
                 <a:latin typeface="Arial"/>
                 <a:ea typeface="Arial"/>
               </a:rPr>
-              <a:t>TBD</a:t>
-            </a:r>
-            <a:r>
-              <a:rPr lang="en-US" sz="2000" b="1" strike="noStrike" spc="-1" dirty="0">
+              <a:t>Mark </a:t>
+            </a:r>
+            <a:r>
+              <a:rPr lang="en-US" sz="2000" b="1" spc="-1" dirty="0" err="1">
                 <a:solidFill>
                   <a:srgbClr val="000000"/>
                 </a:solidFill>
                 <a:latin typeface="Arial"/>
                 <a:ea typeface="Arial"/>
               </a:rPr>
-              <a:t> (Squad Lead)</a:t>
+              <a:t>Ackert</a:t>
+            </a:r>
+            <a:r>
+              <a:rPr lang="en-US" sz="2000" b="1" spc="-1" dirty="0">
+                <a:solidFill>
+                  <a:srgbClr val="000000"/>
+                </a:solidFill>
+                <a:latin typeface="Arial"/>
+                <a:ea typeface="Arial"/>
+              </a:rPr>
+              <a:t>, Jack Jia, Robbie </a:t>
+            </a:r>
+            <a:r>
+              <a:rPr lang="en-US" sz="2000" b="1" spc="-1" dirty="0" err="1">
+                <a:solidFill>
+                  <a:srgbClr val="000000"/>
+                </a:solidFill>
+                <a:latin typeface="Arial"/>
+                <a:ea typeface="Arial"/>
+              </a:rPr>
+              <a:t>Avill</a:t>
             </a:r>
             <a:endParaRPr lang="en-US" sz="2000" b="0" strike="noStrike" spc="-1" dirty="0">
               <a:solidFill>
@@ -11879,7 +11485,7 @@
                 <a:latin typeface="+mj-lt"/>
                 <a:ea typeface="Gill Sans"/>
               </a:rPr>
-              <a:t>Dependencies</a:t>
+              <a:t>Feature List</a:t>
             </a:r>
             <a:endParaRPr lang="en-US" sz="3000" b="0" strike="noStrike" spc="-1" dirty="0">
               <a:solidFill>
@@ -11929,26 +11535,14 @@
               <a:buChar char="•"/>
             </a:pPr>
             <a:r>
-              <a:rPr lang="en-US" sz="2000" strike="noStrike" spc="-1" dirty="0">
+              <a:rPr lang="en-US" sz="2000" spc="-1" dirty="0">
                 <a:solidFill>
                   <a:srgbClr val="000000"/>
                 </a:solidFill>
-                <a:latin typeface="+mj-lt"/>
-                <a:ea typeface="Gill Sans"/>
+                <a:latin typeface="Gill Sans" panose="020B0502020104020203" pitchFamily="34" charset="-79"/>
                 <a:cs typeface="Gill Sans" panose="020B0502020104020203" pitchFamily="34" charset="-79"/>
               </a:rPr>
-              <a:t>As High Availability Theme moving to implementation stage, will need many su</a:t>
-            </a:r>
-            <a:r>
-              <a:rPr lang="en-US" sz="2000" spc="-1" dirty="0">
-                <a:solidFill>
-                  <a:srgbClr val="000000"/>
-                </a:solidFill>
-                <a:latin typeface="+mj-lt"/>
-                <a:ea typeface="Gill Sans"/>
-                <a:cs typeface="Gill Sans" panose="020B0502020104020203" pitchFamily="34" charset="-79"/>
-              </a:rPr>
-              <a:t>pports from other squads like PI3:</a:t>
+              <a:t>Performance Testing</a:t>
             </a:r>
           </a:p>
           <a:p>
@@ -11963,55 +11557,18 @@
               <a:buChar char="•"/>
             </a:pPr>
             <a:r>
-              <a:rPr lang="en-US" sz="2000" strike="noStrike" spc="-1" dirty="0">
+              <a:rPr lang="en-US" sz="1600" spc="-1" dirty="0">
                 <a:solidFill>
                   <a:srgbClr val="000000"/>
                 </a:solidFill>
-                <a:latin typeface="+mj-lt"/>
+                <a:latin typeface="Gill Sans" panose="020B0502020104020203" pitchFamily="34" charset="-79"/>
                 <a:cs typeface="Gill Sans" panose="020B0502020104020203" pitchFamily="34" charset="-79"/>
               </a:rPr>
-              <a:t>API ML Squad </a:t>
-            </a:r>
-            <a:r>
-              <a:rPr lang="en-US" sz="2000" spc="-1" dirty="0">
-                <a:solidFill>
-                  <a:srgbClr val="000000"/>
-                </a:solidFill>
-                <a:latin typeface="+mj-lt"/>
-                <a:cs typeface="Gill Sans" panose="020B0502020104020203" pitchFamily="34" charset="-79"/>
-              </a:rPr>
-              <a:t>–</a:t>
-            </a:r>
-            <a:r>
-              <a:rPr lang="en-US" sz="2000" strike="noStrike" spc="-1" dirty="0">
-                <a:solidFill>
-                  <a:srgbClr val="000000"/>
-                </a:solidFill>
-                <a:latin typeface="+mj-lt"/>
-                <a:cs typeface="Gill Sans" panose="020B0502020104020203" pitchFamily="34" charset="-79"/>
-              </a:rPr>
-              <a:t> Caching API,  APIML packaging, certificates, </a:t>
-            </a:r>
-            <a:r>
-              <a:rPr lang="en-US" sz="2000" strike="noStrike" spc="-1" dirty="0" err="1">
-                <a:solidFill>
-                  <a:srgbClr val="000000"/>
-                </a:solidFill>
-                <a:latin typeface="+mj-lt"/>
-                <a:cs typeface="Gill Sans" panose="020B0502020104020203" pitchFamily="34" charset="-79"/>
-              </a:rPr>
-              <a:t>etc</a:t>
-            </a:r>
-            <a:endParaRPr lang="en-US" sz="2000" strike="noStrike" spc="-1" dirty="0">
-              <a:solidFill>
-                <a:srgbClr val="000000"/>
-              </a:solidFill>
-              <a:latin typeface="+mj-lt"/>
-              <a:cs typeface="Gill Sans" panose="020B0502020104020203" pitchFamily="34" charset="-79"/>
-            </a:endParaRPr>
-          </a:p>
-          <a:p>
-            <a:pPr marL="914400" lvl="1" indent="-355320">
+              <a:t>Test Library Rollout, and Initial Set of Test Suites</a:t>
+            </a:r>
+          </a:p>
+          <a:p>
+            <a:pPr marL="457200" indent="-355320">
               <a:spcBef>
                 <a:spcPts val="400"/>
               </a:spcBef>
@@ -12026,10 +11583,10 @@
                 <a:solidFill>
                   <a:srgbClr val="000000"/>
                 </a:solidFill>
-                <a:latin typeface="+mj-lt"/>
+                <a:latin typeface="Gill Sans" panose="020B0502020104020203" pitchFamily="34" charset="-79"/>
                 <a:cs typeface="Gill Sans" panose="020B0502020104020203" pitchFamily="34" charset="-79"/>
               </a:rPr>
-              <a:t>Web UI Squad – Zowe Launcher, ZSS/ZIS improvements</a:t>
+              <a:t>High Availability Implementation</a:t>
             </a:r>
           </a:p>
           <a:p>
@@ -12044,38 +11601,58 @@
               <a:buChar char="•"/>
             </a:pPr>
             <a:r>
-              <a:rPr lang="en-US" sz="2000" strike="noStrike" spc="-1" dirty="0">
+              <a:rPr lang="en-US" sz="1600" spc="-1" dirty="0">
                 <a:solidFill>
                   <a:srgbClr val="000000"/>
                 </a:solidFill>
-                <a:latin typeface="+mj-lt"/>
+                <a:latin typeface="Gill Sans" panose="020B0502020104020203" pitchFamily="34" charset="-79"/>
                 <a:cs typeface="Gill Sans" panose="020B0502020104020203" pitchFamily="34" charset="-79"/>
               </a:rPr>
-              <a:t>Docs Squad </a:t>
-            </a:r>
-            <a:r>
-              <a:rPr lang="en-US" sz="2000" spc="-1" dirty="0">
+              <a:t>New Components, </a:t>
+            </a:r>
+            <a:r>
+              <a:rPr lang="en-US" sz="1600" spc="-1" dirty="0" err="1">
                 <a:solidFill>
                   <a:srgbClr val="000000"/>
                 </a:solidFill>
-                <a:latin typeface="+mj-lt"/>
+                <a:latin typeface="Gill Sans" panose="020B0502020104020203" pitchFamily="34" charset="-79"/>
                 <a:cs typeface="Gill Sans" panose="020B0502020104020203" pitchFamily="34" charset="-79"/>
               </a:rPr>
-              <a:t>–</a:t>
-            </a:r>
-            <a:r>
-              <a:rPr lang="en-US" sz="2000" strike="noStrike" spc="-1" dirty="0">
+              <a:t>Sysplex</a:t>
+            </a:r>
+            <a:r>
+              <a:rPr lang="en-US" sz="1600" spc="-1" dirty="0">
                 <a:solidFill>
                   <a:srgbClr val="000000"/>
                 </a:solidFill>
-                <a:latin typeface="+mj-lt"/>
+                <a:latin typeface="Gill Sans" panose="020B0502020104020203" pitchFamily="34" charset="-79"/>
                 <a:cs typeface="Gill Sans" panose="020B0502020104020203" pitchFamily="34" charset="-79"/>
               </a:rPr>
-              <a:t> improve documentation</a:t>
-            </a:r>
-          </a:p>
-          <a:p>
-            <a:pPr marL="457200" indent="-355320">
+              <a:t>, </a:t>
+            </a:r>
+            <a:r>
+              <a:rPr lang="en-US" sz="1600" spc="-1" dirty="0" err="1">
+                <a:solidFill>
+                  <a:srgbClr val="000000"/>
+                </a:solidFill>
+                <a:latin typeface="Gill Sans" panose="020B0502020104020203" pitchFamily="34" charset="-79"/>
+                <a:cs typeface="Gill Sans" panose="020B0502020104020203" pitchFamily="34" charset="-79"/>
+              </a:rPr>
+              <a:t>Zowe</a:t>
+            </a:r>
+            <a:r>
+              <a:rPr lang="en-US" sz="1600" spc="-1" dirty="0">
+                <a:solidFill>
+                  <a:srgbClr val="000000"/>
+                </a:solidFill>
+                <a:latin typeface="Gill Sans" panose="020B0502020104020203" pitchFamily="34" charset="-79"/>
+                <a:cs typeface="Gill Sans" panose="020B0502020104020203" pitchFamily="34" charset="-79"/>
+              </a:rPr>
+              <a:t> Launcher</a:t>
+            </a:r>
+          </a:p>
+          <a:p>
+            <a:pPr marL="914400" lvl="1" indent="-355320">
               <a:spcBef>
                 <a:spcPts val="400"/>
               </a:spcBef>
@@ -12085,13 +11662,16 @@
               <a:buFont typeface="Arial"/>
               <a:buChar char="•"/>
             </a:pPr>
-            <a:endParaRPr lang="en-US" sz="2000" spc="-1" dirty="0">
-              <a:solidFill>
-                <a:srgbClr val="000000"/>
-              </a:solidFill>
-              <a:latin typeface="+mj-lt"/>
-              <a:cs typeface="Gill Sans" panose="020B0502020104020203" pitchFamily="34" charset="-79"/>
-            </a:endParaRPr>
+            <a:r>
+              <a:rPr lang="en-US" sz="1600" spc="-1" dirty="0">
+                <a:solidFill>
+                  <a:srgbClr val="000000"/>
+                </a:solidFill>
+                <a:latin typeface="Gill Sans" panose="020B0502020104020203" pitchFamily="34" charset="-79"/>
+                <a:cs typeface="Gill Sans" panose="020B0502020104020203" pitchFamily="34" charset="-79"/>
+              </a:rPr>
+              <a:t>Existing Component Preparation and Configuration</a:t>
+            </a:r>
           </a:p>
           <a:p>
             <a:pPr marL="457200" indent="-355320">
@@ -12105,34 +11685,14 @@
               <a:buChar char="•"/>
             </a:pPr>
             <a:r>
-              <a:rPr lang="en-US" sz="2000" strike="noStrike" spc="-1" dirty="0">
+              <a:rPr lang="en-US" sz="2000" spc="-1" dirty="0">
                 <a:solidFill>
                   <a:srgbClr val="000000"/>
                 </a:solidFill>
-                <a:latin typeface="+mj-lt"/>
+                <a:latin typeface="Gill Sans" panose="020B0502020104020203" pitchFamily="34" charset="-79"/>
                 <a:cs typeface="Gill Sans" panose="020B0502020104020203" pitchFamily="34" charset="-79"/>
               </a:rPr>
-              <a:t>Risks </a:t>
-            </a:r>
-            <a:r>
-              <a:rPr lang="en-US" sz="2000" spc="-1" dirty="0">
-                <a:solidFill>
-                  <a:srgbClr val="000000"/>
-                </a:solidFill>
-                <a:latin typeface="+mj-lt"/>
-                <a:cs typeface="Gill Sans" panose="020B0502020104020203" pitchFamily="34" charset="-79"/>
-              </a:rPr>
-              <a:t>on </a:t>
-            </a:r>
-            <a:r>
-              <a:rPr lang="en-US" sz="2000" strike="noStrike" spc="-1" dirty="0">
-                <a:solidFill>
-                  <a:srgbClr val="000000"/>
-                </a:solidFill>
-                <a:latin typeface="+mj-lt"/>
-                <a:cs typeface="Gill Sans" panose="020B0502020104020203" pitchFamily="34" charset="-79"/>
-              </a:rPr>
-              <a:t>Infrastructure</a:t>
+              <a:t>Automation and Infrastructure</a:t>
             </a:r>
           </a:p>
           <a:p>
@@ -12147,35 +11707,18 @@
               <a:buChar char="•"/>
             </a:pPr>
             <a:r>
-              <a:rPr lang="en-US" sz="2000" strike="noStrike" spc="-1" dirty="0">
+              <a:rPr lang="en-US" sz="1600" spc="-1" dirty="0">
                 <a:solidFill>
                   <a:srgbClr val="000000"/>
                 </a:solidFill>
-                <a:latin typeface="+mj-lt"/>
+                <a:latin typeface="Gill Sans" panose="020B0502020104020203" pitchFamily="34" charset="-79"/>
                 <a:cs typeface="Gill Sans" panose="020B0502020104020203" pitchFamily="34" charset="-79"/>
               </a:rPr>
-              <a:t>We don’t have open infrastructure to </a:t>
-            </a:r>
-            <a:r>
-              <a:rPr lang="en-US" sz="2000" spc="-1" dirty="0">
-                <a:solidFill>
-                  <a:srgbClr val="000000"/>
-                </a:solidFill>
-                <a:latin typeface="+mj-lt"/>
-                <a:cs typeface="Gill Sans" panose="020B0502020104020203" pitchFamily="34" charset="-79"/>
-              </a:rPr>
-              <a:t>test deployment on Sysplex.</a:t>
-            </a:r>
-            <a:endParaRPr lang="en-US" sz="2000" strike="noStrike" spc="-1" dirty="0">
-              <a:solidFill>
-                <a:srgbClr val="000000"/>
-              </a:solidFill>
-              <a:latin typeface="+mj-lt"/>
-              <a:cs typeface="Gill Sans" panose="020B0502020104020203" pitchFamily="34" charset="-79"/>
-            </a:endParaRPr>
-          </a:p>
-          <a:p>
-            <a:pPr marL="914400" lvl="1" indent="-355320">
+              <a:t>Pipeline Improvements</a:t>
+            </a:r>
+          </a:p>
+          <a:p>
+            <a:pPr marL="1371600" lvl="2" indent="-355320">
               <a:spcBef>
                 <a:spcPts val="400"/>
               </a:spcBef>
@@ -12186,22 +11729,145 @@
               <a:buChar char="•"/>
             </a:pPr>
             <a:r>
-              <a:rPr lang="en-US" sz="2000" spc="-1" dirty="0">
+              <a:rPr lang="en-US" sz="1600" spc="-1" dirty="0">
                 <a:solidFill>
                   <a:srgbClr val="000000"/>
                 </a:solidFill>
-                <a:latin typeface="+mj-lt"/>
+                <a:latin typeface="Gill Sans" panose="020B0502020104020203" pitchFamily="34" charset="-79"/>
                 <a:cs typeface="Gill Sans" panose="020B0502020104020203" pitchFamily="34" charset="-79"/>
               </a:rPr>
-              <a:t>Will rely on Broadcom’s experts and supports to verify deployment  on Sysplex with ACF2 and Top Secret.</a:t>
-            </a:r>
-            <a:endParaRPr lang="en-US" sz="2000" strike="noStrike" spc="-1" dirty="0">
-              <a:solidFill>
-                <a:srgbClr val="000000"/>
-              </a:solidFill>
-              <a:latin typeface="+mj-lt"/>
-              <a:cs typeface="Gill Sans" panose="020B0502020104020203" pitchFamily="34" charset="-79"/>
-            </a:endParaRPr>
+              <a:t>Expand pipeline automation to support </a:t>
+            </a:r>
+            <a:r>
+              <a:rPr lang="en-US" sz="1600" spc="-1" dirty="0" err="1">
+                <a:solidFill>
+                  <a:srgbClr val="000000"/>
+                </a:solidFill>
+                <a:latin typeface="Gill Sans" panose="020B0502020104020203" pitchFamily="34" charset="-79"/>
+                <a:cs typeface="Gill Sans" panose="020B0502020104020203" pitchFamily="34" charset="-79"/>
+              </a:rPr>
+              <a:t>Zowe</a:t>
+            </a:r>
+            <a:r>
+              <a:rPr lang="en-US" sz="1600" spc="-1" dirty="0">
+                <a:solidFill>
+                  <a:srgbClr val="000000"/>
+                </a:solidFill>
+                <a:latin typeface="Gill Sans" panose="020B0502020104020203" pitchFamily="34" charset="-79"/>
+                <a:cs typeface="Gill Sans" panose="020B0502020104020203" pitchFamily="34" charset="-79"/>
+              </a:rPr>
+              <a:t> z/OS extension installs</a:t>
+            </a:r>
+          </a:p>
+          <a:p>
+            <a:pPr marL="1371600" lvl="2" indent="-355320">
+              <a:spcBef>
+                <a:spcPts val="400"/>
+              </a:spcBef>
+              <a:buClr>
+                <a:srgbClr val="000000"/>
+              </a:buClr>
+              <a:buFont typeface="Arial"/>
+              <a:buChar char="•"/>
+            </a:pPr>
+            <a:r>
+              <a:rPr lang="en-US" sz="1600" spc="-1" dirty="0">
+                <a:solidFill>
+                  <a:srgbClr val="000000"/>
+                </a:solidFill>
+                <a:latin typeface="Gill Sans" panose="020B0502020104020203" pitchFamily="34" charset="-79"/>
+                <a:cs typeface="Gill Sans" panose="020B0502020104020203" pitchFamily="34" charset="-79"/>
+              </a:rPr>
+              <a:t>Technical debt / continuous improvement – consistency</a:t>
+            </a:r>
+          </a:p>
+          <a:p>
+            <a:pPr marL="914400" lvl="1" indent="-355320">
+              <a:spcBef>
+                <a:spcPts val="400"/>
+              </a:spcBef>
+              <a:buClr>
+                <a:srgbClr val="000000"/>
+              </a:buClr>
+              <a:buFont typeface="Arial"/>
+              <a:buChar char="•"/>
+            </a:pPr>
+            <a:r>
+              <a:rPr lang="en-US" sz="1600" spc="-1" dirty="0">
+                <a:solidFill>
+                  <a:srgbClr val="000000"/>
+                </a:solidFill>
+                <a:latin typeface="Gill Sans" panose="020B0502020104020203" pitchFamily="34" charset="-79"/>
+                <a:cs typeface="Gill Sans" panose="020B0502020104020203" pitchFamily="34" charset="-79"/>
+              </a:rPr>
+              <a:t>Automated testing catch-up</a:t>
+            </a:r>
+          </a:p>
+          <a:p>
+            <a:pPr marL="914400" lvl="1" indent="-355320">
+              <a:spcBef>
+                <a:spcPts val="400"/>
+              </a:spcBef>
+              <a:buClr>
+                <a:srgbClr val="000000"/>
+              </a:buClr>
+              <a:buFont typeface="Arial"/>
+              <a:buChar char="•"/>
+            </a:pPr>
+            <a:r>
+              <a:rPr lang="en-US" sz="1600" spc="-1" dirty="0">
+                <a:solidFill>
+                  <a:srgbClr val="000000"/>
+                </a:solidFill>
+                <a:latin typeface="Gill Sans" panose="020B0502020104020203" pitchFamily="34" charset="-79"/>
+                <a:cs typeface="Gill Sans" panose="020B0502020104020203" pitchFamily="34" charset="-79"/>
+              </a:rPr>
+              <a:t>Open Infrastructure</a:t>
+            </a:r>
+          </a:p>
+          <a:p>
+            <a:pPr marL="1371600" lvl="2" indent="-355320">
+              <a:spcBef>
+                <a:spcPts val="400"/>
+              </a:spcBef>
+              <a:buClr>
+                <a:srgbClr val="000000"/>
+              </a:buClr>
+              <a:buFont typeface="Arial"/>
+              <a:buChar char="•"/>
+            </a:pPr>
+            <a:r>
+              <a:rPr lang="en-US" sz="1600" spc="-1" dirty="0">
+                <a:solidFill>
+                  <a:srgbClr val="000000"/>
+                </a:solidFill>
+                <a:latin typeface="Gill Sans" panose="020B0502020104020203" pitchFamily="34" charset="-79"/>
+                <a:cs typeface="Gill Sans" panose="020B0502020104020203" pitchFamily="34" charset="-79"/>
+              </a:rPr>
+              <a:t>Monitoring</a:t>
+            </a:r>
+          </a:p>
+          <a:p>
+            <a:pPr marL="1371600" lvl="2" indent="-355320">
+              <a:spcBef>
+                <a:spcPts val="400"/>
+              </a:spcBef>
+              <a:buClr>
+                <a:srgbClr val="000000"/>
+              </a:buClr>
+              <a:buFont typeface="Arial"/>
+              <a:buChar char="•"/>
+            </a:pPr>
+            <a:r>
+              <a:rPr lang="en-US" sz="1600" spc="-1" dirty="0">
+                <a:solidFill>
+                  <a:srgbClr val="000000"/>
+                </a:solidFill>
+                <a:latin typeface="Gill Sans" panose="020B0502020104020203" pitchFamily="34" charset="-79"/>
+                <a:cs typeface="Gill Sans" panose="020B0502020104020203" pitchFamily="34" charset="-79"/>
+              </a:rPr>
+              <a:t>Software</a:t>
+            </a:r>
           </a:p>
         </p:txBody>
       </p:sp>
@@ -12262,7 +11928,7 @@
       </p:grpSpPr>
       <p:sp>
         <p:nvSpPr>
-          <p:cNvPr id="182" name="TextShape 1"/>
+          <p:cNvPr id="180" name="TextShape 1"/>
           <p:cNvSpPr txBox="1"/>
           <p:nvPr/>
         </p:nvSpPr>
@@ -12291,14 +11957,14 @@
               </a:lnSpc>
             </a:pPr>
             <a:r>
-              <a:rPr lang="en-US" sz="3000" spc="-1" dirty="0">
+              <a:rPr lang="en-US" sz="3000" b="0" strike="noStrike" spc="-1" dirty="0">
                 <a:solidFill>
                   <a:srgbClr val="262626"/>
                 </a:solidFill>
                 <a:latin typeface="+mj-lt"/>
                 <a:ea typeface="Gill Sans"/>
               </a:rPr>
-              <a:t>Performance - Enhance Test Coverage</a:t>
+              <a:t>Dependencies</a:t>
             </a:r>
             <a:endParaRPr lang="en-US" sz="3000" b="0" strike="noStrike" spc="-1" dirty="0">
               <a:solidFill>
@@ -12311,14 +11977,14 @@
       </p:sp>
       <p:sp>
         <p:nvSpPr>
-          <p:cNvPr id="183" name="TextShape 2"/>
+          <p:cNvPr id="181" name="TextShape 2"/>
           <p:cNvSpPr txBox="1"/>
           <p:nvPr/>
         </p:nvSpPr>
         <p:spPr>
           <a:xfrm>
-            <a:off x="405518" y="774000"/>
-            <a:ext cx="8554608" cy="4147560"/>
+            <a:off x="96480" y="728844"/>
+            <a:ext cx="8368920" cy="4147560"/>
           </a:xfrm>
           <a:prstGeom prst="rect">
             <a:avLst/>
@@ -12334,274 +12000,329 @@
           </a:bodyPr>
           <a:lstStyle/>
           <a:p>
-            <a:pPr marL="101520">
+            <a:pPr marL="457200" indent="-355320">
               <a:lnSpc>
                 <a:spcPct val="100000"/>
               </a:lnSpc>
               <a:spcBef>
                 <a:spcPts val="400"/>
               </a:spcBef>
+              <a:buClr>
+                <a:srgbClr val="000000"/>
+              </a:buClr>
+              <a:buFont typeface="Arial"/>
+              <a:buChar char="•"/>
             </a:pPr>
             <a:r>
               <a:rPr lang="en-US" sz="2000" spc="-1" dirty="0">
-                <a:latin typeface="+mj-lt"/>
+                <a:solidFill>
+                  <a:srgbClr val="000000"/>
+                </a:solidFill>
+                <a:latin typeface="Gill Sans" panose="020B0502020104020203" pitchFamily="34" charset="-79"/>
                 <a:ea typeface="Gill Sans"/>
-                <a:hlinkClick r:id="rId3"/>
-              </a:rPr>
-              <a:t>Epic: Zowe Performance Test - Stage 2 - Enhance Test Coverage (2020PI4)</a:t>
-            </a:r>
+                <a:cs typeface="Gill Sans" panose="020B0502020104020203" pitchFamily="34" charset="-79"/>
+              </a:rPr>
+              <a:t>As the High Availability Theme is moving to implementation stage, we will need support from other squads like in PI3:</a:t>
+            </a:r>
+          </a:p>
+          <a:p>
+            <a:pPr marL="914400" lvl="1" indent="-355320">
+              <a:spcBef>
+                <a:spcPts val="400"/>
+              </a:spcBef>
+              <a:buClr>
+                <a:srgbClr val="000000"/>
+              </a:buClr>
+              <a:buFont typeface="Arial"/>
+              <a:buChar char="•"/>
+            </a:pPr>
+            <a:r>
+              <a:rPr lang="en-US" spc="-1" dirty="0">
+                <a:solidFill>
+                  <a:srgbClr val="000000"/>
+                </a:solidFill>
+                <a:latin typeface="Gill Sans" panose="020B0502020104020203" pitchFamily="34" charset="-79"/>
+                <a:cs typeface="Gill Sans" panose="020B0502020104020203" pitchFamily="34" charset="-79"/>
+              </a:rPr>
+              <a:t>API ML Squad – Caching API,  APIML packaging, certificates, </a:t>
+            </a:r>
+            <a:r>
+              <a:rPr lang="en-US" spc="-1" dirty="0" err="1">
+                <a:solidFill>
+                  <a:srgbClr val="000000"/>
+                </a:solidFill>
+                <a:latin typeface="Gill Sans" panose="020B0502020104020203" pitchFamily="34" charset="-79"/>
+                <a:cs typeface="Gill Sans" panose="020B0502020104020203" pitchFamily="34" charset="-79"/>
+              </a:rPr>
+              <a:t>etc</a:t>
+            </a:r>
+            <a:endParaRPr lang="en-US" spc="-1" dirty="0">
+              <a:solidFill>
+                <a:srgbClr val="000000"/>
+              </a:solidFill>
+              <a:latin typeface="Gill Sans" panose="020B0502020104020203" pitchFamily="34" charset="-79"/>
+              <a:cs typeface="Gill Sans" panose="020B0502020104020203" pitchFamily="34" charset="-79"/>
+            </a:endParaRPr>
+          </a:p>
+          <a:p>
+            <a:pPr marL="914400" lvl="1" indent="-355320">
+              <a:spcBef>
+                <a:spcPts val="400"/>
+              </a:spcBef>
+              <a:buClr>
+                <a:srgbClr val="000000"/>
+              </a:buClr>
+              <a:buFont typeface="Arial"/>
+              <a:buChar char="•"/>
+            </a:pPr>
+            <a:r>
+              <a:rPr lang="en-US" spc="-1" dirty="0">
+                <a:solidFill>
+                  <a:srgbClr val="000000"/>
+                </a:solidFill>
+                <a:latin typeface="Gill Sans" panose="020B0502020104020203" pitchFamily="34" charset="-79"/>
+                <a:cs typeface="Gill Sans" panose="020B0502020104020203" pitchFamily="34" charset="-79"/>
+              </a:rPr>
+              <a:t>Web UI Squad – </a:t>
+            </a:r>
+            <a:r>
+              <a:rPr lang="en-US" spc="-1" dirty="0" err="1">
+                <a:solidFill>
+                  <a:srgbClr val="000000"/>
+                </a:solidFill>
+                <a:latin typeface="Gill Sans" panose="020B0502020104020203" pitchFamily="34" charset="-79"/>
+                <a:cs typeface="Gill Sans" panose="020B0502020104020203" pitchFamily="34" charset="-79"/>
+              </a:rPr>
+              <a:t>Zowe</a:t>
+            </a:r>
+            <a:r>
+              <a:rPr lang="en-US" spc="-1" dirty="0">
+                <a:solidFill>
+                  <a:srgbClr val="000000"/>
+                </a:solidFill>
+                <a:latin typeface="Gill Sans" panose="020B0502020104020203" pitchFamily="34" charset="-79"/>
+                <a:cs typeface="Gill Sans" panose="020B0502020104020203" pitchFamily="34" charset="-79"/>
+              </a:rPr>
+              <a:t> Launcher, ZSS/ZIS improvements</a:t>
+            </a:r>
+          </a:p>
+          <a:p>
+            <a:pPr marL="914400" lvl="1" indent="-355320">
+              <a:spcBef>
+                <a:spcPts val="400"/>
+              </a:spcBef>
+              <a:buClr>
+                <a:srgbClr val="000000"/>
+              </a:buClr>
+              <a:buFont typeface="Arial"/>
+              <a:buChar char="•"/>
+            </a:pPr>
+            <a:r>
+              <a:rPr lang="en-US" spc="-1" dirty="0">
+                <a:solidFill>
+                  <a:srgbClr val="000000"/>
+                </a:solidFill>
+                <a:latin typeface="Gill Sans" panose="020B0502020104020203" pitchFamily="34" charset="-79"/>
+                <a:cs typeface="Gill Sans" panose="020B0502020104020203" pitchFamily="34" charset="-79"/>
+              </a:rPr>
+              <a:t>Docs Squad – improve documentation</a:t>
+            </a:r>
+          </a:p>
+          <a:p>
+            <a:pPr marL="457200" indent="-355320">
+              <a:spcBef>
+                <a:spcPts val="400"/>
+              </a:spcBef>
+              <a:buClr>
+                <a:srgbClr val="000000"/>
+              </a:buClr>
+              <a:buFont typeface="Arial"/>
+              <a:buChar char="•"/>
+            </a:pPr>
             <a:endParaRPr lang="en-US" sz="2000" spc="-1" dirty="0">
-              <a:latin typeface="+mj-lt"/>
-              <a:ea typeface="Gill Sans"/>
-            </a:endParaRPr>
-          </a:p>
-          <a:p>
-            <a:pPr marL="101520">
-              <a:lnSpc>
-                <a:spcPct val="100000"/>
-              </a:lnSpc>
+              <a:solidFill>
+                <a:srgbClr val="000000"/>
+              </a:solidFill>
+              <a:latin typeface="Gill Sans" panose="020B0502020104020203" pitchFamily="34" charset="-79"/>
+              <a:cs typeface="Gill Sans" panose="020B0502020104020203" pitchFamily="34" charset="-79"/>
+            </a:endParaRPr>
+          </a:p>
+          <a:p>
+            <a:pPr marL="457200" indent="-355320">
               <a:spcBef>
                 <a:spcPts val="400"/>
               </a:spcBef>
-            </a:pPr>
-            <a:endParaRPr lang="en-US" sz="1000" spc="-1" dirty="0">
-              <a:latin typeface="+mj-lt"/>
-              <a:ea typeface="Gill Sans"/>
-            </a:endParaRPr>
-          </a:p>
-          <a:p>
-            <a:pPr marL="444420" indent="-342900">
-              <a:lnSpc>
-                <a:spcPct val="100000"/>
-              </a:lnSpc>
+              <a:buClr>
+                <a:srgbClr val="000000"/>
+              </a:buClr>
+              <a:buFont typeface="Arial"/>
+              <a:buChar char="•"/>
+            </a:pPr>
+            <a:r>
+              <a:rPr lang="en-US" sz="2000" spc="-1" dirty="0">
+                <a:solidFill>
+                  <a:srgbClr val="000000"/>
+                </a:solidFill>
+                <a:latin typeface="Gill Sans" panose="020B0502020104020203" pitchFamily="34" charset="-79"/>
+                <a:cs typeface="Gill Sans" panose="020B0502020104020203" pitchFamily="34" charset="-79"/>
+              </a:rPr>
+              <a:t>Risks in Infrastructure</a:t>
+            </a:r>
+          </a:p>
+          <a:p>
+            <a:pPr marL="914400" lvl="1" indent="-355320">
               <a:spcBef>
                 <a:spcPts val="400"/>
               </a:spcBef>
-              <a:buFont typeface="Wingdings" pitchFamily="2" charset="2"/>
-              <a:buChar char="Ø"/>
-            </a:pPr>
-            <a:r>
-              <a:rPr lang="en-US" sz="2000" spc="-1" dirty="0">
-                <a:latin typeface="+mj-lt"/>
-                <a:ea typeface="Gill Sans"/>
-              </a:rPr>
-              <a:t>Finalize primary and component-level test suites </a:t>
-            </a:r>
-            <a:r>
-              <a:rPr lang="en-US" sz="1050" i="1" spc="-1" dirty="0">
-                <a:solidFill>
-                  <a:schemeClr val="tx1">
-                    <a:lumMod val="50000"/>
-                    <a:lumOff val="50000"/>
-                  </a:schemeClr>
-                </a:solidFill>
-                <a:latin typeface="+mj-lt"/>
-                <a:ea typeface="Gill Sans"/>
-              </a:rPr>
-              <a:t>Continue item from PI3</a:t>
-            </a:r>
-            <a:endParaRPr lang="en-US" sz="2000" i="1" spc="-1" dirty="0">
-              <a:solidFill>
-                <a:schemeClr val="tx1">
-                  <a:lumMod val="50000"/>
-                  <a:lumOff val="50000"/>
-                </a:schemeClr>
-              </a:solidFill>
-              <a:latin typeface="+mj-lt"/>
-              <a:ea typeface="Gill Sans"/>
-            </a:endParaRPr>
-          </a:p>
-          <a:p>
-            <a:pPr marL="901620" lvl="1" indent="-342900">
+              <a:buClr>
+                <a:srgbClr val="000000"/>
+              </a:buClr>
+              <a:buFont typeface="Arial"/>
+              <a:buChar char="•"/>
+            </a:pPr>
+            <a:r>
+              <a:rPr lang="en-US" spc="-1" dirty="0">
+                <a:solidFill>
+                  <a:srgbClr val="000000"/>
+                </a:solidFill>
+                <a:latin typeface="Gill Sans" panose="020B0502020104020203" pitchFamily="34" charset="-79"/>
+                <a:cs typeface="Gill Sans" panose="020B0502020104020203" pitchFamily="34" charset="-79"/>
+              </a:rPr>
+              <a:t>We don’t have open infrastructure w/ </a:t>
+            </a:r>
+            <a:r>
+              <a:rPr lang="en-US" spc="-1" dirty="0" err="1">
+                <a:solidFill>
+                  <a:srgbClr val="000000"/>
+                </a:solidFill>
+                <a:latin typeface="Gill Sans" panose="020B0502020104020203" pitchFamily="34" charset="-79"/>
+                <a:cs typeface="Gill Sans" panose="020B0502020104020203" pitchFamily="34" charset="-79"/>
+              </a:rPr>
+              <a:t>Sysplex</a:t>
+            </a:r>
+            <a:r>
+              <a:rPr lang="en-US" spc="-1" dirty="0">
+                <a:solidFill>
+                  <a:srgbClr val="000000"/>
+                </a:solidFill>
+                <a:latin typeface="Gill Sans" panose="020B0502020104020203" pitchFamily="34" charset="-79"/>
+                <a:cs typeface="Gill Sans" panose="020B0502020104020203" pitchFamily="34" charset="-79"/>
+              </a:rPr>
+              <a:t> to test HA </a:t>
+            </a:r>
+            <a:r>
+              <a:rPr lang="en-US" spc="-1" dirty="0" err="1">
+                <a:solidFill>
+                  <a:srgbClr val="000000"/>
+                </a:solidFill>
+                <a:latin typeface="Gill Sans" panose="020B0502020104020203" pitchFamily="34" charset="-79"/>
+                <a:cs typeface="Gill Sans" panose="020B0502020104020203" pitchFamily="34" charset="-79"/>
+              </a:rPr>
+              <a:t>Zowe</a:t>
+            </a:r>
+            <a:r>
+              <a:rPr lang="en-US" spc="-1" dirty="0">
+                <a:solidFill>
+                  <a:srgbClr val="000000"/>
+                </a:solidFill>
+                <a:latin typeface="Gill Sans" panose="020B0502020104020203" pitchFamily="34" charset="-79"/>
+                <a:cs typeface="Gill Sans" panose="020B0502020104020203" pitchFamily="34" charset="-79"/>
+              </a:rPr>
+              <a:t> deployments on </a:t>
+            </a:r>
+            <a:r>
+              <a:rPr lang="en-US" spc="-1" dirty="0" err="1">
+                <a:solidFill>
+                  <a:srgbClr val="000000"/>
+                </a:solidFill>
+                <a:latin typeface="Gill Sans" panose="020B0502020104020203" pitchFamily="34" charset="-79"/>
+                <a:cs typeface="Gill Sans" panose="020B0502020104020203" pitchFamily="34" charset="-79"/>
+              </a:rPr>
+              <a:t>Sysplex</a:t>
+            </a:r>
+            <a:r>
+              <a:rPr lang="en-US" spc="-1" dirty="0">
+                <a:solidFill>
+                  <a:srgbClr val="000000"/>
+                </a:solidFill>
+                <a:latin typeface="Gill Sans" panose="020B0502020104020203" pitchFamily="34" charset="-79"/>
+                <a:cs typeface="Gill Sans" panose="020B0502020104020203" pitchFamily="34" charset="-79"/>
+              </a:rPr>
+              <a:t>.</a:t>
+            </a:r>
+          </a:p>
+          <a:p>
+            <a:pPr marL="1371600" lvl="2" indent="-355320">
               <a:spcBef>
                 <a:spcPts val="400"/>
               </a:spcBef>
-              <a:buFont typeface="Wingdings" pitchFamily="2" charset="2"/>
-              <a:buChar char="v"/>
-            </a:pPr>
-            <a:r>
-              <a:rPr lang="en-US" sz="2000" spc="-1" dirty="0">
-                <a:latin typeface="+mj-lt"/>
-                <a:ea typeface="Gill Sans"/>
-                <a:hlinkClick r:id="rId4"/>
-              </a:rPr>
-              <a:t>Create primary performance test suite</a:t>
-            </a:r>
-            <a:endParaRPr lang="en-US" sz="2000" spc="-1" dirty="0">
-              <a:latin typeface="+mj-lt"/>
-              <a:ea typeface="Gill Sans"/>
-            </a:endParaRPr>
-          </a:p>
-          <a:p>
-            <a:pPr marL="901620" lvl="1" indent="-342900">
+              <a:buClr>
+                <a:srgbClr val="000000"/>
+              </a:buClr>
+              <a:buFont typeface="Arial"/>
+              <a:buChar char="•"/>
+            </a:pPr>
+            <a:r>
+              <a:rPr lang="en-US" spc="-1" dirty="0">
+                <a:solidFill>
+                  <a:srgbClr val="000000"/>
+                </a:solidFill>
+                <a:latin typeface="Gill Sans" panose="020B0502020104020203" pitchFamily="34" charset="-79"/>
+                <a:cs typeface="Gill Sans" panose="020B0502020104020203" pitchFamily="34" charset="-79"/>
+              </a:rPr>
+              <a:t>Mitigation: In-house Infrastructure</a:t>
+            </a:r>
+          </a:p>
+          <a:p>
+            <a:pPr marL="914400" lvl="1" indent="-355320">
               <a:spcBef>
                 <a:spcPts val="400"/>
               </a:spcBef>
-              <a:buFont typeface="Wingdings" pitchFamily="2" charset="2"/>
-              <a:buChar char="v"/>
-            </a:pPr>
-            <a:r>
-              <a:rPr lang="en-US" sz="2000" spc="-1" dirty="0">
-                <a:latin typeface="+mj-lt"/>
-                <a:ea typeface="Gill Sans"/>
-                <a:hlinkClick r:id="rId5"/>
-              </a:rPr>
-              <a:t>Create dedicated performance test suite for APIML</a:t>
-            </a:r>
-            <a:endParaRPr lang="en-US" sz="2000" spc="-1" dirty="0">
-              <a:latin typeface="+mj-lt"/>
-              <a:ea typeface="Gill Sans"/>
-            </a:endParaRPr>
-          </a:p>
-          <a:p>
-            <a:pPr marL="901620" lvl="1" indent="-342900">
-              <a:spcBef>
-                <a:spcPts val="400"/>
-              </a:spcBef>
-              <a:buFont typeface="Wingdings" pitchFamily="2" charset="2"/>
-              <a:buChar char="v"/>
-            </a:pPr>
-            <a:r>
-              <a:rPr lang="en-US" sz="2000" spc="-1" dirty="0">
-                <a:latin typeface="+mj-lt"/>
-                <a:ea typeface="Gill Sans"/>
-                <a:hlinkClick r:id="rId6"/>
-              </a:rPr>
-              <a:t>Create dedicated performance test suite for Explorer APIs</a:t>
-            </a:r>
-            <a:endParaRPr lang="en-US" sz="2000" spc="-1" dirty="0">
-              <a:latin typeface="+mj-lt"/>
-              <a:ea typeface="Gill Sans"/>
-            </a:endParaRPr>
-          </a:p>
-          <a:p>
-            <a:pPr marL="901620" lvl="1" indent="-342900">
-              <a:spcBef>
-                <a:spcPts val="400"/>
-              </a:spcBef>
-              <a:buFont typeface="Wingdings" pitchFamily="2" charset="2"/>
-              <a:buChar char="v"/>
-            </a:pPr>
-            <a:r>
-              <a:rPr lang="en-US" sz="2000" spc="-1" dirty="0">
-                <a:latin typeface="+mj-lt"/>
-                <a:ea typeface="Gill Sans"/>
-                <a:hlinkClick r:id="rId7"/>
-              </a:rPr>
-              <a:t>Create dedicated performance test suite for Desktop</a:t>
-            </a:r>
-            <a:endParaRPr lang="en-US" sz="2000" spc="-1" dirty="0">
-              <a:latin typeface="+mj-lt"/>
-              <a:ea typeface="Gill Sans"/>
-            </a:endParaRPr>
-          </a:p>
-          <a:p>
-            <a:pPr marL="444420" indent="-342900">
-              <a:lnSpc>
-                <a:spcPct val="100000"/>
-              </a:lnSpc>
-              <a:spcBef>
-                <a:spcPts val="400"/>
-              </a:spcBef>
-              <a:buFont typeface="Wingdings" pitchFamily="2" charset="2"/>
-              <a:buChar char="Ø"/>
-            </a:pPr>
-            <a:r>
-              <a:rPr lang="en-US" sz="2000" spc="-1" dirty="0">
-                <a:latin typeface="+mj-lt"/>
-                <a:ea typeface="Gill Sans"/>
-                <a:hlinkClick r:id="rId8"/>
-              </a:rPr>
-              <a:t>Create dummy server for APIML testing</a:t>
-            </a:r>
-            <a:endParaRPr lang="en-US" sz="2000" spc="-1" dirty="0">
-              <a:latin typeface="+mj-lt"/>
-              <a:ea typeface="Gill Sans"/>
-            </a:endParaRPr>
-          </a:p>
-          <a:p>
-            <a:pPr marL="444420" indent="-342900">
-              <a:lnSpc>
-                <a:spcPct val="100000"/>
-              </a:lnSpc>
-              <a:spcBef>
-                <a:spcPts val="400"/>
-              </a:spcBef>
-              <a:buFont typeface="Wingdings" pitchFamily="2" charset="2"/>
-              <a:buChar char="Ø"/>
-            </a:pPr>
-            <a:r>
-              <a:rPr lang="en-US" sz="2000" spc="-1" dirty="0">
-                <a:latin typeface="+mj-lt"/>
-                <a:ea typeface="Gill Sans"/>
-                <a:hlinkClick r:id="rId9"/>
-              </a:rPr>
-              <a:t>Run Metrics Server off-</a:t>
-            </a:r>
-            <a:r>
-              <a:rPr lang="en-US" sz="2000" spc="-1" dirty="0" err="1">
-                <a:latin typeface="+mj-lt"/>
-                <a:ea typeface="Gill Sans"/>
-                <a:hlinkClick r:id="rId9"/>
-              </a:rPr>
-              <a:t>zOS</a:t>
-            </a:r>
-            <a:endParaRPr lang="en-US" sz="2000" spc="-1" dirty="0">
-              <a:latin typeface="+mj-lt"/>
-              <a:ea typeface="Gill Sans"/>
-            </a:endParaRPr>
-          </a:p>
-          <a:p>
-            <a:pPr marL="444420" indent="-342900">
-              <a:lnSpc>
-                <a:spcPct val="100000"/>
-              </a:lnSpc>
-              <a:spcBef>
-                <a:spcPts val="400"/>
-              </a:spcBef>
-              <a:buFont typeface="Wingdings" pitchFamily="2" charset="2"/>
-              <a:buChar char="Ø"/>
-            </a:pPr>
-            <a:r>
-              <a:rPr lang="en-US" sz="2000" spc="-1" dirty="0">
-                <a:latin typeface="+mj-lt"/>
-                <a:ea typeface="Gill Sans"/>
-                <a:hlinkClick r:id="rId10"/>
-              </a:rPr>
-              <a:t>Add ability to test performance of different endpoints in parallel</a:t>
-            </a:r>
-            <a:endParaRPr lang="en-US" sz="2000" spc="-1" dirty="0">
-              <a:latin typeface="+mj-lt"/>
-              <a:ea typeface="Gill Sans"/>
-            </a:endParaRPr>
-          </a:p>
-          <a:p>
-            <a:pPr marL="444420" indent="-342900">
-              <a:lnSpc>
-                <a:spcPct val="100000"/>
-              </a:lnSpc>
-              <a:spcBef>
-                <a:spcPts val="400"/>
-              </a:spcBef>
-              <a:buFont typeface="Wingdings" pitchFamily="2" charset="2"/>
-              <a:buChar char="Ø"/>
-            </a:pPr>
-            <a:r>
-              <a:rPr lang="en-US" sz="2000" spc="-1" dirty="0">
-                <a:latin typeface="+mj-lt"/>
-                <a:ea typeface="Gill Sans"/>
-                <a:hlinkClick r:id="rId11"/>
-              </a:rPr>
-              <a:t>Validate test report with other methods</a:t>
-            </a:r>
-            <a:endParaRPr lang="en-US" sz="2000" spc="-1" dirty="0">
-              <a:latin typeface="+mj-lt"/>
-              <a:ea typeface="Gill Sans"/>
-            </a:endParaRPr>
+              <a:buClr>
+                <a:srgbClr val="000000"/>
+              </a:buClr>
+              <a:buFont typeface="Arial"/>
+              <a:buChar char="•"/>
+            </a:pPr>
+            <a:r>
+              <a:rPr lang="en-US" spc="-1" dirty="0">
+                <a:solidFill>
+                  <a:srgbClr val="000000"/>
+                </a:solidFill>
+                <a:latin typeface="Gill Sans" panose="020B0502020104020203" pitchFamily="34" charset="-79"/>
+                <a:cs typeface="Gill Sans" panose="020B0502020104020203" pitchFamily="34" charset="-79"/>
+              </a:rPr>
+              <a:t>Will rely on Broadcom’s experts and supports to verify deployment  on </a:t>
+            </a:r>
+            <a:r>
+              <a:rPr lang="en-US" spc="-1" dirty="0" err="1">
+                <a:solidFill>
+                  <a:srgbClr val="000000"/>
+                </a:solidFill>
+                <a:latin typeface="Gill Sans" panose="020B0502020104020203" pitchFamily="34" charset="-79"/>
+                <a:cs typeface="Gill Sans" panose="020B0502020104020203" pitchFamily="34" charset="-79"/>
+              </a:rPr>
+              <a:t>Sysplex</a:t>
+            </a:r>
+            <a:r>
+              <a:rPr lang="en-US" spc="-1" dirty="0">
+                <a:solidFill>
+                  <a:srgbClr val="000000"/>
+                </a:solidFill>
+                <a:latin typeface="Gill Sans" panose="020B0502020104020203" pitchFamily="34" charset="-79"/>
+                <a:cs typeface="Gill Sans" panose="020B0502020104020203" pitchFamily="34" charset="-79"/>
+              </a:rPr>
+              <a:t> with ACF2 and Top Secret.</a:t>
+            </a:r>
           </a:p>
         </p:txBody>
       </p:sp>
     </p:spTree>
+    <p:extLst>
+      <p:ext uri="{BB962C8B-B14F-4D97-AF65-F5344CB8AC3E}">
+        <p14:creationId xmlns:p14="http://schemas.microsoft.com/office/powerpoint/2010/main" val="1986820376"/>
+      </p:ext>
+    </p:extLst>
   </p:cSld>
   <p:clrMapOvr>
     <a:masterClrMapping/>
@@ -12687,16 +12408,16 @@
               </a:lnSpc>
             </a:pPr>
             <a:r>
-              <a:rPr lang="en-US" sz="2800" spc="-1" dirty="0">
+              <a:rPr lang="en-US" sz="3000" spc="-1" dirty="0">
                 <a:solidFill>
                   <a:srgbClr val="262626"/>
                 </a:solidFill>
                 <a:latin typeface="+mj-lt"/>
                 <a:ea typeface="Gill Sans"/>
               </a:rPr>
-              <a:t>High Availability – New Components &amp; Sysplex</a:t>
-            </a:r>
-            <a:endParaRPr lang="en-US" sz="2800" b="0" strike="noStrike" spc="-1" dirty="0">
+              <a:t>Performance - Enhance Test Coverage</a:t>
+            </a:r>
+            <a:endParaRPr lang="en-US" sz="3000" b="0" strike="noStrike" spc="-1" dirty="0">
               <a:solidFill>
                 <a:srgbClr val="000000"/>
               </a:solidFill>
@@ -12714,7 +12435,7 @@
         <p:spPr>
           <a:xfrm>
             <a:off x="405518" y="774000"/>
-            <a:ext cx="8269762" cy="4147560"/>
+            <a:ext cx="8554608" cy="4147560"/>
           </a:xfrm>
           <a:prstGeom prst="rect">
             <a:avLst/>
@@ -12740,14 +12461,14 @@
             </a:pPr>
             <a:r>
               <a:rPr lang="en-US" spc="-1" dirty="0">
-                <a:latin typeface="+mj-lt"/>
+                <a:latin typeface="Gill Sans"/>
                 <a:ea typeface="Gill Sans"/>
                 <a:hlinkClick r:id="rId3"/>
               </a:rPr>
-              <a:t>Epic – High Availability</a:t>
+              <a:t>Epic: Zowe Performance Test - Stage 2 - Enhance Test Coverage (2020PI4)</a:t>
             </a:r>
             <a:endParaRPr lang="en-US" spc="-1" dirty="0">
-              <a:latin typeface="+mj-lt"/>
+              <a:latin typeface="Gill Sans"/>
               <a:ea typeface="Gill Sans"/>
             </a:endParaRPr>
           </a:p>
@@ -12761,12 +12482,15 @@
               </a:spcBef>
             </a:pPr>
             <a:endParaRPr lang="en-US" spc="-1" dirty="0">
-              <a:latin typeface="+mj-lt"/>
+              <a:latin typeface="Gill Sans"/>
               <a:ea typeface="Gill Sans"/>
             </a:endParaRPr>
           </a:p>
           <a:p>
             <a:pPr marL="444420" indent="-342900">
+              <a:lnSpc>
+                <a:spcPct val="100000"/>
+              </a:lnSpc>
               <a:spcBef>
                 <a:spcPts val="400"/>
               </a:spcBef>
@@ -12775,19 +12499,137 @@
             </a:pPr>
             <a:r>
               <a:rPr lang="en-US" spc="-1" dirty="0">
-                <a:latin typeface="+mj-lt"/>
+                <a:latin typeface="Gill Sans"/>
+                <a:ea typeface="Gill Sans"/>
+              </a:rPr>
+              <a:t>Finalize primary and component-level test suites </a:t>
+            </a:r>
+            <a:r>
+              <a:rPr lang="en-US" sz="1000" i="1" spc="-1" dirty="0">
+                <a:solidFill>
+                  <a:schemeClr val="tx1">
+                    <a:lumMod val="50000"/>
+                    <a:lumOff val="50000"/>
+                  </a:schemeClr>
+                </a:solidFill>
+                <a:latin typeface="Gill Sans"/>
+                <a:ea typeface="Gill Sans"/>
+              </a:rPr>
+              <a:t>Continue item from PI3</a:t>
+            </a:r>
+            <a:endParaRPr lang="en-US" i="1" spc="-1" dirty="0">
+              <a:solidFill>
+                <a:schemeClr val="tx1">
+                  <a:lumMod val="50000"/>
+                  <a:lumOff val="50000"/>
+                </a:schemeClr>
+              </a:solidFill>
+              <a:latin typeface="Gill Sans"/>
+              <a:ea typeface="Gill Sans"/>
+            </a:endParaRPr>
+          </a:p>
+          <a:p>
+            <a:pPr marL="901620" lvl="1" indent="-342900">
+              <a:spcBef>
+                <a:spcPts val="400"/>
+              </a:spcBef>
+              <a:buFont typeface="Wingdings" pitchFamily="2" charset="2"/>
+              <a:buChar char="v"/>
+            </a:pPr>
+            <a:r>
+              <a:rPr lang="en-US" spc="-1" dirty="0">
+                <a:latin typeface="Gill Sans"/>
                 <a:ea typeface="Gill Sans"/>
                 <a:hlinkClick r:id="rId4"/>
               </a:rPr>
-              <a:t>Create Caching API with VSAM support</a:t>
+              <a:t>Create primary performance test suite</a:t>
             </a:r>
             <a:endParaRPr lang="en-US" spc="-1" dirty="0">
-              <a:latin typeface="+mj-lt"/>
+              <a:latin typeface="Gill Sans"/>
               <a:ea typeface="Gill Sans"/>
             </a:endParaRPr>
           </a:p>
           <a:p>
+            <a:pPr marL="901620" lvl="1" indent="-342900">
+              <a:spcBef>
+                <a:spcPts val="400"/>
+              </a:spcBef>
+              <a:buFont typeface="Wingdings" pitchFamily="2" charset="2"/>
+              <a:buChar char="v"/>
+            </a:pPr>
+            <a:r>
+              <a:rPr lang="en-US" spc="-1" dirty="0">
+                <a:latin typeface="Gill Sans"/>
+                <a:ea typeface="Gill Sans"/>
+                <a:hlinkClick r:id="rId5"/>
+              </a:rPr>
+              <a:t>Create dedicated performance test suite for APIML</a:t>
+            </a:r>
+            <a:endParaRPr lang="en-US" spc="-1" dirty="0">
+              <a:latin typeface="Gill Sans"/>
+              <a:ea typeface="Gill Sans"/>
+            </a:endParaRPr>
+          </a:p>
+          <a:p>
+            <a:pPr marL="901620" lvl="1" indent="-342900">
+              <a:spcBef>
+                <a:spcPts val="400"/>
+              </a:spcBef>
+              <a:buFont typeface="Wingdings" pitchFamily="2" charset="2"/>
+              <a:buChar char="v"/>
+            </a:pPr>
+            <a:r>
+              <a:rPr lang="en-US" spc="-1" dirty="0">
+                <a:latin typeface="Gill Sans"/>
+                <a:ea typeface="Gill Sans"/>
+                <a:hlinkClick r:id="rId6"/>
+              </a:rPr>
+              <a:t>Create dedicated performance test suite for Explorer APIs</a:t>
+            </a:r>
+            <a:endParaRPr lang="en-US" spc="-1" dirty="0">
+              <a:latin typeface="Gill Sans"/>
+              <a:ea typeface="Gill Sans"/>
+            </a:endParaRPr>
+          </a:p>
+          <a:p>
+            <a:pPr marL="901620" lvl="1" indent="-342900">
+              <a:spcBef>
+                <a:spcPts val="400"/>
+              </a:spcBef>
+              <a:buFont typeface="Wingdings" pitchFamily="2" charset="2"/>
+              <a:buChar char="v"/>
+            </a:pPr>
+            <a:r>
+              <a:rPr lang="en-US" spc="-1" dirty="0">
+                <a:latin typeface="Gill Sans"/>
+                <a:ea typeface="Gill Sans"/>
+                <a:hlinkClick r:id="rId7"/>
+              </a:rPr>
+              <a:t>Create dedicated performance test suite for Desktop</a:t>
+            </a:r>
+            <a:endParaRPr lang="en-US" spc="-1" dirty="0">
+              <a:latin typeface="Gill Sans"/>
+              <a:ea typeface="Gill Sans"/>
+            </a:endParaRPr>
+          </a:p>
+          <a:p>
             <a:pPr marL="444420" indent="-342900">
+              <a:spcBef>
+                <a:spcPts val="400"/>
+              </a:spcBef>
+              <a:buFont typeface="Wingdings" pitchFamily="2" charset="2"/>
+              <a:buChar char="v"/>
+            </a:pPr>
+            <a:r>
+              <a:rPr lang="en-US" spc="-1" dirty="0">
+                <a:latin typeface="Gill Sans"/>
+                <a:ea typeface="Gill Sans"/>
+              </a:rPr>
+              <a:t>Performance test infrastructure capabilities:</a:t>
+            </a:r>
+          </a:p>
+          <a:p>
+            <a:pPr marL="901620" lvl="1" indent="-342900">
               <a:spcBef>
                 <a:spcPts val="400"/>
               </a:spcBef>
@@ -12796,35 +12638,40 @@
             </a:pPr>
             <a:r>
               <a:rPr lang="en-US" spc="-1" dirty="0">
-                <a:latin typeface="+mj-lt"/>
+                <a:latin typeface="Gill Sans"/>
                 <a:ea typeface="Gill Sans"/>
-                <a:hlinkClick r:id="rId5"/>
-              </a:rPr>
-              <a:t>Implement and integrate Zowe Launcher</a:t>
-            </a:r>
-            <a:r>
-              <a:rPr lang="en-US" spc="-1" dirty="0">
-                <a:latin typeface="+mj-lt"/>
-                <a:ea typeface="Gill Sans"/>
-              </a:rPr>
-              <a:t> (Stage 1)</a:t>
-            </a:r>
-          </a:p>
-          <a:p>
-            <a:pPr marL="444420" indent="-342900">
+                <a:hlinkClick r:id="rId8"/>
+              </a:rPr>
+              <a:t>Create dummy server for APIML testing</a:t>
+            </a:r>
+            <a:endParaRPr lang="en-US" spc="-1" dirty="0">
+              <a:latin typeface="Gill Sans"/>
+              <a:ea typeface="Gill Sans"/>
+            </a:endParaRPr>
+          </a:p>
+          <a:p>
+            <a:pPr marL="901620" lvl="1" indent="-342900">
               <a:spcBef>
                 <a:spcPts val="400"/>
               </a:spcBef>
               <a:buFont typeface="Wingdings" pitchFamily="2" charset="2"/>
               <a:buChar char="Ø"/>
             </a:pPr>
+            <a:r>
+              <a:rPr lang="en-US" spc="-1" dirty="0">
+                <a:latin typeface="Gill Sans"/>
+                <a:ea typeface="Gill Sans"/>
+                <a:hlinkClick r:id="rId9"/>
+              </a:rPr>
+              <a:t>Run Metrics Server off-zOS</a:t>
+            </a:r>
             <a:endParaRPr lang="en-US" spc="-1" dirty="0">
-              <a:latin typeface="+mj-lt"/>
+              <a:latin typeface="Gill Sans"/>
               <a:ea typeface="Gill Sans"/>
             </a:endParaRPr>
           </a:p>
           <a:p>
-            <a:pPr marL="444420" indent="-342900">
+            <a:pPr marL="901620" lvl="1" indent="-342900">
               <a:spcBef>
                 <a:spcPts val="400"/>
               </a:spcBef>
@@ -12833,121 +12680,14 @@
             </a:pPr>
             <a:r>
               <a:rPr lang="en-US" spc="-1" dirty="0">
-                <a:latin typeface="+mj-lt"/>
-                <a:ea typeface="Gill Sans"/>
-              </a:rPr>
-              <a:t>Starting Zowe in Sysplex</a:t>
-            </a:r>
-          </a:p>
-          <a:p>
-            <a:pPr marL="901620" lvl="1" indent="-342900">
-              <a:spcBef>
-                <a:spcPts val="400"/>
-              </a:spcBef>
-              <a:buFont typeface="Wingdings" pitchFamily="2" charset="2"/>
-              <a:buChar char="v"/>
-            </a:pPr>
-            <a:r>
-              <a:rPr lang="en-US" sz="1600" spc="-1" dirty="0">
-                <a:latin typeface="+mj-lt"/>
-                <a:ea typeface="Gill Sans"/>
-                <a:hlinkClick r:id="rId6"/>
-              </a:rPr>
-              <a:t>Verify and document z/OSMF on Sysplex configuration</a:t>
-            </a:r>
-            <a:r>
-              <a:rPr lang="en-US" sz="1600" spc="-1" dirty="0">
-                <a:latin typeface="+mj-lt"/>
-                <a:ea typeface="Gill Sans"/>
-              </a:rPr>
-              <a:t> (shared SAF user registry</a:t>
-            </a:r>
-          </a:p>
-          <a:p>
-            <a:pPr marL="901620" lvl="1" indent="-342900">
-              <a:spcBef>
-                <a:spcPts val="400"/>
-              </a:spcBef>
-              <a:buFont typeface="Wingdings" pitchFamily="2" charset="2"/>
-              <a:buChar char="v"/>
-            </a:pPr>
-            <a:r>
-              <a:rPr lang="en-US" sz="1600" spc="-1" dirty="0">
-                <a:latin typeface="+mj-lt"/>
-                <a:ea typeface="Gill Sans"/>
-              </a:rPr>
-              <a:t>Document how to configure </a:t>
-            </a:r>
-            <a:r>
-              <a:rPr lang="en-US" sz="1600" spc="-1" dirty="0">
-                <a:latin typeface="+mj-lt"/>
-                <a:ea typeface="Gill Sans"/>
-                <a:hlinkClick r:id="rId7"/>
-              </a:rPr>
-              <a:t>port sharing</a:t>
-            </a:r>
-            <a:r>
-              <a:rPr lang="en-US" sz="1600" spc="-1" dirty="0">
-                <a:latin typeface="+mj-lt"/>
-                <a:ea typeface="Gill Sans"/>
-              </a:rPr>
-              <a:t> and </a:t>
-            </a:r>
-            <a:r>
-              <a:rPr lang="en-US" sz="1600" spc="-1" dirty="0">
-                <a:latin typeface="+mj-lt"/>
-                <a:ea typeface="Gill Sans"/>
-                <a:hlinkClick r:id="rId8"/>
-              </a:rPr>
-              <a:t>D-DIVPA</a:t>
-            </a:r>
-            <a:r>
-              <a:rPr lang="en-US" sz="1600" spc="-1" dirty="0">
-                <a:latin typeface="+mj-lt"/>
-                <a:ea typeface="Gill Sans"/>
-              </a:rPr>
-              <a:t> for API Gateway</a:t>
-            </a:r>
-          </a:p>
-          <a:p>
-            <a:pPr marL="901620" lvl="1" indent="-342900">
-              <a:spcBef>
-                <a:spcPts val="400"/>
-              </a:spcBef>
-              <a:buFont typeface="Wingdings" pitchFamily="2" charset="2"/>
-              <a:buChar char="v"/>
-            </a:pPr>
-            <a:r>
-              <a:rPr lang="en-US" sz="1600" spc="-1" dirty="0">
-                <a:latin typeface="+mj-lt"/>
-                <a:ea typeface="Gill Sans"/>
-                <a:hlinkClick r:id="rId9"/>
-              </a:rPr>
-              <a:t>Verify and document requirement on shared USS file system, and shared VSAM data set</a:t>
-            </a:r>
-            <a:endParaRPr lang="en-US" sz="1600" spc="-1" dirty="0">
-              <a:latin typeface="+mj-lt"/>
-              <a:ea typeface="Gill Sans"/>
-            </a:endParaRPr>
-          </a:p>
-          <a:p>
-            <a:pPr marL="901620" lvl="1" indent="-342900">
-              <a:spcBef>
-                <a:spcPts val="400"/>
-              </a:spcBef>
-              <a:buFont typeface="Wingdings" pitchFamily="2" charset="2"/>
-              <a:buChar char="v"/>
-            </a:pPr>
-            <a:r>
-              <a:rPr lang="en-US" sz="1600" spc="-1" dirty="0">
-                <a:latin typeface="+mj-lt"/>
+                <a:latin typeface="Gill Sans"/>
                 <a:ea typeface="Gill Sans"/>
                 <a:hlinkClick r:id="rId10"/>
               </a:rPr>
-              <a:t>Test and implement ARM policy</a:t>
-            </a:r>
-            <a:endParaRPr lang="en-US" sz="1600" spc="-1" dirty="0">
-              <a:latin typeface="+mj-lt"/>
+              <a:t>Add ability to test performance of different endpoints in parallel</a:t>
+            </a:r>
+            <a:endParaRPr lang="en-US" spc="-1" dirty="0">
+              <a:latin typeface="Gill Sans"/>
               <a:ea typeface="Gill Sans"/>
             </a:endParaRPr>
           </a:p>
@@ -12957,50 +12697,24 @@
                 <a:spcPts val="400"/>
               </a:spcBef>
               <a:buFont typeface="Wingdings" pitchFamily="2" charset="2"/>
-              <a:buChar char="v"/>
-            </a:pPr>
-            <a:r>
-              <a:rPr lang="en-US" sz="1600" spc="-1" dirty="0">
-                <a:latin typeface="+mj-lt"/>
+              <a:buChar char="Ø"/>
+            </a:pPr>
+            <a:r>
+              <a:rPr lang="en-US" spc="-1" dirty="0">
+                <a:latin typeface="Gill Sans"/>
                 <a:ea typeface="Gill Sans"/>
                 <a:hlinkClick r:id="rId11"/>
               </a:rPr>
-              <a:t>Validate Apiml &amp; zOSMF HA with ACF2 and Top Secret Enabled Sysplex</a:t>
-            </a:r>
-            <a:endParaRPr lang="en-US" sz="1600" spc="-1" dirty="0">
-              <a:latin typeface="+mj-lt"/>
+              <a:t>Validate test report with other methods</a:t>
+            </a:r>
+            <a:endParaRPr lang="en-US" spc="-1" dirty="0">
+              <a:latin typeface="Gill Sans"/>
               <a:ea typeface="Gill Sans"/>
             </a:endParaRPr>
           </a:p>
-          <a:p>
-            <a:pPr marL="901620" lvl="1" indent="-342900">
-              <a:spcBef>
-                <a:spcPts val="400"/>
-              </a:spcBef>
-              <a:buFont typeface="Wingdings" pitchFamily="2" charset="2"/>
-              <a:buChar char="v"/>
-            </a:pPr>
-            <a:r>
-              <a:rPr lang="en-US" sz="1600" spc="-1" dirty="0">
-                <a:latin typeface="+mj-lt"/>
-                <a:ea typeface="Gill Sans"/>
-                <a:hlinkClick r:id="rId12"/>
-              </a:rPr>
-              <a:t>Verify how CLI works with Sysplex</a:t>
-            </a:r>
-            <a:endParaRPr lang="en-US" sz="1600" spc="-1" dirty="0">
-              <a:latin typeface="+mj-lt"/>
-              <a:ea typeface="Gill Sans"/>
-            </a:endParaRPr>
-          </a:p>
         </p:txBody>
       </p:sp>
     </p:spTree>
-    <p:extLst>
-      <p:ext uri="{BB962C8B-B14F-4D97-AF65-F5344CB8AC3E}">
-        <p14:creationId xmlns:p14="http://schemas.microsoft.com/office/powerpoint/2010/main" val="54868531"/>
-      </p:ext>
-    </p:extLst>
   </p:cSld>
   <p:clrMapOvr>
     <a:masterClrMapping/>
@@ -13086,16 +12800,16 @@
               </a:lnSpc>
             </a:pPr>
             <a:r>
-              <a:rPr lang="en-US" sz="2400" spc="-1" dirty="0">
+              <a:rPr lang="en-US" sz="2800" spc="-1" dirty="0">
                 <a:solidFill>
                   <a:srgbClr val="262626"/>
                 </a:solidFill>
                 <a:latin typeface="+mj-lt"/>
                 <a:ea typeface="Gill Sans"/>
               </a:rPr>
-              <a:t>High Availability – Existing Components &amp; Certificates</a:t>
-            </a:r>
-            <a:endParaRPr lang="en-US" sz="2400" b="0" strike="noStrike" spc="-1" dirty="0">
+              <a:t>High Availability – New Components &amp; Sysplex</a:t>
+            </a:r>
+            <a:endParaRPr lang="en-US" sz="2800" b="0" strike="noStrike" spc="-1" dirty="0">
               <a:solidFill>
                 <a:srgbClr val="000000"/>
               </a:solidFill>
@@ -13112,8 +12826,8 @@
         </p:nvSpPr>
         <p:spPr>
           <a:xfrm>
-            <a:off x="405518" y="683812"/>
-            <a:ext cx="8269762" cy="4237748"/>
+            <a:off x="405518" y="774000"/>
+            <a:ext cx="8269762" cy="4147560"/>
           </a:xfrm>
           <a:prstGeom prst="rect">
             <a:avLst/>
@@ -13129,7 +12843,43 @@
           </a:bodyPr>
           <a:lstStyle/>
           <a:p>
-            <a:pPr marL="387270" indent="-285750">
+            <a:pPr marL="101520">
+              <a:lnSpc>
+                <a:spcPct val="100000"/>
+              </a:lnSpc>
+              <a:spcBef>
+                <a:spcPts val="400"/>
+              </a:spcBef>
+            </a:pPr>
+            <a:r>
+              <a:rPr lang="en-US" spc="-1" dirty="0">
+                <a:latin typeface="Gill Sans"/>
+                <a:ea typeface="Gill Sans"/>
+                <a:hlinkClick r:id="rId3"/>
+              </a:rPr>
+              <a:t>Epic – High Availability</a:t>
+            </a:r>
+            <a:endParaRPr lang="en-US" spc="-1" dirty="0">
+              <a:latin typeface="Gill Sans"/>
+              <a:ea typeface="Gill Sans"/>
+            </a:endParaRPr>
+          </a:p>
+          <a:p>
+            <a:pPr marL="101520">
+              <a:lnSpc>
+                <a:spcPct val="100000"/>
+              </a:lnSpc>
+              <a:spcBef>
+                <a:spcPts val="400"/>
+              </a:spcBef>
+            </a:pPr>
+            <a:endParaRPr lang="en-US" spc="-1" dirty="0">
+              <a:latin typeface="Gill Sans"/>
+              <a:ea typeface="Gill Sans"/>
+            </a:endParaRPr>
+          </a:p>
+          <a:p>
+            <a:pPr marL="444420" indent="-342900">
               <a:spcBef>
                 <a:spcPts val="400"/>
               </a:spcBef>
@@ -13137,12 +12887,111 @@
               <a:buChar char="Ø"/>
             </a:pPr>
             <a:r>
+              <a:rPr lang="en-US" b="1" spc="-1" dirty="0">
+                <a:latin typeface="Gill Sans"/>
+                <a:ea typeface="Gill Sans"/>
+                <a:hlinkClick r:id="rId4"/>
+              </a:rPr>
+              <a:t>Create Caching API with VSAM support</a:t>
+            </a:r>
+            <a:endParaRPr lang="en-US" b="1" spc="-1" dirty="0">
+              <a:latin typeface="Gill Sans"/>
+              <a:ea typeface="Gill Sans"/>
+            </a:endParaRPr>
+          </a:p>
+          <a:p>
+            <a:pPr marL="444420" indent="-342900">
+              <a:spcBef>
+                <a:spcPts val="400"/>
+              </a:spcBef>
+              <a:buFont typeface="Wingdings" pitchFamily="2" charset="2"/>
+              <a:buChar char="Ø"/>
+            </a:pPr>
+            <a:r>
+              <a:rPr lang="en-US" b="1" spc="-1" dirty="0">
+                <a:latin typeface="Gill Sans"/>
+                <a:ea typeface="Gill Sans"/>
+                <a:hlinkClick r:id="rId5"/>
+              </a:rPr>
+              <a:t>Implement and integrate Zowe Launcher</a:t>
+            </a:r>
+            <a:r>
+              <a:rPr lang="en-US" b="1" spc="-1" dirty="0">
+                <a:latin typeface="Gill Sans"/>
+                <a:ea typeface="Gill Sans"/>
+              </a:rPr>
+              <a:t> (Stage 1)</a:t>
+            </a:r>
+          </a:p>
+          <a:p>
+            <a:pPr marL="901620" lvl="1" indent="-342900">
+              <a:spcBef>
+                <a:spcPts val="400"/>
+              </a:spcBef>
+              <a:buFont typeface="Wingdings" pitchFamily="2" charset="2"/>
+              <a:buChar char="Ø"/>
+            </a:pPr>
+            <a:r>
               <a:rPr lang="en-US" spc="-1" dirty="0">
-                <a:latin typeface="+mj-lt"/>
+                <a:latin typeface="Gill Sans"/>
                 <a:ea typeface="Gill Sans"/>
               </a:rPr>
-              <a:t>Preparing Zowe and Components for HA</a:t>
-            </a:r>
+              <a:t>Stage 2 TBD (compatibility concerns, more research needed)</a:t>
+            </a:r>
+          </a:p>
+          <a:p>
+            <a:pPr marL="444420" indent="-342900">
+              <a:spcBef>
+                <a:spcPts val="400"/>
+              </a:spcBef>
+              <a:buFont typeface="Wingdings" pitchFamily="2" charset="2"/>
+              <a:buChar char="Ø"/>
+            </a:pPr>
+            <a:endParaRPr lang="en-US" spc="-1" dirty="0">
+              <a:latin typeface="Gill Sans"/>
+              <a:ea typeface="Gill Sans"/>
+            </a:endParaRPr>
+          </a:p>
+          <a:p>
+            <a:pPr marL="444420" indent="-342900">
+              <a:spcBef>
+                <a:spcPts val="400"/>
+              </a:spcBef>
+              <a:buFont typeface="Wingdings" pitchFamily="2" charset="2"/>
+              <a:buChar char="Ø"/>
+            </a:pPr>
+            <a:r>
+              <a:rPr lang="en-US" b="1" spc="-1" dirty="0">
+                <a:latin typeface="Gill Sans"/>
+                <a:ea typeface="Gill Sans"/>
+              </a:rPr>
+              <a:t>Starting </a:t>
+            </a:r>
+            <a:r>
+              <a:rPr lang="en-US" b="1" spc="-1" dirty="0" err="1">
+                <a:latin typeface="Gill Sans"/>
+                <a:ea typeface="Gill Sans"/>
+              </a:rPr>
+              <a:t>Zowe</a:t>
+            </a:r>
+            <a:r>
+              <a:rPr lang="en-US" b="1" spc="-1" dirty="0">
+                <a:latin typeface="Gill Sans"/>
+                <a:ea typeface="Gill Sans"/>
+              </a:rPr>
+              <a:t> HA on </a:t>
+            </a:r>
+            <a:r>
+              <a:rPr lang="en-US" b="1" spc="-1" dirty="0" err="1">
+                <a:latin typeface="Gill Sans"/>
+                <a:ea typeface="Gill Sans"/>
+              </a:rPr>
+              <a:t>Sysplex</a:t>
+            </a:r>
+            <a:endParaRPr lang="en-US" b="1" spc="-1" dirty="0">
+              <a:latin typeface="Gill Sans"/>
+              <a:ea typeface="Gill Sans"/>
+            </a:endParaRPr>
           </a:p>
           <a:p>
             <a:pPr marL="901620" lvl="1" indent="-342900">
@@ -13154,16 +13003,19 @@
             </a:pPr>
             <a:r>
               <a:rPr lang="en-US" sz="1600" spc="-1" dirty="0">
-                <a:latin typeface="+mj-lt"/>
+                <a:latin typeface="Gill Sans"/>
                 <a:ea typeface="Gill Sans"/>
-                <a:hlinkClick r:id="rId3"/>
-              </a:rPr>
-              <a:t>Break down apiml package into 3 individual components</a:t>
-            </a:r>
-            <a:endParaRPr lang="en-US" sz="1600" spc="-1" dirty="0">
-              <a:latin typeface="+mj-lt"/>
-              <a:ea typeface="Gill Sans"/>
-            </a:endParaRPr>
+                <a:hlinkClick r:id="rId6"/>
+              </a:rPr>
+              <a:t>Verify and document z/OSMF on Sysplex configuration</a:t>
+            </a:r>
+            <a:r>
+              <a:rPr lang="en-US" sz="1600" spc="-1" dirty="0">
+                <a:latin typeface="Gill Sans"/>
+                <a:ea typeface="Gill Sans"/>
+              </a:rPr>
+              <a:t> (shared SAF user registry</a:t>
+            </a:r>
           </a:p>
           <a:p>
             <a:pPr marL="901620" lvl="1" indent="-342900">
@@ -13175,16 +13027,41 @@
             </a:pPr>
             <a:r>
               <a:rPr lang="en-US" sz="1600" spc="-1" dirty="0">
-                <a:latin typeface="+mj-lt"/>
+                <a:latin typeface="Gill Sans"/>
                 <a:ea typeface="Gill Sans"/>
-                <a:hlinkClick r:id="rId4"/>
-              </a:rPr>
-              <a:t>Define manifest file for Zowe packages to simplify Zowe Launcher configurations</a:t>
-            </a:r>
-            <a:endParaRPr lang="en-US" sz="1600" spc="-1" dirty="0">
-              <a:latin typeface="+mj-lt"/>
-              <a:ea typeface="Gill Sans"/>
-            </a:endParaRPr>
+              </a:rPr>
+              <a:t>Document how to configure </a:t>
+            </a:r>
+            <a:r>
+              <a:rPr lang="en-US" sz="1600" spc="-1" dirty="0">
+                <a:latin typeface="Gill Sans"/>
+                <a:ea typeface="Gill Sans"/>
+                <a:hlinkClick r:id="rId7"/>
+              </a:rPr>
+              <a:t>port sharing</a:t>
+            </a:r>
+            <a:r>
+              <a:rPr lang="en-US" sz="1600" spc="-1" dirty="0">
+                <a:latin typeface="Gill Sans"/>
+                <a:ea typeface="Gill Sans"/>
+              </a:rPr>
+              <a:t> and </a:t>
+            </a:r>
+            <a:r>
+              <a:rPr lang="en-US" sz="1600" spc="-1" dirty="0">
+                <a:latin typeface="Gill Sans"/>
+                <a:ea typeface="Gill Sans"/>
+                <a:hlinkClick r:id="rId8"/>
+              </a:rPr>
+              <a:t>D-DIVPA</a:t>
+            </a:r>
+            <a:r>
+              <a:rPr lang="en-US" sz="1600" spc="-1" dirty="0">
+                <a:latin typeface="Gill Sans"/>
+                <a:ea typeface="Gill Sans"/>
+              </a:rPr>
+              <a:t> for API Gateway</a:t>
+            </a:r>
           </a:p>
           <a:p>
             <a:pPr marL="901620" lvl="1" indent="-342900">
@@ -13196,14 +13073,14 @@
             </a:pPr>
             <a:r>
               <a:rPr lang="en-US" sz="1600" spc="-1" dirty="0">
-                <a:latin typeface="+mj-lt"/>
+                <a:latin typeface="Gill Sans"/>
                 <a:ea typeface="Gill Sans"/>
-                <a:hlinkClick r:id="rId5"/>
-              </a:rPr>
-              <a:t>Add new configuration entries in instance.env to support multiple instances of components</a:t>
+                <a:hlinkClick r:id="rId9"/>
+              </a:rPr>
+              <a:t>Verify and document requirement on shared USS file system, and shared VSAM data set</a:t>
             </a:r>
             <a:endParaRPr lang="en-US" sz="1600" spc="-1" dirty="0">
-              <a:latin typeface="+mj-lt"/>
+              <a:latin typeface="Gill Sans"/>
               <a:ea typeface="Gill Sans"/>
             </a:endParaRPr>
           </a:p>
@@ -13217,14 +13094,14 @@
             </a:pPr>
             <a:r>
               <a:rPr lang="en-US" sz="1600" spc="-1" dirty="0">
-                <a:latin typeface="+mj-lt"/>
+                <a:latin typeface="Gill Sans"/>
                 <a:ea typeface="Gill Sans"/>
-                <a:hlinkClick r:id="rId6"/>
-              </a:rPr>
-              <a:t>Automatically configure ARM policy for Zowe Launcher</a:t>
+                <a:hlinkClick r:id="rId10"/>
+              </a:rPr>
+              <a:t>Test and implement ARM policy</a:t>
             </a:r>
             <a:endParaRPr lang="en-US" sz="1600" spc="-1" dirty="0">
-              <a:latin typeface="+mj-lt"/>
+              <a:latin typeface="Gill Sans"/>
               <a:ea typeface="Gill Sans"/>
             </a:endParaRPr>
           </a:p>
@@ -13238,30 +13115,14 @@
             </a:pPr>
             <a:r>
               <a:rPr lang="en-US" sz="1600" spc="-1" dirty="0">
-                <a:latin typeface="+mj-lt"/>
+                <a:latin typeface="Gill Sans"/>
                 <a:ea typeface="Gill Sans"/>
-                <a:hlinkClick r:id="rId7"/>
-              </a:rPr>
-              <a:t>Improve lifecycle </a:t>
-            </a:r>
-            <a:r>
-              <a:rPr lang="en-US" sz="1600" spc="-1" dirty="0" err="1">
-                <a:latin typeface="+mj-lt"/>
-                <a:ea typeface="Gill Sans"/>
-                <a:hlinkClick r:id="rId7"/>
-              </a:rPr>
-              <a:t>start.sh</a:t>
-            </a:r>
-            <a:r>
-              <a:rPr lang="en-US" sz="1600" spc="-1" dirty="0">
-                <a:latin typeface="+mj-lt"/>
-                <a:ea typeface="Gill Sans"/>
-                <a:hlinkClick r:id="rId7"/>
-              </a:rPr>
-              <a:t> to properly trap termination signals and kill child processes</a:t>
+                <a:hlinkClick r:id="rId11"/>
+              </a:rPr>
+              <a:t>Validate Apiml &amp; zOSMF HA with ACF2 and Top Secret Enabled Sysplex</a:t>
             </a:r>
             <a:endParaRPr lang="en-US" sz="1600" spc="-1" dirty="0">
-              <a:latin typeface="+mj-lt"/>
+              <a:latin typeface="Gill Sans"/>
               <a:ea typeface="Gill Sans"/>
             </a:endParaRPr>
           </a:p>
@@ -13275,85 +13136,14 @@
             </a:pPr>
             <a:r>
               <a:rPr lang="en-US" sz="1600" spc="-1" dirty="0">
-                <a:latin typeface="+mj-lt"/>
+                <a:latin typeface="Gill Sans"/>
                 <a:ea typeface="Gill Sans"/>
-                <a:hlinkClick r:id="rId8"/>
-              </a:rPr>
-              <a:t>Change ZSS to be registered under API Discovery Service</a:t>
+                <a:hlinkClick r:id="rId12"/>
+              </a:rPr>
+              <a:t>Verify how CLI works with Sysplex</a:t>
             </a:r>
             <a:endParaRPr lang="en-US" sz="1600" spc="-1" dirty="0">
-              <a:latin typeface="+mj-lt"/>
-              <a:ea typeface="Gill Sans"/>
-            </a:endParaRPr>
-          </a:p>
-          <a:p>
-            <a:pPr marL="444420" indent="-342900">
-              <a:spcBef>
-                <a:spcPts val="400"/>
-              </a:spcBef>
-              <a:buFont typeface="Wingdings" pitchFamily="2" charset="2"/>
-              <a:buChar char="Ø"/>
-            </a:pPr>
-            <a:endParaRPr lang="en-US" spc="-1" dirty="0">
-              <a:latin typeface="+mj-lt"/>
-              <a:ea typeface="Gill Sans"/>
-            </a:endParaRPr>
-          </a:p>
-          <a:p>
-            <a:pPr marL="444420" indent="-342900">
-              <a:spcBef>
-                <a:spcPts val="400"/>
-              </a:spcBef>
-              <a:buFont typeface="Wingdings" pitchFamily="2" charset="2"/>
-              <a:buChar char="Ø"/>
-            </a:pPr>
-            <a:r>
-              <a:rPr lang="en-US" spc="-1" dirty="0">
-                <a:latin typeface="+mj-lt"/>
-                <a:ea typeface="Gill Sans"/>
-              </a:rPr>
-              <a:t>Certificate Configuration Improvement</a:t>
-            </a:r>
-          </a:p>
-          <a:p>
-            <a:pPr marL="901620" lvl="1" indent="-342900">
-              <a:spcBef>
-                <a:spcPts val="400"/>
-              </a:spcBef>
-              <a:buFont typeface="Wingdings" pitchFamily="2" charset="2"/>
-              <a:buChar char="v"/>
-            </a:pPr>
-            <a:r>
-              <a:rPr lang="en-US" sz="1600" spc="-1" dirty="0">
-                <a:latin typeface="+mj-lt"/>
-                <a:ea typeface="Gill Sans"/>
-                <a:hlinkClick r:id="rId9"/>
-              </a:rPr>
-              <a:t>Add flexibility to define certificate for internal and external usage</a:t>
-            </a:r>
-            <a:endParaRPr lang="en-US" sz="1600" spc="-1" dirty="0">
-              <a:latin typeface="+mj-lt"/>
-              <a:ea typeface="Gill Sans"/>
-            </a:endParaRPr>
-          </a:p>
-          <a:p>
-            <a:pPr marL="901620" lvl="1" indent="-342900">
-              <a:spcBef>
-                <a:spcPts val="400"/>
-              </a:spcBef>
-              <a:buFont typeface="Wingdings" pitchFamily="2" charset="2"/>
-              <a:buChar char="v"/>
-            </a:pPr>
-            <a:r>
-              <a:rPr lang="en-US" sz="1600" spc="-1" dirty="0">
-                <a:latin typeface="+mj-lt"/>
-                <a:ea typeface="Gill Sans"/>
-                <a:hlinkClick r:id="rId10"/>
-              </a:rPr>
-              <a:t>Allow to define multiple domains / IPs as Subject Alternative Name (SAN) when storing certificate(s) in Keyring</a:t>
-            </a:r>
-            <a:endParaRPr lang="en-US" sz="1600" spc="-1" dirty="0">
-              <a:latin typeface="+mj-lt"/>
+              <a:latin typeface="Gill Sans"/>
               <a:ea typeface="Gill Sans"/>
             </a:endParaRPr>
           </a:p>
@@ -13362,7 +13152,7 @@
     </p:spTree>
     <p:extLst>
       <p:ext uri="{BB962C8B-B14F-4D97-AF65-F5344CB8AC3E}">
-        <p14:creationId xmlns:p14="http://schemas.microsoft.com/office/powerpoint/2010/main" val="259758416"/>
+        <p14:creationId xmlns:p14="http://schemas.microsoft.com/office/powerpoint/2010/main" val="54868531"/>
       </p:ext>
     </p:extLst>
   </p:cSld>
@@ -13450,16 +13240,16 @@
               </a:lnSpc>
             </a:pPr>
             <a:r>
-              <a:rPr lang="en-US" sz="3000" spc="-1" dirty="0">
+              <a:rPr lang="en-US" sz="2400" spc="-1" dirty="0">
                 <a:solidFill>
                   <a:srgbClr val="262626"/>
                 </a:solidFill>
                 <a:latin typeface="+mj-lt"/>
                 <a:ea typeface="Gill Sans"/>
               </a:rPr>
-              <a:t>CI/CD – Extension Installation</a:t>
-            </a:r>
-            <a:endParaRPr lang="en-US" sz="3000" b="0" strike="noStrike" spc="-1" dirty="0">
+              <a:t>High Availability – Existing Components &amp; Certificates</a:t>
+            </a:r>
+            <a:endParaRPr lang="en-US" sz="2400" b="0" strike="noStrike" spc="-1" dirty="0">
               <a:solidFill>
                 <a:srgbClr val="000000"/>
               </a:solidFill>
@@ -13476,8 +13266,8 @@
         </p:nvSpPr>
         <p:spPr>
           <a:xfrm>
-            <a:off x="405518" y="993913"/>
-            <a:ext cx="8269762" cy="3808676"/>
+            <a:off x="334080" y="606600"/>
+            <a:ext cx="8269762" cy="4459688"/>
           </a:xfrm>
           <a:prstGeom prst="rect">
             <a:avLst/>
@@ -13501,33 +13291,186 @@
               <a:buChar char="Ø"/>
             </a:pPr>
             <a:r>
-              <a:rPr lang="en-US" sz="2000" spc="-1" dirty="0">
+              <a:rPr lang="en-US" b="1" spc="-1" dirty="0">
+                <a:latin typeface="+mj-lt"/>
+                <a:ea typeface="Gill Sans"/>
+              </a:rPr>
+              <a:t>Preparing Zowe and Components for HA</a:t>
+            </a:r>
+          </a:p>
+          <a:p>
+            <a:pPr marL="901620" lvl="1" indent="-342900">
+              <a:spcBef>
+                <a:spcPts val="400"/>
+              </a:spcBef>
+              <a:buFont typeface="Wingdings" pitchFamily="2" charset="2"/>
+              <a:buChar char="v"/>
+            </a:pPr>
+            <a:r>
+              <a:rPr lang="en-US" sz="1600" spc="-1" dirty="0">
                 <a:latin typeface="+mj-lt"/>
                 <a:ea typeface="Gill Sans"/>
                 <a:hlinkClick r:id="rId3"/>
               </a:rPr>
-              <a:t>Create extension installation script, playbook and test cases to validate installation</a:t>
-            </a:r>
-            <a:endParaRPr lang="en-US" sz="2000" spc="-1" dirty="0">
+              <a:t>Break down apiml package into 3 individual components</a:t>
+            </a:r>
+            <a:endParaRPr lang="en-US" sz="1600" spc="-1" dirty="0">
               <a:latin typeface="+mj-lt"/>
               <a:ea typeface="Gill Sans"/>
             </a:endParaRPr>
           </a:p>
           <a:p>
-            <a:pPr marL="387270" indent="-285750">
+            <a:pPr marL="901620" lvl="1" indent="-342900">
+              <a:spcBef>
+                <a:spcPts val="400"/>
+              </a:spcBef>
+              <a:buFont typeface="Wingdings" pitchFamily="2" charset="2"/>
+              <a:buChar char="v"/>
+            </a:pPr>
+            <a:r>
+              <a:rPr lang="en-US" sz="1600" spc="-1" dirty="0">
+                <a:latin typeface="+mj-lt"/>
+                <a:ea typeface="Gill Sans"/>
+                <a:hlinkClick r:id="rId4"/>
+              </a:rPr>
+              <a:t>Define manifest file for Zowe packages to simplify Zowe Launcher configurations</a:t>
+            </a:r>
+            <a:endParaRPr lang="en-US" sz="1600" spc="-1" dirty="0">
+              <a:latin typeface="+mj-lt"/>
+              <a:ea typeface="Gill Sans"/>
+            </a:endParaRPr>
+          </a:p>
+          <a:p>
+            <a:pPr marL="901620" lvl="1" indent="-342900">
+              <a:spcBef>
+                <a:spcPts val="400"/>
+              </a:spcBef>
+              <a:buFont typeface="Wingdings" pitchFamily="2" charset="2"/>
+              <a:buChar char="v"/>
+            </a:pPr>
+            <a:r>
+              <a:rPr lang="en-US" sz="1600" spc="-1" dirty="0">
+                <a:latin typeface="+mj-lt"/>
+                <a:ea typeface="Gill Sans"/>
+                <a:hlinkClick r:id="rId5"/>
+              </a:rPr>
+              <a:t>Add new configuration entries in instance.env to support multiple instances of components</a:t>
+            </a:r>
+            <a:endParaRPr lang="en-US" sz="1600" spc="-1" dirty="0">
+              <a:latin typeface="+mj-lt"/>
+              <a:ea typeface="Gill Sans"/>
+            </a:endParaRPr>
+          </a:p>
+          <a:p>
+            <a:pPr marL="901620" lvl="1" indent="-342900">
+              <a:spcBef>
+                <a:spcPts val="400"/>
+              </a:spcBef>
+              <a:buFont typeface="Wingdings" pitchFamily="2" charset="2"/>
+              <a:buChar char="v"/>
+            </a:pPr>
+            <a:r>
+              <a:rPr lang="en-US" sz="1600" spc="-1" dirty="0">
+                <a:latin typeface="+mj-lt"/>
+                <a:ea typeface="Gill Sans"/>
+                <a:hlinkClick r:id="rId6"/>
+              </a:rPr>
+              <a:t>Automatically configure ARM policy for Zowe Launcher</a:t>
+            </a:r>
+            <a:endParaRPr lang="en-US" sz="1600" spc="-1" dirty="0">
+              <a:latin typeface="+mj-lt"/>
+              <a:ea typeface="Gill Sans"/>
+            </a:endParaRPr>
+          </a:p>
+          <a:p>
+            <a:pPr marL="901620" lvl="1" indent="-342900">
+              <a:spcBef>
+                <a:spcPts val="400"/>
+              </a:spcBef>
+              <a:buFont typeface="Wingdings" pitchFamily="2" charset="2"/>
+              <a:buChar char="v"/>
+            </a:pPr>
+            <a:r>
+              <a:rPr lang="en-US" sz="1600" spc="-1" dirty="0">
+                <a:latin typeface="+mj-lt"/>
+                <a:ea typeface="Gill Sans"/>
+                <a:hlinkClick r:id="rId7"/>
+              </a:rPr>
+              <a:t>Improve lifecycle </a:t>
+            </a:r>
+            <a:r>
+              <a:rPr lang="en-US" sz="1600" spc="-1" dirty="0" err="1">
+                <a:latin typeface="+mj-lt"/>
+                <a:ea typeface="Gill Sans"/>
+                <a:hlinkClick r:id="rId7"/>
+              </a:rPr>
+              <a:t>start.sh</a:t>
+            </a:r>
+            <a:r>
+              <a:rPr lang="en-US" sz="1600" spc="-1" dirty="0">
+                <a:latin typeface="+mj-lt"/>
+                <a:ea typeface="Gill Sans"/>
+                <a:hlinkClick r:id="rId7"/>
+              </a:rPr>
+              <a:t> to properly trap termination signals and kill child processes</a:t>
+            </a:r>
+            <a:endParaRPr lang="en-US" sz="1600" spc="-1" dirty="0">
+              <a:latin typeface="+mj-lt"/>
+              <a:ea typeface="Gill Sans"/>
+            </a:endParaRPr>
+          </a:p>
+          <a:p>
+            <a:pPr marL="901620" lvl="1" indent="-342900">
+              <a:spcBef>
+                <a:spcPts val="400"/>
+              </a:spcBef>
+              <a:buFont typeface="Wingdings" pitchFamily="2" charset="2"/>
+              <a:buChar char="v"/>
+            </a:pPr>
+            <a:r>
+              <a:rPr lang="en-US" sz="1600" spc="-1" dirty="0">
+                <a:latin typeface="+mj-lt"/>
+                <a:ea typeface="Gill Sans"/>
+                <a:hlinkClick r:id="rId8"/>
+              </a:rPr>
+              <a:t>Change ZSS to be registered under API Discovery Service</a:t>
+            </a:r>
+            <a:endParaRPr lang="en-US" sz="1600" spc="-1" dirty="0">
+              <a:latin typeface="+mj-lt"/>
+              <a:ea typeface="Gill Sans"/>
+            </a:endParaRPr>
+          </a:p>
+          <a:p>
+            <a:pPr marL="444420" indent="-342900">
               <a:spcBef>
                 <a:spcPts val="400"/>
               </a:spcBef>
               <a:buFont typeface="Wingdings" pitchFamily="2" charset="2"/>
               <a:buChar char="Ø"/>
             </a:pPr>
-            <a:endParaRPr lang="en-US" sz="2000" spc="-1" dirty="0">
+            <a:endParaRPr lang="en-US" spc="-1" dirty="0">
               <a:latin typeface="+mj-lt"/>
               <a:ea typeface="Gill Sans"/>
             </a:endParaRPr>
           </a:p>
           <a:p>
-            <a:pPr marL="844470" lvl="1" indent="-285750">
+            <a:pPr marL="444420" indent="-342900">
+              <a:spcBef>
+                <a:spcPts val="400"/>
+              </a:spcBef>
+              <a:buFont typeface="Wingdings" pitchFamily="2" charset="2"/>
+              <a:buChar char="Ø"/>
+            </a:pPr>
+            <a:r>
+              <a:rPr lang="en-US" b="1" spc="-1" dirty="0">
+                <a:latin typeface="+mj-lt"/>
+                <a:ea typeface="Gill Sans"/>
+              </a:rPr>
+              <a:t>Certificate Configuration Improvement</a:t>
+            </a:r>
+          </a:p>
+          <a:p>
+            <a:pPr marL="901620" lvl="1" indent="-342900">
               <a:spcBef>
                 <a:spcPts val="400"/>
               </a:spcBef>
@@ -13535,15 +13478,20 @@
               <a:buChar char="v"/>
             </a:pPr>
             <a:r>
-              <a:rPr lang="en-US" sz="2000" spc="-1" dirty="0">
+              <a:rPr lang="en-US" sz="1600" spc="-1" dirty="0">
                 <a:latin typeface="+mj-lt"/>
                 <a:ea typeface="Gill Sans"/>
-              </a:rPr>
-              <a:t>Create extension installation script</a:t>
-            </a:r>
-          </a:p>
-          <a:p>
-            <a:pPr marL="844470" lvl="1" indent="-285750">
+                <a:hlinkClick r:id="rId9"/>
+              </a:rPr>
+              <a:t>Add flexibility to define certificate for internal and external usage</a:t>
+            </a:r>
+            <a:endParaRPr lang="en-US" sz="1600" spc="-1" dirty="0">
+              <a:latin typeface="+mj-lt"/>
+              <a:ea typeface="Gill Sans"/>
+            </a:endParaRPr>
+          </a:p>
+          <a:p>
+            <a:pPr marL="901620" lvl="1" indent="-342900">
               <a:spcBef>
                 <a:spcPts val="400"/>
               </a:spcBef>
@@ -13551,35 +13499,24 @@
               <a:buChar char="v"/>
             </a:pPr>
             <a:r>
-              <a:rPr lang="en-US" sz="2000" spc="-1" dirty="0">
+              <a:rPr lang="en-US" sz="1600" spc="-1" dirty="0">
                 <a:latin typeface="+mj-lt"/>
                 <a:ea typeface="Gill Sans"/>
-              </a:rPr>
-              <a:t>Create new Ansible playbook to install extension</a:t>
-            </a:r>
-          </a:p>
-          <a:p>
-            <a:pPr marL="844470" lvl="1" indent="-285750">
-              <a:spcBef>
-                <a:spcPts val="400"/>
-              </a:spcBef>
-              <a:buFont typeface="Wingdings" pitchFamily="2" charset="2"/>
-              <a:buChar char="v"/>
-            </a:pPr>
-            <a:r>
-              <a:rPr lang="en-US" sz="2000" spc="-1" dirty="0">
-                <a:latin typeface="+mj-lt"/>
-                <a:ea typeface="Gill Sans"/>
-              </a:rPr>
-              <a:t>Create new test cases which will validate extension installation</a:t>
-            </a:r>
+                <a:hlinkClick r:id="rId10"/>
+              </a:rPr>
+              <a:t>Allow to define multiple domains / IPs as Subject Alternative Name (SAN) when storing certificate(s) in Keyring</a:t>
+            </a:r>
+            <a:endParaRPr lang="en-US" sz="1600" spc="-1" dirty="0">
+              <a:latin typeface="+mj-lt"/>
+              <a:ea typeface="Gill Sans"/>
+            </a:endParaRPr>
           </a:p>
         </p:txBody>
       </p:sp>
     </p:spTree>
     <p:extLst>
       <p:ext uri="{BB962C8B-B14F-4D97-AF65-F5344CB8AC3E}">
-        <p14:creationId xmlns:p14="http://schemas.microsoft.com/office/powerpoint/2010/main" val="2730694854"/>
+        <p14:creationId xmlns:p14="http://schemas.microsoft.com/office/powerpoint/2010/main" val="259758416"/>
       </p:ext>
     </p:extLst>
   </p:cSld>
@@ -13671,26 +13608,15 @@
                 <a:solidFill>
                   <a:srgbClr val="262626"/>
                 </a:solidFill>
-                <a:latin typeface="+mj-lt"/>
+                <a:latin typeface="Gill Sans"/>
                 <a:ea typeface="Gill Sans"/>
               </a:rPr>
-              <a:t>CI/CD – </a:t>
-            </a:r>
-            <a:r>
-              <a:rPr lang="en-GB" sz="3200" dirty="0">
-                <a:solidFill>
-                  <a:srgbClr val="222222"/>
-                </a:solidFill>
-                <a:effectLst/>
-                <a:latin typeface="+mj-lt"/>
-              </a:rPr>
-              <a:t>Automated testing catch-up</a:t>
-            </a:r>
-            <a:endParaRPr lang="en-US" sz="3000" b="0" strike="noStrike" spc="-1" dirty="0">
-              <a:solidFill>
-                <a:srgbClr val="000000"/>
-              </a:solidFill>
-              <a:latin typeface="+mj-lt"/>
+              <a:t>Automation</a:t>
+            </a:r>
+            <a:endParaRPr lang="en-US" sz="3000" spc="-1" dirty="0">
+              <a:solidFill>
+                <a:srgbClr val="000000"/>
+              </a:solidFill>
             </a:endParaRPr>
           </a:p>
         </p:txBody>
@@ -13703,7 +13629,7 @@
         </p:nvSpPr>
         <p:spPr>
           <a:xfrm>
-            <a:off x="405518" y="993913"/>
+            <a:off x="334080" y="824580"/>
             <a:ext cx="8269762" cy="3808676"/>
           </a:xfrm>
           <a:prstGeom prst="rect">
@@ -13728,53 +13654,74 @@
               <a:buChar char="Ø"/>
             </a:pPr>
             <a:r>
-              <a:rPr lang="en-GB" sz="2000" dirty="0">
-                <a:solidFill>
-                  <a:srgbClr val="222222"/>
-                </a:solidFill>
-                <a:effectLst/>
-                <a:latin typeface="+mj-lt"/>
-              </a:rPr>
-              <a:t>Decide on and complete what testing we require for keyrings and </a:t>
-            </a:r>
-            <a:r>
-              <a:rPr lang="en-GB" sz="2000" dirty="0" err="1">
-                <a:solidFill>
-                  <a:srgbClr val="222222"/>
-                </a:solidFill>
-                <a:effectLst/>
-                <a:latin typeface="+mj-lt"/>
-              </a:rPr>
-              <a:t>uss</a:t>
-            </a:r>
-            <a:r>
-              <a:rPr lang="en-GB" sz="2000" dirty="0">
-                <a:solidFill>
-                  <a:srgbClr val="222222"/>
-                </a:solidFill>
-                <a:effectLst/>
-                <a:latin typeface="+mj-lt"/>
-              </a:rPr>
-              <a:t> certificates </a:t>
-            </a:r>
+              <a:rPr lang="en-US" b="1" spc="-1" dirty="0">
+                <a:solidFill>
+                  <a:srgbClr val="262626"/>
+                </a:solidFill>
+                <a:latin typeface="Gill Sans"/>
+                <a:ea typeface="Gill Sans"/>
+              </a:rPr>
+              <a:t>Extension Installation – </a:t>
+            </a:r>
+            <a:r>
+              <a:rPr lang="en-US" b="1" spc="-1" dirty="0">
+                <a:latin typeface="Gill Sans"/>
+                <a:ea typeface="Gill Sans"/>
+                <a:hlinkClick r:id="rId3"/>
+              </a:rPr>
+              <a:t>Story</a:t>
+            </a:r>
+            <a:endParaRPr lang="en-US" b="1" spc="-1" dirty="0">
+              <a:latin typeface="Gill Sans"/>
+              <a:ea typeface="Gill Sans"/>
+            </a:endParaRPr>
           </a:p>
           <a:p>
             <a:pPr marL="844470" lvl="1" indent="-285750">
               <a:spcBef>
                 <a:spcPts val="400"/>
               </a:spcBef>
-              <a:buFont typeface="Arial" panose="020B0604020202020204" pitchFamily="34" charset="0"/>
-              <a:buChar char="•"/>
-            </a:pPr>
-            <a:r>
-              <a:rPr lang="en-GB" dirty="0">
-                <a:solidFill>
-                  <a:srgbClr val="222222"/>
-                </a:solidFill>
-                <a:effectLst/>
-                <a:latin typeface="+mj-lt"/>
-              </a:rPr>
-              <a:t>(eg better TSS and ACF2 support for keyrings, more certificate scenarios like importing external certificates)</a:t>
+              <a:buFont typeface="Wingdings" pitchFamily="2" charset="2"/>
+              <a:buChar char="v"/>
+            </a:pPr>
+            <a:r>
+              <a:rPr lang="en-US" sz="1600" spc="-1" dirty="0">
+                <a:latin typeface="Gill Sans"/>
+                <a:ea typeface="Gill Sans"/>
+              </a:rPr>
+              <a:t>Create extension installation script</a:t>
+            </a:r>
+          </a:p>
+          <a:p>
+            <a:pPr marL="844470" lvl="1" indent="-285750">
+              <a:spcBef>
+                <a:spcPts val="400"/>
+              </a:spcBef>
+              <a:buFont typeface="Wingdings" pitchFamily="2" charset="2"/>
+              <a:buChar char="v"/>
+            </a:pPr>
+            <a:r>
+              <a:rPr lang="en-US" sz="1600" spc="-1" dirty="0">
+                <a:latin typeface="Gill Sans"/>
+                <a:ea typeface="Gill Sans"/>
+              </a:rPr>
+              <a:t>Create new Ansible playbook to install extension</a:t>
+            </a:r>
+          </a:p>
+          <a:p>
+            <a:pPr marL="844470" lvl="1" indent="-285750">
+              <a:spcBef>
+                <a:spcPts val="400"/>
+              </a:spcBef>
+              <a:buFont typeface="Wingdings" pitchFamily="2" charset="2"/>
+              <a:buChar char="v"/>
+            </a:pPr>
+            <a:r>
+              <a:rPr lang="en-US" sz="1600" spc="-1" dirty="0">
+                <a:latin typeface="Gill Sans"/>
+                <a:ea typeface="Gill Sans"/>
+              </a:rPr>
+              <a:t>Create new test cases which will validate extension installation</a:t>
             </a:r>
           </a:p>
           <a:p>
@@ -13785,16 +13732,16 @@
               <a:buFont typeface="Wingdings" pitchFamily="2" charset="2"/>
               <a:buChar char="Ø"/>
             </a:pPr>
-            <a:endParaRPr lang="en-GB" spc="-1" dirty="0">
-              <a:solidFill>
-                <a:srgbClr val="222222"/>
-              </a:solidFill>
-              <a:latin typeface="+mj-lt"/>
-              <a:ea typeface="Gill Sans"/>
-            </a:endParaRPr>
-          </a:p>
-          <a:p>
-            <a:pPr marL="387270" indent="-285750">
+            <a:r>
+              <a:rPr lang="en-US" b="1" spc="-1" dirty="0">
+                <a:latin typeface="Gill Sans"/>
+                <a:ea typeface="Gill Sans"/>
+              </a:rPr>
+              <a:t> Pipeline iteration and enhancement</a:t>
+            </a:r>
+          </a:p>
+          <a:p>
+            <a:pPr marL="844470" lvl="1" indent="-285750">
               <a:spcBef>
                 <a:spcPts val="400"/>
               </a:spcBef>
@@ -13802,64 +13749,42 @@
               <a:buChar char="Ø"/>
             </a:pPr>
             <a:r>
-              <a:rPr lang="en-GB" sz="2000" dirty="0" err="1">
+              <a:rPr lang="en-GB" sz="1600" dirty="0">
                 <a:solidFill>
                   <a:srgbClr val="222222"/>
                 </a:solidFill>
-                <a:effectLst/>
-                <a:latin typeface="+mj-lt"/>
-              </a:rPr>
-              <a:t>zlux</a:t>
-            </a:r>
-            <a:r>
-              <a:rPr lang="en-GB" sz="2000" dirty="0">
-                <a:solidFill>
-                  <a:srgbClr val="222222"/>
-                </a:solidFill>
-                <a:effectLst/>
-                <a:latin typeface="+mj-lt"/>
-              </a:rPr>
-              <a:t> and </a:t>
-            </a:r>
-            <a:r>
-              <a:rPr lang="en-GB" sz="2000" dirty="0" err="1">
-                <a:solidFill>
-                  <a:srgbClr val="222222"/>
-                </a:solidFill>
-                <a:effectLst/>
-                <a:latin typeface="+mj-lt"/>
-              </a:rPr>
-              <a:t>apiml</a:t>
-            </a:r>
-            <a:r>
-              <a:rPr lang="en-GB" sz="2000" dirty="0">
-                <a:solidFill>
-                  <a:srgbClr val="222222"/>
-                </a:solidFill>
-                <a:effectLst/>
-                <a:latin typeface="+mj-lt"/>
-              </a:rPr>
-              <a:t> component testing into open source</a:t>
-            </a:r>
-          </a:p>
-          <a:p>
-            <a:pPr marL="387270" indent="-285750">
+                <a:latin typeface="Lato"/>
+                <a:hlinkClick r:id="rId4"/>
+              </a:rPr>
+              <a:t>Fix reporting of false positives in nightly builds and new RC pipeline build</a:t>
+            </a:r>
+            <a:endParaRPr lang="en-GB" sz="1600" dirty="0">
+              <a:solidFill>
+                <a:srgbClr val="222222"/>
+              </a:solidFill>
+              <a:latin typeface="Lato"/>
+            </a:endParaRPr>
+          </a:p>
+          <a:p>
+            <a:pPr marL="1301670" lvl="2" indent="-285750">
               <a:spcBef>
                 <a:spcPts val="400"/>
               </a:spcBef>
               <a:buFont typeface="Wingdings" pitchFamily="2" charset="2"/>
               <a:buChar char="Ø"/>
             </a:pPr>
-            <a:endParaRPr lang="en-GB" sz="2000" spc="-1" dirty="0">
-              <a:solidFill>
-                <a:srgbClr val="222222"/>
-              </a:solidFill>
-              <a:latin typeface="+mj-lt"/>
-              <a:ea typeface="Gill Sans"/>
-            </a:endParaRPr>
-          </a:p>
-          <a:p>
-            <a:pPr marL="387270" indent="-285750">
+            <a:r>
+              <a:rPr lang="en-GB" sz="1600" dirty="0">
+                <a:solidFill>
+                  <a:srgbClr val="222222"/>
+                </a:solidFill>
+                <a:latin typeface="Lato"/>
+              </a:rPr>
+              <a:t>Investigate applying this to GA pipeline</a:t>
+            </a:r>
+          </a:p>
+          <a:p>
+            <a:pPr marL="844470" lvl="1" indent="-285750">
               <a:spcBef>
                 <a:spcPts val="400"/>
               </a:spcBef>
@@ -13867,37 +13792,222 @@
               <a:buChar char="Ø"/>
             </a:pPr>
             <a:r>
-              <a:rPr lang="en-GB" sz="2000" dirty="0">
+              <a:rPr lang="en-GB" sz="1600" dirty="0">
                 <a:solidFill>
                   <a:srgbClr val="222222"/>
                 </a:solidFill>
-                <a:effectLst/>
-                <a:latin typeface="+mj-lt"/>
-              </a:rPr>
-              <a:t>Support ACF2 and TSS with the </a:t>
-            </a:r>
-            <a:r>
-              <a:rPr lang="en-GB" sz="2000" dirty="0" err="1">
+                <a:latin typeface="Lato"/>
+              </a:rPr>
+              <a:t>Research possibilities for automating update of </a:t>
+            </a:r>
+            <a:r>
+              <a:rPr lang="en-GB" sz="1600" dirty="0" err="1">
                 <a:solidFill>
                   <a:srgbClr val="222222"/>
                 </a:solidFill>
-                <a:effectLst/>
-                <a:latin typeface="+mj-lt"/>
+                <a:latin typeface="Lato"/>
+              </a:rPr>
+              <a:t>manifest.json</a:t>
+            </a:r>
+            <a:endParaRPr lang="en-GB" sz="1600" dirty="0">
+              <a:solidFill>
+                <a:srgbClr val="222222"/>
+              </a:solidFill>
+              <a:latin typeface="Lato"/>
+            </a:endParaRPr>
+          </a:p>
+          <a:p>
+            <a:pPr marL="1301670" lvl="2" indent="-285750">
+              <a:spcBef>
+                <a:spcPts val="400"/>
+              </a:spcBef>
+              <a:buFont typeface="Wingdings" pitchFamily="2" charset="2"/>
+              <a:buChar char="Ø"/>
+            </a:pPr>
+            <a:r>
+              <a:rPr lang="en-GB" sz="1600" spc="-1" dirty="0">
+                <a:solidFill>
+                  <a:srgbClr val="222222"/>
+                </a:solidFill>
+                <a:latin typeface="Lato"/>
+                <a:ea typeface="Gill Sans"/>
+              </a:rPr>
+              <a:t>Automate repetitive actions between releases</a:t>
+            </a:r>
+          </a:p>
+          <a:p>
+            <a:pPr marL="387270" indent="-285750">
+              <a:spcBef>
+                <a:spcPts val="400"/>
+              </a:spcBef>
+              <a:buFont typeface="Wingdings" pitchFamily="2" charset="2"/>
+              <a:buChar char="Ø"/>
+            </a:pPr>
+            <a:r>
+              <a:rPr lang="en-GB" b="1" spc="-1" dirty="0">
+                <a:solidFill>
+                  <a:srgbClr val="222222"/>
+                </a:solidFill>
+                <a:latin typeface="Lato"/>
+                <a:ea typeface="Gill Sans"/>
+              </a:rPr>
+              <a:t>Testing Catch-up</a:t>
+            </a:r>
+          </a:p>
+          <a:p>
+            <a:pPr marL="844470" lvl="1" indent="-285750">
+              <a:spcBef>
+                <a:spcPts val="400"/>
+              </a:spcBef>
+              <a:buFont typeface="Wingdings" pitchFamily="2" charset="2"/>
+              <a:buChar char="Ø"/>
+            </a:pPr>
+            <a:r>
+              <a:rPr lang="en-GB" sz="1600" dirty="0">
+                <a:solidFill>
+                  <a:srgbClr val="222222"/>
+                </a:solidFill>
+                <a:latin typeface="Lato"/>
+              </a:rPr>
+              <a:t>Research and improve keyrings / </a:t>
+            </a:r>
+            <a:r>
+              <a:rPr lang="en-GB" sz="1600" dirty="0" err="1">
+                <a:solidFill>
+                  <a:srgbClr val="222222"/>
+                </a:solidFill>
+                <a:latin typeface="Lato"/>
+              </a:rPr>
+              <a:t>uss</a:t>
+            </a:r>
+            <a:r>
+              <a:rPr lang="en-GB" sz="1600" dirty="0">
+                <a:solidFill>
+                  <a:srgbClr val="222222"/>
+                </a:solidFill>
+                <a:latin typeface="Lato"/>
+              </a:rPr>
+              <a:t> certificates test cases</a:t>
+            </a:r>
+            <a:endParaRPr lang="en-GB" sz="1600" spc="-1" dirty="0">
+              <a:solidFill>
+                <a:srgbClr val="222222"/>
+              </a:solidFill>
+              <a:latin typeface="Lato"/>
+              <a:ea typeface="Gill Sans"/>
+            </a:endParaRPr>
+          </a:p>
+          <a:p>
+            <a:pPr marL="844470" lvl="1" indent="-285750">
+              <a:spcBef>
+                <a:spcPts val="400"/>
+              </a:spcBef>
+              <a:buFont typeface="Wingdings" pitchFamily="2" charset="2"/>
+              <a:buChar char="Ø"/>
+            </a:pPr>
+            <a:r>
+              <a:rPr lang="en-GB" sz="1600" dirty="0">
+                <a:solidFill>
+                  <a:srgbClr val="222222"/>
+                </a:solidFill>
+                <a:latin typeface="Lato"/>
+              </a:rPr>
+              <a:t>Migrate </a:t>
+            </a:r>
+            <a:r>
+              <a:rPr lang="en-GB" sz="1600" dirty="0" err="1">
+                <a:solidFill>
+                  <a:srgbClr val="222222"/>
+                </a:solidFill>
+                <a:latin typeface="Lato"/>
+              </a:rPr>
+              <a:t>zlux</a:t>
+            </a:r>
+            <a:r>
+              <a:rPr lang="en-GB" sz="1600" dirty="0">
+                <a:solidFill>
+                  <a:srgbClr val="222222"/>
+                </a:solidFill>
+                <a:latin typeface="Lato"/>
+              </a:rPr>
+              <a:t> and </a:t>
+            </a:r>
+            <a:r>
+              <a:rPr lang="en-GB" sz="1600" dirty="0" err="1">
+                <a:solidFill>
+                  <a:srgbClr val="222222"/>
+                </a:solidFill>
+                <a:latin typeface="Lato"/>
+              </a:rPr>
+              <a:t>apiml</a:t>
+            </a:r>
+            <a:r>
+              <a:rPr lang="en-GB" sz="1600" dirty="0">
+                <a:solidFill>
+                  <a:srgbClr val="222222"/>
+                </a:solidFill>
+                <a:latin typeface="Lato"/>
+              </a:rPr>
+              <a:t> component testing into open source</a:t>
+            </a:r>
+            <a:endParaRPr lang="en-GB" sz="1600" spc="-1" dirty="0">
+              <a:solidFill>
+                <a:srgbClr val="222222"/>
+              </a:solidFill>
+              <a:latin typeface="Lato"/>
+              <a:ea typeface="Gill Sans"/>
+            </a:endParaRPr>
+          </a:p>
+          <a:p>
+            <a:pPr marL="844470" lvl="1" indent="-285750">
+              <a:spcBef>
+                <a:spcPts val="400"/>
+              </a:spcBef>
+              <a:buFont typeface="Wingdings" pitchFamily="2" charset="2"/>
+              <a:buChar char="Ø"/>
+            </a:pPr>
+            <a:r>
+              <a:rPr lang="en-GB" sz="1600" dirty="0">
+                <a:solidFill>
+                  <a:srgbClr val="222222"/>
+                </a:solidFill>
+                <a:latin typeface="Lato"/>
+              </a:rPr>
+              <a:t>Add more ACF2 and TSS test cases for </a:t>
+            </a:r>
+            <a:r>
+              <a:rPr lang="en-GB" sz="1600" dirty="0" err="1">
+                <a:solidFill>
+                  <a:srgbClr val="222222"/>
+                </a:solidFill>
+                <a:latin typeface="Lato"/>
               </a:rPr>
               <a:t>Zowe</a:t>
             </a:r>
             <a:r>
-              <a:rPr lang="en-GB" sz="2000" dirty="0">
+              <a:rPr lang="en-GB" sz="1600" dirty="0">
                 <a:solidFill>
                   <a:srgbClr val="222222"/>
                 </a:solidFill>
-                <a:effectLst/>
-                <a:latin typeface="+mj-lt"/>
-              </a:rPr>
-              <a:t> security set up</a:t>
-            </a:r>
-            <a:endParaRPr lang="en-US" sz="2000" spc="-1" dirty="0">
-              <a:latin typeface="+mj-lt"/>
+                <a:latin typeface="Lato"/>
+              </a:rPr>
+              <a:t> installation</a:t>
+            </a:r>
+            <a:endParaRPr lang="en-US" sz="1600" spc="-1" dirty="0">
+              <a:latin typeface="Gill Sans"/>
+              <a:ea typeface="Gill Sans"/>
+            </a:endParaRPr>
+          </a:p>
+          <a:p>
+            <a:pPr marL="844470" lvl="1" indent="-285750">
+              <a:spcBef>
+                <a:spcPts val="400"/>
+              </a:spcBef>
+              <a:buFont typeface="Wingdings" pitchFamily="2" charset="2"/>
+              <a:buChar char="Ø"/>
+            </a:pPr>
+            <a:endParaRPr lang="en-US" b="1" spc="-1" dirty="0">
+              <a:latin typeface="Gill Sans"/>
               <a:ea typeface="Gill Sans"/>
             </a:endParaRPr>
           </a:p>
@@ -13906,7 +14016,7 @@
     </p:spTree>
     <p:extLst>
       <p:ext uri="{BB962C8B-B14F-4D97-AF65-F5344CB8AC3E}">
-        <p14:creationId xmlns:p14="http://schemas.microsoft.com/office/powerpoint/2010/main" val="442466579"/>
+        <p14:creationId xmlns:p14="http://schemas.microsoft.com/office/powerpoint/2010/main" val="4176309130"/>
       </p:ext>
     </p:extLst>
   </p:cSld>
@@ -13994,30 +14104,18 @@
               </a:lnSpc>
             </a:pPr>
             <a:r>
-              <a:rPr lang="en-US" sz="3000" spc="-1" dirty="0">
+              <a:rPr lang="en-US" sz="2800" spc="-1" dirty="0">
                 <a:solidFill>
                   <a:srgbClr val="262626"/>
                 </a:solidFill>
-                <a:latin typeface="+mj-lt"/>
-                <a:ea typeface="Gill Sans"/>
-              </a:rPr>
-              <a:t>CI/CD – </a:t>
-            </a:r>
-            <a:r>
-              <a:rPr lang="en-GB" sz="3200" dirty="0">
-                <a:solidFill>
-                  <a:srgbClr val="222222"/>
-                </a:solidFill>
-                <a:effectLst/>
-                <a:latin typeface="+mj-lt"/>
-              </a:rPr>
-              <a:t>Monitoring of infrastructure</a:t>
-            </a:r>
-            <a:endParaRPr lang="en-US" sz="3000" b="0" strike="noStrike" spc="-1" dirty="0">
-              <a:solidFill>
-                <a:srgbClr val="000000"/>
-              </a:solidFill>
-              <a:latin typeface="+mj-lt"/>
+                <a:latin typeface="Gill Sans"/>
+              </a:rPr>
+              <a:t>Infrastructure</a:t>
+            </a:r>
+            <a:endParaRPr lang="en-US" sz="2800" spc="-1" dirty="0">
+              <a:solidFill>
+                <a:srgbClr val="000000"/>
+              </a:solidFill>
             </a:endParaRPr>
           </a:p>
         </p:txBody>
@@ -14030,7 +14128,7 @@
         </p:nvSpPr>
         <p:spPr>
           <a:xfrm>
-            <a:off x="405518" y="993913"/>
+            <a:off x="437119" y="869735"/>
             <a:ext cx="8269762" cy="3808676"/>
           </a:xfrm>
           <a:prstGeom prst="rect">
@@ -14055,29 +14153,155 @@
               <a:buChar char="Ø"/>
             </a:pPr>
             <a:r>
-              <a:rPr lang="en-GB" sz="1600" dirty="0">
+              <a:rPr lang="en-GB" sz="1400" b="1" dirty="0">
                 <a:solidFill>
                   <a:srgbClr val="222222"/>
                 </a:solidFill>
-                <a:effectLst/>
-                <a:latin typeface="+mj-lt"/>
-              </a:rPr>
-              <a:t>Discussed on a call - already set up more monitoring in IBM Cloud, can't track performance.</a:t>
-            </a:r>
-          </a:p>
-          <a:p>
-            <a:pPr marL="387270" indent="-285750">
+                <a:latin typeface="Lato"/>
+              </a:rPr>
+              <a:t>Problem</a:t>
+            </a:r>
+            <a:r>
+              <a:rPr lang="en-GB" sz="1400" dirty="0">
+                <a:solidFill>
+                  <a:srgbClr val="222222"/>
+                </a:solidFill>
+                <a:latin typeface="Lato"/>
+              </a:rPr>
+              <a:t>: monitoring is in place for </a:t>
+            </a:r>
+            <a:r>
+              <a:rPr lang="en-GB" sz="1400" i="1" dirty="0">
+                <a:solidFill>
+                  <a:srgbClr val="222222"/>
+                </a:solidFill>
+                <a:latin typeface="Lato"/>
+              </a:rPr>
+              <a:t>some</a:t>
+            </a:r>
+            <a:r>
+              <a:rPr lang="en-GB" sz="1400" dirty="0">
+                <a:solidFill>
+                  <a:srgbClr val="222222"/>
+                </a:solidFill>
+                <a:latin typeface="Lato"/>
+              </a:rPr>
+              <a:t> infrastructure, and performance analysis is lacking</a:t>
+            </a:r>
+          </a:p>
+          <a:p>
+            <a:pPr marL="844470" lvl="1" indent="-285750">
               <a:spcBef>
                 <a:spcPts val="400"/>
               </a:spcBef>
               <a:buFont typeface="Wingdings" pitchFamily="2" charset="2"/>
               <a:buChar char="Ø"/>
             </a:pPr>
-            <a:endParaRPr lang="en-GB" sz="1000" dirty="0">
+            <a:r>
+              <a:rPr lang="en-GB" sz="1400" dirty="0">
+                <a:solidFill>
+                  <a:srgbClr val="222222"/>
+                </a:solidFill>
+                <a:latin typeface="Lato"/>
+              </a:rPr>
+              <a:t>Use “Zabbix” tool stand up monitoring infrastructure, which will let us measure performance and catch potential issues before builds or systems start failing</a:t>
+            </a:r>
+            <a:endParaRPr lang="en-GB" sz="1400" spc="-1" dirty="0">
               <a:solidFill>
                 <a:srgbClr val="222222"/>
               </a:solidFill>
-              <a:latin typeface="+mj-lt"/>
+              <a:latin typeface="Lato"/>
+              <a:ea typeface="Gill Sans"/>
+            </a:endParaRPr>
+          </a:p>
+          <a:p>
+            <a:pPr marL="1301670" lvl="2" indent="-285750">
+              <a:spcBef>
+                <a:spcPts val="400"/>
+              </a:spcBef>
+              <a:buFont typeface="Arial" panose="020B0604020202020204" pitchFamily="34" charset="0"/>
+              <a:buChar char="•"/>
+            </a:pPr>
+            <a:r>
+              <a:rPr lang="en-GB" sz="1200" spc="-1" dirty="0">
+                <a:solidFill>
+                  <a:srgbClr val="222222"/>
+                </a:solidFill>
+                <a:latin typeface="Lato"/>
+                <a:ea typeface="Gill Sans"/>
+              </a:rPr>
+              <a:t>Marist infrastructure</a:t>
+            </a:r>
+          </a:p>
+          <a:p>
+            <a:pPr marL="1301670" lvl="2" indent="-285750">
+              <a:spcBef>
+                <a:spcPts val="400"/>
+              </a:spcBef>
+              <a:buFont typeface="Arial" panose="020B0604020202020204" pitchFamily="34" charset="0"/>
+              <a:buChar char="•"/>
+            </a:pPr>
+            <a:r>
+              <a:rPr lang="en-GB" sz="1200" spc="-1" dirty="0">
+                <a:solidFill>
+                  <a:srgbClr val="222222"/>
+                </a:solidFill>
+                <a:latin typeface="Lato"/>
+                <a:ea typeface="Gill Sans"/>
+              </a:rPr>
+              <a:t>Wash</a:t>
+            </a:r>
+          </a:p>
+          <a:p>
+            <a:pPr marL="1301670" lvl="2" indent="-285750">
+              <a:spcBef>
+                <a:spcPts val="400"/>
+              </a:spcBef>
+              <a:buFont typeface="Arial" panose="020B0604020202020204" pitchFamily="34" charset="0"/>
+              <a:buChar char="•"/>
+            </a:pPr>
+            <a:r>
+              <a:rPr lang="en-GB" sz="1200" spc="-1" dirty="0">
+                <a:solidFill>
+                  <a:srgbClr val="222222"/>
+                </a:solidFill>
+                <a:latin typeface="Lato"/>
+                <a:ea typeface="Gill Sans"/>
+              </a:rPr>
+              <a:t>River</a:t>
+            </a:r>
+          </a:p>
+          <a:p>
+            <a:pPr marL="1301670" lvl="2" indent="-285750">
+              <a:spcBef>
+                <a:spcPts val="400"/>
+              </a:spcBef>
+              <a:buFont typeface="Arial" panose="020B0604020202020204" pitchFamily="34" charset="0"/>
+              <a:buChar char="•"/>
+            </a:pPr>
+            <a:r>
+              <a:rPr lang="en-GB" sz="1200" spc="-1" dirty="0">
+                <a:solidFill>
+                  <a:srgbClr val="222222"/>
+                </a:solidFill>
+                <a:latin typeface="Lato"/>
+                <a:ea typeface="Gill Sans"/>
+              </a:rPr>
+              <a:t>Jayne</a:t>
+            </a:r>
+          </a:p>
+          <a:p>
+            <a:pPr marL="101520">
+              <a:spcBef>
+                <a:spcPts val="400"/>
+              </a:spcBef>
+            </a:pPr>
+            <a:endParaRPr lang="en-GB" sz="1400" spc="-1" dirty="0">
+              <a:solidFill>
+                <a:srgbClr val="222222"/>
+              </a:solidFill>
+              <a:latin typeface="Lato"/>
+              <a:ea typeface="Gill Sans"/>
             </a:endParaRPr>
           </a:p>
           <a:p>
@@ -14089,211 +14313,84 @@
               <a:buChar char="Ø"/>
             </a:pPr>
             <a:r>
-              <a:rPr lang="en-GB" sz="1600" dirty="0">
+              <a:rPr lang="en-GB" sz="1400" dirty="0">
                 <a:solidFill>
                   <a:srgbClr val="222222"/>
                 </a:solidFill>
-                <a:effectLst/>
-                <a:latin typeface="+mj-lt"/>
-              </a:rPr>
-              <a:t>Want to be able to measure performance and catch potential issues in advance</a:t>
-            </a:r>
-          </a:p>
-          <a:p>
-            <a:pPr marL="387270" indent="-285750">
+                <a:latin typeface="Lato"/>
+              </a:rPr>
+              <a:t>Add CICS, IMS, MQ and DB2 to Open Infrastructure</a:t>
+            </a:r>
+          </a:p>
+          <a:p>
+            <a:pPr marL="844470" lvl="1" indent="-285750">
               <a:spcBef>
                 <a:spcPts val="400"/>
               </a:spcBef>
               <a:buFont typeface="Wingdings" pitchFamily="2" charset="2"/>
               <a:buChar char="Ø"/>
             </a:pPr>
-            <a:endParaRPr lang="en-GB" sz="1050" spc="-1" dirty="0">
+            <a:r>
+              <a:rPr lang="en-GB" sz="1400" dirty="0">
+                <a:solidFill>
+                  <a:srgbClr val="222222"/>
+                </a:solidFill>
+                <a:latin typeface="Lato"/>
+              </a:rPr>
+              <a:t>Lets </a:t>
+            </a:r>
+            <a:r>
+              <a:rPr lang="en-GB" sz="1400" dirty="0" err="1">
+                <a:solidFill>
+                  <a:srgbClr val="222222"/>
+                </a:solidFill>
+                <a:latin typeface="Lato"/>
+              </a:rPr>
+              <a:t>Zowe</a:t>
+            </a:r>
+            <a:r>
+              <a:rPr lang="en-GB" sz="1400" dirty="0">
+                <a:solidFill>
+                  <a:srgbClr val="222222"/>
+                </a:solidFill>
+                <a:latin typeface="Lato"/>
+              </a:rPr>
+              <a:t> CLI plugins, and any other component within </a:t>
+            </a:r>
+            <a:r>
+              <a:rPr lang="en-GB" sz="1400" dirty="0" err="1">
+                <a:solidFill>
+                  <a:srgbClr val="222222"/>
+                </a:solidFill>
+                <a:latin typeface="Lato"/>
+              </a:rPr>
+              <a:t>Zowe</a:t>
+            </a:r>
+            <a:r>
+              <a:rPr lang="en-GB" sz="1400" dirty="0">
+                <a:solidFill>
+                  <a:srgbClr val="222222"/>
+                </a:solidFill>
+                <a:latin typeface="Lato"/>
+              </a:rPr>
+              <a:t> which requires these products to run integration tests</a:t>
+            </a:r>
+            <a:endParaRPr lang="en-GB" spc="-1" dirty="0">
               <a:solidFill>
                 <a:srgbClr val="222222"/>
               </a:solidFill>
-              <a:latin typeface="+mj-lt"/>
+              <a:latin typeface="Lato"/>
               <a:ea typeface="Gill Sans"/>
             </a:endParaRPr>
           </a:p>
           <a:p>
-            <a:pPr marL="387270" indent="-285750">
+            <a:pPr marL="101520">
               <a:spcBef>
                 <a:spcPts val="400"/>
               </a:spcBef>
-              <a:buFont typeface="Wingdings" pitchFamily="2" charset="2"/>
-              <a:buChar char="Ø"/>
-            </a:pPr>
-            <a:r>
-              <a:rPr lang="en-GB" sz="1600" spc="-1" dirty="0">
-                <a:solidFill>
-                  <a:srgbClr val="222222"/>
-                </a:solidFill>
-                <a:latin typeface="+mj-lt"/>
-                <a:ea typeface="Gill Sans"/>
-              </a:rPr>
-              <a:t>Using Zabbix tool to stand up server and agents on all infrastructure machines:</a:t>
-            </a:r>
-          </a:p>
-          <a:p>
-            <a:pPr marL="844470" lvl="1" indent="-285750">
-              <a:spcBef>
-                <a:spcPts val="400"/>
-              </a:spcBef>
-              <a:buFont typeface="Arial" panose="020B0604020202020204" pitchFamily="34" charset="0"/>
-              <a:buChar char="•"/>
-            </a:pPr>
-            <a:r>
-              <a:rPr lang="en-GB" sz="1400" spc="-1" dirty="0">
-                <a:solidFill>
-                  <a:srgbClr val="222222"/>
-                </a:solidFill>
-                <a:latin typeface="+mj-lt"/>
-                <a:ea typeface="Gill Sans"/>
-              </a:rPr>
-              <a:t>Marist-1</a:t>
-            </a:r>
-          </a:p>
-          <a:p>
-            <a:pPr marL="844470" lvl="1" indent="-285750">
-              <a:spcBef>
-                <a:spcPts val="400"/>
-              </a:spcBef>
-              <a:buFont typeface="Arial" panose="020B0604020202020204" pitchFamily="34" charset="0"/>
-              <a:buChar char="•"/>
-            </a:pPr>
-            <a:r>
-              <a:rPr lang="en-GB" sz="1400" spc="-1" dirty="0">
-                <a:solidFill>
-                  <a:srgbClr val="222222"/>
-                </a:solidFill>
-                <a:latin typeface="+mj-lt"/>
-                <a:ea typeface="Gill Sans"/>
-              </a:rPr>
-              <a:t>Marist-2</a:t>
-            </a:r>
-          </a:p>
-          <a:p>
-            <a:pPr marL="844470" lvl="1" indent="-285750">
-              <a:spcBef>
-                <a:spcPts val="400"/>
-              </a:spcBef>
-              <a:buFont typeface="Arial" panose="020B0604020202020204" pitchFamily="34" charset="0"/>
-              <a:buChar char="•"/>
-            </a:pPr>
-            <a:r>
-              <a:rPr lang="en-GB" sz="1400" spc="-1" dirty="0">
-                <a:solidFill>
-                  <a:srgbClr val="222222"/>
-                </a:solidFill>
-                <a:latin typeface="+mj-lt"/>
-                <a:ea typeface="Gill Sans"/>
-              </a:rPr>
-              <a:t>Marist-3</a:t>
-            </a:r>
-          </a:p>
-          <a:p>
-            <a:pPr marL="844470" lvl="1" indent="-285750">
-              <a:spcBef>
-                <a:spcPts val="400"/>
-              </a:spcBef>
-              <a:buFont typeface="Arial" panose="020B0604020202020204" pitchFamily="34" charset="0"/>
-              <a:buChar char="•"/>
-            </a:pPr>
-            <a:r>
-              <a:rPr lang="en-GB" sz="1400" spc="-1" dirty="0">
-                <a:solidFill>
-                  <a:srgbClr val="222222"/>
-                </a:solidFill>
-                <a:latin typeface="+mj-lt"/>
-                <a:ea typeface="Gill Sans"/>
-              </a:rPr>
-              <a:t>Wash</a:t>
-            </a:r>
-          </a:p>
-          <a:p>
-            <a:pPr marL="844470" lvl="1" indent="-285750">
-              <a:spcBef>
-                <a:spcPts val="400"/>
-              </a:spcBef>
-              <a:buFont typeface="Arial" panose="020B0604020202020204" pitchFamily="34" charset="0"/>
-              <a:buChar char="•"/>
-            </a:pPr>
-            <a:r>
-              <a:rPr lang="en-GB" sz="1400" spc="-1" dirty="0">
-                <a:solidFill>
-                  <a:srgbClr val="222222"/>
-                </a:solidFill>
-                <a:latin typeface="+mj-lt"/>
-                <a:ea typeface="Gill Sans"/>
-              </a:rPr>
-              <a:t>River</a:t>
-            </a:r>
-          </a:p>
-          <a:p>
-            <a:pPr marL="844470" lvl="1" indent="-285750">
-              <a:spcBef>
-                <a:spcPts val="400"/>
-              </a:spcBef>
-              <a:buFont typeface="Arial" panose="020B0604020202020204" pitchFamily="34" charset="0"/>
-              <a:buChar char="•"/>
-            </a:pPr>
-            <a:r>
-              <a:rPr lang="en-GB" sz="1400" spc="-1" dirty="0">
-                <a:solidFill>
-                  <a:srgbClr val="222222"/>
-                </a:solidFill>
-                <a:latin typeface="+mj-lt"/>
-                <a:ea typeface="Gill Sans"/>
-              </a:rPr>
-              <a:t>Jayne</a:t>
-            </a:r>
-          </a:p>
-          <a:p>
-            <a:pPr marL="844470" lvl="1" indent="-285750">
-              <a:spcBef>
-                <a:spcPts val="400"/>
-              </a:spcBef>
-              <a:buFont typeface="Arial" panose="020B0604020202020204" pitchFamily="34" charset="0"/>
-              <a:buChar char="•"/>
-            </a:pPr>
-            <a:endParaRPr lang="en-GB" sz="1000" spc="-1" dirty="0">
-              <a:solidFill>
-                <a:srgbClr val="222222"/>
-              </a:solidFill>
-              <a:latin typeface="+mj-lt"/>
-              <a:ea typeface="Gill Sans"/>
-            </a:endParaRPr>
-          </a:p>
-          <a:p>
-            <a:pPr marL="387270" indent="-285750">
-              <a:spcBef>
-                <a:spcPts val="400"/>
-              </a:spcBef>
-              <a:buFont typeface="Wingdings" pitchFamily="2" charset="2"/>
-              <a:buChar char="Ø"/>
-            </a:pPr>
-            <a:r>
-              <a:rPr lang="en-GB" sz="1600" spc="-1" dirty="0">
-                <a:solidFill>
-                  <a:srgbClr val="222222"/>
-                </a:solidFill>
-                <a:latin typeface="+mj-lt"/>
-                <a:ea typeface="Gill Sans"/>
-              </a:rPr>
-              <a:t>Currently appear to be missing packages on IBM Cloud systems that won’t allow server </a:t>
-            </a:r>
-            <a:r>
-              <a:rPr lang="en-GB" sz="1600" spc="-1" dirty="0" smtClean="0">
-                <a:solidFill>
-                  <a:srgbClr val="222222"/>
-                </a:solidFill>
-                <a:latin typeface="+mj-lt"/>
-                <a:ea typeface="Gill Sans"/>
-              </a:rPr>
-              <a:t>install</a:t>
-            </a:r>
-            <a:endParaRPr lang="en-US" sz="2000" spc="-1" dirty="0">
-              <a:latin typeface="+mj-lt"/>
+            </a:pPr>
+            <a:endParaRPr lang="en-US" spc="-1" dirty="0">
+              <a:latin typeface="Gill Sans"/>
               <a:ea typeface="Gill Sans"/>
             </a:endParaRPr>
           </a:p>
@@ -14302,7 +14399,7 @@
     </p:spTree>
     <p:extLst>
       <p:ext uri="{BB962C8B-B14F-4D97-AF65-F5344CB8AC3E}">
-        <p14:creationId xmlns:p14="http://schemas.microsoft.com/office/powerpoint/2010/main" val="275701246"/>
+        <p14:creationId xmlns:p14="http://schemas.microsoft.com/office/powerpoint/2010/main" val="100391921"/>
       </p:ext>
     </p:extLst>
   </p:cSld>
@@ -14361,176 +14458,88 @@
       </p:grpSpPr>
       <p:sp>
         <p:nvSpPr>
-          <p:cNvPr id="182" name="TextShape 1"/>
-          <p:cNvSpPr txBox="1"/>
+          <p:cNvPr id="2" name="Rectangle 1"/>
+          <p:cNvSpPr/>
           <p:nvPr/>
         </p:nvSpPr>
         <p:spPr>
           <a:xfrm>
-            <a:off x="334080" y="159480"/>
-            <a:ext cx="7893720" cy="447120"/>
-          </a:xfrm>
-          <a:prstGeom prst="rect">
-            <a:avLst/>
-          </a:prstGeom>
-          <a:noFill/>
-          <a:ln>
-            <a:noFill/>
-          </a:ln>
-        </p:spPr>
-        <p:txBody>
-          <a:bodyPr tIns="91440" bIns="91440" anchor="ctr">
-            <a:noAutofit/>
-          </a:bodyPr>
-          <a:lstStyle/>
-          <a:p>
-            <a:pPr>
+            <a:off x="352839" y="3180521"/>
+            <a:ext cx="7404652" cy="940257"/>
+          </a:xfrm>
+          <a:prstGeom prst="rect">
+            <a:avLst/>
+          </a:prstGeom>
+        </p:spPr>
+        <p:txBody>
+          <a:bodyPr wrap="square">
+            <a:spAutoFit/>
+          </a:bodyPr>
+          <a:lstStyle/>
+          <a:p>
+            <a:pPr marL="457200" indent="-228240">
               <a:lnSpc>
-                <a:spcPct val="100000"/>
+                <a:spcPct val="85000"/>
               </a:lnSpc>
-            </a:pPr>
-            <a:r>
-              <a:rPr lang="en-US" sz="2800" spc="-1" dirty="0">
-                <a:solidFill>
-                  <a:srgbClr val="262626"/>
-                </a:solidFill>
-                <a:latin typeface="+mj-lt"/>
-                <a:ea typeface="Gill Sans"/>
-              </a:rPr>
-              <a:t>CI/CD – </a:t>
-            </a:r>
-            <a:r>
-              <a:rPr lang="en-GB" sz="2800" spc="-1" dirty="0">
-                <a:solidFill>
-                  <a:srgbClr val="262626"/>
-                </a:solidFill>
-                <a:latin typeface="+mj-lt"/>
-                <a:ea typeface="Gill Sans"/>
-              </a:rPr>
-              <a:t>Stand up more subsystems on Marist</a:t>
-            </a:r>
-            <a:endParaRPr lang="en-US" sz="2800" b="0" strike="noStrike" spc="-1" dirty="0">
-              <a:solidFill>
-                <a:srgbClr val="000000"/>
-              </a:solidFill>
-              <a:latin typeface="+mj-lt"/>
-            </a:endParaRPr>
-          </a:p>
-        </p:txBody>
-      </p:sp>
-      <p:sp>
-        <p:nvSpPr>
-          <p:cNvPr id="183" name="TextShape 2"/>
-          <p:cNvSpPr txBox="1"/>
-          <p:nvPr/>
-        </p:nvSpPr>
-        <p:spPr>
-          <a:xfrm>
-            <a:off x="405518" y="993913"/>
-            <a:ext cx="8269762" cy="3808676"/>
-          </a:xfrm>
-          <a:prstGeom prst="rect">
-            <a:avLst/>
-          </a:prstGeom>
-          <a:noFill/>
-          <a:ln>
-            <a:noFill/>
-          </a:ln>
-        </p:spPr>
-        <p:txBody>
-          <a:bodyPr tIns="91440" bIns="91440">
-            <a:noAutofit/>
-          </a:bodyPr>
-          <a:lstStyle/>
-          <a:p>
-            <a:pPr marL="387270" indent="-285750">
-              <a:spcBef>
-                <a:spcPts val="400"/>
-              </a:spcBef>
-              <a:buFont typeface="Wingdings" pitchFamily="2" charset="2"/>
-              <a:buChar char="Ø"/>
-            </a:pPr>
-            <a:r>
-              <a:rPr lang="en-GB" sz="2000" dirty="0">
-                <a:solidFill>
-                  <a:srgbClr val="222222"/>
-                </a:solidFill>
-                <a:effectLst/>
-                <a:latin typeface="+mj-lt"/>
-              </a:rPr>
-              <a:t>We would aim to add CICS, IMS, MQ and DB2 as well to allow </a:t>
-            </a:r>
-            <a:r>
-              <a:rPr lang="en-GB" sz="2000" dirty="0" err="1">
-                <a:solidFill>
-                  <a:srgbClr val="222222"/>
-                </a:solidFill>
-                <a:effectLst/>
-                <a:latin typeface="+mj-lt"/>
+              <a:spcBef>
+                <a:spcPts val="901"/>
+              </a:spcBef>
+            </a:pPr>
+            <a:r>
+              <a:rPr lang="en-US" sz="3200" b="1" spc="-1" dirty="0" err="1">
+                <a:solidFill>
+                  <a:srgbClr val="000000"/>
+                </a:solidFill>
+                <a:ea typeface="Arial"/>
               </a:rPr>
               <a:t>Zowe</a:t>
             </a:r>
             <a:r>
-              <a:rPr lang="en-GB" sz="2000" dirty="0">
-                <a:solidFill>
-                  <a:srgbClr val="222222"/>
-                </a:solidFill>
-                <a:effectLst/>
-                <a:latin typeface="+mj-lt"/>
-              </a:rPr>
-              <a:t> CLI extension packages to be tested</a:t>
-            </a:r>
-          </a:p>
-          <a:p>
-            <a:pPr marL="387270" indent="-285750">
-              <a:spcBef>
-                <a:spcPts val="400"/>
-              </a:spcBef>
-              <a:buFont typeface="Wingdings" pitchFamily="2" charset="2"/>
-              <a:buChar char="Ø"/>
-            </a:pPr>
-            <a:endParaRPr lang="en-GB" sz="2000" spc="-1" dirty="0">
-              <a:solidFill>
-                <a:srgbClr val="222222"/>
-              </a:solidFill>
-              <a:latin typeface="+mj-lt"/>
-              <a:ea typeface="Gill Sans"/>
-            </a:endParaRPr>
-          </a:p>
-          <a:p>
-            <a:pPr marL="387270" indent="-285750">
-              <a:spcBef>
-                <a:spcPts val="400"/>
-              </a:spcBef>
-              <a:buFont typeface="Wingdings" pitchFamily="2" charset="2"/>
-              <a:buChar char="Ø"/>
-            </a:pPr>
-            <a:r>
-              <a:rPr lang="en-GB" sz="2000" spc="-1" dirty="0">
-                <a:solidFill>
-                  <a:srgbClr val="222222"/>
-                </a:solidFill>
-                <a:latin typeface="+mj-lt"/>
-                <a:ea typeface="Gill Sans"/>
-              </a:rPr>
-              <a:t>Would need co-ordination with other squads to find out exact </a:t>
-            </a:r>
-            <a:r>
-              <a:rPr lang="en-GB" sz="2000" spc="-1" dirty="0" smtClean="0">
-                <a:solidFill>
-                  <a:srgbClr val="222222"/>
-                </a:solidFill>
-                <a:latin typeface="+mj-lt"/>
-                <a:ea typeface="Gill Sans"/>
-              </a:rPr>
-              <a:t>requirements</a:t>
-            </a:r>
-            <a:endParaRPr lang="en-GB" spc="-1" dirty="0">
-              <a:solidFill>
-                <a:srgbClr val="222222"/>
-              </a:solidFill>
-              <a:latin typeface="+mj-lt"/>
-              <a:ea typeface="Gill Sans"/>
+              <a:rPr lang="en-US" sz="3200" b="1" spc="-1" dirty="0">
+                <a:solidFill>
+                  <a:srgbClr val="000000"/>
+                </a:solidFill>
+                <a:ea typeface="Arial"/>
+              </a:rPr>
+              <a:t> Onboarding Squad Focus</a:t>
+            </a:r>
+            <a:endParaRPr lang="en-US" sz="3200" spc="-1" dirty="0">
+              <a:solidFill>
+                <a:srgbClr val="000000"/>
+              </a:solidFill>
+            </a:endParaRPr>
+          </a:p>
+          <a:p>
+            <a:pPr marL="457200" indent="-228240">
+              <a:lnSpc>
+                <a:spcPct val="85000"/>
+              </a:lnSpc>
+              <a:spcBef>
+                <a:spcPts val="901"/>
+              </a:spcBef>
+            </a:pPr>
+            <a:r>
+              <a:rPr lang="en-US" sz="2400" b="1" spc="-1" dirty="0">
+                <a:solidFill>
+                  <a:srgbClr val="000000"/>
+                </a:solidFill>
+                <a:ea typeface="Arial"/>
+              </a:rPr>
+              <a:t>Rose </a:t>
+            </a:r>
+            <a:r>
+              <a:rPr lang="en-US" sz="2400" b="1" spc="-1" dirty="0" err="1">
+                <a:solidFill>
+                  <a:srgbClr val="000000"/>
+                </a:solidFill>
+                <a:ea typeface="Arial"/>
+              </a:rPr>
+              <a:t>Sakach</a:t>
+            </a:r>
+            <a:endParaRPr lang="en-US" sz="2000" spc="-1" dirty="0">
+              <a:solidFill>
+                <a:srgbClr val="000000"/>
+              </a:solidFill>
             </a:endParaRPr>
           </a:p>
         </p:txBody>
@@ -14538,7 +14547,7 @@
     </p:spTree>
     <p:extLst>
       <p:ext uri="{BB962C8B-B14F-4D97-AF65-F5344CB8AC3E}">
-        <p14:creationId xmlns:p14="http://schemas.microsoft.com/office/powerpoint/2010/main" val="100391921"/>
+        <p14:creationId xmlns:p14="http://schemas.microsoft.com/office/powerpoint/2010/main" val="467206394"/>
       </p:ext>
     </p:extLst>
   </p:cSld>
@@ -14546,7 +14555,7 @@
     <a:masterClrMapping/>
   </p:clrMapOvr>
   <p:transition spd="med">
-    <p:fade thruBlk="1"/>
+    <p:fade/>
   </p:transition>
   <p:timing>
     <p:tnLst>
@@ -14626,24 +14635,24 @@
               </a:lnSpc>
             </a:pPr>
             <a:r>
-              <a:rPr lang="en-US" sz="3000" spc="-1" dirty="0">
+              <a:rPr lang="en-US" sz="3000" spc="-1" dirty="0" err="1">
                 <a:solidFill>
                   <a:srgbClr val="262626"/>
                 </a:solidFill>
                 <a:latin typeface="+mj-lt"/>
                 <a:ea typeface="Gill Sans"/>
               </a:rPr>
-              <a:t>CI/CD – </a:t>
-            </a:r>
-            <a:r>
-              <a:rPr lang="en-GB" sz="3000" spc="-1" dirty="0">
+              <a:t>Zowe</a:t>
+            </a:r>
+            <a:r>
+              <a:rPr lang="en-US" sz="3000" spc="-1" dirty="0">
                 <a:solidFill>
                   <a:srgbClr val="262626"/>
                 </a:solidFill>
                 <a:latin typeface="+mj-lt"/>
                 <a:ea typeface="Gill Sans"/>
               </a:rPr>
-              <a:t>Pipeline improvements</a:t>
+              <a:t> Onboarding Squad</a:t>
             </a:r>
             <a:endParaRPr lang="en-US" sz="3000" b="0" strike="noStrike" spc="-1" dirty="0">
               <a:solidFill>
@@ -14687,39 +14696,12 @@
               <a:buChar char="Ø"/>
             </a:pPr>
             <a:r>
-              <a:rPr lang="en-GB" sz="2000" dirty="0">
-                <a:solidFill>
-                  <a:srgbClr val="222222"/>
-                </a:solidFill>
-                <a:effectLst/>
-                <a:latin typeface="+mj-lt"/>
-                <a:hlinkClick r:id="rId3"/>
-              </a:rPr>
-              <a:t>Fix reporting of false positives in nightly builds and new RC pipeline build</a:t>
-            </a:r>
-            <a:endParaRPr lang="en-GB" sz="2000" dirty="0">
-              <a:solidFill>
-                <a:srgbClr val="222222"/>
-              </a:solidFill>
-              <a:effectLst/>
-              <a:latin typeface="+mj-lt"/>
-            </a:endParaRPr>
-          </a:p>
-          <a:p>
-            <a:pPr marL="101520">
-              <a:spcBef>
-                <a:spcPts val="400"/>
-              </a:spcBef>
-            </a:pPr>
-            <a:endParaRPr lang="en-GB" sz="2000" dirty="0">
-              <a:solidFill>
-                <a:srgbClr val="222222"/>
-              </a:solidFill>
-              <a:latin typeface="+mj-lt"/>
-            </a:endParaRPr>
-          </a:p>
-          <a:p>
-            <a:pPr marL="387270" indent="-285750">
+              <a:rPr lang="en-US" sz="2000" b="1" dirty="0"/>
+              <a:t>Conformance Process Maturity</a:t>
+            </a:r>
+          </a:p>
+          <a:p>
+            <a:pPr marL="844470" lvl="1" indent="-285750">
               <a:spcBef>
                 <a:spcPts val="400"/>
               </a:spcBef>
@@ -14727,33 +14709,25 @@
               <a:buChar char="Ø"/>
             </a:pPr>
             <a:r>
-              <a:rPr lang="en-GB" sz="2000" dirty="0">
-                <a:solidFill>
-                  <a:srgbClr val="222222"/>
-                </a:solidFill>
-                <a:effectLst/>
-                <a:latin typeface="+mj-lt"/>
-              </a:rPr>
-              <a:t>Possibly create a similar pipeline for GA but not as much</a:t>
-            </a:r>
-          </a:p>
-          <a:p>
-            <a:pPr marL="387270" indent="-285750">
+              <a:rPr lang="en-US" sz="2000" dirty="0"/>
+              <a:t>Develop a process for updating the Conformance Criteria for all components during ACTIVE LTS, Resolve the incremental Badge debate, and research App-Store</a:t>
+            </a:r>
+          </a:p>
+          <a:p>
+            <a:pPr marL="1301670" lvl="2" indent="-285750">
               <a:spcBef>
                 <a:spcPts val="400"/>
               </a:spcBef>
               <a:buFont typeface="Wingdings" pitchFamily="2" charset="2"/>
               <a:buChar char="Ø"/>
             </a:pPr>
-            <a:endParaRPr lang="en-GB" sz="2000" dirty="0">
-              <a:solidFill>
-                <a:srgbClr val="222222"/>
-              </a:solidFill>
-              <a:latin typeface="+mj-lt"/>
-            </a:endParaRPr>
-          </a:p>
-          <a:p>
-            <a:pPr marL="387270" indent="-285750">
+            <a:r>
+              <a:rPr lang="en-US" sz="2000" dirty="0"/>
+              <a:t>Implement ACTIVE LTS Conformance Criteria Update process (target 11/1)</a:t>
+            </a:r>
+          </a:p>
+          <a:p>
+            <a:pPr marL="1301670" lvl="2" indent="-285750">
               <a:spcBef>
                 <a:spcPts val="400"/>
               </a:spcBef>
@@ -14761,34 +14735,21 @@
               <a:buChar char="Ø"/>
             </a:pPr>
             <a:r>
-              <a:rPr lang="en-GB" sz="2000" dirty="0">
-                <a:solidFill>
-                  <a:srgbClr val="222222"/>
-                </a:solidFill>
-                <a:effectLst/>
-                <a:latin typeface="+mj-lt"/>
-              </a:rPr>
-              <a:t>Want to look into possibilities for automating update of </a:t>
-            </a:r>
-            <a:r>
-              <a:rPr lang="en-GB" sz="2000" dirty="0" err="1">
-                <a:solidFill>
-                  <a:srgbClr val="222222"/>
-                </a:solidFill>
-                <a:effectLst/>
-                <a:latin typeface="+mj-lt"/>
-              </a:rPr>
-              <a:t>manifest.json</a:t>
-            </a:r>
-            <a:r>
-              <a:rPr lang="en-GB" sz="2000" dirty="0">
-                <a:solidFill>
-                  <a:srgbClr val="222222"/>
-                </a:solidFill>
-                <a:effectLst/>
-                <a:latin typeface="+mj-lt"/>
-              </a:rPr>
-              <a:t> as a lot of these changes are the same every time </a:t>
+              <a:rPr lang="en-US" sz="2000" dirty="0"/>
+              <a:t>Draft Incremental Badging T&amp;Cs (target 11/30)</a:t>
+            </a:r>
+          </a:p>
+          <a:p>
+            <a:pPr marL="1301670" lvl="2" indent="-285750">
+              <a:spcBef>
+                <a:spcPts val="400"/>
+              </a:spcBef>
+              <a:buFont typeface="Wingdings" pitchFamily="2" charset="2"/>
+              <a:buChar char="Ø"/>
+            </a:pPr>
+            <a:r>
+              <a:rPr lang="en-US" sz="2000" dirty="0"/>
+              <a:t>Draft recommendations for App-Store look-and-feel Web Page (stretch)</a:t>
             </a:r>
           </a:p>
         </p:txBody>
@@ -14796,7 +14757,7 @@
     </p:spTree>
     <p:extLst>
       <p:ext uri="{BB962C8B-B14F-4D97-AF65-F5344CB8AC3E}">
-        <p14:creationId xmlns:p14="http://schemas.microsoft.com/office/powerpoint/2010/main" val="4176309130"/>
+        <p14:creationId xmlns:p14="http://schemas.microsoft.com/office/powerpoint/2010/main" val="170913203"/>
       </p:ext>
     </p:extLst>
   </p:cSld>
@@ -15070,96 +15031,190 @@
       </p:grpSpPr>
       <p:sp>
         <p:nvSpPr>
-          <p:cNvPr id="2" name="Rectangle 1"/>
-          <p:cNvSpPr/>
+          <p:cNvPr id="182" name="TextShape 1"/>
+          <p:cNvSpPr txBox="1"/>
           <p:nvPr/>
         </p:nvSpPr>
         <p:spPr>
           <a:xfrm>
-            <a:off x="352839" y="3180521"/>
-            <a:ext cx="7404652" cy="940257"/>
-          </a:xfrm>
-          <a:prstGeom prst="rect">
-            <a:avLst/>
-          </a:prstGeom>
-        </p:spPr>
-        <p:txBody>
-          <a:bodyPr wrap="square">
-            <a:spAutoFit/>
-          </a:bodyPr>
-          <a:lstStyle/>
-          <a:p>
-            <a:pPr marL="457200" indent="-228240">
+            <a:off x="334080" y="159480"/>
+            <a:ext cx="7893720" cy="447120"/>
+          </a:xfrm>
+          <a:prstGeom prst="rect">
+            <a:avLst/>
+          </a:prstGeom>
+          <a:noFill/>
+          <a:ln>
+            <a:noFill/>
+          </a:ln>
+        </p:spPr>
+        <p:txBody>
+          <a:bodyPr tIns="91440" bIns="91440" anchor="ctr">
+            <a:noAutofit/>
+          </a:bodyPr>
+          <a:lstStyle/>
+          <a:p>
+            <a:pPr>
               <a:lnSpc>
-                <a:spcPct val="85000"/>
+                <a:spcPct val="100000"/>
               </a:lnSpc>
-              <a:spcBef>
-                <a:spcPts val="901"/>
-              </a:spcBef>
-            </a:pPr>
-            <a:r>
-              <a:rPr lang="en-US" sz="3200" b="1" spc="-1" dirty="0" err="1">
-                <a:solidFill>
-                  <a:srgbClr val="000000"/>
-                </a:solidFill>
-                <a:ea typeface="Arial"/>
+            </a:pPr>
+            <a:r>
+              <a:rPr lang="en-US" sz="3000" spc="-1" dirty="0" err="1">
+                <a:solidFill>
+                  <a:srgbClr val="262626"/>
+                </a:solidFill>
+                <a:latin typeface="+mj-lt"/>
+                <a:ea typeface="Gill Sans"/>
               </a:rPr>
               <a:t>Zowe</a:t>
             </a:r>
             <a:r>
-              <a:rPr lang="en-US" sz="3200" b="1" spc="-1" dirty="0">
-                <a:solidFill>
-                  <a:srgbClr val="000000"/>
-                </a:solidFill>
-                <a:ea typeface="Arial"/>
-              </a:rPr>
-              <a:t> Onboarding Squad Focus</a:t>
-            </a:r>
-            <a:endParaRPr lang="en-US" sz="3200" spc="-1" dirty="0">
-              <a:solidFill>
-                <a:srgbClr val="000000"/>
-              </a:solidFill>
-            </a:endParaRPr>
-          </a:p>
-          <a:p>
-            <a:pPr marL="457200" indent="-228240">
-              <a:lnSpc>
-                <a:spcPct val="85000"/>
-              </a:lnSpc>
-              <a:spcBef>
-                <a:spcPts val="901"/>
-              </a:spcBef>
-            </a:pPr>
-            <a:r>
-              <a:rPr lang="en-US" sz="2400" b="1" spc="-1" dirty="0">
-                <a:solidFill>
-                  <a:srgbClr val="000000"/>
-                </a:solidFill>
-                <a:ea typeface="Arial"/>
-              </a:rPr>
-              <a:t>Rose </a:t>
-            </a:r>
-            <a:r>
-              <a:rPr lang="en-US" sz="2400" b="1" spc="-1" dirty="0" err="1">
-                <a:solidFill>
-                  <a:srgbClr val="000000"/>
-                </a:solidFill>
-                <a:ea typeface="Arial"/>
-              </a:rPr>
-              <a:t>Sakach</a:t>
-            </a:r>
-            <a:endParaRPr lang="en-US" sz="2000" spc="-1" dirty="0">
-              <a:solidFill>
-                <a:srgbClr val="000000"/>
-              </a:solidFill>
-            </a:endParaRPr>
+              <a:rPr lang="en-US" sz="3000" spc="-1" dirty="0">
+                <a:solidFill>
+                  <a:srgbClr val="262626"/>
+                </a:solidFill>
+                <a:latin typeface="+mj-lt"/>
+                <a:ea typeface="Gill Sans"/>
+              </a:rPr>
+              <a:t> Onboarding Squad</a:t>
+            </a:r>
+            <a:endParaRPr lang="en-US" sz="3000" b="0" strike="noStrike" spc="-1" dirty="0">
+              <a:solidFill>
+                <a:srgbClr val="000000"/>
+              </a:solidFill>
+              <a:latin typeface="+mj-lt"/>
+            </a:endParaRPr>
+          </a:p>
+        </p:txBody>
+      </p:sp>
+      <p:sp>
+        <p:nvSpPr>
+          <p:cNvPr id="183" name="TextShape 2"/>
+          <p:cNvSpPr txBox="1"/>
+          <p:nvPr/>
+        </p:nvSpPr>
+        <p:spPr>
+          <a:xfrm>
+            <a:off x="405518" y="993913"/>
+            <a:ext cx="8269762" cy="3808676"/>
+          </a:xfrm>
+          <a:prstGeom prst="rect">
+            <a:avLst/>
+          </a:prstGeom>
+          <a:noFill/>
+          <a:ln>
+            <a:noFill/>
+          </a:ln>
+        </p:spPr>
+        <p:txBody>
+          <a:bodyPr tIns="91440" bIns="91440">
+            <a:noAutofit/>
+          </a:bodyPr>
+          <a:lstStyle/>
+          <a:p>
+            <a:pPr marL="387270" indent="-285750">
+              <a:spcBef>
+                <a:spcPts val="400"/>
+              </a:spcBef>
+              <a:buFont typeface="Wingdings" pitchFamily="2" charset="2"/>
+              <a:buChar char="Ø"/>
+            </a:pPr>
+            <a:r>
+              <a:rPr lang="en-US" sz="2000" b="1" dirty="0"/>
+              <a:t>Improve Initial Onboarding Experience</a:t>
+            </a:r>
+          </a:p>
+          <a:p>
+            <a:pPr marL="844470" lvl="1" indent="-285750">
+              <a:spcBef>
+                <a:spcPts val="400"/>
+              </a:spcBef>
+              <a:buFont typeface="Wingdings" pitchFamily="2" charset="2"/>
+              <a:buChar char="Ø"/>
+            </a:pPr>
+            <a:r>
+              <a:rPr lang="en-US" sz="2000" dirty="0"/>
+              <a:t>Better direct </a:t>
+            </a:r>
+            <a:r>
+              <a:rPr lang="en-US" sz="2000" dirty="0" err="1"/>
+              <a:t>Onboarders</a:t>
+            </a:r>
+            <a:r>
+              <a:rPr lang="en-US" sz="2000" dirty="0"/>
+              <a:t> to appropriate areas within the </a:t>
+            </a:r>
+            <a:r>
+              <a:rPr lang="en-US" sz="2000" dirty="0" err="1"/>
+              <a:t>Zowe</a:t>
+            </a:r>
+            <a:r>
+              <a:rPr lang="en-US" sz="2000" dirty="0"/>
+              <a:t> Community to ensure their first experience with </a:t>
+            </a:r>
+            <a:r>
+              <a:rPr lang="en-US" sz="2000" dirty="0" err="1"/>
+              <a:t>Zowe</a:t>
+            </a:r>
+            <a:r>
+              <a:rPr lang="en-US" sz="2000" dirty="0"/>
+              <a:t> is beneficial to them and effective in making them a part of the Community</a:t>
+            </a:r>
+          </a:p>
+          <a:p>
+            <a:pPr marL="1301670" lvl="2" indent="-285750">
+              <a:spcBef>
+                <a:spcPts val="400"/>
+              </a:spcBef>
+              <a:buFont typeface="Wingdings" pitchFamily="2" charset="2"/>
+              <a:buChar char="Ø"/>
+            </a:pPr>
+            <a:r>
+              <a:rPr lang="en-US" sz="2000" dirty="0"/>
+              <a:t>Complete Persona research / interviews (target 11/1)</a:t>
+            </a:r>
+          </a:p>
+          <a:p>
+            <a:pPr marL="1301670" lvl="2" indent="-285750">
+              <a:spcBef>
+                <a:spcPts val="400"/>
+              </a:spcBef>
+              <a:buFont typeface="Wingdings" pitchFamily="2" charset="2"/>
+              <a:buChar char="Ø"/>
+            </a:pPr>
+            <a:r>
+              <a:rPr lang="en-US" sz="2000" dirty="0"/>
+              <a:t>Present recommendations for UX and UI Website navigation improvements (target 11/30)</a:t>
+            </a:r>
+          </a:p>
+          <a:p>
+            <a:pPr marL="1301670" lvl="2" indent="-285750">
+              <a:spcBef>
+                <a:spcPts val="400"/>
+              </a:spcBef>
+              <a:buFont typeface="Wingdings" pitchFamily="2" charset="2"/>
+              <a:buChar char="Ø"/>
+            </a:pPr>
+            <a:r>
+              <a:rPr lang="en-US" sz="2000" dirty="0"/>
+              <a:t>Begin Website modifications [stretch] -- Revise Webpages to better direct </a:t>
+            </a:r>
+            <a:r>
+              <a:rPr lang="en-US" sz="2000" dirty="0" err="1"/>
+              <a:t>Onboarders</a:t>
+            </a:r>
+            <a:r>
+              <a:rPr lang="en-US" sz="2000" dirty="0"/>
+              <a:t> to appropriate areas based on their "persona" (stretch)</a:t>
+            </a:r>
           </a:p>
         </p:txBody>
       </p:sp>
     </p:spTree>
     <p:extLst>
       <p:ext uri="{BB962C8B-B14F-4D97-AF65-F5344CB8AC3E}">
-        <p14:creationId xmlns:p14="http://schemas.microsoft.com/office/powerpoint/2010/main" val="467206394"/>
+        <p14:creationId xmlns:p14="http://schemas.microsoft.com/office/powerpoint/2010/main" val="2522186796"/>
       </p:ext>
     </p:extLst>
   </p:cSld>
@@ -15167,7 +15222,7 @@
     <a:masterClrMapping/>
   </p:clrMapOvr>
   <p:transition spd="med">
-    <p:fade/>
+    <p:fade thruBlk="1"/>
   </p:transition>
   <p:timing>
     <p:tnLst>
@@ -15247,7 +15302,7 @@
               </a:lnSpc>
             </a:pPr>
             <a:r>
-              <a:rPr lang="en-US" sz="3000" spc="-1" dirty="0" err="1" smtClean="0">
+              <a:rPr lang="en-US" sz="3000" spc="-1" dirty="0" err="1">
                 <a:solidFill>
                   <a:srgbClr val="262626"/>
                 </a:solidFill>
@@ -15257,7 +15312,7 @@
               <a:t>Zowe</a:t>
             </a:r>
             <a:r>
-              <a:rPr lang="en-US" sz="3000" spc="-1" dirty="0" smtClean="0">
+              <a:rPr lang="en-US" sz="3000" spc="-1" dirty="0">
                 <a:solidFill>
                   <a:srgbClr val="262626"/>
                 </a:solidFill>
@@ -15308,12 +15363,8 @@
               <a:buChar char="Ø"/>
             </a:pPr>
             <a:r>
-              <a:rPr lang="en-US" sz="2000" b="1" dirty="0"/>
-              <a:t>Conformance Process </a:t>
-            </a:r>
-            <a:r>
-              <a:rPr lang="en-US" sz="2000" b="1" dirty="0" smtClean="0"/>
-              <a:t>Maturity</a:t>
+              <a:rPr lang="en-US" dirty="0"/>
+              <a:t>Extend OUTREACH Efforts</a:t>
             </a:r>
           </a:p>
           <a:p>
@@ -15325,16 +15376,8 @@
               <a:buChar char="Ø"/>
             </a:pPr>
             <a:r>
-              <a:rPr lang="en-US" sz="2000" dirty="0" smtClean="0"/>
-              <a:t>Develop </a:t>
-            </a:r>
-            <a:r>
-              <a:rPr lang="en-US" sz="2000" dirty="0"/>
-              <a:t>a process for updating the Conformance Criteria for all components during ACTIVE LTS, Resolve the incremental Badge debate, and research </a:t>
-            </a:r>
-            <a:r>
-              <a:rPr lang="en-US" sz="2000" dirty="0" smtClean="0"/>
-              <a:t>App-Store</a:t>
+              <a:rPr lang="en-US" dirty="0"/>
+              <a:t>Increase focus on OUTREACH efforts to Onboard more ISVs and Community members in general</a:t>
             </a:r>
           </a:p>
           <a:p>
@@ -15346,16 +15389,16 @@
               <a:buChar char="Ø"/>
             </a:pPr>
             <a:r>
-              <a:rPr lang="en-US" sz="2000" dirty="0" smtClean="0"/>
-              <a:t>Implement </a:t>
-            </a:r>
-            <a:r>
-              <a:rPr lang="en-US" sz="2000" dirty="0"/>
-              <a:t>ACTIVE LTS Conformance Criteria Update process (target </a:t>
-            </a:r>
-            <a:r>
-              <a:rPr lang="en-US" sz="2000" dirty="0" smtClean="0"/>
-              <a:t>11/1)</a:t>
+              <a:rPr lang="en-US" dirty="0"/>
+              <a:t>Draft a new Webpage to house Onboarding-centric collateral (</a:t>
+            </a:r>
+            <a:r>
+              <a:rPr lang="en-US" dirty="0" err="1"/>
+              <a:t>Zowe</a:t>
+            </a:r>
+            <a:r>
+              <a:rPr lang="en-US" dirty="0"/>
+              <a:t> intro videos etc.) (target 12/31)</a:t>
             </a:r>
           </a:p>
           <a:p>
@@ -15367,16 +15410,16 @@
               <a:buChar char="Ø"/>
             </a:pPr>
             <a:r>
-              <a:rPr lang="en-US" sz="2000" dirty="0" smtClean="0"/>
-              <a:t>Draft </a:t>
-            </a:r>
-            <a:r>
-              <a:rPr lang="en-US" sz="2000" dirty="0"/>
-              <a:t>Incremental Badging T&amp;Cs (target </a:t>
-            </a:r>
-            <a:r>
-              <a:rPr lang="en-US" sz="2000" dirty="0" smtClean="0"/>
-              <a:t>11/30)</a:t>
+              <a:rPr lang="en-US" dirty="0"/>
+              <a:t>Research how we can deliver a "request for Demo" capability at the new Zowe.org webpage (#2) where </a:t>
+            </a:r>
+            <a:r>
+              <a:rPr lang="en-US" dirty="0" err="1"/>
+              <a:t>Onboarders</a:t>
+            </a:r>
+            <a:r>
+              <a:rPr lang="en-US" dirty="0"/>
+              <a:t> can request a "live" demo (target 11/30)</a:t>
             </a:r>
           </a:p>
           <a:p>
@@ -15388,12 +15431,29 @@
               <a:buChar char="Ø"/>
             </a:pPr>
             <a:r>
-              <a:rPr lang="en-US" sz="2000" dirty="0" smtClean="0"/>
-              <a:t>Draft </a:t>
-            </a:r>
-            <a:r>
-              <a:rPr lang="en-US" sz="2000" dirty="0"/>
-              <a:t>recommendations for App-Store look-and-feel Web Page (stretch)</a:t>
+              <a:rPr lang="en-US" dirty="0"/>
+              <a:t>Deliver 1 Onboarding-focused blog at Medium.com (target 12/31)</a:t>
+            </a:r>
+          </a:p>
+          <a:p>
+            <a:pPr marL="1301670" lvl="2" indent="-285750">
+              <a:spcBef>
+                <a:spcPts val="400"/>
+              </a:spcBef>
+              <a:buFont typeface="Wingdings" pitchFamily="2" charset="2"/>
+              <a:buChar char="Ø"/>
+            </a:pPr>
+            <a:r>
+              <a:rPr lang="en-US" dirty="0"/>
+              <a:t>Communicate with and present at (2)  WW </a:t>
+            </a:r>
+            <a:r>
+              <a:rPr lang="en-US" dirty="0" err="1"/>
+              <a:t>zMeetup</a:t>
+            </a:r>
+            <a:r>
+              <a:rPr lang="en-US" dirty="0"/>
+              <a:t> (Communities) (target 12/31)</a:t>
             </a:r>
           </a:p>
         </p:txBody>
@@ -15401,7 +15461,7 @@
     </p:spTree>
     <p:extLst>
       <p:ext uri="{BB962C8B-B14F-4D97-AF65-F5344CB8AC3E}">
-        <p14:creationId xmlns:p14="http://schemas.microsoft.com/office/powerpoint/2010/main" val="170913203"/>
+        <p14:creationId xmlns:p14="http://schemas.microsoft.com/office/powerpoint/2010/main" val="940490073"/>
       </p:ext>
     </p:extLst>
   </p:cSld>
@@ -15489,7 +15549,7 @@
               </a:lnSpc>
             </a:pPr>
             <a:r>
-              <a:rPr lang="en-US" sz="3000" spc="-1" dirty="0" err="1" smtClean="0">
+              <a:rPr lang="en-US" sz="3000" spc="-1" dirty="0" err="1">
                 <a:solidFill>
                   <a:srgbClr val="262626"/>
                 </a:solidFill>
@@ -15499,7 +15559,7 @@
               <a:t>Zowe</a:t>
             </a:r>
             <a:r>
-              <a:rPr lang="en-US" sz="3000" spc="-1" dirty="0" smtClean="0">
+              <a:rPr lang="en-US" sz="3000" spc="-1" dirty="0">
                 <a:solidFill>
                   <a:srgbClr val="262626"/>
                 </a:solidFill>
@@ -15550,16 +15610,16 @@
               <a:buChar char="Ø"/>
             </a:pPr>
             <a:r>
-              <a:rPr lang="en-US" sz="2000" b="1" dirty="0" smtClean="0"/>
-              <a:t>Improve </a:t>
-            </a:r>
-            <a:r>
               <a:rPr lang="en-US" sz="2000" b="1" dirty="0"/>
-              <a:t>Initial Onboarding </a:t>
-            </a:r>
-            <a:r>
-              <a:rPr lang="en-US" sz="2000" b="1" dirty="0" smtClean="0"/>
-              <a:t>Experience</a:t>
+              <a:t>Manage Production of and Leverage Statistics to Help All Squads to Identify </a:t>
+            </a:r>
+            <a:r>
+              <a:rPr lang="en-US" sz="2000" b="1" dirty="0" err="1"/>
+              <a:t>Zowe</a:t>
+            </a:r>
+            <a:r>
+              <a:rPr lang="en-US" sz="2000" b="1" dirty="0"/>
+              <a:t> Interest, Experimentation, and Challenges</a:t>
             </a:r>
           </a:p>
           <a:p>
@@ -15572,15 +15632,33 @@
             </a:pPr>
             <a:r>
               <a:rPr lang="en-US" sz="2000" dirty="0"/>
-              <a:t>Better direct </a:t>
-            </a:r>
-            <a:r>
-              <a:rPr lang="en-US" sz="2000" dirty="0" err="1"/>
-              <a:t>Onboarders</a:t>
-            </a:r>
+              <a:t>Continue maturing statistics process and reporting</a:t>
+            </a:r>
+          </a:p>
+          <a:p>
+            <a:pPr marL="1301670" lvl="2" indent="-285750">
+              <a:spcBef>
+                <a:spcPts val="400"/>
+              </a:spcBef>
+              <a:buFont typeface="Wingdings" pitchFamily="2" charset="2"/>
+              <a:buChar char="Ø"/>
+            </a:pPr>
             <a:r>
               <a:rPr lang="en-US" sz="2000" dirty="0"/>
-              <a:t> to appropriate areas within the </a:t>
+              <a:t>Automate the monthly statistics report (target 12/31)</a:t>
+            </a:r>
+          </a:p>
+          <a:p>
+            <a:pPr marL="1301670" lvl="2" indent="-285750">
+              <a:spcBef>
+                <a:spcPts val="400"/>
+              </a:spcBef>
+              <a:buFont typeface="Wingdings" pitchFamily="2" charset="2"/>
+              <a:buChar char="Ø"/>
+            </a:pPr>
+            <a:r>
+              <a:rPr lang="en-US" sz="2000" dirty="0"/>
+              <a:t>Brainstorm &amp; draft </a:t>
             </a:r>
             <a:r>
               <a:rPr lang="en-US" sz="2000" dirty="0" err="1"/>
@@ -15588,86 +15666,7 @@
             </a:r>
             <a:r>
               <a:rPr lang="en-US" sz="2000" dirty="0"/>
-              <a:t> Community to ensure their first experience with </a:t>
-            </a:r>
-            <a:r>
-              <a:rPr lang="en-US" sz="2000" dirty="0" err="1"/>
-              <a:t>Zowe</a:t>
-            </a:r>
-            <a:r>
-              <a:rPr lang="en-US" sz="2000" dirty="0"/>
-              <a:t> is beneficial to them and effective in making them a part of the </a:t>
-            </a:r>
-            <a:r>
-              <a:rPr lang="en-US" sz="2000" dirty="0" smtClean="0"/>
-              <a:t>Community</a:t>
-            </a:r>
-          </a:p>
-          <a:p>
-            <a:pPr marL="1301670" lvl="2" indent="-285750">
-              <a:spcBef>
-                <a:spcPts val="400"/>
-              </a:spcBef>
-              <a:buFont typeface="Wingdings" pitchFamily="2" charset="2"/>
-              <a:buChar char="Ø"/>
-            </a:pPr>
-            <a:r>
-              <a:rPr lang="en-US" sz="2000" dirty="0" smtClean="0"/>
-              <a:t>Complete </a:t>
-            </a:r>
-            <a:r>
-              <a:rPr lang="en-US" sz="2000" dirty="0"/>
-              <a:t>Persona research / interviews (target </a:t>
-            </a:r>
-            <a:r>
-              <a:rPr lang="en-US" sz="2000" dirty="0" smtClean="0"/>
-              <a:t>11/1)</a:t>
-            </a:r>
-          </a:p>
-          <a:p>
-            <a:pPr marL="1301670" lvl="2" indent="-285750">
-              <a:spcBef>
-                <a:spcPts val="400"/>
-              </a:spcBef>
-              <a:buFont typeface="Wingdings" pitchFamily="2" charset="2"/>
-              <a:buChar char="Ø"/>
-            </a:pPr>
-            <a:r>
-              <a:rPr lang="en-US" sz="2000" dirty="0" smtClean="0"/>
-              <a:t>Present </a:t>
-            </a:r>
-            <a:r>
-              <a:rPr lang="en-US" sz="2000" dirty="0"/>
-              <a:t>recommendations for UX and UI Website navigation improvements (target </a:t>
-            </a:r>
-            <a:r>
-              <a:rPr lang="en-US" sz="2000" dirty="0" smtClean="0"/>
-              <a:t>11/30)</a:t>
-            </a:r>
-          </a:p>
-          <a:p>
-            <a:pPr marL="1301670" lvl="2" indent="-285750">
-              <a:spcBef>
-                <a:spcPts val="400"/>
-              </a:spcBef>
-              <a:buFont typeface="Wingdings" pitchFamily="2" charset="2"/>
-              <a:buChar char="Ø"/>
-            </a:pPr>
-            <a:r>
-              <a:rPr lang="en-US" sz="2000" dirty="0" smtClean="0"/>
-              <a:t>Begin </a:t>
-            </a:r>
-            <a:r>
-              <a:rPr lang="en-US" sz="2000" dirty="0"/>
-              <a:t>Website modifications [stretch] -- Revise Webpages to better direct </a:t>
-            </a:r>
-            <a:r>
-              <a:rPr lang="en-US" sz="2000" dirty="0" err="1"/>
-              <a:t>Onboarders</a:t>
-            </a:r>
-            <a:r>
-              <a:rPr lang="en-US" sz="2000" dirty="0"/>
-              <a:t> to appropriate areas based on their "persona" (stretch)</a:t>
+              <a:t> KPIs to help identify trends and  influential activities (target 12/31)</a:t>
             </a:r>
           </a:p>
         </p:txBody>
@@ -15675,7 +15674,7 @@
     </p:spTree>
     <p:extLst>
       <p:ext uri="{BB962C8B-B14F-4D97-AF65-F5344CB8AC3E}">
-        <p14:creationId xmlns:p14="http://schemas.microsoft.com/office/powerpoint/2010/main" val="2522186796"/>
+        <p14:creationId xmlns:p14="http://schemas.microsoft.com/office/powerpoint/2010/main" val="478070579"/>
       </p:ext>
     </p:extLst>
   </p:cSld>
@@ -15734,7 +15733,7 @@
       </p:grpSpPr>
       <p:sp>
         <p:nvSpPr>
-          <p:cNvPr id="182" name="TextShape 1"/>
+          <p:cNvPr id="180" name="TextShape 1"/>
           <p:cNvSpPr txBox="1"/>
           <p:nvPr/>
         </p:nvSpPr>
@@ -15763,24 +15762,14 @@
               </a:lnSpc>
             </a:pPr>
             <a:r>
-              <a:rPr lang="en-US" sz="3000" spc="-1" dirty="0" err="1" smtClean="0">
+              <a:rPr lang="en-US" sz="3000" b="0" strike="noStrike" spc="-1" dirty="0">
                 <a:solidFill>
                   <a:srgbClr val="262626"/>
                 </a:solidFill>
                 <a:latin typeface="+mj-lt"/>
                 <a:ea typeface="Gill Sans"/>
               </a:rPr>
-              <a:t>Zowe</a:t>
-            </a:r>
-            <a:r>
-              <a:rPr lang="en-US" sz="3000" spc="-1" dirty="0" smtClean="0">
-                <a:solidFill>
-                  <a:srgbClr val="262626"/>
-                </a:solidFill>
-                <a:latin typeface="+mj-lt"/>
-                <a:ea typeface="Gill Sans"/>
-              </a:rPr>
-              <a:t> Onboarding Squad</a:t>
+              <a:t>Dependencies</a:t>
             </a:r>
             <a:endParaRPr lang="en-US" sz="3000" b="0" strike="noStrike" spc="-1" dirty="0">
               <a:solidFill>
@@ -15793,14 +15782,14 @@
       </p:sp>
       <p:sp>
         <p:nvSpPr>
-          <p:cNvPr id="183" name="TextShape 2"/>
+          <p:cNvPr id="181" name="TextShape 2"/>
           <p:cNvSpPr txBox="1"/>
           <p:nvPr/>
         </p:nvSpPr>
         <p:spPr>
           <a:xfrm>
-            <a:off x="405518" y="993913"/>
-            <a:ext cx="8269762" cy="3808676"/>
+            <a:off x="306360" y="774000"/>
+            <a:ext cx="8368920" cy="4147560"/>
           </a:xfrm>
           <a:prstGeom prst="rect">
             <a:avLst/>
@@ -15816,105 +15805,76 @@
           </a:bodyPr>
           <a:lstStyle/>
           <a:p>
-            <a:pPr marL="387270" indent="-285750">
+            <a:pPr marL="457200" indent="-355320">
+              <a:lnSpc>
+                <a:spcPct val="100000"/>
+              </a:lnSpc>
               <a:spcBef>
                 <a:spcPts val="400"/>
               </a:spcBef>
-              <a:buFont typeface="Wingdings" pitchFamily="2" charset="2"/>
-              <a:buChar char="Ø"/>
-            </a:pPr>
-            <a:r>
-              <a:rPr lang="en-US" dirty="0"/>
-              <a:t>Extend OUTREACH Efforts</a:t>
-            </a:r>
-          </a:p>
-          <a:p>
-            <a:pPr marL="844470" lvl="1" indent="-285750">
+              <a:buClr>
+                <a:srgbClr val="000000"/>
+              </a:buClr>
+              <a:buFont typeface="Arial"/>
+              <a:buChar char="•"/>
+            </a:pPr>
+            <a:r>
+              <a:rPr lang="en-US" sz="2000" dirty="0"/>
+              <a:t>DOC Squad: will probably need to collaborate on Web Page modifications</a:t>
+            </a:r>
+            <a:br>
+              <a:rPr lang="en-US" sz="2000" dirty="0"/>
+            </a:br>
+            <a:endParaRPr lang="en-US" sz="2000" dirty="0"/>
+          </a:p>
+          <a:p>
+            <a:pPr marL="457200" indent="-355320">
+              <a:lnSpc>
+                <a:spcPct val="100000"/>
+              </a:lnSpc>
               <a:spcBef>
                 <a:spcPts val="400"/>
               </a:spcBef>
-              <a:buFont typeface="Wingdings" pitchFamily="2" charset="2"/>
-              <a:buChar char="Ø"/>
-            </a:pPr>
-            <a:r>
-              <a:rPr lang="en-US" dirty="0"/>
-              <a:t>Increase focus on OUTREACH efforts to Onboard more ISVs and Community members in general</a:t>
-            </a:r>
-          </a:p>
-          <a:p>
-            <a:pPr marL="1301670" lvl="2" indent="-285750">
+              <a:buClr>
+                <a:srgbClr val="000000"/>
+              </a:buClr>
+              <a:buFont typeface="Arial"/>
+              <a:buChar char="•"/>
+            </a:pPr>
+            <a:r>
+              <a:rPr lang="en-US" sz="2000" dirty="0"/>
+              <a:t>UX Designers: welcome their input on web page design</a:t>
+            </a:r>
+            <a:br>
+              <a:rPr lang="en-US" sz="2000" dirty="0"/>
+            </a:br>
+            <a:endParaRPr lang="en-US" sz="2000" dirty="0"/>
+          </a:p>
+          <a:p>
+            <a:pPr marL="457200" indent="-355320">
+              <a:lnSpc>
+                <a:spcPct val="100000"/>
+              </a:lnSpc>
               <a:spcBef>
                 <a:spcPts val="400"/>
               </a:spcBef>
-              <a:buFont typeface="Wingdings" pitchFamily="2" charset="2"/>
-              <a:buChar char="Ø"/>
-            </a:pPr>
-            <a:r>
-              <a:rPr lang="en-US" dirty="0"/>
-              <a:t>Draft a new Webpage to house Onboarding-centric collateral (</a:t>
-            </a:r>
-            <a:r>
-              <a:rPr lang="en-US" dirty="0" err="1"/>
-              <a:t>Zowe</a:t>
-            </a:r>
-            <a:r>
-              <a:rPr lang="en-US" dirty="0"/>
-              <a:t> intro videos etc.) (target 12/31)</a:t>
-            </a:r>
-          </a:p>
-          <a:p>
-            <a:pPr marL="1301670" lvl="2" indent="-285750">
-              <a:spcBef>
-                <a:spcPts val="400"/>
-              </a:spcBef>
-              <a:buFont typeface="Wingdings" pitchFamily="2" charset="2"/>
-              <a:buChar char="Ø"/>
-            </a:pPr>
-            <a:r>
-              <a:rPr lang="en-US" dirty="0"/>
-              <a:t>Research how we can deliver a "request for Demo" capability at the new Zowe.org webpage (#2) where </a:t>
-            </a:r>
-            <a:r>
-              <a:rPr lang="en-US" dirty="0" err="1"/>
-              <a:t>Onboarders</a:t>
-            </a:r>
-            <a:r>
-              <a:rPr lang="en-US" dirty="0"/>
-              <a:t> can request a "live" demo (target 11/30)</a:t>
-            </a:r>
-          </a:p>
-          <a:p>
-            <a:pPr marL="1301670" lvl="2" indent="-285750">
-              <a:spcBef>
-                <a:spcPts val="400"/>
-              </a:spcBef>
-              <a:buFont typeface="Wingdings" pitchFamily="2" charset="2"/>
-              <a:buChar char="Ø"/>
-            </a:pPr>
-            <a:r>
-              <a:rPr lang="en-US" dirty="0"/>
-              <a:t>Deliver 1 Onboarding-focused blog at Medium.com (target 12/31)</a:t>
-            </a:r>
-          </a:p>
-          <a:p>
-            <a:pPr marL="1301670" lvl="2" indent="-285750">
-              <a:spcBef>
-                <a:spcPts val="400"/>
-              </a:spcBef>
-              <a:buFont typeface="Wingdings" pitchFamily="2" charset="2"/>
-              <a:buChar char="Ø"/>
-            </a:pPr>
-            <a:r>
-              <a:rPr lang="en-US" dirty="0"/>
-              <a:t>Communicate with and present at (2)  WW </a:t>
-            </a:r>
-            <a:r>
-              <a:rPr lang="en-US" dirty="0" err="1"/>
-              <a:t>zMeetup</a:t>
-            </a:r>
-            <a:r>
-              <a:rPr lang="en-US" dirty="0"/>
-              <a:t> (Communities) (target 12/31)</a:t>
+              <a:buClr>
+                <a:srgbClr val="000000"/>
+              </a:buClr>
+              <a:buFont typeface="Arial"/>
+              <a:buChar char="•"/>
+            </a:pPr>
+            <a:r>
+              <a:rPr lang="en-US" sz="2000" dirty="0"/>
+              <a:t>CLI, API, Web UI, </a:t>
+            </a:r>
+            <a:r>
+              <a:rPr lang="en-US" sz="2000" dirty="0" err="1"/>
+              <a:t>etc</a:t>
+            </a:r>
+            <a:r>
+              <a:rPr lang="en-US" sz="2000" dirty="0"/>
+              <a:t>: Squad leads for their input on the "request for demo" deliverable</a:t>
             </a:r>
           </a:p>
         </p:txBody>
@@ -15922,7 +15882,7 @@
     </p:spTree>
     <p:extLst>
       <p:ext uri="{BB962C8B-B14F-4D97-AF65-F5344CB8AC3E}">
-        <p14:creationId xmlns:p14="http://schemas.microsoft.com/office/powerpoint/2010/main" val="940490073"/>
+        <p14:creationId xmlns:p14="http://schemas.microsoft.com/office/powerpoint/2010/main" val="3546241616"/>
       </p:ext>
     </p:extLst>
   </p:cSld>
@@ -15981,475 +15941,6 @@
       </p:grpSpPr>
       <p:sp>
         <p:nvSpPr>
-          <p:cNvPr id="182" name="TextShape 1"/>
-          <p:cNvSpPr txBox="1"/>
-          <p:nvPr/>
-        </p:nvSpPr>
-        <p:spPr>
-          <a:xfrm>
-            <a:off x="334080" y="159480"/>
-            <a:ext cx="7893720" cy="447120"/>
-          </a:xfrm>
-          <a:prstGeom prst="rect">
-            <a:avLst/>
-          </a:prstGeom>
-          <a:noFill/>
-          <a:ln>
-            <a:noFill/>
-          </a:ln>
-        </p:spPr>
-        <p:txBody>
-          <a:bodyPr tIns="91440" bIns="91440" anchor="ctr">
-            <a:noAutofit/>
-          </a:bodyPr>
-          <a:lstStyle/>
-          <a:p>
-            <a:pPr>
-              <a:lnSpc>
-                <a:spcPct val="100000"/>
-              </a:lnSpc>
-            </a:pPr>
-            <a:r>
-              <a:rPr lang="en-US" sz="3000" spc="-1" dirty="0" err="1" smtClean="0">
-                <a:solidFill>
-                  <a:srgbClr val="262626"/>
-                </a:solidFill>
-                <a:latin typeface="+mj-lt"/>
-                <a:ea typeface="Gill Sans"/>
-              </a:rPr>
-              <a:t>Zowe</a:t>
-            </a:r>
-            <a:r>
-              <a:rPr lang="en-US" sz="3000" spc="-1" dirty="0" smtClean="0">
-                <a:solidFill>
-                  <a:srgbClr val="262626"/>
-                </a:solidFill>
-                <a:latin typeface="+mj-lt"/>
-                <a:ea typeface="Gill Sans"/>
-              </a:rPr>
-              <a:t> Onboarding Squad</a:t>
-            </a:r>
-            <a:endParaRPr lang="en-US" sz="3000" b="0" strike="noStrike" spc="-1" dirty="0">
-              <a:solidFill>
-                <a:srgbClr val="000000"/>
-              </a:solidFill>
-              <a:latin typeface="+mj-lt"/>
-            </a:endParaRPr>
-          </a:p>
-        </p:txBody>
-      </p:sp>
-      <p:sp>
-        <p:nvSpPr>
-          <p:cNvPr id="183" name="TextShape 2"/>
-          <p:cNvSpPr txBox="1"/>
-          <p:nvPr/>
-        </p:nvSpPr>
-        <p:spPr>
-          <a:xfrm>
-            <a:off x="405518" y="993913"/>
-            <a:ext cx="8269762" cy="3808676"/>
-          </a:xfrm>
-          <a:prstGeom prst="rect">
-            <a:avLst/>
-          </a:prstGeom>
-          <a:noFill/>
-          <a:ln>
-            <a:noFill/>
-          </a:ln>
-        </p:spPr>
-        <p:txBody>
-          <a:bodyPr tIns="91440" bIns="91440">
-            <a:noAutofit/>
-          </a:bodyPr>
-          <a:lstStyle/>
-          <a:p>
-            <a:pPr marL="387270" indent="-285750">
-              <a:spcBef>
-                <a:spcPts val="400"/>
-              </a:spcBef>
-              <a:buFont typeface="Wingdings" pitchFamily="2" charset="2"/>
-              <a:buChar char="Ø"/>
-            </a:pPr>
-            <a:r>
-              <a:rPr lang="en-US" sz="2000" b="1" dirty="0" smtClean="0"/>
-              <a:t>Manage </a:t>
-            </a:r>
-            <a:r>
-              <a:rPr lang="en-US" sz="2000" b="1" dirty="0"/>
-              <a:t>Production of and Leverage Statistics to Help All Squads to Identify </a:t>
-            </a:r>
-            <a:r>
-              <a:rPr lang="en-US" sz="2000" b="1" dirty="0" err="1"/>
-              <a:t>Zowe</a:t>
-            </a:r>
-            <a:r>
-              <a:rPr lang="en-US" sz="2000" b="1" dirty="0"/>
-              <a:t> Interest, Experimentation, and </a:t>
-            </a:r>
-            <a:r>
-              <a:rPr lang="en-US" sz="2000" b="1" dirty="0" smtClean="0"/>
-              <a:t>Challenges</a:t>
-            </a:r>
-          </a:p>
-          <a:p>
-            <a:pPr marL="844470" lvl="1" indent="-285750">
-              <a:spcBef>
-                <a:spcPts val="400"/>
-              </a:spcBef>
-              <a:buFont typeface="Wingdings" pitchFamily="2" charset="2"/>
-              <a:buChar char="Ø"/>
-            </a:pPr>
-            <a:r>
-              <a:rPr lang="en-US" sz="2000" dirty="0" smtClean="0"/>
-              <a:t>Continue </a:t>
-            </a:r>
-            <a:r>
-              <a:rPr lang="en-US" sz="2000" dirty="0"/>
-              <a:t>maturing statistics process and </a:t>
-            </a:r>
-            <a:r>
-              <a:rPr lang="en-US" sz="2000" dirty="0" smtClean="0"/>
-              <a:t>reporting</a:t>
-            </a:r>
-          </a:p>
-          <a:p>
-            <a:pPr marL="1301670" lvl="2" indent="-285750">
-              <a:spcBef>
-                <a:spcPts val="400"/>
-              </a:spcBef>
-              <a:buFont typeface="Wingdings" pitchFamily="2" charset="2"/>
-              <a:buChar char="Ø"/>
-            </a:pPr>
-            <a:r>
-              <a:rPr lang="en-US" sz="2000" dirty="0" smtClean="0"/>
-              <a:t>Automate </a:t>
-            </a:r>
-            <a:r>
-              <a:rPr lang="en-US" sz="2000" dirty="0"/>
-              <a:t>the monthly statistics report (target </a:t>
-            </a:r>
-            <a:r>
-              <a:rPr lang="en-US" sz="2000" dirty="0" smtClean="0"/>
-              <a:t>12/31)</a:t>
-            </a:r>
-          </a:p>
-          <a:p>
-            <a:pPr marL="1301670" lvl="2" indent="-285750">
-              <a:spcBef>
-                <a:spcPts val="400"/>
-              </a:spcBef>
-              <a:buFont typeface="Wingdings" pitchFamily="2" charset="2"/>
-              <a:buChar char="Ø"/>
-            </a:pPr>
-            <a:r>
-              <a:rPr lang="en-US" sz="2000" dirty="0" smtClean="0"/>
-              <a:t>Brainstorm </a:t>
-            </a:r>
-            <a:r>
-              <a:rPr lang="en-US" sz="2000" dirty="0"/>
-              <a:t>&amp; draft </a:t>
-            </a:r>
-            <a:r>
-              <a:rPr lang="en-US" sz="2000" dirty="0" err="1"/>
-              <a:t>Zowe</a:t>
-            </a:r>
-            <a:r>
-              <a:rPr lang="en-US" sz="2000" dirty="0"/>
-              <a:t> KPIs to help identify trends and  influential activities (target 12/31)</a:t>
-            </a:r>
-          </a:p>
-        </p:txBody>
-      </p:sp>
-    </p:spTree>
-    <p:extLst>
-      <p:ext uri="{BB962C8B-B14F-4D97-AF65-F5344CB8AC3E}">
-        <p14:creationId xmlns:p14="http://schemas.microsoft.com/office/powerpoint/2010/main" val="478070579"/>
-      </p:ext>
-    </p:extLst>
-  </p:cSld>
-  <p:clrMapOvr>
-    <a:masterClrMapping/>
-  </p:clrMapOvr>
-  <p:transition spd="med">
-    <p:fade thruBlk="1"/>
-  </p:transition>
-  <p:timing>
-    <p:tnLst>
-      <p:par>
-        <p:cTn id="1" dur="indefinite" restart="never" nodeType="tmRoot">
-          <p:childTnLst>
-            <p:seq>
-              <p:cTn id="2" dur="indefinite" nodeType="mainSeq"/>
-              <p:prevCondLst>
-                <p:cond evt="onPrev" delay="0">
-                  <p:tgtEl>
-                    <p:sldTgt/>
-                  </p:tgtEl>
-                </p:cond>
-              </p:prevCondLst>
-              <p:nextCondLst>
-                <p:cond evt="onNext" delay="0">
-                  <p:tgtEl>
-                    <p:sldTgt/>
-                  </p:tgtEl>
-                </p:cond>
-              </p:nextCondLst>
-            </p:seq>
-          </p:childTnLst>
-        </p:cTn>
-      </p:par>
-    </p:tnLst>
-  </p:timing>
-</p:sld>
-</file>
-
-<file path=ppt/slides/slide25.xml><?xml version="1.0" encoding="utf-8"?>
-<p:sld xmlns:a="http://schemas.openxmlformats.org/drawingml/2006/main" xmlns:r="http://schemas.openxmlformats.org/officeDocument/2006/relationships" xmlns:p="http://schemas.openxmlformats.org/presentationml/2006/main">
-  <p:cSld>
-    <p:spTree>
-      <p:nvGrpSpPr>
-        <p:cNvPr id="1" name=""/>
-        <p:cNvGrpSpPr/>
-        <p:nvPr/>
-      </p:nvGrpSpPr>
-      <p:grpSpPr>
-        <a:xfrm>
-          <a:off x="0" y="0"/>
-          <a:ext cx="0" cy="0"/>
-          <a:chOff x="0" y="0"/>
-          <a:chExt cx="0" cy="0"/>
-        </a:xfrm>
-      </p:grpSpPr>
-      <p:sp>
-        <p:nvSpPr>
-          <p:cNvPr id="180" name="TextShape 1"/>
-          <p:cNvSpPr txBox="1"/>
-          <p:nvPr/>
-        </p:nvSpPr>
-        <p:spPr>
-          <a:xfrm>
-            <a:off x="334080" y="159480"/>
-            <a:ext cx="7893720" cy="447120"/>
-          </a:xfrm>
-          <a:prstGeom prst="rect">
-            <a:avLst/>
-          </a:prstGeom>
-          <a:noFill/>
-          <a:ln>
-            <a:noFill/>
-          </a:ln>
-        </p:spPr>
-        <p:txBody>
-          <a:bodyPr tIns="91440" bIns="91440" anchor="ctr">
-            <a:noAutofit/>
-          </a:bodyPr>
-          <a:lstStyle/>
-          <a:p>
-            <a:pPr>
-              <a:lnSpc>
-                <a:spcPct val="100000"/>
-              </a:lnSpc>
-            </a:pPr>
-            <a:r>
-              <a:rPr lang="en-US" sz="3000" b="0" strike="noStrike" spc="-1" dirty="0">
-                <a:solidFill>
-                  <a:srgbClr val="262626"/>
-                </a:solidFill>
-                <a:latin typeface="+mj-lt"/>
-                <a:ea typeface="Gill Sans"/>
-              </a:rPr>
-              <a:t>Dependencies</a:t>
-            </a:r>
-            <a:endParaRPr lang="en-US" sz="3000" b="0" strike="noStrike" spc="-1" dirty="0">
-              <a:solidFill>
-                <a:srgbClr val="000000"/>
-              </a:solidFill>
-              <a:latin typeface="+mj-lt"/>
-            </a:endParaRPr>
-          </a:p>
-        </p:txBody>
-      </p:sp>
-      <p:sp>
-        <p:nvSpPr>
-          <p:cNvPr id="181" name="TextShape 2"/>
-          <p:cNvSpPr txBox="1"/>
-          <p:nvPr/>
-        </p:nvSpPr>
-        <p:spPr>
-          <a:xfrm>
-            <a:off x="306360" y="774000"/>
-            <a:ext cx="8368920" cy="4147560"/>
-          </a:xfrm>
-          <a:prstGeom prst="rect">
-            <a:avLst/>
-          </a:prstGeom>
-          <a:noFill/>
-          <a:ln>
-            <a:noFill/>
-          </a:ln>
-        </p:spPr>
-        <p:txBody>
-          <a:bodyPr tIns="91440" bIns="91440">
-            <a:noAutofit/>
-          </a:bodyPr>
-          <a:lstStyle/>
-          <a:p>
-            <a:pPr marL="457200" indent="-355320">
-              <a:lnSpc>
-                <a:spcPct val="100000"/>
-              </a:lnSpc>
-              <a:spcBef>
-                <a:spcPts val="400"/>
-              </a:spcBef>
-              <a:buClr>
-                <a:srgbClr val="000000"/>
-              </a:buClr>
-              <a:buFont typeface="Arial"/>
-              <a:buChar char="•"/>
-            </a:pPr>
-            <a:r>
-              <a:rPr lang="en-US" sz="2000" dirty="0" smtClean="0"/>
-              <a:t>DOC </a:t>
-            </a:r>
-            <a:r>
-              <a:rPr lang="en-US" sz="2000" dirty="0"/>
-              <a:t>Squad: will probably need to collaborate on Web Page </a:t>
-            </a:r>
-            <a:r>
-              <a:rPr lang="en-US" sz="2000" dirty="0" smtClean="0"/>
-              <a:t>modifications</a:t>
-            </a:r>
-            <a:br>
-              <a:rPr lang="en-US" sz="2000" dirty="0" smtClean="0"/>
-            </a:br>
-            <a:endParaRPr lang="en-US" sz="2000" dirty="0" smtClean="0"/>
-          </a:p>
-          <a:p>
-            <a:pPr marL="457200" indent="-355320">
-              <a:lnSpc>
-                <a:spcPct val="100000"/>
-              </a:lnSpc>
-              <a:spcBef>
-                <a:spcPts val="400"/>
-              </a:spcBef>
-              <a:buClr>
-                <a:srgbClr val="000000"/>
-              </a:buClr>
-              <a:buFont typeface="Arial"/>
-              <a:buChar char="•"/>
-            </a:pPr>
-            <a:r>
-              <a:rPr lang="en-US" sz="2000" dirty="0" smtClean="0"/>
-              <a:t>UX </a:t>
-            </a:r>
-            <a:r>
-              <a:rPr lang="en-US" sz="2000" dirty="0"/>
-              <a:t>Designers: welcome their input on web page </a:t>
-            </a:r>
-            <a:r>
-              <a:rPr lang="en-US" sz="2000" dirty="0" smtClean="0"/>
-              <a:t>design</a:t>
-            </a:r>
-            <a:br>
-              <a:rPr lang="en-US" sz="2000" dirty="0" smtClean="0"/>
-            </a:br>
-            <a:endParaRPr lang="en-US" sz="2000" dirty="0" smtClean="0"/>
-          </a:p>
-          <a:p>
-            <a:pPr marL="457200" indent="-355320">
-              <a:lnSpc>
-                <a:spcPct val="100000"/>
-              </a:lnSpc>
-              <a:spcBef>
-                <a:spcPts val="400"/>
-              </a:spcBef>
-              <a:buClr>
-                <a:srgbClr val="000000"/>
-              </a:buClr>
-              <a:buFont typeface="Arial"/>
-              <a:buChar char="•"/>
-            </a:pPr>
-            <a:r>
-              <a:rPr lang="en-US" sz="2000" dirty="0" smtClean="0"/>
-              <a:t>CLI</a:t>
-            </a:r>
-            <a:r>
-              <a:rPr lang="en-US" sz="2000" dirty="0"/>
-              <a:t>, API, Web UI, </a:t>
-            </a:r>
-            <a:r>
-              <a:rPr lang="en-US" sz="2000" dirty="0" err="1"/>
-              <a:t>etc</a:t>
-            </a:r>
-            <a:r>
-              <a:rPr lang="en-US" sz="2000" dirty="0"/>
-              <a:t>: Squad leads for their input on the "request for demo" deliverable</a:t>
-            </a:r>
-          </a:p>
-        </p:txBody>
-      </p:sp>
-    </p:spTree>
-    <p:extLst>
-      <p:ext uri="{BB962C8B-B14F-4D97-AF65-F5344CB8AC3E}">
-        <p14:creationId xmlns:p14="http://schemas.microsoft.com/office/powerpoint/2010/main" val="3546241616"/>
-      </p:ext>
-    </p:extLst>
-  </p:cSld>
-  <p:clrMapOvr>
-    <a:masterClrMapping/>
-  </p:clrMapOvr>
-  <p:transition spd="med">
-    <p:fade thruBlk="1"/>
-  </p:transition>
-  <p:timing>
-    <p:tnLst>
-      <p:par>
-        <p:cTn id="1" dur="indefinite" restart="never" nodeType="tmRoot">
-          <p:childTnLst>
-            <p:seq>
-              <p:cTn id="2" dur="indefinite" nodeType="mainSeq"/>
-              <p:prevCondLst>
-                <p:cond evt="onPrev" delay="0">
-                  <p:tgtEl>
-                    <p:sldTgt/>
-                  </p:tgtEl>
-                </p:cond>
-              </p:prevCondLst>
-              <p:nextCondLst>
-                <p:cond evt="onNext" delay="0">
-                  <p:tgtEl>
-                    <p:sldTgt/>
-                  </p:tgtEl>
-                </p:cond>
-              </p:nextCondLst>
-            </p:seq>
-          </p:childTnLst>
-        </p:cTn>
-      </p:par>
-    </p:tnLst>
-  </p:timing>
-</p:sld>
-</file>
-
-<file path=ppt/slides/slide26.xml><?xml version="1.0" encoding="utf-8"?>
-<p:sld xmlns:a="http://schemas.openxmlformats.org/drawingml/2006/main" xmlns:r="http://schemas.openxmlformats.org/officeDocument/2006/relationships" xmlns:p="http://schemas.openxmlformats.org/presentationml/2006/main">
-  <p:cSld>
-    <p:spTree>
-      <p:nvGrpSpPr>
-        <p:cNvPr id="1" name=""/>
-        <p:cNvGrpSpPr/>
-        <p:nvPr/>
-      </p:nvGrpSpPr>
-      <p:grpSpPr>
-        <a:xfrm>
-          <a:off x="0" y="0"/>
-          <a:ext cx="0" cy="0"/>
-          <a:chOff x="0" y="0"/>
-          <a:chExt cx="0" cy="0"/>
-        </a:xfrm>
-      </p:grpSpPr>
-      <p:sp>
-        <p:nvSpPr>
           <p:cNvPr id="188" name="TextShape 1"/>
           <p:cNvSpPr txBox="1"/>
           <p:nvPr/>
@@ -16569,7 +16060,7 @@
 </p:sld>
 </file>
 
-<file path=ppt/slides/slide27.xml><?xml version="1.0" encoding="utf-8"?>
+<file path=ppt/slides/slide25.xml><?xml version="1.0" encoding="utf-8"?>
 <p:sld xmlns:a="http://schemas.openxmlformats.org/drawingml/2006/main" xmlns:r="http://schemas.openxmlformats.org/officeDocument/2006/relationships" xmlns:p="http://schemas.openxmlformats.org/presentationml/2006/main">
   <p:cSld>
     <p:spTree>
@@ -16850,17 +16341,9 @@
                   <a:srgbClr val="000000"/>
                 </a:solidFill>
               </a:rPr>
-              <a:t> Explorer Squad </a:t>
-            </a:r>
-            <a:r>
-              <a:rPr lang="en-US" sz="2000" spc="-1" dirty="0" smtClean="0">
-                <a:solidFill>
-                  <a:srgbClr val="000000"/>
-                </a:solidFill>
-              </a:rPr>
-              <a:t>Focus</a:t>
-            </a:r>
-            <a:endParaRPr lang="en-US" sz="2000" b="0" strike="noStrike" spc="-1" dirty="0" smtClean="0">
+              <a:t> Explorer Squad Focus</a:t>
+            </a:r>
+            <a:endParaRPr lang="en-US" sz="2000" b="0" strike="noStrike" spc="-1" dirty="0">
               <a:solidFill>
                 <a:srgbClr val="000000"/>
               </a:solidFill>
@@ -16883,7 +16366,7 @@
               <a:buChar char="•"/>
             </a:pPr>
             <a:r>
-              <a:rPr lang="en-US" sz="2000" spc="-1" dirty="0" err="1" smtClean="0">
+              <a:rPr lang="en-US" sz="2000" spc="-1" dirty="0" err="1">
                 <a:solidFill>
                   <a:srgbClr val="000000"/>
                 </a:solidFill>
@@ -16892,22 +16375,13 @@
               <a:t>Zowe</a:t>
             </a:r>
             <a:r>
-              <a:rPr lang="en-US" sz="2000" spc="-1" dirty="0" smtClean="0">
+              <a:rPr lang="en-US" sz="2000" spc="-1" dirty="0">
                 <a:solidFill>
                   <a:srgbClr val="000000"/>
                 </a:solidFill>
                 <a:latin typeface="+mj-lt"/>
               </a:rPr>
-              <a:t> </a:t>
-            </a:r>
-            <a:r>
-              <a:rPr lang="en-US" sz="2000" spc="-1" dirty="0" smtClean="0">
-                <a:solidFill>
-                  <a:srgbClr val="000000"/>
-                </a:solidFill>
-                <a:latin typeface="+mj-lt"/>
-              </a:rPr>
-              <a:t>CLI Squad Focus</a:t>
+              <a:t> CLI Squad Focus</a:t>
             </a:r>
           </a:p>
           <a:p>
@@ -16951,7 +16425,7 @@
               <a:buChar char="•"/>
             </a:pPr>
             <a:r>
-              <a:rPr lang="en-US" sz="2000" b="0" strike="noStrike" spc="-1" dirty="0" err="1" smtClean="0">
+              <a:rPr lang="en-US" sz="2000" b="0" strike="noStrike" spc="-1" dirty="0" err="1">
                 <a:solidFill>
                   <a:srgbClr val="000000"/>
                 </a:solidFill>
@@ -16960,22 +16434,13 @@
               <a:t>Zowe</a:t>
             </a:r>
             <a:r>
-              <a:rPr lang="en-US" sz="2000" b="0" strike="noStrike" spc="-1" dirty="0" smtClean="0">
+              <a:rPr lang="en-US" sz="2000" b="0" strike="noStrike" spc="-1" dirty="0">
                 <a:solidFill>
                   <a:srgbClr val="000000"/>
                 </a:solidFill>
                 <a:latin typeface="+mj-lt"/>
               </a:rPr>
-              <a:t> </a:t>
-            </a:r>
-            <a:r>
-              <a:rPr lang="en-US" sz="2000" b="0" strike="noStrike" spc="-1" dirty="0" smtClean="0">
-                <a:solidFill>
-                  <a:srgbClr val="000000"/>
-                </a:solidFill>
-                <a:latin typeface="+mj-lt"/>
-              </a:rPr>
-              <a:t>Onboarding Squad Focus</a:t>
+              <a:t> Onboarding Squad Focus</a:t>
             </a:r>
           </a:p>
           <a:p>
@@ -17149,7 +16614,7 @@
               </a:spcBef>
             </a:pPr>
             <a:r>
-              <a:rPr lang="en-US" sz="3000" b="1" spc="-1" dirty="0" err="1" smtClean="0">
+              <a:rPr lang="en-US" sz="3000" b="1" spc="-1" dirty="0" err="1">
                 <a:solidFill>
                   <a:srgbClr val="000000"/>
                 </a:solidFill>
@@ -17160,7 +16625,7 @@
               <a:t>Zowe</a:t>
             </a:r>
             <a:r>
-              <a:rPr lang="en-US" sz="3000" b="1" spc="-1" dirty="0" smtClean="0">
+              <a:rPr lang="en-US" sz="3000" b="1" spc="-1" dirty="0">
                 <a:solidFill>
                   <a:srgbClr val="000000"/>
                 </a:solidFill>
@@ -17168,18 +16633,7 @@
                 <a:ea typeface="Arial"/>
                 <a:cs typeface="Arial" panose="020B0604020202020204" pitchFamily="34" charset="0"/>
               </a:rPr>
-              <a:t> Explorer </a:t>
-            </a:r>
-            <a:r>
-              <a:rPr lang="en-US" sz="3000" b="1" spc="-1" dirty="0">
-                <a:solidFill>
-                  <a:srgbClr val="000000"/>
-                </a:solidFill>
-                <a:latin typeface="Arial" panose="020B0604020202020204" pitchFamily="34" charset="0"/>
-                <a:ea typeface="Arial"/>
-                <a:cs typeface="Arial" panose="020B0604020202020204" pitchFamily="34" charset="0"/>
-              </a:rPr>
-              <a:t>Squad Focus</a:t>
+              <a:t> Explorer Squad Focus</a:t>
             </a:r>
             <a:endParaRPr lang="en-US" sz="3000" spc="-1" dirty="0">
               <a:solidFill>
@@ -17364,7 +16818,7 @@
               </a:lnSpc>
             </a:pPr>
             <a:r>
-              <a:rPr lang="en-US" sz="2800" b="0" strike="noStrike" spc="-1" dirty="0" smtClean="0">
+              <a:rPr lang="en-US" sz="2800" b="0" strike="noStrike" spc="-1" dirty="0">
                 <a:solidFill>
                   <a:srgbClr val="262626"/>
                 </a:solidFill>
@@ -17429,19 +16883,10 @@
                 </a:solidFill>
                 <a:latin typeface="+mj-lt"/>
               </a:rPr>
-              <a:t>Continue work on extensibility API and conformance </a:t>
-            </a:r>
-            <a:r>
-              <a:rPr lang="en-US" sz="2000" spc="-1" dirty="0" smtClean="0">
-                <a:solidFill>
-                  <a:srgbClr val="000000"/>
-                </a:solidFill>
-                <a:latin typeface="+mj-lt"/>
-              </a:rPr>
-              <a:t>rules </a:t>
-            </a:r>
-            <a:r>
-              <a:rPr lang="en-US" sz="2000" spc="-1" dirty="0" smtClean="0">
+              <a:t>Continue work on extensibility API and conformance rules </a:t>
+            </a:r>
+            <a:r>
+              <a:rPr lang="en-US" sz="2000" spc="-1" dirty="0">
                 <a:solidFill>
                   <a:srgbClr val="000000"/>
                 </a:solidFill>
@@ -17450,7 +16895,7 @@
               </a:rPr>
               <a:t>#837</a:t>
             </a:r>
-            <a:endParaRPr lang="en-US" sz="2000" spc="-1" dirty="0" smtClean="0">
+            <a:endParaRPr lang="en-US" sz="2000" spc="-1" dirty="0">
               <a:solidFill>
                 <a:srgbClr val="000000"/>
               </a:solidFill>
@@ -17513,12 +16958,6 @@
               </a:rPr>
               <a:t>, remove UI code) </a:t>
             </a:r>
-            <a:endParaRPr lang="en-US" sz="2000" spc="-1" dirty="0" smtClean="0">
-              <a:solidFill>
-                <a:srgbClr val="000000"/>
-              </a:solidFill>
-              <a:latin typeface="+mj-lt"/>
-            </a:endParaRPr>
           </a:p>
           <a:p>
             <a:pPr marL="914400" lvl="1" indent="-355320">
@@ -17532,13 +16971,22 @@
               <a:buChar char="•"/>
             </a:pPr>
             <a:r>
-              <a:rPr lang="en-US" sz="2000" spc="-1" dirty="0" smtClean="0">
+              <a:rPr lang="en-US" sz="2000" spc="-1" dirty="0">
                 <a:solidFill>
                   <a:srgbClr val="000000"/>
                 </a:solidFill>
                 <a:latin typeface="+mj-lt"/>
               </a:rPr>
-              <a:t>API </a:t>
+              <a:t>API governance for </a:t>
+            </a:r>
+            <a:r>
+              <a:rPr lang="en-US" sz="2000" spc="-1" dirty="0" err="1">
+                <a:solidFill>
+                  <a:srgbClr val="000000"/>
+                </a:solidFill>
+                <a:latin typeface="+mj-lt"/>
+              </a:rPr>
+              <a:t>Zowe</a:t>
             </a:r>
             <a:r>
               <a:rPr lang="en-US" sz="2000" spc="-1" dirty="0">
@@ -17547,7 +16995,7 @@
                 </a:solidFill>
                 <a:latin typeface="+mj-lt"/>
               </a:rPr>
-              <a:t>governance for </a:t>
+              <a:t> committers (explore automation: e.g. search for the string “</a:t>
             </a:r>
             <a:r>
               <a:rPr lang="en-US" sz="2000" spc="-1" dirty="0" err="1">
@@ -17556,7 +17004,7 @@
                 </a:solidFill>
                 <a:latin typeface="+mj-lt"/>
               </a:rPr>
-              <a:t>Zowe</a:t>
+              <a:t>zosmf</a:t>
             </a:r>
             <a:r>
               <a:rPr lang="en-US" sz="2000" spc="-1" dirty="0">
@@ -17565,7 +17013,7 @@
                 </a:solidFill>
                 <a:latin typeface="+mj-lt"/>
               </a:rPr>
-              <a:t> committers (explore automation: e.g. search for the string “</a:t>
+              <a:t>”, perhaps via </a:t>
             </a:r>
             <a:r>
               <a:rPr lang="en-US" sz="2000" spc="-1" dirty="0" err="1">
@@ -17574,7 +17022,7 @@
                 </a:solidFill>
                 <a:latin typeface="+mj-lt"/>
               </a:rPr>
-              <a:t>zosmf</a:t>
+              <a:t>ESLint</a:t>
             </a:r>
             <a:r>
               <a:rPr lang="en-US" sz="2000" spc="-1" dirty="0">
@@ -17583,32 +17031,8 @@
                 </a:solidFill>
                 <a:latin typeface="+mj-lt"/>
               </a:rPr>
-              <a:t>”, perhaps via </a:t>
-            </a:r>
-            <a:r>
-              <a:rPr lang="en-US" sz="2000" spc="-1" dirty="0" err="1">
-                <a:solidFill>
-                  <a:srgbClr val="000000"/>
-                </a:solidFill>
-                <a:latin typeface="+mj-lt"/>
-              </a:rPr>
-              <a:t>ESLint</a:t>
-            </a:r>
-            <a:r>
-              <a:rPr lang="en-US" sz="2000" spc="-1" dirty="0" smtClean="0">
-                <a:solidFill>
-                  <a:srgbClr val="000000"/>
-                </a:solidFill>
-                <a:latin typeface="+mj-lt"/>
-              </a:rPr>
               <a:t>)</a:t>
             </a:r>
-            <a:endParaRPr lang="en-US" sz="2000" spc="-1" dirty="0">
-              <a:solidFill>
-                <a:srgbClr val="000000"/>
-              </a:solidFill>
-              <a:latin typeface="+mj-lt"/>
-            </a:endParaRPr>
           </a:p>
           <a:p>
             <a:pPr marL="457200" indent="-355320">
@@ -17622,13 +17046,22 @@
               <a:buChar char="•"/>
             </a:pPr>
             <a:r>
-              <a:rPr lang="en-US" sz="2000" spc="-1" dirty="0" smtClean="0">
+              <a:rPr lang="en-US" sz="2000" spc="-1" dirty="0">
                 <a:solidFill>
                   <a:srgbClr val="000000"/>
                 </a:solidFill>
                 <a:latin typeface="+mj-lt"/>
               </a:rPr>
-              <a:t>Code </a:t>
+              <a:t>Code formatting and </a:t>
+            </a:r>
+            <a:r>
+              <a:rPr lang="en-US" sz="2000" spc="-1" dirty="0" err="1">
+                <a:solidFill>
+                  <a:srgbClr val="000000"/>
+                </a:solidFill>
+                <a:latin typeface="+mj-lt"/>
+              </a:rPr>
+              <a:t>linting</a:t>
             </a:r>
             <a:r>
               <a:rPr lang="en-US" sz="2000" spc="-1" dirty="0">
@@ -17637,28 +17070,10 @@
                 </a:solidFill>
                 <a:latin typeface="+mj-lt"/>
               </a:rPr>
-              <a:t>formatting and </a:t>
-            </a:r>
-            <a:r>
-              <a:rPr lang="en-US" sz="2000" spc="-1" dirty="0" err="1" smtClean="0">
-                <a:solidFill>
-                  <a:srgbClr val="000000"/>
-                </a:solidFill>
-                <a:latin typeface="+mj-lt"/>
-              </a:rPr>
-              <a:t>linting</a:t>
-            </a:r>
-            <a:r>
-              <a:rPr lang="en-US" sz="2000" spc="-1" dirty="0" smtClean="0">
-                <a:solidFill>
-                  <a:srgbClr val="000000"/>
-                </a:solidFill>
-                <a:latin typeface="+mj-lt"/>
-              </a:rPr>
               <a:t> </a:t>
             </a:r>
             <a:r>
-              <a:rPr lang="en-US" sz="2000" spc="-1" dirty="0" smtClean="0">
+              <a:rPr lang="en-US" sz="2000" spc="-1" dirty="0">
                 <a:solidFill>
                   <a:srgbClr val="000000"/>
                 </a:solidFill>
@@ -17686,31 +17101,13 @@
               <a:buChar char="•"/>
             </a:pPr>
             <a:r>
-              <a:rPr lang="en-US" sz="2000" spc="-1" dirty="0" smtClean="0">
+              <a:rPr lang="en-US" sz="2000" spc="-1" dirty="0">
                 <a:solidFill>
                   <a:srgbClr val="000000"/>
                 </a:solidFill>
                 <a:latin typeface="+mj-lt"/>
               </a:rPr>
-              <a:t>Ensure </a:t>
-            </a:r>
-            <a:r>
-              <a:rPr lang="en-US" sz="2000" spc="-1" dirty="0">
-                <a:solidFill>
-                  <a:srgbClr val="000000"/>
-                </a:solidFill>
-                <a:latin typeface="+mj-lt"/>
-              </a:rPr>
-              <a:t>consistency for </a:t>
-            </a:r>
-            <a:r>
-              <a:rPr lang="en-US" sz="2000" spc="-1" dirty="0" smtClean="0">
-                <a:solidFill>
-                  <a:srgbClr val="000000"/>
-                </a:solidFill>
-                <a:latin typeface="+mj-lt"/>
-              </a:rPr>
-              <a:t>extenders</a:t>
+              <a:t>Ensure consistency for extenders</a:t>
             </a:r>
           </a:p>
           <a:p>
@@ -17731,37 +17128,10 @@
                 </a:solidFill>
                 <a:latin typeface="+mj-lt"/>
               </a:rPr>
-              <a:t>MVS </a:t>
-            </a:r>
-            <a:r>
-              <a:rPr lang="en-US" sz="2000" spc="-1" dirty="0" smtClean="0">
-                <a:solidFill>
-                  <a:srgbClr val="000000"/>
-                </a:solidFill>
-                <a:latin typeface="+mj-lt"/>
-              </a:rPr>
-              <a:t>functionality for </a:t>
+              <a:t>MVS functionality for FTP Package </a:t>
             </a:r>
             <a:r>
               <a:rPr lang="en-US" sz="2000" spc="-1" dirty="0">
-                <a:solidFill>
-                  <a:srgbClr val="000000"/>
-                </a:solidFill>
-                <a:latin typeface="+mj-lt"/>
-              </a:rPr>
-              <a:t>FTP </a:t>
-            </a:r>
-            <a:r>
-              <a:rPr lang="en-US" sz="2000" spc="-1" dirty="0" smtClean="0">
-                <a:solidFill>
-                  <a:srgbClr val="000000"/>
-                </a:solidFill>
-                <a:latin typeface="+mj-lt"/>
-              </a:rPr>
-              <a:t>Package </a:t>
-            </a:r>
-            <a:r>
-              <a:rPr lang="en-US" sz="2000" spc="-1" dirty="0" smtClean="0">
                 <a:solidFill>
                   <a:srgbClr val="000000"/>
                 </a:solidFill>
@@ -17795,19 +17165,10 @@
                 </a:solidFill>
                 <a:latin typeface="+mj-lt"/>
               </a:rPr>
-              <a:t>Test automation for FTP </a:t>
-            </a:r>
-            <a:r>
-              <a:rPr lang="en-US" sz="2000" spc="-1" dirty="0" smtClean="0">
-                <a:solidFill>
-                  <a:srgbClr val="000000"/>
-                </a:solidFill>
-                <a:latin typeface="+mj-lt"/>
-              </a:rPr>
-              <a:t>package </a:t>
-            </a:r>
-            <a:r>
-              <a:rPr lang="en-US" sz="2000" spc="-1" dirty="0" smtClean="0">
+              <a:t>Test automation for FTP package </a:t>
+            </a:r>
+            <a:r>
+              <a:rPr lang="en-US" sz="2000" spc="-1" dirty="0">
                 <a:solidFill>
                   <a:srgbClr val="000000"/>
                 </a:solidFill>
@@ -17916,7 +17277,7 @@
               </a:lnSpc>
             </a:pPr>
             <a:r>
-              <a:rPr lang="en-US" sz="2800" b="0" strike="noStrike" spc="-1" dirty="0" smtClean="0">
+              <a:rPr lang="en-US" sz="2800" b="0" strike="noStrike" spc="-1" dirty="0">
                 <a:solidFill>
                   <a:srgbClr val="262626"/>
                 </a:solidFill>
@@ -17975,34 +17336,16 @@
               <a:buChar char="•"/>
             </a:pPr>
             <a:r>
-              <a:rPr lang="en-US" sz="2000" spc="-1" dirty="0" smtClean="0">
+              <a:rPr lang="en-US" sz="2000" spc="-1" dirty="0">
                 <a:solidFill>
                   <a:srgbClr val="000000"/>
                 </a:solidFill>
                 <a:latin typeface="+mj-lt"/>
               </a:rPr>
-              <a:t>Profile </a:t>
+              <a:t>Profile manager development </a:t>
             </a:r>
             <a:r>
               <a:rPr lang="en-US" sz="2000" spc="-1" dirty="0">
-                <a:solidFill>
-                  <a:srgbClr val="000000"/>
-                </a:solidFill>
-                <a:latin typeface="+mj-lt"/>
-              </a:rPr>
-              <a:t>manager </a:t>
-            </a:r>
-            <a:r>
-              <a:rPr lang="en-US" sz="2000" spc="-1" dirty="0" smtClean="0">
-                <a:solidFill>
-                  <a:srgbClr val="000000"/>
-                </a:solidFill>
-                <a:latin typeface="+mj-lt"/>
-              </a:rPr>
-              <a:t>development </a:t>
-            </a:r>
-            <a:r>
-              <a:rPr lang="en-US" sz="2000" spc="-1" dirty="0" smtClean="0">
                 <a:solidFill>
                   <a:srgbClr val="000000"/>
                 </a:solidFill>
@@ -18011,7 +17354,7 @@
               </a:rPr>
               <a:t>#423</a:t>
             </a:r>
-            <a:endParaRPr lang="en-US" sz="2000" spc="-1" dirty="0" smtClean="0">
+            <a:endParaRPr lang="en-US" sz="2000" spc="-1" dirty="0">
               <a:solidFill>
                 <a:srgbClr val="000000"/>
               </a:solidFill>
@@ -18033,7 +17376,7 @@
               <a:buChar char="•"/>
             </a:pPr>
             <a:r>
-              <a:rPr lang="en-US" sz="2000" spc="-1" dirty="0" smtClean="0">
+              <a:rPr lang="en-US" sz="2000" spc="-1" dirty="0">
                 <a:solidFill>
                   <a:srgbClr val="000000"/>
                 </a:solidFill>
@@ -18042,7 +17385,7 @@
               <a:t>Profile type annotation </a:t>
             </a:r>
             <a:r>
-              <a:rPr lang="en-US" sz="2000" spc="-1" dirty="0" smtClean="0">
+              <a:rPr lang="en-US" sz="2000" spc="-1" dirty="0">
                 <a:solidFill>
                   <a:srgbClr val="000000"/>
                 </a:solidFill>
@@ -18051,7 +17394,7 @@
               </a:rPr>
               <a:t>#1025</a:t>
             </a:r>
-            <a:endParaRPr lang="en-US" sz="2000" spc="-1" dirty="0" smtClean="0">
+            <a:endParaRPr lang="en-US" sz="2000" spc="-1" dirty="0">
               <a:solidFill>
                 <a:srgbClr val="000000"/>
               </a:solidFill>
@@ -18079,19 +17422,10 @@
                 </a:solidFill>
                 <a:latin typeface="+mj-lt"/>
               </a:rPr>
-              <a:t>Filter partitioned data sets by </a:t>
-            </a:r>
-            <a:r>
-              <a:rPr lang="en-US" sz="2000" spc="-1" dirty="0" smtClean="0">
-                <a:solidFill>
-                  <a:srgbClr val="000000"/>
-                </a:solidFill>
-                <a:latin typeface="+mj-lt"/>
-              </a:rPr>
-              <a:t>pattern </a:t>
-            </a:r>
-            <a:r>
-              <a:rPr lang="en-US" sz="2000" spc="-1" dirty="0" smtClean="0">
+              <a:t>Filter partitioned data sets by pattern </a:t>
+            </a:r>
+            <a:r>
+              <a:rPr lang="en-US" sz="2000" spc="-1" dirty="0">
                 <a:solidFill>
                   <a:srgbClr val="000000"/>
                 </a:solidFill>
@@ -18100,7 +17434,7 @@
               </a:rPr>
               <a:t>#868</a:t>
             </a:r>
-            <a:endParaRPr lang="en-US" sz="2000" spc="-1" dirty="0" smtClean="0">
+            <a:endParaRPr lang="en-US" sz="2000" spc="-1" dirty="0">
               <a:solidFill>
                 <a:srgbClr val="000000"/>
               </a:solidFill>
@@ -18127,50 +17461,26 @@
                   <a:srgbClr val="000000"/>
                 </a:solidFill>
               </a:rPr>
-              <a:t>Refactor </a:t>
-            </a:r>
-            <a:r>
-              <a:rPr lang="en-US" sz="2000" spc="-1" dirty="0" smtClean="0">
+              <a:t>Refactor profile APIs (</a:t>
+            </a:r>
+            <a:r>
+              <a:rPr lang="en-US" sz="2000" spc="-1" dirty="0" err="1">
                 <a:solidFill>
                   <a:srgbClr val="000000"/>
                 </a:solidFill>
               </a:rPr>
-              <a:t>profile APIs (</a:t>
-            </a:r>
-            <a:r>
-              <a:rPr lang="en-US" sz="2000" spc="-1" dirty="0" err="1" smtClean="0">
+              <a:t>Profiles.ts</a:t>
+            </a:r>
+            <a:r>
+              <a:rPr lang="en-US" sz="2000" spc="-1" dirty="0">
                 <a:solidFill>
                   <a:srgbClr val="000000"/>
                 </a:solidFill>
               </a:rPr>
-              <a:t>Profiles.ts</a:t>
-            </a:r>
-            <a:r>
-              <a:rPr lang="en-US" sz="2000" spc="-1" dirty="0" smtClean="0">
-                <a:solidFill>
-                  <a:srgbClr val="000000"/>
-                </a:solidFill>
-              </a:rPr>
-              <a:t>) </a:t>
+              <a:t>) to address significant issues </a:t>
             </a:r>
             <a:r>
               <a:rPr lang="en-US" sz="2000" spc="-1" dirty="0">
-                <a:solidFill>
-                  <a:srgbClr val="000000"/>
-                </a:solidFill>
-              </a:rPr>
-              <a:t>to address significant </a:t>
-            </a:r>
-            <a:r>
-              <a:rPr lang="en-US" sz="2000" spc="-1" dirty="0" smtClean="0">
-                <a:solidFill>
-                  <a:srgbClr val="000000"/>
-                </a:solidFill>
-              </a:rPr>
-              <a:t>issues </a:t>
-            </a:r>
-            <a:r>
-              <a:rPr lang="en-US" sz="2000" spc="-1" dirty="0" smtClean="0">
                 <a:solidFill>
                   <a:srgbClr val="000000"/>
                 </a:solidFill>
@@ -18201,15 +17511,7 @@
                   <a:srgbClr val="000000"/>
                 </a:solidFill>
               </a:rPr>
-              <a:t>Empty fields in profiles (user and password) </a:t>
-            </a:r>
-            <a:r>
-              <a:rPr lang="en-US" sz="2000" spc="-1" dirty="0" smtClean="0">
-                <a:solidFill>
-                  <a:srgbClr val="000000"/>
-                </a:solidFill>
-              </a:rPr>
-              <a:t>bug</a:t>
+              <a:t>Empty fields in profiles (user and password) bug</a:t>
             </a:r>
           </a:p>
           <a:p>
@@ -18224,28 +17526,12 @@
               <a:buChar char="•"/>
             </a:pPr>
             <a:r>
-              <a:rPr lang="en-US" sz="2000" spc="-1" dirty="0" smtClean="0">
+              <a:rPr lang="en-US" sz="2000" spc="-1" dirty="0">
                 <a:solidFill>
                   <a:srgbClr val="000000"/>
                 </a:solidFill>
               </a:rPr>
-              <a:t>First </a:t>
-            </a:r>
-            <a:r>
-              <a:rPr lang="en-US" sz="2000" spc="-1" dirty="0">
-                <a:solidFill>
-                  <a:srgbClr val="000000"/>
-                </a:solidFill>
-              </a:rPr>
-              <a:t>profile not created as </a:t>
-            </a:r>
-            <a:r>
-              <a:rPr lang="en-US" sz="2000" spc="-1" dirty="0" smtClean="0">
-                <a:solidFill>
-                  <a:srgbClr val="000000"/>
-                </a:solidFill>
-              </a:rPr>
-              <a:t>default (Impacts CLI users)</a:t>
+              <a:t>First profile not created as default (Impacts CLI users)</a:t>
             </a:r>
           </a:p>
           <a:p>
@@ -18260,7 +17546,7 @@
               <a:buChar char="•"/>
             </a:pPr>
             <a:r>
-              <a:rPr lang="en-US" sz="2000" spc="-1" dirty="0" smtClean="0">
+              <a:rPr lang="en-US" sz="2000" spc="-1" dirty="0">
                 <a:solidFill>
                   <a:srgbClr val="000000"/>
                 </a:solidFill>
@@ -18268,7 +17554,7 @@
               <a:t>Filter partitioned datasets by pattern </a:t>
             </a:r>
             <a:r>
-              <a:rPr lang="en-US" sz="2000" spc="-1" dirty="0" smtClean="0">
+              <a:rPr lang="en-US" sz="2000" spc="-1" dirty="0">
                 <a:solidFill>
                   <a:srgbClr val="000000"/>
                 </a:solidFill>
@@ -18276,7 +17562,7 @@
               </a:rPr>
               <a:t>#868</a:t>
             </a:r>
-            <a:endParaRPr lang="en-US" sz="2000" spc="-1" dirty="0" smtClean="0">
+            <a:endParaRPr lang="en-US" sz="2000" spc="-1" dirty="0">
               <a:solidFill>
                 <a:srgbClr val="000000"/>
               </a:solidFill>
@@ -18299,18 +17585,10 @@
                   <a:srgbClr val="000000"/>
                 </a:solidFill>
               </a:rPr>
-              <a:t>Allow for multiple selection and deletion of jobs, members etc</a:t>
-            </a:r>
-            <a:r>
-              <a:rPr lang="en-US" sz="2000" spc="-1" dirty="0" smtClean="0">
-                <a:solidFill>
-                  <a:srgbClr val="000000"/>
-                </a:solidFill>
-              </a:rPr>
-              <a:t>. </a:t>
-            </a:r>
-            <a:r>
-              <a:rPr lang="en-US" sz="2000" spc="-1" dirty="0" smtClean="0">
+              <a:t>Allow for multiple selection and deletion of jobs, members etc. </a:t>
+            </a:r>
+            <a:r>
+              <a:rPr lang="en-US" sz="2000" spc="-1" dirty="0">
                 <a:solidFill>
                   <a:srgbClr val="000000"/>
                 </a:solidFill>
@@ -18338,7 +17616,7 @@
               <a:buFont typeface="Arial"/>
               <a:buChar char="•"/>
             </a:pPr>
-            <a:endParaRPr lang="en-US" sz="2000" spc="-1" dirty="0" smtClean="0">
+            <a:endParaRPr lang="en-US" sz="2000" spc="-1" dirty="0">
               <a:solidFill>
                 <a:srgbClr val="000000"/>
               </a:solidFill>
@@ -18577,7 +17855,7 @@
               </a:lnSpc>
             </a:pPr>
             <a:r>
-              <a:rPr lang="en-US" sz="3000" spc="-1" dirty="0" err="1" smtClean="0">
+              <a:rPr lang="en-US" sz="3000" spc="-1" dirty="0" err="1">
                 <a:solidFill>
                   <a:srgbClr val="262626"/>
                 </a:solidFill>
@@ -18586,7 +17864,7 @@
               <a:t>Zowe</a:t>
             </a:r>
             <a:r>
-              <a:rPr lang="en-US" sz="3000" spc="-1" dirty="0" smtClean="0">
+              <a:rPr lang="en-US" sz="3000" spc="-1" dirty="0">
                 <a:solidFill>
                   <a:srgbClr val="262626"/>
                 </a:solidFill>
@@ -18635,7 +17913,7 @@
               <a:buChar char="Ø"/>
             </a:pPr>
             <a:r>
-              <a:rPr lang="en-US" sz="2000" dirty="0" smtClean="0"/>
+              <a:rPr lang="en-US" sz="2000" dirty="0"/>
               <a:t>Validate </a:t>
             </a:r>
             <a:r>
@@ -18644,16 +17922,12 @@
             </a:r>
             <a:r>
               <a:rPr lang="en-US" sz="2000" dirty="0"/>
-              <a:t> CLI on Node v14. Node v14 becomes LTS on </a:t>
-            </a:r>
-            <a:r>
-              <a:rPr lang="en-US" sz="2000" dirty="0" smtClean="0"/>
-              <a:t>10/27.</a:t>
+              <a:t> CLI on Node v14. Node v14 becomes LTS on 10/27.</a:t>
             </a:r>
             <a:br>
-              <a:rPr lang="en-US" sz="2000" dirty="0" smtClean="0"/>
+              <a:rPr lang="en-US" sz="2000" dirty="0"/>
             </a:br>
-            <a:endParaRPr lang="en-US" sz="2000" dirty="0" smtClean="0"/>
+            <a:endParaRPr lang="en-US" sz="2000" dirty="0"/>
           </a:p>
           <a:p>
             <a:pPr marL="387270" indent="-285750">
@@ -18664,12 +17938,8 @@
               <a:buChar char="Ø"/>
             </a:pPr>
             <a:r>
-              <a:rPr lang="en-US" sz="2000" dirty="0" smtClean="0"/>
-              <a:t>Project </a:t>
-            </a:r>
-            <a:r>
               <a:rPr lang="en-US" sz="2000" dirty="0"/>
-              <a:t>based CLI profiles. Implement design determined in </a:t>
+              <a:t>Project based CLI profiles. Implement design determined in </a:t>
             </a:r>
             <a:r>
               <a:rPr lang="en-US" sz="2000" dirty="0">
@@ -18679,16 +17949,12 @@
             </a:r>
             <a:r>
               <a:rPr lang="en-US" sz="2000" dirty="0"/>
-              <a:t> to allow for a single profile that stores information commonly needed for core + plug-ins. The goal is to allow for users to more easily store profiles in source control, share profiles with others, and update profile </a:t>
-            </a:r>
-            <a:r>
-              <a:rPr lang="en-US" sz="2000" dirty="0" smtClean="0"/>
-              <a:t>settings.</a:t>
+              <a:t> to allow for a single profile that stores information commonly needed for core + plug-ins. The goal is to allow for users to more easily store profiles in source control, share profiles with others, and update profile settings.</a:t>
             </a:r>
             <a:br>
-              <a:rPr lang="en-US" sz="2000" dirty="0" smtClean="0"/>
+              <a:rPr lang="en-US" sz="2000" dirty="0"/>
             </a:br>
-            <a:endParaRPr lang="en-US" sz="2000" dirty="0" smtClean="0"/>
+            <a:endParaRPr lang="en-US" sz="2000" dirty="0"/>
           </a:p>
           <a:p>
             <a:pPr marL="387270" indent="-285750">
@@ -18699,12 +17965,8 @@
               <a:buChar char="Ø"/>
             </a:pPr>
             <a:r>
-              <a:rPr lang="en-US" sz="2000" dirty="0" smtClean="0"/>
-              <a:t>Validate </a:t>
-            </a:r>
-            <a:r>
               <a:rPr lang="en-US" sz="2000" dirty="0"/>
-              <a:t>daemon mode </a:t>
+              <a:t>Validate daemon mode </a:t>
             </a:r>
             <a:r>
               <a:rPr lang="en-US" sz="2000" dirty="0" err="1"/>
@@ -18826,7 +18088,7 @@
               </a:lnSpc>
             </a:pPr>
             <a:r>
-              <a:rPr lang="en-US" sz="3000" spc="-1" dirty="0" err="1" smtClean="0">
+              <a:rPr lang="en-US" sz="3000" spc="-1" dirty="0" err="1">
                 <a:solidFill>
                   <a:srgbClr val="262626"/>
                 </a:solidFill>
@@ -18836,7 +18098,7 @@
               <a:t>Zowe</a:t>
             </a:r>
             <a:r>
-              <a:rPr lang="en-US" sz="3000" spc="-1" dirty="0" smtClean="0">
+              <a:rPr lang="en-US" sz="3000" spc="-1" dirty="0">
                 <a:solidFill>
                   <a:srgbClr val="262626"/>
                 </a:solidFill>
@@ -18888,11 +18150,7 @@
             </a:pPr>
             <a:r>
               <a:rPr lang="en-US" sz="2000" dirty="0"/>
-              <a:t>Address growing number of community enhancement </a:t>
-            </a:r>
-            <a:r>
-              <a:rPr lang="en-US" sz="2000" dirty="0" smtClean="0"/>
-              <a:t>requests</a:t>
+              <a:t>Address growing number of community enhancement requests</a:t>
             </a:r>
           </a:p>
           <a:p>
@@ -18903,7 +18161,7 @@
               <a:buFont typeface="Wingdings" pitchFamily="2" charset="2"/>
               <a:buChar char="Ø"/>
             </a:pPr>
-            <a:endParaRPr lang="en-US" sz="2000" dirty="0" smtClean="0"/>
+            <a:endParaRPr lang="en-US" sz="2000" dirty="0"/>
           </a:p>
           <a:p>
             <a:pPr marL="387270" indent="-285750">
@@ -18914,20 +18172,8 @@
               <a:buChar char="Ø"/>
             </a:pPr>
             <a:r>
-              <a:rPr lang="en-US" sz="2000" dirty="0" smtClean="0"/>
-              <a:t>Ensure </a:t>
-            </a:r>
-            <a:r>
               <a:rPr lang="en-US" sz="2000" dirty="0"/>
-              <a:t>successful </a:t>
-            </a:r>
-            <a:r>
-              <a:rPr lang="en-US" sz="2000" dirty="0" smtClean="0"/>
-              <a:t>installation and use </a:t>
-            </a:r>
-            <a:r>
-              <a:rPr lang="en-US" sz="2000" dirty="0"/>
-              <a:t>of the </a:t>
+              <a:t>Ensure successful installation and use of the </a:t>
             </a:r>
             <a:r>
               <a:rPr lang="en-US" sz="2000" dirty="0" err="1"/>
@@ -18937,14 +18183,10 @@
               <a:rPr lang="en-US" sz="2000" dirty="0"/>
               <a:t> CLI in environments with proxies. </a:t>
             </a:r>
-            <a:r>
-              <a:rPr lang="en-US" sz="2000" dirty="0" smtClean="0"/>
-              <a:t/>
-            </a:r>
             <a:br>
-              <a:rPr lang="en-US" sz="2000" dirty="0" smtClean="0"/>
+              <a:rPr lang="en-US" sz="2000" dirty="0"/>
             </a:br>
-            <a:endParaRPr lang="en-US" sz="2000" dirty="0" smtClean="0"/>
+            <a:endParaRPr lang="en-US" sz="2000" dirty="0"/>
           </a:p>
           <a:p>
             <a:pPr marL="387270" indent="-285750">
@@ -18955,19 +18197,11 @@
               <a:buChar char="Ø"/>
             </a:pPr>
             <a:r>
-              <a:rPr lang="en-US" sz="2000" dirty="0" smtClean="0"/>
-              <a:t>Allow </a:t>
-            </a:r>
-            <a:r>
               <a:rPr lang="en-US" sz="2000" dirty="0"/>
-              <a:t>for recently run commands to be easily recalled</a:t>
-            </a:r>
-            <a:r>
-              <a:rPr lang="en-US" sz="2000" dirty="0" smtClean="0"/>
-              <a:t>.</a:t>
+              <a:t>Allow for recently run commands to be easily recalled.</a:t>
             </a:r>
             <a:br>
-              <a:rPr lang="en-US" sz="2000" dirty="0" smtClean="0"/>
+              <a:rPr lang="en-US" sz="2000" dirty="0"/>
             </a:br>
             <a:endParaRPr lang="en-US" sz="2000" dirty="0"/>
           </a:p>

--- a/Project Management/PI Planning/20PI4 Planning/Zowe Community Squad Focus for 20PI4.pptx
+++ b/Project Management/PI Planning/20PI4 Planning/Zowe Community Squad Focus for 20PI4.pptx
@@ -8,7 +8,7 @@
     <p:sldMasterId id="2147483687" r:id="rId4"/>
   </p:sldMasterIdLst>
   <p:notesMasterIdLst>
-    <p:notesMasterId r:id="rId30"/>
+    <p:notesMasterId r:id="rId35"/>
   </p:notesMasterIdLst>
   <p:sldIdLst>
     <p:sldId id="256" r:id="rId5"/>
@@ -34,8 +34,13 @@
     <p:sldId id="281" r:id="rId25"/>
     <p:sldId id="282" r:id="rId26"/>
     <p:sldId id="283" r:id="rId27"/>
-    <p:sldId id="284" r:id="rId28"/>
-    <p:sldId id="285" r:id="rId29"/>
+    <p:sldId id="292" r:id="rId28"/>
+    <p:sldId id="284" r:id="rId29"/>
+    <p:sldId id="296" r:id="rId30"/>
+    <p:sldId id="294" r:id="rId31"/>
+    <p:sldId id="297" r:id="rId32"/>
+    <p:sldId id="293" r:id="rId33"/>
+    <p:sldId id="285" r:id="rId34"/>
   </p:sldIdLst>
   <p:sldSz cx="9144000" cy="5143500" type="screen16x9"/>
   <p:notesSz cx="6858000" cy="9144000"/>
@@ -981,6 +986,502 @@
     <p:extLst>
       <p:ext uri="{BB962C8B-B14F-4D97-AF65-F5344CB8AC3E}">
         <p14:creationId xmlns:p14="http://schemas.microsoft.com/office/powerpoint/2010/main" val="3521497249"/>
+      </p:ext>
+    </p:extLst>
+  </p:cSld>
+  <p:clrMapOvr>
+    <a:masterClrMapping/>
+  </p:clrMapOvr>
+</p:notes>
+</file>
+
+<file path=ppt/notesSlides/notesSlide15.xml><?xml version="1.0" encoding="utf-8"?>
+<p:notes xmlns:a="http://schemas.openxmlformats.org/drawingml/2006/main" xmlns:r="http://schemas.openxmlformats.org/officeDocument/2006/relationships" xmlns:p="http://schemas.openxmlformats.org/presentationml/2006/main">
+  <p:cSld>
+    <p:spTree>
+      <p:nvGrpSpPr>
+        <p:cNvPr id="1" name=""/>
+        <p:cNvGrpSpPr/>
+        <p:nvPr/>
+      </p:nvGrpSpPr>
+      <p:grpSpPr>
+        <a:xfrm>
+          <a:off x="0" y="0"/>
+          <a:ext cx="0" cy="0"/>
+          <a:chOff x="0" y="0"/>
+          <a:chExt cx="0" cy="0"/>
+        </a:xfrm>
+      </p:grpSpPr>
+      <p:sp>
+        <p:nvSpPr>
+          <p:cNvPr id="2" name="Slide Image Placeholder 1"/>
+          <p:cNvSpPr>
+            <a:spLocks noGrp="1" noRot="1" noChangeAspect="1"/>
+          </p:cNvSpPr>
+          <p:nvPr>
+            <p:ph type="sldImg"/>
+          </p:nvPr>
+        </p:nvSpPr>
+        <p:spPr>
+          <a:xfrm>
+            <a:off x="533400" y="763588"/>
+            <a:ext cx="6704013" cy="3771900"/>
+          </a:xfrm>
+        </p:spPr>
+      </p:sp>
+      <p:sp>
+        <p:nvSpPr>
+          <p:cNvPr id="3" name="Notes Placeholder 2"/>
+          <p:cNvSpPr>
+            <a:spLocks noGrp="1"/>
+          </p:cNvSpPr>
+          <p:nvPr>
+            <p:ph type="body" idx="1"/>
+          </p:nvPr>
+        </p:nvSpPr>
+        <p:spPr/>
+        <p:txBody>
+          <a:bodyPr/>
+          <a:lstStyle/>
+          <a:p>
+            <a:endParaRPr lang="en-CN" dirty="0"/>
+          </a:p>
+        </p:txBody>
+      </p:sp>
+      <p:sp>
+        <p:nvSpPr>
+          <p:cNvPr id="4" name="Slide Number Placeholder 3"/>
+          <p:cNvSpPr>
+            <a:spLocks noGrp="1"/>
+          </p:cNvSpPr>
+          <p:nvPr>
+            <p:ph type="sldNum"/>
+          </p:nvPr>
+        </p:nvSpPr>
+        <p:spPr/>
+        <p:txBody>
+          <a:bodyPr/>
+          <a:lstStyle/>
+          <a:p>
+            <a:pPr algn="r"/>
+            <a:fld id="{BA3CDCDB-E9EF-4257-93B9-33682187AA79}" type="slidenum">
+              <a:rPr lang="en-US" sz="1400" b="0" strike="noStrike" spc="-1" smtClean="0">
+                <a:latin typeface="Times New Roman"/>
+              </a:rPr>
+              <a:t>25</a:t>
+            </a:fld>
+            <a:endParaRPr lang="en-US" sz="1400" b="0" strike="noStrike" spc="-1">
+              <a:latin typeface="Times New Roman"/>
+            </a:endParaRPr>
+          </a:p>
+        </p:txBody>
+      </p:sp>
+    </p:spTree>
+    <p:extLst>
+      <p:ext uri="{BB962C8B-B14F-4D97-AF65-F5344CB8AC3E}">
+        <p14:creationId xmlns:p14="http://schemas.microsoft.com/office/powerpoint/2010/main" val="3560383589"/>
+      </p:ext>
+    </p:extLst>
+  </p:cSld>
+  <p:clrMapOvr>
+    <a:masterClrMapping/>
+  </p:clrMapOvr>
+</p:notes>
+</file>
+
+<file path=ppt/notesSlides/notesSlide16.xml><?xml version="1.0" encoding="utf-8"?>
+<p:notes xmlns:a="http://schemas.openxmlformats.org/drawingml/2006/main" xmlns:r="http://schemas.openxmlformats.org/officeDocument/2006/relationships" xmlns:p="http://schemas.openxmlformats.org/presentationml/2006/main">
+  <p:cSld>
+    <p:spTree>
+      <p:nvGrpSpPr>
+        <p:cNvPr id="1" name=""/>
+        <p:cNvGrpSpPr/>
+        <p:nvPr/>
+      </p:nvGrpSpPr>
+      <p:grpSpPr>
+        <a:xfrm>
+          <a:off x="0" y="0"/>
+          <a:ext cx="0" cy="0"/>
+          <a:chOff x="0" y="0"/>
+          <a:chExt cx="0" cy="0"/>
+        </a:xfrm>
+      </p:grpSpPr>
+      <p:sp>
+        <p:nvSpPr>
+          <p:cNvPr id="2" name="Slide Image Placeholder 1"/>
+          <p:cNvSpPr>
+            <a:spLocks noGrp="1" noRot="1" noChangeAspect="1"/>
+          </p:cNvSpPr>
+          <p:nvPr>
+            <p:ph type="sldImg"/>
+          </p:nvPr>
+        </p:nvSpPr>
+        <p:spPr>
+          <a:xfrm>
+            <a:off x="533400" y="763588"/>
+            <a:ext cx="6704013" cy="3771900"/>
+          </a:xfrm>
+        </p:spPr>
+      </p:sp>
+      <p:sp>
+        <p:nvSpPr>
+          <p:cNvPr id="3" name="Notes Placeholder 2"/>
+          <p:cNvSpPr>
+            <a:spLocks noGrp="1"/>
+          </p:cNvSpPr>
+          <p:nvPr>
+            <p:ph type="body" idx="1"/>
+          </p:nvPr>
+        </p:nvSpPr>
+        <p:spPr/>
+        <p:txBody>
+          <a:bodyPr/>
+          <a:lstStyle/>
+          <a:p>
+            <a:pPr marL="0" marR="0" lvl="0" indent="0" algn="l" defTabSz="914400" rtl="0" eaLnBrk="1" fontAlgn="auto" latinLnBrk="0" hangingPunct="1">
+              <a:lnSpc>
+                <a:spcPct val="100000"/>
+              </a:lnSpc>
+              <a:spcBef>
+                <a:spcPts val="0"/>
+              </a:spcBef>
+              <a:spcAft>
+                <a:spcPts val="0"/>
+              </a:spcAft>
+              <a:buClrTx/>
+              <a:buSzTx/>
+              <a:buFontTx/>
+              <a:buNone/>
+              <a:tabLst/>
+              <a:defRPr/>
+            </a:pPr>
+            <a:r>
+              <a:rPr lang="en-US" sz="1200" dirty="0"/>
+              <a:t>Address a list of GitHub doc enhancement issues and user feedback to provide better content experience and help users work with </a:t>
+            </a:r>
+            <a:r>
+              <a:rPr lang="en-US" sz="1200" dirty="0" err="1"/>
+              <a:t>Zowe</a:t>
+            </a:r>
+            <a:r>
+              <a:rPr lang="en-US" sz="1200" dirty="0"/>
+              <a:t>.</a:t>
+            </a:r>
+          </a:p>
+          <a:p>
+            <a:endParaRPr lang="en-CN" dirty="0"/>
+          </a:p>
+        </p:txBody>
+      </p:sp>
+      <p:sp>
+        <p:nvSpPr>
+          <p:cNvPr id="4" name="Slide Number Placeholder 3"/>
+          <p:cNvSpPr>
+            <a:spLocks noGrp="1"/>
+          </p:cNvSpPr>
+          <p:nvPr>
+            <p:ph type="sldNum"/>
+          </p:nvPr>
+        </p:nvSpPr>
+        <p:spPr/>
+        <p:txBody>
+          <a:bodyPr/>
+          <a:lstStyle/>
+          <a:p>
+            <a:pPr algn="r"/>
+            <a:fld id="{BA3CDCDB-E9EF-4257-93B9-33682187AA79}" type="slidenum">
+              <a:rPr lang="en-US" sz="1400" b="0" strike="noStrike" spc="-1" smtClean="0">
+                <a:latin typeface="Times New Roman"/>
+              </a:rPr>
+              <a:t>26</a:t>
+            </a:fld>
+            <a:endParaRPr lang="en-US" sz="1400" b="0" strike="noStrike" spc="-1">
+              <a:latin typeface="Times New Roman"/>
+            </a:endParaRPr>
+          </a:p>
+        </p:txBody>
+      </p:sp>
+    </p:spTree>
+    <p:extLst>
+      <p:ext uri="{BB962C8B-B14F-4D97-AF65-F5344CB8AC3E}">
+        <p14:creationId xmlns:p14="http://schemas.microsoft.com/office/powerpoint/2010/main" val="3005006635"/>
+      </p:ext>
+    </p:extLst>
+  </p:cSld>
+  <p:clrMapOvr>
+    <a:masterClrMapping/>
+  </p:clrMapOvr>
+</p:notes>
+</file>
+
+<file path=ppt/notesSlides/notesSlide17.xml><?xml version="1.0" encoding="utf-8"?>
+<p:notes xmlns:a="http://schemas.openxmlformats.org/drawingml/2006/main" xmlns:r="http://schemas.openxmlformats.org/officeDocument/2006/relationships" xmlns:p="http://schemas.openxmlformats.org/presentationml/2006/main">
+  <p:cSld>
+    <p:spTree>
+      <p:nvGrpSpPr>
+        <p:cNvPr id="1" name=""/>
+        <p:cNvGrpSpPr/>
+        <p:nvPr/>
+      </p:nvGrpSpPr>
+      <p:grpSpPr>
+        <a:xfrm>
+          <a:off x="0" y="0"/>
+          <a:ext cx="0" cy="0"/>
+          <a:chOff x="0" y="0"/>
+          <a:chExt cx="0" cy="0"/>
+        </a:xfrm>
+      </p:grpSpPr>
+      <p:sp>
+        <p:nvSpPr>
+          <p:cNvPr id="2" name="Slide Image Placeholder 1"/>
+          <p:cNvSpPr>
+            <a:spLocks noGrp="1" noRot="1" noChangeAspect="1"/>
+          </p:cNvSpPr>
+          <p:nvPr>
+            <p:ph type="sldImg"/>
+          </p:nvPr>
+        </p:nvSpPr>
+        <p:spPr>
+          <a:xfrm>
+            <a:off x="533400" y="763588"/>
+            <a:ext cx="6704013" cy="3771900"/>
+          </a:xfrm>
+        </p:spPr>
+      </p:sp>
+      <p:sp>
+        <p:nvSpPr>
+          <p:cNvPr id="3" name="Notes Placeholder 2"/>
+          <p:cNvSpPr>
+            <a:spLocks noGrp="1"/>
+          </p:cNvSpPr>
+          <p:nvPr>
+            <p:ph type="body" idx="1"/>
+          </p:nvPr>
+        </p:nvSpPr>
+        <p:spPr/>
+        <p:txBody>
+          <a:bodyPr/>
+          <a:lstStyle/>
+          <a:p>
+            <a:endParaRPr lang="en-CN" dirty="0"/>
+          </a:p>
+        </p:txBody>
+      </p:sp>
+      <p:sp>
+        <p:nvSpPr>
+          <p:cNvPr id="4" name="Slide Number Placeholder 3"/>
+          <p:cNvSpPr>
+            <a:spLocks noGrp="1"/>
+          </p:cNvSpPr>
+          <p:nvPr>
+            <p:ph type="sldNum"/>
+          </p:nvPr>
+        </p:nvSpPr>
+        <p:spPr/>
+        <p:txBody>
+          <a:bodyPr/>
+          <a:lstStyle/>
+          <a:p>
+            <a:pPr algn="r"/>
+            <a:fld id="{BA3CDCDB-E9EF-4257-93B9-33682187AA79}" type="slidenum">
+              <a:rPr lang="en-US" sz="1400" b="0" strike="noStrike" spc="-1" smtClean="0">
+                <a:latin typeface="Times New Roman"/>
+              </a:rPr>
+              <a:t>27</a:t>
+            </a:fld>
+            <a:endParaRPr lang="en-US" sz="1400" b="0" strike="noStrike" spc="-1">
+              <a:latin typeface="Times New Roman"/>
+            </a:endParaRPr>
+          </a:p>
+        </p:txBody>
+      </p:sp>
+    </p:spTree>
+    <p:extLst>
+      <p:ext uri="{BB962C8B-B14F-4D97-AF65-F5344CB8AC3E}">
+        <p14:creationId xmlns:p14="http://schemas.microsoft.com/office/powerpoint/2010/main" val="1715069154"/>
+      </p:ext>
+    </p:extLst>
+  </p:cSld>
+  <p:clrMapOvr>
+    <a:masterClrMapping/>
+  </p:clrMapOvr>
+</p:notes>
+</file>
+
+<file path=ppt/notesSlides/notesSlide18.xml><?xml version="1.0" encoding="utf-8"?>
+<p:notes xmlns:a="http://schemas.openxmlformats.org/drawingml/2006/main" xmlns:r="http://schemas.openxmlformats.org/officeDocument/2006/relationships" xmlns:p="http://schemas.openxmlformats.org/presentationml/2006/main">
+  <p:cSld>
+    <p:spTree>
+      <p:nvGrpSpPr>
+        <p:cNvPr id="1" name=""/>
+        <p:cNvGrpSpPr/>
+        <p:nvPr/>
+      </p:nvGrpSpPr>
+      <p:grpSpPr>
+        <a:xfrm>
+          <a:off x="0" y="0"/>
+          <a:ext cx="0" cy="0"/>
+          <a:chOff x="0" y="0"/>
+          <a:chExt cx="0" cy="0"/>
+        </a:xfrm>
+      </p:grpSpPr>
+      <p:sp>
+        <p:nvSpPr>
+          <p:cNvPr id="2" name="Slide Image Placeholder 1"/>
+          <p:cNvSpPr>
+            <a:spLocks noGrp="1" noRot="1" noChangeAspect="1"/>
+          </p:cNvSpPr>
+          <p:nvPr>
+            <p:ph type="sldImg"/>
+          </p:nvPr>
+        </p:nvSpPr>
+        <p:spPr>
+          <a:xfrm>
+            <a:off x="533400" y="763588"/>
+            <a:ext cx="6704013" cy="3771900"/>
+          </a:xfrm>
+        </p:spPr>
+      </p:sp>
+      <p:sp>
+        <p:nvSpPr>
+          <p:cNvPr id="3" name="Notes Placeholder 2"/>
+          <p:cNvSpPr>
+            <a:spLocks noGrp="1"/>
+          </p:cNvSpPr>
+          <p:nvPr>
+            <p:ph type="body" idx="1"/>
+          </p:nvPr>
+        </p:nvSpPr>
+        <p:spPr/>
+        <p:txBody>
+          <a:bodyPr/>
+          <a:lstStyle/>
+          <a:p>
+            <a:endParaRPr lang="en-US" dirty="0"/>
+          </a:p>
+        </p:txBody>
+      </p:sp>
+      <p:sp>
+        <p:nvSpPr>
+          <p:cNvPr id="4" name="Slide Number Placeholder 3"/>
+          <p:cNvSpPr>
+            <a:spLocks noGrp="1"/>
+          </p:cNvSpPr>
+          <p:nvPr>
+            <p:ph type="sldNum"/>
+          </p:nvPr>
+        </p:nvSpPr>
+        <p:spPr/>
+        <p:txBody>
+          <a:bodyPr/>
+          <a:lstStyle/>
+          <a:p>
+            <a:pPr algn="r"/>
+            <a:fld id="{BA3CDCDB-E9EF-4257-93B9-33682187AA79}" type="slidenum">
+              <a:rPr lang="en-US" sz="1400" b="0" strike="noStrike" spc="-1" smtClean="0">
+                <a:latin typeface="Times New Roman"/>
+              </a:rPr>
+              <a:t>28</a:t>
+            </a:fld>
+            <a:endParaRPr lang="en-US" sz="1400" b="0" strike="noStrike" spc="-1">
+              <a:latin typeface="Times New Roman"/>
+            </a:endParaRPr>
+          </a:p>
+        </p:txBody>
+      </p:sp>
+    </p:spTree>
+    <p:extLst>
+      <p:ext uri="{BB962C8B-B14F-4D97-AF65-F5344CB8AC3E}">
+        <p14:creationId xmlns:p14="http://schemas.microsoft.com/office/powerpoint/2010/main" val="1410742269"/>
+      </p:ext>
+    </p:extLst>
+  </p:cSld>
+  <p:clrMapOvr>
+    <a:masterClrMapping/>
+  </p:clrMapOvr>
+</p:notes>
+</file>
+
+<file path=ppt/notesSlides/notesSlide19.xml><?xml version="1.0" encoding="utf-8"?>
+<p:notes xmlns:a="http://schemas.openxmlformats.org/drawingml/2006/main" xmlns:r="http://schemas.openxmlformats.org/officeDocument/2006/relationships" xmlns:p="http://schemas.openxmlformats.org/presentationml/2006/main">
+  <p:cSld>
+    <p:spTree>
+      <p:nvGrpSpPr>
+        <p:cNvPr id="1" name=""/>
+        <p:cNvGrpSpPr/>
+        <p:nvPr/>
+      </p:nvGrpSpPr>
+      <p:grpSpPr>
+        <a:xfrm>
+          <a:off x="0" y="0"/>
+          <a:ext cx="0" cy="0"/>
+          <a:chOff x="0" y="0"/>
+          <a:chExt cx="0" cy="0"/>
+        </a:xfrm>
+      </p:grpSpPr>
+      <p:sp>
+        <p:nvSpPr>
+          <p:cNvPr id="2" name="Slide Image Placeholder 1"/>
+          <p:cNvSpPr>
+            <a:spLocks noGrp="1" noRot="1" noChangeAspect="1"/>
+          </p:cNvSpPr>
+          <p:nvPr>
+            <p:ph type="sldImg"/>
+          </p:nvPr>
+        </p:nvSpPr>
+        <p:spPr/>
+      </p:sp>
+      <p:sp>
+        <p:nvSpPr>
+          <p:cNvPr id="3" name="Notes Placeholder 2"/>
+          <p:cNvSpPr>
+            <a:spLocks noGrp="1"/>
+          </p:cNvSpPr>
+          <p:nvPr>
+            <p:ph type="body" idx="1"/>
+          </p:nvPr>
+        </p:nvSpPr>
+        <p:spPr/>
+        <p:txBody>
+          <a:bodyPr/>
+          <a:lstStyle/>
+          <a:p>
+            <a:endParaRPr lang="en-CN" dirty="0"/>
+          </a:p>
+        </p:txBody>
+      </p:sp>
+      <p:sp>
+        <p:nvSpPr>
+          <p:cNvPr id="4" name="Slide Number Placeholder 3"/>
+          <p:cNvSpPr>
+            <a:spLocks noGrp="1"/>
+          </p:cNvSpPr>
+          <p:nvPr>
+            <p:ph type="sldNum"/>
+          </p:nvPr>
+        </p:nvSpPr>
+        <p:spPr/>
+        <p:txBody>
+          <a:bodyPr/>
+          <a:lstStyle/>
+          <a:p>
+            <a:pPr algn="r"/>
+            <a:fld id="{BA3CDCDB-E9EF-4257-93B9-33682187AA79}" type="slidenum">
+              <a:rPr lang="en-US" sz="1400" b="0" strike="noStrike" spc="-1" smtClean="0">
+                <a:latin typeface="Times New Roman"/>
+              </a:rPr>
+              <a:t>29</a:t>
+            </a:fld>
+            <a:endParaRPr lang="en-US" sz="1400" b="0" strike="noStrike" spc="-1">
+              <a:latin typeface="Times New Roman"/>
+            </a:endParaRPr>
+          </a:p>
+        </p:txBody>
+      </p:sp>
+    </p:spTree>
+    <p:extLst>
+      <p:ext uri="{BB962C8B-B14F-4D97-AF65-F5344CB8AC3E}">
+        <p14:creationId xmlns:p14="http://schemas.microsoft.com/office/powerpoint/2010/main" val="3846263569"/>
       </p:ext>
     </p:extLst>
   </p:cSld>
@@ -15941,77 +16442,141 @@
       </p:grpSpPr>
       <p:sp>
         <p:nvSpPr>
-          <p:cNvPr id="188" name="TextShape 1"/>
-          <p:cNvSpPr txBox="1"/>
+          <p:cNvPr id="2" name="Rectangle 1"/>
+          <p:cNvSpPr/>
           <p:nvPr/>
         </p:nvSpPr>
         <p:spPr>
           <a:xfrm>
-            <a:off x="308520" y="3525840"/>
-            <a:ext cx="6446160" cy="392040"/>
-          </a:xfrm>
-          <a:prstGeom prst="rect">
-            <a:avLst/>
-          </a:prstGeom>
-          <a:noFill/>
-          <a:ln>
-            <a:noFill/>
-          </a:ln>
-        </p:spPr>
-        <p:txBody>
-          <a:bodyPr lIns="0" tIns="0" rIns="0" bIns="0" anchor="b">
-            <a:noAutofit/>
-          </a:bodyPr>
-          <a:lstStyle/>
-          <a:p>
-            <a:pPr marL="457200" indent="-228240">
+            <a:off x="352839" y="3180521"/>
+            <a:ext cx="7404652" cy="940257"/>
+          </a:xfrm>
+          <a:prstGeom prst="rect">
+            <a:avLst/>
+          </a:prstGeom>
+        </p:spPr>
+        <p:txBody>
+          <a:bodyPr wrap="square">
+            <a:spAutoFit/>
+          </a:bodyPr>
+          <a:lstStyle/>
+          <a:p>
+            <a:pPr marL="457200" marR="0" lvl="0" indent="-228240" algn="l" defTabSz="914400" rtl="0" eaLnBrk="1" fontAlgn="auto" latinLnBrk="0" hangingPunct="1">
               <a:lnSpc>
                 <a:spcPct val="85000"/>
               </a:lnSpc>
               <a:spcBef>
                 <a:spcPts val="901"/>
               </a:spcBef>
-            </a:pPr>
-            <a:r>
-              <a:rPr lang="en-US" sz="3000" b="1" strike="noStrike" spc="-1" dirty="0">
+              <a:spcAft>
+                <a:spcPts val="0"/>
+              </a:spcAft>
+              <a:buClrTx/>
+              <a:buSzTx/>
+              <a:buFontTx/>
+              <a:buNone/>
+              <a:tabLst/>
+              <a:defRPr/>
+            </a:pPr>
+            <a:r>
+              <a:rPr kumimoji="0" lang="en-US" sz="3200" b="1" i="0" u="none" strike="noStrike" kern="1200" cap="none" spc="-1" normalizeH="0" baseline="0" noProof="0" dirty="0" err="1">
+                <a:ln>
+                  <a:noFill/>
+                </a:ln>
                 <a:solidFill>
                   <a:srgbClr val="000000"/>
                 </a:solidFill>
+                <a:effectLst/>
+                <a:uLnTx/>
+                <a:uFillTx/>
                 <a:latin typeface="Arial"/>
                 <a:ea typeface="Arial"/>
               </a:rPr>
-              <a:t>TBD Squad Focus</a:t>
-            </a:r>
-            <a:endParaRPr lang="en-US" sz="3000" b="0" strike="noStrike" spc="-1" dirty="0">
+              <a:t>Zowe</a:t>
+            </a:r>
+            <a:r>
+              <a:rPr kumimoji="0" lang="en-US" sz="3200" b="1" i="0" u="none" strike="noStrike" kern="1200" cap="none" spc="-1" normalizeH="0" baseline="0" noProof="0" dirty="0">
+                <a:ln>
+                  <a:noFill/>
+                </a:ln>
+                <a:solidFill>
+                  <a:srgbClr val="000000"/>
+                </a:solidFill>
+                <a:effectLst/>
+                <a:uLnTx/>
+                <a:uFillTx/>
+                <a:latin typeface="Arial"/>
+                <a:ea typeface="Arial"/>
+              </a:rPr>
+              <a:t> Doc Squad Focus</a:t>
+            </a:r>
+            <a:endParaRPr kumimoji="0" lang="en-US" sz="3200" b="0" i="0" u="none" strike="noStrike" kern="1200" cap="none" spc="-1" normalizeH="0" baseline="0" noProof="0" dirty="0">
+              <a:ln>
+                <a:noFill/>
+              </a:ln>
               <a:solidFill>
                 <a:srgbClr val="000000"/>
               </a:solidFill>
+              <a:effectLst/>
+              <a:uLnTx/>
+              <a:uFillTx/>
               <a:latin typeface="Arial"/>
             </a:endParaRPr>
           </a:p>
           <a:p>
-            <a:pPr marL="457200" indent="-228240">
+            <a:pPr marL="457200" marR="0" lvl="0" indent="-228240" algn="l" defTabSz="914400" rtl="0" eaLnBrk="1" fontAlgn="auto" latinLnBrk="0" hangingPunct="1">
               <a:lnSpc>
                 <a:spcPct val="85000"/>
               </a:lnSpc>
               <a:spcBef>
                 <a:spcPts val="901"/>
               </a:spcBef>
-            </a:pPr>
-            <a:r>
-              <a:rPr lang="en-US" sz="2000" b="1" strike="noStrike" spc="-1" dirty="0">
+              <a:spcAft>
+                <a:spcPts val="0"/>
+              </a:spcAft>
+              <a:buClrTx/>
+              <a:buSzTx/>
+              <a:buFontTx/>
+              <a:buNone/>
+              <a:tabLst/>
+              <a:defRPr/>
+            </a:pPr>
+            <a:r>
+              <a:rPr kumimoji="0" lang="en-US" sz="2400" b="1" i="0" u="none" strike="noStrike" kern="1200" cap="none" spc="-1" normalizeH="0" baseline="0" noProof="0" dirty="0" err="1">
+                <a:ln>
+                  <a:noFill/>
+                </a:ln>
                 <a:solidFill>
                   <a:srgbClr val="000000"/>
                 </a:solidFill>
+                <a:effectLst/>
+                <a:uLnTx/>
+                <a:uFillTx/>
                 <a:latin typeface="Arial"/>
                 <a:ea typeface="Arial"/>
               </a:rPr>
-              <a:t>TBD (Squad Lead)</a:t>
-            </a:r>
-            <a:endParaRPr lang="en-US" sz="2000" b="0" strike="noStrike" spc="-1" dirty="0">
+              <a:t>Ashle</a:t>
+            </a:r>
+            <a:r>
+              <a:rPr lang="en-US" sz="2400" b="1" spc="-1" dirty="0">
+                <a:solidFill>
+                  <a:srgbClr val="000000"/>
+                </a:solidFill>
+                <a:latin typeface="Arial"/>
+                <a:ea typeface="Arial"/>
+              </a:rPr>
+              <a:t>y Li</a:t>
+            </a:r>
+            <a:endParaRPr kumimoji="0" lang="en-US" sz="2000" b="0" i="0" u="none" strike="noStrike" kern="1200" cap="none" spc="-1" normalizeH="0" baseline="0" noProof="0" dirty="0">
+              <a:ln>
+                <a:noFill/>
+              </a:ln>
               <a:solidFill>
                 <a:srgbClr val="000000"/>
               </a:solidFill>
+              <a:effectLst/>
+              <a:uLnTx/>
+              <a:uFillTx/>
               <a:latin typeface="Arial"/>
             </a:endParaRPr>
           </a:p>
@@ -16020,7 +16585,7 @@
     </p:spTree>
     <p:extLst>
       <p:ext uri="{BB962C8B-B14F-4D97-AF65-F5344CB8AC3E}">
-        <p14:creationId xmlns:p14="http://schemas.microsoft.com/office/powerpoint/2010/main" val="1515099386"/>
+        <p14:creationId xmlns:p14="http://schemas.microsoft.com/office/powerpoint/2010/main" val="3592707614"/>
       </p:ext>
     </p:extLst>
   </p:cSld>
@@ -16079,7 +16644,13 @@
       </p:grpSpPr>
       <p:sp>
         <p:nvSpPr>
-          <p:cNvPr id="189" name="TextShape 1"/>
+          <p:cNvPr id="3" name="TextShape 1">
+            <a:extLst>
+              <a:ext uri="{FF2B5EF4-FFF2-40B4-BE49-F238E27FC236}">
+                <a16:creationId xmlns:a16="http://schemas.microsoft.com/office/drawing/2014/main" id="{B8E8C5E1-9A2F-8E46-B0C3-2597185A9B7F}"/>
+              </a:ext>
+            </a:extLst>
+          </p:cNvPr>
           <p:cNvSpPr txBox="1"/>
           <p:nvPr/>
         </p:nvSpPr>
@@ -16108,34 +16679,50 @@
               </a:lnSpc>
             </a:pPr>
             <a:r>
-              <a:rPr lang="en-US" sz="2600" b="0" strike="noStrike" spc="-1" dirty="0">
+              <a:rPr lang="en-US" sz="3000" spc="-1" dirty="0" err="1">
                 <a:solidFill>
                   <a:srgbClr val="262626"/>
                 </a:solidFill>
-                <a:latin typeface="Gill Sans"/>
+                <a:latin typeface="+mj-lt"/>
                 <a:ea typeface="Gill Sans"/>
               </a:rPr>
-              <a:t>Title</a:t>
-            </a:r>
-            <a:endParaRPr lang="en-US" sz="2600" b="0" strike="noStrike" spc="-1" dirty="0">
+              <a:t>Zowe</a:t>
+            </a:r>
+            <a:r>
+              <a:rPr lang="en-US" sz="3000" spc="-1" dirty="0">
+                <a:solidFill>
+                  <a:srgbClr val="262626"/>
+                </a:solidFill>
+                <a:latin typeface="+mj-lt"/>
+                <a:ea typeface="Gill Sans"/>
+              </a:rPr>
+              <a:t> Doc Squad</a:t>
+            </a:r>
+            <a:endParaRPr lang="en-US" sz="3000" b="0" strike="noStrike" spc="-1" dirty="0">
               <a:solidFill>
                 <a:srgbClr val="000000"/>
               </a:solidFill>
-              <a:latin typeface="Arial"/>
-            </a:endParaRPr>
-          </a:p>
-        </p:txBody>
-      </p:sp>
-      <p:sp>
-        <p:nvSpPr>
-          <p:cNvPr id="190" name="TextShape 2"/>
+              <a:latin typeface="+mj-lt"/>
+            </a:endParaRPr>
+          </a:p>
+        </p:txBody>
+      </p:sp>
+      <p:sp>
+        <p:nvSpPr>
+          <p:cNvPr id="4" name="TextShape 2">
+            <a:extLst>
+              <a:ext uri="{FF2B5EF4-FFF2-40B4-BE49-F238E27FC236}">
+                <a16:creationId xmlns:a16="http://schemas.microsoft.com/office/drawing/2014/main" id="{16E3B48C-0643-244A-8DA1-7DC8253189C5}"/>
+              </a:ext>
+            </a:extLst>
+          </p:cNvPr>
           <p:cNvSpPr txBox="1"/>
           <p:nvPr/>
         </p:nvSpPr>
         <p:spPr>
           <a:xfrm>
-            <a:off x="336600" y="682920"/>
-            <a:ext cx="8349840" cy="4177800"/>
+            <a:off x="334080" y="813291"/>
+            <a:ext cx="8809920" cy="4170729"/>
           </a:xfrm>
           <a:prstGeom prst="rect">
             <a:avLst/>
@@ -16151,42 +16738,1125 @@
           </a:bodyPr>
           <a:lstStyle/>
           <a:p>
-            <a:pPr marL="457200" indent="-355320">
+            <a:pPr marL="444420" indent="-342900">
+              <a:spcBef>
+                <a:spcPts val="400"/>
+              </a:spcBef>
+              <a:buFont typeface="Arial" panose="020B0604020202020204" pitchFamily="34" charset="0"/>
+              <a:buChar char="•"/>
+            </a:pPr>
+            <a:r>
+              <a:rPr lang="en-US" sz="2000" dirty="0"/>
+              <a:t>Doc delivery for enhancements in </a:t>
+            </a:r>
+            <a:r>
+              <a:rPr lang="en-US" sz="2000" dirty="0" err="1"/>
+              <a:t>Zowe</a:t>
+            </a:r>
+            <a:r>
+              <a:rPr lang="en-US" sz="2000" dirty="0"/>
+              <a:t> releases.</a:t>
+            </a:r>
+          </a:p>
+          <a:p>
+            <a:pPr marL="800100" lvl="1" indent="-342900">
+              <a:buFont typeface="Courier New" panose="02070309020205020404" pitchFamily="49" charset="0"/>
+              <a:buChar char="o"/>
+            </a:pPr>
+            <a:r>
+              <a:rPr lang="en-US" sz="1400" dirty="0"/>
+              <a:t>Document </a:t>
+            </a:r>
+            <a:r>
+              <a:rPr lang="en-US" sz="1400" dirty="0" err="1"/>
+              <a:t>Zowe</a:t>
+            </a:r>
+            <a:r>
+              <a:rPr lang="en-US" sz="1400" dirty="0"/>
+              <a:t> Docker support.</a:t>
+            </a:r>
+          </a:p>
+          <a:p>
+            <a:pPr marL="800100" lvl="1" indent="-342900">
+              <a:buFont typeface="Courier New" panose="02070309020205020404" pitchFamily="49" charset="0"/>
+              <a:buChar char="o"/>
+            </a:pPr>
+            <a:r>
+              <a:rPr lang="en-US" sz="1400" dirty="0"/>
+              <a:t>Document a project-based approach to configuring the CLI.</a:t>
+            </a:r>
+          </a:p>
+          <a:p>
+            <a:pPr marL="800100" lvl="1" indent="-342900">
+              <a:buFont typeface="Courier New" panose="02070309020205020404" pitchFamily="49" charset="0"/>
+              <a:buChar char="o"/>
+            </a:pPr>
+            <a:r>
+              <a:rPr lang="en-US" sz="1400" dirty="0"/>
+              <a:t>Add instructions for installing CLI from </a:t>
+            </a:r>
+            <a:r>
+              <a:rPr lang="en-US" sz="1400" dirty="0" err="1"/>
+              <a:t>npm</a:t>
+            </a:r>
+            <a:r>
+              <a:rPr lang="en-US" sz="1400" dirty="0"/>
+              <a:t> via proxy.</a:t>
+            </a:r>
+          </a:p>
+          <a:p>
+            <a:pPr marL="800100" lvl="1" indent="-342900">
+              <a:buFont typeface="Courier New" panose="02070309020205020404" pitchFamily="49" charset="0"/>
+              <a:buChar char="o"/>
+            </a:pPr>
+            <a:r>
+              <a:rPr lang="en-US" sz="1400" dirty="0"/>
+              <a:t>Document running CLI in Daemon mode.</a:t>
+            </a:r>
+          </a:p>
+          <a:p>
+            <a:pPr marL="800100" lvl="1" indent="-342900">
+              <a:buFont typeface="Courier New" panose="02070309020205020404" pitchFamily="49" charset="0"/>
+              <a:buChar char="o"/>
+            </a:pPr>
+            <a:r>
+              <a:rPr lang="en-US" sz="1400" dirty="0"/>
+              <a:t>Add documentation for Swift Client SDK (in addition to the Python and Node SDKs).</a:t>
+            </a:r>
+          </a:p>
+          <a:p>
+            <a:pPr marL="800100" lvl="1" indent="-342900">
+              <a:buFont typeface="Courier New" panose="02070309020205020404" pitchFamily="49" charset="0"/>
+              <a:buChar char="o"/>
+            </a:pPr>
+            <a:r>
+              <a:rPr lang="en-US" sz="1400" dirty="0"/>
+              <a:t>Document Node v14 support for CLI.</a:t>
+            </a:r>
+          </a:p>
+          <a:p>
+            <a:pPr marL="800100" lvl="1" indent="-342900">
+              <a:buFont typeface="Courier New" panose="02070309020205020404" pitchFamily="49" charset="0"/>
+              <a:buChar char="o"/>
+            </a:pPr>
+            <a:r>
+              <a:rPr lang="en-US" sz="1400" dirty="0"/>
+              <a:t>Document x.509 client certificate support for API ML</a:t>
+            </a:r>
+          </a:p>
+          <a:p>
+            <a:pPr marL="800100" lvl="1" indent="-342900">
+              <a:buFont typeface="Courier New" panose="02070309020205020404" pitchFamily="49" charset="0"/>
+              <a:buChar char="o"/>
+            </a:pPr>
+            <a:r>
+              <a:rPr lang="en-US" sz="1400" dirty="0"/>
+              <a:t>Document API ML as a standalone component</a:t>
+            </a:r>
+          </a:p>
+          <a:p>
+            <a:pPr marL="800100" lvl="1" indent="-342900">
+              <a:buFont typeface="Courier New" panose="02070309020205020404" pitchFamily="49" charset="0"/>
+              <a:buChar char="o"/>
+            </a:pPr>
+            <a:r>
+              <a:rPr lang="en-US" sz="1400" dirty="0"/>
+              <a:t>Document AT-TLS aware </a:t>
+            </a:r>
+            <a:r>
+              <a:rPr lang="en-US" sz="1400" dirty="0" err="1"/>
+              <a:t>Zowe</a:t>
+            </a:r>
+            <a:r>
+              <a:rPr lang="en-US" sz="1400" dirty="0"/>
+              <a:t> API ML</a:t>
+            </a:r>
+          </a:p>
+          <a:p>
+            <a:pPr marL="800100" lvl="1" indent="-342900">
+              <a:buFont typeface="Courier New" panose="02070309020205020404" pitchFamily="49" charset="0"/>
+              <a:buChar char="o"/>
+            </a:pPr>
+            <a:r>
+              <a:rPr lang="en-US" sz="1400" dirty="0"/>
+              <a:t>User guide to </a:t>
+            </a:r>
+            <a:r>
+              <a:rPr lang="en-US" sz="1400" dirty="0" err="1"/>
+              <a:t>Zowe</a:t>
+            </a:r>
+            <a:r>
+              <a:rPr lang="en-US" sz="1400" dirty="0"/>
+              <a:t> API ML Metrics dashboard</a:t>
+            </a:r>
+          </a:p>
+          <a:p>
+            <a:pPr marL="800100" lvl="1" indent="-342900">
+              <a:buFont typeface="Courier New" panose="02070309020205020404" pitchFamily="49" charset="0"/>
+              <a:buChar char="o"/>
+            </a:pPr>
+            <a:endParaRPr lang="en-US" sz="1600" dirty="0"/>
+          </a:p>
+          <a:p>
+            <a:pPr marL="342900" indent="-342900">
+              <a:buFont typeface="Arial" panose="020B0604020202020204" pitchFamily="34" charset="0"/>
+              <a:buChar char="•"/>
+            </a:pPr>
+            <a:r>
+              <a:rPr lang="en-US" sz="2000" dirty="0"/>
+              <a:t>Personalize doc filtering</a:t>
+            </a:r>
+          </a:p>
+          <a:p>
+            <a:pPr lvl="1"/>
+            <a:r>
+              <a:rPr lang="en-US" sz="1600" dirty="0"/>
+              <a:t>Allow </a:t>
+            </a:r>
+            <a:r>
+              <a:rPr lang="en-US" sz="1600" dirty="0" err="1"/>
+              <a:t>Zowe</a:t>
+            </a:r>
+            <a:r>
+              <a:rPr lang="en-US" sz="1600" dirty="0"/>
+              <a:t> users to browse doc by selecting an area of interest or component, role, and skill level. </a:t>
+            </a:r>
+            <a:r>
+              <a:rPr lang="en-US" sz="1600" dirty="0">
+                <a:hlinkClick r:id="rId3"/>
+              </a:rPr>
+              <a:t>#1257</a:t>
+            </a:r>
+            <a:endParaRPr lang="en-US" sz="1600" dirty="0"/>
+          </a:p>
+          <a:p>
+            <a:pPr lvl="1"/>
+            <a:endParaRPr lang="en-US" sz="1600" dirty="0"/>
+          </a:p>
+          <a:p>
+            <a:pPr marL="342900" indent="-342900">
+              <a:buFont typeface="Courier New" panose="02070309020205020404" pitchFamily="49" charset="0"/>
+              <a:buChar char="o"/>
+            </a:pPr>
+            <a:endParaRPr lang="en-US" sz="1600" dirty="0"/>
+          </a:p>
+          <a:p>
+            <a:pPr marL="444420" indent="-342900">
+              <a:spcBef>
+                <a:spcPts val="400"/>
+              </a:spcBef>
+              <a:buFont typeface="Arial" panose="020B0604020202020204" pitchFamily="34" charset="0"/>
+              <a:buChar char="•"/>
+            </a:pPr>
+            <a:endParaRPr lang="en-US" sz="2000" dirty="0"/>
+          </a:p>
+          <a:p>
+            <a:pPr marL="444420" indent="-342900">
+              <a:spcBef>
+                <a:spcPts val="400"/>
+              </a:spcBef>
+              <a:buFont typeface="Arial" panose="020B0604020202020204" pitchFamily="34" charset="0"/>
+              <a:buChar char="•"/>
+            </a:pPr>
+            <a:endParaRPr lang="en-US" sz="2000" spc="-1" dirty="0">
+              <a:solidFill>
+                <a:srgbClr val="000000"/>
+              </a:solidFill>
+            </a:endParaRPr>
+          </a:p>
+          <a:p>
+            <a:pPr marL="444420" indent="-342900">
+              <a:spcBef>
+                <a:spcPts val="400"/>
+              </a:spcBef>
+              <a:buFont typeface="Arial" panose="020B0604020202020204" pitchFamily="34" charset="0"/>
+              <a:buChar char="•"/>
+            </a:pPr>
+            <a:endParaRPr lang="en-US" sz="2000" dirty="0"/>
+          </a:p>
+        </p:txBody>
+      </p:sp>
+    </p:spTree>
+    <p:extLst>
+      <p:ext uri="{BB962C8B-B14F-4D97-AF65-F5344CB8AC3E}">
+        <p14:creationId xmlns:p14="http://schemas.microsoft.com/office/powerpoint/2010/main" val="1515099386"/>
+      </p:ext>
+    </p:extLst>
+  </p:cSld>
+  <p:clrMapOvr>
+    <a:masterClrMapping/>
+  </p:clrMapOvr>
+  <p:transition spd="med">
+    <p:fade/>
+  </p:transition>
+  <p:timing>
+    <p:tnLst>
+      <p:par>
+        <p:cTn id="1" dur="indefinite" restart="never" nodeType="tmRoot">
+          <p:childTnLst>
+            <p:seq>
+              <p:cTn id="2" dur="indefinite" nodeType="mainSeq"/>
+              <p:prevCondLst>
+                <p:cond evt="onPrev" delay="0">
+                  <p:tgtEl>
+                    <p:sldTgt/>
+                  </p:tgtEl>
+                </p:cond>
+              </p:prevCondLst>
+              <p:nextCondLst>
+                <p:cond evt="onNext" delay="0">
+                  <p:tgtEl>
+                    <p:sldTgt/>
+                  </p:tgtEl>
+                </p:cond>
+              </p:nextCondLst>
+            </p:seq>
+          </p:childTnLst>
+        </p:cTn>
+      </p:par>
+    </p:tnLst>
+  </p:timing>
+</p:sld>
+</file>
+
+<file path=ppt/slides/slide26.xml><?xml version="1.0" encoding="utf-8"?>
+<p:sld xmlns:a="http://schemas.openxmlformats.org/drawingml/2006/main" xmlns:r="http://schemas.openxmlformats.org/officeDocument/2006/relationships" xmlns:p="http://schemas.openxmlformats.org/presentationml/2006/main">
+  <p:cSld>
+    <p:spTree>
+      <p:nvGrpSpPr>
+        <p:cNvPr id="1" name=""/>
+        <p:cNvGrpSpPr/>
+        <p:nvPr/>
+      </p:nvGrpSpPr>
+      <p:grpSpPr>
+        <a:xfrm>
+          <a:off x="0" y="0"/>
+          <a:ext cx="0" cy="0"/>
+          <a:chOff x="0" y="0"/>
+          <a:chExt cx="0" cy="0"/>
+        </a:xfrm>
+      </p:grpSpPr>
+      <p:sp>
+        <p:nvSpPr>
+          <p:cNvPr id="3" name="TextShape 1">
+            <a:extLst>
+              <a:ext uri="{FF2B5EF4-FFF2-40B4-BE49-F238E27FC236}">
+                <a16:creationId xmlns:a16="http://schemas.microsoft.com/office/drawing/2014/main" id="{B8E8C5E1-9A2F-8E46-B0C3-2597185A9B7F}"/>
+              </a:ext>
+            </a:extLst>
+          </p:cNvPr>
+          <p:cNvSpPr txBox="1"/>
+          <p:nvPr/>
+        </p:nvSpPr>
+        <p:spPr>
+          <a:xfrm>
+            <a:off x="334080" y="159480"/>
+            <a:ext cx="7893720" cy="447120"/>
+          </a:xfrm>
+          <a:prstGeom prst="rect">
+            <a:avLst/>
+          </a:prstGeom>
+          <a:noFill/>
+          <a:ln>
+            <a:noFill/>
+          </a:ln>
+        </p:spPr>
+        <p:txBody>
+          <a:bodyPr tIns="91440" bIns="91440" anchor="ctr">
+            <a:noAutofit/>
+          </a:bodyPr>
+          <a:lstStyle/>
+          <a:p>
+            <a:pPr>
               <a:lnSpc>
                 <a:spcPct val="100000"/>
               </a:lnSpc>
+            </a:pPr>
+            <a:r>
+              <a:rPr lang="en-US" sz="3000" spc="-1" dirty="0" err="1">
+                <a:solidFill>
+                  <a:srgbClr val="262626"/>
+                </a:solidFill>
+                <a:latin typeface="+mj-lt"/>
+                <a:ea typeface="Gill Sans"/>
+              </a:rPr>
+              <a:t>Zowe</a:t>
+            </a:r>
+            <a:r>
+              <a:rPr lang="en-US" sz="3000" spc="-1" dirty="0">
+                <a:solidFill>
+                  <a:srgbClr val="262626"/>
+                </a:solidFill>
+                <a:latin typeface="+mj-lt"/>
+                <a:ea typeface="Gill Sans"/>
+              </a:rPr>
+              <a:t> Doc Squad</a:t>
+            </a:r>
+            <a:endParaRPr lang="en-US" sz="3000" b="0" strike="noStrike" spc="-1" dirty="0">
+              <a:solidFill>
+                <a:srgbClr val="000000"/>
+              </a:solidFill>
+              <a:latin typeface="+mj-lt"/>
+            </a:endParaRPr>
+          </a:p>
+        </p:txBody>
+      </p:sp>
+      <p:sp>
+        <p:nvSpPr>
+          <p:cNvPr id="4" name="TextShape 2">
+            <a:extLst>
+              <a:ext uri="{FF2B5EF4-FFF2-40B4-BE49-F238E27FC236}">
+                <a16:creationId xmlns:a16="http://schemas.microsoft.com/office/drawing/2014/main" id="{16E3B48C-0643-244A-8DA1-7DC8253189C5}"/>
+              </a:ext>
+            </a:extLst>
+          </p:cNvPr>
+          <p:cNvSpPr txBox="1"/>
+          <p:nvPr/>
+        </p:nvSpPr>
+        <p:spPr>
+          <a:xfrm>
+            <a:off x="334080" y="813291"/>
+            <a:ext cx="8087431" cy="4170729"/>
+          </a:xfrm>
+          <a:prstGeom prst="rect">
+            <a:avLst/>
+          </a:prstGeom>
+          <a:noFill/>
+          <a:ln>
+            <a:noFill/>
+          </a:ln>
+        </p:spPr>
+        <p:txBody>
+          <a:bodyPr tIns="91440" bIns="91440">
+            <a:noAutofit/>
+          </a:bodyPr>
+          <a:lstStyle/>
+          <a:p>
+            <a:pPr marL="444420" lvl="0" indent="-342900">
               <a:spcBef>
                 <a:spcPts val="400"/>
               </a:spcBef>
-              <a:buClr>
-                <a:srgbClr val="000000"/>
-              </a:buClr>
-              <a:buFont typeface="Arial"/>
+              <a:buFont typeface="Arial" panose="020B0604020202020204" pitchFamily="34" charset="0"/>
               <a:buChar char="•"/>
             </a:pPr>
             <a:r>
-              <a:rPr lang="en-US" sz="1800" b="0" strike="noStrike" spc="-1" dirty="0">
-                <a:solidFill>
-                  <a:srgbClr val="000000"/>
-                </a:solidFill>
-                <a:latin typeface="Gill Sans"/>
-                <a:ea typeface="Gill Sans"/>
-              </a:rPr>
-              <a:t>TBD</a:t>
-            </a:r>
-            <a:endParaRPr lang="en-US" sz="1600" b="0" strike="noStrike" spc="-1" dirty="0">
+              <a:rPr lang="en-US" sz="2000" dirty="0">
+                <a:solidFill>
+                  <a:prstClr val="black"/>
+                </a:solidFill>
+              </a:rPr>
+              <a:t>Provide better contribution doc</a:t>
+            </a:r>
+          </a:p>
+          <a:p>
+            <a:pPr lvl="1"/>
+            <a:r>
+              <a:rPr lang="en-US" sz="1600" dirty="0"/>
+              <a:t>Enrich and improve contribution documentation and guidelines on the </a:t>
+            </a:r>
+            <a:r>
+              <a:rPr lang="en-US" sz="1600" dirty="0" err="1"/>
+              <a:t>Zowe</a:t>
+            </a:r>
+            <a:r>
+              <a:rPr lang="en-US" sz="1600" dirty="0"/>
+              <a:t> docs site to provide clear process, links to related education, examples, and demos where necessary.</a:t>
+            </a:r>
+          </a:p>
+          <a:p>
+            <a:pPr lvl="1"/>
+            <a:endParaRPr lang="en-US" sz="1600" dirty="0"/>
+          </a:p>
+          <a:p>
+            <a:pPr marL="444420" indent="-342900">
+              <a:spcBef>
+                <a:spcPts val="400"/>
+              </a:spcBef>
+              <a:buFont typeface="Arial" panose="020B0604020202020204" pitchFamily="34" charset="0"/>
+              <a:buChar char="•"/>
+            </a:pPr>
+            <a:r>
+              <a:rPr lang="en-US" sz="2000" dirty="0"/>
+              <a:t>Improve content experience</a:t>
+            </a:r>
+          </a:p>
+          <a:p>
+            <a:pPr marL="800100" lvl="1" indent="-342900">
+              <a:buFont typeface="Courier New" panose="02070309020205020404" pitchFamily="49" charset="0"/>
+              <a:buChar char="o"/>
+            </a:pPr>
+            <a:r>
+              <a:rPr lang="en-US" sz="1400" dirty="0"/>
+              <a:t>CLI - More tips/examples about issuing commands. </a:t>
+            </a:r>
+            <a:r>
+              <a:rPr lang="en-US" sz="1400" dirty="0">
+                <a:hlinkClick r:id="rId3"/>
+              </a:rPr>
+              <a:t>#487</a:t>
+            </a:r>
+            <a:endParaRPr lang="en-US" sz="1400" dirty="0"/>
+          </a:p>
+          <a:p>
+            <a:pPr marL="800100" lvl="1" indent="-342900">
+              <a:buFont typeface="Courier New" panose="02070309020205020404" pitchFamily="49" charset="0"/>
+              <a:buChar char="o"/>
+            </a:pPr>
+            <a:r>
+              <a:rPr lang="en-US" sz="1400" dirty="0"/>
+              <a:t>CLI - Document the plugin profile types </a:t>
+            </a:r>
+            <a:r>
+              <a:rPr lang="en-US" sz="1400" dirty="0">
+                <a:hlinkClick r:id="rId3"/>
+              </a:rPr>
+              <a:t>#487</a:t>
+            </a:r>
+            <a:endParaRPr lang="en-US" sz="1400" dirty="0"/>
+          </a:p>
+          <a:p>
+            <a:pPr marL="800100" lvl="1" indent="-342900">
+              <a:buFont typeface="Courier New" panose="02070309020205020404" pitchFamily="49" charset="0"/>
+              <a:buChar char="o"/>
+            </a:pPr>
+            <a:r>
+              <a:rPr lang="en-US" sz="1400" dirty="0"/>
+              <a:t>Create a key concepts chapter to educate users the basic concepts in </a:t>
+            </a:r>
+            <a:r>
+              <a:rPr lang="en-US" sz="1400" dirty="0" err="1"/>
+              <a:t>Zowe</a:t>
+            </a:r>
+            <a:r>
+              <a:rPr lang="en-US" sz="1400" dirty="0"/>
+              <a:t> </a:t>
+            </a:r>
+            <a:r>
+              <a:rPr lang="en-US" sz="1400" dirty="0">
+                <a:hlinkClick r:id="rId4"/>
+              </a:rPr>
+              <a:t>#1319</a:t>
+            </a:r>
+            <a:endParaRPr lang="en-US" sz="1400" dirty="0"/>
+          </a:p>
+          <a:p>
+            <a:pPr marL="800100" lvl="1" indent="-342900">
+              <a:buFont typeface="Courier New" panose="02070309020205020404" pitchFamily="49" charset="0"/>
+              <a:buChar char="o"/>
+            </a:pPr>
+            <a:r>
+              <a:rPr lang="en-US" sz="1400" dirty="0"/>
+              <a:t>Improve home page design </a:t>
+            </a:r>
+            <a:r>
+              <a:rPr lang="en-US" sz="1400" dirty="0">
+                <a:hlinkClick r:id="rId5"/>
+              </a:rPr>
+              <a:t>#532</a:t>
+            </a:r>
+            <a:endParaRPr lang="en-US" sz="1400" dirty="0"/>
+          </a:p>
+          <a:p>
+            <a:pPr marL="800100" lvl="1" indent="-342900">
+              <a:buFont typeface="Courier New" panose="02070309020205020404" pitchFamily="49" charset="0"/>
+              <a:buChar char="o"/>
+            </a:pPr>
+            <a:r>
+              <a:rPr lang="en-US" sz="1400" dirty="0"/>
+              <a:t>Clearly separate manual from workflow approach for customization </a:t>
+            </a:r>
+            <a:r>
+              <a:rPr lang="en-US" sz="1400" dirty="0">
+                <a:hlinkClick r:id="rId6"/>
+              </a:rPr>
+              <a:t>#1326</a:t>
+            </a:r>
+            <a:endParaRPr lang="en-US" sz="1400" dirty="0"/>
+          </a:p>
+          <a:p>
+            <a:pPr marL="800100" lvl="1" indent="-342900">
+              <a:buFont typeface="Courier New" panose="02070309020205020404" pitchFamily="49" charset="0"/>
+              <a:buChar char="o"/>
+            </a:pPr>
+            <a:r>
+              <a:rPr lang="en-US" sz="1400" dirty="0"/>
+              <a:t>Improve the API ML security doc to provide a coherent and consistent overview of the API ML security concepts and features </a:t>
+            </a:r>
+            <a:r>
+              <a:rPr lang="en-US" sz="1400" dirty="0">
+                <a:hlinkClick r:id="rId7"/>
+              </a:rPr>
+              <a:t>#1427</a:t>
+            </a:r>
+            <a:endParaRPr lang="en-US" sz="1600" dirty="0"/>
+          </a:p>
+          <a:p>
+            <a:pPr marL="444420" indent="-342900">
+              <a:spcBef>
+                <a:spcPts val="400"/>
+              </a:spcBef>
+              <a:buFont typeface="Arial" panose="020B0604020202020204" pitchFamily="34" charset="0"/>
+              <a:buChar char="•"/>
+            </a:pPr>
+            <a:endParaRPr lang="en-US" sz="2000" spc="-1" dirty="0">
               <a:solidFill>
                 <a:srgbClr val="000000"/>
               </a:solidFill>
-              <a:latin typeface="Arial"/>
-            </a:endParaRPr>
+            </a:endParaRPr>
+          </a:p>
+          <a:p>
+            <a:pPr marL="444420" indent="-342900">
+              <a:spcBef>
+                <a:spcPts val="400"/>
+              </a:spcBef>
+              <a:buFont typeface="Arial" panose="020B0604020202020204" pitchFamily="34" charset="0"/>
+              <a:buChar char="•"/>
+            </a:pPr>
+            <a:endParaRPr lang="en-US" sz="2000" dirty="0"/>
           </a:p>
         </p:txBody>
       </p:sp>
     </p:spTree>
     <p:extLst>
       <p:ext uri="{BB962C8B-B14F-4D97-AF65-F5344CB8AC3E}">
-        <p14:creationId xmlns:p14="http://schemas.microsoft.com/office/powerpoint/2010/main" val="2500032759"/>
+        <p14:creationId xmlns:p14="http://schemas.microsoft.com/office/powerpoint/2010/main" val="3872474735"/>
+      </p:ext>
+    </p:extLst>
+  </p:cSld>
+  <p:clrMapOvr>
+    <a:masterClrMapping/>
+  </p:clrMapOvr>
+  <p:transition spd="med">
+    <p:fade/>
+  </p:transition>
+  <p:timing>
+    <p:tnLst>
+      <p:par>
+        <p:cTn id="1" dur="indefinite" restart="never" nodeType="tmRoot">
+          <p:childTnLst>
+            <p:seq>
+              <p:cTn id="2" dur="indefinite" nodeType="mainSeq"/>
+              <p:prevCondLst>
+                <p:cond evt="onPrev" delay="0">
+                  <p:tgtEl>
+                    <p:sldTgt/>
+                  </p:tgtEl>
+                </p:cond>
+              </p:prevCondLst>
+              <p:nextCondLst>
+                <p:cond evt="onNext" delay="0">
+                  <p:tgtEl>
+                    <p:sldTgt/>
+                  </p:tgtEl>
+                </p:cond>
+              </p:nextCondLst>
+            </p:seq>
+          </p:childTnLst>
+        </p:cTn>
+      </p:par>
+    </p:tnLst>
+  </p:timing>
+</p:sld>
+</file>
+
+<file path=ppt/slides/slide27.xml><?xml version="1.0" encoding="utf-8"?>
+<p:sld xmlns:a="http://schemas.openxmlformats.org/drawingml/2006/main" xmlns:r="http://schemas.openxmlformats.org/officeDocument/2006/relationships" xmlns:p="http://schemas.openxmlformats.org/presentationml/2006/main">
+  <p:cSld>
+    <p:spTree>
+      <p:nvGrpSpPr>
+        <p:cNvPr id="1" name=""/>
+        <p:cNvGrpSpPr/>
+        <p:nvPr/>
+      </p:nvGrpSpPr>
+      <p:grpSpPr>
+        <a:xfrm>
+          <a:off x="0" y="0"/>
+          <a:ext cx="0" cy="0"/>
+          <a:chOff x="0" y="0"/>
+          <a:chExt cx="0" cy="0"/>
+        </a:xfrm>
+      </p:grpSpPr>
+      <p:sp>
+        <p:nvSpPr>
+          <p:cNvPr id="3" name="TextShape 1">
+            <a:extLst>
+              <a:ext uri="{FF2B5EF4-FFF2-40B4-BE49-F238E27FC236}">
+                <a16:creationId xmlns:a16="http://schemas.microsoft.com/office/drawing/2014/main" id="{B8E8C5E1-9A2F-8E46-B0C3-2597185A9B7F}"/>
+              </a:ext>
+            </a:extLst>
+          </p:cNvPr>
+          <p:cNvSpPr txBox="1"/>
+          <p:nvPr/>
+        </p:nvSpPr>
+        <p:spPr>
+          <a:xfrm>
+            <a:off x="334080" y="159480"/>
+            <a:ext cx="7893720" cy="447120"/>
+          </a:xfrm>
+          <a:prstGeom prst="rect">
+            <a:avLst/>
+          </a:prstGeom>
+          <a:noFill/>
+          <a:ln>
+            <a:noFill/>
+          </a:ln>
+        </p:spPr>
+        <p:txBody>
+          <a:bodyPr tIns="91440" bIns="91440" anchor="ctr">
+            <a:noAutofit/>
+          </a:bodyPr>
+          <a:lstStyle/>
+          <a:p>
+            <a:pPr>
+              <a:lnSpc>
+                <a:spcPct val="100000"/>
+              </a:lnSpc>
+            </a:pPr>
+            <a:r>
+              <a:rPr lang="en-US" sz="3000" spc="-1" dirty="0" err="1">
+                <a:solidFill>
+                  <a:srgbClr val="262626"/>
+                </a:solidFill>
+                <a:latin typeface="+mj-lt"/>
+                <a:ea typeface="Gill Sans"/>
+              </a:rPr>
+              <a:t>Zowe</a:t>
+            </a:r>
+            <a:r>
+              <a:rPr lang="en-US" sz="3000" spc="-1" dirty="0">
+                <a:solidFill>
+                  <a:srgbClr val="262626"/>
+                </a:solidFill>
+                <a:latin typeface="+mj-lt"/>
+                <a:ea typeface="Gill Sans"/>
+              </a:rPr>
+              <a:t> Doc Squad</a:t>
+            </a:r>
+            <a:endParaRPr lang="en-US" sz="3000" b="0" strike="noStrike" spc="-1" dirty="0">
+              <a:solidFill>
+                <a:srgbClr val="000000"/>
+              </a:solidFill>
+              <a:latin typeface="+mj-lt"/>
+            </a:endParaRPr>
+          </a:p>
+        </p:txBody>
+      </p:sp>
+      <p:sp>
+        <p:nvSpPr>
+          <p:cNvPr id="4" name="TextShape 2">
+            <a:extLst>
+              <a:ext uri="{FF2B5EF4-FFF2-40B4-BE49-F238E27FC236}">
+                <a16:creationId xmlns:a16="http://schemas.microsoft.com/office/drawing/2014/main" id="{16E3B48C-0643-244A-8DA1-7DC8253189C5}"/>
+              </a:ext>
+            </a:extLst>
+          </p:cNvPr>
+          <p:cNvSpPr txBox="1"/>
+          <p:nvPr/>
+        </p:nvSpPr>
+        <p:spPr>
+          <a:xfrm>
+            <a:off x="334080" y="813291"/>
+            <a:ext cx="8269762" cy="4170729"/>
+          </a:xfrm>
+          <a:prstGeom prst="rect">
+            <a:avLst/>
+          </a:prstGeom>
+          <a:noFill/>
+          <a:ln>
+            <a:noFill/>
+          </a:ln>
+        </p:spPr>
+        <p:txBody>
+          <a:bodyPr tIns="91440" bIns="91440">
+            <a:noAutofit/>
+          </a:bodyPr>
+          <a:lstStyle/>
+          <a:p>
+            <a:pPr marL="444420" indent="-342900">
+              <a:spcBef>
+                <a:spcPts val="400"/>
+              </a:spcBef>
+              <a:buFont typeface="Arial" panose="020B0604020202020204" pitchFamily="34" charset="0"/>
+              <a:buChar char="•"/>
+            </a:pPr>
+            <a:r>
+              <a:rPr lang="en-US" sz="2000" dirty="0" err="1"/>
+              <a:t>Github</a:t>
+            </a:r>
+            <a:r>
+              <a:rPr lang="en-US" sz="2000" dirty="0"/>
+              <a:t> wiki doc integration</a:t>
+            </a:r>
+          </a:p>
+          <a:p>
+            <a:pPr marL="558720" lvl="1">
+              <a:spcBef>
+                <a:spcPts val="400"/>
+              </a:spcBef>
+            </a:pPr>
+            <a:r>
+              <a:rPr lang="en-US" sz="1600" dirty="0"/>
+              <a:t>Migrate information being written on the wiki into the doc site. This consolidates scattered documentation in one central location and makes users access them more quickly, comfortably, and easily.</a:t>
+            </a:r>
+          </a:p>
+          <a:p>
+            <a:pPr marL="558720" lvl="1">
+              <a:spcBef>
+                <a:spcPts val="400"/>
+              </a:spcBef>
+            </a:pPr>
+            <a:endParaRPr lang="en-US" sz="1600" spc="-1" dirty="0">
+              <a:solidFill>
+                <a:srgbClr val="000000"/>
+              </a:solidFill>
+              <a:latin typeface="Gill Sans"/>
+              <a:ea typeface="Gill Sans"/>
+            </a:endParaRPr>
+          </a:p>
+          <a:p>
+            <a:pPr marL="558720" lvl="1">
+              <a:spcBef>
+                <a:spcPts val="400"/>
+              </a:spcBef>
+            </a:pPr>
+            <a:endParaRPr lang="en-US" sz="1600" spc="-1" dirty="0">
+              <a:solidFill>
+                <a:srgbClr val="000000"/>
+              </a:solidFill>
+              <a:latin typeface="Gill Sans"/>
+              <a:ea typeface="Gill Sans"/>
+            </a:endParaRPr>
+          </a:p>
+          <a:p>
+            <a:pPr marL="444420" indent="-342900">
+              <a:spcBef>
+                <a:spcPts val="400"/>
+              </a:spcBef>
+              <a:buFont typeface="Arial" panose="020B0604020202020204" pitchFamily="34" charset="0"/>
+              <a:buChar char="•"/>
+            </a:pPr>
+            <a:r>
+              <a:rPr lang="en-US" sz="2000" spc="-1" dirty="0">
+                <a:solidFill>
+                  <a:srgbClr val="000000"/>
+                </a:solidFill>
+                <a:latin typeface="+mj-lt"/>
+                <a:ea typeface="Gill Sans"/>
+              </a:rPr>
+              <a:t>Data-driven content gap analysis</a:t>
+            </a:r>
+          </a:p>
+          <a:p>
+            <a:pPr marL="558720" lvl="1">
+              <a:spcBef>
+                <a:spcPts val="400"/>
+              </a:spcBef>
+            </a:pPr>
+            <a:r>
+              <a:rPr lang="en-US" sz="1600" spc="-1" dirty="0">
+                <a:solidFill>
+                  <a:srgbClr val="000000"/>
+                </a:solidFill>
+                <a:latin typeface="+mj-lt"/>
+                <a:ea typeface="Gill Sans"/>
+              </a:rPr>
+              <a:t>Identify content gaps and improvement areas by analyzing metrics and </a:t>
+            </a:r>
+            <a:r>
+              <a:rPr lang="en-US" altLang="zh-CN" sz="1600" spc="-1" dirty="0">
+                <a:solidFill>
+                  <a:srgbClr val="000000"/>
+                </a:solidFill>
+                <a:latin typeface="+mj-lt"/>
+                <a:ea typeface="Gill Sans"/>
+              </a:rPr>
+              <a:t>user</a:t>
+            </a:r>
+            <a:r>
+              <a:rPr lang="zh-CN" altLang="en-US" sz="1600" spc="-1" dirty="0">
+                <a:solidFill>
+                  <a:srgbClr val="000000"/>
+                </a:solidFill>
+                <a:latin typeface="+mj-lt"/>
+                <a:ea typeface="Gill Sans"/>
+              </a:rPr>
+              <a:t> </a:t>
+            </a:r>
+            <a:r>
+              <a:rPr lang="en-US" altLang="zh-CN" sz="1600" spc="-1" dirty="0">
+                <a:solidFill>
+                  <a:srgbClr val="000000"/>
+                </a:solidFill>
+                <a:latin typeface="+mj-lt"/>
+                <a:ea typeface="Gill Sans"/>
+              </a:rPr>
+              <a:t>feedback </a:t>
+            </a:r>
+            <a:r>
+              <a:rPr lang="en-US" sz="1600" spc="-1" dirty="0">
+                <a:solidFill>
+                  <a:srgbClr val="000000"/>
+                </a:solidFill>
+                <a:latin typeface="+mj-lt"/>
+                <a:ea typeface="Gill Sans"/>
+              </a:rPr>
+              <a:t>for the docs site.</a:t>
+            </a:r>
+          </a:p>
+          <a:p>
+            <a:pPr marL="444420" indent="-342900">
+              <a:spcBef>
+                <a:spcPts val="400"/>
+              </a:spcBef>
+              <a:buFont typeface="Arial" panose="020B0604020202020204" pitchFamily="34" charset="0"/>
+              <a:buChar char="•"/>
+            </a:pPr>
+            <a:endParaRPr lang="en-US" sz="2000" spc="-1" dirty="0">
+              <a:solidFill>
+                <a:srgbClr val="000000"/>
+              </a:solidFill>
+            </a:endParaRPr>
+          </a:p>
+          <a:p>
+            <a:pPr marL="444420" indent="-342900">
+              <a:spcBef>
+                <a:spcPts val="400"/>
+              </a:spcBef>
+              <a:buFont typeface="Arial" panose="020B0604020202020204" pitchFamily="34" charset="0"/>
+              <a:buChar char="•"/>
+            </a:pPr>
+            <a:endParaRPr lang="en-US" sz="2000" dirty="0"/>
+          </a:p>
+        </p:txBody>
+      </p:sp>
+    </p:spTree>
+    <p:extLst>
+      <p:ext uri="{BB962C8B-B14F-4D97-AF65-F5344CB8AC3E}">
+        <p14:creationId xmlns:p14="http://schemas.microsoft.com/office/powerpoint/2010/main" val="1420107054"/>
+      </p:ext>
+    </p:extLst>
+  </p:cSld>
+  <p:clrMapOvr>
+    <a:masterClrMapping/>
+  </p:clrMapOvr>
+  <p:transition spd="med">
+    <p:fade/>
+  </p:transition>
+  <p:timing>
+    <p:tnLst>
+      <p:par>
+        <p:cTn id="1" dur="indefinite" restart="never" nodeType="tmRoot">
+          <p:childTnLst>
+            <p:seq>
+              <p:cTn id="2" dur="indefinite" nodeType="mainSeq"/>
+              <p:prevCondLst>
+                <p:cond evt="onPrev" delay="0">
+                  <p:tgtEl>
+                    <p:sldTgt/>
+                  </p:tgtEl>
+                </p:cond>
+              </p:prevCondLst>
+              <p:nextCondLst>
+                <p:cond evt="onNext" delay="0">
+                  <p:tgtEl>
+                    <p:sldTgt/>
+                  </p:tgtEl>
+                </p:cond>
+              </p:nextCondLst>
+            </p:seq>
+          </p:childTnLst>
+        </p:cTn>
+      </p:par>
+    </p:tnLst>
+  </p:timing>
+</p:sld>
+</file>
+
+<file path=ppt/slides/slide28.xml><?xml version="1.0" encoding="utf-8"?>
+<p:sld xmlns:a="http://schemas.openxmlformats.org/drawingml/2006/main" xmlns:r="http://schemas.openxmlformats.org/officeDocument/2006/relationships" xmlns:p="http://schemas.openxmlformats.org/presentationml/2006/main">
+  <p:cSld>
+    <p:spTree>
+      <p:nvGrpSpPr>
+        <p:cNvPr id="1" name=""/>
+        <p:cNvGrpSpPr/>
+        <p:nvPr/>
+      </p:nvGrpSpPr>
+      <p:grpSpPr>
+        <a:xfrm>
+          <a:off x="0" y="0"/>
+          <a:ext cx="0" cy="0"/>
+          <a:chOff x="0" y="0"/>
+          <a:chExt cx="0" cy="0"/>
+        </a:xfrm>
+      </p:grpSpPr>
+      <p:sp>
+        <p:nvSpPr>
+          <p:cNvPr id="180" name="TextShape 1"/>
+          <p:cNvSpPr txBox="1"/>
+          <p:nvPr/>
+        </p:nvSpPr>
+        <p:spPr>
+          <a:xfrm>
+            <a:off x="334080" y="159480"/>
+            <a:ext cx="7893720" cy="447120"/>
+          </a:xfrm>
+          <a:prstGeom prst="rect">
+            <a:avLst/>
+          </a:prstGeom>
+          <a:noFill/>
+          <a:ln>
+            <a:noFill/>
+          </a:ln>
+        </p:spPr>
+        <p:txBody>
+          <a:bodyPr tIns="91440" bIns="91440" anchor="ctr">
+            <a:noAutofit/>
+          </a:bodyPr>
+          <a:lstStyle/>
+          <a:p>
+            <a:pPr>
+              <a:lnSpc>
+                <a:spcPct val="100000"/>
+              </a:lnSpc>
+            </a:pPr>
+            <a:r>
+              <a:rPr lang="en-US" sz="3000" b="0" strike="noStrike" spc="-1" dirty="0">
+                <a:solidFill>
+                  <a:srgbClr val="262626"/>
+                </a:solidFill>
+                <a:latin typeface="+mj-lt"/>
+                <a:ea typeface="Gill Sans"/>
+              </a:rPr>
+              <a:t>Dependencies</a:t>
+            </a:r>
+            <a:endParaRPr lang="en-US" sz="3000" b="0" strike="noStrike" spc="-1" dirty="0">
+              <a:solidFill>
+                <a:srgbClr val="000000"/>
+              </a:solidFill>
+              <a:latin typeface="+mj-lt"/>
+            </a:endParaRPr>
+          </a:p>
+        </p:txBody>
+      </p:sp>
+      <p:sp>
+        <p:nvSpPr>
+          <p:cNvPr id="181" name="TextShape 2"/>
+          <p:cNvSpPr txBox="1"/>
+          <p:nvPr/>
+        </p:nvSpPr>
+        <p:spPr>
+          <a:xfrm>
+            <a:off x="306360" y="774000"/>
+            <a:ext cx="8368920" cy="4147560"/>
+          </a:xfrm>
+          <a:prstGeom prst="rect">
+            <a:avLst/>
+          </a:prstGeom>
+          <a:noFill/>
+          <a:ln>
+            <a:noFill/>
+          </a:ln>
+        </p:spPr>
+        <p:txBody>
+          <a:bodyPr tIns="91440" bIns="91440">
+            <a:noAutofit/>
+          </a:bodyPr>
+          <a:lstStyle/>
+          <a:p>
+            <a:pPr marL="444780" indent="-342900">
+              <a:lnSpc>
+                <a:spcPct val="100000"/>
+              </a:lnSpc>
+              <a:spcBef>
+                <a:spcPts val="400"/>
+              </a:spcBef>
+              <a:buClr>
+                <a:srgbClr val="000000"/>
+              </a:buClr>
+              <a:buFont typeface="Arial" panose="020B0604020202020204" pitchFamily="34" charset="0"/>
+              <a:buChar char="•"/>
+            </a:pPr>
+            <a:r>
+              <a:rPr lang="en-US" sz="2000" dirty="0"/>
+              <a:t>All squads: collaborate on creating new feature content and improving content experience.</a:t>
+            </a:r>
+          </a:p>
+          <a:p>
+            <a:pPr marL="444780" indent="-342900">
+              <a:lnSpc>
+                <a:spcPct val="100000"/>
+              </a:lnSpc>
+              <a:spcBef>
+                <a:spcPts val="400"/>
+              </a:spcBef>
+              <a:buClr>
+                <a:srgbClr val="000000"/>
+              </a:buClr>
+              <a:buFont typeface="Arial" panose="020B0604020202020204" pitchFamily="34" charset="0"/>
+              <a:buChar char="•"/>
+            </a:pPr>
+            <a:endParaRPr lang="en-US" sz="2000" dirty="0"/>
+          </a:p>
+          <a:p>
+            <a:pPr marL="444780" indent="-342900">
+              <a:lnSpc>
+                <a:spcPct val="100000"/>
+              </a:lnSpc>
+              <a:spcBef>
+                <a:spcPts val="400"/>
+              </a:spcBef>
+              <a:buClr>
+                <a:srgbClr val="000000"/>
+              </a:buClr>
+              <a:buFont typeface="Arial" panose="020B0604020202020204" pitchFamily="34" charset="0"/>
+              <a:buChar char="•"/>
+            </a:pPr>
+            <a:r>
+              <a:rPr lang="en-US" sz="2000" dirty="0"/>
+              <a:t>On-boarding squad: understand personas and resources.</a:t>
+            </a:r>
+          </a:p>
+          <a:p>
+            <a:pPr marL="444780" indent="-342900">
+              <a:lnSpc>
+                <a:spcPct val="100000"/>
+              </a:lnSpc>
+              <a:spcBef>
+                <a:spcPts val="400"/>
+              </a:spcBef>
+              <a:buClr>
+                <a:srgbClr val="000000"/>
+              </a:buClr>
+              <a:buFont typeface="Arial" panose="020B0604020202020204" pitchFamily="34" charset="0"/>
+              <a:buChar char="•"/>
+            </a:pPr>
+            <a:endParaRPr lang="en-US" sz="2000" dirty="0"/>
+          </a:p>
+          <a:p>
+            <a:pPr marL="444780" indent="-342900">
+              <a:lnSpc>
+                <a:spcPct val="100000"/>
+              </a:lnSpc>
+              <a:spcBef>
+                <a:spcPts val="400"/>
+              </a:spcBef>
+              <a:buClr>
+                <a:srgbClr val="000000"/>
+              </a:buClr>
+              <a:buFont typeface="Arial" panose="020B0604020202020204" pitchFamily="34" charset="0"/>
+              <a:buChar char="•"/>
+            </a:pPr>
+            <a:r>
+              <a:rPr lang="en-US" sz="2000" dirty="0"/>
+              <a:t>Systems, web UI squad: potential build support and UI review.</a:t>
+            </a:r>
+          </a:p>
+        </p:txBody>
+      </p:sp>
+    </p:spTree>
+    <p:extLst>
+      <p:ext uri="{BB962C8B-B14F-4D97-AF65-F5344CB8AC3E}">
+        <p14:creationId xmlns:p14="http://schemas.microsoft.com/office/powerpoint/2010/main" val="1812539045"/>
       </p:ext>
     </p:extLst>
   </p:cSld>
@@ -16195,6 +17865,198 @@
   </p:clrMapOvr>
   <p:transition spd="med">
     <p:fade thruBlk="1"/>
+  </p:transition>
+  <p:timing>
+    <p:tnLst>
+      <p:par>
+        <p:cTn id="1" dur="indefinite" restart="never" nodeType="tmRoot">
+          <p:childTnLst>
+            <p:seq>
+              <p:cTn id="2" dur="indefinite" nodeType="mainSeq"/>
+              <p:prevCondLst>
+                <p:cond evt="onPrev" delay="0">
+                  <p:tgtEl>
+                    <p:sldTgt/>
+                  </p:tgtEl>
+                </p:cond>
+              </p:prevCondLst>
+              <p:nextCondLst>
+                <p:cond evt="onNext" delay="0">
+                  <p:tgtEl>
+                    <p:sldTgt/>
+                  </p:tgtEl>
+                </p:cond>
+              </p:nextCondLst>
+            </p:seq>
+          </p:childTnLst>
+        </p:cTn>
+      </p:par>
+    </p:tnLst>
+  </p:timing>
+</p:sld>
+</file>
+
+<file path=ppt/slides/slide29.xml><?xml version="1.0" encoding="utf-8"?>
+<p:sld xmlns:a="http://schemas.openxmlformats.org/drawingml/2006/main" xmlns:r="http://schemas.openxmlformats.org/officeDocument/2006/relationships" xmlns:p="http://schemas.openxmlformats.org/presentationml/2006/main">
+  <p:cSld>
+    <p:spTree>
+      <p:nvGrpSpPr>
+        <p:cNvPr id="1" name=""/>
+        <p:cNvGrpSpPr/>
+        <p:nvPr/>
+      </p:nvGrpSpPr>
+      <p:grpSpPr>
+        <a:xfrm>
+          <a:off x="0" y="0"/>
+          <a:ext cx="0" cy="0"/>
+          <a:chOff x="0" y="0"/>
+          <a:chExt cx="0" cy="0"/>
+        </a:xfrm>
+      </p:grpSpPr>
+      <p:sp>
+        <p:nvSpPr>
+          <p:cNvPr id="2" name="Rectangle 1"/>
+          <p:cNvSpPr/>
+          <p:nvPr/>
+        </p:nvSpPr>
+        <p:spPr>
+          <a:xfrm>
+            <a:off x="352839" y="3180521"/>
+            <a:ext cx="7404652" cy="940257"/>
+          </a:xfrm>
+          <a:prstGeom prst="rect">
+            <a:avLst/>
+          </a:prstGeom>
+        </p:spPr>
+        <p:txBody>
+          <a:bodyPr wrap="square">
+            <a:spAutoFit/>
+          </a:bodyPr>
+          <a:lstStyle/>
+          <a:p>
+            <a:pPr marL="457200" marR="0" lvl="0" indent="-228240" algn="l" defTabSz="914400" rtl="0" eaLnBrk="1" fontAlgn="auto" latinLnBrk="0" hangingPunct="1">
+              <a:lnSpc>
+                <a:spcPct val="85000"/>
+              </a:lnSpc>
+              <a:spcBef>
+                <a:spcPts val="901"/>
+              </a:spcBef>
+              <a:spcAft>
+                <a:spcPts val="0"/>
+              </a:spcAft>
+              <a:buClrTx/>
+              <a:buSzTx/>
+              <a:buFontTx/>
+              <a:buNone/>
+              <a:tabLst/>
+              <a:defRPr/>
+            </a:pPr>
+            <a:r>
+              <a:rPr kumimoji="0" lang="en-US" sz="3200" b="1" i="0" u="none" strike="noStrike" kern="1200" cap="none" spc="-1" normalizeH="0" baseline="0" noProof="0" dirty="0" err="1">
+                <a:ln>
+                  <a:noFill/>
+                </a:ln>
+                <a:solidFill>
+                  <a:srgbClr val="000000"/>
+                </a:solidFill>
+                <a:effectLst/>
+                <a:uLnTx/>
+                <a:uFillTx/>
+                <a:latin typeface="Arial"/>
+                <a:ea typeface="Arial"/>
+              </a:rPr>
+              <a:t>Zowe</a:t>
+            </a:r>
+            <a:r>
+              <a:rPr kumimoji="0" lang="en-US" sz="3200" b="1" i="0" u="none" strike="noStrike" kern="1200" cap="none" spc="-1" normalizeH="0" baseline="0" noProof="0" dirty="0">
+                <a:ln>
+                  <a:noFill/>
+                </a:ln>
+                <a:solidFill>
+                  <a:srgbClr val="000000"/>
+                </a:solidFill>
+                <a:effectLst/>
+                <a:uLnTx/>
+                <a:uFillTx/>
+                <a:latin typeface="Arial"/>
+                <a:ea typeface="Arial"/>
+              </a:rPr>
+              <a:t> Squad Focus</a:t>
+            </a:r>
+            <a:endParaRPr kumimoji="0" lang="en-US" sz="3200" b="0" i="0" u="none" strike="noStrike" kern="1200" cap="none" spc="-1" normalizeH="0" baseline="0" noProof="0" dirty="0">
+              <a:ln>
+                <a:noFill/>
+              </a:ln>
+              <a:solidFill>
+                <a:srgbClr val="000000"/>
+              </a:solidFill>
+              <a:effectLst/>
+              <a:uLnTx/>
+              <a:uFillTx/>
+              <a:latin typeface="Arial"/>
+            </a:endParaRPr>
+          </a:p>
+          <a:p>
+            <a:pPr marL="457200" marR="0" lvl="0" indent="-228240" algn="l" defTabSz="914400" rtl="0" eaLnBrk="1" fontAlgn="auto" latinLnBrk="0" hangingPunct="1">
+              <a:lnSpc>
+                <a:spcPct val="85000"/>
+              </a:lnSpc>
+              <a:spcBef>
+                <a:spcPts val="901"/>
+              </a:spcBef>
+              <a:spcAft>
+                <a:spcPts val="0"/>
+              </a:spcAft>
+              <a:buClrTx/>
+              <a:buSzTx/>
+              <a:buFontTx/>
+              <a:buNone/>
+              <a:tabLst/>
+              <a:defRPr/>
+            </a:pPr>
+            <a:r>
+              <a:rPr kumimoji="0" lang="en-US" sz="2400" b="1" i="0" u="none" strike="noStrike" kern="1200" cap="none" spc="-1" normalizeH="0" baseline="0" noProof="0" dirty="0">
+                <a:ln>
+                  <a:noFill/>
+                </a:ln>
+                <a:solidFill>
+                  <a:srgbClr val="000000"/>
+                </a:solidFill>
+                <a:effectLst/>
+                <a:uLnTx/>
+                <a:uFillTx/>
+                <a:latin typeface="Arial"/>
+                <a:ea typeface="Arial"/>
+              </a:rPr>
+              <a:t>xxx</a:t>
+            </a:r>
+            <a:endParaRPr kumimoji="0" lang="en-US" sz="2000" b="0" i="0" u="none" strike="noStrike" kern="1200" cap="none" spc="-1" normalizeH="0" baseline="0" noProof="0" dirty="0">
+              <a:ln>
+                <a:noFill/>
+              </a:ln>
+              <a:solidFill>
+                <a:srgbClr val="000000"/>
+              </a:solidFill>
+              <a:effectLst/>
+              <a:uLnTx/>
+              <a:uFillTx/>
+              <a:latin typeface="Arial"/>
+            </a:endParaRPr>
+          </a:p>
+        </p:txBody>
+      </p:sp>
+    </p:spTree>
+    <p:extLst>
+      <p:ext uri="{BB962C8B-B14F-4D97-AF65-F5344CB8AC3E}">
+        <p14:creationId xmlns:p14="http://schemas.microsoft.com/office/powerpoint/2010/main" val="127585587"/>
+      </p:ext>
+    </p:extLst>
+  </p:cSld>
+  <p:clrMapOvr>
+    <a:masterClrMapping/>
+  </p:clrMapOvr>
+  <p:transition spd="med">
+    <p:fade/>
   </p:transition>
   <p:timing>
     <p:tnLst>
@@ -16444,6 +18306,55 @@
             </a:r>
           </a:p>
           <a:p>
+            <a:pPr marL="457200" indent="-355320">
+              <a:spcBef>
+                <a:spcPts val="400"/>
+              </a:spcBef>
+              <a:buClr>
+                <a:srgbClr val="000000"/>
+              </a:buClr>
+              <a:buFont typeface="Arial"/>
+              <a:buChar char="•"/>
+            </a:pPr>
+            <a:r>
+              <a:rPr lang="en-US" sz="2000" spc="-1" dirty="0" err="1">
+                <a:solidFill>
+                  <a:srgbClr val="000000"/>
+                </a:solidFill>
+              </a:rPr>
+              <a:t>Zowe</a:t>
+            </a:r>
+            <a:r>
+              <a:rPr lang="en-US" sz="2000" spc="-1" dirty="0">
+                <a:solidFill>
+                  <a:srgbClr val="000000"/>
+                </a:solidFill>
+              </a:rPr>
+              <a:t> Doc Squad Focus</a:t>
+            </a:r>
+          </a:p>
+          <a:p>
+            <a:pPr marL="457200" indent="-355320">
+              <a:lnSpc>
+                <a:spcPct val="100000"/>
+              </a:lnSpc>
+              <a:spcBef>
+                <a:spcPts val="400"/>
+              </a:spcBef>
+              <a:buClr>
+                <a:srgbClr val="000000"/>
+              </a:buClr>
+              <a:buFont typeface="Arial"/>
+              <a:buChar char="•"/>
+            </a:pPr>
+            <a:endParaRPr lang="en-US" sz="2000" b="0" strike="noStrike" spc="-1" dirty="0">
+              <a:solidFill>
+                <a:srgbClr val="000000"/>
+              </a:solidFill>
+              <a:latin typeface="+mj-lt"/>
+            </a:endParaRPr>
+          </a:p>
+          <a:p>
             <a:pPr>
               <a:lnSpc>
                 <a:spcPct val="100000"/>
@@ -16526,6 +18437,172 @@
         </p:txBody>
       </p:sp>
     </p:spTree>
+  </p:cSld>
+  <p:clrMapOvr>
+    <a:masterClrMapping/>
+  </p:clrMapOvr>
+  <p:transition spd="med">
+    <p:fade thruBlk="1"/>
+  </p:transition>
+  <p:timing>
+    <p:tnLst>
+      <p:par>
+        <p:cTn id="1" dur="indefinite" restart="never" nodeType="tmRoot">
+          <p:childTnLst>
+            <p:seq>
+              <p:cTn id="2" dur="indefinite" nodeType="mainSeq"/>
+              <p:prevCondLst>
+                <p:cond evt="onPrev" delay="0">
+                  <p:tgtEl>
+                    <p:sldTgt/>
+                  </p:tgtEl>
+                </p:cond>
+              </p:prevCondLst>
+              <p:nextCondLst>
+                <p:cond evt="onNext" delay="0">
+                  <p:tgtEl>
+                    <p:sldTgt/>
+                  </p:tgtEl>
+                </p:cond>
+              </p:nextCondLst>
+            </p:seq>
+          </p:childTnLst>
+        </p:cTn>
+      </p:par>
+    </p:tnLst>
+  </p:timing>
+</p:sld>
+</file>
+
+<file path=ppt/slides/slide30.xml><?xml version="1.0" encoding="utf-8"?>
+<p:sld xmlns:a="http://schemas.openxmlformats.org/drawingml/2006/main" xmlns:r="http://schemas.openxmlformats.org/officeDocument/2006/relationships" xmlns:p="http://schemas.openxmlformats.org/presentationml/2006/main">
+  <p:cSld>
+    <p:spTree>
+      <p:nvGrpSpPr>
+        <p:cNvPr id="1" name=""/>
+        <p:cNvGrpSpPr/>
+        <p:nvPr/>
+      </p:nvGrpSpPr>
+      <p:grpSpPr>
+        <a:xfrm>
+          <a:off x="0" y="0"/>
+          <a:ext cx="0" cy="0"/>
+          <a:chOff x="0" y="0"/>
+          <a:chExt cx="0" cy="0"/>
+        </a:xfrm>
+      </p:grpSpPr>
+      <p:sp>
+        <p:nvSpPr>
+          <p:cNvPr id="189" name="TextShape 1"/>
+          <p:cNvSpPr txBox="1"/>
+          <p:nvPr/>
+        </p:nvSpPr>
+        <p:spPr>
+          <a:xfrm>
+            <a:off x="334080" y="159480"/>
+            <a:ext cx="7893720" cy="447120"/>
+          </a:xfrm>
+          <a:prstGeom prst="rect">
+            <a:avLst/>
+          </a:prstGeom>
+          <a:noFill/>
+          <a:ln>
+            <a:noFill/>
+          </a:ln>
+        </p:spPr>
+        <p:txBody>
+          <a:bodyPr tIns="91440" bIns="91440" anchor="ctr">
+            <a:noAutofit/>
+          </a:bodyPr>
+          <a:lstStyle/>
+          <a:p>
+            <a:pPr>
+              <a:lnSpc>
+                <a:spcPct val="100000"/>
+              </a:lnSpc>
+            </a:pPr>
+            <a:r>
+              <a:rPr lang="en-US" sz="2600" b="0" strike="noStrike" spc="-1" dirty="0">
+                <a:solidFill>
+                  <a:srgbClr val="262626"/>
+                </a:solidFill>
+                <a:latin typeface="Gill Sans"/>
+                <a:ea typeface="Gill Sans"/>
+              </a:rPr>
+              <a:t>Title</a:t>
+            </a:r>
+            <a:endParaRPr lang="en-US" sz="2600" b="0" strike="noStrike" spc="-1" dirty="0">
+              <a:solidFill>
+                <a:srgbClr val="000000"/>
+              </a:solidFill>
+              <a:latin typeface="Arial"/>
+            </a:endParaRPr>
+          </a:p>
+        </p:txBody>
+      </p:sp>
+      <p:sp>
+        <p:nvSpPr>
+          <p:cNvPr id="190" name="TextShape 2"/>
+          <p:cNvSpPr txBox="1"/>
+          <p:nvPr/>
+        </p:nvSpPr>
+        <p:spPr>
+          <a:xfrm>
+            <a:off x="336600" y="682920"/>
+            <a:ext cx="8349840" cy="4177800"/>
+          </a:xfrm>
+          <a:prstGeom prst="rect">
+            <a:avLst/>
+          </a:prstGeom>
+          <a:noFill/>
+          <a:ln>
+            <a:noFill/>
+          </a:ln>
+        </p:spPr>
+        <p:txBody>
+          <a:bodyPr tIns="91440" bIns="91440">
+            <a:noAutofit/>
+          </a:bodyPr>
+          <a:lstStyle/>
+          <a:p>
+            <a:pPr marL="457200" indent="-355320">
+              <a:lnSpc>
+                <a:spcPct val="100000"/>
+              </a:lnSpc>
+              <a:spcBef>
+                <a:spcPts val="400"/>
+              </a:spcBef>
+              <a:buClr>
+                <a:srgbClr val="000000"/>
+              </a:buClr>
+              <a:buFont typeface="Arial"/>
+              <a:buChar char="•"/>
+            </a:pPr>
+            <a:r>
+              <a:rPr lang="en-US" sz="1800" b="0" strike="noStrike" spc="-1" dirty="0">
+                <a:solidFill>
+                  <a:srgbClr val="000000"/>
+                </a:solidFill>
+                <a:latin typeface="Gill Sans"/>
+                <a:ea typeface="Gill Sans"/>
+              </a:rPr>
+              <a:t>TBD</a:t>
+            </a:r>
+            <a:endParaRPr lang="en-US" sz="1600" b="0" strike="noStrike" spc="-1" dirty="0">
+              <a:solidFill>
+                <a:srgbClr val="000000"/>
+              </a:solidFill>
+              <a:latin typeface="Arial"/>
+            </a:endParaRPr>
+          </a:p>
+        </p:txBody>
+      </p:sp>
+    </p:spTree>
+    <p:extLst>
+      <p:ext uri="{BB962C8B-B14F-4D97-AF65-F5344CB8AC3E}">
+        <p14:creationId xmlns:p14="http://schemas.microsoft.com/office/powerpoint/2010/main" val="2500032759"/>
+      </p:ext>
+    </p:extLst>
   </p:cSld>
   <p:clrMapOvr>
     <a:masterClrMapping/>

--- a/Project Management/PI Planning/20PI4 Planning/Zowe Community Squad Focus for 20PI4.pptx
+++ b/Project Management/PI Planning/20PI4 Planning/Zowe Community Squad Focus for 20PI4.pptx
@@ -621,17 +621,7 @@
                 <a:latin typeface="Arial"/>
                 <a:ea typeface="Arial"/>
               </a:rPr>
-              <a:t>Customer apps may have their own way of supporting client </a:t>
-            </a:r>
-            <a:r>
-              <a:rPr lang="en-US" sz="1100" b="0" strike="noStrike" spc="-1" dirty="0" smtClean="0">
-                <a:solidFill>
-                  <a:srgbClr val="000000"/>
-                </a:solidFill>
-                <a:latin typeface="Arial"/>
-                <a:ea typeface="Arial"/>
-              </a:rPr>
-              <a:t>certs</a:t>
+              <a:t>Customer apps may have their own way of supporting client certs</a:t>
             </a:r>
           </a:p>
           <a:p>
@@ -640,7 +630,7 @@
                 <a:spcPct val="100000"/>
               </a:lnSpc>
             </a:pPr>
-            <a:endParaRPr lang="en-US" sz="1100" b="0" strike="noStrike" spc="-1" dirty="0" smtClean="0">
+            <a:endParaRPr lang="en-US" sz="1100" b="0" strike="noStrike" spc="-1" dirty="0">
               <a:solidFill>
                 <a:srgbClr val="000000"/>
               </a:solidFill>
@@ -654,7 +644,7 @@
               </a:lnSpc>
             </a:pPr>
             <a:r>
-              <a:rPr lang="en-US" sz="1100" b="0" strike="noStrike" spc="-1" dirty="0" smtClean="0">
+              <a:rPr lang="en-US" sz="1100" b="0" strike="noStrike" spc="-1" dirty="0">
                 <a:solidFill>
                   <a:srgbClr val="000000"/>
                 </a:solidFill>
@@ -670,7 +660,7 @@
               </a:lnSpc>
             </a:pPr>
             <a:r>
-              <a:rPr lang="en-US" sz="1100" b="0" strike="noStrike" spc="-1" dirty="0" smtClean="0">
+              <a:rPr lang="en-US" sz="1100" b="0" strike="noStrike" spc="-1" dirty="0">
                 <a:solidFill>
                   <a:srgbClr val="000000"/>
                 </a:solidFill>
@@ -686,7 +676,7 @@
               </a:lnSpc>
             </a:pPr>
             <a:r>
-              <a:rPr lang="en-US" sz="1100" b="0" strike="noStrike" spc="-1" dirty="0" smtClean="0">
+              <a:rPr lang="en-US" sz="1100" b="0" strike="noStrike" spc="-1" dirty="0">
                 <a:solidFill>
                   <a:srgbClr val="000000"/>
                 </a:solidFill>
@@ -695,7 +685,7 @@
               <a:t>Support needed from System Squad; introducing</a:t>
             </a:r>
             <a:r>
-              <a:rPr lang="en-US" sz="1100" b="0" strike="noStrike" spc="-1" baseline="0" dirty="0" smtClean="0">
+              <a:rPr lang="en-US" sz="1100" b="0" strike="noStrike" spc="-1" baseline="0" dirty="0">
                 <a:solidFill>
                   <a:srgbClr val="000000"/>
                 </a:solidFill>
@@ -2743,7 +2733,7 @@
               </a:lnSpc>
             </a:pPr>
             <a:r>
-              <a:rPr lang="en-US" sz="1200" kern="1200" dirty="0" smtClean="0">
+              <a:rPr lang="en-US" sz="1200" kern="1200" dirty="0">
                 <a:solidFill>
                   <a:schemeClr val="tx1"/>
                 </a:solidFill>
@@ -2755,7 +2745,7 @@
               <a:t>The initial Metrics Service will include basic monitoring information and features, relying heavily on pre-configuration given by Netflix </a:t>
             </a:r>
             <a:r>
-              <a:rPr lang="en-US" sz="1200" kern="1200" dirty="0" err="1" smtClean="0">
+              <a:rPr lang="en-US" sz="1200" kern="1200" dirty="0" err="1">
                 <a:solidFill>
                   <a:schemeClr val="tx1"/>
                 </a:solidFill>
@@ -2767,7 +2757,7 @@
               <a:t>Hystrix</a:t>
             </a:r>
             <a:r>
-              <a:rPr lang="en-US" sz="1200" kern="1200" dirty="0" smtClean="0">
+              <a:rPr lang="en-US" sz="1200" kern="1200" dirty="0">
                 <a:solidFill>
                   <a:schemeClr val="tx1"/>
                 </a:solidFill>
@@ -2778,7 +2768,7 @@
               </a:rPr>
               <a:t> and Turbine. As the service is implemented and matures, further features could be added that allow for more customization.</a:t>
             </a:r>
-            <a:endParaRPr lang="en-US" sz="1100" spc="-1" dirty="0" smtClean="0">
+            <a:endParaRPr lang="en-US" sz="1100" spc="-1" dirty="0">
               <a:solidFill>
                 <a:srgbClr val="000000"/>
               </a:solidFill>
@@ -2792,7 +2782,7 @@
                 <a:spcPct val="100000"/>
               </a:lnSpc>
             </a:pPr>
-            <a:endParaRPr lang="en-US" sz="1100" spc="-1" dirty="0" smtClean="0">
+            <a:endParaRPr lang="en-US" sz="1100" spc="-1" dirty="0">
               <a:solidFill>
                 <a:srgbClr val="000000"/>
               </a:solidFill>
@@ -2807,7 +2797,7 @@
               </a:lnSpc>
             </a:pPr>
             <a:r>
-              <a:rPr lang="en-US" sz="1100" spc="-1" dirty="0" smtClean="0">
+              <a:rPr lang="en-US" sz="1100" spc="-1" dirty="0">
                 <a:solidFill>
                   <a:srgbClr val="000000"/>
                 </a:solidFill>
@@ -2823,7 +2813,7 @@
                 <a:spcPct val="100000"/>
               </a:lnSpc>
             </a:pPr>
-            <a:endParaRPr lang="en-US" sz="1100" spc="-1" dirty="0" smtClean="0">
+            <a:endParaRPr lang="en-US" sz="1100" spc="-1" dirty="0">
               <a:solidFill>
                 <a:srgbClr val="000000"/>
               </a:solidFill>
@@ -2838,7 +2828,7 @@
               </a:lnSpc>
             </a:pPr>
             <a:r>
-              <a:rPr lang="en-US" sz="1100" spc="-1" dirty="0" smtClean="0">
+              <a:rPr lang="en-US" sz="1100" spc="-1" dirty="0">
                 <a:solidFill>
                   <a:srgbClr val="000000"/>
                 </a:solidFill>
@@ -2854,7 +2844,7 @@
                 <a:spcPct val="100000"/>
               </a:lnSpc>
             </a:pPr>
-            <a:endParaRPr lang="en-US" sz="1100" b="0" strike="noStrike" spc="-1" dirty="0" smtClean="0">
+            <a:endParaRPr lang="en-US" sz="1100" b="0" strike="noStrike" spc="-1" dirty="0">
               <a:solidFill>
                 <a:srgbClr val="000000"/>
               </a:solidFill>
@@ -2863,7 +2853,7 @@
           </a:p>
           <a:p>
             <a:r>
-              <a:rPr lang="en-US" sz="1200" u="sng" kern="1200" dirty="0" smtClean="0">
+              <a:rPr lang="en-US" sz="1200" u="sng" kern="1200" dirty="0">
                 <a:solidFill>
                   <a:schemeClr val="tx1"/>
                 </a:solidFill>
@@ -2874,11 +2864,11 @@
               </a:rPr>
               <a:t>Solution Implementation Options</a:t>
             </a:r>
-            <a:endParaRPr lang="en-US" sz="1100" dirty="0" smtClean="0"/>
-          </a:p>
-          <a:p>
-            <a:r>
-              <a:rPr lang="en-US" sz="1200" kern="1200" dirty="0" smtClean="0">
+            <a:endParaRPr lang="en-US" sz="1100" dirty="0"/>
+          </a:p>
+          <a:p>
+            <a:r>
+              <a:rPr lang="en-US" sz="1200" kern="1200" dirty="0">
                 <a:solidFill>
                   <a:schemeClr val="tx1"/>
                 </a:solidFill>
@@ -2889,11 +2879,11 @@
               </a:rPr>
               <a:t>Create a new, custom dashboard utilizing a new service that coordinates metrics collection.</a:t>
             </a:r>
-            <a:endParaRPr lang="en-US" sz="1100" dirty="0" smtClean="0"/>
-          </a:p>
-          <a:p>
-            <a:r>
-              <a:rPr lang="en-US" sz="1200" kern="1200" dirty="0" smtClean="0">
+            <a:endParaRPr lang="en-US" sz="1100" dirty="0"/>
+          </a:p>
+          <a:p>
+            <a:r>
+              <a:rPr lang="en-US" sz="1200" kern="1200" dirty="0">
                 <a:solidFill>
                   <a:schemeClr val="tx1"/>
                 </a:solidFill>
@@ -2904,11 +2894,11 @@
               </a:rPr>
               <a:t>Integrate a metrics dashboard into the API Catalog Service, adding metrics coordination to the API Catalog Service.</a:t>
             </a:r>
-            <a:endParaRPr lang="en-US" sz="1100" dirty="0" smtClean="0"/>
-          </a:p>
-          <a:p>
-            <a:r>
-              <a:rPr lang="en-US" sz="1200" kern="1200" dirty="0" smtClean="0">
+            <a:endParaRPr lang="en-US" sz="1100" dirty="0"/>
+          </a:p>
+          <a:p>
+            <a:r>
+              <a:rPr lang="en-US" sz="1200" kern="1200" dirty="0">
                 <a:solidFill>
                   <a:schemeClr val="tx1"/>
                 </a:solidFill>
@@ -2919,7 +2909,7 @@
               </a:rPr>
               <a:t>Integrate a metrics dashboard into the Discovery Service, adding metrics coordination to the Discovery Service.</a:t>
             </a:r>
-            <a:endParaRPr lang="en-US" sz="1100" dirty="0" smtClean="0"/>
+            <a:endParaRPr lang="en-US" sz="1100" dirty="0"/>
           </a:p>
           <a:p>
             <a:pPr>
@@ -3390,10 +3380,6 @@
                 <a:hlinkClick r:id="rId10"/>
               </a:rPr>
               <a:t>https://github.com/zowe/zowe-cli/issues/498</a:t>
-            </a:r>
-            <a:r>
-              <a:rPr lang="en-US" sz="1100" dirty="0"/>
-              <a:t/>
             </a:r>
             <a:br>
               <a:rPr lang="en-US" sz="1100" dirty="0"/>
@@ -12496,10 +12482,6 @@
               </a:rPr>
               <a:t>Zowe Community 20PI4 </a:t>
             </a:r>
-            <a:r>
-              <a:rPr dirty="0"/>
-              <a:t/>
-            </a:r>
             <a:br>
               <a:rPr dirty="0"/>
             </a:br>
@@ -12636,7 +12618,7 @@
               <a:t>Feature </a:t>
             </a:r>
             <a:r>
-              <a:rPr lang="en-US" sz="3000" spc="-1" dirty="0" smtClean="0">
+              <a:rPr lang="en-US" sz="3000" spc="-1" dirty="0">
                 <a:solidFill>
                   <a:srgbClr val="262626"/>
                 </a:solidFill>
@@ -12700,6 +12682,8 @@
               </a:rPr>
               <a:t> </a:t>
             </a:r>
+          </a:p>
+          <a:p>
             <a:endParaRPr lang="en-US" sz="2000" spc="-1" dirty="0">
               <a:solidFill>
                 <a:srgbClr val="000000"/>
@@ -12709,34 +12693,15 @@
             </a:endParaRPr>
           </a:p>
           <a:p>
-            <a:endParaRPr lang="en-US" sz="2000" spc="-1" dirty="0" smtClean="0">
-              <a:solidFill>
-                <a:srgbClr val="000000"/>
-              </a:solidFill>
-              <a:latin typeface="Gill Sans"/>
-              <a:ea typeface="Gill Sans"/>
-            </a:endParaRPr>
-          </a:p>
-          <a:p>
-            <a:r>
-              <a:rPr lang="en-US" sz="2000" spc="-1" dirty="0" smtClean="0">
+            <a:r>
+              <a:rPr lang="en-US" sz="2000" spc="-1" dirty="0">
                 <a:solidFill>
                   <a:srgbClr val="000000"/>
                 </a:solidFill>
                 <a:latin typeface="Gill Sans"/>
                 <a:ea typeface="Gill Sans"/>
               </a:rPr>
-              <a:t>The </a:t>
-            </a:r>
-            <a:r>
-              <a:rPr lang="en-US" sz="2000" spc="-1" dirty="0">
-                <a:solidFill>
-                  <a:srgbClr val="000000"/>
-                </a:solidFill>
-                <a:latin typeface="Gill Sans"/>
-                <a:ea typeface="Gill Sans"/>
-              </a:rPr>
-              <a:t>API ML gateway now offers the ability to use multiple versions of an API at the same time. This objective will see this reflected in the Catalog so that it displays the major API versions of a service. </a:t>
+              <a:t>The API ML gateway now offers the ability to use multiple versions of an API at the same time. This objective will see this reflected in the Catalog so that it displays the major API versions of a service. </a:t>
             </a:r>
           </a:p>
           <a:p>
@@ -12757,7 +12722,7 @@
                 <a:spcPts val="400"/>
               </a:spcBef>
             </a:pPr>
-            <a:endParaRPr lang="en-US" sz="2000" b="1" strike="noStrike" spc="-1" dirty="0" smtClean="0">
+            <a:endParaRPr lang="en-US" sz="2000" b="1" strike="noStrike" spc="-1" dirty="0">
               <a:solidFill>
                 <a:srgbClr val="000000"/>
               </a:solidFill>
@@ -12775,7 +12740,7 @@
               </a:spcBef>
             </a:pPr>
             <a:r>
-              <a:rPr lang="en-US" sz="2000" b="1" strike="noStrike" spc="-1" dirty="0" smtClean="0">
+              <a:rPr lang="en-US" sz="2000" b="1" strike="noStrike" spc="-1" dirty="0">
                 <a:solidFill>
                   <a:srgbClr val="000000"/>
                 </a:solidFill>
@@ -12798,44 +12763,14 @@
               </a:spcBef>
             </a:pPr>
             <a:r>
-              <a:rPr lang="en-US" sz="2000" spc="-1" dirty="0" smtClean="0">
+              <a:rPr lang="en-US" sz="2000" spc="-1" dirty="0">
                 <a:solidFill>
                   <a:srgbClr val="000000"/>
                 </a:solidFill>
                 <a:latin typeface="Gill Sans"/>
                 <a:ea typeface="Gill Sans"/>
               </a:rPr>
-              <a:t>API </a:t>
-            </a:r>
-            <a:r>
-              <a:rPr lang="en-US" sz="2000" spc="-1" dirty="0">
-                <a:solidFill>
-                  <a:srgbClr val="000000"/>
-                </a:solidFill>
-                <a:latin typeface="Gill Sans"/>
-                <a:ea typeface="Gill Sans"/>
-              </a:rPr>
-              <a:t>Catalog displays the major API versions of a service. </a:t>
-            </a:r>
-            <a:r>
-              <a:rPr lang="en-US" sz="2000" spc="-1" dirty="0" smtClean="0">
-                <a:solidFill>
-                  <a:srgbClr val="000000"/>
-                </a:solidFill>
-                <a:latin typeface="Gill Sans"/>
-                <a:ea typeface="Gill Sans"/>
-              </a:rPr>
-              <a:t>The </a:t>
-            </a:r>
-            <a:r>
-              <a:rPr lang="en-US" sz="2000" spc="-1" dirty="0">
-                <a:solidFill>
-                  <a:srgbClr val="000000"/>
-                </a:solidFill>
-                <a:latin typeface="Gill Sans"/>
-                <a:ea typeface="Gill Sans"/>
-              </a:rPr>
-              <a:t>recommended version from the service owner is shown by default.</a:t>
+              <a:t>API Catalog displays the major API versions of a service. The recommended version from the service owner is shown by default.</a:t>
             </a:r>
           </a:p>
           <a:p>
@@ -12986,17 +12921,7 @@
                 <a:latin typeface="Gill Sans"/>
                 <a:ea typeface="Gill Sans"/>
               </a:rPr>
-              <a:t>Feature </a:t>
-            </a:r>
-            <a:r>
-              <a:rPr lang="en-US" sz="3000" b="0" strike="noStrike" spc="-1" dirty="0" smtClean="0">
-                <a:solidFill>
-                  <a:srgbClr val="262626"/>
-                </a:solidFill>
-                <a:latin typeface="Gill Sans"/>
-                <a:ea typeface="Gill Sans"/>
-              </a:rPr>
-              <a:t>4</a:t>
+              <a:t>Feature 4</a:t>
             </a:r>
             <a:endParaRPr lang="en-US" sz="3000" b="0" strike="noStrike" spc="-1" dirty="0">
               <a:solidFill>
@@ -13053,7 +12978,9 @@
               </a:rPr>
               <a:t> </a:t>
             </a:r>
-            <a:endParaRPr lang="en-US" sz="2000" spc="-1" dirty="0" smtClean="0">
+          </a:p>
+          <a:p>
+            <a:endParaRPr lang="en-US" sz="2000" spc="-1" dirty="0">
               <a:solidFill>
                 <a:srgbClr val="000000"/>
               </a:solidFill>
@@ -13062,74 +12989,15 @@
             </a:endParaRPr>
           </a:p>
           <a:p>
-            <a:endParaRPr lang="en-US" sz="2000" spc="-1" dirty="0">
-              <a:solidFill>
-                <a:srgbClr val="000000"/>
-              </a:solidFill>
-              <a:latin typeface="Gill Sans"/>
-              <a:ea typeface="Gill Sans"/>
-            </a:endParaRPr>
-          </a:p>
-          <a:p>
-            <a:r>
-              <a:rPr lang="en-US" sz="2000" spc="-1" dirty="0" smtClean="0">
+            <a:r>
+              <a:rPr lang="en-US" sz="2000" spc="-1" dirty="0">
                 <a:solidFill>
                   <a:srgbClr val="000000"/>
                 </a:solidFill>
                 <a:latin typeface="Gill Sans"/>
                 <a:ea typeface="Gill Sans"/>
               </a:rPr>
-              <a:t>Allow </a:t>
-            </a:r>
-            <a:r>
-              <a:rPr lang="en-US" sz="2000" spc="-1" dirty="0">
-                <a:solidFill>
-                  <a:srgbClr val="000000"/>
-                </a:solidFill>
-                <a:latin typeface="Gill Sans"/>
-                <a:ea typeface="Gill Sans"/>
-              </a:rPr>
-              <a:t>Tyler, the Zowe API ML </a:t>
-            </a:r>
-            <a:r>
-              <a:rPr lang="en-US" sz="2000" spc="-1" dirty="0" smtClean="0">
-                <a:solidFill>
-                  <a:srgbClr val="000000"/>
-                </a:solidFill>
-                <a:latin typeface="Gill Sans"/>
-                <a:ea typeface="Gill Sans"/>
-              </a:rPr>
-              <a:t>administrator, </a:t>
-            </a:r>
-            <a:r>
-              <a:rPr lang="en-US" sz="2000" spc="-1" dirty="0">
-                <a:solidFill>
-                  <a:srgbClr val="000000"/>
-                </a:solidFill>
-                <a:latin typeface="Gill Sans"/>
-                <a:ea typeface="Gill Sans"/>
-              </a:rPr>
-              <a:t>to track the </a:t>
-            </a:r>
-            <a:r>
-              <a:rPr lang="en-US" sz="2000" spc="-1" dirty="0" smtClean="0">
-                <a:solidFill>
-                  <a:srgbClr val="000000"/>
-                </a:solidFill>
-                <a:latin typeface="Gill Sans"/>
-                <a:ea typeface="Gill Sans"/>
-              </a:rPr>
-              <a:t>health </a:t>
-            </a:r>
-            <a:r>
-              <a:rPr lang="en-US" sz="2000" spc="-1" dirty="0">
-                <a:solidFill>
-                  <a:srgbClr val="000000"/>
-                </a:solidFill>
-                <a:latin typeface="Gill Sans"/>
-                <a:ea typeface="Gill Sans"/>
-              </a:rPr>
-              <a:t>and performance of the API ML. </a:t>
+              <a:t>Allow Tyler, the Zowe API ML administrator, to track the health and performance of the API ML. </a:t>
             </a:r>
           </a:p>
           <a:p>
@@ -13151,7 +13019,7 @@
               </a:spcBef>
             </a:pPr>
             <a:r>
-              <a:rPr lang="en-US" sz="2000" b="1" strike="noStrike" spc="-1" dirty="0" smtClean="0">
+              <a:rPr lang="en-US" sz="2000" b="1" strike="noStrike" spc="-1" dirty="0">
                 <a:solidFill>
                   <a:srgbClr val="000000"/>
                 </a:solidFill>
@@ -13169,16 +13037,8 @@
           </a:p>
           <a:p>
             <a:r>
-              <a:rPr lang="en-US" dirty="0" smtClean="0"/>
-              <a:t>A Minimum </a:t>
-            </a:r>
-            <a:r>
               <a:rPr lang="en-US" dirty="0"/>
-              <a:t>Viable </a:t>
-            </a:r>
-            <a:r>
-              <a:rPr lang="en-US" dirty="0" smtClean="0"/>
-              <a:t>Product that </a:t>
+              <a:t>A Minimum Viable Product that </a:t>
             </a:r>
           </a:p>
           <a:p>
@@ -13187,12 +13047,8 @@
               <a:buChar char="•"/>
             </a:pPr>
             <a:r>
-              <a:rPr lang="en-US" dirty="0" smtClean="0"/>
-              <a:t>Displays </a:t>
-            </a:r>
-            <a:r>
               <a:rPr lang="en-US" dirty="0"/>
-              <a:t>HTTP request information, such as traffic load, number of requests, request rate, error rate, etc. for each endpoint</a:t>
+              <a:t>Displays HTTP request information, such as traffic load, number of requests, request rate, error rate, etc. for each endpoint</a:t>
             </a:r>
             <a:endParaRPr lang="en-US" sz="2000" dirty="0"/>
           </a:p>
@@ -13202,20 +13058,8 @@
               <a:buChar char="•"/>
             </a:pPr>
             <a:r>
-              <a:rPr lang="en-US" dirty="0" smtClean="0"/>
-              <a:t>Displays </a:t>
-            </a:r>
-            <a:r>
               <a:rPr lang="en-US" dirty="0"/>
-              <a:t>system information such as CPU usage, memory usage, etc. for the core </a:t>
-            </a:r>
-            <a:r>
-              <a:rPr lang="en-US" dirty="0" smtClean="0"/>
-              <a:t>API ML </a:t>
-            </a:r>
-            <a:r>
-              <a:rPr lang="en-US" dirty="0"/>
-              <a:t>services (Discovery, Gateway, and API Catalog)</a:t>
+              <a:t>Displays system information such as CPU usage, memory usage, etc. for the core API ML services (Discovery, Gateway, and API Catalog)</a:t>
             </a:r>
             <a:endParaRPr lang="en-US" sz="2000" dirty="0"/>
           </a:p>
@@ -13225,12 +13069,8 @@
               <a:buChar char="•"/>
             </a:pPr>
             <a:r>
-              <a:rPr lang="en-US" dirty="0" smtClean="0"/>
-              <a:t>Enables </a:t>
-            </a:r>
-            <a:r>
               <a:rPr lang="en-US" dirty="0"/>
-              <a:t>custom integrations for system information collection</a:t>
+              <a:t>Enables custom integrations for system information collection</a:t>
             </a:r>
             <a:endParaRPr lang="en-US" sz="2000" dirty="0"/>
           </a:p>
@@ -13390,7 +13230,7 @@
               <a:t>5</a:t>
             </a:r>
             <a:r>
-              <a:rPr lang="en-US" sz="3000" b="0" strike="noStrike" spc="-1" dirty="0" smtClean="0">
+              <a:rPr lang="en-US" sz="3000" b="0" strike="noStrike" spc="-1" dirty="0">
                 <a:solidFill>
                   <a:srgbClr val="262626"/>
                 </a:solidFill>
@@ -13454,6 +13294,8 @@
               </a:rPr>
               <a:t> </a:t>
             </a:r>
+          </a:p>
+          <a:p>
             <a:endParaRPr lang="en-US" sz="2000" spc="-1" dirty="0">
               <a:solidFill>
                 <a:srgbClr val="000000"/>
@@ -13463,112 +13305,16 @@
             </a:endParaRPr>
           </a:p>
           <a:p>
-            <a:endParaRPr lang="en-US" sz="2000" spc="-1" dirty="0">
-              <a:solidFill>
-                <a:srgbClr val="000000"/>
-              </a:solidFill>
-              <a:latin typeface="Gill Sans"/>
-              <a:ea typeface="Gill Sans"/>
-            </a:endParaRPr>
-          </a:p>
-          <a:p>
-            <a:r>
-              <a:rPr lang="en-US" sz="2000" spc="-1" dirty="0" smtClean="0">
+            <a:r>
+              <a:rPr lang="en-US" sz="2000" spc="-1" dirty="0">
                 <a:solidFill>
                   <a:srgbClr val="000000"/>
                 </a:solidFill>
                 <a:latin typeface="Gill Sans"/>
                 <a:ea typeface="Gill Sans"/>
               </a:rPr>
-              <a:t>Accelerate </a:t>
-            </a:r>
-            <a:r>
-              <a:rPr lang="en-US" sz="2000" spc="-1" dirty="0">
-                <a:solidFill>
-                  <a:srgbClr val="000000"/>
-                </a:solidFill>
-                <a:latin typeface="Gill Sans"/>
-                <a:ea typeface="Gill Sans"/>
-              </a:rPr>
-              <a:t>adoption </a:t>
-            </a:r>
-            <a:r>
-              <a:rPr lang="en-US" sz="2000" spc="-1" dirty="0" smtClean="0">
-                <a:solidFill>
-                  <a:srgbClr val="000000"/>
-                </a:solidFill>
-                <a:latin typeface="Gill Sans"/>
-                <a:ea typeface="Gill Sans"/>
-              </a:rPr>
-              <a:t>of Zowe by enabling </a:t>
-            </a:r>
-            <a:r>
-              <a:rPr lang="en-US" sz="2000" spc="-1" dirty="0">
-                <a:solidFill>
-                  <a:srgbClr val="000000"/>
-                </a:solidFill>
-                <a:latin typeface="Gill Sans"/>
-                <a:ea typeface="Gill Sans"/>
-              </a:rPr>
-              <a:t>and </a:t>
-            </a:r>
-            <a:r>
-              <a:rPr lang="en-US" sz="2000" spc="-1" dirty="0" smtClean="0">
-                <a:solidFill>
-                  <a:srgbClr val="000000"/>
-                </a:solidFill>
-                <a:latin typeface="Gill Sans"/>
-                <a:ea typeface="Gill Sans"/>
-              </a:rPr>
-              <a:t>documenting the easy installation </a:t>
-            </a:r>
-            <a:r>
-              <a:rPr lang="en-US" sz="2000" spc="-1" dirty="0">
-                <a:solidFill>
-                  <a:srgbClr val="000000"/>
-                </a:solidFill>
-                <a:latin typeface="Gill Sans"/>
-                <a:ea typeface="Gill Sans"/>
-              </a:rPr>
-              <a:t>&amp; </a:t>
-            </a:r>
-            <a:r>
-              <a:rPr lang="en-US" sz="2000" spc="-1" dirty="0" smtClean="0">
-                <a:solidFill>
-                  <a:srgbClr val="000000"/>
-                </a:solidFill>
-                <a:latin typeface="Gill Sans"/>
-                <a:ea typeface="Gill Sans"/>
-              </a:rPr>
-              <a:t>configuration </a:t>
-            </a:r>
-            <a:r>
-              <a:rPr lang="en-US" sz="2000" spc="-1" dirty="0">
-                <a:solidFill>
-                  <a:srgbClr val="000000"/>
-                </a:solidFill>
-                <a:latin typeface="Gill Sans"/>
-                <a:ea typeface="Gill Sans"/>
-              </a:rPr>
-              <a:t>of the Zowe </a:t>
-            </a:r>
-            <a:r>
-              <a:rPr lang="en-US" sz="2000" spc="-1" dirty="0" smtClean="0">
-                <a:solidFill>
-                  <a:srgbClr val="000000"/>
-                </a:solidFill>
-                <a:latin typeface="Gill Sans"/>
-                <a:ea typeface="Gill Sans"/>
-              </a:rPr>
-              <a:t>APIML as a stand alone component.</a:t>
-            </a:r>
-            <a:endParaRPr lang="en-US" sz="2000" spc="-1" dirty="0">
-              <a:solidFill>
-                <a:srgbClr val="000000"/>
-              </a:solidFill>
-              <a:latin typeface="Gill Sans"/>
-              <a:ea typeface="Gill Sans"/>
-            </a:endParaRPr>
+              <a:t>Accelerate adoption of Zowe by enabling and documenting the easy installation &amp; configuration of the Zowe APIML as a stand alone component.</a:t>
+            </a:r>
           </a:p>
           <a:p>
             <a:endParaRPr lang="en-US" sz="2000" b="0" strike="noStrike" spc="-1" dirty="0">
@@ -13595,50 +13341,30 @@
                 <a:latin typeface="Gill Sans"/>
                 <a:ea typeface="Gill Sans"/>
               </a:rPr>
-              <a:t>Deliverable</a:t>
-            </a:r>
-            <a:r>
-              <a:rPr lang="en-US" sz="2000" b="1" strike="noStrike" spc="-1" dirty="0" smtClean="0">
+              <a:t>Deliverable:</a:t>
+            </a:r>
+            <a:endParaRPr lang="en-US" sz="2000" b="0" strike="noStrike" spc="-1" dirty="0">
+              <a:solidFill>
+                <a:srgbClr val="000000"/>
+              </a:solidFill>
+              <a:latin typeface="Gill Sans"/>
+            </a:endParaRPr>
+          </a:p>
+          <a:p>
+            <a:pPr marL="101520">
+              <a:spcBef>
+                <a:spcPts val="400"/>
+              </a:spcBef>
+            </a:pPr>
+            <a:r>
+              <a:rPr lang="en-US" sz="2000" spc="-1" dirty="0">
                 <a:solidFill>
                   <a:srgbClr val="000000"/>
                 </a:solidFill>
                 <a:latin typeface="Gill Sans"/>
                 <a:ea typeface="Gill Sans"/>
               </a:rPr>
-              <a:t>:</a:t>
-            </a:r>
-            <a:endParaRPr lang="en-US" sz="2000" b="0" strike="noStrike" spc="-1" dirty="0">
-              <a:solidFill>
-                <a:srgbClr val="000000"/>
-              </a:solidFill>
-              <a:latin typeface="Gill Sans"/>
-            </a:endParaRPr>
-          </a:p>
-          <a:p>
-            <a:pPr marL="101520">
-              <a:spcBef>
-                <a:spcPts val="400"/>
-              </a:spcBef>
-            </a:pPr>
-            <a:r>
-              <a:rPr lang="en-US" sz="2000" spc="-1" dirty="0" smtClean="0">
-                <a:solidFill>
-                  <a:srgbClr val="000000"/>
-                </a:solidFill>
-                <a:latin typeface="Gill Sans"/>
-                <a:ea typeface="Gill Sans"/>
-              </a:rPr>
-              <a:t>Offer </a:t>
-            </a:r>
-            <a:r>
-              <a:rPr lang="en-US" sz="2000" spc="-1" dirty="0">
-                <a:solidFill>
-                  <a:srgbClr val="000000"/>
-                </a:solidFill>
-                <a:latin typeface="Gill Sans"/>
-                <a:ea typeface="Gill Sans"/>
-              </a:rPr>
-              <a:t>the post-install configuration and deployment of the API ML as a standalone component (from the current </a:t>
+              <a:t>Offer the post-install configuration and deployment of the API ML as a standalone component (from the current </a:t>
             </a:r>
             <a:r>
               <a:rPr lang="en-US" sz="2000" spc="-1" dirty="0" err="1">
@@ -13854,23 +13580,19 @@
               </a:spcBef>
             </a:pPr>
             <a:r>
-              <a:rPr lang="en-US" dirty="0" err="1" smtClean="0"/>
+              <a:rPr lang="en-US" dirty="0" err="1"/>
               <a:t>WebUI</a:t>
             </a:r>
             <a:r>
-              <a:rPr lang="en-US" dirty="0" smtClean="0"/>
-              <a:t> Squad and Zowe </a:t>
-            </a:r>
-            <a:r>
               <a:rPr lang="en-US" dirty="0"/>
-              <a:t>Launcher / </a:t>
-            </a:r>
-            <a:r>
-              <a:rPr lang="en-US" dirty="0" err="1" smtClean="0"/>
+              <a:t> Squad and Zowe Launcher / </a:t>
+            </a:r>
+            <a:r>
+              <a:rPr lang="en-US" dirty="0" err="1"/>
               <a:t>zLauncher</a:t>
             </a:r>
             <a:r>
-              <a:rPr lang="en-US" dirty="0" smtClean="0"/>
+              <a:rPr lang="en-US" dirty="0"/>
               <a:t> for:</a:t>
             </a:r>
             <a:endParaRPr lang="en-US" dirty="0">
@@ -13905,11 +13627,7 @@
             </a:pPr>
             <a:r>
               <a:rPr lang="en-US" dirty="0"/>
-              <a:t>Support </a:t>
-            </a:r>
-            <a:r>
-              <a:rPr lang="en-US" dirty="0"/>
-              <a:t>for high availability / </a:t>
+              <a:t>Support for high availability / </a:t>
             </a:r>
             <a:r>
               <a:rPr lang="en-US" dirty="0" err="1"/>
@@ -13917,11 +13635,7 @@
             </a:r>
             <a:r>
               <a:rPr lang="en-US" dirty="0"/>
-              <a:t> distributor in API Mediation </a:t>
-            </a:r>
-            <a:r>
-              <a:rPr lang="en-US" dirty="0"/>
-              <a:t>Layer</a:t>
+              <a:t> distributor in API Mediation Layer</a:t>
             </a:r>
             <a:endParaRPr lang="en-US" dirty="0">
               <a:hlinkClick r:id="rId2"/>
@@ -13935,17 +13649,8 @@
             </a:pPr>
             <a:r>
               <a:rPr lang="it-IT" dirty="0"/>
-              <a:t>(HA</a:t>
-            </a:r>
-            <a:r>
-              <a:rPr lang="it-IT" dirty="0"/>
-              <a:t>: Componentize start script per APIML </a:t>
-            </a:r>
-            <a:r>
-              <a:rPr lang="it-IT" dirty="0"/>
-              <a:t>service#862)</a:t>
-            </a:r>
-            <a:endParaRPr lang="it-IT" dirty="0"/>
+              <a:t>(HA: Componentize start script per APIML service#862)</a:t>
+            </a:r>
           </a:p>
           <a:p>
             <a:pPr marL="285750" indent="-285750">
@@ -13975,17 +13680,8 @@
             </a:pPr>
             <a:r>
               <a:rPr lang="en-US" dirty="0"/>
-              <a:t>Zowe </a:t>
-            </a:r>
-            <a:r>
-              <a:rPr lang="en-US" dirty="0"/>
-              <a:t>API ML as a standalone component #856</a:t>
-            </a:r>
-            <a:r>
-              <a:rPr lang="en-US" dirty="0"/>
-              <a:t> </a:t>
-            </a:r>
-            <a:endParaRPr lang="en-US" dirty="0"/>
+              <a:t>Zowe API ML as a standalone component #856 </a:t>
+            </a:r>
           </a:p>
           <a:p>
             <a:pPr marL="285750" indent="-285750">
@@ -14959,9 +14655,16 @@
               </a:rPr>
               <a:t>Performance Testing</a:t>
             </a:r>
-          </a:p>
-          <a:p>
-            <a:pPr marL="914400" lvl="1" indent="-355320">
+            <a:endParaRPr lang="en-US" sz="1600" spc="-1" dirty="0">
+              <a:solidFill>
+                <a:srgbClr val="000000"/>
+              </a:solidFill>
+              <a:latin typeface="Gill Sans" panose="020B0502020104020203" pitchFamily="34" charset="-79"/>
+              <a:cs typeface="Gill Sans" panose="020B0502020104020203" pitchFamily="34" charset="-79"/>
+            </a:endParaRPr>
+          </a:p>
+          <a:p>
+            <a:pPr marL="457200" indent="-355320">
               <a:spcBef>
                 <a:spcPts val="400"/>
               </a:spcBef>
@@ -14972,18 +14675,18 @@
               <a:buChar char="•"/>
             </a:pPr>
             <a:r>
-              <a:rPr lang="en-US" sz="1600" spc="-1" dirty="0">
+              <a:rPr lang="en-US" sz="2000" spc="-1" dirty="0">
                 <a:solidFill>
                   <a:srgbClr val="000000"/>
                 </a:solidFill>
                 <a:latin typeface="Gill Sans" panose="020B0502020104020203" pitchFamily="34" charset="-79"/>
                 <a:cs typeface="Gill Sans" panose="020B0502020104020203" pitchFamily="34" charset="-79"/>
               </a:rPr>
-              <a:t>Test Library Rollout, and Initial Set of Test Suites</a:t>
-            </a:r>
-          </a:p>
-          <a:p>
-            <a:pPr marL="457200" indent="-355320">
+              <a:t>High Availability Implementation</a:t>
+            </a:r>
+          </a:p>
+          <a:p>
+            <a:pPr marL="914400" lvl="1" indent="-355320">
               <a:spcBef>
                 <a:spcPts val="400"/>
               </a:spcBef>
@@ -14994,18 +14697,28 @@
               <a:buChar char="•"/>
             </a:pPr>
             <a:r>
-              <a:rPr lang="en-US" sz="2000" spc="-1" dirty="0">
+              <a:rPr lang="en-US" sz="1600" spc="-1" dirty="0" err="1">
                 <a:solidFill>
                   <a:srgbClr val="000000"/>
                 </a:solidFill>
                 <a:latin typeface="Gill Sans" panose="020B0502020104020203" pitchFamily="34" charset="-79"/>
                 <a:cs typeface="Gill Sans" panose="020B0502020104020203" pitchFamily="34" charset="-79"/>
               </a:rPr>
-              <a:t>High Availability Implementation</a:t>
-            </a:r>
-          </a:p>
-          <a:p>
-            <a:pPr marL="914400" lvl="1" indent="-355320">
+              <a:t>Zowe</a:t>
+            </a:r>
+            <a:r>
+              <a:rPr lang="en-US" sz="1600" spc="-1" dirty="0">
+                <a:solidFill>
+                  <a:srgbClr val="000000"/>
+                </a:solidFill>
+                <a:latin typeface="Gill Sans" panose="020B0502020104020203" pitchFamily="34" charset="-79"/>
+                <a:cs typeface="Gill Sans" panose="020B0502020104020203" pitchFamily="34" charset="-79"/>
+              </a:rPr>
+              <a:t> Launcher</a:t>
+            </a:r>
+          </a:p>
+          <a:p>
+            <a:pPr marL="457200" indent="-355320">
               <a:spcBef>
                 <a:spcPts val="400"/>
               </a:spcBef>
@@ -15016,54 +14729,14 @@
               <a:buChar char="•"/>
             </a:pPr>
             <a:r>
-              <a:rPr lang="en-US" sz="1600" spc="-1" dirty="0">
+              <a:rPr lang="en-US" sz="2000" spc="-1" dirty="0">
                 <a:solidFill>
                   <a:srgbClr val="000000"/>
                 </a:solidFill>
                 <a:latin typeface="Gill Sans" panose="020B0502020104020203" pitchFamily="34" charset="-79"/>
                 <a:cs typeface="Gill Sans" panose="020B0502020104020203" pitchFamily="34" charset="-79"/>
               </a:rPr>
-              <a:t>New Components, </a:t>
-            </a:r>
-            <a:r>
-              <a:rPr lang="en-US" sz="1600" spc="-1" dirty="0" err="1">
-                <a:solidFill>
-                  <a:srgbClr val="000000"/>
-                </a:solidFill>
-                <a:latin typeface="Gill Sans" panose="020B0502020104020203" pitchFamily="34" charset="-79"/>
-                <a:cs typeface="Gill Sans" panose="020B0502020104020203" pitchFamily="34" charset="-79"/>
-              </a:rPr>
-              <a:t>Sysplex</a:t>
-            </a:r>
-            <a:r>
-              <a:rPr lang="en-US" sz="1600" spc="-1" dirty="0">
-                <a:solidFill>
-                  <a:srgbClr val="000000"/>
-                </a:solidFill>
-                <a:latin typeface="Gill Sans" panose="020B0502020104020203" pitchFamily="34" charset="-79"/>
-                <a:cs typeface="Gill Sans" panose="020B0502020104020203" pitchFamily="34" charset="-79"/>
-              </a:rPr>
-              <a:t>, </a:t>
-            </a:r>
-            <a:r>
-              <a:rPr lang="en-US" sz="1600" spc="-1" dirty="0" err="1">
-                <a:solidFill>
-                  <a:srgbClr val="000000"/>
-                </a:solidFill>
-                <a:latin typeface="Gill Sans" panose="020B0502020104020203" pitchFamily="34" charset="-79"/>
-                <a:cs typeface="Gill Sans" panose="020B0502020104020203" pitchFamily="34" charset="-79"/>
-              </a:rPr>
-              <a:t>Zowe</a:t>
-            </a:r>
-            <a:r>
-              <a:rPr lang="en-US" sz="1600" spc="-1" dirty="0">
-                <a:solidFill>
-                  <a:srgbClr val="000000"/>
-                </a:solidFill>
-                <a:latin typeface="Gill Sans" panose="020B0502020104020203" pitchFamily="34" charset="-79"/>
-                <a:cs typeface="Gill Sans" panose="020B0502020104020203" pitchFamily="34" charset="-79"/>
-              </a:rPr>
-              <a:t> Launcher</a:t>
+              <a:t>Automation and Infrastructure</a:t>
             </a:r>
           </a:p>
           <a:p>
@@ -15085,11 +14758,11 @@
                 <a:latin typeface="Gill Sans" panose="020B0502020104020203" pitchFamily="34" charset="-79"/>
                 <a:cs typeface="Gill Sans" panose="020B0502020104020203" pitchFamily="34" charset="-79"/>
               </a:rPr>
-              <a:t>Existing Component Preparation and Configuration</a:t>
-            </a:r>
-          </a:p>
-          <a:p>
-            <a:pPr marL="457200" indent="-355320">
+              <a:t>Pipeline Improvements</a:t>
+            </a:r>
+          </a:p>
+          <a:p>
+            <a:pPr marL="914400" lvl="1" indent="-355320">
               <a:spcBef>
                 <a:spcPts val="400"/>
               </a:spcBef>
@@ -15100,14 +14773,14 @@
               <a:buChar char="•"/>
             </a:pPr>
             <a:r>
-              <a:rPr lang="en-US" sz="2000" spc="-1" dirty="0">
+              <a:rPr lang="en-US" sz="1600" spc="-1" dirty="0">
                 <a:solidFill>
                   <a:srgbClr val="000000"/>
                 </a:solidFill>
                 <a:latin typeface="Gill Sans" panose="020B0502020104020203" pitchFamily="34" charset="-79"/>
                 <a:cs typeface="Gill Sans" panose="020B0502020104020203" pitchFamily="34" charset="-79"/>
               </a:rPr>
-              <a:t>Automation and Infrastructure</a:t>
+              <a:t>Automated testing catch-up</a:t>
             </a:r>
           </a:p>
           <a:p>
@@ -15129,159 +14802,7 @@
                 <a:latin typeface="Gill Sans" panose="020B0502020104020203" pitchFamily="34" charset="-79"/>
                 <a:cs typeface="Gill Sans" panose="020B0502020104020203" pitchFamily="34" charset="-79"/>
               </a:rPr>
-              <a:t>Pipeline Improvements</a:t>
-            </a:r>
-          </a:p>
-          <a:p>
-            <a:pPr marL="1371600" lvl="2" indent="-355320">
-              <a:spcBef>
-                <a:spcPts val="400"/>
-              </a:spcBef>
-              <a:buClr>
-                <a:srgbClr val="000000"/>
-              </a:buClr>
-              <a:buFont typeface="Arial"/>
-              <a:buChar char="•"/>
-            </a:pPr>
-            <a:r>
-              <a:rPr lang="en-US" sz="1600" spc="-1" dirty="0">
-                <a:solidFill>
-                  <a:srgbClr val="000000"/>
-                </a:solidFill>
-                <a:latin typeface="Gill Sans" panose="020B0502020104020203" pitchFamily="34" charset="-79"/>
-                <a:cs typeface="Gill Sans" panose="020B0502020104020203" pitchFamily="34" charset="-79"/>
-              </a:rPr>
-              <a:t>Expand pipeline automation to support </a:t>
-            </a:r>
-            <a:r>
-              <a:rPr lang="en-US" sz="1600" spc="-1" dirty="0" err="1">
-                <a:solidFill>
-                  <a:srgbClr val="000000"/>
-                </a:solidFill>
-                <a:latin typeface="Gill Sans" panose="020B0502020104020203" pitchFamily="34" charset="-79"/>
-                <a:cs typeface="Gill Sans" panose="020B0502020104020203" pitchFamily="34" charset="-79"/>
-              </a:rPr>
-              <a:t>Zowe</a:t>
-            </a:r>
-            <a:r>
-              <a:rPr lang="en-US" sz="1600" spc="-1" dirty="0">
-                <a:solidFill>
-                  <a:srgbClr val="000000"/>
-                </a:solidFill>
-                <a:latin typeface="Gill Sans" panose="020B0502020104020203" pitchFamily="34" charset="-79"/>
-                <a:cs typeface="Gill Sans" panose="020B0502020104020203" pitchFamily="34" charset="-79"/>
-              </a:rPr>
-              <a:t> z/OS extension installs</a:t>
-            </a:r>
-          </a:p>
-          <a:p>
-            <a:pPr marL="1371600" lvl="2" indent="-355320">
-              <a:spcBef>
-                <a:spcPts val="400"/>
-              </a:spcBef>
-              <a:buClr>
-                <a:srgbClr val="000000"/>
-              </a:buClr>
-              <a:buFont typeface="Arial"/>
-              <a:buChar char="•"/>
-            </a:pPr>
-            <a:r>
-              <a:rPr lang="en-US" sz="1600" spc="-1" dirty="0">
-                <a:solidFill>
-                  <a:srgbClr val="000000"/>
-                </a:solidFill>
-                <a:latin typeface="Gill Sans" panose="020B0502020104020203" pitchFamily="34" charset="-79"/>
-                <a:cs typeface="Gill Sans" panose="020B0502020104020203" pitchFamily="34" charset="-79"/>
-              </a:rPr>
-              <a:t>Technical debt / continuous improvement – consistency</a:t>
-            </a:r>
-          </a:p>
-          <a:p>
-            <a:pPr marL="914400" lvl="1" indent="-355320">
-              <a:spcBef>
-                <a:spcPts val="400"/>
-              </a:spcBef>
-              <a:buClr>
-                <a:srgbClr val="000000"/>
-              </a:buClr>
-              <a:buFont typeface="Arial"/>
-              <a:buChar char="•"/>
-            </a:pPr>
-            <a:r>
-              <a:rPr lang="en-US" sz="1600" spc="-1" dirty="0">
-                <a:solidFill>
-                  <a:srgbClr val="000000"/>
-                </a:solidFill>
-                <a:latin typeface="Gill Sans" panose="020B0502020104020203" pitchFamily="34" charset="-79"/>
-                <a:cs typeface="Gill Sans" panose="020B0502020104020203" pitchFamily="34" charset="-79"/>
-              </a:rPr>
-              <a:t>Automated testing catch-up</a:t>
-            </a:r>
-          </a:p>
-          <a:p>
-            <a:pPr marL="914400" lvl="1" indent="-355320">
-              <a:spcBef>
-                <a:spcPts val="400"/>
-              </a:spcBef>
-              <a:buClr>
-                <a:srgbClr val="000000"/>
-              </a:buClr>
-              <a:buFont typeface="Arial"/>
-              <a:buChar char="•"/>
-            </a:pPr>
-            <a:r>
-              <a:rPr lang="en-US" sz="1600" spc="-1" dirty="0">
-                <a:solidFill>
-                  <a:srgbClr val="000000"/>
-                </a:solidFill>
-                <a:latin typeface="Gill Sans" panose="020B0502020104020203" pitchFamily="34" charset="-79"/>
-                <a:cs typeface="Gill Sans" panose="020B0502020104020203" pitchFamily="34" charset="-79"/>
-              </a:rPr>
-              <a:t>Open Infrastructure</a:t>
-            </a:r>
-          </a:p>
-          <a:p>
-            <a:pPr marL="1371600" lvl="2" indent="-355320">
-              <a:spcBef>
-                <a:spcPts val="400"/>
-              </a:spcBef>
-              <a:buClr>
-                <a:srgbClr val="000000"/>
-              </a:buClr>
-              <a:buFont typeface="Arial"/>
-              <a:buChar char="•"/>
-            </a:pPr>
-            <a:r>
-              <a:rPr lang="en-US" sz="1600" spc="-1" dirty="0">
-                <a:solidFill>
-                  <a:srgbClr val="000000"/>
-                </a:solidFill>
-                <a:latin typeface="Gill Sans" panose="020B0502020104020203" pitchFamily="34" charset="-79"/>
-                <a:cs typeface="Gill Sans" panose="020B0502020104020203" pitchFamily="34" charset="-79"/>
-              </a:rPr>
-              <a:t>Monitoring</a:t>
-            </a:r>
-          </a:p>
-          <a:p>
-            <a:pPr marL="1371600" lvl="2" indent="-355320">
-              <a:spcBef>
-                <a:spcPts val="400"/>
-              </a:spcBef>
-              <a:buClr>
-                <a:srgbClr val="000000"/>
-              </a:buClr>
-              <a:buFont typeface="Arial"/>
-              <a:buChar char="•"/>
-            </a:pPr>
-            <a:r>
-              <a:rPr lang="en-US" sz="1600" spc="-1" dirty="0">
-                <a:solidFill>
-                  <a:srgbClr val="000000"/>
-                </a:solidFill>
-                <a:latin typeface="Gill Sans" panose="020B0502020104020203" pitchFamily="34" charset="-79"/>
-                <a:cs typeface="Gill Sans" panose="020B0502020104020203" pitchFamily="34" charset="-79"/>
-              </a:rPr>
-              <a:t>Software</a:t>
+              <a:t>Open Infrastructure Enhancement</a:t>
             </a:r>
           </a:p>
         </p:txBody>
@@ -19236,15 +18757,7 @@
                   <a:srgbClr val="000000"/>
                 </a:solidFill>
               </a:rPr>
-              <a:t>Zowe Explorer Squad </a:t>
-            </a:r>
-            <a:r>
-              <a:rPr lang="en-US" sz="2000" spc="-1" dirty="0" smtClean="0">
-                <a:solidFill>
-                  <a:srgbClr val="000000"/>
-                </a:solidFill>
-              </a:rPr>
-              <a:t>Focus</a:t>
+              <a:t>Zowe Explorer Squad Focus</a:t>
             </a:r>
           </a:p>
           <a:p>
@@ -19259,22 +18772,13 @@
               <a:buChar char="•"/>
             </a:pPr>
             <a:r>
-              <a:rPr lang="en-US" sz="2000" spc="-1" dirty="0" smtClean="0">
+              <a:rPr lang="en-US" sz="2000" spc="-1" dirty="0">
                 <a:solidFill>
                   <a:srgbClr val="000000"/>
                 </a:solidFill>
                 <a:ea typeface="Arial"/>
               </a:rPr>
-              <a:t>Zowe API </a:t>
-            </a:r>
-            <a:r>
-              <a:rPr lang="en-US" sz="2000" spc="-1" dirty="0">
-                <a:solidFill>
-                  <a:srgbClr val="000000"/>
-                </a:solidFill>
-                <a:ea typeface="Arial"/>
-              </a:rPr>
-              <a:t>Mediation Layer Squad Focus</a:t>
+              <a:t>Zowe API Mediation Layer Squad Focus</a:t>
             </a:r>
             <a:endParaRPr lang="en-US" sz="2000" spc="-1" dirty="0">
               <a:solidFill>
@@ -19297,22 +18801,13 @@
               <a:buChar char="•"/>
             </a:pPr>
             <a:r>
-              <a:rPr lang="en-US" sz="2000" spc="-1" dirty="0" smtClean="0">
+              <a:rPr lang="en-US" sz="2000" spc="-1" dirty="0">
                 <a:solidFill>
                   <a:srgbClr val="000000"/>
                 </a:solidFill>
                 <a:latin typeface="+mj-lt"/>
               </a:rPr>
-              <a:t>Zowe </a:t>
-            </a:r>
-            <a:r>
-              <a:rPr lang="en-US" sz="2000" spc="-1" dirty="0">
-                <a:solidFill>
-                  <a:srgbClr val="000000"/>
-                </a:solidFill>
-                <a:latin typeface="+mj-lt"/>
-              </a:rPr>
-              <a:t>CLI Squad Focus</a:t>
+              <a:t>Zowe CLI Squad Focus</a:t>
             </a:r>
           </a:p>
           <a:p>
@@ -22738,24 +22233,14 @@
               </a:spcBef>
             </a:pPr>
             <a:r>
-              <a:rPr lang="en-US" sz="3000" b="1" strike="noStrike" spc="-1" dirty="0" smtClean="0">
+              <a:rPr lang="en-US" sz="3000" b="1" strike="noStrike" spc="-1" dirty="0">
                 <a:solidFill>
                   <a:srgbClr val="000000"/>
                 </a:solidFill>
                 <a:latin typeface="Arial"/>
                 <a:ea typeface="Arial"/>
               </a:rPr>
-              <a:t>API Mediation Layer </a:t>
-            </a:r>
-            <a:r>
-              <a:rPr lang="en-US" sz="3000" b="1" strike="noStrike" spc="-1" dirty="0">
-                <a:solidFill>
-                  <a:srgbClr val="000000"/>
-                </a:solidFill>
-                <a:latin typeface="Arial"/>
-                <a:ea typeface="Arial"/>
-              </a:rPr>
-              <a:t>Squad Focus</a:t>
+              <a:t>API Mediation Layer Squad Focus</a:t>
             </a:r>
             <a:endParaRPr lang="en-US" sz="3000" b="0" strike="noStrike" spc="-1" dirty="0">
               <a:solidFill>
@@ -22774,7 +22259,7 @@
               </a:spcBef>
             </a:pPr>
             <a:r>
-              <a:rPr lang="en-US" sz="2000" b="1" strike="noStrike" spc="-1" dirty="0" smtClean="0">
+              <a:rPr lang="en-US" sz="2000" b="1" strike="noStrike" spc="-1" dirty="0">
                 <a:solidFill>
                   <a:srgbClr val="000000"/>
                 </a:solidFill>
@@ -22890,17 +22375,7 @@
                 <a:latin typeface="Gill Sans"/>
                 <a:ea typeface="Gill Sans"/>
               </a:rPr>
-              <a:t>Feature </a:t>
-            </a:r>
-            <a:r>
-              <a:rPr lang="en-US" sz="3000" b="0" strike="noStrike" spc="-1" dirty="0" smtClean="0">
-                <a:solidFill>
-                  <a:srgbClr val="262626"/>
-                </a:solidFill>
-                <a:latin typeface="Gill Sans"/>
-                <a:ea typeface="Gill Sans"/>
-              </a:rPr>
-              <a:t>1 – continued from 20PI3</a:t>
+              <a:t>Feature 1 – continued from 20PI3</a:t>
             </a:r>
             <a:endParaRPr lang="en-US" sz="3000" b="0" strike="noStrike" spc="-1" dirty="0">
               <a:solidFill>
@@ -23032,17 +22507,7 @@
                 <a:latin typeface="Gill Sans"/>
                 <a:ea typeface="Gill Sans"/>
               </a:rPr>
-              <a:t>As a system admin / security admin, I want to allow Zowe users and client applications (such as Zowe clients and custom applications) to authenticate with Zowe API ML using client certificates (x.509</a:t>
-            </a:r>
-            <a:r>
-              <a:rPr lang="en-US" sz="2000" b="0" strike="noStrike" spc="-1" dirty="0" smtClean="0">
-                <a:solidFill>
-                  <a:srgbClr val="000000"/>
-                </a:solidFill>
-                <a:latin typeface="Gill Sans"/>
-                <a:ea typeface="Gill Sans"/>
-              </a:rPr>
-              <a:t>).</a:t>
+              <a:t>As a system admin / security admin, I want to allow Zowe users and client applications (such as Zowe clients and custom applications) to authenticate with Zowe API ML using client certificates (x.509).</a:t>
             </a:r>
             <a:endParaRPr lang="en-US" sz="2000" b="0" strike="noStrike" spc="-1" dirty="0">
               <a:solidFill>
@@ -23228,7 +22693,7 @@
               </a:lnSpc>
             </a:pPr>
             <a:r>
-              <a:rPr lang="en-US" sz="3000" b="0" strike="noStrike" spc="-1" dirty="0" smtClean="0">
+              <a:rPr lang="en-US" sz="3000" b="0" strike="noStrike" spc="-1" dirty="0">
                 <a:solidFill>
                   <a:srgbClr val="262626"/>
                 </a:solidFill>

--- a/Project Management/PI Planning/20PI4 Planning/Zowe Community Squad Focus for 20PI4.pptx
+++ b/Project Management/PI Planning/20PI4 Planning/Zowe Community Squad Focus for 20PI4.pptx
@@ -3380,6 +3380,10 @@
                 <a:hlinkClick r:id="rId10"/>
               </a:rPr>
               <a:t>https://github.com/zowe/zowe-cli/issues/498</a:t>
+            </a:r>
+            <a:r>
+              <a:rPr lang="en-US" sz="1100" dirty="0"/>
+              <a:t/>
             </a:r>
             <a:br>
               <a:rPr lang="en-US" sz="1100" dirty="0"/>
@@ -12482,6 +12486,10 @@
               </a:rPr>
               <a:t>Zowe Community 20PI4 </a:t>
             </a:r>
+            <a:r>
+              <a:rPr dirty="0"/>
+              <a:t/>
+            </a:r>
             <a:br>
               <a:rPr dirty="0"/>
             </a:br>
@@ -22020,32 +22028,20 @@
               <a:buChar char="•"/>
             </a:pPr>
             <a:r>
+              <a:rPr lang="en-US" sz="2000" spc="-1" dirty="0" smtClean="0">
+                <a:solidFill>
+                  <a:srgbClr val="000000"/>
+                </a:solidFill>
+              </a:rPr>
+              <a:t>First </a:t>
+            </a:r>
+            <a:r>
               <a:rPr lang="en-US" sz="2000" spc="-1" dirty="0">
                 <a:solidFill>
                   <a:srgbClr val="000000"/>
                 </a:solidFill>
               </a:rPr>
-              <a:t>Empty fields in profiles (user and password) bug</a:t>
-            </a:r>
-          </a:p>
-          <a:p>
-            <a:pPr marL="914400" lvl="1" indent="-355320">
-              <a:spcBef>
-                <a:spcPts val="400"/>
-              </a:spcBef>
-              <a:buClr>
-                <a:srgbClr val="000000"/>
-              </a:buClr>
-              <a:buFont typeface="Arial"/>
-              <a:buChar char="•"/>
-            </a:pPr>
-            <a:r>
-              <a:rPr lang="en-US" sz="2000" spc="-1" dirty="0">
-                <a:solidFill>
-                  <a:srgbClr val="000000"/>
-                </a:solidFill>
-              </a:rPr>
-              <a:t>First profile not created as default (Impacts CLI users)</a:t>
+              <a:t>profile not created as default (Impacts CLI users)</a:t>
             </a:r>
           </a:p>
           <a:p>
@@ -22130,6 +22126,33 @@
               <a:buFont typeface="Arial"/>
               <a:buChar char="•"/>
             </a:pPr>
+            <a:r>
+              <a:rPr lang="en-US" sz="2000" spc="-1" dirty="0">
+                <a:solidFill>
+                  <a:srgbClr val="000000"/>
+                </a:solidFill>
+                <a:latin typeface="+mj-lt"/>
+              </a:rPr>
+              <a:t>Creation of data sets with ability to set </a:t>
+            </a:r>
+            <a:r>
+              <a:rPr lang="en-US" sz="2000" spc="-1">
+                <a:solidFill>
+                  <a:srgbClr val="000000"/>
+                </a:solidFill>
+                <a:latin typeface="+mj-lt"/>
+              </a:rPr>
+              <a:t>the </a:t>
+            </a:r>
+            <a:r>
+              <a:rPr lang="en-US" sz="2000" spc="-1" smtClean="0">
+                <a:solidFill>
+                  <a:srgbClr val="000000"/>
+                </a:solidFill>
+                <a:latin typeface="+mj-lt"/>
+              </a:rPr>
+              <a:t>parameters</a:t>
+            </a:r>
             <a:endParaRPr lang="en-US" sz="2000" spc="-1" dirty="0">
               <a:solidFill>
                 <a:srgbClr val="000000"/>

--- a/Project Management/PI Planning/20PI4 Planning/Zowe Community Squad Focus for 20PI4.pptx
+++ b/Project Management/PI Planning/20PI4 Planning/Zowe Community Squad Focus for 20PI4.pptx
@@ -8,7 +8,7 @@
     <p:sldMasterId id="2147483687" r:id="rId4"/>
   </p:sldMasterIdLst>
   <p:notesMasterIdLst>
-    <p:notesMasterId r:id="rId42"/>
+    <p:notesMasterId r:id="rId57"/>
   </p:notesMasterIdLst>
   <p:sldIdLst>
     <p:sldId id="256" r:id="rId5"/>
@@ -46,8 +46,23 @@
     <p:sldId id="296" r:id="rId37"/>
     <p:sldId id="294" r:id="rId38"/>
     <p:sldId id="297" r:id="rId39"/>
-    <p:sldId id="293" r:id="rId40"/>
-    <p:sldId id="285" r:id="rId41"/>
+    <p:sldId id="1070" r:id="rId40"/>
+    <p:sldId id="1054" r:id="rId41"/>
+    <p:sldId id="1055" r:id="rId42"/>
+    <p:sldId id="1056" r:id="rId43"/>
+    <p:sldId id="1057" r:id="rId44"/>
+    <p:sldId id="1058" r:id="rId45"/>
+    <p:sldId id="1059" r:id="rId46"/>
+    <p:sldId id="1060" r:id="rId47"/>
+    <p:sldId id="1061" r:id="rId48"/>
+    <p:sldId id="1062" r:id="rId49"/>
+    <p:sldId id="1063" r:id="rId50"/>
+    <p:sldId id="1064" r:id="rId51"/>
+    <p:sldId id="1065" r:id="rId52"/>
+    <p:sldId id="1066" r:id="rId53"/>
+    <p:sldId id="1067" r:id="rId54"/>
+    <p:sldId id="1068" r:id="rId55"/>
+    <p:sldId id="285" r:id="rId56"/>
   </p:sldIdLst>
   <p:sldSz cx="9144000" cy="5143500" type="screen16x9"/>
   <p:notesSz cx="6858000" cy="9144000"/>
@@ -2517,7 +2532,12 @@
             <p:ph type="sldImg"/>
           </p:nvPr>
         </p:nvSpPr>
-        <p:spPr/>
+        <p:spPr>
+          <a:xfrm>
+            <a:off x="533400" y="763588"/>
+            <a:ext cx="6704013" cy="3771900"/>
+          </a:xfrm>
+        </p:spPr>
       </p:sp>
       <p:sp>
         <p:nvSpPr>
@@ -2534,7 +2554,7 @@
           <a:bodyPr/>
           <a:lstStyle/>
           <a:p>
-            <a:endParaRPr lang="en-CN" dirty="0"/>
+            <a:endParaRPr lang="en-US" dirty="0"/>
           </a:p>
         </p:txBody>
       </p:sp>
@@ -2545,7 +2565,7 @@
             <a:spLocks noGrp="1"/>
           </p:cNvSpPr>
           <p:nvPr>
-            <p:ph type="sldNum"/>
+            <p:ph type="sldNum" sz="quarter" idx="10"/>
           </p:nvPr>
         </p:nvSpPr>
         <p:spPr/>
@@ -2553,23 +2573,18 @@
           <a:bodyPr/>
           <a:lstStyle/>
           <a:p>
-            <a:pPr algn="r"/>
-            <a:fld id="{BA3CDCDB-E9EF-4257-93B9-33682187AA79}" type="slidenum">
-              <a:rPr lang="en-US" sz="1400" b="0" strike="noStrike" spc="-1" smtClean="0">
-                <a:latin typeface="Times New Roman"/>
-              </a:rPr>
-              <a:t>36</a:t>
+            <a:fld id="{F8D6D75F-EBD7-094D-A4D8-BE1FF6506D9A}" type="slidenum">
+              <a:rPr lang="en-US" smtClean="0"/>
+              <a:t>37</a:t>
             </a:fld>
-            <a:endParaRPr lang="en-US" sz="1400" b="0" strike="noStrike" spc="-1">
-              <a:latin typeface="Times New Roman"/>
-            </a:endParaRPr>
+            <a:endParaRPr lang="en-US"/>
           </a:p>
         </p:txBody>
       </p:sp>
     </p:spTree>
     <p:extLst>
       <p:ext uri="{BB962C8B-B14F-4D97-AF65-F5344CB8AC3E}">
-        <p14:creationId xmlns:p14="http://schemas.microsoft.com/office/powerpoint/2010/main" val="3846263569"/>
+        <p14:creationId xmlns:p14="http://schemas.microsoft.com/office/powerpoint/2010/main" val="1038959422"/>
       </p:ext>
     </p:extLst>
   </p:cSld>
@@ -3380,10 +3395,6 @@
                 <a:hlinkClick r:id="rId10"/>
               </a:rPr>
               <a:t>https://github.com/zowe/zowe-cli/issues/498</a:t>
-            </a:r>
-            <a:r>
-              <a:rPr lang="en-US" sz="1100" dirty="0"/>
-              <a:t/>
             </a:r>
             <a:br>
               <a:rPr lang="en-US" sz="1100" dirty="0"/>
@@ -9145,6 +9156,298 @@
         </p:txBody>
       </p:sp>
     </p:spTree>
+  </p:cSld>
+  <p:clrMapOvr>
+    <a:masterClrMapping/>
+  </p:clrMapOvr>
+</p:sldLayout>
+</file>
+
+<file path=ppt/slideLayouts/slideLayout49.xml><?xml version="1.0" encoding="utf-8"?>
+<p:sldLayout xmlns:a="http://schemas.openxmlformats.org/drawingml/2006/main" xmlns:r="http://schemas.openxmlformats.org/officeDocument/2006/relationships" xmlns:p="http://schemas.openxmlformats.org/presentationml/2006/main" type="obj">
+  <p:cSld name="Title and Content">
+    <p:spTree>
+      <p:nvGrpSpPr>
+        <p:cNvPr id="1" name=""/>
+        <p:cNvGrpSpPr/>
+        <p:nvPr/>
+      </p:nvGrpSpPr>
+      <p:grpSpPr>
+        <a:xfrm>
+          <a:off x="0" y="0"/>
+          <a:ext cx="0" cy="0"/>
+          <a:chOff x="0" y="0"/>
+          <a:chExt cx="0" cy="0"/>
+        </a:xfrm>
+      </p:grpSpPr>
+      <p:sp>
+        <p:nvSpPr>
+          <p:cNvPr id="7" name="Rectangle 6"/>
+          <p:cNvSpPr/>
+          <p:nvPr userDrawn="1"/>
+        </p:nvSpPr>
+        <p:spPr>
+          <a:xfrm>
+            <a:off x="0" y="772583"/>
+            <a:ext cx="9144000" cy="4370916"/>
+          </a:xfrm>
+          <a:prstGeom prst="rect">
+            <a:avLst/>
+          </a:prstGeom>
+          <a:solidFill>
+            <a:srgbClr val="3664AD">
+              <a:alpha val="3000"/>
+            </a:srgbClr>
+          </a:solidFill>
+          <a:ln>
+            <a:noFill/>
+          </a:ln>
+          <a:effectLst/>
+        </p:spPr>
+        <p:style>
+          <a:lnRef idx="1">
+            <a:schemeClr val="accent1"/>
+          </a:lnRef>
+          <a:fillRef idx="3">
+            <a:schemeClr val="accent1"/>
+          </a:fillRef>
+          <a:effectRef idx="2">
+            <a:schemeClr val="accent1"/>
+          </a:effectRef>
+          <a:fontRef idx="minor">
+            <a:schemeClr val="lt1"/>
+          </a:fontRef>
+        </p:style>
+        <p:txBody>
+          <a:bodyPr rtlCol="0" anchor="ctr"/>
+          <a:lstStyle/>
+          <a:p>
+            <a:pPr algn="ctr"/>
+            <a:endParaRPr lang="en-US">
+              <a:solidFill>
+                <a:srgbClr val="3664AD"/>
+              </a:solidFill>
+            </a:endParaRPr>
+          </a:p>
+        </p:txBody>
+      </p:sp>
+      <p:sp>
+        <p:nvSpPr>
+          <p:cNvPr id="2" name="Title 1"/>
+          <p:cNvSpPr>
+            <a:spLocks noGrp="1"/>
+          </p:cNvSpPr>
+          <p:nvPr>
+            <p:ph type="title"/>
+          </p:nvPr>
+        </p:nvSpPr>
+        <p:spPr>
+          <a:xfrm>
+            <a:off x="333993" y="159442"/>
+            <a:ext cx="7893793" cy="447164"/>
+          </a:xfrm>
+        </p:spPr>
+        <p:txBody>
+          <a:bodyPr/>
+          <a:lstStyle/>
+          <a:p>
+            <a:r>
+              <a:rPr lang="en-CA" dirty="0"/>
+              <a:t>Click to edit Master title style</a:t>
+            </a:r>
+            <a:endParaRPr lang="en-US" dirty="0"/>
+          </a:p>
+        </p:txBody>
+      </p:sp>
+      <p:pic>
+        <p:nvPicPr>
+          <p:cNvPr id="13" name="Picture 12"/>
+          <p:cNvPicPr>
+            <a:picLocks noChangeAspect="1"/>
+          </p:cNvPicPr>
+          <p:nvPr userDrawn="1"/>
+        </p:nvPicPr>
+        <p:blipFill rotWithShape="1">
+          <a:blip r:embed="rId2">
+            <a:alphaModFix amt="6000"/>
+            <a:extLst>
+              <a:ext uri="{28A0092B-C50C-407E-A947-70E740481C1C}">
+                <a14:useLocalDpi xmlns:a14="http://schemas.microsoft.com/office/drawing/2010/main" val="0"/>
+              </a:ext>
+            </a:extLst>
+          </a:blip>
+          <a:srcRect l="17595"/>
+          <a:stretch/>
+        </p:blipFill>
+        <p:spPr>
+          <a:xfrm>
+            <a:off x="0" y="775759"/>
+            <a:ext cx="6393973" cy="4364562"/>
+          </a:xfrm>
+          <a:prstGeom prst="rect">
+            <a:avLst/>
+          </a:prstGeom>
+        </p:spPr>
+      </p:pic>
+      <p:sp>
+        <p:nvSpPr>
+          <p:cNvPr id="3" name="Content Placeholder 2"/>
+          <p:cNvSpPr>
+            <a:spLocks noGrp="1"/>
+          </p:cNvSpPr>
+          <p:nvPr>
+            <p:ph idx="1"/>
+          </p:nvPr>
+        </p:nvSpPr>
+        <p:spPr/>
+        <p:txBody>
+          <a:bodyPr/>
+          <a:lstStyle/>
+          <a:p>
+            <a:pPr lvl="0"/>
+            <a:r>
+              <a:rPr lang="en-CA" dirty="0"/>
+              <a:t>Click to edit Master text styles</a:t>
+            </a:r>
+          </a:p>
+          <a:p>
+            <a:pPr lvl="1"/>
+            <a:r>
+              <a:rPr lang="en-CA" dirty="0"/>
+              <a:t>Second level</a:t>
+            </a:r>
+          </a:p>
+          <a:p>
+            <a:pPr lvl="2"/>
+            <a:r>
+              <a:rPr lang="en-CA" dirty="0"/>
+              <a:t>Third level</a:t>
+            </a:r>
+          </a:p>
+          <a:p>
+            <a:pPr lvl="3"/>
+            <a:r>
+              <a:rPr lang="en-CA" dirty="0"/>
+              <a:t>Fourth level</a:t>
+            </a:r>
+          </a:p>
+          <a:p>
+            <a:pPr lvl="4"/>
+            <a:r>
+              <a:rPr lang="en-CA" dirty="0"/>
+              <a:t>Fifth level</a:t>
+            </a:r>
+            <a:endParaRPr lang="en-US" dirty="0"/>
+          </a:p>
+        </p:txBody>
+      </p:sp>
+      <p:sp>
+        <p:nvSpPr>
+          <p:cNvPr id="6" name="Slide Number Placeholder 5"/>
+          <p:cNvSpPr>
+            <a:spLocks noGrp="1"/>
+          </p:cNvSpPr>
+          <p:nvPr>
+            <p:ph type="sldNum" sz="quarter" idx="12"/>
+          </p:nvPr>
+        </p:nvSpPr>
+        <p:spPr/>
+        <p:txBody>
+          <a:bodyPr/>
+          <a:lstStyle/>
+          <a:p>
+            <a:fld id="{E9E6C42D-3C73-654B-9208-A448ACCDDB6A}" type="slidenum">
+              <a:rPr lang="en-US" smtClean="0"/>
+              <a:t>‹#›</a:t>
+            </a:fld>
+            <a:endParaRPr lang="en-US"/>
+          </a:p>
+        </p:txBody>
+      </p:sp>
+      <p:pic>
+        <p:nvPicPr>
+          <p:cNvPr id="8" name="Picture 7" descr="OpenMainframe_Logo_Pantone.png"/>
+          <p:cNvPicPr>
+            <a:picLocks noChangeAspect="1"/>
+          </p:cNvPicPr>
+          <p:nvPr userDrawn="1"/>
+        </p:nvPicPr>
+        <p:blipFill rotWithShape="1">
+          <a:blip r:embed="rId3">
+            <a:extLst>
+              <a:ext uri="{28A0092B-C50C-407E-A947-70E740481C1C}">
+                <a14:useLocalDpi xmlns:a14="http://schemas.microsoft.com/office/drawing/2010/main" val="0"/>
+              </a:ext>
+            </a:extLst>
+          </a:blip>
+          <a:srcRect r="80655" b="30188"/>
+          <a:stretch/>
+        </p:blipFill>
+        <p:spPr>
+          <a:xfrm>
+            <a:off x="8306753" y="100724"/>
+            <a:ext cx="469854" cy="518219"/>
+          </a:xfrm>
+          <a:prstGeom prst="rect">
+            <a:avLst/>
+          </a:prstGeom>
+        </p:spPr>
+      </p:pic>
+      <p:sp>
+        <p:nvSpPr>
+          <p:cNvPr id="9" name="Rectangle 8"/>
+          <p:cNvSpPr/>
+          <p:nvPr userDrawn="1"/>
+        </p:nvSpPr>
+        <p:spPr>
+          <a:xfrm>
+            <a:off x="0" y="5112913"/>
+            <a:ext cx="9144000" cy="50586"/>
+          </a:xfrm>
+          <a:prstGeom prst="rect">
+            <a:avLst/>
+          </a:prstGeom>
+          <a:solidFill>
+            <a:srgbClr val="3664AD"/>
+          </a:solidFill>
+          <a:ln>
+            <a:noFill/>
+          </a:ln>
+          <a:effectLst/>
+        </p:spPr>
+        <p:style>
+          <a:lnRef idx="1">
+            <a:schemeClr val="accent1"/>
+          </a:lnRef>
+          <a:fillRef idx="3">
+            <a:schemeClr val="accent1"/>
+          </a:fillRef>
+          <a:effectRef idx="2">
+            <a:schemeClr val="accent1"/>
+          </a:effectRef>
+          <a:fontRef idx="minor">
+            <a:schemeClr val="lt1"/>
+          </a:fontRef>
+        </p:style>
+        <p:txBody>
+          <a:bodyPr rtlCol="0" anchor="ctr"/>
+          <a:lstStyle/>
+          <a:p>
+            <a:pPr algn="ctr"/>
+            <a:endParaRPr lang="en-US">
+              <a:solidFill>
+                <a:srgbClr val="3664AD"/>
+              </a:solidFill>
+            </a:endParaRPr>
+          </a:p>
+        </p:txBody>
+      </p:sp>
+    </p:spTree>
+    <p:extLst>
+      <p:ext uri="{BB962C8B-B14F-4D97-AF65-F5344CB8AC3E}">
+        <p14:creationId xmlns:p14="http://schemas.microsoft.com/office/powerpoint/2010/main" val="3382650867"/>
+      </p:ext>
+    </p:extLst>
   </p:cSld>
   <p:clrMapOvr>
     <a:masterClrMapping/>
@@ -11784,7 +12087,7 @@
           <p:nvPr/>
         </p:nvPicPr>
         <p:blipFill>
-          <a:blip r:embed="rId14"/>
+          <a:blip r:embed="rId15"/>
           <a:srcRect l="17596"/>
           <a:stretch/>
         </p:blipFill>
@@ -12034,7 +12337,7 @@
           <p:nvPr/>
         </p:nvPicPr>
         <p:blipFill>
-          <a:blip r:embed="rId15"/>
+          <a:blip r:embed="rId16"/>
           <a:stretch/>
         </p:blipFill>
         <p:spPr>
@@ -12146,6 +12449,7 @@
     <p:sldLayoutId id="2147483697" r:id="rId10"/>
     <p:sldLayoutId id="2147483698" r:id="rId11"/>
     <p:sldLayoutId id="2147483699" r:id="rId12"/>
+    <p:sldLayoutId id="2147483700" r:id="rId13"/>
   </p:sldLayoutIdLst>
   <p:txStyles>
     <p:titleStyle>
@@ -12486,10 +12790,6 @@
               </a:rPr>
               <a:t>Zowe Community 20PI4 </a:t>
             </a:r>
-            <a:r>
-              <a:rPr dirty="0"/>
-              <a:t/>
-            </a:r>
             <a:br>
               <a:rPr dirty="0"/>
             </a:br>
@@ -18889,12 +19189,40 @@
               <a:buChar char="•"/>
             </a:pPr>
             <a:r>
+              <a:rPr lang="en-US" sz="2000" spc="-1" dirty="0">
+                <a:solidFill>
+                  <a:srgbClr val="000000"/>
+                </a:solidFill>
+              </a:rPr>
+              <a:t>Zowe Doc Squad Focus</a:t>
+            </a:r>
+          </a:p>
+          <a:p>
+            <a:pPr marL="457200" indent="-355320">
+              <a:spcBef>
+                <a:spcPts val="400"/>
+              </a:spcBef>
+              <a:buClr>
+                <a:srgbClr val="000000"/>
+              </a:buClr>
+              <a:buFont typeface="Arial"/>
+              <a:buChar char="•"/>
+            </a:pPr>
+            <a:r>
+              <a:rPr lang="en-US" sz="2000" spc="-1" dirty="0">
+                <a:solidFill>
+                  <a:srgbClr val="000000"/>
+                </a:solidFill>
+              </a:rPr>
+              <a:t>Zowe </a:t>
+            </a:r>
+            <a:r>
               <a:rPr lang="en-US" sz="2000" spc="-1" dirty="0" err="1">
                 <a:solidFill>
                   <a:srgbClr val="000000"/>
                 </a:solidFill>
               </a:rPr>
-              <a:t>Zowe</a:t>
+              <a:t>WebUI</a:t>
             </a:r>
             <a:r>
               <a:rPr lang="en-US" sz="2000" spc="-1" dirty="0">
@@ -18902,8 +19230,21 @@
                   <a:srgbClr val="000000"/>
                 </a:solidFill>
               </a:rPr>
-              <a:t> Doc Squad Focus</a:t>
-            </a:r>
+              <a:t> </a:t>
+            </a:r>
+            <a:r>
+              <a:rPr lang="en-US" sz="2000" spc="-1">
+                <a:solidFill>
+                  <a:srgbClr val="000000"/>
+                </a:solidFill>
+              </a:rPr>
+              <a:t>Squad Focus</a:t>
+            </a:r>
+            <a:endParaRPr lang="en-US" sz="2000" spc="-1" dirty="0">
+              <a:solidFill>
+                <a:srgbClr val="000000"/>
+              </a:solidFill>
+            </a:endParaRPr>
           </a:p>
           <a:p>
             <a:pPr marL="457200" indent="-355320">
@@ -20746,7 +21087,13 @@
       </p:grpSpPr>
       <p:sp>
         <p:nvSpPr>
-          <p:cNvPr id="2" name="Rectangle 1"/>
+          <p:cNvPr id="4" name="Rectangle 3">
+            <a:extLst>
+              <a:ext uri="{FF2B5EF4-FFF2-40B4-BE49-F238E27FC236}">
+                <a16:creationId xmlns:a16="http://schemas.microsoft.com/office/drawing/2014/main" id="{697D03AF-E229-D84D-A65A-6F32452E67FC}"/>
+              </a:ext>
+            </a:extLst>
+          </p:cNvPr>
           <p:cNvSpPr/>
           <p:nvPr/>
         </p:nvSpPr>
@@ -20783,7 +21130,7 @@
               <a:defRPr/>
             </a:pPr>
             <a:r>
-              <a:rPr kumimoji="0" lang="en-US" sz="3200" b="1" i="0" u="none" strike="noStrike" kern="1200" cap="none" spc="-1" normalizeH="0" baseline="0" noProof="0" dirty="0" err="1">
+              <a:rPr kumimoji="0" lang="en-US" sz="3200" b="1" i="0" u="none" strike="noStrike" kern="1200" cap="none" spc="-1" normalizeH="0" baseline="0" noProof="0" dirty="0">
                 <a:ln>
                   <a:noFill/>
                 </a:ln>
@@ -20796,7 +21143,17 @@
                 <a:latin typeface="Arial"/>
                 <a:ea typeface="Arial"/>
               </a:rPr>
-              <a:t>Zowe</a:t>
+              <a:t>Zowe </a:t>
+            </a:r>
+            <a:r>
+              <a:rPr lang="en-US" sz="3200" b="1" spc="-1" dirty="0" err="1">
+                <a:solidFill>
+                  <a:srgbClr val="000000"/>
+                </a:solidFill>
+                <a:latin typeface="Arial"/>
+                <a:ea typeface="Arial"/>
+              </a:rPr>
+              <a:t>WebUI</a:t>
             </a:r>
             <a:r>
               <a:rPr kumimoji="0" lang="en-US" sz="3200" b="1" i="0" u="none" strike="noStrike" kern="1200" cap="none" spc="-1" normalizeH="0" baseline="0" noProof="0" dirty="0">
@@ -20846,22 +21203,15 @@
               <a:defRPr/>
             </a:pPr>
             <a:r>
-              <a:rPr kumimoji="0" lang="en-US" sz="2400" b="1" i="0" u="none" strike="noStrike" kern="1200" cap="none" spc="-1" normalizeH="0" baseline="0" noProof="0" dirty="0">
-                <a:ln>
-                  <a:noFill/>
-                </a:ln>
+              <a:rPr lang="en-US" sz="2400" spc="-1" dirty="0">
                 <a:solidFill>
                   <a:srgbClr val="000000"/>
                 </a:solidFill>
-                <a:effectLst/>
-                <a:uLnTx/>
-                <a:uFillTx/>
                 <a:latin typeface="Arial"/>
-                <a:ea typeface="Arial"/>
-              </a:rPr>
-              <a:t>xxx</a:t>
-            </a:r>
-            <a:endParaRPr kumimoji="0" lang="en-US" sz="2000" b="0" i="0" u="none" strike="noStrike" kern="1200" cap="none" spc="-1" normalizeH="0" baseline="0" noProof="0" dirty="0">
+              </a:rPr>
+              <a:t>Sean Grady</a:t>
+            </a:r>
+            <a:endParaRPr kumimoji="0" lang="en-US" sz="2000" i="0" u="none" strike="noStrike" kern="1200" cap="none" spc="-1" normalizeH="0" baseline="0" noProof="0" dirty="0">
               <a:ln>
                 <a:noFill/>
               </a:ln>
@@ -20879,9 +21229,668 @@
     </p:spTree>
     <p:extLst>
       <p:ext uri="{BB962C8B-B14F-4D97-AF65-F5344CB8AC3E}">
-        <p14:creationId xmlns:p14="http://schemas.microsoft.com/office/powerpoint/2010/main" val="127585587"/>
+        <p14:creationId xmlns:p14="http://schemas.microsoft.com/office/powerpoint/2010/main" val="1082786802"/>
       </p:ext>
     </p:extLst>
+  </p:cSld>
+  <p:clrMapOvr>
+    <a:masterClrMapping/>
+  </p:clrMapOvr>
+</p:sld>
+</file>
+
+<file path=ppt/slides/slide37.xml><?xml version="1.0" encoding="utf-8"?>
+<p:sld xmlns:a="http://schemas.openxmlformats.org/drawingml/2006/main" xmlns:r="http://schemas.openxmlformats.org/officeDocument/2006/relationships" xmlns:p="http://schemas.openxmlformats.org/presentationml/2006/main">
+  <p:cSld>
+    <p:spTree>
+      <p:nvGrpSpPr>
+        <p:cNvPr id="1" name=""/>
+        <p:cNvGrpSpPr/>
+        <p:nvPr/>
+      </p:nvGrpSpPr>
+      <p:grpSpPr>
+        <a:xfrm>
+          <a:off x="0" y="0"/>
+          <a:ext cx="0" cy="0"/>
+          <a:chOff x="0" y="0"/>
+          <a:chExt cx="0" cy="0"/>
+        </a:xfrm>
+      </p:grpSpPr>
+      <p:sp>
+        <p:nvSpPr>
+          <p:cNvPr id="2" name="Title 1">
+            <a:extLst>
+              <a:ext uri="{FF2B5EF4-FFF2-40B4-BE49-F238E27FC236}">
+                <a16:creationId xmlns:a16="http://schemas.microsoft.com/office/drawing/2014/main" id="{6E05D36F-D96F-C543-B01D-637A572C71DB}"/>
+              </a:ext>
+            </a:extLst>
+          </p:cNvPr>
+          <p:cNvSpPr>
+            <a:spLocks noGrp="1"/>
+          </p:cNvSpPr>
+          <p:nvPr>
+            <p:ph type="title"/>
+          </p:nvPr>
+        </p:nvSpPr>
+        <p:spPr/>
+        <p:txBody>
+          <a:bodyPr>
+            <a:noAutofit/>
+          </a:bodyPr>
+          <a:lstStyle/>
+          <a:p>
+            <a:r>
+              <a:rPr lang="en-US" sz="2400" dirty="0"/>
+              <a:t>1. Docker for servers: Linux &amp; </a:t>
+            </a:r>
+            <a:r>
+              <a:rPr lang="en-US" sz="2400" dirty="0" err="1"/>
+              <a:t>zLinux</a:t>
+            </a:r>
+            <a:r>
+              <a:rPr lang="en-US" sz="2400" dirty="0"/>
+              <a:t> containers go live</a:t>
+            </a:r>
+          </a:p>
+        </p:txBody>
+      </p:sp>
+      <p:sp>
+        <p:nvSpPr>
+          <p:cNvPr id="5" name="Content Placeholder 4"/>
+          <p:cNvSpPr>
+            <a:spLocks noGrp="1"/>
+          </p:cNvSpPr>
+          <p:nvPr>
+            <p:ph idx="1"/>
+          </p:nvPr>
+        </p:nvSpPr>
+        <p:spPr>
+          <a:xfrm>
+            <a:off x="317500" y="943429"/>
+            <a:ext cx="8369300" cy="3960439"/>
+          </a:xfrm>
+        </p:spPr>
+        <p:txBody>
+          <a:bodyPr vert="horz" lIns="91440" tIns="45720" rIns="91440" bIns="45720" rtlCol="0" anchor="t">
+            <a:normAutofit fontScale="62500" lnSpcReduction="20000"/>
+          </a:bodyPr>
+          <a:lstStyle/>
+          <a:p>
+            <a:pPr marL="0" indent="0">
+              <a:buNone/>
+            </a:pPr>
+            <a:r>
+              <a:rPr lang="en-US" dirty="0"/>
+              <a:t>In PI3:</a:t>
+            </a:r>
+          </a:p>
+          <a:p>
+            <a:r>
+              <a:rPr lang="en-US" dirty="0"/>
+              <a:t>Containers were successfully built for Linux and </a:t>
+            </a:r>
+            <a:r>
+              <a:rPr lang="en-US" dirty="0" err="1"/>
+              <a:t>zLinux</a:t>
+            </a:r>
+            <a:endParaRPr lang="en-US" dirty="0"/>
+          </a:p>
+          <a:p>
+            <a:r>
+              <a:rPr lang="en-US" dirty="0"/>
+              <a:t>Containers for Linux are now automated in the pipeline each release.</a:t>
+            </a:r>
+          </a:p>
+          <a:p>
+            <a:r>
+              <a:rPr lang="en-US" dirty="0"/>
+              <a:t>Various config options (external/internal certs, plugins, instance files) tested and documented</a:t>
+            </a:r>
+          </a:p>
+          <a:p>
+            <a:r>
+              <a:rPr lang="en-US" dirty="0"/>
+              <a:t>Marist access to </a:t>
+            </a:r>
+            <a:r>
+              <a:rPr lang="en-US" dirty="0" err="1"/>
+              <a:t>zLinux</a:t>
+            </a:r>
+            <a:r>
+              <a:rPr lang="en-US" dirty="0"/>
+              <a:t> granted</a:t>
+            </a:r>
+          </a:p>
+          <a:p>
+            <a:r>
+              <a:rPr lang="en-US" dirty="0"/>
+              <a:t>Install &amp; config documentation drafted</a:t>
+            </a:r>
+          </a:p>
+          <a:p>
+            <a:pPr marL="0" indent="0">
+              <a:buNone/>
+            </a:pPr>
+            <a:endParaRPr lang="en-US" dirty="0"/>
+          </a:p>
+          <a:p>
+            <a:pPr marL="0" indent="0">
+              <a:buNone/>
+            </a:pPr>
+            <a:endParaRPr lang="en-US" dirty="0"/>
+          </a:p>
+          <a:p>
+            <a:pPr marL="0" indent="0">
+              <a:buNone/>
+            </a:pPr>
+            <a:r>
+              <a:rPr lang="en-US" dirty="0"/>
+              <a:t>We're about ready to consider the server docker image a "beta", in that we want feedback to improve the experience. Therefore, in this PI we will launch the beta on zowe.org and </a:t>
+            </a:r>
+            <a:r>
+              <a:rPr lang="en-US" dirty="0" err="1"/>
+              <a:t>dockerhub</a:t>
+            </a:r>
+            <a:r>
+              <a:rPr lang="en-US" dirty="0"/>
+              <a:t>, and if feedback is positive Docker may end up as a first-class option by the end of PI4. We will also automate </a:t>
+            </a:r>
+            <a:r>
+              <a:rPr lang="en-US" dirty="0" err="1"/>
+              <a:t>zLinux</a:t>
+            </a:r>
+            <a:r>
+              <a:rPr lang="en-US" dirty="0"/>
+              <a:t> builds and begin to explore </a:t>
+            </a:r>
+            <a:r>
+              <a:rPr lang="en-US" dirty="0" err="1"/>
+              <a:t>zCX</a:t>
+            </a:r>
+            <a:r>
+              <a:rPr lang="en-US" dirty="0"/>
+              <a:t>.</a:t>
+            </a:r>
+          </a:p>
+          <a:p>
+            <a:endParaRPr lang="en-US" dirty="0"/>
+          </a:p>
+        </p:txBody>
+      </p:sp>
+    </p:spTree>
+    <p:extLst>
+      <p:ext uri="{BB962C8B-B14F-4D97-AF65-F5344CB8AC3E}">
+        <p14:creationId xmlns:p14="http://schemas.microsoft.com/office/powerpoint/2010/main" val="3117212356"/>
+      </p:ext>
+    </p:extLst>
+  </p:cSld>
+  <p:clrMapOvr>
+    <a:masterClrMapping/>
+  </p:clrMapOvr>
+</p:sld>
+</file>
+
+<file path=ppt/slides/slide38.xml><?xml version="1.0" encoding="utf-8"?>
+<p:sld xmlns:a="http://schemas.openxmlformats.org/drawingml/2006/main" xmlns:r="http://schemas.openxmlformats.org/officeDocument/2006/relationships" xmlns:p="http://schemas.openxmlformats.org/presentationml/2006/main">
+  <p:cSld>
+    <p:spTree>
+      <p:nvGrpSpPr>
+        <p:cNvPr id="1" name=""/>
+        <p:cNvGrpSpPr/>
+        <p:nvPr/>
+      </p:nvGrpSpPr>
+      <p:grpSpPr>
+        <a:xfrm>
+          <a:off x="0" y="0"/>
+          <a:ext cx="0" cy="0"/>
+          <a:chOff x="0" y="0"/>
+          <a:chExt cx="0" cy="0"/>
+        </a:xfrm>
+      </p:grpSpPr>
+      <p:sp>
+        <p:nvSpPr>
+          <p:cNvPr id="2" name="Title 1">
+            <a:extLst>
+              <a:ext uri="{FF2B5EF4-FFF2-40B4-BE49-F238E27FC236}">
+                <a16:creationId xmlns:a16="http://schemas.microsoft.com/office/drawing/2014/main" id="{3C6550BC-6172-4CB2-BA9D-68A5C4B54599}"/>
+              </a:ext>
+            </a:extLst>
+          </p:cNvPr>
+          <p:cNvSpPr>
+            <a:spLocks noGrp="1"/>
+          </p:cNvSpPr>
+          <p:nvPr>
+            <p:ph type="title"/>
+          </p:nvPr>
+        </p:nvSpPr>
+        <p:spPr/>
+        <p:txBody>
+          <a:bodyPr>
+            <a:noAutofit/>
+          </a:bodyPr>
+          <a:lstStyle/>
+          <a:p>
+            <a:r>
+              <a:rPr lang="en-US" sz="2800" dirty="0"/>
+              <a:t>Docker for servers: Deliverables</a:t>
+            </a:r>
+          </a:p>
+        </p:txBody>
+      </p:sp>
+      <p:sp>
+        <p:nvSpPr>
+          <p:cNvPr id="3" name="Content Placeholder 2">
+            <a:extLst>
+              <a:ext uri="{FF2B5EF4-FFF2-40B4-BE49-F238E27FC236}">
+                <a16:creationId xmlns:a16="http://schemas.microsoft.com/office/drawing/2014/main" id="{4E15734E-C257-4158-9576-8A7D7BDFD9D7}"/>
+              </a:ext>
+            </a:extLst>
+          </p:cNvPr>
+          <p:cNvSpPr>
+            <a:spLocks noGrp="1"/>
+          </p:cNvSpPr>
+          <p:nvPr>
+            <p:ph idx="1"/>
+          </p:nvPr>
+        </p:nvSpPr>
+        <p:spPr/>
+        <p:txBody>
+          <a:bodyPr vert="horz" lIns="91440" tIns="45720" rIns="91440" bIns="45720" rtlCol="0" anchor="t">
+            <a:normAutofit/>
+          </a:bodyPr>
+          <a:lstStyle/>
+          <a:p>
+            <a:r>
+              <a:rPr lang="en-US" sz="1800" dirty="0"/>
+              <a:t>Official </a:t>
+            </a:r>
+            <a:r>
+              <a:rPr lang="en-US" sz="1800" dirty="0" err="1"/>
+              <a:t>zowe</a:t>
+            </a:r>
+            <a:r>
+              <a:rPr lang="en-US" sz="1800" dirty="0"/>
+              <a:t> server components installer for docker </a:t>
+            </a:r>
+            <a:r>
+              <a:rPr lang="en-US" sz="1800" dirty="0" err="1"/>
+              <a:t>linux</a:t>
+            </a:r>
+            <a:r>
+              <a:rPr lang="en-US" sz="1800" dirty="0"/>
+              <a:t> &amp; </a:t>
+            </a:r>
+            <a:r>
+              <a:rPr lang="en-US" sz="1800" dirty="0" err="1"/>
+              <a:t>zlinux</a:t>
+            </a:r>
+            <a:r>
+              <a:rPr lang="en-US" sz="1800" dirty="0"/>
+              <a:t> on zowe.org</a:t>
+            </a:r>
+          </a:p>
+          <a:p>
+            <a:r>
+              <a:rPr lang="en-US" sz="1800" dirty="0"/>
+              <a:t>Documentation to cover how &amp; why to use the docker options</a:t>
+            </a:r>
+          </a:p>
+          <a:p>
+            <a:r>
+              <a:rPr lang="en-US" sz="1800" dirty="0"/>
+              <a:t>Prototype of </a:t>
+            </a:r>
+            <a:r>
+              <a:rPr lang="en-US" sz="1800" dirty="0" err="1"/>
+              <a:t>zCX</a:t>
+            </a:r>
+            <a:r>
+              <a:rPr lang="en-US" sz="1800" dirty="0"/>
+              <a:t> container</a:t>
+            </a:r>
+          </a:p>
+          <a:p>
+            <a:endParaRPr lang="en-US" sz="1800" dirty="0"/>
+          </a:p>
+        </p:txBody>
+      </p:sp>
+    </p:spTree>
+    <p:extLst>
+      <p:ext uri="{BB962C8B-B14F-4D97-AF65-F5344CB8AC3E}">
+        <p14:creationId xmlns:p14="http://schemas.microsoft.com/office/powerpoint/2010/main" val="456059358"/>
+      </p:ext>
+    </p:extLst>
+  </p:cSld>
+  <p:clrMapOvr>
+    <a:masterClrMapping/>
+  </p:clrMapOvr>
+</p:sld>
+</file>
+
+<file path=ppt/slides/slide39.xml><?xml version="1.0" encoding="utf-8"?>
+<p:sld xmlns:a="http://schemas.openxmlformats.org/drawingml/2006/main" xmlns:r="http://schemas.openxmlformats.org/officeDocument/2006/relationships" xmlns:p="http://schemas.openxmlformats.org/presentationml/2006/main">
+  <p:cSld>
+    <p:spTree>
+      <p:nvGrpSpPr>
+        <p:cNvPr id="1" name=""/>
+        <p:cNvGrpSpPr/>
+        <p:nvPr/>
+      </p:nvGrpSpPr>
+      <p:grpSpPr>
+        <a:xfrm>
+          <a:off x="0" y="0"/>
+          <a:ext cx="0" cy="0"/>
+          <a:chOff x="0" y="0"/>
+          <a:chExt cx="0" cy="0"/>
+        </a:xfrm>
+      </p:grpSpPr>
+      <p:sp>
+        <p:nvSpPr>
+          <p:cNvPr id="2" name="Title 1">
+            <a:extLst>
+              <a:ext uri="{FF2B5EF4-FFF2-40B4-BE49-F238E27FC236}">
+                <a16:creationId xmlns:a16="http://schemas.microsoft.com/office/drawing/2014/main" id="{A8533BAB-2DF0-49DF-A40C-98001D3B5D0F}"/>
+              </a:ext>
+            </a:extLst>
+          </p:cNvPr>
+          <p:cNvSpPr>
+            <a:spLocks noGrp="1"/>
+          </p:cNvSpPr>
+          <p:nvPr>
+            <p:ph type="title"/>
+          </p:nvPr>
+        </p:nvSpPr>
+        <p:spPr/>
+        <p:txBody>
+          <a:bodyPr>
+            <a:noAutofit/>
+          </a:bodyPr>
+          <a:lstStyle/>
+          <a:p>
+            <a:r>
+              <a:rPr lang="en-US" sz="2800" dirty="0"/>
+              <a:t>Docker for servers: Dependency &amp; Risk</a:t>
+            </a:r>
+          </a:p>
+        </p:txBody>
+      </p:sp>
+      <p:sp>
+        <p:nvSpPr>
+          <p:cNvPr id="3" name="Content Placeholder 2">
+            <a:extLst>
+              <a:ext uri="{FF2B5EF4-FFF2-40B4-BE49-F238E27FC236}">
+                <a16:creationId xmlns:a16="http://schemas.microsoft.com/office/drawing/2014/main" id="{02E0A3F6-3DDF-453A-B0EC-35F8AE7B301A}"/>
+              </a:ext>
+            </a:extLst>
+          </p:cNvPr>
+          <p:cNvSpPr>
+            <a:spLocks noGrp="1"/>
+          </p:cNvSpPr>
+          <p:nvPr>
+            <p:ph idx="1"/>
+          </p:nvPr>
+        </p:nvSpPr>
+        <p:spPr/>
+        <p:txBody>
+          <a:bodyPr vert="horz" lIns="91440" tIns="45720" rIns="91440" bIns="45720" rtlCol="0" anchor="t">
+            <a:normAutofit/>
+          </a:bodyPr>
+          <a:lstStyle/>
+          <a:p>
+            <a:pPr marL="0" indent="0">
+              <a:buNone/>
+            </a:pPr>
+            <a:r>
+              <a:rPr lang="en-US" sz="1800" dirty="0"/>
+              <a:t>Dependency</a:t>
+            </a:r>
+          </a:p>
+          <a:p>
+            <a:r>
+              <a:rPr lang="en-US" sz="1800" dirty="0"/>
+              <a:t>None currently but the systems and documentation squads may wish to review and discuss</a:t>
+            </a:r>
+          </a:p>
+          <a:p>
+            <a:pPr marL="0" indent="0">
+              <a:buNone/>
+            </a:pPr>
+            <a:endParaRPr lang="en-US" sz="1800" dirty="0"/>
+          </a:p>
+          <a:p>
+            <a:pPr>
+              <a:buNone/>
+            </a:pPr>
+            <a:r>
+              <a:rPr lang="en-US" sz="1800" dirty="0"/>
+              <a:t>Risk</a:t>
+            </a:r>
+          </a:p>
+          <a:p>
+            <a:r>
+              <a:rPr lang="en-US" sz="1800" dirty="0"/>
+              <a:t>Access to </a:t>
+            </a:r>
+            <a:r>
+              <a:rPr lang="en-US" sz="1800" dirty="0" err="1"/>
+              <a:t>zCX</a:t>
+            </a:r>
+            <a:r>
+              <a:rPr lang="en-US" sz="1800" dirty="0"/>
+              <a:t> may limit progress on it</a:t>
+            </a:r>
+          </a:p>
+          <a:p>
+            <a:r>
+              <a:rPr lang="en-US" sz="1800" dirty="0"/>
+              <a:t>Adoption may vary by </a:t>
+            </a:r>
+            <a:r>
+              <a:rPr lang="en-US" sz="1800" dirty="0" err="1"/>
+              <a:t>linux</a:t>
+            </a:r>
+            <a:r>
+              <a:rPr lang="en-US" sz="1800" dirty="0"/>
+              <a:t> availability and comfort. More outreach, education, documentation may be needed.</a:t>
+            </a:r>
+          </a:p>
+          <a:p>
+            <a:pPr marL="0" indent="0">
+              <a:buNone/>
+            </a:pPr>
+            <a:endParaRPr lang="en-US" sz="1800" dirty="0"/>
+          </a:p>
+          <a:p>
+            <a:pPr marL="0" indent="0">
+              <a:buNone/>
+            </a:pPr>
+            <a:endParaRPr lang="en-US" sz="1800" dirty="0"/>
+          </a:p>
+        </p:txBody>
+      </p:sp>
+    </p:spTree>
+    <p:extLst>
+      <p:ext uri="{BB962C8B-B14F-4D97-AF65-F5344CB8AC3E}">
+        <p14:creationId xmlns:p14="http://schemas.microsoft.com/office/powerpoint/2010/main" val="1902530159"/>
+      </p:ext>
+    </p:extLst>
+  </p:cSld>
+  <p:clrMapOvr>
+    <a:masterClrMapping/>
+  </p:clrMapOvr>
+</p:sld>
+</file>
+
+<file path=ppt/slides/slide4.xml><?xml version="1.0" encoding="utf-8"?>
+<p:sld xmlns:a="http://schemas.openxmlformats.org/drawingml/2006/main" xmlns:r="http://schemas.openxmlformats.org/officeDocument/2006/relationships" xmlns:p="http://schemas.openxmlformats.org/presentationml/2006/main">
+  <p:cSld>
+    <p:spTree>
+      <p:nvGrpSpPr>
+        <p:cNvPr id="1" name=""/>
+        <p:cNvGrpSpPr/>
+        <p:nvPr/>
+      </p:nvGrpSpPr>
+      <p:grpSpPr>
+        <a:xfrm>
+          <a:off x="0" y="0"/>
+          <a:ext cx="0" cy="0"/>
+          <a:chOff x="0" y="0"/>
+          <a:chExt cx="0" cy="0"/>
+        </a:xfrm>
+      </p:grpSpPr>
+      <p:sp>
+        <p:nvSpPr>
+          <p:cNvPr id="188" name="TextShape 1"/>
+          <p:cNvSpPr txBox="1"/>
+          <p:nvPr/>
+        </p:nvSpPr>
+        <p:spPr>
+          <a:xfrm>
+            <a:off x="298581" y="2589143"/>
+            <a:ext cx="6446160" cy="2138776"/>
+          </a:xfrm>
+          <a:prstGeom prst="rect">
+            <a:avLst/>
+          </a:prstGeom>
+          <a:noFill/>
+          <a:ln>
+            <a:noFill/>
+          </a:ln>
+        </p:spPr>
+        <p:txBody>
+          <a:bodyPr lIns="0" tIns="0" rIns="0" bIns="0" anchor="b">
+            <a:noAutofit/>
+          </a:bodyPr>
+          <a:lstStyle/>
+          <a:p>
+            <a:pPr marL="457200" lvl="0" indent="-228240">
+              <a:lnSpc>
+                <a:spcPct val="85000"/>
+              </a:lnSpc>
+              <a:spcBef>
+                <a:spcPts val="901"/>
+              </a:spcBef>
+            </a:pPr>
+            <a:r>
+              <a:rPr lang="en-US" sz="3000" b="1" spc="-1" dirty="0" err="1">
+                <a:solidFill>
+                  <a:srgbClr val="000000"/>
+                </a:solidFill>
+                <a:latin typeface="Arial" panose="020B0604020202020204" pitchFamily="34" charset="0"/>
+                <a:ea typeface="Arial"/>
+                <a:cs typeface="Arial" panose="020B0604020202020204" pitchFamily="34" charset="0"/>
+              </a:rPr>
+              <a:t>Zowe</a:t>
+            </a:r>
+            <a:r>
+              <a:rPr lang="en-US" sz="3000" b="1" spc="-1" dirty="0">
+                <a:solidFill>
+                  <a:srgbClr val="000000"/>
+                </a:solidFill>
+                <a:latin typeface="Arial" panose="020B0604020202020204" pitchFamily="34" charset="0"/>
+                <a:ea typeface="Arial"/>
+                <a:cs typeface="Arial" panose="020B0604020202020204" pitchFamily="34" charset="0"/>
+              </a:rPr>
+              <a:t> Explorer Squad Focus</a:t>
+            </a:r>
+            <a:endParaRPr lang="en-US" sz="3000" spc="-1" dirty="0">
+              <a:solidFill>
+                <a:srgbClr val="000000"/>
+              </a:solidFill>
+              <a:latin typeface="Arial" panose="020B0604020202020204" pitchFamily="34" charset="0"/>
+              <a:cs typeface="Arial" panose="020B0604020202020204" pitchFamily="34" charset="0"/>
+            </a:endParaRPr>
+          </a:p>
+          <a:p>
+            <a:pPr marL="457200" lvl="0" indent="-228240">
+              <a:lnSpc>
+                <a:spcPct val="85000"/>
+              </a:lnSpc>
+              <a:spcBef>
+                <a:spcPts val="901"/>
+              </a:spcBef>
+            </a:pPr>
+            <a:r>
+              <a:rPr lang="en-US" b="1" spc="-1" dirty="0">
+                <a:solidFill>
+                  <a:srgbClr val="000000"/>
+                </a:solidFill>
+                <a:latin typeface="Arial" panose="020B0604020202020204" pitchFamily="34" charset="0"/>
+                <a:ea typeface="Arial"/>
+                <a:cs typeface="Arial" panose="020B0604020202020204" pitchFamily="34" charset="0"/>
+              </a:rPr>
+              <a:t>Zachariah Mullen (Scrum Master)</a:t>
+            </a:r>
+          </a:p>
+          <a:p>
+            <a:pPr marL="457200" lvl="0" indent="-228240">
+              <a:lnSpc>
+                <a:spcPct val="85000"/>
+              </a:lnSpc>
+              <a:spcBef>
+                <a:spcPts val="901"/>
+              </a:spcBef>
+            </a:pPr>
+            <a:r>
+              <a:rPr lang="en-US" b="1" spc="-1" dirty="0">
+                <a:solidFill>
+                  <a:srgbClr val="000000"/>
+                </a:solidFill>
+                <a:latin typeface="Arial" panose="020B0604020202020204" pitchFamily="34" charset="0"/>
+                <a:ea typeface="Arial"/>
+                <a:cs typeface="Arial" panose="020B0604020202020204" pitchFamily="34" charset="0"/>
+              </a:rPr>
+              <a:t>Fernando Rijo Cedeno (Squad Lead)</a:t>
+            </a:r>
+          </a:p>
+          <a:p>
+            <a:pPr marL="457200" lvl="0" indent="-228240">
+              <a:lnSpc>
+                <a:spcPct val="85000"/>
+              </a:lnSpc>
+              <a:spcBef>
+                <a:spcPts val="901"/>
+              </a:spcBef>
+            </a:pPr>
+            <a:endParaRPr lang="en-US" b="1" spc="-1" dirty="0">
+              <a:solidFill>
+                <a:srgbClr val="000000"/>
+              </a:solidFill>
+              <a:latin typeface="Arial" panose="020B0604020202020204" pitchFamily="34" charset="0"/>
+              <a:cs typeface="Arial" panose="020B0604020202020204" pitchFamily="34" charset="0"/>
+            </a:endParaRPr>
+          </a:p>
+          <a:p>
+            <a:pPr marL="457200" lvl="0" indent="-228240">
+              <a:lnSpc>
+                <a:spcPct val="85000"/>
+              </a:lnSpc>
+              <a:spcBef>
+                <a:spcPts val="901"/>
+              </a:spcBef>
+            </a:pPr>
+            <a:r>
+              <a:rPr lang="en-US" spc="-1" dirty="0">
+                <a:solidFill>
+                  <a:srgbClr val="000000"/>
+                </a:solidFill>
+                <a:latin typeface="Arial" panose="020B0604020202020204" pitchFamily="34" charset="0"/>
+                <a:cs typeface="Arial" panose="020B0604020202020204" pitchFamily="34" charset="0"/>
+                <a:hlinkClick r:id="rId2"/>
+              </a:rPr>
+              <a:t>Objectives</a:t>
+            </a:r>
+            <a:endParaRPr lang="en-US" spc="-1" dirty="0">
+              <a:solidFill>
+                <a:srgbClr val="000000"/>
+              </a:solidFill>
+              <a:latin typeface="Arial" panose="020B0604020202020204" pitchFamily="34" charset="0"/>
+              <a:cs typeface="Arial" panose="020B0604020202020204" pitchFamily="34" charset="0"/>
+            </a:endParaRPr>
+          </a:p>
+        </p:txBody>
+      </p:sp>
+    </p:spTree>
   </p:cSld>
   <p:clrMapOvr>
     <a:masterClrMapping/>
@@ -20919,7 +21928,7 @@
 </p:sld>
 </file>
 
-<file path=ppt/slides/slide37.xml><?xml version="1.0" encoding="utf-8"?>
+<file path=ppt/slides/slide40.xml><?xml version="1.0" encoding="utf-8"?>
 <p:sld xmlns:a="http://schemas.openxmlformats.org/drawingml/2006/main" xmlns:r="http://schemas.openxmlformats.org/officeDocument/2006/relationships" xmlns:p="http://schemas.openxmlformats.org/presentationml/2006/main">
   <p:cSld>
     <p:spTree>
@@ -20938,6 +21947,1379 @@
       </p:grpSpPr>
       <p:sp>
         <p:nvSpPr>
+          <p:cNvPr id="2" name="Title 1">
+            <a:extLst>
+              <a:ext uri="{FF2B5EF4-FFF2-40B4-BE49-F238E27FC236}">
+                <a16:creationId xmlns:a16="http://schemas.microsoft.com/office/drawing/2014/main" id="{B609E477-C97A-410E-B912-63A7688CDC4B}"/>
+              </a:ext>
+            </a:extLst>
+          </p:cNvPr>
+          <p:cNvSpPr>
+            <a:spLocks noGrp="1"/>
+          </p:cNvSpPr>
+          <p:nvPr>
+            <p:ph type="title"/>
+          </p:nvPr>
+        </p:nvSpPr>
+        <p:spPr/>
+        <p:txBody>
+          <a:bodyPr>
+            <a:noAutofit/>
+          </a:bodyPr>
+          <a:lstStyle/>
+          <a:p>
+            <a:r>
+              <a:rPr lang="en-US" sz="2800" dirty="0"/>
+              <a:t>2. Initial HA/FT for all </a:t>
+            </a:r>
+            <a:r>
+              <a:rPr lang="en-US" sz="2800" dirty="0" err="1"/>
+              <a:t>Zowe</a:t>
+            </a:r>
+            <a:r>
+              <a:rPr lang="en-US" sz="2800" dirty="0"/>
+              <a:t> server components</a:t>
+            </a:r>
+          </a:p>
+        </p:txBody>
+      </p:sp>
+      <p:sp>
+        <p:nvSpPr>
+          <p:cNvPr id="3" name="Content Placeholder 2">
+            <a:extLst>
+              <a:ext uri="{FF2B5EF4-FFF2-40B4-BE49-F238E27FC236}">
+                <a16:creationId xmlns:a16="http://schemas.microsoft.com/office/drawing/2014/main" id="{39EC28B8-D23F-4FD8-AA54-F5EDB857F356}"/>
+              </a:ext>
+            </a:extLst>
+          </p:cNvPr>
+          <p:cNvSpPr>
+            <a:spLocks noGrp="1"/>
+          </p:cNvSpPr>
+          <p:nvPr>
+            <p:ph idx="1"/>
+          </p:nvPr>
+        </p:nvSpPr>
+        <p:spPr>
+          <a:xfrm>
+            <a:off x="178421" y="758283"/>
+            <a:ext cx="8876370" cy="4225775"/>
+          </a:xfrm>
+        </p:spPr>
+        <p:txBody>
+          <a:bodyPr vert="horz" lIns="91440" tIns="45720" rIns="91440" bIns="45720" rtlCol="0" anchor="t">
+            <a:noAutofit/>
+          </a:bodyPr>
+          <a:lstStyle/>
+          <a:p>
+            <a:pPr marL="0" indent="0">
+              <a:buNone/>
+            </a:pPr>
+            <a:r>
+              <a:rPr lang="en-US" sz="1800" dirty="0"/>
+              <a:t>Community has narrowed down possibilities for HA/FT to a few achievable tasks</a:t>
+            </a:r>
+          </a:p>
+          <a:p>
+            <a:r>
+              <a:rPr lang="en-US" sz="1800" dirty="0"/>
+              <a:t>Create a TCP-based caching service for components to store state </a:t>
+            </a:r>
+          </a:p>
+          <a:p>
+            <a:pPr lvl="1"/>
+            <a:r>
+              <a:rPr lang="en-US" sz="1800" dirty="0"/>
+              <a:t>VSAM-based storage a likely first implementation</a:t>
+            </a:r>
+          </a:p>
+          <a:p>
+            <a:r>
+              <a:rPr lang="en-US" sz="1800" dirty="0"/>
+              <a:t>Enhance any servers with state to utilize caching service </a:t>
+            </a:r>
+          </a:p>
+          <a:p>
+            <a:pPr lvl="1"/>
+            <a:r>
+              <a:rPr lang="en-US" sz="1800" dirty="0"/>
+              <a:t>In </a:t>
+            </a:r>
+            <a:r>
+              <a:rPr lang="en-US" sz="1800" dirty="0" err="1"/>
+              <a:t>WebUI</a:t>
+            </a:r>
+            <a:r>
+              <a:rPr lang="en-US" sz="1800" dirty="0"/>
+              <a:t> Squad, app-server &amp; </a:t>
+            </a:r>
+            <a:r>
+              <a:rPr lang="en-US" sz="1800" dirty="0" err="1"/>
+              <a:t>zss</a:t>
+            </a:r>
+            <a:r>
+              <a:rPr lang="en-US" sz="1800" dirty="0"/>
+              <a:t> have state. NodeJS library convenience may lead to app-server implementation first.</a:t>
+            </a:r>
+          </a:p>
+          <a:p>
+            <a:r>
+              <a:rPr lang="en-US" sz="1800" dirty="0"/>
+              <a:t>Launcher service needed for starting, monitoring, and restarting components upon failure </a:t>
+            </a:r>
+          </a:p>
+          <a:p>
+            <a:pPr lvl="1"/>
+            <a:r>
+              <a:rPr lang="en-US" sz="1800" dirty="0" err="1"/>
+              <a:t>WebUI</a:t>
+            </a:r>
+            <a:r>
+              <a:rPr lang="en-US" sz="1800" dirty="0"/>
+              <a:t> Squad contributing the </a:t>
+            </a:r>
+            <a:r>
+              <a:rPr lang="en-US" sz="1800" dirty="0" err="1"/>
+              <a:t>Zowe</a:t>
+            </a:r>
+            <a:r>
+              <a:rPr lang="en-US" sz="1800" dirty="0"/>
+              <a:t> launcher or </a:t>
+            </a:r>
+            <a:r>
+              <a:rPr lang="en-US" sz="1800" dirty="0" err="1"/>
+              <a:t>zLauncher</a:t>
+            </a:r>
+            <a:r>
+              <a:rPr lang="en-US" sz="1800" dirty="0"/>
+              <a:t> as a simple &amp; server-agnostic monitor and invoker of component scripts</a:t>
+            </a:r>
+          </a:p>
+          <a:p>
+            <a:pPr lvl="1"/>
+            <a:r>
+              <a:rPr lang="en-US" sz="1800" dirty="0"/>
+              <a:t>Launcher to continue to be enhanced to meet needs of HA/FT task</a:t>
+            </a:r>
+          </a:p>
+          <a:p>
+            <a:r>
+              <a:rPr lang="en-US" sz="1800" dirty="0"/>
+              <a:t>Package caching service and launcher into release</a:t>
+            </a:r>
+          </a:p>
+          <a:p>
+            <a:r>
+              <a:rPr lang="en-US" sz="1800" dirty="0"/>
+              <a:t>Document how HA/FT works, guarantees and limitations, configuration and prerequisites</a:t>
+            </a:r>
+          </a:p>
+          <a:p>
+            <a:endParaRPr lang="en-US" sz="1800" dirty="0"/>
+          </a:p>
+        </p:txBody>
+      </p:sp>
+    </p:spTree>
+    <p:extLst>
+      <p:ext uri="{BB962C8B-B14F-4D97-AF65-F5344CB8AC3E}">
+        <p14:creationId xmlns:p14="http://schemas.microsoft.com/office/powerpoint/2010/main" val="3286491331"/>
+      </p:ext>
+    </p:extLst>
+  </p:cSld>
+  <p:clrMapOvr>
+    <a:masterClrMapping/>
+  </p:clrMapOvr>
+</p:sld>
+</file>
+
+<file path=ppt/slides/slide41.xml><?xml version="1.0" encoding="utf-8"?>
+<p:sld xmlns:a="http://schemas.openxmlformats.org/drawingml/2006/main" xmlns:r="http://schemas.openxmlformats.org/officeDocument/2006/relationships" xmlns:p="http://schemas.openxmlformats.org/presentationml/2006/main">
+  <p:cSld>
+    <p:spTree>
+      <p:nvGrpSpPr>
+        <p:cNvPr id="1" name=""/>
+        <p:cNvGrpSpPr/>
+        <p:nvPr/>
+      </p:nvGrpSpPr>
+      <p:grpSpPr>
+        <a:xfrm>
+          <a:off x="0" y="0"/>
+          <a:ext cx="0" cy="0"/>
+          <a:chOff x="0" y="0"/>
+          <a:chExt cx="0" cy="0"/>
+        </a:xfrm>
+      </p:grpSpPr>
+      <p:sp>
+        <p:nvSpPr>
+          <p:cNvPr id="2" name="Title 1">
+            <a:extLst>
+              <a:ext uri="{FF2B5EF4-FFF2-40B4-BE49-F238E27FC236}">
+                <a16:creationId xmlns:a16="http://schemas.microsoft.com/office/drawing/2014/main" id="{8D62957E-26C5-46ED-BD4E-0875F6939813}"/>
+              </a:ext>
+            </a:extLst>
+          </p:cNvPr>
+          <p:cNvSpPr>
+            <a:spLocks noGrp="1"/>
+          </p:cNvSpPr>
+          <p:nvPr>
+            <p:ph type="title"/>
+          </p:nvPr>
+        </p:nvSpPr>
+        <p:spPr/>
+        <p:txBody>
+          <a:bodyPr>
+            <a:noAutofit/>
+          </a:bodyPr>
+          <a:lstStyle/>
+          <a:p>
+            <a:r>
+              <a:rPr lang="en-US" sz="2800" dirty="0"/>
+              <a:t>HA/FT: Deliverable</a:t>
+            </a:r>
+          </a:p>
+        </p:txBody>
+      </p:sp>
+      <p:sp>
+        <p:nvSpPr>
+          <p:cNvPr id="3" name="Content Placeholder 2">
+            <a:extLst>
+              <a:ext uri="{FF2B5EF4-FFF2-40B4-BE49-F238E27FC236}">
+                <a16:creationId xmlns:a16="http://schemas.microsoft.com/office/drawing/2014/main" id="{E69F2009-8045-439B-BE08-C25B52230171}"/>
+              </a:ext>
+            </a:extLst>
+          </p:cNvPr>
+          <p:cNvSpPr>
+            <a:spLocks noGrp="1"/>
+          </p:cNvSpPr>
+          <p:nvPr>
+            <p:ph idx="1"/>
+          </p:nvPr>
+        </p:nvSpPr>
+        <p:spPr/>
+        <p:txBody>
+          <a:bodyPr vert="horz" lIns="91440" tIns="45720" rIns="91440" bIns="45720" rtlCol="0" anchor="t">
+            <a:normAutofit/>
+          </a:bodyPr>
+          <a:lstStyle/>
+          <a:p>
+            <a:pPr marL="0" indent="0">
+              <a:buNone/>
+            </a:pPr>
+            <a:r>
+              <a:rPr lang="en-US" sz="1800" dirty="0"/>
+              <a:t>Deliverable</a:t>
+            </a:r>
+          </a:p>
+          <a:p>
+            <a:r>
+              <a:rPr lang="en-US" sz="1800" dirty="0"/>
+              <a:t>HA/FT that is usable to improve uptime on at least 1 LPAR, if not the entire </a:t>
+            </a:r>
+            <a:r>
+              <a:rPr lang="en-US" sz="1800" dirty="0" err="1"/>
+              <a:t>sysplex</a:t>
+            </a:r>
+            <a:r>
+              <a:rPr lang="en-US" sz="1800" dirty="0"/>
+              <a:t>. Desire to achieve HA/FT in the Docker context, but focus to solve 1 z/OS LPAR first.</a:t>
+            </a:r>
+          </a:p>
+        </p:txBody>
+      </p:sp>
+    </p:spTree>
+    <p:extLst>
+      <p:ext uri="{BB962C8B-B14F-4D97-AF65-F5344CB8AC3E}">
+        <p14:creationId xmlns:p14="http://schemas.microsoft.com/office/powerpoint/2010/main" val="782133886"/>
+      </p:ext>
+    </p:extLst>
+  </p:cSld>
+  <p:clrMapOvr>
+    <a:masterClrMapping/>
+  </p:clrMapOvr>
+</p:sld>
+</file>
+
+<file path=ppt/slides/slide42.xml><?xml version="1.0" encoding="utf-8"?>
+<p:sld xmlns:a="http://schemas.openxmlformats.org/drawingml/2006/main" xmlns:r="http://schemas.openxmlformats.org/officeDocument/2006/relationships" xmlns:p="http://schemas.openxmlformats.org/presentationml/2006/main">
+  <p:cSld>
+    <p:spTree>
+      <p:nvGrpSpPr>
+        <p:cNvPr id="1" name=""/>
+        <p:cNvGrpSpPr/>
+        <p:nvPr/>
+      </p:nvGrpSpPr>
+      <p:grpSpPr>
+        <a:xfrm>
+          <a:off x="0" y="0"/>
+          <a:ext cx="0" cy="0"/>
+          <a:chOff x="0" y="0"/>
+          <a:chExt cx="0" cy="0"/>
+        </a:xfrm>
+      </p:grpSpPr>
+      <p:sp>
+        <p:nvSpPr>
+          <p:cNvPr id="2" name="Title 1">
+            <a:extLst>
+              <a:ext uri="{FF2B5EF4-FFF2-40B4-BE49-F238E27FC236}">
+                <a16:creationId xmlns:a16="http://schemas.microsoft.com/office/drawing/2014/main" id="{F5AC27EA-97EA-4616-AD38-DE5421902C82}"/>
+              </a:ext>
+            </a:extLst>
+          </p:cNvPr>
+          <p:cNvSpPr>
+            <a:spLocks noGrp="1"/>
+          </p:cNvSpPr>
+          <p:nvPr>
+            <p:ph type="title"/>
+          </p:nvPr>
+        </p:nvSpPr>
+        <p:spPr/>
+        <p:txBody>
+          <a:bodyPr>
+            <a:noAutofit/>
+          </a:bodyPr>
+          <a:lstStyle/>
+          <a:p>
+            <a:r>
+              <a:rPr lang="en-US" sz="2800" dirty="0"/>
+              <a:t>HA/FT: Dependency, Risk</a:t>
+            </a:r>
+          </a:p>
+        </p:txBody>
+      </p:sp>
+      <p:sp>
+        <p:nvSpPr>
+          <p:cNvPr id="3" name="Content Placeholder 2">
+            <a:extLst>
+              <a:ext uri="{FF2B5EF4-FFF2-40B4-BE49-F238E27FC236}">
+                <a16:creationId xmlns:a16="http://schemas.microsoft.com/office/drawing/2014/main" id="{DB095119-4826-4C24-8DD6-DE1EE7146FE2}"/>
+              </a:ext>
+            </a:extLst>
+          </p:cNvPr>
+          <p:cNvSpPr>
+            <a:spLocks noGrp="1"/>
+          </p:cNvSpPr>
+          <p:nvPr>
+            <p:ph idx="1"/>
+          </p:nvPr>
+        </p:nvSpPr>
+        <p:spPr/>
+        <p:txBody>
+          <a:bodyPr vert="horz" lIns="91440" tIns="45720" rIns="91440" bIns="45720" rtlCol="0" anchor="t">
+            <a:normAutofit/>
+          </a:bodyPr>
+          <a:lstStyle/>
+          <a:p>
+            <a:pPr marL="0" indent="0">
+              <a:buNone/>
+            </a:pPr>
+            <a:r>
+              <a:rPr lang="en-US" sz="1800" dirty="0"/>
+              <a:t>Dependency</a:t>
+            </a:r>
+          </a:p>
+          <a:p>
+            <a:r>
+              <a:rPr lang="en-US" sz="1800" dirty="0">
+                <a:solidFill>
+                  <a:srgbClr val="FF0000"/>
+                </a:solidFill>
+              </a:rPr>
+              <a:t>Highly cross-squad task that requires leadership/ownership of tasks to drive completion</a:t>
+            </a:r>
+          </a:p>
+          <a:p>
+            <a:pPr marL="0" indent="0">
+              <a:buNone/>
+            </a:pPr>
+            <a:r>
+              <a:rPr lang="en-US" sz="1800" dirty="0"/>
+              <a:t>Risk</a:t>
+            </a:r>
+          </a:p>
+          <a:p>
+            <a:r>
+              <a:rPr lang="en-US" sz="1800" dirty="0"/>
+              <a:t>Highly cross-squad task that requires leadership/ownership of tasks to drive completion</a:t>
+            </a:r>
+          </a:p>
+          <a:p>
+            <a:r>
+              <a:rPr lang="en-US" sz="1800" dirty="0"/>
+              <a:t>Dependencies or configuration that makes the solution unattractive... we've eliminated a few options from many PI3 discussions</a:t>
+            </a:r>
+          </a:p>
+          <a:p>
+            <a:pPr marL="0" indent="0">
+              <a:buNone/>
+            </a:pPr>
+            <a:endParaRPr lang="en-US" sz="1800" dirty="0">
+              <a:solidFill>
+                <a:srgbClr val="000000"/>
+              </a:solidFill>
+            </a:endParaRPr>
+          </a:p>
+        </p:txBody>
+      </p:sp>
+    </p:spTree>
+    <p:extLst>
+      <p:ext uri="{BB962C8B-B14F-4D97-AF65-F5344CB8AC3E}">
+        <p14:creationId xmlns:p14="http://schemas.microsoft.com/office/powerpoint/2010/main" val="799304109"/>
+      </p:ext>
+    </p:extLst>
+  </p:cSld>
+  <p:clrMapOvr>
+    <a:masterClrMapping/>
+  </p:clrMapOvr>
+</p:sld>
+</file>
+
+<file path=ppt/slides/slide43.xml><?xml version="1.0" encoding="utf-8"?>
+<p:sld xmlns:a="http://schemas.openxmlformats.org/drawingml/2006/main" xmlns:r="http://schemas.openxmlformats.org/officeDocument/2006/relationships" xmlns:p="http://schemas.openxmlformats.org/presentationml/2006/main">
+  <p:cSld>
+    <p:spTree>
+      <p:nvGrpSpPr>
+        <p:cNvPr id="1" name=""/>
+        <p:cNvGrpSpPr/>
+        <p:nvPr/>
+      </p:nvGrpSpPr>
+      <p:grpSpPr>
+        <a:xfrm>
+          <a:off x="0" y="0"/>
+          <a:ext cx="0" cy="0"/>
+          <a:chOff x="0" y="0"/>
+          <a:chExt cx="0" cy="0"/>
+        </a:xfrm>
+      </p:grpSpPr>
+      <p:sp>
+        <p:nvSpPr>
+          <p:cNvPr id="2" name="Title 1">
+            <a:extLst>
+              <a:ext uri="{FF2B5EF4-FFF2-40B4-BE49-F238E27FC236}">
+                <a16:creationId xmlns:a16="http://schemas.microsoft.com/office/drawing/2014/main" id="{68FF0F34-F8E7-43C0-A23F-EFF3BA49A79F}"/>
+              </a:ext>
+            </a:extLst>
+          </p:cNvPr>
+          <p:cNvSpPr>
+            <a:spLocks noGrp="1"/>
+          </p:cNvSpPr>
+          <p:nvPr>
+            <p:ph type="title"/>
+          </p:nvPr>
+        </p:nvSpPr>
+        <p:spPr/>
+        <p:txBody>
+          <a:bodyPr>
+            <a:noAutofit/>
+          </a:bodyPr>
+          <a:lstStyle/>
+          <a:p>
+            <a:r>
+              <a:rPr lang="en-US" sz="2800" dirty="0"/>
+              <a:t>3. Desktop Editor unification</a:t>
+            </a:r>
+          </a:p>
+        </p:txBody>
+      </p:sp>
+      <p:sp>
+        <p:nvSpPr>
+          <p:cNvPr id="3" name="Content Placeholder 2">
+            <a:extLst>
+              <a:ext uri="{FF2B5EF4-FFF2-40B4-BE49-F238E27FC236}">
+                <a16:creationId xmlns:a16="http://schemas.microsoft.com/office/drawing/2014/main" id="{1192DAF3-D902-45BB-A435-4900BBFB1246}"/>
+              </a:ext>
+            </a:extLst>
+          </p:cNvPr>
+          <p:cNvSpPr>
+            <a:spLocks noGrp="1"/>
+          </p:cNvSpPr>
+          <p:nvPr>
+            <p:ph idx="1"/>
+          </p:nvPr>
+        </p:nvSpPr>
+        <p:spPr/>
+        <p:txBody>
+          <a:bodyPr vert="horz" lIns="91440" tIns="45720" rIns="91440" bIns="45720" rtlCol="0" anchor="t">
+            <a:normAutofit/>
+          </a:bodyPr>
+          <a:lstStyle/>
+          <a:p>
+            <a:pPr marL="0" indent="0">
+              <a:buNone/>
+            </a:pPr>
+            <a:r>
+              <a:rPr lang="en-US" sz="1800" dirty="0"/>
+              <a:t>MVS &amp; USS Explorers in the </a:t>
+            </a:r>
+            <a:r>
+              <a:rPr lang="en-US" sz="1800" dirty="0" err="1"/>
+              <a:t>Zowe</a:t>
+            </a:r>
+            <a:r>
+              <a:rPr lang="en-US" sz="1800" dirty="0"/>
+              <a:t> Desktop have overlap with the Desktop's Editor but are maintained by same squad. Build up the Editor so that missing </a:t>
+            </a:r>
+            <a:r>
+              <a:rPr lang="en-US" sz="1800" dirty="0" err="1"/>
+              <a:t>featuers</a:t>
+            </a:r>
+            <a:r>
+              <a:rPr lang="en-US" sz="1800" dirty="0"/>
+              <a:t> that are found in the MVS/USS Explorers are added to the Editor. Editor will become a one-stop place for the out-of-the-box editing experience in the Desktop.</a:t>
+            </a:r>
+          </a:p>
+        </p:txBody>
+      </p:sp>
+    </p:spTree>
+    <p:extLst>
+      <p:ext uri="{BB962C8B-B14F-4D97-AF65-F5344CB8AC3E}">
+        <p14:creationId xmlns:p14="http://schemas.microsoft.com/office/powerpoint/2010/main" val="2985722368"/>
+      </p:ext>
+    </p:extLst>
+  </p:cSld>
+  <p:clrMapOvr>
+    <a:masterClrMapping/>
+  </p:clrMapOvr>
+</p:sld>
+</file>
+
+<file path=ppt/slides/slide44.xml><?xml version="1.0" encoding="utf-8"?>
+<p:sld xmlns:a="http://schemas.openxmlformats.org/drawingml/2006/main" xmlns:r="http://schemas.openxmlformats.org/officeDocument/2006/relationships" xmlns:p="http://schemas.openxmlformats.org/presentationml/2006/main">
+  <p:cSld>
+    <p:spTree>
+      <p:nvGrpSpPr>
+        <p:cNvPr id="1" name=""/>
+        <p:cNvGrpSpPr/>
+        <p:nvPr/>
+      </p:nvGrpSpPr>
+      <p:grpSpPr>
+        <a:xfrm>
+          <a:off x="0" y="0"/>
+          <a:ext cx="0" cy="0"/>
+          <a:chOff x="0" y="0"/>
+          <a:chExt cx="0" cy="0"/>
+        </a:xfrm>
+      </p:grpSpPr>
+      <p:sp>
+        <p:nvSpPr>
+          <p:cNvPr id="2" name="Title 1">
+            <a:extLst>
+              <a:ext uri="{FF2B5EF4-FFF2-40B4-BE49-F238E27FC236}">
+                <a16:creationId xmlns:a16="http://schemas.microsoft.com/office/drawing/2014/main" id="{509219D9-D5FD-44A5-9C6C-4BC2533C933D}"/>
+              </a:ext>
+            </a:extLst>
+          </p:cNvPr>
+          <p:cNvSpPr>
+            <a:spLocks noGrp="1"/>
+          </p:cNvSpPr>
+          <p:nvPr>
+            <p:ph type="title"/>
+          </p:nvPr>
+        </p:nvSpPr>
+        <p:spPr/>
+        <p:txBody>
+          <a:bodyPr>
+            <a:noAutofit/>
+          </a:bodyPr>
+          <a:lstStyle/>
+          <a:p>
+            <a:r>
+              <a:rPr lang="en-US" sz="2800" dirty="0"/>
+              <a:t>Editor unification: Deliverables</a:t>
+            </a:r>
+          </a:p>
+        </p:txBody>
+      </p:sp>
+      <p:sp>
+        <p:nvSpPr>
+          <p:cNvPr id="3" name="Content Placeholder 2">
+            <a:extLst>
+              <a:ext uri="{FF2B5EF4-FFF2-40B4-BE49-F238E27FC236}">
+                <a16:creationId xmlns:a16="http://schemas.microsoft.com/office/drawing/2014/main" id="{2E7FF504-0885-4742-A5CC-7D08756376C7}"/>
+              </a:ext>
+            </a:extLst>
+          </p:cNvPr>
+          <p:cNvSpPr>
+            <a:spLocks noGrp="1"/>
+          </p:cNvSpPr>
+          <p:nvPr>
+            <p:ph idx="1"/>
+          </p:nvPr>
+        </p:nvSpPr>
+        <p:spPr>
+          <a:xfrm>
+            <a:off x="317500" y="943429"/>
+            <a:ext cx="8369300" cy="3983299"/>
+          </a:xfrm>
+        </p:spPr>
+        <p:txBody>
+          <a:bodyPr vert="horz" lIns="91440" tIns="45720" rIns="91440" bIns="45720" rtlCol="0" anchor="t">
+            <a:normAutofit/>
+          </a:bodyPr>
+          <a:lstStyle/>
+          <a:p>
+            <a:pPr marL="0" indent="0">
+              <a:buNone/>
+            </a:pPr>
+            <a:r>
+              <a:rPr lang="en-US" sz="1800" dirty="0"/>
+              <a:t>Specific features to be added include:</a:t>
+            </a:r>
+          </a:p>
+          <a:p>
+            <a:r>
+              <a:rPr lang="en-US" sz="1800" dirty="0"/>
+              <a:t>Syntax highlighting for REXX (JCL and many other languages done already)</a:t>
+            </a:r>
+          </a:p>
+          <a:p>
+            <a:r>
+              <a:rPr lang="en-US" sz="1800" dirty="0"/>
+              <a:t>File abilities: rename, cut, copy, paste, </a:t>
+            </a:r>
+            <a:r>
+              <a:rPr lang="en-US" sz="1800" dirty="0" err="1"/>
+              <a:t>chmod</a:t>
+            </a:r>
+            <a:r>
+              <a:rPr lang="en-US" sz="1800" dirty="0"/>
+              <a:t>, </a:t>
+            </a:r>
+            <a:r>
+              <a:rPr lang="en-US" sz="1800" dirty="0" err="1"/>
+              <a:t>chown</a:t>
+            </a:r>
+            <a:r>
+              <a:rPr lang="en-US" sz="1800" dirty="0"/>
+              <a:t>, </a:t>
+            </a:r>
+            <a:r>
+              <a:rPr lang="en-US" sz="1800" dirty="0" err="1"/>
+              <a:t>chtag</a:t>
+            </a:r>
+          </a:p>
+          <a:p>
+            <a:r>
+              <a:rPr lang="en-US" sz="1800" dirty="0"/>
+              <a:t>Dataset abilities: Write (requires locking), create, copy</a:t>
+            </a:r>
+          </a:p>
+          <a:p>
+            <a:r>
+              <a:rPr lang="en-US" sz="1800" dirty="0"/>
+              <a:t>Adding/reorganizing hotkeys for existing and new features</a:t>
+            </a:r>
+          </a:p>
+          <a:p>
+            <a:r>
+              <a:rPr lang="en-US" sz="1800" dirty="0"/>
+              <a:t>Adding any missing refresh abilities where missing</a:t>
+            </a:r>
+          </a:p>
+          <a:p>
+            <a:r>
+              <a:rPr lang="en-US" sz="1800" dirty="0"/>
+              <a:t>Adding any missing progress indicators when loading</a:t>
+            </a:r>
+          </a:p>
+          <a:p>
+            <a:r>
+              <a:rPr lang="en-US" sz="1800" dirty="0" err="1"/>
+              <a:t>hoverhelp</a:t>
+            </a:r>
+            <a:r>
+              <a:rPr lang="en-US" sz="1800" dirty="0"/>
+              <a:t> (</a:t>
+            </a:r>
+            <a:r>
+              <a:rPr lang="en-US" sz="1800" dirty="0" err="1"/>
+              <a:t>rexx</a:t>
+            </a:r>
+            <a:r>
+              <a:rPr lang="en-US" sz="1800" dirty="0"/>
+              <a:t>, </a:t>
+            </a:r>
+            <a:r>
+              <a:rPr lang="en-US" sz="1800" dirty="0" err="1"/>
+              <a:t>jcl</a:t>
+            </a:r>
+            <a:r>
+              <a:rPr lang="en-US" sz="1800" dirty="0"/>
+              <a:t>)</a:t>
+            </a:r>
+          </a:p>
+          <a:p>
+            <a:pPr marL="0" indent="0">
+              <a:buNone/>
+            </a:pPr>
+            <a:endParaRPr lang="en-US" sz="1800" b="1" dirty="0"/>
+          </a:p>
+          <a:p>
+            <a:pPr marL="0" indent="0">
+              <a:buNone/>
+            </a:pPr>
+            <a:r>
+              <a:rPr lang="en-US" sz="1800" b="1" dirty="0"/>
+              <a:t>NOTE:</a:t>
+            </a:r>
+            <a:r>
+              <a:rPr lang="en-US" sz="1800" dirty="0"/>
+              <a:t> USS &amp; MVS explorers will still be bundled as they should not be removed during an LTS.</a:t>
+            </a:r>
+          </a:p>
+          <a:p>
+            <a:endParaRPr lang="en-US" sz="1800" dirty="0"/>
+          </a:p>
+        </p:txBody>
+      </p:sp>
+    </p:spTree>
+    <p:extLst>
+      <p:ext uri="{BB962C8B-B14F-4D97-AF65-F5344CB8AC3E}">
+        <p14:creationId xmlns:p14="http://schemas.microsoft.com/office/powerpoint/2010/main" val="1584320107"/>
+      </p:ext>
+    </p:extLst>
+  </p:cSld>
+  <p:clrMapOvr>
+    <a:masterClrMapping/>
+  </p:clrMapOvr>
+</p:sld>
+</file>
+
+<file path=ppt/slides/slide45.xml><?xml version="1.0" encoding="utf-8"?>
+<p:sld xmlns:a="http://schemas.openxmlformats.org/drawingml/2006/main" xmlns:r="http://schemas.openxmlformats.org/officeDocument/2006/relationships" xmlns:p="http://schemas.openxmlformats.org/presentationml/2006/main">
+  <p:cSld>
+    <p:spTree>
+      <p:nvGrpSpPr>
+        <p:cNvPr id="1" name=""/>
+        <p:cNvGrpSpPr/>
+        <p:nvPr/>
+      </p:nvGrpSpPr>
+      <p:grpSpPr>
+        <a:xfrm>
+          <a:off x="0" y="0"/>
+          <a:ext cx="0" cy="0"/>
+          <a:chOff x="0" y="0"/>
+          <a:chExt cx="0" cy="0"/>
+        </a:xfrm>
+      </p:grpSpPr>
+      <p:sp>
+        <p:nvSpPr>
+          <p:cNvPr id="2" name="Title 1">
+            <a:extLst>
+              <a:ext uri="{FF2B5EF4-FFF2-40B4-BE49-F238E27FC236}">
+                <a16:creationId xmlns:a16="http://schemas.microsoft.com/office/drawing/2014/main" id="{FF447514-D50E-4B9B-A2C4-36BC4E28450D}"/>
+              </a:ext>
+            </a:extLst>
+          </p:cNvPr>
+          <p:cNvSpPr>
+            <a:spLocks noGrp="1"/>
+          </p:cNvSpPr>
+          <p:nvPr>
+            <p:ph type="title"/>
+          </p:nvPr>
+        </p:nvSpPr>
+        <p:spPr/>
+        <p:txBody>
+          <a:bodyPr>
+            <a:noAutofit/>
+          </a:bodyPr>
+          <a:lstStyle/>
+          <a:p>
+            <a:r>
+              <a:rPr lang="en-US" sz="2800" dirty="0"/>
+              <a:t>Editor unification: Dependency, Risk</a:t>
+            </a:r>
+          </a:p>
+        </p:txBody>
+      </p:sp>
+      <p:sp>
+        <p:nvSpPr>
+          <p:cNvPr id="3" name="Content Placeholder 2">
+            <a:extLst>
+              <a:ext uri="{FF2B5EF4-FFF2-40B4-BE49-F238E27FC236}">
+                <a16:creationId xmlns:a16="http://schemas.microsoft.com/office/drawing/2014/main" id="{FB9EA5D2-D5D1-405A-B56C-6A24E50A83F4}"/>
+              </a:ext>
+            </a:extLst>
+          </p:cNvPr>
+          <p:cNvSpPr>
+            <a:spLocks noGrp="1"/>
+          </p:cNvSpPr>
+          <p:nvPr>
+            <p:ph idx="1"/>
+          </p:nvPr>
+        </p:nvSpPr>
+        <p:spPr/>
+        <p:txBody>
+          <a:bodyPr vert="horz" lIns="91440" tIns="45720" rIns="91440" bIns="45720" rtlCol="0" anchor="t">
+            <a:normAutofit/>
+          </a:bodyPr>
+          <a:lstStyle/>
+          <a:p>
+            <a:pPr marL="0" indent="0">
+              <a:buNone/>
+            </a:pPr>
+            <a:r>
+              <a:rPr lang="en-US" sz="1800" dirty="0"/>
+              <a:t>Dependencies</a:t>
+            </a:r>
+          </a:p>
+          <a:p>
+            <a:r>
+              <a:rPr lang="en-US" sz="1800" dirty="0"/>
+              <a:t>None? Development all in-squad</a:t>
+            </a:r>
+          </a:p>
+          <a:p>
+            <a:endParaRPr lang="en-US" sz="1800" dirty="0"/>
+          </a:p>
+          <a:p>
+            <a:pPr marL="0" indent="0">
+              <a:buNone/>
+            </a:pPr>
+            <a:r>
+              <a:rPr lang="en-US" sz="1800" dirty="0"/>
+              <a:t>Risk</a:t>
+            </a:r>
+          </a:p>
+          <a:p>
+            <a:r>
+              <a:rPr lang="en-US" sz="1800" dirty="0" err="1"/>
+              <a:t>Hoverhelp</a:t>
+            </a:r>
+            <a:r>
+              <a:rPr lang="en-US" sz="1800" dirty="0"/>
+              <a:t> not yet researched. Feature completion will depend upon library capabilities.</a:t>
+            </a:r>
+          </a:p>
+        </p:txBody>
+      </p:sp>
+    </p:spTree>
+    <p:extLst>
+      <p:ext uri="{BB962C8B-B14F-4D97-AF65-F5344CB8AC3E}">
+        <p14:creationId xmlns:p14="http://schemas.microsoft.com/office/powerpoint/2010/main" val="1332955303"/>
+      </p:ext>
+    </p:extLst>
+  </p:cSld>
+  <p:clrMapOvr>
+    <a:masterClrMapping/>
+  </p:clrMapOvr>
+</p:sld>
+</file>
+
+<file path=ppt/slides/slide46.xml><?xml version="1.0" encoding="utf-8"?>
+<p:sld xmlns:a="http://schemas.openxmlformats.org/drawingml/2006/main" xmlns:r="http://schemas.openxmlformats.org/officeDocument/2006/relationships" xmlns:p="http://schemas.openxmlformats.org/presentationml/2006/main">
+  <p:cSld>
+    <p:spTree>
+      <p:nvGrpSpPr>
+        <p:cNvPr id="1" name=""/>
+        <p:cNvGrpSpPr/>
+        <p:nvPr/>
+      </p:nvGrpSpPr>
+      <p:grpSpPr>
+        <a:xfrm>
+          <a:off x="0" y="0"/>
+          <a:ext cx="0" cy="0"/>
+          <a:chOff x="0" y="0"/>
+          <a:chExt cx="0" cy="0"/>
+        </a:xfrm>
+      </p:grpSpPr>
+      <p:sp>
+        <p:nvSpPr>
+          <p:cNvPr id="2" name="Title 1">
+            <a:extLst>
+              <a:ext uri="{FF2B5EF4-FFF2-40B4-BE49-F238E27FC236}">
+                <a16:creationId xmlns:a16="http://schemas.microsoft.com/office/drawing/2014/main" id="{7C98D162-FA5A-45A8-AFBD-496D9B7B4234}"/>
+              </a:ext>
+            </a:extLst>
+          </p:cNvPr>
+          <p:cNvSpPr>
+            <a:spLocks noGrp="1"/>
+          </p:cNvSpPr>
+          <p:nvPr>
+            <p:ph type="title"/>
+          </p:nvPr>
+        </p:nvSpPr>
+        <p:spPr/>
+        <p:txBody>
+          <a:bodyPr>
+            <a:noAutofit/>
+          </a:bodyPr>
+          <a:lstStyle/>
+          <a:p>
+            <a:r>
+              <a:rPr lang="en-US" sz="2800" dirty="0"/>
+              <a:t>4. App Du Quarter</a:t>
+            </a:r>
+          </a:p>
+        </p:txBody>
+      </p:sp>
+      <p:sp>
+        <p:nvSpPr>
+          <p:cNvPr id="3" name="Content Placeholder 2">
+            <a:extLst>
+              <a:ext uri="{FF2B5EF4-FFF2-40B4-BE49-F238E27FC236}">
+                <a16:creationId xmlns:a16="http://schemas.microsoft.com/office/drawing/2014/main" id="{8445B14A-2A92-40BC-99B7-D0237981E6EB}"/>
+              </a:ext>
+            </a:extLst>
+          </p:cNvPr>
+          <p:cNvSpPr>
+            <a:spLocks noGrp="1"/>
+          </p:cNvSpPr>
+          <p:nvPr>
+            <p:ph idx="1"/>
+          </p:nvPr>
+        </p:nvSpPr>
+        <p:spPr/>
+        <p:txBody>
+          <a:bodyPr vert="horz" lIns="91440" tIns="45720" rIns="91440" bIns="45720" rtlCol="0" anchor="t">
+            <a:normAutofit/>
+          </a:bodyPr>
+          <a:lstStyle/>
+          <a:p>
+            <a:pPr marL="0" indent="0">
+              <a:buNone/>
+            </a:pPr>
+            <a:r>
+              <a:rPr lang="en-US" sz="1800" dirty="0"/>
+              <a:t>Many important and interesting tasks Desktop would be good for are still lacking Apps. Work towards an MVP of a new App: A USS "process explorer" or "task manager" Motivation is to make working with USS easier, which is a pain point for </a:t>
+            </a:r>
+            <a:r>
+              <a:rPr lang="en-US" sz="1800" dirty="0" err="1"/>
+              <a:t>Zowe</a:t>
+            </a:r>
+            <a:r>
+              <a:rPr lang="en-US" sz="1800" dirty="0"/>
+              <a:t> servers today.</a:t>
+            </a:r>
+          </a:p>
+        </p:txBody>
+      </p:sp>
+    </p:spTree>
+    <p:extLst>
+      <p:ext uri="{BB962C8B-B14F-4D97-AF65-F5344CB8AC3E}">
+        <p14:creationId xmlns:p14="http://schemas.microsoft.com/office/powerpoint/2010/main" val="1415770360"/>
+      </p:ext>
+    </p:extLst>
+  </p:cSld>
+  <p:clrMapOvr>
+    <a:masterClrMapping/>
+  </p:clrMapOvr>
+</p:sld>
+</file>
+
+<file path=ppt/slides/slide47.xml><?xml version="1.0" encoding="utf-8"?>
+<p:sld xmlns:a="http://schemas.openxmlformats.org/drawingml/2006/main" xmlns:r="http://schemas.openxmlformats.org/officeDocument/2006/relationships" xmlns:p="http://schemas.openxmlformats.org/presentationml/2006/main">
+  <p:cSld>
+    <p:spTree>
+      <p:nvGrpSpPr>
+        <p:cNvPr id="1" name=""/>
+        <p:cNvGrpSpPr/>
+        <p:nvPr/>
+      </p:nvGrpSpPr>
+      <p:grpSpPr>
+        <a:xfrm>
+          <a:off x="0" y="0"/>
+          <a:ext cx="0" cy="0"/>
+          <a:chOff x="0" y="0"/>
+          <a:chExt cx="0" cy="0"/>
+        </a:xfrm>
+      </p:grpSpPr>
+      <p:sp>
+        <p:nvSpPr>
+          <p:cNvPr id="2" name="Title 1">
+            <a:extLst>
+              <a:ext uri="{FF2B5EF4-FFF2-40B4-BE49-F238E27FC236}">
+                <a16:creationId xmlns:a16="http://schemas.microsoft.com/office/drawing/2014/main" id="{7DD40D8F-0235-4D47-B133-1A0F2203551F}"/>
+              </a:ext>
+            </a:extLst>
+          </p:cNvPr>
+          <p:cNvSpPr>
+            <a:spLocks noGrp="1"/>
+          </p:cNvSpPr>
+          <p:nvPr>
+            <p:ph type="title"/>
+          </p:nvPr>
+        </p:nvSpPr>
+        <p:spPr/>
+        <p:txBody>
+          <a:bodyPr>
+            <a:noAutofit/>
+          </a:bodyPr>
+          <a:lstStyle/>
+          <a:p>
+            <a:r>
+              <a:rPr lang="en-US" sz="2800" dirty="0"/>
+              <a:t>App Du Quarter: Deliverable</a:t>
+            </a:r>
+          </a:p>
+        </p:txBody>
+      </p:sp>
+      <p:sp>
+        <p:nvSpPr>
+          <p:cNvPr id="3" name="Content Placeholder 2">
+            <a:extLst>
+              <a:ext uri="{FF2B5EF4-FFF2-40B4-BE49-F238E27FC236}">
+                <a16:creationId xmlns:a16="http://schemas.microsoft.com/office/drawing/2014/main" id="{CD141CF7-BB9A-4E25-BAAB-8133240D882E}"/>
+              </a:ext>
+            </a:extLst>
+          </p:cNvPr>
+          <p:cNvSpPr>
+            <a:spLocks noGrp="1"/>
+          </p:cNvSpPr>
+          <p:nvPr>
+            <p:ph idx="1"/>
+          </p:nvPr>
+        </p:nvSpPr>
+        <p:spPr/>
+        <p:txBody>
+          <a:bodyPr vert="horz" lIns="91440" tIns="45720" rIns="91440" bIns="45720" rtlCol="0" anchor="t">
+            <a:normAutofit/>
+          </a:bodyPr>
+          <a:lstStyle/>
+          <a:p>
+            <a:r>
+              <a:rPr lang="en-US" sz="1800" dirty="0"/>
+              <a:t>A new App. All features desired may not be implemented in 1 quarter, but many will.</a:t>
+            </a:r>
+          </a:p>
+          <a:p>
+            <a:r>
+              <a:rPr lang="en-US" sz="1800" dirty="0"/>
+              <a:t>New REST APIs that may be useful to others</a:t>
+            </a:r>
+          </a:p>
+          <a:p>
+            <a:endParaRPr lang="en-US" sz="1800" dirty="0"/>
+          </a:p>
+        </p:txBody>
+      </p:sp>
+    </p:spTree>
+    <p:extLst>
+      <p:ext uri="{BB962C8B-B14F-4D97-AF65-F5344CB8AC3E}">
+        <p14:creationId xmlns:p14="http://schemas.microsoft.com/office/powerpoint/2010/main" val="3641634440"/>
+      </p:ext>
+    </p:extLst>
+  </p:cSld>
+  <p:clrMapOvr>
+    <a:masterClrMapping/>
+  </p:clrMapOvr>
+</p:sld>
+</file>
+
+<file path=ppt/slides/slide48.xml><?xml version="1.0" encoding="utf-8"?>
+<p:sld xmlns:a="http://schemas.openxmlformats.org/drawingml/2006/main" xmlns:r="http://schemas.openxmlformats.org/officeDocument/2006/relationships" xmlns:p="http://schemas.openxmlformats.org/presentationml/2006/main">
+  <p:cSld>
+    <p:spTree>
+      <p:nvGrpSpPr>
+        <p:cNvPr id="1" name=""/>
+        <p:cNvGrpSpPr/>
+        <p:nvPr/>
+      </p:nvGrpSpPr>
+      <p:grpSpPr>
+        <a:xfrm>
+          <a:off x="0" y="0"/>
+          <a:ext cx="0" cy="0"/>
+          <a:chOff x="0" y="0"/>
+          <a:chExt cx="0" cy="0"/>
+        </a:xfrm>
+      </p:grpSpPr>
+      <p:sp>
+        <p:nvSpPr>
+          <p:cNvPr id="2" name="Title 1">
+            <a:extLst>
+              <a:ext uri="{FF2B5EF4-FFF2-40B4-BE49-F238E27FC236}">
+                <a16:creationId xmlns:a16="http://schemas.microsoft.com/office/drawing/2014/main" id="{D3A3CE9B-755F-4EE7-A1BE-483572735299}"/>
+              </a:ext>
+            </a:extLst>
+          </p:cNvPr>
+          <p:cNvSpPr>
+            <a:spLocks noGrp="1"/>
+          </p:cNvSpPr>
+          <p:nvPr>
+            <p:ph type="title"/>
+          </p:nvPr>
+        </p:nvSpPr>
+        <p:spPr/>
+        <p:txBody>
+          <a:bodyPr>
+            <a:noAutofit/>
+          </a:bodyPr>
+          <a:lstStyle/>
+          <a:p>
+            <a:r>
+              <a:rPr lang="en-US" sz="2800" dirty="0"/>
+              <a:t>App Du Quarter: Dependency, Risk</a:t>
+            </a:r>
+          </a:p>
+        </p:txBody>
+      </p:sp>
+      <p:sp>
+        <p:nvSpPr>
+          <p:cNvPr id="3" name="Content Placeholder 2">
+            <a:extLst>
+              <a:ext uri="{FF2B5EF4-FFF2-40B4-BE49-F238E27FC236}">
+                <a16:creationId xmlns:a16="http://schemas.microsoft.com/office/drawing/2014/main" id="{8EF85482-A9ED-485D-86F9-E79ADBA42F15}"/>
+              </a:ext>
+            </a:extLst>
+          </p:cNvPr>
+          <p:cNvSpPr>
+            <a:spLocks noGrp="1"/>
+          </p:cNvSpPr>
+          <p:nvPr>
+            <p:ph idx="1"/>
+          </p:nvPr>
+        </p:nvSpPr>
+        <p:spPr/>
+        <p:txBody>
+          <a:bodyPr vert="horz" lIns="91440" tIns="45720" rIns="91440" bIns="45720" rtlCol="0" anchor="t">
+            <a:normAutofit/>
+          </a:bodyPr>
+          <a:lstStyle/>
+          <a:p>
+            <a:pPr marL="0" indent="0">
+              <a:buNone/>
+            </a:pPr>
+            <a:r>
+              <a:rPr lang="en-US" sz="1800" dirty="0"/>
+              <a:t>Dependency: </a:t>
+            </a:r>
+          </a:p>
+          <a:p>
+            <a:r>
+              <a:rPr lang="en-US" sz="1800" dirty="0"/>
+              <a:t>None</a:t>
+            </a:r>
+          </a:p>
+          <a:p>
+            <a:pPr marL="0" indent="0">
+              <a:buNone/>
+            </a:pPr>
+            <a:endParaRPr lang="en-US" sz="1800" dirty="0"/>
+          </a:p>
+          <a:p>
+            <a:pPr marL="0" indent="0">
+              <a:buNone/>
+            </a:pPr>
+            <a:r>
+              <a:rPr lang="en-US" sz="1800" dirty="0"/>
+              <a:t>Risk:</a:t>
+            </a:r>
+          </a:p>
+          <a:p>
+            <a:r>
+              <a:rPr lang="en-US" sz="1800" dirty="0"/>
+              <a:t>Delivery mechanism needs to be determined: Is it bundled? Is it an optional download?</a:t>
+            </a:r>
+          </a:p>
+        </p:txBody>
+      </p:sp>
+    </p:spTree>
+    <p:extLst>
+      <p:ext uri="{BB962C8B-B14F-4D97-AF65-F5344CB8AC3E}">
+        <p14:creationId xmlns:p14="http://schemas.microsoft.com/office/powerpoint/2010/main" val="3576350677"/>
+      </p:ext>
+    </p:extLst>
+  </p:cSld>
+  <p:clrMapOvr>
+    <a:masterClrMapping/>
+  </p:clrMapOvr>
+</p:sld>
+</file>
+
+<file path=ppt/slides/slide49.xml><?xml version="1.0" encoding="utf-8"?>
+<p:sld xmlns:a="http://schemas.openxmlformats.org/drawingml/2006/main" xmlns:r="http://schemas.openxmlformats.org/officeDocument/2006/relationships" xmlns:p="http://schemas.openxmlformats.org/presentationml/2006/main">
+  <p:cSld>
+    <p:spTree>
+      <p:nvGrpSpPr>
+        <p:cNvPr id="1" name=""/>
+        <p:cNvGrpSpPr/>
+        <p:nvPr/>
+      </p:nvGrpSpPr>
+      <p:grpSpPr>
+        <a:xfrm>
+          <a:off x="0" y="0"/>
+          <a:ext cx="0" cy="0"/>
+          <a:chOff x="0" y="0"/>
+          <a:chExt cx="0" cy="0"/>
+        </a:xfrm>
+      </p:grpSpPr>
+      <p:sp>
+        <p:nvSpPr>
+          <p:cNvPr id="2" name="Title 1">
+            <a:extLst>
+              <a:ext uri="{FF2B5EF4-FFF2-40B4-BE49-F238E27FC236}">
+                <a16:creationId xmlns:a16="http://schemas.microsoft.com/office/drawing/2014/main" id="{D4417F93-79A6-4B9F-AA55-A8640284A15C}"/>
+              </a:ext>
+            </a:extLst>
+          </p:cNvPr>
+          <p:cNvSpPr>
+            <a:spLocks noGrp="1"/>
+          </p:cNvSpPr>
+          <p:nvPr>
+            <p:ph type="title"/>
+          </p:nvPr>
+        </p:nvSpPr>
+        <p:spPr/>
+        <p:txBody>
+          <a:bodyPr>
+            <a:noAutofit/>
+          </a:bodyPr>
+          <a:lstStyle/>
+          <a:p>
+            <a:r>
+              <a:rPr lang="en-US" sz="2800" dirty="0"/>
+              <a:t>5. Package manager UX improvements</a:t>
+            </a:r>
+          </a:p>
+        </p:txBody>
+      </p:sp>
+      <p:sp>
+        <p:nvSpPr>
+          <p:cNvPr id="3" name="Content Placeholder 2">
+            <a:extLst>
+              <a:ext uri="{FF2B5EF4-FFF2-40B4-BE49-F238E27FC236}">
+                <a16:creationId xmlns:a16="http://schemas.microsoft.com/office/drawing/2014/main" id="{560CDA86-C170-4183-9D04-D98BA3CF76EB}"/>
+              </a:ext>
+            </a:extLst>
+          </p:cNvPr>
+          <p:cNvSpPr>
+            <a:spLocks noGrp="1"/>
+          </p:cNvSpPr>
+          <p:nvPr>
+            <p:ph idx="1"/>
+          </p:nvPr>
+        </p:nvSpPr>
+        <p:spPr>
+          <a:xfrm>
+            <a:off x="317500" y="943429"/>
+            <a:ext cx="8369300" cy="3914719"/>
+          </a:xfrm>
+        </p:spPr>
+        <p:txBody>
+          <a:bodyPr vert="horz" lIns="91440" tIns="45720" rIns="91440" bIns="45720" rtlCol="0" anchor="t">
+            <a:normAutofit/>
+          </a:bodyPr>
+          <a:lstStyle/>
+          <a:p>
+            <a:pPr>
+              <a:buNone/>
+            </a:pPr>
+            <a:r>
+              <a:rPr lang="en-US" sz="1800" dirty="0"/>
+              <a:t>Conda proven to work for App Framework, and unified package management ideas should allow 2 directions</a:t>
+            </a:r>
+          </a:p>
+          <a:p>
+            <a:r>
+              <a:rPr lang="en-US" sz="1800" dirty="0"/>
+              <a:t>Other types of plugins can easily be delivered via </a:t>
+            </a:r>
+            <a:r>
+              <a:rPr lang="en-US" sz="1800" dirty="0" err="1"/>
+              <a:t>conda</a:t>
+            </a:r>
+          </a:p>
+          <a:p>
+            <a:r>
+              <a:rPr lang="en-US" sz="1800" dirty="0"/>
+              <a:t>Package structure should work well with other package managers, too.</a:t>
+            </a:r>
+          </a:p>
+          <a:p>
+            <a:pPr indent="0">
+              <a:buNone/>
+            </a:pPr>
+            <a:r>
+              <a:rPr lang="en-US" sz="1800" dirty="0"/>
+              <a:t>To drive adoption &amp; feedback, apps not currently bundled into </a:t>
+            </a:r>
+            <a:r>
+              <a:rPr lang="en-US" sz="1800" dirty="0" err="1"/>
+              <a:t>zowe</a:t>
+            </a:r>
+            <a:r>
+              <a:rPr lang="en-US" sz="1800" dirty="0"/>
+              <a:t> release (and upcoming apps) can have a public </a:t>
+            </a:r>
+            <a:r>
+              <a:rPr lang="en-US" sz="1800" dirty="0" err="1"/>
+              <a:t>conda</a:t>
+            </a:r>
+            <a:r>
+              <a:rPr lang="en-US" sz="1800" dirty="0"/>
+              <a:t> server as a delivery option Rocket can provide public &amp; free download for </a:t>
+            </a:r>
+            <a:r>
+              <a:rPr lang="en-US" sz="1800" dirty="0" err="1"/>
+              <a:t>conda</a:t>
+            </a:r>
+            <a:r>
+              <a:rPr lang="en-US" sz="1800" dirty="0"/>
+              <a:t> on z/OS, already public &amp; free elsewhere. </a:t>
+            </a:r>
+            <a:r>
+              <a:rPr lang="en-US" sz="1800" dirty="0" err="1"/>
+              <a:t>miniconda</a:t>
+            </a:r>
+            <a:r>
+              <a:rPr lang="en-US" sz="1800" dirty="0"/>
+              <a:t> includes all its </a:t>
+            </a:r>
+            <a:r>
+              <a:rPr lang="en-US" sz="1800" dirty="0" err="1"/>
+              <a:t>prereqs</a:t>
+            </a:r>
+            <a:r>
+              <a:rPr lang="en-US" sz="1800" dirty="0"/>
+              <a:t>, and it may be possible to bundle it into a </a:t>
+            </a:r>
+            <a:r>
+              <a:rPr lang="en-US" sz="1800" dirty="0" err="1"/>
+              <a:t>Zowe</a:t>
+            </a:r>
+            <a:r>
+              <a:rPr lang="en-US" sz="1800" dirty="0"/>
+              <a:t> deliverable such as Docker.</a:t>
+            </a:r>
+          </a:p>
+          <a:p>
+            <a:pPr marL="0" indent="0">
+              <a:buNone/>
+            </a:pPr>
+            <a:endParaRPr lang="en-US" sz="1800" dirty="0"/>
+          </a:p>
+        </p:txBody>
+      </p:sp>
+    </p:spTree>
+    <p:extLst>
+      <p:ext uri="{BB962C8B-B14F-4D97-AF65-F5344CB8AC3E}">
+        <p14:creationId xmlns:p14="http://schemas.microsoft.com/office/powerpoint/2010/main" val="4030050184"/>
+      </p:ext>
+    </p:extLst>
+  </p:cSld>
+  <p:clrMapOvr>
+    <a:masterClrMapping/>
+  </p:clrMapOvr>
+</p:sld>
+</file>
+
+<file path=ppt/slides/slide5.xml><?xml version="1.0" encoding="utf-8"?>
+<p:sld xmlns:a="http://schemas.openxmlformats.org/drawingml/2006/main" xmlns:r="http://schemas.openxmlformats.org/officeDocument/2006/relationships" xmlns:p="http://schemas.openxmlformats.org/presentationml/2006/main">
+  <p:cSld>
+    <p:spTree>
+      <p:nvGrpSpPr>
+        <p:cNvPr id="1" name=""/>
+        <p:cNvGrpSpPr/>
+        <p:nvPr/>
+      </p:nvGrpSpPr>
+      <p:grpSpPr>
+        <a:xfrm>
+          <a:off x="0" y="0"/>
+          <a:ext cx="0" cy="0"/>
+          <a:chOff x="0" y="0"/>
+          <a:chExt cx="0" cy="0"/>
+        </a:xfrm>
+      </p:grpSpPr>
+      <p:sp>
+        <p:nvSpPr>
           <p:cNvPr id="189" name="TextShape 1"/>
           <p:cNvSpPr txBox="1"/>
           <p:nvPr/>
@@ -20967,20 +23349,22 @@
               </a:lnSpc>
             </a:pPr>
             <a:r>
-              <a:rPr lang="en-US" sz="2600" b="0" strike="noStrike" spc="-1" dirty="0">
+              <a:rPr lang="en-US" sz="2800" b="0" strike="noStrike" spc="-1" dirty="0">
                 <a:solidFill>
                   <a:srgbClr val="262626"/>
                 </a:solidFill>
-                <a:latin typeface="Gill Sans"/>
+                <a:latin typeface="Arial" panose="020B0604020202020204" pitchFamily="34" charset="0"/>
                 <a:ea typeface="Gill Sans"/>
-              </a:rPr>
-              <a:t>Title</a:t>
-            </a:r>
-            <a:endParaRPr lang="en-US" sz="2600" b="0" strike="noStrike" spc="-1" dirty="0">
+                <a:cs typeface="Arial" panose="020B0604020202020204" pitchFamily="34" charset="0"/>
+              </a:rPr>
+              <a:t>Explorer – Extenders Conformance Criteria</a:t>
+            </a:r>
+            <a:endParaRPr lang="en-US" sz="2800" b="0" strike="noStrike" spc="-1" dirty="0">
               <a:solidFill>
                 <a:srgbClr val="000000"/>
               </a:solidFill>
-              <a:latin typeface="Arial"/>
+              <a:latin typeface="Arial" panose="020B0604020202020204" pitchFamily="34" charset="0"/>
+              <a:cs typeface="Arial" panose="020B0604020202020204" pitchFamily="34" charset="0"/>
             </a:endParaRPr>
           </a:p>
         </p:txBody>
@@ -20993,7 +23377,7 @@
         </p:nvSpPr>
         <p:spPr>
           <a:xfrm>
-            <a:off x="336600" y="682920"/>
+            <a:off x="336600" y="686492"/>
             <a:ext cx="8349840" cy="4177800"/>
           </a:xfrm>
           <a:prstGeom prst="rect">
@@ -21024,20 +23408,311 @@
               <a:buChar char="•"/>
             </a:pPr>
             <a:r>
-              <a:rPr lang="en-US" sz="1800" b="0" strike="noStrike" spc="-1" dirty="0">
+              <a:rPr lang="en-US" sz="2000" spc="-1" dirty="0">
                 <a:solidFill>
                   <a:srgbClr val="000000"/>
                 </a:solidFill>
-                <a:latin typeface="Gill Sans"/>
-                <a:ea typeface="Gill Sans"/>
-              </a:rPr>
-              <a:t>TBD</a:t>
-            </a:r>
-            <a:endParaRPr lang="en-US" sz="1600" b="0" strike="noStrike" spc="-1" dirty="0">
+                <a:latin typeface="+mj-lt"/>
+              </a:rPr>
+              <a:t>Continue work on extensibility API and conformance rules </a:t>
+            </a:r>
+            <a:r>
+              <a:rPr lang="en-US" sz="2000" spc="-1" dirty="0">
+                <a:solidFill>
+                  <a:srgbClr val="000000"/>
+                </a:solidFill>
+                <a:latin typeface="+mj-lt"/>
+                <a:hlinkClick r:id="rId2"/>
+              </a:rPr>
+              <a:t>#837</a:t>
+            </a:r>
+            <a:endParaRPr lang="en-US" sz="2000" spc="-1" dirty="0">
               <a:solidFill>
                 <a:srgbClr val="000000"/>
               </a:solidFill>
-              <a:latin typeface="Arial"/>
+              <a:latin typeface="+mj-lt"/>
+            </a:endParaRPr>
+          </a:p>
+          <a:p>
+            <a:pPr marL="914400" lvl="1" indent="-355320">
+              <a:spcBef>
+                <a:spcPts val="400"/>
+              </a:spcBef>
+              <a:buClr>
+                <a:srgbClr val="000000"/>
+              </a:buClr>
+              <a:buFont typeface="Arial"/>
+              <a:buChar char="•"/>
+            </a:pPr>
+            <a:r>
+              <a:rPr lang="en-US" sz="2000" spc="-1" dirty="0">
+                <a:solidFill>
+                  <a:srgbClr val="000000"/>
+                </a:solidFill>
+                <a:latin typeface="+mj-lt"/>
+              </a:rPr>
+              <a:t>Refactor </a:t>
+            </a:r>
+            <a:r>
+              <a:rPr lang="en-US" sz="2000" spc="-1" dirty="0" err="1">
+                <a:solidFill>
+                  <a:srgbClr val="000000"/>
+                </a:solidFill>
+                <a:latin typeface="+mj-lt"/>
+              </a:rPr>
+              <a:t>api</a:t>
+            </a:r>
+            <a:r>
+              <a:rPr lang="en-US" sz="2000" spc="-1" dirty="0">
+                <a:solidFill>
+                  <a:srgbClr val="000000"/>
+                </a:solidFill>
+                <a:latin typeface="+mj-lt"/>
+              </a:rPr>
+              <a:t> code (profile loading, secure creds </a:t>
+            </a:r>
+            <a:r>
+              <a:rPr lang="en-US" sz="2000" spc="-1" dirty="0" err="1">
+                <a:solidFill>
+                  <a:srgbClr val="000000"/>
+                </a:solidFill>
+                <a:latin typeface="+mj-lt"/>
+              </a:rPr>
+              <a:t>init</a:t>
+            </a:r>
+            <a:r>
+              <a:rPr lang="en-US" sz="2000" spc="-1" dirty="0">
+                <a:solidFill>
+                  <a:srgbClr val="000000"/>
+                </a:solidFill>
+                <a:latin typeface="+mj-lt"/>
+              </a:rPr>
+              <a:t>, remove UI code) </a:t>
+            </a:r>
+          </a:p>
+          <a:p>
+            <a:pPr marL="914400" lvl="1" indent="-355320">
+              <a:spcBef>
+                <a:spcPts val="400"/>
+              </a:spcBef>
+              <a:buClr>
+                <a:srgbClr val="000000"/>
+              </a:buClr>
+              <a:buFont typeface="Arial"/>
+              <a:buChar char="•"/>
+            </a:pPr>
+            <a:r>
+              <a:rPr lang="en-US" sz="2000" spc="-1" dirty="0">
+                <a:solidFill>
+                  <a:srgbClr val="000000"/>
+                </a:solidFill>
+                <a:latin typeface="+mj-lt"/>
+              </a:rPr>
+              <a:t>API governance for </a:t>
+            </a:r>
+            <a:r>
+              <a:rPr lang="en-US" sz="2000" spc="-1" dirty="0" err="1">
+                <a:solidFill>
+                  <a:srgbClr val="000000"/>
+                </a:solidFill>
+                <a:latin typeface="+mj-lt"/>
+              </a:rPr>
+              <a:t>Zowe</a:t>
+            </a:r>
+            <a:r>
+              <a:rPr lang="en-US" sz="2000" spc="-1" dirty="0">
+                <a:solidFill>
+                  <a:srgbClr val="000000"/>
+                </a:solidFill>
+                <a:latin typeface="+mj-lt"/>
+              </a:rPr>
+              <a:t> committers (explore automation: e.g. search for the string “</a:t>
+            </a:r>
+            <a:r>
+              <a:rPr lang="en-US" sz="2000" spc="-1" dirty="0" err="1">
+                <a:solidFill>
+                  <a:srgbClr val="000000"/>
+                </a:solidFill>
+                <a:latin typeface="+mj-lt"/>
+              </a:rPr>
+              <a:t>zosmf</a:t>
+            </a:r>
+            <a:r>
+              <a:rPr lang="en-US" sz="2000" spc="-1" dirty="0">
+                <a:solidFill>
+                  <a:srgbClr val="000000"/>
+                </a:solidFill>
+                <a:latin typeface="+mj-lt"/>
+              </a:rPr>
+              <a:t>”, perhaps via </a:t>
+            </a:r>
+            <a:r>
+              <a:rPr lang="en-US" sz="2000" spc="-1" dirty="0" err="1">
+                <a:solidFill>
+                  <a:srgbClr val="000000"/>
+                </a:solidFill>
+                <a:latin typeface="+mj-lt"/>
+              </a:rPr>
+              <a:t>ESLint</a:t>
+            </a:r>
+            <a:r>
+              <a:rPr lang="en-US" sz="2000" spc="-1" dirty="0">
+                <a:solidFill>
+                  <a:srgbClr val="000000"/>
+                </a:solidFill>
+                <a:latin typeface="+mj-lt"/>
+              </a:rPr>
+              <a:t>)</a:t>
+            </a:r>
+          </a:p>
+          <a:p>
+            <a:pPr marL="457200" indent="-355320">
+              <a:spcBef>
+                <a:spcPts val="400"/>
+              </a:spcBef>
+              <a:buClr>
+                <a:srgbClr val="000000"/>
+              </a:buClr>
+              <a:buFont typeface="Arial"/>
+              <a:buChar char="•"/>
+            </a:pPr>
+            <a:r>
+              <a:rPr lang="en-US" sz="2000" spc="-1" dirty="0">
+                <a:solidFill>
+                  <a:srgbClr val="000000"/>
+                </a:solidFill>
+                <a:latin typeface="+mj-lt"/>
+              </a:rPr>
+              <a:t>Code formatting and </a:t>
+            </a:r>
+            <a:r>
+              <a:rPr lang="en-US" sz="2000" spc="-1" dirty="0" err="1">
+                <a:solidFill>
+                  <a:srgbClr val="000000"/>
+                </a:solidFill>
+                <a:latin typeface="+mj-lt"/>
+              </a:rPr>
+              <a:t>linting</a:t>
+            </a:r>
+            <a:r>
+              <a:rPr lang="en-US" sz="2000" spc="-1" dirty="0">
+                <a:solidFill>
+                  <a:srgbClr val="000000"/>
+                </a:solidFill>
+                <a:latin typeface="+mj-lt"/>
+              </a:rPr>
+              <a:t> </a:t>
+            </a:r>
+            <a:r>
+              <a:rPr lang="en-US" sz="2000" spc="-1" dirty="0">
+                <a:solidFill>
+                  <a:srgbClr val="000000"/>
+                </a:solidFill>
+                <a:latin typeface="+mj-lt"/>
+                <a:hlinkClick r:id="rId3"/>
+              </a:rPr>
+              <a:t>#438</a:t>
+            </a:r>
+            <a:endParaRPr lang="en-US" sz="2000" spc="-1" dirty="0">
+              <a:solidFill>
+                <a:srgbClr val="000000"/>
+              </a:solidFill>
+              <a:latin typeface="+mj-lt"/>
+            </a:endParaRPr>
+          </a:p>
+          <a:p>
+            <a:pPr marL="457200" indent="-355320">
+              <a:spcBef>
+                <a:spcPts val="400"/>
+              </a:spcBef>
+              <a:buClr>
+                <a:srgbClr val="000000"/>
+              </a:buClr>
+              <a:buFont typeface="Arial"/>
+              <a:buChar char="•"/>
+            </a:pPr>
+            <a:r>
+              <a:rPr lang="en-US" sz="2000" spc="-1" dirty="0">
+                <a:solidFill>
+                  <a:srgbClr val="000000"/>
+                </a:solidFill>
+                <a:latin typeface="+mj-lt"/>
+              </a:rPr>
+              <a:t>Ensure consistency for extenders</a:t>
+            </a:r>
+          </a:p>
+          <a:p>
+            <a:pPr marL="914400" lvl="1" indent="-355320">
+              <a:spcBef>
+                <a:spcPts val="400"/>
+              </a:spcBef>
+              <a:buClr>
+                <a:srgbClr val="000000"/>
+              </a:buClr>
+              <a:buFont typeface="Arial"/>
+              <a:buChar char="•"/>
+            </a:pPr>
+            <a:r>
+              <a:rPr lang="en-US" sz="2000" spc="-1" dirty="0">
+                <a:solidFill>
+                  <a:srgbClr val="000000"/>
+                </a:solidFill>
+                <a:latin typeface="+mj-lt"/>
+              </a:rPr>
+              <a:t>MVS functionality for FTP Package </a:t>
+            </a:r>
+            <a:r>
+              <a:rPr lang="en-US" sz="2000" spc="-1" dirty="0">
+                <a:solidFill>
+                  <a:srgbClr val="000000"/>
+                </a:solidFill>
+                <a:latin typeface="+mj-lt"/>
+                <a:hlinkClick r:id="rId4"/>
+              </a:rPr>
+              <a:t>#1027</a:t>
+            </a:r>
+            <a:endParaRPr lang="en-US" sz="2000" spc="-1" dirty="0">
+              <a:solidFill>
+                <a:srgbClr val="000000"/>
+              </a:solidFill>
+              <a:latin typeface="+mj-lt"/>
+            </a:endParaRPr>
+          </a:p>
+          <a:p>
+            <a:pPr marL="914400" lvl="1" indent="-355320">
+              <a:spcBef>
+                <a:spcPts val="400"/>
+              </a:spcBef>
+              <a:buClr>
+                <a:srgbClr val="000000"/>
+              </a:buClr>
+              <a:buFont typeface="Arial"/>
+              <a:buChar char="•"/>
+            </a:pPr>
+            <a:r>
+              <a:rPr lang="en-US" sz="2000" spc="-1" dirty="0">
+                <a:solidFill>
+                  <a:srgbClr val="000000"/>
+                </a:solidFill>
+                <a:latin typeface="+mj-lt"/>
+              </a:rPr>
+              <a:t>Test automation for FTP package </a:t>
+            </a:r>
+            <a:r>
+              <a:rPr lang="en-US" sz="2000" spc="-1" dirty="0">
+                <a:solidFill>
+                  <a:srgbClr val="000000"/>
+                </a:solidFill>
+                <a:latin typeface="+mj-lt"/>
+                <a:hlinkClick r:id="rId5"/>
+              </a:rPr>
+              <a:t>#1028</a:t>
+            </a:r>
+            <a:endParaRPr lang="en-US" sz="2000" b="0" strike="noStrike" spc="-1" dirty="0">
+              <a:solidFill>
+                <a:srgbClr val="000000"/>
+              </a:solidFill>
+              <a:latin typeface="+mj-lt"/>
             </a:endParaRPr>
           </a:p>
         </p:txBody>
@@ -21045,7 +23720,7 @@
     </p:spTree>
     <p:extLst>
       <p:ext uri="{BB962C8B-B14F-4D97-AF65-F5344CB8AC3E}">
-        <p14:creationId xmlns:p14="http://schemas.microsoft.com/office/powerpoint/2010/main" val="2500032759"/>
+        <p14:creationId xmlns:p14="http://schemas.microsoft.com/office/powerpoint/2010/main" val="3345553095"/>
       </p:ext>
     </p:extLst>
   </p:cSld>
@@ -21085,7 +23760,7 @@
 </p:sld>
 </file>
 
-<file path=ppt/slides/slide4.xml><?xml version="1.0" encoding="utf-8"?>
+<file path=ppt/slides/slide50.xml><?xml version="1.0" encoding="utf-8"?>
 <p:sld xmlns:a="http://schemas.openxmlformats.org/drawingml/2006/main" xmlns:r="http://schemas.openxmlformats.org/officeDocument/2006/relationships" xmlns:p="http://schemas.openxmlformats.org/presentationml/2006/main">
   <p:cSld>
     <p:spTree>
@@ -21104,195 +23779,181 @@
       </p:grpSpPr>
       <p:sp>
         <p:nvSpPr>
-          <p:cNvPr id="188" name="TextShape 1"/>
-          <p:cNvSpPr txBox="1"/>
-          <p:nvPr/>
-        </p:nvSpPr>
-        <p:spPr>
-          <a:xfrm>
-            <a:off x="298581" y="2589143"/>
-            <a:ext cx="6446160" cy="2138776"/>
-          </a:xfrm>
-          <a:prstGeom prst="rect">
-            <a:avLst/>
-          </a:prstGeom>
-          <a:noFill/>
-          <a:ln>
-            <a:noFill/>
-          </a:ln>
-        </p:spPr>
-        <p:txBody>
-          <a:bodyPr lIns="0" tIns="0" rIns="0" bIns="0" anchor="b">
+          <p:cNvPr id="2" name="Title 1">
+            <a:extLst>
+              <a:ext uri="{FF2B5EF4-FFF2-40B4-BE49-F238E27FC236}">
+                <a16:creationId xmlns:a16="http://schemas.microsoft.com/office/drawing/2014/main" id="{F814AB20-8170-4C7E-87F8-BC3FBFC73049}"/>
+              </a:ext>
+            </a:extLst>
+          </p:cNvPr>
+          <p:cNvSpPr>
+            <a:spLocks noGrp="1"/>
+          </p:cNvSpPr>
+          <p:nvPr>
+            <p:ph type="title"/>
+          </p:nvPr>
+        </p:nvSpPr>
+        <p:spPr/>
+        <p:txBody>
+          <a:bodyPr>
             <a:noAutofit/>
           </a:bodyPr>
           <a:lstStyle/>
           <a:p>
-            <a:pPr marL="457200" lvl="0" indent="-228240">
-              <a:lnSpc>
-                <a:spcPct val="85000"/>
-              </a:lnSpc>
-              <a:spcBef>
-                <a:spcPts val="901"/>
-              </a:spcBef>
-            </a:pPr>
-            <a:r>
-              <a:rPr lang="en-US" sz="3000" b="1" spc="-1" dirty="0" err="1">
-                <a:solidFill>
-                  <a:srgbClr val="000000"/>
-                </a:solidFill>
-                <a:latin typeface="Arial" panose="020B0604020202020204" pitchFamily="34" charset="0"/>
-                <a:ea typeface="Arial"/>
-                <a:cs typeface="Arial" panose="020B0604020202020204" pitchFamily="34" charset="0"/>
-              </a:rPr>
-              <a:t>Zowe</a:t>
-            </a:r>
-            <a:r>
-              <a:rPr lang="en-US" sz="3000" b="1" spc="-1" dirty="0">
-                <a:solidFill>
-                  <a:srgbClr val="000000"/>
-                </a:solidFill>
-                <a:latin typeface="Arial" panose="020B0604020202020204" pitchFamily="34" charset="0"/>
-                <a:ea typeface="Arial"/>
-                <a:cs typeface="Arial" panose="020B0604020202020204" pitchFamily="34" charset="0"/>
-              </a:rPr>
-              <a:t> Explorer Squad Focus</a:t>
-            </a:r>
-            <a:endParaRPr lang="en-US" sz="3000" spc="-1" dirty="0">
-              <a:solidFill>
-                <a:srgbClr val="000000"/>
-              </a:solidFill>
-              <a:latin typeface="Arial" panose="020B0604020202020204" pitchFamily="34" charset="0"/>
-              <a:cs typeface="Arial" panose="020B0604020202020204" pitchFamily="34" charset="0"/>
-            </a:endParaRPr>
-          </a:p>
-          <a:p>
-            <a:pPr marL="457200" lvl="0" indent="-228240">
-              <a:lnSpc>
-                <a:spcPct val="85000"/>
-              </a:lnSpc>
-              <a:spcBef>
-                <a:spcPts val="901"/>
-              </a:spcBef>
-            </a:pPr>
-            <a:r>
-              <a:rPr lang="en-US" b="1" spc="-1" dirty="0">
-                <a:solidFill>
-                  <a:srgbClr val="000000"/>
-                </a:solidFill>
-                <a:latin typeface="Arial" panose="020B0604020202020204" pitchFamily="34" charset="0"/>
-                <a:ea typeface="Arial"/>
-                <a:cs typeface="Arial" panose="020B0604020202020204" pitchFamily="34" charset="0"/>
-              </a:rPr>
-              <a:t>Zachariah Mullen (Scrum Master)</a:t>
-            </a:r>
-          </a:p>
-          <a:p>
-            <a:pPr marL="457200" lvl="0" indent="-228240">
-              <a:lnSpc>
-                <a:spcPct val="85000"/>
-              </a:lnSpc>
-              <a:spcBef>
-                <a:spcPts val="901"/>
-              </a:spcBef>
-            </a:pPr>
-            <a:r>
-              <a:rPr lang="en-US" b="1" spc="-1" dirty="0">
-                <a:solidFill>
-                  <a:srgbClr val="000000"/>
-                </a:solidFill>
-                <a:latin typeface="Arial" panose="020B0604020202020204" pitchFamily="34" charset="0"/>
-                <a:ea typeface="Arial"/>
-                <a:cs typeface="Arial" panose="020B0604020202020204" pitchFamily="34" charset="0"/>
-              </a:rPr>
-              <a:t>Fernando Rijo Cedeno (Squad Lead)</a:t>
-            </a:r>
-          </a:p>
-          <a:p>
-            <a:pPr marL="457200" lvl="0" indent="-228240">
-              <a:lnSpc>
-                <a:spcPct val="85000"/>
-              </a:lnSpc>
-              <a:spcBef>
-                <a:spcPts val="901"/>
-              </a:spcBef>
-            </a:pPr>
-            <a:endParaRPr lang="en-US" b="1" spc="-1" dirty="0">
-              <a:solidFill>
-                <a:srgbClr val="000000"/>
-              </a:solidFill>
-              <a:latin typeface="Arial" panose="020B0604020202020204" pitchFamily="34" charset="0"/>
-              <a:cs typeface="Arial" panose="020B0604020202020204" pitchFamily="34" charset="0"/>
-            </a:endParaRPr>
-          </a:p>
-          <a:p>
-            <a:pPr marL="457200" lvl="0" indent="-228240">
-              <a:lnSpc>
-                <a:spcPct val="85000"/>
-              </a:lnSpc>
-              <a:spcBef>
-                <a:spcPts val="901"/>
-              </a:spcBef>
-            </a:pPr>
-            <a:r>
-              <a:rPr lang="en-US" spc="-1" dirty="0">
-                <a:solidFill>
-                  <a:srgbClr val="000000"/>
-                </a:solidFill>
-                <a:latin typeface="Arial" panose="020B0604020202020204" pitchFamily="34" charset="0"/>
-                <a:cs typeface="Arial" panose="020B0604020202020204" pitchFamily="34" charset="0"/>
-                <a:hlinkClick r:id="rId2"/>
-              </a:rPr>
-              <a:t>Objectives</a:t>
-            </a:r>
-            <a:endParaRPr lang="en-US" spc="-1" dirty="0">
-              <a:solidFill>
-                <a:srgbClr val="000000"/>
-              </a:solidFill>
-              <a:latin typeface="Arial" panose="020B0604020202020204" pitchFamily="34" charset="0"/>
-              <a:cs typeface="Arial" panose="020B0604020202020204" pitchFamily="34" charset="0"/>
-            </a:endParaRPr>
+            <a:r>
+              <a:rPr lang="en-US" sz="2800" dirty="0"/>
+              <a:t>Package manager: Deliverable</a:t>
+            </a:r>
+          </a:p>
+        </p:txBody>
+      </p:sp>
+      <p:sp>
+        <p:nvSpPr>
+          <p:cNvPr id="3" name="Content Placeholder 2">
+            <a:extLst>
+              <a:ext uri="{FF2B5EF4-FFF2-40B4-BE49-F238E27FC236}">
+                <a16:creationId xmlns:a16="http://schemas.microsoft.com/office/drawing/2014/main" id="{EA7E8C31-FE10-4E94-BB8D-2312F519DA18}"/>
+              </a:ext>
+            </a:extLst>
+          </p:cNvPr>
+          <p:cNvSpPr>
+            <a:spLocks noGrp="1"/>
+          </p:cNvSpPr>
+          <p:nvPr>
+            <p:ph idx="1"/>
+          </p:nvPr>
+        </p:nvSpPr>
+        <p:spPr>
+          <a:xfrm>
+            <a:off x="317500" y="943429"/>
+            <a:ext cx="8369300" cy="3937579"/>
+          </a:xfrm>
+        </p:spPr>
+        <p:txBody>
+          <a:bodyPr vert="horz" lIns="91440" tIns="45720" rIns="91440" bIns="45720" rtlCol="0" anchor="t">
+            <a:normAutofit/>
+          </a:bodyPr>
+          <a:lstStyle/>
+          <a:p>
+            <a:r>
+              <a:rPr lang="en-US" sz="1800" dirty="0"/>
+              <a:t>Set up a public </a:t>
+            </a:r>
+            <a:r>
+              <a:rPr lang="en-US" sz="1800" dirty="0" err="1"/>
+              <a:t>conda</a:t>
+            </a:r>
+            <a:r>
+              <a:rPr lang="en-US" sz="1800" dirty="0"/>
+              <a:t> server for extended (non-bundled) apps download </a:t>
+            </a:r>
+          </a:p>
+          <a:p>
+            <a:pPr lvl="1"/>
+            <a:r>
+              <a:rPr lang="en-US" sz="1800" dirty="0"/>
+              <a:t>Test if </a:t>
+            </a:r>
+            <a:r>
+              <a:rPr lang="en-US" sz="1800" dirty="0" err="1"/>
+              <a:t>artifactory</a:t>
+            </a:r>
+            <a:r>
+              <a:rPr lang="en-US" sz="1800" dirty="0"/>
+              <a:t> can be used for this purpose, as </a:t>
+            </a:r>
+            <a:r>
+              <a:rPr lang="en-US" sz="1800" dirty="0" err="1"/>
+              <a:t>conda</a:t>
+            </a:r>
+            <a:r>
+              <a:rPr lang="en-US" sz="1800" dirty="0"/>
+              <a:t> servers can be simple webservers.</a:t>
+            </a:r>
+          </a:p>
+          <a:p>
+            <a:r>
+              <a:rPr lang="en-US" sz="1800" dirty="0"/>
+              <a:t>Automate upload of apps onto the </a:t>
+            </a:r>
+            <a:r>
+              <a:rPr lang="en-US" sz="1800" dirty="0" err="1"/>
+              <a:t>conda</a:t>
+            </a:r>
+            <a:r>
+              <a:rPr lang="en-US" sz="1800" dirty="0"/>
+              <a:t> server </a:t>
+            </a:r>
+          </a:p>
+          <a:p>
+            <a:pPr lvl="1"/>
+            <a:r>
+              <a:rPr lang="en-US" sz="1800" dirty="0"/>
+              <a:t>Sample Node API</a:t>
+            </a:r>
+          </a:p>
+          <a:p>
+            <a:pPr lvl="1"/>
+            <a:r>
+              <a:rPr lang="en-US" sz="1800" dirty="0"/>
+              <a:t>Sample Trial App - </a:t>
+            </a:r>
+            <a:r>
+              <a:rPr lang="en-US" sz="1800" dirty="0" err="1"/>
+              <a:t>iFrame</a:t>
+            </a:r>
+            <a:r>
+              <a:rPr lang="en-US" sz="1800" dirty="0"/>
+              <a:t> app based on create react app</a:t>
+            </a:r>
+          </a:p>
+          <a:p>
+            <a:pPr lvl="1"/>
+            <a:r>
+              <a:rPr lang="en-US" sz="1800" dirty="0"/>
+              <a:t>App generator</a:t>
+            </a:r>
+          </a:p>
+          <a:p>
+            <a:pPr lvl="1"/>
+            <a:r>
+              <a:rPr lang="en-US" sz="1800" dirty="0"/>
+              <a:t>The app du quarter</a:t>
+            </a:r>
+          </a:p>
+          <a:p>
+            <a:pPr lvl="1"/>
+            <a:r>
+              <a:rPr lang="en-US" sz="1800" dirty="0"/>
+              <a:t>Long term: move sample angular, react, and iframe apps out of release and into here?</a:t>
+            </a:r>
+          </a:p>
+          <a:p>
+            <a:pPr lvl="1"/>
+            <a:r>
+              <a:rPr lang="en-US" sz="1800" dirty="0"/>
+              <a:t>Long term: If USS &amp; MVS Explorers consolidated into Editor, move them here too?</a:t>
+            </a:r>
+          </a:p>
+          <a:p>
+            <a:endParaRPr lang="en-US" sz="1800" dirty="0"/>
           </a:p>
         </p:txBody>
       </p:sp>
     </p:spTree>
+    <p:extLst>
+      <p:ext uri="{BB962C8B-B14F-4D97-AF65-F5344CB8AC3E}">
+        <p14:creationId xmlns:p14="http://schemas.microsoft.com/office/powerpoint/2010/main" val="2008363485"/>
+      </p:ext>
+    </p:extLst>
   </p:cSld>
   <p:clrMapOvr>
     <a:masterClrMapping/>
   </p:clrMapOvr>
-  <p:transition spd="med">
-    <p:fade/>
-  </p:transition>
-  <p:timing>
-    <p:tnLst>
-      <p:par>
-        <p:cTn id="1" dur="indefinite" restart="never" nodeType="tmRoot">
-          <p:childTnLst>
-            <p:seq>
-              <p:cTn id="2" dur="indefinite" nodeType="mainSeq"/>
-              <p:prevCondLst>
-                <p:cond evt="onPrev" delay="0">
-                  <p:tgtEl>
-                    <p:sldTgt/>
-                  </p:tgtEl>
-                </p:cond>
-              </p:prevCondLst>
-              <p:nextCondLst>
-                <p:cond evt="onNext" delay="0">
-                  <p:tgtEl>
-                    <p:sldTgt/>
-                  </p:tgtEl>
-                </p:cond>
-              </p:nextCondLst>
-            </p:seq>
-          </p:childTnLst>
-        </p:cTn>
-      </p:par>
-    </p:tnLst>
-  </p:timing>
 </p:sld>
 </file>
 
-<file path=ppt/slides/slide5.xml><?xml version="1.0" encoding="utf-8"?>
+<file path=ppt/slides/slide51.xml><?xml version="1.0" encoding="utf-8"?>
 <p:sld xmlns:a="http://schemas.openxmlformats.org/drawingml/2006/main" xmlns:r="http://schemas.openxmlformats.org/officeDocument/2006/relationships" xmlns:p="http://schemas.openxmlformats.org/presentationml/2006/main">
   <p:cSld>
     <p:spTree>
@@ -21311,13 +23972,138 @@
       </p:grpSpPr>
       <p:sp>
         <p:nvSpPr>
+          <p:cNvPr id="2" name="Title 1">
+            <a:extLst>
+              <a:ext uri="{FF2B5EF4-FFF2-40B4-BE49-F238E27FC236}">
+                <a16:creationId xmlns:a16="http://schemas.microsoft.com/office/drawing/2014/main" id="{C8311678-3CE2-43CE-9854-25227EF33CE8}"/>
+              </a:ext>
+            </a:extLst>
+          </p:cNvPr>
+          <p:cNvSpPr>
+            <a:spLocks noGrp="1"/>
+          </p:cNvSpPr>
+          <p:nvPr>
+            <p:ph type="title"/>
+          </p:nvPr>
+        </p:nvSpPr>
+        <p:spPr/>
+        <p:txBody>
+          <a:bodyPr>
+            <a:noAutofit/>
+          </a:bodyPr>
+          <a:lstStyle/>
+          <a:p>
+            <a:r>
+              <a:rPr lang="en-US" sz="2800" dirty="0"/>
+              <a:t>Package Manager: Dependency, Risk</a:t>
+            </a:r>
+          </a:p>
+        </p:txBody>
+      </p:sp>
+      <p:sp>
+        <p:nvSpPr>
+          <p:cNvPr id="3" name="Content Placeholder 2">
+            <a:extLst>
+              <a:ext uri="{FF2B5EF4-FFF2-40B4-BE49-F238E27FC236}">
+                <a16:creationId xmlns:a16="http://schemas.microsoft.com/office/drawing/2014/main" id="{538032A5-4990-4AAB-ADC9-C69F01114193}"/>
+              </a:ext>
+            </a:extLst>
+          </p:cNvPr>
+          <p:cNvSpPr>
+            <a:spLocks noGrp="1"/>
+          </p:cNvSpPr>
+          <p:nvPr>
+            <p:ph idx="1"/>
+          </p:nvPr>
+        </p:nvSpPr>
+        <p:spPr/>
+        <p:txBody>
+          <a:bodyPr vert="horz" lIns="91440" tIns="45720" rIns="91440" bIns="45720" rtlCol="0" anchor="t">
+            <a:normAutofit/>
+          </a:bodyPr>
+          <a:lstStyle/>
+          <a:p>
+            <a:pPr marL="0" indent="0">
+              <a:buNone/>
+            </a:pPr>
+            <a:r>
+              <a:rPr lang="en-US" sz="1800" dirty="0"/>
+              <a:t>Dependency</a:t>
+            </a:r>
+          </a:p>
+          <a:p>
+            <a:r>
+              <a:rPr lang="en-US" sz="1800" dirty="0"/>
+              <a:t>Will continue to engage in community to improve package management technology and resolve shortcomings</a:t>
+            </a:r>
+          </a:p>
+          <a:p>
+            <a:endParaRPr lang="en-US" sz="1800" dirty="0"/>
+          </a:p>
+          <a:p>
+            <a:pPr marL="0" indent="0">
+              <a:buNone/>
+            </a:pPr>
+            <a:r>
+              <a:rPr lang="en-US" sz="1800" dirty="0"/>
+              <a:t>Risk</a:t>
+            </a:r>
+          </a:p>
+          <a:p>
+            <a:r>
+              <a:rPr lang="en-US" sz="1800" dirty="0"/>
+              <a:t>If </a:t>
+            </a:r>
+            <a:r>
+              <a:rPr lang="en-US" sz="1800" dirty="0" err="1"/>
+              <a:t>artifactory</a:t>
+            </a:r>
+            <a:r>
+              <a:rPr lang="en-US" sz="1800" dirty="0"/>
+              <a:t> cannot be used as a conda server, need to find alternative (thankfully low footprint)</a:t>
+            </a:r>
+          </a:p>
+        </p:txBody>
+      </p:sp>
+    </p:spTree>
+    <p:extLst>
+      <p:ext uri="{BB962C8B-B14F-4D97-AF65-F5344CB8AC3E}">
+        <p14:creationId xmlns:p14="http://schemas.microsoft.com/office/powerpoint/2010/main" val="2112933518"/>
+      </p:ext>
+    </p:extLst>
+  </p:cSld>
+  <p:clrMapOvr>
+    <a:masterClrMapping/>
+  </p:clrMapOvr>
+</p:sld>
+</file>
+
+<file path=ppt/slides/slide52.xml><?xml version="1.0" encoding="utf-8"?>
+<p:sld xmlns:a="http://schemas.openxmlformats.org/drawingml/2006/main" xmlns:r="http://schemas.openxmlformats.org/officeDocument/2006/relationships" xmlns:p="http://schemas.openxmlformats.org/presentationml/2006/main">
+  <p:cSld>
+    <p:spTree>
+      <p:nvGrpSpPr>
+        <p:cNvPr id="1" name=""/>
+        <p:cNvGrpSpPr/>
+        <p:nvPr/>
+      </p:nvGrpSpPr>
+      <p:grpSpPr>
+        <a:xfrm>
+          <a:off x="0" y="0"/>
+          <a:ext cx="0" cy="0"/>
+          <a:chOff x="0" y="0"/>
+          <a:chExt cx="0" cy="0"/>
+        </a:xfrm>
+      </p:grpSpPr>
+      <p:sp>
+        <p:nvSpPr>
           <p:cNvPr id="189" name="TextShape 1"/>
           <p:cNvSpPr txBox="1"/>
           <p:nvPr/>
         </p:nvSpPr>
         <p:spPr>
           <a:xfrm>
-            <a:off x="334080" y="159480"/>
+            <a:off x="334080" y="239698"/>
             <a:ext cx="7893720" cy="447120"/>
           </a:xfrm>
           <a:prstGeom prst="rect">
@@ -21340,22 +24126,19 @@
               </a:lnSpc>
             </a:pPr>
             <a:r>
-              <a:rPr lang="en-US" sz="2800" b="0" strike="noStrike" spc="-1" dirty="0">
+              <a:rPr lang="en-US" sz="2800" spc="-1" dirty="0">
                 <a:solidFill>
                   <a:srgbClr val="262626"/>
                 </a:solidFill>
-                <a:latin typeface="Arial" panose="020B0604020202020204" pitchFamily="34" charset="0"/>
-                <a:ea typeface="Gill Sans"/>
-                <a:cs typeface="Arial" panose="020B0604020202020204" pitchFamily="34" charset="0"/>
-              </a:rPr>
-              <a:t>Explorer – Extenders Conformance Criteria</a:t>
+                <a:latin typeface="Gill Sans"/>
+              </a:rPr>
+              <a:t>The End</a:t>
             </a:r>
             <a:endParaRPr lang="en-US" sz="2800" b="0" strike="noStrike" spc="-1" dirty="0">
               <a:solidFill>
                 <a:srgbClr val="000000"/>
               </a:solidFill>
-              <a:latin typeface="Arial" panose="020B0604020202020204" pitchFamily="34" charset="0"/>
-              <a:cs typeface="Arial" panose="020B0604020202020204" pitchFamily="34" charset="0"/>
+              <a:latin typeface="Arial"/>
             </a:endParaRPr>
           </a:p>
         </p:txBody>
@@ -21368,7 +24151,7 @@
         </p:nvSpPr>
         <p:spPr>
           <a:xfrm>
-            <a:off x="336600" y="686492"/>
+            <a:off x="334080" y="694071"/>
             <a:ext cx="8349840" cy="4177800"/>
           </a:xfrm>
           <a:prstGeom prst="rect">
@@ -21399,311 +24182,20 @@
               <a:buChar char="•"/>
             </a:pPr>
             <a:r>
-              <a:rPr lang="en-US" sz="2000" spc="-1" dirty="0">
+              <a:rPr lang="en-US" sz="1800" b="0" strike="noStrike" spc="-1" dirty="0">
                 <a:solidFill>
                   <a:srgbClr val="000000"/>
                 </a:solidFill>
-                <a:latin typeface="+mj-lt"/>
-              </a:rPr>
-              <a:t>Continue work on extensibility API and conformance rules </a:t>
-            </a:r>
-            <a:r>
-              <a:rPr lang="en-US" sz="2000" spc="-1" dirty="0">
-                <a:solidFill>
-                  <a:srgbClr val="000000"/>
-                </a:solidFill>
-                <a:latin typeface="+mj-lt"/>
-                <a:hlinkClick r:id="rId2"/>
-              </a:rPr>
-              <a:t>#837</a:t>
-            </a:r>
-            <a:endParaRPr lang="en-US" sz="2000" spc="-1" dirty="0">
+                <a:latin typeface="Gill Sans"/>
+                <a:ea typeface="Gill Sans"/>
+              </a:rPr>
+              <a:t>Thank-you for joining the Zowe 20PI4 Planning Session</a:t>
+            </a:r>
+            <a:endParaRPr lang="en-US" sz="1600" b="0" strike="noStrike" spc="-1" dirty="0">
               <a:solidFill>
                 <a:srgbClr val="000000"/>
               </a:solidFill>
-              <a:latin typeface="+mj-lt"/>
-            </a:endParaRPr>
-          </a:p>
-          <a:p>
-            <a:pPr marL="914400" lvl="1" indent="-355320">
-              <a:spcBef>
-                <a:spcPts val="400"/>
-              </a:spcBef>
-              <a:buClr>
-                <a:srgbClr val="000000"/>
-              </a:buClr>
-              <a:buFont typeface="Arial"/>
-              <a:buChar char="•"/>
-            </a:pPr>
-            <a:r>
-              <a:rPr lang="en-US" sz="2000" spc="-1" dirty="0">
-                <a:solidFill>
-                  <a:srgbClr val="000000"/>
-                </a:solidFill>
-                <a:latin typeface="+mj-lt"/>
-              </a:rPr>
-              <a:t>Refactor </a:t>
-            </a:r>
-            <a:r>
-              <a:rPr lang="en-US" sz="2000" spc="-1" dirty="0" err="1">
-                <a:solidFill>
-                  <a:srgbClr val="000000"/>
-                </a:solidFill>
-                <a:latin typeface="+mj-lt"/>
-              </a:rPr>
-              <a:t>api</a:t>
-            </a:r>
-            <a:r>
-              <a:rPr lang="en-US" sz="2000" spc="-1" dirty="0">
-                <a:solidFill>
-                  <a:srgbClr val="000000"/>
-                </a:solidFill>
-                <a:latin typeface="+mj-lt"/>
-              </a:rPr>
-              <a:t> code (profile loading, secure creds </a:t>
-            </a:r>
-            <a:r>
-              <a:rPr lang="en-US" sz="2000" spc="-1" dirty="0" err="1">
-                <a:solidFill>
-                  <a:srgbClr val="000000"/>
-                </a:solidFill>
-                <a:latin typeface="+mj-lt"/>
-              </a:rPr>
-              <a:t>init</a:t>
-            </a:r>
-            <a:r>
-              <a:rPr lang="en-US" sz="2000" spc="-1" dirty="0">
-                <a:solidFill>
-                  <a:srgbClr val="000000"/>
-                </a:solidFill>
-                <a:latin typeface="+mj-lt"/>
-              </a:rPr>
-              <a:t>, remove UI code) </a:t>
-            </a:r>
-          </a:p>
-          <a:p>
-            <a:pPr marL="914400" lvl="1" indent="-355320">
-              <a:spcBef>
-                <a:spcPts val="400"/>
-              </a:spcBef>
-              <a:buClr>
-                <a:srgbClr val="000000"/>
-              </a:buClr>
-              <a:buFont typeface="Arial"/>
-              <a:buChar char="•"/>
-            </a:pPr>
-            <a:r>
-              <a:rPr lang="en-US" sz="2000" spc="-1" dirty="0">
-                <a:solidFill>
-                  <a:srgbClr val="000000"/>
-                </a:solidFill>
-                <a:latin typeface="+mj-lt"/>
-              </a:rPr>
-              <a:t>API governance for </a:t>
-            </a:r>
-            <a:r>
-              <a:rPr lang="en-US" sz="2000" spc="-1" dirty="0" err="1">
-                <a:solidFill>
-                  <a:srgbClr val="000000"/>
-                </a:solidFill>
-                <a:latin typeface="+mj-lt"/>
-              </a:rPr>
-              <a:t>Zowe</a:t>
-            </a:r>
-            <a:r>
-              <a:rPr lang="en-US" sz="2000" spc="-1" dirty="0">
-                <a:solidFill>
-                  <a:srgbClr val="000000"/>
-                </a:solidFill>
-                <a:latin typeface="+mj-lt"/>
-              </a:rPr>
-              <a:t> committers (explore automation: e.g. search for the string “</a:t>
-            </a:r>
-            <a:r>
-              <a:rPr lang="en-US" sz="2000" spc="-1" dirty="0" err="1">
-                <a:solidFill>
-                  <a:srgbClr val="000000"/>
-                </a:solidFill>
-                <a:latin typeface="+mj-lt"/>
-              </a:rPr>
-              <a:t>zosmf</a:t>
-            </a:r>
-            <a:r>
-              <a:rPr lang="en-US" sz="2000" spc="-1" dirty="0">
-                <a:solidFill>
-                  <a:srgbClr val="000000"/>
-                </a:solidFill>
-                <a:latin typeface="+mj-lt"/>
-              </a:rPr>
-              <a:t>”, perhaps via </a:t>
-            </a:r>
-            <a:r>
-              <a:rPr lang="en-US" sz="2000" spc="-1" dirty="0" err="1">
-                <a:solidFill>
-                  <a:srgbClr val="000000"/>
-                </a:solidFill>
-                <a:latin typeface="+mj-lt"/>
-              </a:rPr>
-              <a:t>ESLint</a:t>
-            </a:r>
-            <a:r>
-              <a:rPr lang="en-US" sz="2000" spc="-1" dirty="0">
-                <a:solidFill>
-                  <a:srgbClr val="000000"/>
-                </a:solidFill>
-                <a:latin typeface="+mj-lt"/>
-              </a:rPr>
-              <a:t>)</a:t>
-            </a:r>
-          </a:p>
-          <a:p>
-            <a:pPr marL="457200" indent="-355320">
-              <a:spcBef>
-                <a:spcPts val="400"/>
-              </a:spcBef>
-              <a:buClr>
-                <a:srgbClr val="000000"/>
-              </a:buClr>
-              <a:buFont typeface="Arial"/>
-              <a:buChar char="•"/>
-            </a:pPr>
-            <a:r>
-              <a:rPr lang="en-US" sz="2000" spc="-1" dirty="0">
-                <a:solidFill>
-                  <a:srgbClr val="000000"/>
-                </a:solidFill>
-                <a:latin typeface="+mj-lt"/>
-              </a:rPr>
-              <a:t>Code formatting and </a:t>
-            </a:r>
-            <a:r>
-              <a:rPr lang="en-US" sz="2000" spc="-1" dirty="0" err="1">
-                <a:solidFill>
-                  <a:srgbClr val="000000"/>
-                </a:solidFill>
-                <a:latin typeface="+mj-lt"/>
-              </a:rPr>
-              <a:t>linting</a:t>
-            </a:r>
-            <a:r>
-              <a:rPr lang="en-US" sz="2000" spc="-1" dirty="0">
-                <a:solidFill>
-                  <a:srgbClr val="000000"/>
-                </a:solidFill>
-                <a:latin typeface="+mj-lt"/>
-              </a:rPr>
-              <a:t> </a:t>
-            </a:r>
-            <a:r>
-              <a:rPr lang="en-US" sz="2000" spc="-1" dirty="0">
-                <a:solidFill>
-                  <a:srgbClr val="000000"/>
-                </a:solidFill>
-                <a:latin typeface="+mj-lt"/>
-                <a:hlinkClick r:id="rId3"/>
-              </a:rPr>
-              <a:t>#438</a:t>
-            </a:r>
-            <a:endParaRPr lang="en-US" sz="2000" spc="-1" dirty="0">
-              <a:solidFill>
-                <a:srgbClr val="000000"/>
-              </a:solidFill>
-              <a:latin typeface="+mj-lt"/>
-            </a:endParaRPr>
-          </a:p>
-          <a:p>
-            <a:pPr marL="457200" indent="-355320">
-              <a:spcBef>
-                <a:spcPts val="400"/>
-              </a:spcBef>
-              <a:buClr>
-                <a:srgbClr val="000000"/>
-              </a:buClr>
-              <a:buFont typeface="Arial"/>
-              <a:buChar char="•"/>
-            </a:pPr>
-            <a:r>
-              <a:rPr lang="en-US" sz="2000" spc="-1" dirty="0">
-                <a:solidFill>
-                  <a:srgbClr val="000000"/>
-                </a:solidFill>
-                <a:latin typeface="+mj-lt"/>
-              </a:rPr>
-              <a:t>Ensure consistency for extenders</a:t>
-            </a:r>
-          </a:p>
-          <a:p>
-            <a:pPr marL="914400" lvl="1" indent="-355320">
-              <a:spcBef>
-                <a:spcPts val="400"/>
-              </a:spcBef>
-              <a:buClr>
-                <a:srgbClr val="000000"/>
-              </a:buClr>
-              <a:buFont typeface="Arial"/>
-              <a:buChar char="•"/>
-            </a:pPr>
-            <a:r>
-              <a:rPr lang="en-US" sz="2000" spc="-1" dirty="0">
-                <a:solidFill>
-                  <a:srgbClr val="000000"/>
-                </a:solidFill>
-                <a:latin typeface="+mj-lt"/>
-              </a:rPr>
-              <a:t>MVS functionality for FTP Package </a:t>
-            </a:r>
-            <a:r>
-              <a:rPr lang="en-US" sz="2000" spc="-1" dirty="0">
-                <a:solidFill>
-                  <a:srgbClr val="000000"/>
-                </a:solidFill>
-                <a:latin typeface="+mj-lt"/>
-                <a:hlinkClick r:id="rId4"/>
-              </a:rPr>
-              <a:t>#1027</a:t>
-            </a:r>
-            <a:endParaRPr lang="en-US" sz="2000" spc="-1" dirty="0">
-              <a:solidFill>
-                <a:srgbClr val="000000"/>
-              </a:solidFill>
-              <a:latin typeface="+mj-lt"/>
-            </a:endParaRPr>
-          </a:p>
-          <a:p>
-            <a:pPr marL="914400" lvl="1" indent="-355320">
-              <a:spcBef>
-                <a:spcPts val="400"/>
-              </a:spcBef>
-              <a:buClr>
-                <a:srgbClr val="000000"/>
-              </a:buClr>
-              <a:buFont typeface="Arial"/>
-              <a:buChar char="•"/>
-            </a:pPr>
-            <a:r>
-              <a:rPr lang="en-US" sz="2000" spc="-1" dirty="0">
-                <a:solidFill>
-                  <a:srgbClr val="000000"/>
-                </a:solidFill>
-                <a:latin typeface="+mj-lt"/>
-              </a:rPr>
-              <a:t>Test automation for FTP package </a:t>
-            </a:r>
-            <a:r>
-              <a:rPr lang="en-US" sz="2000" spc="-1" dirty="0">
-                <a:solidFill>
-                  <a:srgbClr val="000000"/>
-                </a:solidFill>
-                <a:latin typeface="+mj-lt"/>
-                <a:hlinkClick r:id="rId5"/>
-              </a:rPr>
-              <a:t>#1028</a:t>
-            </a:r>
-            <a:endParaRPr lang="en-US" sz="2000" b="0" strike="noStrike" spc="-1" dirty="0">
-              <a:solidFill>
-                <a:srgbClr val="000000"/>
-              </a:solidFill>
-              <a:latin typeface="+mj-lt"/>
+              <a:latin typeface="Arial"/>
             </a:endParaRPr>
           </a:p>
         </p:txBody>
@@ -21711,7 +24203,7 @@
     </p:spTree>
     <p:extLst>
       <p:ext uri="{BB962C8B-B14F-4D97-AF65-F5344CB8AC3E}">
-        <p14:creationId xmlns:p14="http://schemas.microsoft.com/office/powerpoint/2010/main" val="3345553095"/>
+        <p14:creationId xmlns:p14="http://schemas.microsoft.com/office/powerpoint/2010/main" val="3480756518"/>
       </p:ext>
     </p:extLst>
   </p:cSld>
@@ -22028,20 +24520,12 @@
               <a:buChar char="•"/>
             </a:pPr>
             <a:r>
-              <a:rPr lang="en-US" sz="2000" spc="-1" dirty="0" smtClean="0">
+              <a:rPr lang="en-US" sz="2000" spc="-1" dirty="0">
                 <a:solidFill>
                   <a:srgbClr val="000000"/>
                 </a:solidFill>
               </a:rPr>
-              <a:t>First </a:t>
-            </a:r>
-            <a:r>
-              <a:rPr lang="en-US" sz="2000" spc="-1" dirty="0">
-                <a:solidFill>
-                  <a:srgbClr val="000000"/>
-                </a:solidFill>
-              </a:rPr>
-              <a:t>profile not created as default (Impacts CLI users)</a:t>
+              <a:t>First profile not created as default (Impacts CLI users)</a:t>
             </a:r>
           </a:p>
           <a:p>
@@ -22142,16 +24626,7 @@
                 </a:solidFill>
                 <a:latin typeface="+mj-lt"/>
               </a:rPr>
-              <a:t>the </a:t>
-            </a:r>
-            <a:r>
-              <a:rPr lang="en-US" sz="2000" spc="-1" smtClean="0">
-                <a:solidFill>
-                  <a:srgbClr val="000000"/>
-                </a:solidFill>
-                <a:latin typeface="+mj-lt"/>
-              </a:rPr>
-              <a:t>parameters</a:t>
+              <a:t>the parameters</a:t>
             </a:r>
             <a:endParaRPr lang="en-US" sz="2000" spc="-1" dirty="0">
               <a:solidFill>

--- a/Project Management/PI Planning/20PI4 Planning/Zowe Community Squad Focus for 20PI4.pptx
+++ b/Project Management/PI Planning/20PI4 Planning/Zowe Community Squad Focus for 20PI4.pptx
@@ -14155,7 +14155,7 @@
               </a:spcBef>
             </a:pPr>
             <a:r>
-              <a:rPr lang="en-US" sz="2400" b="1" spc="-1" dirty="0">
+              <a:rPr lang="en-US" sz="2400" spc="-1" dirty="0">
                 <a:solidFill>
                   <a:srgbClr val="000000"/>
                 </a:solidFill>
@@ -14763,7 +14763,7 @@
               </a:spcBef>
             </a:pPr>
             <a:r>
-              <a:rPr lang="en-US" sz="2000" b="1" spc="-1" dirty="0">
+              <a:rPr lang="en-US" sz="2000" spc="-1" dirty="0">
                 <a:solidFill>
                   <a:srgbClr val="000000"/>
                 </a:solidFill>
@@ -14773,7 +14773,7 @@
               <a:t>Mark </a:t>
             </a:r>
             <a:r>
-              <a:rPr lang="en-US" sz="2000" b="1" spc="-1" dirty="0" err="1">
+              <a:rPr lang="en-US" sz="2000" spc="-1" dirty="0" err="1">
                 <a:solidFill>
                   <a:srgbClr val="000000"/>
                 </a:solidFill>
@@ -14783,7 +14783,7 @@
               <a:t>Ackert</a:t>
             </a:r>
             <a:r>
-              <a:rPr lang="en-US" sz="2000" b="1" spc="-1" dirty="0">
+              <a:rPr lang="en-US" sz="2000" spc="-1" dirty="0">
                 <a:solidFill>
                   <a:srgbClr val="000000"/>
                 </a:solidFill>
@@ -14793,7 +14793,7 @@
               <a:t>, Jack Jia, Robbie </a:t>
             </a:r>
             <a:r>
-              <a:rPr lang="en-US" sz="2000" b="1" spc="-1" dirty="0" err="1">
+              <a:rPr lang="en-US" sz="2000" spc="-1" dirty="0" err="1">
                 <a:solidFill>
                   <a:srgbClr val="000000"/>
                 </a:solidFill>
@@ -14802,7 +14802,7 @@
               </a:rPr>
               <a:t>Avill</a:t>
             </a:r>
-            <a:endParaRPr lang="en-US" sz="2000" b="0" strike="noStrike" spc="-1" dirty="0">
+            <a:endParaRPr lang="en-US" sz="2000" strike="noStrike" spc="-1" dirty="0">
               <a:solidFill>
                 <a:srgbClr val="000000"/>
               </a:solidFill>
@@ -17978,7 +17978,7 @@
               </a:spcBef>
             </a:pPr>
             <a:r>
-              <a:rPr lang="en-US" sz="2400" b="1" spc="-1" dirty="0">
+              <a:rPr lang="en-US" sz="2400" spc="-1" dirty="0">
                 <a:solidFill>
                   <a:srgbClr val="000000"/>
                 </a:solidFill>
@@ -17987,7 +17987,7 @@
               <a:t>Rose </a:t>
             </a:r>
             <a:r>
-              <a:rPr lang="en-US" sz="2400" b="1" spc="-1" dirty="0" err="1">
+              <a:rPr lang="en-US" sz="2400" spc="-1" dirty="0" err="1">
                 <a:solidFill>
                   <a:srgbClr val="000000"/>
                 </a:solidFill>
@@ -19714,7 +19714,7 @@
               <a:defRPr/>
             </a:pPr>
             <a:r>
-              <a:rPr kumimoji="0" lang="en-US" sz="2400" b="1" i="0" u="none" strike="noStrike" kern="1200" cap="none" spc="-1" normalizeH="0" baseline="0" noProof="0" dirty="0" err="1">
+              <a:rPr kumimoji="0" lang="en-US" sz="2400" i="0" u="none" strike="noStrike" kern="1200" cap="none" spc="-1" normalizeH="0" baseline="0" noProof="0" dirty="0" err="1">
                 <a:ln>
                   <a:noFill/>
                 </a:ln>
@@ -19730,7 +19730,7 @@
               <a:t>Ashle</a:t>
             </a:r>
             <a:r>
-              <a:rPr lang="en-US" sz="2400" b="1" spc="-1" dirty="0">
+              <a:rPr lang="en-US" sz="2400" spc="-1" dirty="0">
                 <a:solidFill>
                   <a:srgbClr val="000000"/>
                 </a:solidFill>
@@ -19739,7 +19739,7 @@
               </a:rPr>
               <a:t>y Li</a:t>
             </a:r>
-            <a:endParaRPr kumimoji="0" lang="en-US" sz="2000" b="0" i="0" u="none" strike="noStrike" kern="1200" cap="none" spc="-1" normalizeH="0" baseline="0" noProof="0" dirty="0">
+            <a:endParaRPr kumimoji="0" lang="en-US" sz="2000" i="0" u="none" strike="noStrike" kern="1200" cap="none" spc="-1" normalizeH="0" baseline="0" noProof="0" dirty="0">
               <a:ln>
                 <a:noFill/>
               </a:ln>
@@ -21811,7 +21811,7 @@
               </a:spcBef>
             </a:pPr>
             <a:r>
-              <a:rPr lang="en-US" b="1" spc="-1" dirty="0">
+              <a:rPr lang="en-US" spc="-1" dirty="0">
                 <a:solidFill>
                   <a:srgbClr val="000000"/>
                 </a:solidFill>
@@ -21832,7 +21832,7 @@
               </a:spcBef>
             </a:pPr>
             <a:r>
-              <a:rPr lang="en-US" b="1" spc="-1" dirty="0">
+              <a:rPr lang="en-US" spc="-1" dirty="0">
                 <a:solidFill>
                   <a:srgbClr val="000000"/>
                 </a:solidFill>
@@ -24757,7 +24757,7 @@
               </a:spcBef>
             </a:pPr>
             <a:r>
-              <a:rPr lang="en-US" sz="2000" b="1" strike="noStrike" spc="-1" dirty="0">
+              <a:rPr lang="en-US" sz="2000" strike="noStrike" spc="-1" dirty="0">
                 <a:solidFill>
                   <a:srgbClr val="000000"/>
                 </a:solidFill>
@@ -24766,7 +24766,7 @@
               </a:rPr>
               <a:t>Elliot Jalley</a:t>
             </a:r>
-            <a:endParaRPr lang="en-US" sz="2000" b="0" strike="noStrike" spc="-1" dirty="0">
+            <a:endParaRPr lang="en-US" sz="2000" strike="noStrike" spc="-1" dirty="0">
               <a:solidFill>
                 <a:srgbClr val="000000"/>
               </a:solidFill>
